--- a/Presentation/Service Bus Integration Patterns.pptx
+++ b/Presentation/Service Bus Integration Patterns.pptx
@@ -5,14 +5,15 @@
     <p:sldMasterId id="2147483660" r:id="rId1"/>
   </p:sldMasterIdLst>
   <p:notesMasterIdLst>
-    <p:notesMasterId r:id="rId7"/>
+    <p:notesMasterId r:id="rId8"/>
   </p:notesMasterIdLst>
   <p:sldIdLst>
     <p:sldId id="256" r:id="rId2"/>
     <p:sldId id="257" r:id="rId3"/>
     <p:sldId id="258" r:id="rId4"/>
-    <p:sldId id="259" r:id="rId5"/>
-    <p:sldId id="260" r:id="rId6"/>
+    <p:sldId id="261" r:id="rId5"/>
+    <p:sldId id="259" r:id="rId6"/>
+    <p:sldId id="260" r:id="rId7"/>
   </p:sldIdLst>
   <p:sldSz cx="9144000" cy="6858000" type="screen4x3"/>
   <p:notesSz cx="6858000" cy="9144000"/>
@@ -1021,10 +1022,10 @@
         <a:lstStyle/>
         <a:p>
           <a:r>
-            <a:rPr lang="en-US" sz="1200" dirty="0" smtClean="0"/>
+            <a:rPr lang="en-US" sz="1200" b="1" dirty="0" smtClean="0"/>
             <a:t>Solution</a:t>
           </a:r>
-          <a:endParaRPr lang="en-US" sz="1200" dirty="0"/>
+          <a:endParaRPr lang="en-US" sz="1200" b="1" dirty="0"/>
         </a:p>
       </dgm:t>
     </dgm:pt>
@@ -1095,10 +1096,10 @@
         <a:lstStyle/>
         <a:p>
           <a:r>
-            <a:rPr lang="en-US" sz="1200" dirty="0" smtClean="0"/>
+            <a:rPr lang="en-US" sz="1200" b="1" dirty="0" smtClean="0"/>
             <a:t>Mass Transit</a:t>
           </a:r>
-          <a:endParaRPr lang="en-US" sz="1200" dirty="0"/>
+          <a:endParaRPr lang="en-US" sz="1200" b="1" dirty="0"/>
         </a:p>
       </dgm:t>
     </dgm:pt>
@@ -1309,117 +1310,6 @@
         </a:p>
       </dgm:t>
     </dgm:pt>
-    <dgm:pt modelId="{B008874C-6850-4DB8-9A52-47736AFBBD2F}">
-      <dgm:prSet phldrT="[Text]" custT="1"/>
-      <dgm:spPr/>
-      <dgm:t>
-        <a:bodyPr/>
-        <a:lstStyle/>
-        <a:p>
-          <a:r>
-            <a:rPr lang="en-US" sz="1200" smtClean="0"/>
-            <a:t>Legacy System</a:t>
-          </a:r>
-          <a:endParaRPr lang="en-US" sz="1200" dirty="0"/>
-        </a:p>
-      </dgm:t>
-    </dgm:pt>
-    <dgm:pt modelId="{0A207CAE-D393-41C8-A722-8C3F4559429E}" type="parTrans" cxnId="{036685E9-96F8-4EF0-BE2F-14FE0753987F}">
-      <dgm:prSet/>
-      <dgm:spPr/>
-      <dgm:t>
-        <a:bodyPr/>
-        <a:lstStyle/>
-        <a:p>
-          <a:endParaRPr lang="en-US" sz="1200"/>
-        </a:p>
-      </dgm:t>
-    </dgm:pt>
-    <dgm:pt modelId="{B20FE35E-F966-4F77-8F63-F61E74DE6651}" type="sibTrans" cxnId="{036685E9-96F8-4EF0-BE2F-14FE0753987F}">
-      <dgm:prSet/>
-      <dgm:spPr/>
-      <dgm:t>
-        <a:bodyPr/>
-        <a:lstStyle/>
-        <a:p>
-          <a:endParaRPr lang="en-US" sz="1200"/>
-        </a:p>
-      </dgm:t>
-    </dgm:pt>
-    <dgm:pt modelId="{AD361763-335F-4114-AAD1-8C75B6CD8979}">
-      <dgm:prSet phldrT="[Text]" custT="1"/>
-      <dgm:spPr/>
-      <dgm:t>
-        <a:bodyPr/>
-        <a:lstStyle/>
-        <a:p>
-          <a:r>
-            <a:rPr lang="en-US" sz="1200" dirty="0" smtClean="0"/>
-            <a:t>Design</a:t>
-          </a:r>
-          <a:endParaRPr lang="en-US" sz="1200" dirty="0"/>
-        </a:p>
-      </dgm:t>
-    </dgm:pt>
-    <dgm:pt modelId="{1A3A30E8-CB14-4AF0-92EA-AB66CDDA1C48}" type="parTrans" cxnId="{17A0721F-8CE9-4A2F-BC7E-0C4E7F9C2CCC}">
-      <dgm:prSet/>
-      <dgm:spPr/>
-      <dgm:t>
-        <a:bodyPr/>
-        <a:lstStyle/>
-        <a:p>
-          <a:endParaRPr lang="en-US" sz="1200"/>
-        </a:p>
-      </dgm:t>
-    </dgm:pt>
-    <dgm:pt modelId="{4F7FA02E-BAE8-427C-82BE-C274B819E9F8}" type="sibTrans" cxnId="{17A0721F-8CE9-4A2F-BC7E-0C4E7F9C2CCC}">
-      <dgm:prSet/>
-      <dgm:spPr/>
-      <dgm:t>
-        <a:bodyPr/>
-        <a:lstStyle/>
-        <a:p>
-          <a:endParaRPr lang="en-US" sz="1200"/>
-        </a:p>
-      </dgm:t>
-    </dgm:pt>
-    <dgm:pt modelId="{9EFD2A83-D218-4A31-88EF-DD85D13DACBF}">
-      <dgm:prSet phldrT="[Text]" custT="1"/>
-      <dgm:spPr/>
-      <dgm:t>
-        <a:bodyPr/>
-        <a:lstStyle/>
-        <a:p>
-          <a:r>
-            <a:rPr lang="en-US" sz="1200" dirty="0" smtClean="0"/>
-            <a:t>Problems</a:t>
-          </a:r>
-          <a:endParaRPr lang="en-US" sz="1200" dirty="0"/>
-        </a:p>
-      </dgm:t>
-    </dgm:pt>
-    <dgm:pt modelId="{C17A7BA5-05CA-46E3-86BD-73C16416B433}" type="parTrans" cxnId="{2835E9B0-30CE-4579-959C-A14DF84FFD1A}">
-      <dgm:prSet/>
-      <dgm:spPr/>
-      <dgm:t>
-        <a:bodyPr/>
-        <a:lstStyle/>
-        <a:p>
-          <a:endParaRPr lang="en-US" sz="1200"/>
-        </a:p>
-      </dgm:t>
-    </dgm:pt>
-    <dgm:pt modelId="{4BA756D4-2ECC-42FC-9F08-D02025E48ABD}" type="sibTrans" cxnId="{2835E9B0-30CE-4579-959C-A14DF84FFD1A}">
-      <dgm:prSet/>
-      <dgm:spPr/>
-      <dgm:t>
-        <a:bodyPr/>
-        <a:lstStyle/>
-        <a:p>
-          <a:endParaRPr lang="en-US" sz="1200"/>
-        </a:p>
-      </dgm:t>
-    </dgm:pt>
     <dgm:pt modelId="{0D6B2243-C5F0-467E-BB31-43E53B0E003D}">
       <dgm:prSet phldrT="[Text]" custT="1"/>
       <dgm:spPr/>
@@ -1442,7 +1332,7 @@
         <a:bodyPr/>
         <a:lstStyle/>
         <a:p>
-          <a:endParaRPr lang="en-US"/>
+          <a:endParaRPr lang="en-US" sz="1200"/>
         </a:p>
       </dgm:t>
     </dgm:pt>
@@ -1453,7 +1343,7 @@
         <a:bodyPr/>
         <a:lstStyle/>
         <a:p>
-          <a:endParaRPr lang="en-US"/>
+          <a:endParaRPr lang="en-US" sz="1200"/>
         </a:p>
       </dgm:t>
     </dgm:pt>
@@ -1465,7 +1355,7 @@
         <a:lstStyle/>
         <a:p>
           <a:r>
-            <a:rPr lang="en-US" sz="1200" smtClean="0"/>
+            <a:rPr lang="en-US" sz="1200" dirty="0" smtClean="0"/>
             <a:t>Architecture</a:t>
           </a:r>
           <a:endParaRPr lang="en-US" sz="1200" dirty="0"/>
@@ -1479,7 +1369,7 @@
         <a:bodyPr/>
         <a:lstStyle/>
         <a:p>
-          <a:endParaRPr lang="en-US"/>
+          <a:endParaRPr lang="en-US" sz="1200"/>
         </a:p>
       </dgm:t>
     </dgm:pt>
@@ -1490,7 +1380,155 @@
         <a:bodyPr/>
         <a:lstStyle/>
         <a:p>
-          <a:endParaRPr lang="en-US"/>
+          <a:endParaRPr lang="en-US" sz="1200"/>
+        </a:p>
+      </dgm:t>
+    </dgm:pt>
+    <dgm:pt modelId="{AEF24AE9-0AB3-4763-A5DA-3018061F5588}">
+      <dgm:prSet phldrT="[Text]" custT="1"/>
+      <dgm:spPr/>
+      <dgm:t>
+        <a:bodyPr/>
+        <a:lstStyle/>
+        <a:p>
+          <a:r>
+            <a:rPr lang="en-US" sz="1200" dirty="0" smtClean="0"/>
+            <a:t>Availability</a:t>
+          </a:r>
+          <a:endParaRPr lang="en-US" sz="1200" dirty="0"/>
+        </a:p>
+      </dgm:t>
+    </dgm:pt>
+    <dgm:pt modelId="{7FADB0DA-D63D-45EB-BBFF-8EE9D5BAF632}" type="parTrans" cxnId="{9AACCA81-1E4D-4D70-B868-C4798071B132}">
+      <dgm:prSet/>
+      <dgm:spPr/>
+      <dgm:t>
+        <a:bodyPr/>
+        <a:lstStyle/>
+        <a:p>
+          <a:endParaRPr lang="en-US" sz="1200"/>
+        </a:p>
+      </dgm:t>
+    </dgm:pt>
+    <dgm:pt modelId="{6F723BFF-936F-4352-BB40-FDEDCC497E6D}" type="sibTrans" cxnId="{9AACCA81-1E4D-4D70-B868-C4798071B132}">
+      <dgm:prSet/>
+      <dgm:spPr/>
+      <dgm:t>
+        <a:bodyPr/>
+        <a:lstStyle/>
+        <a:p>
+          <a:endParaRPr lang="en-US" sz="1200"/>
+        </a:p>
+      </dgm:t>
+    </dgm:pt>
+    <dgm:pt modelId="{D957C335-3589-4AA0-920B-00DB91C683BF}">
+      <dgm:prSet phldrT="[Text]" custT="1"/>
+      <dgm:spPr/>
+      <dgm:t>
+        <a:bodyPr/>
+        <a:lstStyle/>
+        <a:p>
+          <a:r>
+            <a:rPr lang="en-US" sz="1200" b="1" dirty="0" smtClean="0"/>
+            <a:t>Legacy System</a:t>
+          </a:r>
+          <a:endParaRPr lang="en-US" sz="1200" b="1" dirty="0"/>
+        </a:p>
+      </dgm:t>
+    </dgm:pt>
+    <dgm:pt modelId="{C09C0A58-B08D-4AD8-92AE-2C0B81B850CB}" type="parTrans" cxnId="{5B94BBC2-A917-4F14-BBAF-71CDA57D6E46}">
+      <dgm:prSet/>
+      <dgm:spPr/>
+      <dgm:t>
+        <a:bodyPr/>
+        <a:lstStyle/>
+        <a:p>
+          <a:endParaRPr lang="en-US" sz="1200"/>
+        </a:p>
+      </dgm:t>
+    </dgm:pt>
+    <dgm:pt modelId="{BED980AE-90CC-4293-8282-401B45C67475}" type="sibTrans" cxnId="{5B94BBC2-A917-4F14-BBAF-71CDA57D6E46}">
+      <dgm:prSet/>
+      <dgm:spPr/>
+      <dgm:t>
+        <a:bodyPr/>
+        <a:lstStyle/>
+        <a:p>
+          <a:endParaRPr lang="en-US" sz="1200"/>
+        </a:p>
+      </dgm:t>
+    </dgm:pt>
+    <dgm:pt modelId="{75A8AF5E-E077-421B-9B83-1D16FC13CC3E}">
+      <dgm:prSet phldrT="[Text]" custT="1"/>
+      <dgm:spPr/>
+      <dgm:t>
+        <a:bodyPr/>
+        <a:lstStyle/>
+        <a:p>
+          <a:r>
+            <a:rPr lang="en-US" sz="1200" dirty="0" smtClean="0"/>
+            <a:t>Architecture</a:t>
+          </a:r>
+          <a:endParaRPr lang="en-US" sz="1200" dirty="0"/>
+        </a:p>
+      </dgm:t>
+    </dgm:pt>
+    <dgm:pt modelId="{6DC162DF-BB4B-4EED-8F82-97B9EA69275B}" type="parTrans" cxnId="{81DA24D7-97CE-438F-B852-BF9BF348C0B3}">
+      <dgm:prSet/>
+      <dgm:spPr/>
+      <dgm:t>
+        <a:bodyPr/>
+        <a:lstStyle/>
+        <a:p>
+          <a:endParaRPr lang="en-US" sz="1200"/>
+        </a:p>
+      </dgm:t>
+    </dgm:pt>
+    <dgm:pt modelId="{99D8C5BF-696F-4C46-B987-D4C950E716F2}" type="sibTrans" cxnId="{81DA24D7-97CE-438F-B852-BF9BF348C0B3}">
+      <dgm:prSet/>
+      <dgm:spPr/>
+      <dgm:t>
+        <a:bodyPr/>
+        <a:lstStyle/>
+        <a:p>
+          <a:endParaRPr lang="en-US" sz="1200"/>
+        </a:p>
+      </dgm:t>
+    </dgm:pt>
+    <dgm:pt modelId="{82B52429-3E42-43BB-8391-EEA5D69683A3}">
+      <dgm:prSet phldrT="[Text]" custT="1"/>
+      <dgm:spPr/>
+      <dgm:t>
+        <a:bodyPr/>
+        <a:lstStyle/>
+        <a:p>
+          <a:r>
+            <a:rPr lang="en-US" sz="1200" dirty="0" smtClean="0"/>
+            <a:t>Problems</a:t>
+          </a:r>
+          <a:endParaRPr lang="en-US" sz="1200" dirty="0"/>
+        </a:p>
+      </dgm:t>
+    </dgm:pt>
+    <dgm:pt modelId="{F1DE50FC-DC8F-4E5C-9D47-D6BA187B7FD3}" type="parTrans" cxnId="{B73A275F-7945-483C-8FE0-7D9EA16D1BBA}">
+      <dgm:prSet/>
+      <dgm:spPr/>
+      <dgm:t>
+        <a:bodyPr/>
+        <a:lstStyle/>
+        <a:p>
+          <a:endParaRPr lang="en-US" sz="1200"/>
+        </a:p>
+      </dgm:t>
+    </dgm:pt>
+    <dgm:pt modelId="{9C83342E-B54D-4BD5-A4BD-29FC60D70700}" type="sibTrans" cxnId="{B73A275F-7945-483C-8FE0-7D9EA16D1BBA}">
+      <dgm:prSet/>
+      <dgm:spPr/>
+      <dgm:t>
+        <a:bodyPr/>
+        <a:lstStyle/>
+        <a:p>
+          <a:endParaRPr lang="en-US" sz="1200"/>
         </a:p>
       </dgm:t>
     </dgm:pt>
@@ -1504,12 +1542,44 @@
       </dgm:prSet>
       <dgm:spPr/>
     </dgm:pt>
+    <dgm:pt modelId="{77F424D6-A675-4ED7-BDAE-10ED3676A257}" type="pres">
+      <dgm:prSet presAssocID="{D957C335-3589-4AA0-920B-00DB91C683BF}" presName="composite" presStyleCnt="0"/>
+      <dgm:spPr/>
+    </dgm:pt>
+    <dgm:pt modelId="{30D1CCFE-B9E2-495C-A14E-C264FE155CBE}" type="pres">
+      <dgm:prSet presAssocID="{D957C335-3589-4AA0-920B-00DB91C683BF}" presName="parentText" presStyleLbl="alignNode1" presStyleIdx="0" presStyleCnt="3">
+        <dgm:presLayoutVars>
+          <dgm:chMax val="1"/>
+          <dgm:bulletEnabled val="1"/>
+        </dgm:presLayoutVars>
+      </dgm:prSet>
+      <dgm:spPr/>
+      <dgm:t>
+        <a:bodyPr/>
+        <a:lstStyle/>
+        <a:p>
+          <a:endParaRPr lang="en-US"/>
+        </a:p>
+      </dgm:t>
+    </dgm:pt>
+    <dgm:pt modelId="{C4A35548-2E21-4AAA-AE63-C60FCAEA2D26}" type="pres">
+      <dgm:prSet presAssocID="{D957C335-3589-4AA0-920B-00DB91C683BF}" presName="descendantText" presStyleLbl="alignAcc1" presStyleIdx="0" presStyleCnt="3">
+        <dgm:presLayoutVars>
+          <dgm:bulletEnabled val="1"/>
+        </dgm:presLayoutVars>
+      </dgm:prSet>
+      <dgm:spPr/>
+    </dgm:pt>
+    <dgm:pt modelId="{791462D4-EFB4-4AF1-8803-0830A2D8F84A}" type="pres">
+      <dgm:prSet presAssocID="{BED980AE-90CC-4293-8282-401B45C67475}" presName="sp" presStyleCnt="0"/>
+      <dgm:spPr/>
+    </dgm:pt>
     <dgm:pt modelId="{5F24B2DB-06D6-4D24-AEBD-1EEDA5E2BDD2}" type="pres">
       <dgm:prSet presAssocID="{82A2100F-ACB1-4FB2-B588-2162CCE0A7EC}" presName="composite" presStyleCnt="0"/>
       <dgm:spPr/>
     </dgm:pt>
     <dgm:pt modelId="{8674861C-641D-4B44-BD65-87448F1A2F8A}" type="pres">
-      <dgm:prSet presAssocID="{82A2100F-ACB1-4FB2-B588-2162CCE0A7EC}" presName="parentText" presStyleLbl="alignNode1" presStyleIdx="0" presStyleCnt="3">
+      <dgm:prSet presAssocID="{82A2100F-ACB1-4FB2-B588-2162CCE0A7EC}" presName="parentText" presStyleLbl="alignNode1" presStyleIdx="1" presStyleCnt="3">
         <dgm:presLayoutVars>
           <dgm:chMax val="1"/>
           <dgm:bulletEnabled val="1"/>
@@ -1518,7 +1588,7 @@
       <dgm:spPr/>
     </dgm:pt>
     <dgm:pt modelId="{71D3D0C1-943C-4F07-851A-449A1ADF9B3C}" type="pres">
-      <dgm:prSet presAssocID="{82A2100F-ACB1-4FB2-B588-2162CCE0A7EC}" presName="descendantText" presStyleLbl="alignAcc1" presStyleIdx="0" presStyleCnt="3">
+      <dgm:prSet presAssocID="{82A2100F-ACB1-4FB2-B588-2162CCE0A7EC}" presName="descendantText" presStyleLbl="alignAcc1" presStyleIdx="1" presStyleCnt="3">
         <dgm:presLayoutVars>
           <dgm:bulletEnabled val="1"/>
         </dgm:presLayoutVars>
@@ -1534,38 +1604,6 @@
     </dgm:pt>
     <dgm:pt modelId="{BBF71740-8FAE-4FB8-AC1A-BCCED934E7C9}" type="pres">
       <dgm:prSet presAssocID="{7D54EAF5-9F72-4894-A745-4C7830259640}" presName="sp" presStyleCnt="0"/>
-      <dgm:spPr/>
-    </dgm:pt>
-    <dgm:pt modelId="{5C1E3600-B8AC-439A-8CDD-BCBE6AEBB8EF}" type="pres">
-      <dgm:prSet presAssocID="{B008874C-6850-4DB8-9A52-47736AFBBD2F}" presName="composite" presStyleCnt="0"/>
-      <dgm:spPr/>
-    </dgm:pt>
-    <dgm:pt modelId="{C32D80C9-C4E9-49C7-9B3D-47B9C714737E}" type="pres">
-      <dgm:prSet presAssocID="{B008874C-6850-4DB8-9A52-47736AFBBD2F}" presName="parentText" presStyleLbl="alignNode1" presStyleIdx="1" presStyleCnt="3">
-        <dgm:presLayoutVars>
-          <dgm:chMax val="1"/>
-          <dgm:bulletEnabled val="1"/>
-        </dgm:presLayoutVars>
-      </dgm:prSet>
-      <dgm:spPr/>
-    </dgm:pt>
-    <dgm:pt modelId="{54C43C46-2C7A-4232-B531-62D476FA0223}" type="pres">
-      <dgm:prSet presAssocID="{B008874C-6850-4DB8-9A52-47736AFBBD2F}" presName="descendantText" presStyleLbl="alignAcc1" presStyleIdx="1" presStyleCnt="3">
-        <dgm:presLayoutVars>
-          <dgm:bulletEnabled val="1"/>
-        </dgm:presLayoutVars>
-      </dgm:prSet>
-      <dgm:spPr/>
-      <dgm:t>
-        <a:bodyPr/>
-        <a:lstStyle/>
-        <a:p>
-          <a:endParaRPr lang="en-US"/>
-        </a:p>
-      </dgm:t>
-    </dgm:pt>
-    <dgm:pt modelId="{DEB29485-42BC-43AA-9864-A9CE106D8AF0}" type="pres">
-      <dgm:prSet presAssocID="{B20FE35E-F966-4F77-8F63-F61E74DE6651}" presName="sp" presStyleCnt="0"/>
       <dgm:spPr/>
     </dgm:pt>
     <dgm:pt modelId="{7C660FAE-A321-4367-856C-817AC7C5CC80}" type="pres">
@@ -1609,37 +1647,39 @@
     <dgm:cxn modelId="{236F0FB2-695E-473F-8749-D2910A11D1DE}" type="presOf" srcId="{319E2ED7-DAC0-475E-B7F4-31BD7A5B9166}" destId="{839CC9F4-E7D6-485F-85CD-EC9B7273AD54}" srcOrd="0" destOrd="0" presId="urn:microsoft.com/office/officeart/2005/8/layout/chevron2"/>
     <dgm:cxn modelId="{84E9938B-3CA2-47EC-865D-AB3EB24F5CEF}" srcId="{AC62F493-CDC1-4D34-9615-782F8A2EC453}" destId="{5155967F-FA0A-4587-9DF5-C229C7C1341C}" srcOrd="1" destOrd="0" parTransId="{73AB8B54-034E-4BC5-8111-248E92063304}" sibTransId="{01368EB3-46CD-4698-96C7-5F60B9A29451}"/>
     <dgm:cxn modelId="{464377FE-4471-4F2F-9693-2AB3DFDA8917}" srcId="{82A2100F-ACB1-4FB2-B588-2162CCE0A7EC}" destId="{0D6B2243-C5F0-467E-BB31-43E53B0E003D}" srcOrd="3" destOrd="0" parTransId="{0208BA7B-5939-4D0E-B6E6-60EF2975A18F}" sibTransId="{D623DC6C-F002-4F00-8DB9-27224B886B3D}"/>
+    <dgm:cxn modelId="{D3ABFCD0-354F-4D9A-9F0C-4B9AAB7DD4B8}" type="presOf" srcId="{75A8AF5E-E077-421B-9B83-1D16FC13CC3E}" destId="{C4A35548-2E21-4AAA-AE63-C60FCAEA2D26}" srcOrd="0" destOrd="0" presId="urn:microsoft.com/office/officeart/2005/8/layout/chevron2"/>
     <dgm:cxn modelId="{88B93222-D1A0-4DF9-8D43-B8869B4B75CF}" srcId="{82A2100F-ACB1-4FB2-B588-2162CCE0A7EC}" destId="{32CD013A-BBDE-4991-A603-032E134C152E}" srcOrd="1" destOrd="0" parTransId="{75E62211-6286-4AEB-8221-9E0AE1E31A07}" sibTransId="{39BB5B61-3306-4EBD-94B4-66D494B31834}"/>
     <dgm:cxn modelId="{19D9697A-0A0E-4C75-8A31-FDD5D1FA04E0}" srcId="{AC62F493-CDC1-4D34-9615-782F8A2EC453}" destId="{D3B228FB-1135-4D34-B378-4E75EFDAC51D}" srcOrd="0" destOrd="0" parTransId="{C2B3747A-EF36-4A3B-A5F2-72991B72834B}" sibTransId="{8F929D1B-961A-46AF-9542-68CA108D7D54}"/>
+    <dgm:cxn modelId="{19DF7B0B-DAB6-469D-AF09-E2BBF4267F49}" type="presOf" srcId="{AEF24AE9-0AB3-4763-A5DA-3018061F5588}" destId="{CFC34C5D-362C-4F86-88A4-FBF87B2C7427}" srcOrd="0" destOrd="3" presId="urn:microsoft.com/office/officeart/2005/8/layout/chevron2"/>
     <dgm:cxn modelId="{C1F94BDE-4A9C-4F43-8E28-AA89E109CBB5}" type="presOf" srcId="{08471830-FB56-47BF-8120-388DF827F600}" destId="{71D3D0C1-943C-4F07-851A-449A1ADF9B3C}" srcOrd="0" destOrd="2" presId="urn:microsoft.com/office/officeart/2005/8/layout/chevron2"/>
     <dgm:cxn modelId="{00EB73C6-3193-4443-851A-936E32877ADD}" type="presOf" srcId="{C50BEBBB-54F1-4503-8F3F-372EE468F041}" destId="{CFC34C5D-362C-4F86-88A4-FBF87B2C7427}" srcOrd="0" destOrd="2" presId="urn:microsoft.com/office/officeart/2005/8/layout/chevron2"/>
     <dgm:cxn modelId="{2EE161C4-F368-49DA-9263-5565E17AC390}" srcId="{82A2100F-ACB1-4FB2-B588-2162CCE0A7EC}" destId="{F62940DA-37A4-4D07-ACF2-0CEA7AC91757}" srcOrd="0" destOrd="0" parTransId="{4125334E-F82D-4AB7-9A28-90E8DCDE2637}" sibTransId="{62D9652E-9BE8-4476-A4C5-58D32663BA67}"/>
-    <dgm:cxn modelId="{17A0721F-8CE9-4A2F-BC7E-0C4E7F9C2CCC}" srcId="{B008874C-6850-4DB8-9A52-47736AFBBD2F}" destId="{AD361763-335F-4114-AAD1-8C75B6CD8979}" srcOrd="0" destOrd="0" parTransId="{1A3A30E8-CB14-4AF0-92EA-AB66CDDA1C48}" sibTransId="{4F7FA02E-BAE8-427C-82BE-C274B819E9F8}"/>
-    <dgm:cxn modelId="{036685E9-96F8-4EF0-BE2F-14FE0753987F}" srcId="{319E2ED7-DAC0-475E-B7F4-31BD7A5B9166}" destId="{B008874C-6850-4DB8-9A52-47736AFBBD2F}" srcOrd="1" destOrd="0" parTransId="{0A207CAE-D393-41C8-A722-8C3F4559429E}" sibTransId="{B20FE35E-F966-4F77-8F63-F61E74DE6651}"/>
+    <dgm:cxn modelId="{5B94BBC2-A917-4F14-BBAF-71CDA57D6E46}" srcId="{319E2ED7-DAC0-475E-B7F4-31BD7A5B9166}" destId="{D957C335-3589-4AA0-920B-00DB91C683BF}" srcOrd="0" destOrd="0" parTransId="{C09C0A58-B08D-4AD8-92AE-2C0B81B850CB}" sibTransId="{BED980AE-90CC-4293-8282-401B45C67475}"/>
+    <dgm:cxn modelId="{986B3B8B-DE94-4ECB-8BEB-53DE5AD5C2FF}" type="presOf" srcId="{82B52429-3E42-43BB-8391-EEA5D69683A3}" destId="{C4A35548-2E21-4AAA-AE63-C60FCAEA2D26}" srcOrd="0" destOrd="1" presId="urn:microsoft.com/office/officeart/2005/8/layout/chevron2"/>
     <dgm:cxn modelId="{5A3CCCB0-5C1A-40F0-81AD-EAF17766D25C}" type="presOf" srcId="{82A2100F-ACB1-4FB2-B588-2162CCE0A7EC}" destId="{8674861C-641D-4B44-BD65-87448F1A2F8A}" srcOrd="0" destOrd="0" presId="urn:microsoft.com/office/officeart/2005/8/layout/chevron2"/>
     <dgm:cxn modelId="{47B03B05-419C-4EC6-96AF-A7685A8981D5}" type="presOf" srcId="{F62940DA-37A4-4D07-ACF2-0CEA7AC91757}" destId="{71D3D0C1-943C-4F07-851A-449A1ADF9B3C}" srcOrd="0" destOrd="0" presId="urn:microsoft.com/office/officeart/2005/8/layout/chevron2"/>
-    <dgm:cxn modelId="{2835E9B0-30CE-4579-959C-A14DF84FFD1A}" srcId="{B008874C-6850-4DB8-9A52-47736AFBBD2F}" destId="{9EFD2A83-D218-4A31-88EF-DD85D13DACBF}" srcOrd="1" destOrd="0" parTransId="{C17A7BA5-05CA-46E3-86BD-73C16416B433}" sibTransId="{4BA756D4-2ECC-42FC-9F08-D02025E48ABD}"/>
+    <dgm:cxn modelId="{F5F196BB-E062-4666-ADBF-28AB8EB88591}" type="presOf" srcId="{D957C335-3589-4AA0-920B-00DB91C683BF}" destId="{30D1CCFE-B9E2-495C-A14E-C264FE155CBE}" srcOrd="0" destOrd="0" presId="urn:microsoft.com/office/officeart/2005/8/layout/chevron2"/>
     <dgm:cxn modelId="{15854B30-8AE7-468A-A4F9-0BD7B64E0B5F}" srcId="{319E2ED7-DAC0-475E-B7F4-31BD7A5B9166}" destId="{AC62F493-CDC1-4D34-9615-782F8A2EC453}" srcOrd="2" destOrd="0" parTransId="{34AD31BE-5FB2-4D11-AA64-1D0D7647C0A3}" sibTransId="{B2AF5689-8D5E-4357-BB39-A0DC8FC6B568}"/>
     <dgm:cxn modelId="{AB9DB3A5-5590-4E9C-9842-5405E6CF13F0}" type="presOf" srcId="{6745F2E8-67DC-4335-8E1C-679A2BFBCEFE}" destId="{71D3D0C1-943C-4F07-851A-449A1ADF9B3C}" srcOrd="0" destOrd="4" presId="urn:microsoft.com/office/officeart/2005/8/layout/chevron2"/>
-    <dgm:cxn modelId="{8EF1C1E0-8D35-4BDF-AD65-B3F6853CDA32}" type="presOf" srcId="{B008874C-6850-4DB8-9A52-47736AFBBD2F}" destId="{C32D80C9-C4E9-49C7-9B3D-47B9C714737E}" srcOrd="0" destOrd="0" presId="urn:microsoft.com/office/officeart/2005/8/layout/chevron2"/>
-    <dgm:cxn modelId="{621280FF-1CC9-45C5-8971-C8CDCC6BB3D9}" type="presOf" srcId="{AD361763-335F-4114-AAD1-8C75B6CD8979}" destId="{54C43C46-2C7A-4232-B531-62D476FA0223}" srcOrd="0" destOrd="0" presId="urn:microsoft.com/office/officeart/2005/8/layout/chevron2"/>
-    <dgm:cxn modelId="{8975000D-5332-4E11-8E93-94B7C8D069DB}" type="presOf" srcId="{9EFD2A83-D218-4A31-88EF-DD85D13DACBF}" destId="{54C43C46-2C7A-4232-B531-62D476FA0223}" srcOrd="0" destOrd="1" presId="urn:microsoft.com/office/officeart/2005/8/layout/chevron2"/>
     <dgm:cxn modelId="{7DEDA27B-8691-40F9-A0E3-7054F1FF0C3E}" type="presOf" srcId="{32CD013A-BBDE-4991-A603-032E134C152E}" destId="{71D3D0C1-943C-4F07-851A-449A1ADF9B3C}" srcOrd="0" destOrd="1" presId="urn:microsoft.com/office/officeart/2005/8/layout/chevron2"/>
     <dgm:cxn modelId="{424AEB46-983D-42EE-BDAC-A0B59FF39508}" type="presOf" srcId="{5155967F-FA0A-4587-9DF5-C229C7C1341C}" destId="{CFC34C5D-362C-4F86-88A4-FBF87B2C7427}" srcOrd="0" destOrd="1" presId="urn:microsoft.com/office/officeart/2005/8/layout/chevron2"/>
-    <dgm:cxn modelId="{7984A512-A146-4663-A47E-6ADCB4FA6DF7}" srcId="{319E2ED7-DAC0-475E-B7F4-31BD7A5B9166}" destId="{82A2100F-ACB1-4FB2-B588-2162CCE0A7EC}" srcOrd="0" destOrd="0" parTransId="{D4ED4BAD-3900-46F1-AF51-98F72F7DCE07}" sibTransId="{7D54EAF5-9F72-4894-A745-4C7830259640}"/>
+    <dgm:cxn modelId="{B73A275F-7945-483C-8FE0-7D9EA16D1BBA}" srcId="{D957C335-3589-4AA0-920B-00DB91C683BF}" destId="{82B52429-3E42-43BB-8391-EEA5D69683A3}" srcOrd="1" destOrd="0" parTransId="{F1DE50FC-DC8F-4E5C-9D47-D6BA187B7FD3}" sibTransId="{9C83342E-B54D-4BD5-A4BD-29FC60D70700}"/>
+    <dgm:cxn modelId="{7984A512-A146-4663-A47E-6ADCB4FA6DF7}" srcId="{319E2ED7-DAC0-475E-B7F4-31BD7A5B9166}" destId="{82A2100F-ACB1-4FB2-B588-2162CCE0A7EC}" srcOrd="1" destOrd="0" parTransId="{D4ED4BAD-3900-46F1-AF51-98F72F7DCE07}" sibTransId="{7D54EAF5-9F72-4894-A745-4C7830259640}"/>
+    <dgm:cxn modelId="{81DA24D7-97CE-438F-B852-BF9BF348C0B3}" srcId="{D957C335-3589-4AA0-920B-00DB91C683BF}" destId="{75A8AF5E-E077-421B-9B83-1D16FC13CC3E}" srcOrd="0" destOrd="0" parTransId="{6DC162DF-BB4B-4EED-8F82-97B9EA69275B}" sibTransId="{99D8C5BF-696F-4C46-B987-D4C950E716F2}"/>
     <dgm:cxn modelId="{A3BC6206-2066-4E27-BD72-A0F5854040D6}" srcId="{AC62F493-CDC1-4D34-9615-782F8A2EC453}" destId="{C50BEBBB-54F1-4503-8F3F-372EE468F041}" srcOrd="2" destOrd="0" parTransId="{DF3E6CEC-D113-4C00-B57E-38DB41CA9A70}" sibTransId="{A80EE40A-C922-4480-97CC-43A959177CB1}"/>
+    <dgm:cxn modelId="{9AACCA81-1E4D-4D70-B868-C4798071B132}" srcId="{AC62F493-CDC1-4D34-9615-782F8A2EC453}" destId="{AEF24AE9-0AB3-4763-A5DA-3018061F5588}" srcOrd="3" destOrd="0" parTransId="{7FADB0DA-D63D-45EB-BBFF-8EE9D5BAF632}" sibTransId="{6F723BFF-936F-4352-BB40-FDEDCC497E6D}"/>
     <dgm:cxn modelId="{937E19B7-67CE-431E-AD3C-02EC700B10A8}" srcId="{82A2100F-ACB1-4FB2-B588-2162CCE0A7EC}" destId="{6745F2E8-67DC-4335-8E1C-679A2BFBCEFE}" srcOrd="4" destOrd="0" parTransId="{94CEB101-BF41-42F2-B6D5-387205ED63AB}" sibTransId="{90453888-4146-41D3-A757-3D9733F25949}"/>
     <dgm:cxn modelId="{4EF8FF02-E84E-4A2A-BE64-590744BB1ECC}" srcId="{82A2100F-ACB1-4FB2-B588-2162CCE0A7EC}" destId="{08471830-FB56-47BF-8120-388DF827F600}" srcOrd="2" destOrd="0" parTransId="{81E2EC31-99EB-46A4-96E2-0EAFE8119909}" sibTransId="{30669AC3-1C30-4302-8714-BAE75147CD7B}"/>
     <dgm:cxn modelId="{CEBFAF0A-185F-452E-BD3A-98AB58E15D2D}" type="presOf" srcId="{0D6B2243-C5F0-467E-BB31-43E53B0E003D}" destId="{71D3D0C1-943C-4F07-851A-449A1ADF9B3C}" srcOrd="0" destOrd="3" presId="urn:microsoft.com/office/officeart/2005/8/layout/chevron2"/>
     <dgm:cxn modelId="{7D0235AC-8540-44A3-BCFB-96307951F434}" type="presOf" srcId="{D3B228FB-1135-4D34-B378-4E75EFDAC51D}" destId="{CFC34C5D-362C-4F86-88A4-FBF87B2C7427}" srcOrd="0" destOrd="0" presId="urn:microsoft.com/office/officeart/2005/8/layout/chevron2"/>
-    <dgm:cxn modelId="{45EF8EA7-EBB6-4523-9CAC-BAE460C863C4}" type="presParOf" srcId="{839CC9F4-E7D6-485F-85CD-EC9B7273AD54}" destId="{5F24B2DB-06D6-4D24-AEBD-1EEDA5E2BDD2}" srcOrd="0" destOrd="0" presId="urn:microsoft.com/office/officeart/2005/8/layout/chevron2"/>
+    <dgm:cxn modelId="{0BC5C6DE-C656-4E47-BA61-591C575E6077}" type="presParOf" srcId="{839CC9F4-E7D6-485F-85CD-EC9B7273AD54}" destId="{77F424D6-A675-4ED7-BDAE-10ED3676A257}" srcOrd="0" destOrd="0" presId="urn:microsoft.com/office/officeart/2005/8/layout/chevron2"/>
+    <dgm:cxn modelId="{9101EB04-1918-4C7A-85FD-8E7CA447E70D}" type="presParOf" srcId="{77F424D6-A675-4ED7-BDAE-10ED3676A257}" destId="{30D1CCFE-B9E2-495C-A14E-C264FE155CBE}" srcOrd="0" destOrd="0" presId="urn:microsoft.com/office/officeart/2005/8/layout/chevron2"/>
+    <dgm:cxn modelId="{69A24B12-64A0-4D47-B49B-A6AA6EB7AB85}" type="presParOf" srcId="{77F424D6-A675-4ED7-BDAE-10ED3676A257}" destId="{C4A35548-2E21-4AAA-AE63-C60FCAEA2D26}" srcOrd="1" destOrd="0" presId="urn:microsoft.com/office/officeart/2005/8/layout/chevron2"/>
+    <dgm:cxn modelId="{6EB71CE1-E573-43A6-AAC9-21BE06950F3E}" type="presParOf" srcId="{839CC9F4-E7D6-485F-85CD-EC9B7273AD54}" destId="{791462D4-EFB4-4AF1-8803-0830A2D8F84A}" srcOrd="1" destOrd="0" presId="urn:microsoft.com/office/officeart/2005/8/layout/chevron2"/>
+    <dgm:cxn modelId="{45EF8EA7-EBB6-4523-9CAC-BAE460C863C4}" type="presParOf" srcId="{839CC9F4-E7D6-485F-85CD-EC9B7273AD54}" destId="{5F24B2DB-06D6-4D24-AEBD-1EEDA5E2BDD2}" srcOrd="2" destOrd="0" presId="urn:microsoft.com/office/officeart/2005/8/layout/chevron2"/>
     <dgm:cxn modelId="{DD227752-0056-4E21-8080-B678BAFB5982}" type="presParOf" srcId="{5F24B2DB-06D6-4D24-AEBD-1EEDA5E2BDD2}" destId="{8674861C-641D-4B44-BD65-87448F1A2F8A}" srcOrd="0" destOrd="0" presId="urn:microsoft.com/office/officeart/2005/8/layout/chevron2"/>
     <dgm:cxn modelId="{734D835C-C8B6-4B6E-87BD-85CB154C2FF7}" type="presParOf" srcId="{5F24B2DB-06D6-4D24-AEBD-1EEDA5E2BDD2}" destId="{71D3D0C1-943C-4F07-851A-449A1ADF9B3C}" srcOrd="1" destOrd="0" presId="urn:microsoft.com/office/officeart/2005/8/layout/chevron2"/>
-    <dgm:cxn modelId="{3954B36C-873E-4F80-9AFB-09E56A509F53}" type="presParOf" srcId="{839CC9F4-E7D6-485F-85CD-EC9B7273AD54}" destId="{BBF71740-8FAE-4FB8-AC1A-BCCED934E7C9}" srcOrd="1" destOrd="0" presId="urn:microsoft.com/office/officeart/2005/8/layout/chevron2"/>
-    <dgm:cxn modelId="{673FCD50-E02B-4E43-8622-9617BE6F02BE}" type="presParOf" srcId="{839CC9F4-E7D6-485F-85CD-EC9B7273AD54}" destId="{5C1E3600-B8AC-439A-8CDD-BCBE6AEBB8EF}" srcOrd="2" destOrd="0" presId="urn:microsoft.com/office/officeart/2005/8/layout/chevron2"/>
-    <dgm:cxn modelId="{D59CA75D-960C-48DF-943B-B4B57CB6EBAA}" type="presParOf" srcId="{5C1E3600-B8AC-439A-8CDD-BCBE6AEBB8EF}" destId="{C32D80C9-C4E9-49C7-9B3D-47B9C714737E}" srcOrd="0" destOrd="0" presId="urn:microsoft.com/office/officeart/2005/8/layout/chevron2"/>
-    <dgm:cxn modelId="{9E73DC0F-7DC7-429E-9C4E-15C88D6CE5A1}" type="presParOf" srcId="{5C1E3600-B8AC-439A-8CDD-BCBE6AEBB8EF}" destId="{54C43C46-2C7A-4232-B531-62D476FA0223}" srcOrd="1" destOrd="0" presId="urn:microsoft.com/office/officeart/2005/8/layout/chevron2"/>
-    <dgm:cxn modelId="{6F4300D7-67B5-4DA2-9CC5-F06DCA9DB825}" type="presParOf" srcId="{839CC9F4-E7D6-485F-85CD-EC9B7273AD54}" destId="{DEB29485-42BC-43AA-9864-A9CE106D8AF0}" srcOrd="3" destOrd="0" presId="urn:microsoft.com/office/officeart/2005/8/layout/chevron2"/>
+    <dgm:cxn modelId="{3954B36C-873E-4F80-9AFB-09E56A509F53}" type="presParOf" srcId="{839CC9F4-E7D6-485F-85CD-EC9B7273AD54}" destId="{BBF71740-8FAE-4FB8-AC1A-BCCED934E7C9}" srcOrd="3" destOrd="0" presId="urn:microsoft.com/office/officeart/2005/8/layout/chevron2"/>
     <dgm:cxn modelId="{A8A54203-99CB-480A-9E67-D0F9131AF887}" type="presParOf" srcId="{839CC9F4-E7D6-485F-85CD-EC9B7273AD54}" destId="{7C660FAE-A321-4367-856C-817AC7C5CC80}" srcOrd="4" destOrd="0" presId="urn:microsoft.com/office/officeart/2005/8/layout/chevron2"/>
     <dgm:cxn modelId="{69225D48-7B87-4ADF-90AD-9A4BD9F68B48}" type="presParOf" srcId="{7C660FAE-A321-4367-856C-817AC7C5CC80}" destId="{1EF1D0A2-CEB4-4E60-AB0F-BCD66F169E2A}" srcOrd="0" destOrd="0" presId="urn:microsoft.com/office/officeart/2005/8/layout/chevron2"/>
     <dgm:cxn modelId="{6F844F5F-6293-4EB3-9718-6BF78B10A32A}" type="presParOf" srcId="{7C660FAE-A321-4367-856C-817AC7C5CC80}" destId="{CFC34C5D-362C-4F86-88A4-FBF87B2C7427}" srcOrd="1" destOrd="0" presId="urn:microsoft.com/office/officeart/2005/8/layout/chevron2"/>
@@ -1662,7 +1702,7 @@
       <dsp:cNvGrpSpPr/>
     </dsp:nvGrpSpPr>
     <dsp:grpSpPr/>
-    <dsp:sp modelId="{8674861C-641D-4B44-BD65-87448F1A2F8A}">
+    <dsp:sp modelId="{30D1CCFE-B9E2-495C-A14E-C264FE155CBE}">
       <dsp:nvSpPr>
         <dsp:cNvPr id="0" name=""/>
         <dsp:cNvSpPr/>
@@ -1763,10 +1803,10 @@
             </a:spcAft>
           </a:pPr>
           <a:r>
-            <a:rPr lang="en-US" sz="1200" kern="1200" dirty="0" smtClean="0"/>
-            <a:t>Mass Transit</a:t>
+            <a:rPr lang="en-US" sz="1200" b="1" kern="1200" dirty="0" smtClean="0"/>
+            <a:t>Legacy System</a:t>
           </a:r>
-          <a:endParaRPr lang="en-US" sz="1200" kern="1200" dirty="0"/>
+          <a:endParaRPr lang="en-US" sz="1200" b="1" kern="1200" dirty="0"/>
         </a:p>
       </dsp:txBody>
       <dsp:txXfrm rot="-5400000">
@@ -1774,7 +1814,7 @@
         <a:ext cx="1165235" cy="499387"/>
       </dsp:txXfrm>
     </dsp:sp>
-    <dsp:sp modelId="{71D3D0C1-943C-4F07-851A-449A1ADF9B3C}">
+    <dsp:sp modelId="{C4A35548-2E21-4AAA-AE63-C60FCAEA2D26}">
       <dsp:nvSpPr>
         <dsp:cNvPr id="0" name=""/>
         <dsp:cNvSpPr/>
@@ -1804,6 +1844,216 @@
               <a:satOff val="0"/>
               <a:lumOff val="0"/>
               <a:alphaOff val="0"/>
+            </a:schemeClr>
+          </a:solidFill>
+          <a:prstDash val="solid"/>
+          <a:miter lim="800000"/>
+        </a:ln>
+        <a:effectLst/>
+      </dsp:spPr>
+      <dsp:style>
+        <a:lnRef idx="1">
+          <a:scrgbClr r="0" g="0" b="0"/>
+        </a:lnRef>
+        <a:fillRef idx="1">
+          <a:scrgbClr r="0" g="0" b="0"/>
+        </a:fillRef>
+        <a:effectRef idx="0">
+          <a:scrgbClr r="0" g="0" b="0"/>
+        </a:effectRef>
+        <a:fontRef idx="minor"/>
+      </dsp:style>
+      <dsp:txBody>
+        <a:bodyPr spcFirstLastPara="0" vert="horz" wrap="square" lIns="85344" tIns="7620" rIns="7620" bIns="7620" numCol="1" spcCol="1270" anchor="ctr" anchorCtr="0">
+          <a:noAutofit/>
+        </a:bodyPr>
+        <a:lstStyle/>
+        <a:p>
+          <a:pPr marL="114300" lvl="1" indent="-114300" algn="l" defTabSz="533400">
+            <a:lnSpc>
+              <a:spcPct val="90000"/>
+            </a:lnSpc>
+            <a:spcBef>
+              <a:spcPct val="0"/>
+            </a:spcBef>
+            <a:spcAft>
+              <a:spcPct val="15000"/>
+            </a:spcAft>
+            <a:buChar char="••"/>
+          </a:pPr>
+          <a:r>
+            <a:rPr lang="en-US" sz="1200" kern="1200" dirty="0" smtClean="0"/>
+            <a:t>Architecture</a:t>
+          </a:r>
+          <a:endParaRPr lang="en-US" sz="1200" kern="1200" dirty="0"/>
+        </a:p>
+        <a:p>
+          <a:pPr marL="114300" lvl="1" indent="-114300" algn="l" defTabSz="533400">
+            <a:lnSpc>
+              <a:spcPct val="90000"/>
+            </a:lnSpc>
+            <a:spcBef>
+              <a:spcPct val="0"/>
+            </a:spcBef>
+            <a:spcAft>
+              <a:spcPct val="15000"/>
+            </a:spcAft>
+            <a:buChar char="••"/>
+          </a:pPr>
+          <a:r>
+            <a:rPr lang="en-US" sz="1200" kern="1200" dirty="0" smtClean="0"/>
+            <a:t>Problems</a:t>
+          </a:r>
+          <a:endParaRPr lang="en-US" sz="1200" kern="1200" dirty="0"/>
+        </a:p>
+      </dsp:txBody>
+      <dsp:txXfrm rot="-5400000">
+        <a:off x="1165236" y="55775"/>
+        <a:ext cx="3329232" cy="976366"/>
+      </dsp:txXfrm>
+    </dsp:sp>
+    <dsp:sp modelId="{8674861C-641D-4B44-BD65-87448F1A2F8A}">
+      <dsp:nvSpPr>
+        <dsp:cNvPr id="0" name=""/>
+        <dsp:cNvSpPr/>
+      </dsp:nvSpPr>
+      <dsp:spPr>
+        <a:xfrm rot="5400000">
+          <a:off x="-249693" y="1723977"/>
+          <a:ext cx="1664622" cy="1165235"/>
+        </a:xfrm>
+        <a:prstGeom prst="chevron">
+          <a:avLst/>
+        </a:prstGeom>
+        <a:gradFill rotWithShape="0">
+          <a:gsLst>
+            <a:gs pos="0">
+              <a:schemeClr val="accent1">
+                <a:alpha val="90000"/>
+                <a:hueOff val="0"/>
+                <a:satOff val="0"/>
+                <a:lumOff val="0"/>
+                <a:alphaOff val="-20000"/>
+                <a:lumMod val="110000"/>
+                <a:satMod val="105000"/>
+                <a:tint val="67000"/>
+              </a:schemeClr>
+            </a:gs>
+            <a:gs pos="50000">
+              <a:schemeClr val="accent1">
+                <a:alpha val="90000"/>
+                <a:hueOff val="0"/>
+                <a:satOff val="0"/>
+                <a:lumOff val="0"/>
+                <a:alphaOff val="-20000"/>
+                <a:lumMod val="105000"/>
+                <a:satMod val="103000"/>
+                <a:tint val="73000"/>
+              </a:schemeClr>
+            </a:gs>
+            <a:gs pos="100000">
+              <a:schemeClr val="accent1">
+                <a:alpha val="90000"/>
+                <a:hueOff val="0"/>
+                <a:satOff val="0"/>
+                <a:lumOff val="0"/>
+                <a:alphaOff val="-20000"/>
+                <a:lumMod val="105000"/>
+                <a:satMod val="109000"/>
+                <a:tint val="81000"/>
+              </a:schemeClr>
+            </a:gs>
+          </a:gsLst>
+          <a:lin ang="5400000" scaled="0"/>
+        </a:gradFill>
+        <a:ln w="6350" cap="flat" cmpd="sng" algn="ctr">
+          <a:solidFill>
+            <a:schemeClr val="accent1">
+              <a:alpha val="90000"/>
+              <a:hueOff val="0"/>
+              <a:satOff val="0"/>
+              <a:lumOff val="0"/>
+              <a:alphaOff val="-20000"/>
+            </a:schemeClr>
+          </a:solidFill>
+          <a:prstDash val="solid"/>
+          <a:miter lim="800000"/>
+        </a:ln>
+        <a:effectLst/>
+      </dsp:spPr>
+      <dsp:style>
+        <a:lnRef idx="1">
+          <a:scrgbClr r="0" g="0" b="0"/>
+        </a:lnRef>
+        <a:fillRef idx="2">
+          <a:scrgbClr r="0" g="0" b="0"/>
+        </a:fillRef>
+        <a:effectRef idx="1">
+          <a:scrgbClr r="0" g="0" b="0"/>
+        </a:effectRef>
+        <a:fontRef idx="minor">
+          <a:schemeClr val="dk1"/>
+        </a:fontRef>
+      </dsp:style>
+      <dsp:txBody>
+        <a:bodyPr spcFirstLastPara="0" vert="horz" wrap="square" lIns="7620" tIns="7620" rIns="7620" bIns="7620" numCol="1" spcCol="1270" anchor="ctr" anchorCtr="0">
+          <a:noAutofit/>
+        </a:bodyPr>
+        <a:lstStyle/>
+        <a:p>
+          <a:pPr lvl="0" algn="ctr" defTabSz="533400">
+            <a:lnSpc>
+              <a:spcPct val="90000"/>
+            </a:lnSpc>
+            <a:spcBef>
+              <a:spcPct val="0"/>
+            </a:spcBef>
+            <a:spcAft>
+              <a:spcPct val="35000"/>
+            </a:spcAft>
+          </a:pPr>
+          <a:r>
+            <a:rPr lang="en-US" sz="1200" b="1" kern="1200" dirty="0" smtClean="0"/>
+            <a:t>Mass Transit</a:t>
+          </a:r>
+          <a:endParaRPr lang="en-US" sz="1200" b="1" kern="1200" dirty="0"/>
+        </a:p>
+      </dsp:txBody>
+      <dsp:txXfrm rot="-5400000">
+        <a:off x="1" y="2056902"/>
+        <a:ext cx="1165235" cy="499387"/>
+      </dsp:txXfrm>
+    </dsp:sp>
+    <dsp:sp modelId="{71D3D0C1-943C-4F07-851A-449A1ADF9B3C}">
+      <dsp:nvSpPr>
+        <dsp:cNvPr id="0" name=""/>
+        <dsp:cNvSpPr/>
+      </dsp:nvSpPr>
+      <dsp:spPr>
+        <a:xfrm rot="5400000">
+          <a:off x="2315259" y="324260"/>
+          <a:ext cx="1082004" cy="3382051"/>
+        </a:xfrm>
+        <a:prstGeom prst="round2SameRect">
+          <a:avLst/>
+        </a:prstGeom>
+        <a:solidFill>
+          <a:schemeClr val="lt1">
+            <a:alpha val="90000"/>
+            <a:hueOff val="0"/>
+            <a:satOff val="0"/>
+            <a:lumOff val="0"/>
+            <a:alphaOff val="0"/>
+          </a:schemeClr>
+        </a:solidFill>
+        <a:ln w="6350" cap="flat" cmpd="sng" algn="ctr">
+          <a:solidFill>
+            <a:schemeClr val="accent1">
+              <a:alpha val="90000"/>
+              <a:hueOff val="0"/>
+              <a:satOff val="0"/>
+              <a:lumOff val="0"/>
+              <a:alphaOff val="-20000"/>
             </a:schemeClr>
           </a:solidFill>
           <a:prstDash val="solid"/>
@@ -1925,216 +2175,6 @@
         </a:p>
       </dsp:txBody>
       <dsp:txXfrm rot="-5400000">
-        <a:off x="1165236" y="55775"/>
-        <a:ext cx="3329232" cy="976366"/>
-      </dsp:txXfrm>
-    </dsp:sp>
-    <dsp:sp modelId="{C32D80C9-C4E9-49C7-9B3D-47B9C714737E}">
-      <dsp:nvSpPr>
-        <dsp:cNvPr id="0" name=""/>
-        <dsp:cNvSpPr/>
-      </dsp:nvSpPr>
-      <dsp:spPr>
-        <a:xfrm rot="5400000">
-          <a:off x="-249693" y="1723977"/>
-          <a:ext cx="1664622" cy="1165235"/>
-        </a:xfrm>
-        <a:prstGeom prst="chevron">
-          <a:avLst/>
-        </a:prstGeom>
-        <a:gradFill rotWithShape="0">
-          <a:gsLst>
-            <a:gs pos="0">
-              <a:schemeClr val="accent1">
-                <a:alpha val="90000"/>
-                <a:hueOff val="0"/>
-                <a:satOff val="0"/>
-                <a:lumOff val="0"/>
-                <a:alphaOff val="-20000"/>
-                <a:lumMod val="110000"/>
-                <a:satMod val="105000"/>
-                <a:tint val="67000"/>
-              </a:schemeClr>
-            </a:gs>
-            <a:gs pos="50000">
-              <a:schemeClr val="accent1">
-                <a:alpha val="90000"/>
-                <a:hueOff val="0"/>
-                <a:satOff val="0"/>
-                <a:lumOff val="0"/>
-                <a:alphaOff val="-20000"/>
-                <a:lumMod val="105000"/>
-                <a:satMod val="103000"/>
-                <a:tint val="73000"/>
-              </a:schemeClr>
-            </a:gs>
-            <a:gs pos="100000">
-              <a:schemeClr val="accent1">
-                <a:alpha val="90000"/>
-                <a:hueOff val="0"/>
-                <a:satOff val="0"/>
-                <a:lumOff val="0"/>
-                <a:alphaOff val="-20000"/>
-                <a:lumMod val="105000"/>
-                <a:satMod val="109000"/>
-                <a:tint val="81000"/>
-              </a:schemeClr>
-            </a:gs>
-          </a:gsLst>
-          <a:lin ang="5400000" scaled="0"/>
-        </a:gradFill>
-        <a:ln w="6350" cap="flat" cmpd="sng" algn="ctr">
-          <a:solidFill>
-            <a:schemeClr val="accent1">
-              <a:alpha val="90000"/>
-              <a:hueOff val="0"/>
-              <a:satOff val="0"/>
-              <a:lumOff val="0"/>
-              <a:alphaOff val="-20000"/>
-            </a:schemeClr>
-          </a:solidFill>
-          <a:prstDash val="solid"/>
-          <a:miter lim="800000"/>
-        </a:ln>
-        <a:effectLst/>
-      </dsp:spPr>
-      <dsp:style>
-        <a:lnRef idx="1">
-          <a:scrgbClr r="0" g="0" b="0"/>
-        </a:lnRef>
-        <a:fillRef idx="2">
-          <a:scrgbClr r="0" g="0" b="0"/>
-        </a:fillRef>
-        <a:effectRef idx="1">
-          <a:scrgbClr r="0" g="0" b="0"/>
-        </a:effectRef>
-        <a:fontRef idx="minor">
-          <a:schemeClr val="dk1"/>
-        </a:fontRef>
-      </dsp:style>
-      <dsp:txBody>
-        <a:bodyPr spcFirstLastPara="0" vert="horz" wrap="square" lIns="7620" tIns="7620" rIns="7620" bIns="7620" numCol="1" spcCol="1270" anchor="ctr" anchorCtr="0">
-          <a:noAutofit/>
-        </a:bodyPr>
-        <a:lstStyle/>
-        <a:p>
-          <a:pPr lvl="0" algn="ctr" defTabSz="533400">
-            <a:lnSpc>
-              <a:spcPct val="90000"/>
-            </a:lnSpc>
-            <a:spcBef>
-              <a:spcPct val="0"/>
-            </a:spcBef>
-            <a:spcAft>
-              <a:spcPct val="35000"/>
-            </a:spcAft>
-          </a:pPr>
-          <a:r>
-            <a:rPr lang="en-US" sz="1200" kern="1200" smtClean="0"/>
-            <a:t>Legacy System</a:t>
-          </a:r>
-          <a:endParaRPr lang="en-US" sz="1200" kern="1200" dirty="0"/>
-        </a:p>
-      </dsp:txBody>
-      <dsp:txXfrm rot="-5400000">
-        <a:off x="1" y="2056902"/>
-        <a:ext cx="1165235" cy="499387"/>
-      </dsp:txXfrm>
-    </dsp:sp>
-    <dsp:sp modelId="{54C43C46-2C7A-4232-B531-62D476FA0223}">
-      <dsp:nvSpPr>
-        <dsp:cNvPr id="0" name=""/>
-        <dsp:cNvSpPr/>
-      </dsp:nvSpPr>
-      <dsp:spPr>
-        <a:xfrm rot="5400000">
-          <a:off x="2315259" y="324260"/>
-          <a:ext cx="1082004" cy="3382051"/>
-        </a:xfrm>
-        <a:prstGeom prst="round2SameRect">
-          <a:avLst/>
-        </a:prstGeom>
-        <a:solidFill>
-          <a:schemeClr val="lt1">
-            <a:alpha val="90000"/>
-            <a:hueOff val="0"/>
-            <a:satOff val="0"/>
-            <a:lumOff val="0"/>
-            <a:alphaOff val="0"/>
-          </a:schemeClr>
-        </a:solidFill>
-        <a:ln w="6350" cap="flat" cmpd="sng" algn="ctr">
-          <a:solidFill>
-            <a:schemeClr val="accent1">
-              <a:alpha val="90000"/>
-              <a:hueOff val="0"/>
-              <a:satOff val="0"/>
-              <a:lumOff val="0"/>
-              <a:alphaOff val="-20000"/>
-            </a:schemeClr>
-          </a:solidFill>
-          <a:prstDash val="solid"/>
-          <a:miter lim="800000"/>
-        </a:ln>
-        <a:effectLst/>
-      </dsp:spPr>
-      <dsp:style>
-        <a:lnRef idx="1">
-          <a:scrgbClr r="0" g="0" b="0"/>
-        </a:lnRef>
-        <a:fillRef idx="1">
-          <a:scrgbClr r="0" g="0" b="0"/>
-        </a:fillRef>
-        <a:effectRef idx="0">
-          <a:scrgbClr r="0" g="0" b="0"/>
-        </a:effectRef>
-        <a:fontRef idx="minor"/>
-      </dsp:style>
-      <dsp:txBody>
-        <a:bodyPr spcFirstLastPara="0" vert="horz" wrap="square" lIns="85344" tIns="7620" rIns="7620" bIns="7620" numCol="1" spcCol="1270" anchor="ctr" anchorCtr="0">
-          <a:noAutofit/>
-        </a:bodyPr>
-        <a:lstStyle/>
-        <a:p>
-          <a:pPr marL="114300" lvl="1" indent="-114300" algn="l" defTabSz="533400">
-            <a:lnSpc>
-              <a:spcPct val="90000"/>
-            </a:lnSpc>
-            <a:spcBef>
-              <a:spcPct val="0"/>
-            </a:spcBef>
-            <a:spcAft>
-              <a:spcPct val="15000"/>
-            </a:spcAft>
-            <a:buChar char="••"/>
-          </a:pPr>
-          <a:r>
-            <a:rPr lang="en-US" sz="1200" kern="1200" dirty="0" smtClean="0"/>
-            <a:t>Design</a:t>
-          </a:r>
-          <a:endParaRPr lang="en-US" sz="1200" kern="1200" dirty="0"/>
-        </a:p>
-        <a:p>
-          <a:pPr marL="114300" lvl="1" indent="-114300" algn="l" defTabSz="533400">
-            <a:lnSpc>
-              <a:spcPct val="90000"/>
-            </a:lnSpc>
-            <a:spcBef>
-              <a:spcPct val="0"/>
-            </a:spcBef>
-            <a:spcAft>
-              <a:spcPct val="15000"/>
-            </a:spcAft>
-            <a:buChar char="••"/>
-          </a:pPr>
-          <a:r>
-            <a:rPr lang="en-US" sz="1200" kern="1200" dirty="0" smtClean="0"/>
-            <a:t>Problems</a:t>
-          </a:r>
-          <a:endParaRPr lang="en-US" sz="1200" kern="1200" dirty="0"/>
-        </a:p>
-      </dsp:txBody>
-      <dsp:txXfrm rot="-5400000">
         <a:off x="1165236" y="1527103"/>
         <a:ext cx="3329232" cy="976366"/>
       </dsp:txXfrm>
@@ -2240,10 +2280,10 @@
             </a:spcAft>
           </a:pPr>
           <a:r>
-            <a:rPr lang="en-US" sz="1200" kern="1200" dirty="0" smtClean="0"/>
+            <a:rPr lang="en-US" sz="1200" b="1" kern="1200" dirty="0" smtClean="0"/>
             <a:t>Solution</a:t>
           </a:r>
-          <a:endParaRPr lang="en-US" sz="1200" kern="1200" dirty="0"/>
+          <a:endParaRPr lang="en-US" sz="1200" b="1" kern="1200" dirty="0"/>
         </a:p>
       </dsp:txBody>
       <dsp:txXfrm rot="-5400000">
@@ -2319,7 +2359,7 @@
             <a:buChar char="••"/>
           </a:pPr>
           <a:r>
-            <a:rPr lang="en-US" sz="1200" kern="1200" smtClean="0"/>
+            <a:rPr lang="en-US" sz="1200" kern="1200" dirty="0" smtClean="0"/>
             <a:t>Architecture</a:t>
           </a:r>
           <a:endParaRPr lang="en-US" sz="1200" kern="1200" dirty="0"/>
@@ -2359,6 +2399,25 @@
           <a:r>
             <a:rPr lang="en-US" sz="1200" kern="1200" dirty="0" smtClean="0"/>
             <a:t>Scale-Out</a:t>
+          </a:r>
+          <a:endParaRPr lang="en-US" sz="1200" kern="1200" dirty="0"/>
+        </a:p>
+        <a:p>
+          <a:pPr marL="114300" lvl="1" indent="-114300" algn="l" defTabSz="533400">
+            <a:lnSpc>
+              <a:spcPct val="90000"/>
+            </a:lnSpc>
+            <a:spcBef>
+              <a:spcPct val="0"/>
+            </a:spcBef>
+            <a:spcAft>
+              <a:spcPct val="15000"/>
+            </a:spcAft>
+            <a:buChar char="••"/>
+          </a:pPr>
+          <a:r>
+            <a:rPr lang="en-US" sz="1200" kern="1200" dirty="0" smtClean="0"/>
+            <a:t>Availability</a:t>
           </a:r>
           <a:endParaRPr lang="en-US" sz="1200" kern="1200" dirty="0"/>
         </a:p>
@@ -7111,6 +7170,13 @@
   <p:clrMapOvr>
     <a:masterClrMapping/>
   </p:clrMapOvr>
+  <p:timing>
+    <p:tnLst>
+      <p:par>
+        <p:cTn id="1" dur="indefinite" restart="never" nodeType="tmRoot"/>
+      </p:par>
+    </p:tnLst>
+  </p:timing>
 </p:sld>
 </file>
 
@@ -7168,7 +7234,7 @@
           <p:nvPr>
             <p:extLst>
               <p:ext uri="{D42A27DB-BD31-4B8C-83A1-F6EECF244321}">
-                <p14:modId xmlns:p14="http://schemas.microsoft.com/office/powerpoint/2010/main" val="158053856"/>
+                <p14:modId xmlns:p14="http://schemas.microsoft.com/office/powerpoint/2010/main" val="3086349745"/>
               </p:ext>
             </p:extLst>
           </p:nvPr>
@@ -7193,6 +7259,14 @@
   <p:clrMapOvr>
     <a:masterClrMapping/>
   </p:clrMapOvr>
+  <mc:AlternateContent xmlns:mc="http://schemas.openxmlformats.org/markup-compatibility/2006">
+    <mc:Choice xmlns:p14="http://schemas.microsoft.com/office/powerpoint/2010/main" Requires="p14">
+      <p:transition p14:dur="0"/>
+    </mc:Choice>
+    <mc:Fallback>
+      <p:transition/>
+    </mc:Fallback>
+  </mc:AlternateContent>
   <p:timing>
     <p:tnLst>
       <p:par>
@@ -7222,6 +7296,48 @@
       </p:grpSpPr>
       <p:sp>
         <p:nvSpPr>
+          <p:cNvPr id="2" name="Title 1"/>
+          <p:cNvSpPr>
+            <a:spLocks noGrp="1"/>
+          </p:cNvSpPr>
+          <p:nvPr>
+            <p:ph type="title"/>
+          </p:nvPr>
+        </p:nvSpPr>
+        <p:spPr/>
+        <p:txBody>
+          <a:bodyPr/>
+          <a:lstStyle/>
+          <a:p>
+            <a:r>
+              <a:rPr lang="en-US" dirty="0" smtClean="0"/>
+              <a:t>		Legacy System</a:t>
+            </a:r>
+            <a:endParaRPr lang="en-US" dirty="0"/>
+          </a:p>
+        </p:txBody>
+      </p:sp>
+      <p:sp>
+        <p:nvSpPr>
+          <p:cNvPr id="3" name="Content Placeholder 2"/>
+          <p:cNvSpPr>
+            <a:spLocks noGrp="1"/>
+          </p:cNvSpPr>
+          <p:nvPr>
+            <p:ph idx="1"/>
+          </p:nvPr>
+        </p:nvSpPr>
+        <p:spPr/>
+        <p:txBody>
+          <a:bodyPr/>
+          <a:lstStyle/>
+          <a:p>
+            <a:endParaRPr lang="en-US" dirty="0"/>
+          </a:p>
+        </p:txBody>
+      </p:sp>
+      <p:sp>
+        <p:nvSpPr>
           <p:cNvPr id="4" name="Slide Number Placeholder 3"/>
           <p:cNvSpPr>
             <a:spLocks noGrp="1"/>
@@ -7230,12 +7346,7 @@
             <p:ph type="sldNum" sz="quarter" idx="12"/>
           </p:nvPr>
         </p:nvSpPr>
-        <p:spPr>
-          <a:xfrm>
-            <a:off x="625565" y="6438731"/>
-            <a:ext cx="2057400" cy="365125"/>
-          </a:xfrm>
-        </p:spPr>
+        <p:spPr/>
         <p:txBody>
           <a:bodyPr/>
           <a:lstStyle/>
@@ -7260,6 +7371,13 @@
   <p:clrMapOvr>
     <a:masterClrMapping/>
   </p:clrMapOvr>
+  <p:timing>
+    <p:tnLst>
+      <p:par>
+        <p:cTn id="1" dur="indefinite" restart="never" nodeType="tmRoot"/>
+      </p:par>
+    </p:tnLst>
+  </p:timing>
 </p:sld>
 </file>
 
@@ -7282,6 +7400,155 @@
       </p:grpSpPr>
       <p:sp>
         <p:nvSpPr>
+          <p:cNvPr id="2" name="Title 1"/>
+          <p:cNvSpPr>
+            <a:spLocks noGrp="1"/>
+          </p:cNvSpPr>
+          <p:nvPr>
+            <p:ph type="title"/>
+          </p:nvPr>
+        </p:nvSpPr>
+        <p:spPr/>
+        <p:txBody>
+          <a:bodyPr/>
+          <a:lstStyle/>
+          <a:p>
+            <a:r>
+              <a:rPr lang="en-US" dirty="0" smtClean="0"/>
+              <a:t>		</a:t>
+            </a:r>
+            <a:r>
+              <a:rPr lang="en-US" sz="3200" dirty="0" smtClean="0"/>
+              <a:t>Legacy System Problems</a:t>
+            </a:r>
+            <a:endParaRPr lang="en-US" sz="3200" dirty="0"/>
+          </a:p>
+        </p:txBody>
+      </p:sp>
+      <p:sp>
+        <p:nvSpPr>
+          <p:cNvPr id="3" name="Content Placeholder 2"/>
+          <p:cNvSpPr>
+            <a:spLocks noGrp="1"/>
+          </p:cNvSpPr>
+          <p:nvPr>
+            <p:ph idx="1"/>
+          </p:nvPr>
+        </p:nvSpPr>
+        <p:spPr>
+          <a:xfrm>
+            <a:off x="628650" y="1375719"/>
+            <a:ext cx="7886700" cy="4801244"/>
+          </a:xfrm>
+        </p:spPr>
+        <p:txBody>
+          <a:bodyPr>
+            <a:normAutofit fontScale="92500" lnSpcReduction="20000"/>
+          </a:bodyPr>
+          <a:lstStyle/>
+          <a:p>
+            <a:r>
+              <a:rPr lang="en-US" dirty="0" smtClean="0"/>
+              <a:t>Not Scalable</a:t>
+            </a:r>
+          </a:p>
+          <a:p>
+            <a:pPr lvl="1"/>
+            <a:r>
+              <a:rPr lang="en-US" dirty="0"/>
+              <a:t>Hard to split into independent functional parts</a:t>
+            </a:r>
+          </a:p>
+          <a:p>
+            <a:pPr lvl="1"/>
+            <a:r>
+              <a:rPr lang="en-US" dirty="0"/>
+              <a:t>Impossible to scale out core </a:t>
+            </a:r>
+            <a:r>
+              <a:rPr lang="en-US" dirty="0" smtClean="0"/>
+              <a:t>components</a:t>
+            </a:r>
+          </a:p>
+          <a:p>
+            <a:pPr lvl="1"/>
+            <a:r>
+              <a:rPr lang="en-US" dirty="0" smtClean="0"/>
+              <a:t>Parallelism through explicit low-level thread management</a:t>
+            </a:r>
+            <a:endParaRPr lang="en-US" dirty="0"/>
+          </a:p>
+          <a:p>
+            <a:r>
+              <a:rPr lang="en-US" dirty="0" smtClean="0"/>
+              <a:t>No Redundancy</a:t>
+            </a:r>
+          </a:p>
+          <a:p>
+            <a:pPr lvl="1"/>
+            <a:r>
+              <a:rPr lang="en-US" dirty="0" smtClean="0"/>
+              <a:t>Single point of failure</a:t>
+            </a:r>
+          </a:p>
+          <a:p>
+            <a:pPr lvl="1"/>
+            <a:r>
+              <a:rPr lang="en-US" dirty="0" smtClean="0"/>
+              <a:t>No means of automatic failover</a:t>
+            </a:r>
+          </a:p>
+          <a:p>
+            <a:r>
+              <a:rPr lang="en-US" dirty="0" smtClean="0"/>
+              <a:t>Waste of Resources</a:t>
+            </a:r>
+          </a:p>
+          <a:p>
+            <a:pPr lvl="1"/>
+            <a:r>
+              <a:rPr lang="en-US" dirty="0" smtClean="0"/>
+              <a:t>Active Connections</a:t>
+            </a:r>
+          </a:p>
+          <a:p>
+            <a:pPr lvl="1"/>
+            <a:r>
+              <a:rPr lang="en-US" dirty="0" smtClean="0"/>
+              <a:t>Busy Waiting</a:t>
+            </a:r>
+          </a:p>
+          <a:p>
+            <a:pPr lvl="1"/>
+            <a:r>
+              <a:rPr lang="en-US" dirty="0" smtClean="0"/>
+              <a:t>Background Threads</a:t>
+            </a:r>
+          </a:p>
+          <a:p>
+            <a:r>
+              <a:rPr lang="en-US" dirty="0" smtClean="0"/>
+              <a:t>Tight Coupling</a:t>
+            </a:r>
+          </a:p>
+          <a:p>
+            <a:pPr lvl="1"/>
+            <a:r>
+              <a:rPr lang="en-US" dirty="0" smtClean="0"/>
+              <a:t>Strict Imperative Flow Control Code</a:t>
+            </a:r>
+          </a:p>
+          <a:p>
+            <a:pPr lvl="1"/>
+            <a:r>
+              <a:rPr lang="en-US" dirty="0" smtClean="0"/>
+              <a:t>Components interact via interfaces/abstract classes signatures</a:t>
+            </a:r>
+          </a:p>
+        </p:txBody>
+      </p:sp>
+      <p:sp>
+        <p:nvSpPr>
           <p:cNvPr id="4" name="Slide Number Placeholder 3"/>
           <p:cNvSpPr>
             <a:spLocks noGrp="1"/>
@@ -7290,12 +7557,7 @@
             <p:ph type="sldNum" sz="quarter" idx="12"/>
           </p:nvPr>
         </p:nvSpPr>
-        <p:spPr>
-          <a:xfrm>
-            <a:off x="625565" y="6438731"/>
-            <a:ext cx="2057400" cy="365125"/>
-          </a:xfrm>
-        </p:spPr>
+        <p:spPr/>
         <p:txBody>
           <a:bodyPr/>
           <a:lstStyle/>
@@ -7313,13 +7575,20 @@
     </p:spTree>
     <p:extLst>
       <p:ext uri="{BB962C8B-B14F-4D97-AF65-F5344CB8AC3E}">
-        <p14:creationId xmlns:p14="http://schemas.microsoft.com/office/powerpoint/2010/main" val="1060058928"/>
+        <p14:creationId xmlns:p14="http://schemas.microsoft.com/office/powerpoint/2010/main" val="916485060"/>
       </p:ext>
     </p:extLst>
   </p:cSld>
   <p:clrMapOvr>
     <a:masterClrMapping/>
   </p:clrMapOvr>
+  <p:timing>
+    <p:tnLst>
+      <p:par>
+        <p:cTn id="1" dur="indefinite" restart="never" nodeType="tmRoot"/>
+      </p:par>
+    </p:tnLst>
+  </p:timing>
 </p:sld>
 </file>
 
@@ -7365,6 +7634,73 @@
               <a:rPr lang="en-US" smtClean="0"/>
               <a:pPr algn="l"/>
               <a:t>5</a:t>
+            </a:fld>
+            <a:endParaRPr lang="en-US"/>
+          </a:p>
+        </p:txBody>
+      </p:sp>
+    </p:spTree>
+    <p:extLst>
+      <p:ext uri="{BB962C8B-B14F-4D97-AF65-F5344CB8AC3E}">
+        <p14:creationId xmlns:p14="http://schemas.microsoft.com/office/powerpoint/2010/main" val="1060058928"/>
+      </p:ext>
+    </p:extLst>
+  </p:cSld>
+  <p:clrMapOvr>
+    <a:masterClrMapping/>
+  </p:clrMapOvr>
+  <p:timing>
+    <p:tnLst>
+      <p:par>
+        <p:cTn id="1" dur="indefinite" restart="never" nodeType="tmRoot"/>
+      </p:par>
+    </p:tnLst>
+  </p:timing>
+</p:sld>
+</file>
+
+<file path=ppt/slides/slide6.xml><?xml version="1.0" encoding="utf-8"?>
+<p:sld xmlns:a="http://schemas.openxmlformats.org/drawingml/2006/main" xmlns:r="http://schemas.openxmlformats.org/officeDocument/2006/relationships" xmlns:p="http://schemas.openxmlformats.org/presentationml/2006/main">
+  <p:cSld>
+    <p:spTree>
+      <p:nvGrpSpPr>
+        <p:cNvPr id="1" name=""/>
+        <p:cNvGrpSpPr/>
+        <p:nvPr/>
+      </p:nvGrpSpPr>
+      <p:grpSpPr>
+        <a:xfrm>
+          <a:off x="0" y="0"/>
+          <a:ext cx="0" cy="0"/>
+          <a:chOff x="0" y="0"/>
+          <a:chExt cx="0" cy="0"/>
+        </a:xfrm>
+      </p:grpSpPr>
+      <p:sp>
+        <p:nvSpPr>
+          <p:cNvPr id="4" name="Slide Number Placeholder 3"/>
+          <p:cNvSpPr>
+            <a:spLocks noGrp="1"/>
+          </p:cNvSpPr>
+          <p:nvPr>
+            <p:ph type="sldNum" sz="quarter" idx="12"/>
+          </p:nvPr>
+        </p:nvSpPr>
+        <p:spPr>
+          <a:xfrm>
+            <a:off x="625565" y="6438731"/>
+            <a:ext cx="2057400" cy="365125"/>
+          </a:xfrm>
+        </p:spPr>
+        <p:txBody>
+          <a:bodyPr/>
+          <a:lstStyle/>
+          <a:p>
+            <a:pPr algn="l"/>
+            <a:fld id="{3BF2E178-8897-4B1C-8CC9-F674D03C0FD1}" type="slidenum">
+              <a:rPr lang="en-US" smtClean="0"/>
+              <a:pPr algn="l"/>
+              <a:t>6</a:t>
             </a:fld>
             <a:endParaRPr lang="en-US"/>
           </a:p>

--- a/Presentation/Service Bus Integration Patterns.pptx
+++ b/Presentation/Service Bus Integration Patterns.pptx
@@ -1134,7 +1134,7 @@
         <a:p>
           <a:r>
             <a:rPr lang="en-US" sz="1200" dirty="0" smtClean="0"/>
-            <a:t>ESB Concepts</a:t>
+            <a:t>Mass Transit Stack</a:t>
           </a:r>
           <a:endParaRPr lang="en-US" sz="1200" dirty="0"/>
         </a:p>
@@ -1263,43 +1263,6 @@
       </dgm:t>
     </dgm:pt>
     <dgm:pt modelId="{A80EE40A-C922-4480-97CC-43A959177CB1}" type="sibTrans" cxnId="{A3BC6206-2066-4E27-BD72-A0F5854040D6}">
-      <dgm:prSet/>
-      <dgm:spPr/>
-      <dgm:t>
-        <a:bodyPr/>
-        <a:lstStyle/>
-        <a:p>
-          <a:endParaRPr lang="en-US" sz="1200"/>
-        </a:p>
-      </dgm:t>
-    </dgm:pt>
-    <dgm:pt modelId="{32CD013A-BBDE-4991-A603-032E134C152E}">
-      <dgm:prSet phldrT="[Text]" custT="1"/>
-      <dgm:spPr/>
-      <dgm:t>
-        <a:bodyPr/>
-        <a:lstStyle/>
-        <a:p>
-          <a:r>
-            <a:rPr lang="en-US" sz="1200" dirty="0" smtClean="0"/>
-            <a:t>Mass Transit Stack</a:t>
-          </a:r>
-          <a:endParaRPr lang="en-US" sz="1200" dirty="0"/>
-        </a:p>
-      </dgm:t>
-    </dgm:pt>
-    <dgm:pt modelId="{75E62211-6286-4AEB-8221-9E0AE1E31A07}" type="parTrans" cxnId="{88B93222-D1A0-4DF9-8D43-B8869B4B75CF}">
-      <dgm:prSet/>
-      <dgm:spPr/>
-      <dgm:t>
-        <a:bodyPr/>
-        <a:lstStyle/>
-        <a:p>
-          <a:endParaRPr lang="en-US" sz="1200"/>
-        </a:p>
-      </dgm:t>
-    </dgm:pt>
-    <dgm:pt modelId="{39BB5B61-3306-4EBD-94B4-66D494B31834}" type="sibTrans" cxnId="{88B93222-D1A0-4DF9-8D43-B8869B4B75CF}">
       <dgm:prSet/>
       <dgm:spPr/>
       <dgm:t>
@@ -1532,6 +1495,154 @@
         </a:p>
       </dgm:t>
     </dgm:pt>
+    <dgm:pt modelId="{6FB126C9-4DE9-466A-B25B-AC57AA36B4A8}">
+      <dgm:prSet phldrT="[Text]" custT="1"/>
+      <dgm:spPr/>
+      <dgm:t>
+        <a:bodyPr/>
+        <a:lstStyle/>
+        <a:p>
+          <a:r>
+            <a:rPr lang="en-US" sz="1200" b="1" dirty="0" smtClean="0"/>
+            <a:t>More</a:t>
+          </a:r>
+          <a:endParaRPr lang="en-US" sz="1200" b="1" dirty="0"/>
+        </a:p>
+      </dgm:t>
+    </dgm:pt>
+    <dgm:pt modelId="{C899445F-DA4D-4276-9976-650356A15FAE}" type="parTrans" cxnId="{5BB7F946-2644-4866-993F-D37B265F39A2}">
+      <dgm:prSet/>
+      <dgm:spPr/>
+      <dgm:t>
+        <a:bodyPr/>
+        <a:lstStyle/>
+        <a:p>
+          <a:endParaRPr lang="en-US"/>
+        </a:p>
+      </dgm:t>
+    </dgm:pt>
+    <dgm:pt modelId="{6B59BCFD-82F5-4EE5-BBA3-7C0C82963889}" type="sibTrans" cxnId="{5BB7F946-2644-4866-993F-D37B265F39A2}">
+      <dgm:prSet/>
+      <dgm:spPr/>
+      <dgm:t>
+        <a:bodyPr/>
+        <a:lstStyle/>
+        <a:p>
+          <a:endParaRPr lang="en-US"/>
+        </a:p>
+      </dgm:t>
+    </dgm:pt>
+    <dgm:pt modelId="{BBBFE2C6-6943-42DD-A5DD-D6818DA7D418}">
+      <dgm:prSet phldrT="[Text]" custT="1"/>
+      <dgm:spPr/>
+      <dgm:t>
+        <a:bodyPr/>
+        <a:lstStyle/>
+        <a:p>
+          <a:r>
+            <a:rPr lang="en-US" sz="1200" dirty="0" smtClean="0"/>
+            <a:t>Explore</a:t>
+          </a:r>
+          <a:endParaRPr lang="en-US" sz="1200" dirty="0"/>
+        </a:p>
+      </dgm:t>
+    </dgm:pt>
+    <dgm:pt modelId="{F777CEEA-C19F-453B-8807-1F928AEC03EC}" type="parTrans" cxnId="{BCE2E609-F5FD-4D47-8044-B2D3C24E44D5}">
+      <dgm:prSet/>
+      <dgm:spPr/>
+      <dgm:t>
+        <a:bodyPr/>
+        <a:lstStyle/>
+        <a:p>
+          <a:endParaRPr lang="en-US"/>
+        </a:p>
+      </dgm:t>
+    </dgm:pt>
+    <dgm:pt modelId="{18226821-D713-4B27-947C-0725DE36937B}" type="sibTrans" cxnId="{BCE2E609-F5FD-4D47-8044-B2D3C24E44D5}">
+      <dgm:prSet/>
+      <dgm:spPr/>
+      <dgm:t>
+        <a:bodyPr/>
+        <a:lstStyle/>
+        <a:p>
+          <a:endParaRPr lang="en-US"/>
+        </a:p>
+      </dgm:t>
+    </dgm:pt>
+    <dgm:pt modelId="{9CB56806-528A-44C1-B476-9B43D6E887C0}">
+      <dgm:prSet phldrT="[Text]" custT="1"/>
+      <dgm:spPr/>
+      <dgm:t>
+        <a:bodyPr/>
+        <a:lstStyle/>
+        <a:p>
+          <a:r>
+            <a:rPr lang="en-US" sz="1200" dirty="0" smtClean="0"/>
+            <a:t>Read</a:t>
+          </a:r>
+          <a:endParaRPr lang="en-US" sz="1200" dirty="0"/>
+        </a:p>
+      </dgm:t>
+    </dgm:pt>
+    <dgm:pt modelId="{DFF6BF32-45C2-4942-B6C7-2656E49203DD}" type="parTrans" cxnId="{C79B078C-D58A-47CF-94B0-7E387B47895B}">
+      <dgm:prSet/>
+      <dgm:spPr/>
+      <dgm:t>
+        <a:bodyPr/>
+        <a:lstStyle/>
+        <a:p>
+          <a:endParaRPr lang="en-US"/>
+        </a:p>
+      </dgm:t>
+    </dgm:pt>
+    <dgm:pt modelId="{74CBDB70-6C77-4F6B-8303-DE1F7A3314B4}" type="sibTrans" cxnId="{C79B078C-D58A-47CF-94B0-7E387B47895B}">
+      <dgm:prSet/>
+      <dgm:spPr/>
+      <dgm:t>
+        <a:bodyPr/>
+        <a:lstStyle/>
+        <a:p>
+          <a:endParaRPr lang="en-US"/>
+        </a:p>
+      </dgm:t>
+    </dgm:pt>
+    <dgm:pt modelId="{A65BB76B-6769-4336-B9A5-2CC4F1A9DF53}">
+      <dgm:prSet phldrT="[Text]" custT="1"/>
+      <dgm:spPr/>
+      <dgm:t>
+        <a:bodyPr/>
+        <a:lstStyle/>
+        <a:p>
+          <a:r>
+            <a:rPr lang="en-US" sz="1200" dirty="0" smtClean="0"/>
+            <a:t>Hack</a:t>
+          </a:r>
+          <a:endParaRPr lang="en-US" sz="1200" dirty="0"/>
+        </a:p>
+      </dgm:t>
+    </dgm:pt>
+    <dgm:pt modelId="{8149FB2C-C327-43F1-A0EF-E84067A22E2B}" type="parTrans" cxnId="{60F36FC5-56E2-4EBB-89A6-7FBC4B31009C}">
+      <dgm:prSet/>
+      <dgm:spPr/>
+      <dgm:t>
+        <a:bodyPr/>
+        <a:lstStyle/>
+        <a:p>
+          <a:endParaRPr lang="en-US"/>
+        </a:p>
+      </dgm:t>
+    </dgm:pt>
+    <dgm:pt modelId="{46D0B279-62B2-49C7-A4EC-E7C64778DCBB}" type="sibTrans" cxnId="{60F36FC5-56E2-4EBB-89A6-7FBC4B31009C}">
+      <dgm:prSet/>
+      <dgm:spPr/>
+      <dgm:t>
+        <a:bodyPr/>
+        <a:lstStyle/>
+        <a:p>
+          <a:endParaRPr lang="en-US"/>
+        </a:p>
+      </dgm:t>
+    </dgm:pt>
     <dgm:pt modelId="{839CC9F4-E7D6-485F-85CD-EC9B7273AD54}" type="pres">
       <dgm:prSet presAssocID="{319E2ED7-DAC0-475E-B7F4-31BD7A5B9166}" presName="linearFlow" presStyleCnt="0">
         <dgm:presLayoutVars>
@@ -1547,7 +1658,7 @@
       <dgm:spPr/>
     </dgm:pt>
     <dgm:pt modelId="{30D1CCFE-B9E2-495C-A14E-C264FE155CBE}" type="pres">
-      <dgm:prSet presAssocID="{D957C335-3589-4AA0-920B-00DB91C683BF}" presName="parentText" presStyleLbl="alignNode1" presStyleIdx="0" presStyleCnt="3">
+      <dgm:prSet presAssocID="{D957C335-3589-4AA0-920B-00DB91C683BF}" presName="parentText" presStyleLbl="alignNode1" presStyleIdx="0" presStyleCnt="4">
         <dgm:presLayoutVars>
           <dgm:chMax val="1"/>
           <dgm:bulletEnabled val="1"/>
@@ -1563,7 +1674,7 @@
       </dgm:t>
     </dgm:pt>
     <dgm:pt modelId="{C4A35548-2E21-4AAA-AE63-C60FCAEA2D26}" type="pres">
-      <dgm:prSet presAssocID="{D957C335-3589-4AA0-920B-00DB91C683BF}" presName="descendantText" presStyleLbl="alignAcc1" presStyleIdx="0" presStyleCnt="3">
+      <dgm:prSet presAssocID="{D957C335-3589-4AA0-920B-00DB91C683BF}" presName="descendantText" presStyleLbl="alignAcc1" presStyleIdx="0" presStyleCnt="4">
         <dgm:presLayoutVars>
           <dgm:bulletEnabled val="1"/>
         </dgm:presLayoutVars>
@@ -1579,7 +1690,7 @@
       <dgm:spPr/>
     </dgm:pt>
     <dgm:pt modelId="{8674861C-641D-4B44-BD65-87448F1A2F8A}" type="pres">
-      <dgm:prSet presAssocID="{82A2100F-ACB1-4FB2-B588-2162CCE0A7EC}" presName="parentText" presStyleLbl="alignNode1" presStyleIdx="1" presStyleCnt="3">
+      <dgm:prSet presAssocID="{82A2100F-ACB1-4FB2-B588-2162CCE0A7EC}" presName="parentText" presStyleLbl="alignNode1" presStyleIdx="1" presStyleCnt="4">
         <dgm:presLayoutVars>
           <dgm:chMax val="1"/>
           <dgm:bulletEnabled val="1"/>
@@ -1588,7 +1699,7 @@
       <dgm:spPr/>
     </dgm:pt>
     <dgm:pt modelId="{71D3D0C1-943C-4F07-851A-449A1ADF9B3C}" type="pres">
-      <dgm:prSet presAssocID="{82A2100F-ACB1-4FB2-B588-2162CCE0A7EC}" presName="descendantText" presStyleLbl="alignAcc1" presStyleIdx="1" presStyleCnt="3">
+      <dgm:prSet presAssocID="{82A2100F-ACB1-4FB2-B588-2162CCE0A7EC}" presName="descendantText" presStyleLbl="alignAcc1" presStyleIdx="1" presStyleCnt="4">
         <dgm:presLayoutVars>
           <dgm:bulletEnabled val="1"/>
         </dgm:presLayoutVars>
@@ -1611,7 +1722,7 @@
       <dgm:spPr/>
     </dgm:pt>
     <dgm:pt modelId="{1EF1D0A2-CEB4-4E60-AB0F-BCD66F169E2A}" type="pres">
-      <dgm:prSet presAssocID="{AC62F493-CDC1-4D34-9615-782F8A2EC453}" presName="parentText" presStyleLbl="alignNode1" presStyleIdx="2" presStyleCnt="3">
+      <dgm:prSet presAssocID="{AC62F493-CDC1-4D34-9615-782F8A2EC453}" presName="parentText" presStyleLbl="alignNode1" presStyleIdx="2" presStyleCnt="4">
         <dgm:presLayoutVars>
           <dgm:chMax val="1"/>
           <dgm:bulletEnabled val="1"/>
@@ -1627,7 +1738,39 @@
       </dgm:t>
     </dgm:pt>
     <dgm:pt modelId="{CFC34C5D-362C-4F86-88A4-FBF87B2C7427}" type="pres">
-      <dgm:prSet presAssocID="{AC62F493-CDC1-4D34-9615-782F8A2EC453}" presName="descendantText" presStyleLbl="alignAcc1" presStyleIdx="2" presStyleCnt="3">
+      <dgm:prSet presAssocID="{AC62F493-CDC1-4D34-9615-782F8A2EC453}" presName="descendantText" presStyleLbl="alignAcc1" presStyleIdx="2" presStyleCnt="4">
+        <dgm:presLayoutVars>
+          <dgm:bulletEnabled val="1"/>
+        </dgm:presLayoutVars>
+      </dgm:prSet>
+      <dgm:spPr/>
+      <dgm:t>
+        <a:bodyPr/>
+        <a:lstStyle/>
+        <a:p>
+          <a:endParaRPr lang="en-US"/>
+        </a:p>
+      </dgm:t>
+    </dgm:pt>
+    <dgm:pt modelId="{8A407D0F-69D0-4907-90DE-321E64EECDC7}" type="pres">
+      <dgm:prSet presAssocID="{B2AF5689-8D5E-4357-BB39-A0DC8FC6B568}" presName="sp" presStyleCnt="0"/>
+      <dgm:spPr/>
+    </dgm:pt>
+    <dgm:pt modelId="{819C4513-EF8F-46D1-ADCC-A470DC7D0E88}" type="pres">
+      <dgm:prSet presAssocID="{6FB126C9-4DE9-466A-B25B-AC57AA36B4A8}" presName="composite" presStyleCnt="0"/>
+      <dgm:spPr/>
+    </dgm:pt>
+    <dgm:pt modelId="{C6191146-B27E-4576-889C-63715DA6B13F}" type="pres">
+      <dgm:prSet presAssocID="{6FB126C9-4DE9-466A-B25B-AC57AA36B4A8}" presName="parentText" presStyleLbl="alignNode1" presStyleIdx="3" presStyleCnt="4">
+        <dgm:presLayoutVars>
+          <dgm:chMax val="1"/>
+          <dgm:bulletEnabled val="1"/>
+        </dgm:presLayoutVars>
+      </dgm:prSet>
+      <dgm:spPr/>
+    </dgm:pt>
+    <dgm:pt modelId="{635E652E-FF37-4DFF-95CD-8CA4BA2A8607}" type="pres">
+      <dgm:prSet presAssocID="{6FB126C9-4DE9-466A-B25B-AC57AA36B4A8}" presName="descendantText" presStyleLbl="alignAcc1" presStyleIdx="3" presStyleCnt="4">
         <dgm:presLayoutVars>
           <dgm:bulletEnabled val="1"/>
         </dgm:presLayoutVars>
@@ -1643,35 +1786,41 @@
     </dgm:pt>
   </dgm:ptLst>
   <dgm:cxnLst>
+    <dgm:cxn modelId="{424AEB46-983D-42EE-BDAC-A0B59FF39508}" type="presOf" srcId="{5155967F-FA0A-4587-9DF5-C229C7C1341C}" destId="{CFC34C5D-362C-4F86-88A4-FBF87B2C7427}" srcOrd="0" destOrd="1" presId="urn:microsoft.com/office/officeart/2005/8/layout/chevron2"/>
+    <dgm:cxn modelId="{7984A512-A146-4663-A47E-6ADCB4FA6DF7}" srcId="{319E2ED7-DAC0-475E-B7F4-31BD7A5B9166}" destId="{82A2100F-ACB1-4FB2-B588-2162CCE0A7EC}" srcOrd="1" destOrd="0" parTransId="{D4ED4BAD-3900-46F1-AF51-98F72F7DCE07}" sibTransId="{7D54EAF5-9F72-4894-A745-4C7830259640}"/>
+    <dgm:cxn modelId="{84E9938B-3CA2-47EC-865D-AB3EB24F5CEF}" srcId="{AC62F493-CDC1-4D34-9615-782F8A2EC453}" destId="{5155967F-FA0A-4587-9DF5-C229C7C1341C}" srcOrd="1" destOrd="0" parTransId="{73AB8B54-034E-4BC5-8111-248E92063304}" sibTransId="{01368EB3-46CD-4698-96C7-5F60B9A29451}"/>
+    <dgm:cxn modelId="{C79B078C-D58A-47CF-94B0-7E387B47895B}" srcId="{6FB126C9-4DE9-466A-B25B-AC57AA36B4A8}" destId="{9CB56806-528A-44C1-B476-9B43D6E887C0}" srcOrd="1" destOrd="0" parTransId="{DFF6BF32-45C2-4942-B6C7-2656E49203DD}" sibTransId="{74CBDB70-6C77-4F6B-8303-DE1F7A3314B4}"/>
+    <dgm:cxn modelId="{937E19B7-67CE-431E-AD3C-02EC700B10A8}" srcId="{82A2100F-ACB1-4FB2-B588-2162CCE0A7EC}" destId="{6745F2E8-67DC-4335-8E1C-679A2BFBCEFE}" srcOrd="3" destOrd="0" parTransId="{94CEB101-BF41-42F2-B6D5-387205ED63AB}" sibTransId="{90453888-4146-41D3-A757-3D9733F25949}"/>
+    <dgm:cxn modelId="{15854B30-8AE7-468A-A4F9-0BD7B64E0B5F}" srcId="{319E2ED7-DAC0-475E-B7F4-31BD7A5B9166}" destId="{AC62F493-CDC1-4D34-9615-782F8A2EC453}" srcOrd="2" destOrd="0" parTransId="{34AD31BE-5FB2-4D11-AA64-1D0D7647C0A3}" sibTransId="{B2AF5689-8D5E-4357-BB39-A0DC8FC6B568}"/>
+    <dgm:cxn modelId="{4EF8FF02-E84E-4A2A-BE64-590744BB1ECC}" srcId="{82A2100F-ACB1-4FB2-B588-2162CCE0A7EC}" destId="{08471830-FB56-47BF-8120-388DF827F600}" srcOrd="1" destOrd="0" parTransId="{81E2EC31-99EB-46A4-96E2-0EAFE8119909}" sibTransId="{30669AC3-1C30-4302-8714-BAE75147CD7B}"/>
+    <dgm:cxn modelId="{7D0235AC-8540-44A3-BCFB-96307951F434}" type="presOf" srcId="{D3B228FB-1135-4D34-B378-4E75EFDAC51D}" destId="{CFC34C5D-362C-4F86-88A4-FBF87B2C7427}" srcOrd="0" destOrd="0" presId="urn:microsoft.com/office/officeart/2005/8/layout/chevron2"/>
+    <dgm:cxn modelId="{47B03B05-419C-4EC6-96AF-A7685A8981D5}" type="presOf" srcId="{F62940DA-37A4-4D07-ACF2-0CEA7AC91757}" destId="{71D3D0C1-943C-4F07-851A-449A1ADF9B3C}" srcOrd="0" destOrd="0" presId="urn:microsoft.com/office/officeart/2005/8/layout/chevron2"/>
     <dgm:cxn modelId="{2D5E0BA9-CF6C-4340-A554-6D094D4B6F20}" type="presOf" srcId="{AC62F493-CDC1-4D34-9615-782F8A2EC453}" destId="{1EF1D0A2-CEB4-4E60-AB0F-BCD66F169E2A}" srcOrd="0" destOrd="0" presId="urn:microsoft.com/office/officeart/2005/8/layout/chevron2"/>
+    <dgm:cxn modelId="{81DA24D7-97CE-438F-B852-BF9BF348C0B3}" srcId="{D957C335-3589-4AA0-920B-00DB91C683BF}" destId="{75A8AF5E-E077-421B-9B83-1D16FC13CC3E}" srcOrd="0" destOrd="0" parTransId="{6DC162DF-BB4B-4EED-8F82-97B9EA69275B}" sibTransId="{99D8C5BF-696F-4C46-B987-D4C950E716F2}"/>
+    <dgm:cxn modelId="{AB9DB3A5-5590-4E9C-9842-5405E6CF13F0}" type="presOf" srcId="{6745F2E8-67DC-4335-8E1C-679A2BFBCEFE}" destId="{71D3D0C1-943C-4F07-851A-449A1ADF9B3C}" srcOrd="0" destOrd="3" presId="urn:microsoft.com/office/officeart/2005/8/layout/chevron2"/>
+    <dgm:cxn modelId="{19DF7B0B-DAB6-469D-AF09-E2BBF4267F49}" type="presOf" srcId="{AEF24AE9-0AB3-4763-A5DA-3018061F5588}" destId="{CFC34C5D-362C-4F86-88A4-FBF87B2C7427}" srcOrd="0" destOrd="3" presId="urn:microsoft.com/office/officeart/2005/8/layout/chevron2"/>
+    <dgm:cxn modelId="{2EE161C4-F368-49DA-9263-5565E17AC390}" srcId="{82A2100F-ACB1-4FB2-B588-2162CCE0A7EC}" destId="{F62940DA-37A4-4D07-ACF2-0CEA7AC91757}" srcOrd="0" destOrd="0" parTransId="{4125334E-F82D-4AB7-9A28-90E8DCDE2637}" sibTransId="{62D9652E-9BE8-4476-A4C5-58D32663BA67}"/>
+    <dgm:cxn modelId="{9AACCA81-1E4D-4D70-B868-C4798071B132}" srcId="{AC62F493-CDC1-4D34-9615-782F8A2EC453}" destId="{AEF24AE9-0AB3-4763-A5DA-3018061F5588}" srcOrd="3" destOrd="0" parTransId="{7FADB0DA-D63D-45EB-BBFF-8EE9D5BAF632}" sibTransId="{6F723BFF-936F-4352-BB40-FDEDCC497E6D}"/>
+    <dgm:cxn modelId="{5B94BBC2-A917-4F14-BBAF-71CDA57D6E46}" srcId="{319E2ED7-DAC0-475E-B7F4-31BD7A5B9166}" destId="{D957C335-3589-4AA0-920B-00DB91C683BF}" srcOrd="0" destOrd="0" parTransId="{C09C0A58-B08D-4AD8-92AE-2C0B81B850CB}" sibTransId="{BED980AE-90CC-4293-8282-401B45C67475}"/>
     <dgm:cxn modelId="{236F0FB2-695E-473F-8749-D2910A11D1DE}" type="presOf" srcId="{319E2ED7-DAC0-475E-B7F4-31BD7A5B9166}" destId="{839CC9F4-E7D6-485F-85CD-EC9B7273AD54}" srcOrd="0" destOrd="0" presId="urn:microsoft.com/office/officeart/2005/8/layout/chevron2"/>
-    <dgm:cxn modelId="{84E9938B-3CA2-47EC-865D-AB3EB24F5CEF}" srcId="{AC62F493-CDC1-4D34-9615-782F8A2EC453}" destId="{5155967F-FA0A-4587-9DF5-C229C7C1341C}" srcOrd="1" destOrd="0" parTransId="{73AB8B54-034E-4BC5-8111-248E92063304}" sibTransId="{01368EB3-46CD-4698-96C7-5F60B9A29451}"/>
-    <dgm:cxn modelId="{464377FE-4471-4F2F-9693-2AB3DFDA8917}" srcId="{82A2100F-ACB1-4FB2-B588-2162CCE0A7EC}" destId="{0D6B2243-C5F0-467E-BB31-43E53B0E003D}" srcOrd="3" destOrd="0" parTransId="{0208BA7B-5939-4D0E-B6E6-60EF2975A18F}" sibTransId="{D623DC6C-F002-4F00-8DB9-27224B886B3D}"/>
+    <dgm:cxn modelId="{C1F94BDE-4A9C-4F43-8E28-AA89E109CBB5}" type="presOf" srcId="{08471830-FB56-47BF-8120-388DF827F600}" destId="{71D3D0C1-943C-4F07-851A-449A1ADF9B3C}" srcOrd="0" destOrd="1" presId="urn:microsoft.com/office/officeart/2005/8/layout/chevron2"/>
+    <dgm:cxn modelId="{F5F196BB-E062-4666-ADBF-28AB8EB88591}" type="presOf" srcId="{D957C335-3589-4AA0-920B-00DB91C683BF}" destId="{30D1CCFE-B9E2-495C-A14E-C264FE155CBE}" srcOrd="0" destOrd="0" presId="urn:microsoft.com/office/officeart/2005/8/layout/chevron2"/>
     <dgm:cxn modelId="{D3ABFCD0-354F-4D9A-9F0C-4B9AAB7DD4B8}" type="presOf" srcId="{75A8AF5E-E077-421B-9B83-1D16FC13CC3E}" destId="{C4A35548-2E21-4AAA-AE63-C60FCAEA2D26}" srcOrd="0" destOrd="0" presId="urn:microsoft.com/office/officeart/2005/8/layout/chevron2"/>
-    <dgm:cxn modelId="{88B93222-D1A0-4DF9-8D43-B8869B4B75CF}" srcId="{82A2100F-ACB1-4FB2-B588-2162CCE0A7EC}" destId="{32CD013A-BBDE-4991-A603-032E134C152E}" srcOrd="1" destOrd="0" parTransId="{75E62211-6286-4AEB-8221-9E0AE1E31A07}" sibTransId="{39BB5B61-3306-4EBD-94B4-66D494B31834}"/>
+    <dgm:cxn modelId="{5A3CCCB0-5C1A-40F0-81AD-EAF17766D25C}" type="presOf" srcId="{82A2100F-ACB1-4FB2-B588-2162CCE0A7EC}" destId="{8674861C-641D-4B44-BD65-87448F1A2F8A}" srcOrd="0" destOrd="0" presId="urn:microsoft.com/office/officeart/2005/8/layout/chevron2"/>
+    <dgm:cxn modelId="{B23F0335-5FA2-4792-9D39-CC7C8715EB40}" type="presOf" srcId="{6FB126C9-4DE9-466A-B25B-AC57AA36B4A8}" destId="{C6191146-B27E-4576-889C-63715DA6B13F}" srcOrd="0" destOrd="0" presId="urn:microsoft.com/office/officeart/2005/8/layout/chevron2"/>
     <dgm:cxn modelId="{19D9697A-0A0E-4C75-8A31-FDD5D1FA04E0}" srcId="{AC62F493-CDC1-4D34-9615-782F8A2EC453}" destId="{D3B228FB-1135-4D34-B378-4E75EFDAC51D}" srcOrd="0" destOrd="0" parTransId="{C2B3747A-EF36-4A3B-A5F2-72991B72834B}" sibTransId="{8F929D1B-961A-46AF-9542-68CA108D7D54}"/>
-    <dgm:cxn modelId="{19DF7B0B-DAB6-469D-AF09-E2BBF4267F49}" type="presOf" srcId="{AEF24AE9-0AB3-4763-A5DA-3018061F5588}" destId="{CFC34C5D-362C-4F86-88A4-FBF87B2C7427}" srcOrd="0" destOrd="3" presId="urn:microsoft.com/office/officeart/2005/8/layout/chevron2"/>
-    <dgm:cxn modelId="{C1F94BDE-4A9C-4F43-8E28-AA89E109CBB5}" type="presOf" srcId="{08471830-FB56-47BF-8120-388DF827F600}" destId="{71D3D0C1-943C-4F07-851A-449A1ADF9B3C}" srcOrd="0" destOrd="2" presId="urn:microsoft.com/office/officeart/2005/8/layout/chevron2"/>
+    <dgm:cxn modelId="{063EB3C0-7438-4879-9E2E-E0F41B7FB189}" type="presOf" srcId="{9CB56806-528A-44C1-B476-9B43D6E887C0}" destId="{635E652E-FF37-4DFF-95CD-8CA4BA2A8607}" srcOrd="0" destOrd="1" presId="urn:microsoft.com/office/officeart/2005/8/layout/chevron2"/>
     <dgm:cxn modelId="{00EB73C6-3193-4443-851A-936E32877ADD}" type="presOf" srcId="{C50BEBBB-54F1-4503-8F3F-372EE468F041}" destId="{CFC34C5D-362C-4F86-88A4-FBF87B2C7427}" srcOrd="0" destOrd="2" presId="urn:microsoft.com/office/officeart/2005/8/layout/chevron2"/>
-    <dgm:cxn modelId="{2EE161C4-F368-49DA-9263-5565E17AC390}" srcId="{82A2100F-ACB1-4FB2-B588-2162CCE0A7EC}" destId="{F62940DA-37A4-4D07-ACF2-0CEA7AC91757}" srcOrd="0" destOrd="0" parTransId="{4125334E-F82D-4AB7-9A28-90E8DCDE2637}" sibTransId="{62D9652E-9BE8-4476-A4C5-58D32663BA67}"/>
-    <dgm:cxn modelId="{5B94BBC2-A917-4F14-BBAF-71CDA57D6E46}" srcId="{319E2ED7-DAC0-475E-B7F4-31BD7A5B9166}" destId="{D957C335-3589-4AA0-920B-00DB91C683BF}" srcOrd="0" destOrd="0" parTransId="{C09C0A58-B08D-4AD8-92AE-2C0B81B850CB}" sibTransId="{BED980AE-90CC-4293-8282-401B45C67475}"/>
+    <dgm:cxn modelId="{BCE2E609-F5FD-4D47-8044-B2D3C24E44D5}" srcId="{6FB126C9-4DE9-466A-B25B-AC57AA36B4A8}" destId="{BBBFE2C6-6943-42DD-A5DD-D6818DA7D418}" srcOrd="0" destOrd="0" parTransId="{F777CEEA-C19F-453B-8807-1F928AEC03EC}" sibTransId="{18226821-D713-4B27-947C-0725DE36937B}"/>
+    <dgm:cxn modelId="{D5C16949-916C-47D2-B666-403C11A53BDC}" type="presOf" srcId="{A65BB76B-6769-4336-B9A5-2CC4F1A9DF53}" destId="{635E652E-FF37-4DFF-95CD-8CA4BA2A8607}" srcOrd="0" destOrd="2" presId="urn:microsoft.com/office/officeart/2005/8/layout/chevron2"/>
+    <dgm:cxn modelId="{60F36FC5-56E2-4EBB-89A6-7FBC4B31009C}" srcId="{6FB126C9-4DE9-466A-B25B-AC57AA36B4A8}" destId="{A65BB76B-6769-4336-B9A5-2CC4F1A9DF53}" srcOrd="2" destOrd="0" parTransId="{8149FB2C-C327-43F1-A0EF-E84067A22E2B}" sibTransId="{46D0B279-62B2-49C7-A4EC-E7C64778DCBB}"/>
+    <dgm:cxn modelId="{464377FE-4471-4F2F-9693-2AB3DFDA8917}" srcId="{82A2100F-ACB1-4FB2-B588-2162CCE0A7EC}" destId="{0D6B2243-C5F0-467E-BB31-43E53B0E003D}" srcOrd="2" destOrd="0" parTransId="{0208BA7B-5939-4D0E-B6E6-60EF2975A18F}" sibTransId="{D623DC6C-F002-4F00-8DB9-27224B886B3D}"/>
+    <dgm:cxn modelId="{A3BC6206-2066-4E27-BD72-A0F5854040D6}" srcId="{AC62F493-CDC1-4D34-9615-782F8A2EC453}" destId="{C50BEBBB-54F1-4503-8F3F-372EE468F041}" srcOrd="2" destOrd="0" parTransId="{DF3E6CEC-D113-4C00-B57E-38DB41CA9A70}" sibTransId="{A80EE40A-C922-4480-97CC-43A959177CB1}"/>
+    <dgm:cxn modelId="{B73A275F-7945-483C-8FE0-7D9EA16D1BBA}" srcId="{D957C335-3589-4AA0-920B-00DB91C683BF}" destId="{82B52429-3E42-43BB-8391-EEA5D69683A3}" srcOrd="1" destOrd="0" parTransId="{F1DE50FC-DC8F-4E5C-9D47-D6BA187B7FD3}" sibTransId="{9C83342E-B54D-4BD5-A4BD-29FC60D70700}"/>
+    <dgm:cxn modelId="{5BB7F946-2644-4866-993F-D37B265F39A2}" srcId="{319E2ED7-DAC0-475E-B7F4-31BD7A5B9166}" destId="{6FB126C9-4DE9-466A-B25B-AC57AA36B4A8}" srcOrd="3" destOrd="0" parTransId="{C899445F-DA4D-4276-9976-650356A15FAE}" sibTransId="{6B59BCFD-82F5-4EE5-BBA3-7C0C82963889}"/>
+    <dgm:cxn modelId="{CEBFAF0A-185F-452E-BD3A-98AB58E15D2D}" type="presOf" srcId="{0D6B2243-C5F0-467E-BB31-43E53B0E003D}" destId="{71D3D0C1-943C-4F07-851A-449A1ADF9B3C}" srcOrd="0" destOrd="2" presId="urn:microsoft.com/office/officeart/2005/8/layout/chevron2"/>
     <dgm:cxn modelId="{986B3B8B-DE94-4ECB-8BEB-53DE5AD5C2FF}" type="presOf" srcId="{82B52429-3E42-43BB-8391-EEA5D69683A3}" destId="{C4A35548-2E21-4AAA-AE63-C60FCAEA2D26}" srcOrd="0" destOrd="1" presId="urn:microsoft.com/office/officeart/2005/8/layout/chevron2"/>
-    <dgm:cxn modelId="{5A3CCCB0-5C1A-40F0-81AD-EAF17766D25C}" type="presOf" srcId="{82A2100F-ACB1-4FB2-B588-2162CCE0A7EC}" destId="{8674861C-641D-4B44-BD65-87448F1A2F8A}" srcOrd="0" destOrd="0" presId="urn:microsoft.com/office/officeart/2005/8/layout/chevron2"/>
-    <dgm:cxn modelId="{47B03B05-419C-4EC6-96AF-A7685A8981D5}" type="presOf" srcId="{F62940DA-37A4-4D07-ACF2-0CEA7AC91757}" destId="{71D3D0C1-943C-4F07-851A-449A1ADF9B3C}" srcOrd="0" destOrd="0" presId="urn:microsoft.com/office/officeart/2005/8/layout/chevron2"/>
-    <dgm:cxn modelId="{F5F196BB-E062-4666-ADBF-28AB8EB88591}" type="presOf" srcId="{D957C335-3589-4AA0-920B-00DB91C683BF}" destId="{30D1CCFE-B9E2-495C-A14E-C264FE155CBE}" srcOrd="0" destOrd="0" presId="urn:microsoft.com/office/officeart/2005/8/layout/chevron2"/>
-    <dgm:cxn modelId="{15854B30-8AE7-468A-A4F9-0BD7B64E0B5F}" srcId="{319E2ED7-DAC0-475E-B7F4-31BD7A5B9166}" destId="{AC62F493-CDC1-4D34-9615-782F8A2EC453}" srcOrd="2" destOrd="0" parTransId="{34AD31BE-5FB2-4D11-AA64-1D0D7647C0A3}" sibTransId="{B2AF5689-8D5E-4357-BB39-A0DC8FC6B568}"/>
-    <dgm:cxn modelId="{AB9DB3A5-5590-4E9C-9842-5405E6CF13F0}" type="presOf" srcId="{6745F2E8-67DC-4335-8E1C-679A2BFBCEFE}" destId="{71D3D0C1-943C-4F07-851A-449A1ADF9B3C}" srcOrd="0" destOrd="4" presId="urn:microsoft.com/office/officeart/2005/8/layout/chevron2"/>
-    <dgm:cxn modelId="{7DEDA27B-8691-40F9-A0E3-7054F1FF0C3E}" type="presOf" srcId="{32CD013A-BBDE-4991-A603-032E134C152E}" destId="{71D3D0C1-943C-4F07-851A-449A1ADF9B3C}" srcOrd="0" destOrd="1" presId="urn:microsoft.com/office/officeart/2005/8/layout/chevron2"/>
-    <dgm:cxn modelId="{424AEB46-983D-42EE-BDAC-A0B59FF39508}" type="presOf" srcId="{5155967F-FA0A-4587-9DF5-C229C7C1341C}" destId="{CFC34C5D-362C-4F86-88A4-FBF87B2C7427}" srcOrd="0" destOrd="1" presId="urn:microsoft.com/office/officeart/2005/8/layout/chevron2"/>
-    <dgm:cxn modelId="{B73A275F-7945-483C-8FE0-7D9EA16D1BBA}" srcId="{D957C335-3589-4AA0-920B-00DB91C683BF}" destId="{82B52429-3E42-43BB-8391-EEA5D69683A3}" srcOrd="1" destOrd="0" parTransId="{F1DE50FC-DC8F-4E5C-9D47-D6BA187B7FD3}" sibTransId="{9C83342E-B54D-4BD5-A4BD-29FC60D70700}"/>
-    <dgm:cxn modelId="{7984A512-A146-4663-A47E-6ADCB4FA6DF7}" srcId="{319E2ED7-DAC0-475E-B7F4-31BD7A5B9166}" destId="{82A2100F-ACB1-4FB2-B588-2162CCE0A7EC}" srcOrd="1" destOrd="0" parTransId="{D4ED4BAD-3900-46F1-AF51-98F72F7DCE07}" sibTransId="{7D54EAF5-9F72-4894-A745-4C7830259640}"/>
-    <dgm:cxn modelId="{81DA24D7-97CE-438F-B852-BF9BF348C0B3}" srcId="{D957C335-3589-4AA0-920B-00DB91C683BF}" destId="{75A8AF5E-E077-421B-9B83-1D16FC13CC3E}" srcOrd="0" destOrd="0" parTransId="{6DC162DF-BB4B-4EED-8F82-97B9EA69275B}" sibTransId="{99D8C5BF-696F-4C46-B987-D4C950E716F2}"/>
-    <dgm:cxn modelId="{A3BC6206-2066-4E27-BD72-A0F5854040D6}" srcId="{AC62F493-CDC1-4D34-9615-782F8A2EC453}" destId="{C50BEBBB-54F1-4503-8F3F-372EE468F041}" srcOrd="2" destOrd="0" parTransId="{DF3E6CEC-D113-4C00-B57E-38DB41CA9A70}" sibTransId="{A80EE40A-C922-4480-97CC-43A959177CB1}"/>
-    <dgm:cxn modelId="{9AACCA81-1E4D-4D70-B868-C4798071B132}" srcId="{AC62F493-CDC1-4D34-9615-782F8A2EC453}" destId="{AEF24AE9-0AB3-4763-A5DA-3018061F5588}" srcOrd="3" destOrd="0" parTransId="{7FADB0DA-D63D-45EB-BBFF-8EE9D5BAF632}" sibTransId="{6F723BFF-936F-4352-BB40-FDEDCC497E6D}"/>
-    <dgm:cxn modelId="{937E19B7-67CE-431E-AD3C-02EC700B10A8}" srcId="{82A2100F-ACB1-4FB2-B588-2162CCE0A7EC}" destId="{6745F2E8-67DC-4335-8E1C-679A2BFBCEFE}" srcOrd="4" destOrd="0" parTransId="{94CEB101-BF41-42F2-B6D5-387205ED63AB}" sibTransId="{90453888-4146-41D3-A757-3D9733F25949}"/>
-    <dgm:cxn modelId="{4EF8FF02-E84E-4A2A-BE64-590744BB1ECC}" srcId="{82A2100F-ACB1-4FB2-B588-2162CCE0A7EC}" destId="{08471830-FB56-47BF-8120-388DF827F600}" srcOrd="2" destOrd="0" parTransId="{81E2EC31-99EB-46A4-96E2-0EAFE8119909}" sibTransId="{30669AC3-1C30-4302-8714-BAE75147CD7B}"/>
-    <dgm:cxn modelId="{CEBFAF0A-185F-452E-BD3A-98AB58E15D2D}" type="presOf" srcId="{0D6B2243-C5F0-467E-BB31-43E53B0E003D}" destId="{71D3D0C1-943C-4F07-851A-449A1ADF9B3C}" srcOrd="0" destOrd="3" presId="urn:microsoft.com/office/officeart/2005/8/layout/chevron2"/>
-    <dgm:cxn modelId="{7D0235AC-8540-44A3-BCFB-96307951F434}" type="presOf" srcId="{D3B228FB-1135-4D34-B378-4E75EFDAC51D}" destId="{CFC34C5D-362C-4F86-88A4-FBF87B2C7427}" srcOrd="0" destOrd="0" presId="urn:microsoft.com/office/officeart/2005/8/layout/chevron2"/>
+    <dgm:cxn modelId="{0F152CF0-FE4F-41C3-AD79-1103EE14CB26}" type="presOf" srcId="{BBBFE2C6-6943-42DD-A5DD-D6818DA7D418}" destId="{635E652E-FF37-4DFF-95CD-8CA4BA2A8607}" srcOrd="0" destOrd="0" presId="urn:microsoft.com/office/officeart/2005/8/layout/chevron2"/>
     <dgm:cxn modelId="{0BC5C6DE-C656-4E47-BA61-591C575E6077}" type="presParOf" srcId="{839CC9F4-E7D6-485F-85CD-EC9B7273AD54}" destId="{77F424D6-A675-4ED7-BDAE-10ED3676A257}" srcOrd="0" destOrd="0" presId="urn:microsoft.com/office/officeart/2005/8/layout/chevron2"/>
     <dgm:cxn modelId="{9101EB04-1918-4C7A-85FD-8E7CA447E70D}" type="presParOf" srcId="{77F424D6-A675-4ED7-BDAE-10ED3676A257}" destId="{30D1CCFE-B9E2-495C-A14E-C264FE155CBE}" srcOrd="0" destOrd="0" presId="urn:microsoft.com/office/officeart/2005/8/layout/chevron2"/>
     <dgm:cxn modelId="{69A24B12-64A0-4D47-B49B-A6AA6EB7AB85}" type="presParOf" srcId="{77F424D6-A675-4ED7-BDAE-10ED3676A257}" destId="{C4A35548-2E21-4AAA-AE63-C60FCAEA2D26}" srcOrd="1" destOrd="0" presId="urn:microsoft.com/office/officeart/2005/8/layout/chevron2"/>
@@ -1683,6 +1832,10 @@
     <dgm:cxn modelId="{A8A54203-99CB-480A-9E67-D0F9131AF887}" type="presParOf" srcId="{839CC9F4-E7D6-485F-85CD-EC9B7273AD54}" destId="{7C660FAE-A321-4367-856C-817AC7C5CC80}" srcOrd="4" destOrd="0" presId="urn:microsoft.com/office/officeart/2005/8/layout/chevron2"/>
     <dgm:cxn modelId="{69225D48-7B87-4ADF-90AD-9A4BD9F68B48}" type="presParOf" srcId="{7C660FAE-A321-4367-856C-817AC7C5CC80}" destId="{1EF1D0A2-CEB4-4E60-AB0F-BCD66F169E2A}" srcOrd="0" destOrd="0" presId="urn:microsoft.com/office/officeart/2005/8/layout/chevron2"/>
     <dgm:cxn modelId="{6F844F5F-6293-4EB3-9718-6BF78B10A32A}" type="presParOf" srcId="{7C660FAE-A321-4367-856C-817AC7C5CC80}" destId="{CFC34C5D-362C-4F86-88A4-FBF87B2C7427}" srcOrd="1" destOrd="0" presId="urn:microsoft.com/office/officeart/2005/8/layout/chevron2"/>
+    <dgm:cxn modelId="{4C47A0F1-B402-476E-84C6-33F5C7E42FCF}" type="presParOf" srcId="{839CC9F4-E7D6-485F-85CD-EC9B7273AD54}" destId="{8A407D0F-69D0-4907-90DE-321E64EECDC7}" srcOrd="5" destOrd="0" presId="urn:microsoft.com/office/officeart/2005/8/layout/chevron2"/>
+    <dgm:cxn modelId="{66538C3E-61BA-4BE8-B557-E45BC8762EB4}" type="presParOf" srcId="{839CC9F4-E7D6-485F-85CD-EC9B7273AD54}" destId="{819C4513-EF8F-46D1-ADCC-A470DC7D0E88}" srcOrd="6" destOrd="0" presId="urn:microsoft.com/office/officeart/2005/8/layout/chevron2"/>
+    <dgm:cxn modelId="{AB8CF3AD-0548-4882-8BF2-4CB4A321A3BA}" type="presParOf" srcId="{819C4513-EF8F-46D1-ADCC-A470DC7D0E88}" destId="{C6191146-B27E-4576-889C-63715DA6B13F}" srcOrd="0" destOrd="0" presId="urn:microsoft.com/office/officeart/2005/8/layout/chevron2"/>
+    <dgm:cxn modelId="{391F5A27-38D7-4790-860A-CA0F89E78744}" type="presParOf" srcId="{819C4513-EF8F-46D1-ADCC-A470DC7D0E88}" destId="{635E652E-FF37-4DFF-95CD-8CA4BA2A8607}" srcOrd="1" destOrd="0" presId="urn:microsoft.com/office/officeart/2005/8/layout/chevron2"/>
   </dgm:cxnLst>
   <dgm:bg/>
   <dgm:whole/>
@@ -1709,8 +1862,8 @@
       </dsp:nvSpPr>
       <dsp:spPr>
         <a:xfrm rot="5400000">
-          <a:off x="-249693" y="252648"/>
-          <a:ext cx="1664622" cy="1165235"/>
+          <a:off x="-210629" y="210793"/>
+          <a:ext cx="1404193" cy="982935"/>
         </a:xfrm>
         <a:prstGeom prst="chevron">
           <a:avLst/>
@@ -1810,8 +1963,8 @@
         </a:p>
       </dsp:txBody>
       <dsp:txXfrm rot="-5400000">
-        <a:off x="1" y="585573"/>
-        <a:ext cx="1165235" cy="499387"/>
+        <a:off x="1" y="491632"/>
+        <a:ext cx="982935" cy="421258"/>
       </dsp:txXfrm>
     </dsp:sp>
     <dsp:sp modelId="{C4A35548-2E21-4AAA-AE63-C60FCAEA2D26}">
@@ -1821,8 +1974,8 @@
       </dsp:nvSpPr>
       <dsp:spPr>
         <a:xfrm rot="5400000">
-          <a:off x="2315259" y="-1147067"/>
-          <a:ext cx="1082004" cy="3382051"/>
+          <a:off x="2609429" y="-1626329"/>
+          <a:ext cx="912726" cy="4165713"/>
         </a:xfrm>
         <a:prstGeom prst="round2SameRect">
           <a:avLst/>
@@ -1908,8 +2061,8 @@
         </a:p>
       </dsp:txBody>
       <dsp:txXfrm rot="-5400000">
-        <a:off x="1165236" y="55775"/>
-        <a:ext cx="3329232" cy="976366"/>
+        <a:off x="982936" y="44720"/>
+        <a:ext cx="4121157" cy="823614"/>
       </dsp:txXfrm>
     </dsp:sp>
     <dsp:sp modelId="{8674861C-641D-4B44-BD65-87448F1A2F8A}">
@@ -1919,8 +2072,8 @@
       </dsp:nvSpPr>
       <dsp:spPr>
         <a:xfrm rot="5400000">
-          <a:off x="-249693" y="1723977"/>
-          <a:ext cx="1664622" cy="1165235"/>
+          <a:off x="-210629" y="1469819"/>
+          <a:ext cx="1404193" cy="982935"/>
         </a:xfrm>
         <a:prstGeom prst="chevron">
           <a:avLst/>
@@ -1933,7 +2086,7 @@
                 <a:hueOff val="0"/>
                 <a:satOff val="0"/>
                 <a:lumOff val="0"/>
-                <a:alphaOff val="-20000"/>
+                <a:alphaOff val="-13333"/>
                 <a:lumMod val="110000"/>
                 <a:satMod val="105000"/>
                 <a:tint val="67000"/>
@@ -1945,7 +2098,7 @@
                 <a:hueOff val="0"/>
                 <a:satOff val="0"/>
                 <a:lumOff val="0"/>
-                <a:alphaOff val="-20000"/>
+                <a:alphaOff val="-13333"/>
                 <a:lumMod val="105000"/>
                 <a:satMod val="103000"/>
                 <a:tint val="73000"/>
@@ -1957,7 +2110,7 @@
                 <a:hueOff val="0"/>
                 <a:satOff val="0"/>
                 <a:lumOff val="0"/>
-                <a:alphaOff val="-20000"/>
+                <a:alphaOff val="-13333"/>
                 <a:lumMod val="105000"/>
                 <a:satMod val="109000"/>
                 <a:tint val="81000"/>
@@ -1973,7 +2126,7 @@
               <a:hueOff val="0"/>
               <a:satOff val="0"/>
               <a:lumOff val="0"/>
-              <a:alphaOff val="-20000"/>
+              <a:alphaOff val="-13333"/>
             </a:schemeClr>
           </a:solidFill>
           <a:prstDash val="solid"/>
@@ -2020,8 +2173,8 @@
         </a:p>
       </dsp:txBody>
       <dsp:txXfrm rot="-5400000">
-        <a:off x="1" y="2056902"/>
-        <a:ext cx="1165235" cy="499387"/>
+        <a:off x="1" y="1750658"/>
+        <a:ext cx="982935" cy="421258"/>
       </dsp:txXfrm>
     </dsp:sp>
     <dsp:sp modelId="{71D3D0C1-943C-4F07-851A-449A1ADF9B3C}">
@@ -2031,8 +2184,8 @@
       </dsp:nvSpPr>
       <dsp:spPr>
         <a:xfrm rot="5400000">
-          <a:off x="2315259" y="324260"/>
-          <a:ext cx="1082004" cy="3382051"/>
+          <a:off x="2609429" y="-367302"/>
+          <a:ext cx="912726" cy="4165713"/>
         </a:xfrm>
         <a:prstGeom prst="round2SameRect">
           <a:avLst/>
@@ -2053,7 +2206,7 @@
               <a:hueOff val="0"/>
               <a:satOff val="0"/>
               <a:lumOff val="0"/>
-              <a:alphaOff val="-20000"/>
+              <a:alphaOff val="-13333"/>
             </a:schemeClr>
           </a:solidFill>
           <a:prstDash val="solid"/>
@@ -2078,25 +2231,6 @@
           <a:noAutofit/>
         </a:bodyPr>
         <a:lstStyle/>
-        <a:p>
-          <a:pPr marL="114300" lvl="1" indent="-114300" algn="l" defTabSz="533400">
-            <a:lnSpc>
-              <a:spcPct val="90000"/>
-            </a:lnSpc>
-            <a:spcBef>
-              <a:spcPct val="0"/>
-            </a:spcBef>
-            <a:spcAft>
-              <a:spcPct val="15000"/>
-            </a:spcAft>
-            <a:buChar char="••"/>
-          </a:pPr>
-          <a:r>
-            <a:rPr lang="en-US" sz="1200" kern="1200" dirty="0" smtClean="0"/>
-            <a:t>ESB Concepts</a:t>
-          </a:r>
-          <a:endParaRPr lang="en-US" sz="1200" kern="1200" dirty="0"/>
-        </a:p>
         <a:p>
           <a:pPr marL="114300" lvl="1" indent="-114300" algn="l" defTabSz="533400">
             <a:lnSpc>
@@ -2175,8 +2309,8 @@
         </a:p>
       </dsp:txBody>
       <dsp:txXfrm rot="-5400000">
-        <a:off x="1165236" y="1527103"/>
-        <a:ext cx="3329232" cy="976366"/>
+        <a:off x="982936" y="1303747"/>
+        <a:ext cx="4121157" cy="823614"/>
       </dsp:txXfrm>
     </dsp:sp>
     <dsp:sp modelId="{1EF1D0A2-CEB4-4E60-AB0F-BCD66F169E2A}">
@@ -2186,8 +2320,8 @@
       </dsp:nvSpPr>
       <dsp:spPr>
         <a:xfrm rot="5400000">
-          <a:off x="-249693" y="3195305"/>
-          <a:ext cx="1664622" cy="1165235"/>
+          <a:off x="-210629" y="2728846"/>
+          <a:ext cx="1404193" cy="982935"/>
         </a:xfrm>
         <a:prstGeom prst="chevron">
           <a:avLst/>
@@ -2200,7 +2334,7 @@
                 <a:hueOff val="0"/>
                 <a:satOff val="0"/>
                 <a:lumOff val="0"/>
-                <a:alphaOff val="-40000"/>
+                <a:alphaOff val="-26667"/>
                 <a:lumMod val="110000"/>
                 <a:satMod val="105000"/>
                 <a:tint val="67000"/>
@@ -2212,7 +2346,7 @@
                 <a:hueOff val="0"/>
                 <a:satOff val="0"/>
                 <a:lumOff val="0"/>
-                <a:alphaOff val="-40000"/>
+                <a:alphaOff val="-26667"/>
                 <a:lumMod val="105000"/>
                 <a:satMod val="103000"/>
                 <a:tint val="73000"/>
@@ -2224,7 +2358,7 @@
                 <a:hueOff val="0"/>
                 <a:satOff val="0"/>
                 <a:lumOff val="0"/>
-                <a:alphaOff val="-40000"/>
+                <a:alphaOff val="-26667"/>
                 <a:lumMod val="105000"/>
                 <a:satMod val="109000"/>
                 <a:tint val="81000"/>
@@ -2240,7 +2374,7 @@
               <a:hueOff val="0"/>
               <a:satOff val="0"/>
               <a:lumOff val="0"/>
-              <a:alphaOff val="-40000"/>
+              <a:alphaOff val="-26667"/>
             </a:schemeClr>
           </a:solidFill>
           <a:prstDash val="solid"/>
@@ -2287,8 +2421,8 @@
         </a:p>
       </dsp:txBody>
       <dsp:txXfrm rot="-5400000">
-        <a:off x="1" y="3528230"/>
-        <a:ext cx="1165235" cy="499387"/>
+        <a:off x="1" y="3009685"/>
+        <a:ext cx="982935" cy="421258"/>
       </dsp:txXfrm>
     </dsp:sp>
     <dsp:sp modelId="{CFC34C5D-362C-4F86-88A4-FBF87B2C7427}">
@@ -2298,8 +2432,8 @@
       </dsp:nvSpPr>
       <dsp:spPr>
         <a:xfrm rot="5400000">
-          <a:off x="2315259" y="1795588"/>
-          <a:ext cx="1082004" cy="3382051"/>
+          <a:off x="2609429" y="891723"/>
+          <a:ext cx="912726" cy="4165713"/>
         </a:xfrm>
         <a:prstGeom prst="round2SameRect">
           <a:avLst/>
@@ -2320,7 +2454,7 @@
               <a:hueOff val="0"/>
               <a:satOff val="0"/>
               <a:lumOff val="0"/>
-              <a:alphaOff val="-40000"/>
+              <a:alphaOff val="-26667"/>
             </a:schemeClr>
           </a:solidFill>
           <a:prstDash val="solid"/>
@@ -2423,8 +2557,237 @@
         </a:p>
       </dsp:txBody>
       <dsp:txXfrm rot="-5400000">
-        <a:off x="1165236" y="2998431"/>
-        <a:ext cx="3329232" cy="976366"/>
+        <a:off x="982936" y="2562772"/>
+        <a:ext cx="4121157" cy="823614"/>
+      </dsp:txXfrm>
+    </dsp:sp>
+    <dsp:sp modelId="{C6191146-B27E-4576-889C-63715DA6B13F}">
+      <dsp:nvSpPr>
+        <dsp:cNvPr id="0" name=""/>
+        <dsp:cNvSpPr/>
+      </dsp:nvSpPr>
+      <dsp:spPr>
+        <a:xfrm rot="5400000">
+          <a:off x="-210629" y="3987873"/>
+          <a:ext cx="1404193" cy="982935"/>
+        </a:xfrm>
+        <a:prstGeom prst="chevron">
+          <a:avLst/>
+        </a:prstGeom>
+        <a:gradFill rotWithShape="0">
+          <a:gsLst>
+            <a:gs pos="0">
+              <a:schemeClr val="accent1">
+                <a:alpha val="90000"/>
+                <a:hueOff val="0"/>
+                <a:satOff val="0"/>
+                <a:lumOff val="0"/>
+                <a:alphaOff val="-40000"/>
+                <a:lumMod val="110000"/>
+                <a:satMod val="105000"/>
+                <a:tint val="67000"/>
+              </a:schemeClr>
+            </a:gs>
+            <a:gs pos="50000">
+              <a:schemeClr val="accent1">
+                <a:alpha val="90000"/>
+                <a:hueOff val="0"/>
+                <a:satOff val="0"/>
+                <a:lumOff val="0"/>
+                <a:alphaOff val="-40000"/>
+                <a:lumMod val="105000"/>
+                <a:satMod val="103000"/>
+                <a:tint val="73000"/>
+              </a:schemeClr>
+            </a:gs>
+            <a:gs pos="100000">
+              <a:schemeClr val="accent1">
+                <a:alpha val="90000"/>
+                <a:hueOff val="0"/>
+                <a:satOff val="0"/>
+                <a:lumOff val="0"/>
+                <a:alphaOff val="-40000"/>
+                <a:lumMod val="105000"/>
+                <a:satMod val="109000"/>
+                <a:tint val="81000"/>
+              </a:schemeClr>
+            </a:gs>
+          </a:gsLst>
+          <a:lin ang="5400000" scaled="0"/>
+        </a:gradFill>
+        <a:ln w="6350" cap="flat" cmpd="sng" algn="ctr">
+          <a:solidFill>
+            <a:schemeClr val="accent1">
+              <a:alpha val="90000"/>
+              <a:hueOff val="0"/>
+              <a:satOff val="0"/>
+              <a:lumOff val="0"/>
+              <a:alphaOff val="-40000"/>
+            </a:schemeClr>
+          </a:solidFill>
+          <a:prstDash val="solid"/>
+          <a:miter lim="800000"/>
+        </a:ln>
+        <a:effectLst/>
+      </dsp:spPr>
+      <dsp:style>
+        <a:lnRef idx="1">
+          <a:scrgbClr r="0" g="0" b="0"/>
+        </a:lnRef>
+        <a:fillRef idx="2">
+          <a:scrgbClr r="0" g="0" b="0"/>
+        </a:fillRef>
+        <a:effectRef idx="1">
+          <a:scrgbClr r="0" g="0" b="0"/>
+        </a:effectRef>
+        <a:fontRef idx="minor">
+          <a:schemeClr val="dk1"/>
+        </a:fontRef>
+      </dsp:style>
+      <dsp:txBody>
+        <a:bodyPr spcFirstLastPara="0" vert="horz" wrap="square" lIns="7620" tIns="7620" rIns="7620" bIns="7620" numCol="1" spcCol="1270" anchor="ctr" anchorCtr="0">
+          <a:noAutofit/>
+        </a:bodyPr>
+        <a:lstStyle/>
+        <a:p>
+          <a:pPr lvl="0" algn="ctr" defTabSz="533400">
+            <a:lnSpc>
+              <a:spcPct val="90000"/>
+            </a:lnSpc>
+            <a:spcBef>
+              <a:spcPct val="0"/>
+            </a:spcBef>
+            <a:spcAft>
+              <a:spcPct val="35000"/>
+            </a:spcAft>
+          </a:pPr>
+          <a:r>
+            <a:rPr lang="en-US" sz="1200" b="1" kern="1200" dirty="0" smtClean="0"/>
+            <a:t>More</a:t>
+          </a:r>
+          <a:endParaRPr lang="en-US" sz="1200" b="1" kern="1200" dirty="0"/>
+        </a:p>
+      </dsp:txBody>
+      <dsp:txXfrm rot="-5400000">
+        <a:off x="1" y="4268712"/>
+        <a:ext cx="982935" cy="421258"/>
+      </dsp:txXfrm>
+    </dsp:sp>
+    <dsp:sp modelId="{635E652E-FF37-4DFF-95CD-8CA4BA2A8607}">
+      <dsp:nvSpPr>
+        <dsp:cNvPr id="0" name=""/>
+        <dsp:cNvSpPr/>
+      </dsp:nvSpPr>
+      <dsp:spPr>
+        <a:xfrm rot="5400000">
+          <a:off x="2609429" y="2150750"/>
+          <a:ext cx="912726" cy="4165713"/>
+        </a:xfrm>
+        <a:prstGeom prst="round2SameRect">
+          <a:avLst/>
+        </a:prstGeom>
+        <a:solidFill>
+          <a:schemeClr val="lt1">
+            <a:alpha val="90000"/>
+            <a:hueOff val="0"/>
+            <a:satOff val="0"/>
+            <a:lumOff val="0"/>
+            <a:alphaOff val="0"/>
+          </a:schemeClr>
+        </a:solidFill>
+        <a:ln w="6350" cap="flat" cmpd="sng" algn="ctr">
+          <a:solidFill>
+            <a:schemeClr val="accent1">
+              <a:alpha val="90000"/>
+              <a:hueOff val="0"/>
+              <a:satOff val="0"/>
+              <a:lumOff val="0"/>
+              <a:alphaOff val="-40000"/>
+            </a:schemeClr>
+          </a:solidFill>
+          <a:prstDash val="solid"/>
+          <a:miter lim="800000"/>
+        </a:ln>
+        <a:effectLst/>
+      </dsp:spPr>
+      <dsp:style>
+        <a:lnRef idx="1">
+          <a:scrgbClr r="0" g="0" b="0"/>
+        </a:lnRef>
+        <a:fillRef idx="1">
+          <a:scrgbClr r="0" g="0" b="0"/>
+        </a:fillRef>
+        <a:effectRef idx="0">
+          <a:scrgbClr r="0" g="0" b="0"/>
+        </a:effectRef>
+        <a:fontRef idx="minor"/>
+      </dsp:style>
+      <dsp:txBody>
+        <a:bodyPr spcFirstLastPara="0" vert="horz" wrap="square" lIns="85344" tIns="7620" rIns="7620" bIns="7620" numCol="1" spcCol="1270" anchor="ctr" anchorCtr="0">
+          <a:noAutofit/>
+        </a:bodyPr>
+        <a:lstStyle/>
+        <a:p>
+          <a:pPr marL="114300" lvl="1" indent="-114300" algn="l" defTabSz="533400">
+            <a:lnSpc>
+              <a:spcPct val="90000"/>
+            </a:lnSpc>
+            <a:spcBef>
+              <a:spcPct val="0"/>
+            </a:spcBef>
+            <a:spcAft>
+              <a:spcPct val="15000"/>
+            </a:spcAft>
+            <a:buChar char="••"/>
+          </a:pPr>
+          <a:r>
+            <a:rPr lang="en-US" sz="1200" kern="1200" dirty="0" smtClean="0"/>
+            <a:t>Explore</a:t>
+          </a:r>
+          <a:endParaRPr lang="en-US" sz="1200" kern="1200" dirty="0"/>
+        </a:p>
+        <a:p>
+          <a:pPr marL="114300" lvl="1" indent="-114300" algn="l" defTabSz="533400">
+            <a:lnSpc>
+              <a:spcPct val="90000"/>
+            </a:lnSpc>
+            <a:spcBef>
+              <a:spcPct val="0"/>
+            </a:spcBef>
+            <a:spcAft>
+              <a:spcPct val="15000"/>
+            </a:spcAft>
+            <a:buChar char="••"/>
+          </a:pPr>
+          <a:r>
+            <a:rPr lang="en-US" sz="1200" kern="1200" dirty="0" smtClean="0"/>
+            <a:t>Read</a:t>
+          </a:r>
+          <a:endParaRPr lang="en-US" sz="1200" kern="1200" dirty="0"/>
+        </a:p>
+        <a:p>
+          <a:pPr marL="114300" lvl="1" indent="-114300" algn="l" defTabSz="533400">
+            <a:lnSpc>
+              <a:spcPct val="90000"/>
+            </a:lnSpc>
+            <a:spcBef>
+              <a:spcPct val="0"/>
+            </a:spcBef>
+            <a:spcAft>
+              <a:spcPct val="15000"/>
+            </a:spcAft>
+            <a:buChar char="••"/>
+          </a:pPr>
+          <a:r>
+            <a:rPr lang="en-US" sz="1200" kern="1200" dirty="0" smtClean="0"/>
+            <a:t>Hack</a:t>
+          </a:r>
+          <a:endParaRPr lang="en-US" sz="1200" kern="1200" dirty="0"/>
+        </a:p>
+      </dsp:txBody>
+      <dsp:txXfrm rot="-5400000">
+        <a:off x="982936" y="3821799"/>
+        <a:ext cx="4121157" cy="823614"/>
       </dsp:txXfrm>
     </dsp:sp>
   </dsp:spTree>
@@ -3796,7 +4159,7 @@
             </a:lvl1pPr>
           </a:lstStyle>
           <a:p>
-            <a:endParaRPr lang="en-US"/>
+            <a:endParaRPr lang="en-US" dirty="0"/>
           </a:p>
         </p:txBody>
       </p:sp>
@@ -3831,7 +4194,7 @@
               <a:rPr lang="en-US" smtClean="0"/>
               <a:t>10/27/2015</a:t>
             </a:fld>
-            <a:endParaRPr lang="en-US"/>
+            <a:endParaRPr lang="en-US" dirty="0"/>
           </a:p>
         </p:txBody>
       </p:sp>
@@ -3864,7 +4227,7 @@
           <a:bodyPr vert="horz" lIns="91440" tIns="45720" rIns="91440" bIns="45720" rtlCol="0" anchor="ctr"/>
           <a:lstStyle/>
           <a:p>
-            <a:endParaRPr lang="en-US"/>
+            <a:endParaRPr lang="en-US" dirty="0"/>
           </a:p>
         </p:txBody>
       </p:sp>
@@ -3955,7 +4318,7 @@
             </a:lvl1pPr>
           </a:lstStyle>
           <a:p>
-            <a:endParaRPr lang="en-US"/>
+            <a:endParaRPr lang="en-US" dirty="0"/>
           </a:p>
         </p:txBody>
       </p:sp>
@@ -3990,7 +4353,7 @@
               <a:rPr lang="en-US" smtClean="0"/>
               <a:t>‹#›</a:t>
             </a:fld>
-            <a:endParaRPr lang="en-US"/>
+            <a:endParaRPr lang="en-US" dirty="0"/>
           </a:p>
         </p:txBody>
       </p:sp>
@@ -4141,7 +4504,7 @@
           <a:bodyPr/>
           <a:lstStyle/>
           <a:p>
-            <a:endParaRPr lang="en-US"/>
+            <a:endParaRPr lang="en-US" dirty="0"/>
           </a:p>
         </p:txBody>
       </p:sp>
@@ -4164,7 +4527,7 @@
               <a:rPr lang="en-US" smtClean="0"/>
               <a:t>1</a:t>
             </a:fld>
-            <a:endParaRPr lang="en-US"/>
+            <a:endParaRPr lang="en-US" dirty="0"/>
           </a:p>
         </p:txBody>
       </p:sp>
@@ -4314,7 +4677,7 @@
               <a:rPr lang="en-US" smtClean="0"/>
               <a:t>10/27/2015</a:t>
             </a:fld>
-            <a:endParaRPr lang="en-US"/>
+            <a:endParaRPr lang="en-US" dirty="0"/>
           </a:p>
         </p:txBody>
       </p:sp>
@@ -4333,7 +4696,7 @@
           <a:bodyPr/>
           <a:lstStyle/>
           <a:p>
-            <a:endParaRPr lang="en-US"/>
+            <a:endParaRPr lang="en-US" dirty="0"/>
           </a:p>
         </p:txBody>
       </p:sp>
@@ -4356,7 +4719,7 @@
               <a:rPr lang="en-US" smtClean="0"/>
               <a:t>‹#›</a:t>
             </a:fld>
-            <a:endParaRPr lang="en-US"/>
+            <a:endParaRPr lang="en-US" dirty="0"/>
           </a:p>
         </p:txBody>
       </p:sp>
@@ -4484,7 +4847,7 @@
               <a:rPr lang="en-US" smtClean="0"/>
               <a:t>10/27/2015</a:t>
             </a:fld>
-            <a:endParaRPr lang="en-US"/>
+            <a:endParaRPr lang="en-US" dirty="0"/>
           </a:p>
         </p:txBody>
       </p:sp>
@@ -4503,7 +4866,7 @@
           <a:bodyPr/>
           <a:lstStyle/>
           <a:p>
-            <a:endParaRPr lang="en-US"/>
+            <a:endParaRPr lang="en-US" dirty="0"/>
           </a:p>
         </p:txBody>
       </p:sp>
@@ -4526,7 +4889,7 @@
               <a:rPr lang="en-US" smtClean="0"/>
               <a:t>‹#›</a:t>
             </a:fld>
-            <a:endParaRPr lang="en-US"/>
+            <a:endParaRPr lang="en-US" dirty="0"/>
           </a:p>
         </p:txBody>
       </p:sp>
@@ -4664,7 +5027,7 @@
               <a:rPr lang="en-US" smtClean="0"/>
               <a:t>10/27/2015</a:t>
             </a:fld>
-            <a:endParaRPr lang="en-US"/>
+            <a:endParaRPr lang="en-US" dirty="0"/>
           </a:p>
         </p:txBody>
       </p:sp>
@@ -4683,7 +5046,7 @@
           <a:bodyPr/>
           <a:lstStyle/>
           <a:p>
-            <a:endParaRPr lang="en-US"/>
+            <a:endParaRPr lang="en-US" dirty="0"/>
           </a:p>
         </p:txBody>
       </p:sp>
@@ -4706,7 +5069,7 @@
               <a:rPr lang="en-US" smtClean="0"/>
               <a:t>‹#›</a:t>
             </a:fld>
-            <a:endParaRPr lang="en-US"/>
+            <a:endParaRPr lang="en-US" dirty="0"/>
           </a:p>
         </p:txBody>
       </p:sp>
@@ -4834,7 +5197,7 @@
               <a:rPr lang="en-US" smtClean="0"/>
               <a:t>10/27/2015</a:t>
             </a:fld>
-            <a:endParaRPr lang="en-US"/>
+            <a:endParaRPr lang="en-US" dirty="0"/>
           </a:p>
         </p:txBody>
       </p:sp>
@@ -4853,7 +5216,7 @@
           <a:bodyPr/>
           <a:lstStyle/>
           <a:p>
-            <a:endParaRPr lang="en-US"/>
+            <a:endParaRPr lang="en-US" dirty="0"/>
           </a:p>
         </p:txBody>
       </p:sp>
@@ -4876,7 +5239,7 @@
               <a:rPr lang="en-US" smtClean="0"/>
               <a:t>‹#›</a:t>
             </a:fld>
-            <a:endParaRPr lang="en-US"/>
+            <a:endParaRPr lang="en-US" dirty="0"/>
           </a:p>
         </p:txBody>
       </p:sp>
@@ -5078,7 +5441,7 @@
               <a:rPr lang="en-US" smtClean="0"/>
               <a:t>10/27/2015</a:t>
             </a:fld>
-            <a:endParaRPr lang="en-US"/>
+            <a:endParaRPr lang="en-US" dirty="0"/>
           </a:p>
         </p:txBody>
       </p:sp>
@@ -5097,7 +5460,7 @@
           <a:bodyPr/>
           <a:lstStyle/>
           <a:p>
-            <a:endParaRPr lang="en-US"/>
+            <a:endParaRPr lang="en-US" dirty="0"/>
           </a:p>
         </p:txBody>
       </p:sp>
@@ -5120,7 +5483,7 @@
               <a:rPr lang="en-US" smtClean="0"/>
               <a:t>‹#›</a:t>
             </a:fld>
-            <a:endParaRPr lang="en-US"/>
+            <a:endParaRPr lang="en-US" dirty="0"/>
           </a:p>
         </p:txBody>
       </p:sp>
@@ -5310,7 +5673,7 @@
               <a:rPr lang="en-US" smtClean="0"/>
               <a:t>10/27/2015</a:t>
             </a:fld>
-            <a:endParaRPr lang="en-US"/>
+            <a:endParaRPr lang="en-US" dirty="0"/>
           </a:p>
         </p:txBody>
       </p:sp>
@@ -5329,7 +5692,7 @@
           <a:bodyPr/>
           <a:lstStyle/>
           <a:p>
-            <a:endParaRPr lang="en-US"/>
+            <a:endParaRPr lang="en-US" dirty="0"/>
           </a:p>
         </p:txBody>
       </p:sp>
@@ -5352,7 +5715,7 @@
               <a:rPr lang="en-US" smtClean="0"/>
               <a:t>‹#›</a:t>
             </a:fld>
-            <a:endParaRPr lang="en-US"/>
+            <a:endParaRPr lang="en-US" dirty="0"/>
           </a:p>
         </p:txBody>
       </p:sp>
@@ -5677,7 +6040,7 @@
               <a:rPr lang="en-US" smtClean="0"/>
               <a:t>10/27/2015</a:t>
             </a:fld>
-            <a:endParaRPr lang="en-US"/>
+            <a:endParaRPr lang="en-US" dirty="0"/>
           </a:p>
         </p:txBody>
       </p:sp>
@@ -5696,7 +6059,7 @@
           <a:bodyPr/>
           <a:lstStyle/>
           <a:p>
-            <a:endParaRPr lang="en-US"/>
+            <a:endParaRPr lang="en-US" dirty="0"/>
           </a:p>
         </p:txBody>
       </p:sp>
@@ -5719,7 +6082,7 @@
               <a:rPr lang="en-US" smtClean="0"/>
               <a:t>‹#›</a:t>
             </a:fld>
-            <a:endParaRPr lang="en-US"/>
+            <a:endParaRPr lang="en-US" dirty="0"/>
           </a:p>
         </p:txBody>
       </p:sp>
@@ -5795,7 +6158,7 @@
               <a:rPr lang="en-US" smtClean="0"/>
               <a:t>10/27/2015</a:t>
             </a:fld>
-            <a:endParaRPr lang="en-US"/>
+            <a:endParaRPr lang="en-US" dirty="0"/>
           </a:p>
         </p:txBody>
       </p:sp>
@@ -5814,7 +6177,7 @@
           <a:bodyPr/>
           <a:lstStyle/>
           <a:p>
-            <a:endParaRPr lang="en-US"/>
+            <a:endParaRPr lang="en-US" dirty="0"/>
           </a:p>
         </p:txBody>
       </p:sp>
@@ -5837,7 +6200,7 @@
               <a:rPr lang="en-US" smtClean="0"/>
               <a:t>‹#›</a:t>
             </a:fld>
-            <a:endParaRPr lang="en-US"/>
+            <a:endParaRPr lang="en-US" dirty="0"/>
           </a:p>
         </p:txBody>
       </p:sp>
@@ -5890,7 +6253,7 @@
               <a:rPr lang="en-US" smtClean="0"/>
               <a:t>10/27/2015</a:t>
             </a:fld>
-            <a:endParaRPr lang="en-US"/>
+            <a:endParaRPr lang="en-US" dirty="0"/>
           </a:p>
         </p:txBody>
       </p:sp>
@@ -5909,7 +6272,7 @@
           <a:bodyPr/>
           <a:lstStyle/>
           <a:p>
-            <a:endParaRPr lang="en-US"/>
+            <a:endParaRPr lang="en-US" dirty="0"/>
           </a:p>
         </p:txBody>
       </p:sp>
@@ -5932,7 +6295,7 @@
               <a:rPr lang="en-US" smtClean="0"/>
               <a:t>‹#›</a:t>
             </a:fld>
-            <a:endParaRPr lang="en-US"/>
+            <a:endParaRPr lang="en-US" dirty="0"/>
           </a:p>
         </p:txBody>
       </p:sp>
@@ -6167,7 +6530,7 @@
               <a:rPr lang="en-US" smtClean="0"/>
               <a:t>10/27/2015</a:t>
             </a:fld>
-            <a:endParaRPr lang="en-US"/>
+            <a:endParaRPr lang="en-US" dirty="0"/>
           </a:p>
         </p:txBody>
       </p:sp>
@@ -6186,7 +6549,7 @@
           <a:bodyPr/>
           <a:lstStyle/>
           <a:p>
-            <a:endParaRPr lang="en-US"/>
+            <a:endParaRPr lang="en-US" dirty="0"/>
           </a:p>
         </p:txBody>
       </p:sp>
@@ -6209,7 +6572,7 @@
               <a:rPr lang="en-US" smtClean="0"/>
               <a:t>‹#›</a:t>
             </a:fld>
-            <a:endParaRPr lang="en-US"/>
+            <a:endParaRPr lang="en-US" dirty="0"/>
           </a:p>
         </p:txBody>
       </p:sp>
@@ -6333,7 +6696,7 @@
           </a:lstStyle>
           <a:p>
             <a:r>
-              <a:rPr lang="en-US" smtClean="0"/>
+              <a:rPr lang="en-US" dirty="0" smtClean="0"/>
               <a:t>Click icon to add picture</a:t>
             </a:r>
             <a:endParaRPr lang="en-US" dirty="0"/>
@@ -6424,7 +6787,7 @@
               <a:rPr lang="en-US" smtClean="0"/>
               <a:t>10/27/2015</a:t>
             </a:fld>
-            <a:endParaRPr lang="en-US"/>
+            <a:endParaRPr lang="en-US" dirty="0"/>
           </a:p>
         </p:txBody>
       </p:sp>
@@ -6443,7 +6806,7 @@
           <a:bodyPr/>
           <a:lstStyle/>
           <a:p>
-            <a:endParaRPr lang="en-US"/>
+            <a:endParaRPr lang="en-US" dirty="0"/>
           </a:p>
         </p:txBody>
       </p:sp>
@@ -6466,7 +6829,7 @@
               <a:rPr lang="en-US" smtClean="0"/>
               <a:t>‹#›</a:t>
             </a:fld>
-            <a:endParaRPr lang="en-US"/>
+            <a:endParaRPr lang="en-US" dirty="0"/>
           </a:p>
         </p:txBody>
       </p:sp>
@@ -6646,7 +7009,7 @@
               <a:rPr lang="en-US" smtClean="0"/>
               <a:t>10/27/2015</a:t>
             </a:fld>
-            <a:endParaRPr lang="en-US"/>
+            <a:endParaRPr lang="en-US" dirty="0"/>
           </a:p>
         </p:txBody>
       </p:sp>
@@ -6683,7 +7046,7 @@
             </a:lvl1pPr>
           </a:lstStyle>
           <a:p>
-            <a:endParaRPr lang="en-US"/>
+            <a:endParaRPr lang="en-US" dirty="0"/>
           </a:p>
         </p:txBody>
       </p:sp>
@@ -6724,7 +7087,7 @@
               <a:rPr lang="en-US" smtClean="0"/>
               <a:t>‹#›</a:t>
             </a:fld>
-            <a:endParaRPr lang="en-US"/>
+            <a:endParaRPr lang="en-US" dirty="0"/>
           </a:p>
         </p:txBody>
       </p:sp>
@@ -7223,7 +7586,7 @@
               <a:pPr algn="l"/>
               <a:t>2</a:t>
             </a:fld>
-            <a:endParaRPr lang="en-US"/>
+            <a:endParaRPr lang="en-US" dirty="0"/>
           </a:p>
         </p:txBody>
       </p:sp>
@@ -7234,14 +7597,14 @@
           <p:nvPr>
             <p:extLst>
               <p:ext uri="{D42A27DB-BD31-4B8C-83A1-F6EECF244321}">
-                <p14:modId xmlns:p14="http://schemas.microsoft.com/office/powerpoint/2010/main" val="3086349745"/>
+                <p14:modId xmlns:p14="http://schemas.microsoft.com/office/powerpoint/2010/main" val="2999347628"/>
               </p:ext>
             </p:extLst>
           </p:nvPr>
         </p:nvGraphicFramePr>
         <p:xfrm>
-          <a:off x="724929" y="1037967"/>
-          <a:ext cx="4547287" cy="4613190"/>
+          <a:off x="712229" y="1037966"/>
+          <a:ext cx="5148649" cy="5181602"/>
         </p:xfrm>
         <a:graphic>
           <a:graphicData uri="http://schemas.openxmlformats.org/drawingml/2006/diagram">
@@ -7357,7 +7720,7 @@
               <a:pPr algn="l"/>
               <a:t>3</a:t>
             </a:fld>
-            <a:endParaRPr lang="en-US"/>
+            <a:endParaRPr lang="en-US" dirty="0"/>
           </a:p>
         </p:txBody>
       </p:sp>
@@ -7481,7 +7844,7 @@
           <a:p>
             <a:r>
               <a:rPr lang="en-US" dirty="0" smtClean="0"/>
-              <a:t>No Redundancy</a:t>
+              <a:t>No Resiliency</a:t>
             </a:r>
           </a:p>
           <a:p>
@@ -7568,7 +7931,7 @@
               <a:pPr algn="l"/>
               <a:t>4</a:t>
             </a:fld>
-            <a:endParaRPr lang="en-US"/>
+            <a:endParaRPr lang="en-US" dirty="0"/>
           </a:p>
         </p:txBody>
       </p:sp>
@@ -7635,7 +7998,7 @@
               <a:pPr algn="l"/>
               <a:t>5</a:t>
             </a:fld>
-            <a:endParaRPr lang="en-US"/>
+            <a:endParaRPr lang="en-US" dirty="0"/>
           </a:p>
         </p:txBody>
       </p:sp>
@@ -7702,7 +8065,7 @@
               <a:pPr algn="l"/>
               <a:t>6</a:t>
             </a:fld>
-            <a:endParaRPr lang="en-US"/>
+            <a:endParaRPr lang="en-US" dirty="0"/>
           </a:p>
         </p:txBody>
       </p:sp>
@@ -7716,6 +8079,13 @@
   <p:clrMapOvr>
     <a:masterClrMapping/>
   </p:clrMapOvr>
+  <p:timing>
+    <p:tnLst>
+      <p:par>
+        <p:cTn id="1" dur="indefinite" restart="never" nodeType="tmRoot"/>
+      </p:par>
+    </p:tnLst>
+  </p:timing>
 </p:sld>
 </file>
 

--- a/Presentation/Service Bus Integration Patterns.pptx
+++ b/Presentation/Service Bus Integration Patterns.pptx
@@ -5,7 +5,7 @@
     <p:sldMasterId id="2147483660" r:id="rId1"/>
   </p:sldMasterIdLst>
   <p:notesMasterIdLst>
-    <p:notesMasterId r:id="rId8"/>
+    <p:notesMasterId r:id="rId12"/>
   </p:notesMasterIdLst>
   <p:sldIdLst>
     <p:sldId id="256" r:id="rId2"/>
@@ -14,6 +14,10 @@
     <p:sldId id="261" r:id="rId5"/>
     <p:sldId id="259" r:id="rId6"/>
     <p:sldId id="260" r:id="rId7"/>
+    <p:sldId id="262" r:id="rId8"/>
+    <p:sldId id="263" r:id="rId9"/>
+    <p:sldId id="264" r:id="rId10"/>
+    <p:sldId id="265" r:id="rId11"/>
   </p:sldIdLst>
   <p:sldSz cx="9144000" cy="6858000" type="screen4x3"/>
   <p:notesSz cx="6858000" cy="9144000"/>
@@ -7543,6 +7547,127 @@
 </p:sld>
 </file>
 
+<file path=ppt/slides/slide10.xml><?xml version="1.0" encoding="utf-8"?>
+<p:sld xmlns:a="http://schemas.openxmlformats.org/drawingml/2006/main" xmlns:r="http://schemas.openxmlformats.org/officeDocument/2006/relationships" xmlns:p="http://schemas.openxmlformats.org/presentationml/2006/main">
+  <p:cSld>
+    <p:spTree>
+      <p:nvGrpSpPr>
+        <p:cNvPr id="1" name=""/>
+        <p:cNvGrpSpPr/>
+        <p:nvPr/>
+      </p:nvGrpSpPr>
+      <p:grpSpPr>
+        <a:xfrm>
+          <a:off x="0" y="0"/>
+          <a:ext cx="0" cy="0"/>
+          <a:chOff x="0" y="0"/>
+          <a:chExt cx="0" cy="0"/>
+        </a:xfrm>
+      </p:grpSpPr>
+      <p:sp>
+        <p:nvSpPr>
+          <p:cNvPr id="7" name="Title 6"/>
+          <p:cNvSpPr>
+            <a:spLocks noGrp="1"/>
+          </p:cNvSpPr>
+          <p:nvPr>
+            <p:ph type="title"/>
+          </p:nvPr>
+        </p:nvSpPr>
+        <p:spPr/>
+        <p:txBody>
+          <a:bodyPr>
+            <a:normAutofit/>
+          </a:bodyPr>
+          <a:lstStyle/>
+          <a:p>
+            <a:r>
+              <a:rPr lang="en-US" sz="3200" dirty="0" smtClean="0"/>
+              <a:t>				Read</a:t>
+            </a:r>
+            <a:endParaRPr lang="en-US" sz="3200" dirty="0"/>
+          </a:p>
+        </p:txBody>
+      </p:sp>
+      <p:sp>
+        <p:nvSpPr>
+          <p:cNvPr id="8" name="Content Placeholder 7"/>
+          <p:cNvSpPr>
+            <a:spLocks noGrp="1"/>
+          </p:cNvSpPr>
+          <p:nvPr>
+            <p:ph idx="1"/>
+          </p:nvPr>
+        </p:nvSpPr>
+        <p:spPr/>
+        <p:txBody>
+          <a:bodyPr/>
+          <a:lstStyle/>
+          <a:p>
+            <a:r>
+              <a:rPr lang="en-US" dirty="0">
+                <a:hlinkClick r:id="rId2"/>
+              </a:rPr>
+              <a:t>https://</a:t>
+            </a:r>
+            <a:r>
+              <a:rPr lang="en-US" dirty="0" smtClean="0">
+                <a:hlinkClick r:id="rId2"/>
+              </a:rPr>
+              <a:t>media.readthedocs.org/pdf/masstransit/latest/masstransit.pdf</a:t>
+            </a:r>
+            <a:endParaRPr lang="en-US" dirty="0" smtClean="0"/>
+          </a:p>
+          <a:p>
+            <a:endParaRPr lang="en-US" dirty="0"/>
+          </a:p>
+        </p:txBody>
+      </p:sp>
+      <p:sp>
+        <p:nvSpPr>
+          <p:cNvPr id="4" name="Slide Number Placeholder 3"/>
+          <p:cNvSpPr>
+            <a:spLocks noGrp="1"/>
+          </p:cNvSpPr>
+          <p:nvPr>
+            <p:ph type="sldNum" sz="quarter" idx="12"/>
+          </p:nvPr>
+        </p:nvSpPr>
+        <p:spPr/>
+        <p:txBody>
+          <a:bodyPr/>
+          <a:lstStyle/>
+          <a:p>
+            <a:pPr algn="l"/>
+            <a:fld id="{3BF2E178-8897-4B1C-8CC9-F674D03C0FD1}" type="slidenum">
+              <a:rPr lang="en-US" smtClean="0"/>
+              <a:pPr algn="l"/>
+              <a:t>10</a:t>
+            </a:fld>
+            <a:endParaRPr lang="en-US" dirty="0"/>
+          </a:p>
+        </p:txBody>
+      </p:sp>
+    </p:spTree>
+    <p:extLst>
+      <p:ext uri="{BB962C8B-B14F-4D97-AF65-F5344CB8AC3E}">
+        <p14:creationId xmlns:p14="http://schemas.microsoft.com/office/powerpoint/2010/main" val="1567771047"/>
+      </p:ext>
+    </p:extLst>
+  </p:cSld>
+  <p:clrMapOvr>
+    <a:masterClrMapping/>
+  </p:clrMapOvr>
+  <p:timing>
+    <p:tnLst>
+      <p:par>
+        <p:cTn id="1" dur="indefinite" restart="never" nodeType="tmRoot"/>
+      </p:par>
+    </p:tnLst>
+  </p:timing>
+</p:sld>
+</file>
+
 <file path=ppt/slides/slide2.xml><?xml version="1.0" encoding="utf-8"?>
 <p:sld xmlns:a="http://schemas.openxmlformats.org/drawingml/2006/main" xmlns:r="http://schemas.openxmlformats.org/officeDocument/2006/relationships" xmlns:p="http://schemas.openxmlformats.org/presentationml/2006/main">
   <p:cSld>
@@ -7667,7 +7792,12 @@
             <p:ph type="title"/>
           </p:nvPr>
         </p:nvSpPr>
-        <p:spPr/>
+        <p:spPr>
+          <a:xfrm>
+            <a:off x="628650" y="-63242"/>
+            <a:ext cx="7886700" cy="1325563"/>
+          </a:xfrm>
+        </p:spPr>
         <p:txBody>
           <a:bodyPr/>
           <a:lstStyle/>
@@ -7974,6 +8104,61 @@
       </p:grpSpPr>
       <p:sp>
         <p:nvSpPr>
+          <p:cNvPr id="2" name="Title 1"/>
+          <p:cNvSpPr>
+            <a:spLocks noGrp="1"/>
+          </p:cNvSpPr>
+          <p:nvPr>
+            <p:ph type="title"/>
+          </p:nvPr>
+        </p:nvSpPr>
+        <p:spPr>
+          <a:xfrm>
+            <a:off x="3437752" y="-79717"/>
+            <a:ext cx="7886700" cy="1325563"/>
+          </a:xfrm>
+        </p:spPr>
+        <p:txBody>
+          <a:bodyPr/>
+          <a:lstStyle/>
+          <a:p>
+            <a:r>
+              <a:rPr lang="en-US" sz="3200" dirty="0" err="1" smtClean="0"/>
+              <a:t>MassTransit</a:t>
+            </a:r>
+            <a:endParaRPr lang="en-US" sz="3200" dirty="0"/>
+          </a:p>
+        </p:txBody>
+      </p:sp>
+      <p:sp>
+        <p:nvSpPr>
+          <p:cNvPr id="3" name="Content Placeholder 2"/>
+          <p:cNvSpPr>
+            <a:spLocks noGrp="1"/>
+          </p:cNvSpPr>
+          <p:nvPr>
+            <p:ph idx="1"/>
+          </p:nvPr>
+        </p:nvSpPr>
+        <p:spPr>
+          <a:xfrm>
+            <a:off x="521558" y="1245846"/>
+            <a:ext cx="7886700" cy="4351338"/>
+          </a:xfrm>
+        </p:spPr>
+        <p:txBody>
+          <a:bodyPr/>
+          <a:lstStyle/>
+          <a:p>
+            <a:pPr marL="0" indent="0">
+              <a:buNone/>
+            </a:pPr>
+            <a:endParaRPr lang="en-US" dirty="0"/>
+          </a:p>
+        </p:txBody>
+      </p:sp>
+      <p:sp>
+        <p:nvSpPr>
           <p:cNvPr id="4" name="Slide Number Placeholder 3"/>
           <p:cNvSpPr>
             <a:spLocks noGrp="1"/>
@@ -7982,12 +8167,7 @@
             <p:ph type="sldNum" sz="quarter" idx="12"/>
           </p:nvPr>
         </p:nvSpPr>
-        <p:spPr>
-          <a:xfrm>
-            <a:off x="625565" y="6438731"/>
-            <a:ext cx="2057400" cy="365125"/>
-          </a:xfrm>
-        </p:spPr>
+        <p:spPr/>
         <p:txBody>
           <a:bodyPr/>
           <a:lstStyle/>
@@ -8073,6 +8253,207 @@
     <p:extLst>
       <p:ext uri="{BB962C8B-B14F-4D97-AF65-F5344CB8AC3E}">
         <p14:creationId xmlns:p14="http://schemas.microsoft.com/office/powerpoint/2010/main" val="4273581717"/>
+      </p:ext>
+    </p:extLst>
+  </p:cSld>
+  <p:clrMapOvr>
+    <a:masterClrMapping/>
+  </p:clrMapOvr>
+  <p:timing>
+    <p:tnLst>
+      <p:par>
+        <p:cTn id="1" dur="indefinite" restart="never" nodeType="tmRoot"/>
+      </p:par>
+    </p:tnLst>
+  </p:timing>
+</p:sld>
+</file>
+
+<file path=ppt/slides/slide7.xml><?xml version="1.0" encoding="utf-8"?>
+<p:sld xmlns:a="http://schemas.openxmlformats.org/drawingml/2006/main" xmlns:r="http://schemas.openxmlformats.org/officeDocument/2006/relationships" xmlns:p="http://schemas.openxmlformats.org/presentationml/2006/main">
+  <p:cSld>
+    <p:spTree>
+      <p:nvGrpSpPr>
+        <p:cNvPr id="1" name=""/>
+        <p:cNvGrpSpPr/>
+        <p:nvPr/>
+      </p:nvGrpSpPr>
+      <p:grpSpPr>
+        <a:xfrm>
+          <a:off x="0" y="0"/>
+          <a:ext cx="0" cy="0"/>
+          <a:chOff x="0" y="0"/>
+          <a:chExt cx="0" cy="0"/>
+        </a:xfrm>
+      </p:grpSpPr>
+      <p:sp>
+        <p:nvSpPr>
+          <p:cNvPr id="4" name="Slide Number Placeholder 3"/>
+          <p:cNvSpPr>
+            <a:spLocks noGrp="1"/>
+          </p:cNvSpPr>
+          <p:nvPr>
+            <p:ph type="sldNum" sz="quarter" idx="12"/>
+          </p:nvPr>
+        </p:nvSpPr>
+        <p:spPr>
+          <a:xfrm>
+            <a:off x="625565" y="6438731"/>
+            <a:ext cx="2057400" cy="365125"/>
+          </a:xfrm>
+        </p:spPr>
+        <p:txBody>
+          <a:bodyPr/>
+          <a:lstStyle/>
+          <a:p>
+            <a:pPr algn="l"/>
+            <a:fld id="{3BF2E178-8897-4B1C-8CC9-F674D03C0FD1}" type="slidenum">
+              <a:rPr lang="en-US" smtClean="0"/>
+              <a:pPr algn="l"/>
+              <a:t>7</a:t>
+            </a:fld>
+            <a:endParaRPr lang="en-US" dirty="0"/>
+          </a:p>
+        </p:txBody>
+      </p:sp>
+    </p:spTree>
+    <p:extLst>
+      <p:ext uri="{BB962C8B-B14F-4D97-AF65-F5344CB8AC3E}">
+        <p14:creationId xmlns:p14="http://schemas.microsoft.com/office/powerpoint/2010/main" val="2718114254"/>
+      </p:ext>
+    </p:extLst>
+  </p:cSld>
+  <p:clrMapOvr>
+    <a:masterClrMapping/>
+  </p:clrMapOvr>
+  <p:timing>
+    <p:tnLst>
+      <p:par>
+        <p:cTn id="1" dur="indefinite" restart="never" nodeType="tmRoot"/>
+      </p:par>
+    </p:tnLst>
+  </p:timing>
+</p:sld>
+</file>
+
+<file path=ppt/slides/slide8.xml><?xml version="1.0" encoding="utf-8"?>
+<p:sld xmlns:a="http://schemas.openxmlformats.org/drawingml/2006/main" xmlns:r="http://schemas.openxmlformats.org/officeDocument/2006/relationships" xmlns:p="http://schemas.openxmlformats.org/presentationml/2006/main">
+  <p:cSld>
+    <p:spTree>
+      <p:nvGrpSpPr>
+        <p:cNvPr id="1" name=""/>
+        <p:cNvGrpSpPr/>
+        <p:nvPr/>
+      </p:nvGrpSpPr>
+      <p:grpSpPr>
+        <a:xfrm>
+          <a:off x="0" y="0"/>
+          <a:ext cx="0" cy="0"/>
+          <a:chOff x="0" y="0"/>
+          <a:chExt cx="0" cy="0"/>
+        </a:xfrm>
+      </p:grpSpPr>
+      <p:sp>
+        <p:nvSpPr>
+          <p:cNvPr id="4" name="Slide Number Placeholder 3"/>
+          <p:cNvSpPr>
+            <a:spLocks noGrp="1"/>
+          </p:cNvSpPr>
+          <p:nvPr>
+            <p:ph type="sldNum" sz="quarter" idx="12"/>
+          </p:nvPr>
+        </p:nvSpPr>
+        <p:spPr>
+          <a:xfrm>
+            <a:off x="625565" y="6438731"/>
+            <a:ext cx="2057400" cy="365125"/>
+          </a:xfrm>
+        </p:spPr>
+        <p:txBody>
+          <a:bodyPr/>
+          <a:lstStyle/>
+          <a:p>
+            <a:pPr algn="l"/>
+            <a:fld id="{3BF2E178-8897-4B1C-8CC9-F674D03C0FD1}" type="slidenum">
+              <a:rPr lang="en-US" smtClean="0"/>
+              <a:pPr algn="l"/>
+              <a:t>8</a:t>
+            </a:fld>
+            <a:endParaRPr lang="en-US" dirty="0"/>
+          </a:p>
+        </p:txBody>
+      </p:sp>
+    </p:spTree>
+    <p:extLst>
+      <p:ext uri="{BB962C8B-B14F-4D97-AF65-F5344CB8AC3E}">
+        <p14:creationId xmlns:p14="http://schemas.microsoft.com/office/powerpoint/2010/main" val="2009715107"/>
+      </p:ext>
+    </p:extLst>
+  </p:cSld>
+  <p:clrMapOvr>
+    <a:masterClrMapping/>
+  </p:clrMapOvr>
+  <p:timing>
+    <p:tnLst>
+      <p:par>
+        <p:cTn id="1" dur="indefinite" restart="never" nodeType="tmRoot"/>
+      </p:par>
+    </p:tnLst>
+  </p:timing>
+</p:sld>
+</file>
+
+<file path=ppt/slides/slide9.xml><?xml version="1.0" encoding="utf-8"?>
+<p:sld xmlns:a="http://schemas.openxmlformats.org/drawingml/2006/main" xmlns:r="http://schemas.openxmlformats.org/officeDocument/2006/relationships" xmlns:p="http://schemas.openxmlformats.org/presentationml/2006/main">
+  <p:cSld>
+    <p:spTree>
+      <p:nvGrpSpPr>
+        <p:cNvPr id="1" name=""/>
+        <p:cNvGrpSpPr/>
+        <p:nvPr/>
+      </p:nvGrpSpPr>
+      <p:grpSpPr>
+        <a:xfrm>
+          <a:off x="0" y="0"/>
+          <a:ext cx="0" cy="0"/>
+          <a:chOff x="0" y="0"/>
+          <a:chExt cx="0" cy="0"/>
+        </a:xfrm>
+      </p:grpSpPr>
+      <p:sp>
+        <p:nvSpPr>
+          <p:cNvPr id="4" name="Slide Number Placeholder 3"/>
+          <p:cNvSpPr>
+            <a:spLocks noGrp="1"/>
+          </p:cNvSpPr>
+          <p:nvPr>
+            <p:ph type="sldNum" sz="quarter" idx="12"/>
+          </p:nvPr>
+        </p:nvSpPr>
+        <p:spPr>
+          <a:xfrm>
+            <a:off x="625565" y="6438731"/>
+            <a:ext cx="2057400" cy="365125"/>
+          </a:xfrm>
+        </p:spPr>
+        <p:txBody>
+          <a:bodyPr/>
+          <a:lstStyle/>
+          <a:p>
+            <a:pPr algn="l"/>
+            <a:fld id="{3BF2E178-8897-4B1C-8CC9-F674D03C0FD1}" type="slidenum">
+              <a:rPr lang="en-US" smtClean="0"/>
+              <a:pPr algn="l"/>
+              <a:t>9</a:t>
+            </a:fld>
+            <a:endParaRPr lang="en-US" dirty="0"/>
+          </a:p>
+        </p:txBody>
+      </p:sp>
+    </p:spTree>
+    <p:extLst>
+      <p:ext uri="{BB962C8B-B14F-4D97-AF65-F5344CB8AC3E}">
+        <p14:creationId xmlns:p14="http://schemas.microsoft.com/office/powerpoint/2010/main" val="4049557803"/>
       </p:ext>
     </p:extLst>
   </p:cSld>

--- a/Presentation/Service Bus Integration Patterns.pptx
+++ b/Presentation/Service Bus Integration Patterns.pptx
@@ -5,19 +5,26 @@
     <p:sldMasterId id="2147483660" r:id="rId1"/>
   </p:sldMasterIdLst>
   <p:notesMasterIdLst>
-    <p:notesMasterId r:id="rId12"/>
+    <p:notesMasterId r:id="rId19"/>
   </p:notesMasterIdLst>
   <p:sldIdLst>
     <p:sldId id="256" r:id="rId2"/>
     <p:sldId id="257" r:id="rId3"/>
-    <p:sldId id="258" r:id="rId4"/>
+    <p:sldId id="266" r:id="rId4"/>
     <p:sldId id="261" r:id="rId5"/>
     <p:sldId id="259" r:id="rId6"/>
     <p:sldId id="260" r:id="rId7"/>
     <p:sldId id="262" r:id="rId8"/>
     <p:sldId id="263" r:id="rId9"/>
-    <p:sldId id="264" r:id="rId10"/>
-    <p:sldId id="265" r:id="rId11"/>
+    <p:sldId id="267" r:id="rId10"/>
+    <p:sldId id="268" r:id="rId11"/>
+    <p:sldId id="269" r:id="rId12"/>
+    <p:sldId id="271" r:id="rId13"/>
+    <p:sldId id="272" r:id="rId14"/>
+    <p:sldId id="273" r:id="rId15"/>
+    <p:sldId id="270" r:id="rId16"/>
+    <p:sldId id="264" r:id="rId17"/>
+    <p:sldId id="265" r:id="rId18"/>
   </p:sldIdLst>
   <p:sldSz cx="9144000" cy="6858000" type="screen4x3"/>
   <p:notesSz cx="6858000" cy="9144000"/>
@@ -971,6 +978,753 @@
     <dgm:fillClrLst meth="repeat">
       <a:schemeClr val="accent1">
         <a:tint val="40000"/>
+      </a:schemeClr>
+    </dgm:fillClrLst>
+    <dgm:linClrLst meth="repeat">
+      <a:schemeClr val="lt1"/>
+    </dgm:linClrLst>
+    <dgm:effectClrLst/>
+    <dgm:txLinClrLst/>
+    <dgm:txFillClrLst meth="repeat">
+      <a:schemeClr val="dk1"/>
+    </dgm:txFillClrLst>
+    <dgm:txEffectClrLst/>
+  </dgm:styleLbl>
+  <dgm:styleLbl name="revTx">
+    <dgm:fillClrLst meth="repeat">
+      <a:schemeClr val="lt1">
+        <a:alpha val="0"/>
+      </a:schemeClr>
+    </dgm:fillClrLst>
+    <dgm:linClrLst meth="repeat">
+      <a:schemeClr val="dk1">
+        <a:alpha val="0"/>
+      </a:schemeClr>
+    </dgm:linClrLst>
+    <dgm:effectClrLst/>
+    <dgm:txLinClrLst/>
+    <dgm:txFillClrLst meth="repeat">
+      <a:schemeClr val="tx1"/>
+    </dgm:txFillClrLst>
+    <dgm:txEffectClrLst/>
+  </dgm:styleLbl>
+</dgm:colorsDef>
+</file>
+
+<file path=ppt/diagrams/colors2.xml><?xml version="1.0" encoding="utf-8"?>
+<dgm:colorsDef xmlns:dgm="http://schemas.openxmlformats.org/drawingml/2006/diagram" xmlns:a="http://schemas.openxmlformats.org/drawingml/2006/main" uniqueId="urn:microsoft.com/office/officeart/2005/8/colors/accent1_2">
+  <dgm:title val=""/>
+  <dgm:desc val=""/>
+  <dgm:catLst>
+    <dgm:cat type="accent1" pri="11200"/>
+  </dgm:catLst>
+  <dgm:styleLbl name="node0">
+    <dgm:fillClrLst meth="repeat">
+      <a:schemeClr val="accent1"/>
+    </dgm:fillClrLst>
+    <dgm:linClrLst meth="repeat">
+      <a:schemeClr val="lt1"/>
+    </dgm:linClrLst>
+    <dgm:effectClrLst/>
+    <dgm:txLinClrLst/>
+    <dgm:txFillClrLst/>
+    <dgm:txEffectClrLst/>
+  </dgm:styleLbl>
+  <dgm:styleLbl name="alignNode1">
+    <dgm:fillClrLst meth="repeat">
+      <a:schemeClr val="accent1"/>
+    </dgm:fillClrLst>
+    <dgm:linClrLst meth="repeat">
+      <a:schemeClr val="accent1"/>
+    </dgm:linClrLst>
+    <dgm:effectClrLst/>
+    <dgm:txLinClrLst/>
+    <dgm:txFillClrLst/>
+    <dgm:txEffectClrLst/>
+  </dgm:styleLbl>
+  <dgm:styleLbl name="node1">
+    <dgm:fillClrLst meth="repeat">
+      <a:schemeClr val="accent1"/>
+    </dgm:fillClrLst>
+    <dgm:linClrLst meth="repeat">
+      <a:schemeClr val="lt1"/>
+    </dgm:linClrLst>
+    <dgm:effectClrLst/>
+    <dgm:txLinClrLst/>
+    <dgm:txFillClrLst/>
+    <dgm:txEffectClrLst/>
+  </dgm:styleLbl>
+  <dgm:styleLbl name="lnNode1">
+    <dgm:fillClrLst meth="repeat">
+      <a:schemeClr val="accent1"/>
+    </dgm:fillClrLst>
+    <dgm:linClrLst meth="repeat">
+      <a:schemeClr val="lt1"/>
+    </dgm:linClrLst>
+    <dgm:effectClrLst/>
+    <dgm:txLinClrLst/>
+    <dgm:txFillClrLst/>
+    <dgm:txEffectClrLst/>
+  </dgm:styleLbl>
+  <dgm:styleLbl name="vennNode1">
+    <dgm:fillClrLst meth="repeat">
+      <a:schemeClr val="accent1">
+        <a:alpha val="50000"/>
+      </a:schemeClr>
+    </dgm:fillClrLst>
+    <dgm:linClrLst meth="repeat">
+      <a:schemeClr val="lt1"/>
+    </dgm:linClrLst>
+    <dgm:effectClrLst/>
+    <dgm:txLinClrLst/>
+    <dgm:txFillClrLst/>
+    <dgm:txEffectClrLst/>
+  </dgm:styleLbl>
+  <dgm:styleLbl name="node2">
+    <dgm:fillClrLst meth="repeat">
+      <a:schemeClr val="accent1"/>
+    </dgm:fillClrLst>
+    <dgm:linClrLst meth="repeat">
+      <a:schemeClr val="lt1"/>
+    </dgm:linClrLst>
+    <dgm:effectClrLst/>
+    <dgm:txLinClrLst/>
+    <dgm:txFillClrLst/>
+    <dgm:txEffectClrLst/>
+  </dgm:styleLbl>
+  <dgm:styleLbl name="node3">
+    <dgm:fillClrLst meth="repeat">
+      <a:schemeClr val="accent1"/>
+    </dgm:fillClrLst>
+    <dgm:linClrLst meth="repeat">
+      <a:schemeClr val="lt1"/>
+    </dgm:linClrLst>
+    <dgm:effectClrLst/>
+    <dgm:txLinClrLst/>
+    <dgm:txFillClrLst/>
+    <dgm:txEffectClrLst/>
+  </dgm:styleLbl>
+  <dgm:styleLbl name="node4">
+    <dgm:fillClrLst meth="repeat">
+      <a:schemeClr val="accent1"/>
+    </dgm:fillClrLst>
+    <dgm:linClrLst meth="repeat">
+      <a:schemeClr val="lt1"/>
+    </dgm:linClrLst>
+    <dgm:effectClrLst/>
+    <dgm:txLinClrLst/>
+    <dgm:txFillClrLst/>
+    <dgm:txEffectClrLst/>
+  </dgm:styleLbl>
+  <dgm:styleLbl name="fgImgPlace1">
+    <dgm:fillClrLst meth="repeat">
+      <a:schemeClr val="accent1">
+        <a:tint val="50000"/>
+      </a:schemeClr>
+    </dgm:fillClrLst>
+    <dgm:linClrLst meth="repeat">
+      <a:schemeClr val="lt1"/>
+    </dgm:linClrLst>
+    <dgm:effectClrLst/>
+    <dgm:txLinClrLst/>
+    <dgm:txFillClrLst meth="repeat">
+      <a:schemeClr val="lt1"/>
+    </dgm:txFillClrLst>
+    <dgm:txEffectClrLst/>
+  </dgm:styleLbl>
+  <dgm:styleLbl name="alignImgPlace1">
+    <dgm:fillClrLst meth="repeat">
+      <a:schemeClr val="accent1">
+        <a:tint val="50000"/>
+      </a:schemeClr>
+    </dgm:fillClrLst>
+    <dgm:linClrLst meth="repeat">
+      <a:schemeClr val="lt1"/>
+    </dgm:linClrLst>
+    <dgm:effectClrLst/>
+    <dgm:txLinClrLst/>
+    <dgm:txFillClrLst meth="repeat">
+      <a:schemeClr val="lt1"/>
+    </dgm:txFillClrLst>
+    <dgm:txEffectClrLst/>
+  </dgm:styleLbl>
+  <dgm:styleLbl name="bgImgPlace1">
+    <dgm:fillClrLst meth="repeat">
+      <a:schemeClr val="accent1">
+        <a:tint val="50000"/>
+      </a:schemeClr>
+    </dgm:fillClrLst>
+    <dgm:linClrLst meth="repeat">
+      <a:schemeClr val="lt1"/>
+    </dgm:linClrLst>
+    <dgm:effectClrLst/>
+    <dgm:txLinClrLst/>
+    <dgm:txFillClrLst meth="repeat">
+      <a:schemeClr val="lt1"/>
+    </dgm:txFillClrLst>
+    <dgm:txEffectClrLst/>
+  </dgm:styleLbl>
+  <dgm:styleLbl name="sibTrans2D1">
+    <dgm:fillClrLst meth="repeat">
+      <a:schemeClr val="accent1">
+        <a:tint val="60000"/>
+      </a:schemeClr>
+    </dgm:fillClrLst>
+    <dgm:linClrLst meth="repeat">
+      <a:schemeClr val="accent1">
+        <a:tint val="60000"/>
+      </a:schemeClr>
+    </dgm:linClrLst>
+    <dgm:effectClrLst/>
+    <dgm:txLinClrLst/>
+    <dgm:txFillClrLst/>
+    <dgm:txEffectClrLst/>
+  </dgm:styleLbl>
+  <dgm:styleLbl name="fgSibTrans2D1">
+    <dgm:fillClrLst meth="repeat">
+      <a:schemeClr val="accent1">
+        <a:tint val="60000"/>
+      </a:schemeClr>
+    </dgm:fillClrLst>
+    <dgm:linClrLst meth="repeat">
+      <a:schemeClr val="accent1">
+        <a:tint val="60000"/>
+      </a:schemeClr>
+    </dgm:linClrLst>
+    <dgm:effectClrLst/>
+    <dgm:txLinClrLst/>
+    <dgm:txFillClrLst/>
+    <dgm:txEffectClrLst/>
+  </dgm:styleLbl>
+  <dgm:styleLbl name="bgSibTrans2D1">
+    <dgm:fillClrLst meth="repeat">
+      <a:schemeClr val="accent1">
+        <a:tint val="60000"/>
+      </a:schemeClr>
+    </dgm:fillClrLst>
+    <dgm:linClrLst meth="repeat">
+      <a:schemeClr val="accent1">
+        <a:tint val="60000"/>
+      </a:schemeClr>
+    </dgm:linClrLst>
+    <dgm:effectClrLst/>
+    <dgm:txLinClrLst/>
+    <dgm:txFillClrLst/>
+    <dgm:txEffectClrLst/>
+  </dgm:styleLbl>
+  <dgm:styleLbl name="sibTrans1D1">
+    <dgm:fillClrLst meth="repeat">
+      <a:schemeClr val="accent1"/>
+    </dgm:fillClrLst>
+    <dgm:linClrLst meth="repeat">
+      <a:schemeClr val="accent1"/>
+    </dgm:linClrLst>
+    <dgm:effectClrLst/>
+    <dgm:txLinClrLst/>
+    <dgm:txFillClrLst meth="repeat">
+      <a:schemeClr val="tx1"/>
+    </dgm:txFillClrLst>
+    <dgm:txEffectClrLst/>
+  </dgm:styleLbl>
+  <dgm:styleLbl name="callout">
+    <dgm:fillClrLst meth="repeat">
+      <a:schemeClr val="accent1"/>
+    </dgm:fillClrLst>
+    <dgm:linClrLst meth="repeat">
+      <a:schemeClr val="accent1">
+        <a:tint val="50000"/>
+      </a:schemeClr>
+    </dgm:linClrLst>
+    <dgm:effectClrLst/>
+    <dgm:txLinClrLst/>
+    <dgm:txFillClrLst meth="repeat">
+      <a:schemeClr val="tx1"/>
+    </dgm:txFillClrLst>
+    <dgm:txEffectClrLst/>
+  </dgm:styleLbl>
+  <dgm:styleLbl name="asst0">
+    <dgm:fillClrLst meth="repeat">
+      <a:schemeClr val="accent1"/>
+    </dgm:fillClrLst>
+    <dgm:linClrLst meth="repeat">
+      <a:schemeClr val="lt1"/>
+    </dgm:linClrLst>
+    <dgm:effectClrLst/>
+    <dgm:txLinClrLst/>
+    <dgm:txFillClrLst/>
+    <dgm:txEffectClrLst/>
+  </dgm:styleLbl>
+  <dgm:styleLbl name="asst1">
+    <dgm:fillClrLst meth="repeat">
+      <a:schemeClr val="accent1"/>
+    </dgm:fillClrLst>
+    <dgm:linClrLst meth="repeat">
+      <a:schemeClr val="lt1"/>
+    </dgm:linClrLst>
+    <dgm:effectClrLst/>
+    <dgm:txLinClrLst/>
+    <dgm:txFillClrLst/>
+    <dgm:txEffectClrLst/>
+  </dgm:styleLbl>
+  <dgm:styleLbl name="asst2">
+    <dgm:fillClrLst meth="repeat">
+      <a:schemeClr val="accent1"/>
+    </dgm:fillClrLst>
+    <dgm:linClrLst meth="repeat">
+      <a:schemeClr val="lt1"/>
+    </dgm:linClrLst>
+    <dgm:effectClrLst/>
+    <dgm:txLinClrLst/>
+    <dgm:txFillClrLst/>
+    <dgm:txEffectClrLst/>
+  </dgm:styleLbl>
+  <dgm:styleLbl name="asst3">
+    <dgm:fillClrLst meth="repeat">
+      <a:schemeClr val="accent1"/>
+    </dgm:fillClrLst>
+    <dgm:linClrLst meth="repeat">
+      <a:schemeClr val="lt1"/>
+    </dgm:linClrLst>
+    <dgm:effectClrLst/>
+    <dgm:txLinClrLst/>
+    <dgm:txFillClrLst/>
+    <dgm:txEffectClrLst/>
+  </dgm:styleLbl>
+  <dgm:styleLbl name="asst4">
+    <dgm:fillClrLst meth="repeat">
+      <a:schemeClr val="accent1"/>
+    </dgm:fillClrLst>
+    <dgm:linClrLst meth="repeat">
+      <a:schemeClr val="lt1"/>
+    </dgm:linClrLst>
+    <dgm:effectClrLst/>
+    <dgm:txLinClrLst/>
+    <dgm:txFillClrLst/>
+    <dgm:txEffectClrLst/>
+  </dgm:styleLbl>
+  <dgm:styleLbl name="parChTrans2D1">
+    <dgm:fillClrLst meth="repeat">
+      <a:schemeClr val="accent1">
+        <a:tint val="60000"/>
+      </a:schemeClr>
+    </dgm:fillClrLst>
+    <dgm:linClrLst meth="repeat">
+      <a:schemeClr val="accent1">
+        <a:tint val="60000"/>
+      </a:schemeClr>
+    </dgm:linClrLst>
+    <dgm:effectClrLst/>
+    <dgm:txLinClrLst/>
+    <dgm:txFillClrLst meth="repeat">
+      <a:schemeClr val="lt1"/>
+    </dgm:txFillClrLst>
+    <dgm:txEffectClrLst/>
+  </dgm:styleLbl>
+  <dgm:styleLbl name="parChTrans2D2">
+    <dgm:fillClrLst meth="repeat">
+      <a:schemeClr val="accent1"/>
+    </dgm:fillClrLst>
+    <dgm:linClrLst meth="repeat">
+      <a:schemeClr val="accent1"/>
+    </dgm:linClrLst>
+    <dgm:effectClrLst/>
+    <dgm:txLinClrLst/>
+    <dgm:txFillClrLst meth="repeat">
+      <a:schemeClr val="lt1"/>
+    </dgm:txFillClrLst>
+    <dgm:txEffectClrLst/>
+  </dgm:styleLbl>
+  <dgm:styleLbl name="parChTrans2D3">
+    <dgm:fillClrLst meth="repeat">
+      <a:schemeClr val="accent1"/>
+    </dgm:fillClrLst>
+    <dgm:linClrLst meth="repeat">
+      <a:schemeClr val="accent1"/>
+    </dgm:linClrLst>
+    <dgm:effectClrLst/>
+    <dgm:txLinClrLst/>
+    <dgm:txFillClrLst meth="repeat">
+      <a:schemeClr val="lt1"/>
+    </dgm:txFillClrLst>
+    <dgm:txEffectClrLst/>
+  </dgm:styleLbl>
+  <dgm:styleLbl name="parChTrans2D4">
+    <dgm:fillClrLst meth="repeat">
+      <a:schemeClr val="accent1"/>
+    </dgm:fillClrLst>
+    <dgm:linClrLst meth="repeat">
+      <a:schemeClr val="accent1"/>
+    </dgm:linClrLst>
+    <dgm:effectClrLst/>
+    <dgm:txLinClrLst/>
+    <dgm:txFillClrLst meth="repeat">
+      <a:schemeClr val="lt1"/>
+    </dgm:txFillClrLst>
+    <dgm:txEffectClrLst/>
+  </dgm:styleLbl>
+  <dgm:styleLbl name="parChTrans1D1">
+    <dgm:fillClrLst meth="repeat">
+      <a:schemeClr val="accent1"/>
+    </dgm:fillClrLst>
+    <dgm:linClrLst meth="repeat">
+      <a:schemeClr val="accent1">
+        <a:shade val="60000"/>
+      </a:schemeClr>
+    </dgm:linClrLst>
+    <dgm:effectClrLst/>
+    <dgm:txLinClrLst/>
+    <dgm:txFillClrLst meth="repeat">
+      <a:schemeClr val="tx1"/>
+    </dgm:txFillClrLst>
+    <dgm:txEffectClrLst/>
+  </dgm:styleLbl>
+  <dgm:styleLbl name="parChTrans1D2">
+    <dgm:fillClrLst meth="repeat">
+      <a:schemeClr val="accent1"/>
+    </dgm:fillClrLst>
+    <dgm:linClrLst meth="repeat">
+      <a:schemeClr val="accent1">
+        <a:shade val="60000"/>
+      </a:schemeClr>
+    </dgm:linClrLst>
+    <dgm:effectClrLst/>
+    <dgm:txLinClrLst/>
+    <dgm:txFillClrLst meth="repeat">
+      <a:schemeClr val="tx1"/>
+    </dgm:txFillClrLst>
+    <dgm:txEffectClrLst/>
+  </dgm:styleLbl>
+  <dgm:styleLbl name="parChTrans1D3">
+    <dgm:fillClrLst meth="repeat">
+      <a:schemeClr val="accent1"/>
+    </dgm:fillClrLst>
+    <dgm:linClrLst meth="repeat">
+      <a:schemeClr val="accent1">
+        <a:shade val="80000"/>
+      </a:schemeClr>
+    </dgm:linClrLst>
+    <dgm:effectClrLst/>
+    <dgm:txLinClrLst/>
+    <dgm:txFillClrLst meth="repeat">
+      <a:schemeClr val="tx1"/>
+    </dgm:txFillClrLst>
+    <dgm:txEffectClrLst/>
+  </dgm:styleLbl>
+  <dgm:styleLbl name="parChTrans1D4">
+    <dgm:fillClrLst meth="repeat">
+      <a:schemeClr val="accent1"/>
+    </dgm:fillClrLst>
+    <dgm:linClrLst meth="repeat">
+      <a:schemeClr val="accent1">
+        <a:shade val="80000"/>
+      </a:schemeClr>
+    </dgm:linClrLst>
+    <dgm:effectClrLst/>
+    <dgm:txLinClrLst/>
+    <dgm:txFillClrLst meth="repeat">
+      <a:schemeClr val="tx1"/>
+    </dgm:txFillClrLst>
+    <dgm:txEffectClrLst/>
+  </dgm:styleLbl>
+  <dgm:styleLbl name="fgAcc1">
+    <dgm:fillClrLst meth="repeat">
+      <a:schemeClr val="lt1">
+        <a:alpha val="90000"/>
+      </a:schemeClr>
+    </dgm:fillClrLst>
+    <dgm:linClrLst meth="repeat">
+      <a:schemeClr val="accent1"/>
+    </dgm:linClrLst>
+    <dgm:effectClrLst/>
+    <dgm:txLinClrLst/>
+    <dgm:txFillClrLst meth="repeat">
+      <a:schemeClr val="dk1"/>
+    </dgm:txFillClrLst>
+    <dgm:txEffectClrLst/>
+  </dgm:styleLbl>
+  <dgm:styleLbl name="conFgAcc1">
+    <dgm:fillClrLst meth="repeat">
+      <a:schemeClr val="lt1">
+        <a:alpha val="90000"/>
+      </a:schemeClr>
+    </dgm:fillClrLst>
+    <dgm:linClrLst meth="repeat">
+      <a:schemeClr val="accent1"/>
+    </dgm:linClrLst>
+    <dgm:effectClrLst/>
+    <dgm:txLinClrLst/>
+    <dgm:txFillClrLst meth="repeat">
+      <a:schemeClr val="dk1"/>
+    </dgm:txFillClrLst>
+    <dgm:txEffectClrLst/>
+  </dgm:styleLbl>
+  <dgm:styleLbl name="alignAcc1">
+    <dgm:fillClrLst meth="repeat">
+      <a:schemeClr val="lt1">
+        <a:alpha val="90000"/>
+      </a:schemeClr>
+    </dgm:fillClrLst>
+    <dgm:linClrLst meth="repeat">
+      <a:schemeClr val="accent1"/>
+    </dgm:linClrLst>
+    <dgm:effectClrLst/>
+    <dgm:txLinClrLst/>
+    <dgm:txFillClrLst meth="repeat">
+      <a:schemeClr val="dk1"/>
+    </dgm:txFillClrLst>
+    <dgm:txEffectClrLst/>
+  </dgm:styleLbl>
+  <dgm:styleLbl name="trAlignAcc1">
+    <dgm:fillClrLst meth="repeat">
+      <a:schemeClr val="lt1">
+        <a:alpha val="40000"/>
+      </a:schemeClr>
+    </dgm:fillClrLst>
+    <dgm:linClrLst meth="repeat">
+      <a:schemeClr val="accent1"/>
+    </dgm:linClrLst>
+    <dgm:effectClrLst/>
+    <dgm:txLinClrLst/>
+    <dgm:txFillClrLst meth="repeat">
+      <a:schemeClr val="dk1"/>
+    </dgm:txFillClrLst>
+    <dgm:txEffectClrLst/>
+  </dgm:styleLbl>
+  <dgm:styleLbl name="bgAcc1">
+    <dgm:fillClrLst meth="repeat">
+      <a:schemeClr val="lt1">
+        <a:alpha val="90000"/>
+      </a:schemeClr>
+    </dgm:fillClrLst>
+    <dgm:linClrLst meth="repeat">
+      <a:schemeClr val="accent1"/>
+    </dgm:linClrLst>
+    <dgm:effectClrLst/>
+    <dgm:txLinClrLst/>
+    <dgm:txFillClrLst meth="repeat">
+      <a:schemeClr val="dk1"/>
+    </dgm:txFillClrLst>
+    <dgm:txEffectClrLst/>
+  </dgm:styleLbl>
+  <dgm:styleLbl name="solidFgAcc1">
+    <dgm:fillClrLst meth="repeat">
+      <a:schemeClr val="lt1"/>
+    </dgm:fillClrLst>
+    <dgm:linClrLst meth="repeat">
+      <a:schemeClr val="accent1"/>
+    </dgm:linClrLst>
+    <dgm:effectClrLst/>
+    <dgm:txLinClrLst/>
+    <dgm:txFillClrLst meth="repeat">
+      <a:schemeClr val="dk1"/>
+    </dgm:txFillClrLst>
+    <dgm:txEffectClrLst/>
+  </dgm:styleLbl>
+  <dgm:styleLbl name="solidAlignAcc1">
+    <dgm:fillClrLst meth="repeat">
+      <a:schemeClr val="lt1"/>
+    </dgm:fillClrLst>
+    <dgm:linClrLst meth="repeat">
+      <a:schemeClr val="accent1"/>
+    </dgm:linClrLst>
+    <dgm:effectClrLst/>
+    <dgm:txLinClrLst/>
+    <dgm:txFillClrLst meth="repeat">
+      <a:schemeClr val="dk1"/>
+    </dgm:txFillClrLst>
+    <dgm:txEffectClrLst/>
+  </dgm:styleLbl>
+  <dgm:styleLbl name="solidBgAcc1">
+    <dgm:fillClrLst meth="repeat">
+      <a:schemeClr val="lt1"/>
+    </dgm:fillClrLst>
+    <dgm:linClrLst meth="repeat">
+      <a:schemeClr val="accent1"/>
+    </dgm:linClrLst>
+    <dgm:effectClrLst/>
+    <dgm:txLinClrLst/>
+    <dgm:txFillClrLst meth="repeat">
+      <a:schemeClr val="dk1"/>
+    </dgm:txFillClrLst>
+    <dgm:txEffectClrLst/>
+  </dgm:styleLbl>
+  <dgm:styleLbl name="fgAccFollowNode1">
+    <dgm:fillClrLst meth="repeat">
+      <a:schemeClr val="accent1">
+        <a:alpha val="90000"/>
+        <a:tint val="40000"/>
+      </a:schemeClr>
+    </dgm:fillClrLst>
+    <dgm:linClrLst meth="repeat">
+      <a:schemeClr val="accent1">
+        <a:alpha val="90000"/>
+        <a:tint val="40000"/>
+      </a:schemeClr>
+    </dgm:linClrLst>
+    <dgm:effectClrLst/>
+    <dgm:txLinClrLst/>
+    <dgm:txFillClrLst meth="repeat">
+      <a:schemeClr val="dk1"/>
+    </dgm:txFillClrLst>
+    <dgm:txEffectClrLst/>
+  </dgm:styleLbl>
+  <dgm:styleLbl name="alignAccFollowNode1">
+    <dgm:fillClrLst meth="repeat">
+      <a:schemeClr val="accent1">
+        <a:alpha val="90000"/>
+        <a:tint val="40000"/>
+      </a:schemeClr>
+    </dgm:fillClrLst>
+    <dgm:linClrLst meth="repeat">
+      <a:schemeClr val="accent1">
+        <a:alpha val="90000"/>
+        <a:tint val="40000"/>
+      </a:schemeClr>
+    </dgm:linClrLst>
+    <dgm:effectClrLst/>
+    <dgm:txLinClrLst/>
+    <dgm:txFillClrLst meth="repeat">
+      <a:schemeClr val="dk1"/>
+    </dgm:txFillClrLst>
+    <dgm:txEffectClrLst/>
+  </dgm:styleLbl>
+  <dgm:styleLbl name="bgAccFollowNode1">
+    <dgm:fillClrLst meth="repeat">
+      <a:schemeClr val="accent1">
+        <a:alpha val="90000"/>
+        <a:tint val="40000"/>
+      </a:schemeClr>
+    </dgm:fillClrLst>
+    <dgm:linClrLst meth="repeat">
+      <a:schemeClr val="accent1">
+        <a:alpha val="90000"/>
+        <a:tint val="40000"/>
+      </a:schemeClr>
+    </dgm:linClrLst>
+    <dgm:effectClrLst/>
+    <dgm:txLinClrLst/>
+    <dgm:txFillClrLst meth="repeat">
+      <a:schemeClr val="dk1"/>
+    </dgm:txFillClrLst>
+    <dgm:txEffectClrLst/>
+  </dgm:styleLbl>
+  <dgm:styleLbl name="fgAcc0">
+    <dgm:fillClrLst meth="repeat">
+      <a:schemeClr val="lt1">
+        <a:alpha val="90000"/>
+      </a:schemeClr>
+    </dgm:fillClrLst>
+    <dgm:linClrLst meth="repeat">
+      <a:schemeClr val="accent1"/>
+    </dgm:linClrLst>
+    <dgm:effectClrLst/>
+    <dgm:txLinClrLst/>
+    <dgm:txFillClrLst meth="repeat">
+      <a:schemeClr val="dk1"/>
+    </dgm:txFillClrLst>
+    <dgm:txEffectClrLst/>
+  </dgm:styleLbl>
+  <dgm:styleLbl name="fgAcc2">
+    <dgm:fillClrLst meth="repeat">
+      <a:schemeClr val="lt1">
+        <a:alpha val="90000"/>
+      </a:schemeClr>
+    </dgm:fillClrLst>
+    <dgm:linClrLst meth="repeat">
+      <a:schemeClr val="accent1"/>
+    </dgm:linClrLst>
+    <dgm:effectClrLst/>
+    <dgm:txLinClrLst/>
+    <dgm:txFillClrLst meth="repeat">
+      <a:schemeClr val="dk1"/>
+    </dgm:txFillClrLst>
+    <dgm:txEffectClrLst/>
+  </dgm:styleLbl>
+  <dgm:styleLbl name="fgAcc3">
+    <dgm:fillClrLst meth="repeat">
+      <a:schemeClr val="lt1">
+        <a:alpha val="90000"/>
+      </a:schemeClr>
+    </dgm:fillClrLst>
+    <dgm:linClrLst meth="repeat">
+      <a:schemeClr val="accent1"/>
+    </dgm:linClrLst>
+    <dgm:effectClrLst/>
+    <dgm:txLinClrLst/>
+    <dgm:txFillClrLst meth="repeat">
+      <a:schemeClr val="dk1"/>
+    </dgm:txFillClrLst>
+    <dgm:txEffectClrLst/>
+  </dgm:styleLbl>
+  <dgm:styleLbl name="fgAcc4">
+    <dgm:fillClrLst meth="repeat">
+      <a:schemeClr val="lt1">
+        <a:alpha val="90000"/>
+      </a:schemeClr>
+    </dgm:fillClrLst>
+    <dgm:linClrLst meth="repeat">
+      <a:schemeClr val="accent1"/>
+    </dgm:linClrLst>
+    <dgm:effectClrLst/>
+    <dgm:txLinClrLst/>
+    <dgm:txFillClrLst meth="repeat">
+      <a:schemeClr val="dk1"/>
+    </dgm:txFillClrLst>
+    <dgm:txEffectClrLst/>
+  </dgm:styleLbl>
+  <dgm:styleLbl name="bgShp">
+    <dgm:fillClrLst meth="repeat">
+      <a:schemeClr val="accent1">
+        <a:tint val="40000"/>
+      </a:schemeClr>
+    </dgm:fillClrLst>
+    <dgm:linClrLst meth="repeat">
+      <a:schemeClr val="accent1"/>
+    </dgm:linClrLst>
+    <dgm:effectClrLst/>
+    <dgm:txLinClrLst/>
+    <dgm:txFillClrLst meth="repeat">
+      <a:schemeClr val="dk1"/>
+    </dgm:txFillClrLst>
+    <dgm:txEffectClrLst/>
+  </dgm:styleLbl>
+  <dgm:styleLbl name="dkBgShp">
+    <dgm:fillClrLst meth="repeat">
+      <a:schemeClr val="accent1">
+        <a:shade val="80000"/>
+      </a:schemeClr>
+    </dgm:fillClrLst>
+    <dgm:linClrLst meth="repeat">
+      <a:schemeClr val="accent1"/>
+    </dgm:linClrLst>
+    <dgm:effectClrLst/>
+    <dgm:txLinClrLst/>
+    <dgm:txFillClrLst meth="repeat">
+      <a:schemeClr val="lt1"/>
+    </dgm:txFillClrLst>
+    <dgm:txEffectClrLst/>
+  </dgm:styleLbl>
+  <dgm:styleLbl name="trBgShp">
+    <dgm:fillClrLst meth="repeat">
+      <a:schemeClr val="accent1">
+        <a:tint val="50000"/>
+        <a:alpha val="40000"/>
+      </a:schemeClr>
+    </dgm:fillClrLst>
+    <dgm:linClrLst meth="repeat">
+      <a:schemeClr val="accent1"/>
+    </dgm:linClrLst>
+    <dgm:effectClrLst/>
+    <dgm:txLinClrLst/>
+    <dgm:txFillClrLst meth="repeat">
+      <a:schemeClr val="lt1"/>
+    </dgm:txFillClrLst>
+    <dgm:txEffectClrLst/>
+  </dgm:styleLbl>
+  <dgm:styleLbl name="fgShp">
+    <dgm:fillClrLst meth="repeat">
+      <a:schemeClr val="accent1">
+        <a:tint val="60000"/>
       </a:schemeClr>
     </dgm:fillClrLst>
     <dgm:linClrLst meth="repeat">
@@ -1840,6 +2594,217 @@
     <dgm:cxn modelId="{66538C3E-61BA-4BE8-B557-E45BC8762EB4}" type="presParOf" srcId="{839CC9F4-E7D6-485F-85CD-EC9B7273AD54}" destId="{819C4513-EF8F-46D1-ADCC-A470DC7D0E88}" srcOrd="6" destOrd="0" presId="urn:microsoft.com/office/officeart/2005/8/layout/chevron2"/>
     <dgm:cxn modelId="{AB8CF3AD-0548-4882-8BF2-4CB4A321A3BA}" type="presParOf" srcId="{819C4513-EF8F-46D1-ADCC-A470DC7D0E88}" destId="{C6191146-B27E-4576-889C-63715DA6B13F}" srcOrd="0" destOrd="0" presId="urn:microsoft.com/office/officeart/2005/8/layout/chevron2"/>
     <dgm:cxn modelId="{391F5A27-38D7-4790-860A-CA0F89E78744}" type="presParOf" srcId="{819C4513-EF8F-46D1-ADCC-A470DC7D0E88}" destId="{635E652E-FF37-4DFF-95CD-8CA4BA2A8607}" srcOrd="1" destOrd="0" presId="urn:microsoft.com/office/officeart/2005/8/layout/chevron2"/>
+  </dgm:cxnLst>
+  <dgm:bg/>
+  <dgm:whole/>
+  <dgm:extLst>
+    <a:ext uri="http://schemas.microsoft.com/office/drawing/2008/diagram">
+      <dsp:dataModelExt xmlns:dsp="http://schemas.microsoft.com/office/drawing/2008/diagram" relId="rId6" minVer="http://schemas.openxmlformats.org/drawingml/2006/diagram"/>
+    </a:ext>
+  </dgm:extLst>
+</dgm:dataModel>
+</file>
+
+<file path=ppt/diagrams/data2.xml><?xml version="1.0" encoding="utf-8"?>
+<dgm:dataModel xmlns:dgm="http://schemas.openxmlformats.org/drawingml/2006/diagram" xmlns:a="http://schemas.openxmlformats.org/drawingml/2006/main">
+  <dgm:ptLst>
+    <dgm:pt modelId="{539BF942-A207-4E7C-99B3-7698E004D5E5}" type="doc">
+      <dgm:prSet loTypeId="urn:microsoft.com/office/officeart/2005/8/layout/hProcess9" loCatId="process" qsTypeId="urn:microsoft.com/office/officeart/2005/8/quickstyle/simple1" qsCatId="simple" csTypeId="urn:microsoft.com/office/officeart/2005/8/colors/accent1_2" csCatId="accent1"/>
+      <dgm:spPr/>
+      <dgm:t>
+        <a:bodyPr/>
+        <a:lstStyle/>
+        <a:p>
+          <a:endParaRPr lang="en-US"/>
+        </a:p>
+      </dgm:t>
+    </dgm:pt>
+    <dgm:pt modelId="{143D05CC-F468-4C65-91EC-074C756494D4}">
+      <dgm:prSet/>
+      <dgm:spPr/>
+      <dgm:t>
+        <a:bodyPr/>
+        <a:lstStyle/>
+        <a:p>
+          <a:pPr rtl="0"/>
+          <a:r>
+            <a:rPr lang="en-US" smtClean="0"/>
+            <a:t>Scalability</a:t>
+          </a:r>
+          <a:endParaRPr lang="en-US"/>
+        </a:p>
+      </dgm:t>
+    </dgm:pt>
+    <dgm:pt modelId="{DBC36DEE-DED6-4BA6-8671-26A2BAF05968}" type="parTrans" cxnId="{CF8D7F4B-1763-44AA-99F8-94281C15C99E}">
+      <dgm:prSet/>
+      <dgm:spPr/>
+      <dgm:t>
+        <a:bodyPr/>
+        <a:lstStyle/>
+        <a:p>
+          <a:endParaRPr lang="en-US"/>
+        </a:p>
+      </dgm:t>
+    </dgm:pt>
+    <dgm:pt modelId="{3333C61F-3E72-4E94-AEC1-3B292C56C446}" type="sibTrans" cxnId="{CF8D7F4B-1763-44AA-99F8-94281C15C99E}">
+      <dgm:prSet/>
+      <dgm:spPr/>
+      <dgm:t>
+        <a:bodyPr/>
+        <a:lstStyle/>
+        <a:p>
+          <a:endParaRPr lang="en-US"/>
+        </a:p>
+      </dgm:t>
+    </dgm:pt>
+    <dgm:pt modelId="{5744C49E-8F23-495C-A67B-5FC9532640ED}">
+      <dgm:prSet/>
+      <dgm:spPr/>
+      <dgm:t>
+        <a:bodyPr/>
+        <a:lstStyle/>
+        <a:p>
+          <a:pPr rtl="0"/>
+          <a:r>
+            <a:rPr lang="en-US" smtClean="0"/>
+            <a:t>Resiliency</a:t>
+          </a:r>
+          <a:endParaRPr lang="en-US"/>
+        </a:p>
+      </dgm:t>
+    </dgm:pt>
+    <dgm:pt modelId="{BDA510B9-F636-45B7-A934-6FFDAA653E29}" type="parTrans" cxnId="{B16B019A-7EF4-4809-90A6-D02347DCF56B}">
+      <dgm:prSet/>
+      <dgm:spPr/>
+      <dgm:t>
+        <a:bodyPr/>
+        <a:lstStyle/>
+        <a:p>
+          <a:endParaRPr lang="en-US"/>
+        </a:p>
+      </dgm:t>
+    </dgm:pt>
+    <dgm:pt modelId="{EACE0BA4-C3D2-44AF-AD6B-F8E839237173}" type="sibTrans" cxnId="{B16B019A-7EF4-4809-90A6-D02347DCF56B}">
+      <dgm:prSet/>
+      <dgm:spPr/>
+      <dgm:t>
+        <a:bodyPr/>
+        <a:lstStyle/>
+        <a:p>
+          <a:endParaRPr lang="en-US"/>
+        </a:p>
+      </dgm:t>
+    </dgm:pt>
+    <dgm:pt modelId="{2A48A4BA-89B3-4A76-96EE-8F2973A94679}">
+      <dgm:prSet/>
+      <dgm:spPr/>
+      <dgm:t>
+        <a:bodyPr/>
+        <a:lstStyle/>
+        <a:p>
+          <a:pPr rtl="0"/>
+          <a:r>
+            <a:rPr lang="en-US" dirty="0" smtClean="0"/>
+            <a:t>Cloud Support</a:t>
+          </a:r>
+          <a:endParaRPr lang="en-US" dirty="0"/>
+        </a:p>
+      </dgm:t>
+    </dgm:pt>
+    <dgm:pt modelId="{D09B4A5E-B30C-45B0-B03C-352E7F3D8F19}" type="parTrans" cxnId="{B6330095-981A-4AC1-B62C-74D551C54BDA}">
+      <dgm:prSet/>
+      <dgm:spPr/>
+      <dgm:t>
+        <a:bodyPr/>
+        <a:lstStyle/>
+        <a:p>
+          <a:endParaRPr lang="en-US"/>
+        </a:p>
+      </dgm:t>
+    </dgm:pt>
+    <dgm:pt modelId="{800FB88E-6D78-4D27-BE86-69B9B6B19055}" type="sibTrans" cxnId="{B6330095-981A-4AC1-B62C-74D551C54BDA}">
+      <dgm:prSet/>
+      <dgm:spPr/>
+      <dgm:t>
+        <a:bodyPr/>
+        <a:lstStyle/>
+        <a:p>
+          <a:endParaRPr lang="en-US"/>
+        </a:p>
+      </dgm:t>
+    </dgm:pt>
+    <dgm:pt modelId="{50CFE2FC-FE14-44F8-88A9-2ECFD617E7B2}" type="pres">
+      <dgm:prSet presAssocID="{539BF942-A207-4E7C-99B3-7698E004D5E5}" presName="CompostProcess" presStyleCnt="0">
+        <dgm:presLayoutVars>
+          <dgm:dir/>
+          <dgm:resizeHandles val="exact"/>
+        </dgm:presLayoutVars>
+      </dgm:prSet>
+      <dgm:spPr/>
+    </dgm:pt>
+    <dgm:pt modelId="{A0F3E842-599A-4864-92CF-F6ECE341B0DB}" type="pres">
+      <dgm:prSet presAssocID="{539BF942-A207-4E7C-99B3-7698E004D5E5}" presName="arrow" presStyleLbl="bgShp" presStyleIdx="0" presStyleCnt="1"/>
+      <dgm:spPr/>
+    </dgm:pt>
+    <dgm:pt modelId="{4B7C592F-4EAB-488A-BC75-26DB5B3D2D56}" type="pres">
+      <dgm:prSet presAssocID="{539BF942-A207-4E7C-99B3-7698E004D5E5}" presName="linearProcess" presStyleCnt="0"/>
+      <dgm:spPr/>
+    </dgm:pt>
+    <dgm:pt modelId="{342866CA-F0D8-44E7-8258-E3DA2E7AA6A8}" type="pres">
+      <dgm:prSet presAssocID="{143D05CC-F468-4C65-91EC-074C756494D4}" presName="textNode" presStyleLbl="node1" presStyleIdx="0" presStyleCnt="3">
+        <dgm:presLayoutVars>
+          <dgm:bulletEnabled val="1"/>
+        </dgm:presLayoutVars>
+      </dgm:prSet>
+      <dgm:spPr/>
+    </dgm:pt>
+    <dgm:pt modelId="{FA5285A0-BCD3-4467-8EB2-D8A6EFE4CFD7}" type="pres">
+      <dgm:prSet presAssocID="{3333C61F-3E72-4E94-AEC1-3B292C56C446}" presName="sibTrans" presStyleCnt="0"/>
+      <dgm:spPr/>
+    </dgm:pt>
+    <dgm:pt modelId="{83367548-E729-4911-80A0-FD21DD26C45D}" type="pres">
+      <dgm:prSet presAssocID="{5744C49E-8F23-495C-A67B-5FC9532640ED}" presName="textNode" presStyleLbl="node1" presStyleIdx="1" presStyleCnt="3">
+        <dgm:presLayoutVars>
+          <dgm:bulletEnabled val="1"/>
+        </dgm:presLayoutVars>
+      </dgm:prSet>
+      <dgm:spPr/>
+    </dgm:pt>
+    <dgm:pt modelId="{8230BE23-426C-4568-ABA8-4E46A9BE666A}" type="pres">
+      <dgm:prSet presAssocID="{EACE0BA4-C3D2-44AF-AD6B-F8E839237173}" presName="sibTrans" presStyleCnt="0"/>
+      <dgm:spPr/>
+    </dgm:pt>
+    <dgm:pt modelId="{2A3CF1CC-0D4F-41A5-B4D4-65597869A177}" type="pres">
+      <dgm:prSet presAssocID="{2A48A4BA-89B3-4A76-96EE-8F2973A94679}" presName="textNode" presStyleLbl="node1" presStyleIdx="2" presStyleCnt="3">
+        <dgm:presLayoutVars>
+          <dgm:bulletEnabled val="1"/>
+        </dgm:presLayoutVars>
+      </dgm:prSet>
+      <dgm:spPr/>
+      <dgm:t>
+        <a:bodyPr/>
+        <a:lstStyle/>
+        <a:p>
+          <a:endParaRPr lang="en-US"/>
+        </a:p>
+      </dgm:t>
+    </dgm:pt>
+  </dgm:ptLst>
+  <dgm:cxnLst>
+    <dgm:cxn modelId="{CF8D7F4B-1763-44AA-99F8-94281C15C99E}" srcId="{539BF942-A207-4E7C-99B3-7698E004D5E5}" destId="{143D05CC-F468-4C65-91EC-074C756494D4}" srcOrd="0" destOrd="0" parTransId="{DBC36DEE-DED6-4BA6-8671-26A2BAF05968}" sibTransId="{3333C61F-3E72-4E94-AEC1-3B292C56C446}"/>
+    <dgm:cxn modelId="{97E58AEF-D0F4-4C3A-8C4D-EF8F75A29B91}" type="presOf" srcId="{539BF942-A207-4E7C-99B3-7698E004D5E5}" destId="{50CFE2FC-FE14-44F8-88A9-2ECFD617E7B2}" srcOrd="0" destOrd="0" presId="urn:microsoft.com/office/officeart/2005/8/layout/hProcess9"/>
+    <dgm:cxn modelId="{DE700136-A12F-46AF-A98B-281F14BF88FD}" type="presOf" srcId="{5744C49E-8F23-495C-A67B-5FC9532640ED}" destId="{83367548-E729-4911-80A0-FD21DD26C45D}" srcOrd="0" destOrd="0" presId="urn:microsoft.com/office/officeart/2005/8/layout/hProcess9"/>
+    <dgm:cxn modelId="{B16B019A-7EF4-4809-90A6-D02347DCF56B}" srcId="{539BF942-A207-4E7C-99B3-7698E004D5E5}" destId="{5744C49E-8F23-495C-A67B-5FC9532640ED}" srcOrd="1" destOrd="0" parTransId="{BDA510B9-F636-45B7-A934-6FFDAA653E29}" sibTransId="{EACE0BA4-C3D2-44AF-AD6B-F8E839237173}"/>
+    <dgm:cxn modelId="{B6330095-981A-4AC1-B62C-74D551C54BDA}" srcId="{539BF942-A207-4E7C-99B3-7698E004D5E5}" destId="{2A48A4BA-89B3-4A76-96EE-8F2973A94679}" srcOrd="2" destOrd="0" parTransId="{D09B4A5E-B30C-45B0-B03C-352E7F3D8F19}" sibTransId="{800FB88E-6D78-4D27-BE86-69B9B6B19055}"/>
+    <dgm:cxn modelId="{011679A9-6C69-4CAF-9349-B4C644129BA2}" type="presOf" srcId="{143D05CC-F468-4C65-91EC-074C756494D4}" destId="{342866CA-F0D8-44E7-8258-E3DA2E7AA6A8}" srcOrd="0" destOrd="0" presId="urn:microsoft.com/office/officeart/2005/8/layout/hProcess9"/>
+    <dgm:cxn modelId="{3EB62BDA-ACE8-4951-83C2-90C2626D6ABB}" type="presOf" srcId="{2A48A4BA-89B3-4A76-96EE-8F2973A94679}" destId="{2A3CF1CC-0D4F-41A5-B4D4-65597869A177}" srcOrd="0" destOrd="0" presId="urn:microsoft.com/office/officeart/2005/8/layout/hProcess9"/>
+    <dgm:cxn modelId="{10D63CF2-2127-47D2-AA9B-682892FD86EE}" type="presParOf" srcId="{50CFE2FC-FE14-44F8-88A9-2ECFD617E7B2}" destId="{A0F3E842-599A-4864-92CF-F6ECE341B0DB}" srcOrd="0" destOrd="0" presId="urn:microsoft.com/office/officeart/2005/8/layout/hProcess9"/>
+    <dgm:cxn modelId="{4AA365A6-B7DB-4E5B-A834-2250E5525A1C}" type="presParOf" srcId="{50CFE2FC-FE14-44F8-88A9-2ECFD617E7B2}" destId="{4B7C592F-4EAB-488A-BC75-26DB5B3D2D56}" srcOrd="1" destOrd="0" presId="urn:microsoft.com/office/officeart/2005/8/layout/hProcess9"/>
+    <dgm:cxn modelId="{DDF3D18A-1C86-4436-9379-BB9ACBC3197E}" type="presParOf" srcId="{4B7C592F-4EAB-488A-BC75-26DB5B3D2D56}" destId="{342866CA-F0D8-44E7-8258-E3DA2E7AA6A8}" srcOrd="0" destOrd="0" presId="urn:microsoft.com/office/officeart/2005/8/layout/hProcess9"/>
+    <dgm:cxn modelId="{07769E6E-499C-4A1F-AD10-6C6BFEE013D6}" type="presParOf" srcId="{4B7C592F-4EAB-488A-BC75-26DB5B3D2D56}" destId="{FA5285A0-BCD3-4467-8EB2-D8A6EFE4CFD7}" srcOrd="1" destOrd="0" presId="urn:microsoft.com/office/officeart/2005/8/layout/hProcess9"/>
+    <dgm:cxn modelId="{DCC7E636-73B5-4934-BF47-C59E3A03DF22}" type="presParOf" srcId="{4B7C592F-4EAB-488A-BC75-26DB5B3D2D56}" destId="{83367548-E729-4911-80A0-FD21DD26C45D}" srcOrd="2" destOrd="0" presId="urn:microsoft.com/office/officeart/2005/8/layout/hProcess9"/>
+    <dgm:cxn modelId="{79C39D67-BB4C-404D-B59F-FA9EDE0CCF01}" type="presParOf" srcId="{4B7C592F-4EAB-488A-BC75-26DB5B3D2D56}" destId="{8230BE23-426C-4568-ABA8-4E46A9BE666A}" srcOrd="3" destOrd="0" presId="urn:microsoft.com/office/officeart/2005/8/layout/hProcess9"/>
+    <dgm:cxn modelId="{42FC3E52-441C-4A8C-965A-F3610384CDDA}" type="presParOf" srcId="{4B7C592F-4EAB-488A-BC75-26DB5B3D2D56}" destId="{2A3CF1CC-0D4F-41A5-B4D4-65597869A177}" srcOrd="4" destOrd="0" presId="urn:microsoft.com/office/officeart/2005/8/layout/hProcess9"/>
   </dgm:cxnLst>
   <dgm:bg/>
   <dgm:whole/>
@@ -2798,6 +3763,292 @@
 </dsp:drawing>
 </file>
 
+<file path=ppt/diagrams/drawing2.xml><?xml version="1.0" encoding="utf-8"?>
+<dsp:drawing xmlns:dgm="http://schemas.openxmlformats.org/drawingml/2006/diagram" xmlns:dsp="http://schemas.microsoft.com/office/drawing/2008/diagram" xmlns:a="http://schemas.openxmlformats.org/drawingml/2006/main">
+  <dsp:spTree>
+    <dsp:nvGrpSpPr>
+      <dsp:cNvPr id="0" name=""/>
+      <dsp:cNvGrpSpPr/>
+    </dsp:nvGrpSpPr>
+    <dsp:grpSpPr/>
+    <dsp:sp modelId="{A0F3E842-599A-4864-92CF-F6ECE341B0DB}">
+      <dsp:nvSpPr>
+        <dsp:cNvPr id="0" name=""/>
+        <dsp:cNvSpPr/>
+      </dsp:nvSpPr>
+      <dsp:spPr>
+        <a:xfrm>
+          <a:off x="591502" y="0"/>
+          <a:ext cx="6703695" cy="1676401"/>
+        </a:xfrm>
+        <a:prstGeom prst="rightArrow">
+          <a:avLst/>
+        </a:prstGeom>
+        <a:solidFill>
+          <a:schemeClr val="accent1">
+            <a:tint val="40000"/>
+            <a:hueOff val="0"/>
+            <a:satOff val="0"/>
+            <a:lumOff val="0"/>
+            <a:alphaOff val="0"/>
+          </a:schemeClr>
+        </a:solidFill>
+        <a:ln>
+          <a:noFill/>
+        </a:ln>
+        <a:effectLst/>
+      </dsp:spPr>
+      <dsp:style>
+        <a:lnRef idx="0">
+          <a:scrgbClr r="0" g="0" b="0"/>
+        </a:lnRef>
+        <a:fillRef idx="1">
+          <a:scrgbClr r="0" g="0" b="0"/>
+        </a:fillRef>
+        <a:effectRef idx="0">
+          <a:scrgbClr r="0" g="0" b="0"/>
+        </a:effectRef>
+        <a:fontRef idx="minor"/>
+      </dsp:style>
+    </dsp:sp>
+    <dsp:sp modelId="{342866CA-F0D8-44E7-8258-E3DA2E7AA6A8}">
+      <dsp:nvSpPr>
+        <dsp:cNvPr id="0" name=""/>
+        <dsp:cNvSpPr/>
+      </dsp:nvSpPr>
+      <dsp:spPr>
+        <a:xfrm>
+          <a:off x="146720" y="502920"/>
+          <a:ext cx="2366010" cy="670560"/>
+        </a:xfrm>
+        <a:prstGeom prst="roundRect">
+          <a:avLst/>
+        </a:prstGeom>
+        <a:solidFill>
+          <a:schemeClr val="accent1">
+            <a:hueOff val="0"/>
+            <a:satOff val="0"/>
+            <a:lumOff val="0"/>
+            <a:alphaOff val="0"/>
+          </a:schemeClr>
+        </a:solidFill>
+        <a:ln w="12700" cap="flat" cmpd="sng" algn="ctr">
+          <a:solidFill>
+            <a:schemeClr val="lt1">
+              <a:hueOff val="0"/>
+              <a:satOff val="0"/>
+              <a:lumOff val="0"/>
+              <a:alphaOff val="0"/>
+            </a:schemeClr>
+          </a:solidFill>
+          <a:prstDash val="solid"/>
+          <a:miter lim="800000"/>
+        </a:ln>
+        <a:effectLst/>
+      </dsp:spPr>
+      <dsp:style>
+        <a:lnRef idx="2">
+          <a:scrgbClr r="0" g="0" b="0"/>
+        </a:lnRef>
+        <a:fillRef idx="1">
+          <a:scrgbClr r="0" g="0" b="0"/>
+        </a:fillRef>
+        <a:effectRef idx="0">
+          <a:scrgbClr r="0" g="0" b="0"/>
+        </a:effectRef>
+        <a:fontRef idx="minor">
+          <a:schemeClr val="lt1"/>
+        </a:fontRef>
+      </dsp:style>
+      <dsp:txBody>
+        <a:bodyPr spcFirstLastPara="0" vert="horz" wrap="square" lIns="106680" tIns="106680" rIns="106680" bIns="106680" numCol="1" spcCol="1270" anchor="ctr" anchorCtr="0">
+          <a:noAutofit/>
+        </a:bodyPr>
+        <a:lstStyle/>
+        <a:p>
+          <a:pPr lvl="0" algn="ctr" defTabSz="1244600" rtl="0">
+            <a:lnSpc>
+              <a:spcPct val="90000"/>
+            </a:lnSpc>
+            <a:spcBef>
+              <a:spcPct val="0"/>
+            </a:spcBef>
+            <a:spcAft>
+              <a:spcPct val="35000"/>
+            </a:spcAft>
+          </a:pPr>
+          <a:r>
+            <a:rPr lang="en-US" sz="2800" kern="1200" smtClean="0"/>
+            <a:t>Scalability</a:t>
+          </a:r>
+          <a:endParaRPr lang="en-US" sz="2800" kern="1200"/>
+        </a:p>
+      </dsp:txBody>
+      <dsp:txXfrm>
+        <a:off x="179454" y="535654"/>
+        <a:ext cx="2300542" cy="605092"/>
+      </dsp:txXfrm>
+    </dsp:sp>
+    <dsp:sp modelId="{83367548-E729-4911-80A0-FD21DD26C45D}">
+      <dsp:nvSpPr>
+        <dsp:cNvPr id="0" name=""/>
+        <dsp:cNvSpPr/>
+      </dsp:nvSpPr>
+      <dsp:spPr>
+        <a:xfrm>
+          <a:off x="2760344" y="502920"/>
+          <a:ext cx="2366010" cy="670560"/>
+        </a:xfrm>
+        <a:prstGeom prst="roundRect">
+          <a:avLst/>
+        </a:prstGeom>
+        <a:solidFill>
+          <a:schemeClr val="accent1">
+            <a:hueOff val="0"/>
+            <a:satOff val="0"/>
+            <a:lumOff val="0"/>
+            <a:alphaOff val="0"/>
+          </a:schemeClr>
+        </a:solidFill>
+        <a:ln w="12700" cap="flat" cmpd="sng" algn="ctr">
+          <a:solidFill>
+            <a:schemeClr val="lt1">
+              <a:hueOff val="0"/>
+              <a:satOff val="0"/>
+              <a:lumOff val="0"/>
+              <a:alphaOff val="0"/>
+            </a:schemeClr>
+          </a:solidFill>
+          <a:prstDash val="solid"/>
+          <a:miter lim="800000"/>
+        </a:ln>
+        <a:effectLst/>
+      </dsp:spPr>
+      <dsp:style>
+        <a:lnRef idx="2">
+          <a:scrgbClr r="0" g="0" b="0"/>
+        </a:lnRef>
+        <a:fillRef idx="1">
+          <a:scrgbClr r="0" g="0" b="0"/>
+        </a:fillRef>
+        <a:effectRef idx="0">
+          <a:scrgbClr r="0" g="0" b="0"/>
+        </a:effectRef>
+        <a:fontRef idx="minor">
+          <a:schemeClr val="lt1"/>
+        </a:fontRef>
+      </dsp:style>
+      <dsp:txBody>
+        <a:bodyPr spcFirstLastPara="0" vert="horz" wrap="square" lIns="106680" tIns="106680" rIns="106680" bIns="106680" numCol="1" spcCol="1270" anchor="ctr" anchorCtr="0">
+          <a:noAutofit/>
+        </a:bodyPr>
+        <a:lstStyle/>
+        <a:p>
+          <a:pPr lvl="0" algn="ctr" defTabSz="1244600" rtl="0">
+            <a:lnSpc>
+              <a:spcPct val="90000"/>
+            </a:lnSpc>
+            <a:spcBef>
+              <a:spcPct val="0"/>
+            </a:spcBef>
+            <a:spcAft>
+              <a:spcPct val="35000"/>
+            </a:spcAft>
+          </a:pPr>
+          <a:r>
+            <a:rPr lang="en-US" sz="2800" kern="1200" smtClean="0"/>
+            <a:t>Resiliency</a:t>
+          </a:r>
+          <a:endParaRPr lang="en-US" sz="2800" kern="1200"/>
+        </a:p>
+      </dsp:txBody>
+      <dsp:txXfrm>
+        <a:off x="2793078" y="535654"/>
+        <a:ext cx="2300542" cy="605092"/>
+      </dsp:txXfrm>
+    </dsp:sp>
+    <dsp:sp modelId="{2A3CF1CC-0D4F-41A5-B4D4-65597869A177}">
+      <dsp:nvSpPr>
+        <dsp:cNvPr id="0" name=""/>
+        <dsp:cNvSpPr/>
+      </dsp:nvSpPr>
+      <dsp:spPr>
+        <a:xfrm>
+          <a:off x="5373969" y="502920"/>
+          <a:ext cx="2366010" cy="670560"/>
+        </a:xfrm>
+        <a:prstGeom prst="roundRect">
+          <a:avLst/>
+        </a:prstGeom>
+        <a:solidFill>
+          <a:schemeClr val="accent1">
+            <a:hueOff val="0"/>
+            <a:satOff val="0"/>
+            <a:lumOff val="0"/>
+            <a:alphaOff val="0"/>
+          </a:schemeClr>
+        </a:solidFill>
+        <a:ln w="12700" cap="flat" cmpd="sng" algn="ctr">
+          <a:solidFill>
+            <a:schemeClr val="lt1">
+              <a:hueOff val="0"/>
+              <a:satOff val="0"/>
+              <a:lumOff val="0"/>
+              <a:alphaOff val="0"/>
+            </a:schemeClr>
+          </a:solidFill>
+          <a:prstDash val="solid"/>
+          <a:miter lim="800000"/>
+        </a:ln>
+        <a:effectLst/>
+      </dsp:spPr>
+      <dsp:style>
+        <a:lnRef idx="2">
+          <a:scrgbClr r="0" g="0" b="0"/>
+        </a:lnRef>
+        <a:fillRef idx="1">
+          <a:scrgbClr r="0" g="0" b="0"/>
+        </a:fillRef>
+        <a:effectRef idx="0">
+          <a:scrgbClr r="0" g="0" b="0"/>
+        </a:effectRef>
+        <a:fontRef idx="minor">
+          <a:schemeClr val="lt1"/>
+        </a:fontRef>
+      </dsp:style>
+      <dsp:txBody>
+        <a:bodyPr spcFirstLastPara="0" vert="horz" wrap="square" lIns="106680" tIns="106680" rIns="106680" bIns="106680" numCol="1" spcCol="1270" anchor="ctr" anchorCtr="0">
+          <a:noAutofit/>
+        </a:bodyPr>
+        <a:lstStyle/>
+        <a:p>
+          <a:pPr lvl="0" algn="ctr" defTabSz="1244600" rtl="0">
+            <a:lnSpc>
+              <a:spcPct val="90000"/>
+            </a:lnSpc>
+            <a:spcBef>
+              <a:spcPct val="0"/>
+            </a:spcBef>
+            <a:spcAft>
+              <a:spcPct val="35000"/>
+            </a:spcAft>
+          </a:pPr>
+          <a:r>
+            <a:rPr lang="en-US" sz="2800" kern="1200" dirty="0" smtClean="0"/>
+            <a:t>Cloud Support</a:t>
+          </a:r>
+          <a:endParaRPr lang="en-US" sz="2800" kern="1200" dirty="0"/>
+        </a:p>
+      </dsp:txBody>
+      <dsp:txXfrm>
+        <a:off x="5406703" y="535654"/>
+        <a:ext cx="2300542" cy="605092"/>
+      </dsp:txXfrm>
+    </dsp:sp>
+  </dsp:spTree>
+</dsp:drawing>
+</file>
+
 <file path=ppt/diagrams/layout1.xml><?xml version="1.0" encoding="utf-8"?>
 <dgm:layoutDef xmlns:dgm="http://schemas.openxmlformats.org/drawingml/2006/diagram" xmlns:a="http://schemas.openxmlformats.org/drawingml/2006/main" uniqueId="urn:microsoft.com/office/officeart/2005/8/layout/chevron2">
   <dgm:title val=""/>
@@ -3054,6 +4305,160 @@
 </dgm:layoutDef>
 </file>
 
+<file path=ppt/diagrams/layout2.xml><?xml version="1.0" encoding="utf-8"?>
+<dgm:layoutDef xmlns:dgm="http://schemas.openxmlformats.org/drawingml/2006/diagram" xmlns:a="http://schemas.openxmlformats.org/drawingml/2006/main" uniqueId="urn:microsoft.com/office/officeart/2005/8/layout/hProcess9">
+  <dgm:title val=""/>
+  <dgm:desc val=""/>
+  <dgm:catLst>
+    <dgm:cat type="process" pri="5000"/>
+    <dgm:cat type="convert" pri="13000"/>
+  </dgm:catLst>
+  <dgm:sampData useDef="1">
+    <dgm:dataModel>
+      <dgm:ptLst/>
+      <dgm:bg/>
+      <dgm:whole/>
+    </dgm:dataModel>
+  </dgm:sampData>
+  <dgm:styleData>
+    <dgm:dataModel>
+      <dgm:ptLst>
+        <dgm:pt modelId="0" type="doc"/>
+        <dgm:pt modelId="1"/>
+        <dgm:pt modelId="2"/>
+      </dgm:ptLst>
+      <dgm:cxnLst>
+        <dgm:cxn modelId="3" srcId="0" destId="1" srcOrd="0" destOrd="0"/>
+        <dgm:cxn modelId="4" srcId="0" destId="2" srcOrd="1" destOrd="0"/>
+      </dgm:cxnLst>
+      <dgm:bg/>
+      <dgm:whole/>
+    </dgm:dataModel>
+  </dgm:styleData>
+  <dgm:clrData>
+    <dgm:dataModel>
+      <dgm:ptLst>
+        <dgm:pt modelId="0" type="doc"/>
+        <dgm:pt modelId="1"/>
+        <dgm:pt modelId="2"/>
+        <dgm:pt modelId="3"/>
+        <dgm:pt modelId="4"/>
+      </dgm:ptLst>
+      <dgm:cxnLst>
+        <dgm:cxn modelId="5" srcId="0" destId="1" srcOrd="0" destOrd="0"/>
+        <dgm:cxn modelId="6" srcId="0" destId="2" srcOrd="1" destOrd="0"/>
+        <dgm:cxn modelId="7" srcId="0" destId="3" srcOrd="2" destOrd="0"/>
+        <dgm:cxn modelId="8" srcId="0" destId="4" srcOrd="3" destOrd="0"/>
+      </dgm:cxnLst>
+      <dgm:bg/>
+      <dgm:whole/>
+    </dgm:dataModel>
+  </dgm:clrData>
+  <dgm:layoutNode name="CompostProcess">
+    <dgm:varLst>
+      <dgm:dir/>
+      <dgm:resizeHandles val="exact"/>
+    </dgm:varLst>
+    <dgm:alg type="composite">
+      <dgm:param type="horzAlign" val="ctr"/>
+      <dgm:param type="vertAlign" val="mid"/>
+    </dgm:alg>
+    <dgm:shape xmlns:r="http://schemas.openxmlformats.org/officeDocument/2006/relationships" r:blip="">
+      <dgm:adjLst/>
+    </dgm:shape>
+    <dgm:presOf/>
+    <dgm:constrLst>
+      <dgm:constr type="w" for="ch" forName="arrow" refType="w" fact="0.85"/>
+      <dgm:constr type="h" for="ch" forName="arrow" refType="h"/>
+      <dgm:constr type="ctrX" for="ch" forName="arrow" refType="w" fact="0.5"/>
+      <dgm:constr type="ctrY" for="ch" forName="arrow" refType="h" fact="0.5"/>
+      <dgm:constr type="w" for="ch" forName="linearProcess" refType="w"/>
+      <dgm:constr type="h" for="ch" forName="linearProcess" refType="h" fact="0.4"/>
+      <dgm:constr type="ctrX" for="ch" forName="linearProcess" refType="w" fact="0.5"/>
+      <dgm:constr type="ctrY" for="ch" forName="linearProcess" refType="h" fact="0.5"/>
+    </dgm:constrLst>
+    <dgm:ruleLst/>
+    <dgm:layoutNode name="arrow" styleLbl="bgShp">
+      <dgm:alg type="sp"/>
+      <dgm:choose name="Name0">
+        <dgm:if name="Name1" func="var" arg="dir" op="equ" val="norm">
+          <dgm:shape xmlns:r="http://schemas.openxmlformats.org/officeDocument/2006/relationships" type="rightArrow" r:blip="">
+            <dgm:adjLst/>
+          </dgm:shape>
+        </dgm:if>
+        <dgm:else name="Name2">
+          <dgm:shape xmlns:r="http://schemas.openxmlformats.org/officeDocument/2006/relationships" type="leftArrow" r:blip="">
+            <dgm:adjLst/>
+          </dgm:shape>
+        </dgm:else>
+      </dgm:choose>
+      <dgm:presOf/>
+      <dgm:constrLst/>
+      <dgm:ruleLst/>
+    </dgm:layoutNode>
+    <dgm:layoutNode name="linearProcess">
+      <dgm:choose name="Name3">
+        <dgm:if name="Name4" func="var" arg="dir" op="equ" val="norm">
+          <dgm:alg type="lin"/>
+        </dgm:if>
+        <dgm:else name="Name5">
+          <dgm:alg type="lin">
+            <dgm:param type="linDir" val="fromR"/>
+          </dgm:alg>
+        </dgm:else>
+      </dgm:choose>
+      <dgm:shape xmlns:r="http://schemas.openxmlformats.org/officeDocument/2006/relationships" r:blip="">
+        <dgm:adjLst/>
+      </dgm:shape>
+      <dgm:presOf/>
+      <dgm:constrLst>
+        <dgm:constr type="userA" for="ch" ptType="node" refType="w"/>
+        <dgm:constr type="h" for="ch" ptType="node" refType="h"/>
+        <dgm:constr type="w" for="ch" ptType="node" op="equ"/>
+        <dgm:constr type="w" for="ch" forName="sibTrans" refType="w" fact="0.05"/>
+        <dgm:constr type="primFontSz" for="ch" ptType="node" op="equ" val="65"/>
+      </dgm:constrLst>
+      <dgm:ruleLst/>
+      <dgm:forEach name="Name6" axis="ch" ptType="node">
+        <dgm:layoutNode name="textNode" styleLbl="node1">
+          <dgm:varLst>
+            <dgm:bulletEnabled val="1"/>
+          </dgm:varLst>
+          <dgm:alg type="tx"/>
+          <dgm:shape xmlns:r="http://schemas.openxmlformats.org/officeDocument/2006/relationships" type="roundRect" r:blip="">
+            <dgm:adjLst/>
+          </dgm:shape>
+          <dgm:presOf axis="desOrSelf" ptType="node"/>
+          <dgm:constrLst>
+            <dgm:constr type="userA"/>
+            <dgm:constr type="w" refType="userA" fact="0.3"/>
+            <dgm:constr type="tMarg" refType="primFontSz" fact="0.3"/>
+            <dgm:constr type="bMarg" refType="primFontSz" fact="0.3"/>
+            <dgm:constr type="lMarg" refType="primFontSz" fact="0.3"/>
+            <dgm:constr type="rMarg" refType="primFontSz" fact="0.3"/>
+          </dgm:constrLst>
+          <dgm:ruleLst>
+            <dgm:rule type="w" val="NaN" fact="1" max="NaN"/>
+            <dgm:rule type="primFontSz" val="5" fact="NaN" max="NaN"/>
+          </dgm:ruleLst>
+        </dgm:layoutNode>
+        <dgm:forEach name="Name7" axis="followSib" ptType="sibTrans" cnt="1">
+          <dgm:layoutNode name="sibTrans">
+            <dgm:alg type="sp"/>
+            <dgm:shape xmlns:r="http://schemas.openxmlformats.org/officeDocument/2006/relationships" r:blip="">
+              <dgm:adjLst/>
+            </dgm:shape>
+            <dgm:presOf/>
+            <dgm:constrLst/>
+            <dgm:ruleLst/>
+          </dgm:layoutNode>
+        </dgm:forEach>
+      </dgm:forEach>
+    </dgm:layoutNode>
+  </dgm:layoutNode>
+</dgm:layoutDef>
+</file>
+
 <file path=ppt/diagrams/quickStyle1.xml><?xml version="1.0" encoding="utf-8"?>
 <dgm:styleDef xmlns:dgm="http://schemas.openxmlformats.org/drawingml/2006/diagram" xmlns:a="http://schemas.openxmlformats.org/drawingml/2006/main" uniqueId="urn:microsoft.com/office/officeart/2005/8/quickstyle/simple3">
   <dgm:title val=""/>
@@ -4086,6 +5491,1040 @@
         <a:scrgbClr r="0" g="0" b="0"/>
       </a:fillRef>
       <a:effectRef idx="1">
+        <a:scrgbClr r="0" g="0" b="0"/>
+      </a:effectRef>
+      <a:fontRef idx="minor"/>
+    </dgm:style>
+  </dgm:styleLbl>
+  <dgm:styleLbl name="revTx">
+    <dgm:scene3d>
+      <a:camera prst="orthographicFront"/>
+      <a:lightRig rig="threePt" dir="t"/>
+    </dgm:scene3d>
+    <dgm:sp3d/>
+    <dgm:txPr/>
+    <dgm:style>
+      <a:lnRef idx="0">
+        <a:scrgbClr r="0" g="0" b="0"/>
+      </a:lnRef>
+      <a:fillRef idx="0">
+        <a:scrgbClr r="0" g="0" b="0"/>
+      </a:fillRef>
+      <a:effectRef idx="0">
+        <a:scrgbClr r="0" g="0" b="0"/>
+      </a:effectRef>
+      <a:fontRef idx="minor"/>
+    </dgm:style>
+  </dgm:styleLbl>
+</dgm:styleDef>
+</file>
+
+<file path=ppt/diagrams/quickStyle2.xml><?xml version="1.0" encoding="utf-8"?>
+<dgm:styleDef xmlns:dgm="http://schemas.openxmlformats.org/drawingml/2006/diagram" xmlns:a="http://schemas.openxmlformats.org/drawingml/2006/main" uniqueId="urn:microsoft.com/office/officeart/2005/8/quickstyle/simple1">
+  <dgm:title val=""/>
+  <dgm:desc val=""/>
+  <dgm:catLst>
+    <dgm:cat type="simple" pri="10100"/>
+  </dgm:catLst>
+  <dgm:scene3d>
+    <a:camera prst="orthographicFront"/>
+    <a:lightRig rig="threePt" dir="t"/>
+  </dgm:scene3d>
+  <dgm:styleLbl name="node0">
+    <dgm:scene3d>
+      <a:camera prst="orthographicFront"/>
+      <a:lightRig rig="threePt" dir="t"/>
+    </dgm:scene3d>
+    <dgm:sp3d/>
+    <dgm:txPr/>
+    <dgm:style>
+      <a:lnRef idx="2">
+        <a:scrgbClr r="0" g="0" b="0"/>
+      </a:lnRef>
+      <a:fillRef idx="1">
+        <a:scrgbClr r="0" g="0" b="0"/>
+      </a:fillRef>
+      <a:effectRef idx="0">
+        <a:scrgbClr r="0" g="0" b="0"/>
+      </a:effectRef>
+      <a:fontRef idx="minor">
+        <a:schemeClr val="lt1"/>
+      </a:fontRef>
+    </dgm:style>
+  </dgm:styleLbl>
+  <dgm:styleLbl name="lnNode1">
+    <dgm:scene3d>
+      <a:camera prst="orthographicFront"/>
+      <a:lightRig rig="threePt" dir="t"/>
+    </dgm:scene3d>
+    <dgm:sp3d/>
+    <dgm:txPr/>
+    <dgm:style>
+      <a:lnRef idx="2">
+        <a:scrgbClr r="0" g="0" b="0"/>
+      </a:lnRef>
+      <a:fillRef idx="1">
+        <a:scrgbClr r="0" g="0" b="0"/>
+      </a:fillRef>
+      <a:effectRef idx="0">
+        <a:scrgbClr r="0" g="0" b="0"/>
+      </a:effectRef>
+      <a:fontRef idx="minor">
+        <a:schemeClr val="lt1"/>
+      </a:fontRef>
+    </dgm:style>
+  </dgm:styleLbl>
+  <dgm:styleLbl name="vennNode1">
+    <dgm:scene3d>
+      <a:camera prst="orthographicFront"/>
+      <a:lightRig rig="threePt" dir="t"/>
+    </dgm:scene3d>
+    <dgm:sp3d/>
+    <dgm:txPr/>
+    <dgm:style>
+      <a:lnRef idx="2">
+        <a:scrgbClr r="0" g="0" b="0"/>
+      </a:lnRef>
+      <a:fillRef idx="1">
+        <a:scrgbClr r="0" g="0" b="0"/>
+      </a:fillRef>
+      <a:effectRef idx="0">
+        <a:scrgbClr r="0" g="0" b="0"/>
+      </a:effectRef>
+      <a:fontRef idx="minor">
+        <a:schemeClr val="tx1"/>
+      </a:fontRef>
+    </dgm:style>
+  </dgm:styleLbl>
+  <dgm:styleLbl name="alignNode1">
+    <dgm:scene3d>
+      <a:camera prst="orthographicFront"/>
+      <a:lightRig rig="threePt" dir="t"/>
+    </dgm:scene3d>
+    <dgm:sp3d/>
+    <dgm:txPr/>
+    <dgm:style>
+      <a:lnRef idx="2">
+        <a:scrgbClr r="0" g="0" b="0"/>
+      </a:lnRef>
+      <a:fillRef idx="1">
+        <a:scrgbClr r="0" g="0" b="0"/>
+      </a:fillRef>
+      <a:effectRef idx="0">
+        <a:scrgbClr r="0" g="0" b="0"/>
+      </a:effectRef>
+      <a:fontRef idx="minor">
+        <a:schemeClr val="lt1"/>
+      </a:fontRef>
+    </dgm:style>
+  </dgm:styleLbl>
+  <dgm:styleLbl name="node1">
+    <dgm:scene3d>
+      <a:camera prst="orthographicFront"/>
+      <a:lightRig rig="threePt" dir="t"/>
+    </dgm:scene3d>
+    <dgm:sp3d/>
+    <dgm:txPr/>
+    <dgm:style>
+      <a:lnRef idx="2">
+        <a:scrgbClr r="0" g="0" b="0"/>
+      </a:lnRef>
+      <a:fillRef idx="1">
+        <a:scrgbClr r="0" g="0" b="0"/>
+      </a:fillRef>
+      <a:effectRef idx="0">
+        <a:scrgbClr r="0" g="0" b="0"/>
+      </a:effectRef>
+      <a:fontRef idx="minor">
+        <a:schemeClr val="lt1"/>
+      </a:fontRef>
+    </dgm:style>
+  </dgm:styleLbl>
+  <dgm:styleLbl name="node2">
+    <dgm:scene3d>
+      <a:camera prst="orthographicFront"/>
+      <a:lightRig rig="threePt" dir="t"/>
+    </dgm:scene3d>
+    <dgm:sp3d/>
+    <dgm:txPr/>
+    <dgm:style>
+      <a:lnRef idx="2">
+        <a:scrgbClr r="0" g="0" b="0"/>
+      </a:lnRef>
+      <a:fillRef idx="1">
+        <a:scrgbClr r="0" g="0" b="0"/>
+      </a:fillRef>
+      <a:effectRef idx="0">
+        <a:scrgbClr r="0" g="0" b="0"/>
+      </a:effectRef>
+      <a:fontRef idx="minor">
+        <a:schemeClr val="lt1"/>
+      </a:fontRef>
+    </dgm:style>
+  </dgm:styleLbl>
+  <dgm:styleLbl name="node3">
+    <dgm:scene3d>
+      <a:camera prst="orthographicFront"/>
+      <a:lightRig rig="threePt" dir="t"/>
+    </dgm:scene3d>
+    <dgm:sp3d/>
+    <dgm:txPr/>
+    <dgm:style>
+      <a:lnRef idx="2">
+        <a:scrgbClr r="0" g="0" b="0"/>
+      </a:lnRef>
+      <a:fillRef idx="1">
+        <a:scrgbClr r="0" g="0" b="0"/>
+      </a:fillRef>
+      <a:effectRef idx="0">
+        <a:scrgbClr r="0" g="0" b="0"/>
+      </a:effectRef>
+      <a:fontRef idx="minor">
+        <a:schemeClr val="lt1"/>
+      </a:fontRef>
+    </dgm:style>
+  </dgm:styleLbl>
+  <dgm:styleLbl name="node4">
+    <dgm:scene3d>
+      <a:camera prst="orthographicFront"/>
+      <a:lightRig rig="threePt" dir="t"/>
+    </dgm:scene3d>
+    <dgm:sp3d/>
+    <dgm:txPr/>
+    <dgm:style>
+      <a:lnRef idx="2">
+        <a:scrgbClr r="0" g="0" b="0"/>
+      </a:lnRef>
+      <a:fillRef idx="1">
+        <a:scrgbClr r="0" g="0" b="0"/>
+      </a:fillRef>
+      <a:effectRef idx="0">
+        <a:scrgbClr r="0" g="0" b="0"/>
+      </a:effectRef>
+      <a:fontRef idx="minor">
+        <a:schemeClr val="lt1"/>
+      </a:fontRef>
+    </dgm:style>
+  </dgm:styleLbl>
+  <dgm:styleLbl name="fgImgPlace1">
+    <dgm:scene3d>
+      <a:camera prst="orthographicFront"/>
+      <a:lightRig rig="threePt" dir="t"/>
+    </dgm:scene3d>
+    <dgm:sp3d/>
+    <dgm:txPr/>
+    <dgm:style>
+      <a:lnRef idx="2">
+        <a:scrgbClr r="0" g="0" b="0"/>
+      </a:lnRef>
+      <a:fillRef idx="1">
+        <a:scrgbClr r="0" g="0" b="0"/>
+      </a:fillRef>
+      <a:effectRef idx="0">
+        <a:scrgbClr r="0" g="0" b="0"/>
+      </a:effectRef>
+      <a:fontRef idx="minor"/>
+    </dgm:style>
+  </dgm:styleLbl>
+  <dgm:styleLbl name="alignImgPlace1">
+    <dgm:scene3d>
+      <a:camera prst="orthographicFront"/>
+      <a:lightRig rig="threePt" dir="t"/>
+    </dgm:scene3d>
+    <dgm:sp3d/>
+    <dgm:txPr/>
+    <dgm:style>
+      <a:lnRef idx="2">
+        <a:scrgbClr r="0" g="0" b="0"/>
+      </a:lnRef>
+      <a:fillRef idx="1">
+        <a:scrgbClr r="0" g="0" b="0"/>
+      </a:fillRef>
+      <a:effectRef idx="0">
+        <a:scrgbClr r="0" g="0" b="0"/>
+      </a:effectRef>
+      <a:fontRef idx="minor"/>
+    </dgm:style>
+  </dgm:styleLbl>
+  <dgm:styleLbl name="bgImgPlace1">
+    <dgm:scene3d>
+      <a:camera prst="orthographicFront"/>
+      <a:lightRig rig="threePt" dir="t"/>
+    </dgm:scene3d>
+    <dgm:sp3d/>
+    <dgm:txPr/>
+    <dgm:style>
+      <a:lnRef idx="2">
+        <a:scrgbClr r="0" g="0" b="0"/>
+      </a:lnRef>
+      <a:fillRef idx="1">
+        <a:scrgbClr r="0" g="0" b="0"/>
+      </a:fillRef>
+      <a:effectRef idx="0">
+        <a:scrgbClr r="0" g="0" b="0"/>
+      </a:effectRef>
+      <a:fontRef idx="minor"/>
+    </dgm:style>
+  </dgm:styleLbl>
+  <dgm:styleLbl name="sibTrans2D1">
+    <dgm:scene3d>
+      <a:camera prst="orthographicFront"/>
+      <a:lightRig rig="threePt" dir="t"/>
+    </dgm:scene3d>
+    <dgm:sp3d/>
+    <dgm:txPr/>
+    <dgm:style>
+      <a:lnRef idx="0">
+        <a:scrgbClr r="0" g="0" b="0"/>
+      </a:lnRef>
+      <a:fillRef idx="1">
+        <a:scrgbClr r="0" g="0" b="0"/>
+      </a:fillRef>
+      <a:effectRef idx="0">
+        <a:scrgbClr r="0" g="0" b="0"/>
+      </a:effectRef>
+      <a:fontRef idx="minor">
+        <a:schemeClr val="lt1"/>
+      </a:fontRef>
+    </dgm:style>
+  </dgm:styleLbl>
+  <dgm:styleLbl name="fgSibTrans2D1">
+    <dgm:scene3d>
+      <a:camera prst="orthographicFront"/>
+      <a:lightRig rig="threePt" dir="t"/>
+    </dgm:scene3d>
+    <dgm:sp3d/>
+    <dgm:txPr/>
+    <dgm:style>
+      <a:lnRef idx="0">
+        <a:scrgbClr r="0" g="0" b="0"/>
+      </a:lnRef>
+      <a:fillRef idx="1">
+        <a:scrgbClr r="0" g="0" b="0"/>
+      </a:fillRef>
+      <a:effectRef idx="0">
+        <a:scrgbClr r="0" g="0" b="0"/>
+      </a:effectRef>
+      <a:fontRef idx="minor">
+        <a:schemeClr val="lt1"/>
+      </a:fontRef>
+    </dgm:style>
+  </dgm:styleLbl>
+  <dgm:styleLbl name="bgSibTrans2D1">
+    <dgm:scene3d>
+      <a:camera prst="orthographicFront"/>
+      <a:lightRig rig="threePt" dir="t"/>
+    </dgm:scene3d>
+    <dgm:sp3d/>
+    <dgm:txPr/>
+    <dgm:style>
+      <a:lnRef idx="0">
+        <a:scrgbClr r="0" g="0" b="0"/>
+      </a:lnRef>
+      <a:fillRef idx="1">
+        <a:scrgbClr r="0" g="0" b="0"/>
+      </a:fillRef>
+      <a:effectRef idx="0">
+        <a:scrgbClr r="0" g="0" b="0"/>
+      </a:effectRef>
+      <a:fontRef idx="minor">
+        <a:schemeClr val="lt1"/>
+      </a:fontRef>
+    </dgm:style>
+  </dgm:styleLbl>
+  <dgm:styleLbl name="sibTrans1D1">
+    <dgm:scene3d>
+      <a:camera prst="orthographicFront"/>
+      <a:lightRig rig="threePt" dir="t"/>
+    </dgm:scene3d>
+    <dgm:sp3d/>
+    <dgm:txPr/>
+    <dgm:style>
+      <a:lnRef idx="1">
+        <a:scrgbClr r="0" g="0" b="0"/>
+      </a:lnRef>
+      <a:fillRef idx="0">
+        <a:scrgbClr r="0" g="0" b="0"/>
+      </a:fillRef>
+      <a:effectRef idx="0">
+        <a:scrgbClr r="0" g="0" b="0"/>
+      </a:effectRef>
+      <a:fontRef idx="minor"/>
+    </dgm:style>
+  </dgm:styleLbl>
+  <dgm:styleLbl name="callout">
+    <dgm:scene3d>
+      <a:camera prst="orthographicFront"/>
+      <a:lightRig rig="threePt" dir="t"/>
+    </dgm:scene3d>
+    <dgm:sp3d/>
+    <dgm:txPr/>
+    <dgm:style>
+      <a:lnRef idx="2">
+        <a:scrgbClr r="0" g="0" b="0"/>
+      </a:lnRef>
+      <a:fillRef idx="1">
+        <a:scrgbClr r="0" g="0" b="0"/>
+      </a:fillRef>
+      <a:effectRef idx="0">
+        <a:scrgbClr r="0" g="0" b="0"/>
+      </a:effectRef>
+      <a:fontRef idx="minor"/>
+    </dgm:style>
+  </dgm:styleLbl>
+  <dgm:styleLbl name="asst0">
+    <dgm:scene3d>
+      <a:camera prst="orthographicFront"/>
+      <a:lightRig rig="threePt" dir="t"/>
+    </dgm:scene3d>
+    <dgm:sp3d/>
+    <dgm:txPr/>
+    <dgm:style>
+      <a:lnRef idx="2">
+        <a:scrgbClr r="0" g="0" b="0"/>
+      </a:lnRef>
+      <a:fillRef idx="1">
+        <a:scrgbClr r="0" g="0" b="0"/>
+      </a:fillRef>
+      <a:effectRef idx="0">
+        <a:scrgbClr r="0" g="0" b="0"/>
+      </a:effectRef>
+      <a:fontRef idx="minor">
+        <a:schemeClr val="lt1"/>
+      </a:fontRef>
+    </dgm:style>
+  </dgm:styleLbl>
+  <dgm:styleLbl name="asst1">
+    <dgm:scene3d>
+      <a:camera prst="orthographicFront"/>
+      <a:lightRig rig="threePt" dir="t"/>
+    </dgm:scene3d>
+    <dgm:sp3d/>
+    <dgm:txPr/>
+    <dgm:style>
+      <a:lnRef idx="2">
+        <a:scrgbClr r="0" g="0" b="0"/>
+      </a:lnRef>
+      <a:fillRef idx="1">
+        <a:scrgbClr r="0" g="0" b="0"/>
+      </a:fillRef>
+      <a:effectRef idx="0">
+        <a:scrgbClr r="0" g="0" b="0"/>
+      </a:effectRef>
+      <a:fontRef idx="minor">
+        <a:schemeClr val="lt1"/>
+      </a:fontRef>
+    </dgm:style>
+  </dgm:styleLbl>
+  <dgm:styleLbl name="asst2">
+    <dgm:scene3d>
+      <a:camera prst="orthographicFront"/>
+      <a:lightRig rig="threePt" dir="t"/>
+    </dgm:scene3d>
+    <dgm:sp3d/>
+    <dgm:txPr/>
+    <dgm:style>
+      <a:lnRef idx="2">
+        <a:scrgbClr r="0" g="0" b="0"/>
+      </a:lnRef>
+      <a:fillRef idx="1">
+        <a:scrgbClr r="0" g="0" b="0"/>
+      </a:fillRef>
+      <a:effectRef idx="0">
+        <a:scrgbClr r="0" g="0" b="0"/>
+      </a:effectRef>
+      <a:fontRef idx="minor">
+        <a:schemeClr val="lt1"/>
+      </a:fontRef>
+    </dgm:style>
+  </dgm:styleLbl>
+  <dgm:styleLbl name="asst3">
+    <dgm:scene3d>
+      <a:camera prst="orthographicFront"/>
+      <a:lightRig rig="threePt" dir="t"/>
+    </dgm:scene3d>
+    <dgm:sp3d/>
+    <dgm:txPr/>
+    <dgm:style>
+      <a:lnRef idx="2">
+        <a:scrgbClr r="0" g="0" b="0"/>
+      </a:lnRef>
+      <a:fillRef idx="1">
+        <a:scrgbClr r="0" g="0" b="0"/>
+      </a:fillRef>
+      <a:effectRef idx="0">
+        <a:scrgbClr r="0" g="0" b="0"/>
+      </a:effectRef>
+      <a:fontRef idx="minor">
+        <a:schemeClr val="lt1"/>
+      </a:fontRef>
+    </dgm:style>
+  </dgm:styleLbl>
+  <dgm:styleLbl name="asst4">
+    <dgm:scene3d>
+      <a:camera prst="orthographicFront"/>
+      <a:lightRig rig="threePt" dir="t"/>
+    </dgm:scene3d>
+    <dgm:sp3d/>
+    <dgm:txPr/>
+    <dgm:style>
+      <a:lnRef idx="2">
+        <a:scrgbClr r="0" g="0" b="0"/>
+      </a:lnRef>
+      <a:fillRef idx="1">
+        <a:scrgbClr r="0" g="0" b="0"/>
+      </a:fillRef>
+      <a:effectRef idx="0">
+        <a:scrgbClr r="0" g="0" b="0"/>
+      </a:effectRef>
+      <a:fontRef idx="minor">
+        <a:schemeClr val="lt1"/>
+      </a:fontRef>
+    </dgm:style>
+  </dgm:styleLbl>
+  <dgm:styleLbl name="parChTrans2D1">
+    <dgm:scene3d>
+      <a:camera prst="orthographicFront"/>
+      <a:lightRig rig="threePt" dir="t"/>
+    </dgm:scene3d>
+    <dgm:sp3d/>
+    <dgm:txPr/>
+    <dgm:style>
+      <a:lnRef idx="2">
+        <a:scrgbClr r="0" g="0" b="0"/>
+      </a:lnRef>
+      <a:fillRef idx="1">
+        <a:scrgbClr r="0" g="0" b="0"/>
+      </a:fillRef>
+      <a:effectRef idx="0">
+        <a:scrgbClr r="0" g="0" b="0"/>
+      </a:effectRef>
+      <a:fontRef idx="minor">
+        <a:schemeClr val="lt1"/>
+      </a:fontRef>
+    </dgm:style>
+  </dgm:styleLbl>
+  <dgm:styleLbl name="parChTrans2D2">
+    <dgm:scene3d>
+      <a:camera prst="orthographicFront"/>
+      <a:lightRig rig="threePt" dir="t"/>
+    </dgm:scene3d>
+    <dgm:sp3d/>
+    <dgm:txPr/>
+    <dgm:style>
+      <a:lnRef idx="2">
+        <a:scrgbClr r="0" g="0" b="0"/>
+      </a:lnRef>
+      <a:fillRef idx="1">
+        <a:scrgbClr r="0" g="0" b="0"/>
+      </a:fillRef>
+      <a:effectRef idx="0">
+        <a:scrgbClr r="0" g="0" b="0"/>
+      </a:effectRef>
+      <a:fontRef idx="minor">
+        <a:schemeClr val="lt1"/>
+      </a:fontRef>
+    </dgm:style>
+  </dgm:styleLbl>
+  <dgm:styleLbl name="parChTrans2D3">
+    <dgm:scene3d>
+      <a:camera prst="orthographicFront"/>
+      <a:lightRig rig="threePt" dir="t"/>
+    </dgm:scene3d>
+    <dgm:sp3d/>
+    <dgm:txPr/>
+    <dgm:style>
+      <a:lnRef idx="2">
+        <a:scrgbClr r="0" g="0" b="0"/>
+      </a:lnRef>
+      <a:fillRef idx="1">
+        <a:scrgbClr r="0" g="0" b="0"/>
+      </a:fillRef>
+      <a:effectRef idx="0">
+        <a:scrgbClr r="0" g="0" b="0"/>
+      </a:effectRef>
+      <a:fontRef idx="minor">
+        <a:schemeClr val="lt1"/>
+      </a:fontRef>
+    </dgm:style>
+  </dgm:styleLbl>
+  <dgm:styleLbl name="parChTrans2D4">
+    <dgm:scene3d>
+      <a:camera prst="orthographicFront"/>
+      <a:lightRig rig="threePt" dir="t"/>
+    </dgm:scene3d>
+    <dgm:sp3d/>
+    <dgm:txPr/>
+    <dgm:style>
+      <a:lnRef idx="2">
+        <a:scrgbClr r="0" g="0" b="0"/>
+      </a:lnRef>
+      <a:fillRef idx="1">
+        <a:scrgbClr r="0" g="0" b="0"/>
+      </a:fillRef>
+      <a:effectRef idx="0">
+        <a:scrgbClr r="0" g="0" b="0"/>
+      </a:effectRef>
+      <a:fontRef idx="minor">
+        <a:schemeClr val="lt1"/>
+      </a:fontRef>
+    </dgm:style>
+  </dgm:styleLbl>
+  <dgm:styleLbl name="parChTrans1D1">
+    <dgm:scene3d>
+      <a:camera prst="orthographicFront"/>
+      <a:lightRig rig="threePt" dir="t"/>
+    </dgm:scene3d>
+    <dgm:sp3d/>
+    <dgm:txPr/>
+    <dgm:style>
+      <a:lnRef idx="2">
+        <a:scrgbClr r="0" g="0" b="0"/>
+      </a:lnRef>
+      <a:fillRef idx="0">
+        <a:scrgbClr r="0" g="0" b="0"/>
+      </a:fillRef>
+      <a:effectRef idx="0">
+        <a:scrgbClr r="0" g="0" b="0"/>
+      </a:effectRef>
+      <a:fontRef idx="minor"/>
+    </dgm:style>
+  </dgm:styleLbl>
+  <dgm:styleLbl name="parChTrans1D2">
+    <dgm:scene3d>
+      <a:camera prst="orthographicFront"/>
+      <a:lightRig rig="threePt" dir="t"/>
+    </dgm:scene3d>
+    <dgm:sp3d/>
+    <dgm:txPr/>
+    <dgm:style>
+      <a:lnRef idx="2">
+        <a:scrgbClr r="0" g="0" b="0"/>
+      </a:lnRef>
+      <a:fillRef idx="0">
+        <a:scrgbClr r="0" g="0" b="0"/>
+      </a:fillRef>
+      <a:effectRef idx="0">
+        <a:scrgbClr r="0" g="0" b="0"/>
+      </a:effectRef>
+      <a:fontRef idx="minor"/>
+    </dgm:style>
+  </dgm:styleLbl>
+  <dgm:styleLbl name="parChTrans1D3">
+    <dgm:scene3d>
+      <a:camera prst="orthographicFront"/>
+      <a:lightRig rig="threePt" dir="t"/>
+    </dgm:scene3d>
+    <dgm:sp3d/>
+    <dgm:txPr/>
+    <dgm:style>
+      <a:lnRef idx="2">
+        <a:scrgbClr r="0" g="0" b="0"/>
+      </a:lnRef>
+      <a:fillRef idx="0">
+        <a:scrgbClr r="0" g="0" b="0"/>
+      </a:fillRef>
+      <a:effectRef idx="0">
+        <a:scrgbClr r="0" g="0" b="0"/>
+      </a:effectRef>
+      <a:fontRef idx="minor"/>
+    </dgm:style>
+  </dgm:styleLbl>
+  <dgm:styleLbl name="parChTrans1D4">
+    <dgm:scene3d>
+      <a:camera prst="orthographicFront"/>
+      <a:lightRig rig="threePt" dir="t"/>
+    </dgm:scene3d>
+    <dgm:sp3d/>
+    <dgm:txPr/>
+    <dgm:style>
+      <a:lnRef idx="2">
+        <a:scrgbClr r="0" g="0" b="0"/>
+      </a:lnRef>
+      <a:fillRef idx="0">
+        <a:scrgbClr r="0" g="0" b="0"/>
+      </a:fillRef>
+      <a:effectRef idx="0">
+        <a:scrgbClr r="0" g="0" b="0"/>
+      </a:effectRef>
+      <a:fontRef idx="minor"/>
+    </dgm:style>
+  </dgm:styleLbl>
+  <dgm:styleLbl name="fgAcc1">
+    <dgm:scene3d>
+      <a:camera prst="orthographicFront"/>
+      <a:lightRig rig="threePt" dir="t"/>
+    </dgm:scene3d>
+    <dgm:sp3d/>
+    <dgm:txPr/>
+    <dgm:style>
+      <a:lnRef idx="2">
+        <a:scrgbClr r="0" g="0" b="0"/>
+      </a:lnRef>
+      <a:fillRef idx="1">
+        <a:scrgbClr r="0" g="0" b="0"/>
+      </a:fillRef>
+      <a:effectRef idx="0">
+        <a:scrgbClr r="0" g="0" b="0"/>
+      </a:effectRef>
+      <a:fontRef idx="minor"/>
+    </dgm:style>
+  </dgm:styleLbl>
+  <dgm:styleLbl name="conFgAcc1">
+    <dgm:scene3d>
+      <a:camera prst="orthographicFront"/>
+      <a:lightRig rig="threePt" dir="t"/>
+    </dgm:scene3d>
+    <dgm:sp3d/>
+    <dgm:txPr/>
+    <dgm:style>
+      <a:lnRef idx="2">
+        <a:scrgbClr r="0" g="0" b="0"/>
+      </a:lnRef>
+      <a:fillRef idx="1">
+        <a:scrgbClr r="0" g="0" b="0"/>
+      </a:fillRef>
+      <a:effectRef idx="0">
+        <a:scrgbClr r="0" g="0" b="0"/>
+      </a:effectRef>
+      <a:fontRef idx="minor"/>
+    </dgm:style>
+  </dgm:styleLbl>
+  <dgm:styleLbl name="alignAcc1">
+    <dgm:scene3d>
+      <a:camera prst="orthographicFront"/>
+      <a:lightRig rig="threePt" dir="t"/>
+    </dgm:scene3d>
+    <dgm:sp3d/>
+    <dgm:txPr/>
+    <dgm:style>
+      <a:lnRef idx="2">
+        <a:scrgbClr r="0" g="0" b="0"/>
+      </a:lnRef>
+      <a:fillRef idx="1">
+        <a:scrgbClr r="0" g="0" b="0"/>
+      </a:fillRef>
+      <a:effectRef idx="0">
+        <a:scrgbClr r="0" g="0" b="0"/>
+      </a:effectRef>
+      <a:fontRef idx="minor"/>
+    </dgm:style>
+  </dgm:styleLbl>
+  <dgm:styleLbl name="trAlignAcc1">
+    <dgm:scene3d>
+      <a:camera prst="orthographicFront"/>
+      <a:lightRig rig="threePt" dir="t"/>
+    </dgm:scene3d>
+    <dgm:sp3d/>
+    <dgm:txPr/>
+    <dgm:style>
+      <a:lnRef idx="1">
+        <a:scrgbClr r="0" g="0" b="0"/>
+      </a:lnRef>
+      <a:fillRef idx="1">
+        <a:scrgbClr r="0" g="0" b="0"/>
+      </a:fillRef>
+      <a:effectRef idx="0">
+        <a:scrgbClr r="0" g="0" b="0"/>
+      </a:effectRef>
+      <a:fontRef idx="minor"/>
+    </dgm:style>
+  </dgm:styleLbl>
+  <dgm:styleLbl name="bgAcc1">
+    <dgm:scene3d>
+      <a:camera prst="orthographicFront"/>
+      <a:lightRig rig="threePt" dir="t"/>
+    </dgm:scene3d>
+    <dgm:sp3d/>
+    <dgm:txPr/>
+    <dgm:style>
+      <a:lnRef idx="2">
+        <a:scrgbClr r="0" g="0" b="0"/>
+      </a:lnRef>
+      <a:fillRef idx="1">
+        <a:scrgbClr r="0" g="0" b="0"/>
+      </a:fillRef>
+      <a:effectRef idx="0">
+        <a:scrgbClr r="0" g="0" b="0"/>
+      </a:effectRef>
+      <a:fontRef idx="minor"/>
+    </dgm:style>
+  </dgm:styleLbl>
+  <dgm:styleLbl name="solidFgAcc1">
+    <dgm:scene3d>
+      <a:camera prst="orthographicFront"/>
+      <a:lightRig rig="threePt" dir="t"/>
+    </dgm:scene3d>
+    <dgm:sp3d/>
+    <dgm:txPr/>
+    <dgm:style>
+      <a:lnRef idx="2">
+        <a:scrgbClr r="0" g="0" b="0"/>
+      </a:lnRef>
+      <a:fillRef idx="1">
+        <a:scrgbClr r="0" g="0" b="0"/>
+      </a:fillRef>
+      <a:effectRef idx="0">
+        <a:scrgbClr r="0" g="0" b="0"/>
+      </a:effectRef>
+      <a:fontRef idx="minor"/>
+    </dgm:style>
+  </dgm:styleLbl>
+  <dgm:styleLbl name="solidAlignAcc1">
+    <dgm:scene3d>
+      <a:camera prst="orthographicFront"/>
+      <a:lightRig rig="threePt" dir="t"/>
+    </dgm:scene3d>
+    <dgm:sp3d/>
+    <dgm:txPr/>
+    <dgm:style>
+      <a:lnRef idx="2">
+        <a:scrgbClr r="0" g="0" b="0"/>
+      </a:lnRef>
+      <a:fillRef idx="1">
+        <a:scrgbClr r="0" g="0" b="0"/>
+      </a:fillRef>
+      <a:effectRef idx="0">
+        <a:scrgbClr r="0" g="0" b="0"/>
+      </a:effectRef>
+      <a:fontRef idx="minor"/>
+    </dgm:style>
+  </dgm:styleLbl>
+  <dgm:styleLbl name="solidBgAcc1">
+    <dgm:scene3d>
+      <a:camera prst="orthographicFront"/>
+      <a:lightRig rig="threePt" dir="t"/>
+    </dgm:scene3d>
+    <dgm:sp3d/>
+    <dgm:txPr/>
+    <dgm:style>
+      <a:lnRef idx="2">
+        <a:scrgbClr r="0" g="0" b="0"/>
+      </a:lnRef>
+      <a:fillRef idx="1">
+        <a:scrgbClr r="0" g="0" b="0"/>
+      </a:fillRef>
+      <a:effectRef idx="0">
+        <a:scrgbClr r="0" g="0" b="0"/>
+      </a:effectRef>
+      <a:fontRef idx="minor"/>
+    </dgm:style>
+  </dgm:styleLbl>
+  <dgm:styleLbl name="fgAccFollowNode1">
+    <dgm:scene3d>
+      <a:camera prst="orthographicFront"/>
+      <a:lightRig rig="threePt" dir="t"/>
+    </dgm:scene3d>
+    <dgm:sp3d/>
+    <dgm:txPr/>
+    <dgm:style>
+      <a:lnRef idx="2">
+        <a:scrgbClr r="0" g="0" b="0"/>
+      </a:lnRef>
+      <a:fillRef idx="1">
+        <a:scrgbClr r="0" g="0" b="0"/>
+      </a:fillRef>
+      <a:effectRef idx="0">
+        <a:scrgbClr r="0" g="0" b="0"/>
+      </a:effectRef>
+      <a:fontRef idx="minor"/>
+    </dgm:style>
+  </dgm:styleLbl>
+  <dgm:styleLbl name="alignAccFollowNode1">
+    <dgm:scene3d>
+      <a:camera prst="orthographicFront"/>
+      <a:lightRig rig="threePt" dir="t"/>
+    </dgm:scene3d>
+    <dgm:sp3d/>
+    <dgm:txPr/>
+    <dgm:style>
+      <a:lnRef idx="2">
+        <a:scrgbClr r="0" g="0" b="0"/>
+      </a:lnRef>
+      <a:fillRef idx="1">
+        <a:scrgbClr r="0" g="0" b="0"/>
+      </a:fillRef>
+      <a:effectRef idx="0">
+        <a:scrgbClr r="0" g="0" b="0"/>
+      </a:effectRef>
+      <a:fontRef idx="minor"/>
+    </dgm:style>
+  </dgm:styleLbl>
+  <dgm:styleLbl name="bgAccFollowNode1">
+    <dgm:scene3d>
+      <a:camera prst="orthographicFront"/>
+      <a:lightRig rig="threePt" dir="t"/>
+    </dgm:scene3d>
+    <dgm:sp3d/>
+    <dgm:txPr/>
+    <dgm:style>
+      <a:lnRef idx="2">
+        <a:scrgbClr r="0" g="0" b="0"/>
+      </a:lnRef>
+      <a:fillRef idx="1">
+        <a:scrgbClr r="0" g="0" b="0"/>
+      </a:fillRef>
+      <a:effectRef idx="0">
+        <a:scrgbClr r="0" g="0" b="0"/>
+      </a:effectRef>
+      <a:fontRef idx="minor"/>
+    </dgm:style>
+  </dgm:styleLbl>
+  <dgm:styleLbl name="fgAcc0">
+    <dgm:scene3d>
+      <a:camera prst="orthographicFront"/>
+      <a:lightRig rig="threePt" dir="t"/>
+    </dgm:scene3d>
+    <dgm:sp3d/>
+    <dgm:txPr/>
+    <dgm:style>
+      <a:lnRef idx="2">
+        <a:scrgbClr r="0" g="0" b="0"/>
+      </a:lnRef>
+      <a:fillRef idx="1">
+        <a:scrgbClr r="0" g="0" b="0"/>
+      </a:fillRef>
+      <a:effectRef idx="0">
+        <a:scrgbClr r="0" g="0" b="0"/>
+      </a:effectRef>
+      <a:fontRef idx="minor"/>
+    </dgm:style>
+  </dgm:styleLbl>
+  <dgm:styleLbl name="fgAcc2">
+    <dgm:scene3d>
+      <a:camera prst="orthographicFront"/>
+      <a:lightRig rig="threePt" dir="t"/>
+    </dgm:scene3d>
+    <dgm:sp3d/>
+    <dgm:txPr/>
+    <dgm:style>
+      <a:lnRef idx="2">
+        <a:scrgbClr r="0" g="0" b="0"/>
+      </a:lnRef>
+      <a:fillRef idx="1">
+        <a:scrgbClr r="0" g="0" b="0"/>
+      </a:fillRef>
+      <a:effectRef idx="0">
+        <a:scrgbClr r="0" g="0" b="0"/>
+      </a:effectRef>
+      <a:fontRef idx="minor"/>
+    </dgm:style>
+  </dgm:styleLbl>
+  <dgm:styleLbl name="fgAcc3">
+    <dgm:scene3d>
+      <a:camera prst="orthographicFront"/>
+      <a:lightRig rig="threePt" dir="t"/>
+    </dgm:scene3d>
+    <dgm:sp3d/>
+    <dgm:txPr/>
+    <dgm:style>
+      <a:lnRef idx="2">
+        <a:scrgbClr r="0" g="0" b="0"/>
+      </a:lnRef>
+      <a:fillRef idx="1">
+        <a:scrgbClr r="0" g="0" b="0"/>
+      </a:fillRef>
+      <a:effectRef idx="0">
+        <a:scrgbClr r="0" g="0" b="0"/>
+      </a:effectRef>
+      <a:fontRef idx="minor"/>
+    </dgm:style>
+  </dgm:styleLbl>
+  <dgm:styleLbl name="fgAcc4">
+    <dgm:scene3d>
+      <a:camera prst="orthographicFront"/>
+      <a:lightRig rig="threePt" dir="t"/>
+    </dgm:scene3d>
+    <dgm:sp3d/>
+    <dgm:txPr/>
+    <dgm:style>
+      <a:lnRef idx="2">
+        <a:scrgbClr r="0" g="0" b="0"/>
+      </a:lnRef>
+      <a:fillRef idx="1">
+        <a:scrgbClr r="0" g="0" b="0"/>
+      </a:fillRef>
+      <a:effectRef idx="0">
+        <a:scrgbClr r="0" g="0" b="0"/>
+      </a:effectRef>
+      <a:fontRef idx="minor"/>
+    </dgm:style>
+  </dgm:styleLbl>
+  <dgm:styleLbl name="bgShp">
+    <dgm:scene3d>
+      <a:camera prst="orthographicFront"/>
+      <a:lightRig rig="threePt" dir="t"/>
+    </dgm:scene3d>
+    <dgm:sp3d/>
+    <dgm:txPr/>
+    <dgm:style>
+      <a:lnRef idx="0">
+        <a:scrgbClr r="0" g="0" b="0"/>
+      </a:lnRef>
+      <a:fillRef idx="1">
+        <a:scrgbClr r="0" g="0" b="0"/>
+      </a:fillRef>
+      <a:effectRef idx="0">
+        <a:scrgbClr r="0" g="0" b="0"/>
+      </a:effectRef>
+      <a:fontRef idx="minor"/>
+    </dgm:style>
+  </dgm:styleLbl>
+  <dgm:styleLbl name="dkBgShp">
+    <dgm:scene3d>
+      <a:camera prst="orthographicFront"/>
+      <a:lightRig rig="threePt" dir="t"/>
+    </dgm:scene3d>
+    <dgm:sp3d/>
+    <dgm:txPr/>
+    <dgm:style>
+      <a:lnRef idx="0">
+        <a:scrgbClr r="0" g="0" b="0"/>
+      </a:lnRef>
+      <a:fillRef idx="1">
+        <a:scrgbClr r="0" g="0" b="0"/>
+      </a:fillRef>
+      <a:effectRef idx="0">
+        <a:scrgbClr r="0" g="0" b="0"/>
+      </a:effectRef>
+      <a:fontRef idx="minor"/>
+    </dgm:style>
+  </dgm:styleLbl>
+  <dgm:styleLbl name="trBgShp">
+    <dgm:scene3d>
+      <a:camera prst="orthographicFront"/>
+      <a:lightRig rig="threePt" dir="t"/>
+    </dgm:scene3d>
+    <dgm:sp3d/>
+    <dgm:txPr/>
+    <dgm:style>
+      <a:lnRef idx="0">
+        <a:scrgbClr r="0" g="0" b="0"/>
+      </a:lnRef>
+      <a:fillRef idx="1">
+        <a:scrgbClr r="0" g="0" b="0"/>
+      </a:fillRef>
+      <a:effectRef idx="0">
+        <a:scrgbClr r="0" g="0" b="0"/>
+      </a:effectRef>
+      <a:fontRef idx="minor"/>
+    </dgm:style>
+  </dgm:styleLbl>
+  <dgm:styleLbl name="fgShp">
+    <dgm:scene3d>
+      <a:camera prst="orthographicFront"/>
+      <a:lightRig rig="threePt" dir="t"/>
+    </dgm:scene3d>
+    <dgm:sp3d/>
+    <dgm:txPr/>
+    <dgm:style>
+      <a:lnRef idx="2">
+        <a:scrgbClr r="0" g="0" b="0"/>
+      </a:lnRef>
+      <a:fillRef idx="1">
+        <a:scrgbClr r="0" g="0" b="0"/>
+      </a:fillRef>
+      <a:effectRef idx="0">
         <a:scrgbClr r="0" g="0" b="0"/>
       </a:effectRef>
       <a:fontRef idx="minor"/>
@@ -7566,7 +10005,7 @@
       </p:grpSpPr>
       <p:sp>
         <p:nvSpPr>
-          <p:cNvPr id="7" name="Title 6"/>
+          <p:cNvPr id="2" name="Title 1"/>
           <p:cNvSpPr>
             <a:spLocks noGrp="1"/>
           </p:cNvSpPr>
@@ -7574,51 +10013,33 @@
             <p:ph type="title"/>
           </p:nvPr>
         </p:nvSpPr>
-        <p:spPr/>
-        <p:txBody>
-          <a:bodyPr>
-            <a:normAutofit/>
-          </a:bodyPr>
-          <a:lstStyle/>
-          <a:p>
-            <a:r>
-              <a:rPr lang="en-US" sz="3200" dirty="0" smtClean="0"/>
-              <a:t>				Read</a:t>
-            </a:r>
-            <a:endParaRPr lang="en-US" sz="3200" dirty="0"/>
-          </a:p>
-        </p:txBody>
-      </p:sp>
-      <p:sp>
-        <p:nvSpPr>
-          <p:cNvPr id="8" name="Content Placeholder 7"/>
-          <p:cNvSpPr>
-            <a:spLocks noGrp="1"/>
-          </p:cNvSpPr>
-          <p:nvPr>
-            <p:ph idx="1"/>
-          </p:nvPr>
-        </p:nvSpPr>
-        <p:spPr/>
+        <p:spPr>
+          <a:xfrm>
+            <a:off x="628650" y="279401"/>
+            <a:ext cx="7886700" cy="596899"/>
+          </a:xfrm>
+        </p:spPr>
         <p:txBody>
           <a:bodyPr/>
           <a:lstStyle/>
           <a:p>
+            <a:pPr algn="ctr"/>
             <a:r>
-              <a:rPr lang="en-US" dirty="0">
-                <a:hlinkClick r:id="rId2"/>
+              <a:rPr lang="en-US" sz="3200" dirty="0" smtClean="0">
+                <a:solidFill>
+                  <a:prstClr val="black"/>
+                </a:solidFill>
               </a:rPr>
-              <a:t>https://</a:t>
+              <a:t>Solution </a:t>
             </a:r>
             <a:r>
-              <a:rPr lang="en-US" dirty="0" smtClean="0">
-                <a:hlinkClick r:id="rId2"/>
+              <a:rPr lang="en-US" sz="3200" dirty="0">
+                <a:solidFill>
+                  <a:prstClr val="black"/>
+                </a:solidFill>
               </a:rPr>
-              <a:t>media.readthedocs.org/pdf/masstransit/latest/masstransit.pdf</a:t>
+              <a:t>Architecture</a:t>
             </a:r>
-            <a:endParaRPr lang="en-US" dirty="0" smtClean="0"/>
-          </a:p>
-          <a:p>
             <a:endParaRPr lang="en-US" dirty="0"/>
           </a:p>
         </p:txBody>
@@ -7643,6 +10064,1021 @@
               <a:rPr lang="en-US" smtClean="0"/>
               <a:pPr algn="l"/>
               <a:t>10</a:t>
+            </a:fld>
+            <a:endParaRPr lang="en-US" dirty="0"/>
+          </a:p>
+        </p:txBody>
+      </p:sp>
+      <p:pic>
+        <p:nvPicPr>
+          <p:cNvPr id="5" name="Content Placeholder 4"/>
+          <p:cNvPicPr>
+            <a:picLocks noGrp="1" noChangeAspect="1"/>
+          </p:cNvPicPr>
+          <p:nvPr>
+            <p:ph sz="half" idx="2"/>
+          </p:nvPr>
+        </p:nvPicPr>
+        <p:blipFill>
+          <a:blip r:embed="rId2"/>
+          <a:stretch>
+            <a:fillRect/>
+          </a:stretch>
+        </p:blipFill>
+        <p:spPr>
+          <a:xfrm>
+            <a:off x="1338857" y="1081088"/>
+            <a:ext cx="6809186" cy="5091112"/>
+          </a:xfrm>
+          <a:prstGeom prst="rect">
+            <a:avLst/>
+          </a:prstGeom>
+          <a:effectLst>
+            <a:glow rad="63500">
+              <a:schemeClr val="accent6">
+                <a:satMod val="175000"/>
+                <a:alpha val="40000"/>
+              </a:schemeClr>
+            </a:glow>
+          </a:effectLst>
+        </p:spPr>
+        <p:style>
+          <a:lnRef idx="2">
+            <a:schemeClr val="accent1"/>
+          </a:lnRef>
+          <a:fillRef idx="1">
+            <a:schemeClr val="lt1"/>
+          </a:fillRef>
+          <a:effectRef idx="0">
+            <a:schemeClr val="accent1"/>
+          </a:effectRef>
+          <a:fontRef idx="minor">
+            <a:schemeClr val="dk1"/>
+          </a:fontRef>
+        </p:style>
+      </p:pic>
+    </p:spTree>
+    <p:extLst>
+      <p:ext uri="{BB962C8B-B14F-4D97-AF65-F5344CB8AC3E}">
+        <p14:creationId xmlns:p14="http://schemas.microsoft.com/office/powerpoint/2010/main" val="2636480315"/>
+      </p:ext>
+    </p:extLst>
+  </p:cSld>
+  <p:clrMapOvr>
+    <a:masterClrMapping/>
+  </p:clrMapOvr>
+  <p:timing>
+    <p:tnLst>
+      <p:par>
+        <p:cTn id="1" dur="indefinite" restart="never" nodeType="tmRoot"/>
+      </p:par>
+    </p:tnLst>
+  </p:timing>
+</p:sld>
+</file>
+
+<file path=ppt/slides/slide11.xml><?xml version="1.0" encoding="utf-8"?>
+<p:sld xmlns:a="http://schemas.openxmlformats.org/drawingml/2006/main" xmlns:r="http://schemas.openxmlformats.org/officeDocument/2006/relationships" xmlns:p="http://schemas.openxmlformats.org/presentationml/2006/main">
+  <p:cSld>
+    <p:spTree>
+      <p:nvGrpSpPr>
+        <p:cNvPr id="1" name=""/>
+        <p:cNvGrpSpPr/>
+        <p:nvPr/>
+      </p:nvGrpSpPr>
+      <p:grpSpPr>
+        <a:xfrm>
+          <a:off x="0" y="0"/>
+          <a:ext cx="0" cy="0"/>
+          <a:chOff x="0" y="0"/>
+          <a:chExt cx="0" cy="0"/>
+        </a:xfrm>
+      </p:grpSpPr>
+      <p:sp>
+        <p:nvSpPr>
+          <p:cNvPr id="2" name="Title 1"/>
+          <p:cNvSpPr>
+            <a:spLocks noGrp="1"/>
+          </p:cNvSpPr>
+          <p:nvPr>
+            <p:ph type="title"/>
+          </p:nvPr>
+        </p:nvSpPr>
+        <p:spPr>
+          <a:xfrm>
+            <a:off x="628650" y="365127"/>
+            <a:ext cx="7886700" cy="511174"/>
+          </a:xfrm>
+        </p:spPr>
+        <p:txBody>
+          <a:bodyPr>
+            <a:normAutofit fontScale="90000"/>
+          </a:bodyPr>
+          <a:lstStyle/>
+          <a:p>
+            <a:pPr algn="ctr"/>
+            <a:r>
+              <a:rPr lang="en-US" sz="3200" dirty="0" smtClean="0">
+                <a:solidFill>
+                  <a:prstClr val="black"/>
+                </a:solidFill>
+              </a:rPr>
+              <a:t>Solution </a:t>
+            </a:r>
+            <a:r>
+              <a:rPr lang="en-US" sz="3200" dirty="0">
+                <a:solidFill>
+                  <a:prstClr val="black"/>
+                </a:solidFill>
+              </a:rPr>
+              <a:t>Architecture</a:t>
+            </a:r>
+            <a:endParaRPr lang="en-US" dirty="0"/>
+          </a:p>
+        </p:txBody>
+      </p:sp>
+      <p:pic>
+        <p:nvPicPr>
+          <p:cNvPr id="10" name="Content Placeholder 9"/>
+          <p:cNvPicPr>
+            <a:picLocks noGrp="1" noChangeAspect="1"/>
+          </p:cNvPicPr>
+          <p:nvPr>
+            <p:ph sz="half" idx="1"/>
+          </p:nvPr>
+        </p:nvPicPr>
+        <p:blipFill>
+          <a:blip r:embed="rId2"/>
+          <a:stretch>
+            <a:fillRect/>
+          </a:stretch>
+        </p:blipFill>
+        <p:spPr>
+          <a:xfrm>
+            <a:off x="905498" y="1162609"/>
+            <a:ext cx="7609852" cy="2954337"/>
+          </a:xfrm>
+          <a:prstGeom prst="rect">
+            <a:avLst/>
+          </a:prstGeom>
+          <a:effectLst>
+            <a:glow rad="63500">
+              <a:schemeClr val="accent6">
+                <a:satMod val="175000"/>
+                <a:alpha val="40000"/>
+              </a:schemeClr>
+            </a:glow>
+          </a:effectLst>
+        </p:spPr>
+        <p:style>
+          <a:lnRef idx="2">
+            <a:schemeClr val="accent1"/>
+          </a:lnRef>
+          <a:fillRef idx="1">
+            <a:schemeClr val="lt1"/>
+          </a:fillRef>
+          <a:effectRef idx="0">
+            <a:schemeClr val="accent1"/>
+          </a:effectRef>
+          <a:fontRef idx="minor">
+            <a:schemeClr val="dk1"/>
+          </a:fontRef>
+        </p:style>
+      </p:pic>
+      <p:pic>
+        <p:nvPicPr>
+          <p:cNvPr id="11" name="Content Placeholder 10"/>
+          <p:cNvPicPr>
+            <a:picLocks noGrp="1" noChangeAspect="1"/>
+          </p:cNvPicPr>
+          <p:nvPr>
+            <p:ph sz="half" idx="2"/>
+          </p:nvPr>
+        </p:nvPicPr>
+        <p:blipFill>
+          <a:blip r:embed="rId3"/>
+          <a:stretch>
+            <a:fillRect/>
+          </a:stretch>
+        </p:blipFill>
+        <p:spPr>
+          <a:xfrm>
+            <a:off x="2614612" y="4403254"/>
+            <a:ext cx="3914775" cy="1464618"/>
+          </a:xfrm>
+          <a:prstGeom prst="rect">
+            <a:avLst/>
+          </a:prstGeom>
+          <a:effectLst>
+            <a:glow rad="63500">
+              <a:schemeClr val="accent6">
+                <a:satMod val="175000"/>
+                <a:alpha val="40000"/>
+              </a:schemeClr>
+            </a:glow>
+          </a:effectLst>
+        </p:spPr>
+        <p:style>
+          <a:lnRef idx="2">
+            <a:schemeClr val="accent1"/>
+          </a:lnRef>
+          <a:fillRef idx="1">
+            <a:schemeClr val="lt1"/>
+          </a:fillRef>
+          <a:effectRef idx="0">
+            <a:schemeClr val="accent1"/>
+          </a:effectRef>
+          <a:fontRef idx="minor">
+            <a:schemeClr val="dk1"/>
+          </a:fontRef>
+        </p:style>
+      </p:pic>
+      <p:sp>
+        <p:nvSpPr>
+          <p:cNvPr id="4" name="Slide Number Placeholder 3"/>
+          <p:cNvSpPr>
+            <a:spLocks noGrp="1"/>
+          </p:cNvSpPr>
+          <p:nvPr>
+            <p:ph type="sldNum" sz="quarter" idx="12"/>
+          </p:nvPr>
+        </p:nvSpPr>
+        <p:spPr/>
+        <p:txBody>
+          <a:bodyPr/>
+          <a:lstStyle/>
+          <a:p>
+            <a:pPr algn="l"/>
+            <a:fld id="{3BF2E178-8897-4B1C-8CC9-F674D03C0FD1}" type="slidenum">
+              <a:rPr lang="en-US" smtClean="0"/>
+              <a:pPr algn="l"/>
+              <a:t>11</a:t>
+            </a:fld>
+            <a:endParaRPr lang="en-US" dirty="0"/>
+          </a:p>
+        </p:txBody>
+      </p:sp>
+    </p:spTree>
+    <p:extLst>
+      <p:ext uri="{BB962C8B-B14F-4D97-AF65-F5344CB8AC3E}">
+        <p14:creationId xmlns:p14="http://schemas.microsoft.com/office/powerpoint/2010/main" val="1100325603"/>
+      </p:ext>
+    </p:extLst>
+  </p:cSld>
+  <p:clrMapOvr>
+    <a:masterClrMapping/>
+  </p:clrMapOvr>
+  <p:timing>
+    <p:tnLst>
+      <p:par>
+        <p:cTn id="1" dur="indefinite" restart="never" nodeType="tmRoot"/>
+      </p:par>
+    </p:tnLst>
+  </p:timing>
+</p:sld>
+</file>
+
+<file path=ppt/slides/slide12.xml><?xml version="1.0" encoding="utf-8"?>
+<p:sld xmlns:a="http://schemas.openxmlformats.org/drawingml/2006/main" xmlns:r="http://schemas.openxmlformats.org/officeDocument/2006/relationships" xmlns:p="http://schemas.openxmlformats.org/presentationml/2006/main">
+  <p:cSld>
+    <p:spTree>
+      <p:nvGrpSpPr>
+        <p:cNvPr id="1" name=""/>
+        <p:cNvGrpSpPr/>
+        <p:nvPr/>
+      </p:nvGrpSpPr>
+      <p:grpSpPr>
+        <a:xfrm>
+          <a:off x="0" y="0"/>
+          <a:ext cx="0" cy="0"/>
+          <a:chOff x="0" y="0"/>
+          <a:chExt cx="0" cy="0"/>
+        </a:xfrm>
+      </p:grpSpPr>
+      <p:sp>
+        <p:nvSpPr>
+          <p:cNvPr id="6" name="Title 5"/>
+          <p:cNvSpPr>
+            <a:spLocks noGrp="1"/>
+          </p:cNvSpPr>
+          <p:nvPr>
+            <p:ph type="title"/>
+          </p:nvPr>
+        </p:nvSpPr>
+        <p:spPr>
+          <a:xfrm>
+            <a:off x="665162" y="1379539"/>
+            <a:ext cx="7850188" cy="1071561"/>
+          </a:xfrm>
+        </p:spPr>
+        <p:txBody>
+          <a:bodyPr/>
+          <a:lstStyle/>
+          <a:p>
+            <a:r>
+              <a:rPr lang="en-US" dirty="0" smtClean="0"/>
+              <a:t>Demo – at last!</a:t>
+            </a:r>
+            <a:endParaRPr lang="en-US" dirty="0"/>
+          </a:p>
+        </p:txBody>
+      </p:sp>
+      <p:sp>
+        <p:nvSpPr>
+          <p:cNvPr id="5" name="Slide Number Placeholder 4"/>
+          <p:cNvSpPr>
+            <a:spLocks noGrp="1"/>
+          </p:cNvSpPr>
+          <p:nvPr>
+            <p:ph type="sldNum" sz="quarter" idx="12"/>
+          </p:nvPr>
+        </p:nvSpPr>
+        <p:spPr/>
+        <p:txBody>
+          <a:bodyPr/>
+          <a:lstStyle/>
+          <a:p>
+            <a:fld id="{3BF2E178-8897-4B1C-8CC9-F674D03C0FD1}" type="slidenum">
+              <a:rPr lang="en-US" smtClean="0"/>
+              <a:t>12</a:t>
+            </a:fld>
+            <a:endParaRPr lang="en-US" dirty="0"/>
+          </a:p>
+        </p:txBody>
+      </p:sp>
+    </p:spTree>
+    <p:extLst>
+      <p:ext uri="{BB962C8B-B14F-4D97-AF65-F5344CB8AC3E}">
+        <p14:creationId xmlns:p14="http://schemas.microsoft.com/office/powerpoint/2010/main" val="3577548740"/>
+      </p:ext>
+    </p:extLst>
+  </p:cSld>
+  <p:clrMapOvr>
+    <a:masterClrMapping/>
+  </p:clrMapOvr>
+  <p:timing>
+    <p:tnLst>
+      <p:par>
+        <p:cTn id="1" dur="indefinite" restart="never" nodeType="tmRoot"/>
+      </p:par>
+    </p:tnLst>
+  </p:timing>
+</p:sld>
+</file>
+
+<file path=ppt/slides/slide13.xml><?xml version="1.0" encoding="utf-8"?>
+<p:sld xmlns:a="http://schemas.openxmlformats.org/drawingml/2006/main" xmlns:r="http://schemas.openxmlformats.org/officeDocument/2006/relationships" xmlns:p="http://schemas.openxmlformats.org/presentationml/2006/main">
+  <p:cSld>
+    <p:spTree>
+      <p:nvGrpSpPr>
+        <p:cNvPr id="1" name=""/>
+        <p:cNvGrpSpPr/>
+        <p:nvPr/>
+      </p:nvGrpSpPr>
+      <p:grpSpPr>
+        <a:xfrm>
+          <a:off x="0" y="0"/>
+          <a:ext cx="0" cy="0"/>
+          <a:chOff x="0" y="0"/>
+          <a:chExt cx="0" cy="0"/>
+        </a:xfrm>
+      </p:grpSpPr>
+      <p:sp>
+        <p:nvSpPr>
+          <p:cNvPr id="2" name="Title 1"/>
+          <p:cNvSpPr>
+            <a:spLocks noGrp="1"/>
+          </p:cNvSpPr>
+          <p:nvPr>
+            <p:ph type="title"/>
+          </p:nvPr>
+        </p:nvSpPr>
+        <p:spPr>
+          <a:xfrm>
+            <a:off x="628650" y="365127"/>
+            <a:ext cx="7886700" cy="473074"/>
+          </a:xfrm>
+        </p:spPr>
+        <p:txBody>
+          <a:bodyPr>
+            <a:normAutofit fontScale="90000"/>
+          </a:bodyPr>
+          <a:lstStyle/>
+          <a:p>
+            <a:pPr algn="ctr"/>
+            <a:r>
+              <a:rPr lang="en-US" dirty="0" smtClean="0"/>
+              <a:t>Not Covered in Demo</a:t>
+            </a:r>
+            <a:endParaRPr lang="en-US" dirty="0"/>
+          </a:p>
+        </p:txBody>
+      </p:sp>
+      <p:sp>
+        <p:nvSpPr>
+          <p:cNvPr id="3" name="Content Placeholder 2"/>
+          <p:cNvSpPr>
+            <a:spLocks noGrp="1"/>
+          </p:cNvSpPr>
+          <p:nvPr>
+            <p:ph idx="1"/>
+          </p:nvPr>
+        </p:nvSpPr>
+        <p:spPr>
+          <a:xfrm>
+            <a:off x="628650" y="1092200"/>
+            <a:ext cx="7886700" cy="5084763"/>
+          </a:xfrm>
+        </p:spPr>
+        <p:txBody>
+          <a:bodyPr/>
+          <a:lstStyle/>
+          <a:p>
+            <a:r>
+              <a:rPr lang="en-US" dirty="0" smtClean="0"/>
+              <a:t>Persistency</a:t>
+            </a:r>
+          </a:p>
+          <a:p>
+            <a:r>
+              <a:rPr lang="en-US" dirty="0" smtClean="0"/>
+              <a:t>Compensations</a:t>
+            </a:r>
+          </a:p>
+          <a:p>
+            <a:r>
+              <a:rPr lang="en-US" dirty="0" smtClean="0"/>
+              <a:t>Versioning</a:t>
+            </a:r>
+          </a:p>
+          <a:p>
+            <a:r>
+              <a:rPr lang="en-US" dirty="0" smtClean="0"/>
+              <a:t>Configuration Management</a:t>
+            </a:r>
+          </a:p>
+          <a:p>
+            <a:r>
+              <a:rPr lang="en-US" dirty="0" err="1" smtClean="0"/>
+              <a:t>RabbitMQ</a:t>
+            </a:r>
+            <a:r>
+              <a:rPr lang="en-US" dirty="0" smtClean="0"/>
+              <a:t> and Azure SB</a:t>
+            </a:r>
+          </a:p>
+          <a:p>
+            <a:r>
+              <a:rPr lang="en-US" dirty="0" smtClean="0"/>
+              <a:t>Community Middleware</a:t>
+            </a:r>
+          </a:p>
+          <a:p>
+            <a:r>
+              <a:rPr lang="en-US" dirty="0" smtClean="0"/>
+              <a:t>Many Other…</a:t>
+            </a:r>
+            <a:endParaRPr lang="en-US" dirty="0"/>
+          </a:p>
+          <a:p>
+            <a:endParaRPr lang="en-US" dirty="0"/>
+          </a:p>
+        </p:txBody>
+      </p:sp>
+      <p:sp>
+        <p:nvSpPr>
+          <p:cNvPr id="4" name="Slide Number Placeholder 3"/>
+          <p:cNvSpPr>
+            <a:spLocks noGrp="1"/>
+          </p:cNvSpPr>
+          <p:nvPr>
+            <p:ph type="sldNum" sz="quarter" idx="12"/>
+          </p:nvPr>
+        </p:nvSpPr>
+        <p:spPr/>
+        <p:txBody>
+          <a:bodyPr/>
+          <a:lstStyle/>
+          <a:p>
+            <a:pPr algn="l"/>
+            <a:fld id="{3BF2E178-8897-4B1C-8CC9-F674D03C0FD1}" type="slidenum">
+              <a:rPr lang="en-US" smtClean="0"/>
+              <a:pPr algn="l"/>
+              <a:t>13</a:t>
+            </a:fld>
+            <a:endParaRPr lang="en-US" dirty="0"/>
+          </a:p>
+        </p:txBody>
+      </p:sp>
+    </p:spTree>
+    <p:extLst>
+      <p:ext uri="{BB962C8B-B14F-4D97-AF65-F5344CB8AC3E}">
+        <p14:creationId xmlns:p14="http://schemas.microsoft.com/office/powerpoint/2010/main" val="2322271562"/>
+      </p:ext>
+    </p:extLst>
+  </p:cSld>
+  <p:clrMapOvr>
+    <a:masterClrMapping/>
+  </p:clrMapOvr>
+  <p:timing>
+    <p:tnLst>
+      <p:par>
+        <p:cTn id="1" dur="indefinite" restart="never" nodeType="tmRoot"/>
+      </p:par>
+    </p:tnLst>
+  </p:timing>
+</p:sld>
+</file>
+
+<file path=ppt/slides/slide14.xml><?xml version="1.0" encoding="utf-8"?>
+<p:sld xmlns:a="http://schemas.openxmlformats.org/drawingml/2006/main" xmlns:r="http://schemas.openxmlformats.org/officeDocument/2006/relationships" xmlns:p="http://schemas.openxmlformats.org/presentationml/2006/main">
+  <p:cSld>
+    <p:spTree>
+      <p:nvGrpSpPr>
+        <p:cNvPr id="1" name=""/>
+        <p:cNvGrpSpPr/>
+        <p:nvPr/>
+      </p:nvGrpSpPr>
+      <p:grpSpPr>
+        <a:xfrm>
+          <a:off x="0" y="0"/>
+          <a:ext cx="0" cy="0"/>
+          <a:chOff x="0" y="0"/>
+          <a:chExt cx="0" cy="0"/>
+        </a:xfrm>
+      </p:grpSpPr>
+      <p:sp>
+        <p:nvSpPr>
+          <p:cNvPr id="2" name="Title 1"/>
+          <p:cNvSpPr>
+            <a:spLocks noGrp="1"/>
+          </p:cNvSpPr>
+          <p:nvPr>
+            <p:ph type="title"/>
+          </p:nvPr>
+        </p:nvSpPr>
+        <p:spPr>
+          <a:xfrm>
+            <a:off x="628650" y="736600"/>
+            <a:ext cx="7886700" cy="1089025"/>
+          </a:xfrm>
+        </p:spPr>
+        <p:txBody>
+          <a:bodyPr/>
+          <a:lstStyle/>
+          <a:p>
+            <a:pPr algn="ctr"/>
+            <a:r>
+              <a:rPr lang="en-US" dirty="0" smtClean="0"/>
+              <a:t>Wait a Minute! You promised:</a:t>
+            </a:r>
+            <a:endParaRPr lang="en-US" dirty="0"/>
+          </a:p>
+        </p:txBody>
+      </p:sp>
+      <p:graphicFrame>
+        <p:nvGraphicFramePr>
+          <p:cNvPr id="5" name="Content Placeholder 4"/>
+          <p:cNvGraphicFramePr>
+            <a:graphicFrameLocks noGrp="1"/>
+          </p:cNvGraphicFramePr>
+          <p:nvPr>
+            <p:ph idx="1"/>
+            <p:extLst>
+              <p:ext uri="{D42A27DB-BD31-4B8C-83A1-F6EECF244321}">
+                <p14:modId xmlns:p14="http://schemas.microsoft.com/office/powerpoint/2010/main" val="455710573"/>
+              </p:ext>
+            </p:extLst>
+          </p:nvPr>
+        </p:nvGraphicFramePr>
+        <p:xfrm>
+          <a:off x="742950" y="2095499"/>
+          <a:ext cx="7886700" cy="1676401"/>
+        </p:xfrm>
+        <a:graphic>
+          <a:graphicData uri="http://schemas.openxmlformats.org/drawingml/2006/diagram">
+            <dgm:relIds xmlns:dgm="http://schemas.openxmlformats.org/drawingml/2006/diagram" xmlns:r="http://schemas.openxmlformats.org/officeDocument/2006/relationships" r:dm="rId2" r:lo="rId3" r:qs="rId4" r:cs="rId5"/>
+          </a:graphicData>
+        </a:graphic>
+      </p:graphicFrame>
+      <p:sp>
+        <p:nvSpPr>
+          <p:cNvPr id="4" name="Slide Number Placeholder 3"/>
+          <p:cNvSpPr>
+            <a:spLocks noGrp="1"/>
+          </p:cNvSpPr>
+          <p:nvPr>
+            <p:ph type="sldNum" sz="quarter" idx="12"/>
+          </p:nvPr>
+        </p:nvSpPr>
+        <p:spPr/>
+        <p:txBody>
+          <a:bodyPr/>
+          <a:lstStyle/>
+          <a:p>
+            <a:fld id="{3BF2E178-8897-4B1C-8CC9-F674D03C0FD1}" type="slidenum">
+              <a:rPr lang="en-US" smtClean="0"/>
+              <a:t>14</a:t>
+            </a:fld>
+            <a:endParaRPr lang="en-US" dirty="0"/>
+          </a:p>
+        </p:txBody>
+      </p:sp>
+    </p:spTree>
+    <p:extLst>
+      <p:ext uri="{BB962C8B-B14F-4D97-AF65-F5344CB8AC3E}">
+        <p14:creationId xmlns:p14="http://schemas.microsoft.com/office/powerpoint/2010/main" val="2740943328"/>
+      </p:ext>
+    </p:extLst>
+  </p:cSld>
+  <p:clrMapOvr>
+    <a:masterClrMapping/>
+  </p:clrMapOvr>
+  <p:timing>
+    <p:tnLst>
+      <p:par>
+        <p:cTn id="1" dur="indefinite" restart="never" nodeType="tmRoot"/>
+      </p:par>
+    </p:tnLst>
+  </p:timing>
+</p:sld>
+</file>
+
+<file path=ppt/slides/slide15.xml><?xml version="1.0" encoding="utf-8"?>
+<p:sld xmlns:a="http://schemas.openxmlformats.org/drawingml/2006/main" xmlns:r="http://schemas.openxmlformats.org/officeDocument/2006/relationships" xmlns:p="http://schemas.openxmlformats.org/presentationml/2006/main">
+  <p:cSld>
+    <p:spTree>
+      <p:nvGrpSpPr>
+        <p:cNvPr id="1" name=""/>
+        <p:cNvGrpSpPr/>
+        <p:nvPr/>
+      </p:nvGrpSpPr>
+      <p:grpSpPr>
+        <a:xfrm>
+          <a:off x="0" y="0"/>
+          <a:ext cx="0" cy="0"/>
+          <a:chOff x="0" y="0"/>
+          <a:chExt cx="0" cy="0"/>
+        </a:xfrm>
+      </p:grpSpPr>
+      <p:sp>
+        <p:nvSpPr>
+          <p:cNvPr id="2" name="Title 1"/>
+          <p:cNvSpPr>
+            <a:spLocks noGrp="1"/>
+          </p:cNvSpPr>
+          <p:nvPr>
+            <p:ph type="title"/>
+          </p:nvPr>
+        </p:nvSpPr>
+        <p:spPr>
+          <a:xfrm>
+            <a:off x="628650" y="365127"/>
+            <a:ext cx="7886700" cy="511174"/>
+          </a:xfrm>
+        </p:spPr>
+        <p:txBody>
+          <a:bodyPr>
+            <a:normAutofit fontScale="90000"/>
+          </a:bodyPr>
+          <a:lstStyle/>
+          <a:p>
+            <a:pPr algn="ctr"/>
+            <a:r>
+              <a:rPr lang="en-US" sz="3200" dirty="0" smtClean="0">
+                <a:solidFill>
+                  <a:prstClr val="black"/>
+                </a:solidFill>
+              </a:rPr>
+              <a:t>Cloud Deployment</a:t>
+            </a:r>
+            <a:endParaRPr lang="en-US" dirty="0"/>
+          </a:p>
+        </p:txBody>
+      </p:sp>
+      <p:sp>
+        <p:nvSpPr>
+          <p:cNvPr id="6" name="Content Placeholder 5"/>
+          <p:cNvSpPr>
+            <a:spLocks noGrp="1"/>
+          </p:cNvSpPr>
+          <p:nvPr>
+            <p:ph sz="half" idx="1"/>
+          </p:nvPr>
+        </p:nvSpPr>
+        <p:spPr>
+          <a:xfrm>
+            <a:off x="628650" y="1079499"/>
+            <a:ext cx="3538140" cy="5097463"/>
+          </a:xfrm>
+        </p:spPr>
+        <p:txBody>
+          <a:bodyPr>
+            <a:normAutofit/>
+          </a:bodyPr>
+          <a:lstStyle/>
+          <a:p>
+            <a:r>
+              <a:rPr lang="en-US" sz="2000" dirty="0" smtClean="0"/>
+              <a:t>Deploy and scale out in Azure</a:t>
+            </a:r>
+          </a:p>
+          <a:p>
+            <a:r>
+              <a:rPr lang="en-US" sz="2000" dirty="0" smtClean="0"/>
+              <a:t>Scale frontend with load balancer</a:t>
+            </a:r>
+          </a:p>
+          <a:p>
+            <a:r>
+              <a:rPr lang="en-US" sz="2000" dirty="0"/>
+              <a:t>Use Azure Service Bus as Transport</a:t>
+            </a:r>
+          </a:p>
+          <a:p>
+            <a:r>
+              <a:rPr lang="en-US" sz="2000" dirty="0" smtClean="0"/>
+              <a:t>Scale backend with Competing Consumers and </a:t>
+            </a:r>
+            <a:r>
+              <a:rPr lang="en-US" sz="2000" dirty="0" err="1" smtClean="0"/>
+              <a:t>PubSub</a:t>
+            </a:r>
+            <a:endParaRPr lang="en-US" sz="2000" dirty="0" smtClean="0"/>
+          </a:p>
+          <a:p>
+            <a:r>
+              <a:rPr lang="en-US" sz="2000" dirty="0" smtClean="0"/>
+              <a:t>Use metrics for auto-scaling policy (e.g. receiving queue size)</a:t>
+            </a:r>
+          </a:p>
+          <a:p>
+            <a:endParaRPr lang="en-US" sz="2000" dirty="0" smtClean="0"/>
+          </a:p>
+        </p:txBody>
+      </p:sp>
+      <p:pic>
+        <p:nvPicPr>
+          <p:cNvPr id="8" name="Content Placeholder 7"/>
+          <p:cNvPicPr>
+            <a:picLocks noGrp="1" noChangeAspect="1"/>
+          </p:cNvPicPr>
+          <p:nvPr>
+            <p:ph sz="half" idx="2"/>
+          </p:nvPr>
+        </p:nvPicPr>
+        <p:blipFill>
+          <a:blip r:embed="rId2"/>
+          <a:stretch>
+            <a:fillRect/>
+          </a:stretch>
+        </p:blipFill>
+        <p:spPr>
+          <a:xfrm>
+            <a:off x="4559301" y="876301"/>
+            <a:ext cx="3563538" cy="5300662"/>
+          </a:xfrm>
+          <a:prstGeom prst="rect">
+            <a:avLst/>
+          </a:prstGeom>
+        </p:spPr>
+      </p:pic>
+      <p:sp>
+        <p:nvSpPr>
+          <p:cNvPr id="4" name="Slide Number Placeholder 3"/>
+          <p:cNvSpPr>
+            <a:spLocks noGrp="1"/>
+          </p:cNvSpPr>
+          <p:nvPr>
+            <p:ph type="sldNum" sz="quarter" idx="12"/>
+          </p:nvPr>
+        </p:nvSpPr>
+        <p:spPr/>
+        <p:txBody>
+          <a:bodyPr/>
+          <a:lstStyle/>
+          <a:p>
+            <a:pPr algn="l"/>
+            <a:fld id="{3BF2E178-8897-4B1C-8CC9-F674D03C0FD1}" type="slidenum">
+              <a:rPr lang="en-US" smtClean="0"/>
+              <a:pPr algn="l"/>
+              <a:t>15</a:t>
+            </a:fld>
+            <a:endParaRPr lang="en-US" dirty="0"/>
+          </a:p>
+        </p:txBody>
+      </p:sp>
+    </p:spTree>
+    <p:extLst>
+      <p:ext uri="{BB962C8B-B14F-4D97-AF65-F5344CB8AC3E}">
+        <p14:creationId xmlns:p14="http://schemas.microsoft.com/office/powerpoint/2010/main" val="2752216698"/>
+      </p:ext>
+    </p:extLst>
+  </p:cSld>
+  <p:clrMapOvr>
+    <a:masterClrMapping/>
+  </p:clrMapOvr>
+  <p:timing>
+    <p:tnLst>
+      <p:par>
+        <p:cTn id="1" dur="indefinite" restart="never" nodeType="tmRoot"/>
+      </p:par>
+    </p:tnLst>
+  </p:timing>
+</p:sld>
+</file>
+
+<file path=ppt/slides/slide16.xml><?xml version="1.0" encoding="utf-8"?>
+<p:sld xmlns:a="http://schemas.openxmlformats.org/drawingml/2006/main" xmlns:r="http://schemas.openxmlformats.org/officeDocument/2006/relationships" xmlns:p="http://schemas.openxmlformats.org/presentationml/2006/main">
+  <p:cSld>
+    <p:spTree>
+      <p:nvGrpSpPr>
+        <p:cNvPr id="1" name=""/>
+        <p:cNvGrpSpPr/>
+        <p:nvPr/>
+      </p:nvGrpSpPr>
+      <p:grpSpPr>
+        <a:xfrm>
+          <a:off x="0" y="0"/>
+          <a:ext cx="0" cy="0"/>
+          <a:chOff x="0" y="0"/>
+          <a:chExt cx="0" cy="0"/>
+        </a:xfrm>
+      </p:grpSpPr>
+      <p:sp>
+        <p:nvSpPr>
+          <p:cNvPr id="4" name="Slide Number Placeholder 3"/>
+          <p:cNvSpPr>
+            <a:spLocks noGrp="1"/>
+          </p:cNvSpPr>
+          <p:nvPr>
+            <p:ph type="sldNum" sz="quarter" idx="12"/>
+          </p:nvPr>
+        </p:nvSpPr>
+        <p:spPr>
+          <a:xfrm>
+            <a:off x="625565" y="6438731"/>
+            <a:ext cx="2057400" cy="365125"/>
+          </a:xfrm>
+        </p:spPr>
+        <p:txBody>
+          <a:bodyPr/>
+          <a:lstStyle/>
+          <a:p>
+            <a:pPr algn="l"/>
+            <a:fld id="{3BF2E178-8897-4B1C-8CC9-F674D03C0FD1}" type="slidenum">
+              <a:rPr lang="en-US" smtClean="0"/>
+              <a:pPr algn="l"/>
+              <a:t>16</a:t>
+            </a:fld>
+            <a:endParaRPr lang="en-US" dirty="0"/>
+          </a:p>
+        </p:txBody>
+      </p:sp>
+    </p:spTree>
+    <p:extLst>
+      <p:ext uri="{BB962C8B-B14F-4D97-AF65-F5344CB8AC3E}">
+        <p14:creationId xmlns:p14="http://schemas.microsoft.com/office/powerpoint/2010/main" val="4049557803"/>
+      </p:ext>
+    </p:extLst>
+  </p:cSld>
+  <p:clrMapOvr>
+    <a:masterClrMapping/>
+  </p:clrMapOvr>
+  <p:timing>
+    <p:tnLst>
+      <p:par>
+        <p:cTn id="1" dur="indefinite" restart="never" nodeType="tmRoot"/>
+      </p:par>
+    </p:tnLst>
+  </p:timing>
+</p:sld>
+</file>
+
+<file path=ppt/slides/slide17.xml><?xml version="1.0" encoding="utf-8"?>
+<p:sld xmlns:a="http://schemas.openxmlformats.org/drawingml/2006/main" xmlns:r="http://schemas.openxmlformats.org/officeDocument/2006/relationships" xmlns:p="http://schemas.openxmlformats.org/presentationml/2006/main">
+  <p:cSld>
+    <p:spTree>
+      <p:nvGrpSpPr>
+        <p:cNvPr id="1" name=""/>
+        <p:cNvGrpSpPr/>
+        <p:nvPr/>
+      </p:nvGrpSpPr>
+      <p:grpSpPr>
+        <a:xfrm>
+          <a:off x="0" y="0"/>
+          <a:ext cx="0" cy="0"/>
+          <a:chOff x="0" y="0"/>
+          <a:chExt cx="0" cy="0"/>
+        </a:xfrm>
+      </p:grpSpPr>
+      <p:sp>
+        <p:nvSpPr>
+          <p:cNvPr id="7" name="Title 6"/>
+          <p:cNvSpPr>
+            <a:spLocks noGrp="1"/>
+          </p:cNvSpPr>
+          <p:nvPr>
+            <p:ph type="title"/>
+          </p:nvPr>
+        </p:nvSpPr>
+        <p:spPr>
+          <a:xfrm>
+            <a:off x="628650" y="365127"/>
+            <a:ext cx="7886700" cy="561974"/>
+          </a:xfrm>
+        </p:spPr>
+        <p:txBody>
+          <a:bodyPr>
+            <a:normAutofit/>
+          </a:bodyPr>
+          <a:lstStyle/>
+          <a:p>
+            <a:r>
+              <a:rPr lang="en-US" sz="3200" dirty="0" smtClean="0"/>
+              <a:t>				Read</a:t>
+            </a:r>
+            <a:endParaRPr lang="en-US" sz="3200" dirty="0"/>
+          </a:p>
+        </p:txBody>
+      </p:sp>
+      <p:sp>
+        <p:nvSpPr>
+          <p:cNvPr id="8" name="Content Placeholder 7"/>
+          <p:cNvSpPr>
+            <a:spLocks noGrp="1"/>
+          </p:cNvSpPr>
+          <p:nvPr>
+            <p:ph idx="1"/>
+          </p:nvPr>
+        </p:nvSpPr>
+        <p:spPr>
+          <a:xfrm>
+            <a:off x="628650" y="1104900"/>
+            <a:ext cx="7886700" cy="5072063"/>
+          </a:xfrm>
+        </p:spPr>
+        <p:txBody>
+          <a:bodyPr/>
+          <a:lstStyle/>
+          <a:p>
+            <a:r>
+              <a:rPr lang="en-US" sz="2000" dirty="0">
+                <a:hlinkClick r:id="rId2"/>
+              </a:rPr>
+              <a:t>https://</a:t>
+            </a:r>
+            <a:r>
+              <a:rPr lang="en-US" sz="2000" dirty="0" smtClean="0">
+                <a:hlinkClick r:id="rId2"/>
+              </a:rPr>
+              <a:t>media.readthedocs.org/pdf/masstransit/latest/masstransit.pdf</a:t>
+            </a:r>
+            <a:endParaRPr lang="en-US" sz="2000" dirty="0" smtClean="0"/>
+          </a:p>
+          <a:p>
+            <a:r>
+              <a:rPr lang="en-US" sz="2000" dirty="0">
+                <a:hlinkClick r:id="rId3"/>
+              </a:rPr>
+              <a:t>https://</a:t>
+            </a:r>
+            <a:r>
+              <a:rPr lang="en-US" sz="2000" dirty="0" smtClean="0">
+                <a:hlinkClick r:id="rId3"/>
+              </a:rPr>
+              <a:t>msdn.microsoft.com/en-us/library/dn600223.aspx</a:t>
+            </a:r>
+            <a:endParaRPr lang="en-US" sz="2000" dirty="0" smtClean="0"/>
+          </a:p>
+          <a:p>
+            <a:endParaRPr lang="en-US" sz="2000" dirty="0" smtClean="0"/>
+          </a:p>
+          <a:p>
+            <a:endParaRPr lang="en-US" dirty="0"/>
+          </a:p>
+        </p:txBody>
+      </p:sp>
+      <p:sp>
+        <p:nvSpPr>
+          <p:cNvPr id="4" name="Slide Number Placeholder 3"/>
+          <p:cNvSpPr>
+            <a:spLocks noGrp="1"/>
+          </p:cNvSpPr>
+          <p:nvPr>
+            <p:ph type="sldNum" sz="quarter" idx="12"/>
+          </p:nvPr>
+        </p:nvSpPr>
+        <p:spPr/>
+        <p:txBody>
+          <a:bodyPr/>
+          <a:lstStyle/>
+          <a:p>
+            <a:pPr algn="l"/>
+            <a:fld id="{3BF2E178-8897-4B1C-8CC9-F674D03C0FD1}" type="slidenum">
+              <a:rPr lang="en-US" smtClean="0"/>
+              <a:pPr algn="l"/>
+              <a:t>17</a:t>
             </a:fld>
             <a:endParaRPr lang="en-US" dirty="0"/>
           </a:p>
@@ -7794,37 +11230,23 @@
         </p:nvSpPr>
         <p:spPr>
           <a:xfrm>
-            <a:off x="628650" y="-63242"/>
-            <a:ext cx="7886700" cy="1325563"/>
+            <a:off x="628650" y="279401"/>
+            <a:ext cx="7886700" cy="596899"/>
           </a:xfrm>
         </p:spPr>
         <p:txBody>
           <a:bodyPr/>
           <a:lstStyle/>
           <a:p>
+            <a:pPr algn="ctr"/>
             <a:r>
-              <a:rPr lang="en-US" dirty="0" smtClean="0"/>
-              <a:t>		Legacy System</a:t>
+              <a:rPr lang="en-US" sz="3200" dirty="0">
+                <a:solidFill>
+                  <a:prstClr val="black"/>
+                </a:solidFill>
+              </a:rPr>
+              <a:t>Legacy System Architecture</a:t>
             </a:r>
-            <a:endParaRPr lang="en-US" dirty="0"/>
-          </a:p>
-        </p:txBody>
-      </p:sp>
-      <p:sp>
-        <p:nvSpPr>
-          <p:cNvPr id="3" name="Content Placeholder 2"/>
-          <p:cNvSpPr>
-            <a:spLocks noGrp="1"/>
-          </p:cNvSpPr>
-          <p:nvPr>
-            <p:ph idx="1"/>
-          </p:nvPr>
-        </p:nvSpPr>
-        <p:spPr/>
-        <p:txBody>
-          <a:bodyPr/>
-          <a:lstStyle/>
-          <a:p>
             <a:endParaRPr lang="en-US" dirty="0"/>
           </a:p>
         </p:txBody>
@@ -7854,10 +11276,128 @@
           </a:p>
         </p:txBody>
       </p:sp>
+      <p:pic>
+        <p:nvPicPr>
+          <p:cNvPr id="6" name="Content Placeholder 4"/>
+          <p:cNvPicPr>
+            <a:picLocks noGrp="1" noChangeAspect="1"/>
+          </p:cNvPicPr>
+          <p:nvPr>
+            <p:ph sz="half" idx="1"/>
+          </p:nvPr>
+        </p:nvPicPr>
+        <p:blipFill>
+          <a:blip r:embed="rId2"/>
+          <a:stretch>
+            <a:fillRect/>
+          </a:stretch>
+        </p:blipFill>
+        <p:spPr>
+          <a:xfrm>
+            <a:off x="651889" y="1085850"/>
+            <a:ext cx="1515622" cy="5091113"/>
+          </a:xfrm>
+          <a:prstGeom prst="rect">
+            <a:avLst/>
+          </a:prstGeom>
+          <a:effectLst>
+            <a:glow rad="63500">
+              <a:schemeClr val="accent6">
+                <a:satMod val="175000"/>
+                <a:alpha val="40000"/>
+              </a:schemeClr>
+            </a:glow>
+          </a:effectLst>
+        </p:spPr>
+        <p:style>
+          <a:lnRef idx="2">
+            <a:schemeClr val="accent1"/>
+          </a:lnRef>
+          <a:fillRef idx="1">
+            <a:schemeClr val="lt1"/>
+          </a:fillRef>
+          <a:effectRef idx="0">
+            <a:schemeClr val="accent1"/>
+          </a:effectRef>
+          <a:fontRef idx="minor">
+            <a:schemeClr val="dk1"/>
+          </a:fontRef>
+        </p:style>
+      </p:pic>
+      <p:sp>
+        <p:nvSpPr>
+          <p:cNvPr id="8" name="Content Placeholder 7"/>
+          <p:cNvSpPr>
+            <a:spLocks noGrp="1"/>
+          </p:cNvSpPr>
+          <p:nvPr>
+            <p:ph sz="half" idx="2"/>
+          </p:nvPr>
+        </p:nvSpPr>
+        <p:spPr>
+          <a:xfrm>
+            <a:off x="2419350" y="1085850"/>
+            <a:ext cx="6610350" cy="5091113"/>
+          </a:xfrm>
+        </p:spPr>
+        <p:txBody>
+          <a:bodyPr/>
+          <a:lstStyle/>
+          <a:p>
+            <a:endParaRPr lang="en-US" dirty="0"/>
+          </a:p>
+        </p:txBody>
+      </p:sp>
+      <p:pic>
+        <p:nvPicPr>
+          <p:cNvPr id="9" name="Picture 8"/>
+          <p:cNvPicPr>
+            <a:picLocks noChangeAspect="1"/>
+          </p:cNvPicPr>
+          <p:nvPr/>
+        </p:nvPicPr>
+        <p:blipFill>
+          <a:blip r:embed="rId3"/>
+          <a:stretch>
+            <a:fillRect/>
+          </a:stretch>
+        </p:blipFill>
+        <p:spPr>
+          <a:xfrm>
+            <a:off x="2336303" y="1085849"/>
+            <a:ext cx="6693398" cy="5091114"/>
+          </a:xfrm>
+          <a:prstGeom prst="rect">
+            <a:avLst/>
+          </a:prstGeom>
+          <a:effectLst>
+            <a:glow rad="63500">
+              <a:schemeClr val="accent6">
+                <a:satMod val="175000"/>
+                <a:alpha val="40000"/>
+              </a:schemeClr>
+            </a:glow>
+          </a:effectLst>
+        </p:spPr>
+        <p:style>
+          <a:lnRef idx="2">
+            <a:schemeClr val="accent1"/>
+          </a:lnRef>
+          <a:fillRef idx="1">
+            <a:schemeClr val="lt1"/>
+          </a:fillRef>
+          <a:effectRef idx="0">
+            <a:schemeClr val="accent1"/>
+          </a:effectRef>
+          <a:fontRef idx="minor">
+            <a:schemeClr val="dk1"/>
+          </a:fontRef>
+        </p:style>
+      </p:pic>
     </p:spTree>
     <p:extLst>
       <p:ext uri="{BB962C8B-B14F-4D97-AF65-F5344CB8AC3E}">
-        <p14:creationId xmlns:p14="http://schemas.microsoft.com/office/powerpoint/2010/main" val="3627498632"/>
+        <p14:creationId xmlns:p14="http://schemas.microsoft.com/office/powerpoint/2010/main" val="3195523950"/>
       </p:ext>
     </p:extLst>
   </p:cSld>
@@ -7893,33 +11433,6 @@
       </p:grpSpPr>
       <p:sp>
         <p:nvSpPr>
-          <p:cNvPr id="2" name="Title 1"/>
-          <p:cNvSpPr>
-            <a:spLocks noGrp="1"/>
-          </p:cNvSpPr>
-          <p:nvPr>
-            <p:ph type="title"/>
-          </p:nvPr>
-        </p:nvSpPr>
-        <p:spPr/>
-        <p:txBody>
-          <a:bodyPr/>
-          <a:lstStyle/>
-          <a:p>
-            <a:r>
-              <a:rPr lang="en-US" dirty="0" smtClean="0"/>
-              <a:t>		</a:t>
-            </a:r>
-            <a:r>
-              <a:rPr lang="en-US" sz="3200" dirty="0" smtClean="0"/>
-              <a:t>Legacy System Problems</a:t>
-            </a:r>
-            <a:endParaRPr lang="en-US" sz="3200" dirty="0"/>
-          </a:p>
-        </p:txBody>
-      </p:sp>
-      <p:sp>
-        <p:nvSpPr>
           <p:cNvPr id="3" name="Content Placeholder 2"/>
           <p:cNvSpPr>
             <a:spLocks noGrp="1"/>
@@ -7936,7 +11449,7 @@
         </p:spPr>
         <p:txBody>
           <a:bodyPr>
-            <a:normAutofit fontScale="92500" lnSpcReduction="20000"/>
+            <a:normAutofit fontScale="85000" lnSpcReduction="20000"/>
           </a:bodyPr>
           <a:lstStyle/>
           <a:p>
@@ -7967,7 +11480,7 @@
             <a:pPr lvl="1"/>
             <a:r>
               <a:rPr lang="en-US" dirty="0" smtClean="0"/>
-              <a:t>Parallelism through explicit low-level thread management</a:t>
+              <a:t>Parallelism and flow control through explicit low-level thread scheduling and synchronization</a:t>
             </a:r>
             <a:endParaRPr lang="en-US" dirty="0"/>
           </a:p>
@@ -7995,6 +11508,13 @@
             <a:r>
               <a:rPr lang="en-US" dirty="0" smtClean="0"/>
               <a:t>Waste of Resources</a:t>
+            </a:r>
+          </a:p>
+          <a:p>
+            <a:pPr lvl="1"/>
+            <a:r>
+              <a:rPr lang="en-US" dirty="0" smtClean="0"/>
+              <a:t>Synchronous Requests</a:t>
             </a:r>
           </a:p>
           <a:p>
@@ -8061,6 +11581,60 @@
               <a:pPr algn="l"/>
               <a:t>4</a:t>
             </a:fld>
+            <a:endParaRPr lang="en-US" dirty="0"/>
+          </a:p>
+        </p:txBody>
+      </p:sp>
+      <p:sp>
+        <p:nvSpPr>
+          <p:cNvPr id="6" name="Title 1"/>
+          <p:cNvSpPr txBox="1">
+            <a:spLocks/>
+          </p:cNvSpPr>
+          <p:nvPr/>
+        </p:nvSpPr>
+        <p:spPr>
+          <a:xfrm>
+            <a:off x="628650" y="279401"/>
+            <a:ext cx="7886700" cy="596899"/>
+          </a:xfrm>
+          <a:prstGeom prst="rect">
+            <a:avLst/>
+          </a:prstGeom>
+        </p:spPr>
+        <p:txBody>
+          <a:bodyPr vert="horz" lIns="91440" tIns="45720" rIns="91440" bIns="45720" rtlCol="0" anchor="ctr">
+            <a:normAutofit/>
+          </a:bodyPr>
+          <a:lstStyle>
+            <a:lvl1pPr algn="l" defTabSz="914400" rtl="0" eaLnBrk="1" latinLnBrk="0" hangingPunct="1">
+              <a:lnSpc>
+                <a:spcPct val="90000"/>
+              </a:lnSpc>
+              <a:spcBef>
+                <a:spcPct val="0"/>
+              </a:spcBef>
+              <a:buNone/>
+              <a:defRPr sz="4400" kern="1200">
+                <a:solidFill>
+                  <a:schemeClr val="tx1"/>
+                </a:solidFill>
+                <a:latin typeface="+mj-lt"/>
+                <a:ea typeface="+mj-ea"/>
+                <a:cs typeface="+mj-cs"/>
+              </a:defRPr>
+            </a:lvl1pPr>
+          </a:lstStyle>
+          <a:p>
+            <a:pPr algn="ctr"/>
+            <a:r>
+              <a:rPr lang="en-US" sz="3200" dirty="0" smtClean="0">
+                <a:solidFill>
+                  <a:prstClr val="black"/>
+                </a:solidFill>
+              </a:rPr>
+              <a:t>Legacy System Problems</a:t>
+            </a:r>
             <a:endParaRPr lang="en-US" dirty="0"/>
           </a:p>
         </p:txBody>
@@ -8422,6 +11996,47 @@
       </p:grpSpPr>
       <p:sp>
         <p:nvSpPr>
+          <p:cNvPr id="2" name="Title 1"/>
+          <p:cNvSpPr>
+            <a:spLocks noGrp="1"/>
+          </p:cNvSpPr>
+          <p:nvPr>
+            <p:ph type="title"/>
+          </p:nvPr>
+        </p:nvSpPr>
+        <p:spPr>
+          <a:xfrm>
+            <a:off x="628650" y="279401"/>
+            <a:ext cx="7886700" cy="596899"/>
+          </a:xfrm>
+        </p:spPr>
+        <p:txBody>
+          <a:bodyPr/>
+          <a:lstStyle/>
+          <a:p>
+            <a:pPr algn="ctr"/>
+            <a:r>
+              <a:rPr lang="en-US" sz="3200" dirty="0" smtClean="0">
+                <a:solidFill>
+                  <a:prstClr val="black"/>
+                </a:solidFill>
+              </a:rPr>
+              <a:t>Solution </a:t>
+            </a:r>
+            <a:r>
+              <a:rPr lang="en-US" sz="3200" dirty="0">
+                <a:solidFill>
+                  <a:prstClr val="black"/>
+                </a:solidFill>
+              </a:rPr>
+              <a:t>Architecture</a:t>
+            </a:r>
+            <a:endParaRPr lang="en-US" dirty="0"/>
+          </a:p>
+        </p:txBody>
+      </p:sp>
+      <p:sp>
+        <p:nvSpPr>
           <p:cNvPr id="4" name="Slide Number Placeholder 3"/>
           <p:cNvSpPr>
             <a:spLocks noGrp="1"/>
@@ -8430,12 +12045,7 @@
             <p:ph type="sldNum" sz="quarter" idx="12"/>
           </p:nvPr>
         </p:nvSpPr>
-        <p:spPr>
-          <a:xfrm>
-            <a:off x="625565" y="6438731"/>
-            <a:ext cx="2057400" cy="365125"/>
-          </a:xfrm>
-        </p:spPr>
+        <p:spPr/>
         <p:txBody>
           <a:bodyPr/>
           <a:lstStyle/>
@@ -8450,10 +12060,58 @@
           </a:p>
         </p:txBody>
       </p:sp>
+      <p:pic>
+        <p:nvPicPr>
+          <p:cNvPr id="5" name="Content Placeholder 4"/>
+          <p:cNvPicPr>
+            <a:picLocks noGrp="1" noChangeAspect="1"/>
+          </p:cNvPicPr>
+          <p:nvPr>
+            <p:ph sz="half" idx="2"/>
+          </p:nvPr>
+        </p:nvPicPr>
+        <p:blipFill>
+          <a:blip r:embed="rId2"/>
+          <a:stretch>
+            <a:fillRect/>
+          </a:stretch>
+        </p:blipFill>
+        <p:spPr>
+          <a:xfrm>
+            <a:off x="1277060" y="962025"/>
+            <a:ext cx="6856579" cy="5091113"/>
+          </a:xfrm>
+          <a:prstGeom prst="rect">
+            <a:avLst/>
+          </a:prstGeom>
+          <a:effectLst>
+            <a:glow rad="63500">
+              <a:schemeClr val="accent6">
+                <a:satMod val="175000"/>
+                <a:alpha val="40000"/>
+              </a:schemeClr>
+            </a:glow>
+          </a:effectLst>
+        </p:spPr>
+        <p:style>
+          <a:lnRef idx="2">
+            <a:schemeClr val="accent1"/>
+          </a:lnRef>
+          <a:fillRef idx="1">
+            <a:schemeClr val="lt1"/>
+          </a:fillRef>
+          <a:effectRef idx="0">
+            <a:schemeClr val="accent1"/>
+          </a:effectRef>
+          <a:fontRef idx="minor">
+            <a:schemeClr val="dk1"/>
+          </a:fontRef>
+        </p:style>
+      </p:pic>
     </p:spTree>
     <p:extLst>
       <p:ext uri="{BB962C8B-B14F-4D97-AF65-F5344CB8AC3E}">
-        <p14:creationId xmlns:p14="http://schemas.microsoft.com/office/powerpoint/2010/main" val="4049557803"/>
+        <p14:creationId xmlns:p14="http://schemas.microsoft.com/office/powerpoint/2010/main" val="3416699379"/>
       </p:ext>
     </p:extLst>
   </p:cSld>

--- a/Presentation/Service Bus Integration Patterns.pptx
+++ b/Presentation/Service Bus Integration Patterns.pptx
@@ -1012,6 +1012,1500 @@
 </file>
 
 <file path=ppt/diagrams/colors2.xml><?xml version="1.0" encoding="utf-8"?>
+<dgm:colorsDef xmlns:dgm="http://schemas.openxmlformats.org/drawingml/2006/diagram" xmlns:a="http://schemas.openxmlformats.org/drawingml/2006/main" uniqueId="urn:microsoft.com/office/officeart/2005/8/colors/accent1_2">
+  <dgm:title val=""/>
+  <dgm:desc val=""/>
+  <dgm:catLst>
+    <dgm:cat type="accent1" pri="11200"/>
+  </dgm:catLst>
+  <dgm:styleLbl name="node0">
+    <dgm:fillClrLst meth="repeat">
+      <a:schemeClr val="accent1"/>
+    </dgm:fillClrLst>
+    <dgm:linClrLst meth="repeat">
+      <a:schemeClr val="lt1"/>
+    </dgm:linClrLst>
+    <dgm:effectClrLst/>
+    <dgm:txLinClrLst/>
+    <dgm:txFillClrLst/>
+    <dgm:txEffectClrLst/>
+  </dgm:styleLbl>
+  <dgm:styleLbl name="alignNode1">
+    <dgm:fillClrLst meth="repeat">
+      <a:schemeClr val="accent1"/>
+    </dgm:fillClrLst>
+    <dgm:linClrLst meth="repeat">
+      <a:schemeClr val="accent1"/>
+    </dgm:linClrLst>
+    <dgm:effectClrLst/>
+    <dgm:txLinClrLst/>
+    <dgm:txFillClrLst/>
+    <dgm:txEffectClrLst/>
+  </dgm:styleLbl>
+  <dgm:styleLbl name="node1">
+    <dgm:fillClrLst meth="repeat">
+      <a:schemeClr val="accent1"/>
+    </dgm:fillClrLst>
+    <dgm:linClrLst meth="repeat">
+      <a:schemeClr val="lt1"/>
+    </dgm:linClrLst>
+    <dgm:effectClrLst/>
+    <dgm:txLinClrLst/>
+    <dgm:txFillClrLst/>
+    <dgm:txEffectClrLst/>
+  </dgm:styleLbl>
+  <dgm:styleLbl name="lnNode1">
+    <dgm:fillClrLst meth="repeat">
+      <a:schemeClr val="accent1"/>
+    </dgm:fillClrLst>
+    <dgm:linClrLst meth="repeat">
+      <a:schemeClr val="lt1"/>
+    </dgm:linClrLst>
+    <dgm:effectClrLst/>
+    <dgm:txLinClrLst/>
+    <dgm:txFillClrLst/>
+    <dgm:txEffectClrLst/>
+  </dgm:styleLbl>
+  <dgm:styleLbl name="vennNode1">
+    <dgm:fillClrLst meth="repeat">
+      <a:schemeClr val="accent1">
+        <a:alpha val="50000"/>
+      </a:schemeClr>
+    </dgm:fillClrLst>
+    <dgm:linClrLst meth="repeat">
+      <a:schemeClr val="lt1"/>
+    </dgm:linClrLst>
+    <dgm:effectClrLst/>
+    <dgm:txLinClrLst/>
+    <dgm:txFillClrLst/>
+    <dgm:txEffectClrLst/>
+  </dgm:styleLbl>
+  <dgm:styleLbl name="node2">
+    <dgm:fillClrLst meth="repeat">
+      <a:schemeClr val="accent1"/>
+    </dgm:fillClrLst>
+    <dgm:linClrLst meth="repeat">
+      <a:schemeClr val="lt1"/>
+    </dgm:linClrLst>
+    <dgm:effectClrLst/>
+    <dgm:txLinClrLst/>
+    <dgm:txFillClrLst/>
+    <dgm:txEffectClrLst/>
+  </dgm:styleLbl>
+  <dgm:styleLbl name="node3">
+    <dgm:fillClrLst meth="repeat">
+      <a:schemeClr val="accent1"/>
+    </dgm:fillClrLst>
+    <dgm:linClrLst meth="repeat">
+      <a:schemeClr val="lt1"/>
+    </dgm:linClrLst>
+    <dgm:effectClrLst/>
+    <dgm:txLinClrLst/>
+    <dgm:txFillClrLst/>
+    <dgm:txEffectClrLst/>
+  </dgm:styleLbl>
+  <dgm:styleLbl name="node4">
+    <dgm:fillClrLst meth="repeat">
+      <a:schemeClr val="accent1"/>
+    </dgm:fillClrLst>
+    <dgm:linClrLst meth="repeat">
+      <a:schemeClr val="lt1"/>
+    </dgm:linClrLst>
+    <dgm:effectClrLst/>
+    <dgm:txLinClrLst/>
+    <dgm:txFillClrLst/>
+    <dgm:txEffectClrLst/>
+  </dgm:styleLbl>
+  <dgm:styleLbl name="fgImgPlace1">
+    <dgm:fillClrLst meth="repeat">
+      <a:schemeClr val="accent1">
+        <a:tint val="50000"/>
+      </a:schemeClr>
+    </dgm:fillClrLst>
+    <dgm:linClrLst meth="repeat">
+      <a:schemeClr val="lt1"/>
+    </dgm:linClrLst>
+    <dgm:effectClrLst/>
+    <dgm:txLinClrLst/>
+    <dgm:txFillClrLst meth="repeat">
+      <a:schemeClr val="lt1"/>
+    </dgm:txFillClrLst>
+    <dgm:txEffectClrLst/>
+  </dgm:styleLbl>
+  <dgm:styleLbl name="alignImgPlace1">
+    <dgm:fillClrLst meth="repeat">
+      <a:schemeClr val="accent1">
+        <a:tint val="50000"/>
+      </a:schemeClr>
+    </dgm:fillClrLst>
+    <dgm:linClrLst meth="repeat">
+      <a:schemeClr val="lt1"/>
+    </dgm:linClrLst>
+    <dgm:effectClrLst/>
+    <dgm:txLinClrLst/>
+    <dgm:txFillClrLst meth="repeat">
+      <a:schemeClr val="lt1"/>
+    </dgm:txFillClrLst>
+    <dgm:txEffectClrLst/>
+  </dgm:styleLbl>
+  <dgm:styleLbl name="bgImgPlace1">
+    <dgm:fillClrLst meth="repeat">
+      <a:schemeClr val="accent1">
+        <a:tint val="50000"/>
+      </a:schemeClr>
+    </dgm:fillClrLst>
+    <dgm:linClrLst meth="repeat">
+      <a:schemeClr val="lt1"/>
+    </dgm:linClrLst>
+    <dgm:effectClrLst/>
+    <dgm:txLinClrLst/>
+    <dgm:txFillClrLst meth="repeat">
+      <a:schemeClr val="lt1"/>
+    </dgm:txFillClrLst>
+    <dgm:txEffectClrLst/>
+  </dgm:styleLbl>
+  <dgm:styleLbl name="sibTrans2D1">
+    <dgm:fillClrLst meth="repeat">
+      <a:schemeClr val="accent1">
+        <a:tint val="60000"/>
+      </a:schemeClr>
+    </dgm:fillClrLst>
+    <dgm:linClrLst meth="repeat">
+      <a:schemeClr val="accent1">
+        <a:tint val="60000"/>
+      </a:schemeClr>
+    </dgm:linClrLst>
+    <dgm:effectClrLst/>
+    <dgm:txLinClrLst/>
+    <dgm:txFillClrLst/>
+    <dgm:txEffectClrLst/>
+  </dgm:styleLbl>
+  <dgm:styleLbl name="fgSibTrans2D1">
+    <dgm:fillClrLst meth="repeat">
+      <a:schemeClr val="accent1">
+        <a:tint val="60000"/>
+      </a:schemeClr>
+    </dgm:fillClrLst>
+    <dgm:linClrLst meth="repeat">
+      <a:schemeClr val="accent1">
+        <a:tint val="60000"/>
+      </a:schemeClr>
+    </dgm:linClrLst>
+    <dgm:effectClrLst/>
+    <dgm:txLinClrLst/>
+    <dgm:txFillClrLst/>
+    <dgm:txEffectClrLst/>
+  </dgm:styleLbl>
+  <dgm:styleLbl name="bgSibTrans2D1">
+    <dgm:fillClrLst meth="repeat">
+      <a:schemeClr val="accent1">
+        <a:tint val="60000"/>
+      </a:schemeClr>
+    </dgm:fillClrLst>
+    <dgm:linClrLst meth="repeat">
+      <a:schemeClr val="accent1">
+        <a:tint val="60000"/>
+      </a:schemeClr>
+    </dgm:linClrLst>
+    <dgm:effectClrLst/>
+    <dgm:txLinClrLst/>
+    <dgm:txFillClrLst/>
+    <dgm:txEffectClrLst/>
+  </dgm:styleLbl>
+  <dgm:styleLbl name="sibTrans1D1">
+    <dgm:fillClrLst meth="repeat">
+      <a:schemeClr val="accent1"/>
+    </dgm:fillClrLst>
+    <dgm:linClrLst meth="repeat">
+      <a:schemeClr val="accent1"/>
+    </dgm:linClrLst>
+    <dgm:effectClrLst/>
+    <dgm:txLinClrLst/>
+    <dgm:txFillClrLst meth="repeat">
+      <a:schemeClr val="tx1"/>
+    </dgm:txFillClrLst>
+    <dgm:txEffectClrLst/>
+  </dgm:styleLbl>
+  <dgm:styleLbl name="callout">
+    <dgm:fillClrLst meth="repeat">
+      <a:schemeClr val="accent1"/>
+    </dgm:fillClrLst>
+    <dgm:linClrLst meth="repeat">
+      <a:schemeClr val="accent1">
+        <a:tint val="50000"/>
+      </a:schemeClr>
+    </dgm:linClrLst>
+    <dgm:effectClrLst/>
+    <dgm:txLinClrLst/>
+    <dgm:txFillClrLst meth="repeat">
+      <a:schemeClr val="tx1"/>
+    </dgm:txFillClrLst>
+    <dgm:txEffectClrLst/>
+  </dgm:styleLbl>
+  <dgm:styleLbl name="asst0">
+    <dgm:fillClrLst meth="repeat">
+      <a:schemeClr val="accent1"/>
+    </dgm:fillClrLst>
+    <dgm:linClrLst meth="repeat">
+      <a:schemeClr val="lt1"/>
+    </dgm:linClrLst>
+    <dgm:effectClrLst/>
+    <dgm:txLinClrLst/>
+    <dgm:txFillClrLst/>
+    <dgm:txEffectClrLst/>
+  </dgm:styleLbl>
+  <dgm:styleLbl name="asst1">
+    <dgm:fillClrLst meth="repeat">
+      <a:schemeClr val="accent1"/>
+    </dgm:fillClrLst>
+    <dgm:linClrLst meth="repeat">
+      <a:schemeClr val="lt1"/>
+    </dgm:linClrLst>
+    <dgm:effectClrLst/>
+    <dgm:txLinClrLst/>
+    <dgm:txFillClrLst/>
+    <dgm:txEffectClrLst/>
+  </dgm:styleLbl>
+  <dgm:styleLbl name="asst2">
+    <dgm:fillClrLst meth="repeat">
+      <a:schemeClr val="accent1"/>
+    </dgm:fillClrLst>
+    <dgm:linClrLst meth="repeat">
+      <a:schemeClr val="lt1"/>
+    </dgm:linClrLst>
+    <dgm:effectClrLst/>
+    <dgm:txLinClrLst/>
+    <dgm:txFillClrLst/>
+    <dgm:txEffectClrLst/>
+  </dgm:styleLbl>
+  <dgm:styleLbl name="asst3">
+    <dgm:fillClrLst meth="repeat">
+      <a:schemeClr val="accent1"/>
+    </dgm:fillClrLst>
+    <dgm:linClrLst meth="repeat">
+      <a:schemeClr val="lt1"/>
+    </dgm:linClrLst>
+    <dgm:effectClrLst/>
+    <dgm:txLinClrLst/>
+    <dgm:txFillClrLst/>
+    <dgm:txEffectClrLst/>
+  </dgm:styleLbl>
+  <dgm:styleLbl name="asst4">
+    <dgm:fillClrLst meth="repeat">
+      <a:schemeClr val="accent1"/>
+    </dgm:fillClrLst>
+    <dgm:linClrLst meth="repeat">
+      <a:schemeClr val="lt1"/>
+    </dgm:linClrLst>
+    <dgm:effectClrLst/>
+    <dgm:txLinClrLst/>
+    <dgm:txFillClrLst/>
+    <dgm:txEffectClrLst/>
+  </dgm:styleLbl>
+  <dgm:styleLbl name="parChTrans2D1">
+    <dgm:fillClrLst meth="repeat">
+      <a:schemeClr val="accent1">
+        <a:tint val="60000"/>
+      </a:schemeClr>
+    </dgm:fillClrLst>
+    <dgm:linClrLst meth="repeat">
+      <a:schemeClr val="accent1">
+        <a:tint val="60000"/>
+      </a:schemeClr>
+    </dgm:linClrLst>
+    <dgm:effectClrLst/>
+    <dgm:txLinClrLst/>
+    <dgm:txFillClrLst meth="repeat">
+      <a:schemeClr val="lt1"/>
+    </dgm:txFillClrLst>
+    <dgm:txEffectClrLst/>
+  </dgm:styleLbl>
+  <dgm:styleLbl name="parChTrans2D2">
+    <dgm:fillClrLst meth="repeat">
+      <a:schemeClr val="accent1"/>
+    </dgm:fillClrLst>
+    <dgm:linClrLst meth="repeat">
+      <a:schemeClr val="accent1"/>
+    </dgm:linClrLst>
+    <dgm:effectClrLst/>
+    <dgm:txLinClrLst/>
+    <dgm:txFillClrLst meth="repeat">
+      <a:schemeClr val="lt1"/>
+    </dgm:txFillClrLst>
+    <dgm:txEffectClrLst/>
+  </dgm:styleLbl>
+  <dgm:styleLbl name="parChTrans2D3">
+    <dgm:fillClrLst meth="repeat">
+      <a:schemeClr val="accent1"/>
+    </dgm:fillClrLst>
+    <dgm:linClrLst meth="repeat">
+      <a:schemeClr val="accent1"/>
+    </dgm:linClrLst>
+    <dgm:effectClrLst/>
+    <dgm:txLinClrLst/>
+    <dgm:txFillClrLst meth="repeat">
+      <a:schemeClr val="lt1"/>
+    </dgm:txFillClrLst>
+    <dgm:txEffectClrLst/>
+  </dgm:styleLbl>
+  <dgm:styleLbl name="parChTrans2D4">
+    <dgm:fillClrLst meth="repeat">
+      <a:schemeClr val="accent1"/>
+    </dgm:fillClrLst>
+    <dgm:linClrLst meth="repeat">
+      <a:schemeClr val="accent1"/>
+    </dgm:linClrLst>
+    <dgm:effectClrLst/>
+    <dgm:txLinClrLst/>
+    <dgm:txFillClrLst meth="repeat">
+      <a:schemeClr val="lt1"/>
+    </dgm:txFillClrLst>
+    <dgm:txEffectClrLst/>
+  </dgm:styleLbl>
+  <dgm:styleLbl name="parChTrans1D1">
+    <dgm:fillClrLst meth="repeat">
+      <a:schemeClr val="accent1"/>
+    </dgm:fillClrLst>
+    <dgm:linClrLst meth="repeat">
+      <a:schemeClr val="accent1">
+        <a:shade val="60000"/>
+      </a:schemeClr>
+    </dgm:linClrLst>
+    <dgm:effectClrLst/>
+    <dgm:txLinClrLst/>
+    <dgm:txFillClrLst meth="repeat">
+      <a:schemeClr val="tx1"/>
+    </dgm:txFillClrLst>
+    <dgm:txEffectClrLst/>
+  </dgm:styleLbl>
+  <dgm:styleLbl name="parChTrans1D2">
+    <dgm:fillClrLst meth="repeat">
+      <a:schemeClr val="accent1"/>
+    </dgm:fillClrLst>
+    <dgm:linClrLst meth="repeat">
+      <a:schemeClr val="accent1">
+        <a:shade val="60000"/>
+      </a:schemeClr>
+    </dgm:linClrLst>
+    <dgm:effectClrLst/>
+    <dgm:txLinClrLst/>
+    <dgm:txFillClrLst meth="repeat">
+      <a:schemeClr val="tx1"/>
+    </dgm:txFillClrLst>
+    <dgm:txEffectClrLst/>
+  </dgm:styleLbl>
+  <dgm:styleLbl name="parChTrans1D3">
+    <dgm:fillClrLst meth="repeat">
+      <a:schemeClr val="accent1"/>
+    </dgm:fillClrLst>
+    <dgm:linClrLst meth="repeat">
+      <a:schemeClr val="accent1">
+        <a:shade val="80000"/>
+      </a:schemeClr>
+    </dgm:linClrLst>
+    <dgm:effectClrLst/>
+    <dgm:txLinClrLst/>
+    <dgm:txFillClrLst meth="repeat">
+      <a:schemeClr val="tx1"/>
+    </dgm:txFillClrLst>
+    <dgm:txEffectClrLst/>
+  </dgm:styleLbl>
+  <dgm:styleLbl name="parChTrans1D4">
+    <dgm:fillClrLst meth="repeat">
+      <a:schemeClr val="accent1"/>
+    </dgm:fillClrLst>
+    <dgm:linClrLst meth="repeat">
+      <a:schemeClr val="accent1">
+        <a:shade val="80000"/>
+      </a:schemeClr>
+    </dgm:linClrLst>
+    <dgm:effectClrLst/>
+    <dgm:txLinClrLst/>
+    <dgm:txFillClrLst meth="repeat">
+      <a:schemeClr val="tx1"/>
+    </dgm:txFillClrLst>
+    <dgm:txEffectClrLst/>
+  </dgm:styleLbl>
+  <dgm:styleLbl name="fgAcc1">
+    <dgm:fillClrLst meth="repeat">
+      <a:schemeClr val="lt1">
+        <a:alpha val="90000"/>
+      </a:schemeClr>
+    </dgm:fillClrLst>
+    <dgm:linClrLst meth="repeat">
+      <a:schemeClr val="accent1"/>
+    </dgm:linClrLst>
+    <dgm:effectClrLst/>
+    <dgm:txLinClrLst/>
+    <dgm:txFillClrLst meth="repeat">
+      <a:schemeClr val="dk1"/>
+    </dgm:txFillClrLst>
+    <dgm:txEffectClrLst/>
+  </dgm:styleLbl>
+  <dgm:styleLbl name="conFgAcc1">
+    <dgm:fillClrLst meth="repeat">
+      <a:schemeClr val="lt1">
+        <a:alpha val="90000"/>
+      </a:schemeClr>
+    </dgm:fillClrLst>
+    <dgm:linClrLst meth="repeat">
+      <a:schemeClr val="accent1"/>
+    </dgm:linClrLst>
+    <dgm:effectClrLst/>
+    <dgm:txLinClrLst/>
+    <dgm:txFillClrLst meth="repeat">
+      <a:schemeClr val="dk1"/>
+    </dgm:txFillClrLst>
+    <dgm:txEffectClrLst/>
+  </dgm:styleLbl>
+  <dgm:styleLbl name="alignAcc1">
+    <dgm:fillClrLst meth="repeat">
+      <a:schemeClr val="lt1">
+        <a:alpha val="90000"/>
+      </a:schemeClr>
+    </dgm:fillClrLst>
+    <dgm:linClrLst meth="repeat">
+      <a:schemeClr val="accent1"/>
+    </dgm:linClrLst>
+    <dgm:effectClrLst/>
+    <dgm:txLinClrLst/>
+    <dgm:txFillClrLst meth="repeat">
+      <a:schemeClr val="dk1"/>
+    </dgm:txFillClrLst>
+    <dgm:txEffectClrLst/>
+  </dgm:styleLbl>
+  <dgm:styleLbl name="trAlignAcc1">
+    <dgm:fillClrLst meth="repeat">
+      <a:schemeClr val="lt1">
+        <a:alpha val="40000"/>
+      </a:schemeClr>
+    </dgm:fillClrLst>
+    <dgm:linClrLst meth="repeat">
+      <a:schemeClr val="accent1"/>
+    </dgm:linClrLst>
+    <dgm:effectClrLst/>
+    <dgm:txLinClrLst/>
+    <dgm:txFillClrLst meth="repeat">
+      <a:schemeClr val="dk1"/>
+    </dgm:txFillClrLst>
+    <dgm:txEffectClrLst/>
+  </dgm:styleLbl>
+  <dgm:styleLbl name="bgAcc1">
+    <dgm:fillClrLst meth="repeat">
+      <a:schemeClr val="lt1">
+        <a:alpha val="90000"/>
+      </a:schemeClr>
+    </dgm:fillClrLst>
+    <dgm:linClrLst meth="repeat">
+      <a:schemeClr val="accent1"/>
+    </dgm:linClrLst>
+    <dgm:effectClrLst/>
+    <dgm:txLinClrLst/>
+    <dgm:txFillClrLst meth="repeat">
+      <a:schemeClr val="dk1"/>
+    </dgm:txFillClrLst>
+    <dgm:txEffectClrLst/>
+  </dgm:styleLbl>
+  <dgm:styleLbl name="solidFgAcc1">
+    <dgm:fillClrLst meth="repeat">
+      <a:schemeClr val="lt1"/>
+    </dgm:fillClrLst>
+    <dgm:linClrLst meth="repeat">
+      <a:schemeClr val="accent1"/>
+    </dgm:linClrLst>
+    <dgm:effectClrLst/>
+    <dgm:txLinClrLst/>
+    <dgm:txFillClrLst meth="repeat">
+      <a:schemeClr val="dk1"/>
+    </dgm:txFillClrLst>
+    <dgm:txEffectClrLst/>
+  </dgm:styleLbl>
+  <dgm:styleLbl name="solidAlignAcc1">
+    <dgm:fillClrLst meth="repeat">
+      <a:schemeClr val="lt1"/>
+    </dgm:fillClrLst>
+    <dgm:linClrLst meth="repeat">
+      <a:schemeClr val="accent1"/>
+    </dgm:linClrLst>
+    <dgm:effectClrLst/>
+    <dgm:txLinClrLst/>
+    <dgm:txFillClrLst meth="repeat">
+      <a:schemeClr val="dk1"/>
+    </dgm:txFillClrLst>
+    <dgm:txEffectClrLst/>
+  </dgm:styleLbl>
+  <dgm:styleLbl name="solidBgAcc1">
+    <dgm:fillClrLst meth="repeat">
+      <a:schemeClr val="lt1"/>
+    </dgm:fillClrLst>
+    <dgm:linClrLst meth="repeat">
+      <a:schemeClr val="accent1"/>
+    </dgm:linClrLst>
+    <dgm:effectClrLst/>
+    <dgm:txLinClrLst/>
+    <dgm:txFillClrLst meth="repeat">
+      <a:schemeClr val="dk1"/>
+    </dgm:txFillClrLst>
+    <dgm:txEffectClrLst/>
+  </dgm:styleLbl>
+  <dgm:styleLbl name="fgAccFollowNode1">
+    <dgm:fillClrLst meth="repeat">
+      <a:schemeClr val="accent1">
+        <a:alpha val="90000"/>
+        <a:tint val="40000"/>
+      </a:schemeClr>
+    </dgm:fillClrLst>
+    <dgm:linClrLst meth="repeat">
+      <a:schemeClr val="accent1">
+        <a:alpha val="90000"/>
+        <a:tint val="40000"/>
+      </a:schemeClr>
+    </dgm:linClrLst>
+    <dgm:effectClrLst/>
+    <dgm:txLinClrLst/>
+    <dgm:txFillClrLst meth="repeat">
+      <a:schemeClr val="dk1"/>
+    </dgm:txFillClrLst>
+    <dgm:txEffectClrLst/>
+  </dgm:styleLbl>
+  <dgm:styleLbl name="alignAccFollowNode1">
+    <dgm:fillClrLst meth="repeat">
+      <a:schemeClr val="accent1">
+        <a:alpha val="90000"/>
+        <a:tint val="40000"/>
+      </a:schemeClr>
+    </dgm:fillClrLst>
+    <dgm:linClrLst meth="repeat">
+      <a:schemeClr val="accent1">
+        <a:alpha val="90000"/>
+        <a:tint val="40000"/>
+      </a:schemeClr>
+    </dgm:linClrLst>
+    <dgm:effectClrLst/>
+    <dgm:txLinClrLst/>
+    <dgm:txFillClrLst meth="repeat">
+      <a:schemeClr val="dk1"/>
+    </dgm:txFillClrLst>
+    <dgm:txEffectClrLst/>
+  </dgm:styleLbl>
+  <dgm:styleLbl name="bgAccFollowNode1">
+    <dgm:fillClrLst meth="repeat">
+      <a:schemeClr val="accent1">
+        <a:alpha val="90000"/>
+        <a:tint val="40000"/>
+      </a:schemeClr>
+    </dgm:fillClrLst>
+    <dgm:linClrLst meth="repeat">
+      <a:schemeClr val="accent1">
+        <a:alpha val="90000"/>
+        <a:tint val="40000"/>
+      </a:schemeClr>
+    </dgm:linClrLst>
+    <dgm:effectClrLst/>
+    <dgm:txLinClrLst/>
+    <dgm:txFillClrLst meth="repeat">
+      <a:schemeClr val="dk1"/>
+    </dgm:txFillClrLst>
+    <dgm:txEffectClrLst/>
+  </dgm:styleLbl>
+  <dgm:styleLbl name="fgAcc0">
+    <dgm:fillClrLst meth="repeat">
+      <a:schemeClr val="lt1">
+        <a:alpha val="90000"/>
+      </a:schemeClr>
+    </dgm:fillClrLst>
+    <dgm:linClrLst meth="repeat">
+      <a:schemeClr val="accent1"/>
+    </dgm:linClrLst>
+    <dgm:effectClrLst/>
+    <dgm:txLinClrLst/>
+    <dgm:txFillClrLst meth="repeat">
+      <a:schemeClr val="dk1"/>
+    </dgm:txFillClrLst>
+    <dgm:txEffectClrLst/>
+  </dgm:styleLbl>
+  <dgm:styleLbl name="fgAcc2">
+    <dgm:fillClrLst meth="repeat">
+      <a:schemeClr val="lt1">
+        <a:alpha val="90000"/>
+      </a:schemeClr>
+    </dgm:fillClrLst>
+    <dgm:linClrLst meth="repeat">
+      <a:schemeClr val="accent1"/>
+    </dgm:linClrLst>
+    <dgm:effectClrLst/>
+    <dgm:txLinClrLst/>
+    <dgm:txFillClrLst meth="repeat">
+      <a:schemeClr val="dk1"/>
+    </dgm:txFillClrLst>
+    <dgm:txEffectClrLst/>
+  </dgm:styleLbl>
+  <dgm:styleLbl name="fgAcc3">
+    <dgm:fillClrLst meth="repeat">
+      <a:schemeClr val="lt1">
+        <a:alpha val="90000"/>
+      </a:schemeClr>
+    </dgm:fillClrLst>
+    <dgm:linClrLst meth="repeat">
+      <a:schemeClr val="accent1"/>
+    </dgm:linClrLst>
+    <dgm:effectClrLst/>
+    <dgm:txLinClrLst/>
+    <dgm:txFillClrLst meth="repeat">
+      <a:schemeClr val="dk1"/>
+    </dgm:txFillClrLst>
+    <dgm:txEffectClrLst/>
+  </dgm:styleLbl>
+  <dgm:styleLbl name="fgAcc4">
+    <dgm:fillClrLst meth="repeat">
+      <a:schemeClr val="lt1">
+        <a:alpha val="90000"/>
+      </a:schemeClr>
+    </dgm:fillClrLst>
+    <dgm:linClrLst meth="repeat">
+      <a:schemeClr val="accent1"/>
+    </dgm:linClrLst>
+    <dgm:effectClrLst/>
+    <dgm:txLinClrLst/>
+    <dgm:txFillClrLst meth="repeat">
+      <a:schemeClr val="dk1"/>
+    </dgm:txFillClrLst>
+    <dgm:txEffectClrLst/>
+  </dgm:styleLbl>
+  <dgm:styleLbl name="bgShp">
+    <dgm:fillClrLst meth="repeat">
+      <a:schemeClr val="accent1">
+        <a:tint val="40000"/>
+      </a:schemeClr>
+    </dgm:fillClrLst>
+    <dgm:linClrLst meth="repeat">
+      <a:schemeClr val="accent1"/>
+    </dgm:linClrLst>
+    <dgm:effectClrLst/>
+    <dgm:txLinClrLst/>
+    <dgm:txFillClrLst meth="repeat">
+      <a:schemeClr val="dk1"/>
+    </dgm:txFillClrLst>
+    <dgm:txEffectClrLst/>
+  </dgm:styleLbl>
+  <dgm:styleLbl name="dkBgShp">
+    <dgm:fillClrLst meth="repeat">
+      <a:schemeClr val="accent1">
+        <a:shade val="80000"/>
+      </a:schemeClr>
+    </dgm:fillClrLst>
+    <dgm:linClrLst meth="repeat">
+      <a:schemeClr val="accent1"/>
+    </dgm:linClrLst>
+    <dgm:effectClrLst/>
+    <dgm:txLinClrLst/>
+    <dgm:txFillClrLst meth="repeat">
+      <a:schemeClr val="lt1"/>
+    </dgm:txFillClrLst>
+    <dgm:txEffectClrLst/>
+  </dgm:styleLbl>
+  <dgm:styleLbl name="trBgShp">
+    <dgm:fillClrLst meth="repeat">
+      <a:schemeClr val="accent1">
+        <a:tint val="50000"/>
+        <a:alpha val="40000"/>
+      </a:schemeClr>
+    </dgm:fillClrLst>
+    <dgm:linClrLst meth="repeat">
+      <a:schemeClr val="accent1"/>
+    </dgm:linClrLst>
+    <dgm:effectClrLst/>
+    <dgm:txLinClrLst/>
+    <dgm:txFillClrLst meth="repeat">
+      <a:schemeClr val="lt1"/>
+    </dgm:txFillClrLst>
+    <dgm:txEffectClrLst/>
+  </dgm:styleLbl>
+  <dgm:styleLbl name="fgShp">
+    <dgm:fillClrLst meth="repeat">
+      <a:schemeClr val="accent1">
+        <a:tint val="60000"/>
+      </a:schemeClr>
+    </dgm:fillClrLst>
+    <dgm:linClrLst meth="repeat">
+      <a:schemeClr val="lt1"/>
+    </dgm:linClrLst>
+    <dgm:effectClrLst/>
+    <dgm:txLinClrLst/>
+    <dgm:txFillClrLst meth="repeat">
+      <a:schemeClr val="dk1"/>
+    </dgm:txFillClrLst>
+    <dgm:txEffectClrLst/>
+  </dgm:styleLbl>
+  <dgm:styleLbl name="revTx">
+    <dgm:fillClrLst meth="repeat">
+      <a:schemeClr val="lt1">
+        <a:alpha val="0"/>
+      </a:schemeClr>
+    </dgm:fillClrLst>
+    <dgm:linClrLst meth="repeat">
+      <a:schemeClr val="dk1">
+        <a:alpha val="0"/>
+      </a:schemeClr>
+    </dgm:linClrLst>
+    <dgm:effectClrLst/>
+    <dgm:txLinClrLst/>
+    <dgm:txFillClrLst meth="repeat">
+      <a:schemeClr val="tx1"/>
+    </dgm:txFillClrLst>
+    <dgm:txEffectClrLst/>
+  </dgm:styleLbl>
+</dgm:colorsDef>
+</file>
+
+<file path=ppt/diagrams/colors3.xml><?xml version="1.0" encoding="utf-8"?>
+<dgm:colorsDef xmlns:dgm="http://schemas.openxmlformats.org/drawingml/2006/diagram" xmlns:a="http://schemas.openxmlformats.org/drawingml/2006/main" uniqueId="urn:microsoft.com/office/officeart/2005/8/colors/accent1_2">
+  <dgm:title val=""/>
+  <dgm:desc val=""/>
+  <dgm:catLst>
+    <dgm:cat type="accent1" pri="11200"/>
+  </dgm:catLst>
+  <dgm:styleLbl name="node0">
+    <dgm:fillClrLst meth="repeat">
+      <a:schemeClr val="accent1"/>
+    </dgm:fillClrLst>
+    <dgm:linClrLst meth="repeat">
+      <a:schemeClr val="lt1"/>
+    </dgm:linClrLst>
+    <dgm:effectClrLst/>
+    <dgm:txLinClrLst/>
+    <dgm:txFillClrLst/>
+    <dgm:txEffectClrLst/>
+  </dgm:styleLbl>
+  <dgm:styleLbl name="alignNode1">
+    <dgm:fillClrLst meth="repeat">
+      <a:schemeClr val="accent1"/>
+    </dgm:fillClrLst>
+    <dgm:linClrLst meth="repeat">
+      <a:schemeClr val="accent1"/>
+    </dgm:linClrLst>
+    <dgm:effectClrLst/>
+    <dgm:txLinClrLst/>
+    <dgm:txFillClrLst/>
+    <dgm:txEffectClrLst/>
+  </dgm:styleLbl>
+  <dgm:styleLbl name="node1">
+    <dgm:fillClrLst meth="repeat">
+      <a:schemeClr val="accent1"/>
+    </dgm:fillClrLst>
+    <dgm:linClrLst meth="repeat">
+      <a:schemeClr val="lt1"/>
+    </dgm:linClrLst>
+    <dgm:effectClrLst/>
+    <dgm:txLinClrLst/>
+    <dgm:txFillClrLst/>
+    <dgm:txEffectClrLst/>
+  </dgm:styleLbl>
+  <dgm:styleLbl name="lnNode1">
+    <dgm:fillClrLst meth="repeat">
+      <a:schemeClr val="accent1"/>
+    </dgm:fillClrLst>
+    <dgm:linClrLst meth="repeat">
+      <a:schemeClr val="lt1"/>
+    </dgm:linClrLst>
+    <dgm:effectClrLst/>
+    <dgm:txLinClrLst/>
+    <dgm:txFillClrLst/>
+    <dgm:txEffectClrLst/>
+  </dgm:styleLbl>
+  <dgm:styleLbl name="vennNode1">
+    <dgm:fillClrLst meth="repeat">
+      <a:schemeClr val="accent1">
+        <a:alpha val="50000"/>
+      </a:schemeClr>
+    </dgm:fillClrLst>
+    <dgm:linClrLst meth="repeat">
+      <a:schemeClr val="lt1"/>
+    </dgm:linClrLst>
+    <dgm:effectClrLst/>
+    <dgm:txLinClrLst/>
+    <dgm:txFillClrLst/>
+    <dgm:txEffectClrLst/>
+  </dgm:styleLbl>
+  <dgm:styleLbl name="node2">
+    <dgm:fillClrLst meth="repeat">
+      <a:schemeClr val="accent1"/>
+    </dgm:fillClrLst>
+    <dgm:linClrLst meth="repeat">
+      <a:schemeClr val="lt1"/>
+    </dgm:linClrLst>
+    <dgm:effectClrLst/>
+    <dgm:txLinClrLst/>
+    <dgm:txFillClrLst/>
+    <dgm:txEffectClrLst/>
+  </dgm:styleLbl>
+  <dgm:styleLbl name="node3">
+    <dgm:fillClrLst meth="repeat">
+      <a:schemeClr val="accent1"/>
+    </dgm:fillClrLst>
+    <dgm:linClrLst meth="repeat">
+      <a:schemeClr val="lt1"/>
+    </dgm:linClrLst>
+    <dgm:effectClrLst/>
+    <dgm:txLinClrLst/>
+    <dgm:txFillClrLst/>
+    <dgm:txEffectClrLst/>
+  </dgm:styleLbl>
+  <dgm:styleLbl name="node4">
+    <dgm:fillClrLst meth="repeat">
+      <a:schemeClr val="accent1"/>
+    </dgm:fillClrLst>
+    <dgm:linClrLst meth="repeat">
+      <a:schemeClr val="lt1"/>
+    </dgm:linClrLst>
+    <dgm:effectClrLst/>
+    <dgm:txLinClrLst/>
+    <dgm:txFillClrLst/>
+    <dgm:txEffectClrLst/>
+  </dgm:styleLbl>
+  <dgm:styleLbl name="fgImgPlace1">
+    <dgm:fillClrLst meth="repeat">
+      <a:schemeClr val="accent1">
+        <a:tint val="50000"/>
+      </a:schemeClr>
+    </dgm:fillClrLst>
+    <dgm:linClrLst meth="repeat">
+      <a:schemeClr val="lt1"/>
+    </dgm:linClrLst>
+    <dgm:effectClrLst/>
+    <dgm:txLinClrLst/>
+    <dgm:txFillClrLst meth="repeat">
+      <a:schemeClr val="lt1"/>
+    </dgm:txFillClrLst>
+    <dgm:txEffectClrLst/>
+  </dgm:styleLbl>
+  <dgm:styleLbl name="alignImgPlace1">
+    <dgm:fillClrLst meth="repeat">
+      <a:schemeClr val="accent1">
+        <a:tint val="50000"/>
+      </a:schemeClr>
+    </dgm:fillClrLst>
+    <dgm:linClrLst meth="repeat">
+      <a:schemeClr val="lt1"/>
+    </dgm:linClrLst>
+    <dgm:effectClrLst/>
+    <dgm:txLinClrLst/>
+    <dgm:txFillClrLst meth="repeat">
+      <a:schemeClr val="lt1"/>
+    </dgm:txFillClrLst>
+    <dgm:txEffectClrLst/>
+  </dgm:styleLbl>
+  <dgm:styleLbl name="bgImgPlace1">
+    <dgm:fillClrLst meth="repeat">
+      <a:schemeClr val="accent1">
+        <a:tint val="50000"/>
+      </a:schemeClr>
+    </dgm:fillClrLst>
+    <dgm:linClrLst meth="repeat">
+      <a:schemeClr val="lt1"/>
+    </dgm:linClrLst>
+    <dgm:effectClrLst/>
+    <dgm:txLinClrLst/>
+    <dgm:txFillClrLst meth="repeat">
+      <a:schemeClr val="lt1"/>
+    </dgm:txFillClrLst>
+    <dgm:txEffectClrLst/>
+  </dgm:styleLbl>
+  <dgm:styleLbl name="sibTrans2D1">
+    <dgm:fillClrLst meth="repeat">
+      <a:schemeClr val="accent1">
+        <a:tint val="60000"/>
+      </a:schemeClr>
+    </dgm:fillClrLst>
+    <dgm:linClrLst meth="repeat">
+      <a:schemeClr val="accent1">
+        <a:tint val="60000"/>
+      </a:schemeClr>
+    </dgm:linClrLst>
+    <dgm:effectClrLst/>
+    <dgm:txLinClrLst/>
+    <dgm:txFillClrLst/>
+    <dgm:txEffectClrLst/>
+  </dgm:styleLbl>
+  <dgm:styleLbl name="fgSibTrans2D1">
+    <dgm:fillClrLst meth="repeat">
+      <a:schemeClr val="accent1">
+        <a:tint val="60000"/>
+      </a:schemeClr>
+    </dgm:fillClrLst>
+    <dgm:linClrLst meth="repeat">
+      <a:schemeClr val="accent1">
+        <a:tint val="60000"/>
+      </a:schemeClr>
+    </dgm:linClrLst>
+    <dgm:effectClrLst/>
+    <dgm:txLinClrLst/>
+    <dgm:txFillClrLst/>
+    <dgm:txEffectClrLst/>
+  </dgm:styleLbl>
+  <dgm:styleLbl name="bgSibTrans2D1">
+    <dgm:fillClrLst meth="repeat">
+      <a:schemeClr val="accent1">
+        <a:tint val="60000"/>
+      </a:schemeClr>
+    </dgm:fillClrLst>
+    <dgm:linClrLst meth="repeat">
+      <a:schemeClr val="accent1">
+        <a:tint val="60000"/>
+      </a:schemeClr>
+    </dgm:linClrLst>
+    <dgm:effectClrLst/>
+    <dgm:txLinClrLst/>
+    <dgm:txFillClrLst/>
+    <dgm:txEffectClrLst/>
+  </dgm:styleLbl>
+  <dgm:styleLbl name="sibTrans1D1">
+    <dgm:fillClrLst meth="repeat">
+      <a:schemeClr val="accent1"/>
+    </dgm:fillClrLst>
+    <dgm:linClrLst meth="repeat">
+      <a:schemeClr val="accent1"/>
+    </dgm:linClrLst>
+    <dgm:effectClrLst/>
+    <dgm:txLinClrLst/>
+    <dgm:txFillClrLst meth="repeat">
+      <a:schemeClr val="tx1"/>
+    </dgm:txFillClrLst>
+    <dgm:txEffectClrLst/>
+  </dgm:styleLbl>
+  <dgm:styleLbl name="callout">
+    <dgm:fillClrLst meth="repeat">
+      <a:schemeClr val="accent1"/>
+    </dgm:fillClrLst>
+    <dgm:linClrLst meth="repeat">
+      <a:schemeClr val="accent1">
+        <a:tint val="50000"/>
+      </a:schemeClr>
+    </dgm:linClrLst>
+    <dgm:effectClrLst/>
+    <dgm:txLinClrLst/>
+    <dgm:txFillClrLst meth="repeat">
+      <a:schemeClr val="tx1"/>
+    </dgm:txFillClrLst>
+    <dgm:txEffectClrLst/>
+  </dgm:styleLbl>
+  <dgm:styleLbl name="asst0">
+    <dgm:fillClrLst meth="repeat">
+      <a:schemeClr val="accent1"/>
+    </dgm:fillClrLst>
+    <dgm:linClrLst meth="repeat">
+      <a:schemeClr val="lt1"/>
+    </dgm:linClrLst>
+    <dgm:effectClrLst/>
+    <dgm:txLinClrLst/>
+    <dgm:txFillClrLst/>
+    <dgm:txEffectClrLst/>
+  </dgm:styleLbl>
+  <dgm:styleLbl name="asst1">
+    <dgm:fillClrLst meth="repeat">
+      <a:schemeClr val="accent1"/>
+    </dgm:fillClrLst>
+    <dgm:linClrLst meth="repeat">
+      <a:schemeClr val="lt1"/>
+    </dgm:linClrLst>
+    <dgm:effectClrLst/>
+    <dgm:txLinClrLst/>
+    <dgm:txFillClrLst/>
+    <dgm:txEffectClrLst/>
+  </dgm:styleLbl>
+  <dgm:styleLbl name="asst2">
+    <dgm:fillClrLst meth="repeat">
+      <a:schemeClr val="accent1"/>
+    </dgm:fillClrLst>
+    <dgm:linClrLst meth="repeat">
+      <a:schemeClr val="lt1"/>
+    </dgm:linClrLst>
+    <dgm:effectClrLst/>
+    <dgm:txLinClrLst/>
+    <dgm:txFillClrLst/>
+    <dgm:txEffectClrLst/>
+  </dgm:styleLbl>
+  <dgm:styleLbl name="asst3">
+    <dgm:fillClrLst meth="repeat">
+      <a:schemeClr val="accent1"/>
+    </dgm:fillClrLst>
+    <dgm:linClrLst meth="repeat">
+      <a:schemeClr val="lt1"/>
+    </dgm:linClrLst>
+    <dgm:effectClrLst/>
+    <dgm:txLinClrLst/>
+    <dgm:txFillClrLst/>
+    <dgm:txEffectClrLst/>
+  </dgm:styleLbl>
+  <dgm:styleLbl name="asst4">
+    <dgm:fillClrLst meth="repeat">
+      <a:schemeClr val="accent1"/>
+    </dgm:fillClrLst>
+    <dgm:linClrLst meth="repeat">
+      <a:schemeClr val="lt1"/>
+    </dgm:linClrLst>
+    <dgm:effectClrLst/>
+    <dgm:txLinClrLst/>
+    <dgm:txFillClrLst/>
+    <dgm:txEffectClrLst/>
+  </dgm:styleLbl>
+  <dgm:styleLbl name="parChTrans2D1">
+    <dgm:fillClrLst meth="repeat">
+      <a:schemeClr val="accent1">
+        <a:tint val="60000"/>
+      </a:schemeClr>
+    </dgm:fillClrLst>
+    <dgm:linClrLst meth="repeat">
+      <a:schemeClr val="accent1">
+        <a:tint val="60000"/>
+      </a:schemeClr>
+    </dgm:linClrLst>
+    <dgm:effectClrLst/>
+    <dgm:txLinClrLst/>
+    <dgm:txFillClrLst meth="repeat">
+      <a:schemeClr val="lt1"/>
+    </dgm:txFillClrLst>
+    <dgm:txEffectClrLst/>
+  </dgm:styleLbl>
+  <dgm:styleLbl name="parChTrans2D2">
+    <dgm:fillClrLst meth="repeat">
+      <a:schemeClr val="accent1"/>
+    </dgm:fillClrLst>
+    <dgm:linClrLst meth="repeat">
+      <a:schemeClr val="accent1"/>
+    </dgm:linClrLst>
+    <dgm:effectClrLst/>
+    <dgm:txLinClrLst/>
+    <dgm:txFillClrLst meth="repeat">
+      <a:schemeClr val="lt1"/>
+    </dgm:txFillClrLst>
+    <dgm:txEffectClrLst/>
+  </dgm:styleLbl>
+  <dgm:styleLbl name="parChTrans2D3">
+    <dgm:fillClrLst meth="repeat">
+      <a:schemeClr val="accent1"/>
+    </dgm:fillClrLst>
+    <dgm:linClrLst meth="repeat">
+      <a:schemeClr val="accent1"/>
+    </dgm:linClrLst>
+    <dgm:effectClrLst/>
+    <dgm:txLinClrLst/>
+    <dgm:txFillClrLst meth="repeat">
+      <a:schemeClr val="lt1"/>
+    </dgm:txFillClrLst>
+    <dgm:txEffectClrLst/>
+  </dgm:styleLbl>
+  <dgm:styleLbl name="parChTrans2D4">
+    <dgm:fillClrLst meth="repeat">
+      <a:schemeClr val="accent1"/>
+    </dgm:fillClrLst>
+    <dgm:linClrLst meth="repeat">
+      <a:schemeClr val="accent1"/>
+    </dgm:linClrLst>
+    <dgm:effectClrLst/>
+    <dgm:txLinClrLst/>
+    <dgm:txFillClrLst meth="repeat">
+      <a:schemeClr val="lt1"/>
+    </dgm:txFillClrLst>
+    <dgm:txEffectClrLst/>
+  </dgm:styleLbl>
+  <dgm:styleLbl name="parChTrans1D1">
+    <dgm:fillClrLst meth="repeat">
+      <a:schemeClr val="accent1"/>
+    </dgm:fillClrLst>
+    <dgm:linClrLst meth="repeat">
+      <a:schemeClr val="accent1">
+        <a:shade val="60000"/>
+      </a:schemeClr>
+    </dgm:linClrLst>
+    <dgm:effectClrLst/>
+    <dgm:txLinClrLst/>
+    <dgm:txFillClrLst meth="repeat">
+      <a:schemeClr val="tx1"/>
+    </dgm:txFillClrLst>
+    <dgm:txEffectClrLst/>
+  </dgm:styleLbl>
+  <dgm:styleLbl name="parChTrans1D2">
+    <dgm:fillClrLst meth="repeat">
+      <a:schemeClr val="accent1"/>
+    </dgm:fillClrLst>
+    <dgm:linClrLst meth="repeat">
+      <a:schemeClr val="accent1">
+        <a:shade val="60000"/>
+      </a:schemeClr>
+    </dgm:linClrLst>
+    <dgm:effectClrLst/>
+    <dgm:txLinClrLst/>
+    <dgm:txFillClrLst meth="repeat">
+      <a:schemeClr val="tx1"/>
+    </dgm:txFillClrLst>
+    <dgm:txEffectClrLst/>
+  </dgm:styleLbl>
+  <dgm:styleLbl name="parChTrans1D3">
+    <dgm:fillClrLst meth="repeat">
+      <a:schemeClr val="accent1"/>
+    </dgm:fillClrLst>
+    <dgm:linClrLst meth="repeat">
+      <a:schemeClr val="accent1">
+        <a:shade val="80000"/>
+      </a:schemeClr>
+    </dgm:linClrLst>
+    <dgm:effectClrLst/>
+    <dgm:txLinClrLst/>
+    <dgm:txFillClrLst meth="repeat">
+      <a:schemeClr val="tx1"/>
+    </dgm:txFillClrLst>
+    <dgm:txEffectClrLst/>
+  </dgm:styleLbl>
+  <dgm:styleLbl name="parChTrans1D4">
+    <dgm:fillClrLst meth="repeat">
+      <a:schemeClr val="accent1"/>
+    </dgm:fillClrLst>
+    <dgm:linClrLst meth="repeat">
+      <a:schemeClr val="accent1">
+        <a:shade val="80000"/>
+      </a:schemeClr>
+    </dgm:linClrLst>
+    <dgm:effectClrLst/>
+    <dgm:txLinClrLst/>
+    <dgm:txFillClrLst meth="repeat">
+      <a:schemeClr val="tx1"/>
+    </dgm:txFillClrLst>
+    <dgm:txEffectClrLst/>
+  </dgm:styleLbl>
+  <dgm:styleLbl name="fgAcc1">
+    <dgm:fillClrLst meth="repeat">
+      <a:schemeClr val="lt1">
+        <a:alpha val="90000"/>
+      </a:schemeClr>
+    </dgm:fillClrLst>
+    <dgm:linClrLst meth="repeat">
+      <a:schemeClr val="accent1"/>
+    </dgm:linClrLst>
+    <dgm:effectClrLst/>
+    <dgm:txLinClrLst/>
+    <dgm:txFillClrLst meth="repeat">
+      <a:schemeClr val="dk1"/>
+    </dgm:txFillClrLst>
+    <dgm:txEffectClrLst/>
+  </dgm:styleLbl>
+  <dgm:styleLbl name="conFgAcc1">
+    <dgm:fillClrLst meth="repeat">
+      <a:schemeClr val="lt1">
+        <a:alpha val="90000"/>
+      </a:schemeClr>
+    </dgm:fillClrLst>
+    <dgm:linClrLst meth="repeat">
+      <a:schemeClr val="accent1"/>
+    </dgm:linClrLst>
+    <dgm:effectClrLst/>
+    <dgm:txLinClrLst/>
+    <dgm:txFillClrLst meth="repeat">
+      <a:schemeClr val="dk1"/>
+    </dgm:txFillClrLst>
+    <dgm:txEffectClrLst/>
+  </dgm:styleLbl>
+  <dgm:styleLbl name="alignAcc1">
+    <dgm:fillClrLst meth="repeat">
+      <a:schemeClr val="lt1">
+        <a:alpha val="90000"/>
+      </a:schemeClr>
+    </dgm:fillClrLst>
+    <dgm:linClrLst meth="repeat">
+      <a:schemeClr val="accent1"/>
+    </dgm:linClrLst>
+    <dgm:effectClrLst/>
+    <dgm:txLinClrLst/>
+    <dgm:txFillClrLst meth="repeat">
+      <a:schemeClr val="dk1"/>
+    </dgm:txFillClrLst>
+    <dgm:txEffectClrLst/>
+  </dgm:styleLbl>
+  <dgm:styleLbl name="trAlignAcc1">
+    <dgm:fillClrLst meth="repeat">
+      <a:schemeClr val="lt1">
+        <a:alpha val="40000"/>
+      </a:schemeClr>
+    </dgm:fillClrLst>
+    <dgm:linClrLst meth="repeat">
+      <a:schemeClr val="accent1"/>
+    </dgm:linClrLst>
+    <dgm:effectClrLst/>
+    <dgm:txLinClrLst/>
+    <dgm:txFillClrLst meth="repeat">
+      <a:schemeClr val="dk1"/>
+    </dgm:txFillClrLst>
+    <dgm:txEffectClrLst/>
+  </dgm:styleLbl>
+  <dgm:styleLbl name="bgAcc1">
+    <dgm:fillClrLst meth="repeat">
+      <a:schemeClr val="lt1">
+        <a:alpha val="90000"/>
+      </a:schemeClr>
+    </dgm:fillClrLst>
+    <dgm:linClrLst meth="repeat">
+      <a:schemeClr val="accent1"/>
+    </dgm:linClrLst>
+    <dgm:effectClrLst/>
+    <dgm:txLinClrLst/>
+    <dgm:txFillClrLst meth="repeat">
+      <a:schemeClr val="dk1"/>
+    </dgm:txFillClrLst>
+    <dgm:txEffectClrLst/>
+  </dgm:styleLbl>
+  <dgm:styleLbl name="solidFgAcc1">
+    <dgm:fillClrLst meth="repeat">
+      <a:schemeClr val="lt1"/>
+    </dgm:fillClrLst>
+    <dgm:linClrLst meth="repeat">
+      <a:schemeClr val="accent1"/>
+    </dgm:linClrLst>
+    <dgm:effectClrLst/>
+    <dgm:txLinClrLst/>
+    <dgm:txFillClrLst meth="repeat">
+      <a:schemeClr val="dk1"/>
+    </dgm:txFillClrLst>
+    <dgm:txEffectClrLst/>
+  </dgm:styleLbl>
+  <dgm:styleLbl name="solidAlignAcc1">
+    <dgm:fillClrLst meth="repeat">
+      <a:schemeClr val="lt1"/>
+    </dgm:fillClrLst>
+    <dgm:linClrLst meth="repeat">
+      <a:schemeClr val="accent1"/>
+    </dgm:linClrLst>
+    <dgm:effectClrLst/>
+    <dgm:txLinClrLst/>
+    <dgm:txFillClrLst meth="repeat">
+      <a:schemeClr val="dk1"/>
+    </dgm:txFillClrLst>
+    <dgm:txEffectClrLst/>
+  </dgm:styleLbl>
+  <dgm:styleLbl name="solidBgAcc1">
+    <dgm:fillClrLst meth="repeat">
+      <a:schemeClr val="lt1"/>
+    </dgm:fillClrLst>
+    <dgm:linClrLst meth="repeat">
+      <a:schemeClr val="accent1"/>
+    </dgm:linClrLst>
+    <dgm:effectClrLst/>
+    <dgm:txLinClrLst/>
+    <dgm:txFillClrLst meth="repeat">
+      <a:schemeClr val="dk1"/>
+    </dgm:txFillClrLst>
+    <dgm:txEffectClrLst/>
+  </dgm:styleLbl>
+  <dgm:styleLbl name="fgAccFollowNode1">
+    <dgm:fillClrLst meth="repeat">
+      <a:schemeClr val="accent1">
+        <a:alpha val="90000"/>
+        <a:tint val="40000"/>
+      </a:schemeClr>
+    </dgm:fillClrLst>
+    <dgm:linClrLst meth="repeat">
+      <a:schemeClr val="accent1">
+        <a:alpha val="90000"/>
+        <a:tint val="40000"/>
+      </a:schemeClr>
+    </dgm:linClrLst>
+    <dgm:effectClrLst/>
+    <dgm:txLinClrLst/>
+    <dgm:txFillClrLst meth="repeat">
+      <a:schemeClr val="dk1"/>
+    </dgm:txFillClrLst>
+    <dgm:txEffectClrLst/>
+  </dgm:styleLbl>
+  <dgm:styleLbl name="alignAccFollowNode1">
+    <dgm:fillClrLst meth="repeat">
+      <a:schemeClr val="accent1">
+        <a:alpha val="90000"/>
+        <a:tint val="40000"/>
+      </a:schemeClr>
+    </dgm:fillClrLst>
+    <dgm:linClrLst meth="repeat">
+      <a:schemeClr val="accent1">
+        <a:alpha val="90000"/>
+        <a:tint val="40000"/>
+      </a:schemeClr>
+    </dgm:linClrLst>
+    <dgm:effectClrLst/>
+    <dgm:txLinClrLst/>
+    <dgm:txFillClrLst meth="repeat">
+      <a:schemeClr val="dk1"/>
+    </dgm:txFillClrLst>
+    <dgm:txEffectClrLst/>
+  </dgm:styleLbl>
+  <dgm:styleLbl name="bgAccFollowNode1">
+    <dgm:fillClrLst meth="repeat">
+      <a:schemeClr val="accent1">
+        <a:alpha val="90000"/>
+        <a:tint val="40000"/>
+      </a:schemeClr>
+    </dgm:fillClrLst>
+    <dgm:linClrLst meth="repeat">
+      <a:schemeClr val="accent1">
+        <a:alpha val="90000"/>
+        <a:tint val="40000"/>
+      </a:schemeClr>
+    </dgm:linClrLst>
+    <dgm:effectClrLst/>
+    <dgm:txLinClrLst/>
+    <dgm:txFillClrLst meth="repeat">
+      <a:schemeClr val="dk1"/>
+    </dgm:txFillClrLst>
+    <dgm:txEffectClrLst/>
+  </dgm:styleLbl>
+  <dgm:styleLbl name="fgAcc0">
+    <dgm:fillClrLst meth="repeat">
+      <a:schemeClr val="lt1">
+        <a:alpha val="90000"/>
+      </a:schemeClr>
+    </dgm:fillClrLst>
+    <dgm:linClrLst meth="repeat">
+      <a:schemeClr val="accent1"/>
+    </dgm:linClrLst>
+    <dgm:effectClrLst/>
+    <dgm:txLinClrLst/>
+    <dgm:txFillClrLst meth="repeat">
+      <a:schemeClr val="dk1"/>
+    </dgm:txFillClrLst>
+    <dgm:txEffectClrLst/>
+  </dgm:styleLbl>
+  <dgm:styleLbl name="fgAcc2">
+    <dgm:fillClrLst meth="repeat">
+      <a:schemeClr val="lt1">
+        <a:alpha val="90000"/>
+      </a:schemeClr>
+    </dgm:fillClrLst>
+    <dgm:linClrLst meth="repeat">
+      <a:schemeClr val="accent1"/>
+    </dgm:linClrLst>
+    <dgm:effectClrLst/>
+    <dgm:txLinClrLst/>
+    <dgm:txFillClrLst meth="repeat">
+      <a:schemeClr val="dk1"/>
+    </dgm:txFillClrLst>
+    <dgm:txEffectClrLst/>
+  </dgm:styleLbl>
+  <dgm:styleLbl name="fgAcc3">
+    <dgm:fillClrLst meth="repeat">
+      <a:schemeClr val="lt1">
+        <a:alpha val="90000"/>
+      </a:schemeClr>
+    </dgm:fillClrLst>
+    <dgm:linClrLst meth="repeat">
+      <a:schemeClr val="accent1"/>
+    </dgm:linClrLst>
+    <dgm:effectClrLst/>
+    <dgm:txLinClrLst/>
+    <dgm:txFillClrLst meth="repeat">
+      <a:schemeClr val="dk1"/>
+    </dgm:txFillClrLst>
+    <dgm:txEffectClrLst/>
+  </dgm:styleLbl>
+  <dgm:styleLbl name="fgAcc4">
+    <dgm:fillClrLst meth="repeat">
+      <a:schemeClr val="lt1">
+        <a:alpha val="90000"/>
+      </a:schemeClr>
+    </dgm:fillClrLst>
+    <dgm:linClrLst meth="repeat">
+      <a:schemeClr val="accent1"/>
+    </dgm:linClrLst>
+    <dgm:effectClrLst/>
+    <dgm:txLinClrLst/>
+    <dgm:txFillClrLst meth="repeat">
+      <a:schemeClr val="dk1"/>
+    </dgm:txFillClrLst>
+    <dgm:txEffectClrLst/>
+  </dgm:styleLbl>
+  <dgm:styleLbl name="bgShp">
+    <dgm:fillClrLst meth="repeat">
+      <a:schemeClr val="accent1">
+        <a:tint val="40000"/>
+      </a:schemeClr>
+    </dgm:fillClrLst>
+    <dgm:linClrLst meth="repeat">
+      <a:schemeClr val="accent1"/>
+    </dgm:linClrLst>
+    <dgm:effectClrLst/>
+    <dgm:txLinClrLst/>
+    <dgm:txFillClrLst meth="repeat">
+      <a:schemeClr val="dk1"/>
+    </dgm:txFillClrLst>
+    <dgm:txEffectClrLst/>
+  </dgm:styleLbl>
+  <dgm:styleLbl name="dkBgShp">
+    <dgm:fillClrLst meth="repeat">
+      <a:schemeClr val="accent1">
+        <a:shade val="80000"/>
+      </a:schemeClr>
+    </dgm:fillClrLst>
+    <dgm:linClrLst meth="repeat">
+      <a:schemeClr val="accent1"/>
+    </dgm:linClrLst>
+    <dgm:effectClrLst/>
+    <dgm:txLinClrLst/>
+    <dgm:txFillClrLst meth="repeat">
+      <a:schemeClr val="lt1"/>
+    </dgm:txFillClrLst>
+    <dgm:txEffectClrLst/>
+  </dgm:styleLbl>
+  <dgm:styleLbl name="trBgShp">
+    <dgm:fillClrLst meth="repeat">
+      <a:schemeClr val="accent1">
+        <a:tint val="50000"/>
+        <a:alpha val="40000"/>
+      </a:schemeClr>
+    </dgm:fillClrLst>
+    <dgm:linClrLst meth="repeat">
+      <a:schemeClr val="accent1"/>
+    </dgm:linClrLst>
+    <dgm:effectClrLst/>
+    <dgm:txLinClrLst/>
+    <dgm:txFillClrLst meth="repeat">
+      <a:schemeClr val="lt1"/>
+    </dgm:txFillClrLst>
+    <dgm:txEffectClrLst/>
+  </dgm:styleLbl>
+  <dgm:styleLbl name="fgShp">
+    <dgm:fillClrLst meth="repeat">
+      <a:schemeClr val="accent1">
+        <a:tint val="60000"/>
+      </a:schemeClr>
+    </dgm:fillClrLst>
+    <dgm:linClrLst meth="repeat">
+      <a:schemeClr val="lt1"/>
+    </dgm:linClrLst>
+    <dgm:effectClrLst/>
+    <dgm:txLinClrLst/>
+    <dgm:txFillClrLst meth="repeat">
+      <a:schemeClr val="dk1"/>
+    </dgm:txFillClrLst>
+    <dgm:txEffectClrLst/>
+  </dgm:styleLbl>
+  <dgm:styleLbl name="revTx">
+    <dgm:fillClrLst meth="repeat">
+      <a:schemeClr val="lt1">
+        <a:alpha val="0"/>
+      </a:schemeClr>
+    </dgm:fillClrLst>
+    <dgm:linClrLst meth="repeat">
+      <a:schemeClr val="dk1">
+        <a:alpha val="0"/>
+      </a:schemeClr>
+    </dgm:linClrLst>
+    <dgm:effectClrLst/>
+    <dgm:txLinClrLst/>
+    <dgm:txFillClrLst meth="repeat">
+      <a:schemeClr val="tx1"/>
+    </dgm:txFillClrLst>
+    <dgm:txEffectClrLst/>
+  </dgm:styleLbl>
+</dgm:colorsDef>
+</file>
+
+<file path=ppt/diagrams/colors4.xml><?xml version="1.0" encoding="utf-8"?>
 <dgm:colorsDef xmlns:dgm="http://schemas.openxmlformats.org/drawingml/2006/diagram" xmlns:a="http://schemas.openxmlformats.org/drawingml/2006/main" uniqueId="urn:microsoft.com/office/officeart/2005/8/colors/accent1_2">
   <dgm:title val=""/>
   <dgm:desc val=""/>
@@ -2410,6 +3904,13 @@
         </dgm:presLayoutVars>
       </dgm:prSet>
       <dgm:spPr/>
+      <dgm:t>
+        <a:bodyPr/>
+        <a:lstStyle/>
+        <a:p>
+          <a:endParaRPr lang="en-US"/>
+        </a:p>
+      </dgm:t>
     </dgm:pt>
     <dgm:pt modelId="{77F424D6-A675-4ED7-BDAE-10ED3676A257}" type="pres">
       <dgm:prSet presAssocID="{D957C335-3589-4AA0-920B-00DB91C683BF}" presName="composite" presStyleCnt="0"/>
@@ -2438,6 +3939,13 @@
         </dgm:presLayoutVars>
       </dgm:prSet>
       <dgm:spPr/>
+      <dgm:t>
+        <a:bodyPr/>
+        <a:lstStyle/>
+        <a:p>
+          <a:endParaRPr lang="en-US"/>
+        </a:p>
+      </dgm:t>
     </dgm:pt>
     <dgm:pt modelId="{791462D4-EFB4-4AF1-8803-0830A2D8F84A}" type="pres">
       <dgm:prSet presAssocID="{BED980AE-90CC-4293-8282-401B45C67475}" presName="sp" presStyleCnt="0"/>
@@ -2455,6 +3963,13 @@
         </dgm:presLayoutVars>
       </dgm:prSet>
       <dgm:spPr/>
+      <dgm:t>
+        <a:bodyPr/>
+        <a:lstStyle/>
+        <a:p>
+          <a:endParaRPr lang="en-US"/>
+        </a:p>
+      </dgm:t>
     </dgm:pt>
     <dgm:pt modelId="{71D3D0C1-943C-4F07-851A-449A1ADF9B3C}" type="pres">
       <dgm:prSet presAssocID="{82A2100F-ACB1-4FB2-B588-2162CCE0A7EC}" presName="descendantText" presStyleLbl="alignAcc1" presStyleIdx="1" presStyleCnt="4">
@@ -2526,6 +4041,13 @@
         </dgm:presLayoutVars>
       </dgm:prSet>
       <dgm:spPr/>
+      <dgm:t>
+        <a:bodyPr/>
+        <a:lstStyle/>
+        <a:p>
+          <a:endParaRPr lang="en-US"/>
+        </a:p>
+      </dgm:t>
     </dgm:pt>
     <dgm:pt modelId="{635E652E-FF37-4DFF-95CD-8CA4BA2A8607}" type="pres">
       <dgm:prSet presAssocID="{6FB126C9-4DE9-466A-B25B-AC57AA36B4A8}" presName="descendantText" presStyleLbl="alignAcc1" presStyleIdx="3" presStyleCnt="4">
@@ -2544,41 +4066,41 @@
     </dgm:pt>
   </dgm:ptLst>
   <dgm:cxnLst>
+    <dgm:cxn modelId="{AB9DB3A5-5590-4E9C-9842-5405E6CF13F0}" type="presOf" srcId="{6745F2E8-67DC-4335-8E1C-679A2BFBCEFE}" destId="{71D3D0C1-943C-4F07-851A-449A1ADF9B3C}" srcOrd="0" destOrd="3" presId="urn:microsoft.com/office/officeart/2005/8/layout/chevron2"/>
+    <dgm:cxn modelId="{5A3CCCB0-5C1A-40F0-81AD-EAF17766D25C}" type="presOf" srcId="{82A2100F-ACB1-4FB2-B588-2162CCE0A7EC}" destId="{8674861C-641D-4B44-BD65-87448F1A2F8A}" srcOrd="0" destOrd="0" presId="urn:microsoft.com/office/officeart/2005/8/layout/chevron2"/>
+    <dgm:cxn modelId="{937E19B7-67CE-431E-AD3C-02EC700B10A8}" srcId="{82A2100F-ACB1-4FB2-B588-2162CCE0A7EC}" destId="{6745F2E8-67DC-4335-8E1C-679A2BFBCEFE}" srcOrd="3" destOrd="0" parTransId="{94CEB101-BF41-42F2-B6D5-387205ED63AB}" sibTransId="{90453888-4146-41D3-A757-3D9733F25949}"/>
+    <dgm:cxn modelId="{D3ABFCD0-354F-4D9A-9F0C-4B9AAB7DD4B8}" type="presOf" srcId="{75A8AF5E-E077-421B-9B83-1D16FC13CC3E}" destId="{C4A35548-2E21-4AAA-AE63-C60FCAEA2D26}" srcOrd="0" destOrd="0" presId="urn:microsoft.com/office/officeart/2005/8/layout/chevron2"/>
+    <dgm:cxn modelId="{0F152CF0-FE4F-41C3-AD79-1103EE14CB26}" type="presOf" srcId="{BBBFE2C6-6943-42DD-A5DD-D6818DA7D418}" destId="{635E652E-FF37-4DFF-95CD-8CA4BA2A8607}" srcOrd="0" destOrd="0" presId="urn:microsoft.com/office/officeart/2005/8/layout/chevron2"/>
+    <dgm:cxn modelId="{9AACCA81-1E4D-4D70-B868-C4798071B132}" srcId="{AC62F493-CDC1-4D34-9615-782F8A2EC453}" destId="{AEF24AE9-0AB3-4763-A5DA-3018061F5588}" srcOrd="3" destOrd="0" parTransId="{7FADB0DA-D63D-45EB-BBFF-8EE9D5BAF632}" sibTransId="{6F723BFF-936F-4352-BB40-FDEDCC497E6D}"/>
+    <dgm:cxn modelId="{47B03B05-419C-4EC6-96AF-A7685A8981D5}" type="presOf" srcId="{F62940DA-37A4-4D07-ACF2-0CEA7AC91757}" destId="{71D3D0C1-943C-4F07-851A-449A1ADF9B3C}" srcOrd="0" destOrd="0" presId="urn:microsoft.com/office/officeart/2005/8/layout/chevron2"/>
+    <dgm:cxn modelId="{C79B078C-D58A-47CF-94B0-7E387B47895B}" srcId="{6FB126C9-4DE9-466A-B25B-AC57AA36B4A8}" destId="{9CB56806-528A-44C1-B476-9B43D6E887C0}" srcOrd="1" destOrd="0" parTransId="{DFF6BF32-45C2-4942-B6C7-2656E49203DD}" sibTransId="{74CBDB70-6C77-4F6B-8303-DE1F7A3314B4}"/>
     <dgm:cxn modelId="{424AEB46-983D-42EE-BDAC-A0B59FF39508}" type="presOf" srcId="{5155967F-FA0A-4587-9DF5-C229C7C1341C}" destId="{CFC34C5D-362C-4F86-88A4-FBF87B2C7427}" srcOrd="0" destOrd="1" presId="urn:microsoft.com/office/officeart/2005/8/layout/chevron2"/>
+    <dgm:cxn modelId="{00EB73C6-3193-4443-851A-936E32877ADD}" type="presOf" srcId="{C50BEBBB-54F1-4503-8F3F-372EE468F041}" destId="{CFC34C5D-362C-4F86-88A4-FBF87B2C7427}" srcOrd="0" destOrd="2" presId="urn:microsoft.com/office/officeart/2005/8/layout/chevron2"/>
+    <dgm:cxn modelId="{986B3B8B-DE94-4ECB-8BEB-53DE5AD5C2FF}" type="presOf" srcId="{82B52429-3E42-43BB-8391-EEA5D69683A3}" destId="{C4A35548-2E21-4AAA-AE63-C60FCAEA2D26}" srcOrd="0" destOrd="1" presId="urn:microsoft.com/office/officeart/2005/8/layout/chevron2"/>
+    <dgm:cxn modelId="{81DA24D7-97CE-438F-B852-BF9BF348C0B3}" srcId="{D957C335-3589-4AA0-920B-00DB91C683BF}" destId="{75A8AF5E-E077-421B-9B83-1D16FC13CC3E}" srcOrd="0" destOrd="0" parTransId="{6DC162DF-BB4B-4EED-8F82-97B9EA69275B}" sibTransId="{99D8C5BF-696F-4C46-B987-D4C950E716F2}"/>
+    <dgm:cxn modelId="{CEBFAF0A-185F-452E-BD3A-98AB58E15D2D}" type="presOf" srcId="{0D6B2243-C5F0-467E-BB31-43E53B0E003D}" destId="{71D3D0C1-943C-4F07-851A-449A1ADF9B3C}" srcOrd="0" destOrd="2" presId="urn:microsoft.com/office/officeart/2005/8/layout/chevron2"/>
+    <dgm:cxn modelId="{19DF7B0B-DAB6-469D-AF09-E2BBF4267F49}" type="presOf" srcId="{AEF24AE9-0AB3-4763-A5DA-3018061F5588}" destId="{CFC34C5D-362C-4F86-88A4-FBF87B2C7427}" srcOrd="0" destOrd="3" presId="urn:microsoft.com/office/officeart/2005/8/layout/chevron2"/>
+    <dgm:cxn modelId="{A3BC6206-2066-4E27-BD72-A0F5854040D6}" srcId="{AC62F493-CDC1-4D34-9615-782F8A2EC453}" destId="{C50BEBBB-54F1-4503-8F3F-372EE468F041}" srcOrd="2" destOrd="0" parTransId="{DF3E6CEC-D113-4C00-B57E-38DB41CA9A70}" sibTransId="{A80EE40A-C922-4480-97CC-43A959177CB1}"/>
+    <dgm:cxn modelId="{BCE2E609-F5FD-4D47-8044-B2D3C24E44D5}" srcId="{6FB126C9-4DE9-466A-B25B-AC57AA36B4A8}" destId="{BBBFE2C6-6943-42DD-A5DD-D6818DA7D418}" srcOrd="0" destOrd="0" parTransId="{F777CEEA-C19F-453B-8807-1F928AEC03EC}" sibTransId="{18226821-D713-4B27-947C-0725DE36937B}"/>
+    <dgm:cxn modelId="{5B94BBC2-A917-4F14-BBAF-71CDA57D6E46}" srcId="{319E2ED7-DAC0-475E-B7F4-31BD7A5B9166}" destId="{D957C335-3589-4AA0-920B-00DB91C683BF}" srcOrd="0" destOrd="0" parTransId="{C09C0A58-B08D-4AD8-92AE-2C0B81B850CB}" sibTransId="{BED980AE-90CC-4293-8282-401B45C67475}"/>
+    <dgm:cxn modelId="{2EE161C4-F368-49DA-9263-5565E17AC390}" srcId="{82A2100F-ACB1-4FB2-B588-2162CCE0A7EC}" destId="{F62940DA-37A4-4D07-ACF2-0CEA7AC91757}" srcOrd="0" destOrd="0" parTransId="{4125334E-F82D-4AB7-9A28-90E8DCDE2637}" sibTransId="{62D9652E-9BE8-4476-A4C5-58D32663BA67}"/>
     <dgm:cxn modelId="{7984A512-A146-4663-A47E-6ADCB4FA6DF7}" srcId="{319E2ED7-DAC0-475E-B7F4-31BD7A5B9166}" destId="{82A2100F-ACB1-4FB2-B588-2162CCE0A7EC}" srcOrd="1" destOrd="0" parTransId="{D4ED4BAD-3900-46F1-AF51-98F72F7DCE07}" sibTransId="{7D54EAF5-9F72-4894-A745-4C7830259640}"/>
+    <dgm:cxn modelId="{063EB3C0-7438-4879-9E2E-E0F41B7FB189}" type="presOf" srcId="{9CB56806-528A-44C1-B476-9B43D6E887C0}" destId="{635E652E-FF37-4DFF-95CD-8CA4BA2A8607}" srcOrd="0" destOrd="1" presId="urn:microsoft.com/office/officeart/2005/8/layout/chevron2"/>
+    <dgm:cxn modelId="{B23F0335-5FA2-4792-9D39-CC7C8715EB40}" type="presOf" srcId="{6FB126C9-4DE9-466A-B25B-AC57AA36B4A8}" destId="{C6191146-B27E-4576-889C-63715DA6B13F}" srcOrd="0" destOrd="0" presId="urn:microsoft.com/office/officeart/2005/8/layout/chevron2"/>
     <dgm:cxn modelId="{84E9938B-3CA2-47EC-865D-AB3EB24F5CEF}" srcId="{AC62F493-CDC1-4D34-9615-782F8A2EC453}" destId="{5155967F-FA0A-4587-9DF5-C229C7C1341C}" srcOrd="1" destOrd="0" parTransId="{73AB8B54-034E-4BC5-8111-248E92063304}" sibTransId="{01368EB3-46CD-4698-96C7-5F60B9A29451}"/>
-    <dgm:cxn modelId="{C79B078C-D58A-47CF-94B0-7E387B47895B}" srcId="{6FB126C9-4DE9-466A-B25B-AC57AA36B4A8}" destId="{9CB56806-528A-44C1-B476-9B43D6E887C0}" srcOrd="1" destOrd="0" parTransId="{DFF6BF32-45C2-4942-B6C7-2656E49203DD}" sibTransId="{74CBDB70-6C77-4F6B-8303-DE1F7A3314B4}"/>
-    <dgm:cxn modelId="{937E19B7-67CE-431E-AD3C-02EC700B10A8}" srcId="{82A2100F-ACB1-4FB2-B588-2162CCE0A7EC}" destId="{6745F2E8-67DC-4335-8E1C-679A2BFBCEFE}" srcOrd="3" destOrd="0" parTransId="{94CEB101-BF41-42F2-B6D5-387205ED63AB}" sibTransId="{90453888-4146-41D3-A757-3D9733F25949}"/>
+    <dgm:cxn modelId="{4EF8FF02-E84E-4A2A-BE64-590744BB1ECC}" srcId="{82A2100F-ACB1-4FB2-B588-2162CCE0A7EC}" destId="{08471830-FB56-47BF-8120-388DF827F600}" srcOrd="1" destOrd="0" parTransId="{81E2EC31-99EB-46A4-96E2-0EAFE8119909}" sibTransId="{30669AC3-1C30-4302-8714-BAE75147CD7B}"/>
+    <dgm:cxn modelId="{464377FE-4471-4F2F-9693-2AB3DFDA8917}" srcId="{82A2100F-ACB1-4FB2-B588-2162CCE0A7EC}" destId="{0D6B2243-C5F0-467E-BB31-43E53B0E003D}" srcOrd="2" destOrd="0" parTransId="{0208BA7B-5939-4D0E-B6E6-60EF2975A18F}" sibTransId="{D623DC6C-F002-4F00-8DB9-27224B886B3D}"/>
+    <dgm:cxn modelId="{60F36FC5-56E2-4EBB-89A6-7FBC4B31009C}" srcId="{6FB126C9-4DE9-466A-B25B-AC57AA36B4A8}" destId="{A65BB76B-6769-4336-B9A5-2CC4F1A9DF53}" srcOrd="2" destOrd="0" parTransId="{8149FB2C-C327-43F1-A0EF-E84067A22E2B}" sibTransId="{46D0B279-62B2-49C7-A4EC-E7C64778DCBB}"/>
+    <dgm:cxn modelId="{7D0235AC-8540-44A3-BCFB-96307951F434}" type="presOf" srcId="{D3B228FB-1135-4D34-B378-4E75EFDAC51D}" destId="{CFC34C5D-362C-4F86-88A4-FBF87B2C7427}" srcOrd="0" destOrd="0" presId="urn:microsoft.com/office/officeart/2005/8/layout/chevron2"/>
+    <dgm:cxn modelId="{C1F94BDE-4A9C-4F43-8E28-AA89E109CBB5}" type="presOf" srcId="{08471830-FB56-47BF-8120-388DF827F600}" destId="{71D3D0C1-943C-4F07-851A-449A1ADF9B3C}" srcOrd="0" destOrd="1" presId="urn:microsoft.com/office/officeart/2005/8/layout/chevron2"/>
+    <dgm:cxn modelId="{D5C16949-916C-47D2-B666-403C11A53BDC}" type="presOf" srcId="{A65BB76B-6769-4336-B9A5-2CC4F1A9DF53}" destId="{635E652E-FF37-4DFF-95CD-8CA4BA2A8607}" srcOrd="0" destOrd="2" presId="urn:microsoft.com/office/officeart/2005/8/layout/chevron2"/>
+    <dgm:cxn modelId="{2D5E0BA9-CF6C-4340-A554-6D094D4B6F20}" type="presOf" srcId="{AC62F493-CDC1-4D34-9615-782F8A2EC453}" destId="{1EF1D0A2-CEB4-4E60-AB0F-BCD66F169E2A}" srcOrd="0" destOrd="0" presId="urn:microsoft.com/office/officeart/2005/8/layout/chevron2"/>
+    <dgm:cxn modelId="{F5F196BB-E062-4666-ADBF-28AB8EB88591}" type="presOf" srcId="{D957C335-3589-4AA0-920B-00DB91C683BF}" destId="{30D1CCFE-B9E2-495C-A14E-C264FE155CBE}" srcOrd="0" destOrd="0" presId="urn:microsoft.com/office/officeart/2005/8/layout/chevron2"/>
+    <dgm:cxn modelId="{5BB7F946-2644-4866-993F-D37B265F39A2}" srcId="{319E2ED7-DAC0-475E-B7F4-31BD7A5B9166}" destId="{6FB126C9-4DE9-466A-B25B-AC57AA36B4A8}" srcOrd="3" destOrd="0" parTransId="{C899445F-DA4D-4276-9976-650356A15FAE}" sibTransId="{6B59BCFD-82F5-4EE5-BBA3-7C0C82963889}"/>
     <dgm:cxn modelId="{15854B30-8AE7-468A-A4F9-0BD7B64E0B5F}" srcId="{319E2ED7-DAC0-475E-B7F4-31BD7A5B9166}" destId="{AC62F493-CDC1-4D34-9615-782F8A2EC453}" srcOrd="2" destOrd="0" parTransId="{34AD31BE-5FB2-4D11-AA64-1D0D7647C0A3}" sibTransId="{B2AF5689-8D5E-4357-BB39-A0DC8FC6B568}"/>
-    <dgm:cxn modelId="{4EF8FF02-E84E-4A2A-BE64-590744BB1ECC}" srcId="{82A2100F-ACB1-4FB2-B588-2162CCE0A7EC}" destId="{08471830-FB56-47BF-8120-388DF827F600}" srcOrd="1" destOrd="0" parTransId="{81E2EC31-99EB-46A4-96E2-0EAFE8119909}" sibTransId="{30669AC3-1C30-4302-8714-BAE75147CD7B}"/>
-    <dgm:cxn modelId="{7D0235AC-8540-44A3-BCFB-96307951F434}" type="presOf" srcId="{D3B228FB-1135-4D34-B378-4E75EFDAC51D}" destId="{CFC34C5D-362C-4F86-88A4-FBF87B2C7427}" srcOrd="0" destOrd="0" presId="urn:microsoft.com/office/officeart/2005/8/layout/chevron2"/>
-    <dgm:cxn modelId="{47B03B05-419C-4EC6-96AF-A7685A8981D5}" type="presOf" srcId="{F62940DA-37A4-4D07-ACF2-0CEA7AC91757}" destId="{71D3D0C1-943C-4F07-851A-449A1ADF9B3C}" srcOrd="0" destOrd="0" presId="urn:microsoft.com/office/officeart/2005/8/layout/chevron2"/>
-    <dgm:cxn modelId="{2D5E0BA9-CF6C-4340-A554-6D094D4B6F20}" type="presOf" srcId="{AC62F493-CDC1-4D34-9615-782F8A2EC453}" destId="{1EF1D0A2-CEB4-4E60-AB0F-BCD66F169E2A}" srcOrd="0" destOrd="0" presId="urn:microsoft.com/office/officeart/2005/8/layout/chevron2"/>
-    <dgm:cxn modelId="{81DA24D7-97CE-438F-B852-BF9BF348C0B3}" srcId="{D957C335-3589-4AA0-920B-00DB91C683BF}" destId="{75A8AF5E-E077-421B-9B83-1D16FC13CC3E}" srcOrd="0" destOrd="0" parTransId="{6DC162DF-BB4B-4EED-8F82-97B9EA69275B}" sibTransId="{99D8C5BF-696F-4C46-B987-D4C950E716F2}"/>
-    <dgm:cxn modelId="{AB9DB3A5-5590-4E9C-9842-5405E6CF13F0}" type="presOf" srcId="{6745F2E8-67DC-4335-8E1C-679A2BFBCEFE}" destId="{71D3D0C1-943C-4F07-851A-449A1ADF9B3C}" srcOrd="0" destOrd="3" presId="urn:microsoft.com/office/officeart/2005/8/layout/chevron2"/>
-    <dgm:cxn modelId="{19DF7B0B-DAB6-469D-AF09-E2BBF4267F49}" type="presOf" srcId="{AEF24AE9-0AB3-4763-A5DA-3018061F5588}" destId="{CFC34C5D-362C-4F86-88A4-FBF87B2C7427}" srcOrd="0" destOrd="3" presId="urn:microsoft.com/office/officeart/2005/8/layout/chevron2"/>
-    <dgm:cxn modelId="{2EE161C4-F368-49DA-9263-5565E17AC390}" srcId="{82A2100F-ACB1-4FB2-B588-2162CCE0A7EC}" destId="{F62940DA-37A4-4D07-ACF2-0CEA7AC91757}" srcOrd="0" destOrd="0" parTransId="{4125334E-F82D-4AB7-9A28-90E8DCDE2637}" sibTransId="{62D9652E-9BE8-4476-A4C5-58D32663BA67}"/>
-    <dgm:cxn modelId="{9AACCA81-1E4D-4D70-B868-C4798071B132}" srcId="{AC62F493-CDC1-4D34-9615-782F8A2EC453}" destId="{AEF24AE9-0AB3-4763-A5DA-3018061F5588}" srcOrd="3" destOrd="0" parTransId="{7FADB0DA-D63D-45EB-BBFF-8EE9D5BAF632}" sibTransId="{6F723BFF-936F-4352-BB40-FDEDCC497E6D}"/>
-    <dgm:cxn modelId="{5B94BBC2-A917-4F14-BBAF-71CDA57D6E46}" srcId="{319E2ED7-DAC0-475E-B7F4-31BD7A5B9166}" destId="{D957C335-3589-4AA0-920B-00DB91C683BF}" srcOrd="0" destOrd="0" parTransId="{C09C0A58-B08D-4AD8-92AE-2C0B81B850CB}" sibTransId="{BED980AE-90CC-4293-8282-401B45C67475}"/>
     <dgm:cxn modelId="{236F0FB2-695E-473F-8749-D2910A11D1DE}" type="presOf" srcId="{319E2ED7-DAC0-475E-B7F4-31BD7A5B9166}" destId="{839CC9F4-E7D6-485F-85CD-EC9B7273AD54}" srcOrd="0" destOrd="0" presId="urn:microsoft.com/office/officeart/2005/8/layout/chevron2"/>
-    <dgm:cxn modelId="{C1F94BDE-4A9C-4F43-8E28-AA89E109CBB5}" type="presOf" srcId="{08471830-FB56-47BF-8120-388DF827F600}" destId="{71D3D0C1-943C-4F07-851A-449A1ADF9B3C}" srcOrd="0" destOrd="1" presId="urn:microsoft.com/office/officeart/2005/8/layout/chevron2"/>
-    <dgm:cxn modelId="{F5F196BB-E062-4666-ADBF-28AB8EB88591}" type="presOf" srcId="{D957C335-3589-4AA0-920B-00DB91C683BF}" destId="{30D1CCFE-B9E2-495C-A14E-C264FE155CBE}" srcOrd="0" destOrd="0" presId="urn:microsoft.com/office/officeart/2005/8/layout/chevron2"/>
-    <dgm:cxn modelId="{D3ABFCD0-354F-4D9A-9F0C-4B9AAB7DD4B8}" type="presOf" srcId="{75A8AF5E-E077-421B-9B83-1D16FC13CC3E}" destId="{C4A35548-2E21-4AAA-AE63-C60FCAEA2D26}" srcOrd="0" destOrd="0" presId="urn:microsoft.com/office/officeart/2005/8/layout/chevron2"/>
-    <dgm:cxn modelId="{5A3CCCB0-5C1A-40F0-81AD-EAF17766D25C}" type="presOf" srcId="{82A2100F-ACB1-4FB2-B588-2162CCE0A7EC}" destId="{8674861C-641D-4B44-BD65-87448F1A2F8A}" srcOrd="0" destOrd="0" presId="urn:microsoft.com/office/officeart/2005/8/layout/chevron2"/>
-    <dgm:cxn modelId="{B23F0335-5FA2-4792-9D39-CC7C8715EB40}" type="presOf" srcId="{6FB126C9-4DE9-466A-B25B-AC57AA36B4A8}" destId="{C6191146-B27E-4576-889C-63715DA6B13F}" srcOrd="0" destOrd="0" presId="urn:microsoft.com/office/officeart/2005/8/layout/chevron2"/>
     <dgm:cxn modelId="{19D9697A-0A0E-4C75-8A31-FDD5D1FA04E0}" srcId="{AC62F493-CDC1-4D34-9615-782F8A2EC453}" destId="{D3B228FB-1135-4D34-B378-4E75EFDAC51D}" srcOrd="0" destOrd="0" parTransId="{C2B3747A-EF36-4A3B-A5F2-72991B72834B}" sibTransId="{8F929D1B-961A-46AF-9542-68CA108D7D54}"/>
-    <dgm:cxn modelId="{063EB3C0-7438-4879-9E2E-E0F41B7FB189}" type="presOf" srcId="{9CB56806-528A-44C1-B476-9B43D6E887C0}" destId="{635E652E-FF37-4DFF-95CD-8CA4BA2A8607}" srcOrd="0" destOrd="1" presId="urn:microsoft.com/office/officeart/2005/8/layout/chevron2"/>
-    <dgm:cxn modelId="{00EB73C6-3193-4443-851A-936E32877ADD}" type="presOf" srcId="{C50BEBBB-54F1-4503-8F3F-372EE468F041}" destId="{CFC34C5D-362C-4F86-88A4-FBF87B2C7427}" srcOrd="0" destOrd="2" presId="urn:microsoft.com/office/officeart/2005/8/layout/chevron2"/>
-    <dgm:cxn modelId="{BCE2E609-F5FD-4D47-8044-B2D3C24E44D5}" srcId="{6FB126C9-4DE9-466A-B25B-AC57AA36B4A8}" destId="{BBBFE2C6-6943-42DD-A5DD-D6818DA7D418}" srcOrd="0" destOrd="0" parTransId="{F777CEEA-C19F-453B-8807-1F928AEC03EC}" sibTransId="{18226821-D713-4B27-947C-0725DE36937B}"/>
-    <dgm:cxn modelId="{D5C16949-916C-47D2-B666-403C11A53BDC}" type="presOf" srcId="{A65BB76B-6769-4336-B9A5-2CC4F1A9DF53}" destId="{635E652E-FF37-4DFF-95CD-8CA4BA2A8607}" srcOrd="0" destOrd="2" presId="urn:microsoft.com/office/officeart/2005/8/layout/chevron2"/>
-    <dgm:cxn modelId="{60F36FC5-56E2-4EBB-89A6-7FBC4B31009C}" srcId="{6FB126C9-4DE9-466A-B25B-AC57AA36B4A8}" destId="{A65BB76B-6769-4336-B9A5-2CC4F1A9DF53}" srcOrd="2" destOrd="0" parTransId="{8149FB2C-C327-43F1-A0EF-E84067A22E2B}" sibTransId="{46D0B279-62B2-49C7-A4EC-E7C64778DCBB}"/>
-    <dgm:cxn modelId="{464377FE-4471-4F2F-9693-2AB3DFDA8917}" srcId="{82A2100F-ACB1-4FB2-B588-2162CCE0A7EC}" destId="{0D6B2243-C5F0-467E-BB31-43E53B0E003D}" srcOrd="2" destOrd="0" parTransId="{0208BA7B-5939-4D0E-B6E6-60EF2975A18F}" sibTransId="{D623DC6C-F002-4F00-8DB9-27224B886B3D}"/>
-    <dgm:cxn modelId="{A3BC6206-2066-4E27-BD72-A0F5854040D6}" srcId="{AC62F493-CDC1-4D34-9615-782F8A2EC453}" destId="{C50BEBBB-54F1-4503-8F3F-372EE468F041}" srcOrd="2" destOrd="0" parTransId="{DF3E6CEC-D113-4C00-B57E-38DB41CA9A70}" sibTransId="{A80EE40A-C922-4480-97CC-43A959177CB1}"/>
     <dgm:cxn modelId="{B73A275F-7945-483C-8FE0-7D9EA16D1BBA}" srcId="{D957C335-3589-4AA0-920B-00DB91C683BF}" destId="{82B52429-3E42-43BB-8391-EEA5D69683A3}" srcOrd="1" destOrd="0" parTransId="{F1DE50FC-DC8F-4E5C-9D47-D6BA187B7FD3}" sibTransId="{9C83342E-B54D-4BD5-A4BD-29FC60D70700}"/>
-    <dgm:cxn modelId="{5BB7F946-2644-4866-993F-D37B265F39A2}" srcId="{319E2ED7-DAC0-475E-B7F4-31BD7A5B9166}" destId="{6FB126C9-4DE9-466A-B25B-AC57AA36B4A8}" srcOrd="3" destOrd="0" parTransId="{C899445F-DA4D-4276-9976-650356A15FAE}" sibTransId="{6B59BCFD-82F5-4EE5-BBA3-7C0C82963889}"/>
-    <dgm:cxn modelId="{CEBFAF0A-185F-452E-BD3A-98AB58E15D2D}" type="presOf" srcId="{0D6B2243-C5F0-467E-BB31-43E53B0E003D}" destId="{71D3D0C1-943C-4F07-851A-449A1ADF9B3C}" srcOrd="0" destOrd="2" presId="urn:microsoft.com/office/officeart/2005/8/layout/chevron2"/>
-    <dgm:cxn modelId="{986B3B8B-DE94-4ECB-8BEB-53DE5AD5C2FF}" type="presOf" srcId="{82B52429-3E42-43BB-8391-EEA5D69683A3}" destId="{C4A35548-2E21-4AAA-AE63-C60FCAEA2D26}" srcOrd="0" destOrd="1" presId="urn:microsoft.com/office/officeart/2005/8/layout/chevron2"/>
-    <dgm:cxn modelId="{0F152CF0-FE4F-41C3-AD79-1103EE14CB26}" type="presOf" srcId="{BBBFE2C6-6943-42DD-A5DD-D6818DA7D418}" destId="{635E652E-FF37-4DFF-95CD-8CA4BA2A8607}" srcOrd="0" destOrd="0" presId="urn:microsoft.com/office/officeart/2005/8/layout/chevron2"/>
     <dgm:cxn modelId="{0BC5C6DE-C656-4E47-BA61-591C575E6077}" type="presParOf" srcId="{839CC9F4-E7D6-485F-85CD-EC9B7273AD54}" destId="{77F424D6-A675-4ED7-BDAE-10ED3676A257}" srcOrd="0" destOrd="0" presId="urn:microsoft.com/office/officeart/2005/8/layout/chevron2"/>
     <dgm:cxn modelId="{9101EB04-1918-4C7A-85FD-8E7CA447E70D}" type="presParOf" srcId="{77F424D6-A675-4ED7-BDAE-10ED3676A257}" destId="{30D1CCFE-B9E2-495C-A14E-C264FE155CBE}" srcOrd="0" destOrd="0" presId="urn:microsoft.com/office/officeart/2005/8/layout/chevron2"/>
     <dgm:cxn modelId="{69A24B12-64A0-4D47-B49B-A6AA6EB7AB85}" type="presParOf" srcId="{77F424D6-A675-4ED7-BDAE-10ED3676A257}" destId="{C4A35548-2E21-4AAA-AE63-C60FCAEA2D26}" srcOrd="1" destOrd="0" presId="urn:microsoft.com/office/officeart/2005/8/layout/chevron2"/>
@@ -2606,6 +4128,986 @@
 </file>
 
 <file path=ppt/diagrams/data2.xml><?xml version="1.0" encoding="utf-8"?>
+<dgm:dataModel xmlns:dgm="http://schemas.openxmlformats.org/drawingml/2006/diagram" xmlns:a="http://schemas.openxmlformats.org/drawingml/2006/main">
+  <dgm:ptLst>
+    <dgm:pt modelId="{A57F9B01-11FA-4C63-9FBA-E6CE760896A6}" type="doc">
+      <dgm:prSet loTypeId="urn:microsoft.com/office/officeart/2005/8/layout/architecture" loCatId="hierarchy" qsTypeId="urn:microsoft.com/office/officeart/2005/8/quickstyle/simple1" qsCatId="simple" csTypeId="urn:microsoft.com/office/officeart/2005/8/colors/accent1_2" csCatId="accent1" phldr="1"/>
+      <dgm:spPr/>
+      <dgm:t>
+        <a:bodyPr/>
+        <a:lstStyle/>
+        <a:p>
+          <a:endParaRPr lang="en-US"/>
+        </a:p>
+      </dgm:t>
+    </dgm:pt>
+    <dgm:pt modelId="{BCB95C1E-752C-4762-9E5A-1869423E6A59}">
+      <dgm:prSet/>
+      <dgm:spPr/>
+      <dgm:t>
+        <a:bodyPr/>
+        <a:lstStyle/>
+        <a:p>
+          <a:pPr rtl="0"/>
+          <a:r>
+            <a:rPr lang="en-US" dirty="0" smtClean="0"/>
+            <a:t>Transports</a:t>
+          </a:r>
+          <a:endParaRPr lang="en-US" dirty="0"/>
+        </a:p>
+      </dgm:t>
+    </dgm:pt>
+    <dgm:pt modelId="{A3C66A00-FFA2-46EF-A78E-AB8F7F356B5E}" type="parTrans" cxnId="{C8F4FCEC-F11B-43EC-8547-8E0783868AC4}">
+      <dgm:prSet/>
+      <dgm:spPr/>
+      <dgm:t>
+        <a:bodyPr/>
+        <a:lstStyle/>
+        <a:p>
+          <a:endParaRPr lang="en-US"/>
+        </a:p>
+      </dgm:t>
+    </dgm:pt>
+    <dgm:pt modelId="{58F8EF72-0BBB-4013-943B-5A0916A47C26}" type="sibTrans" cxnId="{C8F4FCEC-F11B-43EC-8547-8E0783868AC4}">
+      <dgm:prSet/>
+      <dgm:spPr/>
+      <dgm:t>
+        <a:bodyPr/>
+        <a:lstStyle/>
+        <a:p>
+          <a:endParaRPr lang="en-US"/>
+        </a:p>
+      </dgm:t>
+    </dgm:pt>
+    <dgm:pt modelId="{0919CB37-4152-4765-ABE3-DC23046E65BD}">
+      <dgm:prSet/>
+      <dgm:spPr/>
+      <dgm:t>
+        <a:bodyPr/>
+        <a:lstStyle/>
+        <a:p>
+          <a:pPr rtl="0"/>
+          <a:r>
+            <a:rPr lang="en-US" dirty="0" smtClean="0"/>
+            <a:t>Routing</a:t>
+          </a:r>
+          <a:endParaRPr lang="en-US" dirty="0"/>
+        </a:p>
+      </dgm:t>
+    </dgm:pt>
+    <dgm:pt modelId="{8D1D31F3-8E67-4108-B397-241D8BA9FB24}" type="parTrans" cxnId="{139B6DBB-321A-4C04-9EE3-F817C6772E88}">
+      <dgm:prSet/>
+      <dgm:spPr/>
+      <dgm:t>
+        <a:bodyPr/>
+        <a:lstStyle/>
+        <a:p>
+          <a:endParaRPr lang="en-US"/>
+        </a:p>
+      </dgm:t>
+    </dgm:pt>
+    <dgm:pt modelId="{E9D0ADA9-543A-4DB7-A948-477DC020D10F}" type="sibTrans" cxnId="{139B6DBB-321A-4C04-9EE3-F817C6772E88}">
+      <dgm:prSet/>
+      <dgm:spPr/>
+      <dgm:t>
+        <a:bodyPr/>
+        <a:lstStyle/>
+        <a:p>
+          <a:endParaRPr lang="en-US"/>
+        </a:p>
+      </dgm:t>
+    </dgm:pt>
+    <dgm:pt modelId="{A3A62DB0-183B-450A-B72B-2F516DF3F825}">
+      <dgm:prSet/>
+      <dgm:spPr/>
+      <dgm:t>
+        <a:bodyPr/>
+        <a:lstStyle/>
+        <a:p>
+          <a:pPr rtl="0"/>
+          <a:r>
+            <a:rPr lang="en-US" dirty="0" smtClean="0"/>
+            <a:t>Encryption</a:t>
+          </a:r>
+          <a:endParaRPr lang="en-US" dirty="0"/>
+        </a:p>
+      </dgm:t>
+    </dgm:pt>
+    <dgm:pt modelId="{B44D7C81-D245-4A7A-8614-D22DA2C4876E}" type="parTrans" cxnId="{BE0207A3-9A37-49DB-AE73-A45711F668DA}">
+      <dgm:prSet/>
+      <dgm:spPr/>
+      <dgm:t>
+        <a:bodyPr/>
+        <a:lstStyle/>
+        <a:p>
+          <a:endParaRPr lang="en-US"/>
+        </a:p>
+      </dgm:t>
+    </dgm:pt>
+    <dgm:pt modelId="{7716E262-A738-4673-9725-EB9322603E9B}" type="sibTrans" cxnId="{BE0207A3-9A37-49DB-AE73-A45711F668DA}">
+      <dgm:prSet/>
+      <dgm:spPr/>
+      <dgm:t>
+        <a:bodyPr/>
+        <a:lstStyle/>
+        <a:p>
+          <a:endParaRPr lang="en-US"/>
+        </a:p>
+      </dgm:t>
+    </dgm:pt>
+    <dgm:pt modelId="{4F67F5EC-AB06-423D-AB86-56058629937D}">
+      <dgm:prSet/>
+      <dgm:spPr/>
+      <dgm:t>
+        <a:bodyPr/>
+        <a:lstStyle/>
+        <a:p>
+          <a:pPr rtl="0"/>
+          <a:r>
+            <a:rPr lang="en-US" dirty="0" smtClean="0"/>
+            <a:t>Serialization</a:t>
+          </a:r>
+          <a:endParaRPr lang="en-US" dirty="0"/>
+        </a:p>
+      </dgm:t>
+    </dgm:pt>
+    <dgm:pt modelId="{8FB29F64-C7CE-4901-8684-A1FE58B5070C}" type="parTrans" cxnId="{E160785F-2F9C-4D09-A9D9-1982388376F5}">
+      <dgm:prSet/>
+      <dgm:spPr/>
+      <dgm:t>
+        <a:bodyPr/>
+        <a:lstStyle/>
+        <a:p>
+          <a:endParaRPr lang="en-US"/>
+        </a:p>
+      </dgm:t>
+    </dgm:pt>
+    <dgm:pt modelId="{D6A5685B-2B06-4AF1-A3FF-F2A8535F25A2}" type="sibTrans" cxnId="{E160785F-2F9C-4D09-A9D9-1982388376F5}">
+      <dgm:prSet/>
+      <dgm:spPr/>
+      <dgm:t>
+        <a:bodyPr/>
+        <a:lstStyle/>
+        <a:p>
+          <a:endParaRPr lang="en-US"/>
+        </a:p>
+      </dgm:t>
+    </dgm:pt>
+    <dgm:pt modelId="{E6EAD457-E581-435A-93DB-F992C6A6BD6D}">
+      <dgm:prSet/>
+      <dgm:spPr/>
+      <dgm:t>
+        <a:bodyPr/>
+        <a:lstStyle/>
+        <a:p>
+          <a:pPr rtl="0"/>
+          <a:r>
+            <a:rPr lang="en-US" dirty="0" smtClean="0"/>
+            <a:t>Pipes and filters</a:t>
+          </a:r>
+          <a:endParaRPr lang="en-US" dirty="0"/>
+        </a:p>
+      </dgm:t>
+    </dgm:pt>
+    <dgm:pt modelId="{A338F4C2-9E35-4D01-9A1C-5AD874C53454}" type="parTrans" cxnId="{BD0E8CBE-E71C-4953-A22A-A2CAC698EB63}">
+      <dgm:prSet/>
+      <dgm:spPr/>
+      <dgm:t>
+        <a:bodyPr/>
+        <a:lstStyle/>
+        <a:p>
+          <a:endParaRPr lang="en-US"/>
+        </a:p>
+      </dgm:t>
+    </dgm:pt>
+    <dgm:pt modelId="{944112A2-0E5D-4BA5-8858-3501FBDA99BF}" type="sibTrans" cxnId="{BD0E8CBE-E71C-4953-A22A-A2CAC698EB63}">
+      <dgm:prSet/>
+      <dgm:spPr/>
+      <dgm:t>
+        <a:bodyPr/>
+        <a:lstStyle/>
+        <a:p>
+          <a:endParaRPr lang="en-US"/>
+        </a:p>
+      </dgm:t>
+    </dgm:pt>
+    <dgm:pt modelId="{CD00DFE4-3DE6-4512-A2E8-E1CA67C435D9}">
+      <dgm:prSet/>
+      <dgm:spPr/>
+      <dgm:t>
+        <a:bodyPr/>
+        <a:lstStyle/>
+        <a:p>
+          <a:pPr rtl="0"/>
+          <a:r>
+            <a:rPr lang="en-US" dirty="0" smtClean="0"/>
+            <a:t>Transforms</a:t>
+          </a:r>
+          <a:endParaRPr lang="en-US" dirty="0"/>
+        </a:p>
+      </dgm:t>
+    </dgm:pt>
+    <dgm:pt modelId="{A2F33482-C503-4927-8EC3-69E8902C42B5}" type="parTrans" cxnId="{7C95CCC8-98B3-4A5F-9BD7-8BD6F723E154}">
+      <dgm:prSet/>
+      <dgm:spPr/>
+      <dgm:t>
+        <a:bodyPr/>
+        <a:lstStyle/>
+        <a:p>
+          <a:endParaRPr lang="en-US"/>
+        </a:p>
+      </dgm:t>
+    </dgm:pt>
+    <dgm:pt modelId="{852F9698-CFB6-484C-B259-1196C21B9722}" type="sibTrans" cxnId="{7C95CCC8-98B3-4A5F-9BD7-8BD6F723E154}">
+      <dgm:prSet/>
+      <dgm:spPr/>
+      <dgm:t>
+        <a:bodyPr/>
+        <a:lstStyle/>
+        <a:p>
+          <a:endParaRPr lang="en-US"/>
+        </a:p>
+      </dgm:t>
+    </dgm:pt>
+    <dgm:pt modelId="{14E80155-D4D4-4B85-A02E-1266C09A8B5D}">
+      <dgm:prSet/>
+      <dgm:spPr/>
+      <dgm:t>
+        <a:bodyPr/>
+        <a:lstStyle/>
+        <a:p>
+          <a:pPr rtl="0"/>
+          <a:r>
+            <a:rPr lang="en-US" dirty="0" smtClean="0"/>
+            <a:t>Configuration</a:t>
+          </a:r>
+          <a:endParaRPr lang="en-US" dirty="0"/>
+        </a:p>
+      </dgm:t>
+    </dgm:pt>
+    <dgm:pt modelId="{C8E030DF-9616-41A7-8F9D-A22EF00DF04C}" type="parTrans" cxnId="{ED0B6733-7697-44F1-BB8F-1B82E09DD8EE}">
+      <dgm:prSet/>
+      <dgm:spPr/>
+      <dgm:t>
+        <a:bodyPr/>
+        <a:lstStyle/>
+        <a:p>
+          <a:endParaRPr lang="en-US"/>
+        </a:p>
+      </dgm:t>
+    </dgm:pt>
+    <dgm:pt modelId="{9451DAE1-1D8A-46CC-BA13-C76CDC0A50E9}" type="sibTrans" cxnId="{ED0B6733-7697-44F1-BB8F-1B82E09DD8EE}">
+      <dgm:prSet/>
+      <dgm:spPr/>
+      <dgm:t>
+        <a:bodyPr/>
+        <a:lstStyle/>
+        <a:p>
+          <a:endParaRPr lang="en-US"/>
+        </a:p>
+      </dgm:t>
+    </dgm:pt>
+    <dgm:pt modelId="{1118F7F4-18C8-4B40-8400-E6E5B9669232}" type="pres">
+      <dgm:prSet presAssocID="{A57F9B01-11FA-4C63-9FBA-E6CE760896A6}" presName="Name0" presStyleCnt="0">
+        <dgm:presLayoutVars>
+          <dgm:chPref val="1"/>
+          <dgm:dir/>
+          <dgm:animOne val="branch"/>
+          <dgm:animLvl val="lvl"/>
+          <dgm:resizeHandles/>
+        </dgm:presLayoutVars>
+      </dgm:prSet>
+      <dgm:spPr/>
+    </dgm:pt>
+    <dgm:pt modelId="{1D3168FD-991F-49AF-9794-DF7EF1F69778}" type="pres">
+      <dgm:prSet presAssocID="{BCB95C1E-752C-4762-9E5A-1869423E6A59}" presName="vertOne" presStyleCnt="0"/>
+      <dgm:spPr/>
+    </dgm:pt>
+    <dgm:pt modelId="{CCF77F0E-AC98-4B07-862D-98B0033D1E5B}" type="pres">
+      <dgm:prSet presAssocID="{BCB95C1E-752C-4762-9E5A-1869423E6A59}" presName="txOne" presStyleLbl="node0" presStyleIdx="0" presStyleCnt="1">
+        <dgm:presLayoutVars>
+          <dgm:chPref val="3"/>
+        </dgm:presLayoutVars>
+      </dgm:prSet>
+      <dgm:spPr/>
+      <dgm:t>
+        <a:bodyPr/>
+        <a:lstStyle/>
+        <a:p>
+          <a:endParaRPr lang="en-US"/>
+        </a:p>
+      </dgm:t>
+    </dgm:pt>
+    <dgm:pt modelId="{22069854-92F0-4F1E-B1FB-B6BD3B162471}" type="pres">
+      <dgm:prSet presAssocID="{BCB95C1E-752C-4762-9E5A-1869423E6A59}" presName="parTransOne" presStyleCnt="0"/>
+      <dgm:spPr/>
+    </dgm:pt>
+    <dgm:pt modelId="{279C97DC-D018-4C57-A612-8B54C704A904}" type="pres">
+      <dgm:prSet presAssocID="{BCB95C1E-752C-4762-9E5A-1869423E6A59}" presName="horzOne" presStyleCnt="0"/>
+      <dgm:spPr/>
+    </dgm:pt>
+    <dgm:pt modelId="{4231484C-63A9-441C-8940-09555FB21D15}" type="pres">
+      <dgm:prSet presAssocID="{0919CB37-4152-4765-ABE3-DC23046E65BD}" presName="vertTwo" presStyleCnt="0"/>
+      <dgm:spPr/>
+    </dgm:pt>
+    <dgm:pt modelId="{DDCD081A-6AC6-4EA7-85C2-2CBB6ACD26E5}" type="pres">
+      <dgm:prSet presAssocID="{0919CB37-4152-4765-ABE3-DC23046E65BD}" presName="txTwo" presStyleLbl="node2" presStyleIdx="0" presStyleCnt="6">
+        <dgm:presLayoutVars>
+          <dgm:chPref val="3"/>
+        </dgm:presLayoutVars>
+      </dgm:prSet>
+      <dgm:spPr/>
+    </dgm:pt>
+    <dgm:pt modelId="{01967554-ED26-4722-B2D4-40D7CDC429EC}" type="pres">
+      <dgm:prSet presAssocID="{0919CB37-4152-4765-ABE3-DC23046E65BD}" presName="horzTwo" presStyleCnt="0"/>
+      <dgm:spPr/>
+    </dgm:pt>
+    <dgm:pt modelId="{E8CC9AF4-0A0C-49F9-BF6E-48481067EB1F}" type="pres">
+      <dgm:prSet presAssocID="{E9D0ADA9-543A-4DB7-A948-477DC020D10F}" presName="sibSpaceTwo" presStyleCnt="0"/>
+      <dgm:spPr/>
+    </dgm:pt>
+    <dgm:pt modelId="{B731BE7D-A2CC-469B-AF41-FF3066029B1B}" type="pres">
+      <dgm:prSet presAssocID="{4F67F5EC-AB06-423D-AB86-56058629937D}" presName="vertTwo" presStyleCnt="0"/>
+      <dgm:spPr/>
+    </dgm:pt>
+    <dgm:pt modelId="{204864B0-CB67-4907-8F19-A5EC8786CB92}" type="pres">
+      <dgm:prSet presAssocID="{4F67F5EC-AB06-423D-AB86-56058629937D}" presName="txTwo" presStyleLbl="node2" presStyleIdx="1" presStyleCnt="6">
+        <dgm:presLayoutVars>
+          <dgm:chPref val="3"/>
+        </dgm:presLayoutVars>
+      </dgm:prSet>
+      <dgm:spPr/>
+    </dgm:pt>
+    <dgm:pt modelId="{C5E67E53-FFF2-4FDB-9889-1A84EF51450D}" type="pres">
+      <dgm:prSet presAssocID="{4F67F5EC-AB06-423D-AB86-56058629937D}" presName="horzTwo" presStyleCnt="0"/>
+      <dgm:spPr/>
+    </dgm:pt>
+    <dgm:pt modelId="{F92CA56F-2C06-480C-995F-9095207DA7A0}" type="pres">
+      <dgm:prSet presAssocID="{D6A5685B-2B06-4AF1-A3FF-F2A8535F25A2}" presName="sibSpaceTwo" presStyleCnt="0"/>
+      <dgm:spPr/>
+    </dgm:pt>
+    <dgm:pt modelId="{C7737406-BF1E-436B-ABB8-8878BCBE324A}" type="pres">
+      <dgm:prSet presAssocID="{E6EAD457-E581-435A-93DB-F992C6A6BD6D}" presName="vertTwo" presStyleCnt="0"/>
+      <dgm:spPr/>
+    </dgm:pt>
+    <dgm:pt modelId="{5679EE47-2B1C-431D-95B9-9C12162546D3}" type="pres">
+      <dgm:prSet presAssocID="{E6EAD457-E581-435A-93DB-F992C6A6BD6D}" presName="txTwo" presStyleLbl="node2" presStyleIdx="2" presStyleCnt="6">
+        <dgm:presLayoutVars>
+          <dgm:chPref val="3"/>
+        </dgm:presLayoutVars>
+      </dgm:prSet>
+      <dgm:spPr/>
+    </dgm:pt>
+    <dgm:pt modelId="{E3CC03AB-CDF4-403A-B8A4-079C22E397DC}" type="pres">
+      <dgm:prSet presAssocID="{E6EAD457-E581-435A-93DB-F992C6A6BD6D}" presName="horzTwo" presStyleCnt="0"/>
+      <dgm:spPr/>
+    </dgm:pt>
+    <dgm:pt modelId="{CF3A2695-49C4-409F-BA3B-74B6153593B6}" type="pres">
+      <dgm:prSet presAssocID="{944112A2-0E5D-4BA5-8858-3501FBDA99BF}" presName="sibSpaceTwo" presStyleCnt="0"/>
+      <dgm:spPr/>
+    </dgm:pt>
+    <dgm:pt modelId="{BBD79991-4D40-411C-A180-2814B1A32FFA}" type="pres">
+      <dgm:prSet presAssocID="{CD00DFE4-3DE6-4512-A2E8-E1CA67C435D9}" presName="vertTwo" presStyleCnt="0"/>
+      <dgm:spPr/>
+    </dgm:pt>
+    <dgm:pt modelId="{D6676E93-CC16-4A48-9743-891C4E0AEB10}" type="pres">
+      <dgm:prSet presAssocID="{CD00DFE4-3DE6-4512-A2E8-E1CA67C435D9}" presName="txTwo" presStyleLbl="node2" presStyleIdx="3" presStyleCnt="6">
+        <dgm:presLayoutVars>
+          <dgm:chPref val="3"/>
+        </dgm:presLayoutVars>
+      </dgm:prSet>
+      <dgm:spPr/>
+    </dgm:pt>
+    <dgm:pt modelId="{F3375B4F-67DF-44E3-960E-6C2823E3A3AF}" type="pres">
+      <dgm:prSet presAssocID="{CD00DFE4-3DE6-4512-A2E8-E1CA67C435D9}" presName="horzTwo" presStyleCnt="0"/>
+      <dgm:spPr/>
+    </dgm:pt>
+    <dgm:pt modelId="{0B6EBA29-7E0E-4823-88CE-A327CDDDFB6C}" type="pres">
+      <dgm:prSet presAssocID="{852F9698-CFB6-484C-B259-1196C21B9722}" presName="sibSpaceTwo" presStyleCnt="0"/>
+      <dgm:spPr/>
+    </dgm:pt>
+    <dgm:pt modelId="{05FF967B-5163-493A-B0E1-803165D731AA}" type="pres">
+      <dgm:prSet presAssocID="{14E80155-D4D4-4B85-A02E-1266C09A8B5D}" presName="vertTwo" presStyleCnt="0"/>
+      <dgm:spPr/>
+    </dgm:pt>
+    <dgm:pt modelId="{5CE82B4D-5D3F-485D-A0A3-6D432205E6D4}" type="pres">
+      <dgm:prSet presAssocID="{14E80155-D4D4-4B85-A02E-1266C09A8B5D}" presName="txTwo" presStyleLbl="node2" presStyleIdx="4" presStyleCnt="6">
+        <dgm:presLayoutVars>
+          <dgm:chPref val="3"/>
+        </dgm:presLayoutVars>
+      </dgm:prSet>
+      <dgm:spPr/>
+    </dgm:pt>
+    <dgm:pt modelId="{CE813A37-72D0-46E1-BF71-0442A9495026}" type="pres">
+      <dgm:prSet presAssocID="{14E80155-D4D4-4B85-A02E-1266C09A8B5D}" presName="horzTwo" presStyleCnt="0"/>
+      <dgm:spPr/>
+    </dgm:pt>
+    <dgm:pt modelId="{9AB01DCE-13B6-4244-BCA4-0C0291104BC7}" type="pres">
+      <dgm:prSet presAssocID="{9451DAE1-1D8A-46CC-BA13-C76CDC0A50E9}" presName="sibSpaceTwo" presStyleCnt="0"/>
+      <dgm:spPr/>
+    </dgm:pt>
+    <dgm:pt modelId="{4D9340D5-B5B9-42C8-8948-71D6114C0FAC}" type="pres">
+      <dgm:prSet presAssocID="{A3A62DB0-183B-450A-B72B-2F516DF3F825}" presName="vertTwo" presStyleCnt="0"/>
+      <dgm:spPr/>
+    </dgm:pt>
+    <dgm:pt modelId="{8E9322A5-B639-406C-9622-9B3F8705ACCA}" type="pres">
+      <dgm:prSet presAssocID="{A3A62DB0-183B-450A-B72B-2F516DF3F825}" presName="txTwo" presStyleLbl="node2" presStyleIdx="5" presStyleCnt="6">
+        <dgm:presLayoutVars>
+          <dgm:chPref val="3"/>
+        </dgm:presLayoutVars>
+      </dgm:prSet>
+      <dgm:spPr/>
+    </dgm:pt>
+    <dgm:pt modelId="{F9D9BA24-A6DB-4200-9BD6-F0509CCD7E32}" type="pres">
+      <dgm:prSet presAssocID="{A3A62DB0-183B-450A-B72B-2F516DF3F825}" presName="horzTwo" presStyleCnt="0"/>
+      <dgm:spPr/>
+    </dgm:pt>
+  </dgm:ptLst>
+  <dgm:cxnLst>
+    <dgm:cxn modelId="{FEED560A-30FE-43AE-B505-A0201D797AC4}" type="presOf" srcId="{BCB95C1E-752C-4762-9E5A-1869423E6A59}" destId="{CCF77F0E-AC98-4B07-862D-98B0033D1E5B}" srcOrd="0" destOrd="0" presId="urn:microsoft.com/office/officeart/2005/8/layout/architecture"/>
+    <dgm:cxn modelId="{64145A8B-30D1-4D0C-8CF7-FED194616F7B}" type="presOf" srcId="{A3A62DB0-183B-450A-B72B-2F516DF3F825}" destId="{8E9322A5-B639-406C-9622-9B3F8705ACCA}" srcOrd="0" destOrd="0" presId="urn:microsoft.com/office/officeart/2005/8/layout/architecture"/>
+    <dgm:cxn modelId="{7C95CCC8-98B3-4A5F-9BD7-8BD6F723E154}" srcId="{BCB95C1E-752C-4762-9E5A-1869423E6A59}" destId="{CD00DFE4-3DE6-4512-A2E8-E1CA67C435D9}" srcOrd="3" destOrd="0" parTransId="{A2F33482-C503-4927-8EC3-69E8902C42B5}" sibTransId="{852F9698-CFB6-484C-B259-1196C21B9722}"/>
+    <dgm:cxn modelId="{139B6DBB-321A-4C04-9EE3-F817C6772E88}" srcId="{BCB95C1E-752C-4762-9E5A-1869423E6A59}" destId="{0919CB37-4152-4765-ABE3-DC23046E65BD}" srcOrd="0" destOrd="0" parTransId="{8D1D31F3-8E67-4108-B397-241D8BA9FB24}" sibTransId="{E9D0ADA9-543A-4DB7-A948-477DC020D10F}"/>
+    <dgm:cxn modelId="{C8F4FCEC-F11B-43EC-8547-8E0783868AC4}" srcId="{A57F9B01-11FA-4C63-9FBA-E6CE760896A6}" destId="{BCB95C1E-752C-4762-9E5A-1869423E6A59}" srcOrd="0" destOrd="0" parTransId="{A3C66A00-FFA2-46EF-A78E-AB8F7F356B5E}" sibTransId="{58F8EF72-0BBB-4013-943B-5A0916A47C26}"/>
+    <dgm:cxn modelId="{BE0207A3-9A37-49DB-AE73-A45711F668DA}" srcId="{BCB95C1E-752C-4762-9E5A-1869423E6A59}" destId="{A3A62DB0-183B-450A-B72B-2F516DF3F825}" srcOrd="5" destOrd="0" parTransId="{B44D7C81-D245-4A7A-8614-D22DA2C4876E}" sibTransId="{7716E262-A738-4673-9725-EB9322603E9B}"/>
+    <dgm:cxn modelId="{BD0E8CBE-E71C-4953-A22A-A2CAC698EB63}" srcId="{BCB95C1E-752C-4762-9E5A-1869423E6A59}" destId="{E6EAD457-E581-435A-93DB-F992C6A6BD6D}" srcOrd="2" destOrd="0" parTransId="{A338F4C2-9E35-4D01-9A1C-5AD874C53454}" sibTransId="{944112A2-0E5D-4BA5-8858-3501FBDA99BF}"/>
+    <dgm:cxn modelId="{ED0B6733-7697-44F1-BB8F-1B82E09DD8EE}" srcId="{BCB95C1E-752C-4762-9E5A-1869423E6A59}" destId="{14E80155-D4D4-4B85-A02E-1266C09A8B5D}" srcOrd="4" destOrd="0" parTransId="{C8E030DF-9616-41A7-8F9D-A22EF00DF04C}" sibTransId="{9451DAE1-1D8A-46CC-BA13-C76CDC0A50E9}"/>
+    <dgm:cxn modelId="{FD0CF13A-8E61-408B-8710-8D5B752E6ACE}" type="presOf" srcId="{0919CB37-4152-4765-ABE3-DC23046E65BD}" destId="{DDCD081A-6AC6-4EA7-85C2-2CBB6ACD26E5}" srcOrd="0" destOrd="0" presId="urn:microsoft.com/office/officeart/2005/8/layout/architecture"/>
+    <dgm:cxn modelId="{791D2AB8-B3E7-4C07-8B3F-6571CD37FA21}" type="presOf" srcId="{E6EAD457-E581-435A-93DB-F992C6A6BD6D}" destId="{5679EE47-2B1C-431D-95B9-9C12162546D3}" srcOrd="0" destOrd="0" presId="urn:microsoft.com/office/officeart/2005/8/layout/architecture"/>
+    <dgm:cxn modelId="{79FF377F-FA74-43DD-8CD6-8692993958B9}" type="presOf" srcId="{A57F9B01-11FA-4C63-9FBA-E6CE760896A6}" destId="{1118F7F4-18C8-4B40-8400-E6E5B9669232}" srcOrd="0" destOrd="0" presId="urn:microsoft.com/office/officeart/2005/8/layout/architecture"/>
+    <dgm:cxn modelId="{CB879D8A-F445-4242-9BE5-143FE712B1C0}" type="presOf" srcId="{CD00DFE4-3DE6-4512-A2E8-E1CA67C435D9}" destId="{D6676E93-CC16-4A48-9743-891C4E0AEB10}" srcOrd="0" destOrd="0" presId="urn:microsoft.com/office/officeart/2005/8/layout/architecture"/>
+    <dgm:cxn modelId="{E160785F-2F9C-4D09-A9D9-1982388376F5}" srcId="{BCB95C1E-752C-4762-9E5A-1869423E6A59}" destId="{4F67F5EC-AB06-423D-AB86-56058629937D}" srcOrd="1" destOrd="0" parTransId="{8FB29F64-C7CE-4901-8684-A1FE58B5070C}" sibTransId="{D6A5685B-2B06-4AF1-A3FF-F2A8535F25A2}"/>
+    <dgm:cxn modelId="{D9727751-E192-4302-9151-521CCC294A53}" type="presOf" srcId="{14E80155-D4D4-4B85-A02E-1266C09A8B5D}" destId="{5CE82B4D-5D3F-485D-A0A3-6D432205E6D4}" srcOrd="0" destOrd="0" presId="urn:microsoft.com/office/officeart/2005/8/layout/architecture"/>
+    <dgm:cxn modelId="{6318E93C-E757-4793-96BF-2D1E7658AA40}" type="presOf" srcId="{4F67F5EC-AB06-423D-AB86-56058629937D}" destId="{204864B0-CB67-4907-8F19-A5EC8786CB92}" srcOrd="0" destOrd="0" presId="urn:microsoft.com/office/officeart/2005/8/layout/architecture"/>
+    <dgm:cxn modelId="{812C7A7D-2C52-475B-AA7B-C323B9E99266}" type="presParOf" srcId="{1118F7F4-18C8-4B40-8400-E6E5B9669232}" destId="{1D3168FD-991F-49AF-9794-DF7EF1F69778}" srcOrd="0" destOrd="0" presId="urn:microsoft.com/office/officeart/2005/8/layout/architecture"/>
+    <dgm:cxn modelId="{E457B7B9-DB01-48D8-8162-1A8E38F74932}" type="presParOf" srcId="{1D3168FD-991F-49AF-9794-DF7EF1F69778}" destId="{CCF77F0E-AC98-4B07-862D-98B0033D1E5B}" srcOrd="0" destOrd="0" presId="urn:microsoft.com/office/officeart/2005/8/layout/architecture"/>
+    <dgm:cxn modelId="{09246F68-B419-43A0-9F76-561DD68A552D}" type="presParOf" srcId="{1D3168FD-991F-49AF-9794-DF7EF1F69778}" destId="{22069854-92F0-4F1E-B1FB-B6BD3B162471}" srcOrd="1" destOrd="0" presId="urn:microsoft.com/office/officeart/2005/8/layout/architecture"/>
+    <dgm:cxn modelId="{9D4F0526-6F7C-4248-81C2-7277346A8B23}" type="presParOf" srcId="{1D3168FD-991F-49AF-9794-DF7EF1F69778}" destId="{279C97DC-D018-4C57-A612-8B54C704A904}" srcOrd="2" destOrd="0" presId="urn:microsoft.com/office/officeart/2005/8/layout/architecture"/>
+    <dgm:cxn modelId="{45847440-48F2-4BC0-B59C-8D45DE5DCEC2}" type="presParOf" srcId="{279C97DC-D018-4C57-A612-8B54C704A904}" destId="{4231484C-63A9-441C-8940-09555FB21D15}" srcOrd="0" destOrd="0" presId="urn:microsoft.com/office/officeart/2005/8/layout/architecture"/>
+    <dgm:cxn modelId="{BE113125-DE69-46E1-8605-0FB5F085101F}" type="presParOf" srcId="{4231484C-63A9-441C-8940-09555FB21D15}" destId="{DDCD081A-6AC6-4EA7-85C2-2CBB6ACD26E5}" srcOrd="0" destOrd="0" presId="urn:microsoft.com/office/officeart/2005/8/layout/architecture"/>
+    <dgm:cxn modelId="{E90292E8-2E91-463D-96A9-A286B175B131}" type="presParOf" srcId="{4231484C-63A9-441C-8940-09555FB21D15}" destId="{01967554-ED26-4722-B2D4-40D7CDC429EC}" srcOrd="1" destOrd="0" presId="urn:microsoft.com/office/officeart/2005/8/layout/architecture"/>
+    <dgm:cxn modelId="{A3F51D8D-D870-45ED-9EE1-64FD37D66B93}" type="presParOf" srcId="{279C97DC-D018-4C57-A612-8B54C704A904}" destId="{E8CC9AF4-0A0C-49F9-BF6E-48481067EB1F}" srcOrd="1" destOrd="0" presId="urn:microsoft.com/office/officeart/2005/8/layout/architecture"/>
+    <dgm:cxn modelId="{10BDE452-92AB-4A95-9750-3B60B2E6063E}" type="presParOf" srcId="{279C97DC-D018-4C57-A612-8B54C704A904}" destId="{B731BE7D-A2CC-469B-AF41-FF3066029B1B}" srcOrd="2" destOrd="0" presId="urn:microsoft.com/office/officeart/2005/8/layout/architecture"/>
+    <dgm:cxn modelId="{DC4C0FC1-43CE-48F8-92E2-60681425FED9}" type="presParOf" srcId="{B731BE7D-A2CC-469B-AF41-FF3066029B1B}" destId="{204864B0-CB67-4907-8F19-A5EC8786CB92}" srcOrd="0" destOrd="0" presId="urn:microsoft.com/office/officeart/2005/8/layout/architecture"/>
+    <dgm:cxn modelId="{43C2016B-6A3F-4381-88CB-9D6088AAEA13}" type="presParOf" srcId="{B731BE7D-A2CC-469B-AF41-FF3066029B1B}" destId="{C5E67E53-FFF2-4FDB-9889-1A84EF51450D}" srcOrd="1" destOrd="0" presId="urn:microsoft.com/office/officeart/2005/8/layout/architecture"/>
+    <dgm:cxn modelId="{F598E285-10EE-4CCE-AD09-9776F98944FD}" type="presParOf" srcId="{279C97DC-D018-4C57-A612-8B54C704A904}" destId="{F92CA56F-2C06-480C-995F-9095207DA7A0}" srcOrd="3" destOrd="0" presId="urn:microsoft.com/office/officeart/2005/8/layout/architecture"/>
+    <dgm:cxn modelId="{F2062F9F-3062-4ACB-A0A7-49E715EBE8D0}" type="presParOf" srcId="{279C97DC-D018-4C57-A612-8B54C704A904}" destId="{C7737406-BF1E-436B-ABB8-8878BCBE324A}" srcOrd="4" destOrd="0" presId="urn:microsoft.com/office/officeart/2005/8/layout/architecture"/>
+    <dgm:cxn modelId="{F2B64C8C-51F6-498E-BBEF-3178F0F53178}" type="presParOf" srcId="{C7737406-BF1E-436B-ABB8-8878BCBE324A}" destId="{5679EE47-2B1C-431D-95B9-9C12162546D3}" srcOrd="0" destOrd="0" presId="urn:microsoft.com/office/officeart/2005/8/layout/architecture"/>
+    <dgm:cxn modelId="{5F33CE78-0536-486A-965C-A6858224EE75}" type="presParOf" srcId="{C7737406-BF1E-436B-ABB8-8878BCBE324A}" destId="{E3CC03AB-CDF4-403A-B8A4-079C22E397DC}" srcOrd="1" destOrd="0" presId="urn:microsoft.com/office/officeart/2005/8/layout/architecture"/>
+    <dgm:cxn modelId="{425A42EF-D9B9-4072-A6D7-40E7FC676C4E}" type="presParOf" srcId="{279C97DC-D018-4C57-A612-8B54C704A904}" destId="{CF3A2695-49C4-409F-BA3B-74B6153593B6}" srcOrd="5" destOrd="0" presId="urn:microsoft.com/office/officeart/2005/8/layout/architecture"/>
+    <dgm:cxn modelId="{5C249A2B-E8C2-4067-B4F5-6FE65E7F4860}" type="presParOf" srcId="{279C97DC-D018-4C57-A612-8B54C704A904}" destId="{BBD79991-4D40-411C-A180-2814B1A32FFA}" srcOrd="6" destOrd="0" presId="urn:microsoft.com/office/officeart/2005/8/layout/architecture"/>
+    <dgm:cxn modelId="{676750CE-1926-4E36-9B4A-B9FDB7C1F15C}" type="presParOf" srcId="{BBD79991-4D40-411C-A180-2814B1A32FFA}" destId="{D6676E93-CC16-4A48-9743-891C4E0AEB10}" srcOrd="0" destOrd="0" presId="urn:microsoft.com/office/officeart/2005/8/layout/architecture"/>
+    <dgm:cxn modelId="{B0E2BBE4-18F2-4573-9CD9-4D45D9CF1DF4}" type="presParOf" srcId="{BBD79991-4D40-411C-A180-2814B1A32FFA}" destId="{F3375B4F-67DF-44E3-960E-6C2823E3A3AF}" srcOrd="1" destOrd="0" presId="urn:microsoft.com/office/officeart/2005/8/layout/architecture"/>
+    <dgm:cxn modelId="{8966AA5F-4E59-43F5-B4C1-C92F362148D4}" type="presParOf" srcId="{279C97DC-D018-4C57-A612-8B54C704A904}" destId="{0B6EBA29-7E0E-4823-88CE-A327CDDDFB6C}" srcOrd="7" destOrd="0" presId="urn:microsoft.com/office/officeart/2005/8/layout/architecture"/>
+    <dgm:cxn modelId="{524EEEE2-BE14-4DFC-84F5-CDE0F2036E94}" type="presParOf" srcId="{279C97DC-D018-4C57-A612-8B54C704A904}" destId="{05FF967B-5163-493A-B0E1-803165D731AA}" srcOrd="8" destOrd="0" presId="urn:microsoft.com/office/officeart/2005/8/layout/architecture"/>
+    <dgm:cxn modelId="{953C73D1-88B6-4E6C-8550-387A1AA4E00F}" type="presParOf" srcId="{05FF967B-5163-493A-B0E1-803165D731AA}" destId="{5CE82B4D-5D3F-485D-A0A3-6D432205E6D4}" srcOrd="0" destOrd="0" presId="urn:microsoft.com/office/officeart/2005/8/layout/architecture"/>
+    <dgm:cxn modelId="{1B534F52-C4CE-4C0C-8B4F-DB1C6660489B}" type="presParOf" srcId="{05FF967B-5163-493A-B0E1-803165D731AA}" destId="{CE813A37-72D0-46E1-BF71-0442A9495026}" srcOrd="1" destOrd="0" presId="urn:microsoft.com/office/officeart/2005/8/layout/architecture"/>
+    <dgm:cxn modelId="{080ADADD-3920-40C9-8497-B9FB118CD09E}" type="presParOf" srcId="{279C97DC-D018-4C57-A612-8B54C704A904}" destId="{9AB01DCE-13B6-4244-BCA4-0C0291104BC7}" srcOrd="9" destOrd="0" presId="urn:microsoft.com/office/officeart/2005/8/layout/architecture"/>
+    <dgm:cxn modelId="{885B43E3-5B76-46DD-8752-FC652F4781DD}" type="presParOf" srcId="{279C97DC-D018-4C57-A612-8B54C704A904}" destId="{4D9340D5-B5B9-42C8-8948-71D6114C0FAC}" srcOrd="10" destOrd="0" presId="urn:microsoft.com/office/officeart/2005/8/layout/architecture"/>
+    <dgm:cxn modelId="{CA523809-3C12-4ADB-A61F-0924A9798650}" type="presParOf" srcId="{4D9340D5-B5B9-42C8-8948-71D6114C0FAC}" destId="{8E9322A5-B639-406C-9622-9B3F8705ACCA}" srcOrd="0" destOrd="0" presId="urn:microsoft.com/office/officeart/2005/8/layout/architecture"/>
+    <dgm:cxn modelId="{52613C09-7901-49ED-961D-72C1164441A1}" type="presParOf" srcId="{4D9340D5-B5B9-42C8-8948-71D6114C0FAC}" destId="{F9D9BA24-A6DB-4200-9BD6-F0509CCD7E32}" srcOrd="1" destOrd="0" presId="urn:microsoft.com/office/officeart/2005/8/layout/architecture"/>
+  </dgm:cxnLst>
+  <dgm:bg/>
+  <dgm:whole/>
+  <dgm:extLst>
+    <a:ext uri="http://schemas.microsoft.com/office/drawing/2008/diagram">
+      <dsp:dataModelExt xmlns:dsp="http://schemas.microsoft.com/office/drawing/2008/diagram" relId="rId6" minVer="http://schemas.openxmlformats.org/drawingml/2006/diagram"/>
+    </a:ext>
+  </dgm:extLst>
+</dgm:dataModel>
+</file>
+
+<file path=ppt/diagrams/data3.xml><?xml version="1.0" encoding="utf-8"?>
+<dgm:dataModel xmlns:dgm="http://schemas.openxmlformats.org/drawingml/2006/diagram" xmlns:a="http://schemas.openxmlformats.org/drawingml/2006/main">
+  <dgm:ptLst>
+    <dgm:pt modelId="{A57F9B01-11FA-4C63-9FBA-E6CE760896A6}" type="doc">
+      <dgm:prSet loTypeId="urn:microsoft.com/office/officeart/2005/8/layout/architecture" loCatId="hierarchy" qsTypeId="urn:microsoft.com/office/officeart/2005/8/quickstyle/simple1" qsCatId="simple" csTypeId="urn:microsoft.com/office/officeart/2005/8/colors/accent1_2" csCatId="accent1" phldr="1"/>
+      <dgm:spPr/>
+      <dgm:t>
+        <a:bodyPr/>
+        <a:lstStyle/>
+        <a:p>
+          <a:endParaRPr lang="en-US"/>
+        </a:p>
+      </dgm:t>
+    </dgm:pt>
+    <dgm:pt modelId="{BCB95C1E-752C-4762-9E5A-1869423E6A59}">
+      <dgm:prSet/>
+      <dgm:spPr/>
+      <dgm:t>
+        <a:bodyPr/>
+        <a:lstStyle/>
+        <a:p>
+          <a:pPr rtl="0"/>
+          <a:r>
+            <a:rPr lang="en-US" dirty="0" smtClean="0"/>
+            <a:t>Endpoints</a:t>
+          </a:r>
+          <a:endParaRPr lang="en-US" dirty="0"/>
+        </a:p>
+      </dgm:t>
+    </dgm:pt>
+    <dgm:pt modelId="{A3C66A00-FFA2-46EF-A78E-AB8F7F356B5E}" type="parTrans" cxnId="{C8F4FCEC-F11B-43EC-8547-8E0783868AC4}">
+      <dgm:prSet/>
+      <dgm:spPr/>
+      <dgm:t>
+        <a:bodyPr/>
+        <a:lstStyle/>
+        <a:p>
+          <a:endParaRPr lang="en-US"/>
+        </a:p>
+      </dgm:t>
+    </dgm:pt>
+    <dgm:pt modelId="{58F8EF72-0BBB-4013-943B-5A0916A47C26}" type="sibTrans" cxnId="{C8F4FCEC-F11B-43EC-8547-8E0783868AC4}">
+      <dgm:prSet/>
+      <dgm:spPr/>
+      <dgm:t>
+        <a:bodyPr/>
+        <a:lstStyle/>
+        <a:p>
+          <a:endParaRPr lang="en-US"/>
+        </a:p>
+      </dgm:t>
+    </dgm:pt>
+    <dgm:pt modelId="{0919CB37-4152-4765-ABE3-DC23046E65BD}">
+      <dgm:prSet/>
+      <dgm:spPr/>
+      <dgm:t>
+        <a:bodyPr/>
+        <a:lstStyle/>
+        <a:p>
+          <a:pPr rtl="0"/>
+          <a:r>
+            <a:rPr lang="en-US" dirty="0" smtClean="0"/>
+            <a:t>Routing</a:t>
+          </a:r>
+          <a:endParaRPr lang="en-US" dirty="0"/>
+        </a:p>
+      </dgm:t>
+    </dgm:pt>
+    <dgm:pt modelId="{8D1D31F3-8E67-4108-B397-241D8BA9FB24}" type="parTrans" cxnId="{139B6DBB-321A-4C04-9EE3-F817C6772E88}">
+      <dgm:prSet/>
+      <dgm:spPr/>
+      <dgm:t>
+        <a:bodyPr/>
+        <a:lstStyle/>
+        <a:p>
+          <a:endParaRPr lang="en-US"/>
+        </a:p>
+      </dgm:t>
+    </dgm:pt>
+    <dgm:pt modelId="{E9D0ADA9-543A-4DB7-A948-477DC020D10F}" type="sibTrans" cxnId="{139B6DBB-321A-4C04-9EE3-F817C6772E88}">
+      <dgm:prSet/>
+      <dgm:spPr/>
+      <dgm:t>
+        <a:bodyPr/>
+        <a:lstStyle/>
+        <a:p>
+          <a:endParaRPr lang="en-US"/>
+        </a:p>
+      </dgm:t>
+    </dgm:pt>
+    <dgm:pt modelId="{A3A62DB0-183B-450A-B72B-2F516DF3F825}">
+      <dgm:prSet/>
+      <dgm:spPr/>
+      <dgm:t>
+        <a:bodyPr/>
+        <a:lstStyle/>
+        <a:p>
+          <a:pPr rtl="0"/>
+          <a:r>
+            <a:rPr lang="en-US" dirty="0" smtClean="0"/>
+            <a:t>Encryption</a:t>
+          </a:r>
+          <a:endParaRPr lang="en-US" dirty="0"/>
+        </a:p>
+      </dgm:t>
+    </dgm:pt>
+    <dgm:pt modelId="{B44D7C81-D245-4A7A-8614-D22DA2C4876E}" type="parTrans" cxnId="{BE0207A3-9A37-49DB-AE73-A45711F668DA}">
+      <dgm:prSet/>
+      <dgm:spPr/>
+      <dgm:t>
+        <a:bodyPr/>
+        <a:lstStyle/>
+        <a:p>
+          <a:endParaRPr lang="en-US"/>
+        </a:p>
+      </dgm:t>
+    </dgm:pt>
+    <dgm:pt modelId="{7716E262-A738-4673-9725-EB9322603E9B}" type="sibTrans" cxnId="{BE0207A3-9A37-49DB-AE73-A45711F668DA}">
+      <dgm:prSet/>
+      <dgm:spPr/>
+      <dgm:t>
+        <a:bodyPr/>
+        <a:lstStyle/>
+        <a:p>
+          <a:endParaRPr lang="en-US"/>
+        </a:p>
+      </dgm:t>
+    </dgm:pt>
+    <dgm:pt modelId="{4F67F5EC-AB06-423D-AB86-56058629937D}">
+      <dgm:prSet/>
+      <dgm:spPr/>
+      <dgm:t>
+        <a:bodyPr/>
+        <a:lstStyle/>
+        <a:p>
+          <a:pPr rtl="0"/>
+          <a:r>
+            <a:rPr lang="en-US" dirty="0" smtClean="0"/>
+            <a:t>Serialization</a:t>
+          </a:r>
+          <a:endParaRPr lang="en-US" dirty="0"/>
+        </a:p>
+      </dgm:t>
+    </dgm:pt>
+    <dgm:pt modelId="{8FB29F64-C7CE-4901-8684-A1FE58B5070C}" type="parTrans" cxnId="{E160785F-2F9C-4D09-A9D9-1982388376F5}">
+      <dgm:prSet/>
+      <dgm:spPr/>
+      <dgm:t>
+        <a:bodyPr/>
+        <a:lstStyle/>
+        <a:p>
+          <a:endParaRPr lang="en-US"/>
+        </a:p>
+      </dgm:t>
+    </dgm:pt>
+    <dgm:pt modelId="{D6A5685B-2B06-4AF1-A3FF-F2A8535F25A2}" type="sibTrans" cxnId="{E160785F-2F9C-4D09-A9D9-1982388376F5}">
+      <dgm:prSet/>
+      <dgm:spPr/>
+      <dgm:t>
+        <a:bodyPr/>
+        <a:lstStyle/>
+        <a:p>
+          <a:endParaRPr lang="en-US"/>
+        </a:p>
+      </dgm:t>
+    </dgm:pt>
+    <dgm:pt modelId="{E6EAD457-E581-435A-93DB-F992C6A6BD6D}">
+      <dgm:prSet/>
+      <dgm:spPr/>
+      <dgm:t>
+        <a:bodyPr/>
+        <a:lstStyle/>
+        <a:p>
+          <a:pPr rtl="0"/>
+          <a:r>
+            <a:rPr lang="en-US" dirty="0" smtClean="0"/>
+            <a:t>Pipes and filters</a:t>
+          </a:r>
+          <a:endParaRPr lang="en-US" dirty="0"/>
+        </a:p>
+      </dgm:t>
+    </dgm:pt>
+    <dgm:pt modelId="{A338F4C2-9E35-4D01-9A1C-5AD874C53454}" type="parTrans" cxnId="{BD0E8CBE-E71C-4953-A22A-A2CAC698EB63}">
+      <dgm:prSet/>
+      <dgm:spPr/>
+      <dgm:t>
+        <a:bodyPr/>
+        <a:lstStyle/>
+        <a:p>
+          <a:endParaRPr lang="en-US"/>
+        </a:p>
+      </dgm:t>
+    </dgm:pt>
+    <dgm:pt modelId="{944112A2-0E5D-4BA5-8858-3501FBDA99BF}" type="sibTrans" cxnId="{BD0E8CBE-E71C-4953-A22A-A2CAC698EB63}">
+      <dgm:prSet/>
+      <dgm:spPr/>
+      <dgm:t>
+        <a:bodyPr/>
+        <a:lstStyle/>
+        <a:p>
+          <a:endParaRPr lang="en-US"/>
+        </a:p>
+      </dgm:t>
+    </dgm:pt>
+    <dgm:pt modelId="{CD00DFE4-3DE6-4512-A2E8-E1CA67C435D9}">
+      <dgm:prSet/>
+      <dgm:spPr/>
+      <dgm:t>
+        <a:bodyPr/>
+        <a:lstStyle/>
+        <a:p>
+          <a:pPr rtl="0"/>
+          <a:r>
+            <a:rPr lang="en-US" dirty="0" smtClean="0"/>
+            <a:t>Transforms</a:t>
+          </a:r>
+          <a:endParaRPr lang="en-US" dirty="0"/>
+        </a:p>
+      </dgm:t>
+    </dgm:pt>
+    <dgm:pt modelId="{A2F33482-C503-4927-8EC3-69E8902C42B5}" type="parTrans" cxnId="{7C95CCC8-98B3-4A5F-9BD7-8BD6F723E154}">
+      <dgm:prSet/>
+      <dgm:spPr/>
+      <dgm:t>
+        <a:bodyPr/>
+        <a:lstStyle/>
+        <a:p>
+          <a:endParaRPr lang="en-US"/>
+        </a:p>
+      </dgm:t>
+    </dgm:pt>
+    <dgm:pt modelId="{852F9698-CFB6-484C-B259-1196C21B9722}" type="sibTrans" cxnId="{7C95CCC8-98B3-4A5F-9BD7-8BD6F723E154}">
+      <dgm:prSet/>
+      <dgm:spPr/>
+      <dgm:t>
+        <a:bodyPr/>
+        <a:lstStyle/>
+        <a:p>
+          <a:endParaRPr lang="en-US"/>
+        </a:p>
+      </dgm:t>
+    </dgm:pt>
+    <dgm:pt modelId="{14E80155-D4D4-4B85-A02E-1266C09A8B5D}">
+      <dgm:prSet/>
+      <dgm:spPr/>
+      <dgm:t>
+        <a:bodyPr/>
+        <a:lstStyle/>
+        <a:p>
+          <a:pPr rtl="0"/>
+          <a:r>
+            <a:rPr lang="en-US" dirty="0" smtClean="0"/>
+            <a:t>Configuration</a:t>
+          </a:r>
+          <a:endParaRPr lang="en-US" dirty="0"/>
+        </a:p>
+      </dgm:t>
+    </dgm:pt>
+    <dgm:pt modelId="{C8E030DF-9616-41A7-8F9D-A22EF00DF04C}" type="parTrans" cxnId="{ED0B6733-7697-44F1-BB8F-1B82E09DD8EE}">
+      <dgm:prSet/>
+      <dgm:spPr/>
+      <dgm:t>
+        <a:bodyPr/>
+        <a:lstStyle/>
+        <a:p>
+          <a:endParaRPr lang="en-US"/>
+        </a:p>
+      </dgm:t>
+    </dgm:pt>
+    <dgm:pt modelId="{9451DAE1-1D8A-46CC-BA13-C76CDC0A50E9}" type="sibTrans" cxnId="{ED0B6733-7697-44F1-BB8F-1B82E09DD8EE}">
+      <dgm:prSet/>
+      <dgm:spPr/>
+      <dgm:t>
+        <a:bodyPr/>
+        <a:lstStyle/>
+        <a:p>
+          <a:endParaRPr lang="en-US"/>
+        </a:p>
+      </dgm:t>
+    </dgm:pt>
+    <dgm:pt modelId="{1118F7F4-18C8-4B40-8400-E6E5B9669232}" type="pres">
+      <dgm:prSet presAssocID="{A57F9B01-11FA-4C63-9FBA-E6CE760896A6}" presName="Name0" presStyleCnt="0">
+        <dgm:presLayoutVars>
+          <dgm:chPref val="1"/>
+          <dgm:dir/>
+          <dgm:animOne val="branch"/>
+          <dgm:animLvl val="lvl"/>
+          <dgm:resizeHandles/>
+        </dgm:presLayoutVars>
+      </dgm:prSet>
+      <dgm:spPr/>
+    </dgm:pt>
+    <dgm:pt modelId="{1D3168FD-991F-49AF-9794-DF7EF1F69778}" type="pres">
+      <dgm:prSet presAssocID="{BCB95C1E-752C-4762-9E5A-1869423E6A59}" presName="vertOne" presStyleCnt="0"/>
+      <dgm:spPr/>
+    </dgm:pt>
+    <dgm:pt modelId="{CCF77F0E-AC98-4B07-862D-98B0033D1E5B}" type="pres">
+      <dgm:prSet presAssocID="{BCB95C1E-752C-4762-9E5A-1869423E6A59}" presName="txOne" presStyleLbl="node0" presStyleIdx="0" presStyleCnt="1">
+        <dgm:presLayoutVars>
+          <dgm:chPref val="3"/>
+        </dgm:presLayoutVars>
+      </dgm:prSet>
+      <dgm:spPr/>
+      <dgm:t>
+        <a:bodyPr/>
+        <a:lstStyle/>
+        <a:p>
+          <a:endParaRPr lang="en-US"/>
+        </a:p>
+      </dgm:t>
+    </dgm:pt>
+    <dgm:pt modelId="{22069854-92F0-4F1E-B1FB-B6BD3B162471}" type="pres">
+      <dgm:prSet presAssocID="{BCB95C1E-752C-4762-9E5A-1869423E6A59}" presName="parTransOne" presStyleCnt="0"/>
+      <dgm:spPr/>
+    </dgm:pt>
+    <dgm:pt modelId="{279C97DC-D018-4C57-A612-8B54C704A904}" type="pres">
+      <dgm:prSet presAssocID="{BCB95C1E-752C-4762-9E5A-1869423E6A59}" presName="horzOne" presStyleCnt="0"/>
+      <dgm:spPr/>
+    </dgm:pt>
+    <dgm:pt modelId="{4231484C-63A9-441C-8940-09555FB21D15}" type="pres">
+      <dgm:prSet presAssocID="{0919CB37-4152-4765-ABE3-DC23046E65BD}" presName="vertTwo" presStyleCnt="0"/>
+      <dgm:spPr/>
+    </dgm:pt>
+    <dgm:pt modelId="{DDCD081A-6AC6-4EA7-85C2-2CBB6ACD26E5}" type="pres">
+      <dgm:prSet presAssocID="{0919CB37-4152-4765-ABE3-DC23046E65BD}" presName="txTwo" presStyleLbl="node2" presStyleIdx="0" presStyleCnt="6">
+        <dgm:presLayoutVars>
+          <dgm:chPref val="3"/>
+        </dgm:presLayoutVars>
+      </dgm:prSet>
+      <dgm:spPr/>
+    </dgm:pt>
+    <dgm:pt modelId="{01967554-ED26-4722-B2D4-40D7CDC429EC}" type="pres">
+      <dgm:prSet presAssocID="{0919CB37-4152-4765-ABE3-DC23046E65BD}" presName="horzTwo" presStyleCnt="0"/>
+      <dgm:spPr/>
+    </dgm:pt>
+    <dgm:pt modelId="{E8CC9AF4-0A0C-49F9-BF6E-48481067EB1F}" type="pres">
+      <dgm:prSet presAssocID="{E9D0ADA9-543A-4DB7-A948-477DC020D10F}" presName="sibSpaceTwo" presStyleCnt="0"/>
+      <dgm:spPr/>
+    </dgm:pt>
+    <dgm:pt modelId="{B731BE7D-A2CC-469B-AF41-FF3066029B1B}" type="pres">
+      <dgm:prSet presAssocID="{4F67F5EC-AB06-423D-AB86-56058629937D}" presName="vertTwo" presStyleCnt="0"/>
+      <dgm:spPr/>
+    </dgm:pt>
+    <dgm:pt modelId="{204864B0-CB67-4907-8F19-A5EC8786CB92}" type="pres">
+      <dgm:prSet presAssocID="{4F67F5EC-AB06-423D-AB86-56058629937D}" presName="txTwo" presStyleLbl="node2" presStyleIdx="1" presStyleCnt="6">
+        <dgm:presLayoutVars>
+          <dgm:chPref val="3"/>
+        </dgm:presLayoutVars>
+      </dgm:prSet>
+      <dgm:spPr/>
+    </dgm:pt>
+    <dgm:pt modelId="{C5E67E53-FFF2-4FDB-9889-1A84EF51450D}" type="pres">
+      <dgm:prSet presAssocID="{4F67F5EC-AB06-423D-AB86-56058629937D}" presName="horzTwo" presStyleCnt="0"/>
+      <dgm:spPr/>
+    </dgm:pt>
+    <dgm:pt modelId="{F92CA56F-2C06-480C-995F-9095207DA7A0}" type="pres">
+      <dgm:prSet presAssocID="{D6A5685B-2B06-4AF1-A3FF-F2A8535F25A2}" presName="sibSpaceTwo" presStyleCnt="0"/>
+      <dgm:spPr/>
+    </dgm:pt>
+    <dgm:pt modelId="{C7737406-BF1E-436B-ABB8-8878BCBE324A}" type="pres">
+      <dgm:prSet presAssocID="{E6EAD457-E581-435A-93DB-F992C6A6BD6D}" presName="vertTwo" presStyleCnt="0"/>
+      <dgm:spPr/>
+    </dgm:pt>
+    <dgm:pt modelId="{5679EE47-2B1C-431D-95B9-9C12162546D3}" type="pres">
+      <dgm:prSet presAssocID="{E6EAD457-E581-435A-93DB-F992C6A6BD6D}" presName="txTwo" presStyleLbl="node2" presStyleIdx="2" presStyleCnt="6">
+        <dgm:presLayoutVars>
+          <dgm:chPref val="3"/>
+        </dgm:presLayoutVars>
+      </dgm:prSet>
+      <dgm:spPr/>
+    </dgm:pt>
+    <dgm:pt modelId="{E3CC03AB-CDF4-403A-B8A4-079C22E397DC}" type="pres">
+      <dgm:prSet presAssocID="{E6EAD457-E581-435A-93DB-F992C6A6BD6D}" presName="horzTwo" presStyleCnt="0"/>
+      <dgm:spPr/>
+    </dgm:pt>
+    <dgm:pt modelId="{CF3A2695-49C4-409F-BA3B-74B6153593B6}" type="pres">
+      <dgm:prSet presAssocID="{944112A2-0E5D-4BA5-8858-3501FBDA99BF}" presName="sibSpaceTwo" presStyleCnt="0"/>
+      <dgm:spPr/>
+    </dgm:pt>
+    <dgm:pt modelId="{BBD79991-4D40-411C-A180-2814B1A32FFA}" type="pres">
+      <dgm:prSet presAssocID="{CD00DFE4-3DE6-4512-A2E8-E1CA67C435D9}" presName="vertTwo" presStyleCnt="0"/>
+      <dgm:spPr/>
+    </dgm:pt>
+    <dgm:pt modelId="{D6676E93-CC16-4A48-9743-891C4E0AEB10}" type="pres">
+      <dgm:prSet presAssocID="{CD00DFE4-3DE6-4512-A2E8-E1CA67C435D9}" presName="txTwo" presStyleLbl="node2" presStyleIdx="3" presStyleCnt="6">
+        <dgm:presLayoutVars>
+          <dgm:chPref val="3"/>
+        </dgm:presLayoutVars>
+      </dgm:prSet>
+      <dgm:spPr/>
+    </dgm:pt>
+    <dgm:pt modelId="{F3375B4F-67DF-44E3-960E-6C2823E3A3AF}" type="pres">
+      <dgm:prSet presAssocID="{CD00DFE4-3DE6-4512-A2E8-E1CA67C435D9}" presName="horzTwo" presStyleCnt="0"/>
+      <dgm:spPr/>
+    </dgm:pt>
+    <dgm:pt modelId="{0B6EBA29-7E0E-4823-88CE-A327CDDDFB6C}" type="pres">
+      <dgm:prSet presAssocID="{852F9698-CFB6-484C-B259-1196C21B9722}" presName="sibSpaceTwo" presStyleCnt="0"/>
+      <dgm:spPr/>
+    </dgm:pt>
+    <dgm:pt modelId="{05FF967B-5163-493A-B0E1-803165D731AA}" type="pres">
+      <dgm:prSet presAssocID="{14E80155-D4D4-4B85-A02E-1266C09A8B5D}" presName="vertTwo" presStyleCnt="0"/>
+      <dgm:spPr/>
+    </dgm:pt>
+    <dgm:pt modelId="{5CE82B4D-5D3F-485D-A0A3-6D432205E6D4}" type="pres">
+      <dgm:prSet presAssocID="{14E80155-D4D4-4B85-A02E-1266C09A8B5D}" presName="txTwo" presStyleLbl="node2" presStyleIdx="4" presStyleCnt="6">
+        <dgm:presLayoutVars>
+          <dgm:chPref val="3"/>
+        </dgm:presLayoutVars>
+      </dgm:prSet>
+      <dgm:spPr/>
+    </dgm:pt>
+    <dgm:pt modelId="{CE813A37-72D0-46E1-BF71-0442A9495026}" type="pres">
+      <dgm:prSet presAssocID="{14E80155-D4D4-4B85-A02E-1266C09A8B5D}" presName="horzTwo" presStyleCnt="0"/>
+      <dgm:spPr/>
+    </dgm:pt>
+    <dgm:pt modelId="{9AB01DCE-13B6-4244-BCA4-0C0291104BC7}" type="pres">
+      <dgm:prSet presAssocID="{9451DAE1-1D8A-46CC-BA13-C76CDC0A50E9}" presName="sibSpaceTwo" presStyleCnt="0"/>
+      <dgm:spPr/>
+    </dgm:pt>
+    <dgm:pt modelId="{4D9340D5-B5B9-42C8-8948-71D6114C0FAC}" type="pres">
+      <dgm:prSet presAssocID="{A3A62DB0-183B-450A-B72B-2F516DF3F825}" presName="vertTwo" presStyleCnt="0"/>
+      <dgm:spPr/>
+    </dgm:pt>
+    <dgm:pt modelId="{8E9322A5-B639-406C-9622-9B3F8705ACCA}" type="pres">
+      <dgm:prSet presAssocID="{A3A62DB0-183B-450A-B72B-2F516DF3F825}" presName="txTwo" presStyleLbl="node2" presStyleIdx="5" presStyleCnt="6">
+        <dgm:presLayoutVars>
+          <dgm:chPref val="3"/>
+        </dgm:presLayoutVars>
+      </dgm:prSet>
+      <dgm:spPr/>
+    </dgm:pt>
+    <dgm:pt modelId="{F9D9BA24-A6DB-4200-9BD6-F0509CCD7E32}" type="pres">
+      <dgm:prSet presAssocID="{A3A62DB0-183B-450A-B72B-2F516DF3F825}" presName="horzTwo" presStyleCnt="0"/>
+      <dgm:spPr/>
+    </dgm:pt>
+  </dgm:ptLst>
+  <dgm:cxnLst>
+    <dgm:cxn modelId="{BD0E8CBE-E71C-4953-A22A-A2CAC698EB63}" srcId="{BCB95C1E-752C-4762-9E5A-1869423E6A59}" destId="{E6EAD457-E581-435A-93DB-F992C6A6BD6D}" srcOrd="2" destOrd="0" parTransId="{A338F4C2-9E35-4D01-9A1C-5AD874C53454}" sibTransId="{944112A2-0E5D-4BA5-8858-3501FBDA99BF}"/>
+    <dgm:cxn modelId="{139B6DBB-321A-4C04-9EE3-F817C6772E88}" srcId="{BCB95C1E-752C-4762-9E5A-1869423E6A59}" destId="{0919CB37-4152-4765-ABE3-DC23046E65BD}" srcOrd="0" destOrd="0" parTransId="{8D1D31F3-8E67-4108-B397-241D8BA9FB24}" sibTransId="{E9D0ADA9-543A-4DB7-A948-477DC020D10F}"/>
+    <dgm:cxn modelId="{750A0DC6-B1E7-43A0-B171-31516912C9E3}" type="presOf" srcId="{BCB95C1E-752C-4762-9E5A-1869423E6A59}" destId="{CCF77F0E-AC98-4B07-862D-98B0033D1E5B}" srcOrd="0" destOrd="0" presId="urn:microsoft.com/office/officeart/2005/8/layout/architecture"/>
+    <dgm:cxn modelId="{C8F4FCEC-F11B-43EC-8547-8E0783868AC4}" srcId="{A57F9B01-11FA-4C63-9FBA-E6CE760896A6}" destId="{BCB95C1E-752C-4762-9E5A-1869423E6A59}" srcOrd="0" destOrd="0" parTransId="{A3C66A00-FFA2-46EF-A78E-AB8F7F356B5E}" sibTransId="{58F8EF72-0BBB-4013-943B-5A0916A47C26}"/>
+    <dgm:cxn modelId="{BE0207A3-9A37-49DB-AE73-A45711F668DA}" srcId="{BCB95C1E-752C-4762-9E5A-1869423E6A59}" destId="{A3A62DB0-183B-450A-B72B-2F516DF3F825}" srcOrd="5" destOrd="0" parTransId="{B44D7C81-D245-4A7A-8614-D22DA2C4876E}" sibTransId="{7716E262-A738-4673-9725-EB9322603E9B}"/>
+    <dgm:cxn modelId="{ED0B6733-7697-44F1-BB8F-1B82E09DD8EE}" srcId="{BCB95C1E-752C-4762-9E5A-1869423E6A59}" destId="{14E80155-D4D4-4B85-A02E-1266C09A8B5D}" srcOrd="4" destOrd="0" parTransId="{C8E030DF-9616-41A7-8F9D-A22EF00DF04C}" sibTransId="{9451DAE1-1D8A-46CC-BA13-C76CDC0A50E9}"/>
+    <dgm:cxn modelId="{B52F0C08-7A5F-42A1-AFB1-4DAC1FE0EF3C}" type="presOf" srcId="{CD00DFE4-3DE6-4512-A2E8-E1CA67C435D9}" destId="{D6676E93-CC16-4A48-9743-891C4E0AEB10}" srcOrd="0" destOrd="0" presId="urn:microsoft.com/office/officeart/2005/8/layout/architecture"/>
+    <dgm:cxn modelId="{75FC13C6-C64B-4580-AD09-3491E292969D}" type="presOf" srcId="{0919CB37-4152-4765-ABE3-DC23046E65BD}" destId="{DDCD081A-6AC6-4EA7-85C2-2CBB6ACD26E5}" srcOrd="0" destOrd="0" presId="urn:microsoft.com/office/officeart/2005/8/layout/architecture"/>
+    <dgm:cxn modelId="{0995DE48-F0BF-4E2C-B3CA-F6EDE38AA440}" type="presOf" srcId="{4F67F5EC-AB06-423D-AB86-56058629937D}" destId="{204864B0-CB67-4907-8F19-A5EC8786CB92}" srcOrd="0" destOrd="0" presId="urn:microsoft.com/office/officeart/2005/8/layout/architecture"/>
+    <dgm:cxn modelId="{6FA3086A-1A02-4A3F-99E6-A05D32D4E928}" type="presOf" srcId="{14E80155-D4D4-4B85-A02E-1266C09A8B5D}" destId="{5CE82B4D-5D3F-485D-A0A3-6D432205E6D4}" srcOrd="0" destOrd="0" presId="urn:microsoft.com/office/officeart/2005/8/layout/architecture"/>
+    <dgm:cxn modelId="{E160785F-2F9C-4D09-A9D9-1982388376F5}" srcId="{BCB95C1E-752C-4762-9E5A-1869423E6A59}" destId="{4F67F5EC-AB06-423D-AB86-56058629937D}" srcOrd="1" destOrd="0" parTransId="{8FB29F64-C7CE-4901-8684-A1FE58B5070C}" sibTransId="{D6A5685B-2B06-4AF1-A3FF-F2A8535F25A2}"/>
+    <dgm:cxn modelId="{5687BF83-BEB2-413F-AF79-5050ADA3817D}" type="presOf" srcId="{A57F9B01-11FA-4C63-9FBA-E6CE760896A6}" destId="{1118F7F4-18C8-4B40-8400-E6E5B9669232}" srcOrd="0" destOrd="0" presId="urn:microsoft.com/office/officeart/2005/8/layout/architecture"/>
+    <dgm:cxn modelId="{3CE06044-7A41-4FD5-96D4-CC187AB22C9D}" type="presOf" srcId="{A3A62DB0-183B-450A-B72B-2F516DF3F825}" destId="{8E9322A5-B639-406C-9622-9B3F8705ACCA}" srcOrd="0" destOrd="0" presId="urn:microsoft.com/office/officeart/2005/8/layout/architecture"/>
+    <dgm:cxn modelId="{7C95CCC8-98B3-4A5F-9BD7-8BD6F723E154}" srcId="{BCB95C1E-752C-4762-9E5A-1869423E6A59}" destId="{CD00DFE4-3DE6-4512-A2E8-E1CA67C435D9}" srcOrd="3" destOrd="0" parTransId="{A2F33482-C503-4927-8EC3-69E8902C42B5}" sibTransId="{852F9698-CFB6-484C-B259-1196C21B9722}"/>
+    <dgm:cxn modelId="{ECD9F2AA-D389-4C69-B083-1610D90DAA08}" type="presOf" srcId="{E6EAD457-E581-435A-93DB-F992C6A6BD6D}" destId="{5679EE47-2B1C-431D-95B9-9C12162546D3}" srcOrd="0" destOrd="0" presId="urn:microsoft.com/office/officeart/2005/8/layout/architecture"/>
+    <dgm:cxn modelId="{8F977034-0BB9-420F-AEF6-FE559FFF2284}" type="presParOf" srcId="{1118F7F4-18C8-4B40-8400-E6E5B9669232}" destId="{1D3168FD-991F-49AF-9794-DF7EF1F69778}" srcOrd="0" destOrd="0" presId="urn:microsoft.com/office/officeart/2005/8/layout/architecture"/>
+    <dgm:cxn modelId="{6000BAF0-A8DD-45C1-AB61-58E02DDAF6D3}" type="presParOf" srcId="{1D3168FD-991F-49AF-9794-DF7EF1F69778}" destId="{CCF77F0E-AC98-4B07-862D-98B0033D1E5B}" srcOrd="0" destOrd="0" presId="urn:microsoft.com/office/officeart/2005/8/layout/architecture"/>
+    <dgm:cxn modelId="{8B1CC90C-49C5-4910-B116-29E06EFCBEE7}" type="presParOf" srcId="{1D3168FD-991F-49AF-9794-DF7EF1F69778}" destId="{22069854-92F0-4F1E-B1FB-B6BD3B162471}" srcOrd="1" destOrd="0" presId="urn:microsoft.com/office/officeart/2005/8/layout/architecture"/>
+    <dgm:cxn modelId="{A73D5AEC-BA3D-4C28-A6D6-C9F52C7B9C69}" type="presParOf" srcId="{1D3168FD-991F-49AF-9794-DF7EF1F69778}" destId="{279C97DC-D018-4C57-A612-8B54C704A904}" srcOrd="2" destOrd="0" presId="urn:microsoft.com/office/officeart/2005/8/layout/architecture"/>
+    <dgm:cxn modelId="{8EA324AB-7012-4543-8B28-0433E8948E18}" type="presParOf" srcId="{279C97DC-D018-4C57-A612-8B54C704A904}" destId="{4231484C-63A9-441C-8940-09555FB21D15}" srcOrd="0" destOrd="0" presId="urn:microsoft.com/office/officeart/2005/8/layout/architecture"/>
+    <dgm:cxn modelId="{58775515-7D87-4DB5-81EF-9451E390E0B9}" type="presParOf" srcId="{4231484C-63A9-441C-8940-09555FB21D15}" destId="{DDCD081A-6AC6-4EA7-85C2-2CBB6ACD26E5}" srcOrd="0" destOrd="0" presId="urn:microsoft.com/office/officeart/2005/8/layout/architecture"/>
+    <dgm:cxn modelId="{03D8E6D9-5436-4BAF-8F20-1D1692BAA18E}" type="presParOf" srcId="{4231484C-63A9-441C-8940-09555FB21D15}" destId="{01967554-ED26-4722-B2D4-40D7CDC429EC}" srcOrd="1" destOrd="0" presId="urn:microsoft.com/office/officeart/2005/8/layout/architecture"/>
+    <dgm:cxn modelId="{6DB5301A-FCBE-406E-BDB6-D2F23172B47D}" type="presParOf" srcId="{279C97DC-D018-4C57-A612-8B54C704A904}" destId="{E8CC9AF4-0A0C-49F9-BF6E-48481067EB1F}" srcOrd="1" destOrd="0" presId="urn:microsoft.com/office/officeart/2005/8/layout/architecture"/>
+    <dgm:cxn modelId="{3B67B30C-4EFC-4BFA-8604-456CF02F837A}" type="presParOf" srcId="{279C97DC-D018-4C57-A612-8B54C704A904}" destId="{B731BE7D-A2CC-469B-AF41-FF3066029B1B}" srcOrd="2" destOrd="0" presId="urn:microsoft.com/office/officeart/2005/8/layout/architecture"/>
+    <dgm:cxn modelId="{09A5FD4D-7D82-4C8D-AEBB-9BCF85CC9A64}" type="presParOf" srcId="{B731BE7D-A2CC-469B-AF41-FF3066029B1B}" destId="{204864B0-CB67-4907-8F19-A5EC8786CB92}" srcOrd="0" destOrd="0" presId="urn:microsoft.com/office/officeart/2005/8/layout/architecture"/>
+    <dgm:cxn modelId="{B47A4996-490B-4DAF-B0BD-CB8AB0718BD8}" type="presParOf" srcId="{B731BE7D-A2CC-469B-AF41-FF3066029B1B}" destId="{C5E67E53-FFF2-4FDB-9889-1A84EF51450D}" srcOrd="1" destOrd="0" presId="urn:microsoft.com/office/officeart/2005/8/layout/architecture"/>
+    <dgm:cxn modelId="{6DBDDB23-0139-445F-937E-188BE1FF0D66}" type="presParOf" srcId="{279C97DC-D018-4C57-A612-8B54C704A904}" destId="{F92CA56F-2C06-480C-995F-9095207DA7A0}" srcOrd="3" destOrd="0" presId="urn:microsoft.com/office/officeart/2005/8/layout/architecture"/>
+    <dgm:cxn modelId="{452EDDD2-2C91-4E95-A518-7471175D62A2}" type="presParOf" srcId="{279C97DC-D018-4C57-A612-8B54C704A904}" destId="{C7737406-BF1E-436B-ABB8-8878BCBE324A}" srcOrd="4" destOrd="0" presId="urn:microsoft.com/office/officeart/2005/8/layout/architecture"/>
+    <dgm:cxn modelId="{1CAEBC65-BE0C-4EEE-85ED-7E519BCDBC97}" type="presParOf" srcId="{C7737406-BF1E-436B-ABB8-8878BCBE324A}" destId="{5679EE47-2B1C-431D-95B9-9C12162546D3}" srcOrd="0" destOrd="0" presId="urn:microsoft.com/office/officeart/2005/8/layout/architecture"/>
+    <dgm:cxn modelId="{3928A549-E3E0-4EFA-A639-B3DEAAF1A160}" type="presParOf" srcId="{C7737406-BF1E-436B-ABB8-8878BCBE324A}" destId="{E3CC03AB-CDF4-403A-B8A4-079C22E397DC}" srcOrd="1" destOrd="0" presId="urn:microsoft.com/office/officeart/2005/8/layout/architecture"/>
+    <dgm:cxn modelId="{F59E156A-FE02-4E68-8EA9-9927C5862D5B}" type="presParOf" srcId="{279C97DC-D018-4C57-A612-8B54C704A904}" destId="{CF3A2695-49C4-409F-BA3B-74B6153593B6}" srcOrd="5" destOrd="0" presId="urn:microsoft.com/office/officeart/2005/8/layout/architecture"/>
+    <dgm:cxn modelId="{0F968B60-CF83-420C-B43A-E0EF3472FB4E}" type="presParOf" srcId="{279C97DC-D018-4C57-A612-8B54C704A904}" destId="{BBD79991-4D40-411C-A180-2814B1A32FFA}" srcOrd="6" destOrd="0" presId="urn:microsoft.com/office/officeart/2005/8/layout/architecture"/>
+    <dgm:cxn modelId="{5C22F8EF-6B24-4364-86DA-1F16AD3FCDDE}" type="presParOf" srcId="{BBD79991-4D40-411C-A180-2814B1A32FFA}" destId="{D6676E93-CC16-4A48-9743-891C4E0AEB10}" srcOrd="0" destOrd="0" presId="urn:microsoft.com/office/officeart/2005/8/layout/architecture"/>
+    <dgm:cxn modelId="{2DC56CAE-EF65-4B82-BA68-9B3847A0EDD9}" type="presParOf" srcId="{BBD79991-4D40-411C-A180-2814B1A32FFA}" destId="{F3375B4F-67DF-44E3-960E-6C2823E3A3AF}" srcOrd="1" destOrd="0" presId="urn:microsoft.com/office/officeart/2005/8/layout/architecture"/>
+    <dgm:cxn modelId="{F238C88C-F313-4C53-80E0-BE8D570BEEAD}" type="presParOf" srcId="{279C97DC-D018-4C57-A612-8B54C704A904}" destId="{0B6EBA29-7E0E-4823-88CE-A327CDDDFB6C}" srcOrd="7" destOrd="0" presId="urn:microsoft.com/office/officeart/2005/8/layout/architecture"/>
+    <dgm:cxn modelId="{A2BBEDAE-A5C2-499B-82AD-1259C5024B9E}" type="presParOf" srcId="{279C97DC-D018-4C57-A612-8B54C704A904}" destId="{05FF967B-5163-493A-B0E1-803165D731AA}" srcOrd="8" destOrd="0" presId="urn:microsoft.com/office/officeart/2005/8/layout/architecture"/>
+    <dgm:cxn modelId="{C56711DD-6A08-4569-A8E5-BE13B19599DA}" type="presParOf" srcId="{05FF967B-5163-493A-B0E1-803165D731AA}" destId="{5CE82B4D-5D3F-485D-A0A3-6D432205E6D4}" srcOrd="0" destOrd="0" presId="urn:microsoft.com/office/officeart/2005/8/layout/architecture"/>
+    <dgm:cxn modelId="{570575AD-82DC-46F5-8B6D-0A6EBC5B660F}" type="presParOf" srcId="{05FF967B-5163-493A-B0E1-803165D731AA}" destId="{CE813A37-72D0-46E1-BF71-0442A9495026}" srcOrd="1" destOrd="0" presId="urn:microsoft.com/office/officeart/2005/8/layout/architecture"/>
+    <dgm:cxn modelId="{2544F158-F3A1-4796-AE2D-8F43822ADBF1}" type="presParOf" srcId="{279C97DC-D018-4C57-A612-8B54C704A904}" destId="{9AB01DCE-13B6-4244-BCA4-0C0291104BC7}" srcOrd="9" destOrd="0" presId="urn:microsoft.com/office/officeart/2005/8/layout/architecture"/>
+    <dgm:cxn modelId="{1FC99DEF-F881-441D-A713-28A672117E98}" type="presParOf" srcId="{279C97DC-D018-4C57-A612-8B54C704A904}" destId="{4D9340D5-B5B9-42C8-8948-71D6114C0FAC}" srcOrd="10" destOrd="0" presId="urn:microsoft.com/office/officeart/2005/8/layout/architecture"/>
+    <dgm:cxn modelId="{A1B5C835-8BEF-4ED8-B41D-C31DCBBFD289}" type="presParOf" srcId="{4D9340D5-B5B9-42C8-8948-71D6114C0FAC}" destId="{8E9322A5-B639-406C-9622-9B3F8705ACCA}" srcOrd="0" destOrd="0" presId="urn:microsoft.com/office/officeart/2005/8/layout/architecture"/>
+    <dgm:cxn modelId="{5DE3A7D3-D233-48E7-B8EF-BC5137FCF626}" type="presParOf" srcId="{4D9340D5-B5B9-42C8-8948-71D6114C0FAC}" destId="{F9D9BA24-A6DB-4200-9BD6-F0509CCD7E32}" srcOrd="1" destOrd="0" presId="urn:microsoft.com/office/officeart/2005/8/layout/architecture"/>
+  </dgm:cxnLst>
+  <dgm:bg/>
+  <dgm:whole/>
+  <dgm:extLst>
+    <a:ext uri="http://schemas.microsoft.com/office/drawing/2008/diagram">
+      <dsp:dataModelExt xmlns:dsp="http://schemas.microsoft.com/office/drawing/2008/diagram" relId="rId13" minVer="http://schemas.openxmlformats.org/drawingml/2006/diagram"/>
+    </a:ext>
+  </dgm:extLst>
+</dgm:dataModel>
+</file>
+
+<file path=ppt/diagrams/data4.xml><?xml version="1.0" encoding="utf-8"?>
 <dgm:dataModel xmlns:dgm="http://schemas.openxmlformats.org/drawingml/2006/diagram" xmlns:a="http://schemas.openxmlformats.org/drawingml/2006/main">
   <dgm:ptLst>
     <dgm:pt modelId="{539BF942-A207-4E7C-99B3-7698E004D5E5}" type="doc">
@@ -2741,6 +5243,13 @@
         </dgm:presLayoutVars>
       </dgm:prSet>
       <dgm:spPr/>
+      <dgm:t>
+        <a:bodyPr/>
+        <a:lstStyle/>
+        <a:p>
+          <a:endParaRPr lang="en-US"/>
+        </a:p>
+      </dgm:t>
     </dgm:pt>
     <dgm:pt modelId="{A0F3E842-599A-4864-92CF-F6ECE341B0DB}" type="pres">
       <dgm:prSet presAssocID="{539BF942-A207-4E7C-99B3-7698E004D5E5}" presName="arrow" presStyleLbl="bgShp" presStyleIdx="0" presStyleCnt="1"/>
@@ -2757,6 +5266,13 @@
         </dgm:presLayoutVars>
       </dgm:prSet>
       <dgm:spPr/>
+      <dgm:t>
+        <a:bodyPr/>
+        <a:lstStyle/>
+        <a:p>
+          <a:endParaRPr lang="en-US"/>
+        </a:p>
+      </dgm:t>
     </dgm:pt>
     <dgm:pt modelId="{FA5285A0-BCD3-4467-8EB2-D8A6EFE4CFD7}" type="pres">
       <dgm:prSet presAssocID="{3333C61F-3E72-4E94-AEC1-3B292C56C446}" presName="sibTrans" presStyleCnt="0"/>
@@ -2769,6 +5285,13 @@
         </dgm:presLayoutVars>
       </dgm:prSet>
       <dgm:spPr/>
+      <dgm:t>
+        <a:bodyPr/>
+        <a:lstStyle/>
+        <a:p>
+          <a:endParaRPr lang="en-US"/>
+        </a:p>
+      </dgm:t>
     </dgm:pt>
     <dgm:pt modelId="{8230BE23-426C-4568-ABA8-4E46A9BE666A}" type="pres">
       <dgm:prSet presAssocID="{EACE0BA4-C3D2-44AF-AD6B-F8E839237173}" presName="sibTrans" presStyleCnt="0"/>
@@ -2791,8 +5314,8 @@
     </dgm:pt>
   </dgm:ptLst>
   <dgm:cxnLst>
+    <dgm:cxn modelId="{97E58AEF-D0F4-4C3A-8C4D-EF8F75A29B91}" type="presOf" srcId="{539BF942-A207-4E7C-99B3-7698E004D5E5}" destId="{50CFE2FC-FE14-44F8-88A9-2ECFD617E7B2}" srcOrd="0" destOrd="0" presId="urn:microsoft.com/office/officeart/2005/8/layout/hProcess9"/>
     <dgm:cxn modelId="{CF8D7F4B-1763-44AA-99F8-94281C15C99E}" srcId="{539BF942-A207-4E7C-99B3-7698E004D5E5}" destId="{143D05CC-F468-4C65-91EC-074C756494D4}" srcOrd="0" destOrd="0" parTransId="{DBC36DEE-DED6-4BA6-8671-26A2BAF05968}" sibTransId="{3333C61F-3E72-4E94-AEC1-3B292C56C446}"/>
-    <dgm:cxn modelId="{97E58AEF-D0F4-4C3A-8C4D-EF8F75A29B91}" type="presOf" srcId="{539BF942-A207-4E7C-99B3-7698E004D5E5}" destId="{50CFE2FC-FE14-44F8-88A9-2ECFD617E7B2}" srcOrd="0" destOrd="0" presId="urn:microsoft.com/office/officeart/2005/8/layout/hProcess9"/>
     <dgm:cxn modelId="{DE700136-A12F-46AF-A98B-281F14BF88FD}" type="presOf" srcId="{5744C49E-8F23-495C-A67B-5FC9532640ED}" destId="{83367548-E729-4911-80A0-FD21DD26C45D}" srcOrd="0" destOrd="0" presId="urn:microsoft.com/office/officeart/2005/8/layout/hProcess9"/>
     <dgm:cxn modelId="{B16B019A-7EF4-4809-90A6-D02347DCF56B}" srcId="{539BF942-A207-4E7C-99B3-7698E004D5E5}" destId="{5744C49E-8F23-495C-A67B-5FC9532640ED}" srcOrd="1" destOrd="0" parTransId="{BDA510B9-F636-45B7-A934-6FFDAA653E29}" sibTransId="{EACE0BA4-C3D2-44AF-AD6B-F8E839237173}"/>
     <dgm:cxn modelId="{B6330095-981A-4AC1-B62C-74D551C54BDA}" srcId="{539BF942-A207-4E7C-99B3-7698E004D5E5}" destId="{2A48A4BA-89B3-4A76-96EE-8F2973A94679}" srcOrd="2" destOrd="0" parTransId="{D09B4A5E-B30C-45B0-B03C-352E7F3D8F19}" sibTransId="{800FB88E-6D78-4D27-BE86-69B9B6B19055}"/>
@@ -3771,6 +6294,1150 @@
       <dsp:cNvGrpSpPr/>
     </dsp:nvGrpSpPr>
     <dsp:grpSpPr/>
+    <dsp:sp modelId="{CCF77F0E-AC98-4B07-862D-98B0033D1E5B}">
+      <dsp:nvSpPr>
+        <dsp:cNvPr id="0" name=""/>
+        <dsp:cNvSpPr/>
+      </dsp:nvSpPr>
+      <dsp:spPr>
+        <a:xfrm>
+          <a:off x="39" y="680573"/>
+          <a:ext cx="8129894" cy="489859"/>
+        </a:xfrm>
+        <a:prstGeom prst="roundRect">
+          <a:avLst>
+            <a:gd name="adj" fmla="val 10000"/>
+          </a:avLst>
+        </a:prstGeom>
+        <a:solidFill>
+          <a:schemeClr val="accent1">
+            <a:hueOff val="0"/>
+            <a:satOff val="0"/>
+            <a:lumOff val="0"/>
+            <a:alphaOff val="0"/>
+          </a:schemeClr>
+        </a:solidFill>
+        <a:ln w="12700" cap="flat" cmpd="sng" algn="ctr">
+          <a:solidFill>
+            <a:schemeClr val="lt1">
+              <a:hueOff val="0"/>
+              <a:satOff val="0"/>
+              <a:lumOff val="0"/>
+              <a:alphaOff val="0"/>
+            </a:schemeClr>
+          </a:solidFill>
+          <a:prstDash val="solid"/>
+          <a:miter lim="800000"/>
+        </a:ln>
+        <a:effectLst/>
+      </dsp:spPr>
+      <dsp:style>
+        <a:lnRef idx="2">
+          <a:scrgbClr r="0" g="0" b="0"/>
+        </a:lnRef>
+        <a:fillRef idx="1">
+          <a:scrgbClr r="0" g="0" b="0"/>
+        </a:fillRef>
+        <a:effectRef idx="0">
+          <a:scrgbClr r="0" g="0" b="0"/>
+        </a:effectRef>
+        <a:fontRef idx="minor">
+          <a:schemeClr val="lt1"/>
+        </a:fontRef>
+      </dsp:style>
+      <dsp:txBody>
+        <a:bodyPr spcFirstLastPara="0" vert="horz" wrap="square" lIns="80010" tIns="80010" rIns="80010" bIns="80010" numCol="1" spcCol="1270" anchor="ctr" anchorCtr="0">
+          <a:noAutofit/>
+        </a:bodyPr>
+        <a:lstStyle/>
+        <a:p>
+          <a:pPr lvl="0" algn="ctr" defTabSz="933450" rtl="0">
+            <a:lnSpc>
+              <a:spcPct val="90000"/>
+            </a:lnSpc>
+            <a:spcBef>
+              <a:spcPct val="0"/>
+            </a:spcBef>
+            <a:spcAft>
+              <a:spcPct val="35000"/>
+            </a:spcAft>
+          </a:pPr>
+          <a:r>
+            <a:rPr lang="en-US" sz="2100" kern="1200" dirty="0" smtClean="0"/>
+            <a:t>Transports</a:t>
+          </a:r>
+          <a:endParaRPr lang="en-US" sz="2100" kern="1200" dirty="0"/>
+        </a:p>
+      </dsp:txBody>
+      <dsp:txXfrm>
+        <a:off x="14386" y="694920"/>
+        <a:ext cx="8101200" cy="461165"/>
+      </dsp:txXfrm>
+    </dsp:sp>
+    <dsp:sp modelId="{DDCD081A-6AC6-4EA7-85C2-2CBB6ACD26E5}">
+      <dsp:nvSpPr>
+        <dsp:cNvPr id="0" name=""/>
+        <dsp:cNvSpPr/>
+      </dsp:nvSpPr>
+      <dsp:spPr>
+        <a:xfrm>
+          <a:off x="39" y="199"/>
+          <a:ext cx="1266338" cy="489859"/>
+        </a:xfrm>
+        <a:prstGeom prst="roundRect">
+          <a:avLst>
+            <a:gd name="adj" fmla="val 10000"/>
+          </a:avLst>
+        </a:prstGeom>
+        <a:solidFill>
+          <a:schemeClr val="accent1">
+            <a:hueOff val="0"/>
+            <a:satOff val="0"/>
+            <a:lumOff val="0"/>
+            <a:alphaOff val="0"/>
+          </a:schemeClr>
+        </a:solidFill>
+        <a:ln w="12700" cap="flat" cmpd="sng" algn="ctr">
+          <a:solidFill>
+            <a:schemeClr val="lt1">
+              <a:hueOff val="0"/>
+              <a:satOff val="0"/>
+              <a:lumOff val="0"/>
+              <a:alphaOff val="0"/>
+            </a:schemeClr>
+          </a:solidFill>
+          <a:prstDash val="solid"/>
+          <a:miter lim="800000"/>
+        </a:ln>
+        <a:effectLst/>
+      </dsp:spPr>
+      <dsp:style>
+        <a:lnRef idx="2">
+          <a:scrgbClr r="0" g="0" b="0"/>
+        </a:lnRef>
+        <a:fillRef idx="1">
+          <a:scrgbClr r="0" g="0" b="0"/>
+        </a:fillRef>
+        <a:effectRef idx="0">
+          <a:scrgbClr r="0" g="0" b="0"/>
+        </a:effectRef>
+        <a:fontRef idx="minor">
+          <a:schemeClr val="lt1"/>
+        </a:fontRef>
+      </dsp:style>
+      <dsp:txBody>
+        <a:bodyPr spcFirstLastPara="0" vert="horz" wrap="square" lIns="49530" tIns="49530" rIns="49530" bIns="49530" numCol="1" spcCol="1270" anchor="ctr" anchorCtr="0">
+          <a:noAutofit/>
+        </a:bodyPr>
+        <a:lstStyle/>
+        <a:p>
+          <a:pPr lvl="0" algn="ctr" defTabSz="577850" rtl="0">
+            <a:lnSpc>
+              <a:spcPct val="90000"/>
+            </a:lnSpc>
+            <a:spcBef>
+              <a:spcPct val="0"/>
+            </a:spcBef>
+            <a:spcAft>
+              <a:spcPct val="35000"/>
+            </a:spcAft>
+          </a:pPr>
+          <a:r>
+            <a:rPr lang="en-US" sz="1300" kern="1200" dirty="0" smtClean="0"/>
+            <a:t>Routing</a:t>
+          </a:r>
+          <a:endParaRPr lang="en-US" sz="1300" kern="1200" dirty="0"/>
+        </a:p>
+      </dsp:txBody>
+      <dsp:txXfrm>
+        <a:off x="14386" y="14546"/>
+        <a:ext cx="1237644" cy="461165"/>
+      </dsp:txXfrm>
+    </dsp:sp>
+    <dsp:sp modelId="{204864B0-CB67-4907-8F19-A5EC8786CB92}">
+      <dsp:nvSpPr>
+        <dsp:cNvPr id="0" name=""/>
+        <dsp:cNvSpPr/>
+      </dsp:nvSpPr>
+      <dsp:spPr>
+        <a:xfrm>
+          <a:off x="1372750" y="199"/>
+          <a:ext cx="1266338" cy="489859"/>
+        </a:xfrm>
+        <a:prstGeom prst="roundRect">
+          <a:avLst>
+            <a:gd name="adj" fmla="val 10000"/>
+          </a:avLst>
+        </a:prstGeom>
+        <a:solidFill>
+          <a:schemeClr val="accent1">
+            <a:hueOff val="0"/>
+            <a:satOff val="0"/>
+            <a:lumOff val="0"/>
+            <a:alphaOff val="0"/>
+          </a:schemeClr>
+        </a:solidFill>
+        <a:ln w="12700" cap="flat" cmpd="sng" algn="ctr">
+          <a:solidFill>
+            <a:schemeClr val="lt1">
+              <a:hueOff val="0"/>
+              <a:satOff val="0"/>
+              <a:lumOff val="0"/>
+              <a:alphaOff val="0"/>
+            </a:schemeClr>
+          </a:solidFill>
+          <a:prstDash val="solid"/>
+          <a:miter lim="800000"/>
+        </a:ln>
+        <a:effectLst/>
+      </dsp:spPr>
+      <dsp:style>
+        <a:lnRef idx="2">
+          <a:scrgbClr r="0" g="0" b="0"/>
+        </a:lnRef>
+        <a:fillRef idx="1">
+          <a:scrgbClr r="0" g="0" b="0"/>
+        </a:fillRef>
+        <a:effectRef idx="0">
+          <a:scrgbClr r="0" g="0" b="0"/>
+        </a:effectRef>
+        <a:fontRef idx="minor">
+          <a:schemeClr val="lt1"/>
+        </a:fontRef>
+      </dsp:style>
+      <dsp:txBody>
+        <a:bodyPr spcFirstLastPara="0" vert="horz" wrap="square" lIns="49530" tIns="49530" rIns="49530" bIns="49530" numCol="1" spcCol="1270" anchor="ctr" anchorCtr="0">
+          <a:noAutofit/>
+        </a:bodyPr>
+        <a:lstStyle/>
+        <a:p>
+          <a:pPr lvl="0" algn="ctr" defTabSz="577850" rtl="0">
+            <a:lnSpc>
+              <a:spcPct val="90000"/>
+            </a:lnSpc>
+            <a:spcBef>
+              <a:spcPct val="0"/>
+            </a:spcBef>
+            <a:spcAft>
+              <a:spcPct val="35000"/>
+            </a:spcAft>
+          </a:pPr>
+          <a:r>
+            <a:rPr lang="en-US" sz="1300" kern="1200" dirty="0" smtClean="0"/>
+            <a:t>Serialization</a:t>
+          </a:r>
+          <a:endParaRPr lang="en-US" sz="1300" kern="1200" dirty="0"/>
+        </a:p>
+      </dsp:txBody>
+      <dsp:txXfrm>
+        <a:off x="1387097" y="14546"/>
+        <a:ext cx="1237644" cy="461165"/>
+      </dsp:txXfrm>
+    </dsp:sp>
+    <dsp:sp modelId="{5679EE47-2B1C-431D-95B9-9C12162546D3}">
+      <dsp:nvSpPr>
+        <dsp:cNvPr id="0" name=""/>
+        <dsp:cNvSpPr/>
+      </dsp:nvSpPr>
+      <dsp:spPr>
+        <a:xfrm>
+          <a:off x="2745462" y="199"/>
+          <a:ext cx="1266338" cy="489859"/>
+        </a:xfrm>
+        <a:prstGeom prst="roundRect">
+          <a:avLst>
+            <a:gd name="adj" fmla="val 10000"/>
+          </a:avLst>
+        </a:prstGeom>
+        <a:solidFill>
+          <a:schemeClr val="accent1">
+            <a:hueOff val="0"/>
+            <a:satOff val="0"/>
+            <a:lumOff val="0"/>
+            <a:alphaOff val="0"/>
+          </a:schemeClr>
+        </a:solidFill>
+        <a:ln w="12700" cap="flat" cmpd="sng" algn="ctr">
+          <a:solidFill>
+            <a:schemeClr val="lt1">
+              <a:hueOff val="0"/>
+              <a:satOff val="0"/>
+              <a:lumOff val="0"/>
+              <a:alphaOff val="0"/>
+            </a:schemeClr>
+          </a:solidFill>
+          <a:prstDash val="solid"/>
+          <a:miter lim="800000"/>
+        </a:ln>
+        <a:effectLst/>
+      </dsp:spPr>
+      <dsp:style>
+        <a:lnRef idx="2">
+          <a:scrgbClr r="0" g="0" b="0"/>
+        </a:lnRef>
+        <a:fillRef idx="1">
+          <a:scrgbClr r="0" g="0" b="0"/>
+        </a:fillRef>
+        <a:effectRef idx="0">
+          <a:scrgbClr r="0" g="0" b="0"/>
+        </a:effectRef>
+        <a:fontRef idx="minor">
+          <a:schemeClr val="lt1"/>
+        </a:fontRef>
+      </dsp:style>
+      <dsp:txBody>
+        <a:bodyPr spcFirstLastPara="0" vert="horz" wrap="square" lIns="49530" tIns="49530" rIns="49530" bIns="49530" numCol="1" spcCol="1270" anchor="ctr" anchorCtr="0">
+          <a:noAutofit/>
+        </a:bodyPr>
+        <a:lstStyle/>
+        <a:p>
+          <a:pPr lvl="0" algn="ctr" defTabSz="577850" rtl="0">
+            <a:lnSpc>
+              <a:spcPct val="90000"/>
+            </a:lnSpc>
+            <a:spcBef>
+              <a:spcPct val="0"/>
+            </a:spcBef>
+            <a:spcAft>
+              <a:spcPct val="35000"/>
+            </a:spcAft>
+          </a:pPr>
+          <a:r>
+            <a:rPr lang="en-US" sz="1300" kern="1200" dirty="0" smtClean="0"/>
+            <a:t>Pipes and filters</a:t>
+          </a:r>
+          <a:endParaRPr lang="en-US" sz="1300" kern="1200" dirty="0"/>
+        </a:p>
+      </dsp:txBody>
+      <dsp:txXfrm>
+        <a:off x="2759809" y="14546"/>
+        <a:ext cx="1237644" cy="461165"/>
+      </dsp:txXfrm>
+    </dsp:sp>
+    <dsp:sp modelId="{D6676E93-CC16-4A48-9743-891C4E0AEB10}">
+      <dsp:nvSpPr>
+        <dsp:cNvPr id="0" name=""/>
+        <dsp:cNvSpPr/>
+      </dsp:nvSpPr>
+      <dsp:spPr>
+        <a:xfrm>
+          <a:off x="4118173" y="199"/>
+          <a:ext cx="1266338" cy="489859"/>
+        </a:xfrm>
+        <a:prstGeom prst="roundRect">
+          <a:avLst>
+            <a:gd name="adj" fmla="val 10000"/>
+          </a:avLst>
+        </a:prstGeom>
+        <a:solidFill>
+          <a:schemeClr val="accent1">
+            <a:hueOff val="0"/>
+            <a:satOff val="0"/>
+            <a:lumOff val="0"/>
+            <a:alphaOff val="0"/>
+          </a:schemeClr>
+        </a:solidFill>
+        <a:ln w="12700" cap="flat" cmpd="sng" algn="ctr">
+          <a:solidFill>
+            <a:schemeClr val="lt1">
+              <a:hueOff val="0"/>
+              <a:satOff val="0"/>
+              <a:lumOff val="0"/>
+              <a:alphaOff val="0"/>
+            </a:schemeClr>
+          </a:solidFill>
+          <a:prstDash val="solid"/>
+          <a:miter lim="800000"/>
+        </a:ln>
+        <a:effectLst/>
+      </dsp:spPr>
+      <dsp:style>
+        <a:lnRef idx="2">
+          <a:scrgbClr r="0" g="0" b="0"/>
+        </a:lnRef>
+        <a:fillRef idx="1">
+          <a:scrgbClr r="0" g="0" b="0"/>
+        </a:fillRef>
+        <a:effectRef idx="0">
+          <a:scrgbClr r="0" g="0" b="0"/>
+        </a:effectRef>
+        <a:fontRef idx="minor">
+          <a:schemeClr val="lt1"/>
+        </a:fontRef>
+      </dsp:style>
+      <dsp:txBody>
+        <a:bodyPr spcFirstLastPara="0" vert="horz" wrap="square" lIns="49530" tIns="49530" rIns="49530" bIns="49530" numCol="1" spcCol="1270" anchor="ctr" anchorCtr="0">
+          <a:noAutofit/>
+        </a:bodyPr>
+        <a:lstStyle/>
+        <a:p>
+          <a:pPr lvl="0" algn="ctr" defTabSz="577850" rtl="0">
+            <a:lnSpc>
+              <a:spcPct val="90000"/>
+            </a:lnSpc>
+            <a:spcBef>
+              <a:spcPct val="0"/>
+            </a:spcBef>
+            <a:spcAft>
+              <a:spcPct val="35000"/>
+            </a:spcAft>
+          </a:pPr>
+          <a:r>
+            <a:rPr lang="en-US" sz="1300" kern="1200" dirty="0" smtClean="0"/>
+            <a:t>Transforms</a:t>
+          </a:r>
+          <a:endParaRPr lang="en-US" sz="1300" kern="1200" dirty="0"/>
+        </a:p>
+      </dsp:txBody>
+      <dsp:txXfrm>
+        <a:off x="4132520" y="14546"/>
+        <a:ext cx="1237644" cy="461165"/>
+      </dsp:txXfrm>
+    </dsp:sp>
+    <dsp:sp modelId="{5CE82B4D-5D3F-485D-A0A3-6D432205E6D4}">
+      <dsp:nvSpPr>
+        <dsp:cNvPr id="0" name=""/>
+        <dsp:cNvSpPr/>
+      </dsp:nvSpPr>
+      <dsp:spPr>
+        <a:xfrm>
+          <a:off x="5490884" y="199"/>
+          <a:ext cx="1266338" cy="489859"/>
+        </a:xfrm>
+        <a:prstGeom prst="roundRect">
+          <a:avLst>
+            <a:gd name="adj" fmla="val 10000"/>
+          </a:avLst>
+        </a:prstGeom>
+        <a:solidFill>
+          <a:schemeClr val="accent1">
+            <a:hueOff val="0"/>
+            <a:satOff val="0"/>
+            <a:lumOff val="0"/>
+            <a:alphaOff val="0"/>
+          </a:schemeClr>
+        </a:solidFill>
+        <a:ln w="12700" cap="flat" cmpd="sng" algn="ctr">
+          <a:solidFill>
+            <a:schemeClr val="lt1">
+              <a:hueOff val="0"/>
+              <a:satOff val="0"/>
+              <a:lumOff val="0"/>
+              <a:alphaOff val="0"/>
+            </a:schemeClr>
+          </a:solidFill>
+          <a:prstDash val="solid"/>
+          <a:miter lim="800000"/>
+        </a:ln>
+        <a:effectLst/>
+      </dsp:spPr>
+      <dsp:style>
+        <a:lnRef idx="2">
+          <a:scrgbClr r="0" g="0" b="0"/>
+        </a:lnRef>
+        <a:fillRef idx="1">
+          <a:scrgbClr r="0" g="0" b="0"/>
+        </a:fillRef>
+        <a:effectRef idx="0">
+          <a:scrgbClr r="0" g="0" b="0"/>
+        </a:effectRef>
+        <a:fontRef idx="minor">
+          <a:schemeClr val="lt1"/>
+        </a:fontRef>
+      </dsp:style>
+      <dsp:txBody>
+        <a:bodyPr spcFirstLastPara="0" vert="horz" wrap="square" lIns="49530" tIns="49530" rIns="49530" bIns="49530" numCol="1" spcCol="1270" anchor="ctr" anchorCtr="0">
+          <a:noAutofit/>
+        </a:bodyPr>
+        <a:lstStyle/>
+        <a:p>
+          <a:pPr lvl="0" algn="ctr" defTabSz="577850" rtl="0">
+            <a:lnSpc>
+              <a:spcPct val="90000"/>
+            </a:lnSpc>
+            <a:spcBef>
+              <a:spcPct val="0"/>
+            </a:spcBef>
+            <a:spcAft>
+              <a:spcPct val="35000"/>
+            </a:spcAft>
+          </a:pPr>
+          <a:r>
+            <a:rPr lang="en-US" sz="1300" kern="1200" dirty="0" smtClean="0"/>
+            <a:t>Configuration</a:t>
+          </a:r>
+          <a:endParaRPr lang="en-US" sz="1300" kern="1200" dirty="0"/>
+        </a:p>
+      </dsp:txBody>
+      <dsp:txXfrm>
+        <a:off x="5505231" y="14546"/>
+        <a:ext cx="1237644" cy="461165"/>
+      </dsp:txXfrm>
+    </dsp:sp>
+    <dsp:sp modelId="{8E9322A5-B639-406C-9622-9B3F8705ACCA}">
+      <dsp:nvSpPr>
+        <dsp:cNvPr id="0" name=""/>
+        <dsp:cNvSpPr/>
+      </dsp:nvSpPr>
+      <dsp:spPr>
+        <a:xfrm>
+          <a:off x="6863595" y="199"/>
+          <a:ext cx="1266338" cy="489859"/>
+        </a:xfrm>
+        <a:prstGeom prst="roundRect">
+          <a:avLst>
+            <a:gd name="adj" fmla="val 10000"/>
+          </a:avLst>
+        </a:prstGeom>
+        <a:solidFill>
+          <a:schemeClr val="accent1">
+            <a:hueOff val="0"/>
+            <a:satOff val="0"/>
+            <a:lumOff val="0"/>
+            <a:alphaOff val="0"/>
+          </a:schemeClr>
+        </a:solidFill>
+        <a:ln w="12700" cap="flat" cmpd="sng" algn="ctr">
+          <a:solidFill>
+            <a:schemeClr val="lt1">
+              <a:hueOff val="0"/>
+              <a:satOff val="0"/>
+              <a:lumOff val="0"/>
+              <a:alphaOff val="0"/>
+            </a:schemeClr>
+          </a:solidFill>
+          <a:prstDash val="solid"/>
+          <a:miter lim="800000"/>
+        </a:ln>
+        <a:effectLst/>
+      </dsp:spPr>
+      <dsp:style>
+        <a:lnRef idx="2">
+          <a:scrgbClr r="0" g="0" b="0"/>
+        </a:lnRef>
+        <a:fillRef idx="1">
+          <a:scrgbClr r="0" g="0" b="0"/>
+        </a:fillRef>
+        <a:effectRef idx="0">
+          <a:scrgbClr r="0" g="0" b="0"/>
+        </a:effectRef>
+        <a:fontRef idx="minor">
+          <a:schemeClr val="lt1"/>
+        </a:fontRef>
+      </dsp:style>
+      <dsp:txBody>
+        <a:bodyPr spcFirstLastPara="0" vert="horz" wrap="square" lIns="49530" tIns="49530" rIns="49530" bIns="49530" numCol="1" spcCol="1270" anchor="ctr" anchorCtr="0">
+          <a:noAutofit/>
+        </a:bodyPr>
+        <a:lstStyle/>
+        <a:p>
+          <a:pPr lvl="0" algn="ctr" defTabSz="577850" rtl="0">
+            <a:lnSpc>
+              <a:spcPct val="90000"/>
+            </a:lnSpc>
+            <a:spcBef>
+              <a:spcPct val="0"/>
+            </a:spcBef>
+            <a:spcAft>
+              <a:spcPct val="35000"/>
+            </a:spcAft>
+          </a:pPr>
+          <a:r>
+            <a:rPr lang="en-US" sz="1300" kern="1200" dirty="0" smtClean="0"/>
+            <a:t>Encryption</a:t>
+          </a:r>
+          <a:endParaRPr lang="en-US" sz="1300" kern="1200" dirty="0"/>
+        </a:p>
+      </dsp:txBody>
+      <dsp:txXfrm>
+        <a:off x="6877942" y="14546"/>
+        <a:ext cx="1237644" cy="461165"/>
+      </dsp:txXfrm>
+    </dsp:sp>
+  </dsp:spTree>
+</dsp:drawing>
+</file>
+
+<file path=ppt/diagrams/drawing3.xml><?xml version="1.0" encoding="utf-8"?>
+<dsp:drawing xmlns:dgm="http://schemas.openxmlformats.org/drawingml/2006/diagram" xmlns:dsp="http://schemas.microsoft.com/office/drawing/2008/diagram" xmlns:a="http://schemas.openxmlformats.org/drawingml/2006/main">
+  <dsp:spTree>
+    <dsp:nvGrpSpPr>
+      <dsp:cNvPr id="0" name=""/>
+      <dsp:cNvGrpSpPr/>
+    </dsp:nvGrpSpPr>
+    <dsp:grpSpPr/>
+    <dsp:sp modelId="{CCF77F0E-AC98-4B07-862D-98B0033D1E5B}">
+      <dsp:nvSpPr>
+        <dsp:cNvPr id="0" name=""/>
+        <dsp:cNvSpPr/>
+      </dsp:nvSpPr>
+      <dsp:spPr>
+        <a:xfrm>
+          <a:off x="39" y="680573"/>
+          <a:ext cx="8129894" cy="489859"/>
+        </a:xfrm>
+        <a:prstGeom prst="roundRect">
+          <a:avLst>
+            <a:gd name="adj" fmla="val 10000"/>
+          </a:avLst>
+        </a:prstGeom>
+        <a:solidFill>
+          <a:schemeClr val="accent1">
+            <a:hueOff val="0"/>
+            <a:satOff val="0"/>
+            <a:lumOff val="0"/>
+            <a:alphaOff val="0"/>
+          </a:schemeClr>
+        </a:solidFill>
+        <a:ln w="12700" cap="flat" cmpd="sng" algn="ctr">
+          <a:solidFill>
+            <a:schemeClr val="lt1">
+              <a:hueOff val="0"/>
+              <a:satOff val="0"/>
+              <a:lumOff val="0"/>
+              <a:alphaOff val="0"/>
+            </a:schemeClr>
+          </a:solidFill>
+          <a:prstDash val="solid"/>
+          <a:miter lim="800000"/>
+        </a:ln>
+        <a:effectLst/>
+      </dsp:spPr>
+      <dsp:style>
+        <a:lnRef idx="2">
+          <a:scrgbClr r="0" g="0" b="0"/>
+        </a:lnRef>
+        <a:fillRef idx="1">
+          <a:scrgbClr r="0" g="0" b="0"/>
+        </a:fillRef>
+        <a:effectRef idx="0">
+          <a:scrgbClr r="0" g="0" b="0"/>
+        </a:effectRef>
+        <a:fontRef idx="minor">
+          <a:schemeClr val="lt1"/>
+        </a:fontRef>
+      </dsp:style>
+      <dsp:txBody>
+        <a:bodyPr spcFirstLastPara="0" vert="horz" wrap="square" lIns="80010" tIns="80010" rIns="80010" bIns="80010" numCol="1" spcCol="1270" anchor="ctr" anchorCtr="0">
+          <a:noAutofit/>
+        </a:bodyPr>
+        <a:lstStyle/>
+        <a:p>
+          <a:pPr lvl="0" algn="ctr" defTabSz="933450" rtl="0">
+            <a:lnSpc>
+              <a:spcPct val="90000"/>
+            </a:lnSpc>
+            <a:spcBef>
+              <a:spcPct val="0"/>
+            </a:spcBef>
+            <a:spcAft>
+              <a:spcPct val="35000"/>
+            </a:spcAft>
+          </a:pPr>
+          <a:r>
+            <a:rPr lang="en-US" sz="2100" kern="1200" dirty="0" smtClean="0"/>
+            <a:t>Endpoints</a:t>
+          </a:r>
+          <a:endParaRPr lang="en-US" sz="2100" kern="1200" dirty="0"/>
+        </a:p>
+      </dsp:txBody>
+      <dsp:txXfrm>
+        <a:off x="14386" y="694920"/>
+        <a:ext cx="8101200" cy="461165"/>
+      </dsp:txXfrm>
+    </dsp:sp>
+    <dsp:sp modelId="{DDCD081A-6AC6-4EA7-85C2-2CBB6ACD26E5}">
+      <dsp:nvSpPr>
+        <dsp:cNvPr id="0" name=""/>
+        <dsp:cNvSpPr/>
+      </dsp:nvSpPr>
+      <dsp:spPr>
+        <a:xfrm>
+          <a:off x="39" y="199"/>
+          <a:ext cx="1266338" cy="489859"/>
+        </a:xfrm>
+        <a:prstGeom prst="roundRect">
+          <a:avLst>
+            <a:gd name="adj" fmla="val 10000"/>
+          </a:avLst>
+        </a:prstGeom>
+        <a:solidFill>
+          <a:schemeClr val="accent1">
+            <a:hueOff val="0"/>
+            <a:satOff val="0"/>
+            <a:lumOff val="0"/>
+            <a:alphaOff val="0"/>
+          </a:schemeClr>
+        </a:solidFill>
+        <a:ln w="12700" cap="flat" cmpd="sng" algn="ctr">
+          <a:solidFill>
+            <a:schemeClr val="lt1">
+              <a:hueOff val="0"/>
+              <a:satOff val="0"/>
+              <a:lumOff val="0"/>
+              <a:alphaOff val="0"/>
+            </a:schemeClr>
+          </a:solidFill>
+          <a:prstDash val="solid"/>
+          <a:miter lim="800000"/>
+        </a:ln>
+        <a:effectLst/>
+      </dsp:spPr>
+      <dsp:style>
+        <a:lnRef idx="2">
+          <a:scrgbClr r="0" g="0" b="0"/>
+        </a:lnRef>
+        <a:fillRef idx="1">
+          <a:scrgbClr r="0" g="0" b="0"/>
+        </a:fillRef>
+        <a:effectRef idx="0">
+          <a:scrgbClr r="0" g="0" b="0"/>
+        </a:effectRef>
+        <a:fontRef idx="minor">
+          <a:schemeClr val="lt1"/>
+        </a:fontRef>
+      </dsp:style>
+      <dsp:txBody>
+        <a:bodyPr spcFirstLastPara="0" vert="horz" wrap="square" lIns="49530" tIns="49530" rIns="49530" bIns="49530" numCol="1" spcCol="1270" anchor="ctr" anchorCtr="0">
+          <a:noAutofit/>
+        </a:bodyPr>
+        <a:lstStyle/>
+        <a:p>
+          <a:pPr lvl="0" algn="ctr" defTabSz="577850" rtl="0">
+            <a:lnSpc>
+              <a:spcPct val="90000"/>
+            </a:lnSpc>
+            <a:spcBef>
+              <a:spcPct val="0"/>
+            </a:spcBef>
+            <a:spcAft>
+              <a:spcPct val="35000"/>
+            </a:spcAft>
+          </a:pPr>
+          <a:r>
+            <a:rPr lang="en-US" sz="1300" kern="1200" dirty="0" smtClean="0"/>
+            <a:t>Routing</a:t>
+          </a:r>
+          <a:endParaRPr lang="en-US" sz="1300" kern="1200" dirty="0"/>
+        </a:p>
+      </dsp:txBody>
+      <dsp:txXfrm>
+        <a:off x="14386" y="14546"/>
+        <a:ext cx="1237644" cy="461165"/>
+      </dsp:txXfrm>
+    </dsp:sp>
+    <dsp:sp modelId="{204864B0-CB67-4907-8F19-A5EC8786CB92}">
+      <dsp:nvSpPr>
+        <dsp:cNvPr id="0" name=""/>
+        <dsp:cNvSpPr/>
+      </dsp:nvSpPr>
+      <dsp:spPr>
+        <a:xfrm>
+          <a:off x="1372750" y="199"/>
+          <a:ext cx="1266338" cy="489859"/>
+        </a:xfrm>
+        <a:prstGeom prst="roundRect">
+          <a:avLst>
+            <a:gd name="adj" fmla="val 10000"/>
+          </a:avLst>
+        </a:prstGeom>
+        <a:solidFill>
+          <a:schemeClr val="accent1">
+            <a:hueOff val="0"/>
+            <a:satOff val="0"/>
+            <a:lumOff val="0"/>
+            <a:alphaOff val="0"/>
+          </a:schemeClr>
+        </a:solidFill>
+        <a:ln w="12700" cap="flat" cmpd="sng" algn="ctr">
+          <a:solidFill>
+            <a:schemeClr val="lt1">
+              <a:hueOff val="0"/>
+              <a:satOff val="0"/>
+              <a:lumOff val="0"/>
+              <a:alphaOff val="0"/>
+            </a:schemeClr>
+          </a:solidFill>
+          <a:prstDash val="solid"/>
+          <a:miter lim="800000"/>
+        </a:ln>
+        <a:effectLst/>
+      </dsp:spPr>
+      <dsp:style>
+        <a:lnRef idx="2">
+          <a:scrgbClr r="0" g="0" b="0"/>
+        </a:lnRef>
+        <a:fillRef idx="1">
+          <a:scrgbClr r="0" g="0" b="0"/>
+        </a:fillRef>
+        <a:effectRef idx="0">
+          <a:scrgbClr r="0" g="0" b="0"/>
+        </a:effectRef>
+        <a:fontRef idx="minor">
+          <a:schemeClr val="lt1"/>
+        </a:fontRef>
+      </dsp:style>
+      <dsp:txBody>
+        <a:bodyPr spcFirstLastPara="0" vert="horz" wrap="square" lIns="49530" tIns="49530" rIns="49530" bIns="49530" numCol="1" spcCol="1270" anchor="ctr" anchorCtr="0">
+          <a:noAutofit/>
+        </a:bodyPr>
+        <a:lstStyle/>
+        <a:p>
+          <a:pPr lvl="0" algn="ctr" defTabSz="577850" rtl="0">
+            <a:lnSpc>
+              <a:spcPct val="90000"/>
+            </a:lnSpc>
+            <a:spcBef>
+              <a:spcPct val="0"/>
+            </a:spcBef>
+            <a:spcAft>
+              <a:spcPct val="35000"/>
+            </a:spcAft>
+          </a:pPr>
+          <a:r>
+            <a:rPr lang="en-US" sz="1300" kern="1200" dirty="0" smtClean="0"/>
+            <a:t>Serialization</a:t>
+          </a:r>
+          <a:endParaRPr lang="en-US" sz="1300" kern="1200" dirty="0"/>
+        </a:p>
+      </dsp:txBody>
+      <dsp:txXfrm>
+        <a:off x="1387097" y="14546"/>
+        <a:ext cx="1237644" cy="461165"/>
+      </dsp:txXfrm>
+    </dsp:sp>
+    <dsp:sp modelId="{5679EE47-2B1C-431D-95B9-9C12162546D3}">
+      <dsp:nvSpPr>
+        <dsp:cNvPr id="0" name=""/>
+        <dsp:cNvSpPr/>
+      </dsp:nvSpPr>
+      <dsp:spPr>
+        <a:xfrm>
+          <a:off x="2745462" y="199"/>
+          <a:ext cx="1266338" cy="489859"/>
+        </a:xfrm>
+        <a:prstGeom prst="roundRect">
+          <a:avLst>
+            <a:gd name="adj" fmla="val 10000"/>
+          </a:avLst>
+        </a:prstGeom>
+        <a:solidFill>
+          <a:schemeClr val="accent1">
+            <a:hueOff val="0"/>
+            <a:satOff val="0"/>
+            <a:lumOff val="0"/>
+            <a:alphaOff val="0"/>
+          </a:schemeClr>
+        </a:solidFill>
+        <a:ln w="12700" cap="flat" cmpd="sng" algn="ctr">
+          <a:solidFill>
+            <a:schemeClr val="lt1">
+              <a:hueOff val="0"/>
+              <a:satOff val="0"/>
+              <a:lumOff val="0"/>
+              <a:alphaOff val="0"/>
+            </a:schemeClr>
+          </a:solidFill>
+          <a:prstDash val="solid"/>
+          <a:miter lim="800000"/>
+        </a:ln>
+        <a:effectLst/>
+      </dsp:spPr>
+      <dsp:style>
+        <a:lnRef idx="2">
+          <a:scrgbClr r="0" g="0" b="0"/>
+        </a:lnRef>
+        <a:fillRef idx="1">
+          <a:scrgbClr r="0" g="0" b="0"/>
+        </a:fillRef>
+        <a:effectRef idx="0">
+          <a:scrgbClr r="0" g="0" b="0"/>
+        </a:effectRef>
+        <a:fontRef idx="minor">
+          <a:schemeClr val="lt1"/>
+        </a:fontRef>
+      </dsp:style>
+      <dsp:txBody>
+        <a:bodyPr spcFirstLastPara="0" vert="horz" wrap="square" lIns="49530" tIns="49530" rIns="49530" bIns="49530" numCol="1" spcCol="1270" anchor="ctr" anchorCtr="0">
+          <a:noAutofit/>
+        </a:bodyPr>
+        <a:lstStyle/>
+        <a:p>
+          <a:pPr lvl="0" algn="ctr" defTabSz="577850" rtl="0">
+            <a:lnSpc>
+              <a:spcPct val="90000"/>
+            </a:lnSpc>
+            <a:spcBef>
+              <a:spcPct val="0"/>
+            </a:spcBef>
+            <a:spcAft>
+              <a:spcPct val="35000"/>
+            </a:spcAft>
+          </a:pPr>
+          <a:r>
+            <a:rPr lang="en-US" sz="1300" kern="1200" dirty="0" smtClean="0"/>
+            <a:t>Pipes and filters</a:t>
+          </a:r>
+          <a:endParaRPr lang="en-US" sz="1300" kern="1200" dirty="0"/>
+        </a:p>
+      </dsp:txBody>
+      <dsp:txXfrm>
+        <a:off x="2759809" y="14546"/>
+        <a:ext cx="1237644" cy="461165"/>
+      </dsp:txXfrm>
+    </dsp:sp>
+    <dsp:sp modelId="{D6676E93-CC16-4A48-9743-891C4E0AEB10}">
+      <dsp:nvSpPr>
+        <dsp:cNvPr id="0" name=""/>
+        <dsp:cNvSpPr/>
+      </dsp:nvSpPr>
+      <dsp:spPr>
+        <a:xfrm>
+          <a:off x="4118173" y="199"/>
+          <a:ext cx="1266338" cy="489859"/>
+        </a:xfrm>
+        <a:prstGeom prst="roundRect">
+          <a:avLst>
+            <a:gd name="adj" fmla="val 10000"/>
+          </a:avLst>
+        </a:prstGeom>
+        <a:solidFill>
+          <a:schemeClr val="accent1">
+            <a:hueOff val="0"/>
+            <a:satOff val="0"/>
+            <a:lumOff val="0"/>
+            <a:alphaOff val="0"/>
+          </a:schemeClr>
+        </a:solidFill>
+        <a:ln w="12700" cap="flat" cmpd="sng" algn="ctr">
+          <a:solidFill>
+            <a:schemeClr val="lt1">
+              <a:hueOff val="0"/>
+              <a:satOff val="0"/>
+              <a:lumOff val="0"/>
+              <a:alphaOff val="0"/>
+            </a:schemeClr>
+          </a:solidFill>
+          <a:prstDash val="solid"/>
+          <a:miter lim="800000"/>
+        </a:ln>
+        <a:effectLst/>
+      </dsp:spPr>
+      <dsp:style>
+        <a:lnRef idx="2">
+          <a:scrgbClr r="0" g="0" b="0"/>
+        </a:lnRef>
+        <a:fillRef idx="1">
+          <a:scrgbClr r="0" g="0" b="0"/>
+        </a:fillRef>
+        <a:effectRef idx="0">
+          <a:scrgbClr r="0" g="0" b="0"/>
+        </a:effectRef>
+        <a:fontRef idx="minor">
+          <a:schemeClr val="lt1"/>
+        </a:fontRef>
+      </dsp:style>
+      <dsp:txBody>
+        <a:bodyPr spcFirstLastPara="0" vert="horz" wrap="square" lIns="49530" tIns="49530" rIns="49530" bIns="49530" numCol="1" spcCol="1270" anchor="ctr" anchorCtr="0">
+          <a:noAutofit/>
+        </a:bodyPr>
+        <a:lstStyle/>
+        <a:p>
+          <a:pPr lvl="0" algn="ctr" defTabSz="577850" rtl="0">
+            <a:lnSpc>
+              <a:spcPct val="90000"/>
+            </a:lnSpc>
+            <a:spcBef>
+              <a:spcPct val="0"/>
+            </a:spcBef>
+            <a:spcAft>
+              <a:spcPct val="35000"/>
+            </a:spcAft>
+          </a:pPr>
+          <a:r>
+            <a:rPr lang="en-US" sz="1300" kern="1200" dirty="0" smtClean="0"/>
+            <a:t>Transforms</a:t>
+          </a:r>
+          <a:endParaRPr lang="en-US" sz="1300" kern="1200" dirty="0"/>
+        </a:p>
+      </dsp:txBody>
+      <dsp:txXfrm>
+        <a:off x="4132520" y="14546"/>
+        <a:ext cx="1237644" cy="461165"/>
+      </dsp:txXfrm>
+    </dsp:sp>
+    <dsp:sp modelId="{5CE82B4D-5D3F-485D-A0A3-6D432205E6D4}">
+      <dsp:nvSpPr>
+        <dsp:cNvPr id="0" name=""/>
+        <dsp:cNvSpPr/>
+      </dsp:nvSpPr>
+      <dsp:spPr>
+        <a:xfrm>
+          <a:off x="5490884" y="199"/>
+          <a:ext cx="1266338" cy="489859"/>
+        </a:xfrm>
+        <a:prstGeom prst="roundRect">
+          <a:avLst>
+            <a:gd name="adj" fmla="val 10000"/>
+          </a:avLst>
+        </a:prstGeom>
+        <a:solidFill>
+          <a:schemeClr val="accent1">
+            <a:hueOff val="0"/>
+            <a:satOff val="0"/>
+            <a:lumOff val="0"/>
+            <a:alphaOff val="0"/>
+          </a:schemeClr>
+        </a:solidFill>
+        <a:ln w="12700" cap="flat" cmpd="sng" algn="ctr">
+          <a:solidFill>
+            <a:schemeClr val="lt1">
+              <a:hueOff val="0"/>
+              <a:satOff val="0"/>
+              <a:lumOff val="0"/>
+              <a:alphaOff val="0"/>
+            </a:schemeClr>
+          </a:solidFill>
+          <a:prstDash val="solid"/>
+          <a:miter lim="800000"/>
+        </a:ln>
+        <a:effectLst/>
+      </dsp:spPr>
+      <dsp:style>
+        <a:lnRef idx="2">
+          <a:scrgbClr r="0" g="0" b="0"/>
+        </a:lnRef>
+        <a:fillRef idx="1">
+          <a:scrgbClr r="0" g="0" b="0"/>
+        </a:fillRef>
+        <a:effectRef idx="0">
+          <a:scrgbClr r="0" g="0" b="0"/>
+        </a:effectRef>
+        <a:fontRef idx="minor">
+          <a:schemeClr val="lt1"/>
+        </a:fontRef>
+      </dsp:style>
+      <dsp:txBody>
+        <a:bodyPr spcFirstLastPara="0" vert="horz" wrap="square" lIns="49530" tIns="49530" rIns="49530" bIns="49530" numCol="1" spcCol="1270" anchor="ctr" anchorCtr="0">
+          <a:noAutofit/>
+        </a:bodyPr>
+        <a:lstStyle/>
+        <a:p>
+          <a:pPr lvl="0" algn="ctr" defTabSz="577850" rtl="0">
+            <a:lnSpc>
+              <a:spcPct val="90000"/>
+            </a:lnSpc>
+            <a:spcBef>
+              <a:spcPct val="0"/>
+            </a:spcBef>
+            <a:spcAft>
+              <a:spcPct val="35000"/>
+            </a:spcAft>
+          </a:pPr>
+          <a:r>
+            <a:rPr lang="en-US" sz="1300" kern="1200" dirty="0" smtClean="0"/>
+            <a:t>Configuration</a:t>
+          </a:r>
+          <a:endParaRPr lang="en-US" sz="1300" kern="1200" dirty="0"/>
+        </a:p>
+      </dsp:txBody>
+      <dsp:txXfrm>
+        <a:off x="5505231" y="14546"/>
+        <a:ext cx="1237644" cy="461165"/>
+      </dsp:txXfrm>
+    </dsp:sp>
+    <dsp:sp modelId="{8E9322A5-B639-406C-9622-9B3F8705ACCA}">
+      <dsp:nvSpPr>
+        <dsp:cNvPr id="0" name=""/>
+        <dsp:cNvSpPr/>
+      </dsp:nvSpPr>
+      <dsp:spPr>
+        <a:xfrm>
+          <a:off x="6863595" y="199"/>
+          <a:ext cx="1266338" cy="489859"/>
+        </a:xfrm>
+        <a:prstGeom prst="roundRect">
+          <a:avLst>
+            <a:gd name="adj" fmla="val 10000"/>
+          </a:avLst>
+        </a:prstGeom>
+        <a:solidFill>
+          <a:schemeClr val="accent1">
+            <a:hueOff val="0"/>
+            <a:satOff val="0"/>
+            <a:lumOff val="0"/>
+            <a:alphaOff val="0"/>
+          </a:schemeClr>
+        </a:solidFill>
+        <a:ln w="12700" cap="flat" cmpd="sng" algn="ctr">
+          <a:solidFill>
+            <a:schemeClr val="lt1">
+              <a:hueOff val="0"/>
+              <a:satOff val="0"/>
+              <a:lumOff val="0"/>
+              <a:alphaOff val="0"/>
+            </a:schemeClr>
+          </a:solidFill>
+          <a:prstDash val="solid"/>
+          <a:miter lim="800000"/>
+        </a:ln>
+        <a:effectLst/>
+      </dsp:spPr>
+      <dsp:style>
+        <a:lnRef idx="2">
+          <a:scrgbClr r="0" g="0" b="0"/>
+        </a:lnRef>
+        <a:fillRef idx="1">
+          <a:scrgbClr r="0" g="0" b="0"/>
+        </a:fillRef>
+        <a:effectRef idx="0">
+          <a:scrgbClr r="0" g="0" b="0"/>
+        </a:effectRef>
+        <a:fontRef idx="minor">
+          <a:schemeClr val="lt1"/>
+        </a:fontRef>
+      </dsp:style>
+      <dsp:txBody>
+        <a:bodyPr spcFirstLastPara="0" vert="horz" wrap="square" lIns="49530" tIns="49530" rIns="49530" bIns="49530" numCol="1" spcCol="1270" anchor="ctr" anchorCtr="0">
+          <a:noAutofit/>
+        </a:bodyPr>
+        <a:lstStyle/>
+        <a:p>
+          <a:pPr lvl="0" algn="ctr" defTabSz="577850" rtl="0">
+            <a:lnSpc>
+              <a:spcPct val="90000"/>
+            </a:lnSpc>
+            <a:spcBef>
+              <a:spcPct val="0"/>
+            </a:spcBef>
+            <a:spcAft>
+              <a:spcPct val="35000"/>
+            </a:spcAft>
+          </a:pPr>
+          <a:r>
+            <a:rPr lang="en-US" sz="1300" kern="1200" dirty="0" smtClean="0"/>
+            <a:t>Encryption</a:t>
+          </a:r>
+          <a:endParaRPr lang="en-US" sz="1300" kern="1200" dirty="0"/>
+        </a:p>
+      </dsp:txBody>
+      <dsp:txXfrm>
+        <a:off x="6877942" y="14546"/>
+        <a:ext cx="1237644" cy="461165"/>
+      </dsp:txXfrm>
+    </dsp:sp>
+  </dsp:spTree>
+</dsp:drawing>
+</file>
+
+<file path=ppt/diagrams/drawing4.xml><?xml version="1.0" encoding="utf-8"?>
+<dsp:drawing xmlns:dgm="http://schemas.openxmlformats.org/drawingml/2006/diagram" xmlns:dsp="http://schemas.microsoft.com/office/drawing/2008/diagram" xmlns:a="http://schemas.openxmlformats.org/drawingml/2006/main">
+  <dsp:spTree>
+    <dsp:nvGrpSpPr>
+      <dsp:cNvPr id="0" name=""/>
+      <dsp:cNvGrpSpPr/>
+    </dsp:nvGrpSpPr>
+    <dsp:grpSpPr/>
     <dsp:sp modelId="{A0F3E842-599A-4864-92CF-F6ECE341B0DB}">
       <dsp:nvSpPr>
         <dsp:cNvPr id="0" name=""/>
@@ -4306,6 +7973,1052 @@
 </file>
 
 <file path=ppt/diagrams/layout2.xml><?xml version="1.0" encoding="utf-8"?>
+<dgm:layoutDef xmlns:dgm="http://schemas.openxmlformats.org/drawingml/2006/diagram" xmlns:a="http://schemas.openxmlformats.org/drawingml/2006/main" uniqueId="urn:microsoft.com/office/officeart/2005/8/layout/architecture">
+  <dgm:title val="Architecture Layout"/>
+  <dgm:desc val="Use to show hierarchical relationships that build from the bottom up. This layout works well for showing architectural components or objects that build on other objects."/>
+  <dgm:catLst>
+    <dgm:cat type="hierarchy" pri="4500"/>
+    <dgm:cat type="list" pri="24500"/>
+    <dgm:cat type="relationship" pri="10500"/>
+    <dgm:cat type="officeonline" pri="7000"/>
+  </dgm:catLst>
+  <dgm:sampData>
+    <dgm:dataModel>
+      <dgm:ptLst>
+        <dgm:pt modelId="0" type="doc"/>
+        <dgm:pt modelId="1">
+          <dgm:prSet phldr="1"/>
+        </dgm:pt>
+        <dgm:pt modelId="2">
+          <dgm:prSet phldr="1"/>
+        </dgm:pt>
+        <dgm:pt modelId="21">
+          <dgm:prSet phldr="1"/>
+        </dgm:pt>
+        <dgm:pt modelId="22">
+          <dgm:prSet phldr="1"/>
+        </dgm:pt>
+        <dgm:pt modelId="3">
+          <dgm:prSet phldr="1"/>
+        </dgm:pt>
+        <dgm:pt modelId="31">
+          <dgm:prSet phldr="1"/>
+        </dgm:pt>
+      </dgm:ptLst>
+      <dgm:cxnLst>
+        <dgm:cxn modelId="4" srcId="0" destId="1" srcOrd="0" destOrd="0"/>
+        <dgm:cxn modelId="5" srcId="1" destId="2" srcOrd="0" destOrd="0"/>
+        <dgm:cxn modelId="6" srcId="1" destId="3" srcOrd="1" destOrd="0"/>
+        <dgm:cxn modelId="23" srcId="2" destId="21" srcOrd="0" destOrd="0"/>
+        <dgm:cxn modelId="24" srcId="2" destId="22" srcOrd="1" destOrd="0"/>
+        <dgm:cxn modelId="33" srcId="3" destId="31" srcOrd="0" destOrd="0"/>
+      </dgm:cxnLst>
+      <dgm:bg/>
+      <dgm:whole/>
+    </dgm:dataModel>
+  </dgm:sampData>
+  <dgm:styleData>
+    <dgm:dataModel>
+      <dgm:ptLst>
+        <dgm:pt modelId="0" type="doc"/>
+        <dgm:pt modelId="1"/>
+        <dgm:pt modelId="11"/>
+        <dgm:pt modelId="12"/>
+      </dgm:ptLst>
+      <dgm:cxnLst>
+        <dgm:cxn modelId="2" srcId="0" destId="1" srcOrd="0" destOrd="0"/>
+        <dgm:cxn modelId="13" srcId="1" destId="11" srcOrd="0" destOrd="0"/>
+        <dgm:cxn modelId="14" srcId="1" destId="12" srcOrd="1" destOrd="0"/>
+      </dgm:cxnLst>
+      <dgm:bg/>
+      <dgm:whole/>
+    </dgm:dataModel>
+  </dgm:styleData>
+  <dgm:clrData>
+    <dgm:dataModel>
+      <dgm:ptLst>
+        <dgm:pt modelId="0" type="doc"/>
+        <dgm:pt modelId="1"/>
+        <dgm:pt modelId="2"/>
+        <dgm:pt modelId="21"/>
+        <dgm:pt modelId="211"/>
+        <dgm:pt modelId="3"/>
+        <dgm:pt modelId="31"/>
+        <dgm:pt modelId="311"/>
+      </dgm:ptLst>
+      <dgm:cxnLst>
+        <dgm:cxn modelId="4" srcId="0" destId="1" srcOrd="0" destOrd="0"/>
+        <dgm:cxn modelId="5" srcId="1" destId="2" srcOrd="0" destOrd="0"/>
+        <dgm:cxn modelId="6" srcId="1" destId="3" srcOrd="1" destOrd="0"/>
+        <dgm:cxn modelId="23" srcId="2" destId="21" srcOrd="0" destOrd="0"/>
+        <dgm:cxn modelId="24" srcId="21" destId="211" srcOrd="0" destOrd="0"/>
+        <dgm:cxn modelId="33" srcId="3" destId="31" srcOrd="0" destOrd="0"/>
+        <dgm:cxn modelId="34" srcId="31" destId="311" srcOrd="0" destOrd="0"/>
+      </dgm:cxnLst>
+      <dgm:bg/>
+      <dgm:whole/>
+    </dgm:dataModel>
+  </dgm:clrData>
+  <dgm:layoutNode name="Name0">
+    <dgm:varLst>
+      <dgm:chPref val="1"/>
+      <dgm:dir/>
+      <dgm:animOne val="branch"/>
+      <dgm:animLvl val="lvl"/>
+      <dgm:resizeHandles/>
+    </dgm:varLst>
+    <dgm:choose name="Name1">
+      <dgm:if name="Name2" func="var" arg="dir" op="equ" val="norm">
+        <dgm:alg type="lin">
+          <dgm:param type="linDir" val="fromL"/>
+          <dgm:param type="nodeVertAlign" val="b"/>
+        </dgm:alg>
+      </dgm:if>
+      <dgm:else name="Name3">
+        <dgm:alg type="lin">
+          <dgm:param type="linDir" val="fromR"/>
+          <dgm:param type="nodeVertAlign" val="b"/>
+        </dgm:alg>
+      </dgm:else>
+    </dgm:choose>
+    <dgm:shape xmlns:r="http://schemas.openxmlformats.org/officeDocument/2006/relationships" r:blip="">
+      <dgm:adjLst/>
+    </dgm:shape>
+    <dgm:presOf/>
+    <dgm:constrLst>
+      <dgm:constr type="w" for="ch" forName="vertOne" refType="w"/>
+      <dgm:constr type="w" for="des" forName="horzOne" refType="w"/>
+      <dgm:constr type="w" for="des" forName="txOne" refType="w"/>
+      <dgm:constr type="w" for="des" forName="vertTwo" refType="w"/>
+      <dgm:constr type="w" for="des" forName="horzTwo" refType="w"/>
+      <dgm:constr type="w" for="des" forName="txTwo" refType="w"/>
+      <dgm:constr type="w" for="des" forName="vertThree" refType="w"/>
+      <dgm:constr type="w" for="des" forName="horzThree" refType="w"/>
+      <dgm:constr type="w" for="des" forName="txThree" refType="w"/>
+      <dgm:constr type="w" for="des" forName="vertFour" refType="w"/>
+      <dgm:constr type="w" for="des" forName="horzFour" refType="w"/>
+      <dgm:constr type="w" for="des" forName="txFour" refType="w"/>
+      <dgm:constr type="h" for="des" ptType="node" op="equ"/>
+      <dgm:constr type="h" for="des" forName="txOne" refType="h"/>
+      <dgm:constr type="userH" for="des" ptType="node" refType="h" refFor="des" refForName="txOne"/>
+      <dgm:constr type="primFontSz" for="des" forName="txOne" val="65"/>
+      <dgm:constr type="primFontSz" for="des" forName="txTwo" val="65"/>
+      <dgm:constr type="primFontSz" for="des" forName="txTwo" refType="primFontSz" refFor="des" refForName="txOne" op="lte"/>
+      <dgm:constr type="primFontSz" for="des" forName="txThree" val="65"/>
+      <dgm:constr type="primFontSz" for="des" forName="txThree" refType="primFontSz" refFor="des" refForName="txOne" op="lte"/>
+      <dgm:constr type="primFontSz" for="des" forName="txThree" refType="primFontSz" refFor="des" refForName="txTwo" op="lte"/>
+      <dgm:constr type="primFontSz" for="des" forName="txFour" val="65"/>
+      <dgm:constr type="primFontSz" for="des" forName="txFour" refType="primFontSz" refFor="des" refForName="txOne" op="lte"/>
+      <dgm:constr type="primFontSz" for="des" forName="txFour" refType="primFontSz" refFor="des" refForName="txTwo" op="lte"/>
+      <dgm:constr type="primFontSz" for="des" forName="txFour" refType="primFontSz" refFor="des" refForName="txThree" op="lte"/>
+      <dgm:constr type="w" for="des" forName="sibSpaceOne" refType="w" fact="0.168"/>
+      <dgm:constr type="w" for="des" forName="sibSpaceTwo" refType="w" refFor="des" refForName="sibSpaceOne" op="equ" fact="0.5"/>
+      <dgm:constr type="w" for="des" forName="sibSpaceThree" refType="w" refFor="des" refForName="sibSpaceTwo" op="equ" fact="0.5"/>
+      <dgm:constr type="w" for="des" forName="sibSpaceFour" refType="w" refFor="des" refForName="sibSpaceThree" op="equ" fact="0.5"/>
+      <dgm:constr type="h" for="des" forName="parTransOne" refType="w" fact="0.056"/>
+      <dgm:constr type="h" for="des" forName="parTransTwo" refType="h" refFor="des" refForName="parTransOne" op="equ"/>
+      <dgm:constr type="h" for="des" forName="parTransThree" refType="h" refFor="des" refForName="parTransTwo" op="equ"/>
+      <dgm:constr type="h" for="des" forName="parTransFour" refType="h" refFor="des" refForName="parTransThree" op="equ"/>
+    </dgm:constrLst>
+    <dgm:ruleLst/>
+    <dgm:forEach name="Name4" axis="ch" ptType="node">
+      <dgm:layoutNode name="vertOne">
+        <dgm:alg type="lin">
+          <dgm:param type="linDir" val="fromB"/>
+        </dgm:alg>
+        <dgm:shape xmlns:r="http://schemas.openxmlformats.org/officeDocument/2006/relationships" r:blip="">
+          <dgm:adjLst/>
+        </dgm:shape>
+        <dgm:presOf/>
+        <dgm:constrLst>
+          <dgm:constr type="w" for="ch" forName="txOne" refType="w" refFor="ch" refForName="horzOne" op="gte"/>
+        </dgm:constrLst>
+        <dgm:ruleLst/>
+        <dgm:layoutNode name="txOne" styleLbl="node0">
+          <dgm:varLst>
+            <dgm:chPref val="3"/>
+          </dgm:varLst>
+          <dgm:alg type="tx"/>
+          <dgm:shape xmlns:r="http://schemas.openxmlformats.org/officeDocument/2006/relationships" type="roundRect" r:blip="">
+            <dgm:adjLst>
+              <dgm:adj idx="1" val="0.1"/>
+            </dgm:adjLst>
+          </dgm:shape>
+          <dgm:presOf axis="self"/>
+          <dgm:constrLst>
+            <dgm:constr type="tMarg" refType="primFontSz" fact="0.3"/>
+            <dgm:constr type="bMarg" refType="primFontSz" fact="0.3"/>
+            <dgm:constr type="lMarg" refType="primFontSz" fact="0.3"/>
+            <dgm:constr type="rMarg" refType="primFontSz" fact="0.3"/>
+          </dgm:constrLst>
+          <dgm:ruleLst>
+            <dgm:rule type="primFontSz" val="5" fact="NaN" max="NaN"/>
+          </dgm:ruleLst>
+        </dgm:layoutNode>
+        <dgm:choose name="Name5">
+          <dgm:if name="Name6" axis="des" ptType="node" func="cnt" op="gt" val="0">
+            <dgm:layoutNode name="parTransOne">
+              <dgm:alg type="sp"/>
+              <dgm:shape xmlns:r="http://schemas.openxmlformats.org/officeDocument/2006/relationships" r:blip="">
+                <dgm:adjLst/>
+              </dgm:shape>
+              <dgm:presOf/>
+              <dgm:constrLst/>
+              <dgm:ruleLst/>
+            </dgm:layoutNode>
+          </dgm:if>
+          <dgm:else name="Name7"/>
+        </dgm:choose>
+        <dgm:layoutNode name="horzOne">
+          <dgm:choose name="Name8">
+            <dgm:if name="Name9" func="var" arg="dir" op="equ" val="norm">
+              <dgm:alg type="lin">
+                <dgm:param type="linDir" val="fromL"/>
+                <dgm:param type="nodeVertAlign" val="b"/>
+              </dgm:alg>
+            </dgm:if>
+            <dgm:else name="Name10">
+              <dgm:alg type="lin">
+                <dgm:param type="linDir" val="fromR"/>
+                <dgm:param type="nodeVertAlign" val="b"/>
+              </dgm:alg>
+            </dgm:else>
+          </dgm:choose>
+          <dgm:shape xmlns:r="http://schemas.openxmlformats.org/officeDocument/2006/relationships" r:blip="">
+            <dgm:adjLst/>
+          </dgm:shape>
+          <dgm:presOf/>
+          <dgm:constrLst/>
+          <dgm:ruleLst>
+            <dgm:rule type="w" val="INF" fact="NaN" max="NaN"/>
+          </dgm:ruleLst>
+          <dgm:forEach name="Name11" axis="ch" ptType="node">
+            <dgm:layoutNode name="vertTwo">
+              <dgm:alg type="lin">
+                <dgm:param type="linDir" val="fromB"/>
+              </dgm:alg>
+              <dgm:shape xmlns:r="http://schemas.openxmlformats.org/officeDocument/2006/relationships" r:blip="">
+                <dgm:adjLst/>
+              </dgm:shape>
+              <dgm:presOf/>
+              <dgm:constrLst>
+                <dgm:constr type="w" for="ch" forName="txTwo" refType="w" refFor="ch" refForName="horzTwo" op="gte"/>
+              </dgm:constrLst>
+              <dgm:ruleLst/>
+              <dgm:layoutNode name="txTwo">
+                <dgm:varLst>
+                  <dgm:chPref val="3"/>
+                </dgm:varLst>
+                <dgm:alg type="tx"/>
+                <dgm:shape xmlns:r="http://schemas.openxmlformats.org/officeDocument/2006/relationships" type="roundRect" r:blip="">
+                  <dgm:adjLst>
+                    <dgm:adj idx="1" val="0.1"/>
+                  </dgm:adjLst>
+                </dgm:shape>
+                <dgm:presOf axis="self"/>
+                <dgm:constrLst>
+                  <dgm:constr type="userH"/>
+                  <dgm:constr type="h" refType="userH"/>
+                  <dgm:constr type="tMarg" refType="primFontSz" fact="0.3"/>
+                  <dgm:constr type="bMarg" refType="primFontSz" fact="0.3"/>
+                  <dgm:constr type="lMarg" refType="primFontSz" fact="0.3"/>
+                  <dgm:constr type="rMarg" refType="primFontSz" fact="0.3"/>
+                </dgm:constrLst>
+                <dgm:ruleLst>
+                  <dgm:rule type="primFontSz" val="5" fact="NaN" max="NaN"/>
+                </dgm:ruleLst>
+              </dgm:layoutNode>
+              <dgm:choose name="Name12">
+                <dgm:if name="Name13" axis="des" ptType="node" func="cnt" op="gt" val="0">
+                  <dgm:layoutNode name="parTransTwo">
+                    <dgm:alg type="sp"/>
+                    <dgm:shape xmlns:r="http://schemas.openxmlformats.org/officeDocument/2006/relationships" r:blip="">
+                      <dgm:adjLst/>
+                    </dgm:shape>
+                    <dgm:presOf/>
+                    <dgm:constrLst/>
+                    <dgm:ruleLst/>
+                  </dgm:layoutNode>
+                </dgm:if>
+                <dgm:else name="Name14"/>
+              </dgm:choose>
+              <dgm:layoutNode name="horzTwo">
+                <dgm:choose name="Name15">
+                  <dgm:if name="Name16" func="var" arg="dir" op="equ" val="norm">
+                    <dgm:alg type="lin">
+                      <dgm:param type="linDir" val="fromL"/>
+                      <dgm:param type="nodeVertAlign" val="b"/>
+                    </dgm:alg>
+                  </dgm:if>
+                  <dgm:else name="Name17">
+                    <dgm:alg type="lin">
+                      <dgm:param type="linDir" val="fromR"/>
+                      <dgm:param type="nodeVertAlign" val="b"/>
+                    </dgm:alg>
+                  </dgm:else>
+                </dgm:choose>
+                <dgm:shape xmlns:r="http://schemas.openxmlformats.org/officeDocument/2006/relationships" r:blip="">
+                  <dgm:adjLst/>
+                </dgm:shape>
+                <dgm:presOf/>
+                <dgm:constrLst/>
+                <dgm:ruleLst>
+                  <dgm:rule type="w" val="INF" fact="NaN" max="NaN"/>
+                </dgm:ruleLst>
+                <dgm:forEach name="Name18" axis="ch" ptType="node">
+                  <dgm:layoutNode name="vertThree">
+                    <dgm:alg type="lin">
+                      <dgm:param type="linDir" val="fromB"/>
+                    </dgm:alg>
+                    <dgm:shape xmlns:r="http://schemas.openxmlformats.org/officeDocument/2006/relationships" r:blip="">
+                      <dgm:adjLst/>
+                    </dgm:shape>
+                    <dgm:presOf/>
+                    <dgm:constrLst>
+                      <dgm:constr type="w" for="ch" forName="txThree" refType="w" refFor="ch" refForName="horzThree" op="gte"/>
+                    </dgm:constrLst>
+                    <dgm:ruleLst/>
+                    <dgm:layoutNode name="txThree">
+                      <dgm:varLst>
+                        <dgm:chPref val="3"/>
+                      </dgm:varLst>
+                      <dgm:alg type="tx"/>
+                      <dgm:shape xmlns:r="http://schemas.openxmlformats.org/officeDocument/2006/relationships" type="roundRect" r:blip="">
+                        <dgm:adjLst>
+                          <dgm:adj idx="1" val="0.1"/>
+                        </dgm:adjLst>
+                      </dgm:shape>
+                      <dgm:presOf axis="self"/>
+                      <dgm:constrLst>
+                        <dgm:constr type="userH"/>
+                        <dgm:constr type="h" refType="userH"/>
+                        <dgm:constr type="tMarg" refType="primFontSz" fact="0.3"/>
+                        <dgm:constr type="bMarg" refType="primFontSz" fact="0.3"/>
+                        <dgm:constr type="lMarg" refType="primFontSz" fact="0.3"/>
+                        <dgm:constr type="rMarg" refType="primFontSz" fact="0.3"/>
+                      </dgm:constrLst>
+                      <dgm:ruleLst>
+                        <dgm:rule type="primFontSz" val="5" fact="NaN" max="NaN"/>
+                      </dgm:ruleLst>
+                    </dgm:layoutNode>
+                    <dgm:choose name="Name19">
+                      <dgm:if name="Name20" axis="des" ptType="node" func="cnt" op="gt" val="0">
+                        <dgm:layoutNode name="parTransThree">
+                          <dgm:alg type="sp"/>
+                          <dgm:shape xmlns:r="http://schemas.openxmlformats.org/officeDocument/2006/relationships" r:blip="">
+                            <dgm:adjLst/>
+                          </dgm:shape>
+                          <dgm:presOf/>
+                          <dgm:constrLst/>
+                          <dgm:ruleLst/>
+                        </dgm:layoutNode>
+                      </dgm:if>
+                      <dgm:else name="Name21"/>
+                    </dgm:choose>
+                    <dgm:layoutNode name="horzThree">
+                      <dgm:choose name="Name22">
+                        <dgm:if name="Name23" func="var" arg="dir" op="equ" val="norm">
+                          <dgm:alg type="lin">
+                            <dgm:param type="linDir" val="fromL"/>
+                            <dgm:param type="nodeVertAlign" val="b"/>
+                          </dgm:alg>
+                        </dgm:if>
+                        <dgm:else name="Name24">
+                          <dgm:alg type="lin">
+                            <dgm:param type="linDir" val="fromR"/>
+                            <dgm:param type="nodeVertAlign" val="b"/>
+                          </dgm:alg>
+                        </dgm:else>
+                      </dgm:choose>
+                      <dgm:shape xmlns:r="http://schemas.openxmlformats.org/officeDocument/2006/relationships" r:blip="">
+                        <dgm:adjLst/>
+                      </dgm:shape>
+                      <dgm:presOf/>
+                      <dgm:constrLst/>
+                      <dgm:ruleLst>
+                        <dgm:rule type="w" val="INF" fact="NaN" max="NaN"/>
+                      </dgm:ruleLst>
+                      <dgm:forEach name="repeat" axis="ch" ptType="node">
+                        <dgm:layoutNode name="vertFour">
+                          <dgm:varLst>
+                            <dgm:chPref val="3"/>
+                          </dgm:varLst>
+                          <dgm:alg type="lin">
+                            <dgm:param type="linDir" val="fromB"/>
+                          </dgm:alg>
+                          <dgm:shape xmlns:r="http://schemas.openxmlformats.org/officeDocument/2006/relationships" r:blip="">
+                            <dgm:adjLst/>
+                          </dgm:shape>
+                          <dgm:presOf/>
+                          <dgm:constrLst>
+                            <dgm:constr type="w" for="ch" forName="txFour" refType="w" refFor="ch" refForName="horzFour" op="gte"/>
+                          </dgm:constrLst>
+                          <dgm:ruleLst/>
+                          <dgm:layoutNode name="txFour">
+                            <dgm:varLst>
+                              <dgm:chPref val="3"/>
+                            </dgm:varLst>
+                            <dgm:alg type="tx"/>
+                            <dgm:shape xmlns:r="http://schemas.openxmlformats.org/officeDocument/2006/relationships" type="roundRect" r:blip="">
+                              <dgm:adjLst>
+                                <dgm:adj idx="1" val="0.1"/>
+                              </dgm:adjLst>
+                            </dgm:shape>
+                            <dgm:presOf axis="self"/>
+                            <dgm:constrLst>
+                              <dgm:constr type="userH"/>
+                              <dgm:constr type="h" refType="userH"/>
+                              <dgm:constr type="tMarg" refType="primFontSz" fact="0.3"/>
+                              <dgm:constr type="bMarg" refType="primFontSz" fact="0.3"/>
+                              <dgm:constr type="lMarg" refType="primFontSz" fact="0.3"/>
+                              <dgm:constr type="rMarg" refType="primFontSz" fact="0.3"/>
+                            </dgm:constrLst>
+                            <dgm:ruleLst>
+                              <dgm:rule type="primFontSz" val="5" fact="NaN" max="NaN"/>
+                            </dgm:ruleLst>
+                          </dgm:layoutNode>
+                          <dgm:choose name="Name25">
+                            <dgm:if name="Name26" axis="des" ptType="node" func="cnt" op="gt" val="0">
+                              <dgm:layoutNode name="parTransFour">
+                                <dgm:alg type="sp"/>
+                                <dgm:shape xmlns:r="http://schemas.openxmlformats.org/officeDocument/2006/relationships" r:blip="">
+                                  <dgm:adjLst/>
+                                </dgm:shape>
+                                <dgm:presOf/>
+                                <dgm:constrLst/>
+                                <dgm:ruleLst/>
+                              </dgm:layoutNode>
+                            </dgm:if>
+                            <dgm:else name="Name27"/>
+                          </dgm:choose>
+                          <dgm:layoutNode name="horzFour">
+                            <dgm:choose name="Name28">
+                              <dgm:if name="Name29" func="var" arg="dir" op="equ" val="norm">
+                                <dgm:alg type="lin">
+                                  <dgm:param type="linDir" val="fromL"/>
+                                  <dgm:param type="nodeVertAlign" val="b"/>
+                                </dgm:alg>
+                              </dgm:if>
+                              <dgm:else name="Name30">
+                                <dgm:alg type="lin">
+                                  <dgm:param type="linDir" val="fromR"/>
+                                  <dgm:param type="nodeVertAlign" val="b"/>
+                                </dgm:alg>
+                              </dgm:else>
+                            </dgm:choose>
+                            <dgm:shape xmlns:r="http://schemas.openxmlformats.org/officeDocument/2006/relationships" r:blip="">
+                              <dgm:adjLst/>
+                            </dgm:shape>
+                            <dgm:presOf/>
+                            <dgm:constrLst/>
+                            <dgm:ruleLst>
+                              <dgm:rule type="w" val="INF" fact="NaN" max="NaN"/>
+                            </dgm:ruleLst>
+                            <dgm:forEach name="Name31" ref="repeat"/>
+                          </dgm:layoutNode>
+                        </dgm:layoutNode>
+                        <dgm:choose name="Name32">
+                          <dgm:if name="Name33" axis="self" ptType="node" func="revPos" op="gte" val="2">
+                            <dgm:forEach name="Name34" axis="followSib" ptType="sibTrans" cnt="1">
+                              <dgm:layoutNode name="sibSpaceFour">
+                                <dgm:alg type="sp"/>
+                                <dgm:shape xmlns:r="http://schemas.openxmlformats.org/officeDocument/2006/relationships" r:blip="">
+                                  <dgm:adjLst/>
+                                </dgm:shape>
+                                <dgm:presOf/>
+                                <dgm:constrLst/>
+                                <dgm:ruleLst/>
+                              </dgm:layoutNode>
+                            </dgm:forEach>
+                          </dgm:if>
+                          <dgm:else name="Name35"/>
+                        </dgm:choose>
+                      </dgm:forEach>
+                    </dgm:layoutNode>
+                  </dgm:layoutNode>
+                  <dgm:choose name="Name36">
+                    <dgm:if name="Name37" axis="self" ptType="node" func="revPos" op="gte" val="2">
+                      <dgm:forEach name="Name38" axis="followSib" ptType="sibTrans" cnt="1">
+                        <dgm:layoutNode name="sibSpaceThree">
+                          <dgm:alg type="sp"/>
+                          <dgm:shape xmlns:r="http://schemas.openxmlformats.org/officeDocument/2006/relationships" r:blip="">
+                            <dgm:adjLst/>
+                          </dgm:shape>
+                          <dgm:presOf/>
+                          <dgm:constrLst/>
+                          <dgm:ruleLst/>
+                        </dgm:layoutNode>
+                      </dgm:forEach>
+                    </dgm:if>
+                    <dgm:else name="Name39"/>
+                  </dgm:choose>
+                </dgm:forEach>
+              </dgm:layoutNode>
+            </dgm:layoutNode>
+            <dgm:choose name="Name40">
+              <dgm:if name="Name41" axis="self" ptType="node" func="revPos" op="gte" val="2">
+                <dgm:forEach name="Name42" axis="followSib" ptType="sibTrans" cnt="1">
+                  <dgm:layoutNode name="sibSpaceTwo">
+                    <dgm:alg type="sp"/>
+                    <dgm:shape xmlns:r="http://schemas.openxmlformats.org/officeDocument/2006/relationships" r:blip="">
+                      <dgm:adjLst/>
+                    </dgm:shape>
+                    <dgm:presOf/>
+                    <dgm:constrLst/>
+                    <dgm:ruleLst/>
+                  </dgm:layoutNode>
+                </dgm:forEach>
+              </dgm:if>
+              <dgm:else name="Name43"/>
+            </dgm:choose>
+          </dgm:forEach>
+        </dgm:layoutNode>
+      </dgm:layoutNode>
+      <dgm:choose name="Name44">
+        <dgm:if name="Name45" axis="self" ptType="node" func="revPos" op="gte" val="2">
+          <dgm:forEach name="Name46" axis="followSib" ptType="sibTrans" cnt="1">
+            <dgm:layoutNode name="sibSpaceOne">
+              <dgm:alg type="sp"/>
+              <dgm:shape xmlns:r="http://schemas.openxmlformats.org/officeDocument/2006/relationships" r:blip="">
+                <dgm:adjLst/>
+              </dgm:shape>
+              <dgm:presOf/>
+              <dgm:constrLst/>
+              <dgm:ruleLst/>
+            </dgm:layoutNode>
+          </dgm:forEach>
+        </dgm:if>
+        <dgm:else name="Name47"/>
+      </dgm:choose>
+    </dgm:forEach>
+  </dgm:layoutNode>
+</dgm:layoutDef>
+</file>
+
+<file path=ppt/diagrams/layout3.xml><?xml version="1.0" encoding="utf-8"?>
+<dgm:layoutDef xmlns:dgm="http://schemas.openxmlformats.org/drawingml/2006/diagram" xmlns:a="http://schemas.openxmlformats.org/drawingml/2006/main" uniqueId="urn:microsoft.com/office/officeart/2005/8/layout/architecture">
+  <dgm:title val="Architecture Layout"/>
+  <dgm:desc val="Use to show hierarchical relationships that build from the bottom up. This layout works well for showing architectural components or objects that build on other objects."/>
+  <dgm:catLst>
+    <dgm:cat type="hierarchy" pri="4500"/>
+    <dgm:cat type="list" pri="24500"/>
+    <dgm:cat type="relationship" pri="10500"/>
+    <dgm:cat type="officeonline" pri="7000"/>
+  </dgm:catLst>
+  <dgm:sampData>
+    <dgm:dataModel>
+      <dgm:ptLst>
+        <dgm:pt modelId="0" type="doc"/>
+        <dgm:pt modelId="1">
+          <dgm:prSet phldr="1"/>
+        </dgm:pt>
+        <dgm:pt modelId="2">
+          <dgm:prSet phldr="1"/>
+        </dgm:pt>
+        <dgm:pt modelId="21">
+          <dgm:prSet phldr="1"/>
+        </dgm:pt>
+        <dgm:pt modelId="22">
+          <dgm:prSet phldr="1"/>
+        </dgm:pt>
+        <dgm:pt modelId="3">
+          <dgm:prSet phldr="1"/>
+        </dgm:pt>
+        <dgm:pt modelId="31">
+          <dgm:prSet phldr="1"/>
+        </dgm:pt>
+      </dgm:ptLst>
+      <dgm:cxnLst>
+        <dgm:cxn modelId="4" srcId="0" destId="1" srcOrd="0" destOrd="0"/>
+        <dgm:cxn modelId="5" srcId="1" destId="2" srcOrd="0" destOrd="0"/>
+        <dgm:cxn modelId="6" srcId="1" destId="3" srcOrd="1" destOrd="0"/>
+        <dgm:cxn modelId="23" srcId="2" destId="21" srcOrd="0" destOrd="0"/>
+        <dgm:cxn modelId="24" srcId="2" destId="22" srcOrd="1" destOrd="0"/>
+        <dgm:cxn modelId="33" srcId="3" destId="31" srcOrd="0" destOrd="0"/>
+      </dgm:cxnLst>
+      <dgm:bg/>
+      <dgm:whole/>
+    </dgm:dataModel>
+  </dgm:sampData>
+  <dgm:styleData>
+    <dgm:dataModel>
+      <dgm:ptLst>
+        <dgm:pt modelId="0" type="doc"/>
+        <dgm:pt modelId="1"/>
+        <dgm:pt modelId="11"/>
+        <dgm:pt modelId="12"/>
+      </dgm:ptLst>
+      <dgm:cxnLst>
+        <dgm:cxn modelId="2" srcId="0" destId="1" srcOrd="0" destOrd="0"/>
+        <dgm:cxn modelId="13" srcId="1" destId="11" srcOrd="0" destOrd="0"/>
+        <dgm:cxn modelId="14" srcId="1" destId="12" srcOrd="1" destOrd="0"/>
+      </dgm:cxnLst>
+      <dgm:bg/>
+      <dgm:whole/>
+    </dgm:dataModel>
+  </dgm:styleData>
+  <dgm:clrData>
+    <dgm:dataModel>
+      <dgm:ptLst>
+        <dgm:pt modelId="0" type="doc"/>
+        <dgm:pt modelId="1"/>
+        <dgm:pt modelId="2"/>
+        <dgm:pt modelId="21"/>
+        <dgm:pt modelId="211"/>
+        <dgm:pt modelId="3"/>
+        <dgm:pt modelId="31"/>
+        <dgm:pt modelId="311"/>
+      </dgm:ptLst>
+      <dgm:cxnLst>
+        <dgm:cxn modelId="4" srcId="0" destId="1" srcOrd="0" destOrd="0"/>
+        <dgm:cxn modelId="5" srcId="1" destId="2" srcOrd="0" destOrd="0"/>
+        <dgm:cxn modelId="6" srcId="1" destId="3" srcOrd="1" destOrd="0"/>
+        <dgm:cxn modelId="23" srcId="2" destId="21" srcOrd="0" destOrd="0"/>
+        <dgm:cxn modelId="24" srcId="21" destId="211" srcOrd="0" destOrd="0"/>
+        <dgm:cxn modelId="33" srcId="3" destId="31" srcOrd="0" destOrd="0"/>
+        <dgm:cxn modelId="34" srcId="31" destId="311" srcOrd="0" destOrd="0"/>
+      </dgm:cxnLst>
+      <dgm:bg/>
+      <dgm:whole/>
+    </dgm:dataModel>
+  </dgm:clrData>
+  <dgm:layoutNode name="Name0">
+    <dgm:varLst>
+      <dgm:chPref val="1"/>
+      <dgm:dir/>
+      <dgm:animOne val="branch"/>
+      <dgm:animLvl val="lvl"/>
+      <dgm:resizeHandles/>
+    </dgm:varLst>
+    <dgm:choose name="Name1">
+      <dgm:if name="Name2" func="var" arg="dir" op="equ" val="norm">
+        <dgm:alg type="lin">
+          <dgm:param type="linDir" val="fromL"/>
+          <dgm:param type="nodeVertAlign" val="b"/>
+        </dgm:alg>
+      </dgm:if>
+      <dgm:else name="Name3">
+        <dgm:alg type="lin">
+          <dgm:param type="linDir" val="fromR"/>
+          <dgm:param type="nodeVertAlign" val="b"/>
+        </dgm:alg>
+      </dgm:else>
+    </dgm:choose>
+    <dgm:shape xmlns:r="http://schemas.openxmlformats.org/officeDocument/2006/relationships" r:blip="">
+      <dgm:adjLst/>
+    </dgm:shape>
+    <dgm:presOf/>
+    <dgm:constrLst>
+      <dgm:constr type="w" for="ch" forName="vertOne" refType="w"/>
+      <dgm:constr type="w" for="des" forName="horzOne" refType="w"/>
+      <dgm:constr type="w" for="des" forName="txOne" refType="w"/>
+      <dgm:constr type="w" for="des" forName="vertTwo" refType="w"/>
+      <dgm:constr type="w" for="des" forName="horzTwo" refType="w"/>
+      <dgm:constr type="w" for="des" forName="txTwo" refType="w"/>
+      <dgm:constr type="w" for="des" forName="vertThree" refType="w"/>
+      <dgm:constr type="w" for="des" forName="horzThree" refType="w"/>
+      <dgm:constr type="w" for="des" forName="txThree" refType="w"/>
+      <dgm:constr type="w" for="des" forName="vertFour" refType="w"/>
+      <dgm:constr type="w" for="des" forName="horzFour" refType="w"/>
+      <dgm:constr type="w" for="des" forName="txFour" refType="w"/>
+      <dgm:constr type="h" for="des" ptType="node" op="equ"/>
+      <dgm:constr type="h" for="des" forName="txOne" refType="h"/>
+      <dgm:constr type="userH" for="des" ptType="node" refType="h" refFor="des" refForName="txOne"/>
+      <dgm:constr type="primFontSz" for="des" forName="txOne" val="65"/>
+      <dgm:constr type="primFontSz" for="des" forName="txTwo" val="65"/>
+      <dgm:constr type="primFontSz" for="des" forName="txTwo" refType="primFontSz" refFor="des" refForName="txOne" op="lte"/>
+      <dgm:constr type="primFontSz" for="des" forName="txThree" val="65"/>
+      <dgm:constr type="primFontSz" for="des" forName="txThree" refType="primFontSz" refFor="des" refForName="txOne" op="lte"/>
+      <dgm:constr type="primFontSz" for="des" forName="txThree" refType="primFontSz" refFor="des" refForName="txTwo" op="lte"/>
+      <dgm:constr type="primFontSz" for="des" forName="txFour" val="65"/>
+      <dgm:constr type="primFontSz" for="des" forName="txFour" refType="primFontSz" refFor="des" refForName="txOne" op="lte"/>
+      <dgm:constr type="primFontSz" for="des" forName="txFour" refType="primFontSz" refFor="des" refForName="txTwo" op="lte"/>
+      <dgm:constr type="primFontSz" for="des" forName="txFour" refType="primFontSz" refFor="des" refForName="txThree" op="lte"/>
+      <dgm:constr type="w" for="des" forName="sibSpaceOne" refType="w" fact="0.168"/>
+      <dgm:constr type="w" for="des" forName="sibSpaceTwo" refType="w" refFor="des" refForName="sibSpaceOne" op="equ" fact="0.5"/>
+      <dgm:constr type="w" for="des" forName="sibSpaceThree" refType="w" refFor="des" refForName="sibSpaceTwo" op="equ" fact="0.5"/>
+      <dgm:constr type="w" for="des" forName="sibSpaceFour" refType="w" refFor="des" refForName="sibSpaceThree" op="equ" fact="0.5"/>
+      <dgm:constr type="h" for="des" forName="parTransOne" refType="w" fact="0.056"/>
+      <dgm:constr type="h" for="des" forName="parTransTwo" refType="h" refFor="des" refForName="parTransOne" op="equ"/>
+      <dgm:constr type="h" for="des" forName="parTransThree" refType="h" refFor="des" refForName="parTransTwo" op="equ"/>
+      <dgm:constr type="h" for="des" forName="parTransFour" refType="h" refFor="des" refForName="parTransThree" op="equ"/>
+    </dgm:constrLst>
+    <dgm:ruleLst/>
+    <dgm:forEach name="Name4" axis="ch" ptType="node">
+      <dgm:layoutNode name="vertOne">
+        <dgm:alg type="lin">
+          <dgm:param type="linDir" val="fromB"/>
+        </dgm:alg>
+        <dgm:shape xmlns:r="http://schemas.openxmlformats.org/officeDocument/2006/relationships" r:blip="">
+          <dgm:adjLst/>
+        </dgm:shape>
+        <dgm:presOf/>
+        <dgm:constrLst>
+          <dgm:constr type="w" for="ch" forName="txOne" refType="w" refFor="ch" refForName="horzOne" op="gte"/>
+        </dgm:constrLst>
+        <dgm:ruleLst/>
+        <dgm:layoutNode name="txOne" styleLbl="node0">
+          <dgm:varLst>
+            <dgm:chPref val="3"/>
+          </dgm:varLst>
+          <dgm:alg type="tx"/>
+          <dgm:shape xmlns:r="http://schemas.openxmlformats.org/officeDocument/2006/relationships" type="roundRect" r:blip="">
+            <dgm:adjLst>
+              <dgm:adj idx="1" val="0.1"/>
+            </dgm:adjLst>
+          </dgm:shape>
+          <dgm:presOf axis="self"/>
+          <dgm:constrLst>
+            <dgm:constr type="tMarg" refType="primFontSz" fact="0.3"/>
+            <dgm:constr type="bMarg" refType="primFontSz" fact="0.3"/>
+            <dgm:constr type="lMarg" refType="primFontSz" fact="0.3"/>
+            <dgm:constr type="rMarg" refType="primFontSz" fact="0.3"/>
+          </dgm:constrLst>
+          <dgm:ruleLst>
+            <dgm:rule type="primFontSz" val="5" fact="NaN" max="NaN"/>
+          </dgm:ruleLst>
+        </dgm:layoutNode>
+        <dgm:choose name="Name5">
+          <dgm:if name="Name6" axis="des" ptType="node" func="cnt" op="gt" val="0">
+            <dgm:layoutNode name="parTransOne">
+              <dgm:alg type="sp"/>
+              <dgm:shape xmlns:r="http://schemas.openxmlformats.org/officeDocument/2006/relationships" r:blip="">
+                <dgm:adjLst/>
+              </dgm:shape>
+              <dgm:presOf/>
+              <dgm:constrLst/>
+              <dgm:ruleLst/>
+            </dgm:layoutNode>
+          </dgm:if>
+          <dgm:else name="Name7"/>
+        </dgm:choose>
+        <dgm:layoutNode name="horzOne">
+          <dgm:choose name="Name8">
+            <dgm:if name="Name9" func="var" arg="dir" op="equ" val="norm">
+              <dgm:alg type="lin">
+                <dgm:param type="linDir" val="fromL"/>
+                <dgm:param type="nodeVertAlign" val="b"/>
+              </dgm:alg>
+            </dgm:if>
+            <dgm:else name="Name10">
+              <dgm:alg type="lin">
+                <dgm:param type="linDir" val="fromR"/>
+                <dgm:param type="nodeVertAlign" val="b"/>
+              </dgm:alg>
+            </dgm:else>
+          </dgm:choose>
+          <dgm:shape xmlns:r="http://schemas.openxmlformats.org/officeDocument/2006/relationships" r:blip="">
+            <dgm:adjLst/>
+          </dgm:shape>
+          <dgm:presOf/>
+          <dgm:constrLst/>
+          <dgm:ruleLst>
+            <dgm:rule type="w" val="INF" fact="NaN" max="NaN"/>
+          </dgm:ruleLst>
+          <dgm:forEach name="Name11" axis="ch" ptType="node">
+            <dgm:layoutNode name="vertTwo">
+              <dgm:alg type="lin">
+                <dgm:param type="linDir" val="fromB"/>
+              </dgm:alg>
+              <dgm:shape xmlns:r="http://schemas.openxmlformats.org/officeDocument/2006/relationships" r:blip="">
+                <dgm:adjLst/>
+              </dgm:shape>
+              <dgm:presOf/>
+              <dgm:constrLst>
+                <dgm:constr type="w" for="ch" forName="txTwo" refType="w" refFor="ch" refForName="horzTwo" op="gte"/>
+              </dgm:constrLst>
+              <dgm:ruleLst/>
+              <dgm:layoutNode name="txTwo">
+                <dgm:varLst>
+                  <dgm:chPref val="3"/>
+                </dgm:varLst>
+                <dgm:alg type="tx"/>
+                <dgm:shape xmlns:r="http://schemas.openxmlformats.org/officeDocument/2006/relationships" type="roundRect" r:blip="">
+                  <dgm:adjLst>
+                    <dgm:adj idx="1" val="0.1"/>
+                  </dgm:adjLst>
+                </dgm:shape>
+                <dgm:presOf axis="self"/>
+                <dgm:constrLst>
+                  <dgm:constr type="userH"/>
+                  <dgm:constr type="h" refType="userH"/>
+                  <dgm:constr type="tMarg" refType="primFontSz" fact="0.3"/>
+                  <dgm:constr type="bMarg" refType="primFontSz" fact="0.3"/>
+                  <dgm:constr type="lMarg" refType="primFontSz" fact="0.3"/>
+                  <dgm:constr type="rMarg" refType="primFontSz" fact="0.3"/>
+                </dgm:constrLst>
+                <dgm:ruleLst>
+                  <dgm:rule type="primFontSz" val="5" fact="NaN" max="NaN"/>
+                </dgm:ruleLst>
+              </dgm:layoutNode>
+              <dgm:choose name="Name12">
+                <dgm:if name="Name13" axis="des" ptType="node" func="cnt" op="gt" val="0">
+                  <dgm:layoutNode name="parTransTwo">
+                    <dgm:alg type="sp"/>
+                    <dgm:shape xmlns:r="http://schemas.openxmlformats.org/officeDocument/2006/relationships" r:blip="">
+                      <dgm:adjLst/>
+                    </dgm:shape>
+                    <dgm:presOf/>
+                    <dgm:constrLst/>
+                    <dgm:ruleLst/>
+                  </dgm:layoutNode>
+                </dgm:if>
+                <dgm:else name="Name14"/>
+              </dgm:choose>
+              <dgm:layoutNode name="horzTwo">
+                <dgm:choose name="Name15">
+                  <dgm:if name="Name16" func="var" arg="dir" op="equ" val="norm">
+                    <dgm:alg type="lin">
+                      <dgm:param type="linDir" val="fromL"/>
+                      <dgm:param type="nodeVertAlign" val="b"/>
+                    </dgm:alg>
+                  </dgm:if>
+                  <dgm:else name="Name17">
+                    <dgm:alg type="lin">
+                      <dgm:param type="linDir" val="fromR"/>
+                      <dgm:param type="nodeVertAlign" val="b"/>
+                    </dgm:alg>
+                  </dgm:else>
+                </dgm:choose>
+                <dgm:shape xmlns:r="http://schemas.openxmlformats.org/officeDocument/2006/relationships" r:blip="">
+                  <dgm:adjLst/>
+                </dgm:shape>
+                <dgm:presOf/>
+                <dgm:constrLst/>
+                <dgm:ruleLst>
+                  <dgm:rule type="w" val="INF" fact="NaN" max="NaN"/>
+                </dgm:ruleLst>
+                <dgm:forEach name="Name18" axis="ch" ptType="node">
+                  <dgm:layoutNode name="vertThree">
+                    <dgm:alg type="lin">
+                      <dgm:param type="linDir" val="fromB"/>
+                    </dgm:alg>
+                    <dgm:shape xmlns:r="http://schemas.openxmlformats.org/officeDocument/2006/relationships" r:blip="">
+                      <dgm:adjLst/>
+                    </dgm:shape>
+                    <dgm:presOf/>
+                    <dgm:constrLst>
+                      <dgm:constr type="w" for="ch" forName="txThree" refType="w" refFor="ch" refForName="horzThree" op="gte"/>
+                    </dgm:constrLst>
+                    <dgm:ruleLst/>
+                    <dgm:layoutNode name="txThree">
+                      <dgm:varLst>
+                        <dgm:chPref val="3"/>
+                      </dgm:varLst>
+                      <dgm:alg type="tx"/>
+                      <dgm:shape xmlns:r="http://schemas.openxmlformats.org/officeDocument/2006/relationships" type="roundRect" r:blip="">
+                        <dgm:adjLst>
+                          <dgm:adj idx="1" val="0.1"/>
+                        </dgm:adjLst>
+                      </dgm:shape>
+                      <dgm:presOf axis="self"/>
+                      <dgm:constrLst>
+                        <dgm:constr type="userH"/>
+                        <dgm:constr type="h" refType="userH"/>
+                        <dgm:constr type="tMarg" refType="primFontSz" fact="0.3"/>
+                        <dgm:constr type="bMarg" refType="primFontSz" fact="0.3"/>
+                        <dgm:constr type="lMarg" refType="primFontSz" fact="0.3"/>
+                        <dgm:constr type="rMarg" refType="primFontSz" fact="0.3"/>
+                      </dgm:constrLst>
+                      <dgm:ruleLst>
+                        <dgm:rule type="primFontSz" val="5" fact="NaN" max="NaN"/>
+                      </dgm:ruleLst>
+                    </dgm:layoutNode>
+                    <dgm:choose name="Name19">
+                      <dgm:if name="Name20" axis="des" ptType="node" func="cnt" op="gt" val="0">
+                        <dgm:layoutNode name="parTransThree">
+                          <dgm:alg type="sp"/>
+                          <dgm:shape xmlns:r="http://schemas.openxmlformats.org/officeDocument/2006/relationships" r:blip="">
+                            <dgm:adjLst/>
+                          </dgm:shape>
+                          <dgm:presOf/>
+                          <dgm:constrLst/>
+                          <dgm:ruleLst/>
+                        </dgm:layoutNode>
+                      </dgm:if>
+                      <dgm:else name="Name21"/>
+                    </dgm:choose>
+                    <dgm:layoutNode name="horzThree">
+                      <dgm:choose name="Name22">
+                        <dgm:if name="Name23" func="var" arg="dir" op="equ" val="norm">
+                          <dgm:alg type="lin">
+                            <dgm:param type="linDir" val="fromL"/>
+                            <dgm:param type="nodeVertAlign" val="b"/>
+                          </dgm:alg>
+                        </dgm:if>
+                        <dgm:else name="Name24">
+                          <dgm:alg type="lin">
+                            <dgm:param type="linDir" val="fromR"/>
+                            <dgm:param type="nodeVertAlign" val="b"/>
+                          </dgm:alg>
+                        </dgm:else>
+                      </dgm:choose>
+                      <dgm:shape xmlns:r="http://schemas.openxmlformats.org/officeDocument/2006/relationships" r:blip="">
+                        <dgm:adjLst/>
+                      </dgm:shape>
+                      <dgm:presOf/>
+                      <dgm:constrLst/>
+                      <dgm:ruleLst>
+                        <dgm:rule type="w" val="INF" fact="NaN" max="NaN"/>
+                      </dgm:ruleLst>
+                      <dgm:forEach name="repeat" axis="ch" ptType="node">
+                        <dgm:layoutNode name="vertFour">
+                          <dgm:varLst>
+                            <dgm:chPref val="3"/>
+                          </dgm:varLst>
+                          <dgm:alg type="lin">
+                            <dgm:param type="linDir" val="fromB"/>
+                          </dgm:alg>
+                          <dgm:shape xmlns:r="http://schemas.openxmlformats.org/officeDocument/2006/relationships" r:blip="">
+                            <dgm:adjLst/>
+                          </dgm:shape>
+                          <dgm:presOf/>
+                          <dgm:constrLst>
+                            <dgm:constr type="w" for="ch" forName="txFour" refType="w" refFor="ch" refForName="horzFour" op="gte"/>
+                          </dgm:constrLst>
+                          <dgm:ruleLst/>
+                          <dgm:layoutNode name="txFour">
+                            <dgm:varLst>
+                              <dgm:chPref val="3"/>
+                            </dgm:varLst>
+                            <dgm:alg type="tx"/>
+                            <dgm:shape xmlns:r="http://schemas.openxmlformats.org/officeDocument/2006/relationships" type="roundRect" r:blip="">
+                              <dgm:adjLst>
+                                <dgm:adj idx="1" val="0.1"/>
+                              </dgm:adjLst>
+                            </dgm:shape>
+                            <dgm:presOf axis="self"/>
+                            <dgm:constrLst>
+                              <dgm:constr type="userH"/>
+                              <dgm:constr type="h" refType="userH"/>
+                              <dgm:constr type="tMarg" refType="primFontSz" fact="0.3"/>
+                              <dgm:constr type="bMarg" refType="primFontSz" fact="0.3"/>
+                              <dgm:constr type="lMarg" refType="primFontSz" fact="0.3"/>
+                              <dgm:constr type="rMarg" refType="primFontSz" fact="0.3"/>
+                            </dgm:constrLst>
+                            <dgm:ruleLst>
+                              <dgm:rule type="primFontSz" val="5" fact="NaN" max="NaN"/>
+                            </dgm:ruleLst>
+                          </dgm:layoutNode>
+                          <dgm:choose name="Name25">
+                            <dgm:if name="Name26" axis="des" ptType="node" func="cnt" op="gt" val="0">
+                              <dgm:layoutNode name="parTransFour">
+                                <dgm:alg type="sp"/>
+                                <dgm:shape xmlns:r="http://schemas.openxmlformats.org/officeDocument/2006/relationships" r:blip="">
+                                  <dgm:adjLst/>
+                                </dgm:shape>
+                                <dgm:presOf/>
+                                <dgm:constrLst/>
+                                <dgm:ruleLst/>
+                              </dgm:layoutNode>
+                            </dgm:if>
+                            <dgm:else name="Name27"/>
+                          </dgm:choose>
+                          <dgm:layoutNode name="horzFour">
+                            <dgm:choose name="Name28">
+                              <dgm:if name="Name29" func="var" arg="dir" op="equ" val="norm">
+                                <dgm:alg type="lin">
+                                  <dgm:param type="linDir" val="fromL"/>
+                                  <dgm:param type="nodeVertAlign" val="b"/>
+                                </dgm:alg>
+                              </dgm:if>
+                              <dgm:else name="Name30">
+                                <dgm:alg type="lin">
+                                  <dgm:param type="linDir" val="fromR"/>
+                                  <dgm:param type="nodeVertAlign" val="b"/>
+                                </dgm:alg>
+                              </dgm:else>
+                            </dgm:choose>
+                            <dgm:shape xmlns:r="http://schemas.openxmlformats.org/officeDocument/2006/relationships" r:blip="">
+                              <dgm:adjLst/>
+                            </dgm:shape>
+                            <dgm:presOf/>
+                            <dgm:constrLst/>
+                            <dgm:ruleLst>
+                              <dgm:rule type="w" val="INF" fact="NaN" max="NaN"/>
+                            </dgm:ruleLst>
+                            <dgm:forEach name="Name31" ref="repeat"/>
+                          </dgm:layoutNode>
+                        </dgm:layoutNode>
+                        <dgm:choose name="Name32">
+                          <dgm:if name="Name33" axis="self" ptType="node" func="revPos" op="gte" val="2">
+                            <dgm:forEach name="Name34" axis="followSib" ptType="sibTrans" cnt="1">
+                              <dgm:layoutNode name="sibSpaceFour">
+                                <dgm:alg type="sp"/>
+                                <dgm:shape xmlns:r="http://schemas.openxmlformats.org/officeDocument/2006/relationships" r:blip="">
+                                  <dgm:adjLst/>
+                                </dgm:shape>
+                                <dgm:presOf/>
+                                <dgm:constrLst/>
+                                <dgm:ruleLst/>
+                              </dgm:layoutNode>
+                            </dgm:forEach>
+                          </dgm:if>
+                          <dgm:else name="Name35"/>
+                        </dgm:choose>
+                      </dgm:forEach>
+                    </dgm:layoutNode>
+                  </dgm:layoutNode>
+                  <dgm:choose name="Name36">
+                    <dgm:if name="Name37" axis="self" ptType="node" func="revPos" op="gte" val="2">
+                      <dgm:forEach name="Name38" axis="followSib" ptType="sibTrans" cnt="1">
+                        <dgm:layoutNode name="sibSpaceThree">
+                          <dgm:alg type="sp"/>
+                          <dgm:shape xmlns:r="http://schemas.openxmlformats.org/officeDocument/2006/relationships" r:blip="">
+                            <dgm:adjLst/>
+                          </dgm:shape>
+                          <dgm:presOf/>
+                          <dgm:constrLst/>
+                          <dgm:ruleLst/>
+                        </dgm:layoutNode>
+                      </dgm:forEach>
+                    </dgm:if>
+                    <dgm:else name="Name39"/>
+                  </dgm:choose>
+                </dgm:forEach>
+              </dgm:layoutNode>
+            </dgm:layoutNode>
+            <dgm:choose name="Name40">
+              <dgm:if name="Name41" axis="self" ptType="node" func="revPos" op="gte" val="2">
+                <dgm:forEach name="Name42" axis="followSib" ptType="sibTrans" cnt="1">
+                  <dgm:layoutNode name="sibSpaceTwo">
+                    <dgm:alg type="sp"/>
+                    <dgm:shape xmlns:r="http://schemas.openxmlformats.org/officeDocument/2006/relationships" r:blip="">
+                      <dgm:adjLst/>
+                    </dgm:shape>
+                    <dgm:presOf/>
+                    <dgm:constrLst/>
+                    <dgm:ruleLst/>
+                  </dgm:layoutNode>
+                </dgm:forEach>
+              </dgm:if>
+              <dgm:else name="Name43"/>
+            </dgm:choose>
+          </dgm:forEach>
+        </dgm:layoutNode>
+      </dgm:layoutNode>
+      <dgm:choose name="Name44">
+        <dgm:if name="Name45" axis="self" ptType="node" func="revPos" op="gte" val="2">
+          <dgm:forEach name="Name46" axis="followSib" ptType="sibTrans" cnt="1">
+            <dgm:layoutNode name="sibSpaceOne">
+              <dgm:alg type="sp"/>
+              <dgm:shape xmlns:r="http://schemas.openxmlformats.org/officeDocument/2006/relationships" r:blip="">
+                <dgm:adjLst/>
+              </dgm:shape>
+              <dgm:presOf/>
+              <dgm:constrLst/>
+              <dgm:ruleLst/>
+            </dgm:layoutNode>
+          </dgm:forEach>
+        </dgm:if>
+        <dgm:else name="Name47"/>
+      </dgm:choose>
+    </dgm:forEach>
+  </dgm:layoutNode>
+</dgm:layoutDef>
+</file>
+
+<file path=ppt/diagrams/layout4.xml><?xml version="1.0" encoding="utf-8"?>
 <dgm:layoutDef xmlns:dgm="http://schemas.openxmlformats.org/drawingml/2006/diagram" xmlns:a="http://schemas.openxmlformats.org/drawingml/2006/main" uniqueId="urn:microsoft.com/office/officeart/2005/8/layout/hProcess9">
   <dgm:title val=""/>
   <dgm:desc val=""/>
@@ -6553,6 +11266,2074 @@
 </dgm:styleDef>
 </file>
 
+<file path=ppt/diagrams/quickStyle3.xml><?xml version="1.0" encoding="utf-8"?>
+<dgm:styleDef xmlns:dgm="http://schemas.openxmlformats.org/drawingml/2006/diagram" xmlns:a="http://schemas.openxmlformats.org/drawingml/2006/main" uniqueId="urn:microsoft.com/office/officeart/2005/8/quickstyle/simple1">
+  <dgm:title val=""/>
+  <dgm:desc val=""/>
+  <dgm:catLst>
+    <dgm:cat type="simple" pri="10100"/>
+  </dgm:catLst>
+  <dgm:scene3d>
+    <a:camera prst="orthographicFront"/>
+    <a:lightRig rig="threePt" dir="t"/>
+  </dgm:scene3d>
+  <dgm:styleLbl name="node0">
+    <dgm:scene3d>
+      <a:camera prst="orthographicFront"/>
+      <a:lightRig rig="threePt" dir="t"/>
+    </dgm:scene3d>
+    <dgm:sp3d/>
+    <dgm:txPr/>
+    <dgm:style>
+      <a:lnRef idx="2">
+        <a:scrgbClr r="0" g="0" b="0"/>
+      </a:lnRef>
+      <a:fillRef idx="1">
+        <a:scrgbClr r="0" g="0" b="0"/>
+      </a:fillRef>
+      <a:effectRef idx="0">
+        <a:scrgbClr r="0" g="0" b="0"/>
+      </a:effectRef>
+      <a:fontRef idx="minor">
+        <a:schemeClr val="lt1"/>
+      </a:fontRef>
+    </dgm:style>
+  </dgm:styleLbl>
+  <dgm:styleLbl name="lnNode1">
+    <dgm:scene3d>
+      <a:camera prst="orthographicFront"/>
+      <a:lightRig rig="threePt" dir="t"/>
+    </dgm:scene3d>
+    <dgm:sp3d/>
+    <dgm:txPr/>
+    <dgm:style>
+      <a:lnRef idx="2">
+        <a:scrgbClr r="0" g="0" b="0"/>
+      </a:lnRef>
+      <a:fillRef idx="1">
+        <a:scrgbClr r="0" g="0" b="0"/>
+      </a:fillRef>
+      <a:effectRef idx="0">
+        <a:scrgbClr r="0" g="0" b="0"/>
+      </a:effectRef>
+      <a:fontRef idx="minor">
+        <a:schemeClr val="lt1"/>
+      </a:fontRef>
+    </dgm:style>
+  </dgm:styleLbl>
+  <dgm:styleLbl name="vennNode1">
+    <dgm:scene3d>
+      <a:camera prst="orthographicFront"/>
+      <a:lightRig rig="threePt" dir="t"/>
+    </dgm:scene3d>
+    <dgm:sp3d/>
+    <dgm:txPr/>
+    <dgm:style>
+      <a:lnRef idx="2">
+        <a:scrgbClr r="0" g="0" b="0"/>
+      </a:lnRef>
+      <a:fillRef idx="1">
+        <a:scrgbClr r="0" g="0" b="0"/>
+      </a:fillRef>
+      <a:effectRef idx="0">
+        <a:scrgbClr r="0" g="0" b="0"/>
+      </a:effectRef>
+      <a:fontRef idx="minor">
+        <a:schemeClr val="tx1"/>
+      </a:fontRef>
+    </dgm:style>
+  </dgm:styleLbl>
+  <dgm:styleLbl name="alignNode1">
+    <dgm:scene3d>
+      <a:camera prst="orthographicFront"/>
+      <a:lightRig rig="threePt" dir="t"/>
+    </dgm:scene3d>
+    <dgm:sp3d/>
+    <dgm:txPr/>
+    <dgm:style>
+      <a:lnRef idx="2">
+        <a:scrgbClr r="0" g="0" b="0"/>
+      </a:lnRef>
+      <a:fillRef idx="1">
+        <a:scrgbClr r="0" g="0" b="0"/>
+      </a:fillRef>
+      <a:effectRef idx="0">
+        <a:scrgbClr r="0" g="0" b="0"/>
+      </a:effectRef>
+      <a:fontRef idx="minor">
+        <a:schemeClr val="lt1"/>
+      </a:fontRef>
+    </dgm:style>
+  </dgm:styleLbl>
+  <dgm:styleLbl name="node1">
+    <dgm:scene3d>
+      <a:camera prst="orthographicFront"/>
+      <a:lightRig rig="threePt" dir="t"/>
+    </dgm:scene3d>
+    <dgm:sp3d/>
+    <dgm:txPr/>
+    <dgm:style>
+      <a:lnRef idx="2">
+        <a:scrgbClr r="0" g="0" b="0"/>
+      </a:lnRef>
+      <a:fillRef idx="1">
+        <a:scrgbClr r="0" g="0" b="0"/>
+      </a:fillRef>
+      <a:effectRef idx="0">
+        <a:scrgbClr r="0" g="0" b="0"/>
+      </a:effectRef>
+      <a:fontRef idx="minor">
+        <a:schemeClr val="lt1"/>
+      </a:fontRef>
+    </dgm:style>
+  </dgm:styleLbl>
+  <dgm:styleLbl name="node2">
+    <dgm:scene3d>
+      <a:camera prst="orthographicFront"/>
+      <a:lightRig rig="threePt" dir="t"/>
+    </dgm:scene3d>
+    <dgm:sp3d/>
+    <dgm:txPr/>
+    <dgm:style>
+      <a:lnRef idx="2">
+        <a:scrgbClr r="0" g="0" b="0"/>
+      </a:lnRef>
+      <a:fillRef idx="1">
+        <a:scrgbClr r="0" g="0" b="0"/>
+      </a:fillRef>
+      <a:effectRef idx="0">
+        <a:scrgbClr r="0" g="0" b="0"/>
+      </a:effectRef>
+      <a:fontRef idx="minor">
+        <a:schemeClr val="lt1"/>
+      </a:fontRef>
+    </dgm:style>
+  </dgm:styleLbl>
+  <dgm:styleLbl name="node3">
+    <dgm:scene3d>
+      <a:camera prst="orthographicFront"/>
+      <a:lightRig rig="threePt" dir="t"/>
+    </dgm:scene3d>
+    <dgm:sp3d/>
+    <dgm:txPr/>
+    <dgm:style>
+      <a:lnRef idx="2">
+        <a:scrgbClr r="0" g="0" b="0"/>
+      </a:lnRef>
+      <a:fillRef idx="1">
+        <a:scrgbClr r="0" g="0" b="0"/>
+      </a:fillRef>
+      <a:effectRef idx="0">
+        <a:scrgbClr r="0" g="0" b="0"/>
+      </a:effectRef>
+      <a:fontRef idx="minor">
+        <a:schemeClr val="lt1"/>
+      </a:fontRef>
+    </dgm:style>
+  </dgm:styleLbl>
+  <dgm:styleLbl name="node4">
+    <dgm:scene3d>
+      <a:camera prst="orthographicFront"/>
+      <a:lightRig rig="threePt" dir="t"/>
+    </dgm:scene3d>
+    <dgm:sp3d/>
+    <dgm:txPr/>
+    <dgm:style>
+      <a:lnRef idx="2">
+        <a:scrgbClr r="0" g="0" b="0"/>
+      </a:lnRef>
+      <a:fillRef idx="1">
+        <a:scrgbClr r="0" g="0" b="0"/>
+      </a:fillRef>
+      <a:effectRef idx="0">
+        <a:scrgbClr r="0" g="0" b="0"/>
+      </a:effectRef>
+      <a:fontRef idx="minor">
+        <a:schemeClr val="lt1"/>
+      </a:fontRef>
+    </dgm:style>
+  </dgm:styleLbl>
+  <dgm:styleLbl name="fgImgPlace1">
+    <dgm:scene3d>
+      <a:camera prst="orthographicFront"/>
+      <a:lightRig rig="threePt" dir="t"/>
+    </dgm:scene3d>
+    <dgm:sp3d/>
+    <dgm:txPr/>
+    <dgm:style>
+      <a:lnRef idx="2">
+        <a:scrgbClr r="0" g="0" b="0"/>
+      </a:lnRef>
+      <a:fillRef idx="1">
+        <a:scrgbClr r="0" g="0" b="0"/>
+      </a:fillRef>
+      <a:effectRef idx="0">
+        <a:scrgbClr r="0" g="0" b="0"/>
+      </a:effectRef>
+      <a:fontRef idx="minor"/>
+    </dgm:style>
+  </dgm:styleLbl>
+  <dgm:styleLbl name="alignImgPlace1">
+    <dgm:scene3d>
+      <a:camera prst="orthographicFront"/>
+      <a:lightRig rig="threePt" dir="t"/>
+    </dgm:scene3d>
+    <dgm:sp3d/>
+    <dgm:txPr/>
+    <dgm:style>
+      <a:lnRef idx="2">
+        <a:scrgbClr r="0" g="0" b="0"/>
+      </a:lnRef>
+      <a:fillRef idx="1">
+        <a:scrgbClr r="0" g="0" b="0"/>
+      </a:fillRef>
+      <a:effectRef idx="0">
+        <a:scrgbClr r="0" g="0" b="0"/>
+      </a:effectRef>
+      <a:fontRef idx="minor"/>
+    </dgm:style>
+  </dgm:styleLbl>
+  <dgm:styleLbl name="bgImgPlace1">
+    <dgm:scene3d>
+      <a:camera prst="orthographicFront"/>
+      <a:lightRig rig="threePt" dir="t"/>
+    </dgm:scene3d>
+    <dgm:sp3d/>
+    <dgm:txPr/>
+    <dgm:style>
+      <a:lnRef idx="2">
+        <a:scrgbClr r="0" g="0" b="0"/>
+      </a:lnRef>
+      <a:fillRef idx="1">
+        <a:scrgbClr r="0" g="0" b="0"/>
+      </a:fillRef>
+      <a:effectRef idx="0">
+        <a:scrgbClr r="0" g="0" b="0"/>
+      </a:effectRef>
+      <a:fontRef idx="minor"/>
+    </dgm:style>
+  </dgm:styleLbl>
+  <dgm:styleLbl name="sibTrans2D1">
+    <dgm:scene3d>
+      <a:camera prst="orthographicFront"/>
+      <a:lightRig rig="threePt" dir="t"/>
+    </dgm:scene3d>
+    <dgm:sp3d/>
+    <dgm:txPr/>
+    <dgm:style>
+      <a:lnRef idx="0">
+        <a:scrgbClr r="0" g="0" b="0"/>
+      </a:lnRef>
+      <a:fillRef idx="1">
+        <a:scrgbClr r="0" g="0" b="0"/>
+      </a:fillRef>
+      <a:effectRef idx="0">
+        <a:scrgbClr r="0" g="0" b="0"/>
+      </a:effectRef>
+      <a:fontRef idx="minor">
+        <a:schemeClr val="lt1"/>
+      </a:fontRef>
+    </dgm:style>
+  </dgm:styleLbl>
+  <dgm:styleLbl name="fgSibTrans2D1">
+    <dgm:scene3d>
+      <a:camera prst="orthographicFront"/>
+      <a:lightRig rig="threePt" dir="t"/>
+    </dgm:scene3d>
+    <dgm:sp3d/>
+    <dgm:txPr/>
+    <dgm:style>
+      <a:lnRef idx="0">
+        <a:scrgbClr r="0" g="0" b="0"/>
+      </a:lnRef>
+      <a:fillRef idx="1">
+        <a:scrgbClr r="0" g="0" b="0"/>
+      </a:fillRef>
+      <a:effectRef idx="0">
+        <a:scrgbClr r="0" g="0" b="0"/>
+      </a:effectRef>
+      <a:fontRef idx="minor">
+        <a:schemeClr val="lt1"/>
+      </a:fontRef>
+    </dgm:style>
+  </dgm:styleLbl>
+  <dgm:styleLbl name="bgSibTrans2D1">
+    <dgm:scene3d>
+      <a:camera prst="orthographicFront"/>
+      <a:lightRig rig="threePt" dir="t"/>
+    </dgm:scene3d>
+    <dgm:sp3d/>
+    <dgm:txPr/>
+    <dgm:style>
+      <a:lnRef idx="0">
+        <a:scrgbClr r="0" g="0" b="0"/>
+      </a:lnRef>
+      <a:fillRef idx="1">
+        <a:scrgbClr r="0" g="0" b="0"/>
+      </a:fillRef>
+      <a:effectRef idx="0">
+        <a:scrgbClr r="0" g="0" b="0"/>
+      </a:effectRef>
+      <a:fontRef idx="minor">
+        <a:schemeClr val="lt1"/>
+      </a:fontRef>
+    </dgm:style>
+  </dgm:styleLbl>
+  <dgm:styleLbl name="sibTrans1D1">
+    <dgm:scene3d>
+      <a:camera prst="orthographicFront"/>
+      <a:lightRig rig="threePt" dir="t"/>
+    </dgm:scene3d>
+    <dgm:sp3d/>
+    <dgm:txPr/>
+    <dgm:style>
+      <a:lnRef idx="1">
+        <a:scrgbClr r="0" g="0" b="0"/>
+      </a:lnRef>
+      <a:fillRef idx="0">
+        <a:scrgbClr r="0" g="0" b="0"/>
+      </a:fillRef>
+      <a:effectRef idx="0">
+        <a:scrgbClr r="0" g="0" b="0"/>
+      </a:effectRef>
+      <a:fontRef idx="minor"/>
+    </dgm:style>
+  </dgm:styleLbl>
+  <dgm:styleLbl name="callout">
+    <dgm:scene3d>
+      <a:camera prst="orthographicFront"/>
+      <a:lightRig rig="threePt" dir="t"/>
+    </dgm:scene3d>
+    <dgm:sp3d/>
+    <dgm:txPr/>
+    <dgm:style>
+      <a:lnRef idx="2">
+        <a:scrgbClr r="0" g="0" b="0"/>
+      </a:lnRef>
+      <a:fillRef idx="1">
+        <a:scrgbClr r="0" g="0" b="0"/>
+      </a:fillRef>
+      <a:effectRef idx="0">
+        <a:scrgbClr r="0" g="0" b="0"/>
+      </a:effectRef>
+      <a:fontRef idx="minor"/>
+    </dgm:style>
+  </dgm:styleLbl>
+  <dgm:styleLbl name="asst0">
+    <dgm:scene3d>
+      <a:camera prst="orthographicFront"/>
+      <a:lightRig rig="threePt" dir="t"/>
+    </dgm:scene3d>
+    <dgm:sp3d/>
+    <dgm:txPr/>
+    <dgm:style>
+      <a:lnRef idx="2">
+        <a:scrgbClr r="0" g="0" b="0"/>
+      </a:lnRef>
+      <a:fillRef idx="1">
+        <a:scrgbClr r="0" g="0" b="0"/>
+      </a:fillRef>
+      <a:effectRef idx="0">
+        <a:scrgbClr r="0" g="0" b="0"/>
+      </a:effectRef>
+      <a:fontRef idx="minor">
+        <a:schemeClr val="lt1"/>
+      </a:fontRef>
+    </dgm:style>
+  </dgm:styleLbl>
+  <dgm:styleLbl name="asst1">
+    <dgm:scene3d>
+      <a:camera prst="orthographicFront"/>
+      <a:lightRig rig="threePt" dir="t"/>
+    </dgm:scene3d>
+    <dgm:sp3d/>
+    <dgm:txPr/>
+    <dgm:style>
+      <a:lnRef idx="2">
+        <a:scrgbClr r="0" g="0" b="0"/>
+      </a:lnRef>
+      <a:fillRef idx="1">
+        <a:scrgbClr r="0" g="0" b="0"/>
+      </a:fillRef>
+      <a:effectRef idx="0">
+        <a:scrgbClr r="0" g="0" b="0"/>
+      </a:effectRef>
+      <a:fontRef idx="minor">
+        <a:schemeClr val="lt1"/>
+      </a:fontRef>
+    </dgm:style>
+  </dgm:styleLbl>
+  <dgm:styleLbl name="asst2">
+    <dgm:scene3d>
+      <a:camera prst="orthographicFront"/>
+      <a:lightRig rig="threePt" dir="t"/>
+    </dgm:scene3d>
+    <dgm:sp3d/>
+    <dgm:txPr/>
+    <dgm:style>
+      <a:lnRef idx="2">
+        <a:scrgbClr r="0" g="0" b="0"/>
+      </a:lnRef>
+      <a:fillRef idx="1">
+        <a:scrgbClr r="0" g="0" b="0"/>
+      </a:fillRef>
+      <a:effectRef idx="0">
+        <a:scrgbClr r="0" g="0" b="0"/>
+      </a:effectRef>
+      <a:fontRef idx="minor">
+        <a:schemeClr val="lt1"/>
+      </a:fontRef>
+    </dgm:style>
+  </dgm:styleLbl>
+  <dgm:styleLbl name="asst3">
+    <dgm:scene3d>
+      <a:camera prst="orthographicFront"/>
+      <a:lightRig rig="threePt" dir="t"/>
+    </dgm:scene3d>
+    <dgm:sp3d/>
+    <dgm:txPr/>
+    <dgm:style>
+      <a:lnRef idx="2">
+        <a:scrgbClr r="0" g="0" b="0"/>
+      </a:lnRef>
+      <a:fillRef idx="1">
+        <a:scrgbClr r="0" g="0" b="0"/>
+      </a:fillRef>
+      <a:effectRef idx="0">
+        <a:scrgbClr r="0" g="0" b="0"/>
+      </a:effectRef>
+      <a:fontRef idx="minor">
+        <a:schemeClr val="lt1"/>
+      </a:fontRef>
+    </dgm:style>
+  </dgm:styleLbl>
+  <dgm:styleLbl name="asst4">
+    <dgm:scene3d>
+      <a:camera prst="orthographicFront"/>
+      <a:lightRig rig="threePt" dir="t"/>
+    </dgm:scene3d>
+    <dgm:sp3d/>
+    <dgm:txPr/>
+    <dgm:style>
+      <a:lnRef idx="2">
+        <a:scrgbClr r="0" g="0" b="0"/>
+      </a:lnRef>
+      <a:fillRef idx="1">
+        <a:scrgbClr r="0" g="0" b="0"/>
+      </a:fillRef>
+      <a:effectRef idx="0">
+        <a:scrgbClr r="0" g="0" b="0"/>
+      </a:effectRef>
+      <a:fontRef idx="minor">
+        <a:schemeClr val="lt1"/>
+      </a:fontRef>
+    </dgm:style>
+  </dgm:styleLbl>
+  <dgm:styleLbl name="parChTrans2D1">
+    <dgm:scene3d>
+      <a:camera prst="orthographicFront"/>
+      <a:lightRig rig="threePt" dir="t"/>
+    </dgm:scene3d>
+    <dgm:sp3d/>
+    <dgm:txPr/>
+    <dgm:style>
+      <a:lnRef idx="2">
+        <a:scrgbClr r="0" g="0" b="0"/>
+      </a:lnRef>
+      <a:fillRef idx="1">
+        <a:scrgbClr r="0" g="0" b="0"/>
+      </a:fillRef>
+      <a:effectRef idx="0">
+        <a:scrgbClr r="0" g="0" b="0"/>
+      </a:effectRef>
+      <a:fontRef idx="minor">
+        <a:schemeClr val="lt1"/>
+      </a:fontRef>
+    </dgm:style>
+  </dgm:styleLbl>
+  <dgm:styleLbl name="parChTrans2D2">
+    <dgm:scene3d>
+      <a:camera prst="orthographicFront"/>
+      <a:lightRig rig="threePt" dir="t"/>
+    </dgm:scene3d>
+    <dgm:sp3d/>
+    <dgm:txPr/>
+    <dgm:style>
+      <a:lnRef idx="2">
+        <a:scrgbClr r="0" g="0" b="0"/>
+      </a:lnRef>
+      <a:fillRef idx="1">
+        <a:scrgbClr r="0" g="0" b="0"/>
+      </a:fillRef>
+      <a:effectRef idx="0">
+        <a:scrgbClr r="0" g="0" b="0"/>
+      </a:effectRef>
+      <a:fontRef idx="minor">
+        <a:schemeClr val="lt1"/>
+      </a:fontRef>
+    </dgm:style>
+  </dgm:styleLbl>
+  <dgm:styleLbl name="parChTrans2D3">
+    <dgm:scene3d>
+      <a:camera prst="orthographicFront"/>
+      <a:lightRig rig="threePt" dir="t"/>
+    </dgm:scene3d>
+    <dgm:sp3d/>
+    <dgm:txPr/>
+    <dgm:style>
+      <a:lnRef idx="2">
+        <a:scrgbClr r="0" g="0" b="0"/>
+      </a:lnRef>
+      <a:fillRef idx="1">
+        <a:scrgbClr r="0" g="0" b="0"/>
+      </a:fillRef>
+      <a:effectRef idx="0">
+        <a:scrgbClr r="0" g="0" b="0"/>
+      </a:effectRef>
+      <a:fontRef idx="minor">
+        <a:schemeClr val="lt1"/>
+      </a:fontRef>
+    </dgm:style>
+  </dgm:styleLbl>
+  <dgm:styleLbl name="parChTrans2D4">
+    <dgm:scene3d>
+      <a:camera prst="orthographicFront"/>
+      <a:lightRig rig="threePt" dir="t"/>
+    </dgm:scene3d>
+    <dgm:sp3d/>
+    <dgm:txPr/>
+    <dgm:style>
+      <a:lnRef idx="2">
+        <a:scrgbClr r="0" g="0" b="0"/>
+      </a:lnRef>
+      <a:fillRef idx="1">
+        <a:scrgbClr r="0" g="0" b="0"/>
+      </a:fillRef>
+      <a:effectRef idx="0">
+        <a:scrgbClr r="0" g="0" b="0"/>
+      </a:effectRef>
+      <a:fontRef idx="minor">
+        <a:schemeClr val="lt1"/>
+      </a:fontRef>
+    </dgm:style>
+  </dgm:styleLbl>
+  <dgm:styleLbl name="parChTrans1D1">
+    <dgm:scene3d>
+      <a:camera prst="orthographicFront"/>
+      <a:lightRig rig="threePt" dir="t"/>
+    </dgm:scene3d>
+    <dgm:sp3d/>
+    <dgm:txPr/>
+    <dgm:style>
+      <a:lnRef idx="2">
+        <a:scrgbClr r="0" g="0" b="0"/>
+      </a:lnRef>
+      <a:fillRef idx="0">
+        <a:scrgbClr r="0" g="0" b="0"/>
+      </a:fillRef>
+      <a:effectRef idx="0">
+        <a:scrgbClr r="0" g="0" b="0"/>
+      </a:effectRef>
+      <a:fontRef idx="minor"/>
+    </dgm:style>
+  </dgm:styleLbl>
+  <dgm:styleLbl name="parChTrans1D2">
+    <dgm:scene3d>
+      <a:camera prst="orthographicFront"/>
+      <a:lightRig rig="threePt" dir="t"/>
+    </dgm:scene3d>
+    <dgm:sp3d/>
+    <dgm:txPr/>
+    <dgm:style>
+      <a:lnRef idx="2">
+        <a:scrgbClr r="0" g="0" b="0"/>
+      </a:lnRef>
+      <a:fillRef idx="0">
+        <a:scrgbClr r="0" g="0" b="0"/>
+      </a:fillRef>
+      <a:effectRef idx="0">
+        <a:scrgbClr r="0" g="0" b="0"/>
+      </a:effectRef>
+      <a:fontRef idx="minor"/>
+    </dgm:style>
+  </dgm:styleLbl>
+  <dgm:styleLbl name="parChTrans1D3">
+    <dgm:scene3d>
+      <a:camera prst="orthographicFront"/>
+      <a:lightRig rig="threePt" dir="t"/>
+    </dgm:scene3d>
+    <dgm:sp3d/>
+    <dgm:txPr/>
+    <dgm:style>
+      <a:lnRef idx="2">
+        <a:scrgbClr r="0" g="0" b="0"/>
+      </a:lnRef>
+      <a:fillRef idx="0">
+        <a:scrgbClr r="0" g="0" b="0"/>
+      </a:fillRef>
+      <a:effectRef idx="0">
+        <a:scrgbClr r="0" g="0" b="0"/>
+      </a:effectRef>
+      <a:fontRef idx="minor"/>
+    </dgm:style>
+  </dgm:styleLbl>
+  <dgm:styleLbl name="parChTrans1D4">
+    <dgm:scene3d>
+      <a:camera prst="orthographicFront"/>
+      <a:lightRig rig="threePt" dir="t"/>
+    </dgm:scene3d>
+    <dgm:sp3d/>
+    <dgm:txPr/>
+    <dgm:style>
+      <a:lnRef idx="2">
+        <a:scrgbClr r="0" g="0" b="0"/>
+      </a:lnRef>
+      <a:fillRef idx="0">
+        <a:scrgbClr r="0" g="0" b="0"/>
+      </a:fillRef>
+      <a:effectRef idx="0">
+        <a:scrgbClr r="0" g="0" b="0"/>
+      </a:effectRef>
+      <a:fontRef idx="minor"/>
+    </dgm:style>
+  </dgm:styleLbl>
+  <dgm:styleLbl name="fgAcc1">
+    <dgm:scene3d>
+      <a:camera prst="orthographicFront"/>
+      <a:lightRig rig="threePt" dir="t"/>
+    </dgm:scene3d>
+    <dgm:sp3d/>
+    <dgm:txPr/>
+    <dgm:style>
+      <a:lnRef idx="2">
+        <a:scrgbClr r="0" g="0" b="0"/>
+      </a:lnRef>
+      <a:fillRef idx="1">
+        <a:scrgbClr r="0" g="0" b="0"/>
+      </a:fillRef>
+      <a:effectRef idx="0">
+        <a:scrgbClr r="0" g="0" b="0"/>
+      </a:effectRef>
+      <a:fontRef idx="minor"/>
+    </dgm:style>
+  </dgm:styleLbl>
+  <dgm:styleLbl name="conFgAcc1">
+    <dgm:scene3d>
+      <a:camera prst="orthographicFront"/>
+      <a:lightRig rig="threePt" dir="t"/>
+    </dgm:scene3d>
+    <dgm:sp3d/>
+    <dgm:txPr/>
+    <dgm:style>
+      <a:lnRef idx="2">
+        <a:scrgbClr r="0" g="0" b="0"/>
+      </a:lnRef>
+      <a:fillRef idx="1">
+        <a:scrgbClr r="0" g="0" b="0"/>
+      </a:fillRef>
+      <a:effectRef idx="0">
+        <a:scrgbClr r="0" g="0" b="0"/>
+      </a:effectRef>
+      <a:fontRef idx="minor"/>
+    </dgm:style>
+  </dgm:styleLbl>
+  <dgm:styleLbl name="alignAcc1">
+    <dgm:scene3d>
+      <a:camera prst="orthographicFront"/>
+      <a:lightRig rig="threePt" dir="t"/>
+    </dgm:scene3d>
+    <dgm:sp3d/>
+    <dgm:txPr/>
+    <dgm:style>
+      <a:lnRef idx="2">
+        <a:scrgbClr r="0" g="0" b="0"/>
+      </a:lnRef>
+      <a:fillRef idx="1">
+        <a:scrgbClr r="0" g="0" b="0"/>
+      </a:fillRef>
+      <a:effectRef idx="0">
+        <a:scrgbClr r="0" g="0" b="0"/>
+      </a:effectRef>
+      <a:fontRef idx="minor"/>
+    </dgm:style>
+  </dgm:styleLbl>
+  <dgm:styleLbl name="trAlignAcc1">
+    <dgm:scene3d>
+      <a:camera prst="orthographicFront"/>
+      <a:lightRig rig="threePt" dir="t"/>
+    </dgm:scene3d>
+    <dgm:sp3d/>
+    <dgm:txPr/>
+    <dgm:style>
+      <a:lnRef idx="1">
+        <a:scrgbClr r="0" g="0" b="0"/>
+      </a:lnRef>
+      <a:fillRef idx="1">
+        <a:scrgbClr r="0" g="0" b="0"/>
+      </a:fillRef>
+      <a:effectRef idx="0">
+        <a:scrgbClr r="0" g="0" b="0"/>
+      </a:effectRef>
+      <a:fontRef idx="minor"/>
+    </dgm:style>
+  </dgm:styleLbl>
+  <dgm:styleLbl name="bgAcc1">
+    <dgm:scene3d>
+      <a:camera prst="orthographicFront"/>
+      <a:lightRig rig="threePt" dir="t"/>
+    </dgm:scene3d>
+    <dgm:sp3d/>
+    <dgm:txPr/>
+    <dgm:style>
+      <a:lnRef idx="2">
+        <a:scrgbClr r="0" g="0" b="0"/>
+      </a:lnRef>
+      <a:fillRef idx="1">
+        <a:scrgbClr r="0" g="0" b="0"/>
+      </a:fillRef>
+      <a:effectRef idx="0">
+        <a:scrgbClr r="0" g="0" b="0"/>
+      </a:effectRef>
+      <a:fontRef idx="minor"/>
+    </dgm:style>
+  </dgm:styleLbl>
+  <dgm:styleLbl name="solidFgAcc1">
+    <dgm:scene3d>
+      <a:camera prst="orthographicFront"/>
+      <a:lightRig rig="threePt" dir="t"/>
+    </dgm:scene3d>
+    <dgm:sp3d/>
+    <dgm:txPr/>
+    <dgm:style>
+      <a:lnRef idx="2">
+        <a:scrgbClr r="0" g="0" b="0"/>
+      </a:lnRef>
+      <a:fillRef idx="1">
+        <a:scrgbClr r="0" g="0" b="0"/>
+      </a:fillRef>
+      <a:effectRef idx="0">
+        <a:scrgbClr r="0" g="0" b="0"/>
+      </a:effectRef>
+      <a:fontRef idx="minor"/>
+    </dgm:style>
+  </dgm:styleLbl>
+  <dgm:styleLbl name="solidAlignAcc1">
+    <dgm:scene3d>
+      <a:camera prst="orthographicFront"/>
+      <a:lightRig rig="threePt" dir="t"/>
+    </dgm:scene3d>
+    <dgm:sp3d/>
+    <dgm:txPr/>
+    <dgm:style>
+      <a:lnRef idx="2">
+        <a:scrgbClr r="0" g="0" b="0"/>
+      </a:lnRef>
+      <a:fillRef idx="1">
+        <a:scrgbClr r="0" g="0" b="0"/>
+      </a:fillRef>
+      <a:effectRef idx="0">
+        <a:scrgbClr r="0" g="0" b="0"/>
+      </a:effectRef>
+      <a:fontRef idx="minor"/>
+    </dgm:style>
+  </dgm:styleLbl>
+  <dgm:styleLbl name="solidBgAcc1">
+    <dgm:scene3d>
+      <a:camera prst="orthographicFront"/>
+      <a:lightRig rig="threePt" dir="t"/>
+    </dgm:scene3d>
+    <dgm:sp3d/>
+    <dgm:txPr/>
+    <dgm:style>
+      <a:lnRef idx="2">
+        <a:scrgbClr r="0" g="0" b="0"/>
+      </a:lnRef>
+      <a:fillRef idx="1">
+        <a:scrgbClr r="0" g="0" b="0"/>
+      </a:fillRef>
+      <a:effectRef idx="0">
+        <a:scrgbClr r="0" g="0" b="0"/>
+      </a:effectRef>
+      <a:fontRef idx="minor"/>
+    </dgm:style>
+  </dgm:styleLbl>
+  <dgm:styleLbl name="fgAccFollowNode1">
+    <dgm:scene3d>
+      <a:camera prst="orthographicFront"/>
+      <a:lightRig rig="threePt" dir="t"/>
+    </dgm:scene3d>
+    <dgm:sp3d/>
+    <dgm:txPr/>
+    <dgm:style>
+      <a:lnRef idx="2">
+        <a:scrgbClr r="0" g="0" b="0"/>
+      </a:lnRef>
+      <a:fillRef idx="1">
+        <a:scrgbClr r="0" g="0" b="0"/>
+      </a:fillRef>
+      <a:effectRef idx="0">
+        <a:scrgbClr r="0" g="0" b="0"/>
+      </a:effectRef>
+      <a:fontRef idx="minor"/>
+    </dgm:style>
+  </dgm:styleLbl>
+  <dgm:styleLbl name="alignAccFollowNode1">
+    <dgm:scene3d>
+      <a:camera prst="orthographicFront"/>
+      <a:lightRig rig="threePt" dir="t"/>
+    </dgm:scene3d>
+    <dgm:sp3d/>
+    <dgm:txPr/>
+    <dgm:style>
+      <a:lnRef idx="2">
+        <a:scrgbClr r="0" g="0" b="0"/>
+      </a:lnRef>
+      <a:fillRef idx="1">
+        <a:scrgbClr r="0" g="0" b="0"/>
+      </a:fillRef>
+      <a:effectRef idx="0">
+        <a:scrgbClr r="0" g="0" b="0"/>
+      </a:effectRef>
+      <a:fontRef idx="minor"/>
+    </dgm:style>
+  </dgm:styleLbl>
+  <dgm:styleLbl name="bgAccFollowNode1">
+    <dgm:scene3d>
+      <a:camera prst="orthographicFront"/>
+      <a:lightRig rig="threePt" dir="t"/>
+    </dgm:scene3d>
+    <dgm:sp3d/>
+    <dgm:txPr/>
+    <dgm:style>
+      <a:lnRef idx="2">
+        <a:scrgbClr r="0" g="0" b="0"/>
+      </a:lnRef>
+      <a:fillRef idx="1">
+        <a:scrgbClr r="0" g="0" b="0"/>
+      </a:fillRef>
+      <a:effectRef idx="0">
+        <a:scrgbClr r="0" g="0" b="0"/>
+      </a:effectRef>
+      <a:fontRef idx="minor"/>
+    </dgm:style>
+  </dgm:styleLbl>
+  <dgm:styleLbl name="fgAcc0">
+    <dgm:scene3d>
+      <a:camera prst="orthographicFront"/>
+      <a:lightRig rig="threePt" dir="t"/>
+    </dgm:scene3d>
+    <dgm:sp3d/>
+    <dgm:txPr/>
+    <dgm:style>
+      <a:lnRef idx="2">
+        <a:scrgbClr r="0" g="0" b="0"/>
+      </a:lnRef>
+      <a:fillRef idx="1">
+        <a:scrgbClr r="0" g="0" b="0"/>
+      </a:fillRef>
+      <a:effectRef idx="0">
+        <a:scrgbClr r="0" g="0" b="0"/>
+      </a:effectRef>
+      <a:fontRef idx="minor"/>
+    </dgm:style>
+  </dgm:styleLbl>
+  <dgm:styleLbl name="fgAcc2">
+    <dgm:scene3d>
+      <a:camera prst="orthographicFront"/>
+      <a:lightRig rig="threePt" dir="t"/>
+    </dgm:scene3d>
+    <dgm:sp3d/>
+    <dgm:txPr/>
+    <dgm:style>
+      <a:lnRef idx="2">
+        <a:scrgbClr r="0" g="0" b="0"/>
+      </a:lnRef>
+      <a:fillRef idx="1">
+        <a:scrgbClr r="0" g="0" b="0"/>
+      </a:fillRef>
+      <a:effectRef idx="0">
+        <a:scrgbClr r="0" g="0" b="0"/>
+      </a:effectRef>
+      <a:fontRef idx="minor"/>
+    </dgm:style>
+  </dgm:styleLbl>
+  <dgm:styleLbl name="fgAcc3">
+    <dgm:scene3d>
+      <a:camera prst="orthographicFront"/>
+      <a:lightRig rig="threePt" dir="t"/>
+    </dgm:scene3d>
+    <dgm:sp3d/>
+    <dgm:txPr/>
+    <dgm:style>
+      <a:lnRef idx="2">
+        <a:scrgbClr r="0" g="0" b="0"/>
+      </a:lnRef>
+      <a:fillRef idx="1">
+        <a:scrgbClr r="0" g="0" b="0"/>
+      </a:fillRef>
+      <a:effectRef idx="0">
+        <a:scrgbClr r="0" g="0" b="0"/>
+      </a:effectRef>
+      <a:fontRef idx="minor"/>
+    </dgm:style>
+  </dgm:styleLbl>
+  <dgm:styleLbl name="fgAcc4">
+    <dgm:scene3d>
+      <a:camera prst="orthographicFront"/>
+      <a:lightRig rig="threePt" dir="t"/>
+    </dgm:scene3d>
+    <dgm:sp3d/>
+    <dgm:txPr/>
+    <dgm:style>
+      <a:lnRef idx="2">
+        <a:scrgbClr r="0" g="0" b="0"/>
+      </a:lnRef>
+      <a:fillRef idx="1">
+        <a:scrgbClr r="0" g="0" b="0"/>
+      </a:fillRef>
+      <a:effectRef idx="0">
+        <a:scrgbClr r="0" g="0" b="0"/>
+      </a:effectRef>
+      <a:fontRef idx="minor"/>
+    </dgm:style>
+  </dgm:styleLbl>
+  <dgm:styleLbl name="bgShp">
+    <dgm:scene3d>
+      <a:camera prst="orthographicFront"/>
+      <a:lightRig rig="threePt" dir="t"/>
+    </dgm:scene3d>
+    <dgm:sp3d/>
+    <dgm:txPr/>
+    <dgm:style>
+      <a:lnRef idx="0">
+        <a:scrgbClr r="0" g="0" b="0"/>
+      </a:lnRef>
+      <a:fillRef idx="1">
+        <a:scrgbClr r="0" g="0" b="0"/>
+      </a:fillRef>
+      <a:effectRef idx="0">
+        <a:scrgbClr r="0" g="0" b="0"/>
+      </a:effectRef>
+      <a:fontRef idx="minor"/>
+    </dgm:style>
+  </dgm:styleLbl>
+  <dgm:styleLbl name="dkBgShp">
+    <dgm:scene3d>
+      <a:camera prst="orthographicFront"/>
+      <a:lightRig rig="threePt" dir="t"/>
+    </dgm:scene3d>
+    <dgm:sp3d/>
+    <dgm:txPr/>
+    <dgm:style>
+      <a:lnRef idx="0">
+        <a:scrgbClr r="0" g="0" b="0"/>
+      </a:lnRef>
+      <a:fillRef idx="1">
+        <a:scrgbClr r="0" g="0" b="0"/>
+      </a:fillRef>
+      <a:effectRef idx="0">
+        <a:scrgbClr r="0" g="0" b="0"/>
+      </a:effectRef>
+      <a:fontRef idx="minor"/>
+    </dgm:style>
+  </dgm:styleLbl>
+  <dgm:styleLbl name="trBgShp">
+    <dgm:scene3d>
+      <a:camera prst="orthographicFront"/>
+      <a:lightRig rig="threePt" dir="t"/>
+    </dgm:scene3d>
+    <dgm:sp3d/>
+    <dgm:txPr/>
+    <dgm:style>
+      <a:lnRef idx="0">
+        <a:scrgbClr r="0" g="0" b="0"/>
+      </a:lnRef>
+      <a:fillRef idx="1">
+        <a:scrgbClr r="0" g="0" b="0"/>
+      </a:fillRef>
+      <a:effectRef idx="0">
+        <a:scrgbClr r="0" g="0" b="0"/>
+      </a:effectRef>
+      <a:fontRef idx="minor"/>
+    </dgm:style>
+  </dgm:styleLbl>
+  <dgm:styleLbl name="fgShp">
+    <dgm:scene3d>
+      <a:camera prst="orthographicFront"/>
+      <a:lightRig rig="threePt" dir="t"/>
+    </dgm:scene3d>
+    <dgm:sp3d/>
+    <dgm:txPr/>
+    <dgm:style>
+      <a:lnRef idx="2">
+        <a:scrgbClr r="0" g="0" b="0"/>
+      </a:lnRef>
+      <a:fillRef idx="1">
+        <a:scrgbClr r="0" g="0" b="0"/>
+      </a:fillRef>
+      <a:effectRef idx="0">
+        <a:scrgbClr r="0" g="0" b="0"/>
+      </a:effectRef>
+      <a:fontRef idx="minor"/>
+    </dgm:style>
+  </dgm:styleLbl>
+  <dgm:styleLbl name="revTx">
+    <dgm:scene3d>
+      <a:camera prst="orthographicFront"/>
+      <a:lightRig rig="threePt" dir="t"/>
+    </dgm:scene3d>
+    <dgm:sp3d/>
+    <dgm:txPr/>
+    <dgm:style>
+      <a:lnRef idx="0">
+        <a:scrgbClr r="0" g="0" b="0"/>
+      </a:lnRef>
+      <a:fillRef idx="0">
+        <a:scrgbClr r="0" g="0" b="0"/>
+      </a:fillRef>
+      <a:effectRef idx="0">
+        <a:scrgbClr r="0" g="0" b="0"/>
+      </a:effectRef>
+      <a:fontRef idx="minor"/>
+    </dgm:style>
+  </dgm:styleLbl>
+</dgm:styleDef>
+</file>
+
+<file path=ppt/diagrams/quickStyle4.xml><?xml version="1.0" encoding="utf-8"?>
+<dgm:styleDef xmlns:dgm="http://schemas.openxmlformats.org/drawingml/2006/diagram" xmlns:a="http://schemas.openxmlformats.org/drawingml/2006/main" uniqueId="urn:microsoft.com/office/officeart/2005/8/quickstyle/simple1">
+  <dgm:title val=""/>
+  <dgm:desc val=""/>
+  <dgm:catLst>
+    <dgm:cat type="simple" pri="10100"/>
+  </dgm:catLst>
+  <dgm:scene3d>
+    <a:camera prst="orthographicFront"/>
+    <a:lightRig rig="threePt" dir="t"/>
+  </dgm:scene3d>
+  <dgm:styleLbl name="node0">
+    <dgm:scene3d>
+      <a:camera prst="orthographicFront"/>
+      <a:lightRig rig="threePt" dir="t"/>
+    </dgm:scene3d>
+    <dgm:sp3d/>
+    <dgm:txPr/>
+    <dgm:style>
+      <a:lnRef idx="2">
+        <a:scrgbClr r="0" g="0" b="0"/>
+      </a:lnRef>
+      <a:fillRef idx="1">
+        <a:scrgbClr r="0" g="0" b="0"/>
+      </a:fillRef>
+      <a:effectRef idx="0">
+        <a:scrgbClr r="0" g="0" b="0"/>
+      </a:effectRef>
+      <a:fontRef idx="minor">
+        <a:schemeClr val="lt1"/>
+      </a:fontRef>
+    </dgm:style>
+  </dgm:styleLbl>
+  <dgm:styleLbl name="lnNode1">
+    <dgm:scene3d>
+      <a:camera prst="orthographicFront"/>
+      <a:lightRig rig="threePt" dir="t"/>
+    </dgm:scene3d>
+    <dgm:sp3d/>
+    <dgm:txPr/>
+    <dgm:style>
+      <a:lnRef idx="2">
+        <a:scrgbClr r="0" g="0" b="0"/>
+      </a:lnRef>
+      <a:fillRef idx="1">
+        <a:scrgbClr r="0" g="0" b="0"/>
+      </a:fillRef>
+      <a:effectRef idx="0">
+        <a:scrgbClr r="0" g="0" b="0"/>
+      </a:effectRef>
+      <a:fontRef idx="minor">
+        <a:schemeClr val="lt1"/>
+      </a:fontRef>
+    </dgm:style>
+  </dgm:styleLbl>
+  <dgm:styleLbl name="vennNode1">
+    <dgm:scene3d>
+      <a:camera prst="orthographicFront"/>
+      <a:lightRig rig="threePt" dir="t"/>
+    </dgm:scene3d>
+    <dgm:sp3d/>
+    <dgm:txPr/>
+    <dgm:style>
+      <a:lnRef idx="2">
+        <a:scrgbClr r="0" g="0" b="0"/>
+      </a:lnRef>
+      <a:fillRef idx="1">
+        <a:scrgbClr r="0" g="0" b="0"/>
+      </a:fillRef>
+      <a:effectRef idx="0">
+        <a:scrgbClr r="0" g="0" b="0"/>
+      </a:effectRef>
+      <a:fontRef idx="minor">
+        <a:schemeClr val="tx1"/>
+      </a:fontRef>
+    </dgm:style>
+  </dgm:styleLbl>
+  <dgm:styleLbl name="alignNode1">
+    <dgm:scene3d>
+      <a:camera prst="orthographicFront"/>
+      <a:lightRig rig="threePt" dir="t"/>
+    </dgm:scene3d>
+    <dgm:sp3d/>
+    <dgm:txPr/>
+    <dgm:style>
+      <a:lnRef idx="2">
+        <a:scrgbClr r="0" g="0" b="0"/>
+      </a:lnRef>
+      <a:fillRef idx="1">
+        <a:scrgbClr r="0" g="0" b="0"/>
+      </a:fillRef>
+      <a:effectRef idx="0">
+        <a:scrgbClr r="0" g="0" b="0"/>
+      </a:effectRef>
+      <a:fontRef idx="minor">
+        <a:schemeClr val="lt1"/>
+      </a:fontRef>
+    </dgm:style>
+  </dgm:styleLbl>
+  <dgm:styleLbl name="node1">
+    <dgm:scene3d>
+      <a:camera prst="orthographicFront"/>
+      <a:lightRig rig="threePt" dir="t"/>
+    </dgm:scene3d>
+    <dgm:sp3d/>
+    <dgm:txPr/>
+    <dgm:style>
+      <a:lnRef idx="2">
+        <a:scrgbClr r="0" g="0" b="0"/>
+      </a:lnRef>
+      <a:fillRef idx="1">
+        <a:scrgbClr r="0" g="0" b="0"/>
+      </a:fillRef>
+      <a:effectRef idx="0">
+        <a:scrgbClr r="0" g="0" b="0"/>
+      </a:effectRef>
+      <a:fontRef idx="minor">
+        <a:schemeClr val="lt1"/>
+      </a:fontRef>
+    </dgm:style>
+  </dgm:styleLbl>
+  <dgm:styleLbl name="node2">
+    <dgm:scene3d>
+      <a:camera prst="orthographicFront"/>
+      <a:lightRig rig="threePt" dir="t"/>
+    </dgm:scene3d>
+    <dgm:sp3d/>
+    <dgm:txPr/>
+    <dgm:style>
+      <a:lnRef idx="2">
+        <a:scrgbClr r="0" g="0" b="0"/>
+      </a:lnRef>
+      <a:fillRef idx="1">
+        <a:scrgbClr r="0" g="0" b="0"/>
+      </a:fillRef>
+      <a:effectRef idx="0">
+        <a:scrgbClr r="0" g="0" b="0"/>
+      </a:effectRef>
+      <a:fontRef idx="minor">
+        <a:schemeClr val="lt1"/>
+      </a:fontRef>
+    </dgm:style>
+  </dgm:styleLbl>
+  <dgm:styleLbl name="node3">
+    <dgm:scene3d>
+      <a:camera prst="orthographicFront"/>
+      <a:lightRig rig="threePt" dir="t"/>
+    </dgm:scene3d>
+    <dgm:sp3d/>
+    <dgm:txPr/>
+    <dgm:style>
+      <a:lnRef idx="2">
+        <a:scrgbClr r="0" g="0" b="0"/>
+      </a:lnRef>
+      <a:fillRef idx="1">
+        <a:scrgbClr r="0" g="0" b="0"/>
+      </a:fillRef>
+      <a:effectRef idx="0">
+        <a:scrgbClr r="0" g="0" b="0"/>
+      </a:effectRef>
+      <a:fontRef idx="minor">
+        <a:schemeClr val="lt1"/>
+      </a:fontRef>
+    </dgm:style>
+  </dgm:styleLbl>
+  <dgm:styleLbl name="node4">
+    <dgm:scene3d>
+      <a:camera prst="orthographicFront"/>
+      <a:lightRig rig="threePt" dir="t"/>
+    </dgm:scene3d>
+    <dgm:sp3d/>
+    <dgm:txPr/>
+    <dgm:style>
+      <a:lnRef idx="2">
+        <a:scrgbClr r="0" g="0" b="0"/>
+      </a:lnRef>
+      <a:fillRef idx="1">
+        <a:scrgbClr r="0" g="0" b="0"/>
+      </a:fillRef>
+      <a:effectRef idx="0">
+        <a:scrgbClr r="0" g="0" b="0"/>
+      </a:effectRef>
+      <a:fontRef idx="minor">
+        <a:schemeClr val="lt1"/>
+      </a:fontRef>
+    </dgm:style>
+  </dgm:styleLbl>
+  <dgm:styleLbl name="fgImgPlace1">
+    <dgm:scene3d>
+      <a:camera prst="orthographicFront"/>
+      <a:lightRig rig="threePt" dir="t"/>
+    </dgm:scene3d>
+    <dgm:sp3d/>
+    <dgm:txPr/>
+    <dgm:style>
+      <a:lnRef idx="2">
+        <a:scrgbClr r="0" g="0" b="0"/>
+      </a:lnRef>
+      <a:fillRef idx="1">
+        <a:scrgbClr r="0" g="0" b="0"/>
+      </a:fillRef>
+      <a:effectRef idx="0">
+        <a:scrgbClr r="0" g="0" b="0"/>
+      </a:effectRef>
+      <a:fontRef idx="minor"/>
+    </dgm:style>
+  </dgm:styleLbl>
+  <dgm:styleLbl name="alignImgPlace1">
+    <dgm:scene3d>
+      <a:camera prst="orthographicFront"/>
+      <a:lightRig rig="threePt" dir="t"/>
+    </dgm:scene3d>
+    <dgm:sp3d/>
+    <dgm:txPr/>
+    <dgm:style>
+      <a:lnRef idx="2">
+        <a:scrgbClr r="0" g="0" b="0"/>
+      </a:lnRef>
+      <a:fillRef idx="1">
+        <a:scrgbClr r="0" g="0" b="0"/>
+      </a:fillRef>
+      <a:effectRef idx="0">
+        <a:scrgbClr r="0" g="0" b="0"/>
+      </a:effectRef>
+      <a:fontRef idx="minor"/>
+    </dgm:style>
+  </dgm:styleLbl>
+  <dgm:styleLbl name="bgImgPlace1">
+    <dgm:scene3d>
+      <a:camera prst="orthographicFront"/>
+      <a:lightRig rig="threePt" dir="t"/>
+    </dgm:scene3d>
+    <dgm:sp3d/>
+    <dgm:txPr/>
+    <dgm:style>
+      <a:lnRef idx="2">
+        <a:scrgbClr r="0" g="0" b="0"/>
+      </a:lnRef>
+      <a:fillRef idx="1">
+        <a:scrgbClr r="0" g="0" b="0"/>
+      </a:fillRef>
+      <a:effectRef idx="0">
+        <a:scrgbClr r="0" g="0" b="0"/>
+      </a:effectRef>
+      <a:fontRef idx="minor"/>
+    </dgm:style>
+  </dgm:styleLbl>
+  <dgm:styleLbl name="sibTrans2D1">
+    <dgm:scene3d>
+      <a:camera prst="orthographicFront"/>
+      <a:lightRig rig="threePt" dir="t"/>
+    </dgm:scene3d>
+    <dgm:sp3d/>
+    <dgm:txPr/>
+    <dgm:style>
+      <a:lnRef idx="0">
+        <a:scrgbClr r="0" g="0" b="0"/>
+      </a:lnRef>
+      <a:fillRef idx="1">
+        <a:scrgbClr r="0" g="0" b="0"/>
+      </a:fillRef>
+      <a:effectRef idx="0">
+        <a:scrgbClr r="0" g="0" b="0"/>
+      </a:effectRef>
+      <a:fontRef idx="minor">
+        <a:schemeClr val="lt1"/>
+      </a:fontRef>
+    </dgm:style>
+  </dgm:styleLbl>
+  <dgm:styleLbl name="fgSibTrans2D1">
+    <dgm:scene3d>
+      <a:camera prst="orthographicFront"/>
+      <a:lightRig rig="threePt" dir="t"/>
+    </dgm:scene3d>
+    <dgm:sp3d/>
+    <dgm:txPr/>
+    <dgm:style>
+      <a:lnRef idx="0">
+        <a:scrgbClr r="0" g="0" b="0"/>
+      </a:lnRef>
+      <a:fillRef idx="1">
+        <a:scrgbClr r="0" g="0" b="0"/>
+      </a:fillRef>
+      <a:effectRef idx="0">
+        <a:scrgbClr r="0" g="0" b="0"/>
+      </a:effectRef>
+      <a:fontRef idx="minor">
+        <a:schemeClr val="lt1"/>
+      </a:fontRef>
+    </dgm:style>
+  </dgm:styleLbl>
+  <dgm:styleLbl name="bgSibTrans2D1">
+    <dgm:scene3d>
+      <a:camera prst="orthographicFront"/>
+      <a:lightRig rig="threePt" dir="t"/>
+    </dgm:scene3d>
+    <dgm:sp3d/>
+    <dgm:txPr/>
+    <dgm:style>
+      <a:lnRef idx="0">
+        <a:scrgbClr r="0" g="0" b="0"/>
+      </a:lnRef>
+      <a:fillRef idx="1">
+        <a:scrgbClr r="0" g="0" b="0"/>
+      </a:fillRef>
+      <a:effectRef idx="0">
+        <a:scrgbClr r="0" g="0" b="0"/>
+      </a:effectRef>
+      <a:fontRef idx="minor">
+        <a:schemeClr val="lt1"/>
+      </a:fontRef>
+    </dgm:style>
+  </dgm:styleLbl>
+  <dgm:styleLbl name="sibTrans1D1">
+    <dgm:scene3d>
+      <a:camera prst="orthographicFront"/>
+      <a:lightRig rig="threePt" dir="t"/>
+    </dgm:scene3d>
+    <dgm:sp3d/>
+    <dgm:txPr/>
+    <dgm:style>
+      <a:lnRef idx="1">
+        <a:scrgbClr r="0" g="0" b="0"/>
+      </a:lnRef>
+      <a:fillRef idx="0">
+        <a:scrgbClr r="0" g="0" b="0"/>
+      </a:fillRef>
+      <a:effectRef idx="0">
+        <a:scrgbClr r="0" g="0" b="0"/>
+      </a:effectRef>
+      <a:fontRef idx="minor"/>
+    </dgm:style>
+  </dgm:styleLbl>
+  <dgm:styleLbl name="callout">
+    <dgm:scene3d>
+      <a:camera prst="orthographicFront"/>
+      <a:lightRig rig="threePt" dir="t"/>
+    </dgm:scene3d>
+    <dgm:sp3d/>
+    <dgm:txPr/>
+    <dgm:style>
+      <a:lnRef idx="2">
+        <a:scrgbClr r="0" g="0" b="0"/>
+      </a:lnRef>
+      <a:fillRef idx="1">
+        <a:scrgbClr r="0" g="0" b="0"/>
+      </a:fillRef>
+      <a:effectRef idx="0">
+        <a:scrgbClr r="0" g="0" b="0"/>
+      </a:effectRef>
+      <a:fontRef idx="minor"/>
+    </dgm:style>
+  </dgm:styleLbl>
+  <dgm:styleLbl name="asst0">
+    <dgm:scene3d>
+      <a:camera prst="orthographicFront"/>
+      <a:lightRig rig="threePt" dir="t"/>
+    </dgm:scene3d>
+    <dgm:sp3d/>
+    <dgm:txPr/>
+    <dgm:style>
+      <a:lnRef idx="2">
+        <a:scrgbClr r="0" g="0" b="0"/>
+      </a:lnRef>
+      <a:fillRef idx="1">
+        <a:scrgbClr r="0" g="0" b="0"/>
+      </a:fillRef>
+      <a:effectRef idx="0">
+        <a:scrgbClr r="0" g="0" b="0"/>
+      </a:effectRef>
+      <a:fontRef idx="minor">
+        <a:schemeClr val="lt1"/>
+      </a:fontRef>
+    </dgm:style>
+  </dgm:styleLbl>
+  <dgm:styleLbl name="asst1">
+    <dgm:scene3d>
+      <a:camera prst="orthographicFront"/>
+      <a:lightRig rig="threePt" dir="t"/>
+    </dgm:scene3d>
+    <dgm:sp3d/>
+    <dgm:txPr/>
+    <dgm:style>
+      <a:lnRef idx="2">
+        <a:scrgbClr r="0" g="0" b="0"/>
+      </a:lnRef>
+      <a:fillRef idx="1">
+        <a:scrgbClr r="0" g="0" b="0"/>
+      </a:fillRef>
+      <a:effectRef idx="0">
+        <a:scrgbClr r="0" g="0" b="0"/>
+      </a:effectRef>
+      <a:fontRef idx="minor">
+        <a:schemeClr val="lt1"/>
+      </a:fontRef>
+    </dgm:style>
+  </dgm:styleLbl>
+  <dgm:styleLbl name="asst2">
+    <dgm:scene3d>
+      <a:camera prst="orthographicFront"/>
+      <a:lightRig rig="threePt" dir="t"/>
+    </dgm:scene3d>
+    <dgm:sp3d/>
+    <dgm:txPr/>
+    <dgm:style>
+      <a:lnRef idx="2">
+        <a:scrgbClr r="0" g="0" b="0"/>
+      </a:lnRef>
+      <a:fillRef idx="1">
+        <a:scrgbClr r="0" g="0" b="0"/>
+      </a:fillRef>
+      <a:effectRef idx="0">
+        <a:scrgbClr r="0" g="0" b="0"/>
+      </a:effectRef>
+      <a:fontRef idx="minor">
+        <a:schemeClr val="lt1"/>
+      </a:fontRef>
+    </dgm:style>
+  </dgm:styleLbl>
+  <dgm:styleLbl name="asst3">
+    <dgm:scene3d>
+      <a:camera prst="orthographicFront"/>
+      <a:lightRig rig="threePt" dir="t"/>
+    </dgm:scene3d>
+    <dgm:sp3d/>
+    <dgm:txPr/>
+    <dgm:style>
+      <a:lnRef idx="2">
+        <a:scrgbClr r="0" g="0" b="0"/>
+      </a:lnRef>
+      <a:fillRef idx="1">
+        <a:scrgbClr r="0" g="0" b="0"/>
+      </a:fillRef>
+      <a:effectRef idx="0">
+        <a:scrgbClr r="0" g="0" b="0"/>
+      </a:effectRef>
+      <a:fontRef idx="minor">
+        <a:schemeClr val="lt1"/>
+      </a:fontRef>
+    </dgm:style>
+  </dgm:styleLbl>
+  <dgm:styleLbl name="asst4">
+    <dgm:scene3d>
+      <a:camera prst="orthographicFront"/>
+      <a:lightRig rig="threePt" dir="t"/>
+    </dgm:scene3d>
+    <dgm:sp3d/>
+    <dgm:txPr/>
+    <dgm:style>
+      <a:lnRef idx="2">
+        <a:scrgbClr r="0" g="0" b="0"/>
+      </a:lnRef>
+      <a:fillRef idx="1">
+        <a:scrgbClr r="0" g="0" b="0"/>
+      </a:fillRef>
+      <a:effectRef idx="0">
+        <a:scrgbClr r="0" g="0" b="0"/>
+      </a:effectRef>
+      <a:fontRef idx="minor">
+        <a:schemeClr val="lt1"/>
+      </a:fontRef>
+    </dgm:style>
+  </dgm:styleLbl>
+  <dgm:styleLbl name="parChTrans2D1">
+    <dgm:scene3d>
+      <a:camera prst="orthographicFront"/>
+      <a:lightRig rig="threePt" dir="t"/>
+    </dgm:scene3d>
+    <dgm:sp3d/>
+    <dgm:txPr/>
+    <dgm:style>
+      <a:lnRef idx="2">
+        <a:scrgbClr r="0" g="0" b="0"/>
+      </a:lnRef>
+      <a:fillRef idx="1">
+        <a:scrgbClr r="0" g="0" b="0"/>
+      </a:fillRef>
+      <a:effectRef idx="0">
+        <a:scrgbClr r="0" g="0" b="0"/>
+      </a:effectRef>
+      <a:fontRef idx="minor">
+        <a:schemeClr val="lt1"/>
+      </a:fontRef>
+    </dgm:style>
+  </dgm:styleLbl>
+  <dgm:styleLbl name="parChTrans2D2">
+    <dgm:scene3d>
+      <a:camera prst="orthographicFront"/>
+      <a:lightRig rig="threePt" dir="t"/>
+    </dgm:scene3d>
+    <dgm:sp3d/>
+    <dgm:txPr/>
+    <dgm:style>
+      <a:lnRef idx="2">
+        <a:scrgbClr r="0" g="0" b="0"/>
+      </a:lnRef>
+      <a:fillRef idx="1">
+        <a:scrgbClr r="0" g="0" b="0"/>
+      </a:fillRef>
+      <a:effectRef idx="0">
+        <a:scrgbClr r="0" g="0" b="0"/>
+      </a:effectRef>
+      <a:fontRef idx="minor">
+        <a:schemeClr val="lt1"/>
+      </a:fontRef>
+    </dgm:style>
+  </dgm:styleLbl>
+  <dgm:styleLbl name="parChTrans2D3">
+    <dgm:scene3d>
+      <a:camera prst="orthographicFront"/>
+      <a:lightRig rig="threePt" dir="t"/>
+    </dgm:scene3d>
+    <dgm:sp3d/>
+    <dgm:txPr/>
+    <dgm:style>
+      <a:lnRef idx="2">
+        <a:scrgbClr r="0" g="0" b="0"/>
+      </a:lnRef>
+      <a:fillRef idx="1">
+        <a:scrgbClr r="0" g="0" b="0"/>
+      </a:fillRef>
+      <a:effectRef idx="0">
+        <a:scrgbClr r="0" g="0" b="0"/>
+      </a:effectRef>
+      <a:fontRef idx="minor">
+        <a:schemeClr val="lt1"/>
+      </a:fontRef>
+    </dgm:style>
+  </dgm:styleLbl>
+  <dgm:styleLbl name="parChTrans2D4">
+    <dgm:scene3d>
+      <a:camera prst="orthographicFront"/>
+      <a:lightRig rig="threePt" dir="t"/>
+    </dgm:scene3d>
+    <dgm:sp3d/>
+    <dgm:txPr/>
+    <dgm:style>
+      <a:lnRef idx="2">
+        <a:scrgbClr r="0" g="0" b="0"/>
+      </a:lnRef>
+      <a:fillRef idx="1">
+        <a:scrgbClr r="0" g="0" b="0"/>
+      </a:fillRef>
+      <a:effectRef idx="0">
+        <a:scrgbClr r="0" g="0" b="0"/>
+      </a:effectRef>
+      <a:fontRef idx="minor">
+        <a:schemeClr val="lt1"/>
+      </a:fontRef>
+    </dgm:style>
+  </dgm:styleLbl>
+  <dgm:styleLbl name="parChTrans1D1">
+    <dgm:scene3d>
+      <a:camera prst="orthographicFront"/>
+      <a:lightRig rig="threePt" dir="t"/>
+    </dgm:scene3d>
+    <dgm:sp3d/>
+    <dgm:txPr/>
+    <dgm:style>
+      <a:lnRef idx="2">
+        <a:scrgbClr r="0" g="0" b="0"/>
+      </a:lnRef>
+      <a:fillRef idx="0">
+        <a:scrgbClr r="0" g="0" b="0"/>
+      </a:fillRef>
+      <a:effectRef idx="0">
+        <a:scrgbClr r="0" g="0" b="0"/>
+      </a:effectRef>
+      <a:fontRef idx="minor"/>
+    </dgm:style>
+  </dgm:styleLbl>
+  <dgm:styleLbl name="parChTrans1D2">
+    <dgm:scene3d>
+      <a:camera prst="orthographicFront"/>
+      <a:lightRig rig="threePt" dir="t"/>
+    </dgm:scene3d>
+    <dgm:sp3d/>
+    <dgm:txPr/>
+    <dgm:style>
+      <a:lnRef idx="2">
+        <a:scrgbClr r="0" g="0" b="0"/>
+      </a:lnRef>
+      <a:fillRef idx="0">
+        <a:scrgbClr r="0" g="0" b="0"/>
+      </a:fillRef>
+      <a:effectRef idx="0">
+        <a:scrgbClr r="0" g="0" b="0"/>
+      </a:effectRef>
+      <a:fontRef idx="minor"/>
+    </dgm:style>
+  </dgm:styleLbl>
+  <dgm:styleLbl name="parChTrans1D3">
+    <dgm:scene3d>
+      <a:camera prst="orthographicFront"/>
+      <a:lightRig rig="threePt" dir="t"/>
+    </dgm:scene3d>
+    <dgm:sp3d/>
+    <dgm:txPr/>
+    <dgm:style>
+      <a:lnRef idx="2">
+        <a:scrgbClr r="0" g="0" b="0"/>
+      </a:lnRef>
+      <a:fillRef idx="0">
+        <a:scrgbClr r="0" g="0" b="0"/>
+      </a:fillRef>
+      <a:effectRef idx="0">
+        <a:scrgbClr r="0" g="0" b="0"/>
+      </a:effectRef>
+      <a:fontRef idx="minor"/>
+    </dgm:style>
+  </dgm:styleLbl>
+  <dgm:styleLbl name="parChTrans1D4">
+    <dgm:scene3d>
+      <a:camera prst="orthographicFront"/>
+      <a:lightRig rig="threePt" dir="t"/>
+    </dgm:scene3d>
+    <dgm:sp3d/>
+    <dgm:txPr/>
+    <dgm:style>
+      <a:lnRef idx="2">
+        <a:scrgbClr r="0" g="0" b="0"/>
+      </a:lnRef>
+      <a:fillRef idx="0">
+        <a:scrgbClr r="0" g="0" b="0"/>
+      </a:fillRef>
+      <a:effectRef idx="0">
+        <a:scrgbClr r="0" g="0" b="0"/>
+      </a:effectRef>
+      <a:fontRef idx="minor"/>
+    </dgm:style>
+  </dgm:styleLbl>
+  <dgm:styleLbl name="fgAcc1">
+    <dgm:scene3d>
+      <a:camera prst="orthographicFront"/>
+      <a:lightRig rig="threePt" dir="t"/>
+    </dgm:scene3d>
+    <dgm:sp3d/>
+    <dgm:txPr/>
+    <dgm:style>
+      <a:lnRef idx="2">
+        <a:scrgbClr r="0" g="0" b="0"/>
+      </a:lnRef>
+      <a:fillRef idx="1">
+        <a:scrgbClr r="0" g="0" b="0"/>
+      </a:fillRef>
+      <a:effectRef idx="0">
+        <a:scrgbClr r="0" g="0" b="0"/>
+      </a:effectRef>
+      <a:fontRef idx="minor"/>
+    </dgm:style>
+  </dgm:styleLbl>
+  <dgm:styleLbl name="conFgAcc1">
+    <dgm:scene3d>
+      <a:camera prst="orthographicFront"/>
+      <a:lightRig rig="threePt" dir="t"/>
+    </dgm:scene3d>
+    <dgm:sp3d/>
+    <dgm:txPr/>
+    <dgm:style>
+      <a:lnRef idx="2">
+        <a:scrgbClr r="0" g="0" b="0"/>
+      </a:lnRef>
+      <a:fillRef idx="1">
+        <a:scrgbClr r="0" g="0" b="0"/>
+      </a:fillRef>
+      <a:effectRef idx="0">
+        <a:scrgbClr r="0" g="0" b="0"/>
+      </a:effectRef>
+      <a:fontRef idx="minor"/>
+    </dgm:style>
+  </dgm:styleLbl>
+  <dgm:styleLbl name="alignAcc1">
+    <dgm:scene3d>
+      <a:camera prst="orthographicFront"/>
+      <a:lightRig rig="threePt" dir="t"/>
+    </dgm:scene3d>
+    <dgm:sp3d/>
+    <dgm:txPr/>
+    <dgm:style>
+      <a:lnRef idx="2">
+        <a:scrgbClr r="0" g="0" b="0"/>
+      </a:lnRef>
+      <a:fillRef idx="1">
+        <a:scrgbClr r="0" g="0" b="0"/>
+      </a:fillRef>
+      <a:effectRef idx="0">
+        <a:scrgbClr r="0" g="0" b="0"/>
+      </a:effectRef>
+      <a:fontRef idx="minor"/>
+    </dgm:style>
+  </dgm:styleLbl>
+  <dgm:styleLbl name="trAlignAcc1">
+    <dgm:scene3d>
+      <a:camera prst="orthographicFront"/>
+      <a:lightRig rig="threePt" dir="t"/>
+    </dgm:scene3d>
+    <dgm:sp3d/>
+    <dgm:txPr/>
+    <dgm:style>
+      <a:lnRef idx="1">
+        <a:scrgbClr r="0" g="0" b="0"/>
+      </a:lnRef>
+      <a:fillRef idx="1">
+        <a:scrgbClr r="0" g="0" b="0"/>
+      </a:fillRef>
+      <a:effectRef idx="0">
+        <a:scrgbClr r="0" g="0" b="0"/>
+      </a:effectRef>
+      <a:fontRef idx="minor"/>
+    </dgm:style>
+  </dgm:styleLbl>
+  <dgm:styleLbl name="bgAcc1">
+    <dgm:scene3d>
+      <a:camera prst="orthographicFront"/>
+      <a:lightRig rig="threePt" dir="t"/>
+    </dgm:scene3d>
+    <dgm:sp3d/>
+    <dgm:txPr/>
+    <dgm:style>
+      <a:lnRef idx="2">
+        <a:scrgbClr r="0" g="0" b="0"/>
+      </a:lnRef>
+      <a:fillRef idx="1">
+        <a:scrgbClr r="0" g="0" b="0"/>
+      </a:fillRef>
+      <a:effectRef idx="0">
+        <a:scrgbClr r="0" g="0" b="0"/>
+      </a:effectRef>
+      <a:fontRef idx="minor"/>
+    </dgm:style>
+  </dgm:styleLbl>
+  <dgm:styleLbl name="solidFgAcc1">
+    <dgm:scene3d>
+      <a:camera prst="orthographicFront"/>
+      <a:lightRig rig="threePt" dir="t"/>
+    </dgm:scene3d>
+    <dgm:sp3d/>
+    <dgm:txPr/>
+    <dgm:style>
+      <a:lnRef idx="2">
+        <a:scrgbClr r="0" g="0" b="0"/>
+      </a:lnRef>
+      <a:fillRef idx="1">
+        <a:scrgbClr r="0" g="0" b="0"/>
+      </a:fillRef>
+      <a:effectRef idx="0">
+        <a:scrgbClr r="0" g="0" b="0"/>
+      </a:effectRef>
+      <a:fontRef idx="minor"/>
+    </dgm:style>
+  </dgm:styleLbl>
+  <dgm:styleLbl name="solidAlignAcc1">
+    <dgm:scene3d>
+      <a:camera prst="orthographicFront"/>
+      <a:lightRig rig="threePt" dir="t"/>
+    </dgm:scene3d>
+    <dgm:sp3d/>
+    <dgm:txPr/>
+    <dgm:style>
+      <a:lnRef idx="2">
+        <a:scrgbClr r="0" g="0" b="0"/>
+      </a:lnRef>
+      <a:fillRef idx="1">
+        <a:scrgbClr r="0" g="0" b="0"/>
+      </a:fillRef>
+      <a:effectRef idx="0">
+        <a:scrgbClr r="0" g="0" b="0"/>
+      </a:effectRef>
+      <a:fontRef idx="minor"/>
+    </dgm:style>
+  </dgm:styleLbl>
+  <dgm:styleLbl name="solidBgAcc1">
+    <dgm:scene3d>
+      <a:camera prst="orthographicFront"/>
+      <a:lightRig rig="threePt" dir="t"/>
+    </dgm:scene3d>
+    <dgm:sp3d/>
+    <dgm:txPr/>
+    <dgm:style>
+      <a:lnRef idx="2">
+        <a:scrgbClr r="0" g="0" b="0"/>
+      </a:lnRef>
+      <a:fillRef idx="1">
+        <a:scrgbClr r="0" g="0" b="0"/>
+      </a:fillRef>
+      <a:effectRef idx="0">
+        <a:scrgbClr r="0" g="0" b="0"/>
+      </a:effectRef>
+      <a:fontRef idx="minor"/>
+    </dgm:style>
+  </dgm:styleLbl>
+  <dgm:styleLbl name="fgAccFollowNode1">
+    <dgm:scene3d>
+      <a:camera prst="orthographicFront"/>
+      <a:lightRig rig="threePt" dir="t"/>
+    </dgm:scene3d>
+    <dgm:sp3d/>
+    <dgm:txPr/>
+    <dgm:style>
+      <a:lnRef idx="2">
+        <a:scrgbClr r="0" g="0" b="0"/>
+      </a:lnRef>
+      <a:fillRef idx="1">
+        <a:scrgbClr r="0" g="0" b="0"/>
+      </a:fillRef>
+      <a:effectRef idx="0">
+        <a:scrgbClr r="0" g="0" b="0"/>
+      </a:effectRef>
+      <a:fontRef idx="minor"/>
+    </dgm:style>
+  </dgm:styleLbl>
+  <dgm:styleLbl name="alignAccFollowNode1">
+    <dgm:scene3d>
+      <a:camera prst="orthographicFront"/>
+      <a:lightRig rig="threePt" dir="t"/>
+    </dgm:scene3d>
+    <dgm:sp3d/>
+    <dgm:txPr/>
+    <dgm:style>
+      <a:lnRef idx="2">
+        <a:scrgbClr r="0" g="0" b="0"/>
+      </a:lnRef>
+      <a:fillRef idx="1">
+        <a:scrgbClr r="0" g="0" b="0"/>
+      </a:fillRef>
+      <a:effectRef idx="0">
+        <a:scrgbClr r="0" g="0" b="0"/>
+      </a:effectRef>
+      <a:fontRef idx="minor"/>
+    </dgm:style>
+  </dgm:styleLbl>
+  <dgm:styleLbl name="bgAccFollowNode1">
+    <dgm:scene3d>
+      <a:camera prst="orthographicFront"/>
+      <a:lightRig rig="threePt" dir="t"/>
+    </dgm:scene3d>
+    <dgm:sp3d/>
+    <dgm:txPr/>
+    <dgm:style>
+      <a:lnRef idx="2">
+        <a:scrgbClr r="0" g="0" b="0"/>
+      </a:lnRef>
+      <a:fillRef idx="1">
+        <a:scrgbClr r="0" g="0" b="0"/>
+      </a:fillRef>
+      <a:effectRef idx="0">
+        <a:scrgbClr r="0" g="0" b="0"/>
+      </a:effectRef>
+      <a:fontRef idx="minor"/>
+    </dgm:style>
+  </dgm:styleLbl>
+  <dgm:styleLbl name="fgAcc0">
+    <dgm:scene3d>
+      <a:camera prst="orthographicFront"/>
+      <a:lightRig rig="threePt" dir="t"/>
+    </dgm:scene3d>
+    <dgm:sp3d/>
+    <dgm:txPr/>
+    <dgm:style>
+      <a:lnRef idx="2">
+        <a:scrgbClr r="0" g="0" b="0"/>
+      </a:lnRef>
+      <a:fillRef idx="1">
+        <a:scrgbClr r="0" g="0" b="0"/>
+      </a:fillRef>
+      <a:effectRef idx="0">
+        <a:scrgbClr r="0" g="0" b="0"/>
+      </a:effectRef>
+      <a:fontRef idx="minor"/>
+    </dgm:style>
+  </dgm:styleLbl>
+  <dgm:styleLbl name="fgAcc2">
+    <dgm:scene3d>
+      <a:camera prst="orthographicFront"/>
+      <a:lightRig rig="threePt" dir="t"/>
+    </dgm:scene3d>
+    <dgm:sp3d/>
+    <dgm:txPr/>
+    <dgm:style>
+      <a:lnRef idx="2">
+        <a:scrgbClr r="0" g="0" b="0"/>
+      </a:lnRef>
+      <a:fillRef idx="1">
+        <a:scrgbClr r="0" g="0" b="0"/>
+      </a:fillRef>
+      <a:effectRef idx="0">
+        <a:scrgbClr r="0" g="0" b="0"/>
+      </a:effectRef>
+      <a:fontRef idx="minor"/>
+    </dgm:style>
+  </dgm:styleLbl>
+  <dgm:styleLbl name="fgAcc3">
+    <dgm:scene3d>
+      <a:camera prst="orthographicFront"/>
+      <a:lightRig rig="threePt" dir="t"/>
+    </dgm:scene3d>
+    <dgm:sp3d/>
+    <dgm:txPr/>
+    <dgm:style>
+      <a:lnRef idx="2">
+        <a:scrgbClr r="0" g="0" b="0"/>
+      </a:lnRef>
+      <a:fillRef idx="1">
+        <a:scrgbClr r="0" g="0" b="0"/>
+      </a:fillRef>
+      <a:effectRef idx="0">
+        <a:scrgbClr r="0" g="0" b="0"/>
+      </a:effectRef>
+      <a:fontRef idx="minor"/>
+    </dgm:style>
+  </dgm:styleLbl>
+  <dgm:styleLbl name="fgAcc4">
+    <dgm:scene3d>
+      <a:camera prst="orthographicFront"/>
+      <a:lightRig rig="threePt" dir="t"/>
+    </dgm:scene3d>
+    <dgm:sp3d/>
+    <dgm:txPr/>
+    <dgm:style>
+      <a:lnRef idx="2">
+        <a:scrgbClr r="0" g="0" b="0"/>
+      </a:lnRef>
+      <a:fillRef idx="1">
+        <a:scrgbClr r="0" g="0" b="0"/>
+      </a:fillRef>
+      <a:effectRef idx="0">
+        <a:scrgbClr r="0" g="0" b="0"/>
+      </a:effectRef>
+      <a:fontRef idx="minor"/>
+    </dgm:style>
+  </dgm:styleLbl>
+  <dgm:styleLbl name="bgShp">
+    <dgm:scene3d>
+      <a:camera prst="orthographicFront"/>
+      <a:lightRig rig="threePt" dir="t"/>
+    </dgm:scene3d>
+    <dgm:sp3d/>
+    <dgm:txPr/>
+    <dgm:style>
+      <a:lnRef idx="0">
+        <a:scrgbClr r="0" g="0" b="0"/>
+      </a:lnRef>
+      <a:fillRef idx="1">
+        <a:scrgbClr r="0" g="0" b="0"/>
+      </a:fillRef>
+      <a:effectRef idx="0">
+        <a:scrgbClr r="0" g="0" b="0"/>
+      </a:effectRef>
+      <a:fontRef idx="minor"/>
+    </dgm:style>
+  </dgm:styleLbl>
+  <dgm:styleLbl name="dkBgShp">
+    <dgm:scene3d>
+      <a:camera prst="orthographicFront"/>
+      <a:lightRig rig="threePt" dir="t"/>
+    </dgm:scene3d>
+    <dgm:sp3d/>
+    <dgm:txPr/>
+    <dgm:style>
+      <a:lnRef idx="0">
+        <a:scrgbClr r="0" g="0" b="0"/>
+      </a:lnRef>
+      <a:fillRef idx="1">
+        <a:scrgbClr r="0" g="0" b="0"/>
+      </a:fillRef>
+      <a:effectRef idx="0">
+        <a:scrgbClr r="0" g="0" b="0"/>
+      </a:effectRef>
+      <a:fontRef idx="minor"/>
+    </dgm:style>
+  </dgm:styleLbl>
+  <dgm:styleLbl name="trBgShp">
+    <dgm:scene3d>
+      <a:camera prst="orthographicFront"/>
+      <a:lightRig rig="threePt" dir="t"/>
+    </dgm:scene3d>
+    <dgm:sp3d/>
+    <dgm:txPr/>
+    <dgm:style>
+      <a:lnRef idx="0">
+        <a:scrgbClr r="0" g="0" b="0"/>
+      </a:lnRef>
+      <a:fillRef idx="1">
+        <a:scrgbClr r="0" g="0" b="0"/>
+      </a:fillRef>
+      <a:effectRef idx="0">
+        <a:scrgbClr r="0" g="0" b="0"/>
+      </a:effectRef>
+      <a:fontRef idx="minor"/>
+    </dgm:style>
+  </dgm:styleLbl>
+  <dgm:styleLbl name="fgShp">
+    <dgm:scene3d>
+      <a:camera prst="orthographicFront"/>
+      <a:lightRig rig="threePt" dir="t"/>
+    </dgm:scene3d>
+    <dgm:sp3d/>
+    <dgm:txPr/>
+    <dgm:style>
+      <a:lnRef idx="2">
+        <a:scrgbClr r="0" g="0" b="0"/>
+      </a:lnRef>
+      <a:fillRef idx="1">
+        <a:scrgbClr r="0" g="0" b="0"/>
+      </a:fillRef>
+      <a:effectRef idx="0">
+        <a:scrgbClr r="0" g="0" b="0"/>
+      </a:effectRef>
+      <a:fontRef idx="minor"/>
+    </dgm:style>
+  </dgm:styleLbl>
+  <dgm:styleLbl name="revTx">
+    <dgm:scene3d>
+      <a:camera prst="orthographicFront"/>
+      <a:lightRig rig="threePt" dir="t"/>
+    </dgm:scene3d>
+    <dgm:sp3d/>
+    <dgm:txPr/>
+    <dgm:style>
+      <a:lnRef idx="0">
+        <a:scrgbClr r="0" g="0" b="0"/>
+      </a:lnRef>
+      <a:fillRef idx="0">
+        <a:scrgbClr r="0" g="0" b="0"/>
+      </a:fillRef>
+      <a:effectRef idx="0">
+        <a:scrgbClr r="0" g="0" b="0"/>
+      </a:effectRef>
+      <a:fontRef idx="minor"/>
+    </dgm:style>
+  </dgm:styleLbl>
+</dgm:styleDef>
+</file>
+
 <file path=ppt/notesMasters/notesMaster1.xml><?xml version="1.0" encoding="utf-8"?>
 <p:notesMaster xmlns:a="http://schemas.openxmlformats.org/drawingml/2006/main" xmlns:r="http://schemas.openxmlformats.org/officeDocument/2006/relationships" xmlns:p="http://schemas.openxmlformats.org/presentationml/2006/main">
   <p:cSld>
@@ -6635,7 +13416,7 @@
           <a:p>
             <a:fld id="{5E98ECC7-4684-4B1D-A9E4-C1CABE848CA3}" type="datetimeFigureOut">
               <a:rPr lang="en-US" smtClean="0"/>
-              <a:t>10/27/2015</a:t>
+              <a:t>10/29/2015</a:t>
             </a:fld>
             <a:endParaRPr lang="en-US" dirty="0"/>
           </a:p>
@@ -7118,7 +13899,7 @@
           <a:p>
             <a:fld id="{8A0151A0-6BDA-4C61-94E2-4A05776C8C41}" type="datetime1">
               <a:rPr lang="en-US" smtClean="0"/>
-              <a:t>10/27/2015</a:t>
+              <a:t>10/29/2015</a:t>
             </a:fld>
             <a:endParaRPr lang="en-US" dirty="0"/>
           </a:p>
@@ -7288,7 +14069,7 @@
           <a:p>
             <a:fld id="{2E35788B-17C6-4432-AE26-BE836522A606}" type="datetime1">
               <a:rPr lang="en-US" smtClean="0"/>
-              <a:t>10/27/2015</a:t>
+              <a:t>10/29/2015</a:t>
             </a:fld>
             <a:endParaRPr lang="en-US" dirty="0"/>
           </a:p>
@@ -7468,7 +14249,7 @@
           <a:p>
             <a:fld id="{744D1FCA-C735-450D-BCA4-DB50B38ECD50}" type="datetime1">
               <a:rPr lang="en-US" smtClean="0"/>
-              <a:t>10/27/2015</a:t>
+              <a:t>10/29/2015</a:t>
             </a:fld>
             <a:endParaRPr lang="en-US" dirty="0"/>
           </a:p>
@@ -7638,7 +14419,7 @@
           <a:p>
             <a:fld id="{D47A2ED5-CD2A-4B3B-A81F-BE7A26036022}" type="datetime1">
               <a:rPr lang="en-US" smtClean="0"/>
-              <a:t>10/27/2015</a:t>
+              <a:t>10/29/2015</a:t>
             </a:fld>
             <a:endParaRPr lang="en-US" dirty="0"/>
           </a:p>
@@ -7882,7 +14663,7 @@
           <a:p>
             <a:fld id="{AFC2F17C-2319-45BC-B339-E7F83AB38139}" type="datetime1">
               <a:rPr lang="en-US" smtClean="0"/>
-              <a:t>10/27/2015</a:t>
+              <a:t>10/29/2015</a:t>
             </a:fld>
             <a:endParaRPr lang="en-US" dirty="0"/>
           </a:p>
@@ -8114,7 +14895,7 @@
           <a:p>
             <a:fld id="{7DF8D633-0327-407C-B754-C6DC287DA074}" type="datetime1">
               <a:rPr lang="en-US" smtClean="0"/>
-              <a:t>10/27/2015</a:t>
+              <a:t>10/29/2015</a:t>
             </a:fld>
             <a:endParaRPr lang="en-US" dirty="0"/>
           </a:p>
@@ -8481,7 +15262,7 @@
           <a:p>
             <a:fld id="{76880105-B802-41CD-BB85-298F26006685}" type="datetime1">
               <a:rPr lang="en-US" smtClean="0"/>
-              <a:t>10/27/2015</a:t>
+              <a:t>10/29/2015</a:t>
             </a:fld>
             <a:endParaRPr lang="en-US" dirty="0"/>
           </a:p>
@@ -8599,7 +15380,7 @@
           <a:p>
             <a:fld id="{162ED92B-9A44-474F-9138-A07C93ABC7FA}" type="datetime1">
               <a:rPr lang="en-US" smtClean="0"/>
-              <a:t>10/27/2015</a:t>
+              <a:t>10/29/2015</a:t>
             </a:fld>
             <a:endParaRPr lang="en-US" dirty="0"/>
           </a:p>
@@ -8694,7 +15475,7 @@
           <a:p>
             <a:fld id="{E496C444-E933-4D80-86C4-BADA1A19B898}" type="datetime1">
               <a:rPr lang="en-US" smtClean="0"/>
-              <a:t>10/27/2015</a:t>
+              <a:t>10/29/2015</a:t>
             </a:fld>
             <a:endParaRPr lang="en-US" dirty="0"/>
           </a:p>
@@ -8971,7 +15752,7 @@
           <a:p>
             <a:fld id="{FE2B3545-A360-469D-AF72-EC598B36A1A0}" type="datetime1">
               <a:rPr lang="en-US" smtClean="0"/>
-              <a:t>10/27/2015</a:t>
+              <a:t>10/29/2015</a:t>
             </a:fld>
             <a:endParaRPr lang="en-US" dirty="0"/>
           </a:p>
@@ -9228,7 +16009,7 @@
           <a:p>
             <a:fld id="{E5CD081C-AF44-4D3A-9989-1BD7F6EBBAB7}" type="datetime1">
               <a:rPr lang="en-US" smtClean="0"/>
-              <a:t>10/27/2015</a:t>
+              <a:t>10/29/2015</a:t>
             </a:fld>
             <a:endParaRPr lang="en-US" dirty="0"/>
           </a:p>
@@ -9450,7 +16231,7 @@
           <a:p>
             <a:fld id="{A7C17880-5397-45FB-B1C0-5FB7CBED16B5}" type="datetime1">
               <a:rPr lang="en-US" smtClean="0"/>
-              <a:t>10/27/2015</a:t>
+              <a:t>10/29/2015</a:t>
             </a:fld>
             <a:endParaRPr lang="en-US" dirty="0"/>
           </a:p>
@@ -11183,11 +17964,11 @@
   <p:clrMapOvr>
     <a:masterClrMapping/>
   </p:clrMapOvr>
-  <mc:AlternateContent xmlns:mc="http://schemas.openxmlformats.org/markup-compatibility/2006">
-    <mc:Choice xmlns:p14="http://schemas.microsoft.com/office/powerpoint/2010/main" Requires="p14">
+  <mc:AlternateContent xmlns:mc="http://schemas.openxmlformats.org/markup-compatibility/2006" xmlns:p14="http://schemas.microsoft.com/office/powerpoint/2010/main">
+    <mc:Choice Requires="p14">
       <p:transition p14:dur="0"/>
     </mc:Choice>
-    <mc:Fallback>
+    <mc:Fallback xmlns="">
       <p:transition/>
     </mc:Fallback>
   </mc:AlternateContent>
@@ -11688,14 +18469,17 @@
         </p:nvSpPr>
         <p:spPr>
           <a:xfrm>
-            <a:off x="3437752" y="-79717"/>
-            <a:ext cx="7886700" cy="1325563"/>
+            <a:off x="628650" y="365127"/>
+            <a:ext cx="7886700" cy="458658"/>
           </a:xfrm>
         </p:spPr>
         <p:txBody>
-          <a:bodyPr/>
+          <a:bodyPr>
+            <a:normAutofit fontScale="90000"/>
+          </a:bodyPr>
           <a:lstStyle/>
           <a:p>
+            <a:pPr algn="ctr"/>
             <a:r>
               <a:rPr lang="en-US" sz="3200" dirty="0" err="1" smtClean="0"/>
               <a:t>MassTransit</a:t>
@@ -11711,26 +18495,84 @@
             <a:spLocks noGrp="1"/>
           </p:cNvSpPr>
           <p:nvPr>
-            <p:ph idx="1"/>
+            <p:ph sz="half" idx="1"/>
           </p:nvPr>
         </p:nvSpPr>
         <p:spPr>
           <a:xfrm>
-            <a:off x="521558" y="1245846"/>
-            <a:ext cx="7886700" cy="4351338"/>
+            <a:off x="543697" y="1252151"/>
+            <a:ext cx="7971653" cy="700216"/>
           </a:xfrm>
         </p:spPr>
         <p:txBody>
-          <a:bodyPr/>
+          <a:bodyPr>
+            <a:normAutofit fontScale="92500" lnSpcReduction="20000"/>
+          </a:bodyPr>
           <a:lstStyle/>
+          <a:p>
+            <a:pPr marL="0" indent="0">
+              <a:buNone/>
+            </a:pPr>
+            <a:r>
+              <a:rPr lang="en-US" dirty="0" err="1"/>
+              <a:t>MassTransit</a:t>
+            </a:r>
+            <a:r>
+              <a:rPr lang="en-US" dirty="0"/>
+              <a:t> is a free, open-source service bus and </a:t>
+            </a:r>
+            <a:r>
+              <a:rPr lang="en-US" dirty="0" smtClean="0"/>
+              <a:t>distributed </a:t>
+            </a:r>
+            <a:r>
+              <a:rPr lang="en-US" dirty="0"/>
+              <a:t>application framework for .</a:t>
+            </a:r>
+            <a:r>
+              <a:rPr lang="en-US" dirty="0" smtClean="0"/>
+              <a:t>NET</a:t>
+            </a:r>
+          </a:p>
           <a:p>
             <a:pPr marL="0" indent="0">
               <a:buNone/>
             </a:pPr>
             <a:endParaRPr lang="en-US" dirty="0"/>
           </a:p>
+          <a:p>
+            <a:pPr marL="0" indent="0">
+              <a:buNone/>
+            </a:pPr>
+            <a:endParaRPr lang="en-US" sz="2000" dirty="0" smtClean="0"/>
+          </a:p>
         </p:txBody>
       </p:sp>
+      <p:graphicFrame>
+        <p:nvGraphicFramePr>
+          <p:cNvPr id="15" name="Content Placeholder 14"/>
+          <p:cNvGraphicFramePr>
+            <a:graphicFrameLocks noGrp="1"/>
+          </p:cNvGraphicFramePr>
+          <p:nvPr>
+            <p:ph sz="half" idx="2"/>
+            <p:extLst>
+              <p:ext uri="{D42A27DB-BD31-4B8C-83A1-F6EECF244321}">
+                <p14:modId xmlns:p14="http://schemas.microsoft.com/office/powerpoint/2010/main" val="1644452341"/>
+              </p:ext>
+            </p:extLst>
+          </p:nvPr>
+        </p:nvGraphicFramePr>
+        <p:xfrm>
+          <a:off x="628650" y="5074508"/>
+          <a:ext cx="8129974" cy="1170633"/>
+        </p:xfrm>
+        <a:graphic>
+          <a:graphicData uri="http://schemas.openxmlformats.org/drawingml/2006/diagram">
+            <dgm:relIds xmlns:dgm="http://schemas.openxmlformats.org/drawingml/2006/diagram" xmlns:r="http://schemas.openxmlformats.org/officeDocument/2006/relationships" r:dm="rId2" r:lo="rId3" r:qs="rId4" r:cs="rId5"/>
+          </a:graphicData>
+        </a:graphic>
+      </p:graphicFrame>
       <p:sp>
         <p:nvSpPr>
           <p:cNvPr id="4" name="Slide Number Placeholder 3"/>
@@ -11756,6 +18598,56 @@
           </a:p>
         </p:txBody>
       </p:sp>
+      <p:pic>
+        <p:nvPicPr>
+          <p:cNvPr id="12" name="Picture 11">
+            <a:hlinkClick r:id="rId7"/>
+          </p:cNvPr>
+          <p:cNvPicPr>
+            <a:picLocks noChangeAspect="1"/>
+          </p:cNvPicPr>
+          <p:nvPr/>
+        </p:nvPicPr>
+        <p:blipFill>
+          <a:blip r:embed="rId8"/>
+          <a:stretch>
+            <a:fillRect/>
+          </a:stretch>
+        </p:blipFill>
+        <p:spPr>
+          <a:xfrm>
+            <a:off x="7562850" y="97290"/>
+            <a:ext cx="952500" cy="971550"/>
+          </a:xfrm>
+          <a:prstGeom prst="rect">
+            <a:avLst/>
+          </a:prstGeom>
+        </p:spPr>
+      </p:pic>
+      <p:graphicFrame>
+        <p:nvGraphicFramePr>
+          <p:cNvPr id="16" name="Content Placeholder 14"/>
+          <p:cNvGraphicFramePr>
+            <a:graphicFrameLocks/>
+          </p:cNvGraphicFramePr>
+          <p:nvPr>
+            <p:extLst>
+              <p:ext uri="{D42A27DB-BD31-4B8C-83A1-F6EECF244321}">
+                <p14:modId xmlns:p14="http://schemas.microsoft.com/office/powerpoint/2010/main" val="2694217712"/>
+              </p:ext>
+            </p:extLst>
+          </p:nvPr>
+        </p:nvGraphicFramePr>
+        <p:xfrm>
+          <a:off x="628650" y="3792665"/>
+          <a:ext cx="8129974" cy="1170633"/>
+        </p:xfrm>
+        <a:graphic>
+          <a:graphicData uri="http://schemas.openxmlformats.org/drawingml/2006/diagram">
+            <dgm:relIds xmlns:dgm="http://schemas.openxmlformats.org/drawingml/2006/diagram" xmlns:r="http://schemas.openxmlformats.org/officeDocument/2006/relationships" r:dm="rId9" r:lo="rId10" r:qs="rId11" r:cs="rId12"/>
+          </a:graphicData>
+        </a:graphic>
+      </p:graphicFrame>
     </p:spTree>
     <p:extLst>
       <p:ext uri="{BB962C8B-B14F-4D97-AF65-F5344CB8AC3E}">

--- a/Presentation/Service Bus Integration Patterns.pptx
+++ b/Presentation/Service Bus Integration Patterns.pptx
@@ -1012,15 +1012,15 @@
 </file>
 
 <file path=ppt/diagrams/colors2.xml><?xml version="1.0" encoding="utf-8"?>
-<dgm:colorsDef xmlns:dgm="http://schemas.openxmlformats.org/drawingml/2006/diagram" xmlns:a="http://schemas.openxmlformats.org/drawingml/2006/main" uniqueId="urn:microsoft.com/office/officeart/2005/8/colors/accent1_2">
+<dgm:colorsDef xmlns:dgm="http://schemas.openxmlformats.org/drawingml/2006/diagram" xmlns:a="http://schemas.openxmlformats.org/drawingml/2006/main" uniqueId="urn:microsoft.com/office/officeart/2005/8/colors/colorful4">
   <dgm:title val=""/>
   <dgm:desc val=""/>
   <dgm:catLst>
-    <dgm:cat type="accent1" pri="11200"/>
+    <dgm:cat type="colorful" pri="10400"/>
   </dgm:catLst>
   <dgm:styleLbl name="node0">
     <dgm:fillClrLst meth="repeat">
-      <a:schemeClr val="accent1"/>
+      <a:schemeClr val="accent3"/>
     </dgm:fillClrLst>
     <dgm:linClrLst meth="repeat">
       <a:schemeClr val="lt1"/>
@@ -1030,21 +1030,10 @@
     <dgm:txFillClrLst/>
     <dgm:txEffectClrLst/>
   </dgm:styleLbl>
-  <dgm:styleLbl name="alignNode1">
-    <dgm:fillClrLst meth="repeat">
-      <a:schemeClr val="accent1"/>
-    </dgm:fillClrLst>
-    <dgm:linClrLst meth="repeat">
-      <a:schemeClr val="accent1"/>
-    </dgm:linClrLst>
-    <dgm:effectClrLst/>
-    <dgm:txLinClrLst/>
-    <dgm:txFillClrLst/>
-    <dgm:txEffectClrLst/>
-  </dgm:styleLbl>
   <dgm:styleLbl name="node1">
-    <dgm:fillClrLst meth="repeat">
-      <a:schemeClr val="accent1"/>
+    <dgm:fillClrLst>
+      <a:schemeClr val="accent4"/>
+      <a:schemeClr val="accent5"/>
     </dgm:fillClrLst>
     <dgm:linClrLst meth="repeat">
       <a:schemeClr val="lt1"/>
@@ -1054,9 +1043,24 @@
     <dgm:txFillClrLst/>
     <dgm:txEffectClrLst/>
   </dgm:styleLbl>
+  <dgm:styleLbl name="alignNode1">
+    <dgm:fillClrLst>
+      <a:schemeClr val="accent4"/>
+      <a:schemeClr val="accent5"/>
+    </dgm:fillClrLst>
+    <dgm:linClrLst>
+      <a:schemeClr val="accent4"/>
+      <a:schemeClr val="accent5"/>
+    </dgm:linClrLst>
+    <dgm:effectClrLst/>
+    <dgm:txLinClrLst/>
+    <dgm:txFillClrLst/>
+    <dgm:txEffectClrLst/>
+  </dgm:styleLbl>
   <dgm:styleLbl name="lnNode1">
-    <dgm:fillClrLst meth="repeat">
-      <a:schemeClr val="accent1"/>
+    <dgm:fillClrLst>
+      <a:schemeClr val="accent4"/>
+      <a:schemeClr val="accent5"/>
     </dgm:fillClrLst>
     <dgm:linClrLst meth="repeat">
       <a:schemeClr val="lt1"/>
@@ -1067,8 +1071,11 @@
     <dgm:txEffectClrLst/>
   </dgm:styleLbl>
   <dgm:styleLbl name="vennNode1">
-    <dgm:fillClrLst meth="repeat">
-      <a:schemeClr val="accent1">
+    <dgm:fillClrLst>
+      <a:schemeClr val="accent4">
+        <a:alpha val="50000"/>
+      </a:schemeClr>
+      <a:schemeClr val="accent5">
         <a:alpha val="50000"/>
       </a:schemeClr>
     </dgm:fillClrLst>
@@ -1081,7 +1088,31 @@
     <dgm:txEffectClrLst/>
   </dgm:styleLbl>
   <dgm:styleLbl name="node2">
-    <dgm:fillClrLst meth="repeat">
+    <dgm:fillClrLst>
+      <a:schemeClr val="accent5"/>
+    </dgm:fillClrLst>
+    <dgm:linClrLst meth="repeat">
+      <a:schemeClr val="lt1"/>
+    </dgm:linClrLst>
+    <dgm:effectClrLst/>
+    <dgm:txLinClrLst/>
+    <dgm:txFillClrLst/>
+    <dgm:txEffectClrLst/>
+  </dgm:styleLbl>
+  <dgm:styleLbl name="node3">
+    <dgm:fillClrLst>
+      <a:schemeClr val="accent6"/>
+    </dgm:fillClrLst>
+    <dgm:linClrLst meth="repeat">
+      <a:schemeClr val="lt1"/>
+    </dgm:linClrLst>
+    <dgm:effectClrLst/>
+    <dgm:txLinClrLst/>
+    <dgm:txFillClrLst/>
+    <dgm:txEffectClrLst/>
+  </dgm:styleLbl>
+  <dgm:styleLbl name="node4">
+    <dgm:fillClrLst>
       <a:schemeClr val="accent1"/>
     </dgm:fillClrLst>
     <dgm:linClrLst meth="repeat">
@@ -1092,33 +1123,12 @@
     <dgm:txFillClrLst/>
     <dgm:txEffectClrLst/>
   </dgm:styleLbl>
-  <dgm:styleLbl name="node3">
-    <dgm:fillClrLst meth="repeat">
-      <a:schemeClr val="accent1"/>
-    </dgm:fillClrLst>
-    <dgm:linClrLst meth="repeat">
-      <a:schemeClr val="lt1"/>
-    </dgm:linClrLst>
-    <dgm:effectClrLst/>
-    <dgm:txLinClrLst/>
-    <dgm:txFillClrLst/>
-    <dgm:txEffectClrLst/>
-  </dgm:styleLbl>
-  <dgm:styleLbl name="node4">
-    <dgm:fillClrLst meth="repeat">
-      <a:schemeClr val="accent1"/>
-    </dgm:fillClrLst>
-    <dgm:linClrLst meth="repeat">
-      <a:schemeClr val="lt1"/>
-    </dgm:linClrLst>
-    <dgm:effectClrLst/>
-    <dgm:txLinClrLst/>
-    <dgm:txFillClrLst/>
-    <dgm:txEffectClrLst/>
-  </dgm:styleLbl>
   <dgm:styleLbl name="fgImgPlace1">
-    <dgm:fillClrLst meth="repeat">
-      <a:schemeClr val="accent1">
+    <dgm:fillClrLst>
+      <a:schemeClr val="accent4">
+        <a:tint val="50000"/>
+      </a:schemeClr>
+      <a:schemeClr val="accent5">
         <a:tint val="50000"/>
       </a:schemeClr>
     </dgm:fillClrLst>
@@ -1133,9 +1143,12 @@
     <dgm:txEffectClrLst/>
   </dgm:styleLbl>
   <dgm:styleLbl name="alignImgPlace1">
-    <dgm:fillClrLst meth="repeat">
-      <a:schemeClr val="accent1">
+    <dgm:fillClrLst>
+      <a:schemeClr val="accent4">
         <a:tint val="50000"/>
+      </a:schemeClr>
+      <a:schemeClr val="accent5">
+        <a:tint val="20000"/>
       </a:schemeClr>
     </dgm:fillClrLst>
     <dgm:linClrLst meth="repeat">
@@ -1149,9 +1162,12 @@
     <dgm:txEffectClrLst/>
   </dgm:styleLbl>
   <dgm:styleLbl name="bgImgPlace1">
-    <dgm:fillClrLst meth="repeat">
-      <a:schemeClr val="accent1">
+    <dgm:fillClrLst>
+      <a:schemeClr val="accent4">
         <a:tint val="50000"/>
+      </a:schemeClr>
+      <a:schemeClr val="accent5">
+        <a:tint val="20000"/>
       </a:schemeClr>
     </dgm:fillClrLst>
     <dgm:linClrLst meth="repeat">
@@ -1165,14 +1181,84 @@
     <dgm:txEffectClrLst/>
   </dgm:styleLbl>
   <dgm:styleLbl name="sibTrans2D1">
-    <dgm:fillClrLst meth="repeat">
-      <a:schemeClr val="accent1">
-        <a:tint val="60000"/>
-      </a:schemeClr>
+    <dgm:fillClrLst>
+      <a:schemeClr val="accent4"/>
+      <a:schemeClr val="accent5"/>
     </dgm:fillClrLst>
     <dgm:linClrLst meth="repeat">
-      <a:schemeClr val="accent1">
-        <a:tint val="60000"/>
+      <a:schemeClr val="lt1"/>
+    </dgm:linClrLst>
+    <dgm:effectClrLst/>
+    <dgm:txLinClrLst/>
+    <dgm:txFillClrLst/>
+    <dgm:txEffectClrLst/>
+  </dgm:styleLbl>
+  <dgm:styleLbl name="fgSibTrans2D1">
+    <dgm:fillClrLst>
+      <a:schemeClr val="accent4"/>
+      <a:schemeClr val="accent5"/>
+    </dgm:fillClrLst>
+    <dgm:linClrLst meth="repeat">
+      <a:schemeClr val="lt1"/>
+    </dgm:linClrLst>
+    <dgm:effectClrLst/>
+    <dgm:txLinClrLst/>
+    <dgm:txFillClrLst meth="repeat">
+      <a:schemeClr val="lt1"/>
+    </dgm:txFillClrLst>
+    <dgm:txEffectClrLst/>
+  </dgm:styleLbl>
+  <dgm:styleLbl name="bgSibTrans2D1">
+    <dgm:fillClrLst>
+      <a:schemeClr val="accent4"/>
+      <a:schemeClr val="accent5"/>
+    </dgm:fillClrLst>
+    <dgm:linClrLst meth="repeat">
+      <a:schemeClr val="lt1"/>
+    </dgm:linClrLst>
+    <dgm:effectClrLst/>
+    <dgm:txLinClrLst/>
+    <dgm:txFillClrLst meth="repeat">
+      <a:schemeClr val="lt1"/>
+    </dgm:txFillClrLst>
+    <dgm:txEffectClrLst/>
+  </dgm:styleLbl>
+  <dgm:styleLbl name="sibTrans1D1">
+    <dgm:fillClrLst/>
+    <dgm:linClrLst>
+      <a:schemeClr val="accent4"/>
+      <a:schemeClr val="accent5"/>
+    </dgm:linClrLst>
+    <dgm:effectClrLst/>
+    <dgm:txLinClrLst/>
+    <dgm:txFillClrLst meth="repeat">
+      <a:schemeClr val="tx1"/>
+    </dgm:txFillClrLst>
+    <dgm:txEffectClrLst/>
+  </dgm:styleLbl>
+  <dgm:styleLbl name="callout">
+    <dgm:fillClrLst meth="repeat">
+      <a:schemeClr val="accent4"/>
+    </dgm:fillClrLst>
+    <dgm:linClrLst meth="repeat">
+      <a:schemeClr val="accent4">
+        <a:tint val="50000"/>
+      </a:schemeClr>
+    </dgm:linClrLst>
+    <dgm:effectClrLst/>
+    <dgm:txLinClrLst/>
+    <dgm:txFillClrLst meth="repeat">
+      <a:schemeClr val="tx1"/>
+    </dgm:txFillClrLst>
+    <dgm:txEffectClrLst/>
+  </dgm:styleLbl>
+  <dgm:styleLbl name="asst0">
+    <dgm:fillClrLst meth="repeat">
+      <a:schemeClr val="accent4"/>
+    </dgm:fillClrLst>
+    <dgm:linClrLst meth="repeat">
+      <a:schemeClr val="lt1">
+        <a:shade val="80000"/>
       </a:schemeClr>
     </dgm:linClrLst>
     <dgm:effectClrLst/>
@@ -1180,15 +1266,13 @@
     <dgm:txFillClrLst/>
     <dgm:txEffectClrLst/>
   </dgm:styleLbl>
-  <dgm:styleLbl name="fgSibTrans2D1">
+  <dgm:styleLbl name="asst1">
     <dgm:fillClrLst meth="repeat">
-      <a:schemeClr val="accent1">
-        <a:tint val="60000"/>
-      </a:schemeClr>
+      <a:schemeClr val="accent5"/>
     </dgm:fillClrLst>
     <dgm:linClrLst meth="repeat">
-      <a:schemeClr val="accent1">
-        <a:tint val="60000"/>
+      <a:schemeClr val="lt1">
+        <a:shade val="80000"/>
       </a:schemeClr>
     </dgm:linClrLst>
     <dgm:effectClrLst/>
@@ -1196,25 +1280,145 @@
     <dgm:txFillClrLst/>
     <dgm:txEffectClrLst/>
   </dgm:styleLbl>
-  <dgm:styleLbl name="bgSibTrans2D1">
-    <dgm:fillClrLst meth="repeat">
-      <a:schemeClr val="accent1">
-        <a:tint val="60000"/>
-      </a:schemeClr>
+  <dgm:styleLbl name="asst2">
+    <dgm:fillClrLst>
+      <a:schemeClr val="accent6"/>
     </dgm:fillClrLst>
     <dgm:linClrLst meth="repeat">
-      <a:schemeClr val="accent1">
-        <a:tint val="60000"/>
-      </a:schemeClr>
+      <a:schemeClr val="lt1"/>
     </dgm:linClrLst>
     <dgm:effectClrLst/>
     <dgm:txLinClrLst/>
     <dgm:txFillClrLst/>
     <dgm:txEffectClrLst/>
   </dgm:styleLbl>
-  <dgm:styleLbl name="sibTrans1D1">
+  <dgm:styleLbl name="asst3">
+    <dgm:fillClrLst>
+      <a:schemeClr val="accent1"/>
+    </dgm:fillClrLst>
+    <dgm:linClrLst meth="repeat">
+      <a:schemeClr val="lt1"/>
+    </dgm:linClrLst>
+    <dgm:effectClrLst/>
+    <dgm:txLinClrLst/>
+    <dgm:txFillClrLst/>
+    <dgm:txEffectClrLst/>
+  </dgm:styleLbl>
+  <dgm:styleLbl name="asst4">
+    <dgm:fillClrLst>
+      <a:schemeClr val="accent2"/>
+    </dgm:fillClrLst>
+    <dgm:linClrLst meth="repeat">
+      <a:schemeClr val="lt1"/>
+    </dgm:linClrLst>
+    <dgm:effectClrLst/>
+    <dgm:txLinClrLst/>
+    <dgm:txFillClrLst/>
+    <dgm:txEffectClrLst/>
+  </dgm:styleLbl>
+  <dgm:styleLbl name="parChTrans2D1">
     <dgm:fillClrLst meth="repeat">
-      <a:schemeClr val="accent1"/>
+      <a:schemeClr val="accent4"/>
+    </dgm:fillClrLst>
+    <dgm:linClrLst meth="repeat">
+      <a:schemeClr val="lt1"/>
+    </dgm:linClrLst>
+    <dgm:effectClrLst/>
+    <dgm:txLinClrLst/>
+    <dgm:txFillClrLst meth="repeat">
+      <a:schemeClr val="lt1"/>
+    </dgm:txFillClrLst>
+    <dgm:txEffectClrLst/>
+  </dgm:styleLbl>
+  <dgm:styleLbl name="parChTrans2D2">
+    <dgm:fillClrLst meth="repeat">
+      <a:schemeClr val="accent5"/>
+    </dgm:fillClrLst>
+    <dgm:linClrLst meth="repeat">
+      <a:schemeClr val="lt1"/>
+    </dgm:linClrLst>
+    <dgm:effectClrLst/>
+    <dgm:txLinClrLst/>
+    <dgm:txFillClrLst/>
+    <dgm:txEffectClrLst/>
+  </dgm:styleLbl>
+  <dgm:styleLbl name="parChTrans2D3">
+    <dgm:fillClrLst meth="repeat">
+      <a:schemeClr val="accent5"/>
+    </dgm:fillClrLst>
+    <dgm:linClrLst meth="repeat">
+      <a:schemeClr val="lt1"/>
+    </dgm:linClrLst>
+    <dgm:effectClrLst/>
+    <dgm:txLinClrLst/>
+    <dgm:txFillClrLst/>
+    <dgm:txEffectClrLst/>
+  </dgm:styleLbl>
+  <dgm:styleLbl name="parChTrans2D4">
+    <dgm:fillClrLst meth="repeat">
+      <a:schemeClr val="accent6"/>
+    </dgm:fillClrLst>
+    <dgm:linClrLst meth="repeat">
+      <a:schemeClr val="lt1"/>
+    </dgm:linClrLst>
+    <dgm:effectClrLst/>
+    <dgm:txLinClrLst/>
+    <dgm:txFillClrLst meth="repeat">
+      <a:schemeClr val="lt1"/>
+    </dgm:txFillClrLst>
+    <dgm:txEffectClrLst/>
+  </dgm:styleLbl>
+  <dgm:styleLbl name="parChTrans1D1">
+    <dgm:fillClrLst meth="repeat">
+      <a:schemeClr val="accent4"/>
+    </dgm:fillClrLst>
+    <dgm:linClrLst meth="repeat">
+      <a:schemeClr val="accent4"/>
+    </dgm:linClrLst>
+    <dgm:effectClrLst/>
+    <dgm:txLinClrLst/>
+    <dgm:txFillClrLst meth="repeat">
+      <a:schemeClr val="tx1"/>
+    </dgm:txFillClrLst>
+    <dgm:txEffectClrLst/>
+  </dgm:styleLbl>
+  <dgm:styleLbl name="parChTrans1D2">
+    <dgm:fillClrLst meth="repeat">
+      <a:schemeClr val="accent4">
+        <a:tint val="90000"/>
+      </a:schemeClr>
+    </dgm:fillClrLst>
+    <dgm:linClrLst meth="repeat">
+      <a:schemeClr val="accent5"/>
+    </dgm:linClrLst>
+    <dgm:effectClrLst/>
+    <dgm:txLinClrLst/>
+    <dgm:txFillClrLst meth="repeat">
+      <a:schemeClr val="tx1"/>
+    </dgm:txFillClrLst>
+    <dgm:txEffectClrLst/>
+  </dgm:styleLbl>
+  <dgm:styleLbl name="parChTrans1D3">
+    <dgm:fillClrLst meth="repeat">
+      <a:schemeClr val="accent4">
+        <a:tint val="70000"/>
+      </a:schemeClr>
+    </dgm:fillClrLst>
+    <dgm:linClrLst meth="repeat">
+      <a:schemeClr val="accent6"/>
+    </dgm:linClrLst>
+    <dgm:effectClrLst/>
+    <dgm:txLinClrLst/>
+    <dgm:txFillClrLst meth="repeat">
+      <a:schemeClr val="tx1"/>
+    </dgm:txFillClrLst>
+    <dgm:txEffectClrLst/>
+  </dgm:styleLbl>
+  <dgm:styleLbl name="parChTrans1D4">
+    <dgm:fillClrLst meth="repeat">
+      <a:schemeClr val="accent4">
+        <a:tint val="50000"/>
+      </a:schemeClr>
     </dgm:fillClrLst>
     <dgm:linClrLst meth="repeat">
       <a:schemeClr val="accent1"/>
@@ -1226,213 +1430,274 @@
     </dgm:txFillClrLst>
     <dgm:txEffectClrLst/>
   </dgm:styleLbl>
-  <dgm:styleLbl name="callout">
-    <dgm:fillClrLst meth="repeat">
-      <a:schemeClr val="accent1"/>
-    </dgm:fillClrLst>
-    <dgm:linClrLst meth="repeat">
-      <a:schemeClr val="accent1">
-        <a:tint val="50000"/>
-      </a:schemeClr>
-    </dgm:linClrLst>
-    <dgm:effectClrLst/>
-    <dgm:txLinClrLst/>
-    <dgm:txFillClrLst meth="repeat">
-      <a:schemeClr val="tx1"/>
-    </dgm:txFillClrLst>
-    <dgm:txEffectClrLst/>
-  </dgm:styleLbl>
-  <dgm:styleLbl name="asst0">
-    <dgm:fillClrLst meth="repeat">
-      <a:schemeClr val="accent1"/>
-    </dgm:fillClrLst>
-    <dgm:linClrLst meth="repeat">
-      <a:schemeClr val="lt1"/>
-    </dgm:linClrLst>
-    <dgm:effectClrLst/>
-    <dgm:txLinClrLst/>
-    <dgm:txFillClrLst/>
-    <dgm:txEffectClrLst/>
-  </dgm:styleLbl>
-  <dgm:styleLbl name="asst1">
-    <dgm:fillClrLst meth="repeat">
-      <a:schemeClr val="accent1"/>
-    </dgm:fillClrLst>
-    <dgm:linClrLst meth="repeat">
-      <a:schemeClr val="lt1"/>
-    </dgm:linClrLst>
-    <dgm:effectClrLst/>
-    <dgm:txLinClrLst/>
-    <dgm:txFillClrLst/>
-    <dgm:txEffectClrLst/>
-  </dgm:styleLbl>
-  <dgm:styleLbl name="asst2">
-    <dgm:fillClrLst meth="repeat">
-      <a:schemeClr val="accent1"/>
-    </dgm:fillClrLst>
-    <dgm:linClrLst meth="repeat">
-      <a:schemeClr val="lt1"/>
-    </dgm:linClrLst>
-    <dgm:effectClrLst/>
-    <dgm:txLinClrLst/>
-    <dgm:txFillClrLst/>
-    <dgm:txEffectClrLst/>
-  </dgm:styleLbl>
-  <dgm:styleLbl name="asst3">
-    <dgm:fillClrLst meth="repeat">
-      <a:schemeClr val="accent1"/>
-    </dgm:fillClrLst>
-    <dgm:linClrLst meth="repeat">
-      <a:schemeClr val="lt1"/>
-    </dgm:linClrLst>
-    <dgm:effectClrLst/>
-    <dgm:txLinClrLst/>
-    <dgm:txFillClrLst/>
-    <dgm:txEffectClrLst/>
-  </dgm:styleLbl>
-  <dgm:styleLbl name="asst4">
-    <dgm:fillClrLst meth="repeat">
-      <a:schemeClr val="accent1"/>
-    </dgm:fillClrLst>
-    <dgm:linClrLst meth="repeat">
-      <a:schemeClr val="lt1"/>
-    </dgm:linClrLst>
-    <dgm:effectClrLst/>
-    <dgm:txLinClrLst/>
-    <dgm:txFillClrLst/>
-    <dgm:txEffectClrLst/>
-  </dgm:styleLbl>
-  <dgm:styleLbl name="parChTrans2D1">
-    <dgm:fillClrLst meth="repeat">
-      <a:schemeClr val="accent1">
-        <a:tint val="60000"/>
-      </a:schemeClr>
-    </dgm:fillClrLst>
-    <dgm:linClrLst meth="repeat">
-      <a:schemeClr val="accent1">
-        <a:tint val="60000"/>
-      </a:schemeClr>
-    </dgm:linClrLst>
-    <dgm:effectClrLst/>
-    <dgm:txLinClrLst/>
-    <dgm:txFillClrLst meth="repeat">
-      <a:schemeClr val="lt1"/>
-    </dgm:txFillClrLst>
-    <dgm:txEffectClrLst/>
-  </dgm:styleLbl>
-  <dgm:styleLbl name="parChTrans2D2">
-    <dgm:fillClrLst meth="repeat">
-      <a:schemeClr val="accent1"/>
-    </dgm:fillClrLst>
-    <dgm:linClrLst meth="repeat">
-      <a:schemeClr val="accent1"/>
-    </dgm:linClrLst>
-    <dgm:effectClrLst/>
-    <dgm:txLinClrLst/>
-    <dgm:txFillClrLst meth="repeat">
-      <a:schemeClr val="lt1"/>
-    </dgm:txFillClrLst>
-    <dgm:txEffectClrLst/>
-  </dgm:styleLbl>
-  <dgm:styleLbl name="parChTrans2D3">
-    <dgm:fillClrLst meth="repeat">
-      <a:schemeClr val="accent1"/>
-    </dgm:fillClrLst>
-    <dgm:linClrLst meth="repeat">
-      <a:schemeClr val="accent1"/>
-    </dgm:linClrLst>
-    <dgm:effectClrLst/>
-    <dgm:txLinClrLst/>
-    <dgm:txFillClrLst meth="repeat">
-      <a:schemeClr val="lt1"/>
-    </dgm:txFillClrLst>
-    <dgm:txEffectClrLst/>
-  </dgm:styleLbl>
-  <dgm:styleLbl name="parChTrans2D4">
-    <dgm:fillClrLst meth="repeat">
-      <a:schemeClr val="accent1"/>
-    </dgm:fillClrLst>
-    <dgm:linClrLst meth="repeat">
-      <a:schemeClr val="accent1"/>
-    </dgm:linClrLst>
-    <dgm:effectClrLst/>
-    <dgm:txLinClrLst/>
-    <dgm:txFillClrLst meth="repeat">
-      <a:schemeClr val="lt1"/>
-    </dgm:txFillClrLst>
-    <dgm:txEffectClrLst/>
-  </dgm:styleLbl>
-  <dgm:styleLbl name="parChTrans1D1">
-    <dgm:fillClrLst meth="repeat">
-      <a:schemeClr val="accent1"/>
-    </dgm:fillClrLst>
-    <dgm:linClrLst meth="repeat">
-      <a:schemeClr val="accent1">
-        <a:shade val="60000"/>
-      </a:schemeClr>
-    </dgm:linClrLst>
-    <dgm:effectClrLst/>
-    <dgm:txLinClrLst/>
-    <dgm:txFillClrLst meth="repeat">
-      <a:schemeClr val="tx1"/>
-    </dgm:txFillClrLst>
-    <dgm:txEffectClrLst/>
-  </dgm:styleLbl>
-  <dgm:styleLbl name="parChTrans1D2">
-    <dgm:fillClrLst meth="repeat">
-      <a:schemeClr val="accent1"/>
-    </dgm:fillClrLst>
-    <dgm:linClrLst meth="repeat">
-      <a:schemeClr val="accent1">
-        <a:shade val="60000"/>
-      </a:schemeClr>
-    </dgm:linClrLst>
-    <dgm:effectClrLst/>
-    <dgm:txLinClrLst/>
-    <dgm:txFillClrLst meth="repeat">
-      <a:schemeClr val="tx1"/>
-    </dgm:txFillClrLst>
-    <dgm:txEffectClrLst/>
-  </dgm:styleLbl>
-  <dgm:styleLbl name="parChTrans1D3">
-    <dgm:fillClrLst meth="repeat">
-      <a:schemeClr val="accent1"/>
-    </dgm:fillClrLst>
-    <dgm:linClrLst meth="repeat">
-      <a:schemeClr val="accent1">
-        <a:shade val="80000"/>
-      </a:schemeClr>
-    </dgm:linClrLst>
-    <dgm:effectClrLst/>
-    <dgm:txLinClrLst/>
-    <dgm:txFillClrLst meth="repeat">
-      <a:schemeClr val="tx1"/>
-    </dgm:txFillClrLst>
-    <dgm:txEffectClrLst/>
-  </dgm:styleLbl>
-  <dgm:styleLbl name="parChTrans1D4">
-    <dgm:fillClrLst meth="repeat">
-      <a:schemeClr val="accent1"/>
-    </dgm:fillClrLst>
-    <dgm:linClrLst meth="repeat">
-      <a:schemeClr val="accent1">
-        <a:shade val="80000"/>
-      </a:schemeClr>
-    </dgm:linClrLst>
-    <dgm:effectClrLst/>
-    <dgm:txLinClrLst/>
-    <dgm:txFillClrLst meth="repeat">
-      <a:schemeClr val="tx1"/>
-    </dgm:txFillClrLst>
-    <dgm:txEffectClrLst/>
-  </dgm:styleLbl>
   <dgm:styleLbl name="fgAcc1">
     <dgm:fillClrLst meth="repeat">
       <a:schemeClr val="lt1">
         <a:alpha val="90000"/>
       </a:schemeClr>
     </dgm:fillClrLst>
+    <dgm:linClrLst>
+      <a:schemeClr val="accent4"/>
+      <a:schemeClr val="accent5"/>
+    </dgm:linClrLst>
+    <dgm:effectClrLst/>
+    <dgm:txLinClrLst/>
+    <dgm:txFillClrLst meth="repeat">
+      <a:schemeClr val="dk1"/>
+    </dgm:txFillClrLst>
+    <dgm:txEffectClrLst/>
+  </dgm:styleLbl>
+  <dgm:styleLbl name="conFgAcc1">
+    <dgm:fillClrLst meth="repeat">
+      <a:schemeClr val="lt1">
+        <a:alpha val="90000"/>
+      </a:schemeClr>
+    </dgm:fillClrLst>
+    <dgm:linClrLst>
+      <a:schemeClr val="accent4"/>
+      <a:schemeClr val="accent5"/>
+    </dgm:linClrLst>
+    <dgm:effectClrLst/>
+    <dgm:txLinClrLst/>
+    <dgm:txFillClrLst meth="repeat">
+      <a:schemeClr val="dk1"/>
+    </dgm:txFillClrLst>
+    <dgm:txEffectClrLst/>
+  </dgm:styleLbl>
+  <dgm:styleLbl name="alignAcc1">
+    <dgm:fillClrLst meth="repeat">
+      <a:schemeClr val="lt1">
+        <a:alpha val="90000"/>
+      </a:schemeClr>
+    </dgm:fillClrLst>
+    <dgm:linClrLst>
+      <a:schemeClr val="accent4"/>
+      <a:schemeClr val="accent5"/>
+    </dgm:linClrLst>
+    <dgm:effectClrLst/>
+    <dgm:txLinClrLst/>
+    <dgm:txFillClrLst meth="repeat">
+      <a:schemeClr val="dk1"/>
+    </dgm:txFillClrLst>
+    <dgm:txEffectClrLst/>
+  </dgm:styleLbl>
+  <dgm:styleLbl name="trAlignAcc1">
+    <dgm:fillClrLst meth="repeat">
+      <a:schemeClr val="lt1">
+        <a:alpha val="40000"/>
+      </a:schemeClr>
+    </dgm:fillClrLst>
     <dgm:linClrLst meth="repeat">
+      <a:schemeClr val="accent4"/>
+    </dgm:linClrLst>
+    <dgm:effectClrLst/>
+    <dgm:txLinClrLst/>
+    <dgm:txFillClrLst meth="repeat">
+      <a:schemeClr val="dk1"/>
+    </dgm:txFillClrLst>
+    <dgm:txEffectClrLst/>
+  </dgm:styleLbl>
+  <dgm:styleLbl name="bgAcc1">
+    <dgm:fillClrLst meth="repeat">
+      <a:schemeClr val="lt1">
+        <a:alpha val="90000"/>
+      </a:schemeClr>
+    </dgm:fillClrLst>
+    <dgm:linClrLst>
+      <a:schemeClr val="accent4"/>
+      <a:schemeClr val="accent5"/>
+    </dgm:linClrLst>
+    <dgm:effectClrLst/>
+    <dgm:txLinClrLst/>
+    <dgm:txFillClrLst meth="repeat">
+      <a:schemeClr val="dk1"/>
+    </dgm:txFillClrLst>
+    <dgm:txEffectClrLst/>
+  </dgm:styleLbl>
+  <dgm:styleLbl name="solidFgAcc1">
+    <dgm:fillClrLst meth="repeat">
+      <a:schemeClr val="lt1"/>
+    </dgm:fillClrLst>
+    <dgm:linClrLst>
+      <a:schemeClr val="accent4"/>
+      <a:schemeClr val="accent5"/>
+    </dgm:linClrLst>
+    <dgm:effectClrLst/>
+    <dgm:txLinClrLst/>
+    <dgm:txFillClrLst meth="repeat">
+      <a:schemeClr val="dk1"/>
+    </dgm:txFillClrLst>
+    <dgm:txEffectClrLst/>
+  </dgm:styleLbl>
+  <dgm:styleLbl name="solidAlignAcc1">
+    <dgm:fillClrLst meth="repeat">
+      <a:schemeClr val="lt1"/>
+    </dgm:fillClrLst>
+    <dgm:linClrLst>
+      <a:schemeClr val="accent4"/>
+      <a:schemeClr val="accent5"/>
+    </dgm:linClrLst>
+    <dgm:effectClrLst/>
+    <dgm:txLinClrLst/>
+    <dgm:txFillClrLst meth="repeat">
+      <a:schemeClr val="dk1"/>
+    </dgm:txFillClrLst>
+    <dgm:txEffectClrLst/>
+  </dgm:styleLbl>
+  <dgm:styleLbl name="solidBgAcc1">
+    <dgm:fillClrLst meth="repeat">
+      <a:schemeClr val="lt1"/>
+    </dgm:fillClrLst>
+    <dgm:linClrLst>
+      <a:schemeClr val="accent4"/>
+      <a:schemeClr val="accent5"/>
+    </dgm:linClrLst>
+    <dgm:effectClrLst/>
+    <dgm:txLinClrLst/>
+    <dgm:txFillClrLst meth="repeat">
+      <a:schemeClr val="dk1"/>
+    </dgm:txFillClrLst>
+    <dgm:txEffectClrLst/>
+  </dgm:styleLbl>
+  <dgm:styleLbl name="fgAccFollowNode1">
+    <dgm:fillClrLst>
+      <a:schemeClr val="accent4">
+        <a:tint val="40000"/>
+        <a:alpha val="90000"/>
+      </a:schemeClr>
+      <a:schemeClr val="accent5">
+        <a:tint val="40000"/>
+        <a:alpha val="90000"/>
+      </a:schemeClr>
+    </dgm:fillClrLst>
+    <dgm:linClrLst>
+      <a:schemeClr val="accent4">
+        <a:tint val="40000"/>
+        <a:alpha val="90000"/>
+      </a:schemeClr>
+      <a:schemeClr val="accent5">
+        <a:tint val="40000"/>
+        <a:alpha val="90000"/>
+      </a:schemeClr>
+    </dgm:linClrLst>
+    <dgm:effectClrLst/>
+    <dgm:txLinClrLst/>
+    <dgm:txFillClrLst meth="repeat">
+      <a:schemeClr val="dk1"/>
+    </dgm:txFillClrLst>
+    <dgm:txEffectClrLst/>
+  </dgm:styleLbl>
+  <dgm:styleLbl name="alignAccFollowNode1">
+    <dgm:fillClrLst>
+      <a:schemeClr val="accent4">
+        <a:tint val="40000"/>
+        <a:alpha val="90000"/>
+      </a:schemeClr>
+      <a:schemeClr val="accent5">
+        <a:tint val="40000"/>
+        <a:alpha val="90000"/>
+      </a:schemeClr>
+    </dgm:fillClrLst>
+    <dgm:linClrLst>
+      <a:schemeClr val="accent4">
+        <a:tint val="40000"/>
+        <a:alpha val="90000"/>
+      </a:schemeClr>
+      <a:schemeClr val="accent5">
+        <a:tint val="40000"/>
+        <a:alpha val="90000"/>
+      </a:schemeClr>
+    </dgm:linClrLst>
+    <dgm:effectClrLst/>
+    <dgm:txLinClrLst/>
+    <dgm:txFillClrLst meth="repeat">
+      <a:schemeClr val="dk1"/>
+    </dgm:txFillClrLst>
+    <dgm:txEffectClrLst/>
+  </dgm:styleLbl>
+  <dgm:styleLbl name="bgAccFollowNode1">
+    <dgm:fillClrLst>
+      <a:schemeClr val="accent4">
+        <a:tint val="40000"/>
+        <a:alpha val="90000"/>
+      </a:schemeClr>
+      <a:schemeClr val="accent5">
+        <a:tint val="40000"/>
+        <a:alpha val="90000"/>
+      </a:schemeClr>
+    </dgm:fillClrLst>
+    <dgm:linClrLst>
+      <a:schemeClr val="accent4">
+        <a:tint val="40000"/>
+        <a:alpha val="90000"/>
+      </a:schemeClr>
+      <a:schemeClr val="accent5">
+        <a:tint val="40000"/>
+        <a:alpha val="90000"/>
+      </a:schemeClr>
+    </dgm:linClrLst>
+    <dgm:effectClrLst/>
+    <dgm:txLinClrLst/>
+    <dgm:txFillClrLst meth="repeat">
+      <a:schemeClr val="dk1"/>
+    </dgm:txFillClrLst>
+    <dgm:txEffectClrLst/>
+  </dgm:styleLbl>
+  <dgm:styleLbl name="fgAcc0">
+    <dgm:fillClrLst meth="repeat">
+      <a:schemeClr val="lt1">
+        <a:alpha val="90000"/>
+      </a:schemeClr>
+    </dgm:fillClrLst>
+    <dgm:linClrLst>
+      <a:schemeClr val="accent3"/>
+    </dgm:linClrLst>
+    <dgm:effectClrLst/>
+    <dgm:txLinClrLst/>
+    <dgm:txFillClrLst meth="repeat">
+      <a:schemeClr val="dk1"/>
+    </dgm:txFillClrLst>
+    <dgm:txEffectClrLst/>
+  </dgm:styleLbl>
+  <dgm:styleLbl name="fgAcc2">
+    <dgm:fillClrLst meth="repeat">
+      <a:schemeClr val="lt1">
+        <a:alpha val="90000"/>
+      </a:schemeClr>
+    </dgm:fillClrLst>
+    <dgm:linClrLst>
+      <a:schemeClr val="accent5"/>
+    </dgm:linClrLst>
+    <dgm:effectClrLst/>
+    <dgm:txLinClrLst/>
+    <dgm:txFillClrLst meth="repeat">
+      <a:schemeClr val="dk1"/>
+    </dgm:txFillClrLst>
+    <dgm:txEffectClrLst/>
+  </dgm:styleLbl>
+  <dgm:styleLbl name="fgAcc3">
+    <dgm:fillClrLst meth="repeat">
+      <a:schemeClr val="lt1">
+        <a:alpha val="90000"/>
+      </a:schemeClr>
+    </dgm:fillClrLst>
+    <dgm:linClrLst>
+      <a:schemeClr val="accent6"/>
+    </dgm:linClrLst>
+    <dgm:effectClrLst/>
+    <dgm:txLinClrLst/>
+    <dgm:txFillClrLst meth="repeat">
+      <a:schemeClr val="dk1"/>
+    </dgm:txFillClrLst>
+    <dgm:txEffectClrLst/>
+  </dgm:styleLbl>
+  <dgm:styleLbl name="fgAcc4">
+    <dgm:fillClrLst meth="repeat">
+      <a:schemeClr val="lt1">
+        <a:alpha val="90000"/>
+      </a:schemeClr>
+    </dgm:fillClrLst>
+    <dgm:linClrLst>
       <a:schemeClr val="accent1"/>
     </dgm:linClrLst>
     <dgm:effectClrLst/>
@@ -1442,14 +1707,14 @@
     </dgm:txFillClrLst>
     <dgm:txEffectClrLst/>
   </dgm:styleLbl>
-  <dgm:styleLbl name="conFgAcc1">
+  <dgm:styleLbl name="bgShp">
     <dgm:fillClrLst meth="repeat">
-      <a:schemeClr val="lt1">
-        <a:alpha val="90000"/>
+      <a:schemeClr val="accent4">
+        <a:tint val="40000"/>
       </a:schemeClr>
     </dgm:fillClrLst>
     <dgm:linClrLst meth="repeat">
-      <a:schemeClr val="accent1"/>
+      <a:schemeClr val="dk1"/>
     </dgm:linClrLst>
     <dgm:effectClrLst/>
     <dgm:txLinClrLst/>
@@ -1458,244 +1723,14 @@
     </dgm:txFillClrLst>
     <dgm:txEffectClrLst/>
   </dgm:styleLbl>
-  <dgm:styleLbl name="alignAcc1">
+  <dgm:styleLbl name="dkBgShp">
     <dgm:fillClrLst meth="repeat">
-      <a:schemeClr val="lt1">
-        <a:alpha val="90000"/>
+      <a:schemeClr val="accent4">
+        <a:shade val="90000"/>
       </a:schemeClr>
     </dgm:fillClrLst>
     <dgm:linClrLst meth="repeat">
-      <a:schemeClr val="accent1"/>
-    </dgm:linClrLst>
-    <dgm:effectClrLst/>
-    <dgm:txLinClrLst/>
-    <dgm:txFillClrLst meth="repeat">
       <a:schemeClr val="dk1"/>
-    </dgm:txFillClrLst>
-    <dgm:txEffectClrLst/>
-  </dgm:styleLbl>
-  <dgm:styleLbl name="trAlignAcc1">
-    <dgm:fillClrLst meth="repeat">
-      <a:schemeClr val="lt1">
-        <a:alpha val="40000"/>
-      </a:schemeClr>
-    </dgm:fillClrLst>
-    <dgm:linClrLst meth="repeat">
-      <a:schemeClr val="accent1"/>
-    </dgm:linClrLst>
-    <dgm:effectClrLst/>
-    <dgm:txLinClrLst/>
-    <dgm:txFillClrLst meth="repeat">
-      <a:schemeClr val="dk1"/>
-    </dgm:txFillClrLst>
-    <dgm:txEffectClrLst/>
-  </dgm:styleLbl>
-  <dgm:styleLbl name="bgAcc1">
-    <dgm:fillClrLst meth="repeat">
-      <a:schemeClr val="lt1">
-        <a:alpha val="90000"/>
-      </a:schemeClr>
-    </dgm:fillClrLst>
-    <dgm:linClrLst meth="repeat">
-      <a:schemeClr val="accent1"/>
-    </dgm:linClrLst>
-    <dgm:effectClrLst/>
-    <dgm:txLinClrLst/>
-    <dgm:txFillClrLst meth="repeat">
-      <a:schemeClr val="dk1"/>
-    </dgm:txFillClrLst>
-    <dgm:txEffectClrLst/>
-  </dgm:styleLbl>
-  <dgm:styleLbl name="solidFgAcc1">
-    <dgm:fillClrLst meth="repeat">
-      <a:schemeClr val="lt1"/>
-    </dgm:fillClrLst>
-    <dgm:linClrLst meth="repeat">
-      <a:schemeClr val="accent1"/>
-    </dgm:linClrLst>
-    <dgm:effectClrLst/>
-    <dgm:txLinClrLst/>
-    <dgm:txFillClrLst meth="repeat">
-      <a:schemeClr val="dk1"/>
-    </dgm:txFillClrLst>
-    <dgm:txEffectClrLst/>
-  </dgm:styleLbl>
-  <dgm:styleLbl name="solidAlignAcc1">
-    <dgm:fillClrLst meth="repeat">
-      <a:schemeClr val="lt1"/>
-    </dgm:fillClrLst>
-    <dgm:linClrLst meth="repeat">
-      <a:schemeClr val="accent1"/>
-    </dgm:linClrLst>
-    <dgm:effectClrLst/>
-    <dgm:txLinClrLst/>
-    <dgm:txFillClrLst meth="repeat">
-      <a:schemeClr val="dk1"/>
-    </dgm:txFillClrLst>
-    <dgm:txEffectClrLst/>
-  </dgm:styleLbl>
-  <dgm:styleLbl name="solidBgAcc1">
-    <dgm:fillClrLst meth="repeat">
-      <a:schemeClr val="lt1"/>
-    </dgm:fillClrLst>
-    <dgm:linClrLst meth="repeat">
-      <a:schemeClr val="accent1"/>
-    </dgm:linClrLst>
-    <dgm:effectClrLst/>
-    <dgm:txLinClrLst/>
-    <dgm:txFillClrLst meth="repeat">
-      <a:schemeClr val="dk1"/>
-    </dgm:txFillClrLst>
-    <dgm:txEffectClrLst/>
-  </dgm:styleLbl>
-  <dgm:styleLbl name="fgAccFollowNode1">
-    <dgm:fillClrLst meth="repeat">
-      <a:schemeClr val="accent1">
-        <a:alpha val="90000"/>
-        <a:tint val="40000"/>
-      </a:schemeClr>
-    </dgm:fillClrLst>
-    <dgm:linClrLst meth="repeat">
-      <a:schemeClr val="accent1">
-        <a:alpha val="90000"/>
-        <a:tint val="40000"/>
-      </a:schemeClr>
-    </dgm:linClrLst>
-    <dgm:effectClrLst/>
-    <dgm:txLinClrLst/>
-    <dgm:txFillClrLst meth="repeat">
-      <a:schemeClr val="dk1"/>
-    </dgm:txFillClrLst>
-    <dgm:txEffectClrLst/>
-  </dgm:styleLbl>
-  <dgm:styleLbl name="alignAccFollowNode1">
-    <dgm:fillClrLst meth="repeat">
-      <a:schemeClr val="accent1">
-        <a:alpha val="90000"/>
-        <a:tint val="40000"/>
-      </a:schemeClr>
-    </dgm:fillClrLst>
-    <dgm:linClrLst meth="repeat">
-      <a:schemeClr val="accent1">
-        <a:alpha val="90000"/>
-        <a:tint val="40000"/>
-      </a:schemeClr>
-    </dgm:linClrLst>
-    <dgm:effectClrLst/>
-    <dgm:txLinClrLst/>
-    <dgm:txFillClrLst meth="repeat">
-      <a:schemeClr val="dk1"/>
-    </dgm:txFillClrLst>
-    <dgm:txEffectClrLst/>
-  </dgm:styleLbl>
-  <dgm:styleLbl name="bgAccFollowNode1">
-    <dgm:fillClrLst meth="repeat">
-      <a:schemeClr val="accent1">
-        <a:alpha val="90000"/>
-        <a:tint val="40000"/>
-      </a:schemeClr>
-    </dgm:fillClrLst>
-    <dgm:linClrLst meth="repeat">
-      <a:schemeClr val="accent1">
-        <a:alpha val="90000"/>
-        <a:tint val="40000"/>
-      </a:schemeClr>
-    </dgm:linClrLst>
-    <dgm:effectClrLst/>
-    <dgm:txLinClrLst/>
-    <dgm:txFillClrLst meth="repeat">
-      <a:schemeClr val="dk1"/>
-    </dgm:txFillClrLst>
-    <dgm:txEffectClrLst/>
-  </dgm:styleLbl>
-  <dgm:styleLbl name="fgAcc0">
-    <dgm:fillClrLst meth="repeat">
-      <a:schemeClr val="lt1">
-        <a:alpha val="90000"/>
-      </a:schemeClr>
-    </dgm:fillClrLst>
-    <dgm:linClrLst meth="repeat">
-      <a:schemeClr val="accent1"/>
-    </dgm:linClrLst>
-    <dgm:effectClrLst/>
-    <dgm:txLinClrLst/>
-    <dgm:txFillClrLst meth="repeat">
-      <a:schemeClr val="dk1"/>
-    </dgm:txFillClrLst>
-    <dgm:txEffectClrLst/>
-  </dgm:styleLbl>
-  <dgm:styleLbl name="fgAcc2">
-    <dgm:fillClrLst meth="repeat">
-      <a:schemeClr val="lt1">
-        <a:alpha val="90000"/>
-      </a:schemeClr>
-    </dgm:fillClrLst>
-    <dgm:linClrLst meth="repeat">
-      <a:schemeClr val="accent1"/>
-    </dgm:linClrLst>
-    <dgm:effectClrLst/>
-    <dgm:txLinClrLst/>
-    <dgm:txFillClrLst meth="repeat">
-      <a:schemeClr val="dk1"/>
-    </dgm:txFillClrLst>
-    <dgm:txEffectClrLst/>
-  </dgm:styleLbl>
-  <dgm:styleLbl name="fgAcc3">
-    <dgm:fillClrLst meth="repeat">
-      <a:schemeClr val="lt1">
-        <a:alpha val="90000"/>
-      </a:schemeClr>
-    </dgm:fillClrLst>
-    <dgm:linClrLst meth="repeat">
-      <a:schemeClr val="accent1"/>
-    </dgm:linClrLst>
-    <dgm:effectClrLst/>
-    <dgm:txLinClrLst/>
-    <dgm:txFillClrLst meth="repeat">
-      <a:schemeClr val="dk1"/>
-    </dgm:txFillClrLst>
-    <dgm:txEffectClrLst/>
-  </dgm:styleLbl>
-  <dgm:styleLbl name="fgAcc4">
-    <dgm:fillClrLst meth="repeat">
-      <a:schemeClr val="lt1">
-        <a:alpha val="90000"/>
-      </a:schemeClr>
-    </dgm:fillClrLst>
-    <dgm:linClrLst meth="repeat">
-      <a:schemeClr val="accent1"/>
-    </dgm:linClrLst>
-    <dgm:effectClrLst/>
-    <dgm:txLinClrLst/>
-    <dgm:txFillClrLst meth="repeat">
-      <a:schemeClr val="dk1"/>
-    </dgm:txFillClrLst>
-    <dgm:txEffectClrLst/>
-  </dgm:styleLbl>
-  <dgm:styleLbl name="bgShp">
-    <dgm:fillClrLst meth="repeat">
-      <a:schemeClr val="accent1">
-        <a:tint val="40000"/>
-      </a:schemeClr>
-    </dgm:fillClrLst>
-    <dgm:linClrLst meth="repeat">
-      <a:schemeClr val="accent1"/>
-    </dgm:linClrLst>
-    <dgm:effectClrLst/>
-    <dgm:txLinClrLst/>
-    <dgm:txFillClrLst meth="repeat">
-      <a:schemeClr val="dk1"/>
-    </dgm:txFillClrLst>
-    <dgm:txEffectClrLst/>
-  </dgm:styleLbl>
-  <dgm:styleLbl name="dkBgShp">
-    <dgm:fillClrLst meth="repeat">
-      <a:schemeClr val="accent1">
-        <a:shade val="80000"/>
-      </a:schemeClr>
-    </dgm:fillClrLst>
-    <dgm:linClrLst meth="repeat">
-      <a:schemeClr val="accent1"/>
     </dgm:linClrLst>
     <dgm:effectClrLst/>
     <dgm:txLinClrLst/>
@@ -1706,13 +1741,13 @@
   </dgm:styleLbl>
   <dgm:styleLbl name="trBgShp">
     <dgm:fillClrLst meth="repeat">
-      <a:schemeClr val="accent1">
+      <a:schemeClr val="accent4">
         <a:tint val="50000"/>
         <a:alpha val="40000"/>
       </a:schemeClr>
     </dgm:fillClrLst>
     <dgm:linClrLst meth="repeat">
-      <a:schemeClr val="accent1"/>
+      <a:schemeClr val="accent4"/>
     </dgm:linClrLst>
     <dgm:effectClrLst/>
     <dgm:txLinClrLst/>
@@ -1723,8 +1758,8 @@
   </dgm:styleLbl>
   <dgm:styleLbl name="fgShp">
     <dgm:fillClrLst meth="repeat">
-      <a:schemeClr val="accent1">
-        <a:tint val="60000"/>
+      <a:schemeClr val="accent4">
+        <a:tint val="40000"/>
       </a:schemeClr>
     </dgm:fillClrLst>
     <dgm:linClrLst meth="repeat">
@@ -2505,753 +2540,6 @@
 </dgm:colorsDef>
 </file>
 
-<file path=ppt/diagrams/colors4.xml><?xml version="1.0" encoding="utf-8"?>
-<dgm:colorsDef xmlns:dgm="http://schemas.openxmlformats.org/drawingml/2006/diagram" xmlns:a="http://schemas.openxmlformats.org/drawingml/2006/main" uniqueId="urn:microsoft.com/office/officeart/2005/8/colors/accent1_2">
-  <dgm:title val=""/>
-  <dgm:desc val=""/>
-  <dgm:catLst>
-    <dgm:cat type="accent1" pri="11200"/>
-  </dgm:catLst>
-  <dgm:styleLbl name="node0">
-    <dgm:fillClrLst meth="repeat">
-      <a:schemeClr val="accent1"/>
-    </dgm:fillClrLst>
-    <dgm:linClrLst meth="repeat">
-      <a:schemeClr val="lt1"/>
-    </dgm:linClrLst>
-    <dgm:effectClrLst/>
-    <dgm:txLinClrLst/>
-    <dgm:txFillClrLst/>
-    <dgm:txEffectClrLst/>
-  </dgm:styleLbl>
-  <dgm:styleLbl name="alignNode1">
-    <dgm:fillClrLst meth="repeat">
-      <a:schemeClr val="accent1"/>
-    </dgm:fillClrLst>
-    <dgm:linClrLst meth="repeat">
-      <a:schemeClr val="accent1"/>
-    </dgm:linClrLst>
-    <dgm:effectClrLst/>
-    <dgm:txLinClrLst/>
-    <dgm:txFillClrLst/>
-    <dgm:txEffectClrLst/>
-  </dgm:styleLbl>
-  <dgm:styleLbl name="node1">
-    <dgm:fillClrLst meth="repeat">
-      <a:schemeClr val="accent1"/>
-    </dgm:fillClrLst>
-    <dgm:linClrLst meth="repeat">
-      <a:schemeClr val="lt1"/>
-    </dgm:linClrLst>
-    <dgm:effectClrLst/>
-    <dgm:txLinClrLst/>
-    <dgm:txFillClrLst/>
-    <dgm:txEffectClrLst/>
-  </dgm:styleLbl>
-  <dgm:styleLbl name="lnNode1">
-    <dgm:fillClrLst meth="repeat">
-      <a:schemeClr val="accent1"/>
-    </dgm:fillClrLst>
-    <dgm:linClrLst meth="repeat">
-      <a:schemeClr val="lt1"/>
-    </dgm:linClrLst>
-    <dgm:effectClrLst/>
-    <dgm:txLinClrLst/>
-    <dgm:txFillClrLst/>
-    <dgm:txEffectClrLst/>
-  </dgm:styleLbl>
-  <dgm:styleLbl name="vennNode1">
-    <dgm:fillClrLst meth="repeat">
-      <a:schemeClr val="accent1">
-        <a:alpha val="50000"/>
-      </a:schemeClr>
-    </dgm:fillClrLst>
-    <dgm:linClrLst meth="repeat">
-      <a:schemeClr val="lt1"/>
-    </dgm:linClrLst>
-    <dgm:effectClrLst/>
-    <dgm:txLinClrLst/>
-    <dgm:txFillClrLst/>
-    <dgm:txEffectClrLst/>
-  </dgm:styleLbl>
-  <dgm:styleLbl name="node2">
-    <dgm:fillClrLst meth="repeat">
-      <a:schemeClr val="accent1"/>
-    </dgm:fillClrLst>
-    <dgm:linClrLst meth="repeat">
-      <a:schemeClr val="lt1"/>
-    </dgm:linClrLst>
-    <dgm:effectClrLst/>
-    <dgm:txLinClrLst/>
-    <dgm:txFillClrLst/>
-    <dgm:txEffectClrLst/>
-  </dgm:styleLbl>
-  <dgm:styleLbl name="node3">
-    <dgm:fillClrLst meth="repeat">
-      <a:schemeClr val="accent1"/>
-    </dgm:fillClrLst>
-    <dgm:linClrLst meth="repeat">
-      <a:schemeClr val="lt1"/>
-    </dgm:linClrLst>
-    <dgm:effectClrLst/>
-    <dgm:txLinClrLst/>
-    <dgm:txFillClrLst/>
-    <dgm:txEffectClrLst/>
-  </dgm:styleLbl>
-  <dgm:styleLbl name="node4">
-    <dgm:fillClrLst meth="repeat">
-      <a:schemeClr val="accent1"/>
-    </dgm:fillClrLst>
-    <dgm:linClrLst meth="repeat">
-      <a:schemeClr val="lt1"/>
-    </dgm:linClrLst>
-    <dgm:effectClrLst/>
-    <dgm:txLinClrLst/>
-    <dgm:txFillClrLst/>
-    <dgm:txEffectClrLst/>
-  </dgm:styleLbl>
-  <dgm:styleLbl name="fgImgPlace1">
-    <dgm:fillClrLst meth="repeat">
-      <a:schemeClr val="accent1">
-        <a:tint val="50000"/>
-      </a:schemeClr>
-    </dgm:fillClrLst>
-    <dgm:linClrLst meth="repeat">
-      <a:schemeClr val="lt1"/>
-    </dgm:linClrLst>
-    <dgm:effectClrLst/>
-    <dgm:txLinClrLst/>
-    <dgm:txFillClrLst meth="repeat">
-      <a:schemeClr val="lt1"/>
-    </dgm:txFillClrLst>
-    <dgm:txEffectClrLst/>
-  </dgm:styleLbl>
-  <dgm:styleLbl name="alignImgPlace1">
-    <dgm:fillClrLst meth="repeat">
-      <a:schemeClr val="accent1">
-        <a:tint val="50000"/>
-      </a:schemeClr>
-    </dgm:fillClrLst>
-    <dgm:linClrLst meth="repeat">
-      <a:schemeClr val="lt1"/>
-    </dgm:linClrLst>
-    <dgm:effectClrLst/>
-    <dgm:txLinClrLst/>
-    <dgm:txFillClrLst meth="repeat">
-      <a:schemeClr val="lt1"/>
-    </dgm:txFillClrLst>
-    <dgm:txEffectClrLst/>
-  </dgm:styleLbl>
-  <dgm:styleLbl name="bgImgPlace1">
-    <dgm:fillClrLst meth="repeat">
-      <a:schemeClr val="accent1">
-        <a:tint val="50000"/>
-      </a:schemeClr>
-    </dgm:fillClrLst>
-    <dgm:linClrLst meth="repeat">
-      <a:schemeClr val="lt1"/>
-    </dgm:linClrLst>
-    <dgm:effectClrLst/>
-    <dgm:txLinClrLst/>
-    <dgm:txFillClrLst meth="repeat">
-      <a:schemeClr val="lt1"/>
-    </dgm:txFillClrLst>
-    <dgm:txEffectClrLst/>
-  </dgm:styleLbl>
-  <dgm:styleLbl name="sibTrans2D1">
-    <dgm:fillClrLst meth="repeat">
-      <a:schemeClr val="accent1">
-        <a:tint val="60000"/>
-      </a:schemeClr>
-    </dgm:fillClrLst>
-    <dgm:linClrLst meth="repeat">
-      <a:schemeClr val="accent1">
-        <a:tint val="60000"/>
-      </a:schemeClr>
-    </dgm:linClrLst>
-    <dgm:effectClrLst/>
-    <dgm:txLinClrLst/>
-    <dgm:txFillClrLst/>
-    <dgm:txEffectClrLst/>
-  </dgm:styleLbl>
-  <dgm:styleLbl name="fgSibTrans2D1">
-    <dgm:fillClrLst meth="repeat">
-      <a:schemeClr val="accent1">
-        <a:tint val="60000"/>
-      </a:schemeClr>
-    </dgm:fillClrLst>
-    <dgm:linClrLst meth="repeat">
-      <a:schemeClr val="accent1">
-        <a:tint val="60000"/>
-      </a:schemeClr>
-    </dgm:linClrLst>
-    <dgm:effectClrLst/>
-    <dgm:txLinClrLst/>
-    <dgm:txFillClrLst/>
-    <dgm:txEffectClrLst/>
-  </dgm:styleLbl>
-  <dgm:styleLbl name="bgSibTrans2D1">
-    <dgm:fillClrLst meth="repeat">
-      <a:schemeClr val="accent1">
-        <a:tint val="60000"/>
-      </a:schemeClr>
-    </dgm:fillClrLst>
-    <dgm:linClrLst meth="repeat">
-      <a:schemeClr val="accent1">
-        <a:tint val="60000"/>
-      </a:schemeClr>
-    </dgm:linClrLst>
-    <dgm:effectClrLst/>
-    <dgm:txLinClrLst/>
-    <dgm:txFillClrLst/>
-    <dgm:txEffectClrLst/>
-  </dgm:styleLbl>
-  <dgm:styleLbl name="sibTrans1D1">
-    <dgm:fillClrLst meth="repeat">
-      <a:schemeClr val="accent1"/>
-    </dgm:fillClrLst>
-    <dgm:linClrLst meth="repeat">
-      <a:schemeClr val="accent1"/>
-    </dgm:linClrLst>
-    <dgm:effectClrLst/>
-    <dgm:txLinClrLst/>
-    <dgm:txFillClrLst meth="repeat">
-      <a:schemeClr val="tx1"/>
-    </dgm:txFillClrLst>
-    <dgm:txEffectClrLst/>
-  </dgm:styleLbl>
-  <dgm:styleLbl name="callout">
-    <dgm:fillClrLst meth="repeat">
-      <a:schemeClr val="accent1"/>
-    </dgm:fillClrLst>
-    <dgm:linClrLst meth="repeat">
-      <a:schemeClr val="accent1">
-        <a:tint val="50000"/>
-      </a:schemeClr>
-    </dgm:linClrLst>
-    <dgm:effectClrLst/>
-    <dgm:txLinClrLst/>
-    <dgm:txFillClrLst meth="repeat">
-      <a:schemeClr val="tx1"/>
-    </dgm:txFillClrLst>
-    <dgm:txEffectClrLst/>
-  </dgm:styleLbl>
-  <dgm:styleLbl name="asst0">
-    <dgm:fillClrLst meth="repeat">
-      <a:schemeClr val="accent1"/>
-    </dgm:fillClrLst>
-    <dgm:linClrLst meth="repeat">
-      <a:schemeClr val="lt1"/>
-    </dgm:linClrLst>
-    <dgm:effectClrLst/>
-    <dgm:txLinClrLst/>
-    <dgm:txFillClrLst/>
-    <dgm:txEffectClrLst/>
-  </dgm:styleLbl>
-  <dgm:styleLbl name="asst1">
-    <dgm:fillClrLst meth="repeat">
-      <a:schemeClr val="accent1"/>
-    </dgm:fillClrLst>
-    <dgm:linClrLst meth="repeat">
-      <a:schemeClr val="lt1"/>
-    </dgm:linClrLst>
-    <dgm:effectClrLst/>
-    <dgm:txLinClrLst/>
-    <dgm:txFillClrLst/>
-    <dgm:txEffectClrLst/>
-  </dgm:styleLbl>
-  <dgm:styleLbl name="asst2">
-    <dgm:fillClrLst meth="repeat">
-      <a:schemeClr val="accent1"/>
-    </dgm:fillClrLst>
-    <dgm:linClrLst meth="repeat">
-      <a:schemeClr val="lt1"/>
-    </dgm:linClrLst>
-    <dgm:effectClrLst/>
-    <dgm:txLinClrLst/>
-    <dgm:txFillClrLst/>
-    <dgm:txEffectClrLst/>
-  </dgm:styleLbl>
-  <dgm:styleLbl name="asst3">
-    <dgm:fillClrLst meth="repeat">
-      <a:schemeClr val="accent1"/>
-    </dgm:fillClrLst>
-    <dgm:linClrLst meth="repeat">
-      <a:schemeClr val="lt1"/>
-    </dgm:linClrLst>
-    <dgm:effectClrLst/>
-    <dgm:txLinClrLst/>
-    <dgm:txFillClrLst/>
-    <dgm:txEffectClrLst/>
-  </dgm:styleLbl>
-  <dgm:styleLbl name="asst4">
-    <dgm:fillClrLst meth="repeat">
-      <a:schemeClr val="accent1"/>
-    </dgm:fillClrLst>
-    <dgm:linClrLst meth="repeat">
-      <a:schemeClr val="lt1"/>
-    </dgm:linClrLst>
-    <dgm:effectClrLst/>
-    <dgm:txLinClrLst/>
-    <dgm:txFillClrLst/>
-    <dgm:txEffectClrLst/>
-  </dgm:styleLbl>
-  <dgm:styleLbl name="parChTrans2D1">
-    <dgm:fillClrLst meth="repeat">
-      <a:schemeClr val="accent1">
-        <a:tint val="60000"/>
-      </a:schemeClr>
-    </dgm:fillClrLst>
-    <dgm:linClrLst meth="repeat">
-      <a:schemeClr val="accent1">
-        <a:tint val="60000"/>
-      </a:schemeClr>
-    </dgm:linClrLst>
-    <dgm:effectClrLst/>
-    <dgm:txLinClrLst/>
-    <dgm:txFillClrLst meth="repeat">
-      <a:schemeClr val="lt1"/>
-    </dgm:txFillClrLst>
-    <dgm:txEffectClrLst/>
-  </dgm:styleLbl>
-  <dgm:styleLbl name="parChTrans2D2">
-    <dgm:fillClrLst meth="repeat">
-      <a:schemeClr val="accent1"/>
-    </dgm:fillClrLst>
-    <dgm:linClrLst meth="repeat">
-      <a:schemeClr val="accent1"/>
-    </dgm:linClrLst>
-    <dgm:effectClrLst/>
-    <dgm:txLinClrLst/>
-    <dgm:txFillClrLst meth="repeat">
-      <a:schemeClr val="lt1"/>
-    </dgm:txFillClrLst>
-    <dgm:txEffectClrLst/>
-  </dgm:styleLbl>
-  <dgm:styleLbl name="parChTrans2D3">
-    <dgm:fillClrLst meth="repeat">
-      <a:schemeClr val="accent1"/>
-    </dgm:fillClrLst>
-    <dgm:linClrLst meth="repeat">
-      <a:schemeClr val="accent1"/>
-    </dgm:linClrLst>
-    <dgm:effectClrLst/>
-    <dgm:txLinClrLst/>
-    <dgm:txFillClrLst meth="repeat">
-      <a:schemeClr val="lt1"/>
-    </dgm:txFillClrLst>
-    <dgm:txEffectClrLst/>
-  </dgm:styleLbl>
-  <dgm:styleLbl name="parChTrans2D4">
-    <dgm:fillClrLst meth="repeat">
-      <a:schemeClr val="accent1"/>
-    </dgm:fillClrLst>
-    <dgm:linClrLst meth="repeat">
-      <a:schemeClr val="accent1"/>
-    </dgm:linClrLst>
-    <dgm:effectClrLst/>
-    <dgm:txLinClrLst/>
-    <dgm:txFillClrLst meth="repeat">
-      <a:schemeClr val="lt1"/>
-    </dgm:txFillClrLst>
-    <dgm:txEffectClrLst/>
-  </dgm:styleLbl>
-  <dgm:styleLbl name="parChTrans1D1">
-    <dgm:fillClrLst meth="repeat">
-      <a:schemeClr val="accent1"/>
-    </dgm:fillClrLst>
-    <dgm:linClrLst meth="repeat">
-      <a:schemeClr val="accent1">
-        <a:shade val="60000"/>
-      </a:schemeClr>
-    </dgm:linClrLst>
-    <dgm:effectClrLst/>
-    <dgm:txLinClrLst/>
-    <dgm:txFillClrLst meth="repeat">
-      <a:schemeClr val="tx1"/>
-    </dgm:txFillClrLst>
-    <dgm:txEffectClrLst/>
-  </dgm:styleLbl>
-  <dgm:styleLbl name="parChTrans1D2">
-    <dgm:fillClrLst meth="repeat">
-      <a:schemeClr val="accent1"/>
-    </dgm:fillClrLst>
-    <dgm:linClrLst meth="repeat">
-      <a:schemeClr val="accent1">
-        <a:shade val="60000"/>
-      </a:schemeClr>
-    </dgm:linClrLst>
-    <dgm:effectClrLst/>
-    <dgm:txLinClrLst/>
-    <dgm:txFillClrLst meth="repeat">
-      <a:schemeClr val="tx1"/>
-    </dgm:txFillClrLst>
-    <dgm:txEffectClrLst/>
-  </dgm:styleLbl>
-  <dgm:styleLbl name="parChTrans1D3">
-    <dgm:fillClrLst meth="repeat">
-      <a:schemeClr val="accent1"/>
-    </dgm:fillClrLst>
-    <dgm:linClrLst meth="repeat">
-      <a:schemeClr val="accent1">
-        <a:shade val="80000"/>
-      </a:schemeClr>
-    </dgm:linClrLst>
-    <dgm:effectClrLst/>
-    <dgm:txLinClrLst/>
-    <dgm:txFillClrLst meth="repeat">
-      <a:schemeClr val="tx1"/>
-    </dgm:txFillClrLst>
-    <dgm:txEffectClrLst/>
-  </dgm:styleLbl>
-  <dgm:styleLbl name="parChTrans1D4">
-    <dgm:fillClrLst meth="repeat">
-      <a:schemeClr val="accent1"/>
-    </dgm:fillClrLst>
-    <dgm:linClrLst meth="repeat">
-      <a:schemeClr val="accent1">
-        <a:shade val="80000"/>
-      </a:schemeClr>
-    </dgm:linClrLst>
-    <dgm:effectClrLst/>
-    <dgm:txLinClrLst/>
-    <dgm:txFillClrLst meth="repeat">
-      <a:schemeClr val="tx1"/>
-    </dgm:txFillClrLst>
-    <dgm:txEffectClrLst/>
-  </dgm:styleLbl>
-  <dgm:styleLbl name="fgAcc1">
-    <dgm:fillClrLst meth="repeat">
-      <a:schemeClr val="lt1">
-        <a:alpha val="90000"/>
-      </a:schemeClr>
-    </dgm:fillClrLst>
-    <dgm:linClrLst meth="repeat">
-      <a:schemeClr val="accent1"/>
-    </dgm:linClrLst>
-    <dgm:effectClrLst/>
-    <dgm:txLinClrLst/>
-    <dgm:txFillClrLst meth="repeat">
-      <a:schemeClr val="dk1"/>
-    </dgm:txFillClrLst>
-    <dgm:txEffectClrLst/>
-  </dgm:styleLbl>
-  <dgm:styleLbl name="conFgAcc1">
-    <dgm:fillClrLst meth="repeat">
-      <a:schemeClr val="lt1">
-        <a:alpha val="90000"/>
-      </a:schemeClr>
-    </dgm:fillClrLst>
-    <dgm:linClrLst meth="repeat">
-      <a:schemeClr val="accent1"/>
-    </dgm:linClrLst>
-    <dgm:effectClrLst/>
-    <dgm:txLinClrLst/>
-    <dgm:txFillClrLst meth="repeat">
-      <a:schemeClr val="dk1"/>
-    </dgm:txFillClrLst>
-    <dgm:txEffectClrLst/>
-  </dgm:styleLbl>
-  <dgm:styleLbl name="alignAcc1">
-    <dgm:fillClrLst meth="repeat">
-      <a:schemeClr val="lt1">
-        <a:alpha val="90000"/>
-      </a:schemeClr>
-    </dgm:fillClrLst>
-    <dgm:linClrLst meth="repeat">
-      <a:schemeClr val="accent1"/>
-    </dgm:linClrLst>
-    <dgm:effectClrLst/>
-    <dgm:txLinClrLst/>
-    <dgm:txFillClrLst meth="repeat">
-      <a:schemeClr val="dk1"/>
-    </dgm:txFillClrLst>
-    <dgm:txEffectClrLst/>
-  </dgm:styleLbl>
-  <dgm:styleLbl name="trAlignAcc1">
-    <dgm:fillClrLst meth="repeat">
-      <a:schemeClr val="lt1">
-        <a:alpha val="40000"/>
-      </a:schemeClr>
-    </dgm:fillClrLst>
-    <dgm:linClrLst meth="repeat">
-      <a:schemeClr val="accent1"/>
-    </dgm:linClrLst>
-    <dgm:effectClrLst/>
-    <dgm:txLinClrLst/>
-    <dgm:txFillClrLst meth="repeat">
-      <a:schemeClr val="dk1"/>
-    </dgm:txFillClrLst>
-    <dgm:txEffectClrLst/>
-  </dgm:styleLbl>
-  <dgm:styleLbl name="bgAcc1">
-    <dgm:fillClrLst meth="repeat">
-      <a:schemeClr val="lt1">
-        <a:alpha val="90000"/>
-      </a:schemeClr>
-    </dgm:fillClrLst>
-    <dgm:linClrLst meth="repeat">
-      <a:schemeClr val="accent1"/>
-    </dgm:linClrLst>
-    <dgm:effectClrLst/>
-    <dgm:txLinClrLst/>
-    <dgm:txFillClrLst meth="repeat">
-      <a:schemeClr val="dk1"/>
-    </dgm:txFillClrLst>
-    <dgm:txEffectClrLst/>
-  </dgm:styleLbl>
-  <dgm:styleLbl name="solidFgAcc1">
-    <dgm:fillClrLst meth="repeat">
-      <a:schemeClr val="lt1"/>
-    </dgm:fillClrLst>
-    <dgm:linClrLst meth="repeat">
-      <a:schemeClr val="accent1"/>
-    </dgm:linClrLst>
-    <dgm:effectClrLst/>
-    <dgm:txLinClrLst/>
-    <dgm:txFillClrLst meth="repeat">
-      <a:schemeClr val="dk1"/>
-    </dgm:txFillClrLst>
-    <dgm:txEffectClrLst/>
-  </dgm:styleLbl>
-  <dgm:styleLbl name="solidAlignAcc1">
-    <dgm:fillClrLst meth="repeat">
-      <a:schemeClr val="lt1"/>
-    </dgm:fillClrLst>
-    <dgm:linClrLst meth="repeat">
-      <a:schemeClr val="accent1"/>
-    </dgm:linClrLst>
-    <dgm:effectClrLst/>
-    <dgm:txLinClrLst/>
-    <dgm:txFillClrLst meth="repeat">
-      <a:schemeClr val="dk1"/>
-    </dgm:txFillClrLst>
-    <dgm:txEffectClrLst/>
-  </dgm:styleLbl>
-  <dgm:styleLbl name="solidBgAcc1">
-    <dgm:fillClrLst meth="repeat">
-      <a:schemeClr val="lt1"/>
-    </dgm:fillClrLst>
-    <dgm:linClrLst meth="repeat">
-      <a:schemeClr val="accent1"/>
-    </dgm:linClrLst>
-    <dgm:effectClrLst/>
-    <dgm:txLinClrLst/>
-    <dgm:txFillClrLst meth="repeat">
-      <a:schemeClr val="dk1"/>
-    </dgm:txFillClrLst>
-    <dgm:txEffectClrLst/>
-  </dgm:styleLbl>
-  <dgm:styleLbl name="fgAccFollowNode1">
-    <dgm:fillClrLst meth="repeat">
-      <a:schemeClr val="accent1">
-        <a:alpha val="90000"/>
-        <a:tint val="40000"/>
-      </a:schemeClr>
-    </dgm:fillClrLst>
-    <dgm:linClrLst meth="repeat">
-      <a:schemeClr val="accent1">
-        <a:alpha val="90000"/>
-        <a:tint val="40000"/>
-      </a:schemeClr>
-    </dgm:linClrLst>
-    <dgm:effectClrLst/>
-    <dgm:txLinClrLst/>
-    <dgm:txFillClrLst meth="repeat">
-      <a:schemeClr val="dk1"/>
-    </dgm:txFillClrLst>
-    <dgm:txEffectClrLst/>
-  </dgm:styleLbl>
-  <dgm:styleLbl name="alignAccFollowNode1">
-    <dgm:fillClrLst meth="repeat">
-      <a:schemeClr val="accent1">
-        <a:alpha val="90000"/>
-        <a:tint val="40000"/>
-      </a:schemeClr>
-    </dgm:fillClrLst>
-    <dgm:linClrLst meth="repeat">
-      <a:schemeClr val="accent1">
-        <a:alpha val="90000"/>
-        <a:tint val="40000"/>
-      </a:schemeClr>
-    </dgm:linClrLst>
-    <dgm:effectClrLst/>
-    <dgm:txLinClrLst/>
-    <dgm:txFillClrLst meth="repeat">
-      <a:schemeClr val="dk1"/>
-    </dgm:txFillClrLst>
-    <dgm:txEffectClrLst/>
-  </dgm:styleLbl>
-  <dgm:styleLbl name="bgAccFollowNode1">
-    <dgm:fillClrLst meth="repeat">
-      <a:schemeClr val="accent1">
-        <a:alpha val="90000"/>
-        <a:tint val="40000"/>
-      </a:schemeClr>
-    </dgm:fillClrLst>
-    <dgm:linClrLst meth="repeat">
-      <a:schemeClr val="accent1">
-        <a:alpha val="90000"/>
-        <a:tint val="40000"/>
-      </a:schemeClr>
-    </dgm:linClrLst>
-    <dgm:effectClrLst/>
-    <dgm:txLinClrLst/>
-    <dgm:txFillClrLst meth="repeat">
-      <a:schemeClr val="dk1"/>
-    </dgm:txFillClrLst>
-    <dgm:txEffectClrLst/>
-  </dgm:styleLbl>
-  <dgm:styleLbl name="fgAcc0">
-    <dgm:fillClrLst meth="repeat">
-      <a:schemeClr val="lt1">
-        <a:alpha val="90000"/>
-      </a:schemeClr>
-    </dgm:fillClrLst>
-    <dgm:linClrLst meth="repeat">
-      <a:schemeClr val="accent1"/>
-    </dgm:linClrLst>
-    <dgm:effectClrLst/>
-    <dgm:txLinClrLst/>
-    <dgm:txFillClrLst meth="repeat">
-      <a:schemeClr val="dk1"/>
-    </dgm:txFillClrLst>
-    <dgm:txEffectClrLst/>
-  </dgm:styleLbl>
-  <dgm:styleLbl name="fgAcc2">
-    <dgm:fillClrLst meth="repeat">
-      <a:schemeClr val="lt1">
-        <a:alpha val="90000"/>
-      </a:schemeClr>
-    </dgm:fillClrLst>
-    <dgm:linClrLst meth="repeat">
-      <a:schemeClr val="accent1"/>
-    </dgm:linClrLst>
-    <dgm:effectClrLst/>
-    <dgm:txLinClrLst/>
-    <dgm:txFillClrLst meth="repeat">
-      <a:schemeClr val="dk1"/>
-    </dgm:txFillClrLst>
-    <dgm:txEffectClrLst/>
-  </dgm:styleLbl>
-  <dgm:styleLbl name="fgAcc3">
-    <dgm:fillClrLst meth="repeat">
-      <a:schemeClr val="lt1">
-        <a:alpha val="90000"/>
-      </a:schemeClr>
-    </dgm:fillClrLst>
-    <dgm:linClrLst meth="repeat">
-      <a:schemeClr val="accent1"/>
-    </dgm:linClrLst>
-    <dgm:effectClrLst/>
-    <dgm:txLinClrLst/>
-    <dgm:txFillClrLst meth="repeat">
-      <a:schemeClr val="dk1"/>
-    </dgm:txFillClrLst>
-    <dgm:txEffectClrLst/>
-  </dgm:styleLbl>
-  <dgm:styleLbl name="fgAcc4">
-    <dgm:fillClrLst meth="repeat">
-      <a:schemeClr val="lt1">
-        <a:alpha val="90000"/>
-      </a:schemeClr>
-    </dgm:fillClrLst>
-    <dgm:linClrLst meth="repeat">
-      <a:schemeClr val="accent1"/>
-    </dgm:linClrLst>
-    <dgm:effectClrLst/>
-    <dgm:txLinClrLst/>
-    <dgm:txFillClrLst meth="repeat">
-      <a:schemeClr val="dk1"/>
-    </dgm:txFillClrLst>
-    <dgm:txEffectClrLst/>
-  </dgm:styleLbl>
-  <dgm:styleLbl name="bgShp">
-    <dgm:fillClrLst meth="repeat">
-      <a:schemeClr val="accent1">
-        <a:tint val="40000"/>
-      </a:schemeClr>
-    </dgm:fillClrLst>
-    <dgm:linClrLst meth="repeat">
-      <a:schemeClr val="accent1"/>
-    </dgm:linClrLst>
-    <dgm:effectClrLst/>
-    <dgm:txLinClrLst/>
-    <dgm:txFillClrLst meth="repeat">
-      <a:schemeClr val="dk1"/>
-    </dgm:txFillClrLst>
-    <dgm:txEffectClrLst/>
-  </dgm:styleLbl>
-  <dgm:styleLbl name="dkBgShp">
-    <dgm:fillClrLst meth="repeat">
-      <a:schemeClr val="accent1">
-        <a:shade val="80000"/>
-      </a:schemeClr>
-    </dgm:fillClrLst>
-    <dgm:linClrLst meth="repeat">
-      <a:schemeClr val="accent1"/>
-    </dgm:linClrLst>
-    <dgm:effectClrLst/>
-    <dgm:txLinClrLst/>
-    <dgm:txFillClrLst meth="repeat">
-      <a:schemeClr val="lt1"/>
-    </dgm:txFillClrLst>
-    <dgm:txEffectClrLst/>
-  </dgm:styleLbl>
-  <dgm:styleLbl name="trBgShp">
-    <dgm:fillClrLst meth="repeat">
-      <a:schemeClr val="accent1">
-        <a:tint val="50000"/>
-        <a:alpha val="40000"/>
-      </a:schemeClr>
-    </dgm:fillClrLst>
-    <dgm:linClrLst meth="repeat">
-      <a:schemeClr val="accent1"/>
-    </dgm:linClrLst>
-    <dgm:effectClrLst/>
-    <dgm:txLinClrLst/>
-    <dgm:txFillClrLst meth="repeat">
-      <a:schemeClr val="lt1"/>
-    </dgm:txFillClrLst>
-    <dgm:txEffectClrLst/>
-  </dgm:styleLbl>
-  <dgm:styleLbl name="fgShp">
-    <dgm:fillClrLst meth="repeat">
-      <a:schemeClr val="accent1">
-        <a:tint val="60000"/>
-      </a:schemeClr>
-    </dgm:fillClrLst>
-    <dgm:linClrLst meth="repeat">
-      <a:schemeClr val="lt1"/>
-    </dgm:linClrLst>
-    <dgm:effectClrLst/>
-    <dgm:txLinClrLst/>
-    <dgm:txFillClrLst meth="repeat">
-      <a:schemeClr val="dk1"/>
-    </dgm:txFillClrLst>
-    <dgm:txEffectClrLst/>
-  </dgm:styleLbl>
-  <dgm:styleLbl name="revTx">
-    <dgm:fillClrLst meth="repeat">
-      <a:schemeClr val="lt1">
-        <a:alpha val="0"/>
-      </a:schemeClr>
-    </dgm:fillClrLst>
-    <dgm:linClrLst meth="repeat">
-      <a:schemeClr val="dk1">
-        <a:alpha val="0"/>
-      </a:schemeClr>
-    </dgm:linClrLst>
-    <dgm:effectClrLst/>
-    <dgm:txLinClrLst/>
-    <dgm:txFillClrLst meth="repeat">
-      <a:schemeClr val="tx1"/>
-    </dgm:txFillClrLst>
-    <dgm:txEffectClrLst/>
-  </dgm:styleLbl>
-</dgm:colorsDef>
-</file>
-
 <file path=ppt/diagrams/data1.xml><?xml version="1.0" encoding="utf-8"?>
 <dgm:dataModel xmlns:dgm="http://schemas.openxmlformats.org/drawingml/2006/diagram" xmlns:a="http://schemas.openxmlformats.org/drawingml/2006/main">
   <dgm:ptLst>
@@ -4066,41 +3354,41 @@
     </dgm:pt>
   </dgm:ptLst>
   <dgm:cxnLst>
+    <dgm:cxn modelId="{00EB73C6-3193-4443-851A-936E32877ADD}" type="presOf" srcId="{C50BEBBB-54F1-4503-8F3F-372EE468F041}" destId="{CFC34C5D-362C-4F86-88A4-FBF87B2C7427}" srcOrd="0" destOrd="2" presId="urn:microsoft.com/office/officeart/2005/8/layout/chevron2"/>
+    <dgm:cxn modelId="{937E19B7-67CE-431E-AD3C-02EC700B10A8}" srcId="{82A2100F-ACB1-4FB2-B588-2162CCE0A7EC}" destId="{6745F2E8-67DC-4335-8E1C-679A2BFBCEFE}" srcOrd="3" destOrd="0" parTransId="{94CEB101-BF41-42F2-B6D5-387205ED63AB}" sibTransId="{90453888-4146-41D3-A757-3D9733F25949}"/>
+    <dgm:cxn modelId="{B73A275F-7945-483C-8FE0-7D9EA16D1BBA}" srcId="{D957C335-3589-4AA0-920B-00DB91C683BF}" destId="{82B52429-3E42-43BB-8391-EEA5D69683A3}" srcOrd="1" destOrd="0" parTransId="{F1DE50FC-DC8F-4E5C-9D47-D6BA187B7FD3}" sibTransId="{9C83342E-B54D-4BD5-A4BD-29FC60D70700}"/>
+    <dgm:cxn modelId="{D3ABFCD0-354F-4D9A-9F0C-4B9AAB7DD4B8}" type="presOf" srcId="{75A8AF5E-E077-421B-9B83-1D16FC13CC3E}" destId="{C4A35548-2E21-4AAA-AE63-C60FCAEA2D26}" srcOrd="0" destOrd="0" presId="urn:microsoft.com/office/officeart/2005/8/layout/chevron2"/>
     <dgm:cxn modelId="{AB9DB3A5-5590-4E9C-9842-5405E6CF13F0}" type="presOf" srcId="{6745F2E8-67DC-4335-8E1C-679A2BFBCEFE}" destId="{71D3D0C1-943C-4F07-851A-449A1ADF9B3C}" srcOrd="0" destOrd="3" presId="urn:microsoft.com/office/officeart/2005/8/layout/chevron2"/>
+    <dgm:cxn modelId="{F5F196BB-E062-4666-ADBF-28AB8EB88591}" type="presOf" srcId="{D957C335-3589-4AA0-920B-00DB91C683BF}" destId="{30D1CCFE-B9E2-495C-A14E-C264FE155CBE}" srcOrd="0" destOrd="0" presId="urn:microsoft.com/office/officeart/2005/8/layout/chevron2"/>
+    <dgm:cxn modelId="{19DF7B0B-DAB6-469D-AF09-E2BBF4267F49}" type="presOf" srcId="{AEF24AE9-0AB3-4763-A5DA-3018061F5588}" destId="{CFC34C5D-362C-4F86-88A4-FBF87B2C7427}" srcOrd="0" destOrd="3" presId="urn:microsoft.com/office/officeart/2005/8/layout/chevron2"/>
+    <dgm:cxn modelId="{2D5E0BA9-CF6C-4340-A554-6D094D4B6F20}" type="presOf" srcId="{AC62F493-CDC1-4D34-9615-782F8A2EC453}" destId="{1EF1D0A2-CEB4-4E60-AB0F-BCD66F169E2A}" srcOrd="0" destOrd="0" presId="urn:microsoft.com/office/officeart/2005/8/layout/chevron2"/>
+    <dgm:cxn modelId="{D5C16949-916C-47D2-B666-403C11A53BDC}" type="presOf" srcId="{A65BB76B-6769-4336-B9A5-2CC4F1A9DF53}" destId="{635E652E-FF37-4DFF-95CD-8CA4BA2A8607}" srcOrd="0" destOrd="2" presId="urn:microsoft.com/office/officeart/2005/8/layout/chevron2"/>
+    <dgm:cxn modelId="{84E9938B-3CA2-47EC-865D-AB3EB24F5CEF}" srcId="{AC62F493-CDC1-4D34-9615-782F8A2EC453}" destId="{5155967F-FA0A-4587-9DF5-C229C7C1341C}" srcOrd="1" destOrd="0" parTransId="{73AB8B54-034E-4BC5-8111-248E92063304}" sibTransId="{01368EB3-46CD-4698-96C7-5F60B9A29451}"/>
+    <dgm:cxn modelId="{C79B078C-D58A-47CF-94B0-7E387B47895B}" srcId="{6FB126C9-4DE9-466A-B25B-AC57AA36B4A8}" destId="{9CB56806-528A-44C1-B476-9B43D6E887C0}" srcOrd="1" destOrd="0" parTransId="{DFF6BF32-45C2-4942-B6C7-2656E49203DD}" sibTransId="{74CBDB70-6C77-4F6B-8303-DE1F7A3314B4}"/>
+    <dgm:cxn modelId="{C1F94BDE-4A9C-4F43-8E28-AA89E109CBB5}" type="presOf" srcId="{08471830-FB56-47BF-8120-388DF827F600}" destId="{71D3D0C1-943C-4F07-851A-449A1ADF9B3C}" srcOrd="0" destOrd="1" presId="urn:microsoft.com/office/officeart/2005/8/layout/chevron2"/>
+    <dgm:cxn modelId="{CEBFAF0A-185F-452E-BD3A-98AB58E15D2D}" type="presOf" srcId="{0D6B2243-C5F0-467E-BB31-43E53B0E003D}" destId="{71D3D0C1-943C-4F07-851A-449A1ADF9B3C}" srcOrd="0" destOrd="2" presId="urn:microsoft.com/office/officeart/2005/8/layout/chevron2"/>
     <dgm:cxn modelId="{5A3CCCB0-5C1A-40F0-81AD-EAF17766D25C}" type="presOf" srcId="{82A2100F-ACB1-4FB2-B588-2162CCE0A7EC}" destId="{8674861C-641D-4B44-BD65-87448F1A2F8A}" srcOrd="0" destOrd="0" presId="urn:microsoft.com/office/officeart/2005/8/layout/chevron2"/>
-    <dgm:cxn modelId="{937E19B7-67CE-431E-AD3C-02EC700B10A8}" srcId="{82A2100F-ACB1-4FB2-B588-2162CCE0A7EC}" destId="{6745F2E8-67DC-4335-8E1C-679A2BFBCEFE}" srcOrd="3" destOrd="0" parTransId="{94CEB101-BF41-42F2-B6D5-387205ED63AB}" sibTransId="{90453888-4146-41D3-A757-3D9733F25949}"/>
-    <dgm:cxn modelId="{D3ABFCD0-354F-4D9A-9F0C-4B9AAB7DD4B8}" type="presOf" srcId="{75A8AF5E-E077-421B-9B83-1D16FC13CC3E}" destId="{C4A35548-2E21-4AAA-AE63-C60FCAEA2D26}" srcOrd="0" destOrd="0" presId="urn:microsoft.com/office/officeart/2005/8/layout/chevron2"/>
-    <dgm:cxn modelId="{0F152CF0-FE4F-41C3-AD79-1103EE14CB26}" type="presOf" srcId="{BBBFE2C6-6943-42DD-A5DD-D6818DA7D418}" destId="{635E652E-FF37-4DFF-95CD-8CA4BA2A8607}" srcOrd="0" destOrd="0" presId="urn:microsoft.com/office/officeart/2005/8/layout/chevron2"/>
-    <dgm:cxn modelId="{9AACCA81-1E4D-4D70-B868-C4798071B132}" srcId="{AC62F493-CDC1-4D34-9615-782F8A2EC453}" destId="{AEF24AE9-0AB3-4763-A5DA-3018061F5588}" srcOrd="3" destOrd="0" parTransId="{7FADB0DA-D63D-45EB-BBFF-8EE9D5BAF632}" sibTransId="{6F723BFF-936F-4352-BB40-FDEDCC497E6D}"/>
-    <dgm:cxn modelId="{47B03B05-419C-4EC6-96AF-A7685A8981D5}" type="presOf" srcId="{F62940DA-37A4-4D07-ACF2-0CEA7AC91757}" destId="{71D3D0C1-943C-4F07-851A-449A1ADF9B3C}" srcOrd="0" destOrd="0" presId="urn:microsoft.com/office/officeart/2005/8/layout/chevron2"/>
-    <dgm:cxn modelId="{C79B078C-D58A-47CF-94B0-7E387B47895B}" srcId="{6FB126C9-4DE9-466A-B25B-AC57AA36B4A8}" destId="{9CB56806-528A-44C1-B476-9B43D6E887C0}" srcOrd="1" destOrd="0" parTransId="{DFF6BF32-45C2-4942-B6C7-2656E49203DD}" sibTransId="{74CBDB70-6C77-4F6B-8303-DE1F7A3314B4}"/>
-    <dgm:cxn modelId="{424AEB46-983D-42EE-BDAC-A0B59FF39508}" type="presOf" srcId="{5155967F-FA0A-4587-9DF5-C229C7C1341C}" destId="{CFC34C5D-362C-4F86-88A4-FBF87B2C7427}" srcOrd="0" destOrd="1" presId="urn:microsoft.com/office/officeart/2005/8/layout/chevron2"/>
-    <dgm:cxn modelId="{00EB73C6-3193-4443-851A-936E32877ADD}" type="presOf" srcId="{C50BEBBB-54F1-4503-8F3F-372EE468F041}" destId="{CFC34C5D-362C-4F86-88A4-FBF87B2C7427}" srcOrd="0" destOrd="2" presId="urn:microsoft.com/office/officeart/2005/8/layout/chevron2"/>
-    <dgm:cxn modelId="{986B3B8B-DE94-4ECB-8BEB-53DE5AD5C2FF}" type="presOf" srcId="{82B52429-3E42-43BB-8391-EEA5D69683A3}" destId="{C4A35548-2E21-4AAA-AE63-C60FCAEA2D26}" srcOrd="0" destOrd="1" presId="urn:microsoft.com/office/officeart/2005/8/layout/chevron2"/>
-    <dgm:cxn modelId="{81DA24D7-97CE-438F-B852-BF9BF348C0B3}" srcId="{D957C335-3589-4AA0-920B-00DB91C683BF}" destId="{75A8AF5E-E077-421B-9B83-1D16FC13CC3E}" srcOrd="0" destOrd="0" parTransId="{6DC162DF-BB4B-4EED-8F82-97B9EA69275B}" sibTransId="{99D8C5BF-696F-4C46-B987-D4C950E716F2}"/>
-    <dgm:cxn modelId="{CEBFAF0A-185F-452E-BD3A-98AB58E15D2D}" type="presOf" srcId="{0D6B2243-C5F0-467E-BB31-43E53B0E003D}" destId="{71D3D0C1-943C-4F07-851A-449A1ADF9B3C}" srcOrd="0" destOrd="2" presId="urn:microsoft.com/office/officeart/2005/8/layout/chevron2"/>
-    <dgm:cxn modelId="{19DF7B0B-DAB6-469D-AF09-E2BBF4267F49}" type="presOf" srcId="{AEF24AE9-0AB3-4763-A5DA-3018061F5588}" destId="{CFC34C5D-362C-4F86-88A4-FBF87B2C7427}" srcOrd="0" destOrd="3" presId="urn:microsoft.com/office/officeart/2005/8/layout/chevron2"/>
-    <dgm:cxn modelId="{A3BC6206-2066-4E27-BD72-A0F5854040D6}" srcId="{AC62F493-CDC1-4D34-9615-782F8A2EC453}" destId="{C50BEBBB-54F1-4503-8F3F-372EE468F041}" srcOrd="2" destOrd="0" parTransId="{DF3E6CEC-D113-4C00-B57E-38DB41CA9A70}" sibTransId="{A80EE40A-C922-4480-97CC-43A959177CB1}"/>
-    <dgm:cxn modelId="{BCE2E609-F5FD-4D47-8044-B2D3C24E44D5}" srcId="{6FB126C9-4DE9-466A-B25B-AC57AA36B4A8}" destId="{BBBFE2C6-6943-42DD-A5DD-D6818DA7D418}" srcOrd="0" destOrd="0" parTransId="{F777CEEA-C19F-453B-8807-1F928AEC03EC}" sibTransId="{18226821-D713-4B27-947C-0725DE36937B}"/>
-    <dgm:cxn modelId="{5B94BBC2-A917-4F14-BBAF-71CDA57D6E46}" srcId="{319E2ED7-DAC0-475E-B7F4-31BD7A5B9166}" destId="{D957C335-3589-4AA0-920B-00DB91C683BF}" srcOrd="0" destOrd="0" parTransId="{C09C0A58-B08D-4AD8-92AE-2C0B81B850CB}" sibTransId="{BED980AE-90CC-4293-8282-401B45C67475}"/>
-    <dgm:cxn modelId="{2EE161C4-F368-49DA-9263-5565E17AC390}" srcId="{82A2100F-ACB1-4FB2-B588-2162CCE0A7EC}" destId="{F62940DA-37A4-4D07-ACF2-0CEA7AC91757}" srcOrd="0" destOrd="0" parTransId="{4125334E-F82D-4AB7-9A28-90E8DCDE2637}" sibTransId="{62D9652E-9BE8-4476-A4C5-58D32663BA67}"/>
-    <dgm:cxn modelId="{7984A512-A146-4663-A47E-6ADCB4FA6DF7}" srcId="{319E2ED7-DAC0-475E-B7F4-31BD7A5B9166}" destId="{82A2100F-ACB1-4FB2-B588-2162CCE0A7EC}" srcOrd="1" destOrd="0" parTransId="{D4ED4BAD-3900-46F1-AF51-98F72F7DCE07}" sibTransId="{7D54EAF5-9F72-4894-A745-4C7830259640}"/>
-    <dgm:cxn modelId="{063EB3C0-7438-4879-9E2E-E0F41B7FB189}" type="presOf" srcId="{9CB56806-528A-44C1-B476-9B43D6E887C0}" destId="{635E652E-FF37-4DFF-95CD-8CA4BA2A8607}" srcOrd="0" destOrd="1" presId="urn:microsoft.com/office/officeart/2005/8/layout/chevron2"/>
-    <dgm:cxn modelId="{B23F0335-5FA2-4792-9D39-CC7C8715EB40}" type="presOf" srcId="{6FB126C9-4DE9-466A-B25B-AC57AA36B4A8}" destId="{C6191146-B27E-4576-889C-63715DA6B13F}" srcOrd="0" destOrd="0" presId="urn:microsoft.com/office/officeart/2005/8/layout/chevron2"/>
-    <dgm:cxn modelId="{84E9938B-3CA2-47EC-865D-AB3EB24F5CEF}" srcId="{AC62F493-CDC1-4D34-9615-782F8A2EC453}" destId="{5155967F-FA0A-4587-9DF5-C229C7C1341C}" srcOrd="1" destOrd="0" parTransId="{73AB8B54-034E-4BC5-8111-248E92063304}" sibTransId="{01368EB3-46CD-4698-96C7-5F60B9A29451}"/>
-    <dgm:cxn modelId="{4EF8FF02-E84E-4A2A-BE64-590744BB1ECC}" srcId="{82A2100F-ACB1-4FB2-B588-2162CCE0A7EC}" destId="{08471830-FB56-47BF-8120-388DF827F600}" srcOrd="1" destOrd="0" parTransId="{81E2EC31-99EB-46A4-96E2-0EAFE8119909}" sibTransId="{30669AC3-1C30-4302-8714-BAE75147CD7B}"/>
     <dgm:cxn modelId="{464377FE-4471-4F2F-9693-2AB3DFDA8917}" srcId="{82A2100F-ACB1-4FB2-B588-2162CCE0A7EC}" destId="{0D6B2243-C5F0-467E-BB31-43E53B0E003D}" srcOrd="2" destOrd="0" parTransId="{0208BA7B-5939-4D0E-B6E6-60EF2975A18F}" sibTransId="{D623DC6C-F002-4F00-8DB9-27224B886B3D}"/>
     <dgm:cxn modelId="{60F36FC5-56E2-4EBB-89A6-7FBC4B31009C}" srcId="{6FB126C9-4DE9-466A-B25B-AC57AA36B4A8}" destId="{A65BB76B-6769-4336-B9A5-2CC4F1A9DF53}" srcOrd="2" destOrd="0" parTransId="{8149FB2C-C327-43F1-A0EF-E84067A22E2B}" sibTransId="{46D0B279-62B2-49C7-A4EC-E7C64778DCBB}"/>
+    <dgm:cxn modelId="{5B94BBC2-A917-4F14-BBAF-71CDA57D6E46}" srcId="{319E2ED7-DAC0-475E-B7F4-31BD7A5B9166}" destId="{D957C335-3589-4AA0-920B-00DB91C683BF}" srcOrd="0" destOrd="0" parTransId="{C09C0A58-B08D-4AD8-92AE-2C0B81B850CB}" sibTransId="{BED980AE-90CC-4293-8282-401B45C67475}"/>
+    <dgm:cxn modelId="{7984A512-A146-4663-A47E-6ADCB4FA6DF7}" srcId="{319E2ED7-DAC0-475E-B7F4-31BD7A5B9166}" destId="{82A2100F-ACB1-4FB2-B588-2162CCE0A7EC}" srcOrd="1" destOrd="0" parTransId="{D4ED4BAD-3900-46F1-AF51-98F72F7DCE07}" sibTransId="{7D54EAF5-9F72-4894-A745-4C7830259640}"/>
+    <dgm:cxn modelId="{15854B30-8AE7-468A-A4F9-0BD7B64E0B5F}" srcId="{319E2ED7-DAC0-475E-B7F4-31BD7A5B9166}" destId="{AC62F493-CDC1-4D34-9615-782F8A2EC453}" srcOrd="2" destOrd="0" parTransId="{34AD31BE-5FB2-4D11-AA64-1D0D7647C0A3}" sibTransId="{B2AF5689-8D5E-4357-BB39-A0DC8FC6B568}"/>
+    <dgm:cxn modelId="{81DA24D7-97CE-438F-B852-BF9BF348C0B3}" srcId="{D957C335-3589-4AA0-920B-00DB91C683BF}" destId="{75A8AF5E-E077-421B-9B83-1D16FC13CC3E}" srcOrd="0" destOrd="0" parTransId="{6DC162DF-BB4B-4EED-8F82-97B9EA69275B}" sibTransId="{99D8C5BF-696F-4C46-B987-D4C950E716F2}"/>
+    <dgm:cxn modelId="{B23F0335-5FA2-4792-9D39-CC7C8715EB40}" type="presOf" srcId="{6FB126C9-4DE9-466A-B25B-AC57AA36B4A8}" destId="{C6191146-B27E-4576-889C-63715DA6B13F}" srcOrd="0" destOrd="0" presId="urn:microsoft.com/office/officeart/2005/8/layout/chevron2"/>
+    <dgm:cxn modelId="{063EB3C0-7438-4879-9E2E-E0F41B7FB189}" type="presOf" srcId="{9CB56806-528A-44C1-B476-9B43D6E887C0}" destId="{635E652E-FF37-4DFF-95CD-8CA4BA2A8607}" srcOrd="0" destOrd="1" presId="urn:microsoft.com/office/officeart/2005/8/layout/chevron2"/>
+    <dgm:cxn modelId="{4EF8FF02-E84E-4A2A-BE64-590744BB1ECC}" srcId="{82A2100F-ACB1-4FB2-B588-2162CCE0A7EC}" destId="{08471830-FB56-47BF-8120-388DF827F600}" srcOrd="1" destOrd="0" parTransId="{81E2EC31-99EB-46A4-96E2-0EAFE8119909}" sibTransId="{30669AC3-1C30-4302-8714-BAE75147CD7B}"/>
+    <dgm:cxn modelId="{2EE161C4-F368-49DA-9263-5565E17AC390}" srcId="{82A2100F-ACB1-4FB2-B588-2162CCE0A7EC}" destId="{F62940DA-37A4-4D07-ACF2-0CEA7AC91757}" srcOrd="0" destOrd="0" parTransId="{4125334E-F82D-4AB7-9A28-90E8DCDE2637}" sibTransId="{62D9652E-9BE8-4476-A4C5-58D32663BA67}"/>
+    <dgm:cxn modelId="{BCE2E609-F5FD-4D47-8044-B2D3C24E44D5}" srcId="{6FB126C9-4DE9-466A-B25B-AC57AA36B4A8}" destId="{BBBFE2C6-6943-42DD-A5DD-D6818DA7D418}" srcOrd="0" destOrd="0" parTransId="{F777CEEA-C19F-453B-8807-1F928AEC03EC}" sibTransId="{18226821-D713-4B27-947C-0725DE36937B}"/>
+    <dgm:cxn modelId="{A3BC6206-2066-4E27-BD72-A0F5854040D6}" srcId="{AC62F493-CDC1-4D34-9615-782F8A2EC453}" destId="{C50BEBBB-54F1-4503-8F3F-372EE468F041}" srcOrd="2" destOrd="0" parTransId="{DF3E6CEC-D113-4C00-B57E-38DB41CA9A70}" sibTransId="{A80EE40A-C922-4480-97CC-43A959177CB1}"/>
+    <dgm:cxn modelId="{424AEB46-983D-42EE-BDAC-A0B59FF39508}" type="presOf" srcId="{5155967F-FA0A-4587-9DF5-C229C7C1341C}" destId="{CFC34C5D-362C-4F86-88A4-FBF87B2C7427}" srcOrd="0" destOrd="1" presId="urn:microsoft.com/office/officeart/2005/8/layout/chevron2"/>
+    <dgm:cxn modelId="{5BB7F946-2644-4866-993F-D37B265F39A2}" srcId="{319E2ED7-DAC0-475E-B7F4-31BD7A5B9166}" destId="{6FB126C9-4DE9-466A-B25B-AC57AA36B4A8}" srcOrd="3" destOrd="0" parTransId="{C899445F-DA4D-4276-9976-650356A15FAE}" sibTransId="{6B59BCFD-82F5-4EE5-BBA3-7C0C82963889}"/>
+    <dgm:cxn modelId="{236F0FB2-695E-473F-8749-D2910A11D1DE}" type="presOf" srcId="{319E2ED7-DAC0-475E-B7F4-31BD7A5B9166}" destId="{839CC9F4-E7D6-485F-85CD-EC9B7273AD54}" srcOrd="0" destOrd="0" presId="urn:microsoft.com/office/officeart/2005/8/layout/chevron2"/>
+    <dgm:cxn modelId="{9AACCA81-1E4D-4D70-B868-C4798071B132}" srcId="{AC62F493-CDC1-4D34-9615-782F8A2EC453}" destId="{AEF24AE9-0AB3-4763-A5DA-3018061F5588}" srcOrd="3" destOrd="0" parTransId="{7FADB0DA-D63D-45EB-BBFF-8EE9D5BAF632}" sibTransId="{6F723BFF-936F-4352-BB40-FDEDCC497E6D}"/>
     <dgm:cxn modelId="{7D0235AC-8540-44A3-BCFB-96307951F434}" type="presOf" srcId="{D3B228FB-1135-4D34-B378-4E75EFDAC51D}" destId="{CFC34C5D-362C-4F86-88A4-FBF87B2C7427}" srcOrd="0" destOrd="0" presId="urn:microsoft.com/office/officeart/2005/8/layout/chevron2"/>
-    <dgm:cxn modelId="{C1F94BDE-4A9C-4F43-8E28-AA89E109CBB5}" type="presOf" srcId="{08471830-FB56-47BF-8120-388DF827F600}" destId="{71D3D0C1-943C-4F07-851A-449A1ADF9B3C}" srcOrd="0" destOrd="1" presId="urn:microsoft.com/office/officeart/2005/8/layout/chevron2"/>
-    <dgm:cxn modelId="{D5C16949-916C-47D2-B666-403C11A53BDC}" type="presOf" srcId="{A65BB76B-6769-4336-B9A5-2CC4F1A9DF53}" destId="{635E652E-FF37-4DFF-95CD-8CA4BA2A8607}" srcOrd="0" destOrd="2" presId="urn:microsoft.com/office/officeart/2005/8/layout/chevron2"/>
-    <dgm:cxn modelId="{2D5E0BA9-CF6C-4340-A554-6D094D4B6F20}" type="presOf" srcId="{AC62F493-CDC1-4D34-9615-782F8A2EC453}" destId="{1EF1D0A2-CEB4-4E60-AB0F-BCD66F169E2A}" srcOrd="0" destOrd="0" presId="urn:microsoft.com/office/officeart/2005/8/layout/chevron2"/>
-    <dgm:cxn modelId="{F5F196BB-E062-4666-ADBF-28AB8EB88591}" type="presOf" srcId="{D957C335-3589-4AA0-920B-00DB91C683BF}" destId="{30D1CCFE-B9E2-495C-A14E-C264FE155CBE}" srcOrd="0" destOrd="0" presId="urn:microsoft.com/office/officeart/2005/8/layout/chevron2"/>
-    <dgm:cxn modelId="{5BB7F946-2644-4866-993F-D37B265F39A2}" srcId="{319E2ED7-DAC0-475E-B7F4-31BD7A5B9166}" destId="{6FB126C9-4DE9-466A-B25B-AC57AA36B4A8}" srcOrd="3" destOrd="0" parTransId="{C899445F-DA4D-4276-9976-650356A15FAE}" sibTransId="{6B59BCFD-82F5-4EE5-BBA3-7C0C82963889}"/>
-    <dgm:cxn modelId="{15854B30-8AE7-468A-A4F9-0BD7B64E0B5F}" srcId="{319E2ED7-DAC0-475E-B7F4-31BD7A5B9166}" destId="{AC62F493-CDC1-4D34-9615-782F8A2EC453}" srcOrd="2" destOrd="0" parTransId="{34AD31BE-5FB2-4D11-AA64-1D0D7647C0A3}" sibTransId="{B2AF5689-8D5E-4357-BB39-A0DC8FC6B568}"/>
-    <dgm:cxn modelId="{236F0FB2-695E-473F-8749-D2910A11D1DE}" type="presOf" srcId="{319E2ED7-DAC0-475E-B7F4-31BD7A5B9166}" destId="{839CC9F4-E7D6-485F-85CD-EC9B7273AD54}" srcOrd="0" destOrd="0" presId="urn:microsoft.com/office/officeart/2005/8/layout/chevron2"/>
+    <dgm:cxn modelId="{47B03B05-419C-4EC6-96AF-A7685A8981D5}" type="presOf" srcId="{F62940DA-37A4-4D07-ACF2-0CEA7AC91757}" destId="{71D3D0C1-943C-4F07-851A-449A1ADF9B3C}" srcOrd="0" destOrd="0" presId="urn:microsoft.com/office/officeart/2005/8/layout/chevron2"/>
+    <dgm:cxn modelId="{0F152CF0-FE4F-41C3-AD79-1103EE14CB26}" type="presOf" srcId="{BBBFE2C6-6943-42DD-A5DD-D6818DA7D418}" destId="{635E652E-FF37-4DFF-95CD-8CA4BA2A8607}" srcOrd="0" destOrd="0" presId="urn:microsoft.com/office/officeart/2005/8/layout/chevron2"/>
+    <dgm:cxn modelId="{986B3B8B-DE94-4ECB-8BEB-53DE5AD5C2FF}" type="presOf" srcId="{82B52429-3E42-43BB-8391-EEA5D69683A3}" destId="{C4A35548-2E21-4AAA-AE63-C60FCAEA2D26}" srcOrd="0" destOrd="1" presId="urn:microsoft.com/office/officeart/2005/8/layout/chevron2"/>
     <dgm:cxn modelId="{19D9697A-0A0E-4C75-8A31-FDD5D1FA04E0}" srcId="{AC62F493-CDC1-4D34-9615-782F8A2EC453}" destId="{D3B228FB-1135-4D34-B378-4E75EFDAC51D}" srcOrd="0" destOrd="0" parTransId="{C2B3747A-EF36-4A3B-A5F2-72991B72834B}" sibTransId="{8F929D1B-961A-46AF-9542-68CA108D7D54}"/>
-    <dgm:cxn modelId="{B73A275F-7945-483C-8FE0-7D9EA16D1BBA}" srcId="{D957C335-3589-4AA0-920B-00DB91C683BF}" destId="{82B52429-3E42-43BB-8391-EEA5D69683A3}" srcOrd="1" destOrd="0" parTransId="{F1DE50FC-DC8F-4E5C-9D47-D6BA187B7FD3}" sibTransId="{9C83342E-B54D-4BD5-A4BD-29FC60D70700}"/>
     <dgm:cxn modelId="{0BC5C6DE-C656-4E47-BA61-591C575E6077}" type="presParOf" srcId="{839CC9F4-E7D6-485F-85CD-EC9B7273AD54}" destId="{77F424D6-A675-4ED7-BDAE-10ED3676A257}" srcOrd="0" destOrd="0" presId="urn:microsoft.com/office/officeart/2005/8/layout/chevron2"/>
     <dgm:cxn modelId="{9101EB04-1918-4C7A-85FD-8E7CA447E70D}" type="presParOf" srcId="{77F424D6-A675-4ED7-BDAE-10ED3676A257}" destId="{30D1CCFE-B9E2-495C-A14E-C264FE155CBE}" srcOrd="0" destOrd="0" presId="urn:microsoft.com/office/officeart/2005/8/layout/chevron2"/>
     <dgm:cxn modelId="{69A24B12-64A0-4D47-B49B-A6AA6EB7AB85}" type="presParOf" srcId="{77F424D6-A675-4ED7-BDAE-10ED3676A257}" destId="{C4A35548-2E21-4AAA-AE63-C60FCAEA2D26}" srcOrd="1" destOrd="0" presId="urn:microsoft.com/office/officeart/2005/8/layout/chevron2"/>
@@ -4130,8 +3418,8 @@
 <file path=ppt/diagrams/data2.xml><?xml version="1.0" encoding="utf-8"?>
 <dgm:dataModel xmlns:dgm="http://schemas.openxmlformats.org/drawingml/2006/diagram" xmlns:a="http://schemas.openxmlformats.org/drawingml/2006/main">
   <dgm:ptLst>
-    <dgm:pt modelId="{A57F9B01-11FA-4C63-9FBA-E6CE760896A6}" type="doc">
-      <dgm:prSet loTypeId="urn:microsoft.com/office/officeart/2005/8/layout/architecture" loCatId="hierarchy" qsTypeId="urn:microsoft.com/office/officeart/2005/8/quickstyle/simple1" qsCatId="simple" csTypeId="urn:microsoft.com/office/officeart/2005/8/colors/accent1_2" csCatId="accent1" phldr="1"/>
+    <dgm:pt modelId="{D9C3E7A9-7F86-4BF4-8C07-2951349EC479}" type="doc">
+      <dgm:prSet loTypeId="urn:microsoft.com/office/officeart/2005/8/layout/cycle4" loCatId="relationship" qsTypeId="urn:microsoft.com/office/officeart/2005/8/quickstyle/simple1" qsCatId="simple" csTypeId="urn:microsoft.com/office/officeart/2005/8/colors/colorful4" csCatId="colorful" phldr="1"/>
       <dgm:spPr/>
       <dgm:t>
         <a:bodyPr/>
@@ -4141,292 +3429,1113 @@
         </a:p>
       </dgm:t>
     </dgm:pt>
-    <dgm:pt modelId="{BCB95C1E-752C-4762-9E5A-1869423E6A59}">
-      <dgm:prSet/>
+    <dgm:pt modelId="{5B70F174-ADD8-4DEE-99BE-5DC989B830BF}">
+      <dgm:prSet phldrT="[Text]" custT="1"/>
       <dgm:spPr/>
       <dgm:t>
         <a:bodyPr/>
         <a:lstStyle/>
         <a:p>
-          <a:pPr rtl="0"/>
           <a:r>
-            <a:rPr lang="en-US" dirty="0" smtClean="0"/>
+            <a:rPr lang="en-US" sz="1100" dirty="0" smtClean="0"/>
+            <a:t>Infrastructure</a:t>
+          </a:r>
+          <a:endParaRPr lang="en-US" sz="1100" dirty="0"/>
+        </a:p>
+      </dgm:t>
+    </dgm:pt>
+    <dgm:pt modelId="{020D26D6-E925-43B8-8CBC-050FD7CC78E9}" type="parTrans" cxnId="{7A3859B1-345E-4014-8414-58E70C6C74FA}">
+      <dgm:prSet/>
+      <dgm:spPr/>
+      <dgm:t>
+        <a:bodyPr/>
+        <a:lstStyle/>
+        <a:p>
+          <a:endParaRPr lang="en-US" sz="1100"/>
+        </a:p>
+      </dgm:t>
+    </dgm:pt>
+    <dgm:pt modelId="{4600B8B0-7994-4097-976D-D95042D10283}" type="sibTrans" cxnId="{7A3859B1-345E-4014-8414-58E70C6C74FA}">
+      <dgm:prSet/>
+      <dgm:spPr/>
+      <dgm:t>
+        <a:bodyPr/>
+        <a:lstStyle/>
+        <a:p>
+          <a:endParaRPr lang="en-US" sz="1100"/>
+        </a:p>
+      </dgm:t>
+    </dgm:pt>
+    <dgm:pt modelId="{72FD9F94-88C9-476D-8C9A-919906938157}">
+      <dgm:prSet phldrT="[Text]" custT="1"/>
+      <dgm:spPr/>
+      <dgm:t>
+        <a:bodyPr/>
+        <a:lstStyle/>
+        <a:p>
+          <a:r>
+            <a:rPr lang="en-US" sz="1100" dirty="0" smtClean="0"/>
+            <a:t>Configuration</a:t>
+          </a:r>
+          <a:endParaRPr lang="en-US" sz="1100" dirty="0"/>
+        </a:p>
+      </dgm:t>
+    </dgm:pt>
+    <dgm:pt modelId="{A5CD97F5-F1A1-4B0C-B345-C762C11900C5}" type="parTrans" cxnId="{AA7E0755-0270-4E49-8D89-3B3AC0DEE98E}">
+      <dgm:prSet/>
+      <dgm:spPr/>
+      <dgm:t>
+        <a:bodyPr/>
+        <a:lstStyle/>
+        <a:p>
+          <a:endParaRPr lang="en-US" sz="1100"/>
+        </a:p>
+      </dgm:t>
+    </dgm:pt>
+    <dgm:pt modelId="{E9E65D82-79B5-4DCE-835B-1B39AB75ED07}" type="sibTrans" cxnId="{AA7E0755-0270-4E49-8D89-3B3AC0DEE98E}">
+      <dgm:prSet/>
+      <dgm:spPr/>
+      <dgm:t>
+        <a:bodyPr/>
+        <a:lstStyle/>
+        <a:p>
+          <a:endParaRPr lang="en-US" sz="1100"/>
+        </a:p>
+      </dgm:t>
+    </dgm:pt>
+    <dgm:pt modelId="{229CC658-17F7-485B-81E6-84C5CB64CE56}">
+      <dgm:prSet phldrT="[Text]" custT="1"/>
+      <dgm:spPr/>
+      <dgm:t>
+        <a:bodyPr/>
+        <a:lstStyle/>
+        <a:p>
+          <a:r>
+            <a:rPr lang="en-US" sz="1100" dirty="0" smtClean="0"/>
+            <a:t>Flow Control</a:t>
+          </a:r>
+          <a:endParaRPr lang="en-US" sz="1100" dirty="0"/>
+        </a:p>
+      </dgm:t>
+    </dgm:pt>
+    <dgm:pt modelId="{5CD5D26E-2272-41B0-8078-4441758FDDBF}" type="parTrans" cxnId="{5A5C28F9-6CC6-4B64-9C2A-BC38F3104F86}">
+      <dgm:prSet/>
+      <dgm:spPr/>
+      <dgm:t>
+        <a:bodyPr/>
+        <a:lstStyle/>
+        <a:p>
+          <a:endParaRPr lang="en-US" sz="1100"/>
+        </a:p>
+      </dgm:t>
+    </dgm:pt>
+    <dgm:pt modelId="{29880934-D545-4E63-9FC6-DD5BEBC18274}" type="sibTrans" cxnId="{5A5C28F9-6CC6-4B64-9C2A-BC38F3104F86}">
+      <dgm:prSet/>
+      <dgm:spPr/>
+      <dgm:t>
+        <a:bodyPr/>
+        <a:lstStyle/>
+        <a:p>
+          <a:endParaRPr lang="en-US" sz="1100"/>
+        </a:p>
+      </dgm:t>
+    </dgm:pt>
+    <dgm:pt modelId="{1368CFE3-0A9A-4B36-836B-1AEBC9940E5C}">
+      <dgm:prSet phldrT="[Text]" custT="1"/>
+      <dgm:spPr/>
+      <dgm:t>
+        <a:bodyPr/>
+        <a:lstStyle/>
+        <a:p>
+          <a:pPr algn="r"/>
+          <a:r>
+            <a:rPr lang="en-US" sz="1100" dirty="0" smtClean="0"/>
+            <a:t>Correlation</a:t>
+          </a:r>
+          <a:endParaRPr lang="en-US" sz="1100" dirty="0"/>
+        </a:p>
+      </dgm:t>
+    </dgm:pt>
+    <dgm:pt modelId="{A9935997-E691-4930-9C50-55F66FDFC3AF}" type="parTrans" cxnId="{58FC554E-7DDA-4FB8-A5DD-81D70DFDBAFB}">
+      <dgm:prSet/>
+      <dgm:spPr/>
+      <dgm:t>
+        <a:bodyPr/>
+        <a:lstStyle/>
+        <a:p>
+          <a:endParaRPr lang="en-US" sz="1100"/>
+        </a:p>
+      </dgm:t>
+    </dgm:pt>
+    <dgm:pt modelId="{E05C4454-A2B5-4D64-8689-B4220015A2E9}" type="sibTrans" cxnId="{58FC554E-7DDA-4FB8-A5DD-81D70DFDBAFB}">
+      <dgm:prSet/>
+      <dgm:spPr/>
+      <dgm:t>
+        <a:bodyPr/>
+        <a:lstStyle/>
+        <a:p>
+          <a:endParaRPr lang="en-US" sz="1100"/>
+        </a:p>
+      </dgm:t>
+    </dgm:pt>
+    <dgm:pt modelId="{2D031A4E-6057-48B1-8E38-36E548142570}">
+      <dgm:prSet phldrT="[Text]" custT="1"/>
+      <dgm:spPr/>
+      <dgm:t>
+        <a:bodyPr/>
+        <a:lstStyle/>
+        <a:p>
+          <a:r>
+            <a:rPr lang="en-US" sz="1100" dirty="0" smtClean="0"/>
+            <a:t>Messaging Patterns</a:t>
+          </a:r>
+          <a:endParaRPr lang="en-US" sz="1100" dirty="0"/>
+        </a:p>
+      </dgm:t>
+    </dgm:pt>
+    <dgm:pt modelId="{AF5A884B-A401-4CE5-A5A5-D7E3D7B5029D}" type="parTrans" cxnId="{4EA35104-5F82-489D-A435-749F40C3EA17}">
+      <dgm:prSet/>
+      <dgm:spPr/>
+      <dgm:t>
+        <a:bodyPr/>
+        <a:lstStyle/>
+        <a:p>
+          <a:endParaRPr lang="en-US" sz="1100"/>
+        </a:p>
+      </dgm:t>
+    </dgm:pt>
+    <dgm:pt modelId="{A685FA63-6EB1-48D5-8302-E60C75F994D0}" type="sibTrans" cxnId="{4EA35104-5F82-489D-A435-749F40C3EA17}">
+      <dgm:prSet/>
+      <dgm:spPr/>
+      <dgm:t>
+        <a:bodyPr/>
+        <a:lstStyle/>
+        <a:p>
+          <a:endParaRPr lang="en-US" sz="1100"/>
+        </a:p>
+      </dgm:t>
+    </dgm:pt>
+    <dgm:pt modelId="{4EB8D186-E220-4E05-A26C-955A383F2873}">
+      <dgm:prSet phldrT="[Text]" custT="1"/>
+      <dgm:spPr/>
+      <dgm:t>
+        <a:bodyPr anchor="t"/>
+        <a:lstStyle/>
+        <a:p>
+          <a:pPr algn="r"/>
+          <a:r>
+            <a:rPr lang="en-US" sz="1100" dirty="0" smtClean="0"/>
+            <a:t>Request/Respond</a:t>
+          </a:r>
+          <a:endParaRPr lang="en-US" sz="1100" dirty="0"/>
+        </a:p>
+      </dgm:t>
+    </dgm:pt>
+    <dgm:pt modelId="{B29A5818-0C55-4ACF-96BE-BBB97DDAAC1B}" type="parTrans" cxnId="{76B31920-B53D-4F59-8168-55EB09F98F85}">
+      <dgm:prSet/>
+      <dgm:spPr/>
+      <dgm:t>
+        <a:bodyPr/>
+        <a:lstStyle/>
+        <a:p>
+          <a:endParaRPr lang="en-US" sz="1100"/>
+        </a:p>
+      </dgm:t>
+    </dgm:pt>
+    <dgm:pt modelId="{C9F8D9DA-A0FA-4D86-9610-80A945B1B906}" type="sibTrans" cxnId="{76B31920-B53D-4F59-8168-55EB09F98F85}">
+      <dgm:prSet/>
+      <dgm:spPr/>
+      <dgm:t>
+        <a:bodyPr/>
+        <a:lstStyle/>
+        <a:p>
+          <a:endParaRPr lang="en-US" sz="1100"/>
+        </a:p>
+      </dgm:t>
+    </dgm:pt>
+    <dgm:pt modelId="{FBCE19A3-D721-4B98-A277-3D19566594AA}">
+      <dgm:prSet phldrT="[Text]" custT="1"/>
+      <dgm:spPr/>
+      <dgm:t>
+        <a:bodyPr/>
+        <a:lstStyle/>
+        <a:p>
+          <a:r>
+            <a:rPr lang="en-US" sz="1100" dirty="0" smtClean="0"/>
+            <a:t>Other</a:t>
+          </a:r>
+          <a:endParaRPr lang="en-US" sz="1100" dirty="0"/>
+        </a:p>
+      </dgm:t>
+    </dgm:pt>
+    <dgm:pt modelId="{37587B53-9AFA-413A-A19C-0614993DFCDE}" type="parTrans" cxnId="{B668EBC8-3194-4F16-B98F-D077D3AA1BCB}">
+      <dgm:prSet/>
+      <dgm:spPr/>
+      <dgm:t>
+        <a:bodyPr/>
+        <a:lstStyle/>
+        <a:p>
+          <a:endParaRPr lang="en-US" sz="1100"/>
+        </a:p>
+      </dgm:t>
+    </dgm:pt>
+    <dgm:pt modelId="{B00D2F5D-2F06-4066-9729-05C0503B7AD4}" type="sibTrans" cxnId="{B668EBC8-3194-4F16-B98F-D077D3AA1BCB}">
+      <dgm:prSet/>
+      <dgm:spPr/>
+      <dgm:t>
+        <a:bodyPr/>
+        <a:lstStyle/>
+        <a:p>
+          <a:endParaRPr lang="en-US" sz="1100"/>
+        </a:p>
+      </dgm:t>
+    </dgm:pt>
+    <dgm:pt modelId="{62CAA66D-FD6E-4EB1-944B-47B25173CA0D}">
+      <dgm:prSet phldrT="[Text]" custT="1"/>
+      <dgm:spPr/>
+      <dgm:t>
+        <a:bodyPr/>
+        <a:lstStyle/>
+        <a:p>
+          <a:r>
+            <a:rPr lang="en-US" sz="1100" dirty="0" smtClean="0"/>
+            <a:t>Testing Library</a:t>
+          </a:r>
+          <a:endParaRPr lang="en-US" sz="1100" dirty="0"/>
+        </a:p>
+      </dgm:t>
+    </dgm:pt>
+    <dgm:pt modelId="{0E4A5483-2E3C-4FE1-B15B-293C64CD473A}" type="parTrans" cxnId="{2155981B-A79F-4912-8A22-0E3836C90085}">
+      <dgm:prSet/>
+      <dgm:spPr/>
+      <dgm:t>
+        <a:bodyPr/>
+        <a:lstStyle/>
+        <a:p>
+          <a:endParaRPr lang="en-US" sz="1100"/>
+        </a:p>
+      </dgm:t>
+    </dgm:pt>
+    <dgm:pt modelId="{ACA27EB5-D52A-491E-92D5-0EE312129358}" type="sibTrans" cxnId="{2155981B-A79F-4912-8A22-0E3836C90085}">
+      <dgm:prSet/>
+      <dgm:spPr/>
+      <dgm:t>
+        <a:bodyPr/>
+        <a:lstStyle/>
+        <a:p>
+          <a:endParaRPr lang="en-US" sz="1100"/>
+        </a:p>
+      </dgm:t>
+    </dgm:pt>
+    <dgm:pt modelId="{CA061732-50DD-484B-BF24-E4DA221DF899}">
+      <dgm:prSet phldrT="[Text]" custT="1"/>
+      <dgm:spPr/>
+      <dgm:t>
+        <a:bodyPr/>
+        <a:lstStyle/>
+        <a:p>
+          <a:r>
+            <a:rPr lang="en-US" sz="1100" dirty="0" smtClean="0"/>
             <a:t>Transports</a:t>
           </a:r>
-          <a:endParaRPr lang="en-US" dirty="0"/>
+          <a:endParaRPr lang="en-US" sz="1100" dirty="0"/>
         </a:p>
       </dgm:t>
     </dgm:pt>
-    <dgm:pt modelId="{A3C66A00-FFA2-46EF-A78E-AB8F7F356B5E}" type="parTrans" cxnId="{C8F4FCEC-F11B-43EC-8547-8E0783868AC4}">
+    <dgm:pt modelId="{9F71BB44-68DD-4C31-8C31-45D4DF31AA92}" type="parTrans" cxnId="{411F0D8E-DD2A-448F-981A-A42B6006A1DE}">
       <dgm:prSet/>
       <dgm:spPr/>
       <dgm:t>
         <a:bodyPr/>
         <a:lstStyle/>
         <a:p>
-          <a:endParaRPr lang="en-US"/>
+          <a:endParaRPr lang="en-US" sz="1100"/>
         </a:p>
       </dgm:t>
     </dgm:pt>
-    <dgm:pt modelId="{58F8EF72-0BBB-4013-943B-5A0916A47C26}" type="sibTrans" cxnId="{C8F4FCEC-F11B-43EC-8547-8E0783868AC4}">
+    <dgm:pt modelId="{93905A20-C5F0-4C40-B7F3-0D29B2AB668B}" type="sibTrans" cxnId="{411F0D8E-DD2A-448F-981A-A42B6006A1DE}">
       <dgm:prSet/>
       <dgm:spPr/>
       <dgm:t>
         <a:bodyPr/>
         <a:lstStyle/>
         <a:p>
-          <a:endParaRPr lang="en-US"/>
+          <a:endParaRPr lang="en-US" sz="1100"/>
         </a:p>
       </dgm:t>
     </dgm:pt>
-    <dgm:pt modelId="{0919CB37-4152-4765-ABE3-DC23046E65BD}">
-      <dgm:prSet/>
+    <dgm:pt modelId="{59CDB8F9-340E-4420-A169-C50DA754611D}">
+      <dgm:prSet phldrT="[Text]" custT="1"/>
       <dgm:spPr/>
       <dgm:t>
         <a:bodyPr/>
         <a:lstStyle/>
         <a:p>
-          <a:pPr rtl="0"/>
           <a:r>
-            <a:rPr lang="en-US" dirty="0" smtClean="0"/>
+            <a:rPr lang="en-US" sz="1100" dirty="0" smtClean="0"/>
+            <a:t>Encryption</a:t>
+          </a:r>
+          <a:endParaRPr lang="en-US" sz="1100" dirty="0"/>
+        </a:p>
+      </dgm:t>
+    </dgm:pt>
+    <dgm:pt modelId="{748233B8-7A51-454A-8FF0-22FF75ABDD05}" type="parTrans" cxnId="{499E44CC-2CB2-4528-97F0-F8BBA4D674B6}">
+      <dgm:prSet/>
+      <dgm:spPr/>
+      <dgm:t>
+        <a:bodyPr/>
+        <a:lstStyle/>
+        <a:p>
+          <a:endParaRPr lang="en-US" sz="1100"/>
+        </a:p>
+      </dgm:t>
+    </dgm:pt>
+    <dgm:pt modelId="{18721ECF-F419-40E0-91F1-7E29C124253E}" type="sibTrans" cxnId="{499E44CC-2CB2-4528-97F0-F8BBA4D674B6}">
+      <dgm:prSet/>
+      <dgm:spPr/>
+      <dgm:t>
+        <a:bodyPr/>
+        <a:lstStyle/>
+        <a:p>
+          <a:endParaRPr lang="en-US" sz="1100"/>
+        </a:p>
+      </dgm:t>
+    </dgm:pt>
+    <dgm:pt modelId="{C41856E4-530A-496E-AC21-C205B74442A6}">
+      <dgm:prSet phldrT="[Text]" custT="1"/>
+      <dgm:spPr/>
+      <dgm:t>
+        <a:bodyPr/>
+        <a:lstStyle/>
+        <a:p>
+          <a:r>
+            <a:rPr lang="en-US" sz="1100" dirty="0" smtClean="0"/>
+            <a:t>Lifetime</a:t>
+          </a:r>
+          <a:endParaRPr lang="en-US" sz="1100" dirty="0"/>
+        </a:p>
+      </dgm:t>
+    </dgm:pt>
+    <dgm:pt modelId="{88B101FD-94F2-49C6-B8FD-8B4F75CD96B1}" type="parTrans" cxnId="{F32E7FE6-5AC1-4A85-B2A3-5502E9D41061}">
+      <dgm:prSet/>
+      <dgm:spPr/>
+      <dgm:t>
+        <a:bodyPr/>
+        <a:lstStyle/>
+        <a:p>
+          <a:endParaRPr lang="en-US" sz="1100"/>
+        </a:p>
+      </dgm:t>
+    </dgm:pt>
+    <dgm:pt modelId="{E17AAFEF-CB23-4DD1-9CD3-2752BDD83248}" type="sibTrans" cxnId="{F32E7FE6-5AC1-4A85-B2A3-5502E9D41061}">
+      <dgm:prSet/>
+      <dgm:spPr/>
+      <dgm:t>
+        <a:bodyPr/>
+        <a:lstStyle/>
+        <a:p>
+          <a:endParaRPr lang="en-US" sz="1100"/>
+        </a:p>
+      </dgm:t>
+    </dgm:pt>
+    <dgm:pt modelId="{1D9DA52D-6A98-4C75-9627-0E05EB9F6AE8}">
+      <dgm:prSet phldrT="[Text]" custT="1"/>
+      <dgm:spPr/>
+      <dgm:t>
+        <a:bodyPr/>
+        <a:lstStyle/>
+        <a:p>
+          <a:r>
+            <a:rPr lang="en-US" sz="1100" dirty="0" smtClean="0"/>
+            <a:t>Serialization</a:t>
+          </a:r>
+          <a:endParaRPr lang="en-US" sz="1100" dirty="0"/>
+        </a:p>
+      </dgm:t>
+    </dgm:pt>
+    <dgm:pt modelId="{79A73D1C-DCEE-49E4-B35A-9BCC7FAFD83F}" type="parTrans" cxnId="{691F5C61-28E1-45A8-8F78-9BE994144515}">
+      <dgm:prSet/>
+      <dgm:spPr/>
+      <dgm:t>
+        <a:bodyPr/>
+        <a:lstStyle/>
+        <a:p>
+          <a:endParaRPr lang="en-US" sz="1100"/>
+        </a:p>
+      </dgm:t>
+    </dgm:pt>
+    <dgm:pt modelId="{8E22A523-0F4B-44DE-B7A1-7664CCFB2A23}" type="sibTrans" cxnId="{691F5C61-28E1-45A8-8F78-9BE994144515}">
+      <dgm:prSet/>
+      <dgm:spPr/>
+      <dgm:t>
+        <a:bodyPr/>
+        <a:lstStyle/>
+        <a:p>
+          <a:endParaRPr lang="en-US" sz="1100"/>
+        </a:p>
+      </dgm:t>
+    </dgm:pt>
+    <dgm:pt modelId="{160CA465-8075-4F42-8EDF-E0C0D4EE26B5}">
+      <dgm:prSet phldrT="[Text]" custT="1"/>
+      <dgm:spPr/>
+      <dgm:t>
+        <a:bodyPr/>
+        <a:lstStyle/>
+        <a:p>
+          <a:pPr algn="r"/>
+          <a:r>
+            <a:rPr lang="en-US" sz="1100" dirty="0" smtClean="0"/>
+            <a:t>Retry Policy</a:t>
+          </a:r>
+          <a:endParaRPr lang="en-US" sz="1100" dirty="0"/>
+        </a:p>
+      </dgm:t>
+    </dgm:pt>
+    <dgm:pt modelId="{DE222E17-B1B2-4192-BAED-2DED11422A4D}" type="parTrans" cxnId="{EEEABA77-4253-4A73-AB2D-C4ECAD909F16}">
+      <dgm:prSet/>
+      <dgm:spPr/>
+      <dgm:t>
+        <a:bodyPr/>
+        <a:lstStyle/>
+        <a:p>
+          <a:endParaRPr lang="en-US" sz="1100"/>
+        </a:p>
+      </dgm:t>
+    </dgm:pt>
+    <dgm:pt modelId="{61FC8075-1324-460A-A27E-7866CEAC9890}" type="sibTrans" cxnId="{EEEABA77-4253-4A73-AB2D-C4ECAD909F16}">
+      <dgm:prSet/>
+      <dgm:spPr/>
+      <dgm:t>
+        <a:bodyPr/>
+        <a:lstStyle/>
+        <a:p>
+          <a:endParaRPr lang="en-US" sz="1100"/>
+        </a:p>
+      </dgm:t>
+    </dgm:pt>
+    <dgm:pt modelId="{DD802DD3-B6E1-4B43-BF19-D3CAC637B644}">
+      <dgm:prSet phldrT="[Text]" custT="1"/>
+      <dgm:spPr/>
+      <dgm:t>
+        <a:bodyPr/>
+        <a:lstStyle/>
+        <a:p>
+          <a:pPr algn="r"/>
+          <a:r>
+            <a:rPr lang="en-US" sz="1100" dirty="0" smtClean="0"/>
+            <a:t>Scheduling</a:t>
+          </a:r>
+          <a:endParaRPr lang="en-US" sz="1100" dirty="0"/>
+        </a:p>
+      </dgm:t>
+    </dgm:pt>
+    <dgm:pt modelId="{3B6F9243-F6C3-413F-9D56-B2EB01303651}" type="parTrans" cxnId="{6363F2C2-D1D8-4BC6-8249-D18A6A2FBD70}">
+      <dgm:prSet/>
+      <dgm:spPr/>
+      <dgm:t>
+        <a:bodyPr/>
+        <a:lstStyle/>
+        <a:p>
+          <a:endParaRPr lang="en-US" sz="1100"/>
+        </a:p>
+      </dgm:t>
+    </dgm:pt>
+    <dgm:pt modelId="{BFB26EB0-8A6E-42BD-8A6C-EF6FED81CE7F}" type="sibTrans" cxnId="{6363F2C2-D1D8-4BC6-8249-D18A6A2FBD70}">
+      <dgm:prSet/>
+      <dgm:spPr/>
+      <dgm:t>
+        <a:bodyPr/>
+        <a:lstStyle/>
+        <a:p>
+          <a:endParaRPr lang="en-US" sz="1100"/>
+        </a:p>
+      </dgm:t>
+    </dgm:pt>
+    <dgm:pt modelId="{FF530DEB-F94C-4450-94CD-ABAE1A73C6E0}">
+      <dgm:prSet phldrT="[Text]" custT="1"/>
+      <dgm:spPr/>
+      <dgm:t>
+        <a:bodyPr/>
+        <a:lstStyle/>
+        <a:p>
+          <a:pPr algn="r"/>
+          <a:r>
+            <a:rPr lang="en-US" sz="1100" dirty="0" smtClean="0"/>
+            <a:t>Dead Letter</a:t>
+          </a:r>
+          <a:endParaRPr lang="en-US" sz="1100" dirty="0"/>
+        </a:p>
+      </dgm:t>
+    </dgm:pt>
+    <dgm:pt modelId="{D5794C1B-E87D-4F24-B354-71C1E5733589}" type="parTrans" cxnId="{5CDB0996-7166-49CB-8D1D-4A34A83672B3}">
+      <dgm:prSet/>
+      <dgm:spPr/>
+      <dgm:t>
+        <a:bodyPr/>
+        <a:lstStyle/>
+        <a:p>
+          <a:endParaRPr lang="en-US" sz="1100"/>
+        </a:p>
+      </dgm:t>
+    </dgm:pt>
+    <dgm:pt modelId="{C4A235A8-166B-4FB6-AF03-FD5C27F28E2A}" type="sibTrans" cxnId="{5CDB0996-7166-49CB-8D1D-4A34A83672B3}">
+      <dgm:prSet/>
+      <dgm:spPr/>
+      <dgm:t>
+        <a:bodyPr/>
+        <a:lstStyle/>
+        <a:p>
+          <a:endParaRPr lang="en-US" sz="1100"/>
+        </a:p>
+      </dgm:t>
+    </dgm:pt>
+    <dgm:pt modelId="{9689A84C-BDA3-4774-8EB3-7EF22590FCE2}">
+      <dgm:prSet phldrT="[Text]" custT="1"/>
+      <dgm:spPr/>
+      <dgm:t>
+        <a:bodyPr/>
+        <a:lstStyle/>
+        <a:p>
+          <a:pPr algn="r"/>
+          <a:r>
+            <a:rPr lang="en-US" sz="1100" dirty="0" smtClean="0"/>
+            <a:t>Circuit Breaker</a:t>
+          </a:r>
+          <a:endParaRPr lang="en-US" sz="1100" dirty="0"/>
+        </a:p>
+      </dgm:t>
+    </dgm:pt>
+    <dgm:pt modelId="{0B68BB9D-4DB3-4652-A3D2-A873B7C14530}" type="parTrans" cxnId="{DED88F09-7815-404B-A50F-63B698882E39}">
+      <dgm:prSet/>
+      <dgm:spPr/>
+      <dgm:t>
+        <a:bodyPr/>
+        <a:lstStyle/>
+        <a:p>
+          <a:endParaRPr lang="en-US" sz="1100"/>
+        </a:p>
+      </dgm:t>
+    </dgm:pt>
+    <dgm:pt modelId="{5E755F08-B40D-44A7-9A12-FEA1E6BBF71F}" type="sibTrans" cxnId="{DED88F09-7815-404B-A50F-63B698882E39}">
+      <dgm:prSet/>
+      <dgm:spPr/>
+      <dgm:t>
+        <a:bodyPr/>
+        <a:lstStyle/>
+        <a:p>
+          <a:endParaRPr lang="en-US" sz="1100"/>
+        </a:p>
+      </dgm:t>
+    </dgm:pt>
+    <dgm:pt modelId="{D198EF0E-3CF7-4B4F-BDB9-3AB7051FFB66}">
+      <dgm:prSet phldrT="[Text]" custT="1"/>
+      <dgm:spPr/>
+      <dgm:t>
+        <a:bodyPr/>
+        <a:lstStyle/>
+        <a:p>
+          <a:pPr algn="r"/>
+          <a:r>
+            <a:rPr lang="en-US" sz="1100" dirty="0" smtClean="0"/>
+            <a:t>Pipes and Filters</a:t>
+          </a:r>
+          <a:endParaRPr lang="en-US" sz="1100" dirty="0"/>
+        </a:p>
+      </dgm:t>
+    </dgm:pt>
+    <dgm:pt modelId="{0BE4D4C2-203C-4E40-AAE4-4ACDA568B7F9}" type="parTrans" cxnId="{F902AB7F-153F-4E21-BBAA-EAB035F9017F}">
+      <dgm:prSet/>
+      <dgm:spPr/>
+      <dgm:t>
+        <a:bodyPr/>
+        <a:lstStyle/>
+        <a:p>
+          <a:endParaRPr lang="en-US" sz="1100"/>
+        </a:p>
+      </dgm:t>
+    </dgm:pt>
+    <dgm:pt modelId="{55FD516A-40EA-4BE5-AC48-D95C76AD26C6}" type="sibTrans" cxnId="{F902AB7F-153F-4E21-BBAA-EAB035F9017F}">
+      <dgm:prSet/>
+      <dgm:spPr/>
+      <dgm:t>
+        <a:bodyPr/>
+        <a:lstStyle/>
+        <a:p>
+          <a:endParaRPr lang="en-US" sz="1100"/>
+        </a:p>
+      </dgm:t>
+    </dgm:pt>
+    <dgm:pt modelId="{80022D65-0DCA-4F7B-8BD9-E6BCCD73228A}">
+      <dgm:prSet phldrT="[Text]" custT="1"/>
+      <dgm:spPr/>
+      <dgm:t>
+        <a:bodyPr/>
+        <a:lstStyle/>
+        <a:p>
+          <a:r>
+            <a:rPr lang="en-US" sz="1100" dirty="0" smtClean="0"/>
+            <a:t>Monitoring</a:t>
+          </a:r>
+          <a:endParaRPr lang="en-US" sz="1100" dirty="0"/>
+        </a:p>
+      </dgm:t>
+    </dgm:pt>
+    <dgm:pt modelId="{158FFDB6-F48A-4205-B53E-59F0598B292E}" type="parTrans" cxnId="{F4B34777-0F3E-4FFC-ABF9-359A29C415E1}">
+      <dgm:prSet/>
+      <dgm:spPr/>
+      <dgm:t>
+        <a:bodyPr/>
+        <a:lstStyle/>
+        <a:p>
+          <a:endParaRPr lang="en-US" sz="1100"/>
+        </a:p>
+      </dgm:t>
+    </dgm:pt>
+    <dgm:pt modelId="{04C046E4-FDA9-4076-9724-915853037DA0}" type="sibTrans" cxnId="{F4B34777-0F3E-4FFC-ABF9-359A29C415E1}">
+      <dgm:prSet/>
+      <dgm:spPr/>
+      <dgm:t>
+        <a:bodyPr/>
+        <a:lstStyle/>
+        <a:p>
+          <a:endParaRPr lang="en-US" sz="1100"/>
+        </a:p>
+      </dgm:t>
+    </dgm:pt>
+    <dgm:pt modelId="{DDDE02D3-42D4-4C16-B293-6FF0F0003A22}">
+      <dgm:prSet phldrT="[Text]" custT="1"/>
+      <dgm:spPr/>
+      <dgm:t>
+        <a:bodyPr/>
+        <a:lstStyle/>
+        <a:p>
+          <a:r>
+            <a:rPr lang="en-US" sz="1100" dirty="0" smtClean="0"/>
+            <a:t>Persistency</a:t>
+          </a:r>
+          <a:endParaRPr lang="en-US" sz="1100" dirty="0"/>
+        </a:p>
+      </dgm:t>
+    </dgm:pt>
+    <dgm:pt modelId="{C5D01856-A430-4CE9-9BC1-FBAC6B0BC425}" type="parTrans" cxnId="{2FC24792-74FC-4D58-8631-BBDD94D0E52D}">
+      <dgm:prSet/>
+      <dgm:spPr/>
+      <dgm:t>
+        <a:bodyPr/>
+        <a:lstStyle/>
+        <a:p>
+          <a:endParaRPr lang="en-US" sz="1100"/>
+        </a:p>
+      </dgm:t>
+    </dgm:pt>
+    <dgm:pt modelId="{68DBB093-8AC7-4281-AE2E-7D0D38DDC5A7}" type="sibTrans" cxnId="{2FC24792-74FC-4D58-8631-BBDD94D0E52D}">
+      <dgm:prSet/>
+      <dgm:spPr/>
+      <dgm:t>
+        <a:bodyPr/>
+        <a:lstStyle/>
+        <a:p>
+          <a:endParaRPr lang="en-US" sz="1100"/>
+        </a:p>
+      </dgm:t>
+    </dgm:pt>
+    <dgm:pt modelId="{1BA1DE21-EB93-4CE6-9A6B-B574FECD5615}">
+      <dgm:prSet phldrT="[Text]" custT="1"/>
+      <dgm:spPr/>
+      <dgm:t>
+        <a:bodyPr/>
+        <a:lstStyle/>
+        <a:p>
+          <a:pPr algn="r"/>
+          <a:r>
+            <a:rPr lang="en-US" sz="1100" dirty="0" smtClean="0"/>
             <a:t>Routing</a:t>
           </a:r>
-          <a:endParaRPr lang="en-US" dirty="0"/>
+          <a:endParaRPr lang="en-US" sz="1100" dirty="0"/>
         </a:p>
       </dgm:t>
     </dgm:pt>
-    <dgm:pt modelId="{8D1D31F3-8E67-4108-B397-241D8BA9FB24}" type="parTrans" cxnId="{139B6DBB-321A-4C04-9EE3-F817C6772E88}">
+    <dgm:pt modelId="{617FD20E-684B-48DE-8CF7-9F8BD7B91120}" type="parTrans" cxnId="{D31C5200-6B99-4658-9916-AC2CD07F7B17}">
       <dgm:prSet/>
       <dgm:spPr/>
       <dgm:t>
         <a:bodyPr/>
         <a:lstStyle/>
         <a:p>
-          <a:endParaRPr lang="en-US"/>
+          <a:endParaRPr lang="en-US" sz="1100"/>
         </a:p>
       </dgm:t>
     </dgm:pt>
-    <dgm:pt modelId="{E9D0ADA9-543A-4DB7-A948-477DC020D10F}" type="sibTrans" cxnId="{139B6DBB-321A-4C04-9EE3-F817C6772E88}">
+    <dgm:pt modelId="{AAC983AB-0B94-4C0A-90E9-392305E80872}" type="sibTrans" cxnId="{D31C5200-6B99-4658-9916-AC2CD07F7B17}">
       <dgm:prSet/>
       <dgm:spPr/>
       <dgm:t>
         <a:bodyPr/>
         <a:lstStyle/>
         <a:p>
-          <a:endParaRPr lang="en-US"/>
+          <a:endParaRPr lang="en-US" sz="1100"/>
         </a:p>
       </dgm:t>
     </dgm:pt>
-    <dgm:pt modelId="{A3A62DB0-183B-450A-B72B-2F516DF3F825}">
+    <dgm:pt modelId="{60CDEA60-515D-41D5-B343-C3BEA98CD4F0}">
+      <dgm:prSet phldrT="[Text]" custT="1"/>
+      <dgm:spPr/>
+      <dgm:t>
+        <a:bodyPr anchor="t"/>
+        <a:lstStyle/>
+        <a:p>
+          <a:pPr algn="r"/>
+          <a:r>
+            <a:rPr lang="en-US" sz="1100" dirty="0" smtClean="0"/>
+            <a:t>Publish/Subscribe</a:t>
+          </a:r>
+          <a:endParaRPr lang="en-US" sz="1100" dirty="0"/>
+        </a:p>
+      </dgm:t>
+    </dgm:pt>
+    <dgm:pt modelId="{0BCEFBA4-62B2-4A19-A1AD-43B402EE1D0D}" type="parTrans" cxnId="{3169CC56-6EA9-4CCD-B648-419112024CA2}">
       <dgm:prSet/>
       <dgm:spPr/>
       <dgm:t>
         <a:bodyPr/>
         <a:lstStyle/>
         <a:p>
-          <a:pPr rtl="0"/>
-          <a:r>
-            <a:rPr lang="en-US" dirty="0" smtClean="0"/>
-            <a:t>Encryption</a:t>
-          </a:r>
-          <a:endParaRPr lang="en-US" dirty="0"/>
+          <a:endParaRPr lang="en-US" sz="1100"/>
         </a:p>
       </dgm:t>
     </dgm:pt>
-    <dgm:pt modelId="{B44D7C81-D245-4A7A-8614-D22DA2C4876E}" type="parTrans" cxnId="{BE0207A3-9A37-49DB-AE73-A45711F668DA}">
+    <dgm:pt modelId="{92993B39-66E8-4C33-B5D8-09B5119D7E62}" type="sibTrans" cxnId="{3169CC56-6EA9-4CCD-B648-419112024CA2}">
       <dgm:prSet/>
       <dgm:spPr/>
       <dgm:t>
         <a:bodyPr/>
         <a:lstStyle/>
         <a:p>
-          <a:endParaRPr lang="en-US"/>
+          <a:endParaRPr lang="en-US" sz="1100"/>
         </a:p>
       </dgm:t>
     </dgm:pt>
-    <dgm:pt modelId="{7716E262-A738-4673-9725-EB9322603E9B}" type="sibTrans" cxnId="{BE0207A3-9A37-49DB-AE73-A45711F668DA}">
+    <dgm:pt modelId="{F741F96D-B7AD-4AE3-BDA5-DD267068A900}">
+      <dgm:prSet phldrT="[Text]" custT="1"/>
+      <dgm:spPr/>
+      <dgm:t>
+        <a:bodyPr anchor="t"/>
+        <a:lstStyle/>
+        <a:p>
+          <a:pPr algn="r"/>
+          <a:r>
+            <a:rPr lang="en-US" sz="1100" dirty="0" smtClean="0"/>
+            <a:t>Saga and Saga State Machine</a:t>
+          </a:r>
+          <a:endParaRPr lang="en-US" sz="1100" dirty="0"/>
+        </a:p>
+      </dgm:t>
+    </dgm:pt>
+    <dgm:pt modelId="{3A9A95E2-63DE-4C13-936A-F943975D2489}" type="parTrans" cxnId="{AA0AC17F-CEB8-46BA-A1EF-8EB97FD3FFE5}">
       <dgm:prSet/>
       <dgm:spPr/>
       <dgm:t>
         <a:bodyPr/>
         <a:lstStyle/>
         <a:p>
-          <a:endParaRPr lang="en-US"/>
+          <a:endParaRPr lang="en-US" sz="1100"/>
         </a:p>
       </dgm:t>
     </dgm:pt>
-    <dgm:pt modelId="{4F67F5EC-AB06-423D-AB86-56058629937D}">
+    <dgm:pt modelId="{F3087C21-FC40-45D7-B0E3-7242138A6845}" type="sibTrans" cxnId="{AA0AC17F-CEB8-46BA-A1EF-8EB97FD3FFE5}">
       <dgm:prSet/>
       <dgm:spPr/>
       <dgm:t>
         <a:bodyPr/>
         <a:lstStyle/>
         <a:p>
-          <a:pPr rtl="0"/>
+          <a:endParaRPr lang="en-US" sz="1100"/>
+        </a:p>
+      </dgm:t>
+    </dgm:pt>
+    <dgm:pt modelId="{12CEFC82-130D-4334-8520-475EDE57E5DA}">
+      <dgm:prSet phldrT="[Text]" custT="1"/>
+      <dgm:spPr/>
+      <dgm:t>
+        <a:bodyPr anchor="t"/>
+        <a:lstStyle/>
+        <a:p>
+          <a:pPr algn="r"/>
           <a:r>
-            <a:rPr lang="en-US" dirty="0" smtClean="0"/>
-            <a:t>Serialization</a:t>
+            <a:rPr lang="en-US" sz="1100" dirty="0" smtClean="0"/>
+            <a:t>Routing Slip</a:t>
           </a:r>
-          <a:endParaRPr lang="en-US" dirty="0"/>
+          <a:endParaRPr lang="en-US" sz="1100" dirty="0"/>
         </a:p>
       </dgm:t>
     </dgm:pt>
-    <dgm:pt modelId="{8FB29F64-C7CE-4901-8684-A1FE58B5070C}" type="parTrans" cxnId="{E160785F-2F9C-4D09-A9D9-1982388376F5}">
+    <dgm:pt modelId="{D3965C26-931D-447D-8310-F6CFDA7E39B7}" type="parTrans" cxnId="{B7EE06F7-E064-479E-86C6-0E1239D2A18D}">
       <dgm:prSet/>
       <dgm:spPr/>
       <dgm:t>
         <a:bodyPr/>
         <a:lstStyle/>
         <a:p>
-          <a:endParaRPr lang="en-US"/>
+          <a:endParaRPr lang="en-US" sz="1100"/>
         </a:p>
       </dgm:t>
     </dgm:pt>
-    <dgm:pt modelId="{D6A5685B-2B06-4AF1-A3FF-F2A8535F25A2}" type="sibTrans" cxnId="{E160785F-2F9C-4D09-A9D9-1982388376F5}">
+    <dgm:pt modelId="{0465163C-7C84-4484-B6C2-86DBCDEFD942}" type="sibTrans" cxnId="{B7EE06F7-E064-479E-86C6-0E1239D2A18D}">
       <dgm:prSet/>
       <dgm:spPr/>
       <dgm:t>
         <a:bodyPr/>
         <a:lstStyle/>
         <a:p>
-          <a:endParaRPr lang="en-US"/>
+          <a:endParaRPr lang="en-US" sz="1100"/>
         </a:p>
       </dgm:t>
     </dgm:pt>
-    <dgm:pt modelId="{E6EAD457-E581-435A-93DB-F992C6A6BD6D}">
-      <dgm:prSet/>
+    <dgm:pt modelId="{590800F9-C1B5-4675-A3AB-D811E378AF05}">
+      <dgm:prSet phldrT="[Text]" custT="1"/>
       <dgm:spPr/>
       <dgm:t>
         <a:bodyPr/>
         <a:lstStyle/>
         <a:p>
-          <a:pPr rtl="0"/>
+          <a:pPr algn="r"/>
           <a:r>
-            <a:rPr lang="en-US" dirty="0" smtClean="0"/>
-            <a:t>Pipes and filters</a:t>
+            <a:rPr lang="en-US" sz="1100" dirty="0" smtClean="0"/>
+            <a:t>Error Handling</a:t>
           </a:r>
-          <a:endParaRPr lang="en-US" dirty="0"/>
+          <a:endParaRPr lang="en-US" sz="1100" dirty="0"/>
         </a:p>
       </dgm:t>
     </dgm:pt>
-    <dgm:pt modelId="{A338F4C2-9E35-4D01-9A1C-5AD874C53454}" type="parTrans" cxnId="{BD0E8CBE-E71C-4953-A22A-A2CAC698EB63}">
+    <dgm:pt modelId="{6FC8296F-9C36-4858-A38A-FDCA4AB7324D}" type="parTrans" cxnId="{3EF90842-27A3-4AAB-BDB4-CD6F7D687FF0}">
       <dgm:prSet/>
       <dgm:spPr/>
       <dgm:t>
         <a:bodyPr/>
         <a:lstStyle/>
         <a:p>
-          <a:endParaRPr lang="en-US"/>
+          <a:endParaRPr lang="en-US" sz="1100"/>
         </a:p>
       </dgm:t>
     </dgm:pt>
-    <dgm:pt modelId="{944112A2-0E5D-4BA5-8858-3501FBDA99BF}" type="sibTrans" cxnId="{BD0E8CBE-E71C-4953-A22A-A2CAC698EB63}">
+    <dgm:pt modelId="{1E991C9A-5816-4263-B847-1C62E1EC2BC1}" type="sibTrans" cxnId="{3EF90842-27A3-4AAB-BDB4-CD6F7D687FF0}">
       <dgm:prSet/>
       <dgm:spPr/>
       <dgm:t>
         <a:bodyPr/>
         <a:lstStyle/>
         <a:p>
-          <a:endParaRPr lang="en-US"/>
+          <a:endParaRPr lang="en-US" sz="1100"/>
         </a:p>
       </dgm:t>
     </dgm:pt>
-    <dgm:pt modelId="{CD00DFE4-3DE6-4512-A2E8-E1CA67C435D9}">
+    <dgm:pt modelId="{FA152986-4468-4ADC-9BD1-E754AD98A0F0}">
+      <dgm:prSet phldrT="[Text]" custT="1"/>
+      <dgm:spPr/>
+      <dgm:t>
+        <a:bodyPr anchor="t"/>
+        <a:lstStyle/>
+        <a:p>
+          <a:pPr algn="r"/>
+          <a:r>
+            <a:rPr lang="en-US" sz="1100" dirty="0" smtClean="0"/>
+            <a:t>Composite Events</a:t>
+          </a:r>
+          <a:endParaRPr lang="en-US" sz="1100" dirty="0"/>
+        </a:p>
+      </dgm:t>
+    </dgm:pt>
+    <dgm:pt modelId="{2539D9DF-33F4-4531-9565-9FDAF4DB711C}" type="parTrans" cxnId="{7DA65181-EAFB-46D8-98E6-E7716A599EFE}">
       <dgm:prSet/>
       <dgm:spPr/>
       <dgm:t>
         <a:bodyPr/>
         <a:lstStyle/>
         <a:p>
-          <a:pPr rtl="0"/>
+          <a:endParaRPr lang="en-US" sz="1100"/>
+        </a:p>
+      </dgm:t>
+    </dgm:pt>
+    <dgm:pt modelId="{B679F5A3-A14E-4C1C-A9A2-54A0940EE994}" type="sibTrans" cxnId="{7DA65181-EAFB-46D8-98E6-E7716A599EFE}">
+      <dgm:prSet/>
+      <dgm:spPr/>
+      <dgm:t>
+        <a:bodyPr/>
+        <a:lstStyle/>
+        <a:p>
+          <a:endParaRPr lang="en-US" sz="1100"/>
+        </a:p>
+      </dgm:t>
+    </dgm:pt>
+    <dgm:pt modelId="{45D7C66C-21A9-4954-A2F5-DAFC1289AE71}">
+      <dgm:prSet phldrT="[Text]" custT="1"/>
+      <dgm:spPr/>
+      <dgm:t>
+        <a:bodyPr/>
+        <a:lstStyle/>
+        <a:p>
           <a:r>
-            <a:rPr lang="en-US" dirty="0" smtClean="0"/>
+            <a:rPr lang="en-US" sz="1100" dirty="0" smtClean="0"/>
             <a:t>Transforms</a:t>
           </a:r>
-          <a:endParaRPr lang="en-US" dirty="0"/>
+          <a:endParaRPr lang="en-US" sz="1100" dirty="0"/>
         </a:p>
       </dgm:t>
     </dgm:pt>
-    <dgm:pt modelId="{A2F33482-C503-4927-8EC3-69E8902C42B5}" type="parTrans" cxnId="{7C95CCC8-98B3-4A5F-9BD7-8BD6F723E154}">
+    <dgm:pt modelId="{68A63A06-EE73-4ABE-A59D-FB2EBF87DA47}" type="parTrans" cxnId="{1DB9E549-2AC6-47AF-BE00-320097EF9399}">
       <dgm:prSet/>
       <dgm:spPr/>
       <dgm:t>
         <a:bodyPr/>
         <a:lstStyle/>
         <a:p>
-          <a:endParaRPr lang="en-US"/>
+          <a:endParaRPr lang="en-US" sz="1100"/>
         </a:p>
       </dgm:t>
     </dgm:pt>
-    <dgm:pt modelId="{852F9698-CFB6-484C-B259-1196C21B9722}" type="sibTrans" cxnId="{7C95CCC8-98B3-4A5F-9BD7-8BD6F723E154}">
+    <dgm:pt modelId="{4F095B39-A51A-429B-8B9D-29DEF454FC27}" type="sibTrans" cxnId="{1DB9E549-2AC6-47AF-BE00-320097EF9399}">
       <dgm:prSet/>
       <dgm:spPr/>
       <dgm:t>
         <a:bodyPr/>
         <a:lstStyle/>
         <a:p>
-          <a:endParaRPr lang="en-US"/>
+          <a:endParaRPr lang="en-US" sz="1100"/>
         </a:p>
       </dgm:t>
     </dgm:pt>
-    <dgm:pt modelId="{14E80155-D4D4-4B85-A02E-1266C09A8B5D}">
-      <dgm:prSet/>
+    <dgm:pt modelId="{C188AC6A-D555-4C98-A6B2-82002D1E5D97}">
+      <dgm:prSet phldrT="[Text]" custT="1"/>
       <dgm:spPr/>
       <dgm:t>
         <a:bodyPr/>
         <a:lstStyle/>
         <a:p>
-          <a:pPr rtl="0"/>
           <a:r>
-            <a:rPr lang="en-US" dirty="0" smtClean="0"/>
-            <a:t>Configuration</a:t>
+            <a:rPr lang="en-US" sz="1100" dirty="0" smtClean="0"/>
+            <a:t>Versioning</a:t>
           </a:r>
-          <a:endParaRPr lang="en-US" dirty="0"/>
+          <a:endParaRPr lang="en-US" sz="1100" dirty="0"/>
         </a:p>
       </dgm:t>
     </dgm:pt>
-    <dgm:pt modelId="{C8E030DF-9616-41A7-8F9D-A22EF00DF04C}" type="parTrans" cxnId="{ED0B6733-7697-44F1-BB8F-1B82E09DD8EE}">
+    <dgm:pt modelId="{35379D12-FE00-49CF-B79B-2D9068AD872B}" type="parTrans" cxnId="{A16A0485-D183-4E72-A835-426546960057}">
       <dgm:prSet/>
       <dgm:spPr/>
       <dgm:t>
         <a:bodyPr/>
         <a:lstStyle/>
         <a:p>
-          <a:endParaRPr lang="en-US"/>
+          <a:endParaRPr lang="en-US" sz="1100"/>
         </a:p>
       </dgm:t>
     </dgm:pt>
-    <dgm:pt modelId="{9451DAE1-1D8A-46CC-BA13-C76CDC0A50E9}" type="sibTrans" cxnId="{ED0B6733-7697-44F1-BB8F-1B82E09DD8EE}">
+    <dgm:pt modelId="{4F554B4B-E2B7-4441-9DE5-FC206D280D80}" type="sibTrans" cxnId="{A16A0485-D183-4E72-A835-426546960057}">
       <dgm:prSet/>
       <dgm:spPr/>
       <dgm:t>
         <a:bodyPr/>
         <a:lstStyle/>
         <a:p>
+          <a:endParaRPr lang="en-US" sz="1100"/>
+        </a:p>
+      </dgm:t>
+    </dgm:pt>
+    <dgm:pt modelId="{550EAA0D-A91C-4EEB-96C3-7709F12F2935}">
+      <dgm:prSet phldrT="[Text]" custT="1"/>
+      <dgm:spPr/>
+      <dgm:t>
+        <a:bodyPr/>
+        <a:lstStyle/>
+        <a:p>
+          <a:r>
+            <a:rPr lang="en-US" sz="1100" dirty="0" smtClean="0"/>
+            <a:t>Transforms</a:t>
+          </a:r>
+          <a:endParaRPr lang="en-US" sz="1100" dirty="0"/>
+        </a:p>
+      </dgm:t>
+    </dgm:pt>
+    <dgm:pt modelId="{48D0AE93-2B0A-4B1F-BE95-80759E5B5550}" type="parTrans" cxnId="{64478AA8-404C-49B8-9C22-F91D99C65B8A}">
+      <dgm:prSet/>
+      <dgm:spPr/>
+      <dgm:t>
+        <a:bodyPr/>
+        <a:lstStyle/>
+        <a:p>
           <a:endParaRPr lang="en-US"/>
         </a:p>
       </dgm:t>
     </dgm:pt>
-    <dgm:pt modelId="{1118F7F4-18C8-4B40-8400-E6E5B9669232}" type="pres">
-      <dgm:prSet presAssocID="{A57F9B01-11FA-4C63-9FBA-E6CE760896A6}" presName="Name0" presStyleCnt="0">
+    <dgm:pt modelId="{E126B19B-4D80-4654-B028-A637DD19CCD8}" type="sibTrans" cxnId="{64478AA8-404C-49B8-9C22-F91D99C65B8A}">
+      <dgm:prSet/>
+      <dgm:spPr/>
+      <dgm:t>
+        <a:bodyPr/>
+        <a:lstStyle/>
+        <a:p>
+          <a:endParaRPr lang="en-US"/>
+        </a:p>
+      </dgm:t>
+    </dgm:pt>
+    <dgm:pt modelId="{1035A200-9935-4B25-B536-AED5C4DA8672}">
+      <dgm:prSet phldrT="[Text]" custT="1"/>
+      <dgm:spPr/>
+      <dgm:t>
+        <a:bodyPr anchor="t"/>
+        <a:lstStyle/>
+        <a:p>
+          <a:pPr algn="r"/>
+          <a:r>
+            <a:rPr lang="en-US" sz="1100" dirty="0" smtClean="0"/>
+            <a:t>Compensations</a:t>
+          </a:r>
+          <a:endParaRPr lang="en-US" sz="1100" dirty="0"/>
+        </a:p>
+      </dgm:t>
+    </dgm:pt>
+    <dgm:pt modelId="{0E9D1C3D-2883-4A91-98B3-621B5C46E299}" type="parTrans" cxnId="{F91C7B9E-D22B-4CA8-98D7-80D9FAC742C1}">
+      <dgm:prSet/>
+      <dgm:spPr/>
+    </dgm:pt>
+    <dgm:pt modelId="{F4B959AD-B54E-4284-BA51-42781B7FD144}" type="sibTrans" cxnId="{F91C7B9E-D22B-4CA8-98D7-80D9FAC742C1}">
+      <dgm:prSet/>
+      <dgm:spPr/>
+    </dgm:pt>
+    <dgm:pt modelId="{E4D92571-920E-43BC-919F-5928D57BFA1E}" type="pres">
+      <dgm:prSet presAssocID="{D9C3E7A9-7F86-4BF4-8C07-2951349EC479}" presName="cycleMatrixDiagram" presStyleCnt="0">
         <dgm:presLayoutVars>
-          <dgm:chPref val="1"/>
+          <dgm:chMax val="1"/>
           <dgm:dir/>
-          <dgm:animOne val="branch"/>
           <dgm:animLvl val="lvl"/>
-          <dgm:resizeHandles/>
+          <dgm:resizeHandles val="exact"/>
         </dgm:presLayoutVars>
       </dgm:prSet>
       <dgm:spPr/>
     </dgm:pt>
-    <dgm:pt modelId="{1D3168FD-991F-49AF-9794-DF7EF1F69778}" type="pres">
-      <dgm:prSet presAssocID="{BCB95C1E-752C-4762-9E5A-1869423E6A59}" presName="vertOne" presStyleCnt="0"/>
-      <dgm:spPr/>
-    </dgm:pt>
-    <dgm:pt modelId="{CCF77F0E-AC98-4B07-862D-98B0033D1E5B}" type="pres">
-      <dgm:prSet presAssocID="{BCB95C1E-752C-4762-9E5A-1869423E6A59}" presName="txOne" presStyleLbl="node0" presStyleIdx="0" presStyleCnt="1">
+    <dgm:pt modelId="{D4DB6B14-42E0-4A59-8B04-3518A51116F6}" type="pres">
+      <dgm:prSet presAssocID="{D9C3E7A9-7F86-4BF4-8C07-2951349EC479}" presName="children" presStyleCnt="0"/>
+      <dgm:spPr/>
+    </dgm:pt>
+    <dgm:pt modelId="{B042AFEB-8328-4586-BB10-55D3E31437B8}" type="pres">
+      <dgm:prSet presAssocID="{D9C3E7A9-7F86-4BF4-8C07-2951349EC479}" presName="child1group" presStyleCnt="0"/>
+      <dgm:spPr/>
+    </dgm:pt>
+    <dgm:pt modelId="{74C15D2B-43BE-409A-99E1-4C7BEA41372F}" type="pres">
+      <dgm:prSet presAssocID="{D9C3E7A9-7F86-4BF4-8C07-2951349EC479}" presName="child1" presStyleLbl="bgAcc1" presStyleIdx="0" presStyleCnt="4" custScaleX="134241" custScaleY="135741"/>
+      <dgm:spPr/>
+      <dgm:t>
+        <a:bodyPr/>
+        <a:lstStyle/>
+        <a:p>
+          <a:endParaRPr lang="en-US"/>
+        </a:p>
+      </dgm:t>
+    </dgm:pt>
+    <dgm:pt modelId="{D6F62F48-A955-4BD3-9DA6-0F478957AD9F}" type="pres">
+      <dgm:prSet presAssocID="{D9C3E7A9-7F86-4BF4-8C07-2951349EC479}" presName="child1Text" presStyleLbl="bgAcc1" presStyleIdx="0" presStyleCnt="4">
         <dgm:presLayoutVars>
-          <dgm:chPref val="3"/>
+          <dgm:bulletEnabled val="1"/>
         </dgm:presLayoutVars>
       </dgm:prSet>
       <dgm:spPr/>
@@ -4438,676 +4547,279 @@
         </a:p>
       </dgm:t>
     </dgm:pt>
-    <dgm:pt modelId="{22069854-92F0-4F1E-B1FB-B6BD3B162471}" type="pres">
-      <dgm:prSet presAssocID="{BCB95C1E-752C-4762-9E5A-1869423E6A59}" presName="parTransOne" presStyleCnt="0"/>
-      <dgm:spPr/>
-    </dgm:pt>
-    <dgm:pt modelId="{279C97DC-D018-4C57-A612-8B54C704A904}" type="pres">
-      <dgm:prSet presAssocID="{BCB95C1E-752C-4762-9E5A-1869423E6A59}" presName="horzOne" presStyleCnt="0"/>
-      <dgm:spPr/>
-    </dgm:pt>
-    <dgm:pt modelId="{4231484C-63A9-441C-8940-09555FB21D15}" type="pres">
-      <dgm:prSet presAssocID="{0919CB37-4152-4765-ABE3-DC23046E65BD}" presName="vertTwo" presStyleCnt="0"/>
-      <dgm:spPr/>
-    </dgm:pt>
-    <dgm:pt modelId="{DDCD081A-6AC6-4EA7-85C2-2CBB6ACD26E5}" type="pres">
-      <dgm:prSet presAssocID="{0919CB37-4152-4765-ABE3-DC23046E65BD}" presName="txTwo" presStyleLbl="node2" presStyleIdx="0" presStyleCnt="6">
+    <dgm:pt modelId="{5E16D7EF-D83D-4BAF-BBCA-4AB839CFA88F}" type="pres">
+      <dgm:prSet presAssocID="{D9C3E7A9-7F86-4BF4-8C07-2951349EC479}" presName="child2group" presStyleCnt="0"/>
+      <dgm:spPr/>
+    </dgm:pt>
+    <dgm:pt modelId="{516B9BFA-5E3B-40B6-98AD-BE837D1FBAD6}" type="pres">
+      <dgm:prSet presAssocID="{D9C3E7A9-7F86-4BF4-8C07-2951349EC479}" presName="child2" presStyleLbl="bgAcc1" presStyleIdx="1" presStyleCnt="4" custScaleX="133959" custScaleY="130127"/>
+      <dgm:spPr/>
+      <dgm:t>
+        <a:bodyPr/>
+        <a:lstStyle/>
+        <a:p>
+          <a:endParaRPr lang="en-US"/>
+        </a:p>
+      </dgm:t>
+    </dgm:pt>
+    <dgm:pt modelId="{F3D78921-DB83-4087-84BF-CA064380971F}" type="pres">
+      <dgm:prSet presAssocID="{D9C3E7A9-7F86-4BF4-8C07-2951349EC479}" presName="child2Text" presStyleLbl="bgAcc1" presStyleIdx="1" presStyleCnt="4">
         <dgm:presLayoutVars>
-          <dgm:chPref val="3"/>
+          <dgm:bulletEnabled val="1"/>
         </dgm:presLayoutVars>
       </dgm:prSet>
       <dgm:spPr/>
-    </dgm:pt>
-    <dgm:pt modelId="{01967554-ED26-4722-B2D4-40D7CDC429EC}" type="pres">
-      <dgm:prSet presAssocID="{0919CB37-4152-4765-ABE3-DC23046E65BD}" presName="horzTwo" presStyleCnt="0"/>
-      <dgm:spPr/>
-    </dgm:pt>
-    <dgm:pt modelId="{E8CC9AF4-0A0C-49F9-BF6E-48481067EB1F}" type="pres">
-      <dgm:prSet presAssocID="{E9D0ADA9-543A-4DB7-A948-477DC020D10F}" presName="sibSpaceTwo" presStyleCnt="0"/>
-      <dgm:spPr/>
-    </dgm:pt>
-    <dgm:pt modelId="{B731BE7D-A2CC-469B-AF41-FF3066029B1B}" type="pres">
-      <dgm:prSet presAssocID="{4F67F5EC-AB06-423D-AB86-56058629937D}" presName="vertTwo" presStyleCnt="0"/>
-      <dgm:spPr/>
-    </dgm:pt>
-    <dgm:pt modelId="{204864B0-CB67-4907-8F19-A5EC8786CB92}" type="pres">
-      <dgm:prSet presAssocID="{4F67F5EC-AB06-423D-AB86-56058629937D}" presName="txTwo" presStyleLbl="node2" presStyleIdx="1" presStyleCnt="6">
+      <dgm:t>
+        <a:bodyPr/>
+        <a:lstStyle/>
+        <a:p>
+          <a:endParaRPr lang="en-US"/>
+        </a:p>
+      </dgm:t>
+    </dgm:pt>
+    <dgm:pt modelId="{30621E1E-4450-42A5-9CAD-C8ECF2ED4B1C}" type="pres">
+      <dgm:prSet presAssocID="{D9C3E7A9-7F86-4BF4-8C07-2951349EC479}" presName="child3group" presStyleCnt="0"/>
+      <dgm:spPr/>
+    </dgm:pt>
+    <dgm:pt modelId="{F75FBA98-67BE-4263-8A0A-0D314360C4A0}" type="pres">
+      <dgm:prSet presAssocID="{D9C3E7A9-7F86-4BF4-8C07-2951349EC479}" presName="child3" presStyleLbl="bgAcc1" presStyleIdx="2" presStyleCnt="4" custScaleX="133187" custScaleY="120234"/>
+      <dgm:spPr/>
+      <dgm:t>
+        <a:bodyPr/>
+        <a:lstStyle/>
+        <a:p>
+          <a:endParaRPr lang="en-US"/>
+        </a:p>
+      </dgm:t>
+    </dgm:pt>
+    <dgm:pt modelId="{605F24D5-A60D-4553-8923-B595404D4D94}" type="pres">
+      <dgm:prSet presAssocID="{D9C3E7A9-7F86-4BF4-8C07-2951349EC479}" presName="child3Text" presStyleLbl="bgAcc1" presStyleIdx="2" presStyleCnt="4">
         <dgm:presLayoutVars>
-          <dgm:chPref val="3"/>
+          <dgm:bulletEnabled val="1"/>
         </dgm:presLayoutVars>
       </dgm:prSet>
       <dgm:spPr/>
-    </dgm:pt>
-    <dgm:pt modelId="{C5E67E53-FFF2-4FDB-9889-1A84EF51450D}" type="pres">
-      <dgm:prSet presAssocID="{4F67F5EC-AB06-423D-AB86-56058629937D}" presName="horzTwo" presStyleCnt="0"/>
-      <dgm:spPr/>
-    </dgm:pt>
-    <dgm:pt modelId="{F92CA56F-2C06-480C-995F-9095207DA7A0}" type="pres">
-      <dgm:prSet presAssocID="{D6A5685B-2B06-4AF1-A3FF-F2A8535F25A2}" presName="sibSpaceTwo" presStyleCnt="0"/>
-      <dgm:spPr/>
-    </dgm:pt>
-    <dgm:pt modelId="{C7737406-BF1E-436B-ABB8-8878BCBE324A}" type="pres">
-      <dgm:prSet presAssocID="{E6EAD457-E581-435A-93DB-F992C6A6BD6D}" presName="vertTwo" presStyleCnt="0"/>
-      <dgm:spPr/>
-    </dgm:pt>
-    <dgm:pt modelId="{5679EE47-2B1C-431D-95B9-9C12162546D3}" type="pres">
-      <dgm:prSet presAssocID="{E6EAD457-E581-435A-93DB-F992C6A6BD6D}" presName="txTwo" presStyleLbl="node2" presStyleIdx="2" presStyleCnt="6">
+      <dgm:t>
+        <a:bodyPr/>
+        <a:lstStyle/>
+        <a:p>
+          <a:endParaRPr lang="en-US"/>
+        </a:p>
+      </dgm:t>
+    </dgm:pt>
+    <dgm:pt modelId="{C7CFF830-44FE-45CE-9759-C0B793802424}" type="pres">
+      <dgm:prSet presAssocID="{D9C3E7A9-7F86-4BF4-8C07-2951349EC479}" presName="child4group" presStyleCnt="0"/>
+      <dgm:spPr/>
+    </dgm:pt>
+    <dgm:pt modelId="{AD38EE7A-C685-41D3-9F5C-1AD994465E23}" type="pres">
+      <dgm:prSet presAssocID="{D9C3E7A9-7F86-4BF4-8C07-2951349EC479}" presName="child4" presStyleLbl="bgAcc1" presStyleIdx="3" presStyleCnt="4" custScaleX="134605" custScaleY="129317" custLinFactNeighborX="-1457" custLinFactNeighborY="527"/>
+      <dgm:spPr/>
+      <dgm:t>
+        <a:bodyPr/>
+        <a:lstStyle/>
+        <a:p>
+          <a:endParaRPr lang="en-US"/>
+        </a:p>
+      </dgm:t>
+    </dgm:pt>
+    <dgm:pt modelId="{C77DE765-A400-44CD-87F0-68D93169804C}" type="pres">
+      <dgm:prSet presAssocID="{D9C3E7A9-7F86-4BF4-8C07-2951349EC479}" presName="child4Text" presStyleLbl="bgAcc1" presStyleIdx="3" presStyleCnt="4">
         <dgm:presLayoutVars>
-          <dgm:chPref val="3"/>
+          <dgm:bulletEnabled val="1"/>
         </dgm:presLayoutVars>
       </dgm:prSet>
       <dgm:spPr/>
-    </dgm:pt>
-    <dgm:pt modelId="{E3CC03AB-CDF4-403A-B8A4-079C22E397DC}" type="pres">
-      <dgm:prSet presAssocID="{E6EAD457-E581-435A-93DB-F992C6A6BD6D}" presName="horzTwo" presStyleCnt="0"/>
-      <dgm:spPr/>
-    </dgm:pt>
-    <dgm:pt modelId="{CF3A2695-49C4-409F-BA3B-74B6153593B6}" type="pres">
-      <dgm:prSet presAssocID="{944112A2-0E5D-4BA5-8858-3501FBDA99BF}" presName="sibSpaceTwo" presStyleCnt="0"/>
-      <dgm:spPr/>
-    </dgm:pt>
-    <dgm:pt modelId="{BBD79991-4D40-411C-A180-2814B1A32FFA}" type="pres">
-      <dgm:prSet presAssocID="{CD00DFE4-3DE6-4512-A2E8-E1CA67C435D9}" presName="vertTwo" presStyleCnt="0"/>
-      <dgm:spPr/>
-    </dgm:pt>
-    <dgm:pt modelId="{D6676E93-CC16-4A48-9743-891C4E0AEB10}" type="pres">
-      <dgm:prSet presAssocID="{CD00DFE4-3DE6-4512-A2E8-E1CA67C435D9}" presName="txTwo" presStyleLbl="node2" presStyleIdx="3" presStyleCnt="6">
+      <dgm:t>
+        <a:bodyPr/>
+        <a:lstStyle/>
+        <a:p>
+          <a:endParaRPr lang="en-US"/>
+        </a:p>
+      </dgm:t>
+    </dgm:pt>
+    <dgm:pt modelId="{6BE8491F-7D2C-4655-82BA-3EBC86373CEC}" type="pres">
+      <dgm:prSet presAssocID="{D9C3E7A9-7F86-4BF4-8C07-2951349EC479}" presName="childPlaceholder" presStyleCnt="0"/>
+      <dgm:spPr/>
+    </dgm:pt>
+    <dgm:pt modelId="{1912D3DD-C8BF-49FA-A475-7A4ECF455C50}" type="pres">
+      <dgm:prSet presAssocID="{D9C3E7A9-7F86-4BF4-8C07-2951349EC479}" presName="circle" presStyleCnt="0"/>
+      <dgm:spPr/>
+    </dgm:pt>
+    <dgm:pt modelId="{BAE0A4B9-FAE5-408A-9164-19C9A218F095}" type="pres">
+      <dgm:prSet presAssocID="{D9C3E7A9-7F86-4BF4-8C07-2951349EC479}" presName="quadrant1" presStyleLbl="node1" presStyleIdx="0" presStyleCnt="4">
         <dgm:presLayoutVars>
-          <dgm:chPref val="3"/>
+          <dgm:chMax val="1"/>
+          <dgm:bulletEnabled val="1"/>
         </dgm:presLayoutVars>
       </dgm:prSet>
       <dgm:spPr/>
     </dgm:pt>
-    <dgm:pt modelId="{F3375B4F-67DF-44E3-960E-6C2823E3A3AF}" type="pres">
-      <dgm:prSet presAssocID="{CD00DFE4-3DE6-4512-A2E8-E1CA67C435D9}" presName="horzTwo" presStyleCnt="0"/>
-      <dgm:spPr/>
-    </dgm:pt>
-    <dgm:pt modelId="{0B6EBA29-7E0E-4823-88CE-A327CDDDFB6C}" type="pres">
-      <dgm:prSet presAssocID="{852F9698-CFB6-484C-B259-1196C21B9722}" presName="sibSpaceTwo" presStyleCnt="0"/>
-      <dgm:spPr/>
-    </dgm:pt>
-    <dgm:pt modelId="{05FF967B-5163-493A-B0E1-803165D731AA}" type="pres">
-      <dgm:prSet presAssocID="{14E80155-D4D4-4B85-A02E-1266C09A8B5D}" presName="vertTwo" presStyleCnt="0"/>
-      <dgm:spPr/>
-    </dgm:pt>
-    <dgm:pt modelId="{5CE82B4D-5D3F-485D-A0A3-6D432205E6D4}" type="pres">
-      <dgm:prSet presAssocID="{14E80155-D4D4-4B85-A02E-1266C09A8B5D}" presName="txTwo" presStyleLbl="node2" presStyleIdx="4" presStyleCnt="6">
+    <dgm:pt modelId="{E7D18CCD-34F1-4E56-9739-0BAD073A51D3}" type="pres">
+      <dgm:prSet presAssocID="{D9C3E7A9-7F86-4BF4-8C07-2951349EC479}" presName="quadrant2" presStyleLbl="node1" presStyleIdx="1" presStyleCnt="4">
         <dgm:presLayoutVars>
-          <dgm:chPref val="3"/>
+          <dgm:chMax val="1"/>
+          <dgm:bulletEnabled val="1"/>
         </dgm:presLayoutVars>
       </dgm:prSet>
       <dgm:spPr/>
     </dgm:pt>
-    <dgm:pt modelId="{CE813A37-72D0-46E1-BF71-0442A9495026}" type="pres">
-      <dgm:prSet presAssocID="{14E80155-D4D4-4B85-A02E-1266C09A8B5D}" presName="horzTwo" presStyleCnt="0"/>
-      <dgm:spPr/>
-    </dgm:pt>
-    <dgm:pt modelId="{9AB01DCE-13B6-4244-BCA4-0C0291104BC7}" type="pres">
-      <dgm:prSet presAssocID="{9451DAE1-1D8A-46CC-BA13-C76CDC0A50E9}" presName="sibSpaceTwo" presStyleCnt="0"/>
-      <dgm:spPr/>
-    </dgm:pt>
-    <dgm:pt modelId="{4D9340D5-B5B9-42C8-8948-71D6114C0FAC}" type="pres">
-      <dgm:prSet presAssocID="{A3A62DB0-183B-450A-B72B-2F516DF3F825}" presName="vertTwo" presStyleCnt="0"/>
-      <dgm:spPr/>
-    </dgm:pt>
-    <dgm:pt modelId="{8E9322A5-B639-406C-9622-9B3F8705ACCA}" type="pres">
-      <dgm:prSet presAssocID="{A3A62DB0-183B-450A-B72B-2F516DF3F825}" presName="txTwo" presStyleLbl="node2" presStyleIdx="5" presStyleCnt="6">
+    <dgm:pt modelId="{CE6366C0-1569-4A15-B9CE-069B03284478}" type="pres">
+      <dgm:prSet presAssocID="{D9C3E7A9-7F86-4BF4-8C07-2951349EC479}" presName="quadrant3" presStyleLbl="node1" presStyleIdx="2" presStyleCnt="4">
         <dgm:presLayoutVars>
-          <dgm:chPref val="3"/>
+          <dgm:chMax val="1"/>
+          <dgm:bulletEnabled val="1"/>
         </dgm:presLayoutVars>
       </dgm:prSet>
       <dgm:spPr/>
-    </dgm:pt>
-    <dgm:pt modelId="{F9D9BA24-A6DB-4200-9BD6-F0509CCD7E32}" type="pres">
-      <dgm:prSet presAssocID="{A3A62DB0-183B-450A-B72B-2F516DF3F825}" presName="horzTwo" presStyleCnt="0"/>
+      <dgm:t>
+        <a:bodyPr/>
+        <a:lstStyle/>
+        <a:p>
+          <a:endParaRPr lang="en-US"/>
+        </a:p>
+      </dgm:t>
+    </dgm:pt>
+    <dgm:pt modelId="{E5EC745D-1674-4010-B81B-6433AC14FEEF}" type="pres">
+      <dgm:prSet presAssocID="{D9C3E7A9-7F86-4BF4-8C07-2951349EC479}" presName="quadrant4" presStyleLbl="node1" presStyleIdx="3" presStyleCnt="4">
+        <dgm:presLayoutVars>
+          <dgm:chMax val="1"/>
+          <dgm:bulletEnabled val="1"/>
+        </dgm:presLayoutVars>
+      </dgm:prSet>
+      <dgm:spPr/>
+    </dgm:pt>
+    <dgm:pt modelId="{02C6EFE9-E2DC-44B4-8B0C-159BC9C1ADB6}" type="pres">
+      <dgm:prSet presAssocID="{D9C3E7A9-7F86-4BF4-8C07-2951349EC479}" presName="quadrantPlaceholder" presStyleCnt="0"/>
+      <dgm:spPr/>
+    </dgm:pt>
+    <dgm:pt modelId="{6E259363-866B-467D-9A9E-4BF3D9F93193}" type="pres">
+      <dgm:prSet presAssocID="{D9C3E7A9-7F86-4BF4-8C07-2951349EC479}" presName="center1" presStyleLbl="fgShp" presStyleIdx="0" presStyleCnt="2"/>
+      <dgm:spPr/>
+    </dgm:pt>
+    <dgm:pt modelId="{58318B0E-53CD-492E-B093-42E8637A30F2}" type="pres">
+      <dgm:prSet presAssocID="{D9C3E7A9-7F86-4BF4-8C07-2951349EC479}" presName="center2" presStyleLbl="fgShp" presStyleIdx="1" presStyleCnt="2"/>
       <dgm:spPr/>
     </dgm:pt>
   </dgm:ptLst>
   <dgm:cxnLst>
-    <dgm:cxn modelId="{FEED560A-30FE-43AE-B505-A0201D797AC4}" type="presOf" srcId="{BCB95C1E-752C-4762-9E5A-1869423E6A59}" destId="{CCF77F0E-AC98-4B07-862D-98B0033D1E5B}" srcOrd="0" destOrd="0" presId="urn:microsoft.com/office/officeart/2005/8/layout/architecture"/>
-    <dgm:cxn modelId="{64145A8B-30D1-4D0C-8CF7-FED194616F7B}" type="presOf" srcId="{A3A62DB0-183B-450A-B72B-2F516DF3F825}" destId="{8E9322A5-B639-406C-9622-9B3F8705ACCA}" srcOrd="0" destOrd="0" presId="urn:microsoft.com/office/officeart/2005/8/layout/architecture"/>
-    <dgm:cxn modelId="{7C95CCC8-98B3-4A5F-9BD7-8BD6F723E154}" srcId="{BCB95C1E-752C-4762-9E5A-1869423E6A59}" destId="{CD00DFE4-3DE6-4512-A2E8-E1CA67C435D9}" srcOrd="3" destOrd="0" parTransId="{A2F33482-C503-4927-8EC3-69E8902C42B5}" sibTransId="{852F9698-CFB6-484C-B259-1196C21B9722}"/>
-    <dgm:cxn modelId="{139B6DBB-321A-4C04-9EE3-F817C6772E88}" srcId="{BCB95C1E-752C-4762-9E5A-1869423E6A59}" destId="{0919CB37-4152-4765-ABE3-DC23046E65BD}" srcOrd="0" destOrd="0" parTransId="{8D1D31F3-8E67-4108-B397-241D8BA9FB24}" sibTransId="{E9D0ADA9-543A-4DB7-A948-477DC020D10F}"/>
-    <dgm:cxn modelId="{C8F4FCEC-F11B-43EC-8547-8E0783868AC4}" srcId="{A57F9B01-11FA-4C63-9FBA-E6CE760896A6}" destId="{BCB95C1E-752C-4762-9E5A-1869423E6A59}" srcOrd="0" destOrd="0" parTransId="{A3C66A00-FFA2-46EF-A78E-AB8F7F356B5E}" sibTransId="{58F8EF72-0BBB-4013-943B-5A0916A47C26}"/>
-    <dgm:cxn modelId="{BE0207A3-9A37-49DB-AE73-A45711F668DA}" srcId="{BCB95C1E-752C-4762-9E5A-1869423E6A59}" destId="{A3A62DB0-183B-450A-B72B-2F516DF3F825}" srcOrd="5" destOrd="0" parTransId="{B44D7C81-D245-4A7A-8614-D22DA2C4876E}" sibTransId="{7716E262-A738-4673-9725-EB9322603E9B}"/>
-    <dgm:cxn modelId="{BD0E8CBE-E71C-4953-A22A-A2CAC698EB63}" srcId="{BCB95C1E-752C-4762-9E5A-1869423E6A59}" destId="{E6EAD457-E581-435A-93DB-F992C6A6BD6D}" srcOrd="2" destOrd="0" parTransId="{A338F4C2-9E35-4D01-9A1C-5AD874C53454}" sibTransId="{944112A2-0E5D-4BA5-8858-3501FBDA99BF}"/>
-    <dgm:cxn modelId="{ED0B6733-7697-44F1-BB8F-1B82E09DD8EE}" srcId="{BCB95C1E-752C-4762-9E5A-1869423E6A59}" destId="{14E80155-D4D4-4B85-A02E-1266C09A8B5D}" srcOrd="4" destOrd="0" parTransId="{C8E030DF-9616-41A7-8F9D-A22EF00DF04C}" sibTransId="{9451DAE1-1D8A-46CC-BA13-C76CDC0A50E9}"/>
-    <dgm:cxn modelId="{FD0CF13A-8E61-408B-8710-8D5B752E6ACE}" type="presOf" srcId="{0919CB37-4152-4765-ABE3-DC23046E65BD}" destId="{DDCD081A-6AC6-4EA7-85C2-2CBB6ACD26E5}" srcOrd="0" destOrd="0" presId="urn:microsoft.com/office/officeart/2005/8/layout/architecture"/>
-    <dgm:cxn modelId="{791D2AB8-B3E7-4C07-8B3F-6571CD37FA21}" type="presOf" srcId="{E6EAD457-E581-435A-93DB-F992C6A6BD6D}" destId="{5679EE47-2B1C-431D-95B9-9C12162546D3}" srcOrd="0" destOrd="0" presId="urn:microsoft.com/office/officeart/2005/8/layout/architecture"/>
-    <dgm:cxn modelId="{79FF377F-FA74-43DD-8CD6-8692993958B9}" type="presOf" srcId="{A57F9B01-11FA-4C63-9FBA-E6CE760896A6}" destId="{1118F7F4-18C8-4B40-8400-E6E5B9669232}" srcOrd="0" destOrd="0" presId="urn:microsoft.com/office/officeart/2005/8/layout/architecture"/>
-    <dgm:cxn modelId="{CB879D8A-F445-4242-9BE5-143FE712B1C0}" type="presOf" srcId="{CD00DFE4-3DE6-4512-A2E8-E1CA67C435D9}" destId="{D6676E93-CC16-4A48-9743-891C4E0AEB10}" srcOrd="0" destOrd="0" presId="urn:microsoft.com/office/officeart/2005/8/layout/architecture"/>
-    <dgm:cxn modelId="{E160785F-2F9C-4D09-A9D9-1982388376F5}" srcId="{BCB95C1E-752C-4762-9E5A-1869423E6A59}" destId="{4F67F5EC-AB06-423D-AB86-56058629937D}" srcOrd="1" destOrd="0" parTransId="{8FB29F64-C7CE-4901-8684-A1FE58B5070C}" sibTransId="{D6A5685B-2B06-4AF1-A3FF-F2A8535F25A2}"/>
-    <dgm:cxn modelId="{D9727751-E192-4302-9151-521CCC294A53}" type="presOf" srcId="{14E80155-D4D4-4B85-A02E-1266C09A8B5D}" destId="{5CE82B4D-5D3F-485D-A0A3-6D432205E6D4}" srcOrd="0" destOrd="0" presId="urn:microsoft.com/office/officeart/2005/8/layout/architecture"/>
-    <dgm:cxn modelId="{6318E93C-E757-4793-96BF-2D1E7658AA40}" type="presOf" srcId="{4F67F5EC-AB06-423D-AB86-56058629937D}" destId="{204864B0-CB67-4907-8F19-A5EC8786CB92}" srcOrd="0" destOrd="0" presId="urn:microsoft.com/office/officeart/2005/8/layout/architecture"/>
-    <dgm:cxn modelId="{812C7A7D-2C52-475B-AA7B-C323B9E99266}" type="presParOf" srcId="{1118F7F4-18C8-4B40-8400-E6E5B9669232}" destId="{1D3168FD-991F-49AF-9794-DF7EF1F69778}" srcOrd="0" destOrd="0" presId="urn:microsoft.com/office/officeart/2005/8/layout/architecture"/>
-    <dgm:cxn modelId="{E457B7B9-DB01-48D8-8162-1A8E38F74932}" type="presParOf" srcId="{1D3168FD-991F-49AF-9794-DF7EF1F69778}" destId="{CCF77F0E-AC98-4B07-862D-98B0033D1E5B}" srcOrd="0" destOrd="0" presId="urn:microsoft.com/office/officeart/2005/8/layout/architecture"/>
-    <dgm:cxn modelId="{09246F68-B419-43A0-9F76-561DD68A552D}" type="presParOf" srcId="{1D3168FD-991F-49AF-9794-DF7EF1F69778}" destId="{22069854-92F0-4F1E-B1FB-B6BD3B162471}" srcOrd="1" destOrd="0" presId="urn:microsoft.com/office/officeart/2005/8/layout/architecture"/>
-    <dgm:cxn modelId="{9D4F0526-6F7C-4248-81C2-7277346A8B23}" type="presParOf" srcId="{1D3168FD-991F-49AF-9794-DF7EF1F69778}" destId="{279C97DC-D018-4C57-A612-8B54C704A904}" srcOrd="2" destOrd="0" presId="urn:microsoft.com/office/officeart/2005/8/layout/architecture"/>
-    <dgm:cxn modelId="{45847440-48F2-4BC0-B59C-8D45DE5DCEC2}" type="presParOf" srcId="{279C97DC-D018-4C57-A612-8B54C704A904}" destId="{4231484C-63A9-441C-8940-09555FB21D15}" srcOrd="0" destOrd="0" presId="urn:microsoft.com/office/officeart/2005/8/layout/architecture"/>
-    <dgm:cxn modelId="{BE113125-DE69-46E1-8605-0FB5F085101F}" type="presParOf" srcId="{4231484C-63A9-441C-8940-09555FB21D15}" destId="{DDCD081A-6AC6-4EA7-85C2-2CBB6ACD26E5}" srcOrd="0" destOrd="0" presId="urn:microsoft.com/office/officeart/2005/8/layout/architecture"/>
-    <dgm:cxn modelId="{E90292E8-2E91-463D-96A9-A286B175B131}" type="presParOf" srcId="{4231484C-63A9-441C-8940-09555FB21D15}" destId="{01967554-ED26-4722-B2D4-40D7CDC429EC}" srcOrd="1" destOrd="0" presId="urn:microsoft.com/office/officeart/2005/8/layout/architecture"/>
-    <dgm:cxn modelId="{A3F51D8D-D870-45ED-9EE1-64FD37D66B93}" type="presParOf" srcId="{279C97DC-D018-4C57-A612-8B54C704A904}" destId="{E8CC9AF4-0A0C-49F9-BF6E-48481067EB1F}" srcOrd="1" destOrd="0" presId="urn:microsoft.com/office/officeart/2005/8/layout/architecture"/>
-    <dgm:cxn modelId="{10BDE452-92AB-4A95-9750-3B60B2E6063E}" type="presParOf" srcId="{279C97DC-D018-4C57-A612-8B54C704A904}" destId="{B731BE7D-A2CC-469B-AF41-FF3066029B1B}" srcOrd="2" destOrd="0" presId="urn:microsoft.com/office/officeart/2005/8/layout/architecture"/>
-    <dgm:cxn modelId="{DC4C0FC1-43CE-48F8-92E2-60681425FED9}" type="presParOf" srcId="{B731BE7D-A2CC-469B-AF41-FF3066029B1B}" destId="{204864B0-CB67-4907-8F19-A5EC8786CB92}" srcOrd="0" destOrd="0" presId="urn:microsoft.com/office/officeart/2005/8/layout/architecture"/>
-    <dgm:cxn modelId="{43C2016B-6A3F-4381-88CB-9D6088AAEA13}" type="presParOf" srcId="{B731BE7D-A2CC-469B-AF41-FF3066029B1B}" destId="{C5E67E53-FFF2-4FDB-9889-1A84EF51450D}" srcOrd="1" destOrd="0" presId="urn:microsoft.com/office/officeart/2005/8/layout/architecture"/>
-    <dgm:cxn modelId="{F598E285-10EE-4CCE-AD09-9776F98944FD}" type="presParOf" srcId="{279C97DC-D018-4C57-A612-8B54C704A904}" destId="{F92CA56F-2C06-480C-995F-9095207DA7A0}" srcOrd="3" destOrd="0" presId="urn:microsoft.com/office/officeart/2005/8/layout/architecture"/>
-    <dgm:cxn modelId="{F2062F9F-3062-4ACB-A0A7-49E715EBE8D0}" type="presParOf" srcId="{279C97DC-D018-4C57-A612-8B54C704A904}" destId="{C7737406-BF1E-436B-ABB8-8878BCBE324A}" srcOrd="4" destOrd="0" presId="urn:microsoft.com/office/officeart/2005/8/layout/architecture"/>
-    <dgm:cxn modelId="{F2B64C8C-51F6-498E-BBEF-3178F0F53178}" type="presParOf" srcId="{C7737406-BF1E-436B-ABB8-8878BCBE324A}" destId="{5679EE47-2B1C-431D-95B9-9C12162546D3}" srcOrd="0" destOrd="0" presId="urn:microsoft.com/office/officeart/2005/8/layout/architecture"/>
-    <dgm:cxn modelId="{5F33CE78-0536-486A-965C-A6858224EE75}" type="presParOf" srcId="{C7737406-BF1E-436B-ABB8-8878BCBE324A}" destId="{E3CC03AB-CDF4-403A-B8A4-079C22E397DC}" srcOrd="1" destOrd="0" presId="urn:microsoft.com/office/officeart/2005/8/layout/architecture"/>
-    <dgm:cxn modelId="{425A42EF-D9B9-4072-A6D7-40E7FC676C4E}" type="presParOf" srcId="{279C97DC-D018-4C57-A612-8B54C704A904}" destId="{CF3A2695-49C4-409F-BA3B-74B6153593B6}" srcOrd="5" destOrd="0" presId="urn:microsoft.com/office/officeart/2005/8/layout/architecture"/>
-    <dgm:cxn modelId="{5C249A2B-E8C2-4067-B4F5-6FE65E7F4860}" type="presParOf" srcId="{279C97DC-D018-4C57-A612-8B54C704A904}" destId="{BBD79991-4D40-411C-A180-2814B1A32FFA}" srcOrd="6" destOrd="0" presId="urn:microsoft.com/office/officeart/2005/8/layout/architecture"/>
-    <dgm:cxn modelId="{676750CE-1926-4E36-9B4A-B9FDB7C1F15C}" type="presParOf" srcId="{BBD79991-4D40-411C-A180-2814B1A32FFA}" destId="{D6676E93-CC16-4A48-9743-891C4E0AEB10}" srcOrd="0" destOrd="0" presId="urn:microsoft.com/office/officeart/2005/8/layout/architecture"/>
-    <dgm:cxn modelId="{B0E2BBE4-18F2-4573-9CD9-4D45D9CF1DF4}" type="presParOf" srcId="{BBD79991-4D40-411C-A180-2814B1A32FFA}" destId="{F3375B4F-67DF-44E3-960E-6C2823E3A3AF}" srcOrd="1" destOrd="0" presId="urn:microsoft.com/office/officeart/2005/8/layout/architecture"/>
-    <dgm:cxn modelId="{8966AA5F-4E59-43F5-B4C1-C92F362148D4}" type="presParOf" srcId="{279C97DC-D018-4C57-A612-8B54C704A904}" destId="{0B6EBA29-7E0E-4823-88CE-A327CDDDFB6C}" srcOrd="7" destOrd="0" presId="urn:microsoft.com/office/officeart/2005/8/layout/architecture"/>
-    <dgm:cxn modelId="{524EEEE2-BE14-4DFC-84F5-CDE0F2036E94}" type="presParOf" srcId="{279C97DC-D018-4C57-A612-8B54C704A904}" destId="{05FF967B-5163-493A-B0E1-803165D731AA}" srcOrd="8" destOrd="0" presId="urn:microsoft.com/office/officeart/2005/8/layout/architecture"/>
-    <dgm:cxn modelId="{953C73D1-88B6-4E6C-8550-387A1AA4E00F}" type="presParOf" srcId="{05FF967B-5163-493A-B0E1-803165D731AA}" destId="{5CE82B4D-5D3F-485D-A0A3-6D432205E6D4}" srcOrd="0" destOrd="0" presId="urn:microsoft.com/office/officeart/2005/8/layout/architecture"/>
-    <dgm:cxn modelId="{1B534F52-C4CE-4C0C-8B4F-DB1C6660489B}" type="presParOf" srcId="{05FF967B-5163-493A-B0E1-803165D731AA}" destId="{CE813A37-72D0-46E1-BF71-0442A9495026}" srcOrd="1" destOrd="0" presId="urn:microsoft.com/office/officeart/2005/8/layout/architecture"/>
-    <dgm:cxn modelId="{080ADADD-3920-40C9-8497-B9FB118CD09E}" type="presParOf" srcId="{279C97DC-D018-4C57-A612-8B54C704A904}" destId="{9AB01DCE-13B6-4244-BCA4-0C0291104BC7}" srcOrd="9" destOrd="0" presId="urn:microsoft.com/office/officeart/2005/8/layout/architecture"/>
-    <dgm:cxn modelId="{885B43E3-5B76-46DD-8752-FC652F4781DD}" type="presParOf" srcId="{279C97DC-D018-4C57-A612-8B54C704A904}" destId="{4D9340D5-B5B9-42C8-8948-71D6114C0FAC}" srcOrd="10" destOrd="0" presId="urn:microsoft.com/office/officeart/2005/8/layout/architecture"/>
-    <dgm:cxn modelId="{CA523809-3C12-4ADB-A61F-0924A9798650}" type="presParOf" srcId="{4D9340D5-B5B9-42C8-8948-71D6114C0FAC}" destId="{8E9322A5-B639-406C-9622-9B3F8705ACCA}" srcOrd="0" destOrd="0" presId="urn:microsoft.com/office/officeart/2005/8/layout/architecture"/>
-    <dgm:cxn modelId="{52613C09-7901-49ED-961D-72C1164441A1}" type="presParOf" srcId="{4D9340D5-B5B9-42C8-8948-71D6114C0FAC}" destId="{F9D9BA24-A6DB-4200-9BD6-F0509CCD7E32}" srcOrd="1" destOrd="0" presId="urn:microsoft.com/office/officeart/2005/8/layout/architecture"/>
+    <dgm:cxn modelId="{16ECF133-6871-4672-80D8-FA6832A6F0CE}" type="presOf" srcId="{1BA1DE21-EB93-4CE6-9A6B-B574FECD5615}" destId="{516B9BFA-5E3B-40B6-98AD-BE837D1FBAD6}" srcOrd="0" destOrd="1" presId="urn:microsoft.com/office/officeart/2005/8/layout/cycle4"/>
+    <dgm:cxn modelId="{68CBD31C-30B7-4269-91DA-8389ABEA3D7E}" type="presOf" srcId="{1035A200-9935-4B25-B536-AED5C4DA8672}" destId="{F75FBA98-67BE-4263-8A0A-0D314360C4A0}" srcOrd="0" destOrd="5" presId="urn:microsoft.com/office/officeart/2005/8/layout/cycle4"/>
+    <dgm:cxn modelId="{ACD35FB6-F067-4D28-8B6B-937F50D8418A}" type="presOf" srcId="{60CDEA60-515D-41D5-B343-C3BEA98CD4F0}" destId="{605F24D5-A60D-4553-8923-B595404D4D94}" srcOrd="1" destOrd="1" presId="urn:microsoft.com/office/officeart/2005/8/layout/cycle4"/>
+    <dgm:cxn modelId="{F91C7B9E-D22B-4CA8-98D7-80D9FAC742C1}" srcId="{2D031A4E-6057-48B1-8E38-36E548142570}" destId="{1035A200-9935-4B25-B536-AED5C4DA8672}" srcOrd="5" destOrd="0" parTransId="{0E9D1C3D-2883-4A91-98B3-621B5C46E299}" sibTransId="{F4B959AD-B54E-4284-BA51-42781B7FD144}"/>
+    <dgm:cxn modelId="{76B31920-B53D-4F59-8168-55EB09F98F85}" srcId="{2D031A4E-6057-48B1-8E38-36E548142570}" destId="{4EB8D186-E220-4E05-A26C-955A383F2873}" srcOrd="0" destOrd="0" parTransId="{B29A5818-0C55-4ACF-96BE-BBB97DDAAC1B}" sibTransId="{C9F8D9DA-A0FA-4D86-9610-80A945B1B906}"/>
+    <dgm:cxn modelId="{F902AB7F-153F-4E21-BBAA-EAB035F9017F}" srcId="{229CC658-17F7-485B-81E6-84C5CB64CE56}" destId="{D198EF0E-3CF7-4B4F-BDB9-3AB7051FFB66}" srcOrd="4" destOrd="0" parTransId="{0BE4D4C2-203C-4E40-AAE4-4ACDA568B7F9}" sibTransId="{55FD516A-40EA-4BE5-AC48-D95C76AD26C6}"/>
+    <dgm:cxn modelId="{CA9D2AEB-B32A-4E49-9A3C-55151282A204}" type="presOf" srcId="{80022D65-0DCA-4F7B-8BD9-E6BCCD73228A}" destId="{74C15D2B-43BE-409A-99E1-4C7BEA41372F}" srcOrd="0" destOrd="7" presId="urn:microsoft.com/office/officeart/2005/8/layout/cycle4"/>
+    <dgm:cxn modelId="{DED88F09-7815-404B-A50F-63B698882E39}" srcId="{229CC658-17F7-485B-81E6-84C5CB64CE56}" destId="{9689A84C-BDA3-4774-8EB3-7EF22590FCE2}" srcOrd="7" destOrd="0" parTransId="{0B68BB9D-4DB3-4652-A3D2-A873B7C14530}" sibTransId="{5E755F08-B40D-44A7-9A12-FEA1E6BBF71F}"/>
+    <dgm:cxn modelId="{58FC554E-7DDA-4FB8-A5DD-81D70DFDBAFB}" srcId="{229CC658-17F7-485B-81E6-84C5CB64CE56}" destId="{1368CFE3-0A9A-4B36-836B-1AEBC9940E5C}" srcOrd="0" destOrd="0" parTransId="{A9935997-E691-4930-9C50-55F66FDFC3AF}" sibTransId="{E05C4454-A2B5-4D64-8689-B4220015A2E9}"/>
+    <dgm:cxn modelId="{01CB87FF-F202-4B2A-B4FE-316CBC149181}" type="presOf" srcId="{D9C3E7A9-7F86-4BF4-8C07-2951349EC479}" destId="{E4D92571-920E-43BC-919F-5928D57BFA1E}" srcOrd="0" destOrd="0" presId="urn:microsoft.com/office/officeart/2005/8/layout/cycle4"/>
+    <dgm:cxn modelId="{F32E7FE6-5AC1-4A85-B2A3-5502E9D41061}" srcId="{5B70F174-ADD8-4DEE-99BE-5DC989B830BF}" destId="{C41856E4-530A-496E-AC21-C205B74442A6}" srcOrd="2" destOrd="0" parTransId="{88B101FD-94F2-49C6-B8FD-8B4F75CD96B1}" sibTransId="{E17AAFEF-CB23-4DD1-9CD3-2752BDD83248}"/>
+    <dgm:cxn modelId="{AA0AC17F-CEB8-46BA-A1EF-8EB97FD3FFE5}" srcId="{2D031A4E-6057-48B1-8E38-36E548142570}" destId="{F741F96D-B7AD-4AE3-BDA5-DD267068A900}" srcOrd="2" destOrd="0" parTransId="{3A9A95E2-63DE-4C13-936A-F943975D2489}" sibTransId="{F3087C21-FC40-45D7-B0E3-7242138A6845}"/>
+    <dgm:cxn modelId="{B8806814-4239-4470-B0DB-EC0E4A137561}" type="presOf" srcId="{CA061732-50DD-484B-BF24-E4DA221DF899}" destId="{74C15D2B-43BE-409A-99E1-4C7BEA41372F}" srcOrd="0" destOrd="1" presId="urn:microsoft.com/office/officeart/2005/8/layout/cycle4"/>
+    <dgm:cxn modelId="{18E5E326-788E-42E6-BE34-5F6BC66D82D6}" type="presOf" srcId="{72FD9F94-88C9-476D-8C9A-919906938157}" destId="{74C15D2B-43BE-409A-99E1-4C7BEA41372F}" srcOrd="0" destOrd="0" presId="urn:microsoft.com/office/officeart/2005/8/layout/cycle4"/>
+    <dgm:cxn modelId="{3327E38B-5462-45A5-A73A-D62FC3C385F0}" type="presOf" srcId="{160CA465-8075-4F42-8EDF-E0C0D4EE26B5}" destId="{F3D78921-DB83-4087-84BF-CA064380971F}" srcOrd="1" destOrd="2" presId="urn:microsoft.com/office/officeart/2005/8/layout/cycle4"/>
+    <dgm:cxn modelId="{6D0BA419-FE5A-4451-910F-78D614926B4C}" type="presOf" srcId="{CA061732-50DD-484B-BF24-E4DA221DF899}" destId="{D6F62F48-A955-4BD3-9DA6-0F478957AD9F}" srcOrd="1" destOrd="1" presId="urn:microsoft.com/office/officeart/2005/8/layout/cycle4"/>
+    <dgm:cxn modelId="{872AF686-98A8-4093-8AE2-0FF738560D63}" type="presOf" srcId="{DD802DD3-B6E1-4B43-BF19-D3CAC637B644}" destId="{516B9BFA-5E3B-40B6-98AD-BE837D1FBAD6}" srcOrd="0" destOrd="3" presId="urn:microsoft.com/office/officeart/2005/8/layout/cycle4"/>
+    <dgm:cxn modelId="{57AB4779-EDC9-4C69-91A8-6CFBA1600D9C}" type="presOf" srcId="{59CDB8F9-340E-4420-A169-C50DA754611D}" destId="{74C15D2B-43BE-409A-99E1-4C7BEA41372F}" srcOrd="0" destOrd="6" presId="urn:microsoft.com/office/officeart/2005/8/layout/cycle4"/>
+    <dgm:cxn modelId="{651F8C68-394E-4BC3-B639-01D29ACA0F5E}" type="presOf" srcId="{1D9DA52D-6A98-4C75-9627-0E05EB9F6AE8}" destId="{74C15D2B-43BE-409A-99E1-4C7BEA41372F}" srcOrd="0" destOrd="4" presId="urn:microsoft.com/office/officeart/2005/8/layout/cycle4"/>
+    <dgm:cxn modelId="{7DA65181-EAFB-46D8-98E6-E7716A599EFE}" srcId="{2D031A4E-6057-48B1-8E38-36E548142570}" destId="{FA152986-4468-4ADC-9BD1-E754AD98A0F0}" srcOrd="4" destOrd="0" parTransId="{2539D9DF-33F4-4531-9565-9FDAF4DB711C}" sibTransId="{B679F5A3-A14E-4C1C-A9A2-54A0940EE994}"/>
+    <dgm:cxn modelId="{F4471316-DBB4-4AD8-8781-8257CA393836}" type="presOf" srcId="{FF530DEB-F94C-4450-94CD-ABAE1A73C6E0}" destId="{516B9BFA-5E3B-40B6-98AD-BE837D1FBAD6}" srcOrd="0" destOrd="6" presId="urn:microsoft.com/office/officeart/2005/8/layout/cycle4"/>
+    <dgm:cxn modelId="{3169CC56-6EA9-4CCD-B648-419112024CA2}" srcId="{2D031A4E-6057-48B1-8E38-36E548142570}" destId="{60CDEA60-515D-41D5-B343-C3BEA98CD4F0}" srcOrd="1" destOrd="0" parTransId="{0BCEFBA4-62B2-4A19-A1AD-43B402EE1D0D}" sibTransId="{92993B39-66E8-4C33-B5D8-09B5119D7E62}"/>
+    <dgm:cxn modelId="{EEEABA77-4253-4A73-AB2D-C4ECAD909F16}" srcId="{229CC658-17F7-485B-81E6-84C5CB64CE56}" destId="{160CA465-8075-4F42-8EDF-E0C0D4EE26B5}" srcOrd="2" destOrd="0" parTransId="{DE222E17-B1B2-4192-BAED-2DED11422A4D}" sibTransId="{61FC8075-1324-460A-A27E-7866CEAC9890}"/>
+    <dgm:cxn modelId="{5A5C28F9-6CC6-4B64-9C2A-BC38F3104F86}" srcId="{D9C3E7A9-7F86-4BF4-8C07-2951349EC479}" destId="{229CC658-17F7-485B-81E6-84C5CB64CE56}" srcOrd="1" destOrd="0" parTransId="{5CD5D26E-2272-41B0-8078-4441758FDDBF}" sibTransId="{29880934-D545-4E63-9FC6-DD5BEBC18274}"/>
+    <dgm:cxn modelId="{8CB3C452-B6B2-4A0A-94A1-37AC4E48045C}" type="presOf" srcId="{C188AC6A-D555-4C98-A6B2-82002D1E5D97}" destId="{AD38EE7A-C685-41D3-9F5C-1AD994465E23}" srcOrd="0" destOrd="2" presId="urn:microsoft.com/office/officeart/2005/8/layout/cycle4"/>
+    <dgm:cxn modelId="{6137ECF8-E649-439C-8C78-8681B002636D}" type="presOf" srcId="{F741F96D-B7AD-4AE3-BDA5-DD267068A900}" destId="{605F24D5-A60D-4553-8923-B595404D4D94}" srcOrd="1" destOrd="2" presId="urn:microsoft.com/office/officeart/2005/8/layout/cycle4"/>
+    <dgm:cxn modelId="{F704A69A-457C-4F89-B559-5FFF6C63B101}" type="presOf" srcId="{229CC658-17F7-485B-81E6-84C5CB64CE56}" destId="{E7D18CCD-34F1-4E56-9739-0BAD073A51D3}" srcOrd="0" destOrd="0" presId="urn:microsoft.com/office/officeart/2005/8/layout/cycle4"/>
+    <dgm:cxn modelId="{6151EA3D-1164-482F-A7F7-E82F5E53EDA3}" type="presOf" srcId="{80022D65-0DCA-4F7B-8BD9-E6BCCD73228A}" destId="{D6F62F48-A955-4BD3-9DA6-0F478957AD9F}" srcOrd="1" destOrd="7" presId="urn:microsoft.com/office/officeart/2005/8/layout/cycle4"/>
+    <dgm:cxn modelId="{1C247A1A-ADC0-4595-B51E-CBDE2D9D832A}" type="presOf" srcId="{62CAA66D-FD6E-4EB1-944B-47B25173CA0D}" destId="{C77DE765-A400-44CD-87F0-68D93169804C}" srcOrd="1" destOrd="0" presId="urn:microsoft.com/office/officeart/2005/8/layout/cycle4"/>
+    <dgm:cxn modelId="{AFDB3887-2A40-4741-896B-61FC10642C6F}" type="presOf" srcId="{FA152986-4468-4ADC-9BD1-E754AD98A0F0}" destId="{F75FBA98-67BE-4263-8A0A-0D314360C4A0}" srcOrd="0" destOrd="4" presId="urn:microsoft.com/office/officeart/2005/8/layout/cycle4"/>
+    <dgm:cxn modelId="{AF54E96B-1184-465E-879A-2776600CB17B}" type="presOf" srcId="{9689A84C-BDA3-4774-8EB3-7EF22590FCE2}" destId="{516B9BFA-5E3B-40B6-98AD-BE837D1FBAD6}" srcOrd="0" destOrd="7" presId="urn:microsoft.com/office/officeart/2005/8/layout/cycle4"/>
+    <dgm:cxn modelId="{03703636-9139-463C-9E34-5D1BC0189159}" type="presOf" srcId="{4EB8D186-E220-4E05-A26C-955A383F2873}" destId="{F75FBA98-67BE-4263-8A0A-0D314360C4A0}" srcOrd="0" destOrd="0" presId="urn:microsoft.com/office/officeart/2005/8/layout/cycle4"/>
+    <dgm:cxn modelId="{1DB9E549-2AC6-47AF-BE00-320097EF9399}" srcId="{FBCE19A3-D721-4B98-A277-3D19566594AA}" destId="{45D7C66C-21A9-4954-A2F5-DAFC1289AE71}" srcOrd="1" destOrd="0" parTransId="{68A63A06-EE73-4ABE-A59D-FB2EBF87DA47}" sibTransId="{4F095B39-A51A-429B-8B9D-29DEF454FC27}"/>
+    <dgm:cxn modelId="{0B448980-5FA5-4E0A-B7FD-9AF38798058E}" type="presOf" srcId="{12CEFC82-130D-4334-8520-475EDE57E5DA}" destId="{F75FBA98-67BE-4263-8A0A-0D314360C4A0}" srcOrd="0" destOrd="3" presId="urn:microsoft.com/office/officeart/2005/8/layout/cycle4"/>
+    <dgm:cxn modelId="{A16A0485-D183-4E72-A835-426546960057}" srcId="{FBCE19A3-D721-4B98-A277-3D19566594AA}" destId="{C188AC6A-D555-4C98-A6B2-82002D1E5D97}" srcOrd="2" destOrd="0" parTransId="{35379D12-FE00-49CF-B79B-2D9068AD872B}" sibTransId="{4F554B4B-E2B7-4441-9DE5-FC206D280D80}"/>
+    <dgm:cxn modelId="{ED20A277-C23B-42D3-A730-AEB4D1985E76}" type="presOf" srcId="{550EAA0D-A91C-4EEB-96C3-7709F12F2935}" destId="{D6F62F48-A955-4BD3-9DA6-0F478957AD9F}" srcOrd="1" destOrd="5" presId="urn:microsoft.com/office/officeart/2005/8/layout/cycle4"/>
+    <dgm:cxn modelId="{411F0D8E-DD2A-448F-981A-A42B6006A1DE}" srcId="{5B70F174-ADD8-4DEE-99BE-5DC989B830BF}" destId="{CA061732-50DD-484B-BF24-E4DA221DF899}" srcOrd="1" destOrd="0" parTransId="{9F71BB44-68DD-4C31-8C31-45D4DF31AA92}" sibTransId="{93905A20-C5F0-4C40-B7F3-0D29B2AB668B}"/>
+    <dgm:cxn modelId="{BF86B2F6-8F56-401F-BFF2-F2483E0B3AD2}" type="presOf" srcId="{D198EF0E-3CF7-4B4F-BDB9-3AB7051FFB66}" destId="{F3D78921-DB83-4087-84BF-CA064380971F}" srcOrd="1" destOrd="4" presId="urn:microsoft.com/office/officeart/2005/8/layout/cycle4"/>
+    <dgm:cxn modelId="{11DF155A-FB7D-4671-AC3C-77F22095514C}" type="presOf" srcId="{DDDE02D3-42D4-4C16-B293-6FF0F0003A22}" destId="{74C15D2B-43BE-409A-99E1-4C7BEA41372F}" srcOrd="0" destOrd="3" presId="urn:microsoft.com/office/officeart/2005/8/layout/cycle4"/>
+    <dgm:cxn modelId="{87B023D0-E46D-4BAB-AF48-4A05D18587A5}" type="presOf" srcId="{60CDEA60-515D-41D5-B343-C3BEA98CD4F0}" destId="{F75FBA98-67BE-4263-8A0A-0D314360C4A0}" srcOrd="0" destOrd="1" presId="urn:microsoft.com/office/officeart/2005/8/layout/cycle4"/>
+    <dgm:cxn modelId="{9EA661FA-F9EA-4F7B-B002-43871227EFF0}" type="presOf" srcId="{5B70F174-ADD8-4DEE-99BE-5DC989B830BF}" destId="{BAE0A4B9-FAE5-408A-9164-19C9A218F095}" srcOrd="0" destOrd="0" presId="urn:microsoft.com/office/officeart/2005/8/layout/cycle4"/>
+    <dgm:cxn modelId="{FA4F1599-63D9-45B1-9F9C-DAE45CAB2059}" type="presOf" srcId="{FBCE19A3-D721-4B98-A277-3D19566594AA}" destId="{E5EC745D-1674-4010-B81B-6433AC14FEEF}" srcOrd="0" destOrd="0" presId="urn:microsoft.com/office/officeart/2005/8/layout/cycle4"/>
+    <dgm:cxn modelId="{64478AA8-404C-49B8-9C22-F91D99C65B8A}" srcId="{5B70F174-ADD8-4DEE-99BE-5DC989B830BF}" destId="{550EAA0D-A91C-4EEB-96C3-7709F12F2935}" srcOrd="5" destOrd="0" parTransId="{48D0AE93-2B0A-4B1F-BE95-80759E5B5550}" sibTransId="{E126B19B-4D80-4654-B028-A637DD19CCD8}"/>
+    <dgm:cxn modelId="{6363F2C2-D1D8-4BC6-8249-D18A6A2FBD70}" srcId="{229CC658-17F7-485B-81E6-84C5CB64CE56}" destId="{DD802DD3-B6E1-4B43-BF19-D3CAC637B644}" srcOrd="3" destOrd="0" parTransId="{3B6F9243-F6C3-413F-9D56-B2EB01303651}" sibTransId="{BFB26EB0-8A6E-42BD-8A6C-EF6FED81CE7F}"/>
+    <dgm:cxn modelId="{2FC24792-74FC-4D58-8631-BBDD94D0E52D}" srcId="{5B70F174-ADD8-4DEE-99BE-5DC989B830BF}" destId="{DDDE02D3-42D4-4C16-B293-6FF0F0003A22}" srcOrd="3" destOrd="0" parTransId="{C5D01856-A430-4CE9-9BC1-FBAC6B0BC425}" sibTransId="{68DBB093-8AC7-4281-AE2E-7D0D38DDC5A7}"/>
+    <dgm:cxn modelId="{5104EB82-6A9C-4AB3-ABBD-D99487C04AA5}" type="presOf" srcId="{4EB8D186-E220-4E05-A26C-955A383F2873}" destId="{605F24D5-A60D-4553-8923-B595404D4D94}" srcOrd="1" destOrd="0" presId="urn:microsoft.com/office/officeart/2005/8/layout/cycle4"/>
+    <dgm:cxn modelId="{6D904414-526B-45B7-9892-75DCFDA17A1A}" type="presOf" srcId="{590800F9-C1B5-4675-A3AB-D811E378AF05}" destId="{516B9BFA-5E3B-40B6-98AD-BE837D1FBAD6}" srcOrd="0" destOrd="5" presId="urn:microsoft.com/office/officeart/2005/8/layout/cycle4"/>
+    <dgm:cxn modelId="{D86D5110-CA4F-472E-81A4-3913A849F320}" type="presOf" srcId="{45D7C66C-21A9-4954-A2F5-DAFC1289AE71}" destId="{AD38EE7A-C685-41D3-9F5C-1AD994465E23}" srcOrd="0" destOrd="1" presId="urn:microsoft.com/office/officeart/2005/8/layout/cycle4"/>
+    <dgm:cxn modelId="{898C26E6-ACBE-4333-B8B8-3726CD591357}" type="presOf" srcId="{F741F96D-B7AD-4AE3-BDA5-DD267068A900}" destId="{F75FBA98-67BE-4263-8A0A-0D314360C4A0}" srcOrd="0" destOrd="2" presId="urn:microsoft.com/office/officeart/2005/8/layout/cycle4"/>
+    <dgm:cxn modelId="{7B317A10-AA1A-4705-BFE8-E98D5DF0E9B4}" type="presOf" srcId="{C188AC6A-D555-4C98-A6B2-82002D1E5D97}" destId="{C77DE765-A400-44CD-87F0-68D93169804C}" srcOrd="1" destOrd="2" presId="urn:microsoft.com/office/officeart/2005/8/layout/cycle4"/>
+    <dgm:cxn modelId="{3889F5E9-8DF9-48A3-9B78-597CB21ED848}" type="presOf" srcId="{160CA465-8075-4F42-8EDF-E0C0D4EE26B5}" destId="{516B9BFA-5E3B-40B6-98AD-BE837D1FBAD6}" srcOrd="0" destOrd="2" presId="urn:microsoft.com/office/officeart/2005/8/layout/cycle4"/>
+    <dgm:cxn modelId="{AA7E0755-0270-4E49-8D89-3B3AC0DEE98E}" srcId="{5B70F174-ADD8-4DEE-99BE-5DC989B830BF}" destId="{72FD9F94-88C9-476D-8C9A-919906938157}" srcOrd="0" destOrd="0" parTransId="{A5CD97F5-F1A1-4B0C-B345-C762C11900C5}" sibTransId="{E9E65D82-79B5-4DCE-835B-1B39AB75ED07}"/>
+    <dgm:cxn modelId="{977B859E-070B-45D0-ACE5-6770A266FA71}" type="presOf" srcId="{72FD9F94-88C9-476D-8C9A-919906938157}" destId="{D6F62F48-A955-4BD3-9DA6-0F478957AD9F}" srcOrd="1" destOrd="0" presId="urn:microsoft.com/office/officeart/2005/8/layout/cycle4"/>
+    <dgm:cxn modelId="{68563AEC-F4C4-4483-82E8-4051AAB0F6ED}" type="presOf" srcId="{9689A84C-BDA3-4774-8EB3-7EF22590FCE2}" destId="{F3D78921-DB83-4087-84BF-CA064380971F}" srcOrd="1" destOrd="7" presId="urn:microsoft.com/office/officeart/2005/8/layout/cycle4"/>
+    <dgm:cxn modelId="{D31C5200-6B99-4658-9916-AC2CD07F7B17}" srcId="{229CC658-17F7-485B-81E6-84C5CB64CE56}" destId="{1BA1DE21-EB93-4CE6-9A6B-B574FECD5615}" srcOrd="1" destOrd="0" parTransId="{617FD20E-684B-48DE-8CF7-9F8BD7B91120}" sibTransId="{AAC983AB-0B94-4C0A-90E9-392305E80872}"/>
+    <dgm:cxn modelId="{07CF636A-0C2B-44C9-ABF7-7A4CA3145B7F}" type="presOf" srcId="{DDDE02D3-42D4-4C16-B293-6FF0F0003A22}" destId="{D6F62F48-A955-4BD3-9DA6-0F478957AD9F}" srcOrd="1" destOrd="3" presId="urn:microsoft.com/office/officeart/2005/8/layout/cycle4"/>
+    <dgm:cxn modelId="{B668EBC8-3194-4F16-B98F-D077D3AA1BCB}" srcId="{D9C3E7A9-7F86-4BF4-8C07-2951349EC479}" destId="{FBCE19A3-D721-4B98-A277-3D19566594AA}" srcOrd="3" destOrd="0" parTransId="{37587B53-9AFA-413A-A19C-0614993DFCDE}" sibTransId="{B00D2F5D-2F06-4066-9729-05C0503B7AD4}"/>
+    <dgm:cxn modelId="{36403276-6FD7-4668-B103-79399F018718}" type="presOf" srcId="{1368CFE3-0A9A-4B36-836B-1AEBC9940E5C}" destId="{F3D78921-DB83-4087-84BF-CA064380971F}" srcOrd="1" destOrd="0" presId="urn:microsoft.com/office/officeart/2005/8/layout/cycle4"/>
+    <dgm:cxn modelId="{0DC33318-D64F-430F-BA36-A312F690027D}" type="presOf" srcId="{45D7C66C-21A9-4954-A2F5-DAFC1289AE71}" destId="{C77DE765-A400-44CD-87F0-68D93169804C}" srcOrd="1" destOrd="1" presId="urn:microsoft.com/office/officeart/2005/8/layout/cycle4"/>
+    <dgm:cxn modelId="{3EF90842-27A3-4AAB-BDB4-CD6F7D687FF0}" srcId="{229CC658-17F7-485B-81E6-84C5CB64CE56}" destId="{590800F9-C1B5-4675-A3AB-D811E378AF05}" srcOrd="5" destOrd="0" parTransId="{6FC8296F-9C36-4858-A38A-FDCA4AB7324D}" sibTransId="{1E991C9A-5816-4263-B847-1C62E1EC2BC1}"/>
+    <dgm:cxn modelId="{5A6D3E64-9EF3-48E1-A60A-466B5CF5A531}" type="presOf" srcId="{550EAA0D-A91C-4EEB-96C3-7709F12F2935}" destId="{74C15D2B-43BE-409A-99E1-4C7BEA41372F}" srcOrd="0" destOrd="5" presId="urn:microsoft.com/office/officeart/2005/8/layout/cycle4"/>
+    <dgm:cxn modelId="{C952C476-775B-458C-9CEC-F0D13814672C}" type="presOf" srcId="{62CAA66D-FD6E-4EB1-944B-47B25173CA0D}" destId="{AD38EE7A-C685-41D3-9F5C-1AD994465E23}" srcOrd="0" destOrd="0" presId="urn:microsoft.com/office/officeart/2005/8/layout/cycle4"/>
+    <dgm:cxn modelId="{2E45A873-4F1C-468B-92C3-7A652D19035A}" type="presOf" srcId="{D198EF0E-3CF7-4B4F-BDB9-3AB7051FFB66}" destId="{516B9BFA-5E3B-40B6-98AD-BE837D1FBAD6}" srcOrd="0" destOrd="4" presId="urn:microsoft.com/office/officeart/2005/8/layout/cycle4"/>
+    <dgm:cxn modelId="{2F1FDE87-B967-4164-A09C-5FEF9E9D5FE1}" type="presOf" srcId="{FF530DEB-F94C-4450-94CD-ABAE1A73C6E0}" destId="{F3D78921-DB83-4087-84BF-CA064380971F}" srcOrd="1" destOrd="6" presId="urn:microsoft.com/office/officeart/2005/8/layout/cycle4"/>
+    <dgm:cxn modelId="{2278E8E3-B906-4D35-BE1A-EB4910E7D964}" type="presOf" srcId="{C41856E4-530A-496E-AC21-C205B74442A6}" destId="{D6F62F48-A955-4BD3-9DA6-0F478957AD9F}" srcOrd="1" destOrd="2" presId="urn:microsoft.com/office/officeart/2005/8/layout/cycle4"/>
+    <dgm:cxn modelId="{5CDB0996-7166-49CB-8D1D-4A34A83672B3}" srcId="{229CC658-17F7-485B-81E6-84C5CB64CE56}" destId="{FF530DEB-F94C-4450-94CD-ABAE1A73C6E0}" srcOrd="6" destOrd="0" parTransId="{D5794C1B-E87D-4F24-B354-71C1E5733589}" sibTransId="{C4A235A8-166B-4FB6-AF03-FD5C27F28E2A}"/>
+    <dgm:cxn modelId="{08FB9D3A-181E-4465-80E4-18D9B04A2D64}" type="presOf" srcId="{1368CFE3-0A9A-4B36-836B-1AEBC9940E5C}" destId="{516B9BFA-5E3B-40B6-98AD-BE837D1FBAD6}" srcOrd="0" destOrd="0" presId="urn:microsoft.com/office/officeart/2005/8/layout/cycle4"/>
+    <dgm:cxn modelId="{532B050E-3CD1-4A52-B28B-04338F16358D}" type="presOf" srcId="{C41856E4-530A-496E-AC21-C205B74442A6}" destId="{74C15D2B-43BE-409A-99E1-4C7BEA41372F}" srcOrd="0" destOrd="2" presId="urn:microsoft.com/office/officeart/2005/8/layout/cycle4"/>
+    <dgm:cxn modelId="{C68D1C28-9F54-452A-9B8F-C75B7F560325}" type="presOf" srcId="{FA152986-4468-4ADC-9BD1-E754AD98A0F0}" destId="{605F24D5-A60D-4553-8923-B595404D4D94}" srcOrd="1" destOrd="4" presId="urn:microsoft.com/office/officeart/2005/8/layout/cycle4"/>
+    <dgm:cxn modelId="{FC45F6D2-CDDB-49E2-8BBB-47A7781031C9}" type="presOf" srcId="{1035A200-9935-4B25-B536-AED5C4DA8672}" destId="{605F24D5-A60D-4553-8923-B595404D4D94}" srcOrd="1" destOrd="5" presId="urn:microsoft.com/office/officeart/2005/8/layout/cycle4"/>
+    <dgm:cxn modelId="{AFDE4B30-01FF-4576-8F6D-F2C0EBE36F5C}" type="presOf" srcId="{2D031A4E-6057-48B1-8E38-36E548142570}" destId="{CE6366C0-1569-4A15-B9CE-069B03284478}" srcOrd="0" destOrd="0" presId="urn:microsoft.com/office/officeart/2005/8/layout/cycle4"/>
+    <dgm:cxn modelId="{499E44CC-2CB2-4528-97F0-F8BBA4D674B6}" srcId="{5B70F174-ADD8-4DEE-99BE-5DC989B830BF}" destId="{59CDB8F9-340E-4420-A169-C50DA754611D}" srcOrd="6" destOrd="0" parTransId="{748233B8-7A51-454A-8FF0-22FF75ABDD05}" sibTransId="{18721ECF-F419-40E0-91F1-7E29C124253E}"/>
+    <dgm:cxn modelId="{B348D484-452E-4483-B6CB-6FD5D0ACC3CF}" type="presOf" srcId="{12CEFC82-130D-4334-8520-475EDE57E5DA}" destId="{605F24D5-A60D-4553-8923-B595404D4D94}" srcOrd="1" destOrd="3" presId="urn:microsoft.com/office/officeart/2005/8/layout/cycle4"/>
+    <dgm:cxn modelId="{4EA35104-5F82-489D-A435-749F40C3EA17}" srcId="{D9C3E7A9-7F86-4BF4-8C07-2951349EC479}" destId="{2D031A4E-6057-48B1-8E38-36E548142570}" srcOrd="2" destOrd="0" parTransId="{AF5A884B-A401-4CE5-A5A5-D7E3D7B5029D}" sibTransId="{A685FA63-6EB1-48D5-8302-E60C75F994D0}"/>
+    <dgm:cxn modelId="{B7EE06F7-E064-479E-86C6-0E1239D2A18D}" srcId="{2D031A4E-6057-48B1-8E38-36E548142570}" destId="{12CEFC82-130D-4334-8520-475EDE57E5DA}" srcOrd="3" destOrd="0" parTransId="{D3965C26-931D-447D-8310-F6CFDA7E39B7}" sibTransId="{0465163C-7C84-4484-B6C2-86DBCDEFD942}"/>
+    <dgm:cxn modelId="{6D720B58-9E51-4812-98A5-97883FFAF449}" type="presOf" srcId="{DD802DD3-B6E1-4B43-BF19-D3CAC637B644}" destId="{F3D78921-DB83-4087-84BF-CA064380971F}" srcOrd="1" destOrd="3" presId="urn:microsoft.com/office/officeart/2005/8/layout/cycle4"/>
+    <dgm:cxn modelId="{7A3859B1-345E-4014-8414-58E70C6C74FA}" srcId="{D9C3E7A9-7F86-4BF4-8C07-2951349EC479}" destId="{5B70F174-ADD8-4DEE-99BE-5DC989B830BF}" srcOrd="0" destOrd="0" parTransId="{020D26D6-E925-43B8-8CBC-050FD7CC78E9}" sibTransId="{4600B8B0-7994-4097-976D-D95042D10283}"/>
+    <dgm:cxn modelId="{107FB629-D55E-4D6E-973E-C99DCBB191F3}" type="presOf" srcId="{1D9DA52D-6A98-4C75-9627-0E05EB9F6AE8}" destId="{D6F62F48-A955-4BD3-9DA6-0F478957AD9F}" srcOrd="1" destOrd="4" presId="urn:microsoft.com/office/officeart/2005/8/layout/cycle4"/>
+    <dgm:cxn modelId="{2155981B-A79F-4912-8A22-0E3836C90085}" srcId="{FBCE19A3-D721-4B98-A277-3D19566594AA}" destId="{62CAA66D-FD6E-4EB1-944B-47B25173CA0D}" srcOrd="0" destOrd="0" parTransId="{0E4A5483-2E3C-4FE1-B15B-293C64CD473A}" sibTransId="{ACA27EB5-D52A-491E-92D5-0EE312129358}"/>
+    <dgm:cxn modelId="{F4B34777-0F3E-4FFC-ABF9-359A29C415E1}" srcId="{5B70F174-ADD8-4DEE-99BE-5DC989B830BF}" destId="{80022D65-0DCA-4F7B-8BD9-E6BCCD73228A}" srcOrd="7" destOrd="0" parTransId="{158FFDB6-F48A-4205-B53E-59F0598B292E}" sibTransId="{04C046E4-FDA9-4076-9724-915853037DA0}"/>
+    <dgm:cxn modelId="{69C62545-8E25-421C-A8A0-9EC2C83CFB0D}" type="presOf" srcId="{590800F9-C1B5-4675-A3AB-D811E378AF05}" destId="{F3D78921-DB83-4087-84BF-CA064380971F}" srcOrd="1" destOrd="5" presId="urn:microsoft.com/office/officeart/2005/8/layout/cycle4"/>
+    <dgm:cxn modelId="{B31C5908-9AAA-4D03-84CD-0049A634DCE1}" type="presOf" srcId="{1BA1DE21-EB93-4CE6-9A6B-B574FECD5615}" destId="{F3D78921-DB83-4087-84BF-CA064380971F}" srcOrd="1" destOrd="1" presId="urn:microsoft.com/office/officeart/2005/8/layout/cycle4"/>
+    <dgm:cxn modelId="{3E71458E-543A-48BD-BC22-20679DF5886E}" type="presOf" srcId="{59CDB8F9-340E-4420-A169-C50DA754611D}" destId="{D6F62F48-A955-4BD3-9DA6-0F478957AD9F}" srcOrd="1" destOrd="6" presId="urn:microsoft.com/office/officeart/2005/8/layout/cycle4"/>
+    <dgm:cxn modelId="{691F5C61-28E1-45A8-8F78-9BE994144515}" srcId="{5B70F174-ADD8-4DEE-99BE-5DC989B830BF}" destId="{1D9DA52D-6A98-4C75-9627-0E05EB9F6AE8}" srcOrd="4" destOrd="0" parTransId="{79A73D1C-DCEE-49E4-B35A-9BCC7FAFD83F}" sibTransId="{8E22A523-0F4B-44DE-B7A1-7664CCFB2A23}"/>
+    <dgm:cxn modelId="{CBF76E5F-F053-45D1-9197-671D6652DB12}" type="presParOf" srcId="{E4D92571-920E-43BC-919F-5928D57BFA1E}" destId="{D4DB6B14-42E0-4A59-8B04-3518A51116F6}" srcOrd="0" destOrd="0" presId="urn:microsoft.com/office/officeart/2005/8/layout/cycle4"/>
+    <dgm:cxn modelId="{21CE8438-F6D0-482F-96D5-552A2F0E0F98}" type="presParOf" srcId="{D4DB6B14-42E0-4A59-8B04-3518A51116F6}" destId="{B042AFEB-8328-4586-BB10-55D3E31437B8}" srcOrd="0" destOrd="0" presId="urn:microsoft.com/office/officeart/2005/8/layout/cycle4"/>
+    <dgm:cxn modelId="{4244E2FC-5CD5-4575-8B62-B6D4C3518C64}" type="presParOf" srcId="{B042AFEB-8328-4586-BB10-55D3E31437B8}" destId="{74C15D2B-43BE-409A-99E1-4C7BEA41372F}" srcOrd="0" destOrd="0" presId="urn:microsoft.com/office/officeart/2005/8/layout/cycle4"/>
+    <dgm:cxn modelId="{08C9306B-4A02-4DA5-81C5-204BB74C02D6}" type="presParOf" srcId="{B042AFEB-8328-4586-BB10-55D3E31437B8}" destId="{D6F62F48-A955-4BD3-9DA6-0F478957AD9F}" srcOrd="1" destOrd="0" presId="urn:microsoft.com/office/officeart/2005/8/layout/cycle4"/>
+    <dgm:cxn modelId="{6FB6EC78-8DA3-441A-AFEB-329D02D480E2}" type="presParOf" srcId="{D4DB6B14-42E0-4A59-8B04-3518A51116F6}" destId="{5E16D7EF-D83D-4BAF-BBCA-4AB839CFA88F}" srcOrd="1" destOrd="0" presId="urn:microsoft.com/office/officeart/2005/8/layout/cycle4"/>
+    <dgm:cxn modelId="{E5E9945E-AAAD-42D4-8F65-09ED804A38FD}" type="presParOf" srcId="{5E16D7EF-D83D-4BAF-BBCA-4AB839CFA88F}" destId="{516B9BFA-5E3B-40B6-98AD-BE837D1FBAD6}" srcOrd="0" destOrd="0" presId="urn:microsoft.com/office/officeart/2005/8/layout/cycle4"/>
+    <dgm:cxn modelId="{FB27074E-AC5D-4018-9F63-93A1E35E1AF5}" type="presParOf" srcId="{5E16D7EF-D83D-4BAF-BBCA-4AB839CFA88F}" destId="{F3D78921-DB83-4087-84BF-CA064380971F}" srcOrd="1" destOrd="0" presId="urn:microsoft.com/office/officeart/2005/8/layout/cycle4"/>
+    <dgm:cxn modelId="{DB33261A-A9A9-4E74-B569-C2D0DA122141}" type="presParOf" srcId="{D4DB6B14-42E0-4A59-8B04-3518A51116F6}" destId="{30621E1E-4450-42A5-9CAD-C8ECF2ED4B1C}" srcOrd="2" destOrd="0" presId="urn:microsoft.com/office/officeart/2005/8/layout/cycle4"/>
+    <dgm:cxn modelId="{73419600-088A-40D9-AB6F-4566B401FD2F}" type="presParOf" srcId="{30621E1E-4450-42A5-9CAD-C8ECF2ED4B1C}" destId="{F75FBA98-67BE-4263-8A0A-0D314360C4A0}" srcOrd="0" destOrd="0" presId="urn:microsoft.com/office/officeart/2005/8/layout/cycle4"/>
+    <dgm:cxn modelId="{5BCEA1A3-E09E-4602-80D7-413C1BA4EA58}" type="presParOf" srcId="{30621E1E-4450-42A5-9CAD-C8ECF2ED4B1C}" destId="{605F24D5-A60D-4553-8923-B595404D4D94}" srcOrd="1" destOrd="0" presId="urn:microsoft.com/office/officeart/2005/8/layout/cycle4"/>
+    <dgm:cxn modelId="{EB24688C-7802-4F58-A029-595E0A263DD7}" type="presParOf" srcId="{D4DB6B14-42E0-4A59-8B04-3518A51116F6}" destId="{C7CFF830-44FE-45CE-9759-C0B793802424}" srcOrd="3" destOrd="0" presId="urn:microsoft.com/office/officeart/2005/8/layout/cycle4"/>
+    <dgm:cxn modelId="{F6959D95-15EF-4663-904A-891929468BC9}" type="presParOf" srcId="{C7CFF830-44FE-45CE-9759-C0B793802424}" destId="{AD38EE7A-C685-41D3-9F5C-1AD994465E23}" srcOrd="0" destOrd="0" presId="urn:microsoft.com/office/officeart/2005/8/layout/cycle4"/>
+    <dgm:cxn modelId="{C1445051-D11B-45EA-B77E-9CC38DA93C7C}" type="presParOf" srcId="{C7CFF830-44FE-45CE-9759-C0B793802424}" destId="{C77DE765-A400-44CD-87F0-68D93169804C}" srcOrd="1" destOrd="0" presId="urn:microsoft.com/office/officeart/2005/8/layout/cycle4"/>
+    <dgm:cxn modelId="{ED162A36-8E75-45FA-8DED-FA7F3595690E}" type="presParOf" srcId="{D4DB6B14-42E0-4A59-8B04-3518A51116F6}" destId="{6BE8491F-7D2C-4655-82BA-3EBC86373CEC}" srcOrd="4" destOrd="0" presId="urn:microsoft.com/office/officeart/2005/8/layout/cycle4"/>
+    <dgm:cxn modelId="{B1DB9AA9-2675-4767-A28A-5A0FDBF04A91}" type="presParOf" srcId="{E4D92571-920E-43BC-919F-5928D57BFA1E}" destId="{1912D3DD-C8BF-49FA-A475-7A4ECF455C50}" srcOrd="1" destOrd="0" presId="urn:microsoft.com/office/officeart/2005/8/layout/cycle4"/>
+    <dgm:cxn modelId="{24A60B82-3521-4F10-A041-8849EB192C8F}" type="presParOf" srcId="{1912D3DD-C8BF-49FA-A475-7A4ECF455C50}" destId="{BAE0A4B9-FAE5-408A-9164-19C9A218F095}" srcOrd="0" destOrd="0" presId="urn:microsoft.com/office/officeart/2005/8/layout/cycle4"/>
+    <dgm:cxn modelId="{E5858050-C387-4D17-B59C-AFC8A28FBF69}" type="presParOf" srcId="{1912D3DD-C8BF-49FA-A475-7A4ECF455C50}" destId="{E7D18CCD-34F1-4E56-9739-0BAD073A51D3}" srcOrd="1" destOrd="0" presId="urn:microsoft.com/office/officeart/2005/8/layout/cycle4"/>
+    <dgm:cxn modelId="{7C886F7E-86C7-4C2B-B91C-C55B3260BF1C}" type="presParOf" srcId="{1912D3DD-C8BF-49FA-A475-7A4ECF455C50}" destId="{CE6366C0-1569-4A15-B9CE-069B03284478}" srcOrd="2" destOrd="0" presId="urn:microsoft.com/office/officeart/2005/8/layout/cycle4"/>
+    <dgm:cxn modelId="{B92B6515-77A1-4564-BF13-1EC600CED64F}" type="presParOf" srcId="{1912D3DD-C8BF-49FA-A475-7A4ECF455C50}" destId="{E5EC745D-1674-4010-B81B-6433AC14FEEF}" srcOrd="3" destOrd="0" presId="urn:microsoft.com/office/officeart/2005/8/layout/cycle4"/>
+    <dgm:cxn modelId="{2EC48C7E-80E5-4B55-94B0-AB80FC67BF9E}" type="presParOf" srcId="{1912D3DD-C8BF-49FA-A475-7A4ECF455C50}" destId="{02C6EFE9-E2DC-44B4-8B0C-159BC9C1ADB6}" srcOrd="4" destOrd="0" presId="urn:microsoft.com/office/officeart/2005/8/layout/cycle4"/>
+    <dgm:cxn modelId="{D725D530-F0E8-4685-8DD7-87A2DD7B9572}" type="presParOf" srcId="{E4D92571-920E-43BC-919F-5928D57BFA1E}" destId="{6E259363-866B-467D-9A9E-4BF3D9F93193}" srcOrd="2" destOrd="0" presId="urn:microsoft.com/office/officeart/2005/8/layout/cycle4"/>
+    <dgm:cxn modelId="{A29FF1ED-7420-4C9C-8742-11FDB61803CC}" type="presParOf" srcId="{E4D92571-920E-43BC-919F-5928D57BFA1E}" destId="{58318B0E-53CD-492E-B093-42E8637A30F2}" srcOrd="3" destOrd="0" presId="urn:microsoft.com/office/officeart/2005/8/layout/cycle4"/>
   </dgm:cxnLst>
   <dgm:bg/>
   <dgm:whole/>
   <dgm:extLst>
     <a:ext uri="http://schemas.microsoft.com/office/drawing/2008/diagram">
-      <dsp:dataModelExt xmlns:dsp="http://schemas.microsoft.com/office/drawing/2008/diagram" relId="rId6" minVer="http://schemas.openxmlformats.org/drawingml/2006/diagram"/>
+      <dsp:dataModelExt xmlns:dsp="http://schemas.microsoft.com/office/drawing/2008/diagram" relId="rId8" minVer="http://schemas.openxmlformats.org/drawingml/2006/diagram"/>
     </a:ext>
   </dgm:extLst>
 </dgm:dataModel>
 </file>
 
 <file path=ppt/diagrams/data3.xml><?xml version="1.0" encoding="utf-8"?>
-<dgm:dataModel xmlns:dgm="http://schemas.openxmlformats.org/drawingml/2006/diagram" xmlns:a="http://schemas.openxmlformats.org/drawingml/2006/main">
-  <dgm:ptLst>
-    <dgm:pt modelId="{A57F9B01-11FA-4C63-9FBA-E6CE760896A6}" type="doc">
-      <dgm:prSet loTypeId="urn:microsoft.com/office/officeart/2005/8/layout/architecture" loCatId="hierarchy" qsTypeId="urn:microsoft.com/office/officeart/2005/8/quickstyle/simple1" qsCatId="simple" csTypeId="urn:microsoft.com/office/officeart/2005/8/colors/accent1_2" csCatId="accent1" phldr="1"/>
-      <dgm:spPr/>
-      <dgm:t>
-        <a:bodyPr/>
-        <a:lstStyle/>
-        <a:p>
-          <a:endParaRPr lang="en-US"/>
-        </a:p>
-      </dgm:t>
-    </dgm:pt>
-    <dgm:pt modelId="{BCB95C1E-752C-4762-9E5A-1869423E6A59}">
-      <dgm:prSet/>
-      <dgm:spPr/>
-      <dgm:t>
-        <a:bodyPr/>
-        <a:lstStyle/>
-        <a:p>
-          <a:pPr rtl="0"/>
-          <a:r>
-            <a:rPr lang="en-US" dirty="0" smtClean="0"/>
-            <a:t>Endpoints</a:t>
-          </a:r>
-          <a:endParaRPr lang="en-US" dirty="0"/>
-        </a:p>
-      </dgm:t>
-    </dgm:pt>
-    <dgm:pt modelId="{A3C66A00-FFA2-46EF-A78E-AB8F7F356B5E}" type="parTrans" cxnId="{C8F4FCEC-F11B-43EC-8547-8E0783868AC4}">
-      <dgm:prSet/>
-      <dgm:spPr/>
-      <dgm:t>
-        <a:bodyPr/>
-        <a:lstStyle/>
-        <a:p>
-          <a:endParaRPr lang="en-US"/>
-        </a:p>
-      </dgm:t>
-    </dgm:pt>
-    <dgm:pt modelId="{58F8EF72-0BBB-4013-943B-5A0916A47C26}" type="sibTrans" cxnId="{C8F4FCEC-F11B-43EC-8547-8E0783868AC4}">
-      <dgm:prSet/>
-      <dgm:spPr/>
-      <dgm:t>
-        <a:bodyPr/>
-        <a:lstStyle/>
-        <a:p>
-          <a:endParaRPr lang="en-US"/>
-        </a:p>
-      </dgm:t>
-    </dgm:pt>
-    <dgm:pt modelId="{0919CB37-4152-4765-ABE3-DC23046E65BD}">
-      <dgm:prSet/>
-      <dgm:spPr/>
-      <dgm:t>
-        <a:bodyPr/>
-        <a:lstStyle/>
-        <a:p>
-          <a:pPr rtl="0"/>
-          <a:r>
-            <a:rPr lang="en-US" dirty="0" smtClean="0"/>
-            <a:t>Routing</a:t>
-          </a:r>
-          <a:endParaRPr lang="en-US" dirty="0"/>
-        </a:p>
-      </dgm:t>
-    </dgm:pt>
-    <dgm:pt modelId="{8D1D31F3-8E67-4108-B397-241D8BA9FB24}" type="parTrans" cxnId="{139B6DBB-321A-4C04-9EE3-F817C6772E88}">
-      <dgm:prSet/>
-      <dgm:spPr/>
-      <dgm:t>
-        <a:bodyPr/>
-        <a:lstStyle/>
-        <a:p>
-          <a:endParaRPr lang="en-US"/>
-        </a:p>
-      </dgm:t>
-    </dgm:pt>
-    <dgm:pt modelId="{E9D0ADA9-543A-4DB7-A948-477DC020D10F}" type="sibTrans" cxnId="{139B6DBB-321A-4C04-9EE3-F817C6772E88}">
-      <dgm:prSet/>
-      <dgm:spPr/>
-      <dgm:t>
-        <a:bodyPr/>
-        <a:lstStyle/>
-        <a:p>
-          <a:endParaRPr lang="en-US"/>
-        </a:p>
-      </dgm:t>
-    </dgm:pt>
-    <dgm:pt modelId="{A3A62DB0-183B-450A-B72B-2F516DF3F825}">
-      <dgm:prSet/>
-      <dgm:spPr/>
-      <dgm:t>
-        <a:bodyPr/>
-        <a:lstStyle/>
-        <a:p>
-          <a:pPr rtl="0"/>
-          <a:r>
-            <a:rPr lang="en-US" dirty="0" smtClean="0"/>
-            <a:t>Encryption</a:t>
-          </a:r>
-          <a:endParaRPr lang="en-US" dirty="0"/>
-        </a:p>
-      </dgm:t>
-    </dgm:pt>
-    <dgm:pt modelId="{B44D7C81-D245-4A7A-8614-D22DA2C4876E}" type="parTrans" cxnId="{BE0207A3-9A37-49DB-AE73-A45711F668DA}">
-      <dgm:prSet/>
-      <dgm:spPr/>
-      <dgm:t>
-        <a:bodyPr/>
-        <a:lstStyle/>
-        <a:p>
-          <a:endParaRPr lang="en-US"/>
-        </a:p>
-      </dgm:t>
-    </dgm:pt>
-    <dgm:pt modelId="{7716E262-A738-4673-9725-EB9322603E9B}" type="sibTrans" cxnId="{BE0207A3-9A37-49DB-AE73-A45711F668DA}">
-      <dgm:prSet/>
-      <dgm:spPr/>
-      <dgm:t>
-        <a:bodyPr/>
-        <a:lstStyle/>
-        <a:p>
-          <a:endParaRPr lang="en-US"/>
-        </a:p>
-      </dgm:t>
-    </dgm:pt>
-    <dgm:pt modelId="{4F67F5EC-AB06-423D-AB86-56058629937D}">
-      <dgm:prSet/>
-      <dgm:spPr/>
-      <dgm:t>
-        <a:bodyPr/>
-        <a:lstStyle/>
-        <a:p>
-          <a:pPr rtl="0"/>
-          <a:r>
-            <a:rPr lang="en-US" dirty="0" smtClean="0"/>
-            <a:t>Serialization</a:t>
-          </a:r>
-          <a:endParaRPr lang="en-US" dirty="0"/>
-        </a:p>
-      </dgm:t>
-    </dgm:pt>
-    <dgm:pt modelId="{8FB29F64-C7CE-4901-8684-A1FE58B5070C}" type="parTrans" cxnId="{E160785F-2F9C-4D09-A9D9-1982388376F5}">
-      <dgm:prSet/>
-      <dgm:spPr/>
-      <dgm:t>
-        <a:bodyPr/>
-        <a:lstStyle/>
-        <a:p>
-          <a:endParaRPr lang="en-US"/>
-        </a:p>
-      </dgm:t>
-    </dgm:pt>
-    <dgm:pt modelId="{D6A5685B-2B06-4AF1-A3FF-F2A8535F25A2}" type="sibTrans" cxnId="{E160785F-2F9C-4D09-A9D9-1982388376F5}">
-      <dgm:prSet/>
-      <dgm:spPr/>
-      <dgm:t>
-        <a:bodyPr/>
-        <a:lstStyle/>
-        <a:p>
-          <a:endParaRPr lang="en-US"/>
-        </a:p>
-      </dgm:t>
-    </dgm:pt>
-    <dgm:pt modelId="{E6EAD457-E581-435A-93DB-F992C6A6BD6D}">
-      <dgm:prSet/>
-      <dgm:spPr/>
-      <dgm:t>
-        <a:bodyPr/>
-        <a:lstStyle/>
-        <a:p>
-          <a:pPr rtl="0"/>
-          <a:r>
-            <a:rPr lang="en-US" dirty="0" smtClean="0"/>
-            <a:t>Pipes and filters</a:t>
-          </a:r>
-          <a:endParaRPr lang="en-US" dirty="0"/>
-        </a:p>
-      </dgm:t>
-    </dgm:pt>
-    <dgm:pt modelId="{A338F4C2-9E35-4D01-9A1C-5AD874C53454}" type="parTrans" cxnId="{BD0E8CBE-E71C-4953-A22A-A2CAC698EB63}">
-      <dgm:prSet/>
-      <dgm:spPr/>
-      <dgm:t>
-        <a:bodyPr/>
-        <a:lstStyle/>
-        <a:p>
-          <a:endParaRPr lang="en-US"/>
-        </a:p>
-      </dgm:t>
-    </dgm:pt>
-    <dgm:pt modelId="{944112A2-0E5D-4BA5-8858-3501FBDA99BF}" type="sibTrans" cxnId="{BD0E8CBE-E71C-4953-A22A-A2CAC698EB63}">
-      <dgm:prSet/>
-      <dgm:spPr/>
-      <dgm:t>
-        <a:bodyPr/>
-        <a:lstStyle/>
-        <a:p>
-          <a:endParaRPr lang="en-US"/>
-        </a:p>
-      </dgm:t>
-    </dgm:pt>
-    <dgm:pt modelId="{CD00DFE4-3DE6-4512-A2E8-E1CA67C435D9}">
-      <dgm:prSet/>
-      <dgm:spPr/>
-      <dgm:t>
-        <a:bodyPr/>
-        <a:lstStyle/>
-        <a:p>
-          <a:pPr rtl="0"/>
-          <a:r>
-            <a:rPr lang="en-US" dirty="0" smtClean="0"/>
-            <a:t>Transforms</a:t>
-          </a:r>
-          <a:endParaRPr lang="en-US" dirty="0"/>
-        </a:p>
-      </dgm:t>
-    </dgm:pt>
-    <dgm:pt modelId="{A2F33482-C503-4927-8EC3-69E8902C42B5}" type="parTrans" cxnId="{7C95CCC8-98B3-4A5F-9BD7-8BD6F723E154}">
-      <dgm:prSet/>
-      <dgm:spPr/>
-      <dgm:t>
-        <a:bodyPr/>
-        <a:lstStyle/>
-        <a:p>
-          <a:endParaRPr lang="en-US"/>
-        </a:p>
-      </dgm:t>
-    </dgm:pt>
-    <dgm:pt modelId="{852F9698-CFB6-484C-B259-1196C21B9722}" type="sibTrans" cxnId="{7C95CCC8-98B3-4A5F-9BD7-8BD6F723E154}">
-      <dgm:prSet/>
-      <dgm:spPr/>
-      <dgm:t>
-        <a:bodyPr/>
-        <a:lstStyle/>
-        <a:p>
-          <a:endParaRPr lang="en-US"/>
-        </a:p>
-      </dgm:t>
-    </dgm:pt>
-    <dgm:pt modelId="{14E80155-D4D4-4B85-A02E-1266C09A8B5D}">
-      <dgm:prSet/>
-      <dgm:spPr/>
-      <dgm:t>
-        <a:bodyPr/>
-        <a:lstStyle/>
-        <a:p>
-          <a:pPr rtl="0"/>
-          <a:r>
-            <a:rPr lang="en-US" dirty="0" smtClean="0"/>
-            <a:t>Configuration</a:t>
-          </a:r>
-          <a:endParaRPr lang="en-US" dirty="0"/>
-        </a:p>
-      </dgm:t>
-    </dgm:pt>
-    <dgm:pt modelId="{C8E030DF-9616-41A7-8F9D-A22EF00DF04C}" type="parTrans" cxnId="{ED0B6733-7697-44F1-BB8F-1B82E09DD8EE}">
-      <dgm:prSet/>
-      <dgm:spPr/>
-      <dgm:t>
-        <a:bodyPr/>
-        <a:lstStyle/>
-        <a:p>
-          <a:endParaRPr lang="en-US"/>
-        </a:p>
-      </dgm:t>
-    </dgm:pt>
-    <dgm:pt modelId="{9451DAE1-1D8A-46CC-BA13-C76CDC0A50E9}" type="sibTrans" cxnId="{ED0B6733-7697-44F1-BB8F-1B82E09DD8EE}">
-      <dgm:prSet/>
-      <dgm:spPr/>
-      <dgm:t>
-        <a:bodyPr/>
-        <a:lstStyle/>
-        <a:p>
-          <a:endParaRPr lang="en-US"/>
-        </a:p>
-      </dgm:t>
-    </dgm:pt>
-    <dgm:pt modelId="{1118F7F4-18C8-4B40-8400-E6E5B9669232}" type="pres">
-      <dgm:prSet presAssocID="{A57F9B01-11FA-4C63-9FBA-E6CE760896A6}" presName="Name0" presStyleCnt="0">
-        <dgm:presLayoutVars>
-          <dgm:chPref val="1"/>
-          <dgm:dir/>
-          <dgm:animOne val="branch"/>
-          <dgm:animLvl val="lvl"/>
-          <dgm:resizeHandles/>
-        </dgm:presLayoutVars>
-      </dgm:prSet>
-      <dgm:spPr/>
-    </dgm:pt>
-    <dgm:pt modelId="{1D3168FD-991F-49AF-9794-DF7EF1F69778}" type="pres">
-      <dgm:prSet presAssocID="{BCB95C1E-752C-4762-9E5A-1869423E6A59}" presName="vertOne" presStyleCnt="0"/>
-      <dgm:spPr/>
-    </dgm:pt>
-    <dgm:pt modelId="{CCF77F0E-AC98-4B07-862D-98B0033D1E5B}" type="pres">
-      <dgm:prSet presAssocID="{BCB95C1E-752C-4762-9E5A-1869423E6A59}" presName="txOne" presStyleLbl="node0" presStyleIdx="0" presStyleCnt="1">
-        <dgm:presLayoutVars>
-          <dgm:chPref val="3"/>
-        </dgm:presLayoutVars>
-      </dgm:prSet>
-      <dgm:spPr/>
-      <dgm:t>
-        <a:bodyPr/>
-        <a:lstStyle/>
-        <a:p>
-          <a:endParaRPr lang="en-US"/>
-        </a:p>
-      </dgm:t>
-    </dgm:pt>
-    <dgm:pt modelId="{22069854-92F0-4F1E-B1FB-B6BD3B162471}" type="pres">
-      <dgm:prSet presAssocID="{BCB95C1E-752C-4762-9E5A-1869423E6A59}" presName="parTransOne" presStyleCnt="0"/>
-      <dgm:spPr/>
-    </dgm:pt>
-    <dgm:pt modelId="{279C97DC-D018-4C57-A612-8B54C704A904}" type="pres">
-      <dgm:prSet presAssocID="{BCB95C1E-752C-4762-9E5A-1869423E6A59}" presName="horzOne" presStyleCnt="0"/>
-      <dgm:spPr/>
-    </dgm:pt>
-    <dgm:pt modelId="{4231484C-63A9-441C-8940-09555FB21D15}" type="pres">
-      <dgm:prSet presAssocID="{0919CB37-4152-4765-ABE3-DC23046E65BD}" presName="vertTwo" presStyleCnt="0"/>
-      <dgm:spPr/>
-    </dgm:pt>
-    <dgm:pt modelId="{DDCD081A-6AC6-4EA7-85C2-2CBB6ACD26E5}" type="pres">
-      <dgm:prSet presAssocID="{0919CB37-4152-4765-ABE3-DC23046E65BD}" presName="txTwo" presStyleLbl="node2" presStyleIdx="0" presStyleCnt="6">
-        <dgm:presLayoutVars>
-          <dgm:chPref val="3"/>
-        </dgm:presLayoutVars>
-      </dgm:prSet>
-      <dgm:spPr/>
-    </dgm:pt>
-    <dgm:pt modelId="{01967554-ED26-4722-B2D4-40D7CDC429EC}" type="pres">
-      <dgm:prSet presAssocID="{0919CB37-4152-4765-ABE3-DC23046E65BD}" presName="horzTwo" presStyleCnt="0"/>
-      <dgm:spPr/>
-    </dgm:pt>
-    <dgm:pt modelId="{E8CC9AF4-0A0C-49F9-BF6E-48481067EB1F}" type="pres">
-      <dgm:prSet presAssocID="{E9D0ADA9-543A-4DB7-A948-477DC020D10F}" presName="sibSpaceTwo" presStyleCnt="0"/>
-      <dgm:spPr/>
-    </dgm:pt>
-    <dgm:pt modelId="{B731BE7D-A2CC-469B-AF41-FF3066029B1B}" type="pres">
-      <dgm:prSet presAssocID="{4F67F5EC-AB06-423D-AB86-56058629937D}" presName="vertTwo" presStyleCnt="0"/>
-      <dgm:spPr/>
-    </dgm:pt>
-    <dgm:pt modelId="{204864B0-CB67-4907-8F19-A5EC8786CB92}" type="pres">
-      <dgm:prSet presAssocID="{4F67F5EC-AB06-423D-AB86-56058629937D}" presName="txTwo" presStyleLbl="node2" presStyleIdx="1" presStyleCnt="6">
-        <dgm:presLayoutVars>
-          <dgm:chPref val="3"/>
-        </dgm:presLayoutVars>
-      </dgm:prSet>
-      <dgm:spPr/>
-    </dgm:pt>
-    <dgm:pt modelId="{C5E67E53-FFF2-4FDB-9889-1A84EF51450D}" type="pres">
-      <dgm:prSet presAssocID="{4F67F5EC-AB06-423D-AB86-56058629937D}" presName="horzTwo" presStyleCnt="0"/>
-      <dgm:spPr/>
-    </dgm:pt>
-    <dgm:pt modelId="{F92CA56F-2C06-480C-995F-9095207DA7A0}" type="pres">
-      <dgm:prSet presAssocID="{D6A5685B-2B06-4AF1-A3FF-F2A8535F25A2}" presName="sibSpaceTwo" presStyleCnt="0"/>
-      <dgm:spPr/>
-    </dgm:pt>
-    <dgm:pt modelId="{C7737406-BF1E-436B-ABB8-8878BCBE324A}" type="pres">
-      <dgm:prSet presAssocID="{E6EAD457-E581-435A-93DB-F992C6A6BD6D}" presName="vertTwo" presStyleCnt="0"/>
-      <dgm:spPr/>
-    </dgm:pt>
-    <dgm:pt modelId="{5679EE47-2B1C-431D-95B9-9C12162546D3}" type="pres">
-      <dgm:prSet presAssocID="{E6EAD457-E581-435A-93DB-F992C6A6BD6D}" presName="txTwo" presStyleLbl="node2" presStyleIdx="2" presStyleCnt="6">
-        <dgm:presLayoutVars>
-          <dgm:chPref val="3"/>
-        </dgm:presLayoutVars>
-      </dgm:prSet>
-      <dgm:spPr/>
-    </dgm:pt>
-    <dgm:pt modelId="{E3CC03AB-CDF4-403A-B8A4-079C22E397DC}" type="pres">
-      <dgm:prSet presAssocID="{E6EAD457-E581-435A-93DB-F992C6A6BD6D}" presName="horzTwo" presStyleCnt="0"/>
-      <dgm:spPr/>
-    </dgm:pt>
-    <dgm:pt modelId="{CF3A2695-49C4-409F-BA3B-74B6153593B6}" type="pres">
-      <dgm:prSet presAssocID="{944112A2-0E5D-4BA5-8858-3501FBDA99BF}" presName="sibSpaceTwo" presStyleCnt="0"/>
-      <dgm:spPr/>
-    </dgm:pt>
-    <dgm:pt modelId="{BBD79991-4D40-411C-A180-2814B1A32FFA}" type="pres">
-      <dgm:prSet presAssocID="{CD00DFE4-3DE6-4512-A2E8-E1CA67C435D9}" presName="vertTwo" presStyleCnt="0"/>
-      <dgm:spPr/>
-    </dgm:pt>
-    <dgm:pt modelId="{D6676E93-CC16-4A48-9743-891C4E0AEB10}" type="pres">
-      <dgm:prSet presAssocID="{CD00DFE4-3DE6-4512-A2E8-E1CA67C435D9}" presName="txTwo" presStyleLbl="node2" presStyleIdx="3" presStyleCnt="6">
-        <dgm:presLayoutVars>
-          <dgm:chPref val="3"/>
-        </dgm:presLayoutVars>
-      </dgm:prSet>
-      <dgm:spPr/>
-    </dgm:pt>
-    <dgm:pt modelId="{F3375B4F-67DF-44E3-960E-6C2823E3A3AF}" type="pres">
-      <dgm:prSet presAssocID="{CD00DFE4-3DE6-4512-A2E8-E1CA67C435D9}" presName="horzTwo" presStyleCnt="0"/>
-      <dgm:spPr/>
-    </dgm:pt>
-    <dgm:pt modelId="{0B6EBA29-7E0E-4823-88CE-A327CDDDFB6C}" type="pres">
-      <dgm:prSet presAssocID="{852F9698-CFB6-484C-B259-1196C21B9722}" presName="sibSpaceTwo" presStyleCnt="0"/>
-      <dgm:spPr/>
-    </dgm:pt>
-    <dgm:pt modelId="{05FF967B-5163-493A-B0E1-803165D731AA}" type="pres">
-      <dgm:prSet presAssocID="{14E80155-D4D4-4B85-A02E-1266C09A8B5D}" presName="vertTwo" presStyleCnt="0"/>
-      <dgm:spPr/>
-    </dgm:pt>
-    <dgm:pt modelId="{5CE82B4D-5D3F-485D-A0A3-6D432205E6D4}" type="pres">
-      <dgm:prSet presAssocID="{14E80155-D4D4-4B85-A02E-1266C09A8B5D}" presName="txTwo" presStyleLbl="node2" presStyleIdx="4" presStyleCnt="6">
-        <dgm:presLayoutVars>
-          <dgm:chPref val="3"/>
-        </dgm:presLayoutVars>
-      </dgm:prSet>
-      <dgm:spPr/>
-    </dgm:pt>
-    <dgm:pt modelId="{CE813A37-72D0-46E1-BF71-0442A9495026}" type="pres">
-      <dgm:prSet presAssocID="{14E80155-D4D4-4B85-A02E-1266C09A8B5D}" presName="horzTwo" presStyleCnt="0"/>
-      <dgm:spPr/>
-    </dgm:pt>
-    <dgm:pt modelId="{9AB01DCE-13B6-4244-BCA4-0C0291104BC7}" type="pres">
-      <dgm:prSet presAssocID="{9451DAE1-1D8A-46CC-BA13-C76CDC0A50E9}" presName="sibSpaceTwo" presStyleCnt="0"/>
-      <dgm:spPr/>
-    </dgm:pt>
-    <dgm:pt modelId="{4D9340D5-B5B9-42C8-8948-71D6114C0FAC}" type="pres">
-      <dgm:prSet presAssocID="{A3A62DB0-183B-450A-B72B-2F516DF3F825}" presName="vertTwo" presStyleCnt="0"/>
-      <dgm:spPr/>
-    </dgm:pt>
-    <dgm:pt modelId="{8E9322A5-B639-406C-9622-9B3F8705ACCA}" type="pres">
-      <dgm:prSet presAssocID="{A3A62DB0-183B-450A-B72B-2F516DF3F825}" presName="txTwo" presStyleLbl="node2" presStyleIdx="5" presStyleCnt="6">
-        <dgm:presLayoutVars>
-          <dgm:chPref val="3"/>
-        </dgm:presLayoutVars>
-      </dgm:prSet>
-      <dgm:spPr/>
-    </dgm:pt>
-    <dgm:pt modelId="{F9D9BA24-A6DB-4200-9BD6-F0509CCD7E32}" type="pres">
-      <dgm:prSet presAssocID="{A3A62DB0-183B-450A-B72B-2F516DF3F825}" presName="horzTwo" presStyleCnt="0"/>
-      <dgm:spPr/>
-    </dgm:pt>
-  </dgm:ptLst>
-  <dgm:cxnLst>
-    <dgm:cxn modelId="{BD0E8CBE-E71C-4953-A22A-A2CAC698EB63}" srcId="{BCB95C1E-752C-4762-9E5A-1869423E6A59}" destId="{E6EAD457-E581-435A-93DB-F992C6A6BD6D}" srcOrd="2" destOrd="0" parTransId="{A338F4C2-9E35-4D01-9A1C-5AD874C53454}" sibTransId="{944112A2-0E5D-4BA5-8858-3501FBDA99BF}"/>
-    <dgm:cxn modelId="{139B6DBB-321A-4C04-9EE3-F817C6772E88}" srcId="{BCB95C1E-752C-4762-9E5A-1869423E6A59}" destId="{0919CB37-4152-4765-ABE3-DC23046E65BD}" srcOrd="0" destOrd="0" parTransId="{8D1D31F3-8E67-4108-B397-241D8BA9FB24}" sibTransId="{E9D0ADA9-543A-4DB7-A948-477DC020D10F}"/>
-    <dgm:cxn modelId="{750A0DC6-B1E7-43A0-B171-31516912C9E3}" type="presOf" srcId="{BCB95C1E-752C-4762-9E5A-1869423E6A59}" destId="{CCF77F0E-AC98-4B07-862D-98B0033D1E5B}" srcOrd="0" destOrd="0" presId="urn:microsoft.com/office/officeart/2005/8/layout/architecture"/>
-    <dgm:cxn modelId="{C8F4FCEC-F11B-43EC-8547-8E0783868AC4}" srcId="{A57F9B01-11FA-4C63-9FBA-E6CE760896A6}" destId="{BCB95C1E-752C-4762-9E5A-1869423E6A59}" srcOrd="0" destOrd="0" parTransId="{A3C66A00-FFA2-46EF-A78E-AB8F7F356B5E}" sibTransId="{58F8EF72-0BBB-4013-943B-5A0916A47C26}"/>
-    <dgm:cxn modelId="{BE0207A3-9A37-49DB-AE73-A45711F668DA}" srcId="{BCB95C1E-752C-4762-9E5A-1869423E6A59}" destId="{A3A62DB0-183B-450A-B72B-2F516DF3F825}" srcOrd="5" destOrd="0" parTransId="{B44D7C81-D245-4A7A-8614-D22DA2C4876E}" sibTransId="{7716E262-A738-4673-9725-EB9322603E9B}"/>
-    <dgm:cxn modelId="{ED0B6733-7697-44F1-BB8F-1B82E09DD8EE}" srcId="{BCB95C1E-752C-4762-9E5A-1869423E6A59}" destId="{14E80155-D4D4-4B85-A02E-1266C09A8B5D}" srcOrd="4" destOrd="0" parTransId="{C8E030DF-9616-41A7-8F9D-A22EF00DF04C}" sibTransId="{9451DAE1-1D8A-46CC-BA13-C76CDC0A50E9}"/>
-    <dgm:cxn modelId="{B52F0C08-7A5F-42A1-AFB1-4DAC1FE0EF3C}" type="presOf" srcId="{CD00DFE4-3DE6-4512-A2E8-E1CA67C435D9}" destId="{D6676E93-CC16-4A48-9743-891C4E0AEB10}" srcOrd="0" destOrd="0" presId="urn:microsoft.com/office/officeart/2005/8/layout/architecture"/>
-    <dgm:cxn modelId="{75FC13C6-C64B-4580-AD09-3491E292969D}" type="presOf" srcId="{0919CB37-4152-4765-ABE3-DC23046E65BD}" destId="{DDCD081A-6AC6-4EA7-85C2-2CBB6ACD26E5}" srcOrd="0" destOrd="0" presId="urn:microsoft.com/office/officeart/2005/8/layout/architecture"/>
-    <dgm:cxn modelId="{0995DE48-F0BF-4E2C-B3CA-F6EDE38AA440}" type="presOf" srcId="{4F67F5EC-AB06-423D-AB86-56058629937D}" destId="{204864B0-CB67-4907-8F19-A5EC8786CB92}" srcOrd="0" destOrd="0" presId="urn:microsoft.com/office/officeart/2005/8/layout/architecture"/>
-    <dgm:cxn modelId="{6FA3086A-1A02-4A3F-99E6-A05D32D4E928}" type="presOf" srcId="{14E80155-D4D4-4B85-A02E-1266C09A8B5D}" destId="{5CE82B4D-5D3F-485D-A0A3-6D432205E6D4}" srcOrd="0" destOrd="0" presId="urn:microsoft.com/office/officeart/2005/8/layout/architecture"/>
-    <dgm:cxn modelId="{E160785F-2F9C-4D09-A9D9-1982388376F5}" srcId="{BCB95C1E-752C-4762-9E5A-1869423E6A59}" destId="{4F67F5EC-AB06-423D-AB86-56058629937D}" srcOrd="1" destOrd="0" parTransId="{8FB29F64-C7CE-4901-8684-A1FE58B5070C}" sibTransId="{D6A5685B-2B06-4AF1-A3FF-F2A8535F25A2}"/>
-    <dgm:cxn modelId="{5687BF83-BEB2-413F-AF79-5050ADA3817D}" type="presOf" srcId="{A57F9B01-11FA-4C63-9FBA-E6CE760896A6}" destId="{1118F7F4-18C8-4B40-8400-E6E5B9669232}" srcOrd="0" destOrd="0" presId="urn:microsoft.com/office/officeart/2005/8/layout/architecture"/>
-    <dgm:cxn modelId="{3CE06044-7A41-4FD5-96D4-CC187AB22C9D}" type="presOf" srcId="{A3A62DB0-183B-450A-B72B-2F516DF3F825}" destId="{8E9322A5-B639-406C-9622-9B3F8705ACCA}" srcOrd="0" destOrd="0" presId="urn:microsoft.com/office/officeart/2005/8/layout/architecture"/>
-    <dgm:cxn modelId="{7C95CCC8-98B3-4A5F-9BD7-8BD6F723E154}" srcId="{BCB95C1E-752C-4762-9E5A-1869423E6A59}" destId="{CD00DFE4-3DE6-4512-A2E8-E1CA67C435D9}" srcOrd="3" destOrd="0" parTransId="{A2F33482-C503-4927-8EC3-69E8902C42B5}" sibTransId="{852F9698-CFB6-484C-B259-1196C21B9722}"/>
-    <dgm:cxn modelId="{ECD9F2AA-D389-4C69-B083-1610D90DAA08}" type="presOf" srcId="{E6EAD457-E581-435A-93DB-F992C6A6BD6D}" destId="{5679EE47-2B1C-431D-95B9-9C12162546D3}" srcOrd="0" destOrd="0" presId="urn:microsoft.com/office/officeart/2005/8/layout/architecture"/>
-    <dgm:cxn modelId="{8F977034-0BB9-420F-AEF6-FE559FFF2284}" type="presParOf" srcId="{1118F7F4-18C8-4B40-8400-E6E5B9669232}" destId="{1D3168FD-991F-49AF-9794-DF7EF1F69778}" srcOrd="0" destOrd="0" presId="urn:microsoft.com/office/officeart/2005/8/layout/architecture"/>
-    <dgm:cxn modelId="{6000BAF0-A8DD-45C1-AB61-58E02DDAF6D3}" type="presParOf" srcId="{1D3168FD-991F-49AF-9794-DF7EF1F69778}" destId="{CCF77F0E-AC98-4B07-862D-98B0033D1E5B}" srcOrd="0" destOrd="0" presId="urn:microsoft.com/office/officeart/2005/8/layout/architecture"/>
-    <dgm:cxn modelId="{8B1CC90C-49C5-4910-B116-29E06EFCBEE7}" type="presParOf" srcId="{1D3168FD-991F-49AF-9794-DF7EF1F69778}" destId="{22069854-92F0-4F1E-B1FB-B6BD3B162471}" srcOrd="1" destOrd="0" presId="urn:microsoft.com/office/officeart/2005/8/layout/architecture"/>
-    <dgm:cxn modelId="{A73D5AEC-BA3D-4C28-A6D6-C9F52C7B9C69}" type="presParOf" srcId="{1D3168FD-991F-49AF-9794-DF7EF1F69778}" destId="{279C97DC-D018-4C57-A612-8B54C704A904}" srcOrd="2" destOrd="0" presId="urn:microsoft.com/office/officeart/2005/8/layout/architecture"/>
-    <dgm:cxn modelId="{8EA324AB-7012-4543-8B28-0433E8948E18}" type="presParOf" srcId="{279C97DC-D018-4C57-A612-8B54C704A904}" destId="{4231484C-63A9-441C-8940-09555FB21D15}" srcOrd="0" destOrd="0" presId="urn:microsoft.com/office/officeart/2005/8/layout/architecture"/>
-    <dgm:cxn modelId="{58775515-7D87-4DB5-81EF-9451E390E0B9}" type="presParOf" srcId="{4231484C-63A9-441C-8940-09555FB21D15}" destId="{DDCD081A-6AC6-4EA7-85C2-2CBB6ACD26E5}" srcOrd="0" destOrd="0" presId="urn:microsoft.com/office/officeart/2005/8/layout/architecture"/>
-    <dgm:cxn modelId="{03D8E6D9-5436-4BAF-8F20-1D1692BAA18E}" type="presParOf" srcId="{4231484C-63A9-441C-8940-09555FB21D15}" destId="{01967554-ED26-4722-B2D4-40D7CDC429EC}" srcOrd="1" destOrd="0" presId="urn:microsoft.com/office/officeart/2005/8/layout/architecture"/>
-    <dgm:cxn modelId="{6DB5301A-FCBE-406E-BDB6-D2F23172B47D}" type="presParOf" srcId="{279C97DC-D018-4C57-A612-8B54C704A904}" destId="{E8CC9AF4-0A0C-49F9-BF6E-48481067EB1F}" srcOrd="1" destOrd="0" presId="urn:microsoft.com/office/officeart/2005/8/layout/architecture"/>
-    <dgm:cxn modelId="{3B67B30C-4EFC-4BFA-8604-456CF02F837A}" type="presParOf" srcId="{279C97DC-D018-4C57-A612-8B54C704A904}" destId="{B731BE7D-A2CC-469B-AF41-FF3066029B1B}" srcOrd="2" destOrd="0" presId="urn:microsoft.com/office/officeart/2005/8/layout/architecture"/>
-    <dgm:cxn modelId="{09A5FD4D-7D82-4C8D-AEBB-9BCF85CC9A64}" type="presParOf" srcId="{B731BE7D-A2CC-469B-AF41-FF3066029B1B}" destId="{204864B0-CB67-4907-8F19-A5EC8786CB92}" srcOrd="0" destOrd="0" presId="urn:microsoft.com/office/officeart/2005/8/layout/architecture"/>
-    <dgm:cxn modelId="{B47A4996-490B-4DAF-B0BD-CB8AB0718BD8}" type="presParOf" srcId="{B731BE7D-A2CC-469B-AF41-FF3066029B1B}" destId="{C5E67E53-FFF2-4FDB-9889-1A84EF51450D}" srcOrd="1" destOrd="0" presId="urn:microsoft.com/office/officeart/2005/8/layout/architecture"/>
-    <dgm:cxn modelId="{6DBDDB23-0139-445F-937E-188BE1FF0D66}" type="presParOf" srcId="{279C97DC-D018-4C57-A612-8B54C704A904}" destId="{F92CA56F-2C06-480C-995F-9095207DA7A0}" srcOrd="3" destOrd="0" presId="urn:microsoft.com/office/officeart/2005/8/layout/architecture"/>
-    <dgm:cxn modelId="{452EDDD2-2C91-4E95-A518-7471175D62A2}" type="presParOf" srcId="{279C97DC-D018-4C57-A612-8B54C704A904}" destId="{C7737406-BF1E-436B-ABB8-8878BCBE324A}" srcOrd="4" destOrd="0" presId="urn:microsoft.com/office/officeart/2005/8/layout/architecture"/>
-    <dgm:cxn modelId="{1CAEBC65-BE0C-4EEE-85ED-7E519BCDBC97}" type="presParOf" srcId="{C7737406-BF1E-436B-ABB8-8878BCBE324A}" destId="{5679EE47-2B1C-431D-95B9-9C12162546D3}" srcOrd="0" destOrd="0" presId="urn:microsoft.com/office/officeart/2005/8/layout/architecture"/>
-    <dgm:cxn modelId="{3928A549-E3E0-4EFA-A639-B3DEAAF1A160}" type="presParOf" srcId="{C7737406-BF1E-436B-ABB8-8878BCBE324A}" destId="{E3CC03AB-CDF4-403A-B8A4-079C22E397DC}" srcOrd="1" destOrd="0" presId="urn:microsoft.com/office/officeart/2005/8/layout/architecture"/>
-    <dgm:cxn modelId="{F59E156A-FE02-4E68-8EA9-9927C5862D5B}" type="presParOf" srcId="{279C97DC-D018-4C57-A612-8B54C704A904}" destId="{CF3A2695-49C4-409F-BA3B-74B6153593B6}" srcOrd="5" destOrd="0" presId="urn:microsoft.com/office/officeart/2005/8/layout/architecture"/>
-    <dgm:cxn modelId="{0F968B60-CF83-420C-B43A-E0EF3472FB4E}" type="presParOf" srcId="{279C97DC-D018-4C57-A612-8B54C704A904}" destId="{BBD79991-4D40-411C-A180-2814B1A32FFA}" srcOrd="6" destOrd="0" presId="urn:microsoft.com/office/officeart/2005/8/layout/architecture"/>
-    <dgm:cxn modelId="{5C22F8EF-6B24-4364-86DA-1F16AD3FCDDE}" type="presParOf" srcId="{BBD79991-4D40-411C-A180-2814B1A32FFA}" destId="{D6676E93-CC16-4A48-9743-891C4E0AEB10}" srcOrd="0" destOrd="0" presId="urn:microsoft.com/office/officeart/2005/8/layout/architecture"/>
-    <dgm:cxn modelId="{2DC56CAE-EF65-4B82-BA68-9B3847A0EDD9}" type="presParOf" srcId="{BBD79991-4D40-411C-A180-2814B1A32FFA}" destId="{F3375B4F-67DF-44E3-960E-6C2823E3A3AF}" srcOrd="1" destOrd="0" presId="urn:microsoft.com/office/officeart/2005/8/layout/architecture"/>
-    <dgm:cxn modelId="{F238C88C-F313-4C53-80E0-BE8D570BEEAD}" type="presParOf" srcId="{279C97DC-D018-4C57-A612-8B54C704A904}" destId="{0B6EBA29-7E0E-4823-88CE-A327CDDDFB6C}" srcOrd="7" destOrd="0" presId="urn:microsoft.com/office/officeart/2005/8/layout/architecture"/>
-    <dgm:cxn modelId="{A2BBEDAE-A5C2-499B-82AD-1259C5024B9E}" type="presParOf" srcId="{279C97DC-D018-4C57-A612-8B54C704A904}" destId="{05FF967B-5163-493A-B0E1-803165D731AA}" srcOrd="8" destOrd="0" presId="urn:microsoft.com/office/officeart/2005/8/layout/architecture"/>
-    <dgm:cxn modelId="{C56711DD-6A08-4569-A8E5-BE13B19599DA}" type="presParOf" srcId="{05FF967B-5163-493A-B0E1-803165D731AA}" destId="{5CE82B4D-5D3F-485D-A0A3-6D432205E6D4}" srcOrd="0" destOrd="0" presId="urn:microsoft.com/office/officeart/2005/8/layout/architecture"/>
-    <dgm:cxn modelId="{570575AD-82DC-46F5-8B6D-0A6EBC5B660F}" type="presParOf" srcId="{05FF967B-5163-493A-B0E1-803165D731AA}" destId="{CE813A37-72D0-46E1-BF71-0442A9495026}" srcOrd="1" destOrd="0" presId="urn:microsoft.com/office/officeart/2005/8/layout/architecture"/>
-    <dgm:cxn modelId="{2544F158-F3A1-4796-AE2D-8F43822ADBF1}" type="presParOf" srcId="{279C97DC-D018-4C57-A612-8B54C704A904}" destId="{9AB01DCE-13B6-4244-BCA4-0C0291104BC7}" srcOrd="9" destOrd="0" presId="urn:microsoft.com/office/officeart/2005/8/layout/architecture"/>
-    <dgm:cxn modelId="{1FC99DEF-F881-441D-A713-28A672117E98}" type="presParOf" srcId="{279C97DC-D018-4C57-A612-8B54C704A904}" destId="{4D9340D5-B5B9-42C8-8948-71D6114C0FAC}" srcOrd="10" destOrd="0" presId="urn:microsoft.com/office/officeart/2005/8/layout/architecture"/>
-    <dgm:cxn modelId="{A1B5C835-8BEF-4ED8-B41D-C31DCBBFD289}" type="presParOf" srcId="{4D9340D5-B5B9-42C8-8948-71D6114C0FAC}" destId="{8E9322A5-B639-406C-9622-9B3F8705ACCA}" srcOrd="0" destOrd="0" presId="urn:microsoft.com/office/officeart/2005/8/layout/architecture"/>
-    <dgm:cxn modelId="{5DE3A7D3-D233-48E7-B8EF-BC5137FCF626}" type="presParOf" srcId="{4D9340D5-B5B9-42C8-8948-71D6114C0FAC}" destId="{F9D9BA24-A6DB-4200-9BD6-F0509CCD7E32}" srcOrd="1" destOrd="0" presId="urn:microsoft.com/office/officeart/2005/8/layout/architecture"/>
-  </dgm:cxnLst>
-  <dgm:bg/>
-  <dgm:whole/>
-  <dgm:extLst>
-    <a:ext uri="http://schemas.microsoft.com/office/drawing/2008/diagram">
-      <dsp:dataModelExt xmlns:dsp="http://schemas.microsoft.com/office/drawing/2008/diagram" relId="rId13" minVer="http://schemas.openxmlformats.org/drawingml/2006/diagram"/>
-    </a:ext>
-  </dgm:extLst>
-</dgm:dataModel>
-</file>
-
-<file path=ppt/diagrams/data4.xml><?xml version="1.0" encoding="utf-8"?>
 <dgm:dataModel xmlns:dgm="http://schemas.openxmlformats.org/drawingml/2006/diagram" xmlns:a="http://schemas.openxmlformats.org/drawingml/2006/main">
   <dgm:ptLst>
     <dgm:pt modelId="{539BF942-A207-4E7C-99B3-7698E004D5E5}" type="doc">
@@ -6294,15 +6006,15 @@
       <dsp:cNvGrpSpPr/>
     </dsp:nvGrpSpPr>
     <dsp:grpSpPr/>
-    <dsp:sp modelId="{CCF77F0E-AC98-4B07-862D-98B0033D1E5B}">
+    <dsp:sp modelId="{F75FBA98-67BE-4263-8A0A-0D314360C4A0}">
       <dsp:nvSpPr>
         <dsp:cNvPr id="0" name=""/>
         <dsp:cNvSpPr/>
       </dsp:nvSpPr>
       <dsp:spPr>
         <a:xfrm>
-          <a:off x="39" y="680573"/>
-          <a:ext cx="8129894" cy="489859"/>
+          <a:off x="3922858" y="2618929"/>
+          <a:ext cx="2629357" cy="1537581"/>
         </a:xfrm>
         <a:prstGeom prst="roundRect">
           <a:avLst>
@@ -6310,7 +6022,724 @@
           </a:avLst>
         </a:prstGeom>
         <a:solidFill>
-          <a:schemeClr val="accent1">
+          <a:schemeClr val="lt1">
+            <a:alpha val="90000"/>
+            <a:hueOff val="0"/>
+            <a:satOff val="0"/>
+            <a:lumOff val="0"/>
+            <a:alphaOff val="0"/>
+          </a:schemeClr>
+        </a:solidFill>
+        <a:ln w="12700" cap="flat" cmpd="sng" algn="ctr">
+          <a:solidFill>
+            <a:schemeClr val="accent4">
+              <a:hueOff val="6930461"/>
+              <a:satOff val="-31979"/>
+              <a:lumOff val="1177"/>
+              <a:alphaOff val="0"/>
+            </a:schemeClr>
+          </a:solidFill>
+          <a:prstDash val="solid"/>
+          <a:miter lim="800000"/>
+        </a:ln>
+        <a:effectLst/>
+      </dsp:spPr>
+      <dsp:style>
+        <a:lnRef idx="2">
+          <a:scrgbClr r="0" g="0" b="0"/>
+        </a:lnRef>
+        <a:fillRef idx="1">
+          <a:scrgbClr r="0" g="0" b="0"/>
+        </a:fillRef>
+        <a:effectRef idx="0">
+          <a:scrgbClr r="0" g="0" b="0"/>
+        </a:effectRef>
+        <a:fontRef idx="minor"/>
+      </dsp:style>
+      <dsp:txBody>
+        <a:bodyPr spcFirstLastPara="0" vert="horz" wrap="square" lIns="41910" tIns="41910" rIns="41910" bIns="41910" numCol="1" spcCol="1270" anchor="t" anchorCtr="0">
+          <a:noAutofit/>
+        </a:bodyPr>
+        <a:lstStyle/>
+        <a:p>
+          <a:pPr marL="57150" lvl="1" indent="-57150" algn="r" defTabSz="488950">
+            <a:lnSpc>
+              <a:spcPct val="90000"/>
+            </a:lnSpc>
+            <a:spcBef>
+              <a:spcPct val="0"/>
+            </a:spcBef>
+            <a:spcAft>
+              <a:spcPct val="15000"/>
+            </a:spcAft>
+            <a:buChar char="••"/>
+          </a:pPr>
+          <a:r>
+            <a:rPr lang="en-US" sz="1100" kern="1200" dirty="0" smtClean="0"/>
+            <a:t>Request/Respond</a:t>
+          </a:r>
+          <a:endParaRPr lang="en-US" sz="1100" kern="1200" dirty="0"/>
+        </a:p>
+        <a:p>
+          <a:pPr marL="57150" lvl="1" indent="-57150" algn="r" defTabSz="488950">
+            <a:lnSpc>
+              <a:spcPct val="90000"/>
+            </a:lnSpc>
+            <a:spcBef>
+              <a:spcPct val="0"/>
+            </a:spcBef>
+            <a:spcAft>
+              <a:spcPct val="15000"/>
+            </a:spcAft>
+            <a:buChar char="••"/>
+          </a:pPr>
+          <a:r>
+            <a:rPr lang="en-US" sz="1100" kern="1200" dirty="0" smtClean="0"/>
+            <a:t>Publish/Subscribe</a:t>
+          </a:r>
+          <a:endParaRPr lang="en-US" sz="1100" kern="1200" dirty="0"/>
+        </a:p>
+        <a:p>
+          <a:pPr marL="57150" lvl="1" indent="-57150" algn="r" defTabSz="488950">
+            <a:lnSpc>
+              <a:spcPct val="90000"/>
+            </a:lnSpc>
+            <a:spcBef>
+              <a:spcPct val="0"/>
+            </a:spcBef>
+            <a:spcAft>
+              <a:spcPct val="15000"/>
+            </a:spcAft>
+            <a:buChar char="••"/>
+          </a:pPr>
+          <a:r>
+            <a:rPr lang="en-US" sz="1100" kern="1200" dirty="0" smtClean="0"/>
+            <a:t>Saga and Saga State Machine</a:t>
+          </a:r>
+          <a:endParaRPr lang="en-US" sz="1100" kern="1200" dirty="0"/>
+        </a:p>
+        <a:p>
+          <a:pPr marL="57150" lvl="1" indent="-57150" algn="r" defTabSz="488950">
+            <a:lnSpc>
+              <a:spcPct val="90000"/>
+            </a:lnSpc>
+            <a:spcBef>
+              <a:spcPct val="0"/>
+            </a:spcBef>
+            <a:spcAft>
+              <a:spcPct val="15000"/>
+            </a:spcAft>
+            <a:buChar char="••"/>
+          </a:pPr>
+          <a:r>
+            <a:rPr lang="en-US" sz="1100" kern="1200" dirty="0" smtClean="0"/>
+            <a:t>Routing Slip</a:t>
+          </a:r>
+          <a:endParaRPr lang="en-US" sz="1100" kern="1200" dirty="0"/>
+        </a:p>
+        <a:p>
+          <a:pPr marL="57150" lvl="1" indent="-57150" algn="r" defTabSz="488950">
+            <a:lnSpc>
+              <a:spcPct val="90000"/>
+            </a:lnSpc>
+            <a:spcBef>
+              <a:spcPct val="0"/>
+            </a:spcBef>
+            <a:spcAft>
+              <a:spcPct val="15000"/>
+            </a:spcAft>
+            <a:buChar char="••"/>
+          </a:pPr>
+          <a:r>
+            <a:rPr lang="en-US" sz="1100" kern="1200" dirty="0" smtClean="0"/>
+            <a:t>Composite Events</a:t>
+          </a:r>
+          <a:endParaRPr lang="en-US" sz="1100" kern="1200" dirty="0"/>
+        </a:p>
+        <a:p>
+          <a:pPr marL="57150" lvl="1" indent="-57150" algn="r" defTabSz="488950">
+            <a:lnSpc>
+              <a:spcPct val="90000"/>
+            </a:lnSpc>
+            <a:spcBef>
+              <a:spcPct val="0"/>
+            </a:spcBef>
+            <a:spcAft>
+              <a:spcPct val="15000"/>
+            </a:spcAft>
+            <a:buChar char="••"/>
+          </a:pPr>
+          <a:r>
+            <a:rPr lang="en-US" sz="1100" kern="1200" dirty="0" smtClean="0"/>
+            <a:t>Compensations</a:t>
+          </a:r>
+          <a:endParaRPr lang="en-US" sz="1100" kern="1200" dirty="0"/>
+        </a:p>
+      </dsp:txBody>
+      <dsp:txXfrm>
+        <a:off x="4745442" y="3037101"/>
+        <a:ext cx="1772998" cy="1085634"/>
+      </dsp:txXfrm>
+    </dsp:sp>
+    <dsp:sp modelId="{AD38EE7A-C685-41D3-9F5C-1AD994465E23}">
+      <dsp:nvSpPr>
+        <dsp:cNvPr id="0" name=""/>
+        <dsp:cNvSpPr/>
+      </dsp:nvSpPr>
+      <dsp:spPr>
+        <a:xfrm>
+          <a:off x="659059" y="2560852"/>
+          <a:ext cx="2657351" cy="1653737"/>
+        </a:xfrm>
+        <a:prstGeom prst="roundRect">
+          <a:avLst>
+            <a:gd name="adj" fmla="val 10000"/>
+          </a:avLst>
+        </a:prstGeom>
+        <a:solidFill>
+          <a:schemeClr val="lt1">
+            <a:alpha val="90000"/>
+            <a:hueOff val="0"/>
+            <a:satOff val="0"/>
+            <a:lumOff val="0"/>
+            <a:alphaOff val="0"/>
+          </a:schemeClr>
+        </a:solidFill>
+        <a:ln w="12700" cap="flat" cmpd="sng" algn="ctr">
+          <a:solidFill>
+            <a:schemeClr val="accent4">
+              <a:hueOff val="10395692"/>
+              <a:satOff val="-47968"/>
+              <a:lumOff val="1765"/>
+              <a:alphaOff val="0"/>
+            </a:schemeClr>
+          </a:solidFill>
+          <a:prstDash val="solid"/>
+          <a:miter lim="800000"/>
+        </a:ln>
+        <a:effectLst/>
+      </dsp:spPr>
+      <dsp:style>
+        <a:lnRef idx="2">
+          <a:scrgbClr r="0" g="0" b="0"/>
+        </a:lnRef>
+        <a:fillRef idx="1">
+          <a:scrgbClr r="0" g="0" b="0"/>
+        </a:fillRef>
+        <a:effectRef idx="0">
+          <a:scrgbClr r="0" g="0" b="0"/>
+        </a:effectRef>
+        <a:fontRef idx="minor"/>
+      </dsp:style>
+      <dsp:txBody>
+        <a:bodyPr spcFirstLastPara="0" vert="horz" wrap="square" lIns="41910" tIns="41910" rIns="41910" bIns="41910" numCol="1" spcCol="1270" anchor="t" anchorCtr="0">
+          <a:noAutofit/>
+        </a:bodyPr>
+        <a:lstStyle/>
+        <a:p>
+          <a:pPr marL="57150" lvl="1" indent="-57150" algn="l" defTabSz="488950">
+            <a:lnSpc>
+              <a:spcPct val="90000"/>
+            </a:lnSpc>
+            <a:spcBef>
+              <a:spcPct val="0"/>
+            </a:spcBef>
+            <a:spcAft>
+              <a:spcPct val="15000"/>
+            </a:spcAft>
+            <a:buChar char="••"/>
+          </a:pPr>
+          <a:r>
+            <a:rPr lang="en-US" sz="1100" kern="1200" dirty="0" smtClean="0"/>
+            <a:t>Testing Library</a:t>
+          </a:r>
+          <a:endParaRPr lang="en-US" sz="1100" kern="1200" dirty="0"/>
+        </a:p>
+        <a:p>
+          <a:pPr marL="57150" lvl="1" indent="-57150" algn="l" defTabSz="488950">
+            <a:lnSpc>
+              <a:spcPct val="90000"/>
+            </a:lnSpc>
+            <a:spcBef>
+              <a:spcPct val="0"/>
+            </a:spcBef>
+            <a:spcAft>
+              <a:spcPct val="15000"/>
+            </a:spcAft>
+            <a:buChar char="••"/>
+          </a:pPr>
+          <a:r>
+            <a:rPr lang="en-US" sz="1100" kern="1200" dirty="0" smtClean="0"/>
+            <a:t>Transforms</a:t>
+          </a:r>
+          <a:endParaRPr lang="en-US" sz="1100" kern="1200" dirty="0"/>
+        </a:p>
+        <a:p>
+          <a:pPr marL="57150" lvl="1" indent="-57150" algn="l" defTabSz="488950">
+            <a:lnSpc>
+              <a:spcPct val="90000"/>
+            </a:lnSpc>
+            <a:spcBef>
+              <a:spcPct val="0"/>
+            </a:spcBef>
+            <a:spcAft>
+              <a:spcPct val="15000"/>
+            </a:spcAft>
+            <a:buChar char="••"/>
+          </a:pPr>
+          <a:r>
+            <a:rPr lang="en-US" sz="1100" kern="1200" dirty="0" smtClean="0"/>
+            <a:t>Versioning</a:t>
+          </a:r>
+          <a:endParaRPr lang="en-US" sz="1100" kern="1200" dirty="0"/>
+        </a:p>
+      </dsp:txBody>
+      <dsp:txXfrm>
+        <a:off x="695386" y="3010613"/>
+        <a:ext cx="1787492" cy="1167648"/>
+      </dsp:txXfrm>
+    </dsp:sp>
+    <dsp:sp modelId="{516B9BFA-5E3B-40B6-98AD-BE837D1FBAD6}">
+      <dsp:nvSpPr>
+        <dsp:cNvPr id="0" name=""/>
+        <dsp:cNvSpPr/>
+      </dsp:nvSpPr>
+      <dsp:spPr>
+        <a:xfrm>
+          <a:off x="3915238" y="-161828"/>
+          <a:ext cx="2644598" cy="1664095"/>
+        </a:xfrm>
+        <a:prstGeom prst="roundRect">
+          <a:avLst>
+            <a:gd name="adj" fmla="val 10000"/>
+          </a:avLst>
+        </a:prstGeom>
+        <a:solidFill>
+          <a:schemeClr val="lt1">
+            <a:alpha val="90000"/>
+            <a:hueOff val="0"/>
+            <a:satOff val="0"/>
+            <a:lumOff val="0"/>
+            <a:alphaOff val="0"/>
+          </a:schemeClr>
+        </a:solidFill>
+        <a:ln w="12700" cap="flat" cmpd="sng" algn="ctr">
+          <a:solidFill>
+            <a:schemeClr val="accent4">
+              <a:hueOff val="3465231"/>
+              <a:satOff val="-15989"/>
+              <a:lumOff val="588"/>
+              <a:alphaOff val="0"/>
+            </a:schemeClr>
+          </a:solidFill>
+          <a:prstDash val="solid"/>
+          <a:miter lim="800000"/>
+        </a:ln>
+        <a:effectLst/>
+      </dsp:spPr>
+      <dsp:style>
+        <a:lnRef idx="2">
+          <a:scrgbClr r="0" g="0" b="0"/>
+        </a:lnRef>
+        <a:fillRef idx="1">
+          <a:scrgbClr r="0" g="0" b="0"/>
+        </a:fillRef>
+        <a:effectRef idx="0">
+          <a:scrgbClr r="0" g="0" b="0"/>
+        </a:effectRef>
+        <a:fontRef idx="minor"/>
+      </dsp:style>
+      <dsp:txBody>
+        <a:bodyPr spcFirstLastPara="0" vert="horz" wrap="square" lIns="41910" tIns="41910" rIns="41910" bIns="41910" numCol="1" spcCol="1270" anchor="t" anchorCtr="0">
+          <a:noAutofit/>
+        </a:bodyPr>
+        <a:lstStyle/>
+        <a:p>
+          <a:pPr marL="57150" lvl="1" indent="-57150" algn="r" defTabSz="488950">
+            <a:lnSpc>
+              <a:spcPct val="90000"/>
+            </a:lnSpc>
+            <a:spcBef>
+              <a:spcPct val="0"/>
+            </a:spcBef>
+            <a:spcAft>
+              <a:spcPct val="15000"/>
+            </a:spcAft>
+            <a:buChar char="••"/>
+          </a:pPr>
+          <a:r>
+            <a:rPr lang="en-US" sz="1100" kern="1200" dirty="0" smtClean="0"/>
+            <a:t>Correlation</a:t>
+          </a:r>
+          <a:endParaRPr lang="en-US" sz="1100" kern="1200" dirty="0"/>
+        </a:p>
+        <a:p>
+          <a:pPr marL="57150" lvl="1" indent="-57150" algn="r" defTabSz="488950">
+            <a:lnSpc>
+              <a:spcPct val="90000"/>
+            </a:lnSpc>
+            <a:spcBef>
+              <a:spcPct val="0"/>
+            </a:spcBef>
+            <a:spcAft>
+              <a:spcPct val="15000"/>
+            </a:spcAft>
+            <a:buChar char="••"/>
+          </a:pPr>
+          <a:r>
+            <a:rPr lang="en-US" sz="1100" kern="1200" dirty="0" smtClean="0"/>
+            <a:t>Routing</a:t>
+          </a:r>
+          <a:endParaRPr lang="en-US" sz="1100" kern="1200" dirty="0"/>
+        </a:p>
+        <a:p>
+          <a:pPr marL="57150" lvl="1" indent="-57150" algn="r" defTabSz="488950">
+            <a:lnSpc>
+              <a:spcPct val="90000"/>
+            </a:lnSpc>
+            <a:spcBef>
+              <a:spcPct val="0"/>
+            </a:spcBef>
+            <a:spcAft>
+              <a:spcPct val="15000"/>
+            </a:spcAft>
+            <a:buChar char="••"/>
+          </a:pPr>
+          <a:r>
+            <a:rPr lang="en-US" sz="1100" kern="1200" dirty="0" smtClean="0"/>
+            <a:t>Retry Policy</a:t>
+          </a:r>
+          <a:endParaRPr lang="en-US" sz="1100" kern="1200" dirty="0"/>
+        </a:p>
+        <a:p>
+          <a:pPr marL="57150" lvl="1" indent="-57150" algn="r" defTabSz="488950">
+            <a:lnSpc>
+              <a:spcPct val="90000"/>
+            </a:lnSpc>
+            <a:spcBef>
+              <a:spcPct val="0"/>
+            </a:spcBef>
+            <a:spcAft>
+              <a:spcPct val="15000"/>
+            </a:spcAft>
+            <a:buChar char="••"/>
+          </a:pPr>
+          <a:r>
+            <a:rPr lang="en-US" sz="1100" kern="1200" dirty="0" smtClean="0"/>
+            <a:t>Scheduling</a:t>
+          </a:r>
+          <a:endParaRPr lang="en-US" sz="1100" kern="1200" dirty="0"/>
+        </a:p>
+        <a:p>
+          <a:pPr marL="57150" lvl="1" indent="-57150" algn="r" defTabSz="488950">
+            <a:lnSpc>
+              <a:spcPct val="90000"/>
+            </a:lnSpc>
+            <a:spcBef>
+              <a:spcPct val="0"/>
+            </a:spcBef>
+            <a:spcAft>
+              <a:spcPct val="15000"/>
+            </a:spcAft>
+            <a:buChar char="••"/>
+          </a:pPr>
+          <a:r>
+            <a:rPr lang="en-US" sz="1100" kern="1200" dirty="0" smtClean="0"/>
+            <a:t>Pipes and Filters</a:t>
+          </a:r>
+          <a:endParaRPr lang="en-US" sz="1100" kern="1200" dirty="0"/>
+        </a:p>
+        <a:p>
+          <a:pPr marL="57150" lvl="1" indent="-57150" algn="r" defTabSz="488950">
+            <a:lnSpc>
+              <a:spcPct val="90000"/>
+            </a:lnSpc>
+            <a:spcBef>
+              <a:spcPct val="0"/>
+            </a:spcBef>
+            <a:spcAft>
+              <a:spcPct val="15000"/>
+            </a:spcAft>
+            <a:buChar char="••"/>
+          </a:pPr>
+          <a:r>
+            <a:rPr lang="en-US" sz="1100" kern="1200" dirty="0" smtClean="0"/>
+            <a:t>Error Handling</a:t>
+          </a:r>
+          <a:endParaRPr lang="en-US" sz="1100" kern="1200" dirty="0"/>
+        </a:p>
+        <a:p>
+          <a:pPr marL="57150" lvl="1" indent="-57150" algn="r" defTabSz="488950">
+            <a:lnSpc>
+              <a:spcPct val="90000"/>
+            </a:lnSpc>
+            <a:spcBef>
+              <a:spcPct val="0"/>
+            </a:spcBef>
+            <a:spcAft>
+              <a:spcPct val="15000"/>
+            </a:spcAft>
+            <a:buChar char="••"/>
+          </a:pPr>
+          <a:r>
+            <a:rPr lang="en-US" sz="1100" kern="1200" dirty="0" smtClean="0"/>
+            <a:t>Dead Letter</a:t>
+          </a:r>
+          <a:endParaRPr lang="en-US" sz="1100" kern="1200" dirty="0"/>
+        </a:p>
+        <a:p>
+          <a:pPr marL="57150" lvl="1" indent="-57150" algn="r" defTabSz="488950">
+            <a:lnSpc>
+              <a:spcPct val="90000"/>
+            </a:lnSpc>
+            <a:spcBef>
+              <a:spcPct val="0"/>
+            </a:spcBef>
+            <a:spcAft>
+              <a:spcPct val="15000"/>
+            </a:spcAft>
+            <a:buChar char="••"/>
+          </a:pPr>
+          <a:r>
+            <a:rPr lang="en-US" sz="1100" kern="1200" dirty="0" smtClean="0"/>
+            <a:t>Circuit Breaker</a:t>
+          </a:r>
+          <a:endParaRPr lang="en-US" sz="1100" kern="1200" dirty="0"/>
+        </a:p>
+      </dsp:txBody>
+      <dsp:txXfrm>
+        <a:off x="4745173" y="-125273"/>
+        <a:ext cx="1778109" cy="1174961"/>
+      </dsp:txXfrm>
+    </dsp:sp>
+    <dsp:sp modelId="{74C15D2B-43BE-409A-99E1-4C7BEA41372F}">
+      <dsp:nvSpPr>
+        <dsp:cNvPr id="0" name=""/>
+        <dsp:cNvSpPr/>
+      </dsp:nvSpPr>
+      <dsp:spPr>
+        <a:xfrm>
+          <a:off x="691415" y="-197725"/>
+          <a:ext cx="2650165" cy="1735888"/>
+        </a:xfrm>
+        <a:prstGeom prst="roundRect">
+          <a:avLst>
+            <a:gd name="adj" fmla="val 10000"/>
+          </a:avLst>
+        </a:prstGeom>
+        <a:solidFill>
+          <a:schemeClr val="lt1">
+            <a:alpha val="90000"/>
+            <a:hueOff val="0"/>
+            <a:satOff val="0"/>
+            <a:lumOff val="0"/>
+            <a:alphaOff val="0"/>
+          </a:schemeClr>
+        </a:solidFill>
+        <a:ln w="12700" cap="flat" cmpd="sng" algn="ctr">
+          <a:solidFill>
+            <a:schemeClr val="accent4">
+              <a:hueOff val="0"/>
+              <a:satOff val="0"/>
+              <a:lumOff val="0"/>
+              <a:alphaOff val="0"/>
+            </a:schemeClr>
+          </a:solidFill>
+          <a:prstDash val="solid"/>
+          <a:miter lim="800000"/>
+        </a:ln>
+        <a:effectLst/>
+      </dsp:spPr>
+      <dsp:style>
+        <a:lnRef idx="2">
+          <a:scrgbClr r="0" g="0" b="0"/>
+        </a:lnRef>
+        <a:fillRef idx="1">
+          <a:scrgbClr r="0" g="0" b="0"/>
+        </a:fillRef>
+        <a:effectRef idx="0">
+          <a:scrgbClr r="0" g="0" b="0"/>
+        </a:effectRef>
+        <a:fontRef idx="minor"/>
+      </dsp:style>
+      <dsp:txBody>
+        <a:bodyPr spcFirstLastPara="0" vert="horz" wrap="square" lIns="41910" tIns="41910" rIns="41910" bIns="41910" numCol="1" spcCol="1270" anchor="t" anchorCtr="0">
+          <a:noAutofit/>
+        </a:bodyPr>
+        <a:lstStyle/>
+        <a:p>
+          <a:pPr marL="57150" lvl="1" indent="-57150" algn="l" defTabSz="488950">
+            <a:lnSpc>
+              <a:spcPct val="90000"/>
+            </a:lnSpc>
+            <a:spcBef>
+              <a:spcPct val="0"/>
+            </a:spcBef>
+            <a:spcAft>
+              <a:spcPct val="15000"/>
+            </a:spcAft>
+            <a:buChar char="••"/>
+          </a:pPr>
+          <a:r>
+            <a:rPr lang="en-US" sz="1100" kern="1200" dirty="0" smtClean="0"/>
+            <a:t>Configuration</a:t>
+          </a:r>
+          <a:endParaRPr lang="en-US" sz="1100" kern="1200" dirty="0"/>
+        </a:p>
+        <a:p>
+          <a:pPr marL="57150" lvl="1" indent="-57150" algn="l" defTabSz="488950">
+            <a:lnSpc>
+              <a:spcPct val="90000"/>
+            </a:lnSpc>
+            <a:spcBef>
+              <a:spcPct val="0"/>
+            </a:spcBef>
+            <a:spcAft>
+              <a:spcPct val="15000"/>
+            </a:spcAft>
+            <a:buChar char="••"/>
+          </a:pPr>
+          <a:r>
+            <a:rPr lang="en-US" sz="1100" kern="1200" dirty="0" smtClean="0"/>
+            <a:t>Transports</a:t>
+          </a:r>
+          <a:endParaRPr lang="en-US" sz="1100" kern="1200" dirty="0"/>
+        </a:p>
+        <a:p>
+          <a:pPr marL="57150" lvl="1" indent="-57150" algn="l" defTabSz="488950">
+            <a:lnSpc>
+              <a:spcPct val="90000"/>
+            </a:lnSpc>
+            <a:spcBef>
+              <a:spcPct val="0"/>
+            </a:spcBef>
+            <a:spcAft>
+              <a:spcPct val="15000"/>
+            </a:spcAft>
+            <a:buChar char="••"/>
+          </a:pPr>
+          <a:r>
+            <a:rPr lang="en-US" sz="1100" kern="1200" dirty="0" smtClean="0"/>
+            <a:t>Lifetime</a:t>
+          </a:r>
+          <a:endParaRPr lang="en-US" sz="1100" kern="1200" dirty="0"/>
+        </a:p>
+        <a:p>
+          <a:pPr marL="57150" lvl="1" indent="-57150" algn="l" defTabSz="488950">
+            <a:lnSpc>
+              <a:spcPct val="90000"/>
+            </a:lnSpc>
+            <a:spcBef>
+              <a:spcPct val="0"/>
+            </a:spcBef>
+            <a:spcAft>
+              <a:spcPct val="15000"/>
+            </a:spcAft>
+            <a:buChar char="••"/>
+          </a:pPr>
+          <a:r>
+            <a:rPr lang="en-US" sz="1100" kern="1200" dirty="0" smtClean="0"/>
+            <a:t>Persistency</a:t>
+          </a:r>
+          <a:endParaRPr lang="en-US" sz="1100" kern="1200" dirty="0"/>
+        </a:p>
+        <a:p>
+          <a:pPr marL="57150" lvl="1" indent="-57150" algn="l" defTabSz="488950">
+            <a:lnSpc>
+              <a:spcPct val="90000"/>
+            </a:lnSpc>
+            <a:spcBef>
+              <a:spcPct val="0"/>
+            </a:spcBef>
+            <a:spcAft>
+              <a:spcPct val="15000"/>
+            </a:spcAft>
+            <a:buChar char="••"/>
+          </a:pPr>
+          <a:r>
+            <a:rPr lang="en-US" sz="1100" kern="1200" dirty="0" smtClean="0"/>
+            <a:t>Serialization</a:t>
+          </a:r>
+          <a:endParaRPr lang="en-US" sz="1100" kern="1200" dirty="0"/>
+        </a:p>
+        <a:p>
+          <a:pPr marL="57150" lvl="1" indent="-57150" algn="l" defTabSz="488950">
+            <a:lnSpc>
+              <a:spcPct val="90000"/>
+            </a:lnSpc>
+            <a:spcBef>
+              <a:spcPct val="0"/>
+            </a:spcBef>
+            <a:spcAft>
+              <a:spcPct val="15000"/>
+            </a:spcAft>
+            <a:buChar char="••"/>
+          </a:pPr>
+          <a:r>
+            <a:rPr lang="en-US" sz="1100" kern="1200" dirty="0" smtClean="0"/>
+            <a:t>Transforms</a:t>
+          </a:r>
+          <a:endParaRPr lang="en-US" sz="1100" kern="1200" dirty="0"/>
+        </a:p>
+        <a:p>
+          <a:pPr marL="57150" lvl="1" indent="-57150" algn="l" defTabSz="488950">
+            <a:lnSpc>
+              <a:spcPct val="90000"/>
+            </a:lnSpc>
+            <a:spcBef>
+              <a:spcPct val="0"/>
+            </a:spcBef>
+            <a:spcAft>
+              <a:spcPct val="15000"/>
+            </a:spcAft>
+            <a:buChar char="••"/>
+          </a:pPr>
+          <a:r>
+            <a:rPr lang="en-US" sz="1100" kern="1200" dirty="0" smtClean="0"/>
+            <a:t>Encryption</a:t>
+          </a:r>
+          <a:endParaRPr lang="en-US" sz="1100" kern="1200" dirty="0"/>
+        </a:p>
+        <a:p>
+          <a:pPr marL="57150" lvl="1" indent="-57150" algn="l" defTabSz="488950">
+            <a:lnSpc>
+              <a:spcPct val="90000"/>
+            </a:lnSpc>
+            <a:spcBef>
+              <a:spcPct val="0"/>
+            </a:spcBef>
+            <a:spcAft>
+              <a:spcPct val="15000"/>
+            </a:spcAft>
+            <a:buChar char="••"/>
+          </a:pPr>
+          <a:r>
+            <a:rPr lang="en-US" sz="1100" kern="1200" dirty="0" smtClean="0"/>
+            <a:t>Monitoring</a:t>
+          </a:r>
+          <a:endParaRPr lang="en-US" sz="1100" kern="1200" dirty="0"/>
+        </a:p>
+      </dsp:txBody>
+      <dsp:txXfrm>
+        <a:off x="729547" y="-159593"/>
+        <a:ext cx="1778852" cy="1225652"/>
+      </dsp:txXfrm>
+    </dsp:sp>
+    <dsp:sp modelId="{BAE0A4B9-FAE5-408A-9164-19C9A218F095}">
+      <dsp:nvSpPr>
+        <dsp:cNvPr id="0" name=""/>
+        <dsp:cNvSpPr/>
+      </dsp:nvSpPr>
+      <dsp:spPr>
+        <a:xfrm>
+          <a:off x="1853457" y="238059"/>
+          <a:ext cx="1730409" cy="1730409"/>
+        </a:xfrm>
+        <a:prstGeom prst="pieWedge">
+          <a:avLst/>
+        </a:prstGeom>
+        <a:solidFill>
+          <a:schemeClr val="accent4">
             <a:hueOff val="0"/>
             <a:satOff val="0"/>
             <a:lumOff val="0"/>
@@ -6346,12 +6775,12 @@
         </a:fontRef>
       </dsp:style>
       <dsp:txBody>
-        <a:bodyPr spcFirstLastPara="0" vert="horz" wrap="square" lIns="80010" tIns="80010" rIns="80010" bIns="80010" numCol="1" spcCol="1270" anchor="ctr" anchorCtr="0">
+        <a:bodyPr spcFirstLastPara="0" vert="horz" wrap="square" lIns="78232" tIns="78232" rIns="78232" bIns="78232" numCol="1" spcCol="1270" anchor="ctr" anchorCtr="0">
           <a:noAutofit/>
         </a:bodyPr>
         <a:lstStyle/>
         <a:p>
-          <a:pPr lvl="0" algn="ctr" defTabSz="933450" rtl="0">
+          <a:pPr lvl="0" algn="ctr" defTabSz="488950">
             <a:lnSpc>
               <a:spcPct val="90000"/>
             </a:lnSpc>
@@ -6363,37 +6792,35 @@
             </a:spcAft>
           </a:pPr>
           <a:r>
-            <a:rPr lang="en-US" sz="2100" kern="1200" dirty="0" smtClean="0"/>
-            <a:t>Transports</a:t>
+            <a:rPr lang="en-US" sz="1100" kern="1200" dirty="0" smtClean="0"/>
+            <a:t>Infrastructure</a:t>
           </a:r>
-          <a:endParaRPr lang="en-US" sz="2100" kern="1200" dirty="0"/>
+          <a:endParaRPr lang="en-US" sz="1100" kern="1200" dirty="0"/>
         </a:p>
       </dsp:txBody>
       <dsp:txXfrm>
-        <a:off x="14386" y="694920"/>
-        <a:ext cx="8101200" cy="461165"/>
+        <a:off x="2360282" y="744884"/>
+        <a:ext cx="1223584" cy="1223584"/>
       </dsp:txXfrm>
     </dsp:sp>
-    <dsp:sp modelId="{DDCD081A-6AC6-4EA7-85C2-2CBB6ACD26E5}">
+    <dsp:sp modelId="{E7D18CCD-34F1-4E56-9739-0BAD073A51D3}">
       <dsp:nvSpPr>
         <dsp:cNvPr id="0" name=""/>
         <dsp:cNvSpPr/>
       </dsp:nvSpPr>
       <dsp:spPr>
-        <a:xfrm>
-          <a:off x="39" y="199"/>
-          <a:ext cx="1266338" cy="489859"/>
+        <a:xfrm rot="5400000">
+          <a:off x="3663793" y="238059"/>
+          <a:ext cx="1730409" cy="1730409"/>
         </a:xfrm>
-        <a:prstGeom prst="roundRect">
-          <a:avLst>
-            <a:gd name="adj" fmla="val 10000"/>
-          </a:avLst>
+        <a:prstGeom prst="pieWedge">
+          <a:avLst/>
         </a:prstGeom>
         <a:solidFill>
-          <a:schemeClr val="accent1">
-            <a:hueOff val="0"/>
-            <a:satOff val="0"/>
-            <a:lumOff val="0"/>
+          <a:schemeClr val="accent4">
+            <a:hueOff val="3465231"/>
+            <a:satOff val="-15989"/>
+            <a:lumOff val="588"/>
             <a:alphaOff val="0"/>
           </a:schemeClr>
         </a:solidFill>
@@ -6426,12 +6853,12 @@
         </a:fontRef>
       </dsp:style>
       <dsp:txBody>
-        <a:bodyPr spcFirstLastPara="0" vert="horz" wrap="square" lIns="49530" tIns="49530" rIns="49530" bIns="49530" numCol="1" spcCol="1270" anchor="ctr" anchorCtr="0">
+        <a:bodyPr spcFirstLastPara="0" vert="horz" wrap="square" lIns="78232" tIns="78232" rIns="78232" bIns="78232" numCol="1" spcCol="1270" anchor="ctr" anchorCtr="0">
           <a:noAutofit/>
         </a:bodyPr>
         <a:lstStyle/>
         <a:p>
-          <a:pPr lvl="0" algn="ctr" defTabSz="577850" rtl="0">
+          <a:pPr lvl="0" algn="ctr" defTabSz="488950">
             <a:lnSpc>
               <a:spcPct val="90000"/>
             </a:lnSpc>
@@ -6443,37 +6870,35 @@
             </a:spcAft>
           </a:pPr>
           <a:r>
-            <a:rPr lang="en-US" sz="1300" kern="1200" dirty="0" smtClean="0"/>
-            <a:t>Routing</a:t>
+            <a:rPr lang="en-US" sz="1100" kern="1200" dirty="0" smtClean="0"/>
+            <a:t>Flow Control</a:t>
           </a:r>
-          <a:endParaRPr lang="en-US" sz="1300" kern="1200" dirty="0"/>
+          <a:endParaRPr lang="en-US" sz="1100" kern="1200" dirty="0"/>
         </a:p>
       </dsp:txBody>
-      <dsp:txXfrm>
-        <a:off x="14386" y="14546"/>
-        <a:ext cx="1237644" cy="461165"/>
+      <dsp:txXfrm rot="-5400000">
+        <a:off x="3663793" y="744884"/>
+        <a:ext cx="1223584" cy="1223584"/>
       </dsp:txXfrm>
     </dsp:sp>
-    <dsp:sp modelId="{204864B0-CB67-4907-8F19-A5EC8786CB92}">
+    <dsp:sp modelId="{CE6366C0-1569-4A15-B9CE-069B03284478}">
       <dsp:nvSpPr>
         <dsp:cNvPr id="0" name=""/>
         <dsp:cNvSpPr/>
       </dsp:nvSpPr>
       <dsp:spPr>
-        <a:xfrm>
-          <a:off x="1372750" y="199"/>
-          <a:ext cx="1266338" cy="489859"/>
+        <a:xfrm rot="10800000">
+          <a:off x="3663793" y="2048395"/>
+          <a:ext cx="1730409" cy="1730409"/>
         </a:xfrm>
-        <a:prstGeom prst="roundRect">
-          <a:avLst>
-            <a:gd name="adj" fmla="val 10000"/>
-          </a:avLst>
+        <a:prstGeom prst="pieWedge">
+          <a:avLst/>
         </a:prstGeom>
         <a:solidFill>
-          <a:schemeClr val="accent1">
-            <a:hueOff val="0"/>
-            <a:satOff val="0"/>
-            <a:lumOff val="0"/>
+          <a:schemeClr val="accent4">
+            <a:hueOff val="6930461"/>
+            <a:satOff val="-31979"/>
+            <a:lumOff val="1177"/>
             <a:alphaOff val="0"/>
           </a:schemeClr>
         </a:solidFill>
@@ -6506,12 +6931,12 @@
         </a:fontRef>
       </dsp:style>
       <dsp:txBody>
-        <a:bodyPr spcFirstLastPara="0" vert="horz" wrap="square" lIns="49530" tIns="49530" rIns="49530" bIns="49530" numCol="1" spcCol="1270" anchor="ctr" anchorCtr="0">
+        <a:bodyPr spcFirstLastPara="0" vert="horz" wrap="square" lIns="78232" tIns="78232" rIns="78232" bIns="78232" numCol="1" spcCol="1270" anchor="ctr" anchorCtr="0">
           <a:noAutofit/>
         </a:bodyPr>
         <a:lstStyle/>
         <a:p>
-          <a:pPr lvl="0" algn="ctr" defTabSz="577850" rtl="0">
+          <a:pPr lvl="0" algn="ctr" defTabSz="488950">
             <a:lnSpc>
               <a:spcPct val="90000"/>
             </a:lnSpc>
@@ -6523,37 +6948,35 @@
             </a:spcAft>
           </a:pPr>
           <a:r>
-            <a:rPr lang="en-US" sz="1300" kern="1200" dirty="0" smtClean="0"/>
-            <a:t>Serialization</a:t>
+            <a:rPr lang="en-US" sz="1100" kern="1200" dirty="0" smtClean="0"/>
+            <a:t>Messaging Patterns</a:t>
           </a:r>
-          <a:endParaRPr lang="en-US" sz="1300" kern="1200" dirty="0"/>
+          <a:endParaRPr lang="en-US" sz="1100" kern="1200" dirty="0"/>
         </a:p>
       </dsp:txBody>
-      <dsp:txXfrm>
-        <a:off x="1387097" y="14546"/>
-        <a:ext cx="1237644" cy="461165"/>
+      <dsp:txXfrm rot="10800000">
+        <a:off x="3663793" y="2048395"/>
+        <a:ext cx="1223584" cy="1223584"/>
       </dsp:txXfrm>
     </dsp:sp>
-    <dsp:sp modelId="{5679EE47-2B1C-431D-95B9-9C12162546D3}">
+    <dsp:sp modelId="{E5EC745D-1674-4010-B81B-6433AC14FEEF}">
       <dsp:nvSpPr>
         <dsp:cNvPr id="0" name=""/>
         <dsp:cNvSpPr/>
       </dsp:nvSpPr>
       <dsp:spPr>
-        <a:xfrm>
-          <a:off x="2745462" y="199"/>
-          <a:ext cx="1266338" cy="489859"/>
+        <a:xfrm rot="16200000">
+          <a:off x="1853457" y="2048395"/>
+          <a:ext cx="1730409" cy="1730409"/>
         </a:xfrm>
-        <a:prstGeom prst="roundRect">
-          <a:avLst>
-            <a:gd name="adj" fmla="val 10000"/>
-          </a:avLst>
+        <a:prstGeom prst="pieWedge">
+          <a:avLst/>
         </a:prstGeom>
         <a:solidFill>
-          <a:schemeClr val="accent1">
-            <a:hueOff val="0"/>
-            <a:satOff val="0"/>
-            <a:lumOff val="0"/>
+          <a:schemeClr val="accent4">
+            <a:hueOff val="10395692"/>
+            <a:satOff val="-47968"/>
+            <a:lumOff val="1765"/>
             <a:alphaOff val="0"/>
           </a:schemeClr>
         </a:solidFill>
@@ -6586,12 +7009,12 @@
         </a:fontRef>
       </dsp:style>
       <dsp:txBody>
-        <a:bodyPr spcFirstLastPara="0" vert="horz" wrap="square" lIns="49530" tIns="49530" rIns="49530" bIns="49530" numCol="1" spcCol="1270" anchor="ctr" anchorCtr="0">
+        <a:bodyPr spcFirstLastPara="0" vert="horz" wrap="square" lIns="78232" tIns="78232" rIns="78232" bIns="78232" numCol="1" spcCol="1270" anchor="ctr" anchorCtr="0">
           <a:noAutofit/>
         </a:bodyPr>
         <a:lstStyle/>
         <a:p>
-          <a:pPr lvl="0" algn="ctr" defTabSz="577850" rtl="0">
+          <a:pPr lvl="0" algn="ctr" defTabSz="488950">
             <a:lnSpc>
               <a:spcPct val="90000"/>
             </a:lnSpc>
@@ -6603,34 +7026,33 @@
             </a:spcAft>
           </a:pPr>
           <a:r>
-            <a:rPr lang="en-US" sz="1300" kern="1200" dirty="0" smtClean="0"/>
-            <a:t>Pipes and filters</a:t>
+            <a:rPr lang="en-US" sz="1100" kern="1200" dirty="0" smtClean="0"/>
+            <a:t>Other</a:t>
           </a:r>
-          <a:endParaRPr lang="en-US" sz="1300" kern="1200" dirty="0"/>
+          <a:endParaRPr lang="en-US" sz="1100" kern="1200" dirty="0"/>
         </a:p>
       </dsp:txBody>
-      <dsp:txXfrm>
-        <a:off x="2759809" y="14546"/>
-        <a:ext cx="1237644" cy="461165"/>
+      <dsp:txXfrm rot="5400000">
+        <a:off x="2360282" y="2048395"/>
+        <a:ext cx="1223584" cy="1223584"/>
       </dsp:txXfrm>
     </dsp:sp>
-    <dsp:sp modelId="{D6676E93-CC16-4A48-9743-891C4E0AEB10}">
+    <dsp:sp modelId="{6E259363-866B-467D-9A9E-4BF3D9F93193}">
       <dsp:nvSpPr>
         <dsp:cNvPr id="0" name=""/>
         <dsp:cNvSpPr/>
       </dsp:nvSpPr>
       <dsp:spPr>
         <a:xfrm>
-          <a:off x="4118173" y="199"/>
-          <a:ext cx="1266338" cy="489859"/>
+          <a:off x="3325104" y="1648762"/>
+          <a:ext cx="597450" cy="519522"/>
         </a:xfrm>
-        <a:prstGeom prst="roundRect">
-          <a:avLst>
-            <a:gd name="adj" fmla="val 10000"/>
-          </a:avLst>
+        <a:prstGeom prst="circularArrow">
+          <a:avLst/>
         </a:prstGeom>
         <a:solidFill>
-          <a:schemeClr val="accent1">
+          <a:schemeClr val="accent4">
+            <a:tint val="40000"/>
             <a:hueOff val="0"/>
             <a:satOff val="0"/>
             <a:lumOff val="0"/>
@@ -6661,56 +7083,25 @@
         <a:effectRef idx="0">
           <a:scrgbClr r="0" g="0" b="0"/>
         </a:effectRef>
-        <a:fontRef idx="minor">
-          <a:schemeClr val="lt1"/>
-        </a:fontRef>
+        <a:fontRef idx="minor"/>
       </dsp:style>
-      <dsp:txBody>
-        <a:bodyPr spcFirstLastPara="0" vert="horz" wrap="square" lIns="49530" tIns="49530" rIns="49530" bIns="49530" numCol="1" spcCol="1270" anchor="ctr" anchorCtr="0">
-          <a:noAutofit/>
-        </a:bodyPr>
-        <a:lstStyle/>
-        <a:p>
-          <a:pPr lvl="0" algn="ctr" defTabSz="577850" rtl="0">
-            <a:lnSpc>
-              <a:spcPct val="90000"/>
-            </a:lnSpc>
-            <a:spcBef>
-              <a:spcPct val="0"/>
-            </a:spcBef>
-            <a:spcAft>
-              <a:spcPct val="35000"/>
-            </a:spcAft>
-          </a:pPr>
-          <a:r>
-            <a:rPr lang="en-US" sz="1300" kern="1200" dirty="0" smtClean="0"/>
-            <a:t>Transforms</a:t>
-          </a:r>
-          <a:endParaRPr lang="en-US" sz="1300" kern="1200" dirty="0"/>
-        </a:p>
-      </dsp:txBody>
-      <dsp:txXfrm>
-        <a:off x="4132520" y="14546"/>
-        <a:ext cx="1237644" cy="461165"/>
-      </dsp:txXfrm>
     </dsp:sp>
-    <dsp:sp modelId="{5CE82B4D-5D3F-485D-A0A3-6D432205E6D4}">
+    <dsp:sp modelId="{58318B0E-53CD-492E-B093-42E8637A30F2}">
       <dsp:nvSpPr>
         <dsp:cNvPr id="0" name=""/>
         <dsp:cNvSpPr/>
       </dsp:nvSpPr>
       <dsp:spPr>
-        <a:xfrm>
-          <a:off x="5490884" y="199"/>
-          <a:ext cx="1266338" cy="489859"/>
+        <a:xfrm rot="10800000">
+          <a:off x="3325104" y="1848578"/>
+          <a:ext cx="597450" cy="519522"/>
         </a:xfrm>
-        <a:prstGeom prst="roundRect">
-          <a:avLst>
-            <a:gd name="adj" fmla="val 10000"/>
-          </a:avLst>
+        <a:prstGeom prst="circularArrow">
+          <a:avLst/>
         </a:prstGeom>
         <a:solidFill>
-          <a:schemeClr val="accent1">
+          <a:schemeClr val="accent4">
+            <a:tint val="40000"/>
             <a:hueOff val="0"/>
             <a:satOff val="0"/>
             <a:lumOff val="0"/>
@@ -6741,696 +7132,14 @@
         <a:effectRef idx="0">
           <a:scrgbClr r="0" g="0" b="0"/>
         </a:effectRef>
-        <a:fontRef idx="minor">
-          <a:schemeClr val="lt1"/>
-        </a:fontRef>
+        <a:fontRef idx="minor"/>
       </dsp:style>
-      <dsp:txBody>
-        <a:bodyPr spcFirstLastPara="0" vert="horz" wrap="square" lIns="49530" tIns="49530" rIns="49530" bIns="49530" numCol="1" spcCol="1270" anchor="ctr" anchorCtr="0">
-          <a:noAutofit/>
-        </a:bodyPr>
-        <a:lstStyle/>
-        <a:p>
-          <a:pPr lvl="0" algn="ctr" defTabSz="577850" rtl="0">
-            <a:lnSpc>
-              <a:spcPct val="90000"/>
-            </a:lnSpc>
-            <a:spcBef>
-              <a:spcPct val="0"/>
-            </a:spcBef>
-            <a:spcAft>
-              <a:spcPct val="35000"/>
-            </a:spcAft>
-          </a:pPr>
-          <a:r>
-            <a:rPr lang="en-US" sz="1300" kern="1200" dirty="0" smtClean="0"/>
-            <a:t>Configuration</a:t>
-          </a:r>
-          <a:endParaRPr lang="en-US" sz="1300" kern="1200" dirty="0"/>
-        </a:p>
-      </dsp:txBody>
-      <dsp:txXfrm>
-        <a:off x="5505231" y="14546"/>
-        <a:ext cx="1237644" cy="461165"/>
-      </dsp:txXfrm>
-    </dsp:sp>
-    <dsp:sp modelId="{8E9322A5-B639-406C-9622-9B3F8705ACCA}">
-      <dsp:nvSpPr>
-        <dsp:cNvPr id="0" name=""/>
-        <dsp:cNvSpPr/>
-      </dsp:nvSpPr>
-      <dsp:spPr>
-        <a:xfrm>
-          <a:off x="6863595" y="199"/>
-          <a:ext cx="1266338" cy="489859"/>
-        </a:xfrm>
-        <a:prstGeom prst="roundRect">
-          <a:avLst>
-            <a:gd name="adj" fmla="val 10000"/>
-          </a:avLst>
-        </a:prstGeom>
-        <a:solidFill>
-          <a:schemeClr val="accent1">
-            <a:hueOff val="0"/>
-            <a:satOff val="0"/>
-            <a:lumOff val="0"/>
-            <a:alphaOff val="0"/>
-          </a:schemeClr>
-        </a:solidFill>
-        <a:ln w="12700" cap="flat" cmpd="sng" algn="ctr">
-          <a:solidFill>
-            <a:schemeClr val="lt1">
-              <a:hueOff val="0"/>
-              <a:satOff val="0"/>
-              <a:lumOff val="0"/>
-              <a:alphaOff val="0"/>
-            </a:schemeClr>
-          </a:solidFill>
-          <a:prstDash val="solid"/>
-          <a:miter lim="800000"/>
-        </a:ln>
-        <a:effectLst/>
-      </dsp:spPr>
-      <dsp:style>
-        <a:lnRef idx="2">
-          <a:scrgbClr r="0" g="0" b="0"/>
-        </a:lnRef>
-        <a:fillRef idx="1">
-          <a:scrgbClr r="0" g="0" b="0"/>
-        </a:fillRef>
-        <a:effectRef idx="0">
-          <a:scrgbClr r="0" g="0" b="0"/>
-        </a:effectRef>
-        <a:fontRef idx="minor">
-          <a:schemeClr val="lt1"/>
-        </a:fontRef>
-      </dsp:style>
-      <dsp:txBody>
-        <a:bodyPr spcFirstLastPara="0" vert="horz" wrap="square" lIns="49530" tIns="49530" rIns="49530" bIns="49530" numCol="1" spcCol="1270" anchor="ctr" anchorCtr="0">
-          <a:noAutofit/>
-        </a:bodyPr>
-        <a:lstStyle/>
-        <a:p>
-          <a:pPr lvl="0" algn="ctr" defTabSz="577850" rtl="0">
-            <a:lnSpc>
-              <a:spcPct val="90000"/>
-            </a:lnSpc>
-            <a:spcBef>
-              <a:spcPct val="0"/>
-            </a:spcBef>
-            <a:spcAft>
-              <a:spcPct val="35000"/>
-            </a:spcAft>
-          </a:pPr>
-          <a:r>
-            <a:rPr lang="en-US" sz="1300" kern="1200" dirty="0" smtClean="0"/>
-            <a:t>Encryption</a:t>
-          </a:r>
-          <a:endParaRPr lang="en-US" sz="1300" kern="1200" dirty="0"/>
-        </a:p>
-      </dsp:txBody>
-      <dsp:txXfrm>
-        <a:off x="6877942" y="14546"/>
-        <a:ext cx="1237644" cy="461165"/>
-      </dsp:txXfrm>
     </dsp:sp>
   </dsp:spTree>
 </dsp:drawing>
 </file>
 
 <file path=ppt/diagrams/drawing3.xml><?xml version="1.0" encoding="utf-8"?>
-<dsp:drawing xmlns:dgm="http://schemas.openxmlformats.org/drawingml/2006/diagram" xmlns:dsp="http://schemas.microsoft.com/office/drawing/2008/diagram" xmlns:a="http://schemas.openxmlformats.org/drawingml/2006/main">
-  <dsp:spTree>
-    <dsp:nvGrpSpPr>
-      <dsp:cNvPr id="0" name=""/>
-      <dsp:cNvGrpSpPr/>
-    </dsp:nvGrpSpPr>
-    <dsp:grpSpPr/>
-    <dsp:sp modelId="{CCF77F0E-AC98-4B07-862D-98B0033D1E5B}">
-      <dsp:nvSpPr>
-        <dsp:cNvPr id="0" name=""/>
-        <dsp:cNvSpPr/>
-      </dsp:nvSpPr>
-      <dsp:spPr>
-        <a:xfrm>
-          <a:off x="39" y="680573"/>
-          <a:ext cx="8129894" cy="489859"/>
-        </a:xfrm>
-        <a:prstGeom prst="roundRect">
-          <a:avLst>
-            <a:gd name="adj" fmla="val 10000"/>
-          </a:avLst>
-        </a:prstGeom>
-        <a:solidFill>
-          <a:schemeClr val="accent1">
-            <a:hueOff val="0"/>
-            <a:satOff val="0"/>
-            <a:lumOff val="0"/>
-            <a:alphaOff val="0"/>
-          </a:schemeClr>
-        </a:solidFill>
-        <a:ln w="12700" cap="flat" cmpd="sng" algn="ctr">
-          <a:solidFill>
-            <a:schemeClr val="lt1">
-              <a:hueOff val="0"/>
-              <a:satOff val="0"/>
-              <a:lumOff val="0"/>
-              <a:alphaOff val="0"/>
-            </a:schemeClr>
-          </a:solidFill>
-          <a:prstDash val="solid"/>
-          <a:miter lim="800000"/>
-        </a:ln>
-        <a:effectLst/>
-      </dsp:spPr>
-      <dsp:style>
-        <a:lnRef idx="2">
-          <a:scrgbClr r="0" g="0" b="0"/>
-        </a:lnRef>
-        <a:fillRef idx="1">
-          <a:scrgbClr r="0" g="0" b="0"/>
-        </a:fillRef>
-        <a:effectRef idx="0">
-          <a:scrgbClr r="0" g="0" b="0"/>
-        </a:effectRef>
-        <a:fontRef idx="minor">
-          <a:schemeClr val="lt1"/>
-        </a:fontRef>
-      </dsp:style>
-      <dsp:txBody>
-        <a:bodyPr spcFirstLastPara="0" vert="horz" wrap="square" lIns="80010" tIns="80010" rIns="80010" bIns="80010" numCol="1" spcCol="1270" anchor="ctr" anchorCtr="0">
-          <a:noAutofit/>
-        </a:bodyPr>
-        <a:lstStyle/>
-        <a:p>
-          <a:pPr lvl="0" algn="ctr" defTabSz="933450" rtl="0">
-            <a:lnSpc>
-              <a:spcPct val="90000"/>
-            </a:lnSpc>
-            <a:spcBef>
-              <a:spcPct val="0"/>
-            </a:spcBef>
-            <a:spcAft>
-              <a:spcPct val="35000"/>
-            </a:spcAft>
-          </a:pPr>
-          <a:r>
-            <a:rPr lang="en-US" sz="2100" kern="1200" dirty="0" smtClean="0"/>
-            <a:t>Endpoints</a:t>
-          </a:r>
-          <a:endParaRPr lang="en-US" sz="2100" kern="1200" dirty="0"/>
-        </a:p>
-      </dsp:txBody>
-      <dsp:txXfrm>
-        <a:off x="14386" y="694920"/>
-        <a:ext cx="8101200" cy="461165"/>
-      </dsp:txXfrm>
-    </dsp:sp>
-    <dsp:sp modelId="{DDCD081A-6AC6-4EA7-85C2-2CBB6ACD26E5}">
-      <dsp:nvSpPr>
-        <dsp:cNvPr id="0" name=""/>
-        <dsp:cNvSpPr/>
-      </dsp:nvSpPr>
-      <dsp:spPr>
-        <a:xfrm>
-          <a:off x="39" y="199"/>
-          <a:ext cx="1266338" cy="489859"/>
-        </a:xfrm>
-        <a:prstGeom prst="roundRect">
-          <a:avLst>
-            <a:gd name="adj" fmla="val 10000"/>
-          </a:avLst>
-        </a:prstGeom>
-        <a:solidFill>
-          <a:schemeClr val="accent1">
-            <a:hueOff val="0"/>
-            <a:satOff val="0"/>
-            <a:lumOff val="0"/>
-            <a:alphaOff val="0"/>
-          </a:schemeClr>
-        </a:solidFill>
-        <a:ln w="12700" cap="flat" cmpd="sng" algn="ctr">
-          <a:solidFill>
-            <a:schemeClr val="lt1">
-              <a:hueOff val="0"/>
-              <a:satOff val="0"/>
-              <a:lumOff val="0"/>
-              <a:alphaOff val="0"/>
-            </a:schemeClr>
-          </a:solidFill>
-          <a:prstDash val="solid"/>
-          <a:miter lim="800000"/>
-        </a:ln>
-        <a:effectLst/>
-      </dsp:spPr>
-      <dsp:style>
-        <a:lnRef idx="2">
-          <a:scrgbClr r="0" g="0" b="0"/>
-        </a:lnRef>
-        <a:fillRef idx="1">
-          <a:scrgbClr r="0" g="0" b="0"/>
-        </a:fillRef>
-        <a:effectRef idx="0">
-          <a:scrgbClr r="0" g="0" b="0"/>
-        </a:effectRef>
-        <a:fontRef idx="minor">
-          <a:schemeClr val="lt1"/>
-        </a:fontRef>
-      </dsp:style>
-      <dsp:txBody>
-        <a:bodyPr spcFirstLastPara="0" vert="horz" wrap="square" lIns="49530" tIns="49530" rIns="49530" bIns="49530" numCol="1" spcCol="1270" anchor="ctr" anchorCtr="0">
-          <a:noAutofit/>
-        </a:bodyPr>
-        <a:lstStyle/>
-        <a:p>
-          <a:pPr lvl="0" algn="ctr" defTabSz="577850" rtl="0">
-            <a:lnSpc>
-              <a:spcPct val="90000"/>
-            </a:lnSpc>
-            <a:spcBef>
-              <a:spcPct val="0"/>
-            </a:spcBef>
-            <a:spcAft>
-              <a:spcPct val="35000"/>
-            </a:spcAft>
-          </a:pPr>
-          <a:r>
-            <a:rPr lang="en-US" sz="1300" kern="1200" dirty="0" smtClean="0"/>
-            <a:t>Routing</a:t>
-          </a:r>
-          <a:endParaRPr lang="en-US" sz="1300" kern="1200" dirty="0"/>
-        </a:p>
-      </dsp:txBody>
-      <dsp:txXfrm>
-        <a:off x="14386" y="14546"/>
-        <a:ext cx="1237644" cy="461165"/>
-      </dsp:txXfrm>
-    </dsp:sp>
-    <dsp:sp modelId="{204864B0-CB67-4907-8F19-A5EC8786CB92}">
-      <dsp:nvSpPr>
-        <dsp:cNvPr id="0" name=""/>
-        <dsp:cNvSpPr/>
-      </dsp:nvSpPr>
-      <dsp:spPr>
-        <a:xfrm>
-          <a:off x="1372750" y="199"/>
-          <a:ext cx="1266338" cy="489859"/>
-        </a:xfrm>
-        <a:prstGeom prst="roundRect">
-          <a:avLst>
-            <a:gd name="adj" fmla="val 10000"/>
-          </a:avLst>
-        </a:prstGeom>
-        <a:solidFill>
-          <a:schemeClr val="accent1">
-            <a:hueOff val="0"/>
-            <a:satOff val="0"/>
-            <a:lumOff val="0"/>
-            <a:alphaOff val="0"/>
-          </a:schemeClr>
-        </a:solidFill>
-        <a:ln w="12700" cap="flat" cmpd="sng" algn="ctr">
-          <a:solidFill>
-            <a:schemeClr val="lt1">
-              <a:hueOff val="0"/>
-              <a:satOff val="0"/>
-              <a:lumOff val="0"/>
-              <a:alphaOff val="0"/>
-            </a:schemeClr>
-          </a:solidFill>
-          <a:prstDash val="solid"/>
-          <a:miter lim="800000"/>
-        </a:ln>
-        <a:effectLst/>
-      </dsp:spPr>
-      <dsp:style>
-        <a:lnRef idx="2">
-          <a:scrgbClr r="0" g="0" b="0"/>
-        </a:lnRef>
-        <a:fillRef idx="1">
-          <a:scrgbClr r="0" g="0" b="0"/>
-        </a:fillRef>
-        <a:effectRef idx="0">
-          <a:scrgbClr r="0" g="0" b="0"/>
-        </a:effectRef>
-        <a:fontRef idx="minor">
-          <a:schemeClr val="lt1"/>
-        </a:fontRef>
-      </dsp:style>
-      <dsp:txBody>
-        <a:bodyPr spcFirstLastPara="0" vert="horz" wrap="square" lIns="49530" tIns="49530" rIns="49530" bIns="49530" numCol="1" spcCol="1270" anchor="ctr" anchorCtr="0">
-          <a:noAutofit/>
-        </a:bodyPr>
-        <a:lstStyle/>
-        <a:p>
-          <a:pPr lvl="0" algn="ctr" defTabSz="577850" rtl="0">
-            <a:lnSpc>
-              <a:spcPct val="90000"/>
-            </a:lnSpc>
-            <a:spcBef>
-              <a:spcPct val="0"/>
-            </a:spcBef>
-            <a:spcAft>
-              <a:spcPct val="35000"/>
-            </a:spcAft>
-          </a:pPr>
-          <a:r>
-            <a:rPr lang="en-US" sz="1300" kern="1200" dirty="0" smtClean="0"/>
-            <a:t>Serialization</a:t>
-          </a:r>
-          <a:endParaRPr lang="en-US" sz="1300" kern="1200" dirty="0"/>
-        </a:p>
-      </dsp:txBody>
-      <dsp:txXfrm>
-        <a:off x="1387097" y="14546"/>
-        <a:ext cx="1237644" cy="461165"/>
-      </dsp:txXfrm>
-    </dsp:sp>
-    <dsp:sp modelId="{5679EE47-2B1C-431D-95B9-9C12162546D3}">
-      <dsp:nvSpPr>
-        <dsp:cNvPr id="0" name=""/>
-        <dsp:cNvSpPr/>
-      </dsp:nvSpPr>
-      <dsp:spPr>
-        <a:xfrm>
-          <a:off x="2745462" y="199"/>
-          <a:ext cx="1266338" cy="489859"/>
-        </a:xfrm>
-        <a:prstGeom prst="roundRect">
-          <a:avLst>
-            <a:gd name="adj" fmla="val 10000"/>
-          </a:avLst>
-        </a:prstGeom>
-        <a:solidFill>
-          <a:schemeClr val="accent1">
-            <a:hueOff val="0"/>
-            <a:satOff val="0"/>
-            <a:lumOff val="0"/>
-            <a:alphaOff val="0"/>
-          </a:schemeClr>
-        </a:solidFill>
-        <a:ln w="12700" cap="flat" cmpd="sng" algn="ctr">
-          <a:solidFill>
-            <a:schemeClr val="lt1">
-              <a:hueOff val="0"/>
-              <a:satOff val="0"/>
-              <a:lumOff val="0"/>
-              <a:alphaOff val="0"/>
-            </a:schemeClr>
-          </a:solidFill>
-          <a:prstDash val="solid"/>
-          <a:miter lim="800000"/>
-        </a:ln>
-        <a:effectLst/>
-      </dsp:spPr>
-      <dsp:style>
-        <a:lnRef idx="2">
-          <a:scrgbClr r="0" g="0" b="0"/>
-        </a:lnRef>
-        <a:fillRef idx="1">
-          <a:scrgbClr r="0" g="0" b="0"/>
-        </a:fillRef>
-        <a:effectRef idx="0">
-          <a:scrgbClr r="0" g="0" b="0"/>
-        </a:effectRef>
-        <a:fontRef idx="minor">
-          <a:schemeClr val="lt1"/>
-        </a:fontRef>
-      </dsp:style>
-      <dsp:txBody>
-        <a:bodyPr spcFirstLastPara="0" vert="horz" wrap="square" lIns="49530" tIns="49530" rIns="49530" bIns="49530" numCol="1" spcCol="1270" anchor="ctr" anchorCtr="0">
-          <a:noAutofit/>
-        </a:bodyPr>
-        <a:lstStyle/>
-        <a:p>
-          <a:pPr lvl="0" algn="ctr" defTabSz="577850" rtl="0">
-            <a:lnSpc>
-              <a:spcPct val="90000"/>
-            </a:lnSpc>
-            <a:spcBef>
-              <a:spcPct val="0"/>
-            </a:spcBef>
-            <a:spcAft>
-              <a:spcPct val="35000"/>
-            </a:spcAft>
-          </a:pPr>
-          <a:r>
-            <a:rPr lang="en-US" sz="1300" kern="1200" dirty="0" smtClean="0"/>
-            <a:t>Pipes and filters</a:t>
-          </a:r>
-          <a:endParaRPr lang="en-US" sz="1300" kern="1200" dirty="0"/>
-        </a:p>
-      </dsp:txBody>
-      <dsp:txXfrm>
-        <a:off x="2759809" y="14546"/>
-        <a:ext cx="1237644" cy="461165"/>
-      </dsp:txXfrm>
-    </dsp:sp>
-    <dsp:sp modelId="{D6676E93-CC16-4A48-9743-891C4E0AEB10}">
-      <dsp:nvSpPr>
-        <dsp:cNvPr id="0" name=""/>
-        <dsp:cNvSpPr/>
-      </dsp:nvSpPr>
-      <dsp:spPr>
-        <a:xfrm>
-          <a:off x="4118173" y="199"/>
-          <a:ext cx="1266338" cy="489859"/>
-        </a:xfrm>
-        <a:prstGeom prst="roundRect">
-          <a:avLst>
-            <a:gd name="adj" fmla="val 10000"/>
-          </a:avLst>
-        </a:prstGeom>
-        <a:solidFill>
-          <a:schemeClr val="accent1">
-            <a:hueOff val="0"/>
-            <a:satOff val="0"/>
-            <a:lumOff val="0"/>
-            <a:alphaOff val="0"/>
-          </a:schemeClr>
-        </a:solidFill>
-        <a:ln w="12700" cap="flat" cmpd="sng" algn="ctr">
-          <a:solidFill>
-            <a:schemeClr val="lt1">
-              <a:hueOff val="0"/>
-              <a:satOff val="0"/>
-              <a:lumOff val="0"/>
-              <a:alphaOff val="0"/>
-            </a:schemeClr>
-          </a:solidFill>
-          <a:prstDash val="solid"/>
-          <a:miter lim="800000"/>
-        </a:ln>
-        <a:effectLst/>
-      </dsp:spPr>
-      <dsp:style>
-        <a:lnRef idx="2">
-          <a:scrgbClr r="0" g="0" b="0"/>
-        </a:lnRef>
-        <a:fillRef idx="1">
-          <a:scrgbClr r="0" g="0" b="0"/>
-        </a:fillRef>
-        <a:effectRef idx="0">
-          <a:scrgbClr r="0" g="0" b="0"/>
-        </a:effectRef>
-        <a:fontRef idx="minor">
-          <a:schemeClr val="lt1"/>
-        </a:fontRef>
-      </dsp:style>
-      <dsp:txBody>
-        <a:bodyPr spcFirstLastPara="0" vert="horz" wrap="square" lIns="49530" tIns="49530" rIns="49530" bIns="49530" numCol="1" spcCol="1270" anchor="ctr" anchorCtr="0">
-          <a:noAutofit/>
-        </a:bodyPr>
-        <a:lstStyle/>
-        <a:p>
-          <a:pPr lvl="0" algn="ctr" defTabSz="577850" rtl="0">
-            <a:lnSpc>
-              <a:spcPct val="90000"/>
-            </a:lnSpc>
-            <a:spcBef>
-              <a:spcPct val="0"/>
-            </a:spcBef>
-            <a:spcAft>
-              <a:spcPct val="35000"/>
-            </a:spcAft>
-          </a:pPr>
-          <a:r>
-            <a:rPr lang="en-US" sz="1300" kern="1200" dirty="0" smtClean="0"/>
-            <a:t>Transforms</a:t>
-          </a:r>
-          <a:endParaRPr lang="en-US" sz="1300" kern="1200" dirty="0"/>
-        </a:p>
-      </dsp:txBody>
-      <dsp:txXfrm>
-        <a:off x="4132520" y="14546"/>
-        <a:ext cx="1237644" cy="461165"/>
-      </dsp:txXfrm>
-    </dsp:sp>
-    <dsp:sp modelId="{5CE82B4D-5D3F-485D-A0A3-6D432205E6D4}">
-      <dsp:nvSpPr>
-        <dsp:cNvPr id="0" name=""/>
-        <dsp:cNvSpPr/>
-      </dsp:nvSpPr>
-      <dsp:spPr>
-        <a:xfrm>
-          <a:off x="5490884" y="199"/>
-          <a:ext cx="1266338" cy="489859"/>
-        </a:xfrm>
-        <a:prstGeom prst="roundRect">
-          <a:avLst>
-            <a:gd name="adj" fmla="val 10000"/>
-          </a:avLst>
-        </a:prstGeom>
-        <a:solidFill>
-          <a:schemeClr val="accent1">
-            <a:hueOff val="0"/>
-            <a:satOff val="0"/>
-            <a:lumOff val="0"/>
-            <a:alphaOff val="0"/>
-          </a:schemeClr>
-        </a:solidFill>
-        <a:ln w="12700" cap="flat" cmpd="sng" algn="ctr">
-          <a:solidFill>
-            <a:schemeClr val="lt1">
-              <a:hueOff val="0"/>
-              <a:satOff val="0"/>
-              <a:lumOff val="0"/>
-              <a:alphaOff val="0"/>
-            </a:schemeClr>
-          </a:solidFill>
-          <a:prstDash val="solid"/>
-          <a:miter lim="800000"/>
-        </a:ln>
-        <a:effectLst/>
-      </dsp:spPr>
-      <dsp:style>
-        <a:lnRef idx="2">
-          <a:scrgbClr r="0" g="0" b="0"/>
-        </a:lnRef>
-        <a:fillRef idx="1">
-          <a:scrgbClr r="0" g="0" b="0"/>
-        </a:fillRef>
-        <a:effectRef idx="0">
-          <a:scrgbClr r="0" g="0" b="0"/>
-        </a:effectRef>
-        <a:fontRef idx="minor">
-          <a:schemeClr val="lt1"/>
-        </a:fontRef>
-      </dsp:style>
-      <dsp:txBody>
-        <a:bodyPr spcFirstLastPara="0" vert="horz" wrap="square" lIns="49530" tIns="49530" rIns="49530" bIns="49530" numCol="1" spcCol="1270" anchor="ctr" anchorCtr="0">
-          <a:noAutofit/>
-        </a:bodyPr>
-        <a:lstStyle/>
-        <a:p>
-          <a:pPr lvl="0" algn="ctr" defTabSz="577850" rtl="0">
-            <a:lnSpc>
-              <a:spcPct val="90000"/>
-            </a:lnSpc>
-            <a:spcBef>
-              <a:spcPct val="0"/>
-            </a:spcBef>
-            <a:spcAft>
-              <a:spcPct val="35000"/>
-            </a:spcAft>
-          </a:pPr>
-          <a:r>
-            <a:rPr lang="en-US" sz="1300" kern="1200" dirty="0" smtClean="0"/>
-            <a:t>Configuration</a:t>
-          </a:r>
-          <a:endParaRPr lang="en-US" sz="1300" kern="1200" dirty="0"/>
-        </a:p>
-      </dsp:txBody>
-      <dsp:txXfrm>
-        <a:off x="5505231" y="14546"/>
-        <a:ext cx="1237644" cy="461165"/>
-      </dsp:txXfrm>
-    </dsp:sp>
-    <dsp:sp modelId="{8E9322A5-B639-406C-9622-9B3F8705ACCA}">
-      <dsp:nvSpPr>
-        <dsp:cNvPr id="0" name=""/>
-        <dsp:cNvSpPr/>
-      </dsp:nvSpPr>
-      <dsp:spPr>
-        <a:xfrm>
-          <a:off x="6863595" y="199"/>
-          <a:ext cx="1266338" cy="489859"/>
-        </a:xfrm>
-        <a:prstGeom prst="roundRect">
-          <a:avLst>
-            <a:gd name="adj" fmla="val 10000"/>
-          </a:avLst>
-        </a:prstGeom>
-        <a:solidFill>
-          <a:schemeClr val="accent1">
-            <a:hueOff val="0"/>
-            <a:satOff val="0"/>
-            <a:lumOff val="0"/>
-            <a:alphaOff val="0"/>
-          </a:schemeClr>
-        </a:solidFill>
-        <a:ln w="12700" cap="flat" cmpd="sng" algn="ctr">
-          <a:solidFill>
-            <a:schemeClr val="lt1">
-              <a:hueOff val="0"/>
-              <a:satOff val="0"/>
-              <a:lumOff val="0"/>
-              <a:alphaOff val="0"/>
-            </a:schemeClr>
-          </a:solidFill>
-          <a:prstDash val="solid"/>
-          <a:miter lim="800000"/>
-        </a:ln>
-        <a:effectLst/>
-      </dsp:spPr>
-      <dsp:style>
-        <a:lnRef idx="2">
-          <a:scrgbClr r="0" g="0" b="0"/>
-        </a:lnRef>
-        <a:fillRef idx="1">
-          <a:scrgbClr r="0" g="0" b="0"/>
-        </a:fillRef>
-        <a:effectRef idx="0">
-          <a:scrgbClr r="0" g="0" b="0"/>
-        </a:effectRef>
-        <a:fontRef idx="minor">
-          <a:schemeClr val="lt1"/>
-        </a:fontRef>
-      </dsp:style>
-      <dsp:txBody>
-        <a:bodyPr spcFirstLastPara="0" vert="horz" wrap="square" lIns="49530" tIns="49530" rIns="49530" bIns="49530" numCol="1" spcCol="1270" anchor="ctr" anchorCtr="0">
-          <a:noAutofit/>
-        </a:bodyPr>
-        <a:lstStyle/>
-        <a:p>
-          <a:pPr lvl="0" algn="ctr" defTabSz="577850" rtl="0">
-            <a:lnSpc>
-              <a:spcPct val="90000"/>
-            </a:lnSpc>
-            <a:spcBef>
-              <a:spcPct val="0"/>
-            </a:spcBef>
-            <a:spcAft>
-              <a:spcPct val="35000"/>
-            </a:spcAft>
-          </a:pPr>
-          <a:r>
-            <a:rPr lang="en-US" sz="1300" kern="1200" dirty="0" smtClean="0"/>
-            <a:t>Encryption</a:t>
-          </a:r>
-          <a:endParaRPr lang="en-US" sz="1300" kern="1200" dirty="0"/>
-        </a:p>
-      </dsp:txBody>
-      <dsp:txXfrm>
-        <a:off x="6877942" y="14546"/>
-        <a:ext cx="1237644" cy="461165"/>
-      </dsp:txXfrm>
-    </dsp:sp>
-  </dsp:spTree>
-</dsp:drawing>
-</file>
-
-<file path=ppt/diagrams/drawing4.xml><?xml version="1.0" encoding="utf-8"?>
 <dsp:drawing xmlns:dgm="http://schemas.openxmlformats.org/drawingml/2006/diagram" xmlns:dsp="http://schemas.microsoft.com/office/drawing/2008/diagram" xmlns:a="http://schemas.openxmlformats.org/drawingml/2006/main">
   <dsp:spTree>
     <dsp:nvGrpSpPr>
@@ -7973,14 +7682,13 @@
 </file>
 
 <file path=ppt/diagrams/layout2.xml><?xml version="1.0" encoding="utf-8"?>
-<dgm:layoutDef xmlns:dgm="http://schemas.openxmlformats.org/drawingml/2006/diagram" xmlns:a="http://schemas.openxmlformats.org/drawingml/2006/main" uniqueId="urn:microsoft.com/office/officeart/2005/8/layout/architecture">
-  <dgm:title val="Architecture Layout"/>
-  <dgm:desc val="Use to show hierarchical relationships that build from the bottom up. This layout works well for showing architectural components or objects that build on other objects."/>
+<dgm:layoutDef xmlns:dgm="http://schemas.openxmlformats.org/drawingml/2006/diagram" xmlns:a="http://schemas.openxmlformats.org/drawingml/2006/main" uniqueId="urn:microsoft.com/office/officeart/2005/8/layout/cycle4">
+  <dgm:title val=""/>
+  <dgm:desc val=""/>
   <dgm:catLst>
-    <dgm:cat type="hierarchy" pri="4500"/>
-    <dgm:cat type="list" pri="24500"/>
-    <dgm:cat type="relationship" pri="10500"/>
-    <dgm:cat type="officeonline" pri="7000"/>
+    <dgm:cat type="relationship" pri="26000"/>
+    <dgm:cat type="cycle" pri="13000"/>
+    <dgm:cat type="matrix" pri="4000"/>
   </dgm:catLst>
   <dgm:sampData>
     <dgm:dataModel>
@@ -7989,13 +7697,13 @@
         <dgm:pt modelId="1">
           <dgm:prSet phldr="1"/>
         </dgm:pt>
+        <dgm:pt modelId="11">
+          <dgm:prSet phldr="1"/>
+        </dgm:pt>
         <dgm:pt modelId="2">
           <dgm:prSet phldr="1"/>
         </dgm:pt>
         <dgm:pt modelId="21">
-          <dgm:prSet phldr="1"/>
-        </dgm:pt>
-        <dgm:pt modelId="22">
           <dgm:prSet phldr="1"/>
         </dgm:pt>
         <dgm:pt modelId="3">
@@ -8004,14 +7712,22 @@
         <dgm:pt modelId="31">
           <dgm:prSet phldr="1"/>
         </dgm:pt>
+        <dgm:pt modelId="4">
+          <dgm:prSet phldr="1"/>
+        </dgm:pt>
+        <dgm:pt modelId="41">
+          <dgm:prSet phldr="1"/>
+        </dgm:pt>
       </dgm:ptLst>
       <dgm:cxnLst>
-        <dgm:cxn modelId="4" srcId="0" destId="1" srcOrd="0" destOrd="0"/>
-        <dgm:cxn modelId="5" srcId="1" destId="2" srcOrd="0" destOrd="0"/>
-        <dgm:cxn modelId="6" srcId="1" destId="3" srcOrd="1" destOrd="0"/>
+        <dgm:cxn modelId="5" srcId="0" destId="1" srcOrd="0" destOrd="0"/>
+        <dgm:cxn modelId="6" srcId="0" destId="2" srcOrd="1" destOrd="0"/>
+        <dgm:cxn modelId="7" srcId="0" destId="3" srcOrd="2" destOrd="0"/>
+        <dgm:cxn modelId="8" srcId="0" destId="4" srcOrd="3" destOrd="0"/>
+        <dgm:cxn modelId="13" srcId="1" destId="11" srcOrd="0" destOrd="0"/>
         <dgm:cxn modelId="23" srcId="2" destId="21" srcOrd="0" destOrd="0"/>
-        <dgm:cxn modelId="24" srcId="2" destId="22" srcOrd="1" destOrd="0"/>
         <dgm:cxn modelId="33" srcId="3" destId="31" srcOrd="0" destOrd="0"/>
+        <dgm:cxn modelId="43" srcId="4" destId="41" srcOrd="0" destOrd="0"/>
       </dgm:cxnLst>
       <dgm:bg/>
       <dgm:whole/>
@@ -8023,12 +7739,22 @@
         <dgm:pt modelId="0" type="doc"/>
         <dgm:pt modelId="1"/>
         <dgm:pt modelId="11"/>
-        <dgm:pt modelId="12"/>
+        <dgm:pt modelId="2"/>
+        <dgm:pt modelId="21"/>
+        <dgm:pt modelId="3"/>
+        <dgm:pt modelId="31"/>
+        <dgm:pt modelId="4"/>
+        <dgm:pt modelId="41"/>
       </dgm:ptLst>
       <dgm:cxnLst>
-        <dgm:cxn modelId="2" srcId="0" destId="1" srcOrd="0" destOrd="0"/>
+        <dgm:cxn modelId="5" srcId="0" destId="1" srcOrd="0" destOrd="0"/>
+        <dgm:cxn modelId="6" srcId="0" destId="2" srcOrd="1" destOrd="0"/>
+        <dgm:cxn modelId="7" srcId="0" destId="3" srcOrd="2" destOrd="0"/>
+        <dgm:cxn modelId="8" srcId="0" destId="4" srcOrd="3" destOrd="0"/>
         <dgm:cxn modelId="13" srcId="1" destId="11" srcOrd="0" destOrd="0"/>
-        <dgm:cxn modelId="14" srcId="1" destId="12" srcOrd="1" destOrd="0"/>
+        <dgm:cxn modelId="23" srcId="2" destId="21" srcOrd="0" destOrd="0"/>
+        <dgm:cxn modelId="33" srcId="3" destId="31" srcOrd="0" destOrd="0"/>
+        <dgm:cxn modelId="43" srcId="4" destId="41" srcOrd="0" destOrd="0"/>
       </dgm:cxnLst>
       <dgm:bg/>
       <dgm:whole/>
@@ -8039,986 +7765,648 @@
       <dgm:ptLst>
         <dgm:pt modelId="0" type="doc"/>
         <dgm:pt modelId="1"/>
+        <dgm:pt modelId="11"/>
         <dgm:pt modelId="2"/>
         <dgm:pt modelId="21"/>
-        <dgm:pt modelId="211"/>
         <dgm:pt modelId="3"/>
         <dgm:pt modelId="31"/>
-        <dgm:pt modelId="311"/>
+        <dgm:pt modelId="4"/>
+        <dgm:pt modelId="41"/>
       </dgm:ptLst>
       <dgm:cxnLst>
-        <dgm:cxn modelId="4" srcId="0" destId="1" srcOrd="0" destOrd="0"/>
-        <dgm:cxn modelId="5" srcId="1" destId="2" srcOrd="0" destOrd="0"/>
-        <dgm:cxn modelId="6" srcId="1" destId="3" srcOrd="1" destOrd="0"/>
+        <dgm:cxn modelId="5" srcId="0" destId="1" srcOrd="0" destOrd="0"/>
+        <dgm:cxn modelId="6" srcId="0" destId="2" srcOrd="1" destOrd="0"/>
+        <dgm:cxn modelId="7" srcId="0" destId="3" srcOrd="2" destOrd="0"/>
+        <dgm:cxn modelId="8" srcId="0" destId="4" srcOrd="3" destOrd="0"/>
+        <dgm:cxn modelId="13" srcId="1" destId="11" srcOrd="0" destOrd="0"/>
         <dgm:cxn modelId="23" srcId="2" destId="21" srcOrd="0" destOrd="0"/>
-        <dgm:cxn modelId="24" srcId="21" destId="211" srcOrd="0" destOrd="0"/>
         <dgm:cxn modelId="33" srcId="3" destId="31" srcOrd="0" destOrd="0"/>
-        <dgm:cxn modelId="34" srcId="31" destId="311" srcOrd="0" destOrd="0"/>
+        <dgm:cxn modelId="43" srcId="4" destId="41" srcOrd="0" destOrd="0"/>
       </dgm:cxnLst>
       <dgm:bg/>
       <dgm:whole/>
     </dgm:dataModel>
   </dgm:clrData>
-  <dgm:layoutNode name="Name0">
+  <dgm:layoutNode name="cycleMatrixDiagram">
     <dgm:varLst>
-      <dgm:chPref val="1"/>
+      <dgm:chMax val="1"/>
       <dgm:dir/>
-      <dgm:animOne val="branch"/>
       <dgm:animLvl val="lvl"/>
-      <dgm:resizeHandles/>
+      <dgm:resizeHandles val="exact"/>
     </dgm:varLst>
-    <dgm:choose name="Name1">
-      <dgm:if name="Name2" func="var" arg="dir" op="equ" val="norm">
-        <dgm:alg type="lin">
-          <dgm:param type="linDir" val="fromL"/>
-          <dgm:param type="nodeVertAlign" val="b"/>
-        </dgm:alg>
-      </dgm:if>
-      <dgm:else name="Name3">
-        <dgm:alg type="lin">
-          <dgm:param type="linDir" val="fromR"/>
-          <dgm:param type="nodeVertAlign" val="b"/>
-        </dgm:alg>
-      </dgm:else>
-    </dgm:choose>
+    <dgm:alg type="composite">
+      <dgm:param type="ar" val="1.3"/>
+    </dgm:alg>
     <dgm:shape xmlns:r="http://schemas.openxmlformats.org/officeDocument/2006/relationships" r:blip="">
       <dgm:adjLst/>
     </dgm:shape>
     <dgm:presOf/>
     <dgm:constrLst>
-      <dgm:constr type="w" for="ch" forName="vertOne" refType="w"/>
-      <dgm:constr type="w" for="des" forName="horzOne" refType="w"/>
-      <dgm:constr type="w" for="des" forName="txOne" refType="w"/>
-      <dgm:constr type="w" for="des" forName="vertTwo" refType="w"/>
-      <dgm:constr type="w" for="des" forName="horzTwo" refType="w"/>
-      <dgm:constr type="w" for="des" forName="txTwo" refType="w"/>
-      <dgm:constr type="w" for="des" forName="vertThree" refType="w"/>
-      <dgm:constr type="w" for="des" forName="horzThree" refType="w"/>
-      <dgm:constr type="w" for="des" forName="txThree" refType="w"/>
-      <dgm:constr type="w" for="des" forName="vertFour" refType="w"/>
-      <dgm:constr type="w" for="des" forName="horzFour" refType="w"/>
-      <dgm:constr type="w" for="des" forName="txFour" refType="w"/>
-      <dgm:constr type="h" for="des" ptType="node" op="equ"/>
-      <dgm:constr type="h" for="des" forName="txOne" refType="h"/>
-      <dgm:constr type="userH" for="des" ptType="node" refType="h" refFor="des" refForName="txOne"/>
-      <dgm:constr type="primFontSz" for="des" forName="txOne" val="65"/>
-      <dgm:constr type="primFontSz" for="des" forName="txTwo" val="65"/>
-      <dgm:constr type="primFontSz" for="des" forName="txTwo" refType="primFontSz" refFor="des" refForName="txOne" op="lte"/>
-      <dgm:constr type="primFontSz" for="des" forName="txThree" val="65"/>
-      <dgm:constr type="primFontSz" for="des" forName="txThree" refType="primFontSz" refFor="des" refForName="txOne" op="lte"/>
-      <dgm:constr type="primFontSz" for="des" forName="txThree" refType="primFontSz" refFor="des" refForName="txTwo" op="lte"/>
-      <dgm:constr type="primFontSz" for="des" forName="txFour" val="65"/>
-      <dgm:constr type="primFontSz" for="des" forName="txFour" refType="primFontSz" refFor="des" refForName="txOne" op="lte"/>
-      <dgm:constr type="primFontSz" for="des" forName="txFour" refType="primFontSz" refFor="des" refForName="txTwo" op="lte"/>
-      <dgm:constr type="primFontSz" for="des" forName="txFour" refType="primFontSz" refFor="des" refForName="txThree" op="lte"/>
-      <dgm:constr type="w" for="des" forName="sibSpaceOne" refType="w" fact="0.168"/>
-      <dgm:constr type="w" for="des" forName="sibSpaceTwo" refType="w" refFor="des" refForName="sibSpaceOne" op="equ" fact="0.5"/>
-      <dgm:constr type="w" for="des" forName="sibSpaceThree" refType="w" refFor="des" refForName="sibSpaceTwo" op="equ" fact="0.5"/>
-      <dgm:constr type="w" for="des" forName="sibSpaceFour" refType="w" refFor="des" refForName="sibSpaceThree" op="equ" fact="0.5"/>
-      <dgm:constr type="h" for="des" forName="parTransOne" refType="w" fact="0.056"/>
-      <dgm:constr type="h" for="des" forName="parTransTwo" refType="h" refFor="des" refForName="parTransOne" op="equ"/>
-      <dgm:constr type="h" for="des" forName="parTransThree" refType="h" refFor="des" refForName="parTransTwo" op="equ"/>
-      <dgm:constr type="h" for="des" forName="parTransFour" refType="h" refFor="des" refForName="parTransThree" op="equ"/>
+      <dgm:constr type="w" for="ch" forName="children" refType="w"/>
+      <dgm:constr type="h" for="ch" forName="children" refType="w" refFor="ch" refForName="children" fact="0.77"/>
+      <dgm:constr type="ctrX" for="ch" forName="children" refType="w" fact="0.5"/>
+      <dgm:constr type="ctrY" for="ch" forName="children" refType="h" fact="0.5"/>
+      <dgm:constr type="w" for="ch" forName="circle" refType="w"/>
+      <dgm:constr type="h" for="ch" forName="circle" refType="h"/>
+      <dgm:constr type="ctrX" for="ch" forName="circle" refType="w" fact="0.5"/>
+      <dgm:constr type="ctrY" for="ch" forName="circle" refType="h" fact="0.5"/>
+      <dgm:constr type="w" for="ch" forName="center1" refType="w" fact="0.115"/>
+      <dgm:constr type="h" for="ch" forName="center1" refType="w" fact="0.1"/>
+      <dgm:constr type="ctrX" for="ch" forName="center1" refType="w" fact="0.5"/>
+      <dgm:constr type="ctrY" for="ch" forName="center1" refType="h" fact="0.475"/>
+      <dgm:constr type="w" for="ch" forName="center2" refType="w" fact="0.115"/>
+      <dgm:constr type="h" for="ch" forName="center2" refType="w" fact="0.1"/>
+      <dgm:constr type="ctrX" for="ch" forName="center2" refType="w" fact="0.5"/>
+      <dgm:constr type="ctrY" for="ch" forName="center2" refType="h" fact="0.525"/>
     </dgm:constrLst>
     <dgm:ruleLst/>
-    <dgm:forEach name="Name4" axis="ch" ptType="node">
-      <dgm:layoutNode name="vertOne">
-        <dgm:alg type="lin">
-          <dgm:param type="linDir" val="fromB"/>
-        </dgm:alg>
-        <dgm:shape xmlns:r="http://schemas.openxmlformats.org/officeDocument/2006/relationships" r:blip="">
-          <dgm:adjLst/>
-        </dgm:shape>
-        <dgm:presOf/>
-        <dgm:constrLst>
-          <dgm:constr type="w" for="ch" forName="txOne" refType="w" refFor="ch" refForName="horzOne" op="gte"/>
-        </dgm:constrLst>
-        <dgm:ruleLst/>
-        <dgm:layoutNode name="txOne" styleLbl="node0">
-          <dgm:varLst>
-            <dgm:chPref val="3"/>
-          </dgm:varLst>
-          <dgm:alg type="tx"/>
-          <dgm:shape xmlns:r="http://schemas.openxmlformats.org/officeDocument/2006/relationships" type="roundRect" r:blip="">
-            <dgm:adjLst>
-              <dgm:adj idx="1" val="0.1"/>
-            </dgm:adjLst>
-          </dgm:shape>
-          <dgm:presOf axis="self"/>
-          <dgm:constrLst>
-            <dgm:constr type="tMarg" refType="primFontSz" fact="0.3"/>
-            <dgm:constr type="bMarg" refType="primFontSz" fact="0.3"/>
-            <dgm:constr type="lMarg" refType="primFontSz" fact="0.3"/>
-            <dgm:constr type="rMarg" refType="primFontSz" fact="0.3"/>
-          </dgm:constrLst>
-          <dgm:ruleLst>
-            <dgm:rule type="primFontSz" val="5" fact="NaN" max="NaN"/>
-          </dgm:ruleLst>
-        </dgm:layoutNode>
-        <dgm:choose name="Name5">
-          <dgm:if name="Name6" axis="des" ptType="node" func="cnt" op="gt" val="0">
-            <dgm:layoutNode name="parTransOne">
-              <dgm:alg type="sp"/>
-              <dgm:shape xmlns:r="http://schemas.openxmlformats.org/officeDocument/2006/relationships" r:blip="">
-                <dgm:adjLst/>
-              </dgm:shape>
-              <dgm:presOf/>
-              <dgm:constrLst/>
-              <dgm:ruleLst/>
-            </dgm:layoutNode>
-          </dgm:if>
-          <dgm:else name="Name7"/>
-        </dgm:choose>
-        <dgm:layoutNode name="horzOne">
-          <dgm:choose name="Name8">
-            <dgm:if name="Name9" func="var" arg="dir" op="equ" val="norm">
-              <dgm:alg type="lin">
-                <dgm:param type="linDir" val="fromL"/>
-                <dgm:param type="nodeVertAlign" val="b"/>
-              </dgm:alg>
-            </dgm:if>
-            <dgm:else name="Name10">
-              <dgm:alg type="lin">
-                <dgm:param type="linDir" val="fromR"/>
-                <dgm:param type="nodeVertAlign" val="b"/>
-              </dgm:alg>
-            </dgm:else>
-          </dgm:choose>
+    <dgm:choose name="Name0">
+      <dgm:if name="Name1" axis="ch" ptType="node" func="cnt" op="gte" val="1">
+        <dgm:layoutNode name="children">
+          <dgm:alg type="composite">
+            <dgm:param type="ar" val="1.3"/>
+          </dgm:alg>
           <dgm:shape xmlns:r="http://schemas.openxmlformats.org/officeDocument/2006/relationships" r:blip="">
             <dgm:adjLst/>
           </dgm:shape>
           <dgm:presOf/>
-          <dgm:constrLst/>
-          <dgm:ruleLst>
-            <dgm:rule type="w" val="INF" fact="NaN" max="NaN"/>
-          </dgm:ruleLst>
-          <dgm:forEach name="Name11" axis="ch" ptType="node">
-            <dgm:layoutNode name="vertTwo">
-              <dgm:alg type="lin">
-                <dgm:param type="linDir" val="fromB"/>
-              </dgm:alg>
-              <dgm:shape xmlns:r="http://schemas.openxmlformats.org/officeDocument/2006/relationships" r:blip="">
-                <dgm:adjLst/>
-              </dgm:shape>
-              <dgm:presOf/>
+          <dgm:choose name="Name2">
+            <dgm:if name="Name3" func="var" arg="dir" op="equ" val="norm">
               <dgm:constrLst>
-                <dgm:constr type="w" for="ch" forName="txTwo" refType="w" refFor="ch" refForName="horzTwo" op="gte"/>
+                <dgm:constr type="primFontSz" for="des" ptType="node" op="equ" val="65"/>
+                <dgm:constr type="w" for="ch" forName="child1group" refType="w" fact="0.38"/>
+                <dgm:constr type="h" for="ch" forName="child1group" refType="h" fact="0.32"/>
+                <dgm:constr type="t" for="ch" forName="child1group"/>
+                <dgm:constr type="l" for="ch" forName="child1group"/>
+                <dgm:constr type="w" for="ch" forName="child2group" refType="w" fact="0.38"/>
+                <dgm:constr type="h" for="ch" forName="child2group" refType="h" fact="0.32"/>
+                <dgm:constr type="t" for="ch" forName="child2group"/>
+                <dgm:constr type="r" for="ch" forName="child2group" refType="w"/>
+                <dgm:constr type="w" for="ch" forName="child3group" refType="w" fact="0.38"/>
+                <dgm:constr type="h" for="ch" forName="child3group" refType="h" fact="0.32"/>
+                <dgm:constr type="b" for="ch" forName="child3group" refType="h"/>
+                <dgm:constr type="r" for="ch" forName="child3group" refType="w"/>
+                <dgm:constr type="w" for="ch" forName="child4group" refType="w" fact="0.38"/>
+                <dgm:constr type="h" for="ch" forName="child4group" refType="h" fact="0.32"/>
+                <dgm:constr type="b" for="ch" forName="child4group" refType="h"/>
+                <dgm:constr type="l" for="ch" forName="child4group"/>
               </dgm:constrLst>
-              <dgm:ruleLst/>
-              <dgm:layoutNode name="txTwo">
-                <dgm:varLst>
-                  <dgm:chPref val="3"/>
-                </dgm:varLst>
-                <dgm:alg type="tx"/>
-                <dgm:shape xmlns:r="http://schemas.openxmlformats.org/officeDocument/2006/relationships" type="roundRect" r:blip="">
-                  <dgm:adjLst>
-                    <dgm:adj idx="1" val="0.1"/>
-                  </dgm:adjLst>
-                </dgm:shape>
-                <dgm:presOf axis="self"/>
-                <dgm:constrLst>
-                  <dgm:constr type="userH"/>
-                  <dgm:constr type="h" refType="userH"/>
-                  <dgm:constr type="tMarg" refType="primFontSz" fact="0.3"/>
-                  <dgm:constr type="bMarg" refType="primFontSz" fact="0.3"/>
-                  <dgm:constr type="lMarg" refType="primFontSz" fact="0.3"/>
-                  <dgm:constr type="rMarg" refType="primFontSz" fact="0.3"/>
-                </dgm:constrLst>
-                <dgm:ruleLst>
-                  <dgm:rule type="primFontSz" val="5" fact="NaN" max="NaN"/>
-                </dgm:ruleLst>
-              </dgm:layoutNode>
-              <dgm:choose name="Name12">
-                <dgm:if name="Name13" axis="des" ptType="node" func="cnt" op="gt" val="0">
-                  <dgm:layoutNode name="parTransTwo">
-                    <dgm:alg type="sp"/>
-                    <dgm:shape xmlns:r="http://schemas.openxmlformats.org/officeDocument/2006/relationships" r:blip="">
-                      <dgm:adjLst/>
-                    </dgm:shape>
-                    <dgm:presOf/>
-                    <dgm:constrLst/>
-                    <dgm:ruleLst/>
-                  </dgm:layoutNode>
-                </dgm:if>
-                <dgm:else name="Name14"/>
-              </dgm:choose>
-              <dgm:layoutNode name="horzTwo">
-                <dgm:choose name="Name15">
-                  <dgm:if name="Name16" func="var" arg="dir" op="equ" val="norm">
-                    <dgm:alg type="lin">
-                      <dgm:param type="linDir" val="fromL"/>
-                      <dgm:param type="nodeVertAlign" val="b"/>
-                    </dgm:alg>
-                  </dgm:if>
-                  <dgm:else name="Name17">
-                    <dgm:alg type="lin">
-                      <dgm:param type="linDir" val="fromR"/>
-                      <dgm:param type="nodeVertAlign" val="b"/>
-                    </dgm:alg>
-                  </dgm:else>
-                </dgm:choose>
+            </dgm:if>
+            <dgm:else name="Name4">
+              <dgm:constrLst>
+                <dgm:constr type="primFontSz" for="des" ptType="node" op="equ" val="65"/>
+                <dgm:constr type="w" for="ch" forName="child1group" refType="w" fact="0.38"/>
+                <dgm:constr type="h" for="ch" forName="child1group" refType="h" fact="0.32"/>
+                <dgm:constr type="t" for="ch" forName="child1group"/>
+                <dgm:constr type="r" for="ch" forName="child1group" refType="w"/>
+                <dgm:constr type="w" for="ch" forName="child2group" refType="w" fact="0.38"/>
+                <dgm:constr type="h" for="ch" forName="child2group" refType="h" fact="0.32"/>
+                <dgm:constr type="t" for="ch" forName="child2group"/>
+                <dgm:constr type="l" for="ch" forName="child2group"/>
+                <dgm:constr type="w" for="ch" forName="child3group" refType="w" fact="0.38"/>
+                <dgm:constr type="h" for="ch" forName="child3group" refType="h" fact="0.32"/>
+                <dgm:constr type="b" for="ch" forName="child3group" refType="h"/>
+                <dgm:constr type="l" for="ch" forName="child3group"/>
+                <dgm:constr type="w" for="ch" forName="child4group" refType="w" fact="0.38"/>
+                <dgm:constr type="h" for="ch" forName="child4group" refType="h" fact="0.32"/>
+                <dgm:constr type="b" for="ch" forName="child4group" refType="h"/>
+                <dgm:constr type="r" for="ch" forName="child4group" refType="w"/>
+              </dgm:constrLst>
+            </dgm:else>
+          </dgm:choose>
+          <dgm:ruleLst/>
+          <dgm:choose name="Name5">
+            <dgm:if name="Name6" axis="ch ch" ptType="node node" st="1 1" cnt="1 0" func="cnt" op="gte" val="1">
+              <dgm:layoutNode name="child1group">
+                <dgm:alg type="composite">
+                  <dgm:param type="horzAlign" val="none"/>
+                  <dgm:param type="vertAlign" val="none"/>
+                </dgm:alg>
                 <dgm:shape xmlns:r="http://schemas.openxmlformats.org/officeDocument/2006/relationships" r:blip="">
                   <dgm:adjLst/>
                 </dgm:shape>
                 <dgm:presOf/>
-                <dgm:constrLst/>
-                <dgm:ruleLst>
-                  <dgm:rule type="w" val="INF" fact="NaN" max="NaN"/>
-                </dgm:ruleLst>
-                <dgm:forEach name="Name18" axis="ch" ptType="node">
-                  <dgm:layoutNode name="vertThree">
-                    <dgm:alg type="lin">
-                      <dgm:param type="linDir" val="fromB"/>
-                    </dgm:alg>
-                    <dgm:shape xmlns:r="http://schemas.openxmlformats.org/officeDocument/2006/relationships" r:blip="">
-                      <dgm:adjLst/>
-                    </dgm:shape>
-                    <dgm:presOf/>
+                <dgm:choose name="Name7">
+                  <dgm:if name="Name8" func="var" arg="dir" op="equ" val="norm">
                     <dgm:constrLst>
-                      <dgm:constr type="w" for="ch" forName="txThree" refType="w" refFor="ch" refForName="horzThree" op="gte"/>
+                      <dgm:constr type="w" for="ch" forName="child1" refType="w"/>
+                      <dgm:constr type="h" for="ch" forName="child1" refType="h"/>
+                      <dgm:constr type="t" for="ch" forName="child1"/>
+                      <dgm:constr type="l" for="ch" forName="child1"/>
+                      <dgm:constr type="w" for="ch" forName="child1Text" refType="w" fact="0.7"/>
+                      <dgm:constr type="h" for="ch" forName="child1Text" refType="h" fact="0.75"/>
+                      <dgm:constr type="t" for="ch" forName="child1Text"/>
+                      <dgm:constr type="l" for="ch" forName="child1Text"/>
                     </dgm:constrLst>
-                    <dgm:ruleLst/>
-                    <dgm:layoutNode name="txThree">
-                      <dgm:varLst>
-                        <dgm:chPref val="3"/>
-                      </dgm:varLst>
-                      <dgm:alg type="tx"/>
-                      <dgm:shape xmlns:r="http://schemas.openxmlformats.org/officeDocument/2006/relationships" type="roundRect" r:blip="">
-                        <dgm:adjLst>
-                          <dgm:adj idx="1" val="0.1"/>
-                        </dgm:adjLst>
-                      </dgm:shape>
-                      <dgm:presOf axis="self"/>
-                      <dgm:constrLst>
-                        <dgm:constr type="userH"/>
-                        <dgm:constr type="h" refType="userH"/>
-                        <dgm:constr type="tMarg" refType="primFontSz" fact="0.3"/>
-                        <dgm:constr type="bMarg" refType="primFontSz" fact="0.3"/>
-                        <dgm:constr type="lMarg" refType="primFontSz" fact="0.3"/>
-                        <dgm:constr type="rMarg" refType="primFontSz" fact="0.3"/>
-                      </dgm:constrLst>
-                      <dgm:ruleLst>
-                        <dgm:rule type="primFontSz" val="5" fact="NaN" max="NaN"/>
-                      </dgm:ruleLst>
-                    </dgm:layoutNode>
-                    <dgm:choose name="Name19">
-                      <dgm:if name="Name20" axis="des" ptType="node" func="cnt" op="gt" val="0">
-                        <dgm:layoutNode name="parTransThree">
-                          <dgm:alg type="sp"/>
-                          <dgm:shape xmlns:r="http://schemas.openxmlformats.org/officeDocument/2006/relationships" r:blip="">
-                            <dgm:adjLst/>
-                          </dgm:shape>
-                          <dgm:presOf/>
-                          <dgm:constrLst/>
-                          <dgm:ruleLst/>
-                        </dgm:layoutNode>
-                      </dgm:if>
-                      <dgm:else name="Name21"/>
-                    </dgm:choose>
-                    <dgm:layoutNode name="horzThree">
-                      <dgm:choose name="Name22">
-                        <dgm:if name="Name23" func="var" arg="dir" op="equ" val="norm">
-                          <dgm:alg type="lin">
-                            <dgm:param type="linDir" val="fromL"/>
-                            <dgm:param type="nodeVertAlign" val="b"/>
-                          </dgm:alg>
-                        </dgm:if>
-                        <dgm:else name="Name24">
-                          <dgm:alg type="lin">
-                            <dgm:param type="linDir" val="fromR"/>
-                            <dgm:param type="nodeVertAlign" val="b"/>
-                          </dgm:alg>
-                        </dgm:else>
-                      </dgm:choose>
-                      <dgm:shape xmlns:r="http://schemas.openxmlformats.org/officeDocument/2006/relationships" r:blip="">
-                        <dgm:adjLst/>
-                      </dgm:shape>
-                      <dgm:presOf/>
-                      <dgm:constrLst/>
-                      <dgm:ruleLst>
-                        <dgm:rule type="w" val="INF" fact="NaN" max="NaN"/>
-                      </dgm:ruleLst>
-                      <dgm:forEach name="repeat" axis="ch" ptType="node">
-                        <dgm:layoutNode name="vertFour">
-                          <dgm:varLst>
-                            <dgm:chPref val="3"/>
-                          </dgm:varLst>
-                          <dgm:alg type="lin">
-                            <dgm:param type="linDir" val="fromB"/>
-                          </dgm:alg>
-                          <dgm:shape xmlns:r="http://schemas.openxmlformats.org/officeDocument/2006/relationships" r:blip="">
-                            <dgm:adjLst/>
-                          </dgm:shape>
-                          <dgm:presOf/>
-                          <dgm:constrLst>
-                            <dgm:constr type="w" for="ch" forName="txFour" refType="w" refFor="ch" refForName="horzFour" op="gte"/>
-                          </dgm:constrLst>
-                          <dgm:ruleLst/>
-                          <dgm:layoutNode name="txFour">
-                            <dgm:varLst>
-                              <dgm:chPref val="3"/>
-                            </dgm:varLst>
-                            <dgm:alg type="tx"/>
-                            <dgm:shape xmlns:r="http://schemas.openxmlformats.org/officeDocument/2006/relationships" type="roundRect" r:blip="">
-                              <dgm:adjLst>
-                                <dgm:adj idx="1" val="0.1"/>
-                              </dgm:adjLst>
-                            </dgm:shape>
-                            <dgm:presOf axis="self"/>
-                            <dgm:constrLst>
-                              <dgm:constr type="userH"/>
-                              <dgm:constr type="h" refType="userH"/>
-                              <dgm:constr type="tMarg" refType="primFontSz" fact="0.3"/>
-                              <dgm:constr type="bMarg" refType="primFontSz" fact="0.3"/>
-                              <dgm:constr type="lMarg" refType="primFontSz" fact="0.3"/>
-                              <dgm:constr type="rMarg" refType="primFontSz" fact="0.3"/>
-                            </dgm:constrLst>
-                            <dgm:ruleLst>
-                              <dgm:rule type="primFontSz" val="5" fact="NaN" max="NaN"/>
-                            </dgm:ruleLst>
-                          </dgm:layoutNode>
-                          <dgm:choose name="Name25">
-                            <dgm:if name="Name26" axis="des" ptType="node" func="cnt" op="gt" val="0">
-                              <dgm:layoutNode name="parTransFour">
-                                <dgm:alg type="sp"/>
-                                <dgm:shape xmlns:r="http://schemas.openxmlformats.org/officeDocument/2006/relationships" r:blip="">
-                                  <dgm:adjLst/>
-                                </dgm:shape>
-                                <dgm:presOf/>
-                                <dgm:constrLst/>
-                                <dgm:ruleLst/>
-                              </dgm:layoutNode>
-                            </dgm:if>
-                            <dgm:else name="Name27"/>
-                          </dgm:choose>
-                          <dgm:layoutNode name="horzFour">
-                            <dgm:choose name="Name28">
-                              <dgm:if name="Name29" func="var" arg="dir" op="equ" val="norm">
-                                <dgm:alg type="lin">
-                                  <dgm:param type="linDir" val="fromL"/>
-                                  <dgm:param type="nodeVertAlign" val="b"/>
-                                </dgm:alg>
-                              </dgm:if>
-                              <dgm:else name="Name30">
-                                <dgm:alg type="lin">
-                                  <dgm:param type="linDir" val="fromR"/>
-                                  <dgm:param type="nodeVertAlign" val="b"/>
-                                </dgm:alg>
-                              </dgm:else>
-                            </dgm:choose>
-                            <dgm:shape xmlns:r="http://schemas.openxmlformats.org/officeDocument/2006/relationships" r:blip="">
-                              <dgm:adjLst/>
-                            </dgm:shape>
-                            <dgm:presOf/>
-                            <dgm:constrLst/>
-                            <dgm:ruleLst>
-                              <dgm:rule type="w" val="INF" fact="NaN" max="NaN"/>
-                            </dgm:ruleLst>
-                            <dgm:forEach name="Name31" ref="repeat"/>
-                          </dgm:layoutNode>
-                        </dgm:layoutNode>
-                        <dgm:choose name="Name32">
-                          <dgm:if name="Name33" axis="self" ptType="node" func="revPos" op="gte" val="2">
-                            <dgm:forEach name="Name34" axis="followSib" ptType="sibTrans" cnt="1">
-                              <dgm:layoutNode name="sibSpaceFour">
-                                <dgm:alg type="sp"/>
-                                <dgm:shape xmlns:r="http://schemas.openxmlformats.org/officeDocument/2006/relationships" r:blip="">
-                                  <dgm:adjLst/>
-                                </dgm:shape>
-                                <dgm:presOf/>
-                                <dgm:constrLst/>
-                                <dgm:ruleLst/>
-                              </dgm:layoutNode>
-                            </dgm:forEach>
-                          </dgm:if>
-                          <dgm:else name="Name35"/>
-                        </dgm:choose>
-                      </dgm:forEach>
-                    </dgm:layoutNode>
-                  </dgm:layoutNode>
-                  <dgm:choose name="Name36">
-                    <dgm:if name="Name37" axis="self" ptType="node" func="revPos" op="gte" val="2">
-                      <dgm:forEach name="Name38" axis="followSib" ptType="sibTrans" cnt="1">
-                        <dgm:layoutNode name="sibSpaceThree">
-                          <dgm:alg type="sp"/>
-                          <dgm:shape xmlns:r="http://schemas.openxmlformats.org/officeDocument/2006/relationships" r:blip="">
-                            <dgm:adjLst/>
-                          </dgm:shape>
-                          <dgm:presOf/>
-                          <dgm:constrLst/>
-                          <dgm:ruleLst/>
-                        </dgm:layoutNode>
-                      </dgm:forEach>
-                    </dgm:if>
-                    <dgm:else name="Name39"/>
-                  </dgm:choose>
-                </dgm:forEach>
+                  </dgm:if>
+                  <dgm:else name="Name9">
+                    <dgm:constrLst>
+                      <dgm:constr type="w" for="ch" forName="child1" refType="w"/>
+                      <dgm:constr type="h" for="ch" forName="child1" refType="h"/>
+                      <dgm:constr type="t" for="ch" forName="child1"/>
+                      <dgm:constr type="r" for="ch" forName="child1" refType="w"/>
+                      <dgm:constr type="w" for="ch" forName="child1Text" refType="w" fact="0.7"/>
+                      <dgm:constr type="h" for="ch" forName="child1Text" refType="h" fact="0.75"/>
+                      <dgm:constr type="t" for="ch" forName="child1Text"/>
+                      <dgm:constr type="r" for="ch" forName="child1Text" refType="w"/>
+                    </dgm:constrLst>
+                  </dgm:else>
+                </dgm:choose>
+                <dgm:ruleLst/>
+                <dgm:layoutNode name="child1" styleLbl="bgAcc1">
+                  <dgm:alg type="sp"/>
+                  <dgm:shape xmlns:r="http://schemas.openxmlformats.org/officeDocument/2006/relationships" type="roundRect" r:blip="" zOrderOff="-2">
+                    <dgm:adjLst>
+                      <dgm:adj idx="1" val="0.1"/>
+                    </dgm:adjLst>
+                  </dgm:shape>
+                  <dgm:presOf axis="ch des" ptType="node node" st="1 1" cnt="1 0"/>
+                  <dgm:constrLst/>
+                  <dgm:ruleLst/>
+                </dgm:layoutNode>
+                <dgm:layoutNode name="child1Text" styleLbl="bgAcc1">
+                  <dgm:varLst>
+                    <dgm:bulletEnabled val="1"/>
+                  </dgm:varLst>
+                  <dgm:alg type="tx">
+                    <dgm:param type="stBulletLvl" val="1"/>
+                  </dgm:alg>
+                  <dgm:shape xmlns:r="http://schemas.openxmlformats.org/officeDocument/2006/relationships" type="roundRect" r:blip="" zOrderOff="-2" hideGeom="1">
+                    <dgm:adjLst>
+                      <dgm:adj idx="1" val="0.1"/>
+                    </dgm:adjLst>
+                  </dgm:shape>
+                  <dgm:presOf axis="ch des" ptType="node node" st="1 1" cnt="1 0"/>
+                  <dgm:constrLst>
+                    <dgm:constr type="tMarg" refType="primFontSz" fact="0.3"/>
+                    <dgm:constr type="bMarg" refType="primFontSz" fact="0.3"/>
+                    <dgm:constr type="lMarg" refType="primFontSz" fact="0.3"/>
+                    <dgm:constr type="rMarg" refType="primFontSz" fact="0.3"/>
+                  </dgm:constrLst>
+                  <dgm:ruleLst>
+                    <dgm:rule type="primFontSz" val="5" fact="NaN" max="NaN"/>
+                  </dgm:ruleLst>
+                </dgm:layoutNode>
               </dgm:layoutNode>
-            </dgm:layoutNode>
-            <dgm:choose name="Name40">
-              <dgm:if name="Name41" axis="self" ptType="node" func="revPos" op="gte" val="2">
-                <dgm:forEach name="Name42" axis="followSib" ptType="sibTrans" cnt="1">
-                  <dgm:layoutNode name="sibSpaceTwo">
-                    <dgm:alg type="sp"/>
-                    <dgm:shape xmlns:r="http://schemas.openxmlformats.org/officeDocument/2006/relationships" r:blip="">
-                      <dgm:adjLst/>
-                    </dgm:shape>
-                    <dgm:presOf/>
-                    <dgm:constrLst/>
-                    <dgm:ruleLst/>
-                  </dgm:layoutNode>
-                </dgm:forEach>
+            </dgm:if>
+            <dgm:else name="Name10"/>
+          </dgm:choose>
+          <dgm:choose name="Name11">
+            <dgm:if name="Name12" axis="ch ch" ptType="node node" st="2 1" cnt="1 0" func="cnt" op="gte" val="1">
+              <dgm:layoutNode name="child2group">
+                <dgm:alg type="composite">
+                  <dgm:param type="horzAlign" val="none"/>
+                  <dgm:param type="vertAlign" val="none"/>
+                </dgm:alg>
+                <dgm:shape xmlns:r="http://schemas.openxmlformats.org/officeDocument/2006/relationships" r:blip="">
+                  <dgm:adjLst/>
+                </dgm:shape>
+                <dgm:choose name="Name13">
+                  <dgm:if name="Name14" func="var" arg="dir" op="equ" val="norm">
+                    <dgm:constrLst>
+                      <dgm:constr type="w" for="ch" forName="child2" refType="w"/>
+                      <dgm:constr type="h" for="ch" forName="child2" refType="h"/>
+                      <dgm:constr type="t" for="ch" forName="child2"/>
+                      <dgm:constr type="r" for="ch" forName="child2" refType="w"/>
+                      <dgm:constr type="w" for="ch" forName="child2Text" refType="w" fact="0.7"/>
+                      <dgm:constr type="h" for="ch" forName="child2Text" refType="h" fact="0.75"/>
+                      <dgm:constr type="t" for="ch" forName="child2Text"/>
+                      <dgm:constr type="r" for="ch" forName="child2Text" refType="w"/>
+                    </dgm:constrLst>
+                  </dgm:if>
+                  <dgm:else name="Name15">
+                    <dgm:constrLst>
+                      <dgm:constr type="w" for="ch" forName="child2" refType="w"/>
+                      <dgm:constr type="h" for="ch" forName="child2" refType="h"/>
+                      <dgm:constr type="t" for="ch" forName="child2"/>
+                      <dgm:constr type="l" for="ch" forName="child2"/>
+                      <dgm:constr type="w" for="ch" forName="child2Text" refType="w" fact="0.7"/>
+                      <dgm:constr type="h" for="ch" forName="child2Text" refType="h" fact="0.75"/>
+                      <dgm:constr type="t" for="ch" forName="child2Text"/>
+                      <dgm:constr type="l" for="ch" forName="child2Text"/>
+                    </dgm:constrLst>
+                  </dgm:else>
+                </dgm:choose>
+                <dgm:ruleLst/>
+                <dgm:layoutNode name="child2" styleLbl="bgAcc1">
+                  <dgm:alg type="sp"/>
+                  <dgm:shape xmlns:r="http://schemas.openxmlformats.org/officeDocument/2006/relationships" type="roundRect" r:blip="" zOrderOff="-2">
+                    <dgm:adjLst>
+                      <dgm:adj idx="1" val="0.1"/>
+                    </dgm:adjLst>
+                  </dgm:shape>
+                  <dgm:presOf axis="ch des" ptType="node node" st="2 1" cnt="1 0"/>
+                  <dgm:constrLst/>
+                  <dgm:ruleLst/>
+                </dgm:layoutNode>
+                <dgm:layoutNode name="child2Text" styleLbl="bgAcc1">
+                  <dgm:varLst>
+                    <dgm:bulletEnabled val="1"/>
+                  </dgm:varLst>
+                  <dgm:alg type="tx">
+                    <dgm:param type="stBulletLvl" val="1"/>
+                  </dgm:alg>
+                  <dgm:shape xmlns:r="http://schemas.openxmlformats.org/officeDocument/2006/relationships" type="roundRect" r:blip="" zOrderOff="-2" hideGeom="1">
+                    <dgm:adjLst>
+                      <dgm:adj idx="1" val="0.1"/>
+                    </dgm:adjLst>
+                  </dgm:shape>
+                  <dgm:presOf axis="ch des" ptType="node node" st="2 1" cnt="1 0"/>
+                  <dgm:constrLst>
+                    <dgm:constr type="tMarg" refType="primFontSz" fact="0.3"/>
+                    <dgm:constr type="bMarg" refType="primFontSz" fact="0.3"/>
+                    <dgm:constr type="lMarg" refType="primFontSz" fact="0.3"/>
+                    <dgm:constr type="rMarg" refType="primFontSz" fact="0.3"/>
+                  </dgm:constrLst>
+                  <dgm:ruleLst>
+                    <dgm:rule type="primFontSz" val="5" fact="NaN" max="NaN"/>
+                  </dgm:ruleLst>
+                </dgm:layoutNode>
+              </dgm:layoutNode>
+            </dgm:if>
+            <dgm:else name="Name16"/>
+          </dgm:choose>
+          <dgm:choose name="Name17">
+            <dgm:if name="Name18" axis="ch ch" ptType="node node" st="3 1" cnt="1 0" func="cnt" op="gte" val="1">
+              <dgm:layoutNode name="child3group">
+                <dgm:alg type="composite">
+                  <dgm:param type="horzAlign" val="none"/>
+                  <dgm:param type="vertAlign" val="none"/>
+                </dgm:alg>
+                <dgm:shape xmlns:r="http://schemas.openxmlformats.org/officeDocument/2006/relationships" r:blip="">
+                  <dgm:adjLst/>
+                </dgm:shape>
+                <dgm:presOf/>
+                <dgm:choose name="Name19">
+                  <dgm:if name="Name20" func="var" arg="dir" op="equ" val="norm">
+                    <dgm:constrLst>
+                      <dgm:constr type="w" for="ch" forName="child3" refType="w"/>
+                      <dgm:constr type="h" for="ch" forName="child3" refType="h"/>
+                      <dgm:constr type="b" for="ch" forName="child3" refType="h"/>
+                      <dgm:constr type="r" for="ch" forName="child3" refType="w"/>
+                      <dgm:constr type="w" for="ch" forName="child3Text" refType="w" fact="0.7"/>
+                      <dgm:constr type="h" for="ch" forName="child3Text" refType="h" fact="0.75"/>
+                      <dgm:constr type="b" for="ch" forName="child3Text" refType="h"/>
+                      <dgm:constr type="r" for="ch" forName="child3Text" refType="w"/>
+                    </dgm:constrLst>
+                  </dgm:if>
+                  <dgm:else name="Name21">
+                    <dgm:constrLst>
+                      <dgm:constr type="w" for="ch" forName="child3" refType="w"/>
+                      <dgm:constr type="h" for="ch" forName="child3" refType="h"/>
+                      <dgm:constr type="b" for="ch" forName="child3" refType="h"/>
+                      <dgm:constr type="l" for="ch" forName="child3"/>
+                      <dgm:constr type="w" for="ch" forName="child3Text" refType="w" fact="0.7"/>
+                      <dgm:constr type="h" for="ch" forName="child3Text" refType="h" fact="0.75"/>
+                      <dgm:constr type="b" for="ch" forName="child3Text" refType="h"/>
+                      <dgm:constr type="l" for="ch" forName="child3Text"/>
+                    </dgm:constrLst>
+                  </dgm:else>
+                </dgm:choose>
+                <dgm:ruleLst/>
+                <dgm:layoutNode name="child3" styleLbl="bgAcc1">
+                  <dgm:alg type="sp"/>
+                  <dgm:shape xmlns:r="http://schemas.openxmlformats.org/officeDocument/2006/relationships" type="roundRect" r:blip="" zOrderOff="-4">
+                    <dgm:adjLst>
+                      <dgm:adj idx="1" val="0.1"/>
+                    </dgm:adjLst>
+                  </dgm:shape>
+                  <dgm:presOf axis="ch des" ptType="node node" st="3 1" cnt="1 0"/>
+                  <dgm:constrLst/>
+                  <dgm:ruleLst/>
+                </dgm:layoutNode>
+                <dgm:layoutNode name="child3Text" styleLbl="bgAcc1">
+                  <dgm:varLst>
+                    <dgm:bulletEnabled val="1"/>
+                  </dgm:varLst>
+                  <dgm:alg type="tx">
+                    <dgm:param type="stBulletLvl" val="1"/>
+                  </dgm:alg>
+                  <dgm:shape xmlns:r="http://schemas.openxmlformats.org/officeDocument/2006/relationships" type="roundRect" r:blip="" zOrderOff="-4" hideGeom="1">
+                    <dgm:adjLst>
+                      <dgm:adj idx="1" val="0.1"/>
+                    </dgm:adjLst>
+                  </dgm:shape>
+                  <dgm:presOf axis="ch des" ptType="node node" st="3 1" cnt="1 0"/>
+                  <dgm:constrLst>
+                    <dgm:constr type="tMarg" refType="primFontSz" fact="0.3"/>
+                    <dgm:constr type="bMarg" refType="primFontSz" fact="0.3"/>
+                    <dgm:constr type="lMarg" refType="primFontSz" fact="0.3"/>
+                    <dgm:constr type="rMarg" refType="primFontSz" fact="0.3"/>
+                  </dgm:constrLst>
+                  <dgm:ruleLst>
+                    <dgm:rule type="primFontSz" val="5" fact="NaN" max="NaN"/>
+                  </dgm:ruleLst>
+                </dgm:layoutNode>
+              </dgm:layoutNode>
+            </dgm:if>
+            <dgm:else name="Name22"/>
+          </dgm:choose>
+          <dgm:choose name="Name23">
+            <dgm:if name="Name24" axis="ch ch" ptType="node node" st="4 1" cnt="1 0" func="cnt" op="gte" val="1">
+              <dgm:layoutNode name="child4group">
+                <dgm:alg type="composite">
+                  <dgm:param type="horzAlign" val="none"/>
+                  <dgm:param type="vertAlign" val="none"/>
+                </dgm:alg>
+                <dgm:shape xmlns:r="http://schemas.openxmlformats.org/officeDocument/2006/relationships" r:blip="">
+                  <dgm:adjLst/>
+                </dgm:shape>
+                <dgm:presOf/>
+                <dgm:choose name="Name25">
+                  <dgm:if name="Name26" func="var" arg="dir" op="equ" val="norm">
+                    <dgm:constrLst>
+                      <dgm:constr type="w" for="ch" forName="child4" refType="w"/>
+                      <dgm:constr type="h" for="ch" forName="child4" refType="h"/>
+                      <dgm:constr type="b" for="ch" forName="child4" refType="h"/>
+                      <dgm:constr type="l" for="ch" forName="child4"/>
+                      <dgm:constr type="w" for="ch" forName="child4Text" refType="w" fact="0.7"/>
+                      <dgm:constr type="h" for="ch" forName="child4Text" refType="h" fact="0.75"/>
+                      <dgm:constr type="b" for="ch" forName="child4Text" refType="h"/>
+                      <dgm:constr type="l" for="ch" forName="child4Text"/>
+                    </dgm:constrLst>
+                  </dgm:if>
+                  <dgm:else name="Name27">
+                    <dgm:constrLst>
+                      <dgm:constr type="w" for="ch" forName="child4" refType="w"/>
+                      <dgm:constr type="h" for="ch" forName="child4" refType="h"/>
+                      <dgm:constr type="b" for="ch" forName="child4" refType="h"/>
+                      <dgm:constr type="r" for="ch" forName="child4" refType="w"/>
+                      <dgm:constr type="w" for="ch" forName="child4Text" refType="w" fact="0.7"/>
+                      <dgm:constr type="h" for="ch" forName="child4Text" refType="h" fact="0.75"/>
+                      <dgm:constr type="b" for="ch" forName="child4Text" refType="h"/>
+                      <dgm:constr type="r" for="ch" forName="child4Text" refType="w"/>
+                    </dgm:constrLst>
+                  </dgm:else>
+                </dgm:choose>
+                <dgm:ruleLst/>
+                <dgm:layoutNode name="child4" styleLbl="bgAcc1">
+                  <dgm:alg type="sp"/>
+                  <dgm:shape xmlns:r="http://schemas.openxmlformats.org/officeDocument/2006/relationships" type="roundRect" r:blip="" zOrderOff="-4">
+                    <dgm:adjLst>
+                      <dgm:adj idx="1" val="0.1"/>
+                    </dgm:adjLst>
+                  </dgm:shape>
+                  <dgm:presOf axis="ch des" ptType="node node" st="4 1" cnt="1 0"/>
+                  <dgm:constrLst/>
+                  <dgm:ruleLst/>
+                </dgm:layoutNode>
+                <dgm:layoutNode name="child4Text" styleLbl="bgAcc1">
+                  <dgm:varLst>
+                    <dgm:bulletEnabled val="1"/>
+                  </dgm:varLst>
+                  <dgm:alg type="tx">
+                    <dgm:param type="stBulletLvl" val="1"/>
+                  </dgm:alg>
+                  <dgm:shape xmlns:r="http://schemas.openxmlformats.org/officeDocument/2006/relationships" type="roundRect" r:blip="" zOrderOff="-4" hideGeom="1">
+                    <dgm:adjLst>
+                      <dgm:adj idx="1" val="0.1"/>
+                    </dgm:adjLst>
+                  </dgm:shape>
+                  <dgm:presOf axis="ch des" ptType="node node" st="4 1" cnt="1 0"/>
+                  <dgm:constrLst>
+                    <dgm:constr type="tMarg" refType="primFontSz" fact="0.3"/>
+                    <dgm:constr type="bMarg" refType="primFontSz" fact="0.3"/>
+                    <dgm:constr type="lMarg" refType="primFontSz" fact="0.3"/>
+                    <dgm:constr type="rMarg" refType="primFontSz" fact="0.3"/>
+                  </dgm:constrLst>
+                  <dgm:ruleLst>
+                    <dgm:rule type="primFontSz" val="5" fact="NaN" max="NaN"/>
+                  </dgm:ruleLst>
+                </dgm:layoutNode>
+              </dgm:layoutNode>
+            </dgm:if>
+            <dgm:else name="Name28"/>
+          </dgm:choose>
+          <dgm:layoutNode name="childPlaceholder">
+            <dgm:alg type="sp"/>
+            <dgm:shape xmlns:r="http://schemas.openxmlformats.org/officeDocument/2006/relationships" r:blip="">
+              <dgm:adjLst/>
+            </dgm:shape>
+            <dgm:presOf/>
+            <dgm:constrLst/>
+            <dgm:ruleLst/>
+          </dgm:layoutNode>
+        </dgm:layoutNode>
+        <dgm:layoutNode name="circle">
+          <dgm:alg type="composite">
+            <dgm:param type="ar" val="1"/>
+          </dgm:alg>
+          <dgm:shape xmlns:r="http://schemas.openxmlformats.org/officeDocument/2006/relationships" r:blip="">
+            <dgm:adjLst/>
+          </dgm:shape>
+          <dgm:presOf/>
+          <dgm:choose name="Name29">
+            <dgm:if name="Name30" func="var" arg="dir" op="equ" val="norm">
+              <dgm:constrLst>
+                <dgm:constr type="primFontSz" for="ch" ptType="node" op="equ" val="65"/>
+                <dgm:constr type="w" for="ch" forName="quadrant1" refType="w" fact="0.433"/>
+                <dgm:constr type="h" for="ch" forName="quadrant1" refType="h" fact="0.433"/>
+                <dgm:constr type="b" for="ch" forName="quadrant1" refType="h" fact="0.5"/>
+                <dgm:constr type="bOff" for="ch" forName="quadrant1" refType="h" fact="-0.01"/>
+                <dgm:constr type="r" for="ch" forName="quadrant1" refType="w" fact="0.5"/>
+                <dgm:constr type="rOff" for="ch" forName="quadrant1" refType="w" fact="-0.01"/>
+                <dgm:constr type="w" for="ch" forName="quadrant2" refType="w" fact="0.433"/>
+                <dgm:constr type="h" for="ch" forName="quadrant2" refType="h" fact="0.433"/>
+                <dgm:constr type="b" for="ch" forName="quadrant2" refType="h" fact="0.5"/>
+                <dgm:constr type="bOff" for="ch" forName="quadrant2" refType="h" fact="-0.01"/>
+                <dgm:constr type="l" for="ch" forName="quadrant2" refType="w" fact="0.5"/>
+                <dgm:constr type="lOff" for="ch" forName="quadrant2" refType="w" fact="0.01"/>
+                <dgm:constr type="w" for="ch" forName="quadrant3" refType="w" fact="0.433"/>
+                <dgm:constr type="h" for="ch" forName="quadrant3" refType="h" fact="0.433"/>
+                <dgm:constr type="t" for="ch" forName="quadrant3" refType="h" fact="0.5"/>
+                <dgm:constr type="tOff" for="ch" forName="quadrant3" refType="h" fact="0.01"/>
+                <dgm:constr type="l" for="ch" forName="quadrant3" refType="w" fact="0.5"/>
+                <dgm:constr type="lOff" for="ch" forName="quadrant3" refType="w" fact="0.01"/>
+                <dgm:constr type="w" for="ch" forName="quadrant4" refType="w" fact="0.433"/>
+                <dgm:constr type="h" for="ch" forName="quadrant4" refType="h" fact="0.433"/>
+                <dgm:constr type="t" for="ch" forName="quadrant4" refType="h" fact="0.5"/>
+                <dgm:constr type="tOff" for="ch" forName="quadrant4" refType="h" fact="0.01"/>
+                <dgm:constr type="r" for="ch" forName="quadrant4" refType="w" fact="0.5"/>
+                <dgm:constr type="rOff" for="ch" forName="quadrant4" refType="w" fact="-0.01"/>
+              </dgm:constrLst>
+            </dgm:if>
+            <dgm:else name="Name31">
+              <dgm:constrLst>
+                <dgm:constr type="primFontSz" for="ch" ptType="node" op="equ" val="65"/>
+                <dgm:constr type="w" for="ch" forName="quadrant1" refType="w" fact="0.433"/>
+                <dgm:constr type="h" for="ch" forName="quadrant1" refType="h" fact="0.433"/>
+                <dgm:constr type="b" for="ch" forName="quadrant1" refType="h" fact="0.5"/>
+                <dgm:constr type="bOff" for="ch" forName="quadrant1" refType="h" fact="-0.01"/>
+                <dgm:constr type="l" for="ch" forName="quadrant1" refType="w" fact="0.5"/>
+                <dgm:constr type="lOff" for="ch" forName="quadrant1" refType="w" fact="0.01"/>
+                <dgm:constr type="w" for="ch" forName="quadrant2" refType="w" fact="0.433"/>
+                <dgm:constr type="h" for="ch" forName="quadrant2" refType="h" fact="0.433"/>
+                <dgm:constr type="b" for="ch" forName="quadrant2" refType="h" fact="0.5"/>
+                <dgm:constr type="bOff" for="ch" forName="quadrant2" refType="h" fact="-0.01"/>
+                <dgm:constr type="r" for="ch" forName="quadrant2" refType="w" fact="0.5"/>
+                <dgm:constr type="rOff" for="ch" forName="quadrant2" refType="w" fact="-0.01"/>
+                <dgm:constr type="w" for="ch" forName="quadrant3" refType="w" fact="0.433"/>
+                <dgm:constr type="h" for="ch" forName="quadrant3" refType="h" fact="0.433"/>
+                <dgm:constr type="t" for="ch" forName="quadrant3" refType="h" fact="0.5"/>
+                <dgm:constr type="tOff" for="ch" forName="quadrant3" refType="h" fact="0.01"/>
+                <dgm:constr type="r" for="ch" forName="quadrant3" refType="w" fact="0.5"/>
+                <dgm:constr type="rOff" for="ch" forName="quadrant3" refType="w" fact="-0.01"/>
+                <dgm:constr type="w" for="ch" forName="quadrant4" refType="w" fact="0.433"/>
+                <dgm:constr type="h" for="ch" forName="quadrant4" refType="h" fact="0.433"/>
+                <dgm:constr type="t" for="ch" forName="quadrant4" refType="h" fact="0.5"/>
+                <dgm:constr type="tOff" for="ch" forName="quadrant4" refType="h" fact="0.01"/>
+                <dgm:constr type="l" for="ch" forName="quadrant4" refType="w" fact="0.5"/>
+                <dgm:constr type="lOff" for="ch" forName="quadrant4" refType="w" fact="0.01"/>
+              </dgm:constrLst>
+            </dgm:else>
+          </dgm:choose>
+          <dgm:ruleLst/>
+          <dgm:layoutNode name="quadrant1" styleLbl="node1">
+            <dgm:varLst>
+              <dgm:chMax val="1"/>
+              <dgm:bulletEnabled val="1"/>
+            </dgm:varLst>
+            <dgm:alg type="tx"/>
+            <dgm:choose name="Name32">
+              <dgm:if name="Name33" func="var" arg="dir" op="equ" val="norm">
+                <dgm:shape xmlns:r="http://schemas.openxmlformats.org/officeDocument/2006/relationships" type="pieWedge" r:blip="">
+                  <dgm:adjLst/>
+                </dgm:shape>
               </dgm:if>
-              <dgm:else name="Name43"/>
+              <dgm:else name="Name34">
+                <dgm:shape xmlns:r="http://schemas.openxmlformats.org/officeDocument/2006/relationships" rot="90" type="pieWedge" r:blip="">
+                  <dgm:adjLst/>
+                </dgm:shape>
+              </dgm:else>
             </dgm:choose>
-          </dgm:forEach>
+            <dgm:presOf axis="ch" ptType="node" cnt="1"/>
+            <dgm:constrLst/>
+            <dgm:ruleLst>
+              <dgm:rule type="primFontSz" val="5" fact="NaN" max="NaN"/>
+            </dgm:ruleLst>
+          </dgm:layoutNode>
+          <dgm:layoutNode name="quadrant2" styleLbl="node1">
+            <dgm:varLst>
+              <dgm:chMax val="1"/>
+              <dgm:bulletEnabled val="1"/>
+            </dgm:varLst>
+            <dgm:alg type="tx"/>
+            <dgm:choose name="Name35">
+              <dgm:if name="Name36" func="var" arg="dir" op="equ" val="norm">
+                <dgm:shape xmlns:r="http://schemas.openxmlformats.org/officeDocument/2006/relationships" rot="90" type="pieWedge" r:blip="">
+                  <dgm:adjLst/>
+                </dgm:shape>
+              </dgm:if>
+              <dgm:else name="Name37">
+                <dgm:shape xmlns:r="http://schemas.openxmlformats.org/officeDocument/2006/relationships" type="pieWedge" r:blip="">
+                  <dgm:adjLst/>
+                </dgm:shape>
+              </dgm:else>
+            </dgm:choose>
+            <dgm:presOf axis="ch" ptType="node" st="2" cnt="1"/>
+            <dgm:constrLst/>
+            <dgm:ruleLst>
+              <dgm:rule type="primFontSz" val="5" fact="NaN" max="NaN"/>
+            </dgm:ruleLst>
+          </dgm:layoutNode>
+          <dgm:layoutNode name="quadrant3" styleLbl="node1">
+            <dgm:varLst>
+              <dgm:chMax val="1"/>
+              <dgm:bulletEnabled val="1"/>
+            </dgm:varLst>
+            <dgm:alg type="tx"/>
+            <dgm:choose name="Name38">
+              <dgm:if name="Name39" func="var" arg="dir" op="equ" val="norm">
+                <dgm:shape xmlns:r="http://schemas.openxmlformats.org/officeDocument/2006/relationships" rot="180" type="pieWedge" r:blip="">
+                  <dgm:adjLst/>
+                </dgm:shape>
+              </dgm:if>
+              <dgm:else name="Name40">
+                <dgm:shape xmlns:r="http://schemas.openxmlformats.org/officeDocument/2006/relationships" rot="270" type="pieWedge" r:blip="">
+                  <dgm:adjLst/>
+                </dgm:shape>
+              </dgm:else>
+            </dgm:choose>
+            <dgm:presOf axis="ch" ptType="node" st="3" cnt="1"/>
+            <dgm:constrLst/>
+            <dgm:ruleLst>
+              <dgm:rule type="primFontSz" val="5" fact="NaN" max="NaN"/>
+            </dgm:ruleLst>
+          </dgm:layoutNode>
+          <dgm:layoutNode name="quadrant4" styleLbl="node1">
+            <dgm:varLst>
+              <dgm:chMax val="1"/>
+              <dgm:bulletEnabled val="1"/>
+            </dgm:varLst>
+            <dgm:alg type="tx"/>
+            <dgm:choose name="Name41">
+              <dgm:if name="Name42" func="var" arg="dir" op="equ" val="norm">
+                <dgm:shape xmlns:r="http://schemas.openxmlformats.org/officeDocument/2006/relationships" rot="270" type="pieWedge" r:blip="">
+                  <dgm:adjLst/>
+                </dgm:shape>
+              </dgm:if>
+              <dgm:else name="Name43">
+                <dgm:shape xmlns:r="http://schemas.openxmlformats.org/officeDocument/2006/relationships" rot="180" type="pieWedge" r:blip="">
+                  <dgm:adjLst/>
+                </dgm:shape>
+              </dgm:else>
+            </dgm:choose>
+            <dgm:presOf axis="ch" ptType="node" st="4" cnt="1"/>
+            <dgm:constrLst/>
+            <dgm:ruleLst>
+              <dgm:rule type="primFontSz" val="5" fact="NaN" max="NaN"/>
+            </dgm:ruleLst>
+          </dgm:layoutNode>
+          <dgm:layoutNode name="quadrantPlaceholder">
+            <dgm:alg type="sp"/>
+            <dgm:shape xmlns:r="http://schemas.openxmlformats.org/officeDocument/2006/relationships" r:blip="">
+              <dgm:adjLst/>
+            </dgm:shape>
+            <dgm:presOf/>
+            <dgm:constrLst/>
+            <dgm:ruleLst/>
+          </dgm:layoutNode>
         </dgm:layoutNode>
-      </dgm:layoutNode>
-      <dgm:choose name="Name44">
-        <dgm:if name="Name45" axis="self" ptType="node" func="revPos" op="gte" val="2">
-          <dgm:forEach name="Name46" axis="followSib" ptType="sibTrans" cnt="1">
-            <dgm:layoutNode name="sibSpaceOne">
-              <dgm:alg type="sp"/>
-              <dgm:shape xmlns:r="http://schemas.openxmlformats.org/officeDocument/2006/relationships" r:blip="">
+        <dgm:layoutNode name="center1" styleLbl="fgShp">
+          <dgm:alg type="sp"/>
+          <dgm:choose name="Name44">
+            <dgm:if name="Name45" func="var" arg="dir" op="equ" val="norm">
+              <dgm:shape xmlns:r="http://schemas.openxmlformats.org/officeDocument/2006/relationships" type="circularArrow" r:blip="" zOrderOff="16">
                 <dgm:adjLst/>
               </dgm:shape>
-              <dgm:presOf/>
-              <dgm:constrLst/>
-              <dgm:ruleLst/>
-            </dgm:layoutNode>
-          </dgm:forEach>
-        </dgm:if>
-        <dgm:else name="Name47"/>
-      </dgm:choose>
-    </dgm:forEach>
+            </dgm:if>
+            <dgm:else name="Name46">
+              <dgm:shape xmlns:r="http://schemas.openxmlformats.org/officeDocument/2006/relationships" rot="180" type="leftCircularArrow" r:blip="" zOrderOff="16">
+                <dgm:adjLst/>
+              </dgm:shape>
+            </dgm:else>
+          </dgm:choose>
+          <dgm:presOf/>
+          <dgm:constrLst/>
+          <dgm:ruleLst/>
+        </dgm:layoutNode>
+        <dgm:layoutNode name="center2" styleLbl="fgShp">
+          <dgm:alg type="sp"/>
+          <dgm:choose name="Name47">
+            <dgm:if name="Name48" func="var" arg="dir" op="equ" val="norm">
+              <dgm:shape xmlns:r="http://schemas.openxmlformats.org/officeDocument/2006/relationships" rot="180" type="circularArrow" r:blip="" zOrderOff="16">
+                <dgm:adjLst/>
+              </dgm:shape>
+            </dgm:if>
+            <dgm:else name="Name49">
+              <dgm:shape xmlns:r="http://schemas.openxmlformats.org/officeDocument/2006/relationships" type="leftCircularArrow" r:blip="" zOrderOff="16">
+                <dgm:adjLst/>
+              </dgm:shape>
+            </dgm:else>
+          </dgm:choose>
+          <dgm:presOf/>
+          <dgm:constrLst/>
+          <dgm:ruleLst/>
+        </dgm:layoutNode>
+      </dgm:if>
+      <dgm:else name="Name50"/>
+    </dgm:choose>
   </dgm:layoutNode>
 </dgm:layoutDef>
 </file>
 
 <file path=ppt/diagrams/layout3.xml><?xml version="1.0" encoding="utf-8"?>
-<dgm:layoutDef xmlns:dgm="http://schemas.openxmlformats.org/drawingml/2006/diagram" xmlns:a="http://schemas.openxmlformats.org/drawingml/2006/main" uniqueId="urn:microsoft.com/office/officeart/2005/8/layout/architecture">
-  <dgm:title val="Architecture Layout"/>
-  <dgm:desc val="Use to show hierarchical relationships that build from the bottom up. This layout works well for showing architectural components or objects that build on other objects."/>
-  <dgm:catLst>
-    <dgm:cat type="hierarchy" pri="4500"/>
-    <dgm:cat type="list" pri="24500"/>
-    <dgm:cat type="relationship" pri="10500"/>
-    <dgm:cat type="officeonline" pri="7000"/>
-  </dgm:catLst>
-  <dgm:sampData>
-    <dgm:dataModel>
-      <dgm:ptLst>
-        <dgm:pt modelId="0" type="doc"/>
-        <dgm:pt modelId="1">
-          <dgm:prSet phldr="1"/>
-        </dgm:pt>
-        <dgm:pt modelId="2">
-          <dgm:prSet phldr="1"/>
-        </dgm:pt>
-        <dgm:pt modelId="21">
-          <dgm:prSet phldr="1"/>
-        </dgm:pt>
-        <dgm:pt modelId="22">
-          <dgm:prSet phldr="1"/>
-        </dgm:pt>
-        <dgm:pt modelId="3">
-          <dgm:prSet phldr="1"/>
-        </dgm:pt>
-        <dgm:pt modelId="31">
-          <dgm:prSet phldr="1"/>
-        </dgm:pt>
-      </dgm:ptLst>
-      <dgm:cxnLst>
-        <dgm:cxn modelId="4" srcId="0" destId="1" srcOrd="0" destOrd="0"/>
-        <dgm:cxn modelId="5" srcId="1" destId="2" srcOrd="0" destOrd="0"/>
-        <dgm:cxn modelId="6" srcId="1" destId="3" srcOrd="1" destOrd="0"/>
-        <dgm:cxn modelId="23" srcId="2" destId="21" srcOrd="0" destOrd="0"/>
-        <dgm:cxn modelId="24" srcId="2" destId="22" srcOrd="1" destOrd="0"/>
-        <dgm:cxn modelId="33" srcId="3" destId="31" srcOrd="0" destOrd="0"/>
-      </dgm:cxnLst>
-      <dgm:bg/>
-      <dgm:whole/>
-    </dgm:dataModel>
-  </dgm:sampData>
-  <dgm:styleData>
-    <dgm:dataModel>
-      <dgm:ptLst>
-        <dgm:pt modelId="0" type="doc"/>
-        <dgm:pt modelId="1"/>
-        <dgm:pt modelId="11"/>
-        <dgm:pt modelId="12"/>
-      </dgm:ptLst>
-      <dgm:cxnLst>
-        <dgm:cxn modelId="2" srcId="0" destId="1" srcOrd="0" destOrd="0"/>
-        <dgm:cxn modelId="13" srcId="1" destId="11" srcOrd="0" destOrd="0"/>
-        <dgm:cxn modelId="14" srcId="1" destId="12" srcOrd="1" destOrd="0"/>
-      </dgm:cxnLst>
-      <dgm:bg/>
-      <dgm:whole/>
-    </dgm:dataModel>
-  </dgm:styleData>
-  <dgm:clrData>
-    <dgm:dataModel>
-      <dgm:ptLst>
-        <dgm:pt modelId="0" type="doc"/>
-        <dgm:pt modelId="1"/>
-        <dgm:pt modelId="2"/>
-        <dgm:pt modelId="21"/>
-        <dgm:pt modelId="211"/>
-        <dgm:pt modelId="3"/>
-        <dgm:pt modelId="31"/>
-        <dgm:pt modelId="311"/>
-      </dgm:ptLst>
-      <dgm:cxnLst>
-        <dgm:cxn modelId="4" srcId="0" destId="1" srcOrd="0" destOrd="0"/>
-        <dgm:cxn modelId="5" srcId="1" destId="2" srcOrd="0" destOrd="0"/>
-        <dgm:cxn modelId="6" srcId="1" destId="3" srcOrd="1" destOrd="0"/>
-        <dgm:cxn modelId="23" srcId="2" destId="21" srcOrd="0" destOrd="0"/>
-        <dgm:cxn modelId="24" srcId="21" destId="211" srcOrd="0" destOrd="0"/>
-        <dgm:cxn modelId="33" srcId="3" destId="31" srcOrd="0" destOrd="0"/>
-        <dgm:cxn modelId="34" srcId="31" destId="311" srcOrd="0" destOrd="0"/>
-      </dgm:cxnLst>
-      <dgm:bg/>
-      <dgm:whole/>
-    </dgm:dataModel>
-  </dgm:clrData>
-  <dgm:layoutNode name="Name0">
-    <dgm:varLst>
-      <dgm:chPref val="1"/>
-      <dgm:dir/>
-      <dgm:animOne val="branch"/>
-      <dgm:animLvl val="lvl"/>
-      <dgm:resizeHandles/>
-    </dgm:varLst>
-    <dgm:choose name="Name1">
-      <dgm:if name="Name2" func="var" arg="dir" op="equ" val="norm">
-        <dgm:alg type="lin">
-          <dgm:param type="linDir" val="fromL"/>
-          <dgm:param type="nodeVertAlign" val="b"/>
-        </dgm:alg>
-      </dgm:if>
-      <dgm:else name="Name3">
-        <dgm:alg type="lin">
-          <dgm:param type="linDir" val="fromR"/>
-          <dgm:param type="nodeVertAlign" val="b"/>
-        </dgm:alg>
-      </dgm:else>
-    </dgm:choose>
-    <dgm:shape xmlns:r="http://schemas.openxmlformats.org/officeDocument/2006/relationships" r:blip="">
-      <dgm:adjLst/>
-    </dgm:shape>
-    <dgm:presOf/>
-    <dgm:constrLst>
-      <dgm:constr type="w" for="ch" forName="vertOne" refType="w"/>
-      <dgm:constr type="w" for="des" forName="horzOne" refType="w"/>
-      <dgm:constr type="w" for="des" forName="txOne" refType="w"/>
-      <dgm:constr type="w" for="des" forName="vertTwo" refType="w"/>
-      <dgm:constr type="w" for="des" forName="horzTwo" refType="w"/>
-      <dgm:constr type="w" for="des" forName="txTwo" refType="w"/>
-      <dgm:constr type="w" for="des" forName="vertThree" refType="w"/>
-      <dgm:constr type="w" for="des" forName="horzThree" refType="w"/>
-      <dgm:constr type="w" for="des" forName="txThree" refType="w"/>
-      <dgm:constr type="w" for="des" forName="vertFour" refType="w"/>
-      <dgm:constr type="w" for="des" forName="horzFour" refType="w"/>
-      <dgm:constr type="w" for="des" forName="txFour" refType="w"/>
-      <dgm:constr type="h" for="des" ptType="node" op="equ"/>
-      <dgm:constr type="h" for="des" forName="txOne" refType="h"/>
-      <dgm:constr type="userH" for="des" ptType="node" refType="h" refFor="des" refForName="txOne"/>
-      <dgm:constr type="primFontSz" for="des" forName="txOne" val="65"/>
-      <dgm:constr type="primFontSz" for="des" forName="txTwo" val="65"/>
-      <dgm:constr type="primFontSz" for="des" forName="txTwo" refType="primFontSz" refFor="des" refForName="txOne" op="lte"/>
-      <dgm:constr type="primFontSz" for="des" forName="txThree" val="65"/>
-      <dgm:constr type="primFontSz" for="des" forName="txThree" refType="primFontSz" refFor="des" refForName="txOne" op="lte"/>
-      <dgm:constr type="primFontSz" for="des" forName="txThree" refType="primFontSz" refFor="des" refForName="txTwo" op="lte"/>
-      <dgm:constr type="primFontSz" for="des" forName="txFour" val="65"/>
-      <dgm:constr type="primFontSz" for="des" forName="txFour" refType="primFontSz" refFor="des" refForName="txOne" op="lte"/>
-      <dgm:constr type="primFontSz" for="des" forName="txFour" refType="primFontSz" refFor="des" refForName="txTwo" op="lte"/>
-      <dgm:constr type="primFontSz" for="des" forName="txFour" refType="primFontSz" refFor="des" refForName="txThree" op="lte"/>
-      <dgm:constr type="w" for="des" forName="sibSpaceOne" refType="w" fact="0.168"/>
-      <dgm:constr type="w" for="des" forName="sibSpaceTwo" refType="w" refFor="des" refForName="sibSpaceOne" op="equ" fact="0.5"/>
-      <dgm:constr type="w" for="des" forName="sibSpaceThree" refType="w" refFor="des" refForName="sibSpaceTwo" op="equ" fact="0.5"/>
-      <dgm:constr type="w" for="des" forName="sibSpaceFour" refType="w" refFor="des" refForName="sibSpaceThree" op="equ" fact="0.5"/>
-      <dgm:constr type="h" for="des" forName="parTransOne" refType="w" fact="0.056"/>
-      <dgm:constr type="h" for="des" forName="parTransTwo" refType="h" refFor="des" refForName="parTransOne" op="equ"/>
-      <dgm:constr type="h" for="des" forName="parTransThree" refType="h" refFor="des" refForName="parTransTwo" op="equ"/>
-      <dgm:constr type="h" for="des" forName="parTransFour" refType="h" refFor="des" refForName="parTransThree" op="equ"/>
-    </dgm:constrLst>
-    <dgm:ruleLst/>
-    <dgm:forEach name="Name4" axis="ch" ptType="node">
-      <dgm:layoutNode name="vertOne">
-        <dgm:alg type="lin">
-          <dgm:param type="linDir" val="fromB"/>
-        </dgm:alg>
-        <dgm:shape xmlns:r="http://schemas.openxmlformats.org/officeDocument/2006/relationships" r:blip="">
-          <dgm:adjLst/>
-        </dgm:shape>
-        <dgm:presOf/>
-        <dgm:constrLst>
-          <dgm:constr type="w" for="ch" forName="txOne" refType="w" refFor="ch" refForName="horzOne" op="gte"/>
-        </dgm:constrLst>
-        <dgm:ruleLst/>
-        <dgm:layoutNode name="txOne" styleLbl="node0">
-          <dgm:varLst>
-            <dgm:chPref val="3"/>
-          </dgm:varLst>
-          <dgm:alg type="tx"/>
-          <dgm:shape xmlns:r="http://schemas.openxmlformats.org/officeDocument/2006/relationships" type="roundRect" r:blip="">
-            <dgm:adjLst>
-              <dgm:adj idx="1" val="0.1"/>
-            </dgm:adjLst>
-          </dgm:shape>
-          <dgm:presOf axis="self"/>
-          <dgm:constrLst>
-            <dgm:constr type="tMarg" refType="primFontSz" fact="0.3"/>
-            <dgm:constr type="bMarg" refType="primFontSz" fact="0.3"/>
-            <dgm:constr type="lMarg" refType="primFontSz" fact="0.3"/>
-            <dgm:constr type="rMarg" refType="primFontSz" fact="0.3"/>
-          </dgm:constrLst>
-          <dgm:ruleLst>
-            <dgm:rule type="primFontSz" val="5" fact="NaN" max="NaN"/>
-          </dgm:ruleLst>
-        </dgm:layoutNode>
-        <dgm:choose name="Name5">
-          <dgm:if name="Name6" axis="des" ptType="node" func="cnt" op="gt" val="0">
-            <dgm:layoutNode name="parTransOne">
-              <dgm:alg type="sp"/>
-              <dgm:shape xmlns:r="http://schemas.openxmlformats.org/officeDocument/2006/relationships" r:blip="">
-                <dgm:adjLst/>
-              </dgm:shape>
-              <dgm:presOf/>
-              <dgm:constrLst/>
-              <dgm:ruleLst/>
-            </dgm:layoutNode>
-          </dgm:if>
-          <dgm:else name="Name7"/>
-        </dgm:choose>
-        <dgm:layoutNode name="horzOne">
-          <dgm:choose name="Name8">
-            <dgm:if name="Name9" func="var" arg="dir" op="equ" val="norm">
-              <dgm:alg type="lin">
-                <dgm:param type="linDir" val="fromL"/>
-                <dgm:param type="nodeVertAlign" val="b"/>
-              </dgm:alg>
-            </dgm:if>
-            <dgm:else name="Name10">
-              <dgm:alg type="lin">
-                <dgm:param type="linDir" val="fromR"/>
-                <dgm:param type="nodeVertAlign" val="b"/>
-              </dgm:alg>
-            </dgm:else>
-          </dgm:choose>
-          <dgm:shape xmlns:r="http://schemas.openxmlformats.org/officeDocument/2006/relationships" r:blip="">
-            <dgm:adjLst/>
-          </dgm:shape>
-          <dgm:presOf/>
-          <dgm:constrLst/>
-          <dgm:ruleLst>
-            <dgm:rule type="w" val="INF" fact="NaN" max="NaN"/>
-          </dgm:ruleLst>
-          <dgm:forEach name="Name11" axis="ch" ptType="node">
-            <dgm:layoutNode name="vertTwo">
-              <dgm:alg type="lin">
-                <dgm:param type="linDir" val="fromB"/>
-              </dgm:alg>
-              <dgm:shape xmlns:r="http://schemas.openxmlformats.org/officeDocument/2006/relationships" r:blip="">
-                <dgm:adjLst/>
-              </dgm:shape>
-              <dgm:presOf/>
-              <dgm:constrLst>
-                <dgm:constr type="w" for="ch" forName="txTwo" refType="w" refFor="ch" refForName="horzTwo" op="gte"/>
-              </dgm:constrLst>
-              <dgm:ruleLst/>
-              <dgm:layoutNode name="txTwo">
-                <dgm:varLst>
-                  <dgm:chPref val="3"/>
-                </dgm:varLst>
-                <dgm:alg type="tx"/>
-                <dgm:shape xmlns:r="http://schemas.openxmlformats.org/officeDocument/2006/relationships" type="roundRect" r:blip="">
-                  <dgm:adjLst>
-                    <dgm:adj idx="1" val="0.1"/>
-                  </dgm:adjLst>
-                </dgm:shape>
-                <dgm:presOf axis="self"/>
-                <dgm:constrLst>
-                  <dgm:constr type="userH"/>
-                  <dgm:constr type="h" refType="userH"/>
-                  <dgm:constr type="tMarg" refType="primFontSz" fact="0.3"/>
-                  <dgm:constr type="bMarg" refType="primFontSz" fact="0.3"/>
-                  <dgm:constr type="lMarg" refType="primFontSz" fact="0.3"/>
-                  <dgm:constr type="rMarg" refType="primFontSz" fact="0.3"/>
-                </dgm:constrLst>
-                <dgm:ruleLst>
-                  <dgm:rule type="primFontSz" val="5" fact="NaN" max="NaN"/>
-                </dgm:ruleLst>
-              </dgm:layoutNode>
-              <dgm:choose name="Name12">
-                <dgm:if name="Name13" axis="des" ptType="node" func="cnt" op="gt" val="0">
-                  <dgm:layoutNode name="parTransTwo">
-                    <dgm:alg type="sp"/>
-                    <dgm:shape xmlns:r="http://schemas.openxmlformats.org/officeDocument/2006/relationships" r:blip="">
-                      <dgm:adjLst/>
-                    </dgm:shape>
-                    <dgm:presOf/>
-                    <dgm:constrLst/>
-                    <dgm:ruleLst/>
-                  </dgm:layoutNode>
-                </dgm:if>
-                <dgm:else name="Name14"/>
-              </dgm:choose>
-              <dgm:layoutNode name="horzTwo">
-                <dgm:choose name="Name15">
-                  <dgm:if name="Name16" func="var" arg="dir" op="equ" val="norm">
-                    <dgm:alg type="lin">
-                      <dgm:param type="linDir" val="fromL"/>
-                      <dgm:param type="nodeVertAlign" val="b"/>
-                    </dgm:alg>
-                  </dgm:if>
-                  <dgm:else name="Name17">
-                    <dgm:alg type="lin">
-                      <dgm:param type="linDir" val="fromR"/>
-                      <dgm:param type="nodeVertAlign" val="b"/>
-                    </dgm:alg>
-                  </dgm:else>
-                </dgm:choose>
-                <dgm:shape xmlns:r="http://schemas.openxmlformats.org/officeDocument/2006/relationships" r:blip="">
-                  <dgm:adjLst/>
-                </dgm:shape>
-                <dgm:presOf/>
-                <dgm:constrLst/>
-                <dgm:ruleLst>
-                  <dgm:rule type="w" val="INF" fact="NaN" max="NaN"/>
-                </dgm:ruleLst>
-                <dgm:forEach name="Name18" axis="ch" ptType="node">
-                  <dgm:layoutNode name="vertThree">
-                    <dgm:alg type="lin">
-                      <dgm:param type="linDir" val="fromB"/>
-                    </dgm:alg>
-                    <dgm:shape xmlns:r="http://schemas.openxmlformats.org/officeDocument/2006/relationships" r:blip="">
-                      <dgm:adjLst/>
-                    </dgm:shape>
-                    <dgm:presOf/>
-                    <dgm:constrLst>
-                      <dgm:constr type="w" for="ch" forName="txThree" refType="w" refFor="ch" refForName="horzThree" op="gte"/>
-                    </dgm:constrLst>
-                    <dgm:ruleLst/>
-                    <dgm:layoutNode name="txThree">
-                      <dgm:varLst>
-                        <dgm:chPref val="3"/>
-                      </dgm:varLst>
-                      <dgm:alg type="tx"/>
-                      <dgm:shape xmlns:r="http://schemas.openxmlformats.org/officeDocument/2006/relationships" type="roundRect" r:blip="">
-                        <dgm:adjLst>
-                          <dgm:adj idx="1" val="0.1"/>
-                        </dgm:adjLst>
-                      </dgm:shape>
-                      <dgm:presOf axis="self"/>
-                      <dgm:constrLst>
-                        <dgm:constr type="userH"/>
-                        <dgm:constr type="h" refType="userH"/>
-                        <dgm:constr type="tMarg" refType="primFontSz" fact="0.3"/>
-                        <dgm:constr type="bMarg" refType="primFontSz" fact="0.3"/>
-                        <dgm:constr type="lMarg" refType="primFontSz" fact="0.3"/>
-                        <dgm:constr type="rMarg" refType="primFontSz" fact="0.3"/>
-                      </dgm:constrLst>
-                      <dgm:ruleLst>
-                        <dgm:rule type="primFontSz" val="5" fact="NaN" max="NaN"/>
-                      </dgm:ruleLst>
-                    </dgm:layoutNode>
-                    <dgm:choose name="Name19">
-                      <dgm:if name="Name20" axis="des" ptType="node" func="cnt" op="gt" val="0">
-                        <dgm:layoutNode name="parTransThree">
-                          <dgm:alg type="sp"/>
-                          <dgm:shape xmlns:r="http://schemas.openxmlformats.org/officeDocument/2006/relationships" r:blip="">
-                            <dgm:adjLst/>
-                          </dgm:shape>
-                          <dgm:presOf/>
-                          <dgm:constrLst/>
-                          <dgm:ruleLst/>
-                        </dgm:layoutNode>
-                      </dgm:if>
-                      <dgm:else name="Name21"/>
-                    </dgm:choose>
-                    <dgm:layoutNode name="horzThree">
-                      <dgm:choose name="Name22">
-                        <dgm:if name="Name23" func="var" arg="dir" op="equ" val="norm">
-                          <dgm:alg type="lin">
-                            <dgm:param type="linDir" val="fromL"/>
-                            <dgm:param type="nodeVertAlign" val="b"/>
-                          </dgm:alg>
-                        </dgm:if>
-                        <dgm:else name="Name24">
-                          <dgm:alg type="lin">
-                            <dgm:param type="linDir" val="fromR"/>
-                            <dgm:param type="nodeVertAlign" val="b"/>
-                          </dgm:alg>
-                        </dgm:else>
-                      </dgm:choose>
-                      <dgm:shape xmlns:r="http://schemas.openxmlformats.org/officeDocument/2006/relationships" r:blip="">
-                        <dgm:adjLst/>
-                      </dgm:shape>
-                      <dgm:presOf/>
-                      <dgm:constrLst/>
-                      <dgm:ruleLst>
-                        <dgm:rule type="w" val="INF" fact="NaN" max="NaN"/>
-                      </dgm:ruleLst>
-                      <dgm:forEach name="repeat" axis="ch" ptType="node">
-                        <dgm:layoutNode name="vertFour">
-                          <dgm:varLst>
-                            <dgm:chPref val="3"/>
-                          </dgm:varLst>
-                          <dgm:alg type="lin">
-                            <dgm:param type="linDir" val="fromB"/>
-                          </dgm:alg>
-                          <dgm:shape xmlns:r="http://schemas.openxmlformats.org/officeDocument/2006/relationships" r:blip="">
-                            <dgm:adjLst/>
-                          </dgm:shape>
-                          <dgm:presOf/>
-                          <dgm:constrLst>
-                            <dgm:constr type="w" for="ch" forName="txFour" refType="w" refFor="ch" refForName="horzFour" op="gte"/>
-                          </dgm:constrLst>
-                          <dgm:ruleLst/>
-                          <dgm:layoutNode name="txFour">
-                            <dgm:varLst>
-                              <dgm:chPref val="3"/>
-                            </dgm:varLst>
-                            <dgm:alg type="tx"/>
-                            <dgm:shape xmlns:r="http://schemas.openxmlformats.org/officeDocument/2006/relationships" type="roundRect" r:blip="">
-                              <dgm:adjLst>
-                                <dgm:adj idx="1" val="0.1"/>
-                              </dgm:adjLst>
-                            </dgm:shape>
-                            <dgm:presOf axis="self"/>
-                            <dgm:constrLst>
-                              <dgm:constr type="userH"/>
-                              <dgm:constr type="h" refType="userH"/>
-                              <dgm:constr type="tMarg" refType="primFontSz" fact="0.3"/>
-                              <dgm:constr type="bMarg" refType="primFontSz" fact="0.3"/>
-                              <dgm:constr type="lMarg" refType="primFontSz" fact="0.3"/>
-                              <dgm:constr type="rMarg" refType="primFontSz" fact="0.3"/>
-                            </dgm:constrLst>
-                            <dgm:ruleLst>
-                              <dgm:rule type="primFontSz" val="5" fact="NaN" max="NaN"/>
-                            </dgm:ruleLst>
-                          </dgm:layoutNode>
-                          <dgm:choose name="Name25">
-                            <dgm:if name="Name26" axis="des" ptType="node" func="cnt" op="gt" val="0">
-                              <dgm:layoutNode name="parTransFour">
-                                <dgm:alg type="sp"/>
-                                <dgm:shape xmlns:r="http://schemas.openxmlformats.org/officeDocument/2006/relationships" r:blip="">
-                                  <dgm:adjLst/>
-                                </dgm:shape>
-                                <dgm:presOf/>
-                                <dgm:constrLst/>
-                                <dgm:ruleLst/>
-                              </dgm:layoutNode>
-                            </dgm:if>
-                            <dgm:else name="Name27"/>
-                          </dgm:choose>
-                          <dgm:layoutNode name="horzFour">
-                            <dgm:choose name="Name28">
-                              <dgm:if name="Name29" func="var" arg="dir" op="equ" val="norm">
-                                <dgm:alg type="lin">
-                                  <dgm:param type="linDir" val="fromL"/>
-                                  <dgm:param type="nodeVertAlign" val="b"/>
-                                </dgm:alg>
-                              </dgm:if>
-                              <dgm:else name="Name30">
-                                <dgm:alg type="lin">
-                                  <dgm:param type="linDir" val="fromR"/>
-                                  <dgm:param type="nodeVertAlign" val="b"/>
-                                </dgm:alg>
-                              </dgm:else>
-                            </dgm:choose>
-                            <dgm:shape xmlns:r="http://schemas.openxmlformats.org/officeDocument/2006/relationships" r:blip="">
-                              <dgm:adjLst/>
-                            </dgm:shape>
-                            <dgm:presOf/>
-                            <dgm:constrLst/>
-                            <dgm:ruleLst>
-                              <dgm:rule type="w" val="INF" fact="NaN" max="NaN"/>
-                            </dgm:ruleLst>
-                            <dgm:forEach name="Name31" ref="repeat"/>
-                          </dgm:layoutNode>
-                        </dgm:layoutNode>
-                        <dgm:choose name="Name32">
-                          <dgm:if name="Name33" axis="self" ptType="node" func="revPos" op="gte" val="2">
-                            <dgm:forEach name="Name34" axis="followSib" ptType="sibTrans" cnt="1">
-                              <dgm:layoutNode name="sibSpaceFour">
-                                <dgm:alg type="sp"/>
-                                <dgm:shape xmlns:r="http://schemas.openxmlformats.org/officeDocument/2006/relationships" r:blip="">
-                                  <dgm:adjLst/>
-                                </dgm:shape>
-                                <dgm:presOf/>
-                                <dgm:constrLst/>
-                                <dgm:ruleLst/>
-                              </dgm:layoutNode>
-                            </dgm:forEach>
-                          </dgm:if>
-                          <dgm:else name="Name35"/>
-                        </dgm:choose>
-                      </dgm:forEach>
-                    </dgm:layoutNode>
-                  </dgm:layoutNode>
-                  <dgm:choose name="Name36">
-                    <dgm:if name="Name37" axis="self" ptType="node" func="revPos" op="gte" val="2">
-                      <dgm:forEach name="Name38" axis="followSib" ptType="sibTrans" cnt="1">
-                        <dgm:layoutNode name="sibSpaceThree">
-                          <dgm:alg type="sp"/>
-                          <dgm:shape xmlns:r="http://schemas.openxmlformats.org/officeDocument/2006/relationships" r:blip="">
-                            <dgm:adjLst/>
-                          </dgm:shape>
-                          <dgm:presOf/>
-                          <dgm:constrLst/>
-                          <dgm:ruleLst/>
-                        </dgm:layoutNode>
-                      </dgm:forEach>
-                    </dgm:if>
-                    <dgm:else name="Name39"/>
-                  </dgm:choose>
-                </dgm:forEach>
-              </dgm:layoutNode>
-            </dgm:layoutNode>
-            <dgm:choose name="Name40">
-              <dgm:if name="Name41" axis="self" ptType="node" func="revPos" op="gte" val="2">
-                <dgm:forEach name="Name42" axis="followSib" ptType="sibTrans" cnt="1">
-                  <dgm:layoutNode name="sibSpaceTwo">
-                    <dgm:alg type="sp"/>
-                    <dgm:shape xmlns:r="http://schemas.openxmlformats.org/officeDocument/2006/relationships" r:blip="">
-                      <dgm:adjLst/>
-                    </dgm:shape>
-                    <dgm:presOf/>
-                    <dgm:constrLst/>
-                    <dgm:ruleLst/>
-                  </dgm:layoutNode>
-                </dgm:forEach>
-              </dgm:if>
-              <dgm:else name="Name43"/>
-            </dgm:choose>
-          </dgm:forEach>
-        </dgm:layoutNode>
-      </dgm:layoutNode>
-      <dgm:choose name="Name44">
-        <dgm:if name="Name45" axis="self" ptType="node" func="revPos" op="gte" val="2">
-          <dgm:forEach name="Name46" axis="followSib" ptType="sibTrans" cnt="1">
-            <dgm:layoutNode name="sibSpaceOne">
-              <dgm:alg type="sp"/>
-              <dgm:shape xmlns:r="http://schemas.openxmlformats.org/officeDocument/2006/relationships" r:blip="">
-                <dgm:adjLst/>
-              </dgm:shape>
-              <dgm:presOf/>
-              <dgm:constrLst/>
-              <dgm:ruleLst/>
-            </dgm:layoutNode>
-          </dgm:forEach>
-        </dgm:if>
-        <dgm:else name="Name47"/>
-      </dgm:choose>
-    </dgm:forEach>
-  </dgm:layoutNode>
-</dgm:layoutDef>
-</file>
-
-<file path=ppt/diagrams/layout4.xml><?xml version="1.0" encoding="utf-8"?>
 <dgm:layoutDef xmlns:dgm="http://schemas.openxmlformats.org/drawingml/2006/diagram" xmlns:a="http://schemas.openxmlformats.org/drawingml/2006/main" uniqueId="urn:microsoft.com/office/officeart/2005/8/layout/hProcess9">
   <dgm:title val=""/>
   <dgm:desc val=""/>
@@ -12300,1040 +11688,6 @@
 </dgm:styleDef>
 </file>
 
-<file path=ppt/diagrams/quickStyle4.xml><?xml version="1.0" encoding="utf-8"?>
-<dgm:styleDef xmlns:dgm="http://schemas.openxmlformats.org/drawingml/2006/diagram" xmlns:a="http://schemas.openxmlformats.org/drawingml/2006/main" uniqueId="urn:microsoft.com/office/officeart/2005/8/quickstyle/simple1">
-  <dgm:title val=""/>
-  <dgm:desc val=""/>
-  <dgm:catLst>
-    <dgm:cat type="simple" pri="10100"/>
-  </dgm:catLst>
-  <dgm:scene3d>
-    <a:camera prst="orthographicFront"/>
-    <a:lightRig rig="threePt" dir="t"/>
-  </dgm:scene3d>
-  <dgm:styleLbl name="node0">
-    <dgm:scene3d>
-      <a:camera prst="orthographicFront"/>
-      <a:lightRig rig="threePt" dir="t"/>
-    </dgm:scene3d>
-    <dgm:sp3d/>
-    <dgm:txPr/>
-    <dgm:style>
-      <a:lnRef idx="2">
-        <a:scrgbClr r="0" g="0" b="0"/>
-      </a:lnRef>
-      <a:fillRef idx="1">
-        <a:scrgbClr r="0" g="0" b="0"/>
-      </a:fillRef>
-      <a:effectRef idx="0">
-        <a:scrgbClr r="0" g="0" b="0"/>
-      </a:effectRef>
-      <a:fontRef idx="minor">
-        <a:schemeClr val="lt1"/>
-      </a:fontRef>
-    </dgm:style>
-  </dgm:styleLbl>
-  <dgm:styleLbl name="lnNode1">
-    <dgm:scene3d>
-      <a:camera prst="orthographicFront"/>
-      <a:lightRig rig="threePt" dir="t"/>
-    </dgm:scene3d>
-    <dgm:sp3d/>
-    <dgm:txPr/>
-    <dgm:style>
-      <a:lnRef idx="2">
-        <a:scrgbClr r="0" g="0" b="0"/>
-      </a:lnRef>
-      <a:fillRef idx="1">
-        <a:scrgbClr r="0" g="0" b="0"/>
-      </a:fillRef>
-      <a:effectRef idx="0">
-        <a:scrgbClr r="0" g="0" b="0"/>
-      </a:effectRef>
-      <a:fontRef idx="minor">
-        <a:schemeClr val="lt1"/>
-      </a:fontRef>
-    </dgm:style>
-  </dgm:styleLbl>
-  <dgm:styleLbl name="vennNode1">
-    <dgm:scene3d>
-      <a:camera prst="orthographicFront"/>
-      <a:lightRig rig="threePt" dir="t"/>
-    </dgm:scene3d>
-    <dgm:sp3d/>
-    <dgm:txPr/>
-    <dgm:style>
-      <a:lnRef idx="2">
-        <a:scrgbClr r="0" g="0" b="0"/>
-      </a:lnRef>
-      <a:fillRef idx="1">
-        <a:scrgbClr r="0" g="0" b="0"/>
-      </a:fillRef>
-      <a:effectRef idx="0">
-        <a:scrgbClr r="0" g="0" b="0"/>
-      </a:effectRef>
-      <a:fontRef idx="minor">
-        <a:schemeClr val="tx1"/>
-      </a:fontRef>
-    </dgm:style>
-  </dgm:styleLbl>
-  <dgm:styleLbl name="alignNode1">
-    <dgm:scene3d>
-      <a:camera prst="orthographicFront"/>
-      <a:lightRig rig="threePt" dir="t"/>
-    </dgm:scene3d>
-    <dgm:sp3d/>
-    <dgm:txPr/>
-    <dgm:style>
-      <a:lnRef idx="2">
-        <a:scrgbClr r="0" g="0" b="0"/>
-      </a:lnRef>
-      <a:fillRef idx="1">
-        <a:scrgbClr r="0" g="0" b="0"/>
-      </a:fillRef>
-      <a:effectRef idx="0">
-        <a:scrgbClr r="0" g="0" b="0"/>
-      </a:effectRef>
-      <a:fontRef idx="minor">
-        <a:schemeClr val="lt1"/>
-      </a:fontRef>
-    </dgm:style>
-  </dgm:styleLbl>
-  <dgm:styleLbl name="node1">
-    <dgm:scene3d>
-      <a:camera prst="orthographicFront"/>
-      <a:lightRig rig="threePt" dir="t"/>
-    </dgm:scene3d>
-    <dgm:sp3d/>
-    <dgm:txPr/>
-    <dgm:style>
-      <a:lnRef idx="2">
-        <a:scrgbClr r="0" g="0" b="0"/>
-      </a:lnRef>
-      <a:fillRef idx="1">
-        <a:scrgbClr r="0" g="0" b="0"/>
-      </a:fillRef>
-      <a:effectRef idx="0">
-        <a:scrgbClr r="0" g="0" b="0"/>
-      </a:effectRef>
-      <a:fontRef idx="minor">
-        <a:schemeClr val="lt1"/>
-      </a:fontRef>
-    </dgm:style>
-  </dgm:styleLbl>
-  <dgm:styleLbl name="node2">
-    <dgm:scene3d>
-      <a:camera prst="orthographicFront"/>
-      <a:lightRig rig="threePt" dir="t"/>
-    </dgm:scene3d>
-    <dgm:sp3d/>
-    <dgm:txPr/>
-    <dgm:style>
-      <a:lnRef idx="2">
-        <a:scrgbClr r="0" g="0" b="0"/>
-      </a:lnRef>
-      <a:fillRef idx="1">
-        <a:scrgbClr r="0" g="0" b="0"/>
-      </a:fillRef>
-      <a:effectRef idx="0">
-        <a:scrgbClr r="0" g="0" b="0"/>
-      </a:effectRef>
-      <a:fontRef idx="minor">
-        <a:schemeClr val="lt1"/>
-      </a:fontRef>
-    </dgm:style>
-  </dgm:styleLbl>
-  <dgm:styleLbl name="node3">
-    <dgm:scene3d>
-      <a:camera prst="orthographicFront"/>
-      <a:lightRig rig="threePt" dir="t"/>
-    </dgm:scene3d>
-    <dgm:sp3d/>
-    <dgm:txPr/>
-    <dgm:style>
-      <a:lnRef idx="2">
-        <a:scrgbClr r="0" g="0" b="0"/>
-      </a:lnRef>
-      <a:fillRef idx="1">
-        <a:scrgbClr r="0" g="0" b="0"/>
-      </a:fillRef>
-      <a:effectRef idx="0">
-        <a:scrgbClr r="0" g="0" b="0"/>
-      </a:effectRef>
-      <a:fontRef idx="minor">
-        <a:schemeClr val="lt1"/>
-      </a:fontRef>
-    </dgm:style>
-  </dgm:styleLbl>
-  <dgm:styleLbl name="node4">
-    <dgm:scene3d>
-      <a:camera prst="orthographicFront"/>
-      <a:lightRig rig="threePt" dir="t"/>
-    </dgm:scene3d>
-    <dgm:sp3d/>
-    <dgm:txPr/>
-    <dgm:style>
-      <a:lnRef idx="2">
-        <a:scrgbClr r="0" g="0" b="0"/>
-      </a:lnRef>
-      <a:fillRef idx="1">
-        <a:scrgbClr r="0" g="0" b="0"/>
-      </a:fillRef>
-      <a:effectRef idx="0">
-        <a:scrgbClr r="0" g="0" b="0"/>
-      </a:effectRef>
-      <a:fontRef idx="minor">
-        <a:schemeClr val="lt1"/>
-      </a:fontRef>
-    </dgm:style>
-  </dgm:styleLbl>
-  <dgm:styleLbl name="fgImgPlace1">
-    <dgm:scene3d>
-      <a:camera prst="orthographicFront"/>
-      <a:lightRig rig="threePt" dir="t"/>
-    </dgm:scene3d>
-    <dgm:sp3d/>
-    <dgm:txPr/>
-    <dgm:style>
-      <a:lnRef idx="2">
-        <a:scrgbClr r="0" g="0" b="0"/>
-      </a:lnRef>
-      <a:fillRef idx="1">
-        <a:scrgbClr r="0" g="0" b="0"/>
-      </a:fillRef>
-      <a:effectRef idx="0">
-        <a:scrgbClr r="0" g="0" b="0"/>
-      </a:effectRef>
-      <a:fontRef idx="minor"/>
-    </dgm:style>
-  </dgm:styleLbl>
-  <dgm:styleLbl name="alignImgPlace1">
-    <dgm:scene3d>
-      <a:camera prst="orthographicFront"/>
-      <a:lightRig rig="threePt" dir="t"/>
-    </dgm:scene3d>
-    <dgm:sp3d/>
-    <dgm:txPr/>
-    <dgm:style>
-      <a:lnRef idx="2">
-        <a:scrgbClr r="0" g="0" b="0"/>
-      </a:lnRef>
-      <a:fillRef idx="1">
-        <a:scrgbClr r="0" g="0" b="0"/>
-      </a:fillRef>
-      <a:effectRef idx="0">
-        <a:scrgbClr r="0" g="0" b="0"/>
-      </a:effectRef>
-      <a:fontRef idx="minor"/>
-    </dgm:style>
-  </dgm:styleLbl>
-  <dgm:styleLbl name="bgImgPlace1">
-    <dgm:scene3d>
-      <a:camera prst="orthographicFront"/>
-      <a:lightRig rig="threePt" dir="t"/>
-    </dgm:scene3d>
-    <dgm:sp3d/>
-    <dgm:txPr/>
-    <dgm:style>
-      <a:lnRef idx="2">
-        <a:scrgbClr r="0" g="0" b="0"/>
-      </a:lnRef>
-      <a:fillRef idx="1">
-        <a:scrgbClr r="0" g="0" b="0"/>
-      </a:fillRef>
-      <a:effectRef idx="0">
-        <a:scrgbClr r="0" g="0" b="0"/>
-      </a:effectRef>
-      <a:fontRef idx="minor"/>
-    </dgm:style>
-  </dgm:styleLbl>
-  <dgm:styleLbl name="sibTrans2D1">
-    <dgm:scene3d>
-      <a:camera prst="orthographicFront"/>
-      <a:lightRig rig="threePt" dir="t"/>
-    </dgm:scene3d>
-    <dgm:sp3d/>
-    <dgm:txPr/>
-    <dgm:style>
-      <a:lnRef idx="0">
-        <a:scrgbClr r="0" g="0" b="0"/>
-      </a:lnRef>
-      <a:fillRef idx="1">
-        <a:scrgbClr r="0" g="0" b="0"/>
-      </a:fillRef>
-      <a:effectRef idx="0">
-        <a:scrgbClr r="0" g="0" b="0"/>
-      </a:effectRef>
-      <a:fontRef idx="minor">
-        <a:schemeClr val="lt1"/>
-      </a:fontRef>
-    </dgm:style>
-  </dgm:styleLbl>
-  <dgm:styleLbl name="fgSibTrans2D1">
-    <dgm:scene3d>
-      <a:camera prst="orthographicFront"/>
-      <a:lightRig rig="threePt" dir="t"/>
-    </dgm:scene3d>
-    <dgm:sp3d/>
-    <dgm:txPr/>
-    <dgm:style>
-      <a:lnRef idx="0">
-        <a:scrgbClr r="0" g="0" b="0"/>
-      </a:lnRef>
-      <a:fillRef idx="1">
-        <a:scrgbClr r="0" g="0" b="0"/>
-      </a:fillRef>
-      <a:effectRef idx="0">
-        <a:scrgbClr r="0" g="0" b="0"/>
-      </a:effectRef>
-      <a:fontRef idx="minor">
-        <a:schemeClr val="lt1"/>
-      </a:fontRef>
-    </dgm:style>
-  </dgm:styleLbl>
-  <dgm:styleLbl name="bgSibTrans2D1">
-    <dgm:scene3d>
-      <a:camera prst="orthographicFront"/>
-      <a:lightRig rig="threePt" dir="t"/>
-    </dgm:scene3d>
-    <dgm:sp3d/>
-    <dgm:txPr/>
-    <dgm:style>
-      <a:lnRef idx="0">
-        <a:scrgbClr r="0" g="0" b="0"/>
-      </a:lnRef>
-      <a:fillRef idx="1">
-        <a:scrgbClr r="0" g="0" b="0"/>
-      </a:fillRef>
-      <a:effectRef idx="0">
-        <a:scrgbClr r="0" g="0" b="0"/>
-      </a:effectRef>
-      <a:fontRef idx="minor">
-        <a:schemeClr val="lt1"/>
-      </a:fontRef>
-    </dgm:style>
-  </dgm:styleLbl>
-  <dgm:styleLbl name="sibTrans1D1">
-    <dgm:scene3d>
-      <a:camera prst="orthographicFront"/>
-      <a:lightRig rig="threePt" dir="t"/>
-    </dgm:scene3d>
-    <dgm:sp3d/>
-    <dgm:txPr/>
-    <dgm:style>
-      <a:lnRef idx="1">
-        <a:scrgbClr r="0" g="0" b="0"/>
-      </a:lnRef>
-      <a:fillRef idx="0">
-        <a:scrgbClr r="0" g="0" b="0"/>
-      </a:fillRef>
-      <a:effectRef idx="0">
-        <a:scrgbClr r="0" g="0" b="0"/>
-      </a:effectRef>
-      <a:fontRef idx="minor"/>
-    </dgm:style>
-  </dgm:styleLbl>
-  <dgm:styleLbl name="callout">
-    <dgm:scene3d>
-      <a:camera prst="orthographicFront"/>
-      <a:lightRig rig="threePt" dir="t"/>
-    </dgm:scene3d>
-    <dgm:sp3d/>
-    <dgm:txPr/>
-    <dgm:style>
-      <a:lnRef idx="2">
-        <a:scrgbClr r="0" g="0" b="0"/>
-      </a:lnRef>
-      <a:fillRef idx="1">
-        <a:scrgbClr r="0" g="0" b="0"/>
-      </a:fillRef>
-      <a:effectRef idx="0">
-        <a:scrgbClr r="0" g="0" b="0"/>
-      </a:effectRef>
-      <a:fontRef idx="minor"/>
-    </dgm:style>
-  </dgm:styleLbl>
-  <dgm:styleLbl name="asst0">
-    <dgm:scene3d>
-      <a:camera prst="orthographicFront"/>
-      <a:lightRig rig="threePt" dir="t"/>
-    </dgm:scene3d>
-    <dgm:sp3d/>
-    <dgm:txPr/>
-    <dgm:style>
-      <a:lnRef idx="2">
-        <a:scrgbClr r="0" g="0" b="0"/>
-      </a:lnRef>
-      <a:fillRef idx="1">
-        <a:scrgbClr r="0" g="0" b="0"/>
-      </a:fillRef>
-      <a:effectRef idx="0">
-        <a:scrgbClr r="0" g="0" b="0"/>
-      </a:effectRef>
-      <a:fontRef idx="minor">
-        <a:schemeClr val="lt1"/>
-      </a:fontRef>
-    </dgm:style>
-  </dgm:styleLbl>
-  <dgm:styleLbl name="asst1">
-    <dgm:scene3d>
-      <a:camera prst="orthographicFront"/>
-      <a:lightRig rig="threePt" dir="t"/>
-    </dgm:scene3d>
-    <dgm:sp3d/>
-    <dgm:txPr/>
-    <dgm:style>
-      <a:lnRef idx="2">
-        <a:scrgbClr r="0" g="0" b="0"/>
-      </a:lnRef>
-      <a:fillRef idx="1">
-        <a:scrgbClr r="0" g="0" b="0"/>
-      </a:fillRef>
-      <a:effectRef idx="0">
-        <a:scrgbClr r="0" g="0" b="0"/>
-      </a:effectRef>
-      <a:fontRef idx="minor">
-        <a:schemeClr val="lt1"/>
-      </a:fontRef>
-    </dgm:style>
-  </dgm:styleLbl>
-  <dgm:styleLbl name="asst2">
-    <dgm:scene3d>
-      <a:camera prst="orthographicFront"/>
-      <a:lightRig rig="threePt" dir="t"/>
-    </dgm:scene3d>
-    <dgm:sp3d/>
-    <dgm:txPr/>
-    <dgm:style>
-      <a:lnRef idx="2">
-        <a:scrgbClr r="0" g="0" b="0"/>
-      </a:lnRef>
-      <a:fillRef idx="1">
-        <a:scrgbClr r="0" g="0" b="0"/>
-      </a:fillRef>
-      <a:effectRef idx="0">
-        <a:scrgbClr r="0" g="0" b="0"/>
-      </a:effectRef>
-      <a:fontRef idx="minor">
-        <a:schemeClr val="lt1"/>
-      </a:fontRef>
-    </dgm:style>
-  </dgm:styleLbl>
-  <dgm:styleLbl name="asst3">
-    <dgm:scene3d>
-      <a:camera prst="orthographicFront"/>
-      <a:lightRig rig="threePt" dir="t"/>
-    </dgm:scene3d>
-    <dgm:sp3d/>
-    <dgm:txPr/>
-    <dgm:style>
-      <a:lnRef idx="2">
-        <a:scrgbClr r="0" g="0" b="0"/>
-      </a:lnRef>
-      <a:fillRef idx="1">
-        <a:scrgbClr r="0" g="0" b="0"/>
-      </a:fillRef>
-      <a:effectRef idx="0">
-        <a:scrgbClr r="0" g="0" b="0"/>
-      </a:effectRef>
-      <a:fontRef idx="minor">
-        <a:schemeClr val="lt1"/>
-      </a:fontRef>
-    </dgm:style>
-  </dgm:styleLbl>
-  <dgm:styleLbl name="asst4">
-    <dgm:scene3d>
-      <a:camera prst="orthographicFront"/>
-      <a:lightRig rig="threePt" dir="t"/>
-    </dgm:scene3d>
-    <dgm:sp3d/>
-    <dgm:txPr/>
-    <dgm:style>
-      <a:lnRef idx="2">
-        <a:scrgbClr r="0" g="0" b="0"/>
-      </a:lnRef>
-      <a:fillRef idx="1">
-        <a:scrgbClr r="0" g="0" b="0"/>
-      </a:fillRef>
-      <a:effectRef idx="0">
-        <a:scrgbClr r="0" g="0" b="0"/>
-      </a:effectRef>
-      <a:fontRef idx="minor">
-        <a:schemeClr val="lt1"/>
-      </a:fontRef>
-    </dgm:style>
-  </dgm:styleLbl>
-  <dgm:styleLbl name="parChTrans2D1">
-    <dgm:scene3d>
-      <a:camera prst="orthographicFront"/>
-      <a:lightRig rig="threePt" dir="t"/>
-    </dgm:scene3d>
-    <dgm:sp3d/>
-    <dgm:txPr/>
-    <dgm:style>
-      <a:lnRef idx="2">
-        <a:scrgbClr r="0" g="0" b="0"/>
-      </a:lnRef>
-      <a:fillRef idx="1">
-        <a:scrgbClr r="0" g="0" b="0"/>
-      </a:fillRef>
-      <a:effectRef idx="0">
-        <a:scrgbClr r="0" g="0" b="0"/>
-      </a:effectRef>
-      <a:fontRef idx="minor">
-        <a:schemeClr val="lt1"/>
-      </a:fontRef>
-    </dgm:style>
-  </dgm:styleLbl>
-  <dgm:styleLbl name="parChTrans2D2">
-    <dgm:scene3d>
-      <a:camera prst="orthographicFront"/>
-      <a:lightRig rig="threePt" dir="t"/>
-    </dgm:scene3d>
-    <dgm:sp3d/>
-    <dgm:txPr/>
-    <dgm:style>
-      <a:lnRef idx="2">
-        <a:scrgbClr r="0" g="0" b="0"/>
-      </a:lnRef>
-      <a:fillRef idx="1">
-        <a:scrgbClr r="0" g="0" b="0"/>
-      </a:fillRef>
-      <a:effectRef idx="0">
-        <a:scrgbClr r="0" g="0" b="0"/>
-      </a:effectRef>
-      <a:fontRef idx="minor">
-        <a:schemeClr val="lt1"/>
-      </a:fontRef>
-    </dgm:style>
-  </dgm:styleLbl>
-  <dgm:styleLbl name="parChTrans2D3">
-    <dgm:scene3d>
-      <a:camera prst="orthographicFront"/>
-      <a:lightRig rig="threePt" dir="t"/>
-    </dgm:scene3d>
-    <dgm:sp3d/>
-    <dgm:txPr/>
-    <dgm:style>
-      <a:lnRef idx="2">
-        <a:scrgbClr r="0" g="0" b="0"/>
-      </a:lnRef>
-      <a:fillRef idx="1">
-        <a:scrgbClr r="0" g="0" b="0"/>
-      </a:fillRef>
-      <a:effectRef idx="0">
-        <a:scrgbClr r="0" g="0" b="0"/>
-      </a:effectRef>
-      <a:fontRef idx="minor">
-        <a:schemeClr val="lt1"/>
-      </a:fontRef>
-    </dgm:style>
-  </dgm:styleLbl>
-  <dgm:styleLbl name="parChTrans2D4">
-    <dgm:scene3d>
-      <a:camera prst="orthographicFront"/>
-      <a:lightRig rig="threePt" dir="t"/>
-    </dgm:scene3d>
-    <dgm:sp3d/>
-    <dgm:txPr/>
-    <dgm:style>
-      <a:lnRef idx="2">
-        <a:scrgbClr r="0" g="0" b="0"/>
-      </a:lnRef>
-      <a:fillRef idx="1">
-        <a:scrgbClr r="0" g="0" b="0"/>
-      </a:fillRef>
-      <a:effectRef idx="0">
-        <a:scrgbClr r="0" g="0" b="0"/>
-      </a:effectRef>
-      <a:fontRef idx="minor">
-        <a:schemeClr val="lt1"/>
-      </a:fontRef>
-    </dgm:style>
-  </dgm:styleLbl>
-  <dgm:styleLbl name="parChTrans1D1">
-    <dgm:scene3d>
-      <a:camera prst="orthographicFront"/>
-      <a:lightRig rig="threePt" dir="t"/>
-    </dgm:scene3d>
-    <dgm:sp3d/>
-    <dgm:txPr/>
-    <dgm:style>
-      <a:lnRef idx="2">
-        <a:scrgbClr r="0" g="0" b="0"/>
-      </a:lnRef>
-      <a:fillRef idx="0">
-        <a:scrgbClr r="0" g="0" b="0"/>
-      </a:fillRef>
-      <a:effectRef idx="0">
-        <a:scrgbClr r="0" g="0" b="0"/>
-      </a:effectRef>
-      <a:fontRef idx="minor"/>
-    </dgm:style>
-  </dgm:styleLbl>
-  <dgm:styleLbl name="parChTrans1D2">
-    <dgm:scene3d>
-      <a:camera prst="orthographicFront"/>
-      <a:lightRig rig="threePt" dir="t"/>
-    </dgm:scene3d>
-    <dgm:sp3d/>
-    <dgm:txPr/>
-    <dgm:style>
-      <a:lnRef idx="2">
-        <a:scrgbClr r="0" g="0" b="0"/>
-      </a:lnRef>
-      <a:fillRef idx="0">
-        <a:scrgbClr r="0" g="0" b="0"/>
-      </a:fillRef>
-      <a:effectRef idx="0">
-        <a:scrgbClr r="0" g="0" b="0"/>
-      </a:effectRef>
-      <a:fontRef idx="minor"/>
-    </dgm:style>
-  </dgm:styleLbl>
-  <dgm:styleLbl name="parChTrans1D3">
-    <dgm:scene3d>
-      <a:camera prst="orthographicFront"/>
-      <a:lightRig rig="threePt" dir="t"/>
-    </dgm:scene3d>
-    <dgm:sp3d/>
-    <dgm:txPr/>
-    <dgm:style>
-      <a:lnRef idx="2">
-        <a:scrgbClr r="0" g="0" b="0"/>
-      </a:lnRef>
-      <a:fillRef idx="0">
-        <a:scrgbClr r="0" g="0" b="0"/>
-      </a:fillRef>
-      <a:effectRef idx="0">
-        <a:scrgbClr r="0" g="0" b="0"/>
-      </a:effectRef>
-      <a:fontRef idx="minor"/>
-    </dgm:style>
-  </dgm:styleLbl>
-  <dgm:styleLbl name="parChTrans1D4">
-    <dgm:scene3d>
-      <a:camera prst="orthographicFront"/>
-      <a:lightRig rig="threePt" dir="t"/>
-    </dgm:scene3d>
-    <dgm:sp3d/>
-    <dgm:txPr/>
-    <dgm:style>
-      <a:lnRef idx="2">
-        <a:scrgbClr r="0" g="0" b="0"/>
-      </a:lnRef>
-      <a:fillRef idx="0">
-        <a:scrgbClr r="0" g="0" b="0"/>
-      </a:fillRef>
-      <a:effectRef idx="0">
-        <a:scrgbClr r="0" g="0" b="0"/>
-      </a:effectRef>
-      <a:fontRef idx="minor"/>
-    </dgm:style>
-  </dgm:styleLbl>
-  <dgm:styleLbl name="fgAcc1">
-    <dgm:scene3d>
-      <a:camera prst="orthographicFront"/>
-      <a:lightRig rig="threePt" dir="t"/>
-    </dgm:scene3d>
-    <dgm:sp3d/>
-    <dgm:txPr/>
-    <dgm:style>
-      <a:lnRef idx="2">
-        <a:scrgbClr r="0" g="0" b="0"/>
-      </a:lnRef>
-      <a:fillRef idx="1">
-        <a:scrgbClr r="0" g="0" b="0"/>
-      </a:fillRef>
-      <a:effectRef idx="0">
-        <a:scrgbClr r="0" g="0" b="0"/>
-      </a:effectRef>
-      <a:fontRef idx="minor"/>
-    </dgm:style>
-  </dgm:styleLbl>
-  <dgm:styleLbl name="conFgAcc1">
-    <dgm:scene3d>
-      <a:camera prst="orthographicFront"/>
-      <a:lightRig rig="threePt" dir="t"/>
-    </dgm:scene3d>
-    <dgm:sp3d/>
-    <dgm:txPr/>
-    <dgm:style>
-      <a:lnRef idx="2">
-        <a:scrgbClr r="0" g="0" b="0"/>
-      </a:lnRef>
-      <a:fillRef idx="1">
-        <a:scrgbClr r="0" g="0" b="0"/>
-      </a:fillRef>
-      <a:effectRef idx="0">
-        <a:scrgbClr r="0" g="0" b="0"/>
-      </a:effectRef>
-      <a:fontRef idx="minor"/>
-    </dgm:style>
-  </dgm:styleLbl>
-  <dgm:styleLbl name="alignAcc1">
-    <dgm:scene3d>
-      <a:camera prst="orthographicFront"/>
-      <a:lightRig rig="threePt" dir="t"/>
-    </dgm:scene3d>
-    <dgm:sp3d/>
-    <dgm:txPr/>
-    <dgm:style>
-      <a:lnRef idx="2">
-        <a:scrgbClr r="0" g="0" b="0"/>
-      </a:lnRef>
-      <a:fillRef idx="1">
-        <a:scrgbClr r="0" g="0" b="0"/>
-      </a:fillRef>
-      <a:effectRef idx="0">
-        <a:scrgbClr r="0" g="0" b="0"/>
-      </a:effectRef>
-      <a:fontRef idx="minor"/>
-    </dgm:style>
-  </dgm:styleLbl>
-  <dgm:styleLbl name="trAlignAcc1">
-    <dgm:scene3d>
-      <a:camera prst="orthographicFront"/>
-      <a:lightRig rig="threePt" dir="t"/>
-    </dgm:scene3d>
-    <dgm:sp3d/>
-    <dgm:txPr/>
-    <dgm:style>
-      <a:lnRef idx="1">
-        <a:scrgbClr r="0" g="0" b="0"/>
-      </a:lnRef>
-      <a:fillRef idx="1">
-        <a:scrgbClr r="0" g="0" b="0"/>
-      </a:fillRef>
-      <a:effectRef idx="0">
-        <a:scrgbClr r="0" g="0" b="0"/>
-      </a:effectRef>
-      <a:fontRef idx="minor"/>
-    </dgm:style>
-  </dgm:styleLbl>
-  <dgm:styleLbl name="bgAcc1">
-    <dgm:scene3d>
-      <a:camera prst="orthographicFront"/>
-      <a:lightRig rig="threePt" dir="t"/>
-    </dgm:scene3d>
-    <dgm:sp3d/>
-    <dgm:txPr/>
-    <dgm:style>
-      <a:lnRef idx="2">
-        <a:scrgbClr r="0" g="0" b="0"/>
-      </a:lnRef>
-      <a:fillRef idx="1">
-        <a:scrgbClr r="0" g="0" b="0"/>
-      </a:fillRef>
-      <a:effectRef idx="0">
-        <a:scrgbClr r="0" g="0" b="0"/>
-      </a:effectRef>
-      <a:fontRef idx="minor"/>
-    </dgm:style>
-  </dgm:styleLbl>
-  <dgm:styleLbl name="solidFgAcc1">
-    <dgm:scene3d>
-      <a:camera prst="orthographicFront"/>
-      <a:lightRig rig="threePt" dir="t"/>
-    </dgm:scene3d>
-    <dgm:sp3d/>
-    <dgm:txPr/>
-    <dgm:style>
-      <a:lnRef idx="2">
-        <a:scrgbClr r="0" g="0" b="0"/>
-      </a:lnRef>
-      <a:fillRef idx="1">
-        <a:scrgbClr r="0" g="0" b="0"/>
-      </a:fillRef>
-      <a:effectRef idx="0">
-        <a:scrgbClr r="0" g="0" b="0"/>
-      </a:effectRef>
-      <a:fontRef idx="minor"/>
-    </dgm:style>
-  </dgm:styleLbl>
-  <dgm:styleLbl name="solidAlignAcc1">
-    <dgm:scene3d>
-      <a:camera prst="orthographicFront"/>
-      <a:lightRig rig="threePt" dir="t"/>
-    </dgm:scene3d>
-    <dgm:sp3d/>
-    <dgm:txPr/>
-    <dgm:style>
-      <a:lnRef idx="2">
-        <a:scrgbClr r="0" g="0" b="0"/>
-      </a:lnRef>
-      <a:fillRef idx="1">
-        <a:scrgbClr r="0" g="0" b="0"/>
-      </a:fillRef>
-      <a:effectRef idx="0">
-        <a:scrgbClr r="0" g="0" b="0"/>
-      </a:effectRef>
-      <a:fontRef idx="minor"/>
-    </dgm:style>
-  </dgm:styleLbl>
-  <dgm:styleLbl name="solidBgAcc1">
-    <dgm:scene3d>
-      <a:camera prst="orthographicFront"/>
-      <a:lightRig rig="threePt" dir="t"/>
-    </dgm:scene3d>
-    <dgm:sp3d/>
-    <dgm:txPr/>
-    <dgm:style>
-      <a:lnRef idx="2">
-        <a:scrgbClr r="0" g="0" b="0"/>
-      </a:lnRef>
-      <a:fillRef idx="1">
-        <a:scrgbClr r="0" g="0" b="0"/>
-      </a:fillRef>
-      <a:effectRef idx="0">
-        <a:scrgbClr r="0" g="0" b="0"/>
-      </a:effectRef>
-      <a:fontRef idx="minor"/>
-    </dgm:style>
-  </dgm:styleLbl>
-  <dgm:styleLbl name="fgAccFollowNode1">
-    <dgm:scene3d>
-      <a:camera prst="orthographicFront"/>
-      <a:lightRig rig="threePt" dir="t"/>
-    </dgm:scene3d>
-    <dgm:sp3d/>
-    <dgm:txPr/>
-    <dgm:style>
-      <a:lnRef idx="2">
-        <a:scrgbClr r="0" g="0" b="0"/>
-      </a:lnRef>
-      <a:fillRef idx="1">
-        <a:scrgbClr r="0" g="0" b="0"/>
-      </a:fillRef>
-      <a:effectRef idx="0">
-        <a:scrgbClr r="0" g="0" b="0"/>
-      </a:effectRef>
-      <a:fontRef idx="minor"/>
-    </dgm:style>
-  </dgm:styleLbl>
-  <dgm:styleLbl name="alignAccFollowNode1">
-    <dgm:scene3d>
-      <a:camera prst="orthographicFront"/>
-      <a:lightRig rig="threePt" dir="t"/>
-    </dgm:scene3d>
-    <dgm:sp3d/>
-    <dgm:txPr/>
-    <dgm:style>
-      <a:lnRef idx="2">
-        <a:scrgbClr r="0" g="0" b="0"/>
-      </a:lnRef>
-      <a:fillRef idx="1">
-        <a:scrgbClr r="0" g="0" b="0"/>
-      </a:fillRef>
-      <a:effectRef idx="0">
-        <a:scrgbClr r="0" g="0" b="0"/>
-      </a:effectRef>
-      <a:fontRef idx="minor"/>
-    </dgm:style>
-  </dgm:styleLbl>
-  <dgm:styleLbl name="bgAccFollowNode1">
-    <dgm:scene3d>
-      <a:camera prst="orthographicFront"/>
-      <a:lightRig rig="threePt" dir="t"/>
-    </dgm:scene3d>
-    <dgm:sp3d/>
-    <dgm:txPr/>
-    <dgm:style>
-      <a:lnRef idx="2">
-        <a:scrgbClr r="0" g="0" b="0"/>
-      </a:lnRef>
-      <a:fillRef idx="1">
-        <a:scrgbClr r="0" g="0" b="0"/>
-      </a:fillRef>
-      <a:effectRef idx="0">
-        <a:scrgbClr r="0" g="0" b="0"/>
-      </a:effectRef>
-      <a:fontRef idx="minor"/>
-    </dgm:style>
-  </dgm:styleLbl>
-  <dgm:styleLbl name="fgAcc0">
-    <dgm:scene3d>
-      <a:camera prst="orthographicFront"/>
-      <a:lightRig rig="threePt" dir="t"/>
-    </dgm:scene3d>
-    <dgm:sp3d/>
-    <dgm:txPr/>
-    <dgm:style>
-      <a:lnRef idx="2">
-        <a:scrgbClr r="0" g="0" b="0"/>
-      </a:lnRef>
-      <a:fillRef idx="1">
-        <a:scrgbClr r="0" g="0" b="0"/>
-      </a:fillRef>
-      <a:effectRef idx="0">
-        <a:scrgbClr r="0" g="0" b="0"/>
-      </a:effectRef>
-      <a:fontRef idx="minor"/>
-    </dgm:style>
-  </dgm:styleLbl>
-  <dgm:styleLbl name="fgAcc2">
-    <dgm:scene3d>
-      <a:camera prst="orthographicFront"/>
-      <a:lightRig rig="threePt" dir="t"/>
-    </dgm:scene3d>
-    <dgm:sp3d/>
-    <dgm:txPr/>
-    <dgm:style>
-      <a:lnRef idx="2">
-        <a:scrgbClr r="0" g="0" b="0"/>
-      </a:lnRef>
-      <a:fillRef idx="1">
-        <a:scrgbClr r="0" g="0" b="0"/>
-      </a:fillRef>
-      <a:effectRef idx="0">
-        <a:scrgbClr r="0" g="0" b="0"/>
-      </a:effectRef>
-      <a:fontRef idx="minor"/>
-    </dgm:style>
-  </dgm:styleLbl>
-  <dgm:styleLbl name="fgAcc3">
-    <dgm:scene3d>
-      <a:camera prst="orthographicFront"/>
-      <a:lightRig rig="threePt" dir="t"/>
-    </dgm:scene3d>
-    <dgm:sp3d/>
-    <dgm:txPr/>
-    <dgm:style>
-      <a:lnRef idx="2">
-        <a:scrgbClr r="0" g="0" b="0"/>
-      </a:lnRef>
-      <a:fillRef idx="1">
-        <a:scrgbClr r="0" g="0" b="0"/>
-      </a:fillRef>
-      <a:effectRef idx="0">
-        <a:scrgbClr r="0" g="0" b="0"/>
-      </a:effectRef>
-      <a:fontRef idx="minor"/>
-    </dgm:style>
-  </dgm:styleLbl>
-  <dgm:styleLbl name="fgAcc4">
-    <dgm:scene3d>
-      <a:camera prst="orthographicFront"/>
-      <a:lightRig rig="threePt" dir="t"/>
-    </dgm:scene3d>
-    <dgm:sp3d/>
-    <dgm:txPr/>
-    <dgm:style>
-      <a:lnRef idx="2">
-        <a:scrgbClr r="0" g="0" b="0"/>
-      </a:lnRef>
-      <a:fillRef idx="1">
-        <a:scrgbClr r="0" g="0" b="0"/>
-      </a:fillRef>
-      <a:effectRef idx="0">
-        <a:scrgbClr r="0" g="0" b="0"/>
-      </a:effectRef>
-      <a:fontRef idx="minor"/>
-    </dgm:style>
-  </dgm:styleLbl>
-  <dgm:styleLbl name="bgShp">
-    <dgm:scene3d>
-      <a:camera prst="orthographicFront"/>
-      <a:lightRig rig="threePt" dir="t"/>
-    </dgm:scene3d>
-    <dgm:sp3d/>
-    <dgm:txPr/>
-    <dgm:style>
-      <a:lnRef idx="0">
-        <a:scrgbClr r="0" g="0" b="0"/>
-      </a:lnRef>
-      <a:fillRef idx="1">
-        <a:scrgbClr r="0" g="0" b="0"/>
-      </a:fillRef>
-      <a:effectRef idx="0">
-        <a:scrgbClr r="0" g="0" b="0"/>
-      </a:effectRef>
-      <a:fontRef idx="minor"/>
-    </dgm:style>
-  </dgm:styleLbl>
-  <dgm:styleLbl name="dkBgShp">
-    <dgm:scene3d>
-      <a:camera prst="orthographicFront"/>
-      <a:lightRig rig="threePt" dir="t"/>
-    </dgm:scene3d>
-    <dgm:sp3d/>
-    <dgm:txPr/>
-    <dgm:style>
-      <a:lnRef idx="0">
-        <a:scrgbClr r="0" g="0" b="0"/>
-      </a:lnRef>
-      <a:fillRef idx="1">
-        <a:scrgbClr r="0" g="0" b="0"/>
-      </a:fillRef>
-      <a:effectRef idx="0">
-        <a:scrgbClr r="0" g="0" b="0"/>
-      </a:effectRef>
-      <a:fontRef idx="minor"/>
-    </dgm:style>
-  </dgm:styleLbl>
-  <dgm:styleLbl name="trBgShp">
-    <dgm:scene3d>
-      <a:camera prst="orthographicFront"/>
-      <a:lightRig rig="threePt" dir="t"/>
-    </dgm:scene3d>
-    <dgm:sp3d/>
-    <dgm:txPr/>
-    <dgm:style>
-      <a:lnRef idx="0">
-        <a:scrgbClr r="0" g="0" b="0"/>
-      </a:lnRef>
-      <a:fillRef idx="1">
-        <a:scrgbClr r="0" g="0" b="0"/>
-      </a:fillRef>
-      <a:effectRef idx="0">
-        <a:scrgbClr r="0" g="0" b="0"/>
-      </a:effectRef>
-      <a:fontRef idx="minor"/>
-    </dgm:style>
-  </dgm:styleLbl>
-  <dgm:styleLbl name="fgShp">
-    <dgm:scene3d>
-      <a:camera prst="orthographicFront"/>
-      <a:lightRig rig="threePt" dir="t"/>
-    </dgm:scene3d>
-    <dgm:sp3d/>
-    <dgm:txPr/>
-    <dgm:style>
-      <a:lnRef idx="2">
-        <a:scrgbClr r="0" g="0" b="0"/>
-      </a:lnRef>
-      <a:fillRef idx="1">
-        <a:scrgbClr r="0" g="0" b="0"/>
-      </a:fillRef>
-      <a:effectRef idx="0">
-        <a:scrgbClr r="0" g="0" b="0"/>
-      </a:effectRef>
-      <a:fontRef idx="minor"/>
-    </dgm:style>
-  </dgm:styleLbl>
-  <dgm:styleLbl name="revTx">
-    <dgm:scene3d>
-      <a:camera prst="orthographicFront"/>
-      <a:lightRig rig="threePt" dir="t"/>
-    </dgm:scene3d>
-    <dgm:sp3d/>
-    <dgm:txPr/>
-    <dgm:style>
-      <a:lnRef idx="0">
-        <a:scrgbClr r="0" g="0" b="0"/>
-      </a:lnRef>
-      <a:fillRef idx="0">
-        <a:scrgbClr r="0" g="0" b="0"/>
-      </a:fillRef>
-      <a:effectRef idx="0">
-        <a:scrgbClr r="0" g="0" b="0"/>
-      </a:effectRef>
-      <a:fontRef idx="minor"/>
-    </dgm:style>
-  </dgm:styleLbl>
-</dgm:styleDef>
-</file>
-
 <file path=ppt/notesMasters/notesMaster1.xml><?xml version="1.0" encoding="utf-8"?>
 <p:notesMaster xmlns:a="http://schemas.openxmlformats.org/drawingml/2006/main" xmlns:r="http://schemas.openxmlformats.org/officeDocument/2006/relationships" xmlns:p="http://schemas.openxmlformats.org/presentationml/2006/main">
   <p:cSld>
@@ -13416,7 +11770,7 @@
           <a:p>
             <a:fld id="{5E98ECC7-4684-4B1D-A9E4-C1CABE848CA3}" type="datetimeFigureOut">
               <a:rPr lang="en-US" smtClean="0"/>
-              <a:t>10/29/2015</a:t>
+              <a:t>10/30/2015</a:t>
             </a:fld>
             <a:endParaRPr lang="en-US" dirty="0"/>
           </a:p>
@@ -13899,7 +12253,7 @@
           <a:p>
             <a:fld id="{8A0151A0-6BDA-4C61-94E2-4A05776C8C41}" type="datetime1">
               <a:rPr lang="en-US" smtClean="0"/>
-              <a:t>10/29/2015</a:t>
+              <a:t>10/30/2015</a:t>
             </a:fld>
             <a:endParaRPr lang="en-US" dirty="0"/>
           </a:p>
@@ -14069,7 +12423,7 @@
           <a:p>
             <a:fld id="{2E35788B-17C6-4432-AE26-BE836522A606}" type="datetime1">
               <a:rPr lang="en-US" smtClean="0"/>
-              <a:t>10/29/2015</a:t>
+              <a:t>10/30/2015</a:t>
             </a:fld>
             <a:endParaRPr lang="en-US" dirty="0"/>
           </a:p>
@@ -14249,7 +12603,7 @@
           <a:p>
             <a:fld id="{744D1FCA-C735-450D-BCA4-DB50B38ECD50}" type="datetime1">
               <a:rPr lang="en-US" smtClean="0"/>
-              <a:t>10/29/2015</a:t>
+              <a:t>10/30/2015</a:t>
             </a:fld>
             <a:endParaRPr lang="en-US" dirty="0"/>
           </a:p>
@@ -14419,7 +12773,7 @@
           <a:p>
             <a:fld id="{D47A2ED5-CD2A-4B3B-A81F-BE7A26036022}" type="datetime1">
               <a:rPr lang="en-US" smtClean="0"/>
-              <a:t>10/29/2015</a:t>
+              <a:t>10/30/2015</a:t>
             </a:fld>
             <a:endParaRPr lang="en-US" dirty="0"/>
           </a:p>
@@ -14663,7 +13017,7 @@
           <a:p>
             <a:fld id="{AFC2F17C-2319-45BC-B339-E7F83AB38139}" type="datetime1">
               <a:rPr lang="en-US" smtClean="0"/>
-              <a:t>10/29/2015</a:t>
+              <a:t>10/30/2015</a:t>
             </a:fld>
             <a:endParaRPr lang="en-US" dirty="0"/>
           </a:p>
@@ -14895,7 +13249,7 @@
           <a:p>
             <a:fld id="{7DF8D633-0327-407C-B754-C6DC287DA074}" type="datetime1">
               <a:rPr lang="en-US" smtClean="0"/>
-              <a:t>10/29/2015</a:t>
+              <a:t>10/30/2015</a:t>
             </a:fld>
             <a:endParaRPr lang="en-US" dirty="0"/>
           </a:p>
@@ -15262,7 +13616,7 @@
           <a:p>
             <a:fld id="{76880105-B802-41CD-BB85-298F26006685}" type="datetime1">
               <a:rPr lang="en-US" smtClean="0"/>
-              <a:t>10/29/2015</a:t>
+              <a:t>10/30/2015</a:t>
             </a:fld>
             <a:endParaRPr lang="en-US" dirty="0"/>
           </a:p>
@@ -15380,7 +13734,7 @@
           <a:p>
             <a:fld id="{162ED92B-9A44-474F-9138-A07C93ABC7FA}" type="datetime1">
               <a:rPr lang="en-US" smtClean="0"/>
-              <a:t>10/29/2015</a:t>
+              <a:t>10/30/2015</a:t>
             </a:fld>
             <a:endParaRPr lang="en-US" dirty="0"/>
           </a:p>
@@ -15475,7 +13829,7 @@
           <a:p>
             <a:fld id="{E496C444-E933-4D80-86C4-BADA1A19B898}" type="datetime1">
               <a:rPr lang="en-US" smtClean="0"/>
-              <a:t>10/29/2015</a:t>
+              <a:t>10/30/2015</a:t>
             </a:fld>
             <a:endParaRPr lang="en-US" dirty="0"/>
           </a:p>
@@ -15752,7 +14106,7 @@
           <a:p>
             <a:fld id="{FE2B3545-A360-469D-AF72-EC598B36A1A0}" type="datetime1">
               <a:rPr lang="en-US" smtClean="0"/>
-              <a:t>10/29/2015</a:t>
+              <a:t>10/30/2015</a:t>
             </a:fld>
             <a:endParaRPr lang="en-US" dirty="0"/>
           </a:p>
@@ -16009,7 +14363,7 @@
           <a:p>
             <a:fld id="{E5CD081C-AF44-4D3A-9989-1BD7F6EBBAB7}" type="datetime1">
               <a:rPr lang="en-US" smtClean="0"/>
-              <a:t>10/29/2015</a:t>
+              <a:t>10/30/2015</a:t>
             </a:fld>
             <a:endParaRPr lang="en-US" dirty="0"/>
           </a:p>
@@ -16231,7 +14585,7 @@
           <a:p>
             <a:fld id="{A7C17880-5397-45FB-B1C0-5FB7CBED16B5}" type="datetime1">
               <a:rPr lang="en-US" smtClean="0"/>
-              <a:t>10/29/2015</a:t>
+              <a:t>10/30/2015</a:t>
             </a:fld>
             <a:endParaRPr lang="en-US" dirty="0"/>
           </a:p>
@@ -18506,7 +16860,7 @@
         </p:spPr>
         <p:txBody>
           <a:bodyPr>
-            <a:normAutofit fontScale="92500" lnSpcReduction="20000"/>
+            <a:normAutofit/>
           </a:bodyPr>
           <a:lstStyle/>
           <a:p>
@@ -18514,23 +16868,23 @@
               <a:buNone/>
             </a:pPr>
             <a:r>
-              <a:rPr lang="en-US" dirty="0" err="1"/>
+              <a:rPr lang="en-US" sz="2200" dirty="0" err="1"/>
               <a:t>MassTransit</a:t>
             </a:r>
             <a:r>
-              <a:rPr lang="en-US" dirty="0"/>
+              <a:rPr lang="en-US" sz="2200" dirty="0"/>
               <a:t> is a free, open-source service bus and </a:t>
             </a:r>
             <a:r>
-              <a:rPr lang="en-US" dirty="0" smtClean="0"/>
+              <a:rPr lang="en-US" sz="2200" dirty="0" smtClean="0"/>
               <a:t>distributed </a:t>
             </a:r>
             <a:r>
-              <a:rPr lang="en-US" dirty="0"/>
+              <a:rPr lang="en-US" sz="2200" dirty="0"/>
               <a:t>application framework for .</a:t>
             </a:r>
             <a:r>
-              <a:rPr lang="en-US" dirty="0" smtClean="0"/>
+              <a:rPr lang="en-US" sz="2200" dirty="0" smtClean="0"/>
               <a:t>NET</a:t>
             </a:r>
           </a:p>
@@ -18548,31 +16902,6 @@
           </a:p>
         </p:txBody>
       </p:sp>
-      <p:graphicFrame>
-        <p:nvGraphicFramePr>
-          <p:cNvPr id="15" name="Content Placeholder 14"/>
-          <p:cNvGraphicFramePr>
-            <a:graphicFrameLocks noGrp="1"/>
-          </p:cNvGraphicFramePr>
-          <p:nvPr>
-            <p:ph sz="half" idx="2"/>
-            <p:extLst>
-              <p:ext uri="{D42A27DB-BD31-4B8C-83A1-F6EECF244321}">
-                <p14:modId xmlns:p14="http://schemas.microsoft.com/office/powerpoint/2010/main" val="1644452341"/>
-              </p:ext>
-            </p:extLst>
-          </p:nvPr>
-        </p:nvGraphicFramePr>
-        <p:xfrm>
-          <a:off x="628650" y="5074508"/>
-          <a:ext cx="8129974" cy="1170633"/>
-        </p:xfrm>
-        <a:graphic>
-          <a:graphicData uri="http://schemas.openxmlformats.org/drawingml/2006/diagram">
-            <dgm:relIds xmlns:dgm="http://schemas.openxmlformats.org/drawingml/2006/diagram" xmlns:r="http://schemas.openxmlformats.org/officeDocument/2006/relationships" r:dm="rId2" r:lo="rId3" r:qs="rId4" r:cs="rId5"/>
-          </a:graphicData>
-        </a:graphic>
-      </p:graphicFrame>
       <p:sp>
         <p:nvSpPr>
           <p:cNvPr id="4" name="Slide Number Placeholder 3"/>
@@ -18601,7 +16930,7 @@
       <p:pic>
         <p:nvPicPr>
           <p:cNvPr id="12" name="Picture 11">
-            <a:hlinkClick r:id="rId7"/>
+            <a:hlinkClick r:id="rId2"/>
           </p:cNvPr>
           <p:cNvPicPr>
             <a:picLocks noChangeAspect="1"/>
@@ -18609,7 +16938,7 @@
           <p:nvPr/>
         </p:nvPicPr>
         <p:blipFill>
-          <a:blip r:embed="rId8"/>
+          <a:blip r:embed="rId3"/>
           <a:stretch>
             <a:fillRect/>
           </a:stretch>
@@ -18626,25 +16955,23 @@
       </p:pic>
       <p:graphicFrame>
         <p:nvGraphicFramePr>
-          <p:cNvPr id="16" name="Content Placeholder 14"/>
-          <p:cNvGraphicFramePr>
-            <a:graphicFrameLocks/>
-          </p:cNvGraphicFramePr>
+          <p:cNvPr id="5" name="Diagram 4"/>
+          <p:cNvGraphicFramePr/>
           <p:nvPr>
             <p:extLst>
               <p:ext uri="{D42A27DB-BD31-4B8C-83A1-F6EECF244321}">
-                <p14:modId xmlns:p14="http://schemas.microsoft.com/office/powerpoint/2010/main" val="2694217712"/>
+                <p14:modId xmlns:p14="http://schemas.microsoft.com/office/powerpoint/2010/main" val="2083505086"/>
               </p:ext>
             </p:extLst>
           </p:nvPr>
         </p:nvGraphicFramePr>
         <p:xfrm>
-          <a:off x="628650" y="3792665"/>
-          <a:ext cx="8129974" cy="1170633"/>
+          <a:off x="628649" y="2103383"/>
+          <a:ext cx="7247660" cy="4016864"/>
         </p:xfrm>
         <a:graphic>
           <a:graphicData uri="http://schemas.openxmlformats.org/drawingml/2006/diagram">
-            <dgm:relIds xmlns:dgm="http://schemas.openxmlformats.org/drawingml/2006/diagram" xmlns:r="http://schemas.openxmlformats.org/officeDocument/2006/relationships" r:dm="rId9" r:lo="rId10" r:qs="rId11" r:cs="rId12"/>
+            <dgm:relIds xmlns:dgm="http://schemas.openxmlformats.org/drawingml/2006/diagram" xmlns:r="http://schemas.openxmlformats.org/officeDocument/2006/relationships" r:dm="rId4" r:lo="rId5" r:qs="rId6" r:cs="rId7"/>
           </a:graphicData>
         </a:graphic>
       </p:graphicFrame>

--- a/Presentation/Service Bus Integration Patterns.pptx
+++ b/Presentation/Service Bus Integration Patterns.pptx
@@ -5,26 +5,27 @@
     <p:sldMasterId id="2147483660" r:id="rId1"/>
   </p:sldMasterIdLst>
   <p:notesMasterIdLst>
-    <p:notesMasterId r:id="rId19"/>
+    <p:notesMasterId r:id="rId20"/>
   </p:notesMasterIdLst>
   <p:sldIdLst>
     <p:sldId id="256" r:id="rId2"/>
     <p:sldId id="257" r:id="rId3"/>
     <p:sldId id="266" r:id="rId4"/>
     <p:sldId id="261" r:id="rId5"/>
-    <p:sldId id="259" r:id="rId6"/>
-    <p:sldId id="260" r:id="rId7"/>
-    <p:sldId id="262" r:id="rId8"/>
-    <p:sldId id="263" r:id="rId9"/>
-    <p:sldId id="267" r:id="rId10"/>
-    <p:sldId id="268" r:id="rId11"/>
-    <p:sldId id="269" r:id="rId12"/>
-    <p:sldId id="271" r:id="rId13"/>
-    <p:sldId id="272" r:id="rId14"/>
-    <p:sldId id="273" r:id="rId15"/>
-    <p:sldId id="270" r:id="rId16"/>
-    <p:sldId id="264" r:id="rId17"/>
-    <p:sldId id="265" r:id="rId18"/>
+    <p:sldId id="264" r:id="rId6"/>
+    <p:sldId id="259" r:id="rId7"/>
+    <p:sldId id="260" r:id="rId8"/>
+    <p:sldId id="274" r:id="rId9"/>
+    <p:sldId id="275" r:id="rId10"/>
+    <p:sldId id="267" r:id="rId11"/>
+    <p:sldId id="268" r:id="rId12"/>
+    <p:sldId id="269" r:id="rId13"/>
+    <p:sldId id="271" r:id="rId14"/>
+    <p:sldId id="272" r:id="rId15"/>
+    <p:sldId id="273" r:id="rId16"/>
+    <p:sldId id="270" r:id="rId17"/>
+    <p:sldId id="276" r:id="rId18"/>
+    <p:sldId id="265" r:id="rId19"/>
   </p:sldIdLst>
   <p:sldSz cx="9144000" cy="6858000" type="screen4x3"/>
   <p:notesSz cx="6858000" cy="9144000"/>
@@ -1012,15 +1013,15 @@
 </file>
 
 <file path=ppt/diagrams/colors2.xml><?xml version="1.0" encoding="utf-8"?>
-<dgm:colorsDef xmlns:dgm="http://schemas.openxmlformats.org/drawingml/2006/diagram" xmlns:a="http://schemas.openxmlformats.org/drawingml/2006/main" uniqueId="urn:microsoft.com/office/officeart/2005/8/colors/colorful4">
+<dgm:colorsDef xmlns:dgm="http://schemas.openxmlformats.org/drawingml/2006/diagram" xmlns:a="http://schemas.openxmlformats.org/drawingml/2006/main" uniqueId="urn:microsoft.com/office/officeart/2005/8/colors/colorful5">
   <dgm:title val=""/>
   <dgm:desc val=""/>
   <dgm:catLst>
-    <dgm:cat type="colorful" pri="10400"/>
+    <dgm:cat type="colorful" pri="10500"/>
   </dgm:catLst>
   <dgm:styleLbl name="node0">
     <dgm:fillClrLst meth="repeat">
-      <a:schemeClr val="accent3"/>
+      <a:schemeClr val="accent4"/>
     </dgm:fillClrLst>
     <dgm:linClrLst meth="repeat">
       <a:schemeClr val="lt1"/>
@@ -1032,8 +1033,8 @@
   </dgm:styleLbl>
   <dgm:styleLbl name="node1">
     <dgm:fillClrLst>
-      <a:schemeClr val="accent4"/>
       <a:schemeClr val="accent5"/>
+      <a:schemeClr val="accent6"/>
     </dgm:fillClrLst>
     <dgm:linClrLst meth="repeat">
       <a:schemeClr val="lt1"/>
@@ -1045,12 +1046,12 @@
   </dgm:styleLbl>
   <dgm:styleLbl name="alignNode1">
     <dgm:fillClrLst>
-      <a:schemeClr val="accent4"/>
       <a:schemeClr val="accent5"/>
+      <a:schemeClr val="accent6"/>
     </dgm:fillClrLst>
     <dgm:linClrLst>
-      <a:schemeClr val="accent4"/>
       <a:schemeClr val="accent5"/>
+      <a:schemeClr val="accent6"/>
     </dgm:linClrLst>
     <dgm:effectClrLst/>
     <dgm:txLinClrLst/>
@@ -1059,8 +1060,8 @@
   </dgm:styleLbl>
   <dgm:styleLbl name="lnNode1">
     <dgm:fillClrLst>
-      <a:schemeClr val="accent4"/>
       <a:schemeClr val="accent5"/>
+      <a:schemeClr val="accent6"/>
     </dgm:fillClrLst>
     <dgm:linClrLst meth="repeat">
       <a:schemeClr val="lt1"/>
@@ -1072,10 +1073,10 @@
   </dgm:styleLbl>
   <dgm:styleLbl name="vennNode1">
     <dgm:fillClrLst>
-      <a:schemeClr val="accent4">
+      <a:schemeClr val="accent5">
         <a:alpha val="50000"/>
       </a:schemeClr>
-      <a:schemeClr val="accent5">
+      <a:schemeClr val="accent6">
         <a:alpha val="50000"/>
       </a:schemeClr>
     </dgm:fillClrLst>
@@ -1089,18 +1090,6 @@
   </dgm:styleLbl>
   <dgm:styleLbl name="node2">
     <dgm:fillClrLst>
-      <a:schemeClr val="accent5"/>
-    </dgm:fillClrLst>
-    <dgm:linClrLst meth="repeat">
-      <a:schemeClr val="lt1"/>
-    </dgm:linClrLst>
-    <dgm:effectClrLst/>
-    <dgm:txLinClrLst/>
-    <dgm:txFillClrLst/>
-    <dgm:txEffectClrLst/>
-  </dgm:styleLbl>
-  <dgm:styleLbl name="node3">
-    <dgm:fillClrLst>
       <a:schemeClr val="accent6"/>
     </dgm:fillClrLst>
     <dgm:linClrLst meth="repeat">
@@ -1111,7 +1100,7 @@
     <dgm:txFillClrLst/>
     <dgm:txEffectClrLst/>
   </dgm:styleLbl>
-  <dgm:styleLbl name="node4">
+  <dgm:styleLbl name="node3">
     <dgm:fillClrLst>
       <a:schemeClr val="accent1"/>
     </dgm:fillClrLst>
@@ -1123,12 +1112,24 @@
     <dgm:txFillClrLst/>
     <dgm:txEffectClrLst/>
   </dgm:styleLbl>
+  <dgm:styleLbl name="node4">
+    <dgm:fillClrLst>
+      <a:schemeClr val="accent2"/>
+    </dgm:fillClrLst>
+    <dgm:linClrLst meth="repeat">
+      <a:schemeClr val="lt1"/>
+    </dgm:linClrLst>
+    <dgm:effectClrLst/>
+    <dgm:txLinClrLst/>
+    <dgm:txFillClrLst/>
+    <dgm:txEffectClrLst/>
+  </dgm:styleLbl>
   <dgm:styleLbl name="fgImgPlace1">
     <dgm:fillClrLst>
-      <a:schemeClr val="accent4">
+      <a:schemeClr val="accent5">
         <a:tint val="50000"/>
       </a:schemeClr>
-      <a:schemeClr val="accent5">
+      <a:schemeClr val="accent6">
         <a:tint val="50000"/>
       </a:schemeClr>
     </dgm:fillClrLst>
@@ -1144,10 +1145,10 @@
   </dgm:styleLbl>
   <dgm:styleLbl name="alignImgPlace1">
     <dgm:fillClrLst>
-      <a:schemeClr val="accent4">
+      <a:schemeClr val="accent5">
         <a:tint val="50000"/>
       </a:schemeClr>
-      <a:schemeClr val="accent5">
+      <a:schemeClr val="accent6">
         <a:tint val="20000"/>
       </a:schemeClr>
     </dgm:fillClrLst>
@@ -1163,10 +1164,10 @@
   </dgm:styleLbl>
   <dgm:styleLbl name="bgImgPlace1">
     <dgm:fillClrLst>
-      <a:schemeClr val="accent4">
+      <a:schemeClr val="accent5">
         <a:tint val="50000"/>
       </a:schemeClr>
-      <a:schemeClr val="accent5">
+      <a:schemeClr val="accent6">
         <a:tint val="20000"/>
       </a:schemeClr>
     </dgm:fillClrLst>
@@ -1182,8 +1183,8 @@
   </dgm:styleLbl>
   <dgm:styleLbl name="sibTrans2D1">
     <dgm:fillClrLst>
-      <a:schemeClr val="accent4"/>
       <a:schemeClr val="accent5"/>
+      <a:schemeClr val="accent6"/>
     </dgm:fillClrLst>
     <dgm:linClrLst meth="repeat">
       <a:schemeClr val="lt1"/>
@@ -1195,8 +1196,8 @@
   </dgm:styleLbl>
   <dgm:styleLbl name="fgSibTrans2D1">
     <dgm:fillClrLst>
-      <a:schemeClr val="accent4"/>
       <a:schemeClr val="accent5"/>
+      <a:schemeClr val="accent6"/>
     </dgm:fillClrLst>
     <dgm:linClrLst meth="repeat">
       <a:schemeClr val="lt1"/>
@@ -1210,8 +1211,8 @@
   </dgm:styleLbl>
   <dgm:styleLbl name="bgSibTrans2D1">
     <dgm:fillClrLst>
-      <a:schemeClr val="accent4"/>
       <a:schemeClr val="accent5"/>
+      <a:schemeClr val="accent6"/>
     </dgm:fillClrLst>
     <dgm:linClrLst meth="repeat">
       <a:schemeClr val="lt1"/>
@@ -1226,8 +1227,8 @@
   <dgm:styleLbl name="sibTrans1D1">
     <dgm:fillClrLst/>
     <dgm:linClrLst>
-      <a:schemeClr val="accent4"/>
       <a:schemeClr val="accent5"/>
+      <a:schemeClr val="accent6"/>
     </dgm:linClrLst>
     <dgm:effectClrLst/>
     <dgm:txLinClrLst/>
@@ -1238,10 +1239,10 @@
   </dgm:styleLbl>
   <dgm:styleLbl name="callout">
     <dgm:fillClrLst meth="repeat">
-      <a:schemeClr val="accent4"/>
+      <a:schemeClr val="accent5"/>
     </dgm:fillClrLst>
     <dgm:linClrLst meth="repeat">
-      <a:schemeClr val="accent4">
+      <a:schemeClr val="accent5">
         <a:tint val="50000"/>
       </a:schemeClr>
     </dgm:linClrLst>
@@ -1253,20 +1254,6 @@
     <dgm:txEffectClrLst/>
   </dgm:styleLbl>
   <dgm:styleLbl name="asst0">
-    <dgm:fillClrLst meth="repeat">
-      <a:schemeClr val="accent4"/>
-    </dgm:fillClrLst>
-    <dgm:linClrLst meth="repeat">
-      <a:schemeClr val="lt1">
-        <a:shade val="80000"/>
-      </a:schemeClr>
-    </dgm:linClrLst>
-    <dgm:effectClrLst/>
-    <dgm:txLinClrLst/>
-    <dgm:txFillClrLst/>
-    <dgm:txEffectClrLst/>
-  </dgm:styleLbl>
-  <dgm:styleLbl name="asst1">
     <dgm:fillClrLst meth="repeat">
       <a:schemeClr val="accent5"/>
     </dgm:fillClrLst>
@@ -1280,19 +1267,21 @@
     <dgm:txFillClrLst/>
     <dgm:txEffectClrLst/>
   </dgm:styleLbl>
-  <dgm:styleLbl name="asst2">
-    <dgm:fillClrLst>
+  <dgm:styleLbl name="asst1">
+    <dgm:fillClrLst meth="repeat">
       <a:schemeClr val="accent6"/>
     </dgm:fillClrLst>
     <dgm:linClrLst meth="repeat">
-      <a:schemeClr val="lt1"/>
+      <a:schemeClr val="lt1">
+        <a:shade val="80000"/>
+      </a:schemeClr>
     </dgm:linClrLst>
     <dgm:effectClrLst/>
     <dgm:txLinClrLst/>
     <dgm:txFillClrLst/>
     <dgm:txEffectClrLst/>
   </dgm:styleLbl>
-  <dgm:styleLbl name="asst3">
+  <dgm:styleLbl name="asst2">
     <dgm:fillClrLst>
       <a:schemeClr val="accent1"/>
     </dgm:fillClrLst>
@@ -1304,7 +1293,7 @@
     <dgm:txFillClrLst/>
     <dgm:txEffectClrLst/>
   </dgm:styleLbl>
-  <dgm:styleLbl name="asst4">
+  <dgm:styleLbl name="asst3">
     <dgm:fillClrLst>
       <a:schemeClr val="accent2"/>
     </dgm:fillClrLst>
@@ -1316,9 +1305,21 @@
     <dgm:txFillClrLst/>
     <dgm:txEffectClrLst/>
   </dgm:styleLbl>
+  <dgm:styleLbl name="asst4">
+    <dgm:fillClrLst>
+      <a:schemeClr val="accent3"/>
+    </dgm:fillClrLst>
+    <dgm:linClrLst meth="repeat">
+      <a:schemeClr val="lt1"/>
+    </dgm:linClrLst>
+    <dgm:effectClrLst/>
+    <dgm:txLinClrLst/>
+    <dgm:txFillClrLst/>
+    <dgm:txEffectClrLst/>
+  </dgm:styleLbl>
   <dgm:styleLbl name="parChTrans2D1">
     <dgm:fillClrLst meth="repeat">
-      <a:schemeClr val="accent4"/>
+      <a:schemeClr val="accent5"/>
     </dgm:fillClrLst>
     <dgm:linClrLst meth="repeat">
       <a:schemeClr val="lt1"/>
@@ -1332,7 +1333,7 @@
   </dgm:styleLbl>
   <dgm:styleLbl name="parChTrans2D2">
     <dgm:fillClrLst meth="repeat">
-      <a:schemeClr val="accent5"/>
+      <a:schemeClr val="accent6"/>
     </dgm:fillClrLst>
     <dgm:linClrLst meth="repeat">
       <a:schemeClr val="lt1"/>
@@ -1344,7 +1345,7 @@
   </dgm:styleLbl>
   <dgm:styleLbl name="parChTrans2D3">
     <dgm:fillClrLst meth="repeat">
-      <a:schemeClr val="accent5"/>
+      <a:schemeClr val="accent6"/>
     </dgm:fillClrLst>
     <dgm:linClrLst meth="repeat">
       <a:schemeClr val="lt1"/>
@@ -1356,7 +1357,7 @@
   </dgm:styleLbl>
   <dgm:styleLbl name="parChTrans2D4">
     <dgm:fillClrLst meth="repeat">
-      <a:schemeClr val="accent6"/>
+      <a:schemeClr val="accent1"/>
     </dgm:fillClrLst>
     <dgm:linClrLst meth="repeat">
       <a:schemeClr val="lt1"/>
@@ -1370,23 +1371,7 @@
   </dgm:styleLbl>
   <dgm:styleLbl name="parChTrans1D1">
     <dgm:fillClrLst meth="repeat">
-      <a:schemeClr val="accent4"/>
-    </dgm:fillClrLst>
-    <dgm:linClrLst meth="repeat">
-      <a:schemeClr val="accent4"/>
-    </dgm:linClrLst>
-    <dgm:effectClrLst/>
-    <dgm:txLinClrLst/>
-    <dgm:txFillClrLst meth="repeat">
-      <a:schemeClr val="tx1"/>
-    </dgm:txFillClrLst>
-    <dgm:txEffectClrLst/>
-  </dgm:styleLbl>
-  <dgm:styleLbl name="parChTrans1D2">
-    <dgm:fillClrLst meth="repeat">
-      <a:schemeClr val="accent4">
-        <a:tint val="90000"/>
-      </a:schemeClr>
+      <a:schemeClr val="accent5"/>
     </dgm:fillClrLst>
     <dgm:linClrLst meth="repeat">
       <a:schemeClr val="accent5"/>
@@ -1398,10 +1383,10 @@
     </dgm:txFillClrLst>
     <dgm:txEffectClrLst/>
   </dgm:styleLbl>
-  <dgm:styleLbl name="parChTrans1D3">
+  <dgm:styleLbl name="parChTrans1D2">
     <dgm:fillClrLst meth="repeat">
-      <a:schemeClr val="accent4">
-        <a:tint val="70000"/>
+      <a:schemeClr val="accent6">
+        <a:tint val="90000"/>
       </a:schemeClr>
     </dgm:fillClrLst>
     <dgm:linClrLst meth="repeat">
@@ -1414,10 +1399,10 @@
     </dgm:txFillClrLst>
     <dgm:txEffectClrLst/>
   </dgm:styleLbl>
-  <dgm:styleLbl name="parChTrans1D4">
+  <dgm:styleLbl name="parChTrans1D3">
     <dgm:fillClrLst meth="repeat">
-      <a:schemeClr val="accent4">
-        <a:tint val="50000"/>
+      <a:schemeClr val="accent6">
+        <a:tint val="70000"/>
       </a:schemeClr>
     </dgm:fillClrLst>
     <dgm:linClrLst meth="repeat">
@@ -1430,6 +1415,22 @@
     </dgm:txFillClrLst>
     <dgm:txEffectClrLst/>
   </dgm:styleLbl>
+  <dgm:styleLbl name="parChTrans1D4">
+    <dgm:fillClrLst meth="repeat">
+      <a:schemeClr val="accent6">
+        <a:tint val="50000"/>
+      </a:schemeClr>
+    </dgm:fillClrLst>
+    <dgm:linClrLst meth="repeat">
+      <a:schemeClr val="accent2"/>
+    </dgm:linClrLst>
+    <dgm:effectClrLst/>
+    <dgm:txLinClrLst/>
+    <dgm:txFillClrLst meth="repeat">
+      <a:schemeClr val="tx1"/>
+    </dgm:txFillClrLst>
+    <dgm:txEffectClrLst/>
+  </dgm:styleLbl>
   <dgm:styleLbl name="fgAcc1">
     <dgm:fillClrLst meth="repeat">
       <a:schemeClr val="lt1">
@@ -1437,7 +1438,57 @@
       </a:schemeClr>
     </dgm:fillClrLst>
     <dgm:linClrLst>
-      <a:schemeClr val="accent4"/>
+      <a:schemeClr val="accent5"/>
+      <a:schemeClr val="accent6"/>
+    </dgm:linClrLst>
+    <dgm:effectClrLst/>
+    <dgm:txLinClrLst/>
+    <dgm:txFillClrLst meth="repeat">
+      <a:schemeClr val="dk1"/>
+    </dgm:txFillClrLst>
+    <dgm:txEffectClrLst/>
+  </dgm:styleLbl>
+  <dgm:styleLbl name="conFgAcc1">
+    <dgm:fillClrLst meth="repeat">
+      <a:schemeClr val="lt1">
+        <a:alpha val="90000"/>
+      </a:schemeClr>
+    </dgm:fillClrLst>
+    <dgm:linClrLst>
+      <a:schemeClr val="accent5"/>
+      <a:schemeClr val="accent6"/>
+    </dgm:linClrLst>
+    <dgm:effectClrLst/>
+    <dgm:txLinClrLst/>
+    <dgm:txFillClrLst meth="repeat">
+      <a:schemeClr val="dk1"/>
+    </dgm:txFillClrLst>
+    <dgm:txEffectClrLst/>
+  </dgm:styleLbl>
+  <dgm:styleLbl name="alignAcc1">
+    <dgm:fillClrLst meth="repeat">
+      <a:schemeClr val="lt1">
+        <a:alpha val="90000"/>
+      </a:schemeClr>
+    </dgm:fillClrLst>
+    <dgm:linClrLst>
+      <a:schemeClr val="accent5"/>
+      <a:schemeClr val="accent6"/>
+    </dgm:linClrLst>
+    <dgm:effectClrLst/>
+    <dgm:txLinClrLst/>
+    <dgm:txFillClrLst meth="repeat">
+      <a:schemeClr val="dk1"/>
+    </dgm:txFillClrLst>
+    <dgm:txEffectClrLst/>
+  </dgm:styleLbl>
+  <dgm:styleLbl name="trAlignAcc1">
+    <dgm:fillClrLst meth="repeat">
+      <a:schemeClr val="lt1">
+        <a:alpha val="40000"/>
+      </a:schemeClr>
+    </dgm:fillClrLst>
+    <dgm:linClrLst meth="repeat">
       <a:schemeClr val="accent5"/>
     </dgm:linClrLst>
     <dgm:effectClrLst/>
@@ -1447,15 +1498,15 @@
     </dgm:txFillClrLst>
     <dgm:txEffectClrLst/>
   </dgm:styleLbl>
-  <dgm:styleLbl name="conFgAcc1">
+  <dgm:styleLbl name="bgAcc1">
     <dgm:fillClrLst meth="repeat">
       <a:schemeClr val="lt1">
         <a:alpha val="90000"/>
       </a:schemeClr>
     </dgm:fillClrLst>
     <dgm:linClrLst>
-      <a:schemeClr val="accent4"/>
       <a:schemeClr val="accent5"/>
+      <a:schemeClr val="accent6"/>
     </dgm:linClrLst>
     <dgm:effectClrLst/>
     <dgm:txLinClrLst/>
@@ -1464,15 +1515,13 @@
     </dgm:txFillClrLst>
     <dgm:txEffectClrLst/>
   </dgm:styleLbl>
-  <dgm:styleLbl name="alignAcc1">
+  <dgm:styleLbl name="solidFgAcc1">
     <dgm:fillClrLst meth="repeat">
-      <a:schemeClr val="lt1">
-        <a:alpha val="90000"/>
-      </a:schemeClr>
+      <a:schemeClr val="lt1"/>
     </dgm:fillClrLst>
     <dgm:linClrLst>
-      <a:schemeClr val="accent4"/>
       <a:schemeClr val="accent5"/>
+      <a:schemeClr val="accent6"/>
     </dgm:linClrLst>
     <dgm:effectClrLst/>
     <dgm:txLinClrLst/>
@@ -1481,14 +1530,13 @@
     </dgm:txFillClrLst>
     <dgm:txEffectClrLst/>
   </dgm:styleLbl>
-  <dgm:styleLbl name="trAlignAcc1">
+  <dgm:styleLbl name="solidAlignAcc1">
     <dgm:fillClrLst meth="repeat">
-      <a:schemeClr val="lt1">
-        <a:alpha val="40000"/>
-      </a:schemeClr>
+      <a:schemeClr val="lt1"/>
     </dgm:fillClrLst>
-    <dgm:linClrLst meth="repeat">
-      <a:schemeClr val="accent4"/>
+    <dgm:linClrLst>
+      <a:schemeClr val="accent5"/>
+      <a:schemeClr val="accent6"/>
     </dgm:linClrLst>
     <dgm:effectClrLst/>
     <dgm:txLinClrLst/>
@@ -1497,15 +1545,13 @@
     </dgm:txFillClrLst>
     <dgm:txEffectClrLst/>
   </dgm:styleLbl>
-  <dgm:styleLbl name="bgAcc1">
+  <dgm:styleLbl name="solidBgAcc1">
     <dgm:fillClrLst meth="repeat">
-      <a:schemeClr val="lt1">
-        <a:alpha val="90000"/>
-      </a:schemeClr>
+      <a:schemeClr val="lt1"/>
     </dgm:fillClrLst>
     <dgm:linClrLst>
-      <a:schemeClr val="accent4"/>
       <a:schemeClr val="accent5"/>
+      <a:schemeClr val="accent6"/>
     </dgm:linClrLst>
     <dgm:effectClrLst/>
     <dgm:txLinClrLst/>
@@ -1514,64 +1560,19 @@
     </dgm:txFillClrLst>
     <dgm:txEffectClrLst/>
   </dgm:styleLbl>
-  <dgm:styleLbl name="solidFgAcc1">
-    <dgm:fillClrLst meth="repeat">
-      <a:schemeClr val="lt1"/>
-    </dgm:fillClrLst>
-    <dgm:linClrLst>
-      <a:schemeClr val="accent4"/>
-      <a:schemeClr val="accent5"/>
-    </dgm:linClrLst>
-    <dgm:effectClrLst/>
-    <dgm:txLinClrLst/>
-    <dgm:txFillClrLst meth="repeat">
-      <a:schemeClr val="dk1"/>
-    </dgm:txFillClrLst>
-    <dgm:txEffectClrLst/>
-  </dgm:styleLbl>
-  <dgm:styleLbl name="solidAlignAcc1">
-    <dgm:fillClrLst meth="repeat">
-      <a:schemeClr val="lt1"/>
-    </dgm:fillClrLst>
-    <dgm:linClrLst>
-      <a:schemeClr val="accent4"/>
-      <a:schemeClr val="accent5"/>
-    </dgm:linClrLst>
-    <dgm:effectClrLst/>
-    <dgm:txLinClrLst/>
-    <dgm:txFillClrLst meth="repeat">
-      <a:schemeClr val="dk1"/>
-    </dgm:txFillClrLst>
-    <dgm:txEffectClrLst/>
-  </dgm:styleLbl>
-  <dgm:styleLbl name="solidBgAcc1">
-    <dgm:fillClrLst meth="repeat">
-      <a:schemeClr val="lt1"/>
-    </dgm:fillClrLst>
-    <dgm:linClrLst>
-      <a:schemeClr val="accent4"/>
-      <a:schemeClr val="accent5"/>
-    </dgm:linClrLst>
-    <dgm:effectClrLst/>
-    <dgm:txLinClrLst/>
-    <dgm:txFillClrLst meth="repeat">
-      <a:schemeClr val="dk1"/>
-    </dgm:txFillClrLst>
-    <dgm:txEffectClrLst/>
-  </dgm:styleLbl>
   <dgm:styleLbl name="fgAccFollowNode1">
     <dgm:fillClrLst>
-      <a:schemeClr val="accent4">
+      <a:schemeClr val="accent5">
         <a:tint val="40000"/>
         <a:alpha val="90000"/>
       </a:schemeClr>
-      <a:schemeClr val="accent5">
+      <a:schemeClr val="accent6">
         <a:tint val="40000"/>
         <a:alpha val="90000"/>
       </a:schemeClr>
     </dgm:fillClrLst>
     <dgm:linClrLst>
-      <a:schemeClr val="accent4">
+      <a:schemeClr val="accent5">
         <a:tint val="40000"/>
         <a:alpha val="90000"/>
       </a:schemeClr>
@@ -1589,21 +1590,21 @@
   </dgm:styleLbl>
   <dgm:styleLbl name="alignAccFollowNode1">
     <dgm:fillClrLst>
-      <a:schemeClr val="accent4">
+      <a:schemeClr val="accent5">
         <a:tint val="40000"/>
         <a:alpha val="90000"/>
       </a:schemeClr>
-      <a:schemeClr val="accent5">
+      <a:schemeClr val="accent6">
         <a:tint val="40000"/>
         <a:alpha val="90000"/>
       </a:schemeClr>
     </dgm:fillClrLst>
     <dgm:linClrLst>
-      <a:schemeClr val="accent4">
+      <a:schemeClr val="accent5">
         <a:tint val="40000"/>
         <a:alpha val="90000"/>
       </a:schemeClr>
-      <a:schemeClr val="accent5">
+      <a:schemeClr val="accent6">
         <a:tint val="40000"/>
         <a:alpha val="90000"/>
       </a:schemeClr>
@@ -1617,21 +1618,21 @@
   </dgm:styleLbl>
   <dgm:styleLbl name="bgAccFollowNode1">
     <dgm:fillClrLst>
-      <a:schemeClr val="accent4">
+      <a:schemeClr val="accent5">
         <a:tint val="40000"/>
         <a:alpha val="90000"/>
       </a:schemeClr>
-      <a:schemeClr val="accent5">
+      <a:schemeClr val="accent6">
         <a:tint val="40000"/>
         <a:alpha val="90000"/>
       </a:schemeClr>
     </dgm:fillClrLst>
     <dgm:linClrLst>
-      <a:schemeClr val="accent4">
+      <a:schemeClr val="accent5">
         <a:tint val="40000"/>
         <a:alpha val="90000"/>
       </a:schemeClr>
-      <a:schemeClr val="accent5">
+      <a:schemeClr val="accent6">
         <a:tint val="40000"/>
         <a:alpha val="90000"/>
       </a:schemeClr>
@@ -1650,7 +1651,7 @@
       </a:schemeClr>
     </dgm:fillClrLst>
     <dgm:linClrLst>
-      <a:schemeClr val="accent3"/>
+      <a:schemeClr val="accent4"/>
     </dgm:linClrLst>
     <dgm:effectClrLst/>
     <dgm:txLinClrLst/>
@@ -1660,22 +1661,6 @@
     <dgm:txEffectClrLst/>
   </dgm:styleLbl>
   <dgm:styleLbl name="fgAcc2">
-    <dgm:fillClrLst meth="repeat">
-      <a:schemeClr val="lt1">
-        <a:alpha val="90000"/>
-      </a:schemeClr>
-    </dgm:fillClrLst>
-    <dgm:linClrLst>
-      <a:schemeClr val="accent5"/>
-    </dgm:linClrLst>
-    <dgm:effectClrLst/>
-    <dgm:txLinClrLst/>
-    <dgm:txFillClrLst meth="repeat">
-      <a:schemeClr val="dk1"/>
-    </dgm:txFillClrLst>
-    <dgm:txEffectClrLst/>
-  </dgm:styleLbl>
-  <dgm:styleLbl name="fgAcc3">
     <dgm:fillClrLst meth="repeat">
       <a:schemeClr val="lt1">
         <a:alpha val="90000"/>
@@ -1691,7 +1676,7 @@
     </dgm:txFillClrLst>
     <dgm:txEffectClrLst/>
   </dgm:styleLbl>
-  <dgm:styleLbl name="fgAcc4">
+  <dgm:styleLbl name="fgAcc3">
     <dgm:fillClrLst meth="repeat">
       <a:schemeClr val="lt1">
         <a:alpha val="90000"/>
@@ -1707,9 +1692,25 @@
     </dgm:txFillClrLst>
     <dgm:txEffectClrLst/>
   </dgm:styleLbl>
+  <dgm:styleLbl name="fgAcc4">
+    <dgm:fillClrLst meth="repeat">
+      <a:schemeClr val="lt1">
+        <a:alpha val="90000"/>
+      </a:schemeClr>
+    </dgm:fillClrLst>
+    <dgm:linClrLst>
+      <a:schemeClr val="accent2"/>
+    </dgm:linClrLst>
+    <dgm:effectClrLst/>
+    <dgm:txLinClrLst/>
+    <dgm:txFillClrLst meth="repeat">
+      <a:schemeClr val="dk1"/>
+    </dgm:txFillClrLst>
+    <dgm:txEffectClrLst/>
+  </dgm:styleLbl>
   <dgm:styleLbl name="bgShp">
     <dgm:fillClrLst meth="repeat">
-      <a:schemeClr val="accent4">
+      <a:schemeClr val="accent5">
         <a:tint val="40000"/>
       </a:schemeClr>
     </dgm:fillClrLst>
@@ -1725,7 +1726,7 @@
   </dgm:styleLbl>
   <dgm:styleLbl name="dkBgShp">
     <dgm:fillClrLst meth="repeat">
-      <a:schemeClr val="accent4">
+      <a:schemeClr val="accent5">
         <a:shade val="90000"/>
       </a:schemeClr>
     </dgm:fillClrLst>
@@ -1741,13 +1742,13 @@
   </dgm:styleLbl>
   <dgm:styleLbl name="trBgShp">
     <dgm:fillClrLst meth="repeat">
-      <a:schemeClr val="accent4">
+      <a:schemeClr val="accent5">
         <a:tint val="50000"/>
         <a:alpha val="40000"/>
       </a:schemeClr>
     </dgm:fillClrLst>
     <dgm:linClrLst meth="repeat">
-      <a:schemeClr val="accent4"/>
+      <a:schemeClr val="accent5"/>
     </dgm:linClrLst>
     <dgm:effectClrLst/>
     <dgm:txLinClrLst/>
@@ -1758,7 +1759,7 @@
   </dgm:styleLbl>
   <dgm:styleLbl name="fgShp">
     <dgm:fillClrLst meth="repeat">
-      <a:schemeClr val="accent4">
+      <a:schemeClr val="accent5">
         <a:tint val="40000"/>
       </a:schemeClr>
     </dgm:fillClrLst>
@@ -1794,6 +1795,788 @@
 </file>
 
 <file path=ppt/diagrams/colors3.xml><?xml version="1.0" encoding="utf-8"?>
+<dgm:colorsDef xmlns:dgm="http://schemas.openxmlformats.org/drawingml/2006/diagram" xmlns:a="http://schemas.openxmlformats.org/drawingml/2006/main" uniqueId="urn:microsoft.com/office/officeart/2005/8/colors/colorful5">
+  <dgm:title val=""/>
+  <dgm:desc val=""/>
+  <dgm:catLst>
+    <dgm:cat type="colorful" pri="10500"/>
+  </dgm:catLst>
+  <dgm:styleLbl name="node0">
+    <dgm:fillClrLst meth="repeat">
+      <a:schemeClr val="accent4"/>
+    </dgm:fillClrLst>
+    <dgm:linClrLst meth="repeat">
+      <a:schemeClr val="lt1"/>
+    </dgm:linClrLst>
+    <dgm:effectClrLst/>
+    <dgm:txLinClrLst/>
+    <dgm:txFillClrLst/>
+    <dgm:txEffectClrLst/>
+  </dgm:styleLbl>
+  <dgm:styleLbl name="node1">
+    <dgm:fillClrLst>
+      <a:schemeClr val="accent5"/>
+      <a:schemeClr val="accent6"/>
+    </dgm:fillClrLst>
+    <dgm:linClrLst meth="repeat">
+      <a:schemeClr val="lt1"/>
+    </dgm:linClrLst>
+    <dgm:effectClrLst/>
+    <dgm:txLinClrLst/>
+    <dgm:txFillClrLst/>
+    <dgm:txEffectClrLst/>
+  </dgm:styleLbl>
+  <dgm:styleLbl name="alignNode1">
+    <dgm:fillClrLst>
+      <a:schemeClr val="accent5"/>
+      <a:schemeClr val="accent6"/>
+    </dgm:fillClrLst>
+    <dgm:linClrLst>
+      <a:schemeClr val="accent5"/>
+      <a:schemeClr val="accent6"/>
+    </dgm:linClrLst>
+    <dgm:effectClrLst/>
+    <dgm:txLinClrLst/>
+    <dgm:txFillClrLst/>
+    <dgm:txEffectClrLst/>
+  </dgm:styleLbl>
+  <dgm:styleLbl name="lnNode1">
+    <dgm:fillClrLst>
+      <a:schemeClr val="accent5"/>
+      <a:schemeClr val="accent6"/>
+    </dgm:fillClrLst>
+    <dgm:linClrLst meth="repeat">
+      <a:schemeClr val="lt1"/>
+    </dgm:linClrLst>
+    <dgm:effectClrLst/>
+    <dgm:txLinClrLst/>
+    <dgm:txFillClrLst/>
+    <dgm:txEffectClrLst/>
+  </dgm:styleLbl>
+  <dgm:styleLbl name="vennNode1">
+    <dgm:fillClrLst>
+      <a:schemeClr val="accent5">
+        <a:alpha val="50000"/>
+      </a:schemeClr>
+      <a:schemeClr val="accent6">
+        <a:alpha val="50000"/>
+      </a:schemeClr>
+    </dgm:fillClrLst>
+    <dgm:linClrLst meth="repeat">
+      <a:schemeClr val="lt1"/>
+    </dgm:linClrLst>
+    <dgm:effectClrLst/>
+    <dgm:txLinClrLst/>
+    <dgm:txFillClrLst/>
+    <dgm:txEffectClrLst/>
+  </dgm:styleLbl>
+  <dgm:styleLbl name="node2">
+    <dgm:fillClrLst>
+      <a:schemeClr val="accent6"/>
+    </dgm:fillClrLst>
+    <dgm:linClrLst meth="repeat">
+      <a:schemeClr val="lt1"/>
+    </dgm:linClrLst>
+    <dgm:effectClrLst/>
+    <dgm:txLinClrLst/>
+    <dgm:txFillClrLst/>
+    <dgm:txEffectClrLst/>
+  </dgm:styleLbl>
+  <dgm:styleLbl name="node3">
+    <dgm:fillClrLst>
+      <a:schemeClr val="accent1"/>
+    </dgm:fillClrLst>
+    <dgm:linClrLst meth="repeat">
+      <a:schemeClr val="lt1"/>
+    </dgm:linClrLst>
+    <dgm:effectClrLst/>
+    <dgm:txLinClrLst/>
+    <dgm:txFillClrLst/>
+    <dgm:txEffectClrLst/>
+  </dgm:styleLbl>
+  <dgm:styleLbl name="node4">
+    <dgm:fillClrLst>
+      <a:schemeClr val="accent2"/>
+    </dgm:fillClrLst>
+    <dgm:linClrLst meth="repeat">
+      <a:schemeClr val="lt1"/>
+    </dgm:linClrLst>
+    <dgm:effectClrLst/>
+    <dgm:txLinClrLst/>
+    <dgm:txFillClrLst/>
+    <dgm:txEffectClrLst/>
+  </dgm:styleLbl>
+  <dgm:styleLbl name="fgImgPlace1">
+    <dgm:fillClrLst>
+      <a:schemeClr val="accent5">
+        <a:tint val="50000"/>
+      </a:schemeClr>
+      <a:schemeClr val="accent6">
+        <a:tint val="50000"/>
+      </a:schemeClr>
+    </dgm:fillClrLst>
+    <dgm:linClrLst meth="repeat">
+      <a:schemeClr val="lt1"/>
+    </dgm:linClrLst>
+    <dgm:effectClrLst/>
+    <dgm:txLinClrLst/>
+    <dgm:txFillClrLst meth="repeat">
+      <a:schemeClr val="lt1"/>
+    </dgm:txFillClrLst>
+    <dgm:txEffectClrLst/>
+  </dgm:styleLbl>
+  <dgm:styleLbl name="alignImgPlace1">
+    <dgm:fillClrLst>
+      <a:schemeClr val="accent5">
+        <a:tint val="50000"/>
+      </a:schemeClr>
+      <a:schemeClr val="accent6">
+        <a:tint val="20000"/>
+      </a:schemeClr>
+    </dgm:fillClrLst>
+    <dgm:linClrLst meth="repeat">
+      <a:schemeClr val="lt1"/>
+    </dgm:linClrLst>
+    <dgm:effectClrLst/>
+    <dgm:txLinClrLst/>
+    <dgm:txFillClrLst meth="repeat">
+      <a:schemeClr val="lt1"/>
+    </dgm:txFillClrLst>
+    <dgm:txEffectClrLst/>
+  </dgm:styleLbl>
+  <dgm:styleLbl name="bgImgPlace1">
+    <dgm:fillClrLst>
+      <a:schemeClr val="accent5">
+        <a:tint val="50000"/>
+      </a:schemeClr>
+      <a:schemeClr val="accent6">
+        <a:tint val="20000"/>
+      </a:schemeClr>
+    </dgm:fillClrLst>
+    <dgm:linClrLst meth="repeat">
+      <a:schemeClr val="lt1"/>
+    </dgm:linClrLst>
+    <dgm:effectClrLst/>
+    <dgm:txLinClrLst/>
+    <dgm:txFillClrLst meth="repeat">
+      <a:schemeClr val="lt1"/>
+    </dgm:txFillClrLst>
+    <dgm:txEffectClrLst/>
+  </dgm:styleLbl>
+  <dgm:styleLbl name="sibTrans2D1">
+    <dgm:fillClrLst>
+      <a:schemeClr val="accent5"/>
+      <a:schemeClr val="accent6"/>
+    </dgm:fillClrLst>
+    <dgm:linClrLst meth="repeat">
+      <a:schemeClr val="lt1"/>
+    </dgm:linClrLst>
+    <dgm:effectClrLst/>
+    <dgm:txLinClrLst/>
+    <dgm:txFillClrLst/>
+    <dgm:txEffectClrLst/>
+  </dgm:styleLbl>
+  <dgm:styleLbl name="fgSibTrans2D1">
+    <dgm:fillClrLst>
+      <a:schemeClr val="accent5"/>
+      <a:schemeClr val="accent6"/>
+    </dgm:fillClrLst>
+    <dgm:linClrLst meth="repeat">
+      <a:schemeClr val="lt1"/>
+    </dgm:linClrLst>
+    <dgm:effectClrLst/>
+    <dgm:txLinClrLst/>
+    <dgm:txFillClrLst meth="repeat">
+      <a:schemeClr val="lt1"/>
+    </dgm:txFillClrLst>
+    <dgm:txEffectClrLst/>
+  </dgm:styleLbl>
+  <dgm:styleLbl name="bgSibTrans2D1">
+    <dgm:fillClrLst>
+      <a:schemeClr val="accent5"/>
+      <a:schemeClr val="accent6"/>
+    </dgm:fillClrLst>
+    <dgm:linClrLst meth="repeat">
+      <a:schemeClr val="lt1"/>
+    </dgm:linClrLst>
+    <dgm:effectClrLst/>
+    <dgm:txLinClrLst/>
+    <dgm:txFillClrLst meth="repeat">
+      <a:schemeClr val="lt1"/>
+    </dgm:txFillClrLst>
+    <dgm:txEffectClrLst/>
+  </dgm:styleLbl>
+  <dgm:styleLbl name="sibTrans1D1">
+    <dgm:fillClrLst/>
+    <dgm:linClrLst>
+      <a:schemeClr val="accent5"/>
+      <a:schemeClr val="accent6"/>
+    </dgm:linClrLst>
+    <dgm:effectClrLst/>
+    <dgm:txLinClrLst/>
+    <dgm:txFillClrLst meth="repeat">
+      <a:schemeClr val="tx1"/>
+    </dgm:txFillClrLst>
+    <dgm:txEffectClrLst/>
+  </dgm:styleLbl>
+  <dgm:styleLbl name="callout">
+    <dgm:fillClrLst meth="repeat">
+      <a:schemeClr val="accent5"/>
+    </dgm:fillClrLst>
+    <dgm:linClrLst meth="repeat">
+      <a:schemeClr val="accent5">
+        <a:tint val="50000"/>
+      </a:schemeClr>
+    </dgm:linClrLst>
+    <dgm:effectClrLst/>
+    <dgm:txLinClrLst/>
+    <dgm:txFillClrLst meth="repeat">
+      <a:schemeClr val="tx1"/>
+    </dgm:txFillClrLst>
+    <dgm:txEffectClrLst/>
+  </dgm:styleLbl>
+  <dgm:styleLbl name="asst0">
+    <dgm:fillClrLst meth="repeat">
+      <a:schemeClr val="accent5"/>
+    </dgm:fillClrLst>
+    <dgm:linClrLst meth="repeat">
+      <a:schemeClr val="lt1">
+        <a:shade val="80000"/>
+      </a:schemeClr>
+    </dgm:linClrLst>
+    <dgm:effectClrLst/>
+    <dgm:txLinClrLst/>
+    <dgm:txFillClrLst/>
+    <dgm:txEffectClrLst/>
+  </dgm:styleLbl>
+  <dgm:styleLbl name="asst1">
+    <dgm:fillClrLst meth="repeat">
+      <a:schemeClr val="accent6"/>
+    </dgm:fillClrLst>
+    <dgm:linClrLst meth="repeat">
+      <a:schemeClr val="lt1">
+        <a:shade val="80000"/>
+      </a:schemeClr>
+    </dgm:linClrLst>
+    <dgm:effectClrLst/>
+    <dgm:txLinClrLst/>
+    <dgm:txFillClrLst/>
+    <dgm:txEffectClrLst/>
+  </dgm:styleLbl>
+  <dgm:styleLbl name="asst2">
+    <dgm:fillClrLst>
+      <a:schemeClr val="accent1"/>
+    </dgm:fillClrLst>
+    <dgm:linClrLst meth="repeat">
+      <a:schemeClr val="lt1"/>
+    </dgm:linClrLst>
+    <dgm:effectClrLst/>
+    <dgm:txLinClrLst/>
+    <dgm:txFillClrLst/>
+    <dgm:txEffectClrLst/>
+  </dgm:styleLbl>
+  <dgm:styleLbl name="asst3">
+    <dgm:fillClrLst>
+      <a:schemeClr val="accent2"/>
+    </dgm:fillClrLst>
+    <dgm:linClrLst meth="repeat">
+      <a:schemeClr val="lt1"/>
+    </dgm:linClrLst>
+    <dgm:effectClrLst/>
+    <dgm:txLinClrLst/>
+    <dgm:txFillClrLst/>
+    <dgm:txEffectClrLst/>
+  </dgm:styleLbl>
+  <dgm:styleLbl name="asst4">
+    <dgm:fillClrLst>
+      <a:schemeClr val="accent3"/>
+    </dgm:fillClrLst>
+    <dgm:linClrLst meth="repeat">
+      <a:schemeClr val="lt1"/>
+    </dgm:linClrLst>
+    <dgm:effectClrLst/>
+    <dgm:txLinClrLst/>
+    <dgm:txFillClrLst/>
+    <dgm:txEffectClrLst/>
+  </dgm:styleLbl>
+  <dgm:styleLbl name="parChTrans2D1">
+    <dgm:fillClrLst meth="repeat">
+      <a:schemeClr val="accent5"/>
+    </dgm:fillClrLst>
+    <dgm:linClrLst meth="repeat">
+      <a:schemeClr val="lt1"/>
+    </dgm:linClrLst>
+    <dgm:effectClrLst/>
+    <dgm:txLinClrLst/>
+    <dgm:txFillClrLst meth="repeat">
+      <a:schemeClr val="lt1"/>
+    </dgm:txFillClrLst>
+    <dgm:txEffectClrLst/>
+  </dgm:styleLbl>
+  <dgm:styleLbl name="parChTrans2D2">
+    <dgm:fillClrLst meth="repeat">
+      <a:schemeClr val="accent6"/>
+    </dgm:fillClrLst>
+    <dgm:linClrLst meth="repeat">
+      <a:schemeClr val="lt1"/>
+    </dgm:linClrLst>
+    <dgm:effectClrLst/>
+    <dgm:txLinClrLst/>
+    <dgm:txFillClrLst/>
+    <dgm:txEffectClrLst/>
+  </dgm:styleLbl>
+  <dgm:styleLbl name="parChTrans2D3">
+    <dgm:fillClrLst meth="repeat">
+      <a:schemeClr val="accent6"/>
+    </dgm:fillClrLst>
+    <dgm:linClrLst meth="repeat">
+      <a:schemeClr val="lt1"/>
+    </dgm:linClrLst>
+    <dgm:effectClrLst/>
+    <dgm:txLinClrLst/>
+    <dgm:txFillClrLst/>
+    <dgm:txEffectClrLst/>
+  </dgm:styleLbl>
+  <dgm:styleLbl name="parChTrans2D4">
+    <dgm:fillClrLst meth="repeat">
+      <a:schemeClr val="accent1"/>
+    </dgm:fillClrLst>
+    <dgm:linClrLst meth="repeat">
+      <a:schemeClr val="lt1"/>
+    </dgm:linClrLst>
+    <dgm:effectClrLst/>
+    <dgm:txLinClrLst/>
+    <dgm:txFillClrLst meth="repeat">
+      <a:schemeClr val="lt1"/>
+    </dgm:txFillClrLst>
+    <dgm:txEffectClrLst/>
+  </dgm:styleLbl>
+  <dgm:styleLbl name="parChTrans1D1">
+    <dgm:fillClrLst meth="repeat">
+      <a:schemeClr val="accent5"/>
+    </dgm:fillClrLst>
+    <dgm:linClrLst meth="repeat">
+      <a:schemeClr val="accent5"/>
+    </dgm:linClrLst>
+    <dgm:effectClrLst/>
+    <dgm:txLinClrLst/>
+    <dgm:txFillClrLst meth="repeat">
+      <a:schemeClr val="tx1"/>
+    </dgm:txFillClrLst>
+    <dgm:txEffectClrLst/>
+  </dgm:styleLbl>
+  <dgm:styleLbl name="parChTrans1D2">
+    <dgm:fillClrLst meth="repeat">
+      <a:schemeClr val="accent6">
+        <a:tint val="90000"/>
+      </a:schemeClr>
+    </dgm:fillClrLst>
+    <dgm:linClrLst meth="repeat">
+      <a:schemeClr val="accent6"/>
+    </dgm:linClrLst>
+    <dgm:effectClrLst/>
+    <dgm:txLinClrLst/>
+    <dgm:txFillClrLst meth="repeat">
+      <a:schemeClr val="tx1"/>
+    </dgm:txFillClrLst>
+    <dgm:txEffectClrLst/>
+  </dgm:styleLbl>
+  <dgm:styleLbl name="parChTrans1D3">
+    <dgm:fillClrLst meth="repeat">
+      <a:schemeClr val="accent6">
+        <a:tint val="70000"/>
+      </a:schemeClr>
+    </dgm:fillClrLst>
+    <dgm:linClrLst meth="repeat">
+      <a:schemeClr val="accent1"/>
+    </dgm:linClrLst>
+    <dgm:effectClrLst/>
+    <dgm:txLinClrLst/>
+    <dgm:txFillClrLst meth="repeat">
+      <a:schemeClr val="tx1"/>
+    </dgm:txFillClrLst>
+    <dgm:txEffectClrLst/>
+  </dgm:styleLbl>
+  <dgm:styleLbl name="parChTrans1D4">
+    <dgm:fillClrLst meth="repeat">
+      <a:schemeClr val="accent6">
+        <a:tint val="50000"/>
+      </a:schemeClr>
+    </dgm:fillClrLst>
+    <dgm:linClrLst meth="repeat">
+      <a:schemeClr val="accent2"/>
+    </dgm:linClrLst>
+    <dgm:effectClrLst/>
+    <dgm:txLinClrLst/>
+    <dgm:txFillClrLst meth="repeat">
+      <a:schemeClr val="tx1"/>
+    </dgm:txFillClrLst>
+    <dgm:txEffectClrLst/>
+  </dgm:styleLbl>
+  <dgm:styleLbl name="fgAcc1">
+    <dgm:fillClrLst meth="repeat">
+      <a:schemeClr val="lt1">
+        <a:alpha val="90000"/>
+      </a:schemeClr>
+    </dgm:fillClrLst>
+    <dgm:linClrLst>
+      <a:schemeClr val="accent5"/>
+      <a:schemeClr val="accent6"/>
+    </dgm:linClrLst>
+    <dgm:effectClrLst/>
+    <dgm:txLinClrLst/>
+    <dgm:txFillClrLst meth="repeat">
+      <a:schemeClr val="dk1"/>
+    </dgm:txFillClrLst>
+    <dgm:txEffectClrLst/>
+  </dgm:styleLbl>
+  <dgm:styleLbl name="conFgAcc1">
+    <dgm:fillClrLst meth="repeat">
+      <a:schemeClr val="lt1">
+        <a:alpha val="90000"/>
+      </a:schemeClr>
+    </dgm:fillClrLst>
+    <dgm:linClrLst>
+      <a:schemeClr val="accent5"/>
+      <a:schemeClr val="accent6"/>
+    </dgm:linClrLst>
+    <dgm:effectClrLst/>
+    <dgm:txLinClrLst/>
+    <dgm:txFillClrLst meth="repeat">
+      <a:schemeClr val="dk1"/>
+    </dgm:txFillClrLst>
+    <dgm:txEffectClrLst/>
+  </dgm:styleLbl>
+  <dgm:styleLbl name="alignAcc1">
+    <dgm:fillClrLst meth="repeat">
+      <a:schemeClr val="lt1">
+        <a:alpha val="90000"/>
+      </a:schemeClr>
+    </dgm:fillClrLst>
+    <dgm:linClrLst>
+      <a:schemeClr val="accent5"/>
+      <a:schemeClr val="accent6"/>
+    </dgm:linClrLst>
+    <dgm:effectClrLst/>
+    <dgm:txLinClrLst/>
+    <dgm:txFillClrLst meth="repeat">
+      <a:schemeClr val="dk1"/>
+    </dgm:txFillClrLst>
+    <dgm:txEffectClrLst/>
+  </dgm:styleLbl>
+  <dgm:styleLbl name="trAlignAcc1">
+    <dgm:fillClrLst meth="repeat">
+      <a:schemeClr val="lt1">
+        <a:alpha val="40000"/>
+      </a:schemeClr>
+    </dgm:fillClrLst>
+    <dgm:linClrLst meth="repeat">
+      <a:schemeClr val="accent5"/>
+    </dgm:linClrLst>
+    <dgm:effectClrLst/>
+    <dgm:txLinClrLst/>
+    <dgm:txFillClrLst meth="repeat">
+      <a:schemeClr val="dk1"/>
+    </dgm:txFillClrLst>
+    <dgm:txEffectClrLst/>
+  </dgm:styleLbl>
+  <dgm:styleLbl name="bgAcc1">
+    <dgm:fillClrLst meth="repeat">
+      <a:schemeClr val="lt1">
+        <a:alpha val="90000"/>
+      </a:schemeClr>
+    </dgm:fillClrLst>
+    <dgm:linClrLst>
+      <a:schemeClr val="accent5"/>
+      <a:schemeClr val="accent6"/>
+    </dgm:linClrLst>
+    <dgm:effectClrLst/>
+    <dgm:txLinClrLst/>
+    <dgm:txFillClrLst meth="repeat">
+      <a:schemeClr val="dk1"/>
+    </dgm:txFillClrLst>
+    <dgm:txEffectClrLst/>
+  </dgm:styleLbl>
+  <dgm:styleLbl name="solidFgAcc1">
+    <dgm:fillClrLst meth="repeat">
+      <a:schemeClr val="lt1"/>
+    </dgm:fillClrLst>
+    <dgm:linClrLst>
+      <a:schemeClr val="accent5"/>
+      <a:schemeClr val="accent6"/>
+    </dgm:linClrLst>
+    <dgm:effectClrLst/>
+    <dgm:txLinClrLst/>
+    <dgm:txFillClrLst meth="repeat">
+      <a:schemeClr val="dk1"/>
+    </dgm:txFillClrLst>
+    <dgm:txEffectClrLst/>
+  </dgm:styleLbl>
+  <dgm:styleLbl name="solidAlignAcc1">
+    <dgm:fillClrLst meth="repeat">
+      <a:schemeClr val="lt1"/>
+    </dgm:fillClrLst>
+    <dgm:linClrLst>
+      <a:schemeClr val="accent5"/>
+      <a:schemeClr val="accent6"/>
+    </dgm:linClrLst>
+    <dgm:effectClrLst/>
+    <dgm:txLinClrLst/>
+    <dgm:txFillClrLst meth="repeat">
+      <a:schemeClr val="dk1"/>
+    </dgm:txFillClrLst>
+    <dgm:txEffectClrLst/>
+  </dgm:styleLbl>
+  <dgm:styleLbl name="solidBgAcc1">
+    <dgm:fillClrLst meth="repeat">
+      <a:schemeClr val="lt1"/>
+    </dgm:fillClrLst>
+    <dgm:linClrLst>
+      <a:schemeClr val="accent5"/>
+      <a:schemeClr val="accent6"/>
+    </dgm:linClrLst>
+    <dgm:effectClrLst/>
+    <dgm:txLinClrLst/>
+    <dgm:txFillClrLst meth="repeat">
+      <a:schemeClr val="dk1"/>
+    </dgm:txFillClrLst>
+    <dgm:txEffectClrLst/>
+  </dgm:styleLbl>
+  <dgm:styleLbl name="fgAccFollowNode1">
+    <dgm:fillClrLst>
+      <a:schemeClr val="accent5">
+        <a:tint val="40000"/>
+        <a:alpha val="90000"/>
+      </a:schemeClr>
+      <a:schemeClr val="accent6">
+        <a:tint val="40000"/>
+        <a:alpha val="90000"/>
+      </a:schemeClr>
+    </dgm:fillClrLst>
+    <dgm:linClrLst>
+      <a:schemeClr val="accent5">
+        <a:tint val="40000"/>
+        <a:alpha val="90000"/>
+      </a:schemeClr>
+      <a:schemeClr val="accent5">
+        <a:tint val="40000"/>
+        <a:alpha val="90000"/>
+      </a:schemeClr>
+    </dgm:linClrLst>
+    <dgm:effectClrLst/>
+    <dgm:txLinClrLst/>
+    <dgm:txFillClrLst meth="repeat">
+      <a:schemeClr val="dk1"/>
+    </dgm:txFillClrLst>
+    <dgm:txEffectClrLst/>
+  </dgm:styleLbl>
+  <dgm:styleLbl name="alignAccFollowNode1">
+    <dgm:fillClrLst>
+      <a:schemeClr val="accent5">
+        <a:tint val="40000"/>
+        <a:alpha val="90000"/>
+      </a:schemeClr>
+      <a:schemeClr val="accent6">
+        <a:tint val="40000"/>
+        <a:alpha val="90000"/>
+      </a:schemeClr>
+    </dgm:fillClrLst>
+    <dgm:linClrLst>
+      <a:schemeClr val="accent5">
+        <a:tint val="40000"/>
+        <a:alpha val="90000"/>
+      </a:schemeClr>
+      <a:schemeClr val="accent6">
+        <a:tint val="40000"/>
+        <a:alpha val="90000"/>
+      </a:schemeClr>
+    </dgm:linClrLst>
+    <dgm:effectClrLst/>
+    <dgm:txLinClrLst/>
+    <dgm:txFillClrLst meth="repeat">
+      <a:schemeClr val="dk1"/>
+    </dgm:txFillClrLst>
+    <dgm:txEffectClrLst/>
+  </dgm:styleLbl>
+  <dgm:styleLbl name="bgAccFollowNode1">
+    <dgm:fillClrLst>
+      <a:schemeClr val="accent5">
+        <a:tint val="40000"/>
+        <a:alpha val="90000"/>
+      </a:schemeClr>
+      <a:schemeClr val="accent6">
+        <a:tint val="40000"/>
+        <a:alpha val="90000"/>
+      </a:schemeClr>
+    </dgm:fillClrLst>
+    <dgm:linClrLst>
+      <a:schemeClr val="accent5">
+        <a:tint val="40000"/>
+        <a:alpha val="90000"/>
+      </a:schemeClr>
+      <a:schemeClr val="accent6">
+        <a:tint val="40000"/>
+        <a:alpha val="90000"/>
+      </a:schemeClr>
+    </dgm:linClrLst>
+    <dgm:effectClrLst/>
+    <dgm:txLinClrLst/>
+    <dgm:txFillClrLst meth="repeat">
+      <a:schemeClr val="dk1"/>
+    </dgm:txFillClrLst>
+    <dgm:txEffectClrLst/>
+  </dgm:styleLbl>
+  <dgm:styleLbl name="fgAcc0">
+    <dgm:fillClrLst meth="repeat">
+      <a:schemeClr val="lt1">
+        <a:alpha val="90000"/>
+      </a:schemeClr>
+    </dgm:fillClrLst>
+    <dgm:linClrLst>
+      <a:schemeClr val="accent4"/>
+    </dgm:linClrLst>
+    <dgm:effectClrLst/>
+    <dgm:txLinClrLst/>
+    <dgm:txFillClrLst meth="repeat">
+      <a:schemeClr val="dk1"/>
+    </dgm:txFillClrLst>
+    <dgm:txEffectClrLst/>
+  </dgm:styleLbl>
+  <dgm:styleLbl name="fgAcc2">
+    <dgm:fillClrLst meth="repeat">
+      <a:schemeClr val="lt1">
+        <a:alpha val="90000"/>
+      </a:schemeClr>
+    </dgm:fillClrLst>
+    <dgm:linClrLst>
+      <a:schemeClr val="accent6"/>
+    </dgm:linClrLst>
+    <dgm:effectClrLst/>
+    <dgm:txLinClrLst/>
+    <dgm:txFillClrLst meth="repeat">
+      <a:schemeClr val="dk1"/>
+    </dgm:txFillClrLst>
+    <dgm:txEffectClrLst/>
+  </dgm:styleLbl>
+  <dgm:styleLbl name="fgAcc3">
+    <dgm:fillClrLst meth="repeat">
+      <a:schemeClr val="lt1">
+        <a:alpha val="90000"/>
+      </a:schemeClr>
+    </dgm:fillClrLst>
+    <dgm:linClrLst>
+      <a:schemeClr val="accent1"/>
+    </dgm:linClrLst>
+    <dgm:effectClrLst/>
+    <dgm:txLinClrLst/>
+    <dgm:txFillClrLst meth="repeat">
+      <a:schemeClr val="dk1"/>
+    </dgm:txFillClrLst>
+    <dgm:txEffectClrLst/>
+  </dgm:styleLbl>
+  <dgm:styleLbl name="fgAcc4">
+    <dgm:fillClrLst meth="repeat">
+      <a:schemeClr val="lt1">
+        <a:alpha val="90000"/>
+      </a:schemeClr>
+    </dgm:fillClrLst>
+    <dgm:linClrLst>
+      <a:schemeClr val="accent2"/>
+    </dgm:linClrLst>
+    <dgm:effectClrLst/>
+    <dgm:txLinClrLst/>
+    <dgm:txFillClrLst meth="repeat">
+      <a:schemeClr val="dk1"/>
+    </dgm:txFillClrLst>
+    <dgm:txEffectClrLst/>
+  </dgm:styleLbl>
+  <dgm:styleLbl name="bgShp">
+    <dgm:fillClrLst meth="repeat">
+      <a:schemeClr val="accent5">
+        <a:tint val="40000"/>
+      </a:schemeClr>
+    </dgm:fillClrLst>
+    <dgm:linClrLst meth="repeat">
+      <a:schemeClr val="dk1"/>
+    </dgm:linClrLst>
+    <dgm:effectClrLst/>
+    <dgm:txLinClrLst/>
+    <dgm:txFillClrLst meth="repeat">
+      <a:schemeClr val="dk1"/>
+    </dgm:txFillClrLst>
+    <dgm:txEffectClrLst/>
+  </dgm:styleLbl>
+  <dgm:styleLbl name="dkBgShp">
+    <dgm:fillClrLst meth="repeat">
+      <a:schemeClr val="accent5">
+        <a:shade val="90000"/>
+      </a:schemeClr>
+    </dgm:fillClrLst>
+    <dgm:linClrLst meth="repeat">
+      <a:schemeClr val="dk1"/>
+    </dgm:linClrLst>
+    <dgm:effectClrLst/>
+    <dgm:txLinClrLst/>
+    <dgm:txFillClrLst meth="repeat">
+      <a:schemeClr val="lt1"/>
+    </dgm:txFillClrLst>
+    <dgm:txEffectClrLst/>
+  </dgm:styleLbl>
+  <dgm:styleLbl name="trBgShp">
+    <dgm:fillClrLst meth="repeat">
+      <a:schemeClr val="accent5">
+        <a:tint val="50000"/>
+        <a:alpha val="40000"/>
+      </a:schemeClr>
+    </dgm:fillClrLst>
+    <dgm:linClrLst meth="repeat">
+      <a:schemeClr val="accent5"/>
+    </dgm:linClrLst>
+    <dgm:effectClrLst/>
+    <dgm:txLinClrLst/>
+    <dgm:txFillClrLst meth="repeat">
+      <a:schemeClr val="lt1"/>
+    </dgm:txFillClrLst>
+    <dgm:txEffectClrLst/>
+  </dgm:styleLbl>
+  <dgm:styleLbl name="fgShp">
+    <dgm:fillClrLst meth="repeat">
+      <a:schemeClr val="accent5">
+        <a:tint val="40000"/>
+      </a:schemeClr>
+    </dgm:fillClrLst>
+    <dgm:linClrLst meth="repeat">
+      <a:schemeClr val="lt1"/>
+    </dgm:linClrLst>
+    <dgm:effectClrLst/>
+    <dgm:txLinClrLst/>
+    <dgm:txFillClrLst meth="repeat">
+      <a:schemeClr val="dk1"/>
+    </dgm:txFillClrLst>
+    <dgm:txEffectClrLst/>
+  </dgm:styleLbl>
+  <dgm:styleLbl name="revTx">
+    <dgm:fillClrLst meth="repeat">
+      <a:schemeClr val="lt1">
+        <a:alpha val="0"/>
+      </a:schemeClr>
+    </dgm:fillClrLst>
+    <dgm:linClrLst meth="repeat">
+      <a:schemeClr val="dk1">
+        <a:alpha val="0"/>
+      </a:schemeClr>
+    </dgm:linClrLst>
+    <dgm:effectClrLst/>
+    <dgm:txLinClrLst/>
+    <dgm:txFillClrLst meth="repeat">
+      <a:schemeClr val="tx1"/>
+    </dgm:txFillClrLst>
+    <dgm:txEffectClrLst/>
+  </dgm:styleLbl>
+</dgm:colorsDef>
+</file>
+
+<file path=ppt/diagrams/colors4.xml><?xml version="1.0" encoding="utf-8"?>
 <dgm:colorsDef xmlns:dgm="http://schemas.openxmlformats.org/drawingml/2006/diagram" xmlns:a="http://schemas.openxmlformats.org/drawingml/2006/main" uniqueId="urn:microsoft.com/office/officeart/2005/8/colors/accent1_2">
   <dgm:title val=""/>
   <dgm:desc val=""/>
@@ -2674,7 +3457,11 @@
         <a:p>
           <a:r>
             <a:rPr lang="en-US" sz="1200" dirty="0" smtClean="0"/>
-            <a:t>Mass Transit Stack</a:t>
+            <a:t>Mass Transit </a:t>
+          </a:r>
+          <a:r>
+            <a:rPr lang="en-US" sz="1200" dirty="0" smtClean="0"/>
+            <a:t>Project</a:t>
           </a:r>
           <a:endParaRPr lang="en-US" sz="1200" dirty="0"/>
         </a:p>
@@ -2711,7 +3498,7 @@
         <a:p>
           <a:r>
             <a:rPr lang="en-US" sz="1200" dirty="0" smtClean="0"/>
-            <a:t>Patterns</a:t>
+            <a:t>Messaging Patterns</a:t>
           </a:r>
           <a:endParaRPr lang="en-US" sz="1200" dirty="0"/>
         </a:p>
@@ -2748,7 +3535,7 @@
         <a:p>
           <a:r>
             <a:rPr lang="en-US" sz="1200" dirty="0" smtClean="0"/>
-            <a:t>Transports</a:t>
+            <a:t>Map</a:t>
           </a:r>
           <a:endParaRPr lang="en-US" sz="1200" dirty="0"/>
         </a:p>
@@ -2803,43 +3590,6 @@
       </dgm:t>
     </dgm:pt>
     <dgm:pt modelId="{A80EE40A-C922-4480-97CC-43A959177CB1}" type="sibTrans" cxnId="{A3BC6206-2066-4E27-BD72-A0F5854040D6}">
-      <dgm:prSet/>
-      <dgm:spPr/>
-      <dgm:t>
-        <a:bodyPr/>
-        <a:lstStyle/>
-        <a:p>
-          <a:endParaRPr lang="en-US" sz="1200"/>
-        </a:p>
-      </dgm:t>
-    </dgm:pt>
-    <dgm:pt modelId="{0D6B2243-C5F0-467E-BB31-43E53B0E003D}">
-      <dgm:prSet phldrT="[Text]" custT="1"/>
-      <dgm:spPr/>
-      <dgm:t>
-        <a:bodyPr/>
-        <a:lstStyle/>
-        <a:p>
-          <a:r>
-            <a:rPr lang="en-US" sz="1200" dirty="0" smtClean="0"/>
-            <a:t>Integrations</a:t>
-          </a:r>
-          <a:endParaRPr lang="en-US" sz="1200" dirty="0"/>
-        </a:p>
-      </dgm:t>
-    </dgm:pt>
-    <dgm:pt modelId="{0208BA7B-5939-4D0E-B6E6-60EF2975A18F}" type="parTrans" cxnId="{464377FE-4471-4F2F-9693-2AB3DFDA8917}">
-      <dgm:prSet/>
-      <dgm:spPr/>
-      <dgm:t>
-        <a:bodyPr/>
-        <a:lstStyle/>
-        <a:p>
-          <a:endParaRPr lang="en-US" sz="1200"/>
-        </a:p>
-      </dgm:t>
-    </dgm:pt>
-    <dgm:pt modelId="{D623DC6C-F002-4F00-8DB9-27224B886B3D}" type="sibTrans" cxnId="{464377FE-4471-4F2F-9693-2AB3DFDA8917}">
       <dgm:prSet/>
       <dgm:spPr/>
       <dgm:t>
@@ -3354,41 +4104,39 @@
     </dgm:pt>
   </dgm:ptLst>
   <dgm:cxnLst>
+    <dgm:cxn modelId="{AB9DB3A5-5590-4E9C-9842-5405E6CF13F0}" type="presOf" srcId="{6745F2E8-67DC-4335-8E1C-679A2BFBCEFE}" destId="{71D3D0C1-943C-4F07-851A-449A1ADF9B3C}" srcOrd="0" destOrd="2" presId="urn:microsoft.com/office/officeart/2005/8/layout/chevron2"/>
+    <dgm:cxn modelId="{5A3CCCB0-5C1A-40F0-81AD-EAF17766D25C}" type="presOf" srcId="{82A2100F-ACB1-4FB2-B588-2162CCE0A7EC}" destId="{8674861C-641D-4B44-BD65-87448F1A2F8A}" srcOrd="0" destOrd="0" presId="urn:microsoft.com/office/officeart/2005/8/layout/chevron2"/>
+    <dgm:cxn modelId="{937E19B7-67CE-431E-AD3C-02EC700B10A8}" srcId="{82A2100F-ACB1-4FB2-B588-2162CCE0A7EC}" destId="{6745F2E8-67DC-4335-8E1C-679A2BFBCEFE}" srcOrd="2" destOrd="0" parTransId="{94CEB101-BF41-42F2-B6D5-387205ED63AB}" sibTransId="{90453888-4146-41D3-A757-3D9733F25949}"/>
+    <dgm:cxn modelId="{D3ABFCD0-354F-4D9A-9F0C-4B9AAB7DD4B8}" type="presOf" srcId="{75A8AF5E-E077-421B-9B83-1D16FC13CC3E}" destId="{C4A35548-2E21-4AAA-AE63-C60FCAEA2D26}" srcOrd="0" destOrd="0" presId="urn:microsoft.com/office/officeart/2005/8/layout/chevron2"/>
+    <dgm:cxn modelId="{0F152CF0-FE4F-41C3-AD79-1103EE14CB26}" type="presOf" srcId="{BBBFE2C6-6943-42DD-A5DD-D6818DA7D418}" destId="{635E652E-FF37-4DFF-95CD-8CA4BA2A8607}" srcOrd="0" destOrd="0" presId="urn:microsoft.com/office/officeart/2005/8/layout/chevron2"/>
+    <dgm:cxn modelId="{9AACCA81-1E4D-4D70-B868-C4798071B132}" srcId="{AC62F493-CDC1-4D34-9615-782F8A2EC453}" destId="{AEF24AE9-0AB3-4763-A5DA-3018061F5588}" srcOrd="3" destOrd="0" parTransId="{7FADB0DA-D63D-45EB-BBFF-8EE9D5BAF632}" sibTransId="{6F723BFF-936F-4352-BB40-FDEDCC497E6D}"/>
+    <dgm:cxn modelId="{47B03B05-419C-4EC6-96AF-A7685A8981D5}" type="presOf" srcId="{F62940DA-37A4-4D07-ACF2-0CEA7AC91757}" destId="{71D3D0C1-943C-4F07-851A-449A1ADF9B3C}" srcOrd="0" destOrd="0" presId="urn:microsoft.com/office/officeart/2005/8/layout/chevron2"/>
+    <dgm:cxn modelId="{C79B078C-D58A-47CF-94B0-7E387B47895B}" srcId="{6FB126C9-4DE9-466A-B25B-AC57AA36B4A8}" destId="{9CB56806-528A-44C1-B476-9B43D6E887C0}" srcOrd="1" destOrd="0" parTransId="{DFF6BF32-45C2-4942-B6C7-2656E49203DD}" sibTransId="{74CBDB70-6C77-4F6B-8303-DE1F7A3314B4}"/>
+    <dgm:cxn modelId="{424AEB46-983D-42EE-BDAC-A0B59FF39508}" type="presOf" srcId="{5155967F-FA0A-4587-9DF5-C229C7C1341C}" destId="{CFC34C5D-362C-4F86-88A4-FBF87B2C7427}" srcOrd="0" destOrd="1" presId="urn:microsoft.com/office/officeart/2005/8/layout/chevron2"/>
     <dgm:cxn modelId="{00EB73C6-3193-4443-851A-936E32877ADD}" type="presOf" srcId="{C50BEBBB-54F1-4503-8F3F-372EE468F041}" destId="{CFC34C5D-362C-4F86-88A4-FBF87B2C7427}" srcOrd="0" destOrd="2" presId="urn:microsoft.com/office/officeart/2005/8/layout/chevron2"/>
-    <dgm:cxn modelId="{937E19B7-67CE-431E-AD3C-02EC700B10A8}" srcId="{82A2100F-ACB1-4FB2-B588-2162CCE0A7EC}" destId="{6745F2E8-67DC-4335-8E1C-679A2BFBCEFE}" srcOrd="3" destOrd="0" parTransId="{94CEB101-BF41-42F2-B6D5-387205ED63AB}" sibTransId="{90453888-4146-41D3-A757-3D9733F25949}"/>
+    <dgm:cxn modelId="{986B3B8B-DE94-4ECB-8BEB-53DE5AD5C2FF}" type="presOf" srcId="{82B52429-3E42-43BB-8391-EEA5D69683A3}" destId="{C4A35548-2E21-4AAA-AE63-C60FCAEA2D26}" srcOrd="0" destOrd="1" presId="urn:microsoft.com/office/officeart/2005/8/layout/chevron2"/>
+    <dgm:cxn modelId="{81DA24D7-97CE-438F-B852-BF9BF348C0B3}" srcId="{D957C335-3589-4AA0-920B-00DB91C683BF}" destId="{75A8AF5E-E077-421B-9B83-1D16FC13CC3E}" srcOrd="0" destOrd="0" parTransId="{6DC162DF-BB4B-4EED-8F82-97B9EA69275B}" sibTransId="{99D8C5BF-696F-4C46-B987-D4C950E716F2}"/>
+    <dgm:cxn modelId="{19DF7B0B-DAB6-469D-AF09-E2BBF4267F49}" type="presOf" srcId="{AEF24AE9-0AB3-4763-A5DA-3018061F5588}" destId="{CFC34C5D-362C-4F86-88A4-FBF87B2C7427}" srcOrd="0" destOrd="3" presId="urn:microsoft.com/office/officeart/2005/8/layout/chevron2"/>
+    <dgm:cxn modelId="{A3BC6206-2066-4E27-BD72-A0F5854040D6}" srcId="{AC62F493-CDC1-4D34-9615-782F8A2EC453}" destId="{C50BEBBB-54F1-4503-8F3F-372EE468F041}" srcOrd="2" destOrd="0" parTransId="{DF3E6CEC-D113-4C00-B57E-38DB41CA9A70}" sibTransId="{A80EE40A-C922-4480-97CC-43A959177CB1}"/>
+    <dgm:cxn modelId="{BCE2E609-F5FD-4D47-8044-B2D3C24E44D5}" srcId="{6FB126C9-4DE9-466A-B25B-AC57AA36B4A8}" destId="{BBBFE2C6-6943-42DD-A5DD-D6818DA7D418}" srcOrd="0" destOrd="0" parTransId="{F777CEEA-C19F-453B-8807-1F928AEC03EC}" sibTransId="{18226821-D713-4B27-947C-0725DE36937B}"/>
+    <dgm:cxn modelId="{5B94BBC2-A917-4F14-BBAF-71CDA57D6E46}" srcId="{319E2ED7-DAC0-475E-B7F4-31BD7A5B9166}" destId="{D957C335-3589-4AA0-920B-00DB91C683BF}" srcOrd="0" destOrd="0" parTransId="{C09C0A58-B08D-4AD8-92AE-2C0B81B850CB}" sibTransId="{BED980AE-90CC-4293-8282-401B45C67475}"/>
+    <dgm:cxn modelId="{2EE161C4-F368-49DA-9263-5565E17AC390}" srcId="{82A2100F-ACB1-4FB2-B588-2162CCE0A7EC}" destId="{F62940DA-37A4-4D07-ACF2-0CEA7AC91757}" srcOrd="0" destOrd="0" parTransId="{4125334E-F82D-4AB7-9A28-90E8DCDE2637}" sibTransId="{62D9652E-9BE8-4476-A4C5-58D32663BA67}"/>
+    <dgm:cxn modelId="{7984A512-A146-4663-A47E-6ADCB4FA6DF7}" srcId="{319E2ED7-DAC0-475E-B7F4-31BD7A5B9166}" destId="{82A2100F-ACB1-4FB2-B588-2162CCE0A7EC}" srcOrd="1" destOrd="0" parTransId="{D4ED4BAD-3900-46F1-AF51-98F72F7DCE07}" sibTransId="{7D54EAF5-9F72-4894-A745-4C7830259640}"/>
+    <dgm:cxn modelId="{063EB3C0-7438-4879-9E2E-E0F41B7FB189}" type="presOf" srcId="{9CB56806-528A-44C1-B476-9B43D6E887C0}" destId="{635E652E-FF37-4DFF-95CD-8CA4BA2A8607}" srcOrd="0" destOrd="1" presId="urn:microsoft.com/office/officeart/2005/8/layout/chevron2"/>
+    <dgm:cxn modelId="{B23F0335-5FA2-4792-9D39-CC7C8715EB40}" type="presOf" srcId="{6FB126C9-4DE9-466A-B25B-AC57AA36B4A8}" destId="{C6191146-B27E-4576-889C-63715DA6B13F}" srcOrd="0" destOrd="0" presId="urn:microsoft.com/office/officeart/2005/8/layout/chevron2"/>
+    <dgm:cxn modelId="{84E9938B-3CA2-47EC-865D-AB3EB24F5CEF}" srcId="{AC62F493-CDC1-4D34-9615-782F8A2EC453}" destId="{5155967F-FA0A-4587-9DF5-C229C7C1341C}" srcOrd="1" destOrd="0" parTransId="{73AB8B54-034E-4BC5-8111-248E92063304}" sibTransId="{01368EB3-46CD-4698-96C7-5F60B9A29451}"/>
+    <dgm:cxn modelId="{4EF8FF02-E84E-4A2A-BE64-590744BB1ECC}" srcId="{82A2100F-ACB1-4FB2-B588-2162CCE0A7EC}" destId="{08471830-FB56-47BF-8120-388DF827F600}" srcOrd="1" destOrd="0" parTransId="{81E2EC31-99EB-46A4-96E2-0EAFE8119909}" sibTransId="{30669AC3-1C30-4302-8714-BAE75147CD7B}"/>
+    <dgm:cxn modelId="{60F36FC5-56E2-4EBB-89A6-7FBC4B31009C}" srcId="{6FB126C9-4DE9-466A-B25B-AC57AA36B4A8}" destId="{A65BB76B-6769-4336-B9A5-2CC4F1A9DF53}" srcOrd="2" destOrd="0" parTransId="{8149FB2C-C327-43F1-A0EF-E84067A22E2B}" sibTransId="{46D0B279-62B2-49C7-A4EC-E7C64778DCBB}"/>
+    <dgm:cxn modelId="{7D0235AC-8540-44A3-BCFB-96307951F434}" type="presOf" srcId="{D3B228FB-1135-4D34-B378-4E75EFDAC51D}" destId="{CFC34C5D-362C-4F86-88A4-FBF87B2C7427}" srcOrd="0" destOrd="0" presId="urn:microsoft.com/office/officeart/2005/8/layout/chevron2"/>
+    <dgm:cxn modelId="{C1F94BDE-4A9C-4F43-8E28-AA89E109CBB5}" type="presOf" srcId="{08471830-FB56-47BF-8120-388DF827F600}" destId="{71D3D0C1-943C-4F07-851A-449A1ADF9B3C}" srcOrd="0" destOrd="1" presId="urn:microsoft.com/office/officeart/2005/8/layout/chevron2"/>
+    <dgm:cxn modelId="{D5C16949-916C-47D2-B666-403C11A53BDC}" type="presOf" srcId="{A65BB76B-6769-4336-B9A5-2CC4F1A9DF53}" destId="{635E652E-FF37-4DFF-95CD-8CA4BA2A8607}" srcOrd="0" destOrd="2" presId="urn:microsoft.com/office/officeart/2005/8/layout/chevron2"/>
+    <dgm:cxn modelId="{2D5E0BA9-CF6C-4340-A554-6D094D4B6F20}" type="presOf" srcId="{AC62F493-CDC1-4D34-9615-782F8A2EC453}" destId="{1EF1D0A2-CEB4-4E60-AB0F-BCD66F169E2A}" srcOrd="0" destOrd="0" presId="urn:microsoft.com/office/officeart/2005/8/layout/chevron2"/>
+    <dgm:cxn modelId="{F5F196BB-E062-4666-ADBF-28AB8EB88591}" type="presOf" srcId="{D957C335-3589-4AA0-920B-00DB91C683BF}" destId="{30D1CCFE-B9E2-495C-A14E-C264FE155CBE}" srcOrd="0" destOrd="0" presId="urn:microsoft.com/office/officeart/2005/8/layout/chevron2"/>
+    <dgm:cxn modelId="{5BB7F946-2644-4866-993F-D37B265F39A2}" srcId="{319E2ED7-DAC0-475E-B7F4-31BD7A5B9166}" destId="{6FB126C9-4DE9-466A-B25B-AC57AA36B4A8}" srcOrd="3" destOrd="0" parTransId="{C899445F-DA4D-4276-9976-650356A15FAE}" sibTransId="{6B59BCFD-82F5-4EE5-BBA3-7C0C82963889}"/>
+    <dgm:cxn modelId="{15854B30-8AE7-468A-A4F9-0BD7B64E0B5F}" srcId="{319E2ED7-DAC0-475E-B7F4-31BD7A5B9166}" destId="{AC62F493-CDC1-4D34-9615-782F8A2EC453}" srcOrd="2" destOrd="0" parTransId="{34AD31BE-5FB2-4D11-AA64-1D0D7647C0A3}" sibTransId="{B2AF5689-8D5E-4357-BB39-A0DC8FC6B568}"/>
+    <dgm:cxn modelId="{236F0FB2-695E-473F-8749-D2910A11D1DE}" type="presOf" srcId="{319E2ED7-DAC0-475E-B7F4-31BD7A5B9166}" destId="{839CC9F4-E7D6-485F-85CD-EC9B7273AD54}" srcOrd="0" destOrd="0" presId="urn:microsoft.com/office/officeart/2005/8/layout/chevron2"/>
+    <dgm:cxn modelId="{19D9697A-0A0E-4C75-8A31-FDD5D1FA04E0}" srcId="{AC62F493-CDC1-4D34-9615-782F8A2EC453}" destId="{D3B228FB-1135-4D34-B378-4E75EFDAC51D}" srcOrd="0" destOrd="0" parTransId="{C2B3747A-EF36-4A3B-A5F2-72991B72834B}" sibTransId="{8F929D1B-961A-46AF-9542-68CA108D7D54}"/>
     <dgm:cxn modelId="{B73A275F-7945-483C-8FE0-7D9EA16D1BBA}" srcId="{D957C335-3589-4AA0-920B-00DB91C683BF}" destId="{82B52429-3E42-43BB-8391-EEA5D69683A3}" srcOrd="1" destOrd="0" parTransId="{F1DE50FC-DC8F-4E5C-9D47-D6BA187B7FD3}" sibTransId="{9C83342E-B54D-4BD5-A4BD-29FC60D70700}"/>
-    <dgm:cxn modelId="{D3ABFCD0-354F-4D9A-9F0C-4B9AAB7DD4B8}" type="presOf" srcId="{75A8AF5E-E077-421B-9B83-1D16FC13CC3E}" destId="{C4A35548-2E21-4AAA-AE63-C60FCAEA2D26}" srcOrd="0" destOrd="0" presId="urn:microsoft.com/office/officeart/2005/8/layout/chevron2"/>
-    <dgm:cxn modelId="{AB9DB3A5-5590-4E9C-9842-5405E6CF13F0}" type="presOf" srcId="{6745F2E8-67DC-4335-8E1C-679A2BFBCEFE}" destId="{71D3D0C1-943C-4F07-851A-449A1ADF9B3C}" srcOrd="0" destOrd="3" presId="urn:microsoft.com/office/officeart/2005/8/layout/chevron2"/>
-    <dgm:cxn modelId="{F5F196BB-E062-4666-ADBF-28AB8EB88591}" type="presOf" srcId="{D957C335-3589-4AA0-920B-00DB91C683BF}" destId="{30D1CCFE-B9E2-495C-A14E-C264FE155CBE}" srcOrd="0" destOrd="0" presId="urn:microsoft.com/office/officeart/2005/8/layout/chevron2"/>
-    <dgm:cxn modelId="{19DF7B0B-DAB6-469D-AF09-E2BBF4267F49}" type="presOf" srcId="{AEF24AE9-0AB3-4763-A5DA-3018061F5588}" destId="{CFC34C5D-362C-4F86-88A4-FBF87B2C7427}" srcOrd="0" destOrd="3" presId="urn:microsoft.com/office/officeart/2005/8/layout/chevron2"/>
-    <dgm:cxn modelId="{2D5E0BA9-CF6C-4340-A554-6D094D4B6F20}" type="presOf" srcId="{AC62F493-CDC1-4D34-9615-782F8A2EC453}" destId="{1EF1D0A2-CEB4-4E60-AB0F-BCD66F169E2A}" srcOrd="0" destOrd="0" presId="urn:microsoft.com/office/officeart/2005/8/layout/chevron2"/>
-    <dgm:cxn modelId="{D5C16949-916C-47D2-B666-403C11A53BDC}" type="presOf" srcId="{A65BB76B-6769-4336-B9A5-2CC4F1A9DF53}" destId="{635E652E-FF37-4DFF-95CD-8CA4BA2A8607}" srcOrd="0" destOrd="2" presId="urn:microsoft.com/office/officeart/2005/8/layout/chevron2"/>
-    <dgm:cxn modelId="{84E9938B-3CA2-47EC-865D-AB3EB24F5CEF}" srcId="{AC62F493-CDC1-4D34-9615-782F8A2EC453}" destId="{5155967F-FA0A-4587-9DF5-C229C7C1341C}" srcOrd="1" destOrd="0" parTransId="{73AB8B54-034E-4BC5-8111-248E92063304}" sibTransId="{01368EB3-46CD-4698-96C7-5F60B9A29451}"/>
-    <dgm:cxn modelId="{C79B078C-D58A-47CF-94B0-7E387B47895B}" srcId="{6FB126C9-4DE9-466A-B25B-AC57AA36B4A8}" destId="{9CB56806-528A-44C1-B476-9B43D6E887C0}" srcOrd="1" destOrd="0" parTransId="{DFF6BF32-45C2-4942-B6C7-2656E49203DD}" sibTransId="{74CBDB70-6C77-4F6B-8303-DE1F7A3314B4}"/>
-    <dgm:cxn modelId="{C1F94BDE-4A9C-4F43-8E28-AA89E109CBB5}" type="presOf" srcId="{08471830-FB56-47BF-8120-388DF827F600}" destId="{71D3D0C1-943C-4F07-851A-449A1ADF9B3C}" srcOrd="0" destOrd="1" presId="urn:microsoft.com/office/officeart/2005/8/layout/chevron2"/>
-    <dgm:cxn modelId="{CEBFAF0A-185F-452E-BD3A-98AB58E15D2D}" type="presOf" srcId="{0D6B2243-C5F0-467E-BB31-43E53B0E003D}" destId="{71D3D0C1-943C-4F07-851A-449A1ADF9B3C}" srcOrd="0" destOrd="2" presId="urn:microsoft.com/office/officeart/2005/8/layout/chevron2"/>
-    <dgm:cxn modelId="{5A3CCCB0-5C1A-40F0-81AD-EAF17766D25C}" type="presOf" srcId="{82A2100F-ACB1-4FB2-B588-2162CCE0A7EC}" destId="{8674861C-641D-4B44-BD65-87448F1A2F8A}" srcOrd="0" destOrd="0" presId="urn:microsoft.com/office/officeart/2005/8/layout/chevron2"/>
-    <dgm:cxn modelId="{464377FE-4471-4F2F-9693-2AB3DFDA8917}" srcId="{82A2100F-ACB1-4FB2-B588-2162CCE0A7EC}" destId="{0D6B2243-C5F0-467E-BB31-43E53B0E003D}" srcOrd="2" destOrd="0" parTransId="{0208BA7B-5939-4D0E-B6E6-60EF2975A18F}" sibTransId="{D623DC6C-F002-4F00-8DB9-27224B886B3D}"/>
-    <dgm:cxn modelId="{60F36FC5-56E2-4EBB-89A6-7FBC4B31009C}" srcId="{6FB126C9-4DE9-466A-B25B-AC57AA36B4A8}" destId="{A65BB76B-6769-4336-B9A5-2CC4F1A9DF53}" srcOrd="2" destOrd="0" parTransId="{8149FB2C-C327-43F1-A0EF-E84067A22E2B}" sibTransId="{46D0B279-62B2-49C7-A4EC-E7C64778DCBB}"/>
-    <dgm:cxn modelId="{5B94BBC2-A917-4F14-BBAF-71CDA57D6E46}" srcId="{319E2ED7-DAC0-475E-B7F4-31BD7A5B9166}" destId="{D957C335-3589-4AA0-920B-00DB91C683BF}" srcOrd="0" destOrd="0" parTransId="{C09C0A58-B08D-4AD8-92AE-2C0B81B850CB}" sibTransId="{BED980AE-90CC-4293-8282-401B45C67475}"/>
-    <dgm:cxn modelId="{7984A512-A146-4663-A47E-6ADCB4FA6DF7}" srcId="{319E2ED7-DAC0-475E-B7F4-31BD7A5B9166}" destId="{82A2100F-ACB1-4FB2-B588-2162CCE0A7EC}" srcOrd="1" destOrd="0" parTransId="{D4ED4BAD-3900-46F1-AF51-98F72F7DCE07}" sibTransId="{7D54EAF5-9F72-4894-A745-4C7830259640}"/>
-    <dgm:cxn modelId="{15854B30-8AE7-468A-A4F9-0BD7B64E0B5F}" srcId="{319E2ED7-DAC0-475E-B7F4-31BD7A5B9166}" destId="{AC62F493-CDC1-4D34-9615-782F8A2EC453}" srcOrd="2" destOrd="0" parTransId="{34AD31BE-5FB2-4D11-AA64-1D0D7647C0A3}" sibTransId="{B2AF5689-8D5E-4357-BB39-A0DC8FC6B568}"/>
-    <dgm:cxn modelId="{81DA24D7-97CE-438F-B852-BF9BF348C0B3}" srcId="{D957C335-3589-4AA0-920B-00DB91C683BF}" destId="{75A8AF5E-E077-421B-9B83-1D16FC13CC3E}" srcOrd="0" destOrd="0" parTransId="{6DC162DF-BB4B-4EED-8F82-97B9EA69275B}" sibTransId="{99D8C5BF-696F-4C46-B987-D4C950E716F2}"/>
-    <dgm:cxn modelId="{B23F0335-5FA2-4792-9D39-CC7C8715EB40}" type="presOf" srcId="{6FB126C9-4DE9-466A-B25B-AC57AA36B4A8}" destId="{C6191146-B27E-4576-889C-63715DA6B13F}" srcOrd="0" destOrd="0" presId="urn:microsoft.com/office/officeart/2005/8/layout/chevron2"/>
-    <dgm:cxn modelId="{063EB3C0-7438-4879-9E2E-E0F41B7FB189}" type="presOf" srcId="{9CB56806-528A-44C1-B476-9B43D6E887C0}" destId="{635E652E-FF37-4DFF-95CD-8CA4BA2A8607}" srcOrd="0" destOrd="1" presId="urn:microsoft.com/office/officeart/2005/8/layout/chevron2"/>
-    <dgm:cxn modelId="{4EF8FF02-E84E-4A2A-BE64-590744BB1ECC}" srcId="{82A2100F-ACB1-4FB2-B588-2162CCE0A7EC}" destId="{08471830-FB56-47BF-8120-388DF827F600}" srcOrd="1" destOrd="0" parTransId="{81E2EC31-99EB-46A4-96E2-0EAFE8119909}" sibTransId="{30669AC3-1C30-4302-8714-BAE75147CD7B}"/>
-    <dgm:cxn modelId="{2EE161C4-F368-49DA-9263-5565E17AC390}" srcId="{82A2100F-ACB1-4FB2-B588-2162CCE0A7EC}" destId="{F62940DA-37A4-4D07-ACF2-0CEA7AC91757}" srcOrd="0" destOrd="0" parTransId="{4125334E-F82D-4AB7-9A28-90E8DCDE2637}" sibTransId="{62D9652E-9BE8-4476-A4C5-58D32663BA67}"/>
-    <dgm:cxn modelId="{BCE2E609-F5FD-4D47-8044-B2D3C24E44D5}" srcId="{6FB126C9-4DE9-466A-B25B-AC57AA36B4A8}" destId="{BBBFE2C6-6943-42DD-A5DD-D6818DA7D418}" srcOrd="0" destOrd="0" parTransId="{F777CEEA-C19F-453B-8807-1F928AEC03EC}" sibTransId="{18226821-D713-4B27-947C-0725DE36937B}"/>
-    <dgm:cxn modelId="{A3BC6206-2066-4E27-BD72-A0F5854040D6}" srcId="{AC62F493-CDC1-4D34-9615-782F8A2EC453}" destId="{C50BEBBB-54F1-4503-8F3F-372EE468F041}" srcOrd="2" destOrd="0" parTransId="{DF3E6CEC-D113-4C00-B57E-38DB41CA9A70}" sibTransId="{A80EE40A-C922-4480-97CC-43A959177CB1}"/>
-    <dgm:cxn modelId="{424AEB46-983D-42EE-BDAC-A0B59FF39508}" type="presOf" srcId="{5155967F-FA0A-4587-9DF5-C229C7C1341C}" destId="{CFC34C5D-362C-4F86-88A4-FBF87B2C7427}" srcOrd="0" destOrd="1" presId="urn:microsoft.com/office/officeart/2005/8/layout/chevron2"/>
-    <dgm:cxn modelId="{5BB7F946-2644-4866-993F-D37B265F39A2}" srcId="{319E2ED7-DAC0-475E-B7F4-31BD7A5B9166}" destId="{6FB126C9-4DE9-466A-B25B-AC57AA36B4A8}" srcOrd="3" destOrd="0" parTransId="{C899445F-DA4D-4276-9976-650356A15FAE}" sibTransId="{6B59BCFD-82F5-4EE5-BBA3-7C0C82963889}"/>
-    <dgm:cxn modelId="{236F0FB2-695E-473F-8749-D2910A11D1DE}" type="presOf" srcId="{319E2ED7-DAC0-475E-B7F4-31BD7A5B9166}" destId="{839CC9F4-E7D6-485F-85CD-EC9B7273AD54}" srcOrd="0" destOrd="0" presId="urn:microsoft.com/office/officeart/2005/8/layout/chevron2"/>
-    <dgm:cxn modelId="{9AACCA81-1E4D-4D70-B868-C4798071B132}" srcId="{AC62F493-CDC1-4D34-9615-782F8A2EC453}" destId="{AEF24AE9-0AB3-4763-A5DA-3018061F5588}" srcOrd="3" destOrd="0" parTransId="{7FADB0DA-D63D-45EB-BBFF-8EE9D5BAF632}" sibTransId="{6F723BFF-936F-4352-BB40-FDEDCC497E6D}"/>
-    <dgm:cxn modelId="{7D0235AC-8540-44A3-BCFB-96307951F434}" type="presOf" srcId="{D3B228FB-1135-4D34-B378-4E75EFDAC51D}" destId="{CFC34C5D-362C-4F86-88A4-FBF87B2C7427}" srcOrd="0" destOrd="0" presId="urn:microsoft.com/office/officeart/2005/8/layout/chevron2"/>
-    <dgm:cxn modelId="{47B03B05-419C-4EC6-96AF-A7685A8981D5}" type="presOf" srcId="{F62940DA-37A4-4D07-ACF2-0CEA7AC91757}" destId="{71D3D0C1-943C-4F07-851A-449A1ADF9B3C}" srcOrd="0" destOrd="0" presId="urn:microsoft.com/office/officeart/2005/8/layout/chevron2"/>
-    <dgm:cxn modelId="{0F152CF0-FE4F-41C3-AD79-1103EE14CB26}" type="presOf" srcId="{BBBFE2C6-6943-42DD-A5DD-D6818DA7D418}" destId="{635E652E-FF37-4DFF-95CD-8CA4BA2A8607}" srcOrd="0" destOrd="0" presId="urn:microsoft.com/office/officeart/2005/8/layout/chevron2"/>
-    <dgm:cxn modelId="{986B3B8B-DE94-4ECB-8BEB-53DE5AD5C2FF}" type="presOf" srcId="{82B52429-3E42-43BB-8391-EEA5D69683A3}" destId="{C4A35548-2E21-4AAA-AE63-C60FCAEA2D26}" srcOrd="0" destOrd="1" presId="urn:microsoft.com/office/officeart/2005/8/layout/chevron2"/>
-    <dgm:cxn modelId="{19D9697A-0A0E-4C75-8A31-FDD5D1FA04E0}" srcId="{AC62F493-CDC1-4D34-9615-782F8A2EC453}" destId="{D3B228FB-1135-4D34-B378-4E75EFDAC51D}" srcOrd="0" destOrd="0" parTransId="{C2B3747A-EF36-4A3B-A5F2-72991B72834B}" sibTransId="{8F929D1B-961A-46AF-9542-68CA108D7D54}"/>
     <dgm:cxn modelId="{0BC5C6DE-C656-4E47-BA61-591C575E6077}" type="presParOf" srcId="{839CC9F4-E7D6-485F-85CD-EC9B7273AD54}" destId="{77F424D6-A675-4ED7-BDAE-10ED3676A257}" srcOrd="0" destOrd="0" presId="urn:microsoft.com/office/officeart/2005/8/layout/chevron2"/>
     <dgm:cxn modelId="{9101EB04-1918-4C7A-85FD-8E7CA447E70D}" type="presParOf" srcId="{77F424D6-A675-4ED7-BDAE-10ED3676A257}" destId="{30D1CCFE-B9E2-495C-A14E-C264FE155CBE}" srcOrd="0" destOrd="0" presId="urn:microsoft.com/office/officeart/2005/8/layout/chevron2"/>
     <dgm:cxn modelId="{69A24B12-64A0-4D47-B49B-A6AA6EB7AB85}" type="presParOf" srcId="{77F424D6-A675-4ED7-BDAE-10ED3676A257}" destId="{C4A35548-2E21-4AAA-AE63-C60FCAEA2D26}" srcOrd="1" destOrd="0" presId="urn:microsoft.com/office/officeart/2005/8/layout/chevron2"/>
@@ -3418,8 +4166,477 @@
 <file path=ppt/diagrams/data2.xml><?xml version="1.0" encoding="utf-8"?>
 <dgm:dataModel xmlns:dgm="http://schemas.openxmlformats.org/drawingml/2006/diagram" xmlns:a="http://schemas.openxmlformats.org/drawingml/2006/main">
   <dgm:ptLst>
+    <dgm:pt modelId="{2649BE97-7B76-4088-A4AD-73506D266672}" type="doc">
+      <dgm:prSet loTypeId="urn:microsoft.com/office/officeart/2005/8/layout/radial4" loCatId="relationship" qsTypeId="urn:microsoft.com/office/officeart/2005/8/quickstyle/simple3" qsCatId="simple" csTypeId="urn:microsoft.com/office/officeart/2005/8/colors/colorful5" csCatId="colorful"/>
+      <dgm:spPr/>
+      <dgm:t>
+        <a:bodyPr/>
+        <a:lstStyle/>
+        <a:p>
+          <a:endParaRPr lang="en-US"/>
+        </a:p>
+      </dgm:t>
+    </dgm:pt>
+    <dgm:pt modelId="{BFFBE2B9-A1E7-492E-AA38-7CBE923FE46D}">
+      <dgm:prSet/>
+      <dgm:spPr/>
+      <dgm:t>
+        <a:bodyPr/>
+        <a:lstStyle/>
+        <a:p>
+          <a:pPr rtl="0"/>
+          <a:r>
+            <a:rPr lang="en-US" smtClean="0"/>
+            <a:t>MassTransit</a:t>
+          </a:r>
+          <a:endParaRPr lang="en-US"/>
+        </a:p>
+      </dgm:t>
+    </dgm:pt>
+    <dgm:pt modelId="{A67885EF-62ED-47E8-A42D-8B29E4FB7A44}" type="parTrans" cxnId="{16C46BA7-CE79-44D9-AB17-0374466E4169}">
+      <dgm:prSet/>
+      <dgm:spPr/>
+      <dgm:t>
+        <a:bodyPr/>
+        <a:lstStyle/>
+        <a:p>
+          <a:endParaRPr lang="en-US"/>
+        </a:p>
+      </dgm:t>
+    </dgm:pt>
+    <dgm:pt modelId="{D31BE81A-D8F4-4EBE-855C-652B91E53EDD}" type="sibTrans" cxnId="{16C46BA7-CE79-44D9-AB17-0374466E4169}">
+      <dgm:prSet/>
+      <dgm:spPr/>
+      <dgm:t>
+        <a:bodyPr/>
+        <a:lstStyle/>
+        <a:p>
+          <a:endParaRPr lang="en-US"/>
+        </a:p>
+      </dgm:t>
+    </dgm:pt>
+    <dgm:pt modelId="{B803AAFB-9078-4D4E-82D1-D8CB1C37EB39}">
+      <dgm:prSet/>
+      <dgm:spPr/>
+      <dgm:t>
+        <a:bodyPr/>
+        <a:lstStyle/>
+        <a:p>
+          <a:pPr rtl="0"/>
+          <a:r>
+            <a:rPr lang="en-US" smtClean="0"/>
+            <a:t>Automatonymous</a:t>
+          </a:r>
+          <a:endParaRPr lang="en-US"/>
+        </a:p>
+      </dgm:t>
+    </dgm:pt>
+    <dgm:pt modelId="{B4C7B20A-95EA-48DF-9217-98BBB03BC3F4}" type="parTrans" cxnId="{3A54091C-FE3E-4C4B-A9B1-4B7D0C564A96}">
+      <dgm:prSet/>
+      <dgm:spPr/>
+      <dgm:t>
+        <a:bodyPr/>
+        <a:lstStyle/>
+        <a:p>
+          <a:endParaRPr lang="en-US"/>
+        </a:p>
+      </dgm:t>
+    </dgm:pt>
+    <dgm:pt modelId="{AEDF8624-8DA5-47BF-9123-17095C1D732A}" type="sibTrans" cxnId="{3A54091C-FE3E-4C4B-A9B1-4B7D0C564A96}">
+      <dgm:prSet/>
+      <dgm:spPr/>
+      <dgm:t>
+        <a:bodyPr/>
+        <a:lstStyle/>
+        <a:p>
+          <a:endParaRPr lang="en-US"/>
+        </a:p>
+      </dgm:t>
+    </dgm:pt>
+    <dgm:pt modelId="{47D94CE3-2EA3-4E0E-80B6-290CA80DB31D}">
+      <dgm:prSet/>
+      <dgm:spPr/>
+      <dgm:t>
+        <a:bodyPr/>
+        <a:lstStyle/>
+        <a:p>
+          <a:pPr rtl="0"/>
+          <a:r>
+            <a:rPr lang="en-US" smtClean="0"/>
+            <a:t>Courier</a:t>
+          </a:r>
+          <a:endParaRPr lang="en-US"/>
+        </a:p>
+      </dgm:t>
+    </dgm:pt>
+    <dgm:pt modelId="{BD2CF3DD-6EFF-4DA8-BD12-FACAD1F86B23}" type="parTrans" cxnId="{3E13B67B-ACE8-4930-B124-E72C4B4BCA77}">
+      <dgm:prSet/>
+      <dgm:spPr/>
+      <dgm:t>
+        <a:bodyPr/>
+        <a:lstStyle/>
+        <a:p>
+          <a:endParaRPr lang="en-US"/>
+        </a:p>
+      </dgm:t>
+    </dgm:pt>
+    <dgm:pt modelId="{72C58F87-8BDA-4B2D-97A0-D51ED4056FBC}" type="sibTrans" cxnId="{3E13B67B-ACE8-4930-B124-E72C4B4BCA77}">
+      <dgm:prSet/>
+      <dgm:spPr/>
+      <dgm:t>
+        <a:bodyPr/>
+        <a:lstStyle/>
+        <a:p>
+          <a:endParaRPr lang="en-US"/>
+        </a:p>
+      </dgm:t>
+    </dgm:pt>
+    <dgm:pt modelId="{4F2E6C40-9D62-4766-A17D-1BDF80CD6768}">
+      <dgm:prSet/>
+      <dgm:spPr/>
+      <dgm:t>
+        <a:bodyPr/>
+        <a:lstStyle/>
+        <a:p>
+          <a:pPr rtl="0"/>
+          <a:r>
+            <a:rPr lang="en-US" smtClean="0"/>
+            <a:t>TopShelf</a:t>
+          </a:r>
+          <a:endParaRPr lang="en-US"/>
+        </a:p>
+      </dgm:t>
+    </dgm:pt>
+    <dgm:pt modelId="{031DC8EC-6898-4BE9-936D-D904E6424B6B}" type="parTrans" cxnId="{67BC1F66-D5F8-455B-9F9D-34AEE6480CAB}">
+      <dgm:prSet/>
+      <dgm:spPr/>
+      <dgm:t>
+        <a:bodyPr/>
+        <a:lstStyle/>
+        <a:p>
+          <a:endParaRPr lang="en-US"/>
+        </a:p>
+      </dgm:t>
+    </dgm:pt>
+    <dgm:pt modelId="{A80288C0-7607-4171-8BF1-C00698D6B16B}" type="sibTrans" cxnId="{67BC1F66-D5F8-455B-9F9D-34AEE6480CAB}">
+      <dgm:prSet/>
+      <dgm:spPr/>
+      <dgm:t>
+        <a:bodyPr/>
+        <a:lstStyle/>
+        <a:p>
+          <a:endParaRPr lang="en-US"/>
+        </a:p>
+      </dgm:t>
+    </dgm:pt>
+    <dgm:pt modelId="{7E9285B7-82CE-49D8-B01F-570019BFB64B}">
+      <dgm:prSet/>
+      <dgm:spPr/>
+      <dgm:t>
+        <a:bodyPr/>
+        <a:lstStyle/>
+        <a:p>
+          <a:pPr rtl="0"/>
+          <a:r>
+            <a:rPr lang="en-US" smtClean="0"/>
+            <a:t>Quartz</a:t>
+          </a:r>
+          <a:endParaRPr lang="en-US"/>
+        </a:p>
+      </dgm:t>
+    </dgm:pt>
+    <dgm:pt modelId="{AF53C09A-D77B-4692-A77A-217C2C767671}" type="parTrans" cxnId="{D761AD82-8ED5-4499-9CAF-D6B544A7B445}">
+      <dgm:prSet/>
+      <dgm:spPr/>
+      <dgm:t>
+        <a:bodyPr/>
+        <a:lstStyle/>
+        <a:p>
+          <a:endParaRPr lang="en-US"/>
+        </a:p>
+      </dgm:t>
+    </dgm:pt>
+    <dgm:pt modelId="{E0B9BF97-3247-403D-B35C-C23667B46CDB}" type="sibTrans" cxnId="{D761AD82-8ED5-4499-9CAF-D6B544A7B445}">
+      <dgm:prSet/>
+      <dgm:spPr/>
+      <dgm:t>
+        <a:bodyPr/>
+        <a:lstStyle/>
+        <a:p>
+          <a:endParaRPr lang="en-US"/>
+        </a:p>
+      </dgm:t>
+    </dgm:pt>
+    <dgm:pt modelId="{296731BE-7F75-41BE-A655-CCAE5CC14B53}">
+      <dgm:prSet/>
+      <dgm:spPr/>
+      <dgm:t>
+        <a:bodyPr/>
+        <a:lstStyle/>
+        <a:p>
+          <a:pPr rtl="0"/>
+          <a:r>
+            <a:rPr lang="en-US" dirty="0" smtClean="0"/>
+            <a:t>Transports</a:t>
+          </a:r>
+          <a:endParaRPr lang="en-US" dirty="0"/>
+        </a:p>
+      </dgm:t>
+    </dgm:pt>
+    <dgm:pt modelId="{23FF2D79-224C-4636-83BD-C660F93D2AF5}" type="parTrans" cxnId="{95947EE9-B33E-4549-9301-0E4732C8FB19}">
+      <dgm:prSet/>
+      <dgm:spPr/>
+      <dgm:t>
+        <a:bodyPr/>
+        <a:lstStyle/>
+        <a:p>
+          <a:endParaRPr lang="en-US"/>
+        </a:p>
+      </dgm:t>
+    </dgm:pt>
+    <dgm:pt modelId="{43A9D38D-C63F-4263-8179-3DA2B93641A7}" type="sibTrans" cxnId="{95947EE9-B33E-4549-9301-0E4732C8FB19}">
+      <dgm:prSet/>
+      <dgm:spPr/>
+      <dgm:t>
+        <a:bodyPr/>
+        <a:lstStyle/>
+        <a:p>
+          <a:endParaRPr lang="en-US"/>
+        </a:p>
+      </dgm:t>
+    </dgm:pt>
+    <dgm:pt modelId="{FB69DC2B-80D5-4AE9-9F3F-700C0DC67272}">
+      <dgm:prSet/>
+      <dgm:spPr/>
+      <dgm:t>
+        <a:bodyPr/>
+        <a:lstStyle/>
+        <a:p>
+          <a:pPr rtl="0"/>
+          <a:r>
+            <a:rPr lang="en-US" smtClean="0"/>
+            <a:t>Persistence</a:t>
+          </a:r>
+          <a:endParaRPr lang="en-US"/>
+        </a:p>
+      </dgm:t>
+    </dgm:pt>
+    <dgm:pt modelId="{B36CE1C1-6FA6-49EF-9DB8-C7DAF7319E4B}" type="parTrans" cxnId="{DAB9E3A0-C6BE-4AFE-A8A9-5770B9BA91FB}">
+      <dgm:prSet/>
+      <dgm:spPr/>
+      <dgm:t>
+        <a:bodyPr/>
+        <a:lstStyle/>
+        <a:p>
+          <a:endParaRPr lang="en-US"/>
+        </a:p>
+      </dgm:t>
+    </dgm:pt>
+    <dgm:pt modelId="{639FCF37-1415-4422-B780-932130F2CF32}" type="sibTrans" cxnId="{DAB9E3A0-C6BE-4AFE-A8A9-5770B9BA91FB}">
+      <dgm:prSet/>
+      <dgm:spPr/>
+      <dgm:t>
+        <a:bodyPr/>
+        <a:lstStyle/>
+        <a:p>
+          <a:endParaRPr lang="en-US"/>
+        </a:p>
+      </dgm:t>
+    </dgm:pt>
+    <dgm:pt modelId="{AD03B8E1-80C5-484C-88C0-EB9617D26D22}">
+      <dgm:prSet/>
+      <dgm:spPr/>
+      <dgm:t>
+        <a:bodyPr/>
+        <a:lstStyle/>
+        <a:p>
+          <a:pPr rtl="0"/>
+          <a:r>
+            <a:rPr lang="en-US" smtClean="0"/>
+            <a:t>RX</a:t>
+          </a:r>
+          <a:endParaRPr lang="en-US"/>
+        </a:p>
+      </dgm:t>
+    </dgm:pt>
+    <dgm:pt modelId="{FF1C50CD-2C53-4C99-824D-FB3F0A7FD4C5}" type="parTrans" cxnId="{2458BDF8-74A5-4529-BAE8-757DDD0EA307}">
+      <dgm:prSet/>
+      <dgm:spPr/>
+      <dgm:t>
+        <a:bodyPr/>
+        <a:lstStyle/>
+        <a:p>
+          <a:endParaRPr lang="en-US"/>
+        </a:p>
+      </dgm:t>
+    </dgm:pt>
+    <dgm:pt modelId="{9AB7A9D1-BEA2-4FEA-ACF6-049507837FF1}" type="sibTrans" cxnId="{2458BDF8-74A5-4529-BAE8-757DDD0EA307}">
+      <dgm:prSet/>
+      <dgm:spPr/>
+      <dgm:t>
+        <a:bodyPr/>
+        <a:lstStyle/>
+        <a:p>
+          <a:endParaRPr lang="en-US"/>
+        </a:p>
+      </dgm:t>
+    </dgm:pt>
+    <dgm:pt modelId="{5C47583B-30A2-4D79-8BD0-D95EAAFAE3F8}" type="pres">
+      <dgm:prSet presAssocID="{2649BE97-7B76-4088-A4AD-73506D266672}" presName="cycle" presStyleCnt="0">
+        <dgm:presLayoutVars>
+          <dgm:chMax val="1"/>
+          <dgm:dir/>
+          <dgm:animLvl val="ctr"/>
+          <dgm:resizeHandles val="exact"/>
+        </dgm:presLayoutVars>
+      </dgm:prSet>
+      <dgm:spPr/>
+    </dgm:pt>
+    <dgm:pt modelId="{E9E4A4BD-0093-435C-9115-848F665F9AA0}" type="pres">
+      <dgm:prSet presAssocID="{BFFBE2B9-A1E7-492E-AA38-7CBE923FE46D}" presName="centerShape" presStyleLbl="node0" presStyleIdx="0" presStyleCnt="1"/>
+      <dgm:spPr/>
+    </dgm:pt>
+    <dgm:pt modelId="{5081C45D-A36D-4185-91BD-81A1E7F3B6B8}" type="pres">
+      <dgm:prSet presAssocID="{B4C7B20A-95EA-48DF-9217-98BBB03BC3F4}" presName="parTrans" presStyleLbl="bgSibTrans2D1" presStyleIdx="0" presStyleCnt="7"/>
+      <dgm:spPr/>
+    </dgm:pt>
+    <dgm:pt modelId="{3B91C0C3-A5ED-4F3A-982B-F35D092D591F}" type="pres">
+      <dgm:prSet presAssocID="{B803AAFB-9078-4D4E-82D1-D8CB1C37EB39}" presName="node" presStyleLbl="node1" presStyleIdx="0" presStyleCnt="7">
+        <dgm:presLayoutVars>
+          <dgm:bulletEnabled val="1"/>
+        </dgm:presLayoutVars>
+      </dgm:prSet>
+      <dgm:spPr/>
+    </dgm:pt>
+    <dgm:pt modelId="{F1678E16-27EA-4D42-B2C6-D2938477D7DE}" type="pres">
+      <dgm:prSet presAssocID="{BD2CF3DD-6EFF-4DA8-BD12-FACAD1F86B23}" presName="parTrans" presStyleLbl="bgSibTrans2D1" presStyleIdx="1" presStyleCnt="7"/>
+      <dgm:spPr/>
+    </dgm:pt>
+    <dgm:pt modelId="{72464EC3-B6F8-43A7-B11E-766BDD322941}" type="pres">
+      <dgm:prSet presAssocID="{47D94CE3-2EA3-4E0E-80B6-290CA80DB31D}" presName="node" presStyleLbl="node1" presStyleIdx="1" presStyleCnt="7">
+        <dgm:presLayoutVars>
+          <dgm:bulletEnabled val="1"/>
+        </dgm:presLayoutVars>
+      </dgm:prSet>
+      <dgm:spPr/>
+    </dgm:pt>
+    <dgm:pt modelId="{2AEDBDB1-3D70-4118-95AC-548E4B9178AE}" type="pres">
+      <dgm:prSet presAssocID="{031DC8EC-6898-4BE9-936D-D904E6424B6B}" presName="parTrans" presStyleLbl="bgSibTrans2D1" presStyleIdx="2" presStyleCnt="7"/>
+      <dgm:spPr/>
+    </dgm:pt>
+    <dgm:pt modelId="{23047861-DFAB-4C58-BEA8-5342E1B552E4}" type="pres">
+      <dgm:prSet presAssocID="{4F2E6C40-9D62-4766-A17D-1BDF80CD6768}" presName="node" presStyleLbl="node1" presStyleIdx="2" presStyleCnt="7">
+        <dgm:presLayoutVars>
+          <dgm:bulletEnabled val="1"/>
+        </dgm:presLayoutVars>
+      </dgm:prSet>
+      <dgm:spPr/>
+    </dgm:pt>
+    <dgm:pt modelId="{79BC5D14-726C-4864-BF26-C1A0D4C4F999}" type="pres">
+      <dgm:prSet presAssocID="{AF53C09A-D77B-4692-A77A-217C2C767671}" presName="parTrans" presStyleLbl="bgSibTrans2D1" presStyleIdx="3" presStyleCnt="7"/>
+      <dgm:spPr/>
+    </dgm:pt>
+    <dgm:pt modelId="{FA9D91B0-E6D5-4BEB-A522-617F6AC2EEAD}" type="pres">
+      <dgm:prSet presAssocID="{7E9285B7-82CE-49D8-B01F-570019BFB64B}" presName="node" presStyleLbl="node1" presStyleIdx="3" presStyleCnt="7">
+        <dgm:presLayoutVars>
+          <dgm:bulletEnabled val="1"/>
+        </dgm:presLayoutVars>
+      </dgm:prSet>
+      <dgm:spPr/>
+    </dgm:pt>
+    <dgm:pt modelId="{32E5C632-2E14-4F75-954F-F73C049CD5CB}" type="pres">
+      <dgm:prSet presAssocID="{23FF2D79-224C-4636-83BD-C660F93D2AF5}" presName="parTrans" presStyleLbl="bgSibTrans2D1" presStyleIdx="4" presStyleCnt="7"/>
+      <dgm:spPr/>
+    </dgm:pt>
+    <dgm:pt modelId="{5D9CE0E7-F9E5-4759-ABE7-27E939EE761A}" type="pres">
+      <dgm:prSet presAssocID="{296731BE-7F75-41BE-A655-CCAE5CC14B53}" presName="node" presStyleLbl="node1" presStyleIdx="4" presStyleCnt="7">
+        <dgm:presLayoutVars>
+          <dgm:bulletEnabled val="1"/>
+        </dgm:presLayoutVars>
+      </dgm:prSet>
+      <dgm:spPr/>
+    </dgm:pt>
+    <dgm:pt modelId="{27DF259A-5344-4FF7-97E4-A97EC4C703AB}" type="pres">
+      <dgm:prSet presAssocID="{B36CE1C1-6FA6-49EF-9DB8-C7DAF7319E4B}" presName="parTrans" presStyleLbl="bgSibTrans2D1" presStyleIdx="5" presStyleCnt="7"/>
+      <dgm:spPr/>
+    </dgm:pt>
+    <dgm:pt modelId="{D129AEE7-0451-44D1-840B-7DC4512E6152}" type="pres">
+      <dgm:prSet presAssocID="{FB69DC2B-80D5-4AE9-9F3F-700C0DC67272}" presName="node" presStyleLbl="node1" presStyleIdx="5" presStyleCnt="7">
+        <dgm:presLayoutVars>
+          <dgm:bulletEnabled val="1"/>
+        </dgm:presLayoutVars>
+      </dgm:prSet>
+      <dgm:spPr/>
+    </dgm:pt>
+    <dgm:pt modelId="{3C5F09C6-46F1-44D4-85F9-437FE56CCE92}" type="pres">
+      <dgm:prSet presAssocID="{FF1C50CD-2C53-4C99-824D-FB3F0A7FD4C5}" presName="parTrans" presStyleLbl="bgSibTrans2D1" presStyleIdx="6" presStyleCnt="7"/>
+      <dgm:spPr/>
+    </dgm:pt>
+    <dgm:pt modelId="{4032468B-6AD6-4881-941F-92B88D330E78}" type="pres">
+      <dgm:prSet presAssocID="{AD03B8E1-80C5-484C-88C0-EB9617D26D22}" presName="node" presStyleLbl="node1" presStyleIdx="6" presStyleCnt="7">
+        <dgm:presLayoutVars>
+          <dgm:bulletEnabled val="1"/>
+        </dgm:presLayoutVars>
+      </dgm:prSet>
+      <dgm:spPr/>
+    </dgm:pt>
+  </dgm:ptLst>
+  <dgm:cxnLst>
+    <dgm:cxn modelId="{3E13B67B-ACE8-4930-B124-E72C4B4BCA77}" srcId="{BFFBE2B9-A1E7-492E-AA38-7CBE923FE46D}" destId="{47D94CE3-2EA3-4E0E-80B6-290CA80DB31D}" srcOrd="1" destOrd="0" parTransId="{BD2CF3DD-6EFF-4DA8-BD12-FACAD1F86B23}" sibTransId="{72C58F87-8BDA-4B2D-97A0-D51ED4056FBC}"/>
+    <dgm:cxn modelId="{07F83128-4B38-404B-9833-009F4544FFBE}" type="presOf" srcId="{296731BE-7F75-41BE-A655-CCAE5CC14B53}" destId="{5D9CE0E7-F9E5-4759-ABE7-27E939EE761A}" srcOrd="0" destOrd="0" presId="urn:microsoft.com/office/officeart/2005/8/layout/radial4"/>
+    <dgm:cxn modelId="{4013BD41-B9E5-4E83-872F-6E776BFB85F7}" type="presOf" srcId="{AD03B8E1-80C5-484C-88C0-EB9617D26D22}" destId="{4032468B-6AD6-4881-941F-92B88D330E78}" srcOrd="0" destOrd="0" presId="urn:microsoft.com/office/officeart/2005/8/layout/radial4"/>
+    <dgm:cxn modelId="{B2D806DE-D7E8-4136-9094-659F4F1420BA}" type="presOf" srcId="{2649BE97-7B76-4088-A4AD-73506D266672}" destId="{5C47583B-30A2-4D79-8BD0-D95EAAFAE3F8}" srcOrd="0" destOrd="0" presId="urn:microsoft.com/office/officeart/2005/8/layout/radial4"/>
+    <dgm:cxn modelId="{B4C5523A-7FFA-4833-8E99-929985856227}" type="presOf" srcId="{B4C7B20A-95EA-48DF-9217-98BBB03BC3F4}" destId="{5081C45D-A36D-4185-91BD-81A1E7F3B6B8}" srcOrd="0" destOrd="0" presId="urn:microsoft.com/office/officeart/2005/8/layout/radial4"/>
+    <dgm:cxn modelId="{83C5356B-B76E-4548-9B3B-A16D46211BF3}" type="presOf" srcId="{B803AAFB-9078-4D4E-82D1-D8CB1C37EB39}" destId="{3B91C0C3-A5ED-4F3A-982B-F35D092D591F}" srcOrd="0" destOrd="0" presId="urn:microsoft.com/office/officeart/2005/8/layout/radial4"/>
+    <dgm:cxn modelId="{67BC1F66-D5F8-455B-9F9D-34AEE6480CAB}" srcId="{BFFBE2B9-A1E7-492E-AA38-7CBE923FE46D}" destId="{4F2E6C40-9D62-4766-A17D-1BDF80CD6768}" srcOrd="2" destOrd="0" parTransId="{031DC8EC-6898-4BE9-936D-D904E6424B6B}" sibTransId="{A80288C0-7607-4171-8BF1-C00698D6B16B}"/>
+    <dgm:cxn modelId="{272D5527-BBC9-47C4-B950-C781551DFD54}" type="presOf" srcId="{BFFBE2B9-A1E7-492E-AA38-7CBE923FE46D}" destId="{E9E4A4BD-0093-435C-9115-848F665F9AA0}" srcOrd="0" destOrd="0" presId="urn:microsoft.com/office/officeart/2005/8/layout/radial4"/>
+    <dgm:cxn modelId="{81E041D8-883D-42BE-B625-1D713E8AA807}" type="presOf" srcId="{031DC8EC-6898-4BE9-936D-D904E6424B6B}" destId="{2AEDBDB1-3D70-4118-95AC-548E4B9178AE}" srcOrd="0" destOrd="0" presId="urn:microsoft.com/office/officeart/2005/8/layout/radial4"/>
+    <dgm:cxn modelId="{37B88942-9AB2-47FE-851A-718BB2382CFE}" type="presOf" srcId="{B36CE1C1-6FA6-49EF-9DB8-C7DAF7319E4B}" destId="{27DF259A-5344-4FF7-97E4-A97EC4C703AB}" srcOrd="0" destOrd="0" presId="urn:microsoft.com/office/officeart/2005/8/layout/radial4"/>
+    <dgm:cxn modelId="{782B9F13-BCB5-4FCF-9D91-D8AECF7DF05F}" type="presOf" srcId="{47D94CE3-2EA3-4E0E-80B6-290CA80DB31D}" destId="{72464EC3-B6F8-43A7-B11E-766BDD322941}" srcOrd="0" destOrd="0" presId="urn:microsoft.com/office/officeart/2005/8/layout/radial4"/>
+    <dgm:cxn modelId="{DAB9E3A0-C6BE-4AFE-A8A9-5770B9BA91FB}" srcId="{BFFBE2B9-A1E7-492E-AA38-7CBE923FE46D}" destId="{FB69DC2B-80D5-4AE9-9F3F-700C0DC67272}" srcOrd="5" destOrd="0" parTransId="{B36CE1C1-6FA6-49EF-9DB8-C7DAF7319E4B}" sibTransId="{639FCF37-1415-4422-B780-932130F2CF32}"/>
+    <dgm:cxn modelId="{3A54091C-FE3E-4C4B-A9B1-4B7D0C564A96}" srcId="{BFFBE2B9-A1E7-492E-AA38-7CBE923FE46D}" destId="{B803AAFB-9078-4D4E-82D1-D8CB1C37EB39}" srcOrd="0" destOrd="0" parTransId="{B4C7B20A-95EA-48DF-9217-98BBB03BC3F4}" sibTransId="{AEDF8624-8DA5-47BF-9123-17095C1D732A}"/>
+    <dgm:cxn modelId="{00C85382-332C-4A04-AEF7-3000FDA9BF2E}" type="presOf" srcId="{AF53C09A-D77B-4692-A77A-217C2C767671}" destId="{79BC5D14-726C-4864-BF26-C1A0D4C4F999}" srcOrd="0" destOrd="0" presId="urn:microsoft.com/office/officeart/2005/8/layout/radial4"/>
+    <dgm:cxn modelId="{E4064268-BBCC-4C7C-80C5-2EEA4B8B692B}" type="presOf" srcId="{BD2CF3DD-6EFF-4DA8-BD12-FACAD1F86B23}" destId="{F1678E16-27EA-4D42-B2C6-D2938477D7DE}" srcOrd="0" destOrd="0" presId="urn:microsoft.com/office/officeart/2005/8/layout/radial4"/>
+    <dgm:cxn modelId="{D761AD82-8ED5-4499-9CAF-D6B544A7B445}" srcId="{BFFBE2B9-A1E7-492E-AA38-7CBE923FE46D}" destId="{7E9285B7-82CE-49D8-B01F-570019BFB64B}" srcOrd="3" destOrd="0" parTransId="{AF53C09A-D77B-4692-A77A-217C2C767671}" sibTransId="{E0B9BF97-3247-403D-B35C-C23667B46CDB}"/>
+    <dgm:cxn modelId="{A0E1C776-5E05-4981-9B92-EBB5455F393C}" type="presOf" srcId="{FB69DC2B-80D5-4AE9-9F3F-700C0DC67272}" destId="{D129AEE7-0451-44D1-840B-7DC4512E6152}" srcOrd="0" destOrd="0" presId="urn:microsoft.com/office/officeart/2005/8/layout/radial4"/>
+    <dgm:cxn modelId="{1297388D-5C5C-4E74-A961-EBB301816486}" type="presOf" srcId="{23FF2D79-224C-4636-83BD-C660F93D2AF5}" destId="{32E5C632-2E14-4F75-954F-F73C049CD5CB}" srcOrd="0" destOrd="0" presId="urn:microsoft.com/office/officeart/2005/8/layout/radial4"/>
+    <dgm:cxn modelId="{16C46BA7-CE79-44D9-AB17-0374466E4169}" srcId="{2649BE97-7B76-4088-A4AD-73506D266672}" destId="{BFFBE2B9-A1E7-492E-AA38-7CBE923FE46D}" srcOrd="0" destOrd="0" parTransId="{A67885EF-62ED-47E8-A42D-8B29E4FB7A44}" sibTransId="{D31BE81A-D8F4-4EBE-855C-652B91E53EDD}"/>
+    <dgm:cxn modelId="{21A99BD1-ABB1-4B01-AE82-5FBF2BDE4EFC}" type="presOf" srcId="{FF1C50CD-2C53-4C99-824D-FB3F0A7FD4C5}" destId="{3C5F09C6-46F1-44D4-85F9-437FE56CCE92}" srcOrd="0" destOrd="0" presId="urn:microsoft.com/office/officeart/2005/8/layout/radial4"/>
+    <dgm:cxn modelId="{F0C343DA-C9FC-4247-A9D0-54C562A693D1}" type="presOf" srcId="{4F2E6C40-9D62-4766-A17D-1BDF80CD6768}" destId="{23047861-DFAB-4C58-BEA8-5342E1B552E4}" srcOrd="0" destOrd="0" presId="urn:microsoft.com/office/officeart/2005/8/layout/radial4"/>
+    <dgm:cxn modelId="{2458BDF8-74A5-4529-BAE8-757DDD0EA307}" srcId="{BFFBE2B9-A1E7-492E-AA38-7CBE923FE46D}" destId="{AD03B8E1-80C5-484C-88C0-EB9617D26D22}" srcOrd="6" destOrd="0" parTransId="{FF1C50CD-2C53-4C99-824D-FB3F0A7FD4C5}" sibTransId="{9AB7A9D1-BEA2-4FEA-ACF6-049507837FF1}"/>
+    <dgm:cxn modelId="{95947EE9-B33E-4549-9301-0E4732C8FB19}" srcId="{BFFBE2B9-A1E7-492E-AA38-7CBE923FE46D}" destId="{296731BE-7F75-41BE-A655-CCAE5CC14B53}" srcOrd="4" destOrd="0" parTransId="{23FF2D79-224C-4636-83BD-C660F93D2AF5}" sibTransId="{43A9D38D-C63F-4263-8179-3DA2B93641A7}"/>
+    <dgm:cxn modelId="{4BD96E53-47E9-4184-A5B0-48C602C9FD98}" type="presOf" srcId="{7E9285B7-82CE-49D8-B01F-570019BFB64B}" destId="{FA9D91B0-E6D5-4BEB-A522-617F6AC2EEAD}" srcOrd="0" destOrd="0" presId="urn:microsoft.com/office/officeart/2005/8/layout/radial4"/>
+    <dgm:cxn modelId="{2B637F96-FE9F-41F6-90C3-9ABD6A84A383}" type="presParOf" srcId="{5C47583B-30A2-4D79-8BD0-D95EAAFAE3F8}" destId="{E9E4A4BD-0093-435C-9115-848F665F9AA0}" srcOrd="0" destOrd="0" presId="urn:microsoft.com/office/officeart/2005/8/layout/radial4"/>
+    <dgm:cxn modelId="{3A6DF121-194E-497F-AF4E-E6EE3E93C302}" type="presParOf" srcId="{5C47583B-30A2-4D79-8BD0-D95EAAFAE3F8}" destId="{5081C45D-A36D-4185-91BD-81A1E7F3B6B8}" srcOrd="1" destOrd="0" presId="urn:microsoft.com/office/officeart/2005/8/layout/radial4"/>
+    <dgm:cxn modelId="{C8CCB135-7604-40D2-AE5B-37145C28E5F8}" type="presParOf" srcId="{5C47583B-30A2-4D79-8BD0-D95EAAFAE3F8}" destId="{3B91C0C3-A5ED-4F3A-982B-F35D092D591F}" srcOrd="2" destOrd="0" presId="urn:microsoft.com/office/officeart/2005/8/layout/radial4"/>
+    <dgm:cxn modelId="{2D375CB8-48B5-4AE7-923E-2B52C8484EF3}" type="presParOf" srcId="{5C47583B-30A2-4D79-8BD0-D95EAAFAE3F8}" destId="{F1678E16-27EA-4D42-B2C6-D2938477D7DE}" srcOrd="3" destOrd="0" presId="urn:microsoft.com/office/officeart/2005/8/layout/radial4"/>
+    <dgm:cxn modelId="{49997365-86FF-43A5-AFD5-C9ACD9BD0C5B}" type="presParOf" srcId="{5C47583B-30A2-4D79-8BD0-D95EAAFAE3F8}" destId="{72464EC3-B6F8-43A7-B11E-766BDD322941}" srcOrd="4" destOrd="0" presId="urn:microsoft.com/office/officeart/2005/8/layout/radial4"/>
+    <dgm:cxn modelId="{E1342DE9-8ADA-4AC6-AB7E-4A24602B36B5}" type="presParOf" srcId="{5C47583B-30A2-4D79-8BD0-D95EAAFAE3F8}" destId="{2AEDBDB1-3D70-4118-95AC-548E4B9178AE}" srcOrd="5" destOrd="0" presId="urn:microsoft.com/office/officeart/2005/8/layout/radial4"/>
+    <dgm:cxn modelId="{16C22A8B-0385-4C3E-8521-9B73B8013D2C}" type="presParOf" srcId="{5C47583B-30A2-4D79-8BD0-D95EAAFAE3F8}" destId="{23047861-DFAB-4C58-BEA8-5342E1B552E4}" srcOrd="6" destOrd="0" presId="urn:microsoft.com/office/officeart/2005/8/layout/radial4"/>
+    <dgm:cxn modelId="{6D60EB99-C760-4FFC-9C74-2641D81FDE25}" type="presParOf" srcId="{5C47583B-30A2-4D79-8BD0-D95EAAFAE3F8}" destId="{79BC5D14-726C-4864-BF26-C1A0D4C4F999}" srcOrd="7" destOrd="0" presId="urn:microsoft.com/office/officeart/2005/8/layout/radial4"/>
+    <dgm:cxn modelId="{EF176A9B-D772-4864-B98B-71F95D170454}" type="presParOf" srcId="{5C47583B-30A2-4D79-8BD0-D95EAAFAE3F8}" destId="{FA9D91B0-E6D5-4BEB-A522-617F6AC2EEAD}" srcOrd="8" destOrd="0" presId="urn:microsoft.com/office/officeart/2005/8/layout/radial4"/>
+    <dgm:cxn modelId="{74186742-6D4D-4826-84D1-3EC6B38CDCB4}" type="presParOf" srcId="{5C47583B-30A2-4D79-8BD0-D95EAAFAE3F8}" destId="{32E5C632-2E14-4F75-954F-F73C049CD5CB}" srcOrd="9" destOrd="0" presId="urn:microsoft.com/office/officeart/2005/8/layout/radial4"/>
+    <dgm:cxn modelId="{7331153D-E068-4712-BD08-53EA1C22F4AC}" type="presParOf" srcId="{5C47583B-30A2-4D79-8BD0-D95EAAFAE3F8}" destId="{5D9CE0E7-F9E5-4759-ABE7-27E939EE761A}" srcOrd="10" destOrd="0" presId="urn:microsoft.com/office/officeart/2005/8/layout/radial4"/>
+    <dgm:cxn modelId="{E69C7B0F-82BF-41C5-9627-52F85DEF2F0B}" type="presParOf" srcId="{5C47583B-30A2-4D79-8BD0-D95EAAFAE3F8}" destId="{27DF259A-5344-4FF7-97E4-A97EC4C703AB}" srcOrd="11" destOrd="0" presId="urn:microsoft.com/office/officeart/2005/8/layout/radial4"/>
+    <dgm:cxn modelId="{05938E93-904A-4662-AD8A-2E49EE1A731D}" type="presParOf" srcId="{5C47583B-30A2-4D79-8BD0-D95EAAFAE3F8}" destId="{D129AEE7-0451-44D1-840B-7DC4512E6152}" srcOrd="12" destOrd="0" presId="urn:microsoft.com/office/officeart/2005/8/layout/radial4"/>
+    <dgm:cxn modelId="{5195D6A3-ECED-4CA4-B6F1-1329EB0E2283}" type="presParOf" srcId="{5C47583B-30A2-4D79-8BD0-D95EAAFAE3F8}" destId="{3C5F09C6-46F1-44D4-85F9-437FE56CCE92}" srcOrd="13" destOrd="0" presId="urn:microsoft.com/office/officeart/2005/8/layout/radial4"/>
+    <dgm:cxn modelId="{215EE77A-E4C4-4C36-AA73-A55FD72B618C}" type="presParOf" srcId="{5C47583B-30A2-4D79-8BD0-D95EAAFAE3F8}" destId="{4032468B-6AD6-4881-941F-92B88D330E78}" srcOrd="14" destOrd="0" presId="urn:microsoft.com/office/officeart/2005/8/layout/radial4"/>
+  </dgm:cxnLst>
+  <dgm:bg/>
+  <dgm:whole/>
+  <dgm:extLst>
+    <a:ext uri="http://schemas.microsoft.com/office/drawing/2008/diagram">
+      <dsp:dataModelExt xmlns:dsp="http://schemas.microsoft.com/office/drawing/2008/diagram" relId="rId6" minVer="http://schemas.openxmlformats.org/drawingml/2006/diagram"/>
+    </a:ext>
+  </dgm:extLst>
+</dgm:dataModel>
+</file>
+
+<file path=ppt/diagrams/data3.xml><?xml version="1.0" encoding="utf-8"?>
+<dgm:dataModel xmlns:dgm="http://schemas.openxmlformats.org/drawingml/2006/diagram" xmlns:a="http://schemas.openxmlformats.org/drawingml/2006/main">
+  <dgm:ptLst>
     <dgm:pt modelId="{D9C3E7A9-7F86-4BF4-8C07-2951349EC479}" type="doc">
-      <dgm:prSet loTypeId="urn:microsoft.com/office/officeart/2005/8/layout/cycle4" loCatId="relationship" qsTypeId="urn:microsoft.com/office/officeart/2005/8/quickstyle/simple1" qsCatId="simple" csTypeId="urn:microsoft.com/office/officeart/2005/8/colors/colorful4" csCatId="colorful" phldr="1"/>
+      <dgm:prSet loTypeId="urn:microsoft.com/office/officeart/2005/8/layout/cycle4" loCatId="relationship" qsTypeId="urn:microsoft.com/office/officeart/2005/8/quickstyle/simple3" qsCatId="simple" csTypeId="urn:microsoft.com/office/officeart/2005/8/colors/colorful5" csCatId="colorful" phldr="1"/>
       <dgm:spPr/>
       <dgm:t>
         <a:bodyPr/>
@@ -3468,11 +4685,18 @@
     </dgm:pt>
     <dgm:pt modelId="{72FD9F94-88C9-476D-8C9A-919906938157}">
       <dgm:prSet phldrT="[Text]" custT="1"/>
-      <dgm:spPr/>
+      <dgm:spPr>
+        <a:solidFill>
+          <a:schemeClr val="bg1">
+            <a:alpha val="90000"/>
+          </a:schemeClr>
+        </a:solidFill>
+      </dgm:spPr>
       <dgm:t>
-        <a:bodyPr/>
-        <a:lstStyle/>
-        <a:p>
+        <a:bodyPr tIns="180000" anchor="t" anchorCtr="1"/>
+        <a:lstStyle/>
+        <a:p>
+          <a:pPr algn="just" rtl="0"/>
           <a:r>
             <a:rPr lang="en-US" sz="1100" dirty="0" smtClean="0"/>
             <a:t>Configuration</a:t>
@@ -3512,7 +4736,11 @@
         <a:p>
           <a:r>
             <a:rPr lang="en-US" sz="1100" dirty="0" smtClean="0"/>
-            <a:t>Flow Control</a:t>
+            <a:t>Flow </a:t>
+          </a:r>
+          <a:r>
+            <a:rPr lang="en-US" sz="1100" dirty="0" smtClean="0"/>
+            <a:t>Control</a:t>
           </a:r>
           <a:endParaRPr lang="en-US" sz="1100" dirty="0"/>
         </a:p>
@@ -3542,12 +4770,18 @@
     </dgm:pt>
     <dgm:pt modelId="{1368CFE3-0A9A-4B36-836B-1AEBC9940E5C}">
       <dgm:prSet phldrT="[Text]" custT="1"/>
-      <dgm:spPr/>
+      <dgm:spPr>
+        <a:solidFill>
+          <a:schemeClr val="bg1">
+            <a:alpha val="90000"/>
+          </a:schemeClr>
+        </a:solidFill>
+      </dgm:spPr>
       <dgm:t>
-        <a:bodyPr/>
-        <a:lstStyle/>
-        <a:p>
-          <a:pPr algn="r"/>
+        <a:bodyPr anchor="t" anchorCtr="1"/>
+        <a:lstStyle/>
+        <a:p>
+          <a:pPr algn="l"/>
           <a:r>
             <a:rPr lang="en-US" sz="1100" dirty="0" smtClean="0"/>
             <a:t>Correlation</a:t>
@@ -3617,15 +4851,21 @@
     </dgm:pt>
     <dgm:pt modelId="{4EB8D186-E220-4E05-A26C-955A383F2873}">
       <dgm:prSet phldrT="[Text]" custT="1"/>
-      <dgm:spPr/>
+      <dgm:spPr>
+        <a:solidFill>
+          <a:schemeClr val="bg1">
+            <a:alpha val="90000"/>
+          </a:schemeClr>
+        </a:solidFill>
+      </dgm:spPr>
       <dgm:t>
-        <a:bodyPr anchor="t"/>
-        <a:lstStyle/>
-        <a:p>
-          <a:pPr algn="r"/>
+        <a:bodyPr tIns="43200" bIns="396000" anchor="ctr" anchorCtr="1"/>
+        <a:lstStyle/>
+        <a:p>
+          <a:pPr algn="just"/>
           <a:r>
             <a:rPr lang="en-US" sz="1100" dirty="0" smtClean="0"/>
-            <a:t>Request/Respond</a:t>
+            <a:t>Request/Reply</a:t>
           </a:r>
           <a:endParaRPr lang="en-US" sz="1100" dirty="0"/>
         </a:p>
@@ -3692,9 +4932,15 @@
     </dgm:pt>
     <dgm:pt modelId="{62CAA66D-FD6E-4EB1-944B-47B25173CA0D}">
       <dgm:prSet phldrT="[Text]" custT="1"/>
-      <dgm:spPr/>
+      <dgm:spPr>
+        <a:solidFill>
+          <a:schemeClr val="bg1">
+            <a:alpha val="90000"/>
+          </a:schemeClr>
+        </a:solidFill>
+      </dgm:spPr>
       <dgm:t>
-        <a:bodyPr/>
+        <a:bodyPr tIns="612000" bIns="972000" anchor="ctr" anchorCtr="1"/>
         <a:lstStyle/>
         <a:p>
           <a:r>
@@ -3729,11 +4975,18 @@
     </dgm:pt>
     <dgm:pt modelId="{CA061732-50DD-484B-BF24-E4DA221DF899}">
       <dgm:prSet phldrT="[Text]" custT="1"/>
-      <dgm:spPr/>
+      <dgm:spPr>
+        <a:solidFill>
+          <a:schemeClr val="bg1">
+            <a:alpha val="90000"/>
+          </a:schemeClr>
+        </a:solidFill>
+      </dgm:spPr>
       <dgm:t>
-        <a:bodyPr/>
-        <a:lstStyle/>
-        <a:p>
+        <a:bodyPr tIns="180000" anchor="t" anchorCtr="1"/>
+        <a:lstStyle/>
+        <a:p>
+          <a:pPr algn="just" rtl="0"/>
           <a:r>
             <a:rPr lang="en-US" sz="1100" dirty="0" smtClean="0"/>
             <a:t>Transports</a:t>
@@ -3766,11 +5019,18 @@
     </dgm:pt>
     <dgm:pt modelId="{59CDB8F9-340E-4420-A169-C50DA754611D}">
       <dgm:prSet phldrT="[Text]" custT="1"/>
-      <dgm:spPr/>
+      <dgm:spPr>
+        <a:solidFill>
+          <a:schemeClr val="bg1">
+            <a:alpha val="90000"/>
+          </a:schemeClr>
+        </a:solidFill>
+      </dgm:spPr>
       <dgm:t>
-        <a:bodyPr/>
-        <a:lstStyle/>
-        <a:p>
+        <a:bodyPr tIns="180000" anchor="t" anchorCtr="1"/>
+        <a:lstStyle/>
+        <a:p>
+          <a:pPr algn="just" rtl="0"/>
           <a:r>
             <a:rPr lang="en-US" sz="1100" dirty="0" smtClean="0"/>
             <a:t>Encryption</a:t>
@@ -3803,11 +5063,18 @@
     </dgm:pt>
     <dgm:pt modelId="{C41856E4-530A-496E-AC21-C205B74442A6}">
       <dgm:prSet phldrT="[Text]" custT="1"/>
-      <dgm:spPr/>
+      <dgm:spPr>
+        <a:solidFill>
+          <a:schemeClr val="bg1">
+            <a:alpha val="90000"/>
+          </a:schemeClr>
+        </a:solidFill>
+      </dgm:spPr>
       <dgm:t>
-        <a:bodyPr/>
-        <a:lstStyle/>
-        <a:p>
+        <a:bodyPr tIns="180000" anchor="t" anchorCtr="1"/>
+        <a:lstStyle/>
+        <a:p>
+          <a:pPr algn="just" rtl="0"/>
           <a:r>
             <a:rPr lang="en-US" sz="1100" dirty="0" smtClean="0"/>
             <a:t>Lifetime</a:t>
@@ -3840,11 +5107,18 @@
     </dgm:pt>
     <dgm:pt modelId="{1D9DA52D-6A98-4C75-9627-0E05EB9F6AE8}">
       <dgm:prSet phldrT="[Text]" custT="1"/>
-      <dgm:spPr/>
+      <dgm:spPr>
+        <a:solidFill>
+          <a:schemeClr val="bg1">
+            <a:alpha val="90000"/>
+          </a:schemeClr>
+        </a:solidFill>
+      </dgm:spPr>
       <dgm:t>
-        <a:bodyPr/>
-        <a:lstStyle/>
-        <a:p>
+        <a:bodyPr tIns="180000" anchor="t" anchorCtr="1"/>
+        <a:lstStyle/>
+        <a:p>
+          <a:pPr algn="just" rtl="0"/>
           <a:r>
             <a:rPr lang="en-US" sz="1100" dirty="0" smtClean="0"/>
             <a:t>Serialization</a:t>
@@ -3877,12 +5151,18 @@
     </dgm:pt>
     <dgm:pt modelId="{160CA465-8075-4F42-8EDF-E0C0D4EE26B5}">
       <dgm:prSet phldrT="[Text]" custT="1"/>
-      <dgm:spPr/>
+      <dgm:spPr>
+        <a:solidFill>
+          <a:schemeClr val="bg1">
+            <a:alpha val="90000"/>
+          </a:schemeClr>
+        </a:solidFill>
+      </dgm:spPr>
       <dgm:t>
-        <a:bodyPr/>
-        <a:lstStyle/>
-        <a:p>
-          <a:pPr algn="r"/>
+        <a:bodyPr anchor="t" anchorCtr="1"/>
+        <a:lstStyle/>
+        <a:p>
+          <a:pPr algn="l"/>
           <a:r>
             <a:rPr lang="en-US" sz="1100" dirty="0" smtClean="0"/>
             <a:t>Retry Policy</a:t>
@@ -3915,12 +5195,18 @@
     </dgm:pt>
     <dgm:pt modelId="{DD802DD3-B6E1-4B43-BF19-D3CAC637B644}">
       <dgm:prSet phldrT="[Text]" custT="1"/>
-      <dgm:spPr/>
+      <dgm:spPr>
+        <a:solidFill>
+          <a:schemeClr val="bg1">
+            <a:alpha val="90000"/>
+          </a:schemeClr>
+        </a:solidFill>
+      </dgm:spPr>
       <dgm:t>
-        <a:bodyPr/>
-        <a:lstStyle/>
-        <a:p>
-          <a:pPr algn="r"/>
+        <a:bodyPr anchor="t" anchorCtr="1"/>
+        <a:lstStyle/>
+        <a:p>
+          <a:pPr algn="l"/>
           <a:r>
             <a:rPr lang="en-US" sz="1100" dirty="0" smtClean="0"/>
             <a:t>Scheduling</a:t>
@@ -3953,12 +5239,18 @@
     </dgm:pt>
     <dgm:pt modelId="{FF530DEB-F94C-4450-94CD-ABAE1A73C6E0}">
       <dgm:prSet phldrT="[Text]" custT="1"/>
-      <dgm:spPr/>
+      <dgm:spPr>
+        <a:solidFill>
+          <a:schemeClr val="bg1">
+            <a:alpha val="90000"/>
+          </a:schemeClr>
+        </a:solidFill>
+      </dgm:spPr>
       <dgm:t>
-        <a:bodyPr/>
-        <a:lstStyle/>
-        <a:p>
-          <a:pPr algn="r"/>
+        <a:bodyPr anchor="t" anchorCtr="1"/>
+        <a:lstStyle/>
+        <a:p>
+          <a:pPr algn="l"/>
           <a:r>
             <a:rPr lang="en-US" sz="1100" dirty="0" smtClean="0"/>
             <a:t>Dead Letter</a:t>
@@ -3991,12 +5283,18 @@
     </dgm:pt>
     <dgm:pt modelId="{9689A84C-BDA3-4774-8EB3-7EF22590FCE2}">
       <dgm:prSet phldrT="[Text]" custT="1"/>
-      <dgm:spPr/>
+      <dgm:spPr>
+        <a:solidFill>
+          <a:schemeClr val="bg1">
+            <a:alpha val="90000"/>
+          </a:schemeClr>
+        </a:solidFill>
+      </dgm:spPr>
       <dgm:t>
-        <a:bodyPr/>
-        <a:lstStyle/>
-        <a:p>
-          <a:pPr algn="r"/>
+        <a:bodyPr anchor="t" anchorCtr="1"/>
+        <a:lstStyle/>
+        <a:p>
+          <a:pPr algn="l"/>
           <a:r>
             <a:rPr lang="en-US" sz="1100" dirty="0" smtClean="0"/>
             <a:t>Circuit Breaker</a:t>
@@ -4029,12 +5327,18 @@
     </dgm:pt>
     <dgm:pt modelId="{D198EF0E-3CF7-4B4F-BDB9-3AB7051FFB66}">
       <dgm:prSet phldrT="[Text]" custT="1"/>
-      <dgm:spPr/>
+      <dgm:spPr>
+        <a:solidFill>
+          <a:schemeClr val="bg1">
+            <a:alpha val="90000"/>
+          </a:schemeClr>
+        </a:solidFill>
+      </dgm:spPr>
       <dgm:t>
-        <a:bodyPr/>
-        <a:lstStyle/>
-        <a:p>
-          <a:pPr algn="r"/>
+        <a:bodyPr anchor="t" anchorCtr="1"/>
+        <a:lstStyle/>
+        <a:p>
+          <a:pPr algn="l"/>
           <a:r>
             <a:rPr lang="en-US" sz="1100" dirty="0" smtClean="0"/>
             <a:t>Pipes and Filters</a:t>
@@ -4067,11 +5371,18 @@
     </dgm:pt>
     <dgm:pt modelId="{80022D65-0DCA-4F7B-8BD9-E6BCCD73228A}">
       <dgm:prSet phldrT="[Text]" custT="1"/>
-      <dgm:spPr/>
+      <dgm:spPr>
+        <a:solidFill>
+          <a:schemeClr val="bg1">
+            <a:alpha val="90000"/>
+          </a:schemeClr>
+        </a:solidFill>
+      </dgm:spPr>
       <dgm:t>
-        <a:bodyPr/>
-        <a:lstStyle/>
-        <a:p>
+        <a:bodyPr tIns="180000" anchor="t" anchorCtr="1"/>
+        <a:lstStyle/>
+        <a:p>
+          <a:pPr algn="just" rtl="0"/>
           <a:r>
             <a:rPr lang="en-US" sz="1100" dirty="0" smtClean="0"/>
             <a:t>Monitoring</a:t>
@@ -4104,11 +5415,18 @@
     </dgm:pt>
     <dgm:pt modelId="{DDDE02D3-42D4-4C16-B293-6FF0F0003A22}">
       <dgm:prSet phldrT="[Text]" custT="1"/>
-      <dgm:spPr/>
+      <dgm:spPr>
+        <a:solidFill>
+          <a:schemeClr val="bg1">
+            <a:alpha val="90000"/>
+          </a:schemeClr>
+        </a:solidFill>
+      </dgm:spPr>
       <dgm:t>
-        <a:bodyPr/>
-        <a:lstStyle/>
-        <a:p>
+        <a:bodyPr tIns="180000" anchor="t" anchorCtr="1"/>
+        <a:lstStyle/>
+        <a:p>
+          <a:pPr algn="just" rtl="0"/>
           <a:r>
             <a:rPr lang="en-US" sz="1100" dirty="0" smtClean="0"/>
             <a:t>Persistency</a:t>
@@ -4141,12 +5459,18 @@
     </dgm:pt>
     <dgm:pt modelId="{1BA1DE21-EB93-4CE6-9A6B-B574FECD5615}">
       <dgm:prSet phldrT="[Text]" custT="1"/>
-      <dgm:spPr/>
+      <dgm:spPr>
+        <a:solidFill>
+          <a:schemeClr val="bg1">
+            <a:alpha val="90000"/>
+          </a:schemeClr>
+        </a:solidFill>
+      </dgm:spPr>
       <dgm:t>
-        <a:bodyPr/>
-        <a:lstStyle/>
-        <a:p>
-          <a:pPr algn="r"/>
+        <a:bodyPr anchor="t" anchorCtr="1"/>
+        <a:lstStyle/>
+        <a:p>
+          <a:pPr algn="l"/>
           <a:r>
             <a:rPr lang="en-US" sz="1100" dirty="0" smtClean="0"/>
             <a:t>Routing</a:t>
@@ -4179,12 +5503,18 @@
     </dgm:pt>
     <dgm:pt modelId="{60CDEA60-515D-41D5-B343-C3BEA98CD4F0}">
       <dgm:prSet phldrT="[Text]" custT="1"/>
-      <dgm:spPr/>
+      <dgm:spPr>
+        <a:solidFill>
+          <a:schemeClr val="bg1">
+            <a:alpha val="90000"/>
+          </a:schemeClr>
+        </a:solidFill>
+      </dgm:spPr>
       <dgm:t>
-        <a:bodyPr anchor="t"/>
-        <a:lstStyle/>
-        <a:p>
-          <a:pPr algn="r"/>
+        <a:bodyPr tIns="43200" bIns="396000" anchor="ctr" anchorCtr="1"/>
+        <a:lstStyle/>
+        <a:p>
+          <a:pPr algn="just"/>
           <a:r>
             <a:rPr lang="en-US" sz="1100" dirty="0" smtClean="0"/>
             <a:t>Publish/Subscribe</a:t>
@@ -4217,15 +5547,21 @@
     </dgm:pt>
     <dgm:pt modelId="{F741F96D-B7AD-4AE3-BDA5-DD267068A900}">
       <dgm:prSet phldrT="[Text]" custT="1"/>
-      <dgm:spPr/>
+      <dgm:spPr>
+        <a:solidFill>
+          <a:schemeClr val="bg1">
+            <a:alpha val="90000"/>
+          </a:schemeClr>
+        </a:solidFill>
+      </dgm:spPr>
       <dgm:t>
-        <a:bodyPr anchor="t"/>
-        <a:lstStyle/>
-        <a:p>
-          <a:pPr algn="r"/>
+        <a:bodyPr tIns="43200" bIns="396000" anchor="ctr" anchorCtr="1"/>
+        <a:lstStyle/>
+        <a:p>
+          <a:pPr algn="just"/>
           <a:r>
             <a:rPr lang="en-US" sz="1100" dirty="0" smtClean="0"/>
-            <a:t>Saga and Saga State Machine</a:t>
+            <a:t>Saga</a:t>
           </a:r>
           <a:endParaRPr lang="en-US" sz="1100" dirty="0"/>
         </a:p>
@@ -4253,14 +5589,238 @@
         </a:p>
       </dgm:t>
     </dgm:pt>
-    <dgm:pt modelId="{12CEFC82-130D-4334-8520-475EDE57E5DA}">
+    <dgm:pt modelId="{590800F9-C1B5-4675-A3AB-D811E378AF05}">
       <dgm:prSet phldrT="[Text]" custT="1"/>
+      <dgm:spPr>
+        <a:solidFill>
+          <a:schemeClr val="bg1">
+            <a:alpha val="90000"/>
+          </a:schemeClr>
+        </a:solidFill>
+      </dgm:spPr>
+      <dgm:t>
+        <a:bodyPr anchor="t" anchorCtr="1"/>
+        <a:lstStyle/>
+        <a:p>
+          <a:pPr algn="l"/>
+          <a:r>
+            <a:rPr lang="en-US" sz="1100" dirty="0" smtClean="0"/>
+            <a:t>Error Handling</a:t>
+          </a:r>
+          <a:endParaRPr lang="en-US" sz="1100" dirty="0"/>
+        </a:p>
+      </dgm:t>
+    </dgm:pt>
+    <dgm:pt modelId="{6FC8296F-9C36-4858-A38A-FDCA4AB7324D}" type="parTrans" cxnId="{3EF90842-27A3-4AAB-BDB4-CD6F7D687FF0}">
+      <dgm:prSet/>
       <dgm:spPr/>
       <dgm:t>
-        <a:bodyPr anchor="t"/>
-        <a:lstStyle/>
-        <a:p>
-          <a:pPr algn="r"/>
+        <a:bodyPr/>
+        <a:lstStyle/>
+        <a:p>
+          <a:endParaRPr lang="en-US" sz="1100"/>
+        </a:p>
+      </dgm:t>
+    </dgm:pt>
+    <dgm:pt modelId="{1E991C9A-5816-4263-B847-1C62E1EC2BC1}" type="sibTrans" cxnId="{3EF90842-27A3-4AAB-BDB4-CD6F7D687FF0}">
+      <dgm:prSet/>
+      <dgm:spPr/>
+      <dgm:t>
+        <a:bodyPr/>
+        <a:lstStyle/>
+        <a:p>
+          <a:endParaRPr lang="en-US" sz="1100"/>
+        </a:p>
+      </dgm:t>
+    </dgm:pt>
+    <dgm:pt modelId="{FA152986-4468-4ADC-9BD1-E754AD98A0F0}">
+      <dgm:prSet phldrT="[Text]" custT="1"/>
+      <dgm:spPr>
+        <a:solidFill>
+          <a:schemeClr val="bg1">
+            <a:alpha val="90000"/>
+          </a:schemeClr>
+        </a:solidFill>
+      </dgm:spPr>
+      <dgm:t>
+        <a:bodyPr tIns="43200" bIns="396000" anchor="ctr" anchorCtr="1"/>
+        <a:lstStyle/>
+        <a:p>
+          <a:pPr algn="just"/>
+          <a:r>
+            <a:rPr lang="en-US" sz="1100" dirty="0" smtClean="0"/>
+            <a:t>Composite Events</a:t>
+          </a:r>
+          <a:endParaRPr lang="en-US" sz="1100" dirty="0"/>
+        </a:p>
+      </dgm:t>
+    </dgm:pt>
+    <dgm:pt modelId="{2539D9DF-33F4-4531-9565-9FDAF4DB711C}" type="parTrans" cxnId="{7DA65181-EAFB-46D8-98E6-E7716A599EFE}">
+      <dgm:prSet/>
+      <dgm:spPr/>
+      <dgm:t>
+        <a:bodyPr/>
+        <a:lstStyle/>
+        <a:p>
+          <a:endParaRPr lang="en-US" sz="1100"/>
+        </a:p>
+      </dgm:t>
+    </dgm:pt>
+    <dgm:pt modelId="{B679F5A3-A14E-4C1C-A9A2-54A0940EE994}" type="sibTrans" cxnId="{7DA65181-EAFB-46D8-98E6-E7716A599EFE}">
+      <dgm:prSet/>
+      <dgm:spPr/>
+      <dgm:t>
+        <a:bodyPr/>
+        <a:lstStyle/>
+        <a:p>
+          <a:endParaRPr lang="en-US" sz="1100"/>
+        </a:p>
+      </dgm:t>
+    </dgm:pt>
+    <dgm:pt modelId="{45D7C66C-21A9-4954-A2F5-DAFC1289AE71}">
+      <dgm:prSet phldrT="[Text]" custT="1"/>
+      <dgm:spPr>
+        <a:solidFill>
+          <a:schemeClr val="bg1">
+            <a:alpha val="90000"/>
+          </a:schemeClr>
+        </a:solidFill>
+      </dgm:spPr>
+      <dgm:t>
+        <a:bodyPr tIns="612000" bIns="972000" anchor="ctr" anchorCtr="1"/>
+        <a:lstStyle/>
+        <a:p>
+          <a:r>
+            <a:rPr lang="en-US" sz="1100" dirty="0" smtClean="0"/>
+            <a:t>Transforms</a:t>
+          </a:r>
+          <a:endParaRPr lang="en-US" sz="1100" dirty="0"/>
+        </a:p>
+      </dgm:t>
+    </dgm:pt>
+    <dgm:pt modelId="{68A63A06-EE73-4ABE-A59D-FB2EBF87DA47}" type="parTrans" cxnId="{1DB9E549-2AC6-47AF-BE00-320097EF9399}">
+      <dgm:prSet/>
+      <dgm:spPr/>
+      <dgm:t>
+        <a:bodyPr/>
+        <a:lstStyle/>
+        <a:p>
+          <a:endParaRPr lang="en-US" sz="1100"/>
+        </a:p>
+      </dgm:t>
+    </dgm:pt>
+    <dgm:pt modelId="{4F095B39-A51A-429B-8B9D-29DEF454FC27}" type="sibTrans" cxnId="{1DB9E549-2AC6-47AF-BE00-320097EF9399}">
+      <dgm:prSet/>
+      <dgm:spPr/>
+      <dgm:t>
+        <a:bodyPr/>
+        <a:lstStyle/>
+        <a:p>
+          <a:endParaRPr lang="en-US" sz="1100"/>
+        </a:p>
+      </dgm:t>
+    </dgm:pt>
+    <dgm:pt modelId="{C188AC6A-D555-4C98-A6B2-82002D1E5D97}">
+      <dgm:prSet phldrT="[Text]" custT="1"/>
+      <dgm:spPr>
+        <a:solidFill>
+          <a:schemeClr val="bg1">
+            <a:alpha val="90000"/>
+          </a:schemeClr>
+        </a:solidFill>
+      </dgm:spPr>
+      <dgm:t>
+        <a:bodyPr tIns="612000" bIns="972000" anchor="ctr" anchorCtr="1"/>
+        <a:lstStyle/>
+        <a:p>
+          <a:r>
+            <a:rPr lang="en-US" sz="1100" dirty="0" smtClean="0"/>
+            <a:t>Versioning</a:t>
+          </a:r>
+          <a:endParaRPr lang="en-US" sz="1100" dirty="0"/>
+        </a:p>
+      </dgm:t>
+    </dgm:pt>
+    <dgm:pt modelId="{35379D12-FE00-49CF-B79B-2D9068AD872B}" type="parTrans" cxnId="{A16A0485-D183-4E72-A835-426546960057}">
+      <dgm:prSet/>
+      <dgm:spPr/>
+      <dgm:t>
+        <a:bodyPr/>
+        <a:lstStyle/>
+        <a:p>
+          <a:endParaRPr lang="en-US" sz="1100"/>
+        </a:p>
+      </dgm:t>
+    </dgm:pt>
+    <dgm:pt modelId="{4F554B4B-E2B7-4441-9DE5-FC206D280D80}" type="sibTrans" cxnId="{A16A0485-D183-4E72-A835-426546960057}">
+      <dgm:prSet/>
+      <dgm:spPr/>
+      <dgm:t>
+        <a:bodyPr/>
+        <a:lstStyle/>
+        <a:p>
+          <a:endParaRPr lang="en-US" sz="1100"/>
+        </a:p>
+      </dgm:t>
+    </dgm:pt>
+    <dgm:pt modelId="{1035A200-9935-4B25-B536-AED5C4DA8672}">
+      <dgm:prSet phldrT="[Text]" custT="1"/>
+      <dgm:spPr>
+        <a:solidFill>
+          <a:schemeClr val="bg1">
+            <a:alpha val="90000"/>
+          </a:schemeClr>
+        </a:solidFill>
+      </dgm:spPr>
+      <dgm:t>
+        <a:bodyPr tIns="43200" bIns="396000" anchor="ctr" anchorCtr="1"/>
+        <a:lstStyle/>
+        <a:p>
+          <a:pPr algn="just"/>
+          <a:r>
+            <a:rPr lang="en-US" sz="1100" dirty="0" smtClean="0"/>
+            <a:t>Compensations</a:t>
+          </a:r>
+          <a:endParaRPr lang="en-US" sz="1100" dirty="0"/>
+        </a:p>
+      </dgm:t>
+    </dgm:pt>
+    <dgm:pt modelId="{0E9D1C3D-2883-4A91-98B3-621B5C46E299}" type="parTrans" cxnId="{F91C7B9E-D22B-4CA8-98D7-80D9FAC742C1}">
+      <dgm:prSet/>
+      <dgm:spPr/>
+      <dgm:t>
+        <a:bodyPr/>
+        <a:lstStyle/>
+        <a:p>
+          <a:endParaRPr lang="en-US"/>
+        </a:p>
+      </dgm:t>
+    </dgm:pt>
+    <dgm:pt modelId="{F4B959AD-B54E-4284-BA51-42781B7FD144}" type="sibTrans" cxnId="{F91C7B9E-D22B-4CA8-98D7-80D9FAC742C1}">
+      <dgm:prSet/>
+      <dgm:spPr/>
+      <dgm:t>
+        <a:bodyPr/>
+        <a:lstStyle/>
+        <a:p>
+          <a:endParaRPr lang="en-US"/>
+        </a:p>
+      </dgm:t>
+    </dgm:pt>
+    <dgm:pt modelId="{8E690A76-C033-4472-8259-1206B1C1564B}">
+      <dgm:prSet phldrT="[Text]" custT="1"/>
+      <dgm:spPr>
+        <a:solidFill>
+          <a:schemeClr val="bg1">
+            <a:alpha val="90000"/>
+          </a:schemeClr>
+        </a:solidFill>
+      </dgm:spPr>
+      <dgm:t>
+        <a:bodyPr tIns="43200" bIns="396000" anchor="ctr" anchorCtr="1"/>
+        <a:lstStyle/>
+        <a:p>
+          <a:pPr algn="just"/>
           <a:r>
             <a:rPr lang="en-US" sz="1100" dirty="0" smtClean="0"/>
             <a:t>Routing Slip</a:t>
@@ -4269,194 +5829,224 @@
         </a:p>
       </dgm:t>
     </dgm:pt>
-    <dgm:pt modelId="{D3965C26-931D-447D-8310-F6CFDA7E39B7}" type="parTrans" cxnId="{B7EE06F7-E064-479E-86C6-0E1239D2A18D}">
+    <dgm:pt modelId="{2566F905-3745-4078-91EA-704576A3B51B}" type="parTrans" cxnId="{3CA1DDC0-CD32-4ED2-A12D-1A23D528CBF8}">
       <dgm:prSet/>
       <dgm:spPr/>
       <dgm:t>
         <a:bodyPr/>
         <a:lstStyle/>
         <a:p>
-          <a:endParaRPr lang="en-US" sz="1100"/>
+          <a:endParaRPr lang="en-US"/>
         </a:p>
       </dgm:t>
     </dgm:pt>
-    <dgm:pt modelId="{0465163C-7C84-4484-B6C2-86DBCDEFD942}" type="sibTrans" cxnId="{B7EE06F7-E064-479E-86C6-0E1239D2A18D}">
+    <dgm:pt modelId="{8DB5DA93-3108-4189-8FD0-EC40B671BB68}" type="sibTrans" cxnId="{3CA1DDC0-CD32-4ED2-A12D-1A23D528CBF8}">
       <dgm:prSet/>
       <dgm:spPr/>
       <dgm:t>
         <a:bodyPr/>
         <a:lstStyle/>
         <a:p>
-          <a:endParaRPr lang="en-US" sz="1100"/>
+          <a:endParaRPr lang="en-US"/>
         </a:p>
       </dgm:t>
     </dgm:pt>
-    <dgm:pt modelId="{590800F9-C1B5-4675-A3AB-D811E378AF05}">
+    <dgm:pt modelId="{5148C357-227B-4DDF-BD97-0879EAB26092}">
       <dgm:prSet phldrT="[Text]" custT="1"/>
-      <dgm:spPr/>
+      <dgm:spPr>
+        <a:solidFill>
+          <a:schemeClr val="bg1">
+            <a:alpha val="90000"/>
+          </a:schemeClr>
+        </a:solidFill>
+      </dgm:spPr>
       <dgm:t>
-        <a:bodyPr/>
-        <a:lstStyle/>
-        <a:p>
-          <a:pPr algn="r"/>
+        <a:bodyPr anchor="t" anchorCtr="1"/>
+        <a:lstStyle/>
+        <a:p>
+          <a:pPr algn="l"/>
           <a:r>
             <a:rPr lang="en-US" sz="1100" dirty="0" smtClean="0"/>
-            <a:t>Error Handling</a:t>
+            <a:t>State Machines</a:t>
           </a:r>
           <a:endParaRPr lang="en-US" sz="1100" dirty="0"/>
         </a:p>
       </dgm:t>
     </dgm:pt>
-    <dgm:pt modelId="{6FC8296F-9C36-4858-A38A-FDCA4AB7324D}" type="parTrans" cxnId="{3EF90842-27A3-4AAB-BDB4-CD6F7D687FF0}">
+    <dgm:pt modelId="{A5661CF2-3B97-4D7F-930C-B08591DFEDA1}" type="parTrans" cxnId="{74F8B017-2799-4E9C-A1F6-D1965C70A02A}">
       <dgm:prSet/>
       <dgm:spPr/>
       <dgm:t>
         <a:bodyPr/>
         <a:lstStyle/>
         <a:p>
-          <a:endParaRPr lang="en-US" sz="1100"/>
+          <a:endParaRPr lang="en-US"/>
         </a:p>
       </dgm:t>
     </dgm:pt>
-    <dgm:pt modelId="{1E991C9A-5816-4263-B847-1C62E1EC2BC1}" type="sibTrans" cxnId="{3EF90842-27A3-4AAB-BDB4-CD6F7D687FF0}">
+    <dgm:pt modelId="{C62535F4-85FE-43A3-8793-AC2DFDA63553}" type="sibTrans" cxnId="{74F8B017-2799-4E9C-A1F6-D1965C70A02A}">
       <dgm:prSet/>
       <dgm:spPr/>
       <dgm:t>
         <a:bodyPr/>
         <a:lstStyle/>
         <a:p>
-          <a:endParaRPr lang="en-US" sz="1100"/>
+          <a:endParaRPr lang="en-US"/>
         </a:p>
       </dgm:t>
     </dgm:pt>
-    <dgm:pt modelId="{FA152986-4468-4ADC-9BD1-E754AD98A0F0}">
+    <dgm:pt modelId="{52C35C50-B98B-48BD-A26B-A329AAEE39BF}">
       <dgm:prSet phldrT="[Text]" custT="1"/>
-      <dgm:spPr/>
+      <dgm:spPr>
+        <a:solidFill>
+          <a:schemeClr val="bg1">
+            <a:alpha val="90000"/>
+          </a:schemeClr>
+        </a:solidFill>
+      </dgm:spPr>
       <dgm:t>
-        <a:bodyPr anchor="t"/>
-        <a:lstStyle/>
-        <a:p>
-          <a:pPr algn="r"/>
+        <a:bodyPr tIns="612000" bIns="972000" anchor="ctr" anchorCtr="1"/>
+        <a:lstStyle/>
+        <a:p>
           <a:r>
             <a:rPr lang="en-US" sz="1100" dirty="0" smtClean="0"/>
-            <a:t>Composite Events</a:t>
+            <a:t>Middleware</a:t>
           </a:r>
           <a:endParaRPr lang="en-US" sz="1100" dirty="0"/>
         </a:p>
       </dgm:t>
     </dgm:pt>
-    <dgm:pt modelId="{2539D9DF-33F4-4531-9565-9FDAF4DB711C}" type="parTrans" cxnId="{7DA65181-EAFB-46D8-98E6-E7716A599EFE}">
+    <dgm:pt modelId="{1412A6EF-E42B-4AC5-8AC4-9E4E830F0D55}" type="parTrans" cxnId="{0E959D05-5420-43FE-A50F-0854189CF6DB}">
       <dgm:prSet/>
       <dgm:spPr/>
       <dgm:t>
         <a:bodyPr/>
         <a:lstStyle/>
         <a:p>
-          <a:endParaRPr lang="en-US" sz="1100"/>
+          <a:endParaRPr lang="en-US"/>
         </a:p>
       </dgm:t>
     </dgm:pt>
-    <dgm:pt modelId="{B679F5A3-A14E-4C1C-A9A2-54A0940EE994}" type="sibTrans" cxnId="{7DA65181-EAFB-46D8-98E6-E7716A599EFE}">
+    <dgm:pt modelId="{28D07EAB-7DD5-499E-99CB-0618CEBE239C}" type="sibTrans" cxnId="{0E959D05-5420-43FE-A50F-0854189CF6DB}">
       <dgm:prSet/>
       <dgm:spPr/>
       <dgm:t>
         <a:bodyPr/>
         <a:lstStyle/>
         <a:p>
-          <a:endParaRPr lang="en-US" sz="1100"/>
+          <a:endParaRPr lang="en-US"/>
         </a:p>
       </dgm:t>
     </dgm:pt>
-    <dgm:pt modelId="{45D7C66C-21A9-4954-A2F5-DAFC1289AE71}">
+    <dgm:pt modelId="{9DD33600-E2EA-41F0-BC79-276B447A5863}">
       <dgm:prSet phldrT="[Text]" custT="1"/>
-      <dgm:spPr/>
+      <dgm:spPr>
+        <a:solidFill>
+          <a:schemeClr val="bg1">
+            <a:alpha val="90000"/>
+          </a:schemeClr>
+        </a:solidFill>
+      </dgm:spPr>
       <dgm:t>
-        <a:bodyPr/>
+        <a:bodyPr tIns="612000" bIns="972000" anchor="ctr" anchorCtr="1"/>
         <a:lstStyle/>
         <a:p>
           <a:r>
             <a:rPr lang="en-US" sz="1100" dirty="0" smtClean="0"/>
-            <a:t>Transforms</a:t>
+            <a:t>Community</a:t>
           </a:r>
           <a:endParaRPr lang="en-US" sz="1100" dirty="0"/>
         </a:p>
       </dgm:t>
     </dgm:pt>
-    <dgm:pt modelId="{68A63A06-EE73-4ABE-A59D-FB2EBF87DA47}" type="parTrans" cxnId="{1DB9E549-2AC6-47AF-BE00-320097EF9399}">
+    <dgm:pt modelId="{E654948A-1787-413E-B353-8CA269666F7B}" type="parTrans" cxnId="{B5DFA36A-32E6-47E1-B64C-8197DA6FB91B}">
       <dgm:prSet/>
       <dgm:spPr/>
       <dgm:t>
         <a:bodyPr/>
         <a:lstStyle/>
         <a:p>
-          <a:endParaRPr lang="en-US" sz="1100"/>
+          <a:endParaRPr lang="en-US"/>
         </a:p>
       </dgm:t>
     </dgm:pt>
-    <dgm:pt modelId="{4F095B39-A51A-429B-8B9D-29DEF454FC27}" type="sibTrans" cxnId="{1DB9E549-2AC6-47AF-BE00-320097EF9399}">
+    <dgm:pt modelId="{DD656590-F75A-4E1E-9E20-24BF6BCD5892}" type="sibTrans" cxnId="{B5DFA36A-32E6-47E1-B64C-8197DA6FB91B}">
       <dgm:prSet/>
       <dgm:spPr/>
       <dgm:t>
         <a:bodyPr/>
         <a:lstStyle/>
         <a:p>
-          <a:endParaRPr lang="en-US" sz="1100"/>
+          <a:endParaRPr lang="en-US"/>
         </a:p>
       </dgm:t>
     </dgm:pt>
-    <dgm:pt modelId="{C188AC6A-D555-4C98-A6B2-82002D1E5D97}">
+    <dgm:pt modelId="{D6D5A99B-08A8-4F47-B7D1-72FE8EF23A7C}">
       <dgm:prSet phldrT="[Text]" custT="1"/>
-      <dgm:spPr/>
+      <dgm:spPr>
+        <a:solidFill>
+          <a:schemeClr val="bg1">
+            <a:alpha val="90000"/>
+          </a:schemeClr>
+        </a:solidFill>
+      </dgm:spPr>
       <dgm:t>
-        <a:bodyPr/>
+        <a:bodyPr tIns="612000" bIns="972000" anchor="ctr" anchorCtr="1"/>
         <a:lstStyle/>
         <a:p>
           <a:r>
             <a:rPr lang="en-US" sz="1100" dirty="0" smtClean="0"/>
-            <a:t>Versioning</a:t>
+            <a:t>Attachments</a:t>
           </a:r>
           <a:endParaRPr lang="en-US" sz="1100" dirty="0"/>
         </a:p>
       </dgm:t>
     </dgm:pt>
-    <dgm:pt modelId="{35379D12-FE00-49CF-B79B-2D9068AD872B}" type="parTrans" cxnId="{A16A0485-D183-4E72-A835-426546960057}">
+    <dgm:pt modelId="{CDCB38A3-1B07-48AB-B825-08A18B0655E2}" type="parTrans" cxnId="{8D35798C-6BEC-4176-A710-5F8C926CC3E9}">
       <dgm:prSet/>
       <dgm:spPr/>
       <dgm:t>
         <a:bodyPr/>
         <a:lstStyle/>
         <a:p>
-          <a:endParaRPr lang="en-US" sz="1100"/>
+          <a:endParaRPr lang="en-US"/>
         </a:p>
       </dgm:t>
     </dgm:pt>
-    <dgm:pt modelId="{4F554B4B-E2B7-4441-9DE5-FC206D280D80}" type="sibTrans" cxnId="{A16A0485-D183-4E72-A835-426546960057}">
+    <dgm:pt modelId="{D1AD6471-03D0-4430-A690-CEBF3DA6A5F5}" type="sibTrans" cxnId="{8D35798C-6BEC-4176-A710-5F8C926CC3E9}">
       <dgm:prSet/>
       <dgm:spPr/>
       <dgm:t>
         <a:bodyPr/>
         <a:lstStyle/>
         <a:p>
-          <a:endParaRPr lang="en-US" sz="1100"/>
+          <a:endParaRPr lang="en-US"/>
         </a:p>
       </dgm:t>
     </dgm:pt>
-    <dgm:pt modelId="{550EAA0D-A91C-4EEB-96C3-7709F12F2935}">
+    <dgm:pt modelId="{072DBADF-0DF6-47F9-B282-788F190BD2A4}">
       <dgm:prSet phldrT="[Text]" custT="1"/>
-      <dgm:spPr/>
+      <dgm:spPr>
+        <a:solidFill>
+          <a:schemeClr val="bg1">
+            <a:alpha val="90000"/>
+          </a:schemeClr>
+        </a:solidFill>
+      </dgm:spPr>
       <dgm:t>
-        <a:bodyPr/>
-        <a:lstStyle/>
-        <a:p>
+        <a:bodyPr tIns="180000" anchor="t" anchorCtr="1"/>
+        <a:lstStyle/>
+        <a:p>
+          <a:pPr algn="just" rtl="0"/>
           <a:r>
             <a:rPr lang="en-US" sz="1100" dirty="0" smtClean="0"/>
-            <a:t>Transforms</a:t>
+            <a:t>Hosting</a:t>
           </a:r>
           <a:endParaRPr lang="en-US" sz="1100" dirty="0"/>
         </a:p>
       </dgm:t>
     </dgm:pt>
-    <dgm:pt modelId="{48D0AE93-2B0A-4B1F-BE95-80759E5B5550}" type="parTrans" cxnId="{64478AA8-404C-49B8-9C22-F91D99C65B8A}">
+    <dgm:pt modelId="{29616359-7825-4622-B081-829B17386B2F}" type="parTrans" cxnId="{E6CB77DA-DDB2-46B8-80E0-851BD690F9B6}">
       <dgm:prSet/>
       <dgm:spPr/>
       <dgm:t>
@@ -4467,7 +6057,7 @@
         </a:p>
       </dgm:t>
     </dgm:pt>
-    <dgm:pt modelId="{E126B19B-4D80-4654-B028-A637DD19CCD8}" type="sibTrans" cxnId="{64478AA8-404C-49B8-9C22-F91D99C65B8A}">
+    <dgm:pt modelId="{527750BC-C093-4CF6-B5E3-6C1EF3BAC328}" type="sibTrans" cxnId="{E6CB77DA-DDB2-46B8-80E0-851BD690F9B6}">
       <dgm:prSet/>
       <dgm:spPr/>
       <dgm:t>
@@ -4477,30 +6067,6 @@
           <a:endParaRPr lang="en-US"/>
         </a:p>
       </dgm:t>
-    </dgm:pt>
-    <dgm:pt modelId="{1035A200-9935-4B25-B536-AED5C4DA8672}">
-      <dgm:prSet phldrT="[Text]" custT="1"/>
-      <dgm:spPr/>
-      <dgm:t>
-        <a:bodyPr anchor="t"/>
-        <a:lstStyle/>
-        <a:p>
-          <a:pPr algn="r"/>
-          <a:r>
-            <a:rPr lang="en-US" sz="1100" dirty="0" smtClean="0"/>
-            <a:t>Compensations</a:t>
-          </a:r>
-          <a:endParaRPr lang="en-US" sz="1100" dirty="0"/>
-        </a:p>
-      </dgm:t>
-    </dgm:pt>
-    <dgm:pt modelId="{0E9D1C3D-2883-4A91-98B3-621B5C46E299}" type="parTrans" cxnId="{F91C7B9E-D22B-4CA8-98D7-80D9FAC742C1}">
-      <dgm:prSet/>
-      <dgm:spPr/>
-    </dgm:pt>
-    <dgm:pt modelId="{F4B959AD-B54E-4284-BA51-42781B7FD144}" type="sibTrans" cxnId="{F91C7B9E-D22B-4CA8-98D7-80D9FAC742C1}">
-      <dgm:prSet/>
-      <dgm:spPr/>
     </dgm:pt>
     <dgm:pt modelId="{E4D92571-920E-43BC-919F-5928D57BFA1E}" type="pres">
       <dgm:prSet presAssocID="{D9C3E7A9-7F86-4BF4-8C07-2951349EC479}" presName="cycleMatrixDiagram" presStyleCnt="0">
@@ -4512,17 +6078,38 @@
         </dgm:presLayoutVars>
       </dgm:prSet>
       <dgm:spPr/>
+      <dgm:t>
+        <a:bodyPr/>
+        <a:lstStyle/>
+        <a:p>
+          <a:endParaRPr lang="en-US"/>
+        </a:p>
+      </dgm:t>
     </dgm:pt>
     <dgm:pt modelId="{D4DB6B14-42E0-4A59-8B04-3518A51116F6}" type="pres">
       <dgm:prSet presAssocID="{D9C3E7A9-7F86-4BF4-8C07-2951349EC479}" presName="children" presStyleCnt="0"/>
       <dgm:spPr/>
+      <dgm:t>
+        <a:bodyPr/>
+        <a:lstStyle/>
+        <a:p>
+          <a:endParaRPr lang="en-US"/>
+        </a:p>
+      </dgm:t>
     </dgm:pt>
     <dgm:pt modelId="{B042AFEB-8328-4586-BB10-55D3E31437B8}" type="pres">
       <dgm:prSet presAssocID="{D9C3E7A9-7F86-4BF4-8C07-2951349EC479}" presName="child1group" presStyleCnt="0"/>
       <dgm:spPr/>
+      <dgm:t>
+        <a:bodyPr/>
+        <a:lstStyle/>
+        <a:p>
+          <a:endParaRPr lang="en-US"/>
+        </a:p>
+      </dgm:t>
     </dgm:pt>
     <dgm:pt modelId="{74C15D2B-43BE-409A-99E1-4C7BEA41372F}" type="pres">
-      <dgm:prSet presAssocID="{D9C3E7A9-7F86-4BF4-8C07-2951349EC479}" presName="child1" presStyleLbl="bgAcc1" presStyleIdx="0" presStyleCnt="4" custScaleX="134241" custScaleY="135741"/>
+      <dgm:prSet presAssocID="{D9C3E7A9-7F86-4BF4-8C07-2951349EC479}" presName="child1" presStyleLbl="bgAcc1" presStyleIdx="0" presStyleCnt="4" custScaleX="115822" custScaleY="130036" custLinFactNeighborX="-19350" custLinFactNeighborY="7652"/>
       <dgm:spPr/>
       <dgm:t>
         <a:bodyPr/>
@@ -4550,9 +6137,16 @@
     <dgm:pt modelId="{5E16D7EF-D83D-4BAF-BBCA-4AB839CFA88F}" type="pres">
       <dgm:prSet presAssocID="{D9C3E7A9-7F86-4BF4-8C07-2951349EC479}" presName="child2group" presStyleCnt="0"/>
       <dgm:spPr/>
+      <dgm:t>
+        <a:bodyPr/>
+        <a:lstStyle/>
+        <a:p>
+          <a:endParaRPr lang="en-US"/>
+        </a:p>
+      </dgm:t>
     </dgm:pt>
     <dgm:pt modelId="{516B9BFA-5E3B-40B6-98AD-BE837D1FBAD6}" type="pres">
-      <dgm:prSet presAssocID="{D9C3E7A9-7F86-4BF4-8C07-2951349EC479}" presName="child2" presStyleLbl="bgAcc1" presStyleIdx="1" presStyleCnt="4" custScaleX="133959" custScaleY="130127"/>
+      <dgm:prSet presAssocID="{D9C3E7A9-7F86-4BF4-8C07-2951349EC479}" presName="child2" presStyleLbl="bgAcc1" presStyleIdx="1" presStyleCnt="4" custScaleX="115822" custScaleY="129959" custLinFactNeighborX="18675" custLinFactNeighborY="3550"/>
       <dgm:spPr/>
       <dgm:t>
         <a:bodyPr/>
@@ -4580,9 +6174,16 @@
     <dgm:pt modelId="{30621E1E-4450-42A5-9CAD-C8ECF2ED4B1C}" type="pres">
       <dgm:prSet presAssocID="{D9C3E7A9-7F86-4BF4-8C07-2951349EC479}" presName="child3group" presStyleCnt="0"/>
       <dgm:spPr/>
+      <dgm:t>
+        <a:bodyPr/>
+        <a:lstStyle/>
+        <a:p>
+          <a:endParaRPr lang="en-US"/>
+        </a:p>
+      </dgm:t>
     </dgm:pt>
     <dgm:pt modelId="{F75FBA98-67BE-4263-8A0A-0D314360C4A0}" type="pres">
-      <dgm:prSet presAssocID="{D9C3E7A9-7F86-4BF4-8C07-2951349EC479}" presName="child3" presStyleLbl="bgAcc1" presStyleIdx="2" presStyleCnt="4" custScaleX="133187" custScaleY="120234"/>
+      <dgm:prSet presAssocID="{D9C3E7A9-7F86-4BF4-8C07-2951349EC479}" presName="child3" presStyleLbl="bgAcc1" presStyleIdx="2" presStyleCnt="4" custScaleX="115753" custScaleY="129959" custLinFactNeighborX="18640" custLinFactNeighborY="-7189"/>
       <dgm:spPr/>
       <dgm:t>
         <a:bodyPr/>
@@ -4610,9 +6211,16 @@
     <dgm:pt modelId="{C7CFF830-44FE-45CE-9759-C0B793802424}" type="pres">
       <dgm:prSet presAssocID="{D9C3E7A9-7F86-4BF4-8C07-2951349EC479}" presName="child4group" presStyleCnt="0"/>
       <dgm:spPr/>
+      <dgm:t>
+        <a:bodyPr/>
+        <a:lstStyle/>
+        <a:p>
+          <a:endParaRPr lang="en-US"/>
+        </a:p>
+      </dgm:t>
     </dgm:pt>
     <dgm:pt modelId="{AD38EE7A-C685-41D3-9F5C-1AD994465E23}" type="pres">
-      <dgm:prSet presAssocID="{D9C3E7A9-7F86-4BF4-8C07-2951349EC479}" presName="child4" presStyleLbl="bgAcc1" presStyleIdx="3" presStyleCnt="4" custScaleX="134605" custScaleY="129317" custLinFactNeighborX="-1457" custLinFactNeighborY="527"/>
+      <dgm:prSet presAssocID="{D9C3E7A9-7F86-4BF4-8C07-2951349EC479}" presName="child4" presStyleLbl="bgAcc1" presStyleIdx="3" presStyleCnt="4" custScaleX="115761" custScaleY="129970" custLinFactNeighborX="-19405" custLinFactNeighborY="-2470"/>
       <dgm:spPr/>
       <dgm:t>
         <a:bodyPr/>
@@ -4640,10 +6248,24 @@
     <dgm:pt modelId="{6BE8491F-7D2C-4655-82BA-3EBC86373CEC}" type="pres">
       <dgm:prSet presAssocID="{D9C3E7A9-7F86-4BF4-8C07-2951349EC479}" presName="childPlaceholder" presStyleCnt="0"/>
       <dgm:spPr/>
+      <dgm:t>
+        <a:bodyPr/>
+        <a:lstStyle/>
+        <a:p>
+          <a:endParaRPr lang="en-US"/>
+        </a:p>
+      </dgm:t>
     </dgm:pt>
     <dgm:pt modelId="{1912D3DD-C8BF-49FA-A475-7A4ECF455C50}" type="pres">
       <dgm:prSet presAssocID="{D9C3E7A9-7F86-4BF4-8C07-2951349EC479}" presName="circle" presStyleCnt="0"/>
       <dgm:spPr/>
+      <dgm:t>
+        <a:bodyPr/>
+        <a:lstStyle/>
+        <a:p>
+          <a:endParaRPr lang="en-US"/>
+        </a:p>
+      </dgm:t>
     </dgm:pt>
     <dgm:pt modelId="{BAE0A4B9-FAE5-408A-9164-19C9A218F095}" type="pres">
       <dgm:prSet presAssocID="{D9C3E7A9-7F86-4BF4-8C07-2951349EC479}" presName="quadrant1" presStyleLbl="node1" presStyleIdx="0" presStyleCnt="4">
@@ -4653,6 +6275,13 @@
         </dgm:presLayoutVars>
       </dgm:prSet>
       <dgm:spPr/>
+      <dgm:t>
+        <a:bodyPr/>
+        <a:lstStyle/>
+        <a:p>
+          <a:endParaRPr lang="en-US"/>
+        </a:p>
+      </dgm:t>
     </dgm:pt>
     <dgm:pt modelId="{E7D18CCD-34F1-4E56-9739-0BAD073A51D3}" type="pres">
       <dgm:prSet presAssocID="{D9C3E7A9-7F86-4BF4-8C07-2951349EC479}" presName="quadrant2" presStyleLbl="node1" presStyleIdx="1" presStyleCnt="4">
@@ -4662,6 +6291,13 @@
         </dgm:presLayoutVars>
       </dgm:prSet>
       <dgm:spPr/>
+      <dgm:t>
+        <a:bodyPr/>
+        <a:lstStyle/>
+        <a:p>
+          <a:endParaRPr lang="en-US"/>
+        </a:p>
+      </dgm:t>
     </dgm:pt>
     <dgm:pt modelId="{CE6366C0-1569-4A15-B9CE-069B03284478}" type="pres">
       <dgm:prSet presAssocID="{D9C3E7A9-7F86-4BF4-8C07-2951349EC479}" presName="quadrant3" presStyleLbl="node1" presStyleIdx="2" presStyleCnt="4">
@@ -4687,105 +6323,145 @@
         </dgm:presLayoutVars>
       </dgm:prSet>
       <dgm:spPr/>
+      <dgm:t>
+        <a:bodyPr/>
+        <a:lstStyle/>
+        <a:p>
+          <a:endParaRPr lang="en-US"/>
+        </a:p>
+      </dgm:t>
     </dgm:pt>
     <dgm:pt modelId="{02C6EFE9-E2DC-44B4-8B0C-159BC9C1ADB6}" type="pres">
       <dgm:prSet presAssocID="{D9C3E7A9-7F86-4BF4-8C07-2951349EC479}" presName="quadrantPlaceholder" presStyleCnt="0"/>
       <dgm:spPr/>
+      <dgm:t>
+        <a:bodyPr/>
+        <a:lstStyle/>
+        <a:p>
+          <a:endParaRPr lang="en-US"/>
+        </a:p>
+      </dgm:t>
     </dgm:pt>
     <dgm:pt modelId="{6E259363-866B-467D-9A9E-4BF3D9F93193}" type="pres">
       <dgm:prSet presAssocID="{D9C3E7A9-7F86-4BF4-8C07-2951349EC479}" presName="center1" presStyleLbl="fgShp" presStyleIdx="0" presStyleCnt="2"/>
       <dgm:spPr/>
+      <dgm:t>
+        <a:bodyPr/>
+        <a:lstStyle/>
+        <a:p>
+          <a:endParaRPr lang="en-US"/>
+        </a:p>
+      </dgm:t>
     </dgm:pt>
     <dgm:pt modelId="{58318B0E-53CD-492E-B093-42E8637A30F2}" type="pres">
       <dgm:prSet presAssocID="{D9C3E7A9-7F86-4BF4-8C07-2951349EC479}" presName="center2" presStyleLbl="fgShp" presStyleIdx="1" presStyleCnt="2"/>
       <dgm:spPr/>
+      <dgm:t>
+        <a:bodyPr/>
+        <a:lstStyle/>
+        <a:p>
+          <a:endParaRPr lang="en-US"/>
+        </a:p>
+      </dgm:t>
     </dgm:pt>
   </dgm:ptLst>
   <dgm:cxnLst>
+    <dgm:cxn modelId="{08FB9D3A-181E-4465-80E4-18D9B04A2D64}" type="presOf" srcId="{1368CFE3-0A9A-4B36-836B-1AEBC9940E5C}" destId="{516B9BFA-5E3B-40B6-98AD-BE837D1FBAD6}" srcOrd="0" destOrd="0" presId="urn:microsoft.com/office/officeart/2005/8/layout/cycle4"/>
+    <dgm:cxn modelId="{F704A69A-457C-4F89-B559-5FFF6C63B101}" type="presOf" srcId="{229CC658-17F7-485B-81E6-84C5CB64CE56}" destId="{E7D18CCD-34F1-4E56-9739-0BAD073A51D3}" srcOrd="0" destOrd="0" presId="urn:microsoft.com/office/officeart/2005/8/layout/cycle4"/>
+    <dgm:cxn modelId="{07CF636A-0C2B-44C9-ABF7-7A4CA3145B7F}" type="presOf" srcId="{DDDE02D3-42D4-4C16-B293-6FF0F0003A22}" destId="{D6F62F48-A955-4BD3-9DA6-0F478957AD9F}" srcOrd="1" destOrd="3" presId="urn:microsoft.com/office/officeart/2005/8/layout/cycle4"/>
+    <dgm:cxn modelId="{9EA661FA-F9EA-4F7B-B002-43871227EFF0}" type="presOf" srcId="{5B70F174-ADD8-4DEE-99BE-5DC989B830BF}" destId="{BAE0A4B9-FAE5-408A-9164-19C9A218F095}" srcOrd="0" destOrd="0" presId="urn:microsoft.com/office/officeart/2005/8/layout/cycle4"/>
+    <dgm:cxn modelId="{B8806814-4239-4470-B0DB-EC0E4A137561}" type="presOf" srcId="{CA061732-50DD-484B-BF24-E4DA221DF899}" destId="{74C15D2B-43BE-409A-99E1-4C7BEA41372F}" srcOrd="0" destOrd="1" presId="urn:microsoft.com/office/officeart/2005/8/layout/cycle4"/>
+    <dgm:cxn modelId="{2F1FDE87-B967-4164-A09C-5FEF9E9D5FE1}" type="presOf" srcId="{FF530DEB-F94C-4450-94CD-ABAE1A73C6E0}" destId="{F3D78921-DB83-4087-84BF-CA064380971F}" srcOrd="1" destOrd="7" presId="urn:microsoft.com/office/officeart/2005/8/layout/cycle4"/>
+    <dgm:cxn modelId="{691F5C61-28E1-45A8-8F78-9BE994144515}" srcId="{5B70F174-ADD8-4DEE-99BE-5DC989B830BF}" destId="{1D9DA52D-6A98-4C75-9627-0E05EB9F6AE8}" srcOrd="4" destOrd="0" parTransId="{79A73D1C-DCEE-49E4-B35A-9BCC7FAFD83F}" sibTransId="{8E22A523-0F4B-44DE-B7A1-7664CCFB2A23}"/>
+    <dgm:cxn modelId="{F902AB7F-153F-4E21-BBAA-EAB035F9017F}" srcId="{229CC658-17F7-485B-81E6-84C5CB64CE56}" destId="{D198EF0E-3CF7-4B4F-BDB9-3AB7051FFB66}" srcOrd="5" destOrd="0" parTransId="{0BE4D4C2-203C-4E40-AAE4-4ACDA568B7F9}" sibTransId="{55FD516A-40EA-4BE5-AC48-D95C76AD26C6}"/>
+    <dgm:cxn modelId="{76B31920-B53D-4F59-8168-55EB09F98F85}" srcId="{2D031A4E-6057-48B1-8E38-36E548142570}" destId="{4EB8D186-E220-4E05-A26C-955A383F2873}" srcOrd="0" destOrd="0" parTransId="{B29A5818-0C55-4ACF-96BE-BBB97DDAAC1B}" sibTransId="{C9F8D9DA-A0FA-4D86-9610-80A945B1B906}"/>
+    <dgm:cxn modelId="{F7D4FC51-609F-4073-A71D-4AD7F50E42B0}" type="presOf" srcId="{5148C357-227B-4DDF-BD97-0879EAB26092}" destId="{516B9BFA-5E3B-40B6-98AD-BE837D1FBAD6}" srcOrd="0" destOrd="4" presId="urn:microsoft.com/office/officeart/2005/8/layout/cycle4"/>
+    <dgm:cxn modelId="{6151EA3D-1164-482F-A7F7-E82F5E53EDA3}" type="presOf" srcId="{80022D65-0DCA-4F7B-8BD9-E6BCCD73228A}" destId="{D6F62F48-A955-4BD3-9DA6-0F478957AD9F}" srcOrd="1" destOrd="6" presId="urn:microsoft.com/office/officeart/2005/8/layout/cycle4"/>
+    <dgm:cxn modelId="{5CDB0996-7166-49CB-8D1D-4A34A83672B3}" srcId="{229CC658-17F7-485B-81E6-84C5CB64CE56}" destId="{FF530DEB-F94C-4450-94CD-ABAE1A73C6E0}" srcOrd="7" destOrd="0" parTransId="{D5794C1B-E87D-4F24-B354-71C1E5733589}" sibTransId="{C4A235A8-166B-4FB6-AF03-FD5C27F28E2A}"/>
+    <dgm:cxn modelId="{DED88F09-7815-404B-A50F-63B698882E39}" srcId="{229CC658-17F7-485B-81E6-84C5CB64CE56}" destId="{9689A84C-BDA3-4774-8EB3-7EF22590FCE2}" srcOrd="8" destOrd="0" parTransId="{0B68BB9D-4DB3-4652-A3D2-A873B7C14530}" sibTransId="{5E755F08-B40D-44A7-9A12-FEA1E6BBF71F}"/>
+    <dgm:cxn modelId="{AFDB3887-2A40-4741-896B-61FC10642C6F}" type="presOf" srcId="{FA152986-4468-4ADC-9BD1-E754AD98A0F0}" destId="{F75FBA98-67BE-4263-8A0A-0D314360C4A0}" srcOrd="0" destOrd="4" presId="urn:microsoft.com/office/officeart/2005/8/layout/cycle4"/>
+    <dgm:cxn modelId="{74F8B017-2799-4E9C-A1F6-D1965C70A02A}" srcId="{229CC658-17F7-485B-81E6-84C5CB64CE56}" destId="{5148C357-227B-4DDF-BD97-0879EAB26092}" srcOrd="4" destOrd="0" parTransId="{A5661CF2-3B97-4D7F-930C-B08591DFEDA1}" sibTransId="{C62535F4-85FE-43A3-8793-AC2DFDA63553}"/>
+    <dgm:cxn modelId="{977B859E-070B-45D0-ACE5-6770A266FA71}" type="presOf" srcId="{72FD9F94-88C9-476D-8C9A-919906938157}" destId="{D6F62F48-A955-4BD3-9DA6-0F478957AD9F}" srcOrd="1" destOrd="0" presId="urn:microsoft.com/office/officeart/2005/8/layout/cycle4"/>
+    <dgm:cxn modelId="{3327E38B-5462-45A5-A73A-D62FC3C385F0}" type="presOf" srcId="{160CA465-8075-4F42-8EDF-E0C0D4EE26B5}" destId="{F3D78921-DB83-4087-84BF-CA064380971F}" srcOrd="1" destOrd="2" presId="urn:microsoft.com/office/officeart/2005/8/layout/cycle4"/>
+    <dgm:cxn modelId="{AA63B398-467C-4DB4-8209-1F415CFA2003}" type="presOf" srcId="{072DBADF-0DF6-47F9-B282-788F190BD2A4}" destId="{74C15D2B-43BE-409A-99E1-4C7BEA41372F}" srcOrd="0" destOrd="7" presId="urn:microsoft.com/office/officeart/2005/8/layout/cycle4"/>
+    <dgm:cxn modelId="{7DA65181-EAFB-46D8-98E6-E7716A599EFE}" srcId="{2D031A4E-6057-48B1-8E38-36E548142570}" destId="{FA152986-4468-4ADC-9BD1-E754AD98A0F0}" srcOrd="4" destOrd="0" parTransId="{2539D9DF-33F4-4531-9565-9FDAF4DB711C}" sibTransId="{B679F5A3-A14E-4C1C-A9A2-54A0940EE994}"/>
+    <dgm:cxn modelId="{EEEABA77-4253-4A73-AB2D-C4ECAD909F16}" srcId="{229CC658-17F7-485B-81E6-84C5CB64CE56}" destId="{160CA465-8075-4F42-8EDF-E0C0D4EE26B5}" srcOrd="2" destOrd="0" parTransId="{DE222E17-B1B2-4192-BAED-2DED11422A4D}" sibTransId="{61FC8075-1324-460A-A27E-7866CEAC9890}"/>
+    <dgm:cxn modelId="{AF54E96B-1184-465E-879A-2776600CB17B}" type="presOf" srcId="{9689A84C-BDA3-4774-8EB3-7EF22590FCE2}" destId="{516B9BFA-5E3B-40B6-98AD-BE837D1FBAD6}" srcOrd="0" destOrd="8" presId="urn:microsoft.com/office/officeart/2005/8/layout/cycle4"/>
+    <dgm:cxn modelId="{B668EBC8-3194-4F16-B98F-D077D3AA1BCB}" srcId="{D9C3E7A9-7F86-4BF4-8C07-2951349EC479}" destId="{FBCE19A3-D721-4B98-A277-3D19566594AA}" srcOrd="3" destOrd="0" parTransId="{37587B53-9AFA-413A-A19C-0614993DFCDE}" sibTransId="{B00D2F5D-2F06-4066-9729-05C0503B7AD4}"/>
+    <dgm:cxn modelId="{68CBD31C-30B7-4269-91DA-8389ABEA3D7E}" type="presOf" srcId="{1035A200-9935-4B25-B536-AED5C4DA8672}" destId="{F75FBA98-67BE-4263-8A0A-0D314360C4A0}" srcOrd="0" destOrd="5" presId="urn:microsoft.com/office/officeart/2005/8/layout/cycle4"/>
+    <dgm:cxn modelId="{F91C7B9E-D22B-4CA8-98D7-80D9FAC742C1}" srcId="{2D031A4E-6057-48B1-8E38-36E548142570}" destId="{1035A200-9935-4B25-B536-AED5C4DA8672}" srcOrd="5" destOrd="0" parTransId="{0E9D1C3D-2883-4A91-98B3-621B5C46E299}" sibTransId="{F4B959AD-B54E-4284-BA51-42781B7FD144}"/>
+    <dgm:cxn modelId="{B31C5908-9AAA-4D03-84CD-0049A634DCE1}" type="presOf" srcId="{1BA1DE21-EB93-4CE6-9A6B-B574FECD5615}" destId="{F3D78921-DB83-4087-84BF-CA064380971F}" srcOrd="1" destOrd="1" presId="urn:microsoft.com/office/officeart/2005/8/layout/cycle4"/>
+    <dgm:cxn modelId="{872AF686-98A8-4093-8AE2-0FF738560D63}" type="presOf" srcId="{DD802DD3-B6E1-4B43-BF19-D3CAC637B644}" destId="{516B9BFA-5E3B-40B6-98AD-BE837D1FBAD6}" srcOrd="0" destOrd="3" presId="urn:microsoft.com/office/officeart/2005/8/layout/cycle4"/>
+    <dgm:cxn modelId="{499E44CC-2CB2-4528-97F0-F8BBA4D674B6}" srcId="{5B70F174-ADD8-4DEE-99BE-5DC989B830BF}" destId="{59CDB8F9-340E-4420-A169-C50DA754611D}" srcOrd="5" destOrd="0" parTransId="{748233B8-7A51-454A-8FF0-22FF75ABDD05}" sibTransId="{18721ECF-F419-40E0-91F1-7E29C124253E}"/>
+    <dgm:cxn modelId="{ACD35FB6-F067-4D28-8B6B-937F50D8418A}" type="presOf" srcId="{60CDEA60-515D-41D5-B343-C3BEA98CD4F0}" destId="{605F24D5-A60D-4553-8923-B595404D4D94}" srcOrd="1" destOrd="1" presId="urn:microsoft.com/office/officeart/2005/8/layout/cycle4"/>
+    <dgm:cxn modelId="{D86D5110-CA4F-472E-81A4-3913A849F320}" type="presOf" srcId="{45D7C66C-21A9-4954-A2F5-DAFC1289AE71}" destId="{AD38EE7A-C685-41D3-9F5C-1AD994465E23}" srcOrd="0" destOrd="1" presId="urn:microsoft.com/office/officeart/2005/8/layout/cycle4"/>
+    <dgm:cxn modelId="{2FC24792-74FC-4D58-8631-BBDD94D0E52D}" srcId="{5B70F174-ADD8-4DEE-99BE-5DC989B830BF}" destId="{DDDE02D3-42D4-4C16-B293-6FF0F0003A22}" srcOrd="3" destOrd="0" parTransId="{C5D01856-A430-4CE9-9BC1-FBAC6B0BC425}" sibTransId="{68DBB093-8AC7-4281-AE2E-7D0D38DDC5A7}"/>
+    <dgm:cxn modelId="{0DC33318-D64F-430F-BA36-A312F690027D}" type="presOf" srcId="{45D7C66C-21A9-4954-A2F5-DAFC1289AE71}" destId="{C77DE765-A400-44CD-87F0-68D93169804C}" srcOrd="1" destOrd="1" presId="urn:microsoft.com/office/officeart/2005/8/layout/cycle4"/>
+    <dgm:cxn modelId="{6D720B58-9E51-4812-98A5-97883FFAF449}" type="presOf" srcId="{DD802DD3-B6E1-4B43-BF19-D3CAC637B644}" destId="{F3D78921-DB83-4087-84BF-CA064380971F}" srcOrd="1" destOrd="3" presId="urn:microsoft.com/office/officeart/2005/8/layout/cycle4"/>
+    <dgm:cxn modelId="{898C26E6-ACBE-4333-B8B8-3726CD591357}" type="presOf" srcId="{F741F96D-B7AD-4AE3-BDA5-DD267068A900}" destId="{F75FBA98-67BE-4263-8A0A-0D314360C4A0}" srcOrd="0" destOrd="2" presId="urn:microsoft.com/office/officeart/2005/8/layout/cycle4"/>
+    <dgm:cxn modelId="{58FC554E-7DDA-4FB8-A5DD-81D70DFDBAFB}" srcId="{229CC658-17F7-485B-81E6-84C5CB64CE56}" destId="{1368CFE3-0A9A-4B36-836B-1AEBC9940E5C}" srcOrd="0" destOrd="0" parTransId="{A9935997-E691-4930-9C50-55F66FDFC3AF}" sibTransId="{E05C4454-A2B5-4D64-8689-B4220015A2E9}"/>
+    <dgm:cxn modelId="{EE92B4BD-73EF-4AF8-9953-4B92E47B7894}" type="presOf" srcId="{D6D5A99B-08A8-4F47-B7D1-72FE8EF23A7C}" destId="{AD38EE7A-C685-41D3-9F5C-1AD994465E23}" srcOrd="0" destOrd="2" presId="urn:microsoft.com/office/officeart/2005/8/layout/cycle4"/>
+    <dgm:cxn modelId="{FA4F1599-63D9-45B1-9F9C-DAE45CAB2059}" type="presOf" srcId="{FBCE19A3-D721-4B98-A277-3D19566594AA}" destId="{E5EC745D-1674-4010-B81B-6433AC14FEEF}" srcOrd="0" destOrd="0" presId="urn:microsoft.com/office/officeart/2005/8/layout/cycle4"/>
+    <dgm:cxn modelId="{6137ECF8-E649-439C-8C78-8681B002636D}" type="presOf" srcId="{F741F96D-B7AD-4AE3-BDA5-DD267068A900}" destId="{605F24D5-A60D-4553-8923-B595404D4D94}" srcOrd="1" destOrd="2" presId="urn:microsoft.com/office/officeart/2005/8/layout/cycle4"/>
+    <dgm:cxn modelId="{F32E7FE6-5AC1-4A85-B2A3-5502E9D41061}" srcId="{5B70F174-ADD8-4DEE-99BE-5DC989B830BF}" destId="{C41856E4-530A-496E-AC21-C205B74442A6}" srcOrd="2" destOrd="0" parTransId="{88B101FD-94F2-49C6-B8FD-8B4F75CD96B1}" sibTransId="{E17AAFEF-CB23-4DD1-9CD3-2752BDD83248}"/>
+    <dgm:cxn modelId="{771ED8C6-3486-4097-9AEE-C22535FAD4BC}" type="presOf" srcId="{072DBADF-0DF6-47F9-B282-788F190BD2A4}" destId="{D6F62F48-A955-4BD3-9DA6-0F478957AD9F}" srcOrd="1" destOrd="7" presId="urn:microsoft.com/office/officeart/2005/8/layout/cycle4"/>
+    <dgm:cxn modelId="{1C247A1A-ADC0-4595-B51E-CBDE2D9D832A}" type="presOf" srcId="{62CAA66D-FD6E-4EB1-944B-47B25173CA0D}" destId="{C77DE765-A400-44CD-87F0-68D93169804C}" srcOrd="1" destOrd="0" presId="urn:microsoft.com/office/officeart/2005/8/layout/cycle4"/>
+    <dgm:cxn modelId="{57AB4779-EDC9-4C69-91A8-6CFBA1600D9C}" type="presOf" srcId="{59CDB8F9-340E-4420-A169-C50DA754611D}" destId="{74C15D2B-43BE-409A-99E1-4C7BEA41372F}" srcOrd="0" destOrd="5" presId="urn:microsoft.com/office/officeart/2005/8/layout/cycle4"/>
+    <dgm:cxn modelId="{24E95E8E-88D9-4475-B671-AD71AB9FB427}" type="presOf" srcId="{52C35C50-B98B-48BD-A26B-A329AAEE39BF}" destId="{AD38EE7A-C685-41D3-9F5C-1AD994465E23}" srcOrd="0" destOrd="4" presId="urn:microsoft.com/office/officeart/2005/8/layout/cycle4"/>
+    <dgm:cxn modelId="{2E45A873-4F1C-468B-92C3-7A652D19035A}" type="presOf" srcId="{D198EF0E-3CF7-4B4F-BDB9-3AB7051FFB66}" destId="{516B9BFA-5E3B-40B6-98AD-BE837D1FBAD6}" srcOrd="0" destOrd="5" presId="urn:microsoft.com/office/officeart/2005/8/layout/cycle4"/>
+    <dgm:cxn modelId="{7A3859B1-345E-4014-8414-58E70C6C74FA}" srcId="{D9C3E7A9-7F86-4BF4-8C07-2951349EC479}" destId="{5B70F174-ADD8-4DEE-99BE-5DC989B830BF}" srcOrd="0" destOrd="0" parTransId="{020D26D6-E925-43B8-8CBC-050FD7CC78E9}" sibTransId="{4600B8B0-7994-4097-976D-D95042D10283}"/>
+    <dgm:cxn modelId="{F74485F0-C6EE-479B-A278-10E87F20515B}" type="presOf" srcId="{9DD33600-E2EA-41F0-BC79-276B447A5863}" destId="{AD38EE7A-C685-41D3-9F5C-1AD994465E23}" srcOrd="0" destOrd="5" presId="urn:microsoft.com/office/officeart/2005/8/layout/cycle4"/>
+    <dgm:cxn modelId="{36403276-6FD7-4668-B103-79399F018718}" type="presOf" srcId="{1368CFE3-0A9A-4B36-836B-1AEBC9940E5C}" destId="{F3D78921-DB83-4087-84BF-CA064380971F}" srcOrd="1" destOrd="0" presId="urn:microsoft.com/office/officeart/2005/8/layout/cycle4"/>
+    <dgm:cxn modelId="{1DB9E549-2AC6-47AF-BE00-320097EF9399}" srcId="{FBCE19A3-D721-4B98-A277-3D19566594AA}" destId="{45D7C66C-21A9-4954-A2F5-DAFC1289AE71}" srcOrd="1" destOrd="0" parTransId="{68A63A06-EE73-4ABE-A59D-FB2EBF87DA47}" sibTransId="{4F095B39-A51A-429B-8B9D-29DEF454FC27}"/>
+    <dgm:cxn modelId="{18E5E326-788E-42E6-BE34-5F6BC66D82D6}" type="presOf" srcId="{72FD9F94-88C9-476D-8C9A-919906938157}" destId="{74C15D2B-43BE-409A-99E1-4C7BEA41372F}" srcOrd="0" destOrd="0" presId="urn:microsoft.com/office/officeart/2005/8/layout/cycle4"/>
+    <dgm:cxn modelId="{3EF90842-27A3-4AAB-BDB4-CD6F7D687FF0}" srcId="{229CC658-17F7-485B-81E6-84C5CB64CE56}" destId="{590800F9-C1B5-4675-A3AB-D811E378AF05}" srcOrd="6" destOrd="0" parTransId="{6FC8296F-9C36-4858-A38A-FDCA4AB7324D}" sibTransId="{1E991C9A-5816-4263-B847-1C62E1EC2BC1}"/>
+    <dgm:cxn modelId="{3CA1DDC0-CD32-4ED2-A12D-1A23D528CBF8}" srcId="{2D031A4E-6057-48B1-8E38-36E548142570}" destId="{8E690A76-C033-4472-8259-1206B1C1564B}" srcOrd="3" destOrd="0" parTransId="{2566F905-3745-4078-91EA-704576A3B51B}" sibTransId="{8DB5DA93-3108-4189-8FD0-EC40B671BB68}"/>
+    <dgm:cxn modelId="{AA7E0755-0270-4E49-8D89-3B3AC0DEE98E}" srcId="{5B70F174-ADD8-4DEE-99BE-5DC989B830BF}" destId="{72FD9F94-88C9-476D-8C9A-919906938157}" srcOrd="0" destOrd="0" parTransId="{A5CD97F5-F1A1-4B0C-B345-C762C11900C5}" sibTransId="{E9E65D82-79B5-4DCE-835B-1B39AB75ED07}"/>
+    <dgm:cxn modelId="{6363F2C2-D1D8-4BC6-8249-D18A6A2FBD70}" srcId="{229CC658-17F7-485B-81E6-84C5CB64CE56}" destId="{DD802DD3-B6E1-4B43-BF19-D3CAC637B644}" srcOrd="3" destOrd="0" parTransId="{3B6F9243-F6C3-413F-9D56-B2EB01303651}" sibTransId="{BFB26EB0-8A6E-42BD-8A6C-EF6FED81CE7F}"/>
+    <dgm:cxn modelId="{03703636-9139-463C-9E34-5D1BC0189159}" type="presOf" srcId="{4EB8D186-E220-4E05-A26C-955A383F2873}" destId="{F75FBA98-67BE-4263-8A0A-0D314360C4A0}" srcOrd="0" destOrd="0" presId="urn:microsoft.com/office/officeart/2005/8/layout/cycle4"/>
+    <dgm:cxn modelId="{532B050E-3CD1-4A52-B28B-04338F16358D}" type="presOf" srcId="{C41856E4-530A-496E-AC21-C205B74442A6}" destId="{74C15D2B-43BE-409A-99E1-4C7BEA41372F}" srcOrd="0" destOrd="2" presId="urn:microsoft.com/office/officeart/2005/8/layout/cycle4"/>
+    <dgm:cxn modelId="{EED4C578-E5D1-48D5-8FE9-49A696E8C9AC}" type="presOf" srcId="{9DD33600-E2EA-41F0-BC79-276B447A5863}" destId="{C77DE765-A400-44CD-87F0-68D93169804C}" srcOrd="1" destOrd="5" presId="urn:microsoft.com/office/officeart/2005/8/layout/cycle4"/>
+    <dgm:cxn modelId="{AA0AC17F-CEB8-46BA-A1EF-8EB97FD3FFE5}" srcId="{2D031A4E-6057-48B1-8E38-36E548142570}" destId="{F741F96D-B7AD-4AE3-BDA5-DD267068A900}" srcOrd="2" destOrd="0" parTransId="{3A9A95E2-63DE-4C13-936A-F943975D2489}" sibTransId="{F3087C21-FC40-45D7-B0E3-7242138A6845}"/>
+    <dgm:cxn modelId="{3889F5E9-8DF9-48A3-9B78-597CB21ED848}" type="presOf" srcId="{160CA465-8075-4F42-8EDF-E0C0D4EE26B5}" destId="{516B9BFA-5E3B-40B6-98AD-BE837D1FBAD6}" srcOrd="0" destOrd="2" presId="urn:microsoft.com/office/officeart/2005/8/layout/cycle4"/>
+    <dgm:cxn modelId="{598A0B37-8810-4D6A-B378-7161148B33AB}" type="presOf" srcId="{D6D5A99B-08A8-4F47-B7D1-72FE8EF23A7C}" destId="{C77DE765-A400-44CD-87F0-68D93169804C}" srcOrd="1" destOrd="2" presId="urn:microsoft.com/office/officeart/2005/8/layout/cycle4"/>
+    <dgm:cxn modelId="{F4471316-DBB4-4AD8-8781-8257CA393836}" type="presOf" srcId="{FF530DEB-F94C-4450-94CD-ABAE1A73C6E0}" destId="{516B9BFA-5E3B-40B6-98AD-BE837D1FBAD6}" srcOrd="0" destOrd="7" presId="urn:microsoft.com/office/officeart/2005/8/layout/cycle4"/>
+    <dgm:cxn modelId="{01CB87FF-F202-4B2A-B4FE-316CBC149181}" type="presOf" srcId="{D9C3E7A9-7F86-4BF4-8C07-2951349EC479}" destId="{E4D92571-920E-43BC-919F-5928D57BFA1E}" srcOrd="0" destOrd="0" presId="urn:microsoft.com/office/officeart/2005/8/layout/cycle4"/>
+    <dgm:cxn modelId="{3E71458E-543A-48BD-BC22-20679DF5886E}" type="presOf" srcId="{59CDB8F9-340E-4420-A169-C50DA754611D}" destId="{D6F62F48-A955-4BD3-9DA6-0F478957AD9F}" srcOrd="1" destOrd="5" presId="urn:microsoft.com/office/officeart/2005/8/layout/cycle4"/>
     <dgm:cxn modelId="{16ECF133-6871-4672-80D8-FA6832A6F0CE}" type="presOf" srcId="{1BA1DE21-EB93-4CE6-9A6B-B574FECD5615}" destId="{516B9BFA-5E3B-40B6-98AD-BE837D1FBAD6}" srcOrd="0" destOrd="1" presId="urn:microsoft.com/office/officeart/2005/8/layout/cycle4"/>
-    <dgm:cxn modelId="{68CBD31C-30B7-4269-91DA-8389ABEA3D7E}" type="presOf" srcId="{1035A200-9935-4B25-B536-AED5C4DA8672}" destId="{F75FBA98-67BE-4263-8A0A-0D314360C4A0}" srcOrd="0" destOrd="5" presId="urn:microsoft.com/office/officeart/2005/8/layout/cycle4"/>
-    <dgm:cxn modelId="{ACD35FB6-F067-4D28-8B6B-937F50D8418A}" type="presOf" srcId="{60CDEA60-515D-41D5-B343-C3BEA98CD4F0}" destId="{605F24D5-A60D-4553-8923-B595404D4D94}" srcOrd="1" destOrd="1" presId="urn:microsoft.com/office/officeart/2005/8/layout/cycle4"/>
-    <dgm:cxn modelId="{F91C7B9E-D22B-4CA8-98D7-80D9FAC742C1}" srcId="{2D031A4E-6057-48B1-8E38-36E548142570}" destId="{1035A200-9935-4B25-B536-AED5C4DA8672}" srcOrd="5" destOrd="0" parTransId="{0E9D1C3D-2883-4A91-98B3-621B5C46E299}" sibTransId="{F4B959AD-B54E-4284-BA51-42781B7FD144}"/>
-    <dgm:cxn modelId="{76B31920-B53D-4F59-8168-55EB09F98F85}" srcId="{2D031A4E-6057-48B1-8E38-36E548142570}" destId="{4EB8D186-E220-4E05-A26C-955A383F2873}" srcOrd="0" destOrd="0" parTransId="{B29A5818-0C55-4ACF-96BE-BBB97DDAAC1B}" sibTransId="{C9F8D9DA-A0FA-4D86-9610-80A945B1B906}"/>
-    <dgm:cxn modelId="{F902AB7F-153F-4E21-BBAA-EAB035F9017F}" srcId="{229CC658-17F7-485B-81E6-84C5CB64CE56}" destId="{D198EF0E-3CF7-4B4F-BDB9-3AB7051FFB66}" srcOrd="4" destOrd="0" parTransId="{0BE4D4C2-203C-4E40-AAE4-4ACDA568B7F9}" sibTransId="{55FD516A-40EA-4BE5-AC48-D95C76AD26C6}"/>
-    <dgm:cxn modelId="{CA9D2AEB-B32A-4E49-9A3C-55151282A204}" type="presOf" srcId="{80022D65-0DCA-4F7B-8BD9-E6BCCD73228A}" destId="{74C15D2B-43BE-409A-99E1-4C7BEA41372F}" srcOrd="0" destOrd="7" presId="urn:microsoft.com/office/officeart/2005/8/layout/cycle4"/>
-    <dgm:cxn modelId="{DED88F09-7815-404B-A50F-63B698882E39}" srcId="{229CC658-17F7-485B-81E6-84C5CB64CE56}" destId="{9689A84C-BDA3-4774-8EB3-7EF22590FCE2}" srcOrd="7" destOrd="0" parTransId="{0B68BB9D-4DB3-4652-A3D2-A873B7C14530}" sibTransId="{5E755F08-B40D-44A7-9A12-FEA1E6BBF71F}"/>
-    <dgm:cxn modelId="{58FC554E-7DDA-4FB8-A5DD-81D70DFDBAFB}" srcId="{229CC658-17F7-485B-81E6-84C5CB64CE56}" destId="{1368CFE3-0A9A-4B36-836B-1AEBC9940E5C}" srcOrd="0" destOrd="0" parTransId="{A9935997-E691-4930-9C50-55F66FDFC3AF}" sibTransId="{E05C4454-A2B5-4D64-8689-B4220015A2E9}"/>
-    <dgm:cxn modelId="{01CB87FF-F202-4B2A-B4FE-316CBC149181}" type="presOf" srcId="{D9C3E7A9-7F86-4BF4-8C07-2951349EC479}" destId="{E4D92571-920E-43BC-919F-5928D57BFA1E}" srcOrd="0" destOrd="0" presId="urn:microsoft.com/office/officeart/2005/8/layout/cycle4"/>
-    <dgm:cxn modelId="{F32E7FE6-5AC1-4A85-B2A3-5502E9D41061}" srcId="{5B70F174-ADD8-4DEE-99BE-5DC989B830BF}" destId="{C41856E4-530A-496E-AC21-C205B74442A6}" srcOrd="2" destOrd="0" parTransId="{88B101FD-94F2-49C6-B8FD-8B4F75CD96B1}" sibTransId="{E17AAFEF-CB23-4DD1-9CD3-2752BDD83248}"/>
-    <dgm:cxn modelId="{AA0AC17F-CEB8-46BA-A1EF-8EB97FD3FFE5}" srcId="{2D031A4E-6057-48B1-8E38-36E548142570}" destId="{F741F96D-B7AD-4AE3-BDA5-DD267068A900}" srcOrd="2" destOrd="0" parTransId="{3A9A95E2-63DE-4C13-936A-F943975D2489}" sibTransId="{F3087C21-FC40-45D7-B0E3-7242138A6845}"/>
-    <dgm:cxn modelId="{B8806814-4239-4470-B0DB-EC0E4A137561}" type="presOf" srcId="{CA061732-50DD-484B-BF24-E4DA221DF899}" destId="{74C15D2B-43BE-409A-99E1-4C7BEA41372F}" srcOrd="0" destOrd="1" presId="urn:microsoft.com/office/officeart/2005/8/layout/cycle4"/>
-    <dgm:cxn modelId="{18E5E326-788E-42E6-BE34-5F6BC66D82D6}" type="presOf" srcId="{72FD9F94-88C9-476D-8C9A-919906938157}" destId="{74C15D2B-43BE-409A-99E1-4C7BEA41372F}" srcOrd="0" destOrd="0" presId="urn:microsoft.com/office/officeart/2005/8/layout/cycle4"/>
-    <dgm:cxn modelId="{3327E38B-5462-45A5-A73A-D62FC3C385F0}" type="presOf" srcId="{160CA465-8075-4F42-8EDF-E0C0D4EE26B5}" destId="{F3D78921-DB83-4087-84BF-CA064380971F}" srcOrd="1" destOrd="2" presId="urn:microsoft.com/office/officeart/2005/8/layout/cycle4"/>
-    <dgm:cxn modelId="{6D0BA419-FE5A-4451-910F-78D614926B4C}" type="presOf" srcId="{CA061732-50DD-484B-BF24-E4DA221DF899}" destId="{D6F62F48-A955-4BD3-9DA6-0F478957AD9F}" srcOrd="1" destOrd="1" presId="urn:microsoft.com/office/officeart/2005/8/layout/cycle4"/>
-    <dgm:cxn modelId="{872AF686-98A8-4093-8AE2-0FF738560D63}" type="presOf" srcId="{DD802DD3-B6E1-4B43-BF19-D3CAC637B644}" destId="{516B9BFA-5E3B-40B6-98AD-BE837D1FBAD6}" srcOrd="0" destOrd="3" presId="urn:microsoft.com/office/officeart/2005/8/layout/cycle4"/>
-    <dgm:cxn modelId="{57AB4779-EDC9-4C69-91A8-6CFBA1600D9C}" type="presOf" srcId="{59CDB8F9-340E-4420-A169-C50DA754611D}" destId="{74C15D2B-43BE-409A-99E1-4C7BEA41372F}" srcOrd="0" destOrd="6" presId="urn:microsoft.com/office/officeart/2005/8/layout/cycle4"/>
-    <dgm:cxn modelId="{651F8C68-394E-4BC3-B639-01D29ACA0F5E}" type="presOf" srcId="{1D9DA52D-6A98-4C75-9627-0E05EB9F6AE8}" destId="{74C15D2B-43BE-409A-99E1-4C7BEA41372F}" srcOrd="0" destOrd="4" presId="urn:microsoft.com/office/officeart/2005/8/layout/cycle4"/>
-    <dgm:cxn modelId="{7DA65181-EAFB-46D8-98E6-E7716A599EFE}" srcId="{2D031A4E-6057-48B1-8E38-36E548142570}" destId="{FA152986-4468-4ADC-9BD1-E754AD98A0F0}" srcOrd="4" destOrd="0" parTransId="{2539D9DF-33F4-4531-9565-9FDAF4DB711C}" sibTransId="{B679F5A3-A14E-4C1C-A9A2-54A0940EE994}"/>
-    <dgm:cxn modelId="{F4471316-DBB4-4AD8-8781-8257CA393836}" type="presOf" srcId="{FF530DEB-F94C-4450-94CD-ABAE1A73C6E0}" destId="{516B9BFA-5E3B-40B6-98AD-BE837D1FBAD6}" srcOrd="0" destOrd="6" presId="urn:microsoft.com/office/officeart/2005/8/layout/cycle4"/>
-    <dgm:cxn modelId="{3169CC56-6EA9-4CCD-B648-419112024CA2}" srcId="{2D031A4E-6057-48B1-8E38-36E548142570}" destId="{60CDEA60-515D-41D5-B343-C3BEA98CD4F0}" srcOrd="1" destOrd="0" parTransId="{0BCEFBA4-62B2-4A19-A1AD-43B402EE1D0D}" sibTransId="{92993B39-66E8-4C33-B5D8-09B5119D7E62}"/>
-    <dgm:cxn modelId="{EEEABA77-4253-4A73-AB2D-C4ECAD909F16}" srcId="{229CC658-17F7-485B-81E6-84C5CB64CE56}" destId="{160CA465-8075-4F42-8EDF-E0C0D4EE26B5}" srcOrd="2" destOrd="0" parTransId="{DE222E17-B1B2-4192-BAED-2DED11422A4D}" sibTransId="{61FC8075-1324-460A-A27E-7866CEAC9890}"/>
-    <dgm:cxn modelId="{5A5C28F9-6CC6-4B64-9C2A-BC38F3104F86}" srcId="{D9C3E7A9-7F86-4BF4-8C07-2951349EC479}" destId="{229CC658-17F7-485B-81E6-84C5CB64CE56}" srcOrd="1" destOrd="0" parTransId="{5CD5D26E-2272-41B0-8078-4441758FDDBF}" sibTransId="{29880934-D545-4E63-9FC6-DD5BEBC18274}"/>
-    <dgm:cxn modelId="{8CB3C452-B6B2-4A0A-94A1-37AC4E48045C}" type="presOf" srcId="{C188AC6A-D555-4C98-A6B2-82002D1E5D97}" destId="{AD38EE7A-C685-41D3-9F5C-1AD994465E23}" srcOrd="0" destOrd="2" presId="urn:microsoft.com/office/officeart/2005/8/layout/cycle4"/>
-    <dgm:cxn modelId="{6137ECF8-E649-439C-8C78-8681B002636D}" type="presOf" srcId="{F741F96D-B7AD-4AE3-BDA5-DD267068A900}" destId="{605F24D5-A60D-4553-8923-B595404D4D94}" srcOrd="1" destOrd="2" presId="urn:microsoft.com/office/officeart/2005/8/layout/cycle4"/>
-    <dgm:cxn modelId="{F704A69A-457C-4F89-B559-5FFF6C63B101}" type="presOf" srcId="{229CC658-17F7-485B-81E6-84C5CB64CE56}" destId="{E7D18CCD-34F1-4E56-9739-0BAD073A51D3}" srcOrd="0" destOrd="0" presId="urn:microsoft.com/office/officeart/2005/8/layout/cycle4"/>
-    <dgm:cxn modelId="{6151EA3D-1164-482F-A7F7-E82F5E53EDA3}" type="presOf" srcId="{80022D65-0DCA-4F7B-8BD9-E6BCCD73228A}" destId="{D6F62F48-A955-4BD3-9DA6-0F478957AD9F}" srcOrd="1" destOrd="7" presId="urn:microsoft.com/office/officeart/2005/8/layout/cycle4"/>
-    <dgm:cxn modelId="{1C247A1A-ADC0-4595-B51E-CBDE2D9D832A}" type="presOf" srcId="{62CAA66D-FD6E-4EB1-944B-47B25173CA0D}" destId="{C77DE765-A400-44CD-87F0-68D93169804C}" srcOrd="1" destOrd="0" presId="urn:microsoft.com/office/officeart/2005/8/layout/cycle4"/>
-    <dgm:cxn modelId="{AFDB3887-2A40-4741-896B-61FC10642C6F}" type="presOf" srcId="{FA152986-4468-4ADC-9BD1-E754AD98A0F0}" destId="{F75FBA98-67BE-4263-8A0A-0D314360C4A0}" srcOrd="0" destOrd="4" presId="urn:microsoft.com/office/officeart/2005/8/layout/cycle4"/>
-    <dgm:cxn modelId="{AF54E96B-1184-465E-879A-2776600CB17B}" type="presOf" srcId="{9689A84C-BDA3-4774-8EB3-7EF22590FCE2}" destId="{516B9BFA-5E3B-40B6-98AD-BE837D1FBAD6}" srcOrd="0" destOrd="7" presId="urn:microsoft.com/office/officeart/2005/8/layout/cycle4"/>
-    <dgm:cxn modelId="{03703636-9139-463C-9E34-5D1BC0189159}" type="presOf" srcId="{4EB8D186-E220-4E05-A26C-955A383F2873}" destId="{F75FBA98-67BE-4263-8A0A-0D314360C4A0}" srcOrd="0" destOrd="0" presId="urn:microsoft.com/office/officeart/2005/8/layout/cycle4"/>
-    <dgm:cxn modelId="{1DB9E549-2AC6-47AF-BE00-320097EF9399}" srcId="{FBCE19A3-D721-4B98-A277-3D19566594AA}" destId="{45D7C66C-21A9-4954-A2F5-DAFC1289AE71}" srcOrd="1" destOrd="0" parTransId="{68A63A06-EE73-4ABE-A59D-FB2EBF87DA47}" sibTransId="{4F095B39-A51A-429B-8B9D-29DEF454FC27}"/>
-    <dgm:cxn modelId="{0B448980-5FA5-4E0A-B7FD-9AF38798058E}" type="presOf" srcId="{12CEFC82-130D-4334-8520-475EDE57E5DA}" destId="{F75FBA98-67BE-4263-8A0A-0D314360C4A0}" srcOrd="0" destOrd="3" presId="urn:microsoft.com/office/officeart/2005/8/layout/cycle4"/>
-    <dgm:cxn modelId="{A16A0485-D183-4E72-A835-426546960057}" srcId="{FBCE19A3-D721-4B98-A277-3D19566594AA}" destId="{C188AC6A-D555-4C98-A6B2-82002D1E5D97}" srcOrd="2" destOrd="0" parTransId="{35379D12-FE00-49CF-B79B-2D9068AD872B}" sibTransId="{4F554B4B-E2B7-4441-9DE5-FC206D280D80}"/>
-    <dgm:cxn modelId="{ED20A277-C23B-42D3-A730-AEB4D1985E76}" type="presOf" srcId="{550EAA0D-A91C-4EEB-96C3-7709F12F2935}" destId="{D6F62F48-A955-4BD3-9DA6-0F478957AD9F}" srcOrd="1" destOrd="5" presId="urn:microsoft.com/office/officeart/2005/8/layout/cycle4"/>
+    <dgm:cxn modelId="{7B317A10-AA1A-4705-BFE8-E98D5DF0E9B4}" type="presOf" srcId="{C188AC6A-D555-4C98-A6B2-82002D1E5D97}" destId="{C77DE765-A400-44CD-87F0-68D93169804C}" srcOrd="1" destOrd="3" presId="urn:microsoft.com/office/officeart/2005/8/layout/cycle4"/>
+    <dgm:cxn modelId="{0E959D05-5420-43FE-A50F-0854189CF6DB}" srcId="{FBCE19A3-D721-4B98-A277-3D19566594AA}" destId="{52C35C50-B98B-48BD-A26B-A329AAEE39BF}" srcOrd="4" destOrd="0" parTransId="{1412A6EF-E42B-4AC5-8AC4-9E4E830F0D55}" sibTransId="{28D07EAB-7DD5-499E-99CB-0618CEBE239C}"/>
+    <dgm:cxn modelId="{68563AEC-F4C4-4483-82E8-4051AAB0F6ED}" type="presOf" srcId="{9689A84C-BDA3-4774-8EB3-7EF22590FCE2}" destId="{F3D78921-DB83-4087-84BF-CA064380971F}" srcOrd="1" destOrd="8" presId="urn:microsoft.com/office/officeart/2005/8/layout/cycle4"/>
+    <dgm:cxn modelId="{CFF9BB48-14DF-452D-A5A0-E7F0851FBA5F}" type="presOf" srcId="{5148C357-227B-4DDF-BD97-0879EAB26092}" destId="{F3D78921-DB83-4087-84BF-CA064380971F}" srcOrd="1" destOrd="4" presId="urn:microsoft.com/office/officeart/2005/8/layout/cycle4"/>
+    <dgm:cxn modelId="{C952C476-775B-458C-9CEC-F0D13814672C}" type="presOf" srcId="{62CAA66D-FD6E-4EB1-944B-47B25173CA0D}" destId="{AD38EE7A-C685-41D3-9F5C-1AD994465E23}" srcOrd="0" destOrd="0" presId="urn:microsoft.com/office/officeart/2005/8/layout/cycle4"/>
+    <dgm:cxn modelId="{2278E8E3-B906-4D35-BE1A-EB4910E7D964}" type="presOf" srcId="{C41856E4-530A-496E-AC21-C205B74442A6}" destId="{D6F62F48-A955-4BD3-9DA6-0F478957AD9F}" srcOrd="1" destOrd="2" presId="urn:microsoft.com/office/officeart/2005/8/layout/cycle4"/>
+    <dgm:cxn modelId="{B5DFA36A-32E6-47E1-B64C-8197DA6FB91B}" srcId="{FBCE19A3-D721-4B98-A277-3D19566594AA}" destId="{9DD33600-E2EA-41F0-BC79-276B447A5863}" srcOrd="5" destOrd="0" parTransId="{E654948A-1787-413E-B353-8CA269666F7B}" sibTransId="{DD656590-F75A-4E1E-9E20-24BF6BCD5892}"/>
+    <dgm:cxn modelId="{BCDC90BC-EF02-4B41-BA09-F8DCEC4DA384}" type="presOf" srcId="{52C35C50-B98B-48BD-A26B-A329AAEE39BF}" destId="{C77DE765-A400-44CD-87F0-68D93169804C}" srcOrd="1" destOrd="4" presId="urn:microsoft.com/office/officeart/2005/8/layout/cycle4"/>
+    <dgm:cxn modelId="{E6CB77DA-DDB2-46B8-80E0-851BD690F9B6}" srcId="{5B70F174-ADD8-4DEE-99BE-5DC989B830BF}" destId="{072DBADF-0DF6-47F9-B282-788F190BD2A4}" srcOrd="7" destOrd="0" parTransId="{29616359-7825-4622-B081-829B17386B2F}" sibTransId="{527750BC-C093-4CF6-B5E3-6C1EF3BAC328}"/>
+    <dgm:cxn modelId="{107FB629-D55E-4D6E-973E-C99DCBB191F3}" type="presOf" srcId="{1D9DA52D-6A98-4C75-9627-0E05EB9F6AE8}" destId="{D6F62F48-A955-4BD3-9DA6-0F478957AD9F}" srcOrd="1" destOrd="4" presId="urn:microsoft.com/office/officeart/2005/8/layout/cycle4"/>
+    <dgm:cxn modelId="{CA9D2AEB-B32A-4E49-9A3C-55151282A204}" type="presOf" srcId="{80022D65-0DCA-4F7B-8BD9-E6BCCD73228A}" destId="{74C15D2B-43BE-409A-99E1-4C7BEA41372F}" srcOrd="0" destOrd="6" presId="urn:microsoft.com/office/officeart/2005/8/layout/cycle4"/>
     <dgm:cxn modelId="{411F0D8E-DD2A-448F-981A-A42B6006A1DE}" srcId="{5B70F174-ADD8-4DEE-99BE-5DC989B830BF}" destId="{CA061732-50DD-484B-BF24-E4DA221DF899}" srcOrd="1" destOrd="0" parTransId="{9F71BB44-68DD-4C31-8C31-45D4DF31AA92}" sibTransId="{93905A20-C5F0-4C40-B7F3-0D29B2AB668B}"/>
-    <dgm:cxn modelId="{BF86B2F6-8F56-401F-BFF2-F2483E0B3AD2}" type="presOf" srcId="{D198EF0E-3CF7-4B4F-BDB9-3AB7051FFB66}" destId="{F3D78921-DB83-4087-84BF-CA064380971F}" srcOrd="1" destOrd="4" presId="urn:microsoft.com/office/officeart/2005/8/layout/cycle4"/>
+    <dgm:cxn modelId="{AFDE4B30-01FF-4576-8F6D-F2C0EBE36F5C}" type="presOf" srcId="{2D031A4E-6057-48B1-8E38-36E548142570}" destId="{CE6366C0-1569-4A15-B9CE-069B03284478}" srcOrd="0" destOrd="0" presId="urn:microsoft.com/office/officeart/2005/8/layout/cycle4"/>
     <dgm:cxn modelId="{11DF155A-FB7D-4671-AC3C-77F22095514C}" type="presOf" srcId="{DDDE02D3-42D4-4C16-B293-6FF0F0003A22}" destId="{74C15D2B-43BE-409A-99E1-4C7BEA41372F}" srcOrd="0" destOrd="3" presId="urn:microsoft.com/office/officeart/2005/8/layout/cycle4"/>
     <dgm:cxn modelId="{87B023D0-E46D-4BAB-AF48-4A05D18587A5}" type="presOf" srcId="{60CDEA60-515D-41D5-B343-C3BEA98CD4F0}" destId="{F75FBA98-67BE-4263-8A0A-0D314360C4A0}" srcOrd="0" destOrd="1" presId="urn:microsoft.com/office/officeart/2005/8/layout/cycle4"/>
-    <dgm:cxn modelId="{9EA661FA-F9EA-4F7B-B002-43871227EFF0}" type="presOf" srcId="{5B70F174-ADD8-4DEE-99BE-5DC989B830BF}" destId="{BAE0A4B9-FAE5-408A-9164-19C9A218F095}" srcOrd="0" destOrd="0" presId="urn:microsoft.com/office/officeart/2005/8/layout/cycle4"/>
-    <dgm:cxn modelId="{FA4F1599-63D9-45B1-9F9C-DAE45CAB2059}" type="presOf" srcId="{FBCE19A3-D721-4B98-A277-3D19566594AA}" destId="{E5EC745D-1674-4010-B81B-6433AC14FEEF}" srcOrd="0" destOrd="0" presId="urn:microsoft.com/office/officeart/2005/8/layout/cycle4"/>
-    <dgm:cxn modelId="{64478AA8-404C-49B8-9C22-F91D99C65B8A}" srcId="{5B70F174-ADD8-4DEE-99BE-5DC989B830BF}" destId="{550EAA0D-A91C-4EEB-96C3-7709F12F2935}" srcOrd="5" destOrd="0" parTransId="{48D0AE93-2B0A-4B1F-BE95-80759E5B5550}" sibTransId="{E126B19B-4D80-4654-B028-A637DD19CCD8}"/>
-    <dgm:cxn modelId="{6363F2C2-D1D8-4BC6-8249-D18A6A2FBD70}" srcId="{229CC658-17F7-485B-81E6-84C5CB64CE56}" destId="{DD802DD3-B6E1-4B43-BF19-D3CAC637B644}" srcOrd="3" destOrd="0" parTransId="{3B6F9243-F6C3-413F-9D56-B2EB01303651}" sibTransId="{BFB26EB0-8A6E-42BD-8A6C-EF6FED81CE7F}"/>
-    <dgm:cxn modelId="{2FC24792-74FC-4D58-8631-BBDD94D0E52D}" srcId="{5B70F174-ADD8-4DEE-99BE-5DC989B830BF}" destId="{DDDE02D3-42D4-4C16-B293-6FF0F0003A22}" srcOrd="3" destOrd="0" parTransId="{C5D01856-A430-4CE9-9BC1-FBAC6B0BC425}" sibTransId="{68DBB093-8AC7-4281-AE2E-7D0D38DDC5A7}"/>
+    <dgm:cxn modelId="{BF86B2F6-8F56-401F-BFF2-F2483E0B3AD2}" type="presOf" srcId="{D198EF0E-3CF7-4B4F-BDB9-3AB7051FFB66}" destId="{F3D78921-DB83-4087-84BF-CA064380971F}" srcOrd="1" destOrd="5" presId="urn:microsoft.com/office/officeart/2005/8/layout/cycle4"/>
+    <dgm:cxn modelId="{FC45F6D2-CDDB-49E2-8BBB-47A7781031C9}" type="presOf" srcId="{1035A200-9935-4B25-B536-AED5C4DA8672}" destId="{605F24D5-A60D-4553-8923-B595404D4D94}" srcOrd="1" destOrd="5" presId="urn:microsoft.com/office/officeart/2005/8/layout/cycle4"/>
+    <dgm:cxn modelId="{D31C5200-6B99-4658-9916-AC2CD07F7B17}" srcId="{229CC658-17F7-485B-81E6-84C5CB64CE56}" destId="{1BA1DE21-EB93-4CE6-9A6B-B574FECD5615}" srcOrd="1" destOrd="0" parTransId="{617FD20E-684B-48DE-8CF7-9F8BD7B91120}" sibTransId="{AAC983AB-0B94-4C0A-90E9-392305E80872}"/>
+    <dgm:cxn modelId="{69C62545-8E25-421C-A8A0-9EC2C83CFB0D}" type="presOf" srcId="{590800F9-C1B5-4675-A3AB-D811E378AF05}" destId="{F3D78921-DB83-4087-84BF-CA064380971F}" srcOrd="1" destOrd="6" presId="urn:microsoft.com/office/officeart/2005/8/layout/cycle4"/>
+    <dgm:cxn modelId="{5A5C28F9-6CC6-4B64-9C2A-BC38F3104F86}" srcId="{D9C3E7A9-7F86-4BF4-8C07-2951349EC479}" destId="{229CC658-17F7-485B-81E6-84C5CB64CE56}" srcOrd="1" destOrd="0" parTransId="{5CD5D26E-2272-41B0-8078-4441758FDDBF}" sibTransId="{29880934-D545-4E63-9FC6-DD5BEBC18274}"/>
+    <dgm:cxn modelId="{8D35798C-6BEC-4176-A710-5F8C926CC3E9}" srcId="{FBCE19A3-D721-4B98-A277-3D19566594AA}" destId="{D6D5A99B-08A8-4F47-B7D1-72FE8EF23A7C}" srcOrd="2" destOrd="0" parTransId="{CDCB38A3-1B07-48AB-B825-08A18B0655E2}" sibTransId="{D1AD6471-03D0-4430-A690-CEBF3DA6A5F5}"/>
+    <dgm:cxn modelId="{F4B34777-0F3E-4FFC-ABF9-359A29C415E1}" srcId="{5B70F174-ADD8-4DEE-99BE-5DC989B830BF}" destId="{80022D65-0DCA-4F7B-8BD9-E6BCCD73228A}" srcOrd="6" destOrd="0" parTransId="{158FFDB6-F48A-4205-B53E-59F0598B292E}" sibTransId="{04C046E4-FDA9-4076-9724-915853037DA0}"/>
+    <dgm:cxn modelId="{881CF177-375E-484F-B3DA-21839AAA5392}" type="presOf" srcId="{8E690A76-C033-4472-8259-1206B1C1564B}" destId="{605F24D5-A60D-4553-8923-B595404D4D94}" srcOrd="1" destOrd="3" presId="urn:microsoft.com/office/officeart/2005/8/layout/cycle4"/>
+    <dgm:cxn modelId="{2155981B-A79F-4912-8A22-0E3836C90085}" srcId="{FBCE19A3-D721-4B98-A277-3D19566594AA}" destId="{62CAA66D-FD6E-4EB1-944B-47B25173CA0D}" srcOrd="0" destOrd="0" parTransId="{0E4A5483-2E3C-4FE1-B15B-293C64CD473A}" sibTransId="{ACA27EB5-D52A-491E-92D5-0EE312129358}"/>
+    <dgm:cxn modelId="{8CB3C452-B6B2-4A0A-94A1-37AC4E48045C}" type="presOf" srcId="{C188AC6A-D555-4C98-A6B2-82002D1E5D97}" destId="{AD38EE7A-C685-41D3-9F5C-1AD994465E23}" srcOrd="0" destOrd="3" presId="urn:microsoft.com/office/officeart/2005/8/layout/cycle4"/>
+    <dgm:cxn modelId="{651F8C68-394E-4BC3-B639-01D29ACA0F5E}" type="presOf" srcId="{1D9DA52D-6A98-4C75-9627-0E05EB9F6AE8}" destId="{74C15D2B-43BE-409A-99E1-4C7BEA41372F}" srcOrd="0" destOrd="4" presId="urn:microsoft.com/office/officeart/2005/8/layout/cycle4"/>
+    <dgm:cxn modelId="{6D904414-526B-45B7-9892-75DCFDA17A1A}" type="presOf" srcId="{590800F9-C1B5-4675-A3AB-D811E378AF05}" destId="{516B9BFA-5E3B-40B6-98AD-BE837D1FBAD6}" srcOrd="0" destOrd="6" presId="urn:microsoft.com/office/officeart/2005/8/layout/cycle4"/>
+    <dgm:cxn modelId="{6D0BA419-FE5A-4451-910F-78D614926B4C}" type="presOf" srcId="{CA061732-50DD-484B-BF24-E4DA221DF899}" destId="{D6F62F48-A955-4BD3-9DA6-0F478957AD9F}" srcOrd="1" destOrd="1" presId="urn:microsoft.com/office/officeart/2005/8/layout/cycle4"/>
+    <dgm:cxn modelId="{A42AB544-D736-4B59-8BE3-CBEA3731E035}" type="presOf" srcId="{8E690A76-C033-4472-8259-1206B1C1564B}" destId="{F75FBA98-67BE-4263-8A0A-0D314360C4A0}" srcOrd="0" destOrd="3" presId="urn:microsoft.com/office/officeart/2005/8/layout/cycle4"/>
+    <dgm:cxn modelId="{3169CC56-6EA9-4CCD-B648-419112024CA2}" srcId="{2D031A4E-6057-48B1-8E38-36E548142570}" destId="{60CDEA60-515D-41D5-B343-C3BEA98CD4F0}" srcOrd="1" destOrd="0" parTransId="{0BCEFBA4-62B2-4A19-A1AD-43B402EE1D0D}" sibTransId="{92993B39-66E8-4C33-B5D8-09B5119D7E62}"/>
+    <dgm:cxn modelId="{C68D1C28-9F54-452A-9B8F-C75B7F560325}" type="presOf" srcId="{FA152986-4468-4ADC-9BD1-E754AD98A0F0}" destId="{605F24D5-A60D-4553-8923-B595404D4D94}" srcOrd="1" destOrd="4" presId="urn:microsoft.com/office/officeart/2005/8/layout/cycle4"/>
+    <dgm:cxn modelId="{A16A0485-D183-4E72-A835-426546960057}" srcId="{FBCE19A3-D721-4B98-A277-3D19566594AA}" destId="{C188AC6A-D555-4C98-A6B2-82002D1E5D97}" srcOrd="3" destOrd="0" parTransId="{35379D12-FE00-49CF-B79B-2D9068AD872B}" sibTransId="{4F554B4B-E2B7-4441-9DE5-FC206D280D80}"/>
     <dgm:cxn modelId="{5104EB82-6A9C-4AB3-ABBD-D99487C04AA5}" type="presOf" srcId="{4EB8D186-E220-4E05-A26C-955A383F2873}" destId="{605F24D5-A60D-4553-8923-B595404D4D94}" srcOrd="1" destOrd="0" presId="urn:microsoft.com/office/officeart/2005/8/layout/cycle4"/>
-    <dgm:cxn modelId="{6D904414-526B-45B7-9892-75DCFDA17A1A}" type="presOf" srcId="{590800F9-C1B5-4675-A3AB-D811E378AF05}" destId="{516B9BFA-5E3B-40B6-98AD-BE837D1FBAD6}" srcOrd="0" destOrd="5" presId="urn:microsoft.com/office/officeart/2005/8/layout/cycle4"/>
-    <dgm:cxn modelId="{D86D5110-CA4F-472E-81A4-3913A849F320}" type="presOf" srcId="{45D7C66C-21A9-4954-A2F5-DAFC1289AE71}" destId="{AD38EE7A-C685-41D3-9F5C-1AD994465E23}" srcOrd="0" destOrd="1" presId="urn:microsoft.com/office/officeart/2005/8/layout/cycle4"/>
-    <dgm:cxn modelId="{898C26E6-ACBE-4333-B8B8-3726CD591357}" type="presOf" srcId="{F741F96D-B7AD-4AE3-BDA5-DD267068A900}" destId="{F75FBA98-67BE-4263-8A0A-0D314360C4A0}" srcOrd="0" destOrd="2" presId="urn:microsoft.com/office/officeart/2005/8/layout/cycle4"/>
-    <dgm:cxn modelId="{7B317A10-AA1A-4705-BFE8-E98D5DF0E9B4}" type="presOf" srcId="{C188AC6A-D555-4C98-A6B2-82002D1E5D97}" destId="{C77DE765-A400-44CD-87F0-68D93169804C}" srcOrd="1" destOrd="2" presId="urn:microsoft.com/office/officeart/2005/8/layout/cycle4"/>
-    <dgm:cxn modelId="{3889F5E9-8DF9-48A3-9B78-597CB21ED848}" type="presOf" srcId="{160CA465-8075-4F42-8EDF-E0C0D4EE26B5}" destId="{516B9BFA-5E3B-40B6-98AD-BE837D1FBAD6}" srcOrd="0" destOrd="2" presId="urn:microsoft.com/office/officeart/2005/8/layout/cycle4"/>
-    <dgm:cxn modelId="{AA7E0755-0270-4E49-8D89-3B3AC0DEE98E}" srcId="{5B70F174-ADD8-4DEE-99BE-5DC989B830BF}" destId="{72FD9F94-88C9-476D-8C9A-919906938157}" srcOrd="0" destOrd="0" parTransId="{A5CD97F5-F1A1-4B0C-B345-C762C11900C5}" sibTransId="{E9E65D82-79B5-4DCE-835B-1B39AB75ED07}"/>
-    <dgm:cxn modelId="{977B859E-070B-45D0-ACE5-6770A266FA71}" type="presOf" srcId="{72FD9F94-88C9-476D-8C9A-919906938157}" destId="{D6F62F48-A955-4BD3-9DA6-0F478957AD9F}" srcOrd="1" destOrd="0" presId="urn:microsoft.com/office/officeart/2005/8/layout/cycle4"/>
-    <dgm:cxn modelId="{68563AEC-F4C4-4483-82E8-4051AAB0F6ED}" type="presOf" srcId="{9689A84C-BDA3-4774-8EB3-7EF22590FCE2}" destId="{F3D78921-DB83-4087-84BF-CA064380971F}" srcOrd="1" destOrd="7" presId="urn:microsoft.com/office/officeart/2005/8/layout/cycle4"/>
-    <dgm:cxn modelId="{D31C5200-6B99-4658-9916-AC2CD07F7B17}" srcId="{229CC658-17F7-485B-81E6-84C5CB64CE56}" destId="{1BA1DE21-EB93-4CE6-9A6B-B574FECD5615}" srcOrd="1" destOrd="0" parTransId="{617FD20E-684B-48DE-8CF7-9F8BD7B91120}" sibTransId="{AAC983AB-0B94-4C0A-90E9-392305E80872}"/>
-    <dgm:cxn modelId="{07CF636A-0C2B-44C9-ABF7-7A4CA3145B7F}" type="presOf" srcId="{DDDE02D3-42D4-4C16-B293-6FF0F0003A22}" destId="{D6F62F48-A955-4BD3-9DA6-0F478957AD9F}" srcOrd="1" destOrd="3" presId="urn:microsoft.com/office/officeart/2005/8/layout/cycle4"/>
-    <dgm:cxn modelId="{B668EBC8-3194-4F16-B98F-D077D3AA1BCB}" srcId="{D9C3E7A9-7F86-4BF4-8C07-2951349EC479}" destId="{FBCE19A3-D721-4B98-A277-3D19566594AA}" srcOrd="3" destOrd="0" parTransId="{37587B53-9AFA-413A-A19C-0614993DFCDE}" sibTransId="{B00D2F5D-2F06-4066-9729-05C0503B7AD4}"/>
-    <dgm:cxn modelId="{36403276-6FD7-4668-B103-79399F018718}" type="presOf" srcId="{1368CFE3-0A9A-4B36-836B-1AEBC9940E5C}" destId="{F3D78921-DB83-4087-84BF-CA064380971F}" srcOrd="1" destOrd="0" presId="urn:microsoft.com/office/officeart/2005/8/layout/cycle4"/>
-    <dgm:cxn modelId="{0DC33318-D64F-430F-BA36-A312F690027D}" type="presOf" srcId="{45D7C66C-21A9-4954-A2F5-DAFC1289AE71}" destId="{C77DE765-A400-44CD-87F0-68D93169804C}" srcOrd="1" destOrd="1" presId="urn:microsoft.com/office/officeart/2005/8/layout/cycle4"/>
-    <dgm:cxn modelId="{3EF90842-27A3-4AAB-BDB4-CD6F7D687FF0}" srcId="{229CC658-17F7-485B-81E6-84C5CB64CE56}" destId="{590800F9-C1B5-4675-A3AB-D811E378AF05}" srcOrd="5" destOrd="0" parTransId="{6FC8296F-9C36-4858-A38A-FDCA4AB7324D}" sibTransId="{1E991C9A-5816-4263-B847-1C62E1EC2BC1}"/>
-    <dgm:cxn modelId="{5A6D3E64-9EF3-48E1-A60A-466B5CF5A531}" type="presOf" srcId="{550EAA0D-A91C-4EEB-96C3-7709F12F2935}" destId="{74C15D2B-43BE-409A-99E1-4C7BEA41372F}" srcOrd="0" destOrd="5" presId="urn:microsoft.com/office/officeart/2005/8/layout/cycle4"/>
-    <dgm:cxn modelId="{C952C476-775B-458C-9CEC-F0D13814672C}" type="presOf" srcId="{62CAA66D-FD6E-4EB1-944B-47B25173CA0D}" destId="{AD38EE7A-C685-41D3-9F5C-1AD994465E23}" srcOrd="0" destOrd="0" presId="urn:microsoft.com/office/officeart/2005/8/layout/cycle4"/>
-    <dgm:cxn modelId="{2E45A873-4F1C-468B-92C3-7A652D19035A}" type="presOf" srcId="{D198EF0E-3CF7-4B4F-BDB9-3AB7051FFB66}" destId="{516B9BFA-5E3B-40B6-98AD-BE837D1FBAD6}" srcOrd="0" destOrd="4" presId="urn:microsoft.com/office/officeart/2005/8/layout/cycle4"/>
-    <dgm:cxn modelId="{2F1FDE87-B967-4164-A09C-5FEF9E9D5FE1}" type="presOf" srcId="{FF530DEB-F94C-4450-94CD-ABAE1A73C6E0}" destId="{F3D78921-DB83-4087-84BF-CA064380971F}" srcOrd="1" destOrd="6" presId="urn:microsoft.com/office/officeart/2005/8/layout/cycle4"/>
-    <dgm:cxn modelId="{2278E8E3-B906-4D35-BE1A-EB4910E7D964}" type="presOf" srcId="{C41856E4-530A-496E-AC21-C205B74442A6}" destId="{D6F62F48-A955-4BD3-9DA6-0F478957AD9F}" srcOrd="1" destOrd="2" presId="urn:microsoft.com/office/officeart/2005/8/layout/cycle4"/>
-    <dgm:cxn modelId="{5CDB0996-7166-49CB-8D1D-4A34A83672B3}" srcId="{229CC658-17F7-485B-81E6-84C5CB64CE56}" destId="{FF530DEB-F94C-4450-94CD-ABAE1A73C6E0}" srcOrd="6" destOrd="0" parTransId="{D5794C1B-E87D-4F24-B354-71C1E5733589}" sibTransId="{C4A235A8-166B-4FB6-AF03-FD5C27F28E2A}"/>
-    <dgm:cxn modelId="{08FB9D3A-181E-4465-80E4-18D9B04A2D64}" type="presOf" srcId="{1368CFE3-0A9A-4B36-836B-1AEBC9940E5C}" destId="{516B9BFA-5E3B-40B6-98AD-BE837D1FBAD6}" srcOrd="0" destOrd="0" presId="urn:microsoft.com/office/officeart/2005/8/layout/cycle4"/>
-    <dgm:cxn modelId="{532B050E-3CD1-4A52-B28B-04338F16358D}" type="presOf" srcId="{C41856E4-530A-496E-AC21-C205B74442A6}" destId="{74C15D2B-43BE-409A-99E1-4C7BEA41372F}" srcOrd="0" destOrd="2" presId="urn:microsoft.com/office/officeart/2005/8/layout/cycle4"/>
-    <dgm:cxn modelId="{C68D1C28-9F54-452A-9B8F-C75B7F560325}" type="presOf" srcId="{FA152986-4468-4ADC-9BD1-E754AD98A0F0}" destId="{605F24D5-A60D-4553-8923-B595404D4D94}" srcOrd="1" destOrd="4" presId="urn:microsoft.com/office/officeart/2005/8/layout/cycle4"/>
-    <dgm:cxn modelId="{FC45F6D2-CDDB-49E2-8BBB-47A7781031C9}" type="presOf" srcId="{1035A200-9935-4B25-B536-AED5C4DA8672}" destId="{605F24D5-A60D-4553-8923-B595404D4D94}" srcOrd="1" destOrd="5" presId="urn:microsoft.com/office/officeart/2005/8/layout/cycle4"/>
-    <dgm:cxn modelId="{AFDE4B30-01FF-4576-8F6D-F2C0EBE36F5C}" type="presOf" srcId="{2D031A4E-6057-48B1-8E38-36E548142570}" destId="{CE6366C0-1569-4A15-B9CE-069B03284478}" srcOrd="0" destOrd="0" presId="urn:microsoft.com/office/officeart/2005/8/layout/cycle4"/>
-    <dgm:cxn modelId="{499E44CC-2CB2-4528-97F0-F8BBA4D674B6}" srcId="{5B70F174-ADD8-4DEE-99BE-5DC989B830BF}" destId="{59CDB8F9-340E-4420-A169-C50DA754611D}" srcOrd="6" destOrd="0" parTransId="{748233B8-7A51-454A-8FF0-22FF75ABDD05}" sibTransId="{18721ECF-F419-40E0-91F1-7E29C124253E}"/>
-    <dgm:cxn modelId="{B348D484-452E-4483-B6CB-6FD5D0ACC3CF}" type="presOf" srcId="{12CEFC82-130D-4334-8520-475EDE57E5DA}" destId="{605F24D5-A60D-4553-8923-B595404D4D94}" srcOrd="1" destOrd="3" presId="urn:microsoft.com/office/officeart/2005/8/layout/cycle4"/>
     <dgm:cxn modelId="{4EA35104-5F82-489D-A435-749F40C3EA17}" srcId="{D9C3E7A9-7F86-4BF4-8C07-2951349EC479}" destId="{2D031A4E-6057-48B1-8E38-36E548142570}" srcOrd="2" destOrd="0" parTransId="{AF5A884B-A401-4CE5-A5A5-D7E3D7B5029D}" sibTransId="{A685FA63-6EB1-48D5-8302-E60C75F994D0}"/>
-    <dgm:cxn modelId="{B7EE06F7-E064-479E-86C6-0E1239D2A18D}" srcId="{2D031A4E-6057-48B1-8E38-36E548142570}" destId="{12CEFC82-130D-4334-8520-475EDE57E5DA}" srcOrd="3" destOrd="0" parTransId="{D3965C26-931D-447D-8310-F6CFDA7E39B7}" sibTransId="{0465163C-7C84-4484-B6C2-86DBCDEFD942}"/>
-    <dgm:cxn modelId="{6D720B58-9E51-4812-98A5-97883FFAF449}" type="presOf" srcId="{DD802DD3-B6E1-4B43-BF19-D3CAC637B644}" destId="{F3D78921-DB83-4087-84BF-CA064380971F}" srcOrd="1" destOrd="3" presId="urn:microsoft.com/office/officeart/2005/8/layout/cycle4"/>
-    <dgm:cxn modelId="{7A3859B1-345E-4014-8414-58E70C6C74FA}" srcId="{D9C3E7A9-7F86-4BF4-8C07-2951349EC479}" destId="{5B70F174-ADD8-4DEE-99BE-5DC989B830BF}" srcOrd="0" destOrd="0" parTransId="{020D26D6-E925-43B8-8CBC-050FD7CC78E9}" sibTransId="{4600B8B0-7994-4097-976D-D95042D10283}"/>
-    <dgm:cxn modelId="{107FB629-D55E-4D6E-973E-C99DCBB191F3}" type="presOf" srcId="{1D9DA52D-6A98-4C75-9627-0E05EB9F6AE8}" destId="{D6F62F48-A955-4BD3-9DA6-0F478957AD9F}" srcOrd="1" destOrd="4" presId="urn:microsoft.com/office/officeart/2005/8/layout/cycle4"/>
-    <dgm:cxn modelId="{2155981B-A79F-4912-8A22-0E3836C90085}" srcId="{FBCE19A3-D721-4B98-A277-3D19566594AA}" destId="{62CAA66D-FD6E-4EB1-944B-47B25173CA0D}" srcOrd="0" destOrd="0" parTransId="{0E4A5483-2E3C-4FE1-B15B-293C64CD473A}" sibTransId="{ACA27EB5-D52A-491E-92D5-0EE312129358}"/>
-    <dgm:cxn modelId="{F4B34777-0F3E-4FFC-ABF9-359A29C415E1}" srcId="{5B70F174-ADD8-4DEE-99BE-5DC989B830BF}" destId="{80022D65-0DCA-4F7B-8BD9-E6BCCD73228A}" srcOrd="7" destOrd="0" parTransId="{158FFDB6-F48A-4205-B53E-59F0598B292E}" sibTransId="{04C046E4-FDA9-4076-9724-915853037DA0}"/>
-    <dgm:cxn modelId="{69C62545-8E25-421C-A8A0-9EC2C83CFB0D}" type="presOf" srcId="{590800F9-C1B5-4675-A3AB-D811E378AF05}" destId="{F3D78921-DB83-4087-84BF-CA064380971F}" srcOrd="1" destOrd="5" presId="urn:microsoft.com/office/officeart/2005/8/layout/cycle4"/>
-    <dgm:cxn modelId="{B31C5908-9AAA-4D03-84CD-0049A634DCE1}" type="presOf" srcId="{1BA1DE21-EB93-4CE6-9A6B-B574FECD5615}" destId="{F3D78921-DB83-4087-84BF-CA064380971F}" srcOrd="1" destOrd="1" presId="urn:microsoft.com/office/officeart/2005/8/layout/cycle4"/>
-    <dgm:cxn modelId="{3E71458E-543A-48BD-BC22-20679DF5886E}" type="presOf" srcId="{59CDB8F9-340E-4420-A169-C50DA754611D}" destId="{D6F62F48-A955-4BD3-9DA6-0F478957AD9F}" srcOrd="1" destOrd="6" presId="urn:microsoft.com/office/officeart/2005/8/layout/cycle4"/>
-    <dgm:cxn modelId="{691F5C61-28E1-45A8-8F78-9BE994144515}" srcId="{5B70F174-ADD8-4DEE-99BE-5DC989B830BF}" destId="{1D9DA52D-6A98-4C75-9627-0E05EB9F6AE8}" srcOrd="4" destOrd="0" parTransId="{79A73D1C-DCEE-49E4-B35A-9BCC7FAFD83F}" sibTransId="{8E22A523-0F4B-44DE-B7A1-7664CCFB2A23}"/>
     <dgm:cxn modelId="{CBF76E5F-F053-45D1-9197-671D6652DB12}" type="presParOf" srcId="{E4D92571-920E-43BC-919F-5928D57BFA1E}" destId="{D4DB6B14-42E0-4A59-8B04-3518A51116F6}" srcOrd="0" destOrd="0" presId="urn:microsoft.com/office/officeart/2005/8/layout/cycle4"/>
     <dgm:cxn modelId="{21CE8438-F6D0-482F-96D5-552A2F0E0F98}" type="presParOf" srcId="{D4DB6B14-42E0-4A59-8B04-3518A51116F6}" destId="{B042AFEB-8328-4586-BB10-55D3E31437B8}" srcOrd="0" destOrd="0" presId="urn:microsoft.com/office/officeart/2005/8/layout/cycle4"/>
     <dgm:cxn modelId="{4244E2FC-5CD5-4575-8B62-B6D4C3518C64}" type="presParOf" srcId="{B042AFEB-8328-4586-BB10-55D3E31437B8}" destId="{74C15D2B-43BE-409A-99E1-4C7BEA41372F}" srcOrd="0" destOrd="0" presId="urn:microsoft.com/office/officeart/2005/8/layout/cycle4"/>
@@ -4819,7 +6495,7 @@
 </dgm:dataModel>
 </file>
 
-<file path=ppt/diagrams/data3.xml><?xml version="1.0" encoding="utf-8"?>
+<file path=ppt/diagrams/data4.xml><?xml version="1.0" encoding="utf-8"?>
 <dgm:dataModel xmlns:dgm="http://schemas.openxmlformats.org/drawingml/2006/diagram" xmlns:a="http://schemas.openxmlformats.org/drawingml/2006/main">
   <dgm:ptLst>
     <dgm:pt modelId="{539BF942-A207-4E7C-99B3-7698E004D5E5}" type="doc">
@@ -5450,7 +7126,11 @@
           </a:pPr>
           <a:r>
             <a:rPr lang="en-US" sz="1200" kern="1200" dirty="0" smtClean="0"/>
-            <a:t>Mass Transit Stack</a:t>
+            <a:t>Mass Transit </a:t>
+          </a:r>
+          <a:r>
+            <a:rPr lang="en-US" sz="1200" kern="1200" dirty="0" smtClean="0"/>
+            <a:t>Project</a:t>
           </a:r>
           <a:endParaRPr lang="en-US" sz="1200" kern="1200" dirty="0"/>
         </a:p>
@@ -5469,7 +7149,7 @@
           </a:pPr>
           <a:r>
             <a:rPr lang="en-US" sz="1200" kern="1200" dirty="0" smtClean="0"/>
-            <a:t>Transports</a:t>
+            <a:t>Map</a:t>
           </a:r>
           <a:endParaRPr lang="en-US" sz="1200" kern="1200" dirty="0"/>
         </a:p>
@@ -5488,26 +7168,7 @@
           </a:pPr>
           <a:r>
             <a:rPr lang="en-US" sz="1200" kern="1200" dirty="0" smtClean="0"/>
-            <a:t>Integrations</a:t>
-          </a:r>
-          <a:endParaRPr lang="en-US" sz="1200" kern="1200" dirty="0"/>
-        </a:p>
-        <a:p>
-          <a:pPr marL="114300" lvl="1" indent="-114300" algn="l" defTabSz="533400">
-            <a:lnSpc>
-              <a:spcPct val="90000"/>
-            </a:lnSpc>
-            <a:spcBef>
-              <a:spcPct val="0"/>
-            </a:spcBef>
-            <a:spcAft>
-              <a:spcPct val="15000"/>
-            </a:spcAft>
-            <a:buChar char="••"/>
-          </a:pPr>
-          <a:r>
-            <a:rPr lang="en-US" sz="1200" kern="1200" dirty="0" smtClean="0"/>
-            <a:t>Patterns</a:t>
+            <a:t>Messaging Patterns</a:t>
           </a:r>
           <a:endParaRPr lang="en-US" sz="1200" kern="1200" dirty="0"/>
         </a:p>
@@ -6006,6 +7667,1398 @@
       <dsp:cNvGrpSpPr/>
     </dsp:nvGrpSpPr>
     <dsp:grpSpPr/>
+    <dsp:sp modelId="{E9E4A4BD-0093-435C-9115-848F665F9AA0}">
+      <dsp:nvSpPr>
+        <dsp:cNvPr id="0" name=""/>
+        <dsp:cNvSpPr/>
+      </dsp:nvSpPr>
+      <dsp:spPr>
+        <a:xfrm>
+          <a:off x="2357607" y="2495710"/>
+          <a:ext cx="1553779" cy="1553779"/>
+        </a:xfrm>
+        <a:prstGeom prst="ellipse">
+          <a:avLst/>
+        </a:prstGeom>
+        <a:gradFill rotWithShape="0">
+          <a:gsLst>
+            <a:gs pos="0">
+              <a:schemeClr val="accent4">
+                <a:hueOff val="0"/>
+                <a:satOff val="0"/>
+                <a:lumOff val="0"/>
+                <a:alphaOff val="0"/>
+                <a:lumMod val="110000"/>
+                <a:satMod val="105000"/>
+                <a:tint val="67000"/>
+              </a:schemeClr>
+            </a:gs>
+            <a:gs pos="50000">
+              <a:schemeClr val="accent4">
+                <a:hueOff val="0"/>
+                <a:satOff val="0"/>
+                <a:lumOff val="0"/>
+                <a:alphaOff val="0"/>
+                <a:lumMod val="105000"/>
+                <a:satMod val="103000"/>
+                <a:tint val="73000"/>
+              </a:schemeClr>
+            </a:gs>
+            <a:gs pos="100000">
+              <a:schemeClr val="accent4">
+                <a:hueOff val="0"/>
+                <a:satOff val="0"/>
+                <a:lumOff val="0"/>
+                <a:alphaOff val="0"/>
+                <a:lumMod val="105000"/>
+                <a:satMod val="109000"/>
+                <a:tint val="81000"/>
+              </a:schemeClr>
+            </a:gs>
+          </a:gsLst>
+          <a:lin ang="5400000" scaled="0"/>
+        </a:gradFill>
+        <a:ln>
+          <a:noFill/>
+        </a:ln>
+        <a:effectLst/>
+        <a:scene3d>
+          <a:camera prst="orthographicFront"/>
+          <a:lightRig rig="flat" dir="t"/>
+        </a:scene3d>
+        <a:sp3d prstMaterial="dkEdge">
+          <a:bevelT w="8200" h="38100"/>
+        </a:sp3d>
+      </dsp:spPr>
+      <dsp:style>
+        <a:lnRef idx="0">
+          <a:scrgbClr r="0" g="0" b="0"/>
+        </a:lnRef>
+        <a:fillRef idx="2">
+          <a:scrgbClr r="0" g="0" b="0"/>
+        </a:fillRef>
+        <a:effectRef idx="1">
+          <a:scrgbClr r="0" g="0" b="0"/>
+        </a:effectRef>
+        <a:fontRef idx="minor">
+          <a:schemeClr val="dk1"/>
+        </a:fontRef>
+      </dsp:style>
+      <dsp:txBody>
+        <a:bodyPr spcFirstLastPara="0" vert="horz" wrap="square" lIns="10795" tIns="10795" rIns="10795" bIns="10795" numCol="1" spcCol="1270" anchor="ctr" anchorCtr="0">
+          <a:noAutofit/>
+        </a:bodyPr>
+        <a:lstStyle/>
+        <a:p>
+          <a:pPr lvl="0" algn="ctr" defTabSz="755650" rtl="0">
+            <a:lnSpc>
+              <a:spcPct val="90000"/>
+            </a:lnSpc>
+            <a:spcBef>
+              <a:spcPct val="0"/>
+            </a:spcBef>
+            <a:spcAft>
+              <a:spcPct val="35000"/>
+            </a:spcAft>
+          </a:pPr>
+          <a:r>
+            <a:rPr lang="en-US" sz="1700" kern="1200" smtClean="0"/>
+            <a:t>MassTransit</a:t>
+          </a:r>
+          <a:endParaRPr lang="en-US" sz="1700" kern="1200"/>
+        </a:p>
+      </dsp:txBody>
+      <dsp:txXfrm>
+        <a:off x="2585153" y="2723256"/>
+        <a:ext cx="1098687" cy="1098687"/>
+      </dsp:txXfrm>
+    </dsp:sp>
+    <dsp:sp modelId="{5081C45D-A36D-4185-91BD-81A1E7F3B6B8}">
+      <dsp:nvSpPr>
+        <dsp:cNvPr id="0" name=""/>
+        <dsp:cNvSpPr/>
+      </dsp:nvSpPr>
+      <dsp:spPr>
+        <a:xfrm rot="10800000">
+          <a:off x="545530" y="3051186"/>
+          <a:ext cx="1712412" cy="442827"/>
+        </a:xfrm>
+        <a:prstGeom prst="leftArrow">
+          <a:avLst>
+            <a:gd name="adj1" fmla="val 60000"/>
+            <a:gd name="adj2" fmla="val 50000"/>
+          </a:avLst>
+        </a:prstGeom>
+        <a:gradFill rotWithShape="0">
+          <a:gsLst>
+            <a:gs pos="0">
+              <a:schemeClr val="accent5">
+                <a:hueOff val="0"/>
+                <a:satOff val="0"/>
+                <a:lumOff val="0"/>
+                <a:alphaOff val="0"/>
+                <a:lumMod val="110000"/>
+                <a:satMod val="105000"/>
+                <a:tint val="67000"/>
+              </a:schemeClr>
+            </a:gs>
+            <a:gs pos="50000">
+              <a:schemeClr val="accent5">
+                <a:hueOff val="0"/>
+                <a:satOff val="0"/>
+                <a:lumOff val="0"/>
+                <a:alphaOff val="0"/>
+                <a:lumMod val="105000"/>
+                <a:satMod val="103000"/>
+                <a:tint val="73000"/>
+              </a:schemeClr>
+            </a:gs>
+            <a:gs pos="100000">
+              <a:schemeClr val="accent5">
+                <a:hueOff val="0"/>
+                <a:satOff val="0"/>
+                <a:lumOff val="0"/>
+                <a:alphaOff val="0"/>
+                <a:lumMod val="105000"/>
+                <a:satMod val="109000"/>
+                <a:tint val="81000"/>
+              </a:schemeClr>
+            </a:gs>
+          </a:gsLst>
+          <a:lin ang="5400000" scaled="0"/>
+        </a:gradFill>
+        <a:ln>
+          <a:noFill/>
+        </a:ln>
+        <a:effectLst/>
+      </dsp:spPr>
+      <dsp:style>
+        <a:lnRef idx="0">
+          <a:scrgbClr r="0" g="0" b="0"/>
+        </a:lnRef>
+        <a:fillRef idx="2">
+          <a:scrgbClr r="0" g="0" b="0"/>
+        </a:fillRef>
+        <a:effectRef idx="1">
+          <a:scrgbClr r="0" g="0" b="0"/>
+        </a:effectRef>
+        <a:fontRef idx="minor">
+          <a:schemeClr val="dk1"/>
+        </a:fontRef>
+      </dsp:style>
+    </dsp:sp>
+    <dsp:sp modelId="{3B91C0C3-A5ED-4F3A-982B-F35D092D591F}">
+      <dsp:nvSpPr>
+        <dsp:cNvPr id="0" name=""/>
+        <dsp:cNvSpPr/>
+      </dsp:nvSpPr>
+      <dsp:spPr>
+        <a:xfrm>
+          <a:off x="1707" y="2837541"/>
+          <a:ext cx="1087645" cy="870116"/>
+        </a:xfrm>
+        <a:prstGeom prst="roundRect">
+          <a:avLst>
+            <a:gd name="adj" fmla="val 10000"/>
+          </a:avLst>
+        </a:prstGeom>
+        <a:gradFill rotWithShape="0">
+          <a:gsLst>
+            <a:gs pos="0">
+              <a:schemeClr val="accent5">
+                <a:hueOff val="0"/>
+                <a:satOff val="0"/>
+                <a:lumOff val="0"/>
+                <a:alphaOff val="0"/>
+                <a:lumMod val="110000"/>
+                <a:satMod val="105000"/>
+                <a:tint val="67000"/>
+              </a:schemeClr>
+            </a:gs>
+            <a:gs pos="50000">
+              <a:schemeClr val="accent5">
+                <a:hueOff val="0"/>
+                <a:satOff val="0"/>
+                <a:lumOff val="0"/>
+                <a:alphaOff val="0"/>
+                <a:lumMod val="105000"/>
+                <a:satMod val="103000"/>
+                <a:tint val="73000"/>
+              </a:schemeClr>
+            </a:gs>
+            <a:gs pos="100000">
+              <a:schemeClr val="accent5">
+                <a:hueOff val="0"/>
+                <a:satOff val="0"/>
+                <a:lumOff val="0"/>
+                <a:alphaOff val="0"/>
+                <a:lumMod val="105000"/>
+                <a:satMod val="109000"/>
+                <a:tint val="81000"/>
+              </a:schemeClr>
+            </a:gs>
+          </a:gsLst>
+          <a:lin ang="5400000" scaled="0"/>
+        </a:gradFill>
+        <a:ln>
+          <a:noFill/>
+        </a:ln>
+        <a:effectLst/>
+        <a:scene3d>
+          <a:camera prst="orthographicFront"/>
+          <a:lightRig rig="flat" dir="t"/>
+        </a:scene3d>
+        <a:sp3d prstMaterial="dkEdge">
+          <a:bevelT w="8200" h="38100"/>
+        </a:sp3d>
+      </dsp:spPr>
+      <dsp:style>
+        <a:lnRef idx="0">
+          <a:scrgbClr r="0" g="0" b="0"/>
+        </a:lnRef>
+        <a:fillRef idx="2">
+          <a:scrgbClr r="0" g="0" b="0"/>
+        </a:fillRef>
+        <a:effectRef idx="1">
+          <a:scrgbClr r="0" g="0" b="0"/>
+        </a:effectRef>
+        <a:fontRef idx="minor">
+          <a:schemeClr val="dk1"/>
+        </a:fontRef>
+      </dsp:style>
+      <dsp:txBody>
+        <a:bodyPr spcFirstLastPara="0" vert="horz" wrap="square" lIns="19050" tIns="19050" rIns="19050" bIns="19050" numCol="1" spcCol="1270" anchor="ctr" anchorCtr="0">
+          <a:noAutofit/>
+        </a:bodyPr>
+        <a:lstStyle/>
+        <a:p>
+          <a:pPr lvl="0" algn="ctr" defTabSz="444500" rtl="0">
+            <a:lnSpc>
+              <a:spcPct val="90000"/>
+            </a:lnSpc>
+            <a:spcBef>
+              <a:spcPct val="0"/>
+            </a:spcBef>
+            <a:spcAft>
+              <a:spcPct val="35000"/>
+            </a:spcAft>
+          </a:pPr>
+          <a:r>
+            <a:rPr lang="en-US" sz="1000" kern="1200" smtClean="0"/>
+            <a:t>Automatonymous</a:t>
+          </a:r>
+          <a:endParaRPr lang="en-US" sz="1000" kern="1200"/>
+        </a:p>
+      </dsp:txBody>
+      <dsp:txXfrm>
+        <a:off x="27192" y="2863026"/>
+        <a:ext cx="1036675" cy="819146"/>
+      </dsp:txXfrm>
+    </dsp:sp>
+    <dsp:sp modelId="{F1678E16-27EA-4D42-B2C6-D2938477D7DE}">
+      <dsp:nvSpPr>
+        <dsp:cNvPr id="0" name=""/>
+        <dsp:cNvSpPr/>
+      </dsp:nvSpPr>
+      <dsp:spPr>
+        <a:xfrm rot="12600000">
+          <a:off x="777676" y="2184806"/>
+          <a:ext cx="1712412" cy="442827"/>
+        </a:xfrm>
+        <a:prstGeom prst="leftArrow">
+          <a:avLst>
+            <a:gd name="adj1" fmla="val 60000"/>
+            <a:gd name="adj2" fmla="val 50000"/>
+          </a:avLst>
+        </a:prstGeom>
+        <a:gradFill rotWithShape="0">
+          <a:gsLst>
+            <a:gs pos="0">
+              <a:schemeClr val="accent5">
+                <a:hueOff val="-1225557"/>
+                <a:satOff val="-1705"/>
+                <a:lumOff val="-654"/>
+                <a:alphaOff val="0"/>
+                <a:lumMod val="110000"/>
+                <a:satMod val="105000"/>
+                <a:tint val="67000"/>
+              </a:schemeClr>
+            </a:gs>
+            <a:gs pos="50000">
+              <a:schemeClr val="accent5">
+                <a:hueOff val="-1225557"/>
+                <a:satOff val="-1705"/>
+                <a:lumOff val="-654"/>
+                <a:alphaOff val="0"/>
+                <a:lumMod val="105000"/>
+                <a:satMod val="103000"/>
+                <a:tint val="73000"/>
+              </a:schemeClr>
+            </a:gs>
+            <a:gs pos="100000">
+              <a:schemeClr val="accent5">
+                <a:hueOff val="-1225557"/>
+                <a:satOff val="-1705"/>
+                <a:lumOff val="-654"/>
+                <a:alphaOff val="0"/>
+                <a:lumMod val="105000"/>
+                <a:satMod val="109000"/>
+                <a:tint val="81000"/>
+              </a:schemeClr>
+            </a:gs>
+          </a:gsLst>
+          <a:lin ang="5400000" scaled="0"/>
+        </a:gradFill>
+        <a:ln>
+          <a:noFill/>
+        </a:ln>
+        <a:effectLst/>
+      </dsp:spPr>
+      <dsp:style>
+        <a:lnRef idx="0">
+          <a:scrgbClr r="0" g="0" b="0"/>
+        </a:lnRef>
+        <a:fillRef idx="2">
+          <a:scrgbClr r="0" g="0" b="0"/>
+        </a:fillRef>
+        <a:effectRef idx="1">
+          <a:scrgbClr r="0" g="0" b="0"/>
+        </a:effectRef>
+        <a:fontRef idx="minor">
+          <a:schemeClr val="dk1"/>
+        </a:fontRef>
+      </dsp:style>
+    </dsp:sp>
+    <dsp:sp modelId="{72464EC3-B6F8-43A7-B11E-766BDD322941}">
+      <dsp:nvSpPr>
+        <dsp:cNvPr id="0" name=""/>
+        <dsp:cNvSpPr/>
+      </dsp:nvSpPr>
+      <dsp:spPr>
+        <a:xfrm>
+          <a:off x="348563" y="1543058"/>
+          <a:ext cx="1087645" cy="870116"/>
+        </a:xfrm>
+        <a:prstGeom prst="roundRect">
+          <a:avLst>
+            <a:gd name="adj" fmla="val 10000"/>
+          </a:avLst>
+        </a:prstGeom>
+        <a:gradFill rotWithShape="0">
+          <a:gsLst>
+            <a:gs pos="0">
+              <a:schemeClr val="accent5">
+                <a:hueOff val="-1225557"/>
+                <a:satOff val="-1705"/>
+                <a:lumOff val="-654"/>
+                <a:alphaOff val="0"/>
+                <a:lumMod val="110000"/>
+                <a:satMod val="105000"/>
+                <a:tint val="67000"/>
+              </a:schemeClr>
+            </a:gs>
+            <a:gs pos="50000">
+              <a:schemeClr val="accent5">
+                <a:hueOff val="-1225557"/>
+                <a:satOff val="-1705"/>
+                <a:lumOff val="-654"/>
+                <a:alphaOff val="0"/>
+                <a:lumMod val="105000"/>
+                <a:satMod val="103000"/>
+                <a:tint val="73000"/>
+              </a:schemeClr>
+            </a:gs>
+            <a:gs pos="100000">
+              <a:schemeClr val="accent5">
+                <a:hueOff val="-1225557"/>
+                <a:satOff val="-1705"/>
+                <a:lumOff val="-654"/>
+                <a:alphaOff val="0"/>
+                <a:lumMod val="105000"/>
+                <a:satMod val="109000"/>
+                <a:tint val="81000"/>
+              </a:schemeClr>
+            </a:gs>
+          </a:gsLst>
+          <a:lin ang="5400000" scaled="0"/>
+        </a:gradFill>
+        <a:ln>
+          <a:noFill/>
+        </a:ln>
+        <a:effectLst/>
+        <a:scene3d>
+          <a:camera prst="orthographicFront"/>
+          <a:lightRig rig="flat" dir="t"/>
+        </a:scene3d>
+        <a:sp3d prstMaterial="dkEdge">
+          <a:bevelT w="8200" h="38100"/>
+        </a:sp3d>
+      </dsp:spPr>
+      <dsp:style>
+        <a:lnRef idx="0">
+          <a:scrgbClr r="0" g="0" b="0"/>
+        </a:lnRef>
+        <a:fillRef idx="2">
+          <a:scrgbClr r="0" g="0" b="0"/>
+        </a:fillRef>
+        <a:effectRef idx="1">
+          <a:scrgbClr r="0" g="0" b="0"/>
+        </a:effectRef>
+        <a:fontRef idx="minor">
+          <a:schemeClr val="dk1"/>
+        </a:fontRef>
+      </dsp:style>
+      <dsp:txBody>
+        <a:bodyPr spcFirstLastPara="0" vert="horz" wrap="square" lIns="19050" tIns="19050" rIns="19050" bIns="19050" numCol="1" spcCol="1270" anchor="ctr" anchorCtr="0">
+          <a:noAutofit/>
+        </a:bodyPr>
+        <a:lstStyle/>
+        <a:p>
+          <a:pPr lvl="0" algn="ctr" defTabSz="444500" rtl="0">
+            <a:lnSpc>
+              <a:spcPct val="90000"/>
+            </a:lnSpc>
+            <a:spcBef>
+              <a:spcPct val="0"/>
+            </a:spcBef>
+            <a:spcAft>
+              <a:spcPct val="35000"/>
+            </a:spcAft>
+          </a:pPr>
+          <a:r>
+            <a:rPr lang="en-US" sz="1000" kern="1200" smtClean="0"/>
+            <a:t>Courier</a:t>
+          </a:r>
+          <a:endParaRPr lang="en-US" sz="1000" kern="1200"/>
+        </a:p>
+      </dsp:txBody>
+      <dsp:txXfrm>
+        <a:off x="374048" y="1568543"/>
+        <a:ext cx="1036675" cy="819146"/>
+      </dsp:txXfrm>
+    </dsp:sp>
+    <dsp:sp modelId="{2AEDBDB1-3D70-4118-95AC-548E4B9178AE}">
+      <dsp:nvSpPr>
+        <dsp:cNvPr id="0" name=""/>
+        <dsp:cNvSpPr/>
+      </dsp:nvSpPr>
+      <dsp:spPr>
+        <a:xfrm rot="14400000">
+          <a:off x="1411910" y="1550572"/>
+          <a:ext cx="1712412" cy="442827"/>
+        </a:xfrm>
+        <a:prstGeom prst="leftArrow">
+          <a:avLst>
+            <a:gd name="adj1" fmla="val 60000"/>
+            <a:gd name="adj2" fmla="val 50000"/>
+          </a:avLst>
+        </a:prstGeom>
+        <a:gradFill rotWithShape="0">
+          <a:gsLst>
+            <a:gs pos="0">
+              <a:schemeClr val="accent5">
+                <a:hueOff val="-2451115"/>
+                <a:satOff val="-3409"/>
+                <a:lumOff val="-1307"/>
+                <a:alphaOff val="0"/>
+                <a:lumMod val="110000"/>
+                <a:satMod val="105000"/>
+                <a:tint val="67000"/>
+              </a:schemeClr>
+            </a:gs>
+            <a:gs pos="50000">
+              <a:schemeClr val="accent5">
+                <a:hueOff val="-2451115"/>
+                <a:satOff val="-3409"/>
+                <a:lumOff val="-1307"/>
+                <a:alphaOff val="0"/>
+                <a:lumMod val="105000"/>
+                <a:satMod val="103000"/>
+                <a:tint val="73000"/>
+              </a:schemeClr>
+            </a:gs>
+            <a:gs pos="100000">
+              <a:schemeClr val="accent5">
+                <a:hueOff val="-2451115"/>
+                <a:satOff val="-3409"/>
+                <a:lumOff val="-1307"/>
+                <a:alphaOff val="0"/>
+                <a:lumMod val="105000"/>
+                <a:satMod val="109000"/>
+                <a:tint val="81000"/>
+              </a:schemeClr>
+            </a:gs>
+          </a:gsLst>
+          <a:lin ang="5400000" scaled="0"/>
+        </a:gradFill>
+        <a:ln>
+          <a:noFill/>
+        </a:ln>
+        <a:effectLst/>
+      </dsp:spPr>
+      <dsp:style>
+        <a:lnRef idx="0">
+          <a:scrgbClr r="0" g="0" b="0"/>
+        </a:lnRef>
+        <a:fillRef idx="2">
+          <a:scrgbClr r="0" g="0" b="0"/>
+        </a:fillRef>
+        <a:effectRef idx="1">
+          <a:scrgbClr r="0" g="0" b="0"/>
+        </a:effectRef>
+        <a:fontRef idx="minor">
+          <a:schemeClr val="dk1"/>
+        </a:fontRef>
+      </dsp:style>
+    </dsp:sp>
+    <dsp:sp modelId="{23047861-DFAB-4C58-BEA8-5342E1B552E4}">
+      <dsp:nvSpPr>
+        <dsp:cNvPr id="0" name=""/>
+        <dsp:cNvSpPr/>
+      </dsp:nvSpPr>
+      <dsp:spPr>
+        <a:xfrm>
+          <a:off x="1296190" y="595431"/>
+          <a:ext cx="1087645" cy="870116"/>
+        </a:xfrm>
+        <a:prstGeom prst="roundRect">
+          <a:avLst>
+            <a:gd name="adj" fmla="val 10000"/>
+          </a:avLst>
+        </a:prstGeom>
+        <a:gradFill rotWithShape="0">
+          <a:gsLst>
+            <a:gs pos="0">
+              <a:schemeClr val="accent5">
+                <a:hueOff val="-2451115"/>
+                <a:satOff val="-3409"/>
+                <a:lumOff val="-1307"/>
+                <a:alphaOff val="0"/>
+                <a:lumMod val="110000"/>
+                <a:satMod val="105000"/>
+                <a:tint val="67000"/>
+              </a:schemeClr>
+            </a:gs>
+            <a:gs pos="50000">
+              <a:schemeClr val="accent5">
+                <a:hueOff val="-2451115"/>
+                <a:satOff val="-3409"/>
+                <a:lumOff val="-1307"/>
+                <a:alphaOff val="0"/>
+                <a:lumMod val="105000"/>
+                <a:satMod val="103000"/>
+                <a:tint val="73000"/>
+              </a:schemeClr>
+            </a:gs>
+            <a:gs pos="100000">
+              <a:schemeClr val="accent5">
+                <a:hueOff val="-2451115"/>
+                <a:satOff val="-3409"/>
+                <a:lumOff val="-1307"/>
+                <a:alphaOff val="0"/>
+                <a:lumMod val="105000"/>
+                <a:satMod val="109000"/>
+                <a:tint val="81000"/>
+              </a:schemeClr>
+            </a:gs>
+          </a:gsLst>
+          <a:lin ang="5400000" scaled="0"/>
+        </a:gradFill>
+        <a:ln>
+          <a:noFill/>
+        </a:ln>
+        <a:effectLst/>
+        <a:scene3d>
+          <a:camera prst="orthographicFront"/>
+          <a:lightRig rig="flat" dir="t"/>
+        </a:scene3d>
+        <a:sp3d prstMaterial="dkEdge">
+          <a:bevelT w="8200" h="38100"/>
+        </a:sp3d>
+      </dsp:spPr>
+      <dsp:style>
+        <a:lnRef idx="0">
+          <a:scrgbClr r="0" g="0" b="0"/>
+        </a:lnRef>
+        <a:fillRef idx="2">
+          <a:scrgbClr r="0" g="0" b="0"/>
+        </a:fillRef>
+        <a:effectRef idx="1">
+          <a:scrgbClr r="0" g="0" b="0"/>
+        </a:effectRef>
+        <a:fontRef idx="minor">
+          <a:schemeClr val="dk1"/>
+        </a:fontRef>
+      </dsp:style>
+      <dsp:txBody>
+        <a:bodyPr spcFirstLastPara="0" vert="horz" wrap="square" lIns="19050" tIns="19050" rIns="19050" bIns="19050" numCol="1" spcCol="1270" anchor="ctr" anchorCtr="0">
+          <a:noAutofit/>
+        </a:bodyPr>
+        <a:lstStyle/>
+        <a:p>
+          <a:pPr lvl="0" algn="ctr" defTabSz="444500" rtl="0">
+            <a:lnSpc>
+              <a:spcPct val="90000"/>
+            </a:lnSpc>
+            <a:spcBef>
+              <a:spcPct val="0"/>
+            </a:spcBef>
+            <a:spcAft>
+              <a:spcPct val="35000"/>
+            </a:spcAft>
+          </a:pPr>
+          <a:r>
+            <a:rPr lang="en-US" sz="1000" kern="1200" smtClean="0"/>
+            <a:t>TopShelf</a:t>
+          </a:r>
+          <a:endParaRPr lang="en-US" sz="1000" kern="1200"/>
+        </a:p>
+      </dsp:txBody>
+      <dsp:txXfrm>
+        <a:off x="1321675" y="620916"/>
+        <a:ext cx="1036675" cy="819146"/>
+      </dsp:txXfrm>
+    </dsp:sp>
+    <dsp:sp modelId="{79BC5D14-726C-4864-BF26-C1A0D4C4F999}">
+      <dsp:nvSpPr>
+        <dsp:cNvPr id="0" name=""/>
+        <dsp:cNvSpPr/>
+      </dsp:nvSpPr>
+      <dsp:spPr>
+        <a:xfrm rot="16200000">
+          <a:off x="2278290" y="1318426"/>
+          <a:ext cx="1712412" cy="442827"/>
+        </a:xfrm>
+        <a:prstGeom prst="leftArrow">
+          <a:avLst>
+            <a:gd name="adj1" fmla="val 60000"/>
+            <a:gd name="adj2" fmla="val 50000"/>
+          </a:avLst>
+        </a:prstGeom>
+        <a:gradFill rotWithShape="0">
+          <a:gsLst>
+            <a:gs pos="0">
+              <a:schemeClr val="accent5">
+                <a:hueOff val="-3676672"/>
+                <a:satOff val="-5114"/>
+                <a:lumOff val="-1961"/>
+                <a:alphaOff val="0"/>
+                <a:lumMod val="110000"/>
+                <a:satMod val="105000"/>
+                <a:tint val="67000"/>
+              </a:schemeClr>
+            </a:gs>
+            <a:gs pos="50000">
+              <a:schemeClr val="accent5">
+                <a:hueOff val="-3676672"/>
+                <a:satOff val="-5114"/>
+                <a:lumOff val="-1961"/>
+                <a:alphaOff val="0"/>
+                <a:lumMod val="105000"/>
+                <a:satMod val="103000"/>
+                <a:tint val="73000"/>
+              </a:schemeClr>
+            </a:gs>
+            <a:gs pos="100000">
+              <a:schemeClr val="accent5">
+                <a:hueOff val="-3676672"/>
+                <a:satOff val="-5114"/>
+                <a:lumOff val="-1961"/>
+                <a:alphaOff val="0"/>
+                <a:lumMod val="105000"/>
+                <a:satMod val="109000"/>
+                <a:tint val="81000"/>
+              </a:schemeClr>
+            </a:gs>
+          </a:gsLst>
+          <a:lin ang="5400000" scaled="0"/>
+        </a:gradFill>
+        <a:ln>
+          <a:noFill/>
+        </a:ln>
+        <a:effectLst/>
+      </dsp:spPr>
+      <dsp:style>
+        <a:lnRef idx="0">
+          <a:scrgbClr r="0" g="0" b="0"/>
+        </a:lnRef>
+        <a:fillRef idx="2">
+          <a:scrgbClr r="0" g="0" b="0"/>
+        </a:fillRef>
+        <a:effectRef idx="1">
+          <a:scrgbClr r="0" g="0" b="0"/>
+        </a:effectRef>
+        <a:fontRef idx="minor">
+          <a:schemeClr val="dk1"/>
+        </a:fontRef>
+      </dsp:style>
+    </dsp:sp>
+    <dsp:sp modelId="{FA9D91B0-E6D5-4BEB-A522-617F6AC2EEAD}">
+      <dsp:nvSpPr>
+        <dsp:cNvPr id="0" name=""/>
+        <dsp:cNvSpPr/>
+      </dsp:nvSpPr>
+      <dsp:spPr>
+        <a:xfrm>
+          <a:off x="2590674" y="248575"/>
+          <a:ext cx="1087645" cy="870116"/>
+        </a:xfrm>
+        <a:prstGeom prst="roundRect">
+          <a:avLst>
+            <a:gd name="adj" fmla="val 10000"/>
+          </a:avLst>
+        </a:prstGeom>
+        <a:gradFill rotWithShape="0">
+          <a:gsLst>
+            <a:gs pos="0">
+              <a:schemeClr val="accent5">
+                <a:hueOff val="-3676672"/>
+                <a:satOff val="-5114"/>
+                <a:lumOff val="-1961"/>
+                <a:alphaOff val="0"/>
+                <a:lumMod val="110000"/>
+                <a:satMod val="105000"/>
+                <a:tint val="67000"/>
+              </a:schemeClr>
+            </a:gs>
+            <a:gs pos="50000">
+              <a:schemeClr val="accent5">
+                <a:hueOff val="-3676672"/>
+                <a:satOff val="-5114"/>
+                <a:lumOff val="-1961"/>
+                <a:alphaOff val="0"/>
+                <a:lumMod val="105000"/>
+                <a:satMod val="103000"/>
+                <a:tint val="73000"/>
+              </a:schemeClr>
+            </a:gs>
+            <a:gs pos="100000">
+              <a:schemeClr val="accent5">
+                <a:hueOff val="-3676672"/>
+                <a:satOff val="-5114"/>
+                <a:lumOff val="-1961"/>
+                <a:alphaOff val="0"/>
+                <a:lumMod val="105000"/>
+                <a:satMod val="109000"/>
+                <a:tint val="81000"/>
+              </a:schemeClr>
+            </a:gs>
+          </a:gsLst>
+          <a:lin ang="5400000" scaled="0"/>
+        </a:gradFill>
+        <a:ln>
+          <a:noFill/>
+        </a:ln>
+        <a:effectLst/>
+        <a:scene3d>
+          <a:camera prst="orthographicFront"/>
+          <a:lightRig rig="flat" dir="t"/>
+        </a:scene3d>
+        <a:sp3d prstMaterial="dkEdge">
+          <a:bevelT w="8200" h="38100"/>
+        </a:sp3d>
+      </dsp:spPr>
+      <dsp:style>
+        <a:lnRef idx="0">
+          <a:scrgbClr r="0" g="0" b="0"/>
+        </a:lnRef>
+        <a:fillRef idx="2">
+          <a:scrgbClr r="0" g="0" b="0"/>
+        </a:fillRef>
+        <a:effectRef idx="1">
+          <a:scrgbClr r="0" g="0" b="0"/>
+        </a:effectRef>
+        <a:fontRef idx="minor">
+          <a:schemeClr val="dk1"/>
+        </a:fontRef>
+      </dsp:style>
+      <dsp:txBody>
+        <a:bodyPr spcFirstLastPara="0" vert="horz" wrap="square" lIns="19050" tIns="19050" rIns="19050" bIns="19050" numCol="1" spcCol="1270" anchor="ctr" anchorCtr="0">
+          <a:noAutofit/>
+        </a:bodyPr>
+        <a:lstStyle/>
+        <a:p>
+          <a:pPr lvl="0" algn="ctr" defTabSz="444500" rtl="0">
+            <a:lnSpc>
+              <a:spcPct val="90000"/>
+            </a:lnSpc>
+            <a:spcBef>
+              <a:spcPct val="0"/>
+            </a:spcBef>
+            <a:spcAft>
+              <a:spcPct val="35000"/>
+            </a:spcAft>
+          </a:pPr>
+          <a:r>
+            <a:rPr lang="en-US" sz="1000" kern="1200" smtClean="0"/>
+            <a:t>Quartz</a:t>
+          </a:r>
+          <a:endParaRPr lang="en-US" sz="1000" kern="1200"/>
+        </a:p>
+      </dsp:txBody>
+      <dsp:txXfrm>
+        <a:off x="2616159" y="274060"/>
+        <a:ext cx="1036675" cy="819146"/>
+      </dsp:txXfrm>
+    </dsp:sp>
+    <dsp:sp modelId="{32E5C632-2E14-4F75-954F-F73C049CD5CB}">
+      <dsp:nvSpPr>
+        <dsp:cNvPr id="0" name=""/>
+        <dsp:cNvSpPr/>
+      </dsp:nvSpPr>
+      <dsp:spPr>
+        <a:xfrm rot="18000000">
+          <a:off x="3144671" y="1550572"/>
+          <a:ext cx="1712412" cy="442827"/>
+        </a:xfrm>
+        <a:prstGeom prst="leftArrow">
+          <a:avLst>
+            <a:gd name="adj1" fmla="val 60000"/>
+            <a:gd name="adj2" fmla="val 50000"/>
+          </a:avLst>
+        </a:prstGeom>
+        <a:gradFill rotWithShape="0">
+          <a:gsLst>
+            <a:gs pos="0">
+              <a:schemeClr val="accent5">
+                <a:hueOff val="-4902230"/>
+                <a:satOff val="-6819"/>
+                <a:lumOff val="-2615"/>
+                <a:alphaOff val="0"/>
+                <a:lumMod val="110000"/>
+                <a:satMod val="105000"/>
+                <a:tint val="67000"/>
+              </a:schemeClr>
+            </a:gs>
+            <a:gs pos="50000">
+              <a:schemeClr val="accent5">
+                <a:hueOff val="-4902230"/>
+                <a:satOff val="-6819"/>
+                <a:lumOff val="-2615"/>
+                <a:alphaOff val="0"/>
+                <a:lumMod val="105000"/>
+                <a:satMod val="103000"/>
+                <a:tint val="73000"/>
+              </a:schemeClr>
+            </a:gs>
+            <a:gs pos="100000">
+              <a:schemeClr val="accent5">
+                <a:hueOff val="-4902230"/>
+                <a:satOff val="-6819"/>
+                <a:lumOff val="-2615"/>
+                <a:alphaOff val="0"/>
+                <a:lumMod val="105000"/>
+                <a:satMod val="109000"/>
+                <a:tint val="81000"/>
+              </a:schemeClr>
+            </a:gs>
+          </a:gsLst>
+          <a:lin ang="5400000" scaled="0"/>
+        </a:gradFill>
+        <a:ln>
+          <a:noFill/>
+        </a:ln>
+        <a:effectLst/>
+      </dsp:spPr>
+      <dsp:style>
+        <a:lnRef idx="0">
+          <a:scrgbClr r="0" g="0" b="0"/>
+        </a:lnRef>
+        <a:fillRef idx="2">
+          <a:scrgbClr r="0" g="0" b="0"/>
+        </a:fillRef>
+        <a:effectRef idx="1">
+          <a:scrgbClr r="0" g="0" b="0"/>
+        </a:effectRef>
+        <a:fontRef idx="minor">
+          <a:schemeClr val="dk1"/>
+        </a:fontRef>
+      </dsp:style>
+    </dsp:sp>
+    <dsp:sp modelId="{5D9CE0E7-F9E5-4759-ABE7-27E939EE761A}">
+      <dsp:nvSpPr>
+        <dsp:cNvPr id="0" name=""/>
+        <dsp:cNvSpPr/>
+      </dsp:nvSpPr>
+      <dsp:spPr>
+        <a:xfrm>
+          <a:off x="3885157" y="595431"/>
+          <a:ext cx="1087645" cy="870116"/>
+        </a:xfrm>
+        <a:prstGeom prst="roundRect">
+          <a:avLst>
+            <a:gd name="adj" fmla="val 10000"/>
+          </a:avLst>
+        </a:prstGeom>
+        <a:gradFill rotWithShape="0">
+          <a:gsLst>
+            <a:gs pos="0">
+              <a:schemeClr val="accent5">
+                <a:hueOff val="-4902230"/>
+                <a:satOff val="-6819"/>
+                <a:lumOff val="-2615"/>
+                <a:alphaOff val="0"/>
+                <a:lumMod val="110000"/>
+                <a:satMod val="105000"/>
+                <a:tint val="67000"/>
+              </a:schemeClr>
+            </a:gs>
+            <a:gs pos="50000">
+              <a:schemeClr val="accent5">
+                <a:hueOff val="-4902230"/>
+                <a:satOff val="-6819"/>
+                <a:lumOff val="-2615"/>
+                <a:alphaOff val="0"/>
+                <a:lumMod val="105000"/>
+                <a:satMod val="103000"/>
+                <a:tint val="73000"/>
+              </a:schemeClr>
+            </a:gs>
+            <a:gs pos="100000">
+              <a:schemeClr val="accent5">
+                <a:hueOff val="-4902230"/>
+                <a:satOff val="-6819"/>
+                <a:lumOff val="-2615"/>
+                <a:alphaOff val="0"/>
+                <a:lumMod val="105000"/>
+                <a:satMod val="109000"/>
+                <a:tint val="81000"/>
+              </a:schemeClr>
+            </a:gs>
+          </a:gsLst>
+          <a:lin ang="5400000" scaled="0"/>
+        </a:gradFill>
+        <a:ln>
+          <a:noFill/>
+        </a:ln>
+        <a:effectLst/>
+        <a:scene3d>
+          <a:camera prst="orthographicFront"/>
+          <a:lightRig rig="flat" dir="t"/>
+        </a:scene3d>
+        <a:sp3d prstMaterial="dkEdge">
+          <a:bevelT w="8200" h="38100"/>
+        </a:sp3d>
+      </dsp:spPr>
+      <dsp:style>
+        <a:lnRef idx="0">
+          <a:scrgbClr r="0" g="0" b="0"/>
+        </a:lnRef>
+        <a:fillRef idx="2">
+          <a:scrgbClr r="0" g="0" b="0"/>
+        </a:fillRef>
+        <a:effectRef idx="1">
+          <a:scrgbClr r="0" g="0" b="0"/>
+        </a:effectRef>
+        <a:fontRef idx="minor">
+          <a:schemeClr val="dk1"/>
+        </a:fontRef>
+      </dsp:style>
+      <dsp:txBody>
+        <a:bodyPr spcFirstLastPara="0" vert="horz" wrap="square" lIns="19050" tIns="19050" rIns="19050" bIns="19050" numCol="1" spcCol="1270" anchor="ctr" anchorCtr="0">
+          <a:noAutofit/>
+        </a:bodyPr>
+        <a:lstStyle/>
+        <a:p>
+          <a:pPr lvl="0" algn="ctr" defTabSz="444500" rtl="0">
+            <a:lnSpc>
+              <a:spcPct val="90000"/>
+            </a:lnSpc>
+            <a:spcBef>
+              <a:spcPct val="0"/>
+            </a:spcBef>
+            <a:spcAft>
+              <a:spcPct val="35000"/>
+            </a:spcAft>
+          </a:pPr>
+          <a:r>
+            <a:rPr lang="en-US" sz="1000" kern="1200" dirty="0" smtClean="0"/>
+            <a:t>Transports</a:t>
+          </a:r>
+          <a:endParaRPr lang="en-US" sz="1000" kern="1200" dirty="0"/>
+        </a:p>
+      </dsp:txBody>
+      <dsp:txXfrm>
+        <a:off x="3910642" y="620916"/>
+        <a:ext cx="1036675" cy="819146"/>
+      </dsp:txXfrm>
+    </dsp:sp>
+    <dsp:sp modelId="{27DF259A-5344-4FF7-97E4-A97EC4C703AB}">
+      <dsp:nvSpPr>
+        <dsp:cNvPr id="0" name=""/>
+        <dsp:cNvSpPr/>
+      </dsp:nvSpPr>
+      <dsp:spPr>
+        <a:xfrm rot="19800000">
+          <a:off x="3778905" y="2184806"/>
+          <a:ext cx="1712412" cy="442827"/>
+        </a:xfrm>
+        <a:prstGeom prst="leftArrow">
+          <a:avLst>
+            <a:gd name="adj1" fmla="val 60000"/>
+            <a:gd name="adj2" fmla="val 50000"/>
+          </a:avLst>
+        </a:prstGeom>
+        <a:gradFill rotWithShape="0">
+          <a:gsLst>
+            <a:gs pos="0">
+              <a:schemeClr val="accent5">
+                <a:hueOff val="-6127787"/>
+                <a:satOff val="-8523"/>
+                <a:lumOff val="-3268"/>
+                <a:alphaOff val="0"/>
+                <a:lumMod val="110000"/>
+                <a:satMod val="105000"/>
+                <a:tint val="67000"/>
+              </a:schemeClr>
+            </a:gs>
+            <a:gs pos="50000">
+              <a:schemeClr val="accent5">
+                <a:hueOff val="-6127787"/>
+                <a:satOff val="-8523"/>
+                <a:lumOff val="-3268"/>
+                <a:alphaOff val="0"/>
+                <a:lumMod val="105000"/>
+                <a:satMod val="103000"/>
+                <a:tint val="73000"/>
+              </a:schemeClr>
+            </a:gs>
+            <a:gs pos="100000">
+              <a:schemeClr val="accent5">
+                <a:hueOff val="-6127787"/>
+                <a:satOff val="-8523"/>
+                <a:lumOff val="-3268"/>
+                <a:alphaOff val="0"/>
+                <a:lumMod val="105000"/>
+                <a:satMod val="109000"/>
+                <a:tint val="81000"/>
+              </a:schemeClr>
+            </a:gs>
+          </a:gsLst>
+          <a:lin ang="5400000" scaled="0"/>
+        </a:gradFill>
+        <a:ln>
+          <a:noFill/>
+        </a:ln>
+        <a:effectLst/>
+      </dsp:spPr>
+      <dsp:style>
+        <a:lnRef idx="0">
+          <a:scrgbClr r="0" g="0" b="0"/>
+        </a:lnRef>
+        <a:fillRef idx="2">
+          <a:scrgbClr r="0" g="0" b="0"/>
+        </a:fillRef>
+        <a:effectRef idx="1">
+          <a:scrgbClr r="0" g="0" b="0"/>
+        </a:effectRef>
+        <a:fontRef idx="minor">
+          <a:schemeClr val="dk1"/>
+        </a:fontRef>
+      </dsp:style>
+    </dsp:sp>
+    <dsp:sp modelId="{D129AEE7-0451-44D1-840B-7DC4512E6152}">
+      <dsp:nvSpPr>
+        <dsp:cNvPr id="0" name=""/>
+        <dsp:cNvSpPr/>
+      </dsp:nvSpPr>
+      <dsp:spPr>
+        <a:xfrm>
+          <a:off x="4832784" y="1543058"/>
+          <a:ext cx="1087645" cy="870116"/>
+        </a:xfrm>
+        <a:prstGeom prst="roundRect">
+          <a:avLst>
+            <a:gd name="adj" fmla="val 10000"/>
+          </a:avLst>
+        </a:prstGeom>
+        <a:gradFill rotWithShape="0">
+          <a:gsLst>
+            <a:gs pos="0">
+              <a:schemeClr val="accent5">
+                <a:hueOff val="-6127787"/>
+                <a:satOff val="-8523"/>
+                <a:lumOff val="-3268"/>
+                <a:alphaOff val="0"/>
+                <a:lumMod val="110000"/>
+                <a:satMod val="105000"/>
+                <a:tint val="67000"/>
+              </a:schemeClr>
+            </a:gs>
+            <a:gs pos="50000">
+              <a:schemeClr val="accent5">
+                <a:hueOff val="-6127787"/>
+                <a:satOff val="-8523"/>
+                <a:lumOff val="-3268"/>
+                <a:alphaOff val="0"/>
+                <a:lumMod val="105000"/>
+                <a:satMod val="103000"/>
+                <a:tint val="73000"/>
+              </a:schemeClr>
+            </a:gs>
+            <a:gs pos="100000">
+              <a:schemeClr val="accent5">
+                <a:hueOff val="-6127787"/>
+                <a:satOff val="-8523"/>
+                <a:lumOff val="-3268"/>
+                <a:alphaOff val="0"/>
+                <a:lumMod val="105000"/>
+                <a:satMod val="109000"/>
+                <a:tint val="81000"/>
+              </a:schemeClr>
+            </a:gs>
+          </a:gsLst>
+          <a:lin ang="5400000" scaled="0"/>
+        </a:gradFill>
+        <a:ln>
+          <a:noFill/>
+        </a:ln>
+        <a:effectLst/>
+        <a:scene3d>
+          <a:camera prst="orthographicFront"/>
+          <a:lightRig rig="flat" dir="t"/>
+        </a:scene3d>
+        <a:sp3d prstMaterial="dkEdge">
+          <a:bevelT w="8200" h="38100"/>
+        </a:sp3d>
+      </dsp:spPr>
+      <dsp:style>
+        <a:lnRef idx="0">
+          <a:scrgbClr r="0" g="0" b="0"/>
+        </a:lnRef>
+        <a:fillRef idx="2">
+          <a:scrgbClr r="0" g="0" b="0"/>
+        </a:fillRef>
+        <a:effectRef idx="1">
+          <a:scrgbClr r="0" g="0" b="0"/>
+        </a:effectRef>
+        <a:fontRef idx="minor">
+          <a:schemeClr val="dk1"/>
+        </a:fontRef>
+      </dsp:style>
+      <dsp:txBody>
+        <a:bodyPr spcFirstLastPara="0" vert="horz" wrap="square" lIns="19050" tIns="19050" rIns="19050" bIns="19050" numCol="1" spcCol="1270" anchor="ctr" anchorCtr="0">
+          <a:noAutofit/>
+        </a:bodyPr>
+        <a:lstStyle/>
+        <a:p>
+          <a:pPr lvl="0" algn="ctr" defTabSz="444500" rtl="0">
+            <a:lnSpc>
+              <a:spcPct val="90000"/>
+            </a:lnSpc>
+            <a:spcBef>
+              <a:spcPct val="0"/>
+            </a:spcBef>
+            <a:spcAft>
+              <a:spcPct val="35000"/>
+            </a:spcAft>
+          </a:pPr>
+          <a:r>
+            <a:rPr lang="en-US" sz="1000" kern="1200" smtClean="0"/>
+            <a:t>Persistence</a:t>
+          </a:r>
+          <a:endParaRPr lang="en-US" sz="1000" kern="1200"/>
+        </a:p>
+      </dsp:txBody>
+      <dsp:txXfrm>
+        <a:off x="4858269" y="1568543"/>
+        <a:ext cx="1036675" cy="819146"/>
+      </dsp:txXfrm>
+    </dsp:sp>
+    <dsp:sp modelId="{3C5F09C6-46F1-44D4-85F9-437FE56CCE92}">
+      <dsp:nvSpPr>
+        <dsp:cNvPr id="0" name=""/>
+        <dsp:cNvSpPr/>
+      </dsp:nvSpPr>
+      <dsp:spPr>
+        <a:xfrm>
+          <a:off x="4011051" y="3051186"/>
+          <a:ext cx="1712412" cy="442827"/>
+        </a:xfrm>
+        <a:prstGeom prst="leftArrow">
+          <a:avLst>
+            <a:gd name="adj1" fmla="val 60000"/>
+            <a:gd name="adj2" fmla="val 50000"/>
+          </a:avLst>
+        </a:prstGeom>
+        <a:gradFill rotWithShape="0">
+          <a:gsLst>
+            <a:gs pos="0">
+              <a:schemeClr val="accent5">
+                <a:hueOff val="-7353344"/>
+                <a:satOff val="-10228"/>
+                <a:lumOff val="-3922"/>
+                <a:alphaOff val="0"/>
+                <a:lumMod val="110000"/>
+                <a:satMod val="105000"/>
+                <a:tint val="67000"/>
+              </a:schemeClr>
+            </a:gs>
+            <a:gs pos="50000">
+              <a:schemeClr val="accent5">
+                <a:hueOff val="-7353344"/>
+                <a:satOff val="-10228"/>
+                <a:lumOff val="-3922"/>
+                <a:alphaOff val="0"/>
+                <a:lumMod val="105000"/>
+                <a:satMod val="103000"/>
+                <a:tint val="73000"/>
+              </a:schemeClr>
+            </a:gs>
+            <a:gs pos="100000">
+              <a:schemeClr val="accent5">
+                <a:hueOff val="-7353344"/>
+                <a:satOff val="-10228"/>
+                <a:lumOff val="-3922"/>
+                <a:alphaOff val="0"/>
+                <a:lumMod val="105000"/>
+                <a:satMod val="109000"/>
+                <a:tint val="81000"/>
+              </a:schemeClr>
+            </a:gs>
+          </a:gsLst>
+          <a:lin ang="5400000" scaled="0"/>
+        </a:gradFill>
+        <a:ln>
+          <a:noFill/>
+        </a:ln>
+        <a:effectLst/>
+      </dsp:spPr>
+      <dsp:style>
+        <a:lnRef idx="0">
+          <a:scrgbClr r="0" g="0" b="0"/>
+        </a:lnRef>
+        <a:fillRef idx="2">
+          <a:scrgbClr r="0" g="0" b="0"/>
+        </a:fillRef>
+        <a:effectRef idx="1">
+          <a:scrgbClr r="0" g="0" b="0"/>
+        </a:effectRef>
+        <a:fontRef idx="minor">
+          <a:schemeClr val="dk1"/>
+        </a:fontRef>
+      </dsp:style>
+    </dsp:sp>
+    <dsp:sp modelId="{4032468B-6AD6-4881-941F-92B88D330E78}">
+      <dsp:nvSpPr>
+        <dsp:cNvPr id="0" name=""/>
+        <dsp:cNvSpPr/>
+      </dsp:nvSpPr>
+      <dsp:spPr>
+        <a:xfrm>
+          <a:off x="5179640" y="2837541"/>
+          <a:ext cx="1087645" cy="870116"/>
+        </a:xfrm>
+        <a:prstGeom prst="roundRect">
+          <a:avLst>
+            <a:gd name="adj" fmla="val 10000"/>
+          </a:avLst>
+        </a:prstGeom>
+        <a:gradFill rotWithShape="0">
+          <a:gsLst>
+            <a:gs pos="0">
+              <a:schemeClr val="accent5">
+                <a:hueOff val="-7353344"/>
+                <a:satOff val="-10228"/>
+                <a:lumOff val="-3922"/>
+                <a:alphaOff val="0"/>
+                <a:lumMod val="110000"/>
+                <a:satMod val="105000"/>
+                <a:tint val="67000"/>
+              </a:schemeClr>
+            </a:gs>
+            <a:gs pos="50000">
+              <a:schemeClr val="accent5">
+                <a:hueOff val="-7353344"/>
+                <a:satOff val="-10228"/>
+                <a:lumOff val="-3922"/>
+                <a:alphaOff val="0"/>
+                <a:lumMod val="105000"/>
+                <a:satMod val="103000"/>
+                <a:tint val="73000"/>
+              </a:schemeClr>
+            </a:gs>
+            <a:gs pos="100000">
+              <a:schemeClr val="accent5">
+                <a:hueOff val="-7353344"/>
+                <a:satOff val="-10228"/>
+                <a:lumOff val="-3922"/>
+                <a:alphaOff val="0"/>
+                <a:lumMod val="105000"/>
+                <a:satMod val="109000"/>
+                <a:tint val="81000"/>
+              </a:schemeClr>
+            </a:gs>
+          </a:gsLst>
+          <a:lin ang="5400000" scaled="0"/>
+        </a:gradFill>
+        <a:ln>
+          <a:noFill/>
+        </a:ln>
+        <a:effectLst/>
+        <a:scene3d>
+          <a:camera prst="orthographicFront"/>
+          <a:lightRig rig="flat" dir="t"/>
+        </a:scene3d>
+        <a:sp3d prstMaterial="dkEdge">
+          <a:bevelT w="8200" h="38100"/>
+        </a:sp3d>
+      </dsp:spPr>
+      <dsp:style>
+        <a:lnRef idx="0">
+          <a:scrgbClr r="0" g="0" b="0"/>
+        </a:lnRef>
+        <a:fillRef idx="2">
+          <a:scrgbClr r="0" g="0" b="0"/>
+        </a:fillRef>
+        <a:effectRef idx="1">
+          <a:scrgbClr r="0" g="0" b="0"/>
+        </a:effectRef>
+        <a:fontRef idx="minor">
+          <a:schemeClr val="dk1"/>
+        </a:fontRef>
+      </dsp:style>
+      <dsp:txBody>
+        <a:bodyPr spcFirstLastPara="0" vert="horz" wrap="square" lIns="19050" tIns="19050" rIns="19050" bIns="19050" numCol="1" spcCol="1270" anchor="ctr" anchorCtr="0">
+          <a:noAutofit/>
+        </a:bodyPr>
+        <a:lstStyle/>
+        <a:p>
+          <a:pPr lvl="0" algn="ctr" defTabSz="444500" rtl="0">
+            <a:lnSpc>
+              <a:spcPct val="90000"/>
+            </a:lnSpc>
+            <a:spcBef>
+              <a:spcPct val="0"/>
+            </a:spcBef>
+            <a:spcAft>
+              <a:spcPct val="35000"/>
+            </a:spcAft>
+          </a:pPr>
+          <a:r>
+            <a:rPr lang="en-US" sz="1000" kern="1200" smtClean="0"/>
+            <a:t>RX</a:t>
+          </a:r>
+          <a:endParaRPr lang="en-US" sz="1000" kern="1200"/>
+        </a:p>
+      </dsp:txBody>
+      <dsp:txXfrm>
+        <a:off x="5205125" y="2863026"/>
+        <a:ext cx="1036675" cy="819146"/>
+      </dsp:txXfrm>
+    </dsp:sp>
+  </dsp:spTree>
+</dsp:drawing>
+</file>
+
+<file path=ppt/diagrams/drawing3.xml><?xml version="1.0" encoding="utf-8"?>
+<dsp:drawing xmlns:dgm="http://schemas.openxmlformats.org/drawingml/2006/diagram" xmlns:dsp="http://schemas.microsoft.com/office/drawing/2008/diagram" xmlns:a="http://schemas.openxmlformats.org/drawingml/2006/main">
+  <dsp:spTree>
+    <dsp:nvGrpSpPr>
+      <dsp:cNvPr id="0" name=""/>
+      <dsp:cNvGrpSpPr/>
+    </dsp:nvGrpSpPr>
+    <dsp:grpSpPr/>
     <dsp:sp modelId="{F75FBA98-67BE-4263-8A0A-0D314360C4A0}">
       <dsp:nvSpPr>
         <dsp:cNvPr id="0" name=""/>
@@ -6013,8 +9066,8 @@
       </dsp:nvSpPr>
       <dsp:spPr>
         <a:xfrm>
-          <a:off x="3922858" y="2618929"/>
-          <a:ext cx="2629357" cy="1537581"/>
+          <a:off x="5116291" y="2848409"/>
+          <a:ext cx="2673895" cy="1944650"/>
         </a:xfrm>
         <a:prstGeom prst="roundRect">
           <a:avLst>
@@ -6022,20 +9075,16 @@
           </a:avLst>
         </a:prstGeom>
         <a:solidFill>
-          <a:schemeClr val="lt1">
+          <a:schemeClr val="bg1">
             <a:alpha val="90000"/>
-            <a:hueOff val="0"/>
-            <a:satOff val="0"/>
-            <a:lumOff val="0"/>
-            <a:alphaOff val="0"/>
           </a:schemeClr>
         </a:solidFill>
-        <a:ln w="12700" cap="flat" cmpd="sng" algn="ctr">
+        <a:ln w="6350" cap="flat" cmpd="sng" algn="ctr">
           <a:solidFill>
-            <a:schemeClr val="accent4">
-              <a:hueOff val="6930461"/>
-              <a:satOff val="-31979"/>
-              <a:lumOff val="1177"/>
+            <a:schemeClr val="accent5">
+              <a:hueOff val="-4902230"/>
+              <a:satOff val="-6819"/>
+              <a:lumOff val="-2615"/>
               <a:alphaOff val="0"/>
             </a:schemeClr>
           </a:solidFill>
@@ -6045,7 +9094,7 @@
         <a:effectLst/>
       </dsp:spPr>
       <dsp:style>
-        <a:lnRef idx="2">
+        <a:lnRef idx="1">
           <a:scrgbClr r="0" g="0" b="0"/>
         </a:lnRef>
         <a:fillRef idx="1">
@@ -6057,12 +9106,12 @@
         <a:fontRef idx="minor"/>
       </dsp:style>
       <dsp:txBody>
-        <a:bodyPr spcFirstLastPara="0" vert="horz" wrap="square" lIns="41910" tIns="41910" rIns="41910" bIns="41910" numCol="1" spcCol="1270" anchor="t" anchorCtr="0">
+        <a:bodyPr spcFirstLastPara="0" vert="horz" wrap="square" lIns="41910" tIns="43200" rIns="41910" bIns="396000" numCol="1" spcCol="1270" anchor="ctr" anchorCtr="1">
           <a:noAutofit/>
         </a:bodyPr>
         <a:lstStyle/>
         <a:p>
-          <a:pPr marL="57150" lvl="1" indent="-57150" algn="r" defTabSz="488950">
+          <a:pPr marL="57150" lvl="1" indent="-57150" algn="just" defTabSz="488950">
             <a:lnSpc>
               <a:spcPct val="90000"/>
             </a:lnSpc>
@@ -6076,12 +9125,12 @@
           </a:pPr>
           <a:r>
             <a:rPr lang="en-US" sz="1100" kern="1200" dirty="0" smtClean="0"/>
-            <a:t>Request/Respond</a:t>
+            <a:t>Request/Reply</a:t>
           </a:r>
           <a:endParaRPr lang="en-US" sz="1100" kern="1200" dirty="0"/>
         </a:p>
         <a:p>
-          <a:pPr marL="57150" lvl="1" indent="-57150" algn="r" defTabSz="488950">
+          <a:pPr marL="57150" lvl="1" indent="-57150" algn="just" defTabSz="488950">
             <a:lnSpc>
               <a:spcPct val="90000"/>
             </a:lnSpc>
@@ -6100,7 +9149,7 @@
           <a:endParaRPr lang="en-US" sz="1100" kern="1200" dirty="0"/>
         </a:p>
         <a:p>
-          <a:pPr marL="57150" lvl="1" indent="-57150" algn="r" defTabSz="488950">
+          <a:pPr marL="57150" lvl="1" indent="-57150" algn="just" defTabSz="488950">
             <a:lnSpc>
               <a:spcPct val="90000"/>
             </a:lnSpc>
@@ -6114,12 +9163,12 @@
           </a:pPr>
           <a:r>
             <a:rPr lang="en-US" sz="1100" kern="1200" dirty="0" smtClean="0"/>
-            <a:t>Saga and Saga State Machine</a:t>
+            <a:t>Saga</a:t>
           </a:r>
           <a:endParaRPr lang="en-US" sz="1100" kern="1200" dirty="0"/>
         </a:p>
         <a:p>
-          <a:pPr marL="57150" lvl="1" indent="-57150" algn="r" defTabSz="488950">
+          <a:pPr marL="57150" lvl="1" indent="-57150" algn="just" defTabSz="488950">
             <a:lnSpc>
               <a:spcPct val="90000"/>
             </a:lnSpc>
@@ -6138,7 +9187,7 @@
           <a:endParaRPr lang="en-US" sz="1100" kern="1200" dirty="0"/>
         </a:p>
         <a:p>
-          <a:pPr marL="57150" lvl="1" indent="-57150" algn="r" defTabSz="488950">
+          <a:pPr marL="57150" lvl="1" indent="-57150" algn="just" defTabSz="488950">
             <a:lnSpc>
               <a:spcPct val="90000"/>
             </a:lnSpc>
@@ -6157,7 +9206,7 @@
           <a:endParaRPr lang="en-US" sz="1100" kern="1200" dirty="0"/>
         </a:p>
         <a:p>
-          <a:pPr marL="57150" lvl="1" indent="-57150" algn="r" defTabSz="488950">
+          <a:pPr marL="57150" lvl="1" indent="-57150" algn="just" defTabSz="488950">
             <a:lnSpc>
               <a:spcPct val="90000"/>
             </a:lnSpc>
@@ -6177,8 +9226,8 @@
         </a:p>
       </dsp:txBody>
       <dsp:txXfrm>
-        <a:off x="4745442" y="3037101"/>
-        <a:ext cx="1772998" cy="1085634"/>
+        <a:off x="5961177" y="3377290"/>
+        <a:ext cx="1786291" cy="1373052"/>
       </dsp:txXfrm>
     </dsp:sp>
     <dsp:sp modelId="{AD38EE7A-C685-41D3-9F5C-1AD994465E23}">
@@ -6188,8 +9237,8 @@
       </dsp:nvSpPr>
       <dsp:spPr>
         <a:xfrm>
-          <a:off x="659059" y="2560852"/>
-          <a:ext cx="2657351" cy="1653737"/>
+          <a:off x="468409" y="2918940"/>
+          <a:ext cx="2674080" cy="1944815"/>
         </a:xfrm>
         <a:prstGeom prst="roundRect">
           <a:avLst>
@@ -6197,20 +9246,16 @@
           </a:avLst>
         </a:prstGeom>
         <a:solidFill>
-          <a:schemeClr val="lt1">
+          <a:schemeClr val="bg1">
             <a:alpha val="90000"/>
-            <a:hueOff val="0"/>
-            <a:satOff val="0"/>
-            <a:lumOff val="0"/>
-            <a:alphaOff val="0"/>
           </a:schemeClr>
         </a:solidFill>
-        <a:ln w="12700" cap="flat" cmpd="sng" algn="ctr">
+        <a:ln w="6350" cap="flat" cmpd="sng" algn="ctr">
           <a:solidFill>
-            <a:schemeClr val="accent4">
-              <a:hueOff val="10395692"/>
-              <a:satOff val="-47968"/>
-              <a:lumOff val="1765"/>
+            <a:schemeClr val="accent5">
+              <a:hueOff val="-7353344"/>
+              <a:satOff val="-10228"/>
+              <a:lumOff val="-3922"/>
               <a:alphaOff val="0"/>
             </a:schemeClr>
           </a:solidFill>
@@ -6220,7 +9265,7 @@
         <a:effectLst/>
       </dsp:spPr>
       <dsp:style>
-        <a:lnRef idx="2">
+        <a:lnRef idx="1">
           <a:scrgbClr r="0" g="0" b="0"/>
         </a:lnRef>
         <a:fillRef idx="1">
@@ -6232,7 +9277,7 @@
         <a:fontRef idx="minor"/>
       </dsp:style>
       <dsp:txBody>
-        <a:bodyPr spcFirstLastPara="0" vert="horz" wrap="square" lIns="41910" tIns="41910" rIns="41910" bIns="41910" numCol="1" spcCol="1270" anchor="t" anchorCtr="0">
+        <a:bodyPr spcFirstLastPara="0" vert="horz" wrap="square" lIns="41910" tIns="612000" rIns="41910" bIns="972000" numCol="1" spcCol="1270" anchor="ctr" anchorCtr="1">
           <a:noAutofit/>
         </a:bodyPr>
         <a:lstStyle/>
@@ -6289,14 +9334,71 @@
           </a:pPr>
           <a:r>
             <a:rPr lang="en-US" sz="1100" kern="1200" dirty="0" smtClean="0"/>
+            <a:t>Attachments</a:t>
+          </a:r>
+          <a:endParaRPr lang="en-US" sz="1100" kern="1200" dirty="0"/>
+        </a:p>
+        <a:p>
+          <a:pPr marL="57150" lvl="1" indent="-57150" algn="l" defTabSz="488950">
+            <a:lnSpc>
+              <a:spcPct val="90000"/>
+            </a:lnSpc>
+            <a:spcBef>
+              <a:spcPct val="0"/>
+            </a:spcBef>
+            <a:spcAft>
+              <a:spcPct val="15000"/>
+            </a:spcAft>
+            <a:buChar char="••"/>
+          </a:pPr>
+          <a:r>
+            <a:rPr lang="en-US" sz="1100" kern="1200" dirty="0" smtClean="0"/>
             <a:t>Versioning</a:t>
           </a:r>
           <a:endParaRPr lang="en-US" sz="1100" kern="1200" dirty="0"/>
         </a:p>
+        <a:p>
+          <a:pPr marL="57150" lvl="1" indent="-57150" algn="l" defTabSz="488950">
+            <a:lnSpc>
+              <a:spcPct val="90000"/>
+            </a:lnSpc>
+            <a:spcBef>
+              <a:spcPct val="0"/>
+            </a:spcBef>
+            <a:spcAft>
+              <a:spcPct val="15000"/>
+            </a:spcAft>
+            <a:buChar char="••"/>
+          </a:pPr>
+          <a:r>
+            <a:rPr lang="en-US" sz="1100" kern="1200" dirty="0" smtClean="0"/>
+            <a:t>Middleware</a:t>
+          </a:r>
+          <a:endParaRPr lang="en-US" sz="1100" kern="1200" dirty="0"/>
+        </a:p>
+        <a:p>
+          <a:pPr marL="57150" lvl="1" indent="-57150" algn="l" defTabSz="488950">
+            <a:lnSpc>
+              <a:spcPct val="90000"/>
+            </a:lnSpc>
+            <a:spcBef>
+              <a:spcPct val="0"/>
+            </a:spcBef>
+            <a:spcAft>
+              <a:spcPct val="15000"/>
+            </a:spcAft>
+            <a:buChar char="••"/>
+          </a:pPr>
+          <a:r>
+            <a:rPr lang="en-US" sz="1100" kern="1200" dirty="0" smtClean="0"/>
+            <a:t>Community</a:t>
+          </a:r>
+          <a:endParaRPr lang="en-US" sz="1100" kern="1200" dirty="0"/>
+        </a:p>
       </dsp:txBody>
       <dsp:txXfrm>
-        <a:off x="695386" y="3010613"/>
-        <a:ext cx="1787492" cy="1167648"/>
+        <a:off x="511130" y="3447865"/>
+        <a:ext cx="1786414" cy="1373169"/>
       </dsp:txXfrm>
     </dsp:sp>
     <dsp:sp modelId="{516B9BFA-5E3B-40B6-98AD-BE837D1FBAD6}">
@@ -6306,8 +9408,8 @@
       </dsp:nvSpPr>
       <dsp:spPr>
         <a:xfrm>
-          <a:off x="3915238" y="-161828"/>
-          <a:ext cx="2644598" cy="1664095"/>
+          <a:off x="5116302" y="-170655"/>
+          <a:ext cx="2675489" cy="1944650"/>
         </a:xfrm>
         <a:prstGeom prst="roundRect">
           <a:avLst>
@@ -6315,20 +9417,16 @@
           </a:avLst>
         </a:prstGeom>
         <a:solidFill>
-          <a:schemeClr val="lt1">
+          <a:schemeClr val="bg1">
             <a:alpha val="90000"/>
-            <a:hueOff val="0"/>
-            <a:satOff val="0"/>
-            <a:lumOff val="0"/>
-            <a:alphaOff val="0"/>
           </a:schemeClr>
         </a:solidFill>
-        <a:ln w="12700" cap="flat" cmpd="sng" algn="ctr">
+        <a:ln w="6350" cap="flat" cmpd="sng" algn="ctr">
           <a:solidFill>
-            <a:schemeClr val="accent4">
-              <a:hueOff val="3465231"/>
-              <a:satOff val="-15989"/>
-              <a:lumOff val="588"/>
+            <a:schemeClr val="accent5">
+              <a:hueOff val="-2451115"/>
+              <a:satOff val="-3409"/>
+              <a:lumOff val="-1307"/>
               <a:alphaOff val="0"/>
             </a:schemeClr>
           </a:solidFill>
@@ -6338,7 +9436,7 @@
         <a:effectLst/>
       </dsp:spPr>
       <dsp:style>
-        <a:lnRef idx="2">
+        <a:lnRef idx="1">
           <a:scrgbClr r="0" g="0" b="0"/>
         </a:lnRef>
         <a:fillRef idx="1">
@@ -6350,12 +9448,12 @@
         <a:fontRef idx="minor"/>
       </dsp:style>
       <dsp:txBody>
-        <a:bodyPr spcFirstLastPara="0" vert="horz" wrap="square" lIns="41910" tIns="41910" rIns="41910" bIns="41910" numCol="1" spcCol="1270" anchor="t" anchorCtr="0">
+        <a:bodyPr spcFirstLastPara="0" vert="horz" wrap="square" lIns="41910" tIns="41910" rIns="41910" bIns="41910" numCol="1" spcCol="1270" anchor="t" anchorCtr="1">
           <a:noAutofit/>
         </a:bodyPr>
         <a:lstStyle/>
         <a:p>
-          <a:pPr marL="57150" lvl="1" indent="-57150" algn="r" defTabSz="488950">
+          <a:pPr marL="57150" lvl="1" indent="-57150" algn="l" defTabSz="488950">
             <a:lnSpc>
               <a:spcPct val="90000"/>
             </a:lnSpc>
@@ -6374,7 +9472,7 @@
           <a:endParaRPr lang="en-US" sz="1100" kern="1200" dirty="0"/>
         </a:p>
         <a:p>
-          <a:pPr marL="57150" lvl="1" indent="-57150" algn="r" defTabSz="488950">
+          <a:pPr marL="57150" lvl="1" indent="-57150" algn="l" defTabSz="488950">
             <a:lnSpc>
               <a:spcPct val="90000"/>
             </a:lnSpc>
@@ -6393,7 +9491,7 @@
           <a:endParaRPr lang="en-US" sz="1100" kern="1200" dirty="0"/>
         </a:p>
         <a:p>
-          <a:pPr marL="57150" lvl="1" indent="-57150" algn="r" defTabSz="488950">
+          <a:pPr marL="57150" lvl="1" indent="-57150" algn="l" defTabSz="488950">
             <a:lnSpc>
               <a:spcPct val="90000"/>
             </a:lnSpc>
@@ -6412,7 +9510,7 @@
           <a:endParaRPr lang="en-US" sz="1100" kern="1200" dirty="0"/>
         </a:p>
         <a:p>
-          <a:pPr marL="57150" lvl="1" indent="-57150" algn="r" defTabSz="488950">
+          <a:pPr marL="57150" lvl="1" indent="-57150" algn="l" defTabSz="488950">
             <a:lnSpc>
               <a:spcPct val="90000"/>
             </a:lnSpc>
@@ -6431,7 +9529,26 @@
           <a:endParaRPr lang="en-US" sz="1100" kern="1200" dirty="0"/>
         </a:p>
         <a:p>
-          <a:pPr marL="57150" lvl="1" indent="-57150" algn="r" defTabSz="488950">
+          <a:pPr marL="57150" lvl="1" indent="-57150" algn="l" defTabSz="488950">
+            <a:lnSpc>
+              <a:spcPct val="90000"/>
+            </a:lnSpc>
+            <a:spcBef>
+              <a:spcPct val="0"/>
+            </a:spcBef>
+            <a:spcAft>
+              <a:spcPct val="15000"/>
+            </a:spcAft>
+            <a:buChar char="••"/>
+          </a:pPr>
+          <a:r>
+            <a:rPr lang="en-US" sz="1100" kern="1200" dirty="0" smtClean="0"/>
+            <a:t>State Machines</a:t>
+          </a:r>
+          <a:endParaRPr lang="en-US" sz="1100" kern="1200" dirty="0"/>
+        </a:p>
+        <a:p>
+          <a:pPr marL="57150" lvl="1" indent="-57150" algn="l" defTabSz="488950">
             <a:lnSpc>
               <a:spcPct val="90000"/>
             </a:lnSpc>
@@ -6450,7 +9567,7 @@
           <a:endParaRPr lang="en-US" sz="1100" kern="1200" dirty="0"/>
         </a:p>
         <a:p>
-          <a:pPr marL="57150" lvl="1" indent="-57150" algn="r" defTabSz="488950">
+          <a:pPr marL="57150" lvl="1" indent="-57150" algn="l" defTabSz="488950">
             <a:lnSpc>
               <a:spcPct val="90000"/>
             </a:lnSpc>
@@ -6469,7 +9586,7 @@
           <a:endParaRPr lang="en-US" sz="1100" kern="1200" dirty="0"/>
         </a:p>
         <a:p>
-          <a:pPr marL="57150" lvl="1" indent="-57150" algn="r" defTabSz="488950">
+          <a:pPr marL="57150" lvl="1" indent="-57150" algn="l" defTabSz="488950">
             <a:lnSpc>
               <a:spcPct val="90000"/>
             </a:lnSpc>
@@ -6488,7 +9605,7 @@
           <a:endParaRPr lang="en-US" sz="1100" kern="1200" dirty="0"/>
         </a:p>
         <a:p>
-          <a:pPr marL="57150" lvl="1" indent="-57150" algn="r" defTabSz="488950">
+          <a:pPr marL="57150" lvl="1" indent="-57150" algn="l" defTabSz="488950">
             <a:lnSpc>
               <a:spcPct val="90000"/>
             </a:lnSpc>
@@ -6508,8 +9625,8 @@
         </a:p>
       </dsp:txBody>
       <dsp:txXfrm>
-        <a:off x="4745173" y="-125273"/>
-        <a:ext cx="1778109" cy="1174961"/>
+        <a:off x="5961667" y="-127937"/>
+        <a:ext cx="1787406" cy="1373052"/>
       </dsp:txXfrm>
     </dsp:sp>
     <dsp:sp modelId="{74C15D2B-43BE-409A-99E1-4C7BEA41372F}">
@@ -6519,8 +9636,8 @@
       </dsp:nvSpPr>
       <dsp:spPr>
         <a:xfrm>
-          <a:off x="691415" y="-197725"/>
-          <a:ext cx="2650165" cy="1735888"/>
+          <a:off x="468975" y="-109851"/>
+          <a:ext cx="2675489" cy="1945802"/>
         </a:xfrm>
         <a:prstGeom prst="roundRect">
           <a:avLst>
@@ -6528,17 +9645,13 @@
           </a:avLst>
         </a:prstGeom>
         <a:solidFill>
-          <a:schemeClr val="lt1">
+          <a:schemeClr val="bg1">
             <a:alpha val="90000"/>
-            <a:hueOff val="0"/>
-            <a:satOff val="0"/>
-            <a:lumOff val="0"/>
-            <a:alphaOff val="0"/>
           </a:schemeClr>
         </a:solidFill>
-        <a:ln w="12700" cap="flat" cmpd="sng" algn="ctr">
+        <a:ln w="6350" cap="flat" cmpd="sng" algn="ctr">
           <a:solidFill>
-            <a:schemeClr val="accent4">
+            <a:schemeClr val="accent5">
               <a:hueOff val="0"/>
               <a:satOff val="0"/>
               <a:lumOff val="0"/>
@@ -6551,7 +9664,7 @@
         <a:effectLst/>
       </dsp:spPr>
       <dsp:style>
-        <a:lnRef idx="2">
+        <a:lnRef idx="1">
           <a:scrgbClr r="0" g="0" b="0"/>
         </a:lnRef>
         <a:fillRef idx="1">
@@ -6563,12 +9676,12 @@
         <a:fontRef idx="minor"/>
       </dsp:style>
       <dsp:txBody>
-        <a:bodyPr spcFirstLastPara="0" vert="horz" wrap="square" lIns="41910" tIns="41910" rIns="41910" bIns="41910" numCol="1" spcCol="1270" anchor="t" anchorCtr="0">
+        <a:bodyPr spcFirstLastPara="0" vert="horz" wrap="square" lIns="41910" tIns="180000" rIns="41910" bIns="41910" numCol="1" spcCol="1270" anchor="t" anchorCtr="1">
           <a:noAutofit/>
         </a:bodyPr>
         <a:lstStyle/>
         <a:p>
-          <a:pPr marL="57150" lvl="1" indent="-57150" algn="l" defTabSz="488950">
+          <a:pPr marL="57150" lvl="1" indent="-57150" algn="just" defTabSz="488950" rtl="0">
             <a:lnSpc>
               <a:spcPct val="90000"/>
             </a:lnSpc>
@@ -6587,7 +9700,7 @@
           <a:endParaRPr lang="en-US" sz="1100" kern="1200" dirty="0"/>
         </a:p>
         <a:p>
-          <a:pPr marL="57150" lvl="1" indent="-57150" algn="l" defTabSz="488950">
+          <a:pPr marL="57150" lvl="1" indent="-57150" algn="just" defTabSz="488950" rtl="0">
             <a:lnSpc>
               <a:spcPct val="90000"/>
             </a:lnSpc>
@@ -6606,7 +9719,7 @@
           <a:endParaRPr lang="en-US" sz="1100" kern="1200" dirty="0"/>
         </a:p>
         <a:p>
-          <a:pPr marL="57150" lvl="1" indent="-57150" algn="l" defTabSz="488950">
+          <a:pPr marL="57150" lvl="1" indent="-57150" algn="just" defTabSz="488950" rtl="0">
             <a:lnSpc>
               <a:spcPct val="90000"/>
             </a:lnSpc>
@@ -6625,7 +9738,7 @@
           <a:endParaRPr lang="en-US" sz="1100" kern="1200" dirty="0"/>
         </a:p>
         <a:p>
-          <a:pPr marL="57150" lvl="1" indent="-57150" algn="l" defTabSz="488950">
+          <a:pPr marL="57150" lvl="1" indent="-57150" algn="just" defTabSz="488950" rtl="0">
             <a:lnSpc>
               <a:spcPct val="90000"/>
             </a:lnSpc>
@@ -6644,7 +9757,7 @@
           <a:endParaRPr lang="en-US" sz="1100" kern="1200" dirty="0"/>
         </a:p>
         <a:p>
-          <a:pPr marL="57150" lvl="1" indent="-57150" algn="l" defTabSz="488950">
+          <a:pPr marL="57150" lvl="1" indent="-57150" algn="just" defTabSz="488950" rtl="0">
             <a:lnSpc>
               <a:spcPct val="90000"/>
             </a:lnSpc>
@@ -6663,26 +9776,7 @@
           <a:endParaRPr lang="en-US" sz="1100" kern="1200" dirty="0"/>
         </a:p>
         <a:p>
-          <a:pPr marL="57150" lvl="1" indent="-57150" algn="l" defTabSz="488950">
-            <a:lnSpc>
-              <a:spcPct val="90000"/>
-            </a:lnSpc>
-            <a:spcBef>
-              <a:spcPct val="0"/>
-            </a:spcBef>
-            <a:spcAft>
-              <a:spcPct val="15000"/>
-            </a:spcAft>
-            <a:buChar char="••"/>
-          </a:pPr>
-          <a:r>
-            <a:rPr lang="en-US" sz="1100" kern="1200" dirty="0" smtClean="0"/>
-            <a:t>Transforms</a:t>
-          </a:r>
-          <a:endParaRPr lang="en-US" sz="1100" kern="1200" dirty="0"/>
-        </a:p>
-        <a:p>
-          <a:pPr marL="57150" lvl="1" indent="-57150" algn="l" defTabSz="488950">
+          <a:pPr marL="57150" lvl="1" indent="-57150" algn="just" defTabSz="488950" rtl="0">
             <a:lnSpc>
               <a:spcPct val="90000"/>
             </a:lnSpc>
@@ -6701,7 +9795,7 @@
           <a:endParaRPr lang="en-US" sz="1100" kern="1200" dirty="0"/>
         </a:p>
         <a:p>
-          <a:pPr marL="57150" lvl="1" indent="-57150" algn="l" defTabSz="488950">
+          <a:pPr marL="57150" lvl="1" indent="-57150" algn="just" defTabSz="488950" rtl="0">
             <a:lnSpc>
               <a:spcPct val="90000"/>
             </a:lnSpc>
@@ -6719,10 +9813,29 @@
           </a:r>
           <a:endParaRPr lang="en-US" sz="1100" kern="1200" dirty="0"/>
         </a:p>
+        <a:p>
+          <a:pPr marL="57150" lvl="1" indent="-57150" algn="just" defTabSz="488950" rtl="0">
+            <a:lnSpc>
+              <a:spcPct val="90000"/>
+            </a:lnSpc>
+            <a:spcBef>
+              <a:spcPct val="0"/>
+            </a:spcBef>
+            <a:spcAft>
+              <a:spcPct val="15000"/>
+            </a:spcAft>
+            <a:buChar char="••"/>
+          </a:pPr>
+          <a:r>
+            <a:rPr lang="en-US" sz="1100" kern="1200" dirty="0" smtClean="0"/>
+            <a:t>Hosting</a:t>
+          </a:r>
+          <a:endParaRPr lang="en-US" sz="1100" kern="1200" dirty="0"/>
+        </a:p>
       </dsp:txBody>
       <dsp:txXfrm>
-        <a:off x="729547" y="-159593"/>
-        <a:ext cx="1778852" cy="1225652"/>
+        <a:off x="511718" y="-67108"/>
+        <a:ext cx="1787356" cy="1373866"/>
       </dsp:txXfrm>
     </dsp:sp>
     <dsp:sp modelId="{BAE0A4B9-FAE5-408A-9164-19C9A218F095}">
@@ -6732,46 +9845,74 @@
       </dsp:nvSpPr>
       <dsp:spPr>
         <a:xfrm>
-          <a:off x="1853457" y="238059"/>
-          <a:ext cx="1730409" cy="1730409"/>
+          <a:off x="2066660" y="266662"/>
+          <a:ext cx="2024758" cy="2024758"/>
         </a:xfrm>
         <a:prstGeom prst="pieWedge">
           <a:avLst/>
         </a:prstGeom>
-        <a:solidFill>
-          <a:schemeClr val="accent4">
-            <a:hueOff val="0"/>
-            <a:satOff val="0"/>
-            <a:lumOff val="0"/>
-            <a:alphaOff val="0"/>
-          </a:schemeClr>
-        </a:solidFill>
-        <a:ln w="12700" cap="flat" cmpd="sng" algn="ctr">
-          <a:solidFill>
-            <a:schemeClr val="lt1">
-              <a:hueOff val="0"/>
-              <a:satOff val="0"/>
-              <a:lumOff val="0"/>
-              <a:alphaOff val="0"/>
-            </a:schemeClr>
-          </a:solidFill>
-          <a:prstDash val="solid"/>
-          <a:miter lim="800000"/>
+        <a:gradFill rotWithShape="0">
+          <a:gsLst>
+            <a:gs pos="0">
+              <a:schemeClr val="accent5">
+                <a:hueOff val="0"/>
+                <a:satOff val="0"/>
+                <a:lumOff val="0"/>
+                <a:alphaOff val="0"/>
+                <a:lumMod val="110000"/>
+                <a:satMod val="105000"/>
+                <a:tint val="67000"/>
+              </a:schemeClr>
+            </a:gs>
+            <a:gs pos="50000">
+              <a:schemeClr val="accent5">
+                <a:hueOff val="0"/>
+                <a:satOff val="0"/>
+                <a:lumOff val="0"/>
+                <a:alphaOff val="0"/>
+                <a:lumMod val="105000"/>
+                <a:satMod val="103000"/>
+                <a:tint val="73000"/>
+              </a:schemeClr>
+            </a:gs>
+            <a:gs pos="100000">
+              <a:schemeClr val="accent5">
+                <a:hueOff val="0"/>
+                <a:satOff val="0"/>
+                <a:lumOff val="0"/>
+                <a:alphaOff val="0"/>
+                <a:lumMod val="105000"/>
+                <a:satMod val="109000"/>
+                <a:tint val="81000"/>
+              </a:schemeClr>
+            </a:gs>
+          </a:gsLst>
+          <a:lin ang="5400000" scaled="0"/>
+        </a:gradFill>
+        <a:ln>
+          <a:noFill/>
         </a:ln>
         <a:effectLst/>
+        <a:scene3d>
+          <a:camera prst="orthographicFront"/>
+          <a:lightRig rig="flat" dir="t"/>
+        </a:scene3d>
+        <a:sp3d prstMaterial="dkEdge">
+          <a:bevelT w="8200" h="38100"/>
+        </a:sp3d>
       </dsp:spPr>
       <dsp:style>
-        <a:lnRef idx="2">
+        <a:lnRef idx="0">
           <a:scrgbClr r="0" g="0" b="0"/>
         </a:lnRef>
-        <a:fillRef idx="1">
+        <a:fillRef idx="2">
           <a:scrgbClr r="0" g="0" b="0"/>
         </a:fillRef>
-        <a:effectRef idx="0">
+        <a:effectRef idx="1">
           <a:scrgbClr r="0" g="0" b="0"/>
         </a:effectRef>
         <a:fontRef idx="minor">
-          <a:schemeClr val="lt1"/>
+          <a:schemeClr val="dk1"/>
         </a:fontRef>
       </dsp:style>
       <dsp:txBody>
@@ -6799,8 +9940,8 @@
         </a:p>
       </dsp:txBody>
       <dsp:txXfrm>
-        <a:off x="2360282" y="744884"/>
-        <a:ext cx="1223584" cy="1223584"/>
+        <a:off x="2659698" y="859700"/>
+        <a:ext cx="1431720" cy="1431720"/>
       </dsp:txXfrm>
     </dsp:sp>
     <dsp:sp modelId="{E7D18CCD-34F1-4E56-9739-0BAD073A51D3}">
@@ -6810,46 +9951,74 @@
       </dsp:nvSpPr>
       <dsp:spPr>
         <a:xfrm rot="5400000">
-          <a:off x="3663793" y="238059"/>
-          <a:ext cx="1730409" cy="1730409"/>
+          <a:off x="4184941" y="266662"/>
+          <a:ext cx="2024758" cy="2024758"/>
         </a:xfrm>
         <a:prstGeom prst="pieWedge">
           <a:avLst/>
         </a:prstGeom>
-        <a:solidFill>
-          <a:schemeClr val="accent4">
-            <a:hueOff val="3465231"/>
-            <a:satOff val="-15989"/>
-            <a:lumOff val="588"/>
-            <a:alphaOff val="0"/>
-          </a:schemeClr>
-        </a:solidFill>
-        <a:ln w="12700" cap="flat" cmpd="sng" algn="ctr">
-          <a:solidFill>
-            <a:schemeClr val="lt1">
-              <a:hueOff val="0"/>
-              <a:satOff val="0"/>
-              <a:lumOff val="0"/>
-              <a:alphaOff val="0"/>
-            </a:schemeClr>
-          </a:solidFill>
-          <a:prstDash val="solid"/>
-          <a:miter lim="800000"/>
+        <a:gradFill rotWithShape="0">
+          <a:gsLst>
+            <a:gs pos="0">
+              <a:schemeClr val="accent5">
+                <a:hueOff val="-2451115"/>
+                <a:satOff val="-3409"/>
+                <a:lumOff val="-1307"/>
+                <a:alphaOff val="0"/>
+                <a:lumMod val="110000"/>
+                <a:satMod val="105000"/>
+                <a:tint val="67000"/>
+              </a:schemeClr>
+            </a:gs>
+            <a:gs pos="50000">
+              <a:schemeClr val="accent5">
+                <a:hueOff val="-2451115"/>
+                <a:satOff val="-3409"/>
+                <a:lumOff val="-1307"/>
+                <a:alphaOff val="0"/>
+                <a:lumMod val="105000"/>
+                <a:satMod val="103000"/>
+                <a:tint val="73000"/>
+              </a:schemeClr>
+            </a:gs>
+            <a:gs pos="100000">
+              <a:schemeClr val="accent5">
+                <a:hueOff val="-2451115"/>
+                <a:satOff val="-3409"/>
+                <a:lumOff val="-1307"/>
+                <a:alphaOff val="0"/>
+                <a:lumMod val="105000"/>
+                <a:satMod val="109000"/>
+                <a:tint val="81000"/>
+              </a:schemeClr>
+            </a:gs>
+          </a:gsLst>
+          <a:lin ang="5400000" scaled="0"/>
+        </a:gradFill>
+        <a:ln>
+          <a:noFill/>
         </a:ln>
         <a:effectLst/>
+        <a:scene3d>
+          <a:camera prst="orthographicFront"/>
+          <a:lightRig rig="flat" dir="t"/>
+        </a:scene3d>
+        <a:sp3d prstMaterial="dkEdge">
+          <a:bevelT w="8200" h="38100"/>
+        </a:sp3d>
       </dsp:spPr>
       <dsp:style>
-        <a:lnRef idx="2">
+        <a:lnRef idx="0">
           <a:scrgbClr r="0" g="0" b="0"/>
         </a:lnRef>
-        <a:fillRef idx="1">
+        <a:fillRef idx="2">
           <a:scrgbClr r="0" g="0" b="0"/>
         </a:fillRef>
-        <a:effectRef idx="0">
+        <a:effectRef idx="1">
           <a:scrgbClr r="0" g="0" b="0"/>
         </a:effectRef>
         <a:fontRef idx="minor">
-          <a:schemeClr val="lt1"/>
+          <a:schemeClr val="dk1"/>
         </a:fontRef>
       </dsp:style>
       <dsp:txBody>
@@ -6871,14 +10040,18 @@
           </a:pPr>
           <a:r>
             <a:rPr lang="en-US" sz="1100" kern="1200" dirty="0" smtClean="0"/>
-            <a:t>Flow Control</a:t>
+            <a:t>Flow </a:t>
+          </a:r>
+          <a:r>
+            <a:rPr lang="en-US" sz="1100" kern="1200" dirty="0" smtClean="0"/>
+            <a:t>Control</a:t>
           </a:r>
           <a:endParaRPr lang="en-US" sz="1100" kern="1200" dirty="0"/>
         </a:p>
       </dsp:txBody>
       <dsp:txXfrm rot="-5400000">
-        <a:off x="3663793" y="744884"/>
-        <a:ext cx="1223584" cy="1223584"/>
+        <a:off x="4184941" y="859700"/>
+        <a:ext cx="1431720" cy="1431720"/>
       </dsp:txXfrm>
     </dsp:sp>
     <dsp:sp modelId="{CE6366C0-1569-4A15-B9CE-069B03284478}">
@@ -6888,46 +10061,74 @@
       </dsp:nvSpPr>
       <dsp:spPr>
         <a:xfrm rot="10800000">
-          <a:off x="3663793" y="2048395"/>
-          <a:ext cx="1730409" cy="1730409"/>
+          <a:off x="4184941" y="2384942"/>
+          <a:ext cx="2024758" cy="2024758"/>
         </a:xfrm>
         <a:prstGeom prst="pieWedge">
           <a:avLst/>
         </a:prstGeom>
-        <a:solidFill>
-          <a:schemeClr val="accent4">
-            <a:hueOff val="6930461"/>
-            <a:satOff val="-31979"/>
-            <a:lumOff val="1177"/>
-            <a:alphaOff val="0"/>
-          </a:schemeClr>
-        </a:solidFill>
-        <a:ln w="12700" cap="flat" cmpd="sng" algn="ctr">
-          <a:solidFill>
-            <a:schemeClr val="lt1">
-              <a:hueOff val="0"/>
-              <a:satOff val="0"/>
-              <a:lumOff val="0"/>
-              <a:alphaOff val="0"/>
-            </a:schemeClr>
-          </a:solidFill>
-          <a:prstDash val="solid"/>
-          <a:miter lim="800000"/>
+        <a:gradFill rotWithShape="0">
+          <a:gsLst>
+            <a:gs pos="0">
+              <a:schemeClr val="accent5">
+                <a:hueOff val="-4902230"/>
+                <a:satOff val="-6819"/>
+                <a:lumOff val="-2615"/>
+                <a:alphaOff val="0"/>
+                <a:lumMod val="110000"/>
+                <a:satMod val="105000"/>
+                <a:tint val="67000"/>
+              </a:schemeClr>
+            </a:gs>
+            <a:gs pos="50000">
+              <a:schemeClr val="accent5">
+                <a:hueOff val="-4902230"/>
+                <a:satOff val="-6819"/>
+                <a:lumOff val="-2615"/>
+                <a:alphaOff val="0"/>
+                <a:lumMod val="105000"/>
+                <a:satMod val="103000"/>
+                <a:tint val="73000"/>
+              </a:schemeClr>
+            </a:gs>
+            <a:gs pos="100000">
+              <a:schemeClr val="accent5">
+                <a:hueOff val="-4902230"/>
+                <a:satOff val="-6819"/>
+                <a:lumOff val="-2615"/>
+                <a:alphaOff val="0"/>
+                <a:lumMod val="105000"/>
+                <a:satMod val="109000"/>
+                <a:tint val="81000"/>
+              </a:schemeClr>
+            </a:gs>
+          </a:gsLst>
+          <a:lin ang="5400000" scaled="0"/>
+        </a:gradFill>
+        <a:ln>
+          <a:noFill/>
         </a:ln>
         <a:effectLst/>
+        <a:scene3d>
+          <a:camera prst="orthographicFront"/>
+          <a:lightRig rig="flat" dir="t"/>
+        </a:scene3d>
+        <a:sp3d prstMaterial="dkEdge">
+          <a:bevelT w="8200" h="38100"/>
+        </a:sp3d>
       </dsp:spPr>
       <dsp:style>
-        <a:lnRef idx="2">
+        <a:lnRef idx="0">
           <a:scrgbClr r="0" g="0" b="0"/>
         </a:lnRef>
-        <a:fillRef idx="1">
+        <a:fillRef idx="2">
           <a:scrgbClr r="0" g="0" b="0"/>
         </a:fillRef>
-        <a:effectRef idx="0">
+        <a:effectRef idx="1">
           <a:scrgbClr r="0" g="0" b="0"/>
         </a:effectRef>
         <a:fontRef idx="minor">
-          <a:schemeClr val="lt1"/>
+          <a:schemeClr val="dk1"/>
         </a:fontRef>
       </dsp:style>
       <dsp:txBody>
@@ -6955,8 +10156,8 @@
         </a:p>
       </dsp:txBody>
       <dsp:txXfrm rot="10800000">
-        <a:off x="3663793" y="2048395"/>
-        <a:ext cx="1223584" cy="1223584"/>
+        <a:off x="4184941" y="2384942"/>
+        <a:ext cx="1431720" cy="1431720"/>
       </dsp:txXfrm>
     </dsp:sp>
     <dsp:sp modelId="{E5EC745D-1674-4010-B81B-6433AC14FEEF}">
@@ -6966,46 +10167,74 @@
       </dsp:nvSpPr>
       <dsp:spPr>
         <a:xfrm rot="16200000">
-          <a:off x="1853457" y="2048395"/>
-          <a:ext cx="1730409" cy="1730409"/>
+          <a:off x="2066660" y="2384942"/>
+          <a:ext cx="2024758" cy="2024758"/>
         </a:xfrm>
         <a:prstGeom prst="pieWedge">
           <a:avLst/>
         </a:prstGeom>
-        <a:solidFill>
-          <a:schemeClr val="accent4">
-            <a:hueOff val="10395692"/>
-            <a:satOff val="-47968"/>
-            <a:lumOff val="1765"/>
-            <a:alphaOff val="0"/>
-          </a:schemeClr>
-        </a:solidFill>
-        <a:ln w="12700" cap="flat" cmpd="sng" algn="ctr">
-          <a:solidFill>
-            <a:schemeClr val="lt1">
-              <a:hueOff val="0"/>
-              <a:satOff val="0"/>
-              <a:lumOff val="0"/>
-              <a:alphaOff val="0"/>
-            </a:schemeClr>
-          </a:solidFill>
-          <a:prstDash val="solid"/>
-          <a:miter lim="800000"/>
+        <a:gradFill rotWithShape="0">
+          <a:gsLst>
+            <a:gs pos="0">
+              <a:schemeClr val="accent5">
+                <a:hueOff val="-7353344"/>
+                <a:satOff val="-10228"/>
+                <a:lumOff val="-3922"/>
+                <a:alphaOff val="0"/>
+                <a:lumMod val="110000"/>
+                <a:satMod val="105000"/>
+                <a:tint val="67000"/>
+              </a:schemeClr>
+            </a:gs>
+            <a:gs pos="50000">
+              <a:schemeClr val="accent5">
+                <a:hueOff val="-7353344"/>
+                <a:satOff val="-10228"/>
+                <a:lumOff val="-3922"/>
+                <a:alphaOff val="0"/>
+                <a:lumMod val="105000"/>
+                <a:satMod val="103000"/>
+                <a:tint val="73000"/>
+              </a:schemeClr>
+            </a:gs>
+            <a:gs pos="100000">
+              <a:schemeClr val="accent5">
+                <a:hueOff val="-7353344"/>
+                <a:satOff val="-10228"/>
+                <a:lumOff val="-3922"/>
+                <a:alphaOff val="0"/>
+                <a:lumMod val="105000"/>
+                <a:satMod val="109000"/>
+                <a:tint val="81000"/>
+              </a:schemeClr>
+            </a:gs>
+          </a:gsLst>
+          <a:lin ang="5400000" scaled="0"/>
+        </a:gradFill>
+        <a:ln>
+          <a:noFill/>
         </a:ln>
         <a:effectLst/>
+        <a:scene3d>
+          <a:camera prst="orthographicFront"/>
+          <a:lightRig rig="flat" dir="t"/>
+        </a:scene3d>
+        <a:sp3d prstMaterial="dkEdge">
+          <a:bevelT w="8200" h="38100"/>
+        </a:sp3d>
       </dsp:spPr>
       <dsp:style>
-        <a:lnRef idx="2">
+        <a:lnRef idx="0">
           <a:scrgbClr r="0" g="0" b="0"/>
         </a:lnRef>
-        <a:fillRef idx="1">
+        <a:fillRef idx="2">
           <a:scrgbClr r="0" g="0" b="0"/>
         </a:fillRef>
-        <a:effectRef idx="0">
+        <a:effectRef idx="1">
           <a:scrgbClr r="0" g="0" b="0"/>
         </a:effectRef>
         <a:fontRef idx="minor">
-          <a:schemeClr val="lt1"/>
+          <a:schemeClr val="dk1"/>
         </a:fontRef>
       </dsp:style>
       <dsp:txBody>
@@ -7033,8 +10262,8 @@
         </a:p>
       </dsp:txBody>
       <dsp:txXfrm rot="5400000">
-        <a:off x="2360282" y="2048395"/>
-        <a:ext cx="1223584" cy="1223584"/>
+        <a:off x="2659698" y="2384942"/>
+        <a:ext cx="1431720" cy="1431720"/>
       </dsp:txXfrm>
     </dsp:sp>
     <dsp:sp modelId="{6E259363-866B-467D-9A9E-4BF3D9F93193}">
@@ -7044,22 +10273,54 @@
       </dsp:nvSpPr>
       <dsp:spPr>
         <a:xfrm>
-          <a:off x="3325104" y="1648762"/>
-          <a:ext cx="597450" cy="519522"/>
+          <a:off x="3788640" y="1917331"/>
+          <a:ext cx="699079" cy="607895"/>
         </a:xfrm>
         <a:prstGeom prst="circularArrow">
           <a:avLst/>
         </a:prstGeom>
-        <a:solidFill>
-          <a:schemeClr val="accent4">
-            <a:tint val="40000"/>
-            <a:hueOff val="0"/>
-            <a:satOff val="0"/>
-            <a:lumOff val="0"/>
-            <a:alphaOff val="0"/>
-          </a:schemeClr>
-        </a:solidFill>
-        <a:ln w="12700" cap="flat" cmpd="sng" algn="ctr">
+        <a:gradFill rotWithShape="0">
+          <a:gsLst>
+            <a:gs pos="0">
+              <a:schemeClr val="accent5">
+                <a:tint val="40000"/>
+                <a:hueOff val="0"/>
+                <a:satOff val="0"/>
+                <a:lumOff val="0"/>
+                <a:alphaOff val="0"/>
+                <a:lumMod val="110000"/>
+                <a:satMod val="105000"/>
+                <a:tint val="67000"/>
+              </a:schemeClr>
+            </a:gs>
+            <a:gs pos="50000">
+              <a:schemeClr val="accent5">
+                <a:tint val="40000"/>
+                <a:hueOff val="0"/>
+                <a:satOff val="0"/>
+                <a:lumOff val="0"/>
+                <a:alphaOff val="0"/>
+                <a:lumMod val="105000"/>
+                <a:satMod val="103000"/>
+                <a:tint val="73000"/>
+              </a:schemeClr>
+            </a:gs>
+            <a:gs pos="100000">
+              <a:schemeClr val="accent5">
+                <a:tint val="40000"/>
+                <a:hueOff val="0"/>
+                <a:satOff val="0"/>
+                <a:lumOff val="0"/>
+                <a:alphaOff val="0"/>
+                <a:lumMod val="105000"/>
+                <a:satMod val="109000"/>
+                <a:tint val="81000"/>
+              </a:schemeClr>
+            </a:gs>
+          </a:gsLst>
+          <a:lin ang="5400000" scaled="0"/>
+        </a:gradFill>
+        <a:ln w="6350" cap="flat" cmpd="sng" algn="ctr">
           <a:solidFill>
             <a:schemeClr val="lt1">
               <a:hueOff val="0"/>
@@ -7072,15 +10333,22 @@
           <a:miter lim="800000"/>
         </a:ln>
         <a:effectLst/>
+        <a:scene3d>
+          <a:camera prst="orthographicFront"/>
+          <a:lightRig rig="flat" dir="t"/>
+        </a:scene3d>
+        <a:sp3d prstMaterial="dkEdge">
+          <a:bevelT w="8200" h="38100"/>
+        </a:sp3d>
       </dsp:spPr>
       <dsp:style>
-        <a:lnRef idx="2">
+        <a:lnRef idx="1">
           <a:scrgbClr r="0" g="0" b="0"/>
         </a:lnRef>
-        <a:fillRef idx="1">
+        <a:fillRef idx="2">
           <a:scrgbClr r="0" g="0" b="0"/>
         </a:fillRef>
-        <a:effectRef idx="0">
+        <a:effectRef idx="1">
           <a:scrgbClr r="0" g="0" b="0"/>
         </a:effectRef>
         <a:fontRef idx="minor"/>
@@ -7093,22 +10361,54 @@
       </dsp:nvSpPr>
       <dsp:spPr>
         <a:xfrm rot="10800000">
-          <a:off x="3325104" y="1848578"/>
-          <a:ext cx="597450" cy="519522"/>
+          <a:off x="3788640" y="2151136"/>
+          <a:ext cx="699079" cy="607895"/>
         </a:xfrm>
         <a:prstGeom prst="circularArrow">
           <a:avLst/>
         </a:prstGeom>
-        <a:solidFill>
-          <a:schemeClr val="accent4">
-            <a:tint val="40000"/>
-            <a:hueOff val="0"/>
-            <a:satOff val="0"/>
-            <a:lumOff val="0"/>
-            <a:alphaOff val="0"/>
-          </a:schemeClr>
-        </a:solidFill>
-        <a:ln w="12700" cap="flat" cmpd="sng" algn="ctr">
+        <a:gradFill rotWithShape="0">
+          <a:gsLst>
+            <a:gs pos="0">
+              <a:schemeClr val="accent5">
+                <a:tint val="40000"/>
+                <a:hueOff val="0"/>
+                <a:satOff val="0"/>
+                <a:lumOff val="0"/>
+                <a:alphaOff val="0"/>
+                <a:lumMod val="110000"/>
+                <a:satMod val="105000"/>
+                <a:tint val="67000"/>
+              </a:schemeClr>
+            </a:gs>
+            <a:gs pos="50000">
+              <a:schemeClr val="accent5">
+                <a:tint val="40000"/>
+                <a:hueOff val="0"/>
+                <a:satOff val="0"/>
+                <a:lumOff val="0"/>
+                <a:alphaOff val="0"/>
+                <a:lumMod val="105000"/>
+                <a:satMod val="103000"/>
+                <a:tint val="73000"/>
+              </a:schemeClr>
+            </a:gs>
+            <a:gs pos="100000">
+              <a:schemeClr val="accent5">
+                <a:tint val="40000"/>
+                <a:hueOff val="0"/>
+                <a:satOff val="0"/>
+                <a:lumOff val="0"/>
+                <a:alphaOff val="0"/>
+                <a:lumMod val="105000"/>
+                <a:satMod val="109000"/>
+                <a:tint val="81000"/>
+              </a:schemeClr>
+            </a:gs>
+          </a:gsLst>
+          <a:lin ang="5400000" scaled="0"/>
+        </a:gradFill>
+        <a:ln w="6350" cap="flat" cmpd="sng" algn="ctr">
           <a:solidFill>
             <a:schemeClr val="lt1">
               <a:hueOff val="0"/>
@@ -7121,15 +10421,22 @@
           <a:miter lim="800000"/>
         </a:ln>
         <a:effectLst/>
+        <a:scene3d>
+          <a:camera prst="orthographicFront"/>
+          <a:lightRig rig="flat" dir="t"/>
+        </a:scene3d>
+        <a:sp3d prstMaterial="dkEdge">
+          <a:bevelT w="8200" h="38100"/>
+        </a:sp3d>
       </dsp:spPr>
       <dsp:style>
-        <a:lnRef idx="2">
+        <a:lnRef idx="1">
           <a:scrgbClr r="0" g="0" b="0"/>
         </a:lnRef>
-        <a:fillRef idx="1">
+        <a:fillRef idx="2">
           <a:scrgbClr r="0" g="0" b="0"/>
         </a:fillRef>
-        <a:effectRef idx="0">
+        <a:effectRef idx="1">
           <a:scrgbClr r="0" g="0" b="0"/>
         </a:effectRef>
         <a:fontRef idx="minor"/>
@@ -7139,7 +10446,7 @@
 </dsp:drawing>
 </file>
 
-<file path=ppt/diagrams/drawing3.xml><?xml version="1.0" encoding="utf-8"?>
+<file path=ppt/diagrams/drawing4.xml><?xml version="1.0" encoding="utf-8"?>
 <dsp:drawing xmlns:dgm="http://schemas.openxmlformats.org/drawingml/2006/diagram" xmlns:dsp="http://schemas.microsoft.com/office/drawing/2008/diagram" xmlns:a="http://schemas.openxmlformats.org/drawingml/2006/main">
   <dsp:spTree>
     <dsp:nvGrpSpPr>
@@ -7147,280 +10454,6 @@
       <dsp:cNvGrpSpPr/>
     </dsp:nvGrpSpPr>
     <dsp:grpSpPr/>
-    <dsp:sp modelId="{A0F3E842-599A-4864-92CF-F6ECE341B0DB}">
-      <dsp:nvSpPr>
-        <dsp:cNvPr id="0" name=""/>
-        <dsp:cNvSpPr/>
-      </dsp:nvSpPr>
-      <dsp:spPr>
-        <a:xfrm>
-          <a:off x="591502" y="0"/>
-          <a:ext cx="6703695" cy="1676401"/>
-        </a:xfrm>
-        <a:prstGeom prst="rightArrow">
-          <a:avLst/>
-        </a:prstGeom>
-        <a:solidFill>
-          <a:schemeClr val="accent1">
-            <a:tint val="40000"/>
-            <a:hueOff val="0"/>
-            <a:satOff val="0"/>
-            <a:lumOff val="0"/>
-            <a:alphaOff val="0"/>
-          </a:schemeClr>
-        </a:solidFill>
-        <a:ln>
-          <a:noFill/>
-        </a:ln>
-        <a:effectLst/>
-      </dsp:spPr>
-      <dsp:style>
-        <a:lnRef idx="0">
-          <a:scrgbClr r="0" g="0" b="0"/>
-        </a:lnRef>
-        <a:fillRef idx="1">
-          <a:scrgbClr r="0" g="0" b="0"/>
-        </a:fillRef>
-        <a:effectRef idx="0">
-          <a:scrgbClr r="0" g="0" b="0"/>
-        </a:effectRef>
-        <a:fontRef idx="minor"/>
-      </dsp:style>
-    </dsp:sp>
-    <dsp:sp modelId="{342866CA-F0D8-44E7-8258-E3DA2E7AA6A8}">
-      <dsp:nvSpPr>
-        <dsp:cNvPr id="0" name=""/>
-        <dsp:cNvSpPr/>
-      </dsp:nvSpPr>
-      <dsp:spPr>
-        <a:xfrm>
-          <a:off x="146720" y="502920"/>
-          <a:ext cx="2366010" cy="670560"/>
-        </a:xfrm>
-        <a:prstGeom prst="roundRect">
-          <a:avLst/>
-        </a:prstGeom>
-        <a:solidFill>
-          <a:schemeClr val="accent1">
-            <a:hueOff val="0"/>
-            <a:satOff val="0"/>
-            <a:lumOff val="0"/>
-            <a:alphaOff val="0"/>
-          </a:schemeClr>
-        </a:solidFill>
-        <a:ln w="12700" cap="flat" cmpd="sng" algn="ctr">
-          <a:solidFill>
-            <a:schemeClr val="lt1">
-              <a:hueOff val="0"/>
-              <a:satOff val="0"/>
-              <a:lumOff val="0"/>
-              <a:alphaOff val="0"/>
-            </a:schemeClr>
-          </a:solidFill>
-          <a:prstDash val="solid"/>
-          <a:miter lim="800000"/>
-        </a:ln>
-        <a:effectLst/>
-      </dsp:spPr>
-      <dsp:style>
-        <a:lnRef idx="2">
-          <a:scrgbClr r="0" g="0" b="0"/>
-        </a:lnRef>
-        <a:fillRef idx="1">
-          <a:scrgbClr r="0" g="0" b="0"/>
-        </a:fillRef>
-        <a:effectRef idx="0">
-          <a:scrgbClr r="0" g="0" b="0"/>
-        </a:effectRef>
-        <a:fontRef idx="minor">
-          <a:schemeClr val="lt1"/>
-        </a:fontRef>
-      </dsp:style>
-      <dsp:txBody>
-        <a:bodyPr spcFirstLastPara="0" vert="horz" wrap="square" lIns="106680" tIns="106680" rIns="106680" bIns="106680" numCol="1" spcCol="1270" anchor="ctr" anchorCtr="0">
-          <a:noAutofit/>
-        </a:bodyPr>
-        <a:lstStyle/>
-        <a:p>
-          <a:pPr lvl="0" algn="ctr" defTabSz="1244600" rtl="0">
-            <a:lnSpc>
-              <a:spcPct val="90000"/>
-            </a:lnSpc>
-            <a:spcBef>
-              <a:spcPct val="0"/>
-            </a:spcBef>
-            <a:spcAft>
-              <a:spcPct val="35000"/>
-            </a:spcAft>
-          </a:pPr>
-          <a:r>
-            <a:rPr lang="en-US" sz="2800" kern="1200" smtClean="0"/>
-            <a:t>Scalability</a:t>
-          </a:r>
-          <a:endParaRPr lang="en-US" sz="2800" kern="1200"/>
-        </a:p>
-      </dsp:txBody>
-      <dsp:txXfrm>
-        <a:off x="179454" y="535654"/>
-        <a:ext cx="2300542" cy="605092"/>
-      </dsp:txXfrm>
-    </dsp:sp>
-    <dsp:sp modelId="{83367548-E729-4911-80A0-FD21DD26C45D}">
-      <dsp:nvSpPr>
-        <dsp:cNvPr id="0" name=""/>
-        <dsp:cNvSpPr/>
-      </dsp:nvSpPr>
-      <dsp:spPr>
-        <a:xfrm>
-          <a:off x="2760344" y="502920"/>
-          <a:ext cx="2366010" cy="670560"/>
-        </a:xfrm>
-        <a:prstGeom prst="roundRect">
-          <a:avLst/>
-        </a:prstGeom>
-        <a:solidFill>
-          <a:schemeClr val="accent1">
-            <a:hueOff val="0"/>
-            <a:satOff val="0"/>
-            <a:lumOff val="0"/>
-            <a:alphaOff val="0"/>
-          </a:schemeClr>
-        </a:solidFill>
-        <a:ln w="12700" cap="flat" cmpd="sng" algn="ctr">
-          <a:solidFill>
-            <a:schemeClr val="lt1">
-              <a:hueOff val="0"/>
-              <a:satOff val="0"/>
-              <a:lumOff val="0"/>
-              <a:alphaOff val="0"/>
-            </a:schemeClr>
-          </a:solidFill>
-          <a:prstDash val="solid"/>
-          <a:miter lim="800000"/>
-        </a:ln>
-        <a:effectLst/>
-      </dsp:spPr>
-      <dsp:style>
-        <a:lnRef idx="2">
-          <a:scrgbClr r="0" g="0" b="0"/>
-        </a:lnRef>
-        <a:fillRef idx="1">
-          <a:scrgbClr r="0" g="0" b="0"/>
-        </a:fillRef>
-        <a:effectRef idx="0">
-          <a:scrgbClr r="0" g="0" b="0"/>
-        </a:effectRef>
-        <a:fontRef idx="minor">
-          <a:schemeClr val="lt1"/>
-        </a:fontRef>
-      </dsp:style>
-      <dsp:txBody>
-        <a:bodyPr spcFirstLastPara="0" vert="horz" wrap="square" lIns="106680" tIns="106680" rIns="106680" bIns="106680" numCol="1" spcCol="1270" anchor="ctr" anchorCtr="0">
-          <a:noAutofit/>
-        </a:bodyPr>
-        <a:lstStyle/>
-        <a:p>
-          <a:pPr lvl="0" algn="ctr" defTabSz="1244600" rtl="0">
-            <a:lnSpc>
-              <a:spcPct val="90000"/>
-            </a:lnSpc>
-            <a:spcBef>
-              <a:spcPct val="0"/>
-            </a:spcBef>
-            <a:spcAft>
-              <a:spcPct val="35000"/>
-            </a:spcAft>
-          </a:pPr>
-          <a:r>
-            <a:rPr lang="en-US" sz="2800" kern="1200" smtClean="0"/>
-            <a:t>Resiliency</a:t>
-          </a:r>
-          <a:endParaRPr lang="en-US" sz="2800" kern="1200"/>
-        </a:p>
-      </dsp:txBody>
-      <dsp:txXfrm>
-        <a:off x="2793078" y="535654"/>
-        <a:ext cx="2300542" cy="605092"/>
-      </dsp:txXfrm>
-    </dsp:sp>
-    <dsp:sp modelId="{2A3CF1CC-0D4F-41A5-B4D4-65597869A177}">
-      <dsp:nvSpPr>
-        <dsp:cNvPr id="0" name=""/>
-        <dsp:cNvSpPr/>
-      </dsp:nvSpPr>
-      <dsp:spPr>
-        <a:xfrm>
-          <a:off x="5373969" y="502920"/>
-          <a:ext cx="2366010" cy="670560"/>
-        </a:xfrm>
-        <a:prstGeom prst="roundRect">
-          <a:avLst/>
-        </a:prstGeom>
-        <a:solidFill>
-          <a:schemeClr val="accent1">
-            <a:hueOff val="0"/>
-            <a:satOff val="0"/>
-            <a:lumOff val="0"/>
-            <a:alphaOff val="0"/>
-          </a:schemeClr>
-        </a:solidFill>
-        <a:ln w="12700" cap="flat" cmpd="sng" algn="ctr">
-          <a:solidFill>
-            <a:schemeClr val="lt1">
-              <a:hueOff val="0"/>
-              <a:satOff val="0"/>
-              <a:lumOff val="0"/>
-              <a:alphaOff val="0"/>
-            </a:schemeClr>
-          </a:solidFill>
-          <a:prstDash val="solid"/>
-          <a:miter lim="800000"/>
-        </a:ln>
-        <a:effectLst/>
-      </dsp:spPr>
-      <dsp:style>
-        <a:lnRef idx="2">
-          <a:scrgbClr r="0" g="0" b="0"/>
-        </a:lnRef>
-        <a:fillRef idx="1">
-          <a:scrgbClr r="0" g="0" b="0"/>
-        </a:fillRef>
-        <a:effectRef idx="0">
-          <a:scrgbClr r="0" g="0" b="0"/>
-        </a:effectRef>
-        <a:fontRef idx="minor">
-          <a:schemeClr val="lt1"/>
-        </a:fontRef>
-      </dsp:style>
-      <dsp:txBody>
-        <a:bodyPr spcFirstLastPara="0" vert="horz" wrap="square" lIns="106680" tIns="106680" rIns="106680" bIns="106680" numCol="1" spcCol="1270" anchor="ctr" anchorCtr="0">
-          <a:noAutofit/>
-        </a:bodyPr>
-        <a:lstStyle/>
-        <a:p>
-          <a:pPr lvl="0" algn="ctr" defTabSz="1244600" rtl="0">
-            <a:lnSpc>
-              <a:spcPct val="90000"/>
-            </a:lnSpc>
-            <a:spcBef>
-              <a:spcPct val="0"/>
-            </a:spcBef>
-            <a:spcAft>
-              <a:spcPct val="35000"/>
-            </a:spcAft>
-          </a:pPr>
-          <a:r>
-            <a:rPr lang="en-US" sz="2800" kern="1200" dirty="0" smtClean="0"/>
-            <a:t>Cloud Support</a:t>
-          </a:r>
-          <a:endParaRPr lang="en-US" sz="2800" kern="1200" dirty="0"/>
-        </a:p>
-      </dsp:txBody>
-      <dsp:txXfrm>
-        <a:off x="5406703" y="535654"/>
-        <a:ext cx="2300542" cy="605092"/>
-      </dsp:txXfrm>
-    </dsp:sp>
   </dsp:spTree>
 </dsp:drawing>
 </file>
@@ -7682,6 +10715,266 @@
 </file>
 
 <file path=ppt/diagrams/layout2.xml><?xml version="1.0" encoding="utf-8"?>
+<dgm:layoutDef xmlns:dgm="http://schemas.openxmlformats.org/drawingml/2006/diagram" xmlns:a="http://schemas.openxmlformats.org/drawingml/2006/main" uniqueId="urn:microsoft.com/office/officeart/2005/8/layout/radial4">
+  <dgm:title val=""/>
+  <dgm:desc val=""/>
+  <dgm:catLst>
+    <dgm:cat type="relationship" pri="19000"/>
+  </dgm:catLst>
+  <dgm:sampData>
+    <dgm:dataModel>
+      <dgm:ptLst>
+        <dgm:pt modelId="0" type="doc"/>
+        <dgm:pt modelId="1">
+          <dgm:prSet phldr="1"/>
+        </dgm:pt>
+        <dgm:pt modelId="11">
+          <dgm:prSet phldr="1"/>
+        </dgm:pt>
+        <dgm:pt modelId="12">
+          <dgm:prSet phldr="1"/>
+        </dgm:pt>
+        <dgm:pt modelId="13">
+          <dgm:prSet phldr="1"/>
+        </dgm:pt>
+      </dgm:ptLst>
+      <dgm:cxnLst>
+        <dgm:cxn modelId="2" srcId="0" destId="1" srcOrd="0" destOrd="0"/>
+        <dgm:cxn modelId="3" srcId="1" destId="11" srcOrd="0" destOrd="0"/>
+        <dgm:cxn modelId="4" srcId="1" destId="12" srcOrd="1" destOrd="0"/>
+        <dgm:cxn modelId="5" srcId="1" destId="13" srcOrd="2" destOrd="0"/>
+      </dgm:cxnLst>
+      <dgm:bg/>
+      <dgm:whole/>
+    </dgm:dataModel>
+  </dgm:sampData>
+  <dgm:styleData>
+    <dgm:dataModel>
+      <dgm:ptLst>
+        <dgm:pt modelId="0" type="doc"/>
+        <dgm:pt modelId="1"/>
+        <dgm:pt modelId="11"/>
+        <dgm:pt modelId="12"/>
+      </dgm:ptLst>
+      <dgm:cxnLst>
+        <dgm:cxn modelId="2" srcId="0" destId="1" srcOrd="0" destOrd="0"/>
+        <dgm:cxn modelId="15" srcId="1" destId="11" srcOrd="0" destOrd="0"/>
+        <dgm:cxn modelId="16" srcId="1" destId="12" srcOrd="1" destOrd="0"/>
+      </dgm:cxnLst>
+      <dgm:bg/>
+      <dgm:whole/>
+    </dgm:dataModel>
+  </dgm:styleData>
+  <dgm:clrData>
+    <dgm:dataModel>
+      <dgm:ptLst>
+        <dgm:pt modelId="0" type="doc"/>
+        <dgm:pt modelId="1"/>
+        <dgm:pt modelId="11"/>
+        <dgm:pt modelId="12"/>
+        <dgm:pt modelId="13"/>
+        <dgm:pt modelId="14"/>
+        <dgm:pt modelId="15"/>
+        <dgm:pt modelId="16"/>
+      </dgm:ptLst>
+      <dgm:cxnLst>
+        <dgm:cxn modelId="2" srcId="0" destId="1" srcOrd="0" destOrd="0"/>
+        <dgm:cxn modelId="16" srcId="1" destId="11" srcOrd="0" destOrd="0"/>
+        <dgm:cxn modelId="17" srcId="1" destId="12" srcOrd="1" destOrd="0"/>
+        <dgm:cxn modelId="18" srcId="1" destId="13" srcOrd="2" destOrd="0"/>
+        <dgm:cxn modelId="19" srcId="1" destId="14" srcOrd="3" destOrd="0"/>
+        <dgm:cxn modelId="20" srcId="1" destId="15" srcOrd="4" destOrd="0"/>
+        <dgm:cxn modelId="21" srcId="1" destId="16" srcOrd="5" destOrd="0"/>
+      </dgm:cxnLst>
+      <dgm:bg/>
+      <dgm:whole/>
+    </dgm:dataModel>
+  </dgm:clrData>
+  <dgm:layoutNode name="cycle">
+    <dgm:varLst>
+      <dgm:chMax val="1"/>
+      <dgm:dir/>
+      <dgm:animLvl val="ctr"/>
+      <dgm:resizeHandles val="exact"/>
+    </dgm:varLst>
+    <dgm:choose name="Name0">
+      <dgm:if name="Name1" func="var" arg="dir" op="equ" val="norm">
+        <dgm:choose name="Name2">
+          <dgm:if name="Name3" axis="ch ch" ptType="node node" st="1 1" cnt="1 0" func="cnt" op="lte" val="1">
+            <dgm:alg type="cycle">
+              <dgm:param type="stAng" val="0"/>
+              <dgm:param type="spanAng" val="360"/>
+              <dgm:param type="ctrShpMap" val="fNode"/>
+            </dgm:alg>
+          </dgm:if>
+          <dgm:else name="Name4">
+            <dgm:choose name="Name5">
+              <dgm:if name="Name6" axis="ch ch" ptType="node node" st="1 1" cnt="1 0" func="cnt" op="lte" val="3">
+                <dgm:alg type="cycle">
+                  <dgm:param type="stAng" val="-55"/>
+                  <dgm:param type="spanAng" val="110"/>
+                  <dgm:param type="ctrShpMap" val="fNode"/>
+                </dgm:alg>
+              </dgm:if>
+              <dgm:else name="Name7">
+                <dgm:choose name="Name8">
+                  <dgm:if name="Name9" axis="ch ch" ptType="node node" st="1 1" cnt="1 0" func="cnt" op="equ" val="4">
+                    <dgm:alg type="cycle">
+                      <dgm:param type="stAng" val="-75"/>
+                      <dgm:param type="spanAng" val="150"/>
+                      <dgm:param type="ctrShpMap" val="fNode"/>
+                    </dgm:alg>
+                  </dgm:if>
+                  <dgm:else name="Name10">
+                    <dgm:alg type="cycle">
+                      <dgm:param type="stAng" val="-90"/>
+                      <dgm:param type="spanAng" val="180"/>
+                      <dgm:param type="ctrShpMap" val="fNode"/>
+                    </dgm:alg>
+                  </dgm:else>
+                </dgm:choose>
+              </dgm:else>
+            </dgm:choose>
+          </dgm:else>
+        </dgm:choose>
+      </dgm:if>
+      <dgm:else name="Name11">
+        <dgm:choose name="Name12">
+          <dgm:if name="Name13" axis="ch ch" ptType="node node" st="1 1" cnt="1 0" func="cnt" op="lte" val="1">
+            <dgm:alg type="cycle">
+              <dgm:param type="stAng" val="0"/>
+              <dgm:param type="spanAng" val="-360"/>
+              <dgm:param type="ctrShpMap" val="fNode"/>
+            </dgm:alg>
+          </dgm:if>
+          <dgm:else name="Name14">
+            <dgm:choose name="Name15">
+              <dgm:if name="Name16" axis="ch ch" ptType="node node" st="1 1" cnt="1 0" func="cnt" op="lte" val="3">
+                <dgm:alg type="cycle">
+                  <dgm:param type="stAng" val="55"/>
+                  <dgm:param type="spanAng" val="-110"/>
+                  <dgm:param type="ctrShpMap" val="fNode"/>
+                </dgm:alg>
+              </dgm:if>
+              <dgm:else name="Name17">
+                <dgm:choose name="Name18">
+                  <dgm:if name="Name19" axis="ch ch" ptType="node node" st="1 1" cnt="1 0" func="cnt" op="equ" val="4">
+                    <dgm:alg type="cycle">
+                      <dgm:param type="stAng" val="75"/>
+                      <dgm:param type="spanAng" val="-150"/>
+                      <dgm:param type="ctrShpMap" val="fNode"/>
+                    </dgm:alg>
+                  </dgm:if>
+                  <dgm:else name="Name20">
+                    <dgm:alg type="cycle">
+                      <dgm:param type="stAng" val="90"/>
+                      <dgm:param type="spanAng" val="-180"/>
+                      <dgm:param type="ctrShpMap" val="fNode"/>
+                    </dgm:alg>
+                  </dgm:else>
+                </dgm:choose>
+              </dgm:else>
+            </dgm:choose>
+          </dgm:else>
+        </dgm:choose>
+      </dgm:else>
+    </dgm:choose>
+    <dgm:shape xmlns:r="http://schemas.openxmlformats.org/officeDocument/2006/relationships" r:blip="">
+      <dgm:adjLst/>
+    </dgm:shape>
+    <dgm:presOf/>
+    <dgm:constrLst>
+      <dgm:constr type="w" for="ch" forName="centerShape" refType="w"/>
+      <dgm:constr type="w" for="ch" forName="node" refType="w" refFor="ch" refForName="centerShape" fact="0.95"/>
+      <dgm:constr type="h" for="ch" forName="parTrans" refType="w" refFor="ch" refForName="centerShape" fact="0.285"/>
+      <dgm:constr type="sp" refType="w" refFor="ch" refForName="centerShape" op="equ" fact="0.23"/>
+      <dgm:constr type="sibSp" refType="w" refFor="ch" refForName="node" fact="0.1"/>
+      <dgm:constr type="primFontSz" for="ch" forName="node" op="equ"/>
+    </dgm:constrLst>
+    <dgm:choose name="Name21">
+      <dgm:if name="Name22" axis="ch ch" ptType="node node" st="1 1" cnt="1 0" func="cnt" op="lte" val="5">
+        <dgm:ruleLst>
+          <dgm:rule type="w" for="ch" forName="centerShape" val="NaN" fact="0.27" max="NaN"/>
+        </dgm:ruleLst>
+      </dgm:if>
+      <dgm:else name="Name23">
+        <dgm:ruleLst>
+          <dgm:rule type="w" for="ch" forName="centerShape" val="NaN" fact="0.27" max="NaN"/>
+          <dgm:rule type="w" for="ch" forName="node" val="NaN" fact="0.7" max="NaN"/>
+        </dgm:ruleLst>
+      </dgm:else>
+    </dgm:choose>
+    <dgm:forEach name="Name24" axis="ch" ptType="node" cnt="1">
+      <dgm:layoutNode name="centerShape" styleLbl="node0">
+        <dgm:alg type="tx"/>
+        <dgm:shape xmlns:r="http://schemas.openxmlformats.org/officeDocument/2006/relationships" type="ellipse" r:blip="">
+          <dgm:adjLst/>
+        </dgm:shape>
+        <dgm:presOf axis="self"/>
+        <dgm:constrLst>
+          <dgm:constr type="tMarg" refType="primFontSz" fact="0.05"/>
+          <dgm:constr type="bMarg" refType="primFontSz" fact="0.05"/>
+          <dgm:constr type="lMarg" refType="primFontSz" fact="0.05"/>
+          <dgm:constr type="rMarg" refType="primFontSz" fact="0.05"/>
+          <dgm:constr type="primFontSz" val="65"/>
+          <dgm:constr type="h" refType="w"/>
+        </dgm:constrLst>
+        <dgm:ruleLst>
+          <dgm:rule type="primFontSz" val="5" fact="NaN" max="NaN"/>
+        </dgm:ruleLst>
+      </dgm:layoutNode>
+      <dgm:forEach name="Name25" axis="ch">
+        <dgm:forEach name="Name26" axis="self" ptType="parTrans">
+          <dgm:layoutNode name="parTrans" styleLbl="bgSibTrans2D1">
+            <dgm:alg type="conn">
+              <dgm:param type="begPts" val="auto"/>
+              <dgm:param type="endPts" val="ctr"/>
+              <dgm:param type="endSty" val="noArr"/>
+              <dgm:param type="begSty" val="arr"/>
+            </dgm:alg>
+            <dgm:shape xmlns:r="http://schemas.openxmlformats.org/officeDocument/2006/relationships" type="conn" r:blip="">
+              <dgm:adjLst/>
+            </dgm:shape>
+            <dgm:presOf axis="self"/>
+            <dgm:constrLst>
+              <dgm:constr type="begPad" refType="connDist" fact="0.055"/>
+              <dgm:constr type="endPad"/>
+            </dgm:constrLst>
+            <dgm:ruleLst/>
+          </dgm:layoutNode>
+        </dgm:forEach>
+        <dgm:forEach name="Name27" axis="self" ptType="node">
+          <dgm:layoutNode name="node" styleLbl="node1">
+            <dgm:varLst>
+              <dgm:bulletEnabled val="1"/>
+            </dgm:varLst>
+            <dgm:alg type="tx"/>
+            <dgm:shape xmlns:r="http://schemas.openxmlformats.org/officeDocument/2006/relationships" type="roundRect" r:blip="">
+              <dgm:adjLst>
+                <dgm:adj idx="1" val="0.1"/>
+              </dgm:adjLst>
+            </dgm:shape>
+            <dgm:presOf axis="desOrSelf" ptType="node"/>
+            <dgm:constrLst>
+              <dgm:constr type="primFontSz" val="65"/>
+              <dgm:constr type="h" refType="w" fact="0.8"/>
+              <dgm:constr type="tMarg" refType="primFontSz" fact="0.15"/>
+              <dgm:constr type="bMarg" refType="primFontSz" fact="0.15"/>
+              <dgm:constr type="lMarg" refType="primFontSz" fact="0.15"/>
+              <dgm:constr type="rMarg" refType="primFontSz" fact="0.15"/>
+            </dgm:constrLst>
+            <dgm:ruleLst>
+              <dgm:rule type="primFontSz" val="5" fact="NaN" max="NaN"/>
+            </dgm:ruleLst>
+          </dgm:layoutNode>
+        </dgm:forEach>
+      </dgm:forEach>
+    </dgm:forEach>
+  </dgm:layoutNode>
+</dgm:layoutDef>
+</file>
+
+<file path=ppt/diagrams/layout3.xml><?xml version="1.0" encoding="utf-8"?>
 <dgm:layoutDef xmlns:dgm="http://schemas.openxmlformats.org/drawingml/2006/diagram" xmlns:a="http://schemas.openxmlformats.org/drawingml/2006/main" uniqueId="urn:microsoft.com/office/officeart/2005/8/layout/cycle4">
   <dgm:title val=""/>
   <dgm:desc val=""/>
@@ -8406,7 +11699,7 @@
 </dgm:layoutDef>
 </file>
 
-<file path=ppt/diagrams/layout3.xml><?xml version="1.0" encoding="utf-8"?>
+<file path=ppt/diagrams/layout4.xml><?xml version="1.0" encoding="utf-8"?>
 <dgm:layoutDef xmlns:dgm="http://schemas.openxmlformats.org/drawingml/2006/diagram" xmlns:a="http://schemas.openxmlformats.org/drawingml/2006/main" uniqueId="urn:microsoft.com/office/officeart/2005/8/layout/hProcess9">
   <dgm:title val=""/>
   <dgm:desc val=""/>
@@ -9621,11 +12914,11 @@
 </file>
 
 <file path=ppt/diagrams/quickStyle2.xml><?xml version="1.0" encoding="utf-8"?>
-<dgm:styleDef xmlns:dgm="http://schemas.openxmlformats.org/drawingml/2006/diagram" xmlns:a="http://schemas.openxmlformats.org/drawingml/2006/main" uniqueId="urn:microsoft.com/office/officeart/2005/8/quickstyle/simple1">
+<dgm:styleDef xmlns:dgm="http://schemas.openxmlformats.org/drawingml/2006/diagram" xmlns:a="http://schemas.openxmlformats.org/drawingml/2006/main" uniqueId="urn:microsoft.com/office/officeart/2005/8/quickstyle/simple3">
   <dgm:title val=""/>
   <dgm:desc val=""/>
   <dgm:catLst>
-    <dgm:cat type="simple" pri="10100"/>
+    <dgm:cat type="simple" pri="10300"/>
   </dgm:catLst>
   <dgm:scene3d>
     <a:camera prst="orthographicFront"/>
@@ -9634,59 +12927,65 @@
   <dgm:styleLbl name="node0">
     <dgm:scene3d>
       <a:camera prst="orthographicFront"/>
-      <a:lightRig rig="threePt" dir="t"/>
+      <a:lightRig rig="flat" dir="t"/>
     </dgm:scene3d>
-    <dgm:sp3d/>
+    <dgm:sp3d prstMaterial="dkEdge">
+      <a:bevelT w="8200" h="38100"/>
+    </dgm:sp3d>
     <dgm:txPr/>
     <dgm:style>
-      <a:lnRef idx="2">
+      <a:lnRef idx="0">
         <a:scrgbClr r="0" g="0" b="0"/>
       </a:lnRef>
-      <a:fillRef idx="1">
+      <a:fillRef idx="2">
         <a:scrgbClr r="0" g="0" b="0"/>
       </a:fillRef>
-      <a:effectRef idx="0">
+      <a:effectRef idx="1">
         <a:scrgbClr r="0" g="0" b="0"/>
       </a:effectRef>
       <a:fontRef idx="minor">
-        <a:schemeClr val="lt1"/>
+        <a:schemeClr val="dk1"/>
       </a:fontRef>
     </dgm:style>
   </dgm:styleLbl>
   <dgm:styleLbl name="lnNode1">
     <dgm:scene3d>
       <a:camera prst="orthographicFront"/>
-      <a:lightRig rig="threePt" dir="t"/>
+      <a:lightRig rig="flat" dir="t"/>
     </dgm:scene3d>
-    <dgm:sp3d/>
+    <dgm:sp3d prstMaterial="dkEdge">
+      <a:bevelT w="8200" h="38100"/>
+    </dgm:sp3d>
     <dgm:txPr/>
     <dgm:style>
-      <a:lnRef idx="2">
+      <a:lnRef idx="1">
         <a:scrgbClr r="0" g="0" b="0"/>
       </a:lnRef>
-      <a:fillRef idx="1">
+      <a:fillRef idx="2">
         <a:scrgbClr r="0" g="0" b="0"/>
       </a:fillRef>
       <a:effectRef idx="0">
         <a:scrgbClr r="0" g="0" b="0"/>
       </a:effectRef>
       <a:fontRef idx="minor">
-        <a:schemeClr val="lt1"/>
+        <a:schemeClr val="dk1"/>
       </a:fontRef>
     </dgm:style>
   </dgm:styleLbl>
   <dgm:styleLbl name="vennNode1">
     <dgm:scene3d>
       <a:camera prst="orthographicFront"/>
-      <a:lightRig rig="threePt" dir="t"/>
+      <a:lightRig rig="flat" dir="t"/>
     </dgm:scene3d>
-    <dgm:sp3d/>
+    <dgm:sp3d prstMaterial="dkEdge">
+      <a:bevelT w="8200" h="38100"/>
+    </dgm:sp3d>
     <dgm:txPr/>
     <dgm:style>
-      <a:lnRef idx="2">
+      <a:lnRef idx="0">
         <a:scrgbClr r="0" g="0" b="0"/>
       </a:lnRef>
-      <a:fillRef idx="1">
+      <a:fillRef idx="2">
         <a:scrgbClr r="0" g="0" b="0"/>
       </a:fillRef>
       <a:effectRef idx="0">
@@ -9705,105 +13004,113 @@
     <dgm:sp3d/>
     <dgm:txPr/>
     <dgm:style>
-      <a:lnRef idx="2">
+      <a:lnRef idx="1">
         <a:scrgbClr r="0" g="0" b="0"/>
       </a:lnRef>
-      <a:fillRef idx="1">
+      <a:fillRef idx="2">
         <a:scrgbClr r="0" g="0" b="0"/>
       </a:fillRef>
-      <a:effectRef idx="0">
+      <a:effectRef idx="1">
         <a:scrgbClr r="0" g="0" b="0"/>
       </a:effectRef>
       <a:fontRef idx="minor">
-        <a:schemeClr val="lt1"/>
+        <a:schemeClr val="dk1"/>
       </a:fontRef>
     </dgm:style>
   </dgm:styleLbl>
   <dgm:styleLbl name="node1">
     <dgm:scene3d>
       <a:camera prst="orthographicFront"/>
-      <a:lightRig rig="threePt" dir="t"/>
+      <a:lightRig rig="flat" dir="t"/>
     </dgm:scene3d>
-    <dgm:sp3d/>
+    <dgm:sp3d prstMaterial="dkEdge">
+      <a:bevelT w="8200" h="38100"/>
+    </dgm:sp3d>
     <dgm:txPr/>
     <dgm:style>
-      <a:lnRef idx="2">
+      <a:lnRef idx="0">
         <a:scrgbClr r="0" g="0" b="0"/>
       </a:lnRef>
-      <a:fillRef idx="1">
+      <a:fillRef idx="2">
         <a:scrgbClr r="0" g="0" b="0"/>
       </a:fillRef>
-      <a:effectRef idx="0">
+      <a:effectRef idx="1">
         <a:scrgbClr r="0" g="0" b="0"/>
       </a:effectRef>
       <a:fontRef idx="minor">
-        <a:schemeClr val="lt1"/>
+        <a:schemeClr val="dk1"/>
       </a:fontRef>
     </dgm:style>
   </dgm:styleLbl>
   <dgm:styleLbl name="node2">
     <dgm:scene3d>
       <a:camera prst="orthographicFront"/>
-      <a:lightRig rig="threePt" dir="t"/>
+      <a:lightRig rig="flat" dir="t"/>
     </dgm:scene3d>
-    <dgm:sp3d/>
+    <dgm:sp3d prstMaterial="dkEdge">
+      <a:bevelT w="8200" h="38100"/>
+    </dgm:sp3d>
     <dgm:txPr/>
     <dgm:style>
-      <a:lnRef idx="2">
+      <a:lnRef idx="0">
         <a:scrgbClr r="0" g="0" b="0"/>
       </a:lnRef>
-      <a:fillRef idx="1">
+      <a:fillRef idx="2">
         <a:scrgbClr r="0" g="0" b="0"/>
       </a:fillRef>
-      <a:effectRef idx="0">
+      <a:effectRef idx="1">
         <a:scrgbClr r="0" g="0" b="0"/>
       </a:effectRef>
       <a:fontRef idx="minor">
-        <a:schemeClr val="lt1"/>
+        <a:schemeClr val="dk1"/>
       </a:fontRef>
     </dgm:style>
   </dgm:styleLbl>
   <dgm:styleLbl name="node3">
     <dgm:scene3d>
       <a:camera prst="orthographicFront"/>
-      <a:lightRig rig="threePt" dir="t"/>
+      <a:lightRig rig="flat" dir="t"/>
     </dgm:scene3d>
-    <dgm:sp3d/>
+    <dgm:sp3d prstMaterial="dkEdge">
+      <a:bevelT w="8200" h="38100"/>
+    </dgm:sp3d>
     <dgm:txPr/>
     <dgm:style>
-      <a:lnRef idx="2">
+      <a:lnRef idx="0">
         <a:scrgbClr r="0" g="0" b="0"/>
       </a:lnRef>
-      <a:fillRef idx="1">
+      <a:fillRef idx="2">
         <a:scrgbClr r="0" g="0" b="0"/>
       </a:fillRef>
-      <a:effectRef idx="0">
+      <a:effectRef idx="1">
         <a:scrgbClr r="0" g="0" b="0"/>
       </a:effectRef>
       <a:fontRef idx="minor">
-        <a:schemeClr val="lt1"/>
+        <a:schemeClr val="dk1"/>
       </a:fontRef>
     </dgm:style>
   </dgm:styleLbl>
   <dgm:styleLbl name="node4">
     <dgm:scene3d>
       <a:camera prst="orthographicFront"/>
-      <a:lightRig rig="threePt" dir="t"/>
+      <a:lightRig rig="flat" dir="t"/>
     </dgm:scene3d>
-    <dgm:sp3d/>
+    <dgm:sp3d prstMaterial="dkEdge">
+      <a:bevelT w="8200" h="38100"/>
+    </dgm:sp3d>
     <dgm:txPr/>
     <dgm:style>
-      <a:lnRef idx="2">
+      <a:lnRef idx="0">
         <a:scrgbClr r="0" g="0" b="0"/>
       </a:lnRef>
-      <a:fillRef idx="1">
+      <a:fillRef idx="2">
         <a:scrgbClr r="0" g="0" b="0"/>
       </a:fillRef>
-      <a:effectRef idx="0">
+      <a:effectRef idx="1">
         <a:scrgbClr r="0" g="0" b="0"/>
       </a:effectRef>
       <a:fontRef idx="minor">
-        <a:schemeClr val="lt1"/>
+        <a:schemeClr val="dk1"/>
       </a:fontRef>
     </dgm:style>
   </dgm:styleLbl>
@@ -9815,13 +13122,13 @@
     <dgm:sp3d/>
     <dgm:txPr/>
     <dgm:style>
-      <a:lnRef idx="2">
+      <a:lnRef idx="1">
         <a:scrgbClr r="0" g="0" b="0"/>
       </a:lnRef>
       <a:fillRef idx="1">
         <a:scrgbClr r="0" g="0" b="0"/>
       </a:fillRef>
-      <a:effectRef idx="0">
+      <a:effectRef idx="1">
         <a:scrgbClr r="0" g="0" b="0"/>
       </a:effectRef>
       <a:fontRef idx="minor"/>
@@ -9835,13 +13142,13 @@
     <dgm:sp3d/>
     <dgm:txPr/>
     <dgm:style>
-      <a:lnRef idx="2">
+      <a:lnRef idx="1">
         <a:scrgbClr r="0" g="0" b="0"/>
       </a:lnRef>
       <a:fillRef idx="1">
         <a:scrgbClr r="0" g="0" b="0"/>
       </a:fillRef>
-      <a:effectRef idx="0">
+      <a:effectRef idx="1">
         <a:scrgbClr r="0" g="0" b="0"/>
       </a:effectRef>
       <a:fontRef idx="minor"/>
@@ -9855,13 +13162,13 @@
     <dgm:sp3d/>
     <dgm:txPr/>
     <dgm:style>
-      <a:lnRef idx="2">
+      <a:lnRef idx="1">
         <a:scrgbClr r="0" g="0" b="0"/>
       </a:lnRef>
       <a:fillRef idx="1">
         <a:scrgbClr r="0" g="0" b="0"/>
       </a:fillRef>
-      <a:effectRef idx="0">
+      <a:effectRef idx="1">
         <a:scrgbClr r="0" g="0" b="0"/>
       </a:effectRef>
       <a:fontRef idx="minor"/>
@@ -9878,14 +13185,14 @@
       <a:lnRef idx="0">
         <a:scrgbClr r="0" g="0" b="0"/>
       </a:lnRef>
-      <a:fillRef idx="1">
+      <a:fillRef idx="2">
         <a:scrgbClr r="0" g="0" b="0"/>
       </a:fillRef>
-      <a:effectRef idx="0">
+      <a:effectRef idx="1">
         <a:scrgbClr r="0" g="0" b="0"/>
       </a:effectRef>
       <a:fontRef idx="minor">
-        <a:schemeClr val="lt1"/>
+        <a:schemeClr val="dk1"/>
       </a:fontRef>
     </dgm:style>
   </dgm:styleLbl>
@@ -9900,14 +13207,14 @@
       <a:lnRef idx="0">
         <a:scrgbClr r="0" g="0" b="0"/>
       </a:lnRef>
-      <a:fillRef idx="1">
+      <a:fillRef idx="2">
         <a:scrgbClr r="0" g="0" b="0"/>
       </a:fillRef>
-      <a:effectRef idx="0">
+      <a:effectRef idx="1">
         <a:scrgbClr r="0" g="0" b="0"/>
       </a:effectRef>
       <a:fontRef idx="minor">
-        <a:schemeClr val="lt1"/>
+        <a:schemeClr val="dk1"/>
       </a:fontRef>
     </dgm:style>
   </dgm:styleLbl>
@@ -9922,14 +13229,14 @@
       <a:lnRef idx="0">
         <a:scrgbClr r="0" g="0" b="0"/>
       </a:lnRef>
-      <a:fillRef idx="1">
+      <a:fillRef idx="2">
         <a:scrgbClr r="0" g="0" b="0"/>
       </a:fillRef>
-      <a:effectRef idx="0">
+      <a:effectRef idx="1">
         <a:scrgbClr r="0" g="0" b="0"/>
       </a:effectRef>
       <a:fontRef idx="minor">
-        <a:schemeClr val="lt1"/>
+        <a:schemeClr val="dk1"/>
       </a:fontRef>
     </dgm:style>
   </dgm:styleLbl>
@@ -9961,13 +13268,13 @@
     <dgm:sp3d/>
     <dgm:txPr/>
     <dgm:style>
-      <a:lnRef idx="2">
+      <a:lnRef idx="1">
         <a:scrgbClr r="0" g="0" b="0"/>
       </a:lnRef>
-      <a:fillRef idx="1">
+      <a:fillRef idx="2">
         <a:scrgbClr r="0" g="0" b="0"/>
       </a:fillRef>
-      <a:effectRef idx="0">
+      <a:effectRef idx="1">
         <a:scrgbClr r="0" g="0" b="0"/>
       </a:effectRef>
       <a:fontRef idx="minor"/>
@@ -9976,110 +13283,120 @@
   <dgm:styleLbl name="asst0">
     <dgm:scene3d>
       <a:camera prst="orthographicFront"/>
-      <a:lightRig rig="threePt" dir="t"/>
+      <a:lightRig rig="flat" dir="t"/>
     </dgm:scene3d>
-    <dgm:sp3d/>
+    <dgm:sp3d prstMaterial="dkEdge">
+      <a:bevelT w="8200" h="38100"/>
+    </dgm:sp3d>
     <dgm:txPr/>
     <dgm:style>
-      <a:lnRef idx="2">
+      <a:lnRef idx="0">
         <a:scrgbClr r="0" g="0" b="0"/>
       </a:lnRef>
-      <a:fillRef idx="1">
+      <a:fillRef idx="2">
         <a:scrgbClr r="0" g="0" b="0"/>
       </a:fillRef>
-      <a:effectRef idx="0">
+      <a:effectRef idx="1">
         <a:scrgbClr r="0" g="0" b="0"/>
       </a:effectRef>
       <a:fontRef idx="minor">
-        <a:schemeClr val="lt1"/>
+        <a:schemeClr val="dk1"/>
       </a:fontRef>
     </dgm:style>
   </dgm:styleLbl>
   <dgm:styleLbl name="asst1">
     <dgm:scene3d>
       <a:camera prst="orthographicFront"/>
-      <a:lightRig rig="threePt" dir="t"/>
+      <a:lightRig rig="flat" dir="t"/>
     </dgm:scene3d>
-    <dgm:sp3d/>
+    <dgm:sp3d prstMaterial="dkEdge">
+      <a:bevelT w="8200" h="38100"/>
+    </dgm:sp3d>
     <dgm:txPr/>
     <dgm:style>
-      <a:lnRef idx="2">
+      <a:lnRef idx="0">
         <a:scrgbClr r="0" g="0" b="0"/>
       </a:lnRef>
-      <a:fillRef idx="1">
+      <a:fillRef idx="2">
         <a:scrgbClr r="0" g="0" b="0"/>
       </a:fillRef>
-      <a:effectRef idx="0">
+      <a:effectRef idx="1">
         <a:scrgbClr r="0" g="0" b="0"/>
       </a:effectRef>
       <a:fontRef idx="minor">
-        <a:schemeClr val="lt1"/>
+        <a:schemeClr val="dk1"/>
       </a:fontRef>
     </dgm:style>
   </dgm:styleLbl>
   <dgm:styleLbl name="asst2">
     <dgm:scene3d>
       <a:camera prst="orthographicFront"/>
-      <a:lightRig rig="threePt" dir="t"/>
+      <a:lightRig rig="flat" dir="t"/>
     </dgm:scene3d>
-    <dgm:sp3d/>
+    <dgm:sp3d prstMaterial="dkEdge">
+      <a:bevelT w="8200" h="38100"/>
+    </dgm:sp3d>
     <dgm:txPr/>
     <dgm:style>
-      <a:lnRef idx="2">
+      <a:lnRef idx="0">
         <a:scrgbClr r="0" g="0" b="0"/>
       </a:lnRef>
-      <a:fillRef idx="1">
+      <a:fillRef idx="2">
         <a:scrgbClr r="0" g="0" b="0"/>
       </a:fillRef>
-      <a:effectRef idx="0">
+      <a:effectRef idx="1">
         <a:scrgbClr r="0" g="0" b="0"/>
       </a:effectRef>
       <a:fontRef idx="minor">
-        <a:schemeClr val="lt1"/>
+        <a:schemeClr val="dk1"/>
       </a:fontRef>
     </dgm:style>
   </dgm:styleLbl>
   <dgm:styleLbl name="asst3">
     <dgm:scene3d>
       <a:camera prst="orthographicFront"/>
-      <a:lightRig rig="threePt" dir="t"/>
+      <a:lightRig rig="flat" dir="t"/>
     </dgm:scene3d>
-    <dgm:sp3d/>
+    <dgm:sp3d prstMaterial="dkEdge">
+      <a:bevelT w="8200" h="38100"/>
+    </dgm:sp3d>
     <dgm:txPr/>
     <dgm:style>
-      <a:lnRef idx="2">
+      <a:lnRef idx="0">
         <a:scrgbClr r="0" g="0" b="0"/>
       </a:lnRef>
-      <a:fillRef idx="1">
+      <a:fillRef idx="2">
         <a:scrgbClr r="0" g="0" b="0"/>
       </a:fillRef>
-      <a:effectRef idx="0">
+      <a:effectRef idx="1">
         <a:scrgbClr r="0" g="0" b="0"/>
       </a:effectRef>
       <a:fontRef idx="minor">
-        <a:schemeClr val="lt1"/>
+        <a:schemeClr val="dk1"/>
       </a:fontRef>
     </dgm:style>
   </dgm:styleLbl>
   <dgm:styleLbl name="asst4">
     <dgm:scene3d>
       <a:camera prst="orthographicFront"/>
-      <a:lightRig rig="threePt" dir="t"/>
+      <a:lightRig rig="flat" dir="t"/>
     </dgm:scene3d>
-    <dgm:sp3d/>
+    <dgm:sp3d prstMaterial="dkEdge">
+      <a:bevelT w="8200" h="38100"/>
+    </dgm:sp3d>
     <dgm:txPr/>
     <dgm:style>
-      <a:lnRef idx="2">
+      <a:lnRef idx="0">
         <a:scrgbClr r="0" g="0" b="0"/>
       </a:lnRef>
-      <a:fillRef idx="1">
+      <a:fillRef idx="2">
         <a:scrgbClr r="0" g="0" b="0"/>
       </a:fillRef>
-      <a:effectRef idx="0">
+      <a:effectRef idx="1">
         <a:scrgbClr r="0" g="0" b="0"/>
       </a:effectRef>
       <a:fontRef idx="minor">
-        <a:schemeClr val="lt1"/>
+        <a:schemeClr val="dk1"/>
       </a:fontRef>
     </dgm:style>
   </dgm:styleLbl>
@@ -10091,17 +13408,17 @@
     <dgm:sp3d/>
     <dgm:txPr/>
     <dgm:style>
-      <a:lnRef idx="2">
+      <a:lnRef idx="1">
         <a:scrgbClr r="0" g="0" b="0"/>
       </a:lnRef>
-      <a:fillRef idx="1">
+      <a:fillRef idx="2">
         <a:scrgbClr r="0" g="0" b="0"/>
       </a:fillRef>
-      <a:effectRef idx="0">
+      <a:effectRef idx="1">
         <a:scrgbClr r="0" g="0" b="0"/>
       </a:effectRef>
       <a:fontRef idx="minor">
-        <a:schemeClr val="lt1"/>
+        <a:schemeClr val="dk1"/>
       </a:fontRef>
     </dgm:style>
   </dgm:styleLbl>
@@ -10113,17 +13430,17 @@
     <dgm:sp3d/>
     <dgm:txPr/>
     <dgm:style>
-      <a:lnRef idx="2">
+      <a:lnRef idx="1">
         <a:scrgbClr r="0" g="0" b="0"/>
       </a:lnRef>
-      <a:fillRef idx="1">
+      <a:fillRef idx="2">
         <a:scrgbClr r="0" g="0" b="0"/>
       </a:fillRef>
-      <a:effectRef idx="0">
+      <a:effectRef idx="1">
         <a:scrgbClr r="0" g="0" b="0"/>
       </a:effectRef>
       <a:fontRef idx="minor">
-        <a:schemeClr val="lt1"/>
+        <a:schemeClr val="dk1"/>
       </a:fontRef>
     </dgm:style>
   </dgm:styleLbl>
@@ -10135,17 +13452,17 @@
     <dgm:sp3d/>
     <dgm:txPr/>
     <dgm:style>
-      <a:lnRef idx="2">
+      <a:lnRef idx="1">
         <a:scrgbClr r="0" g="0" b="0"/>
       </a:lnRef>
-      <a:fillRef idx="1">
+      <a:fillRef idx="2">
         <a:scrgbClr r="0" g="0" b="0"/>
       </a:fillRef>
-      <a:effectRef idx="0">
+      <a:effectRef idx="1">
         <a:scrgbClr r="0" g="0" b="0"/>
       </a:effectRef>
       <a:fontRef idx="minor">
-        <a:schemeClr val="lt1"/>
+        <a:schemeClr val="dk1"/>
       </a:fontRef>
     </dgm:style>
   </dgm:styleLbl>
@@ -10157,17 +13474,17 @@
     <dgm:sp3d/>
     <dgm:txPr/>
     <dgm:style>
-      <a:lnRef idx="2">
+      <a:lnRef idx="1">
         <a:scrgbClr r="0" g="0" b="0"/>
       </a:lnRef>
-      <a:fillRef idx="1">
+      <a:fillRef idx="2">
         <a:scrgbClr r="0" g="0" b="0"/>
       </a:fillRef>
-      <a:effectRef idx="0">
+      <a:effectRef idx="1">
         <a:scrgbClr r="0" g="0" b="0"/>
       </a:effectRef>
       <a:fontRef idx="minor">
-        <a:schemeClr val="lt1"/>
+        <a:schemeClr val="dk1"/>
       </a:fontRef>
     </dgm:style>
   </dgm:styleLbl>
@@ -10259,7 +13576,7 @@
     <dgm:sp3d/>
     <dgm:txPr/>
     <dgm:style>
-      <a:lnRef idx="2">
+      <a:lnRef idx="1">
         <a:scrgbClr r="0" g="0" b="0"/>
       </a:lnRef>
       <a:fillRef idx="1">
@@ -10279,7 +13596,7 @@
     <dgm:sp3d/>
     <dgm:txPr/>
     <dgm:style>
-      <a:lnRef idx="2">
+      <a:lnRef idx="1">
         <a:scrgbClr r="0" g="0" b="0"/>
       </a:lnRef>
       <a:fillRef idx="1">
@@ -10299,7 +13616,7 @@
     <dgm:sp3d/>
     <dgm:txPr/>
     <dgm:style>
-      <a:lnRef idx="2">
+      <a:lnRef idx="1">
         <a:scrgbClr r="0" g="0" b="0"/>
       </a:lnRef>
       <a:fillRef idx="1">
@@ -10339,7 +13656,7 @@
     <dgm:sp3d/>
     <dgm:txPr/>
     <dgm:style>
-      <a:lnRef idx="2">
+      <a:lnRef idx="1">
         <a:scrgbClr r="0" g="0" b="0"/>
       </a:lnRef>
       <a:fillRef idx="1">
@@ -10359,10 +13676,10 @@
     <dgm:sp3d/>
     <dgm:txPr/>
     <dgm:style>
-      <a:lnRef idx="2">
+      <a:lnRef idx="1">
         <a:scrgbClr r="0" g="0" b="0"/>
       </a:lnRef>
-      <a:fillRef idx="1">
+      <a:fillRef idx="2">
         <a:scrgbClr r="0" g="0" b="0"/>
       </a:fillRef>
       <a:effectRef idx="0">
@@ -10379,7 +13696,7 @@
     <dgm:sp3d/>
     <dgm:txPr/>
     <dgm:style>
-      <a:lnRef idx="2">
+      <a:lnRef idx="1">
         <a:scrgbClr r="0" g="0" b="0"/>
       </a:lnRef>
       <a:fillRef idx="1">
@@ -10399,7 +13716,7 @@
     <dgm:sp3d/>
     <dgm:txPr/>
     <dgm:style>
-      <a:lnRef idx="2">
+      <a:lnRef idx="1">
         <a:scrgbClr r="0" g="0" b="0"/>
       </a:lnRef>
       <a:fillRef idx="1">
@@ -10419,7 +13736,7 @@
     <dgm:sp3d/>
     <dgm:txPr/>
     <dgm:style>
-      <a:lnRef idx="2">
+      <a:lnRef idx="1">
         <a:scrgbClr r="0" g="0" b="0"/>
       </a:lnRef>
       <a:fillRef idx="1">
@@ -10439,7 +13756,7 @@
     <dgm:sp3d/>
     <dgm:txPr/>
     <dgm:style>
-      <a:lnRef idx="2">
+      <a:lnRef idx="1">
         <a:scrgbClr r="0" g="0" b="0"/>
       </a:lnRef>
       <a:fillRef idx="1">
@@ -10459,7 +13776,7 @@
     <dgm:sp3d/>
     <dgm:txPr/>
     <dgm:style>
-      <a:lnRef idx="2">
+      <a:lnRef idx="1">
         <a:scrgbClr r="0" g="0" b="0"/>
       </a:lnRef>
       <a:fillRef idx="1">
@@ -10479,7 +13796,7 @@
     <dgm:sp3d/>
     <dgm:txPr/>
     <dgm:style>
-      <a:lnRef idx="2">
+      <a:lnRef idx="1">
         <a:scrgbClr r="0" g="0" b="0"/>
       </a:lnRef>
       <a:fillRef idx="1">
@@ -10499,7 +13816,7 @@
     <dgm:sp3d/>
     <dgm:txPr/>
     <dgm:style>
-      <a:lnRef idx="2">
+      <a:lnRef idx="1">
         <a:scrgbClr r="0" g="0" b="0"/>
       </a:lnRef>
       <a:fillRef idx="1">
@@ -10519,7 +13836,7 @@
     <dgm:sp3d/>
     <dgm:txPr/>
     <dgm:style>
-      <a:lnRef idx="2">
+      <a:lnRef idx="1">
         <a:scrgbClr r="0" g="0" b="0"/>
       </a:lnRef>
       <a:fillRef idx="1">
@@ -10539,7 +13856,7 @@
     <dgm:sp3d/>
     <dgm:txPr/>
     <dgm:style>
-      <a:lnRef idx="2">
+      <a:lnRef idx="1">
         <a:scrgbClr r="0" g="0" b="0"/>
       </a:lnRef>
       <a:fillRef idx="1">
@@ -10565,7 +13882,7 @@
       <a:fillRef idx="1">
         <a:scrgbClr r="0" g="0" b="0"/>
       </a:fillRef>
-      <a:effectRef idx="0">
+      <a:effectRef idx="1">
         <a:scrgbClr r="0" g="0" b="0"/>
       </a:effectRef>
       <a:fontRef idx="minor"/>
@@ -10585,7 +13902,7 @@
       <a:fillRef idx="1">
         <a:scrgbClr r="0" g="0" b="0"/>
       </a:fillRef>
-      <a:effectRef idx="0">
+      <a:effectRef idx="1">
         <a:scrgbClr r="0" g="0" b="0"/>
       </a:effectRef>
       <a:fontRef idx="minor"/>
@@ -10614,18 +13931,20 @@
   <dgm:styleLbl name="fgShp">
     <dgm:scene3d>
       <a:camera prst="orthographicFront"/>
-      <a:lightRig rig="threePt" dir="t"/>
+      <a:lightRig rig="flat" dir="t"/>
     </dgm:scene3d>
-    <dgm:sp3d/>
+    <dgm:sp3d prstMaterial="dkEdge">
+      <a:bevelT w="8200" h="38100"/>
+    </dgm:sp3d>
     <dgm:txPr/>
     <dgm:style>
-      <a:lnRef idx="2">
+      <a:lnRef idx="1">
         <a:scrgbClr r="0" g="0" b="0"/>
       </a:lnRef>
-      <a:fillRef idx="1">
+      <a:fillRef idx="2">
         <a:scrgbClr r="0" g="0" b="0"/>
       </a:fillRef>
-      <a:effectRef idx="0">
+      <a:effectRef idx="1">
         <a:scrgbClr r="0" g="0" b="0"/>
       </a:effectRef>
       <a:fontRef idx="minor"/>
@@ -10655,6 +13974,1066 @@
 </file>
 
 <file path=ppt/diagrams/quickStyle3.xml><?xml version="1.0" encoding="utf-8"?>
+<dgm:styleDef xmlns:dgm="http://schemas.openxmlformats.org/drawingml/2006/diagram" xmlns:a="http://schemas.openxmlformats.org/drawingml/2006/main" uniqueId="urn:microsoft.com/office/officeart/2005/8/quickstyle/simple3">
+  <dgm:title val=""/>
+  <dgm:desc val=""/>
+  <dgm:catLst>
+    <dgm:cat type="simple" pri="10300"/>
+  </dgm:catLst>
+  <dgm:scene3d>
+    <a:camera prst="orthographicFront"/>
+    <a:lightRig rig="threePt" dir="t"/>
+  </dgm:scene3d>
+  <dgm:styleLbl name="node0">
+    <dgm:scene3d>
+      <a:camera prst="orthographicFront"/>
+      <a:lightRig rig="flat" dir="t"/>
+    </dgm:scene3d>
+    <dgm:sp3d prstMaterial="dkEdge">
+      <a:bevelT w="8200" h="38100"/>
+    </dgm:sp3d>
+    <dgm:txPr/>
+    <dgm:style>
+      <a:lnRef idx="0">
+        <a:scrgbClr r="0" g="0" b="0"/>
+      </a:lnRef>
+      <a:fillRef idx="2">
+        <a:scrgbClr r="0" g="0" b="0"/>
+      </a:fillRef>
+      <a:effectRef idx="1">
+        <a:scrgbClr r="0" g="0" b="0"/>
+      </a:effectRef>
+      <a:fontRef idx="minor">
+        <a:schemeClr val="dk1"/>
+      </a:fontRef>
+    </dgm:style>
+  </dgm:styleLbl>
+  <dgm:styleLbl name="lnNode1">
+    <dgm:scene3d>
+      <a:camera prst="orthographicFront"/>
+      <a:lightRig rig="flat" dir="t"/>
+    </dgm:scene3d>
+    <dgm:sp3d prstMaterial="dkEdge">
+      <a:bevelT w="8200" h="38100"/>
+    </dgm:sp3d>
+    <dgm:txPr/>
+    <dgm:style>
+      <a:lnRef idx="1">
+        <a:scrgbClr r="0" g="0" b="0"/>
+      </a:lnRef>
+      <a:fillRef idx="2">
+        <a:scrgbClr r="0" g="0" b="0"/>
+      </a:fillRef>
+      <a:effectRef idx="0">
+        <a:scrgbClr r="0" g="0" b="0"/>
+      </a:effectRef>
+      <a:fontRef idx="minor">
+        <a:schemeClr val="dk1"/>
+      </a:fontRef>
+    </dgm:style>
+  </dgm:styleLbl>
+  <dgm:styleLbl name="vennNode1">
+    <dgm:scene3d>
+      <a:camera prst="orthographicFront"/>
+      <a:lightRig rig="flat" dir="t"/>
+    </dgm:scene3d>
+    <dgm:sp3d prstMaterial="dkEdge">
+      <a:bevelT w="8200" h="38100"/>
+    </dgm:sp3d>
+    <dgm:txPr/>
+    <dgm:style>
+      <a:lnRef idx="0">
+        <a:scrgbClr r="0" g="0" b="0"/>
+      </a:lnRef>
+      <a:fillRef idx="2">
+        <a:scrgbClr r="0" g="0" b="0"/>
+      </a:fillRef>
+      <a:effectRef idx="0">
+        <a:scrgbClr r="0" g="0" b="0"/>
+      </a:effectRef>
+      <a:fontRef idx="minor">
+        <a:schemeClr val="tx1"/>
+      </a:fontRef>
+    </dgm:style>
+  </dgm:styleLbl>
+  <dgm:styleLbl name="alignNode1">
+    <dgm:scene3d>
+      <a:camera prst="orthographicFront"/>
+      <a:lightRig rig="threePt" dir="t"/>
+    </dgm:scene3d>
+    <dgm:sp3d/>
+    <dgm:txPr/>
+    <dgm:style>
+      <a:lnRef idx="1">
+        <a:scrgbClr r="0" g="0" b="0"/>
+      </a:lnRef>
+      <a:fillRef idx="2">
+        <a:scrgbClr r="0" g="0" b="0"/>
+      </a:fillRef>
+      <a:effectRef idx="1">
+        <a:scrgbClr r="0" g="0" b="0"/>
+      </a:effectRef>
+      <a:fontRef idx="minor">
+        <a:schemeClr val="dk1"/>
+      </a:fontRef>
+    </dgm:style>
+  </dgm:styleLbl>
+  <dgm:styleLbl name="node1">
+    <dgm:scene3d>
+      <a:camera prst="orthographicFront"/>
+      <a:lightRig rig="flat" dir="t"/>
+    </dgm:scene3d>
+    <dgm:sp3d prstMaterial="dkEdge">
+      <a:bevelT w="8200" h="38100"/>
+    </dgm:sp3d>
+    <dgm:txPr/>
+    <dgm:style>
+      <a:lnRef idx="0">
+        <a:scrgbClr r="0" g="0" b="0"/>
+      </a:lnRef>
+      <a:fillRef idx="2">
+        <a:scrgbClr r="0" g="0" b="0"/>
+      </a:fillRef>
+      <a:effectRef idx="1">
+        <a:scrgbClr r="0" g="0" b="0"/>
+      </a:effectRef>
+      <a:fontRef idx="minor">
+        <a:schemeClr val="dk1"/>
+      </a:fontRef>
+    </dgm:style>
+  </dgm:styleLbl>
+  <dgm:styleLbl name="node2">
+    <dgm:scene3d>
+      <a:camera prst="orthographicFront"/>
+      <a:lightRig rig="flat" dir="t"/>
+    </dgm:scene3d>
+    <dgm:sp3d prstMaterial="dkEdge">
+      <a:bevelT w="8200" h="38100"/>
+    </dgm:sp3d>
+    <dgm:txPr/>
+    <dgm:style>
+      <a:lnRef idx="0">
+        <a:scrgbClr r="0" g="0" b="0"/>
+      </a:lnRef>
+      <a:fillRef idx="2">
+        <a:scrgbClr r="0" g="0" b="0"/>
+      </a:fillRef>
+      <a:effectRef idx="1">
+        <a:scrgbClr r="0" g="0" b="0"/>
+      </a:effectRef>
+      <a:fontRef idx="minor">
+        <a:schemeClr val="dk1"/>
+      </a:fontRef>
+    </dgm:style>
+  </dgm:styleLbl>
+  <dgm:styleLbl name="node3">
+    <dgm:scene3d>
+      <a:camera prst="orthographicFront"/>
+      <a:lightRig rig="flat" dir="t"/>
+    </dgm:scene3d>
+    <dgm:sp3d prstMaterial="dkEdge">
+      <a:bevelT w="8200" h="38100"/>
+    </dgm:sp3d>
+    <dgm:txPr/>
+    <dgm:style>
+      <a:lnRef idx="0">
+        <a:scrgbClr r="0" g="0" b="0"/>
+      </a:lnRef>
+      <a:fillRef idx="2">
+        <a:scrgbClr r="0" g="0" b="0"/>
+      </a:fillRef>
+      <a:effectRef idx="1">
+        <a:scrgbClr r="0" g="0" b="0"/>
+      </a:effectRef>
+      <a:fontRef idx="minor">
+        <a:schemeClr val="dk1"/>
+      </a:fontRef>
+    </dgm:style>
+  </dgm:styleLbl>
+  <dgm:styleLbl name="node4">
+    <dgm:scene3d>
+      <a:camera prst="orthographicFront"/>
+      <a:lightRig rig="flat" dir="t"/>
+    </dgm:scene3d>
+    <dgm:sp3d prstMaterial="dkEdge">
+      <a:bevelT w="8200" h="38100"/>
+    </dgm:sp3d>
+    <dgm:txPr/>
+    <dgm:style>
+      <a:lnRef idx="0">
+        <a:scrgbClr r="0" g="0" b="0"/>
+      </a:lnRef>
+      <a:fillRef idx="2">
+        <a:scrgbClr r="0" g="0" b="0"/>
+      </a:fillRef>
+      <a:effectRef idx="1">
+        <a:scrgbClr r="0" g="0" b="0"/>
+      </a:effectRef>
+      <a:fontRef idx="minor">
+        <a:schemeClr val="dk1"/>
+      </a:fontRef>
+    </dgm:style>
+  </dgm:styleLbl>
+  <dgm:styleLbl name="fgImgPlace1">
+    <dgm:scene3d>
+      <a:camera prst="orthographicFront"/>
+      <a:lightRig rig="threePt" dir="t"/>
+    </dgm:scene3d>
+    <dgm:sp3d/>
+    <dgm:txPr/>
+    <dgm:style>
+      <a:lnRef idx="1">
+        <a:scrgbClr r="0" g="0" b="0"/>
+      </a:lnRef>
+      <a:fillRef idx="1">
+        <a:scrgbClr r="0" g="0" b="0"/>
+      </a:fillRef>
+      <a:effectRef idx="1">
+        <a:scrgbClr r="0" g="0" b="0"/>
+      </a:effectRef>
+      <a:fontRef idx="minor"/>
+    </dgm:style>
+  </dgm:styleLbl>
+  <dgm:styleLbl name="alignImgPlace1">
+    <dgm:scene3d>
+      <a:camera prst="orthographicFront"/>
+      <a:lightRig rig="threePt" dir="t"/>
+    </dgm:scene3d>
+    <dgm:sp3d/>
+    <dgm:txPr/>
+    <dgm:style>
+      <a:lnRef idx="1">
+        <a:scrgbClr r="0" g="0" b="0"/>
+      </a:lnRef>
+      <a:fillRef idx="1">
+        <a:scrgbClr r="0" g="0" b="0"/>
+      </a:fillRef>
+      <a:effectRef idx="1">
+        <a:scrgbClr r="0" g="0" b="0"/>
+      </a:effectRef>
+      <a:fontRef idx="minor"/>
+    </dgm:style>
+  </dgm:styleLbl>
+  <dgm:styleLbl name="bgImgPlace1">
+    <dgm:scene3d>
+      <a:camera prst="orthographicFront"/>
+      <a:lightRig rig="threePt" dir="t"/>
+    </dgm:scene3d>
+    <dgm:sp3d/>
+    <dgm:txPr/>
+    <dgm:style>
+      <a:lnRef idx="1">
+        <a:scrgbClr r="0" g="0" b="0"/>
+      </a:lnRef>
+      <a:fillRef idx="1">
+        <a:scrgbClr r="0" g="0" b="0"/>
+      </a:fillRef>
+      <a:effectRef idx="1">
+        <a:scrgbClr r="0" g="0" b="0"/>
+      </a:effectRef>
+      <a:fontRef idx="minor"/>
+    </dgm:style>
+  </dgm:styleLbl>
+  <dgm:styleLbl name="sibTrans2D1">
+    <dgm:scene3d>
+      <a:camera prst="orthographicFront"/>
+      <a:lightRig rig="threePt" dir="t"/>
+    </dgm:scene3d>
+    <dgm:sp3d/>
+    <dgm:txPr/>
+    <dgm:style>
+      <a:lnRef idx="0">
+        <a:scrgbClr r="0" g="0" b="0"/>
+      </a:lnRef>
+      <a:fillRef idx="2">
+        <a:scrgbClr r="0" g="0" b="0"/>
+      </a:fillRef>
+      <a:effectRef idx="1">
+        <a:scrgbClr r="0" g="0" b="0"/>
+      </a:effectRef>
+      <a:fontRef idx="minor">
+        <a:schemeClr val="dk1"/>
+      </a:fontRef>
+    </dgm:style>
+  </dgm:styleLbl>
+  <dgm:styleLbl name="fgSibTrans2D1">
+    <dgm:scene3d>
+      <a:camera prst="orthographicFront"/>
+      <a:lightRig rig="threePt" dir="t"/>
+    </dgm:scene3d>
+    <dgm:sp3d/>
+    <dgm:txPr/>
+    <dgm:style>
+      <a:lnRef idx="0">
+        <a:scrgbClr r="0" g="0" b="0"/>
+      </a:lnRef>
+      <a:fillRef idx="2">
+        <a:scrgbClr r="0" g="0" b="0"/>
+      </a:fillRef>
+      <a:effectRef idx="1">
+        <a:scrgbClr r="0" g="0" b="0"/>
+      </a:effectRef>
+      <a:fontRef idx="minor">
+        <a:schemeClr val="dk1"/>
+      </a:fontRef>
+    </dgm:style>
+  </dgm:styleLbl>
+  <dgm:styleLbl name="bgSibTrans2D1">
+    <dgm:scene3d>
+      <a:camera prst="orthographicFront"/>
+      <a:lightRig rig="threePt" dir="t"/>
+    </dgm:scene3d>
+    <dgm:sp3d/>
+    <dgm:txPr/>
+    <dgm:style>
+      <a:lnRef idx="0">
+        <a:scrgbClr r="0" g="0" b="0"/>
+      </a:lnRef>
+      <a:fillRef idx="2">
+        <a:scrgbClr r="0" g="0" b="0"/>
+      </a:fillRef>
+      <a:effectRef idx="1">
+        <a:scrgbClr r="0" g="0" b="0"/>
+      </a:effectRef>
+      <a:fontRef idx="minor">
+        <a:schemeClr val="dk1"/>
+      </a:fontRef>
+    </dgm:style>
+  </dgm:styleLbl>
+  <dgm:styleLbl name="sibTrans1D1">
+    <dgm:scene3d>
+      <a:camera prst="orthographicFront"/>
+      <a:lightRig rig="threePt" dir="t"/>
+    </dgm:scene3d>
+    <dgm:sp3d/>
+    <dgm:txPr/>
+    <dgm:style>
+      <a:lnRef idx="1">
+        <a:scrgbClr r="0" g="0" b="0"/>
+      </a:lnRef>
+      <a:fillRef idx="0">
+        <a:scrgbClr r="0" g="0" b="0"/>
+      </a:fillRef>
+      <a:effectRef idx="0">
+        <a:scrgbClr r="0" g="0" b="0"/>
+      </a:effectRef>
+      <a:fontRef idx="minor"/>
+    </dgm:style>
+  </dgm:styleLbl>
+  <dgm:styleLbl name="callout">
+    <dgm:scene3d>
+      <a:camera prst="orthographicFront"/>
+      <a:lightRig rig="threePt" dir="t"/>
+    </dgm:scene3d>
+    <dgm:sp3d/>
+    <dgm:txPr/>
+    <dgm:style>
+      <a:lnRef idx="1">
+        <a:scrgbClr r="0" g="0" b="0"/>
+      </a:lnRef>
+      <a:fillRef idx="2">
+        <a:scrgbClr r="0" g="0" b="0"/>
+      </a:fillRef>
+      <a:effectRef idx="1">
+        <a:scrgbClr r="0" g="0" b="0"/>
+      </a:effectRef>
+      <a:fontRef idx="minor"/>
+    </dgm:style>
+  </dgm:styleLbl>
+  <dgm:styleLbl name="asst0">
+    <dgm:scene3d>
+      <a:camera prst="orthographicFront"/>
+      <a:lightRig rig="flat" dir="t"/>
+    </dgm:scene3d>
+    <dgm:sp3d prstMaterial="dkEdge">
+      <a:bevelT w="8200" h="38100"/>
+    </dgm:sp3d>
+    <dgm:txPr/>
+    <dgm:style>
+      <a:lnRef idx="0">
+        <a:scrgbClr r="0" g="0" b="0"/>
+      </a:lnRef>
+      <a:fillRef idx="2">
+        <a:scrgbClr r="0" g="0" b="0"/>
+      </a:fillRef>
+      <a:effectRef idx="1">
+        <a:scrgbClr r="0" g="0" b="0"/>
+      </a:effectRef>
+      <a:fontRef idx="minor">
+        <a:schemeClr val="dk1"/>
+      </a:fontRef>
+    </dgm:style>
+  </dgm:styleLbl>
+  <dgm:styleLbl name="asst1">
+    <dgm:scene3d>
+      <a:camera prst="orthographicFront"/>
+      <a:lightRig rig="flat" dir="t"/>
+    </dgm:scene3d>
+    <dgm:sp3d prstMaterial="dkEdge">
+      <a:bevelT w="8200" h="38100"/>
+    </dgm:sp3d>
+    <dgm:txPr/>
+    <dgm:style>
+      <a:lnRef idx="0">
+        <a:scrgbClr r="0" g="0" b="0"/>
+      </a:lnRef>
+      <a:fillRef idx="2">
+        <a:scrgbClr r="0" g="0" b="0"/>
+      </a:fillRef>
+      <a:effectRef idx="1">
+        <a:scrgbClr r="0" g="0" b="0"/>
+      </a:effectRef>
+      <a:fontRef idx="minor">
+        <a:schemeClr val="dk1"/>
+      </a:fontRef>
+    </dgm:style>
+  </dgm:styleLbl>
+  <dgm:styleLbl name="asst2">
+    <dgm:scene3d>
+      <a:camera prst="orthographicFront"/>
+      <a:lightRig rig="flat" dir="t"/>
+    </dgm:scene3d>
+    <dgm:sp3d prstMaterial="dkEdge">
+      <a:bevelT w="8200" h="38100"/>
+    </dgm:sp3d>
+    <dgm:txPr/>
+    <dgm:style>
+      <a:lnRef idx="0">
+        <a:scrgbClr r="0" g="0" b="0"/>
+      </a:lnRef>
+      <a:fillRef idx="2">
+        <a:scrgbClr r="0" g="0" b="0"/>
+      </a:fillRef>
+      <a:effectRef idx="1">
+        <a:scrgbClr r="0" g="0" b="0"/>
+      </a:effectRef>
+      <a:fontRef idx="minor">
+        <a:schemeClr val="dk1"/>
+      </a:fontRef>
+    </dgm:style>
+  </dgm:styleLbl>
+  <dgm:styleLbl name="asst3">
+    <dgm:scene3d>
+      <a:camera prst="orthographicFront"/>
+      <a:lightRig rig="flat" dir="t"/>
+    </dgm:scene3d>
+    <dgm:sp3d prstMaterial="dkEdge">
+      <a:bevelT w="8200" h="38100"/>
+    </dgm:sp3d>
+    <dgm:txPr/>
+    <dgm:style>
+      <a:lnRef idx="0">
+        <a:scrgbClr r="0" g="0" b="0"/>
+      </a:lnRef>
+      <a:fillRef idx="2">
+        <a:scrgbClr r="0" g="0" b="0"/>
+      </a:fillRef>
+      <a:effectRef idx="1">
+        <a:scrgbClr r="0" g="0" b="0"/>
+      </a:effectRef>
+      <a:fontRef idx="minor">
+        <a:schemeClr val="dk1"/>
+      </a:fontRef>
+    </dgm:style>
+  </dgm:styleLbl>
+  <dgm:styleLbl name="asst4">
+    <dgm:scene3d>
+      <a:camera prst="orthographicFront"/>
+      <a:lightRig rig="flat" dir="t"/>
+    </dgm:scene3d>
+    <dgm:sp3d prstMaterial="dkEdge">
+      <a:bevelT w="8200" h="38100"/>
+    </dgm:sp3d>
+    <dgm:txPr/>
+    <dgm:style>
+      <a:lnRef idx="0">
+        <a:scrgbClr r="0" g="0" b="0"/>
+      </a:lnRef>
+      <a:fillRef idx="2">
+        <a:scrgbClr r="0" g="0" b="0"/>
+      </a:fillRef>
+      <a:effectRef idx="1">
+        <a:scrgbClr r="0" g="0" b="0"/>
+      </a:effectRef>
+      <a:fontRef idx="minor">
+        <a:schemeClr val="dk1"/>
+      </a:fontRef>
+    </dgm:style>
+  </dgm:styleLbl>
+  <dgm:styleLbl name="parChTrans2D1">
+    <dgm:scene3d>
+      <a:camera prst="orthographicFront"/>
+      <a:lightRig rig="threePt" dir="t"/>
+    </dgm:scene3d>
+    <dgm:sp3d/>
+    <dgm:txPr/>
+    <dgm:style>
+      <a:lnRef idx="1">
+        <a:scrgbClr r="0" g="0" b="0"/>
+      </a:lnRef>
+      <a:fillRef idx="2">
+        <a:scrgbClr r="0" g="0" b="0"/>
+      </a:fillRef>
+      <a:effectRef idx="1">
+        <a:scrgbClr r="0" g="0" b="0"/>
+      </a:effectRef>
+      <a:fontRef idx="minor">
+        <a:schemeClr val="dk1"/>
+      </a:fontRef>
+    </dgm:style>
+  </dgm:styleLbl>
+  <dgm:styleLbl name="parChTrans2D2">
+    <dgm:scene3d>
+      <a:camera prst="orthographicFront"/>
+      <a:lightRig rig="threePt" dir="t"/>
+    </dgm:scene3d>
+    <dgm:sp3d/>
+    <dgm:txPr/>
+    <dgm:style>
+      <a:lnRef idx="1">
+        <a:scrgbClr r="0" g="0" b="0"/>
+      </a:lnRef>
+      <a:fillRef idx="2">
+        <a:scrgbClr r="0" g="0" b="0"/>
+      </a:fillRef>
+      <a:effectRef idx="1">
+        <a:scrgbClr r="0" g="0" b="0"/>
+      </a:effectRef>
+      <a:fontRef idx="minor">
+        <a:schemeClr val="dk1"/>
+      </a:fontRef>
+    </dgm:style>
+  </dgm:styleLbl>
+  <dgm:styleLbl name="parChTrans2D3">
+    <dgm:scene3d>
+      <a:camera prst="orthographicFront"/>
+      <a:lightRig rig="threePt" dir="t"/>
+    </dgm:scene3d>
+    <dgm:sp3d/>
+    <dgm:txPr/>
+    <dgm:style>
+      <a:lnRef idx="1">
+        <a:scrgbClr r="0" g="0" b="0"/>
+      </a:lnRef>
+      <a:fillRef idx="2">
+        <a:scrgbClr r="0" g="0" b="0"/>
+      </a:fillRef>
+      <a:effectRef idx="1">
+        <a:scrgbClr r="0" g="0" b="0"/>
+      </a:effectRef>
+      <a:fontRef idx="minor">
+        <a:schemeClr val="dk1"/>
+      </a:fontRef>
+    </dgm:style>
+  </dgm:styleLbl>
+  <dgm:styleLbl name="parChTrans2D4">
+    <dgm:scene3d>
+      <a:camera prst="orthographicFront"/>
+      <a:lightRig rig="threePt" dir="t"/>
+    </dgm:scene3d>
+    <dgm:sp3d/>
+    <dgm:txPr/>
+    <dgm:style>
+      <a:lnRef idx="1">
+        <a:scrgbClr r="0" g="0" b="0"/>
+      </a:lnRef>
+      <a:fillRef idx="2">
+        <a:scrgbClr r="0" g="0" b="0"/>
+      </a:fillRef>
+      <a:effectRef idx="1">
+        <a:scrgbClr r="0" g="0" b="0"/>
+      </a:effectRef>
+      <a:fontRef idx="minor">
+        <a:schemeClr val="dk1"/>
+      </a:fontRef>
+    </dgm:style>
+  </dgm:styleLbl>
+  <dgm:styleLbl name="parChTrans1D1">
+    <dgm:scene3d>
+      <a:camera prst="orthographicFront"/>
+      <a:lightRig rig="threePt" dir="t"/>
+    </dgm:scene3d>
+    <dgm:sp3d/>
+    <dgm:txPr/>
+    <dgm:style>
+      <a:lnRef idx="2">
+        <a:scrgbClr r="0" g="0" b="0"/>
+      </a:lnRef>
+      <a:fillRef idx="0">
+        <a:scrgbClr r="0" g="0" b="0"/>
+      </a:fillRef>
+      <a:effectRef idx="0">
+        <a:scrgbClr r="0" g="0" b="0"/>
+      </a:effectRef>
+      <a:fontRef idx="minor"/>
+    </dgm:style>
+  </dgm:styleLbl>
+  <dgm:styleLbl name="parChTrans1D2">
+    <dgm:scene3d>
+      <a:camera prst="orthographicFront"/>
+      <a:lightRig rig="threePt" dir="t"/>
+    </dgm:scene3d>
+    <dgm:sp3d/>
+    <dgm:txPr/>
+    <dgm:style>
+      <a:lnRef idx="2">
+        <a:scrgbClr r="0" g="0" b="0"/>
+      </a:lnRef>
+      <a:fillRef idx="0">
+        <a:scrgbClr r="0" g="0" b="0"/>
+      </a:fillRef>
+      <a:effectRef idx="0">
+        <a:scrgbClr r="0" g="0" b="0"/>
+      </a:effectRef>
+      <a:fontRef idx="minor"/>
+    </dgm:style>
+  </dgm:styleLbl>
+  <dgm:styleLbl name="parChTrans1D3">
+    <dgm:scene3d>
+      <a:camera prst="orthographicFront"/>
+      <a:lightRig rig="threePt" dir="t"/>
+    </dgm:scene3d>
+    <dgm:sp3d/>
+    <dgm:txPr/>
+    <dgm:style>
+      <a:lnRef idx="2">
+        <a:scrgbClr r="0" g="0" b="0"/>
+      </a:lnRef>
+      <a:fillRef idx="0">
+        <a:scrgbClr r="0" g="0" b="0"/>
+      </a:fillRef>
+      <a:effectRef idx="0">
+        <a:scrgbClr r="0" g="0" b="0"/>
+      </a:effectRef>
+      <a:fontRef idx="minor"/>
+    </dgm:style>
+  </dgm:styleLbl>
+  <dgm:styleLbl name="parChTrans1D4">
+    <dgm:scene3d>
+      <a:camera prst="orthographicFront"/>
+      <a:lightRig rig="threePt" dir="t"/>
+    </dgm:scene3d>
+    <dgm:sp3d/>
+    <dgm:txPr/>
+    <dgm:style>
+      <a:lnRef idx="2">
+        <a:scrgbClr r="0" g="0" b="0"/>
+      </a:lnRef>
+      <a:fillRef idx="0">
+        <a:scrgbClr r="0" g="0" b="0"/>
+      </a:fillRef>
+      <a:effectRef idx="0">
+        <a:scrgbClr r="0" g="0" b="0"/>
+      </a:effectRef>
+      <a:fontRef idx="minor"/>
+    </dgm:style>
+  </dgm:styleLbl>
+  <dgm:styleLbl name="fgAcc1">
+    <dgm:scene3d>
+      <a:camera prst="orthographicFront"/>
+      <a:lightRig rig="threePt" dir="t"/>
+    </dgm:scene3d>
+    <dgm:sp3d/>
+    <dgm:txPr/>
+    <dgm:style>
+      <a:lnRef idx="1">
+        <a:scrgbClr r="0" g="0" b="0"/>
+      </a:lnRef>
+      <a:fillRef idx="1">
+        <a:scrgbClr r="0" g="0" b="0"/>
+      </a:fillRef>
+      <a:effectRef idx="0">
+        <a:scrgbClr r="0" g="0" b="0"/>
+      </a:effectRef>
+      <a:fontRef idx="minor"/>
+    </dgm:style>
+  </dgm:styleLbl>
+  <dgm:styleLbl name="conFgAcc1">
+    <dgm:scene3d>
+      <a:camera prst="orthographicFront"/>
+      <a:lightRig rig="threePt" dir="t"/>
+    </dgm:scene3d>
+    <dgm:sp3d/>
+    <dgm:txPr/>
+    <dgm:style>
+      <a:lnRef idx="1">
+        <a:scrgbClr r="0" g="0" b="0"/>
+      </a:lnRef>
+      <a:fillRef idx="1">
+        <a:scrgbClr r="0" g="0" b="0"/>
+      </a:fillRef>
+      <a:effectRef idx="0">
+        <a:scrgbClr r="0" g="0" b="0"/>
+      </a:effectRef>
+      <a:fontRef idx="minor"/>
+    </dgm:style>
+  </dgm:styleLbl>
+  <dgm:styleLbl name="alignAcc1">
+    <dgm:scene3d>
+      <a:camera prst="orthographicFront"/>
+      <a:lightRig rig="threePt" dir="t"/>
+    </dgm:scene3d>
+    <dgm:sp3d/>
+    <dgm:txPr/>
+    <dgm:style>
+      <a:lnRef idx="1">
+        <a:scrgbClr r="0" g="0" b="0"/>
+      </a:lnRef>
+      <a:fillRef idx="1">
+        <a:scrgbClr r="0" g="0" b="0"/>
+      </a:fillRef>
+      <a:effectRef idx="0">
+        <a:scrgbClr r="0" g="0" b="0"/>
+      </a:effectRef>
+      <a:fontRef idx="minor"/>
+    </dgm:style>
+  </dgm:styleLbl>
+  <dgm:styleLbl name="trAlignAcc1">
+    <dgm:scene3d>
+      <a:camera prst="orthographicFront"/>
+      <a:lightRig rig="threePt" dir="t"/>
+    </dgm:scene3d>
+    <dgm:sp3d/>
+    <dgm:txPr/>
+    <dgm:style>
+      <a:lnRef idx="1">
+        <a:scrgbClr r="0" g="0" b="0"/>
+      </a:lnRef>
+      <a:fillRef idx="1">
+        <a:scrgbClr r="0" g="0" b="0"/>
+      </a:fillRef>
+      <a:effectRef idx="0">
+        <a:scrgbClr r="0" g="0" b="0"/>
+      </a:effectRef>
+      <a:fontRef idx="minor"/>
+    </dgm:style>
+  </dgm:styleLbl>
+  <dgm:styleLbl name="bgAcc1">
+    <dgm:scene3d>
+      <a:camera prst="orthographicFront"/>
+      <a:lightRig rig="threePt" dir="t"/>
+    </dgm:scene3d>
+    <dgm:sp3d/>
+    <dgm:txPr/>
+    <dgm:style>
+      <a:lnRef idx="1">
+        <a:scrgbClr r="0" g="0" b="0"/>
+      </a:lnRef>
+      <a:fillRef idx="1">
+        <a:scrgbClr r="0" g="0" b="0"/>
+      </a:fillRef>
+      <a:effectRef idx="0">
+        <a:scrgbClr r="0" g="0" b="0"/>
+      </a:effectRef>
+      <a:fontRef idx="minor"/>
+    </dgm:style>
+  </dgm:styleLbl>
+  <dgm:styleLbl name="solidFgAcc1">
+    <dgm:scene3d>
+      <a:camera prst="orthographicFront"/>
+      <a:lightRig rig="threePt" dir="t"/>
+    </dgm:scene3d>
+    <dgm:sp3d/>
+    <dgm:txPr/>
+    <dgm:style>
+      <a:lnRef idx="1">
+        <a:scrgbClr r="0" g="0" b="0"/>
+      </a:lnRef>
+      <a:fillRef idx="2">
+        <a:scrgbClr r="0" g="0" b="0"/>
+      </a:fillRef>
+      <a:effectRef idx="0">
+        <a:scrgbClr r="0" g="0" b="0"/>
+      </a:effectRef>
+      <a:fontRef idx="minor"/>
+    </dgm:style>
+  </dgm:styleLbl>
+  <dgm:styleLbl name="solidAlignAcc1">
+    <dgm:scene3d>
+      <a:camera prst="orthographicFront"/>
+      <a:lightRig rig="threePt" dir="t"/>
+    </dgm:scene3d>
+    <dgm:sp3d/>
+    <dgm:txPr/>
+    <dgm:style>
+      <a:lnRef idx="1">
+        <a:scrgbClr r="0" g="0" b="0"/>
+      </a:lnRef>
+      <a:fillRef idx="1">
+        <a:scrgbClr r="0" g="0" b="0"/>
+      </a:fillRef>
+      <a:effectRef idx="0">
+        <a:scrgbClr r="0" g="0" b="0"/>
+      </a:effectRef>
+      <a:fontRef idx="minor"/>
+    </dgm:style>
+  </dgm:styleLbl>
+  <dgm:styleLbl name="solidBgAcc1">
+    <dgm:scene3d>
+      <a:camera prst="orthographicFront"/>
+      <a:lightRig rig="threePt" dir="t"/>
+    </dgm:scene3d>
+    <dgm:sp3d/>
+    <dgm:txPr/>
+    <dgm:style>
+      <a:lnRef idx="1">
+        <a:scrgbClr r="0" g="0" b="0"/>
+      </a:lnRef>
+      <a:fillRef idx="1">
+        <a:scrgbClr r="0" g="0" b="0"/>
+      </a:fillRef>
+      <a:effectRef idx="0">
+        <a:scrgbClr r="0" g="0" b="0"/>
+      </a:effectRef>
+      <a:fontRef idx="minor"/>
+    </dgm:style>
+  </dgm:styleLbl>
+  <dgm:styleLbl name="fgAccFollowNode1">
+    <dgm:scene3d>
+      <a:camera prst="orthographicFront"/>
+      <a:lightRig rig="threePt" dir="t"/>
+    </dgm:scene3d>
+    <dgm:sp3d/>
+    <dgm:txPr/>
+    <dgm:style>
+      <a:lnRef idx="1">
+        <a:scrgbClr r="0" g="0" b="0"/>
+      </a:lnRef>
+      <a:fillRef idx="1">
+        <a:scrgbClr r="0" g="0" b="0"/>
+      </a:fillRef>
+      <a:effectRef idx="0">
+        <a:scrgbClr r="0" g="0" b="0"/>
+      </a:effectRef>
+      <a:fontRef idx="minor"/>
+    </dgm:style>
+  </dgm:styleLbl>
+  <dgm:styleLbl name="alignAccFollowNode1">
+    <dgm:scene3d>
+      <a:camera prst="orthographicFront"/>
+      <a:lightRig rig="threePt" dir="t"/>
+    </dgm:scene3d>
+    <dgm:sp3d/>
+    <dgm:txPr/>
+    <dgm:style>
+      <a:lnRef idx="1">
+        <a:scrgbClr r="0" g="0" b="0"/>
+      </a:lnRef>
+      <a:fillRef idx="1">
+        <a:scrgbClr r="0" g="0" b="0"/>
+      </a:fillRef>
+      <a:effectRef idx="0">
+        <a:scrgbClr r="0" g="0" b="0"/>
+      </a:effectRef>
+      <a:fontRef idx="minor"/>
+    </dgm:style>
+  </dgm:styleLbl>
+  <dgm:styleLbl name="bgAccFollowNode1">
+    <dgm:scene3d>
+      <a:camera prst="orthographicFront"/>
+      <a:lightRig rig="threePt" dir="t"/>
+    </dgm:scene3d>
+    <dgm:sp3d/>
+    <dgm:txPr/>
+    <dgm:style>
+      <a:lnRef idx="1">
+        <a:scrgbClr r="0" g="0" b="0"/>
+      </a:lnRef>
+      <a:fillRef idx="1">
+        <a:scrgbClr r="0" g="0" b="0"/>
+      </a:fillRef>
+      <a:effectRef idx="0">
+        <a:scrgbClr r="0" g="0" b="0"/>
+      </a:effectRef>
+      <a:fontRef idx="minor"/>
+    </dgm:style>
+  </dgm:styleLbl>
+  <dgm:styleLbl name="fgAcc0">
+    <dgm:scene3d>
+      <a:camera prst="orthographicFront"/>
+      <a:lightRig rig="threePt" dir="t"/>
+    </dgm:scene3d>
+    <dgm:sp3d/>
+    <dgm:txPr/>
+    <dgm:style>
+      <a:lnRef idx="1">
+        <a:scrgbClr r="0" g="0" b="0"/>
+      </a:lnRef>
+      <a:fillRef idx="1">
+        <a:scrgbClr r="0" g="0" b="0"/>
+      </a:fillRef>
+      <a:effectRef idx="0">
+        <a:scrgbClr r="0" g="0" b="0"/>
+      </a:effectRef>
+      <a:fontRef idx="minor"/>
+    </dgm:style>
+  </dgm:styleLbl>
+  <dgm:styleLbl name="fgAcc2">
+    <dgm:scene3d>
+      <a:camera prst="orthographicFront"/>
+      <a:lightRig rig="threePt" dir="t"/>
+    </dgm:scene3d>
+    <dgm:sp3d/>
+    <dgm:txPr/>
+    <dgm:style>
+      <a:lnRef idx="1">
+        <a:scrgbClr r="0" g="0" b="0"/>
+      </a:lnRef>
+      <a:fillRef idx="1">
+        <a:scrgbClr r="0" g="0" b="0"/>
+      </a:fillRef>
+      <a:effectRef idx="0">
+        <a:scrgbClr r="0" g="0" b="0"/>
+      </a:effectRef>
+      <a:fontRef idx="minor"/>
+    </dgm:style>
+  </dgm:styleLbl>
+  <dgm:styleLbl name="fgAcc3">
+    <dgm:scene3d>
+      <a:camera prst="orthographicFront"/>
+      <a:lightRig rig="threePt" dir="t"/>
+    </dgm:scene3d>
+    <dgm:sp3d/>
+    <dgm:txPr/>
+    <dgm:style>
+      <a:lnRef idx="1">
+        <a:scrgbClr r="0" g="0" b="0"/>
+      </a:lnRef>
+      <a:fillRef idx="1">
+        <a:scrgbClr r="0" g="0" b="0"/>
+      </a:fillRef>
+      <a:effectRef idx="0">
+        <a:scrgbClr r="0" g="0" b="0"/>
+      </a:effectRef>
+      <a:fontRef idx="minor"/>
+    </dgm:style>
+  </dgm:styleLbl>
+  <dgm:styleLbl name="fgAcc4">
+    <dgm:scene3d>
+      <a:camera prst="orthographicFront"/>
+      <a:lightRig rig="threePt" dir="t"/>
+    </dgm:scene3d>
+    <dgm:sp3d/>
+    <dgm:txPr/>
+    <dgm:style>
+      <a:lnRef idx="1">
+        <a:scrgbClr r="0" g="0" b="0"/>
+      </a:lnRef>
+      <a:fillRef idx="1">
+        <a:scrgbClr r="0" g="0" b="0"/>
+      </a:fillRef>
+      <a:effectRef idx="0">
+        <a:scrgbClr r="0" g="0" b="0"/>
+      </a:effectRef>
+      <a:fontRef idx="minor"/>
+    </dgm:style>
+  </dgm:styleLbl>
+  <dgm:styleLbl name="bgShp">
+    <dgm:scene3d>
+      <a:camera prst="orthographicFront"/>
+      <a:lightRig rig="threePt" dir="t"/>
+    </dgm:scene3d>
+    <dgm:sp3d/>
+    <dgm:txPr/>
+    <dgm:style>
+      <a:lnRef idx="0">
+        <a:scrgbClr r="0" g="0" b="0"/>
+      </a:lnRef>
+      <a:fillRef idx="1">
+        <a:scrgbClr r="0" g="0" b="0"/>
+      </a:fillRef>
+      <a:effectRef idx="1">
+        <a:scrgbClr r="0" g="0" b="0"/>
+      </a:effectRef>
+      <a:fontRef idx="minor"/>
+    </dgm:style>
+  </dgm:styleLbl>
+  <dgm:styleLbl name="dkBgShp">
+    <dgm:scene3d>
+      <a:camera prst="orthographicFront"/>
+      <a:lightRig rig="threePt" dir="t"/>
+    </dgm:scene3d>
+    <dgm:sp3d/>
+    <dgm:txPr/>
+    <dgm:style>
+      <a:lnRef idx="0">
+        <a:scrgbClr r="0" g="0" b="0"/>
+      </a:lnRef>
+      <a:fillRef idx="1">
+        <a:scrgbClr r="0" g="0" b="0"/>
+      </a:fillRef>
+      <a:effectRef idx="1">
+        <a:scrgbClr r="0" g="0" b="0"/>
+      </a:effectRef>
+      <a:fontRef idx="minor"/>
+    </dgm:style>
+  </dgm:styleLbl>
+  <dgm:styleLbl name="trBgShp">
+    <dgm:scene3d>
+      <a:camera prst="orthographicFront"/>
+      <a:lightRig rig="threePt" dir="t"/>
+    </dgm:scene3d>
+    <dgm:sp3d/>
+    <dgm:txPr/>
+    <dgm:style>
+      <a:lnRef idx="0">
+        <a:scrgbClr r="0" g="0" b="0"/>
+      </a:lnRef>
+      <a:fillRef idx="1">
+        <a:scrgbClr r="0" g="0" b="0"/>
+      </a:fillRef>
+      <a:effectRef idx="0">
+        <a:scrgbClr r="0" g="0" b="0"/>
+      </a:effectRef>
+      <a:fontRef idx="minor"/>
+    </dgm:style>
+  </dgm:styleLbl>
+  <dgm:styleLbl name="fgShp">
+    <dgm:scene3d>
+      <a:camera prst="orthographicFront"/>
+      <a:lightRig rig="flat" dir="t"/>
+    </dgm:scene3d>
+    <dgm:sp3d prstMaterial="dkEdge">
+      <a:bevelT w="8200" h="38100"/>
+    </dgm:sp3d>
+    <dgm:txPr/>
+    <dgm:style>
+      <a:lnRef idx="1">
+        <a:scrgbClr r="0" g="0" b="0"/>
+      </a:lnRef>
+      <a:fillRef idx="2">
+        <a:scrgbClr r="0" g="0" b="0"/>
+      </a:fillRef>
+      <a:effectRef idx="1">
+        <a:scrgbClr r="0" g="0" b="0"/>
+      </a:effectRef>
+      <a:fontRef idx="minor"/>
+    </dgm:style>
+  </dgm:styleLbl>
+  <dgm:styleLbl name="revTx">
+    <dgm:scene3d>
+      <a:camera prst="orthographicFront"/>
+      <a:lightRig rig="threePt" dir="t"/>
+    </dgm:scene3d>
+    <dgm:sp3d/>
+    <dgm:txPr/>
+    <dgm:style>
+      <a:lnRef idx="0">
+        <a:scrgbClr r="0" g="0" b="0"/>
+      </a:lnRef>
+      <a:fillRef idx="0">
+        <a:scrgbClr r="0" g="0" b="0"/>
+      </a:fillRef>
+      <a:effectRef idx="0">
+        <a:scrgbClr r="0" g="0" b="0"/>
+      </a:effectRef>
+      <a:fontRef idx="minor"/>
+    </dgm:style>
+  </dgm:styleLbl>
+</dgm:styleDef>
+</file>
+
+<file path=ppt/diagrams/quickStyle4.xml><?xml version="1.0" encoding="utf-8"?>
 <dgm:styleDef xmlns:dgm="http://schemas.openxmlformats.org/drawingml/2006/diagram" xmlns:a="http://schemas.openxmlformats.org/drawingml/2006/main" uniqueId="urn:microsoft.com/office/officeart/2005/8/quickstyle/simple1">
   <dgm:title val=""/>
   <dgm:desc val=""/>
@@ -11770,7 +16149,7 @@
           <a:p>
             <a:fld id="{5E98ECC7-4684-4B1D-A9E4-C1CABE848CA3}" type="datetimeFigureOut">
               <a:rPr lang="en-US" smtClean="0"/>
-              <a:t>10/30/2015</a:t>
+              <a:t>11/1/2015</a:t>
             </a:fld>
             <a:endParaRPr lang="en-US" dirty="0"/>
           </a:p>
@@ -12253,7 +16632,7 @@
           <a:p>
             <a:fld id="{8A0151A0-6BDA-4C61-94E2-4A05776C8C41}" type="datetime1">
               <a:rPr lang="en-US" smtClean="0"/>
-              <a:t>10/30/2015</a:t>
+              <a:t>11/1/2015</a:t>
             </a:fld>
             <a:endParaRPr lang="en-US" dirty="0"/>
           </a:p>
@@ -12423,7 +16802,7 @@
           <a:p>
             <a:fld id="{2E35788B-17C6-4432-AE26-BE836522A606}" type="datetime1">
               <a:rPr lang="en-US" smtClean="0"/>
-              <a:t>10/30/2015</a:t>
+              <a:t>11/1/2015</a:t>
             </a:fld>
             <a:endParaRPr lang="en-US" dirty="0"/>
           </a:p>
@@ -12603,7 +16982,7 @@
           <a:p>
             <a:fld id="{744D1FCA-C735-450D-BCA4-DB50B38ECD50}" type="datetime1">
               <a:rPr lang="en-US" smtClean="0"/>
-              <a:t>10/30/2015</a:t>
+              <a:t>11/1/2015</a:t>
             </a:fld>
             <a:endParaRPr lang="en-US" dirty="0"/>
           </a:p>
@@ -12773,7 +17152,7 @@
           <a:p>
             <a:fld id="{D47A2ED5-CD2A-4B3B-A81F-BE7A26036022}" type="datetime1">
               <a:rPr lang="en-US" smtClean="0"/>
-              <a:t>10/30/2015</a:t>
+              <a:t>11/1/2015</a:t>
             </a:fld>
             <a:endParaRPr lang="en-US" dirty="0"/>
           </a:p>
@@ -13017,7 +17396,7 @@
           <a:p>
             <a:fld id="{AFC2F17C-2319-45BC-B339-E7F83AB38139}" type="datetime1">
               <a:rPr lang="en-US" smtClean="0"/>
-              <a:t>10/30/2015</a:t>
+              <a:t>11/1/2015</a:t>
             </a:fld>
             <a:endParaRPr lang="en-US" dirty="0"/>
           </a:p>
@@ -13249,7 +17628,7 @@
           <a:p>
             <a:fld id="{7DF8D633-0327-407C-B754-C6DC287DA074}" type="datetime1">
               <a:rPr lang="en-US" smtClean="0"/>
-              <a:t>10/30/2015</a:t>
+              <a:t>11/1/2015</a:t>
             </a:fld>
             <a:endParaRPr lang="en-US" dirty="0"/>
           </a:p>
@@ -13616,7 +17995,7 @@
           <a:p>
             <a:fld id="{76880105-B802-41CD-BB85-298F26006685}" type="datetime1">
               <a:rPr lang="en-US" smtClean="0"/>
-              <a:t>10/30/2015</a:t>
+              <a:t>11/1/2015</a:t>
             </a:fld>
             <a:endParaRPr lang="en-US" dirty="0"/>
           </a:p>
@@ -13734,7 +18113,7 @@
           <a:p>
             <a:fld id="{162ED92B-9A44-474F-9138-A07C93ABC7FA}" type="datetime1">
               <a:rPr lang="en-US" smtClean="0"/>
-              <a:t>10/30/2015</a:t>
+              <a:t>11/1/2015</a:t>
             </a:fld>
             <a:endParaRPr lang="en-US" dirty="0"/>
           </a:p>
@@ -13829,7 +18208,7 @@
           <a:p>
             <a:fld id="{E496C444-E933-4D80-86C4-BADA1A19B898}" type="datetime1">
               <a:rPr lang="en-US" smtClean="0"/>
-              <a:t>10/30/2015</a:t>
+              <a:t>11/1/2015</a:t>
             </a:fld>
             <a:endParaRPr lang="en-US" dirty="0"/>
           </a:p>
@@ -14106,7 +18485,7 @@
           <a:p>
             <a:fld id="{FE2B3545-A360-469D-AF72-EC598B36A1A0}" type="datetime1">
               <a:rPr lang="en-US" smtClean="0"/>
-              <a:t>10/30/2015</a:t>
+              <a:t>11/1/2015</a:t>
             </a:fld>
             <a:endParaRPr lang="en-US" dirty="0"/>
           </a:p>
@@ -14363,7 +18742,7 @@
           <a:p>
             <a:fld id="{E5CD081C-AF44-4D3A-9989-1BD7F6EBBAB7}" type="datetime1">
               <a:rPr lang="en-US" smtClean="0"/>
-              <a:t>10/30/2015</a:t>
+              <a:t>11/1/2015</a:t>
             </a:fld>
             <a:endParaRPr lang="en-US" dirty="0"/>
           </a:p>
@@ -14585,7 +18964,7 @@
           <a:p>
             <a:fld id="{A7C17880-5397-45FB-B1C0-5FB7CBED16B5}" type="datetime1">
               <a:rPr lang="en-US" smtClean="0"/>
-              <a:t>10/30/2015</a:t>
+              <a:t>11/1/2015</a:t>
             </a:fld>
             <a:endParaRPr lang="en-US" dirty="0"/>
           </a:p>
@@ -15222,6 +19601,157 @@
         </p:blipFill>
         <p:spPr>
           <a:xfrm>
+            <a:off x="1277060" y="962025"/>
+            <a:ext cx="6856579" cy="5091113"/>
+          </a:xfrm>
+          <a:prstGeom prst="rect">
+            <a:avLst/>
+          </a:prstGeom>
+          <a:effectLst>
+            <a:glow rad="63500">
+              <a:schemeClr val="accent6">
+                <a:satMod val="175000"/>
+                <a:alpha val="40000"/>
+              </a:schemeClr>
+            </a:glow>
+          </a:effectLst>
+        </p:spPr>
+        <p:style>
+          <a:lnRef idx="2">
+            <a:schemeClr val="accent1"/>
+          </a:lnRef>
+          <a:fillRef idx="1">
+            <a:schemeClr val="lt1"/>
+          </a:fillRef>
+          <a:effectRef idx="0">
+            <a:schemeClr val="accent1"/>
+          </a:effectRef>
+          <a:fontRef idx="minor">
+            <a:schemeClr val="dk1"/>
+          </a:fontRef>
+        </p:style>
+      </p:pic>
+    </p:spTree>
+    <p:extLst>
+      <p:ext uri="{BB962C8B-B14F-4D97-AF65-F5344CB8AC3E}">
+        <p14:creationId xmlns:p14="http://schemas.microsoft.com/office/powerpoint/2010/main" val="3416699379"/>
+      </p:ext>
+    </p:extLst>
+  </p:cSld>
+  <p:clrMapOvr>
+    <a:masterClrMapping/>
+  </p:clrMapOvr>
+  <p:timing>
+    <p:tnLst>
+      <p:par>
+        <p:cTn id="1" dur="indefinite" restart="never" nodeType="tmRoot"/>
+      </p:par>
+    </p:tnLst>
+  </p:timing>
+</p:sld>
+</file>
+
+<file path=ppt/slides/slide11.xml><?xml version="1.0" encoding="utf-8"?>
+<p:sld xmlns:a="http://schemas.openxmlformats.org/drawingml/2006/main" xmlns:r="http://schemas.openxmlformats.org/officeDocument/2006/relationships" xmlns:p="http://schemas.openxmlformats.org/presentationml/2006/main">
+  <p:cSld>
+    <p:spTree>
+      <p:nvGrpSpPr>
+        <p:cNvPr id="1" name=""/>
+        <p:cNvGrpSpPr/>
+        <p:nvPr/>
+      </p:nvGrpSpPr>
+      <p:grpSpPr>
+        <a:xfrm>
+          <a:off x="0" y="0"/>
+          <a:ext cx="0" cy="0"/>
+          <a:chOff x="0" y="0"/>
+          <a:chExt cx="0" cy="0"/>
+        </a:xfrm>
+      </p:grpSpPr>
+      <p:sp>
+        <p:nvSpPr>
+          <p:cNvPr id="2" name="Title 1"/>
+          <p:cNvSpPr>
+            <a:spLocks noGrp="1"/>
+          </p:cNvSpPr>
+          <p:nvPr>
+            <p:ph type="title"/>
+          </p:nvPr>
+        </p:nvSpPr>
+        <p:spPr>
+          <a:xfrm>
+            <a:off x="628650" y="279401"/>
+            <a:ext cx="7886700" cy="596899"/>
+          </a:xfrm>
+        </p:spPr>
+        <p:txBody>
+          <a:bodyPr/>
+          <a:lstStyle/>
+          <a:p>
+            <a:pPr algn="ctr"/>
+            <a:r>
+              <a:rPr lang="en-US" sz="3200" dirty="0" smtClean="0">
+                <a:solidFill>
+                  <a:prstClr val="black"/>
+                </a:solidFill>
+              </a:rPr>
+              <a:t>Solution </a:t>
+            </a:r>
+            <a:r>
+              <a:rPr lang="en-US" sz="3200" dirty="0">
+                <a:solidFill>
+                  <a:prstClr val="black"/>
+                </a:solidFill>
+              </a:rPr>
+              <a:t>Architecture</a:t>
+            </a:r>
+            <a:endParaRPr lang="en-US" dirty="0"/>
+          </a:p>
+        </p:txBody>
+      </p:sp>
+      <p:sp>
+        <p:nvSpPr>
+          <p:cNvPr id="4" name="Slide Number Placeholder 3"/>
+          <p:cNvSpPr>
+            <a:spLocks noGrp="1"/>
+          </p:cNvSpPr>
+          <p:nvPr>
+            <p:ph type="sldNum" sz="quarter" idx="12"/>
+          </p:nvPr>
+        </p:nvSpPr>
+        <p:spPr/>
+        <p:txBody>
+          <a:bodyPr/>
+          <a:lstStyle/>
+          <a:p>
+            <a:pPr algn="l"/>
+            <a:fld id="{3BF2E178-8897-4B1C-8CC9-F674D03C0FD1}" type="slidenum">
+              <a:rPr lang="en-US" smtClean="0"/>
+              <a:pPr algn="l"/>
+              <a:t>11</a:t>
+            </a:fld>
+            <a:endParaRPr lang="en-US" dirty="0"/>
+          </a:p>
+        </p:txBody>
+      </p:sp>
+      <p:pic>
+        <p:nvPicPr>
+          <p:cNvPr id="5" name="Content Placeholder 4"/>
+          <p:cNvPicPr>
+            <a:picLocks noGrp="1" noChangeAspect="1"/>
+          </p:cNvPicPr>
+          <p:nvPr>
+            <p:ph sz="half" idx="2"/>
+          </p:nvPr>
+        </p:nvPicPr>
+        <p:blipFill>
+          <a:blip r:embed="rId2"/>
+          <a:stretch>
+            <a:fillRect/>
+          </a:stretch>
+        </p:blipFill>
+        <p:spPr>
+          <a:xfrm>
             <a:off x="1338857" y="1081088"/>
             <a:ext cx="6809186" cy="5091112"/>
           </a:xfrm>
@@ -15272,7 +19802,7 @@
 </p:sld>
 </file>
 
-<file path=ppt/slides/slide11.xml><?xml version="1.0" encoding="utf-8"?>
+<file path=ppt/slides/slide12.xml><?xml version="1.0" encoding="utf-8"?>
 <p:sld xmlns:a="http://schemas.openxmlformats.org/drawingml/2006/main" xmlns:r="http://schemas.openxmlformats.org/officeDocument/2006/relationships" xmlns:p="http://schemas.openxmlformats.org/presentationml/2006/main">
   <p:cSld>
     <p:spTree>
@@ -15447,7 +19977,7 @@
             <a:fld id="{3BF2E178-8897-4B1C-8CC9-F674D03C0FD1}" type="slidenum">
               <a:rPr lang="en-US" smtClean="0"/>
               <a:pPr algn="l"/>
-              <a:t>11</a:t>
+              <a:t>12</a:t>
             </a:fld>
             <a:endParaRPr lang="en-US" dirty="0"/>
           </a:p>
@@ -15473,7 +20003,7 @@
 </p:sld>
 </file>
 
-<file path=ppt/slides/slide12.xml><?xml version="1.0" encoding="utf-8"?>
+<file path=ppt/slides/slide13.xml><?xml version="1.0" encoding="utf-8"?>
 <p:sld xmlns:a="http://schemas.openxmlformats.org/drawingml/2006/main" xmlns:r="http://schemas.openxmlformats.org/officeDocument/2006/relationships" xmlns:p="http://schemas.openxmlformats.org/presentationml/2006/main">
   <p:cSld>
     <p:spTree>
@@ -15535,7 +20065,7 @@
           <a:p>
             <a:fld id="{3BF2E178-8897-4B1C-8CC9-F674D03C0FD1}" type="slidenum">
               <a:rPr lang="en-US" smtClean="0"/>
-              <a:t>12</a:t>
+              <a:t>13</a:t>
             </a:fld>
             <a:endParaRPr lang="en-US" dirty="0"/>
           </a:p>
@@ -15561,7 +20091,7 @@
 </p:sld>
 </file>
 
-<file path=ppt/slides/slide13.xml><?xml version="1.0" encoding="utf-8"?>
+<file path=ppt/slides/slide14.xml><?xml version="1.0" encoding="utf-8"?>
 <p:sld xmlns:a="http://schemas.openxmlformats.org/drawingml/2006/main" xmlns:r="http://schemas.openxmlformats.org/officeDocument/2006/relationships" xmlns:p="http://schemas.openxmlformats.org/presentationml/2006/main">
   <p:cSld>
     <p:spTree>
@@ -15699,7 +20229,7 @@
             <a:fld id="{3BF2E178-8897-4B1C-8CC9-F674D03C0FD1}" type="slidenum">
               <a:rPr lang="en-US" smtClean="0"/>
               <a:pPr algn="l"/>
-              <a:t>13</a:t>
+              <a:t>14</a:t>
             </a:fld>
             <a:endParaRPr lang="en-US" dirty="0"/>
           </a:p>
@@ -15725,7 +20255,7 @@
 </p:sld>
 </file>
 
-<file path=ppt/slides/slide14.xml><?xml version="1.0" encoding="utf-8"?>
+<file path=ppt/slides/slide15.xml><?xml version="1.0" encoding="utf-8"?>
 <p:sld xmlns:a="http://schemas.openxmlformats.org/drawingml/2006/main" xmlns:r="http://schemas.openxmlformats.org/officeDocument/2006/relationships" xmlns:p="http://schemas.openxmlformats.org/presentationml/2006/main">
   <p:cSld>
     <p:spTree>
@@ -15813,7 +20343,7 @@
           <a:p>
             <a:fld id="{3BF2E178-8897-4B1C-8CC9-F674D03C0FD1}" type="slidenum">
               <a:rPr lang="en-US" smtClean="0"/>
-              <a:t>14</a:t>
+              <a:t>15</a:t>
             </a:fld>
             <a:endParaRPr lang="en-US" dirty="0"/>
           </a:p>
@@ -15839,7 +20369,7 @@
 </p:sld>
 </file>
 
-<file path=ppt/slides/slide15.xml><?xml version="1.0" encoding="utf-8"?>
+<file path=ppt/slides/slide16.xml><?xml version="1.0" encoding="utf-8"?>
 <p:sld xmlns:a="http://schemas.openxmlformats.org/drawingml/2006/main" xmlns:r="http://schemas.openxmlformats.org/officeDocument/2006/relationships" xmlns:p="http://schemas.openxmlformats.org/presentationml/2006/main">
   <p:cSld>
     <p:spTree>
@@ -15997,7 +20527,7 @@
             <a:fld id="{3BF2E178-8897-4B1C-8CC9-F674D03C0FD1}" type="slidenum">
               <a:rPr lang="en-US" smtClean="0"/>
               <a:pPr algn="l"/>
-              <a:t>15</a:t>
+              <a:t>16</a:t>
             </a:fld>
             <a:endParaRPr lang="en-US" dirty="0"/>
           </a:p>
@@ -16023,7 +20553,7 @@
 </p:sld>
 </file>
 
-<file path=ppt/slides/slide16.xml><?xml version="1.0" encoding="utf-8"?>
+<file path=ppt/slides/slide17.xml><?xml version="1.0" encoding="utf-8"?>
 <p:sld xmlns:a="http://schemas.openxmlformats.org/drawingml/2006/main" xmlns:r="http://schemas.openxmlformats.org/officeDocument/2006/relationships" xmlns:p="http://schemas.openxmlformats.org/presentationml/2006/main">
   <p:cSld>
     <p:spTree>
@@ -16064,7 +20594,7 @@
             <a:fld id="{3BF2E178-8897-4B1C-8CC9-F674D03C0FD1}" type="slidenum">
               <a:rPr lang="en-US" smtClean="0"/>
               <a:pPr algn="l"/>
-              <a:t>16</a:t>
+              <a:t>17</a:t>
             </a:fld>
             <a:endParaRPr lang="en-US" dirty="0"/>
           </a:p>
@@ -16073,7 +20603,7 @@
     </p:spTree>
     <p:extLst>
       <p:ext uri="{BB962C8B-B14F-4D97-AF65-F5344CB8AC3E}">
-        <p14:creationId xmlns:p14="http://schemas.microsoft.com/office/powerpoint/2010/main" val="4049557803"/>
+        <p14:creationId xmlns:p14="http://schemas.microsoft.com/office/powerpoint/2010/main" val="1933337369"/>
       </p:ext>
     </p:extLst>
   </p:cSld>
@@ -16090,7 +20620,7 @@
 </p:sld>
 </file>
 
-<file path=ppt/slides/slide17.xml><?xml version="1.0" encoding="utf-8"?>
+<file path=ppt/slides/slide18.xml><?xml version="1.0" encoding="utf-8"?>
 <p:sld xmlns:a="http://schemas.openxmlformats.org/drawingml/2006/main" xmlns:r="http://schemas.openxmlformats.org/officeDocument/2006/relationships" xmlns:p="http://schemas.openxmlformats.org/presentationml/2006/main">
   <p:cSld>
     <p:spTree>
@@ -16213,7 +20743,7 @@
             <a:fld id="{3BF2E178-8897-4B1C-8CC9-F674D03C0FD1}" type="slidenum">
               <a:rPr lang="en-US" smtClean="0"/>
               <a:pPr algn="l"/>
-              <a:t>17</a:t>
+              <a:t>18</a:t>
             </a:fld>
             <a:endParaRPr lang="en-US" dirty="0"/>
           </a:p>
@@ -16293,7 +20823,7 @@
           <p:nvPr>
             <p:extLst>
               <p:ext uri="{D42A27DB-BD31-4B8C-83A1-F6EECF244321}">
-                <p14:modId xmlns:p14="http://schemas.microsoft.com/office/powerpoint/2010/main" val="2999347628"/>
+                <p14:modId xmlns:p14="http://schemas.microsoft.com/office/powerpoint/2010/main" val="2788770715"/>
               </p:ext>
             </p:extLst>
           </p:nvPr>
@@ -16813,7 +21343,7 @@
       </p:grpSpPr>
       <p:sp>
         <p:nvSpPr>
-          <p:cNvPr id="2" name="Title 1"/>
+          <p:cNvPr id="6" name="Title 1"/>
           <p:cNvSpPr>
             <a:spLocks noGrp="1"/>
           </p:cNvSpPr>
@@ -16824,12 +21354,12 @@
         <p:spPr>
           <a:xfrm>
             <a:off x="628650" y="365127"/>
-            <a:ext cx="7886700" cy="458658"/>
+            <a:ext cx="7886700" cy="631652"/>
           </a:xfrm>
         </p:spPr>
         <p:txBody>
           <a:bodyPr>
-            <a:normAutofit fontScale="90000"/>
+            <a:normAutofit/>
           </a:bodyPr>
           <a:lstStyle/>
           <a:p>
@@ -16844,7 +21374,7 @@
       </p:sp>
       <p:sp>
         <p:nvSpPr>
-          <p:cNvPr id="3" name="Content Placeholder 2"/>
+          <p:cNvPr id="9" name="Content Placeholder 2"/>
           <p:cNvSpPr>
             <a:spLocks noGrp="1"/>
           </p:cNvSpPr>
@@ -16854,8 +21384,8 @@
         </p:nvSpPr>
         <p:spPr>
           <a:xfrm>
-            <a:off x="543697" y="1252151"/>
-            <a:ext cx="7971653" cy="700216"/>
+            <a:off x="628650" y="1082141"/>
+            <a:ext cx="6934200" cy="818721"/>
           </a:xfrm>
         </p:spPr>
         <p:txBody>
@@ -16894,11 +21424,149 @@
             </a:pPr>
             <a:endParaRPr lang="en-US" dirty="0"/>
           </a:p>
+        </p:txBody>
+      </p:sp>
+      <p:graphicFrame>
+        <p:nvGraphicFramePr>
+          <p:cNvPr id="13" name="Content Placeholder 12"/>
+          <p:cNvGraphicFramePr>
+            <a:graphicFrameLocks noGrp="1"/>
+          </p:cNvGraphicFramePr>
+          <p:nvPr>
+            <p:ph sz="half" idx="2"/>
+            <p:extLst>
+              <p:ext uri="{D42A27DB-BD31-4B8C-83A1-F6EECF244321}">
+                <p14:modId xmlns:p14="http://schemas.microsoft.com/office/powerpoint/2010/main" val="4084515509"/>
+              </p:ext>
+            </p:extLst>
+          </p:nvPr>
+        </p:nvGraphicFramePr>
+        <p:xfrm>
+          <a:off x="1416909" y="1978891"/>
+          <a:ext cx="6268994" cy="4298066"/>
+        </p:xfrm>
+        <a:graphic>
+          <a:graphicData uri="http://schemas.openxmlformats.org/drawingml/2006/diagram">
+            <dgm:relIds xmlns:dgm="http://schemas.openxmlformats.org/drawingml/2006/diagram" xmlns:r="http://schemas.openxmlformats.org/officeDocument/2006/relationships" r:dm="rId2" r:lo="rId3" r:qs="rId4" r:cs="rId5"/>
+          </a:graphicData>
+        </a:graphic>
+      </p:graphicFrame>
+      <p:sp>
+        <p:nvSpPr>
+          <p:cNvPr id="4" name="Slide Number Placeholder 3"/>
+          <p:cNvSpPr>
+            <a:spLocks noGrp="1"/>
+          </p:cNvSpPr>
+          <p:nvPr>
+            <p:ph type="sldNum" sz="quarter" idx="12"/>
+          </p:nvPr>
+        </p:nvSpPr>
+        <p:spPr/>
+        <p:txBody>
+          <a:bodyPr/>
+          <a:lstStyle/>
           <a:p>
-            <a:pPr marL="0" indent="0">
-              <a:buNone/>
-            </a:pPr>
-            <a:endParaRPr lang="en-US" sz="2000" dirty="0" smtClean="0"/>
+            <a:pPr algn="l"/>
+            <a:fld id="{3BF2E178-8897-4B1C-8CC9-F674D03C0FD1}" type="slidenum">
+              <a:rPr lang="en-US" smtClean="0"/>
+              <a:pPr algn="l"/>
+              <a:t>5</a:t>
+            </a:fld>
+            <a:endParaRPr lang="en-US" dirty="0"/>
+          </a:p>
+        </p:txBody>
+      </p:sp>
+      <p:pic>
+        <p:nvPicPr>
+          <p:cNvPr id="7" name="Picture 6">
+            <a:hlinkClick r:id="rId7"/>
+          </p:cNvPr>
+          <p:cNvPicPr>
+            <a:picLocks noChangeAspect="1"/>
+          </p:cNvPicPr>
+          <p:nvPr/>
+        </p:nvPicPr>
+        <p:blipFill>
+          <a:blip r:embed="rId8"/>
+          <a:stretch>
+            <a:fillRect/>
+          </a:stretch>
+        </p:blipFill>
+        <p:spPr>
+          <a:xfrm>
+            <a:off x="7562850" y="97290"/>
+            <a:ext cx="952500" cy="971550"/>
+          </a:xfrm>
+          <a:prstGeom prst="rect">
+            <a:avLst/>
+          </a:prstGeom>
+        </p:spPr>
+      </p:pic>
+    </p:spTree>
+    <p:extLst>
+      <p:ext uri="{BB962C8B-B14F-4D97-AF65-F5344CB8AC3E}">
+        <p14:creationId xmlns:p14="http://schemas.microsoft.com/office/powerpoint/2010/main" val="4049557803"/>
+      </p:ext>
+    </p:extLst>
+  </p:cSld>
+  <p:clrMapOvr>
+    <a:masterClrMapping/>
+  </p:clrMapOvr>
+  <p:timing>
+    <p:tnLst>
+      <p:par>
+        <p:cTn id="1" dur="indefinite" restart="never" nodeType="tmRoot"/>
+      </p:par>
+    </p:tnLst>
+  </p:timing>
+</p:sld>
+</file>
+
+<file path=ppt/slides/slide6.xml><?xml version="1.0" encoding="utf-8"?>
+<p:sld xmlns:a="http://schemas.openxmlformats.org/drawingml/2006/main" xmlns:r="http://schemas.openxmlformats.org/officeDocument/2006/relationships" xmlns:p="http://schemas.openxmlformats.org/presentationml/2006/main">
+  <p:cSld>
+    <p:spTree>
+      <p:nvGrpSpPr>
+        <p:cNvPr id="1" name=""/>
+        <p:cNvGrpSpPr/>
+        <p:nvPr/>
+      </p:nvGrpSpPr>
+      <p:grpSpPr>
+        <a:xfrm>
+          <a:off x="0" y="0"/>
+          <a:ext cx="0" cy="0"/>
+          <a:chOff x="0" y="0"/>
+          <a:chExt cx="0" cy="0"/>
+        </a:xfrm>
+      </p:grpSpPr>
+      <p:sp>
+        <p:nvSpPr>
+          <p:cNvPr id="2" name="Title 1"/>
+          <p:cNvSpPr>
+            <a:spLocks noGrp="1"/>
+          </p:cNvSpPr>
+          <p:nvPr>
+            <p:ph type="title"/>
+          </p:nvPr>
+        </p:nvSpPr>
+        <p:spPr>
+          <a:xfrm>
+            <a:off x="628650" y="365127"/>
+            <a:ext cx="7886700" cy="458658"/>
+          </a:xfrm>
+        </p:spPr>
+        <p:txBody>
+          <a:bodyPr>
+            <a:normAutofit fontScale="90000"/>
+          </a:bodyPr>
+          <a:lstStyle/>
+          <a:p>
+            <a:pPr algn="ctr"/>
+            <a:r>
+              <a:rPr lang="en-US" sz="3200" dirty="0" err="1" smtClean="0"/>
+              <a:t>MassTransit</a:t>
+            </a:r>
+            <a:endParaRPr lang="en-US" sz="3200" dirty="0"/>
           </a:p>
         </p:txBody>
       </p:sp>
@@ -16921,7 +21589,7 @@
             <a:fld id="{3BF2E178-8897-4B1C-8CC9-F674D03C0FD1}" type="slidenum">
               <a:rPr lang="en-US" smtClean="0"/>
               <a:pPr algn="l"/>
-              <a:t>5</a:t>
+              <a:t>6</a:t>
             </a:fld>
             <a:endParaRPr lang="en-US" dirty="0"/>
           </a:p>
@@ -16960,14 +21628,14 @@
           <p:nvPr>
             <p:extLst>
               <p:ext uri="{D42A27DB-BD31-4B8C-83A1-F6EECF244321}">
-                <p14:modId xmlns:p14="http://schemas.microsoft.com/office/powerpoint/2010/main" val="2083505086"/>
+                <p14:modId xmlns:p14="http://schemas.microsoft.com/office/powerpoint/2010/main" val="804435460"/>
               </p:ext>
             </p:extLst>
           </p:nvPr>
         </p:nvGraphicFramePr>
         <p:xfrm>
-          <a:off x="628649" y="2103383"/>
-          <a:ext cx="7247660" cy="4016864"/>
+          <a:off x="238990" y="1361975"/>
+          <a:ext cx="8276360" cy="4676363"/>
         </p:xfrm>
         <a:graphic>
           <a:graphicData uri="http://schemas.openxmlformats.org/drawingml/2006/diagram">
@@ -16979,73 +21647,6 @@
     <p:extLst>
       <p:ext uri="{BB962C8B-B14F-4D97-AF65-F5344CB8AC3E}">
         <p14:creationId xmlns:p14="http://schemas.microsoft.com/office/powerpoint/2010/main" val="1060058928"/>
-      </p:ext>
-    </p:extLst>
-  </p:cSld>
-  <p:clrMapOvr>
-    <a:masterClrMapping/>
-  </p:clrMapOvr>
-  <p:timing>
-    <p:tnLst>
-      <p:par>
-        <p:cTn id="1" dur="indefinite" restart="never" nodeType="tmRoot"/>
-      </p:par>
-    </p:tnLst>
-  </p:timing>
-</p:sld>
-</file>
-
-<file path=ppt/slides/slide6.xml><?xml version="1.0" encoding="utf-8"?>
-<p:sld xmlns:a="http://schemas.openxmlformats.org/drawingml/2006/main" xmlns:r="http://schemas.openxmlformats.org/officeDocument/2006/relationships" xmlns:p="http://schemas.openxmlformats.org/presentationml/2006/main">
-  <p:cSld>
-    <p:spTree>
-      <p:nvGrpSpPr>
-        <p:cNvPr id="1" name=""/>
-        <p:cNvGrpSpPr/>
-        <p:nvPr/>
-      </p:nvGrpSpPr>
-      <p:grpSpPr>
-        <a:xfrm>
-          <a:off x="0" y="0"/>
-          <a:ext cx="0" cy="0"/>
-          <a:chOff x="0" y="0"/>
-          <a:chExt cx="0" cy="0"/>
-        </a:xfrm>
-      </p:grpSpPr>
-      <p:sp>
-        <p:nvSpPr>
-          <p:cNvPr id="4" name="Slide Number Placeholder 3"/>
-          <p:cNvSpPr>
-            <a:spLocks noGrp="1"/>
-          </p:cNvSpPr>
-          <p:nvPr>
-            <p:ph type="sldNum" sz="quarter" idx="12"/>
-          </p:nvPr>
-        </p:nvSpPr>
-        <p:spPr>
-          <a:xfrm>
-            <a:off x="625565" y="6438731"/>
-            <a:ext cx="2057400" cy="365125"/>
-          </a:xfrm>
-        </p:spPr>
-        <p:txBody>
-          <a:bodyPr/>
-          <a:lstStyle/>
-          <a:p>
-            <a:pPr algn="l"/>
-            <a:fld id="{3BF2E178-8897-4B1C-8CC9-F674D03C0FD1}" type="slidenum">
-              <a:rPr lang="en-US" smtClean="0"/>
-              <a:pPr algn="l"/>
-              <a:t>6</a:t>
-            </a:fld>
-            <a:endParaRPr lang="en-US" dirty="0"/>
-          </a:p>
-        </p:txBody>
-      </p:sp>
-    </p:spTree>
-    <p:extLst>
-      <p:ext uri="{BB962C8B-B14F-4D97-AF65-F5344CB8AC3E}">
-        <p14:creationId xmlns:p14="http://schemas.microsoft.com/office/powerpoint/2010/main" val="4273581717"/>
       </p:ext>
     </p:extLst>
   </p:cSld>
@@ -17081,6 +21682,75 @@
       </p:grpSpPr>
       <p:sp>
         <p:nvSpPr>
+          <p:cNvPr id="2" name="Title 1"/>
+          <p:cNvSpPr>
+            <a:spLocks noGrp="1"/>
+          </p:cNvSpPr>
+          <p:nvPr>
+            <p:ph type="title"/>
+          </p:nvPr>
+        </p:nvSpPr>
+        <p:spPr/>
+        <p:txBody>
+          <a:bodyPr/>
+          <a:lstStyle/>
+          <a:p>
+            <a:r>
+              <a:rPr lang="en-US" dirty="0" smtClean="0"/>
+              <a:t>Messaging Patterns</a:t>
+            </a:r>
+            <a:endParaRPr lang="en-US" dirty="0"/>
+          </a:p>
+        </p:txBody>
+      </p:sp>
+      <p:sp>
+        <p:nvSpPr>
+          <p:cNvPr id="3" name="Content Placeholder 2"/>
+          <p:cNvSpPr>
+            <a:spLocks noGrp="1"/>
+          </p:cNvSpPr>
+          <p:nvPr>
+            <p:ph sz="half" idx="1"/>
+          </p:nvPr>
+        </p:nvSpPr>
+        <p:spPr/>
+        <p:txBody>
+          <a:bodyPr/>
+          <a:lstStyle/>
+          <a:p>
+            <a:r>
+              <a:rPr lang="en-US" dirty="0" smtClean="0"/>
+              <a:t>Request/Response</a:t>
+            </a:r>
+            <a:endParaRPr lang="en-US" dirty="0"/>
+          </a:p>
+        </p:txBody>
+      </p:sp>
+      <p:sp>
+        <p:nvSpPr>
+          <p:cNvPr id="5" name="Content Placeholder 4"/>
+          <p:cNvSpPr>
+            <a:spLocks noGrp="1"/>
+          </p:cNvSpPr>
+          <p:nvPr>
+            <p:ph sz="half" idx="2"/>
+          </p:nvPr>
+        </p:nvSpPr>
+        <p:spPr/>
+        <p:txBody>
+          <a:bodyPr/>
+          <a:lstStyle/>
+          <a:p>
+            <a:r>
+              <a:rPr lang="en-US" dirty="0" smtClean="0"/>
+              <a:t>Publish/Subscribe</a:t>
+            </a:r>
+            <a:endParaRPr lang="en-US" dirty="0"/>
+          </a:p>
+        </p:txBody>
+      </p:sp>
+      <p:sp>
+        <p:nvSpPr>
           <p:cNvPr id="4" name="Slide Number Placeholder 3"/>
           <p:cNvSpPr>
             <a:spLocks noGrp="1"/>
@@ -17089,12 +21759,7 @@
             <p:ph type="sldNum" sz="quarter" idx="12"/>
           </p:nvPr>
         </p:nvSpPr>
-        <p:spPr>
-          <a:xfrm>
-            <a:off x="625565" y="6438731"/>
-            <a:ext cx="2057400" cy="365125"/>
-          </a:xfrm>
-        </p:spPr>
+        <p:spPr/>
         <p:txBody>
           <a:bodyPr/>
           <a:lstStyle/>
@@ -17112,7 +21777,7 @@
     </p:spTree>
     <p:extLst>
       <p:ext uri="{BB962C8B-B14F-4D97-AF65-F5344CB8AC3E}">
-        <p14:creationId xmlns:p14="http://schemas.microsoft.com/office/powerpoint/2010/main" val="2718114254"/>
+        <p14:creationId xmlns:p14="http://schemas.microsoft.com/office/powerpoint/2010/main" val="4273581717"/>
       </p:ext>
     </p:extLst>
   </p:cSld>
@@ -17148,6 +21813,52 @@
       </p:grpSpPr>
       <p:sp>
         <p:nvSpPr>
+          <p:cNvPr id="6" name="Title 5"/>
+          <p:cNvSpPr>
+            <a:spLocks noGrp="1"/>
+          </p:cNvSpPr>
+          <p:nvPr>
+            <p:ph type="title"/>
+          </p:nvPr>
+        </p:nvSpPr>
+        <p:spPr/>
+        <p:txBody>
+          <a:bodyPr/>
+          <a:lstStyle/>
+          <a:p>
+            <a:r>
+              <a:rPr lang="en-US" dirty="0" smtClean="0"/>
+              <a:t>Messaging Patterns</a:t>
+            </a:r>
+            <a:endParaRPr lang="en-US" dirty="0"/>
+          </a:p>
+        </p:txBody>
+      </p:sp>
+      <p:sp>
+        <p:nvSpPr>
+          <p:cNvPr id="7" name="Content Placeholder 6"/>
+          <p:cNvSpPr>
+            <a:spLocks noGrp="1"/>
+          </p:cNvSpPr>
+          <p:nvPr>
+            <p:ph idx="1"/>
+          </p:nvPr>
+        </p:nvSpPr>
+        <p:spPr/>
+        <p:txBody>
+          <a:bodyPr/>
+          <a:lstStyle/>
+          <a:p>
+            <a:r>
+              <a:rPr lang="en-US" dirty="0" smtClean="0"/>
+              <a:t>Saga</a:t>
+            </a:r>
+            <a:endParaRPr lang="en-US" dirty="0"/>
+          </a:p>
+        </p:txBody>
+      </p:sp>
+      <p:sp>
+        <p:nvSpPr>
           <p:cNvPr id="4" name="Slide Number Placeholder 3"/>
           <p:cNvSpPr>
             <a:spLocks noGrp="1"/>
@@ -17156,12 +21867,7 @@
             <p:ph type="sldNum" sz="quarter" idx="12"/>
           </p:nvPr>
         </p:nvSpPr>
-        <p:spPr>
-          <a:xfrm>
-            <a:off x="625565" y="6438731"/>
-            <a:ext cx="2057400" cy="365125"/>
-          </a:xfrm>
-        </p:spPr>
+        <p:spPr/>
         <p:txBody>
           <a:bodyPr/>
           <a:lstStyle/>
@@ -17179,7 +21885,7 @@
     </p:spTree>
     <p:extLst>
       <p:ext uri="{BB962C8B-B14F-4D97-AF65-F5344CB8AC3E}">
-        <p14:creationId xmlns:p14="http://schemas.microsoft.com/office/powerpoint/2010/main" val="2009715107"/>
+        <p14:creationId xmlns:p14="http://schemas.microsoft.com/office/powerpoint/2010/main" val="1985972369"/>
       </p:ext>
     </p:extLst>
   </p:cSld>
@@ -17215,7 +21921,7 @@
       </p:grpSpPr>
       <p:sp>
         <p:nvSpPr>
-          <p:cNvPr id="2" name="Title 1"/>
+          <p:cNvPr id="6" name="Title 5"/>
           <p:cNvSpPr>
             <a:spLocks noGrp="1"/>
           </p:cNvSpPr>
@@ -17223,32 +21929,37 @@
             <p:ph type="title"/>
           </p:nvPr>
         </p:nvSpPr>
-        <p:spPr>
-          <a:xfrm>
-            <a:off x="628650" y="279401"/>
-            <a:ext cx="7886700" cy="596899"/>
-          </a:xfrm>
-        </p:spPr>
+        <p:spPr/>
         <p:txBody>
           <a:bodyPr/>
           <a:lstStyle/>
           <a:p>
-            <a:pPr algn="ctr"/>
             <a:r>
-              <a:rPr lang="en-US" sz="3200" dirty="0" smtClean="0">
-                <a:solidFill>
-                  <a:prstClr val="black"/>
-                </a:solidFill>
-              </a:rPr>
-              <a:t>Solution </a:t>
+              <a:rPr lang="en-US" dirty="0" smtClean="0"/>
+              <a:t>Messaging Patterns</a:t>
             </a:r>
+            <a:endParaRPr lang="en-US" dirty="0"/>
+          </a:p>
+        </p:txBody>
+      </p:sp>
+      <p:sp>
+        <p:nvSpPr>
+          <p:cNvPr id="7" name="Content Placeholder 6"/>
+          <p:cNvSpPr>
+            <a:spLocks noGrp="1"/>
+          </p:cNvSpPr>
+          <p:nvPr>
+            <p:ph idx="1"/>
+          </p:nvPr>
+        </p:nvSpPr>
+        <p:spPr/>
+        <p:txBody>
+          <a:bodyPr/>
+          <a:lstStyle/>
+          <a:p>
             <a:r>
-              <a:rPr lang="en-US" sz="3200" dirty="0">
-                <a:solidFill>
-                  <a:prstClr val="black"/>
-                </a:solidFill>
-              </a:rPr>
-              <a:t>Architecture</a:t>
+              <a:rPr lang="en-US" dirty="0" smtClean="0"/>
+              <a:t>Routing Slip</a:t>
             </a:r>
             <a:endParaRPr lang="en-US" dirty="0"/>
           </a:p>
@@ -17279,58 +21990,10 @@
           </a:p>
         </p:txBody>
       </p:sp>
-      <p:pic>
-        <p:nvPicPr>
-          <p:cNvPr id="5" name="Content Placeholder 4"/>
-          <p:cNvPicPr>
-            <a:picLocks noGrp="1" noChangeAspect="1"/>
-          </p:cNvPicPr>
-          <p:nvPr>
-            <p:ph sz="half" idx="2"/>
-          </p:nvPr>
-        </p:nvPicPr>
-        <p:blipFill>
-          <a:blip r:embed="rId2"/>
-          <a:stretch>
-            <a:fillRect/>
-          </a:stretch>
-        </p:blipFill>
-        <p:spPr>
-          <a:xfrm>
-            <a:off x="1277060" y="962025"/>
-            <a:ext cx="6856579" cy="5091113"/>
-          </a:xfrm>
-          <a:prstGeom prst="rect">
-            <a:avLst/>
-          </a:prstGeom>
-          <a:effectLst>
-            <a:glow rad="63500">
-              <a:schemeClr val="accent6">
-                <a:satMod val="175000"/>
-                <a:alpha val="40000"/>
-              </a:schemeClr>
-            </a:glow>
-          </a:effectLst>
-        </p:spPr>
-        <p:style>
-          <a:lnRef idx="2">
-            <a:schemeClr val="accent1"/>
-          </a:lnRef>
-          <a:fillRef idx="1">
-            <a:schemeClr val="lt1"/>
-          </a:fillRef>
-          <a:effectRef idx="0">
-            <a:schemeClr val="accent1"/>
-          </a:effectRef>
-          <a:fontRef idx="minor">
-            <a:schemeClr val="dk1"/>
-          </a:fontRef>
-        </p:style>
-      </p:pic>
     </p:spTree>
     <p:extLst>
       <p:ext uri="{BB962C8B-B14F-4D97-AF65-F5344CB8AC3E}">
-        <p14:creationId xmlns:p14="http://schemas.microsoft.com/office/powerpoint/2010/main" val="3416699379"/>
+        <p14:creationId xmlns:p14="http://schemas.microsoft.com/office/powerpoint/2010/main" val="3623492311"/>
       </p:ext>
     </p:extLst>
   </p:cSld>

--- a/Presentation/Service Bus Integration Patterns.pptx
+++ b/Presentation/Service Bus Integration Patterns.pptx
@@ -3535,7 +3535,7 @@
         <a:p>
           <a:r>
             <a:rPr lang="en-US" sz="1200" dirty="0" smtClean="0"/>
-            <a:t>Map</a:t>
+            <a:t>Feature Map</a:t>
           </a:r>
           <a:endParaRPr lang="en-US" sz="1200" dirty="0"/>
         </a:p>
@@ -4186,10 +4186,10 @@
         <a:p>
           <a:pPr rtl="0"/>
           <a:r>
-            <a:rPr lang="en-US" smtClean="0"/>
+            <a:rPr lang="en-US" dirty="0" smtClean="0"/>
             <a:t>MassTransit</a:t>
           </a:r>
-          <a:endParaRPr lang="en-US"/>
+          <a:endParaRPr lang="en-US" dirty="0"/>
         </a:p>
       </dgm:t>
     </dgm:pt>
@@ -4224,10 +4224,10 @@
         <a:p>
           <a:pPr rtl="0"/>
           <a:r>
-            <a:rPr lang="en-US" smtClean="0"/>
+            <a:rPr lang="en-US" dirty="0" err="1" smtClean="0"/>
             <a:t>Automatonymous</a:t>
           </a:r>
-          <a:endParaRPr lang="en-US"/>
+          <a:endParaRPr lang="en-US" dirty="0"/>
         </a:p>
       </dgm:t>
     </dgm:pt>
@@ -4414,10 +4414,10 @@
         <a:p>
           <a:pPr rtl="0"/>
           <a:r>
-            <a:rPr lang="en-US" smtClean="0"/>
+            <a:rPr lang="en-US" dirty="0" smtClean="0"/>
             <a:t>Persistence</a:t>
           </a:r>
-          <a:endParaRPr lang="en-US"/>
+          <a:endParaRPr lang="en-US" dirty="0"/>
         </a:p>
       </dgm:t>
     </dgm:pt>
@@ -4865,7 +4865,7 @@
           <a:pPr algn="just"/>
           <a:r>
             <a:rPr lang="en-US" sz="1100" dirty="0" smtClean="0"/>
-            <a:t>Request/Reply</a:t>
+            <a:t>Request/Response</a:t>
           </a:r>
           <a:endParaRPr lang="en-US" sz="1100" dirty="0"/>
         </a:p>
@@ -6518,10 +6518,10 @@
         <a:p>
           <a:pPr rtl="0"/>
           <a:r>
-            <a:rPr lang="en-US" smtClean="0"/>
+            <a:rPr lang="en-US" dirty="0" smtClean="0"/>
             <a:t>Scalability</a:t>
           </a:r>
-          <a:endParaRPr lang="en-US"/>
+          <a:endParaRPr lang="en-US" dirty="0"/>
         </a:p>
       </dgm:t>
     </dgm:pt>
@@ -6556,10 +6556,10 @@
         <a:p>
           <a:pPr rtl="0"/>
           <a:r>
-            <a:rPr lang="en-US" smtClean="0"/>
+            <a:rPr lang="en-US" dirty="0" smtClean="0"/>
             <a:t>Resiliency</a:t>
           </a:r>
-          <a:endParaRPr lang="en-US"/>
+          <a:endParaRPr lang="en-US" dirty="0"/>
         </a:p>
       </dgm:t>
     </dgm:pt>
@@ -7149,7 +7149,7 @@
           </a:pPr>
           <a:r>
             <a:rPr lang="en-US" sz="1200" kern="1200" dirty="0" smtClean="0"/>
-            <a:t>Map</a:t>
+            <a:t>Feature Map</a:t>
           </a:r>
           <a:endParaRPr lang="en-US" sz="1200" kern="1200" dirty="0"/>
         </a:p>
@@ -7762,10 +7762,10 @@
             </a:spcAft>
           </a:pPr>
           <a:r>
-            <a:rPr lang="en-US" sz="1700" kern="1200" smtClean="0"/>
+            <a:rPr lang="en-US" sz="1700" kern="1200" dirty="0" smtClean="0"/>
             <a:t>MassTransit</a:t>
           </a:r>
-          <a:endParaRPr lang="en-US" sz="1700" kern="1200"/>
+          <a:endParaRPr lang="en-US" sz="1700" kern="1200" dirty="0"/>
         </a:p>
       </dsp:txBody>
       <dsp:txXfrm>
@@ -7944,10 +7944,10 @@
             </a:spcAft>
           </a:pPr>
           <a:r>
-            <a:rPr lang="en-US" sz="1000" kern="1200" smtClean="0"/>
+            <a:rPr lang="en-US" sz="1000" kern="1200" dirty="0" err="1" smtClean="0"/>
             <a:t>Automatonymous</a:t>
           </a:r>
-          <a:endParaRPr lang="en-US" sz="1000" kern="1200"/>
+          <a:endParaRPr lang="en-US" sz="1000" kern="1200" dirty="0"/>
         </a:p>
       </dsp:txBody>
       <dsp:txXfrm>
@@ -8854,10 +8854,10 @@
             </a:spcAft>
           </a:pPr>
           <a:r>
-            <a:rPr lang="en-US" sz="1000" kern="1200" smtClean="0"/>
+            <a:rPr lang="en-US" sz="1000" kern="1200" dirty="0" smtClean="0"/>
             <a:t>Persistence</a:t>
           </a:r>
-          <a:endParaRPr lang="en-US" sz="1000" kern="1200"/>
+          <a:endParaRPr lang="en-US" sz="1000" kern="1200" dirty="0"/>
         </a:p>
       </dsp:txBody>
       <dsp:txXfrm>
@@ -9125,7 +9125,7 @@
           </a:pPr>
           <a:r>
             <a:rPr lang="en-US" sz="1100" kern="1200" dirty="0" smtClean="0"/>
-            <a:t>Request/Reply</a:t>
+            <a:t>Request/Response</a:t>
           </a:r>
           <a:endParaRPr lang="en-US" sz="1100" kern="1200" dirty="0"/>
         </a:p>
@@ -10454,6 +10454,280 @@
       <dsp:cNvGrpSpPr/>
     </dsp:nvGrpSpPr>
     <dsp:grpSpPr/>
+    <dsp:sp modelId="{A0F3E842-599A-4864-92CF-F6ECE341B0DB}">
+      <dsp:nvSpPr>
+        <dsp:cNvPr id="0" name=""/>
+        <dsp:cNvSpPr/>
+      </dsp:nvSpPr>
+      <dsp:spPr>
+        <a:xfrm>
+          <a:off x="591502" y="0"/>
+          <a:ext cx="6703695" cy="1676401"/>
+        </a:xfrm>
+        <a:prstGeom prst="rightArrow">
+          <a:avLst/>
+        </a:prstGeom>
+        <a:solidFill>
+          <a:schemeClr val="accent1">
+            <a:tint val="40000"/>
+            <a:hueOff val="0"/>
+            <a:satOff val="0"/>
+            <a:lumOff val="0"/>
+            <a:alphaOff val="0"/>
+          </a:schemeClr>
+        </a:solidFill>
+        <a:ln>
+          <a:noFill/>
+        </a:ln>
+        <a:effectLst/>
+      </dsp:spPr>
+      <dsp:style>
+        <a:lnRef idx="0">
+          <a:scrgbClr r="0" g="0" b="0"/>
+        </a:lnRef>
+        <a:fillRef idx="1">
+          <a:scrgbClr r="0" g="0" b="0"/>
+        </a:fillRef>
+        <a:effectRef idx="0">
+          <a:scrgbClr r="0" g="0" b="0"/>
+        </a:effectRef>
+        <a:fontRef idx="minor"/>
+      </dsp:style>
+    </dsp:sp>
+    <dsp:sp modelId="{342866CA-F0D8-44E7-8258-E3DA2E7AA6A8}">
+      <dsp:nvSpPr>
+        <dsp:cNvPr id="0" name=""/>
+        <dsp:cNvSpPr/>
+      </dsp:nvSpPr>
+      <dsp:spPr>
+        <a:xfrm>
+          <a:off x="146720" y="502920"/>
+          <a:ext cx="2366010" cy="670560"/>
+        </a:xfrm>
+        <a:prstGeom prst="roundRect">
+          <a:avLst/>
+        </a:prstGeom>
+        <a:solidFill>
+          <a:schemeClr val="accent1">
+            <a:hueOff val="0"/>
+            <a:satOff val="0"/>
+            <a:lumOff val="0"/>
+            <a:alphaOff val="0"/>
+          </a:schemeClr>
+        </a:solidFill>
+        <a:ln w="12700" cap="flat" cmpd="sng" algn="ctr">
+          <a:solidFill>
+            <a:schemeClr val="lt1">
+              <a:hueOff val="0"/>
+              <a:satOff val="0"/>
+              <a:lumOff val="0"/>
+              <a:alphaOff val="0"/>
+            </a:schemeClr>
+          </a:solidFill>
+          <a:prstDash val="solid"/>
+          <a:miter lim="800000"/>
+        </a:ln>
+        <a:effectLst/>
+      </dsp:spPr>
+      <dsp:style>
+        <a:lnRef idx="2">
+          <a:scrgbClr r="0" g="0" b="0"/>
+        </a:lnRef>
+        <a:fillRef idx="1">
+          <a:scrgbClr r="0" g="0" b="0"/>
+        </a:fillRef>
+        <a:effectRef idx="0">
+          <a:scrgbClr r="0" g="0" b="0"/>
+        </a:effectRef>
+        <a:fontRef idx="minor">
+          <a:schemeClr val="lt1"/>
+        </a:fontRef>
+      </dsp:style>
+      <dsp:txBody>
+        <a:bodyPr spcFirstLastPara="0" vert="horz" wrap="square" lIns="106680" tIns="106680" rIns="106680" bIns="106680" numCol="1" spcCol="1270" anchor="ctr" anchorCtr="0">
+          <a:noAutofit/>
+        </a:bodyPr>
+        <a:lstStyle/>
+        <a:p>
+          <a:pPr lvl="0" algn="ctr" defTabSz="1244600" rtl="0">
+            <a:lnSpc>
+              <a:spcPct val="90000"/>
+            </a:lnSpc>
+            <a:spcBef>
+              <a:spcPct val="0"/>
+            </a:spcBef>
+            <a:spcAft>
+              <a:spcPct val="35000"/>
+            </a:spcAft>
+          </a:pPr>
+          <a:r>
+            <a:rPr lang="en-US" sz="2800" kern="1200" dirty="0" smtClean="0"/>
+            <a:t>Scalability</a:t>
+          </a:r>
+          <a:endParaRPr lang="en-US" sz="2800" kern="1200" dirty="0"/>
+        </a:p>
+      </dsp:txBody>
+      <dsp:txXfrm>
+        <a:off x="179454" y="535654"/>
+        <a:ext cx="2300542" cy="605092"/>
+      </dsp:txXfrm>
+    </dsp:sp>
+    <dsp:sp modelId="{83367548-E729-4911-80A0-FD21DD26C45D}">
+      <dsp:nvSpPr>
+        <dsp:cNvPr id="0" name=""/>
+        <dsp:cNvSpPr/>
+      </dsp:nvSpPr>
+      <dsp:spPr>
+        <a:xfrm>
+          <a:off x="2760344" y="502920"/>
+          <a:ext cx="2366010" cy="670560"/>
+        </a:xfrm>
+        <a:prstGeom prst="roundRect">
+          <a:avLst/>
+        </a:prstGeom>
+        <a:solidFill>
+          <a:schemeClr val="accent1">
+            <a:hueOff val="0"/>
+            <a:satOff val="0"/>
+            <a:lumOff val="0"/>
+            <a:alphaOff val="0"/>
+          </a:schemeClr>
+        </a:solidFill>
+        <a:ln w="12700" cap="flat" cmpd="sng" algn="ctr">
+          <a:solidFill>
+            <a:schemeClr val="lt1">
+              <a:hueOff val="0"/>
+              <a:satOff val="0"/>
+              <a:lumOff val="0"/>
+              <a:alphaOff val="0"/>
+            </a:schemeClr>
+          </a:solidFill>
+          <a:prstDash val="solid"/>
+          <a:miter lim="800000"/>
+        </a:ln>
+        <a:effectLst/>
+      </dsp:spPr>
+      <dsp:style>
+        <a:lnRef idx="2">
+          <a:scrgbClr r="0" g="0" b="0"/>
+        </a:lnRef>
+        <a:fillRef idx="1">
+          <a:scrgbClr r="0" g="0" b="0"/>
+        </a:fillRef>
+        <a:effectRef idx="0">
+          <a:scrgbClr r="0" g="0" b="0"/>
+        </a:effectRef>
+        <a:fontRef idx="minor">
+          <a:schemeClr val="lt1"/>
+        </a:fontRef>
+      </dsp:style>
+      <dsp:txBody>
+        <a:bodyPr spcFirstLastPara="0" vert="horz" wrap="square" lIns="106680" tIns="106680" rIns="106680" bIns="106680" numCol="1" spcCol="1270" anchor="ctr" anchorCtr="0">
+          <a:noAutofit/>
+        </a:bodyPr>
+        <a:lstStyle/>
+        <a:p>
+          <a:pPr lvl="0" algn="ctr" defTabSz="1244600" rtl="0">
+            <a:lnSpc>
+              <a:spcPct val="90000"/>
+            </a:lnSpc>
+            <a:spcBef>
+              <a:spcPct val="0"/>
+            </a:spcBef>
+            <a:spcAft>
+              <a:spcPct val="35000"/>
+            </a:spcAft>
+          </a:pPr>
+          <a:r>
+            <a:rPr lang="en-US" sz="2800" kern="1200" dirty="0" smtClean="0"/>
+            <a:t>Resiliency</a:t>
+          </a:r>
+          <a:endParaRPr lang="en-US" sz="2800" kern="1200" dirty="0"/>
+        </a:p>
+      </dsp:txBody>
+      <dsp:txXfrm>
+        <a:off x="2793078" y="535654"/>
+        <a:ext cx="2300542" cy="605092"/>
+      </dsp:txXfrm>
+    </dsp:sp>
+    <dsp:sp modelId="{2A3CF1CC-0D4F-41A5-B4D4-65597869A177}">
+      <dsp:nvSpPr>
+        <dsp:cNvPr id="0" name=""/>
+        <dsp:cNvSpPr/>
+      </dsp:nvSpPr>
+      <dsp:spPr>
+        <a:xfrm>
+          <a:off x="5373969" y="502920"/>
+          <a:ext cx="2366010" cy="670560"/>
+        </a:xfrm>
+        <a:prstGeom prst="roundRect">
+          <a:avLst/>
+        </a:prstGeom>
+        <a:solidFill>
+          <a:schemeClr val="accent1">
+            <a:hueOff val="0"/>
+            <a:satOff val="0"/>
+            <a:lumOff val="0"/>
+            <a:alphaOff val="0"/>
+          </a:schemeClr>
+        </a:solidFill>
+        <a:ln w="12700" cap="flat" cmpd="sng" algn="ctr">
+          <a:solidFill>
+            <a:schemeClr val="lt1">
+              <a:hueOff val="0"/>
+              <a:satOff val="0"/>
+              <a:lumOff val="0"/>
+              <a:alphaOff val="0"/>
+            </a:schemeClr>
+          </a:solidFill>
+          <a:prstDash val="solid"/>
+          <a:miter lim="800000"/>
+        </a:ln>
+        <a:effectLst/>
+      </dsp:spPr>
+      <dsp:style>
+        <a:lnRef idx="2">
+          <a:scrgbClr r="0" g="0" b="0"/>
+        </a:lnRef>
+        <a:fillRef idx="1">
+          <a:scrgbClr r="0" g="0" b="0"/>
+        </a:fillRef>
+        <a:effectRef idx="0">
+          <a:scrgbClr r="0" g="0" b="0"/>
+        </a:effectRef>
+        <a:fontRef idx="minor">
+          <a:schemeClr val="lt1"/>
+        </a:fontRef>
+      </dsp:style>
+      <dsp:txBody>
+        <a:bodyPr spcFirstLastPara="0" vert="horz" wrap="square" lIns="106680" tIns="106680" rIns="106680" bIns="106680" numCol="1" spcCol="1270" anchor="ctr" anchorCtr="0">
+          <a:noAutofit/>
+        </a:bodyPr>
+        <a:lstStyle/>
+        <a:p>
+          <a:pPr lvl="0" algn="ctr" defTabSz="1244600" rtl="0">
+            <a:lnSpc>
+              <a:spcPct val="90000"/>
+            </a:lnSpc>
+            <a:spcBef>
+              <a:spcPct val="0"/>
+            </a:spcBef>
+            <a:spcAft>
+              <a:spcPct val="35000"/>
+            </a:spcAft>
+          </a:pPr>
+          <a:r>
+            <a:rPr lang="en-US" sz="2800" kern="1200" dirty="0" smtClean="0"/>
+            <a:t>Cloud Support</a:t>
+          </a:r>
+          <a:endParaRPr lang="en-US" sz="2800" kern="1200" dirty="0"/>
+        </a:p>
+      </dsp:txBody>
+      <dsp:txXfrm>
+        <a:off x="5406703" y="535654"/>
+        <a:ext cx="2300542" cy="605092"/>
+      </dsp:txXfrm>
+    </dsp:sp>
   </dsp:spTree>
 </dsp:drawing>
 </file>
@@ -20184,12 +20458,8 @@
           </a:p>
           <a:p>
             <a:r>
-              <a:rPr lang="en-US" dirty="0" err="1" smtClean="0"/>
-              <a:t>RabbitMQ</a:t>
-            </a:r>
-            <a:r>
               <a:rPr lang="en-US" dirty="0" smtClean="0"/>
-              <a:t> and Azure SB</a:t>
+              <a:t>RabbitMQ and Azure SB</a:t>
             </a:r>
           </a:p>
           <a:p>
@@ -20463,13 +20733,8 @@
           <a:p>
             <a:r>
               <a:rPr lang="en-US" sz="2000" dirty="0" smtClean="0"/>
-              <a:t>Scale backend with Competing Consumers and </a:t>
+              <a:t>Scale backend with Competing Consumers and PubSub</a:t>
             </a:r>
-            <a:r>
-              <a:rPr lang="en-US" sz="2000" dirty="0" err="1" smtClean="0"/>
-              <a:t>PubSub</a:t>
-            </a:r>
-            <a:endParaRPr lang="en-US" sz="2000" dirty="0" smtClean="0"/>
           </a:p>
           <a:p>
             <a:r>
@@ -20661,7 +20926,7 @@
           <a:p>
             <a:r>
               <a:rPr lang="en-US" sz="3200" dirty="0" smtClean="0"/>
-              <a:t>				Read</a:t>
+              <a:t>				</a:t>
             </a:r>
             <a:endParaRPr lang="en-US" sz="3200" dirty="0"/>
           </a:p>
@@ -20688,39 +20953,95 @@
           <a:lstStyle/>
           <a:p>
             <a:r>
-              <a:rPr lang="en-US" sz="2000" dirty="0">
+              <a:rPr lang="en-US" sz="2000" dirty="0" smtClean="0"/>
+              <a:t>Read:</a:t>
+            </a:r>
+            <a:endParaRPr lang="en-US" sz="2000" dirty="0" smtClean="0">
+              <a:hlinkClick r:id="rId2"/>
+            </a:endParaRPr>
+          </a:p>
+          <a:p>
+            <a:pPr lvl="1"/>
+            <a:r>
+              <a:rPr lang="en-US" sz="1600" dirty="0" smtClean="0">
                 <a:hlinkClick r:id="rId2"/>
               </a:rPr>
-              <a:t>https://</a:t>
+              <a:t>https</a:t>
             </a:r>
             <a:r>
-              <a:rPr lang="en-US" sz="2000" dirty="0" smtClean="0">
+              <a:rPr lang="en-US" sz="1600" dirty="0">
+                <a:hlinkClick r:id="rId2"/>
+              </a:rPr>
+              <a:t>://</a:t>
+            </a:r>
+            <a:r>
+              <a:rPr lang="en-US" sz="1600" dirty="0" smtClean="0">
                 <a:hlinkClick r:id="rId2"/>
               </a:rPr>
               <a:t>media.readthedocs.org/pdf/masstransit/latest/masstransit.pdf</a:t>
             </a:r>
-            <a:endParaRPr lang="en-US" sz="2000" dirty="0" smtClean="0"/>
+            <a:endParaRPr lang="en-US" sz="1600" dirty="0" smtClean="0"/>
           </a:p>
           <a:p>
+            <a:pPr lvl="1"/>
             <a:r>
-              <a:rPr lang="en-US" sz="2000" dirty="0">
+              <a:rPr lang="en-US" sz="1600" dirty="0">
                 <a:hlinkClick r:id="rId3"/>
               </a:rPr>
               <a:t>https://</a:t>
             </a:r>
             <a:r>
-              <a:rPr lang="en-US" sz="2000" dirty="0" smtClean="0">
+              <a:rPr lang="en-US" sz="1600" dirty="0" smtClean="0">
                 <a:hlinkClick r:id="rId3"/>
               </a:rPr>
               <a:t>msdn.microsoft.com/en-us/library/dn600223.aspx</a:t>
             </a:r>
-            <a:endParaRPr lang="en-US" sz="2000" dirty="0" smtClean="0"/>
+            <a:endParaRPr lang="en-US" sz="1600" dirty="0" smtClean="0"/>
           </a:p>
           <a:p>
-            <a:endParaRPr lang="en-US" sz="2000" dirty="0" smtClean="0"/>
+            <a:r>
+              <a:rPr lang="en-US" sz="2000" dirty="0" smtClean="0"/>
+              <a:t>Explore:</a:t>
+            </a:r>
           </a:p>
           <a:p>
-            <a:endParaRPr lang="en-US" dirty="0"/>
+            <a:pPr lvl="1"/>
+            <a:r>
+              <a:rPr lang="en-US" sz="1600" dirty="0">
+                <a:hlinkClick r:id="rId4"/>
+              </a:rPr>
+              <a:t>https://</a:t>
+            </a:r>
+            <a:r>
+              <a:rPr lang="en-US" sz="1600" dirty="0" smtClean="0">
+                <a:hlinkClick r:id="rId4"/>
+              </a:rPr>
+              <a:t>github.com/MassTransit/MassTransit</a:t>
+            </a:r>
+            <a:endParaRPr lang="en-US" sz="1600" dirty="0" smtClean="0"/>
+          </a:p>
+          <a:p>
+            <a:pPr lvl="1"/>
+            <a:r>
+              <a:rPr lang="en-US" sz="1600" dirty="0">
+                <a:hlinkClick r:id="rId5"/>
+              </a:rPr>
+              <a:t>https://</a:t>
+            </a:r>
+            <a:r>
+              <a:rPr lang="en-US" sz="1600" dirty="0" smtClean="0">
+                <a:hlinkClick r:id="rId5"/>
+              </a:rPr>
+              <a:t>github.com/amichel/PaymentsGateway.MassTransit.Demo</a:t>
+            </a:r>
+            <a:endParaRPr lang="en-US" sz="1600" dirty="0" smtClean="0"/>
+          </a:p>
+          <a:p>
+            <a:r>
+              <a:rPr lang="en-US" sz="2000" smtClean="0"/>
+              <a:t>Hack</a:t>
+            </a:r>
+            <a:endParaRPr lang="en-US" sz="1600" dirty="0"/>
           </a:p>
         </p:txBody>
       </p:sp>
@@ -20823,7 +21144,7 @@
           <p:nvPr>
             <p:extLst>
               <p:ext uri="{D42A27DB-BD31-4B8C-83A1-F6EECF244321}">
-                <p14:modId xmlns:p14="http://schemas.microsoft.com/office/powerpoint/2010/main" val="2788770715"/>
+                <p14:modId xmlns:p14="http://schemas.microsoft.com/office/powerpoint/2010/main" val="4266517408"/>
               </p:ext>
             </p:extLst>
           </p:nvPr>
@@ -21108,118 +21429,118 @@
         </p:nvSpPr>
         <p:spPr>
           <a:xfrm>
-            <a:off x="628650" y="1375719"/>
+            <a:off x="628650" y="1101399"/>
             <a:ext cx="7886700" cy="4801244"/>
           </a:xfrm>
         </p:spPr>
         <p:txBody>
           <a:bodyPr>
-            <a:normAutofit fontScale="85000" lnSpcReduction="20000"/>
+            <a:noAutofit/>
           </a:bodyPr>
           <a:lstStyle/>
           <a:p>
             <a:r>
-              <a:rPr lang="en-US" dirty="0" smtClean="0"/>
+              <a:rPr lang="en-US" sz="1800" dirty="0" smtClean="0"/>
               <a:t>Not Scalable</a:t>
             </a:r>
           </a:p>
           <a:p>
             <a:pPr lvl="1"/>
             <a:r>
-              <a:rPr lang="en-US" dirty="0"/>
+              <a:rPr lang="en-US" sz="1800" dirty="0"/>
               <a:t>Hard to split into independent functional parts</a:t>
             </a:r>
           </a:p>
           <a:p>
             <a:pPr lvl="1"/>
             <a:r>
-              <a:rPr lang="en-US" dirty="0"/>
+              <a:rPr lang="en-US" sz="1800" dirty="0"/>
               <a:t>Impossible to scale out core </a:t>
             </a:r>
             <a:r>
-              <a:rPr lang="en-US" dirty="0" smtClean="0"/>
+              <a:rPr lang="en-US" sz="1800" dirty="0" smtClean="0"/>
               <a:t>components</a:t>
             </a:r>
           </a:p>
           <a:p>
             <a:pPr lvl="1"/>
             <a:r>
-              <a:rPr lang="en-US" dirty="0" smtClean="0"/>
+              <a:rPr lang="en-US" sz="1800" dirty="0" smtClean="0"/>
               <a:t>Parallelism and flow control through explicit low-level thread scheduling and synchronization</a:t>
             </a:r>
-            <a:endParaRPr lang="en-US" dirty="0"/>
+            <a:endParaRPr lang="en-US" sz="1800" dirty="0"/>
           </a:p>
           <a:p>
             <a:r>
-              <a:rPr lang="en-US" dirty="0" smtClean="0"/>
+              <a:rPr lang="en-US" sz="1800" dirty="0" smtClean="0"/>
               <a:t>No Resiliency</a:t>
             </a:r>
           </a:p>
           <a:p>
             <a:pPr lvl="1"/>
             <a:r>
-              <a:rPr lang="en-US" dirty="0" smtClean="0"/>
+              <a:rPr lang="en-US" sz="1800" dirty="0" smtClean="0"/>
               <a:t>Single point of failure</a:t>
             </a:r>
           </a:p>
           <a:p>
             <a:pPr lvl="1"/>
             <a:r>
-              <a:rPr lang="en-US" dirty="0" smtClean="0"/>
+              <a:rPr lang="en-US" sz="1800" dirty="0" smtClean="0"/>
               <a:t>No means of automatic failover</a:t>
             </a:r>
           </a:p>
           <a:p>
             <a:r>
-              <a:rPr lang="en-US" dirty="0" smtClean="0"/>
+              <a:rPr lang="en-US" sz="1800" dirty="0" smtClean="0"/>
               <a:t>Waste of Resources</a:t>
             </a:r>
           </a:p>
           <a:p>
             <a:pPr lvl="1"/>
             <a:r>
-              <a:rPr lang="en-US" dirty="0" smtClean="0"/>
+              <a:rPr lang="en-US" sz="1800" dirty="0" smtClean="0"/>
               <a:t>Synchronous Requests</a:t>
             </a:r>
           </a:p>
           <a:p>
             <a:pPr lvl="1"/>
             <a:r>
-              <a:rPr lang="en-US" dirty="0" smtClean="0"/>
+              <a:rPr lang="en-US" sz="1800" dirty="0" smtClean="0"/>
               <a:t>Active Connections</a:t>
             </a:r>
           </a:p>
           <a:p>
             <a:pPr lvl="1"/>
             <a:r>
-              <a:rPr lang="en-US" dirty="0" smtClean="0"/>
+              <a:rPr lang="en-US" sz="1800" dirty="0" smtClean="0"/>
               <a:t>Busy Waiting</a:t>
             </a:r>
           </a:p>
           <a:p>
             <a:pPr lvl="1"/>
             <a:r>
-              <a:rPr lang="en-US" dirty="0" smtClean="0"/>
+              <a:rPr lang="en-US" sz="1800" dirty="0" smtClean="0"/>
               <a:t>Background Threads</a:t>
             </a:r>
           </a:p>
           <a:p>
             <a:r>
-              <a:rPr lang="en-US" dirty="0" smtClean="0"/>
+              <a:rPr lang="en-US" sz="1800" dirty="0" smtClean="0"/>
               <a:t>Tight Coupling</a:t>
             </a:r>
           </a:p>
           <a:p>
             <a:pPr lvl="1"/>
             <a:r>
-              <a:rPr lang="en-US" dirty="0" smtClean="0"/>
+              <a:rPr lang="en-US" sz="1800" dirty="0" smtClean="0"/>
               <a:t>Strict Imperative Flow Control Code</a:t>
             </a:r>
           </a:p>
           <a:p>
             <a:pPr lvl="1"/>
             <a:r>
-              <a:rPr lang="en-US" dirty="0" smtClean="0"/>
+              <a:rPr lang="en-US" sz="1800" dirty="0" smtClean="0"/>
               <a:t>Components interact via interfaces/abstract classes signatures</a:t>
             </a:r>
           </a:p>
@@ -21365,7 +21686,7 @@
           <a:p>
             <a:pPr algn="ctr"/>
             <a:r>
-              <a:rPr lang="en-US" sz="3200" dirty="0" err="1" smtClean="0"/>
+              <a:rPr lang="en-US" sz="3200" dirty="0" smtClean="0"/>
               <a:t>MassTransit</a:t>
             </a:r>
             <a:endParaRPr lang="en-US" sz="3200" dirty="0"/>
@@ -21398,12 +21719,8 @@
               <a:buNone/>
             </a:pPr>
             <a:r>
-              <a:rPr lang="en-US" sz="2200" dirty="0" err="1"/>
-              <a:t>MassTransit</a:t>
-            </a:r>
-            <a:r>
               <a:rPr lang="en-US" sz="2200" dirty="0"/>
-              <a:t> is a free, open-source service bus and </a:t>
+              <a:t>MassTransit is a free, open-source service bus and </a:t>
             </a:r>
             <a:r>
               <a:rPr lang="en-US" sz="2200" dirty="0" smtClean="0"/>
@@ -21563,7 +21880,7 @@
           <a:p>
             <a:pPr algn="ctr"/>
             <a:r>
-              <a:rPr lang="en-US" sz="3200" dirty="0" err="1" smtClean="0"/>
+              <a:rPr lang="en-US" sz="3200" dirty="0" smtClean="0"/>
               <a:t>MassTransit</a:t>
             </a:r>
             <a:endParaRPr lang="en-US" sz="3200" dirty="0"/>
@@ -21628,7 +21945,7 @@
           <p:nvPr>
             <p:extLst>
               <p:ext uri="{D42A27DB-BD31-4B8C-83A1-F6EECF244321}">
-                <p14:modId xmlns:p14="http://schemas.microsoft.com/office/powerpoint/2010/main" val="804435460"/>
+                <p14:modId xmlns:p14="http://schemas.microsoft.com/office/powerpoint/2010/main" val="1444435827"/>
               </p:ext>
             </p:extLst>
           </p:nvPr>
@@ -21690,11 +22007,19 @@
             <p:ph type="title"/>
           </p:nvPr>
         </p:nvSpPr>
-        <p:spPr/>
+        <p:spPr>
+          <a:xfrm>
+            <a:off x="628650" y="365126"/>
+            <a:ext cx="7886700" cy="516323"/>
+          </a:xfrm>
+        </p:spPr>
         <p:txBody>
-          <a:bodyPr/>
+          <a:bodyPr>
+            <a:normAutofit fontScale="90000"/>
+          </a:bodyPr>
           <a:lstStyle/>
           <a:p>
+            <a:pPr algn="ctr"/>
             <a:r>
               <a:rPr lang="en-US" dirty="0" smtClean="0"/>
               <a:t>Messaging Patterns</a:t>
@@ -21713,16 +22038,23 @@
             <p:ph sz="half" idx="1"/>
           </p:nvPr>
         </p:nvSpPr>
-        <p:spPr/>
+        <p:spPr>
+          <a:xfrm>
+            <a:off x="628650" y="1496112"/>
+            <a:ext cx="7493858" cy="1939066"/>
+          </a:xfrm>
+        </p:spPr>
         <p:txBody>
-          <a:bodyPr/>
+          <a:bodyPr>
+            <a:normAutofit/>
+          </a:bodyPr>
           <a:lstStyle/>
           <a:p>
             <a:r>
-              <a:rPr lang="en-US" dirty="0" smtClean="0"/>
+              <a:rPr lang="en-US" sz="1800" dirty="0" smtClean="0"/>
               <a:t>Request/Response</a:t>
             </a:r>
-            <a:endParaRPr lang="en-US" dirty="0"/>
+            <a:endParaRPr lang="en-US" sz="1800" dirty="0"/>
           </a:p>
         </p:txBody>
       </p:sp>
@@ -21736,16 +22068,21 @@
             <p:ph sz="half" idx="2"/>
           </p:nvPr>
         </p:nvSpPr>
-        <p:spPr/>
+        <p:spPr>
+          <a:xfrm>
+            <a:off x="628650" y="3753279"/>
+            <a:ext cx="3886200" cy="2520000"/>
+          </a:xfrm>
+        </p:spPr>
         <p:txBody>
           <a:bodyPr/>
           <a:lstStyle/>
           <a:p>
             <a:r>
-              <a:rPr lang="en-US" dirty="0" smtClean="0"/>
+              <a:rPr lang="en-US" sz="1800" dirty="0" smtClean="0"/>
               <a:t>Publish/Subscribe</a:t>
             </a:r>
-            <a:endParaRPr lang="en-US" dirty="0"/>
+            <a:endParaRPr lang="en-US" sz="1800" dirty="0"/>
           </a:p>
         </p:txBody>
       </p:sp>
@@ -21771,6 +22108,710 @@
               <a:t>7</a:t>
             </a:fld>
             <a:endParaRPr lang="en-US" dirty="0"/>
+          </a:p>
+        </p:txBody>
+      </p:sp>
+      <p:sp>
+        <p:nvSpPr>
+          <p:cNvPr id="10" name="Rounded Rectangle 9"/>
+          <p:cNvSpPr/>
+          <p:nvPr/>
+        </p:nvSpPr>
+        <p:spPr>
+          <a:xfrm>
+            <a:off x="628650" y="2410128"/>
+            <a:ext cx="1062681" cy="617838"/>
+          </a:xfrm>
+          <a:prstGeom prst="roundRect">
+            <a:avLst/>
+          </a:prstGeom>
+        </p:spPr>
+        <p:style>
+          <a:lnRef idx="2">
+            <a:schemeClr val="accent1">
+              <a:shade val="50000"/>
+            </a:schemeClr>
+          </a:lnRef>
+          <a:fillRef idx="1">
+            <a:schemeClr val="accent1"/>
+          </a:fillRef>
+          <a:effectRef idx="0">
+            <a:schemeClr val="accent1"/>
+          </a:effectRef>
+          <a:fontRef idx="minor">
+            <a:schemeClr val="lt1"/>
+          </a:fontRef>
+        </p:style>
+        <p:txBody>
+          <a:bodyPr rtlCol="0" anchor="ctr"/>
+          <a:lstStyle/>
+          <a:p>
+            <a:pPr algn="ctr"/>
+            <a:r>
+              <a:rPr lang="en-US" sz="1200" dirty="0" smtClean="0"/>
+              <a:t>Requestor</a:t>
+            </a:r>
+            <a:endParaRPr lang="en-US" sz="1200" dirty="0"/>
+          </a:p>
+        </p:txBody>
+      </p:sp>
+      <p:sp>
+        <p:nvSpPr>
+          <p:cNvPr id="11" name="Flowchart: Direct Access Storage 10"/>
+          <p:cNvSpPr/>
+          <p:nvPr/>
+        </p:nvSpPr>
+        <p:spPr>
+          <a:xfrm>
+            <a:off x="2506877" y="2251979"/>
+            <a:ext cx="1161535" cy="308919"/>
+          </a:xfrm>
+          <a:prstGeom prst="flowChartMagneticDrum">
+            <a:avLst/>
+          </a:prstGeom>
+        </p:spPr>
+        <p:style>
+          <a:lnRef idx="2">
+            <a:schemeClr val="accent6">
+              <a:shade val="50000"/>
+            </a:schemeClr>
+          </a:lnRef>
+          <a:fillRef idx="1">
+            <a:schemeClr val="accent6"/>
+          </a:fillRef>
+          <a:effectRef idx="0">
+            <a:schemeClr val="accent6"/>
+          </a:effectRef>
+          <a:fontRef idx="minor">
+            <a:schemeClr val="lt1"/>
+          </a:fontRef>
+        </p:style>
+        <p:txBody>
+          <a:bodyPr rtlCol="0" anchor="ctr"/>
+          <a:lstStyle/>
+          <a:p>
+            <a:pPr algn="ctr"/>
+            <a:r>
+              <a:rPr lang="en-US" sz="900" dirty="0" smtClean="0"/>
+              <a:t>Request Queue</a:t>
+            </a:r>
+            <a:endParaRPr lang="en-US" sz="900" dirty="0"/>
+          </a:p>
+        </p:txBody>
+      </p:sp>
+      <p:sp>
+        <p:nvSpPr>
+          <p:cNvPr id="12" name="Rounded Rectangle 11"/>
+          <p:cNvSpPr/>
+          <p:nvPr/>
+        </p:nvSpPr>
+        <p:spPr>
+          <a:xfrm>
+            <a:off x="4308644" y="2363189"/>
+            <a:ext cx="1062681" cy="617838"/>
+          </a:xfrm>
+          <a:prstGeom prst="roundRect">
+            <a:avLst/>
+          </a:prstGeom>
+        </p:spPr>
+        <p:style>
+          <a:lnRef idx="2">
+            <a:schemeClr val="accent1">
+              <a:shade val="50000"/>
+            </a:schemeClr>
+          </a:lnRef>
+          <a:fillRef idx="1">
+            <a:schemeClr val="accent1"/>
+          </a:fillRef>
+          <a:effectRef idx="0">
+            <a:schemeClr val="accent1"/>
+          </a:effectRef>
+          <a:fontRef idx="minor">
+            <a:schemeClr val="lt1"/>
+          </a:fontRef>
+        </p:style>
+        <p:txBody>
+          <a:bodyPr rtlCol="0" anchor="ctr"/>
+          <a:lstStyle/>
+          <a:p>
+            <a:pPr algn="ctr"/>
+            <a:r>
+              <a:rPr lang="en-US" sz="1200" dirty="0" smtClean="0"/>
+              <a:t>Responder</a:t>
+            </a:r>
+            <a:endParaRPr lang="en-US" sz="1200" dirty="0"/>
+          </a:p>
+        </p:txBody>
+      </p:sp>
+      <p:cxnSp>
+        <p:nvCxnSpPr>
+          <p:cNvPr id="13" name="Straight Arrow Connector 12"/>
+          <p:cNvCxnSpPr>
+            <a:stCxn id="10" idx="3"/>
+            <a:endCxn id="11" idx="1"/>
+          </p:cNvCxnSpPr>
+          <p:nvPr/>
+        </p:nvCxnSpPr>
+        <p:spPr>
+          <a:xfrm flipV="1">
+            <a:off x="1691331" y="2406439"/>
+            <a:ext cx="815546" cy="312608"/>
+          </a:xfrm>
+          <a:prstGeom prst="straightConnector1">
+            <a:avLst/>
+          </a:prstGeom>
+          <a:ln>
+            <a:tailEnd type="triangle"/>
+          </a:ln>
+        </p:spPr>
+        <p:style>
+          <a:lnRef idx="2">
+            <a:schemeClr val="accent6">
+              <a:shade val="50000"/>
+            </a:schemeClr>
+          </a:lnRef>
+          <a:fillRef idx="1">
+            <a:schemeClr val="accent6"/>
+          </a:fillRef>
+          <a:effectRef idx="0">
+            <a:schemeClr val="accent6"/>
+          </a:effectRef>
+          <a:fontRef idx="minor">
+            <a:schemeClr val="lt1"/>
+          </a:fontRef>
+        </p:style>
+      </p:cxnSp>
+      <p:cxnSp>
+        <p:nvCxnSpPr>
+          <p:cNvPr id="14" name="Straight Arrow Connector 13"/>
+          <p:cNvCxnSpPr>
+            <a:stCxn id="11" idx="4"/>
+            <a:endCxn id="12" idx="1"/>
+          </p:cNvCxnSpPr>
+          <p:nvPr/>
+        </p:nvCxnSpPr>
+        <p:spPr>
+          <a:xfrm>
+            <a:off x="3668412" y="2406439"/>
+            <a:ext cx="640232" cy="265669"/>
+          </a:xfrm>
+          <a:prstGeom prst="straightConnector1">
+            <a:avLst/>
+          </a:prstGeom>
+          <a:ln>
+            <a:tailEnd type="triangle"/>
+          </a:ln>
+        </p:spPr>
+        <p:style>
+          <a:lnRef idx="2">
+            <a:schemeClr val="accent6">
+              <a:shade val="50000"/>
+            </a:schemeClr>
+          </a:lnRef>
+          <a:fillRef idx="1">
+            <a:schemeClr val="accent6"/>
+          </a:fillRef>
+          <a:effectRef idx="0">
+            <a:schemeClr val="accent6"/>
+          </a:effectRef>
+          <a:fontRef idx="minor">
+            <a:schemeClr val="lt1"/>
+          </a:fontRef>
+        </p:style>
+      </p:cxnSp>
+      <p:cxnSp>
+        <p:nvCxnSpPr>
+          <p:cNvPr id="15" name="Straight Arrow Connector 14"/>
+          <p:cNvCxnSpPr>
+            <a:stCxn id="12" idx="1"/>
+          </p:cNvCxnSpPr>
+          <p:nvPr/>
+        </p:nvCxnSpPr>
+        <p:spPr>
+          <a:xfrm flipH="1">
+            <a:off x="3495417" y="2672108"/>
+            <a:ext cx="813227" cy="467069"/>
+          </a:xfrm>
+          <a:prstGeom prst="straightConnector1">
+            <a:avLst/>
+          </a:prstGeom>
+          <a:ln>
+            <a:tailEnd type="triangle"/>
+          </a:ln>
+        </p:spPr>
+        <p:style>
+          <a:lnRef idx="2">
+            <a:schemeClr val="accent6">
+              <a:shade val="50000"/>
+            </a:schemeClr>
+          </a:lnRef>
+          <a:fillRef idx="1">
+            <a:schemeClr val="accent6"/>
+          </a:fillRef>
+          <a:effectRef idx="0">
+            <a:schemeClr val="accent6"/>
+          </a:effectRef>
+          <a:fontRef idx="minor">
+            <a:schemeClr val="lt1"/>
+          </a:fontRef>
+        </p:style>
+      </p:cxnSp>
+      <p:cxnSp>
+        <p:nvCxnSpPr>
+          <p:cNvPr id="16" name="Straight Arrow Connector 15"/>
+          <p:cNvCxnSpPr>
+            <a:endCxn id="10" idx="3"/>
+          </p:cNvCxnSpPr>
+          <p:nvPr/>
+        </p:nvCxnSpPr>
+        <p:spPr>
+          <a:xfrm flipH="1" flipV="1">
+            <a:off x="1691331" y="2719047"/>
+            <a:ext cx="815546" cy="420130"/>
+          </a:xfrm>
+          <a:prstGeom prst="straightConnector1">
+            <a:avLst/>
+          </a:prstGeom>
+          <a:ln>
+            <a:tailEnd type="triangle"/>
+          </a:ln>
+        </p:spPr>
+        <p:style>
+          <a:lnRef idx="2">
+            <a:schemeClr val="accent6">
+              <a:shade val="50000"/>
+            </a:schemeClr>
+          </a:lnRef>
+          <a:fillRef idx="1">
+            <a:schemeClr val="accent6"/>
+          </a:fillRef>
+          <a:effectRef idx="0">
+            <a:schemeClr val="accent6"/>
+          </a:effectRef>
+          <a:fontRef idx="minor">
+            <a:schemeClr val="lt1"/>
+          </a:fontRef>
+        </p:style>
+      </p:cxnSp>
+      <p:sp>
+        <p:nvSpPr>
+          <p:cNvPr id="17" name="Flowchart: Direct Access Storage 16"/>
+          <p:cNvSpPr/>
+          <p:nvPr/>
+        </p:nvSpPr>
+        <p:spPr>
+          <a:xfrm>
+            <a:off x="2506877" y="2988407"/>
+            <a:ext cx="1161535" cy="308919"/>
+          </a:xfrm>
+          <a:prstGeom prst="flowChartMagneticDrum">
+            <a:avLst/>
+          </a:prstGeom>
+        </p:spPr>
+        <p:style>
+          <a:lnRef idx="2">
+            <a:schemeClr val="accent6">
+              <a:shade val="50000"/>
+            </a:schemeClr>
+          </a:lnRef>
+          <a:fillRef idx="1">
+            <a:schemeClr val="accent6"/>
+          </a:fillRef>
+          <a:effectRef idx="0">
+            <a:schemeClr val="accent6"/>
+          </a:effectRef>
+          <a:fontRef idx="minor">
+            <a:schemeClr val="lt1"/>
+          </a:fontRef>
+        </p:style>
+        <p:txBody>
+          <a:bodyPr rtlCol="0" anchor="ctr"/>
+          <a:lstStyle/>
+          <a:p>
+            <a:pPr algn="ctr"/>
+            <a:r>
+              <a:rPr lang="en-US" sz="900" dirty="0" smtClean="0"/>
+              <a:t>Reply</a:t>
+            </a:r>
+          </a:p>
+          <a:p>
+            <a:pPr algn="ctr"/>
+            <a:r>
+              <a:rPr lang="en-US" sz="900" dirty="0" smtClean="0"/>
+              <a:t>Queue</a:t>
+            </a:r>
+            <a:endParaRPr lang="en-US" sz="900" dirty="0"/>
+          </a:p>
+        </p:txBody>
+      </p:sp>
+      <p:sp>
+        <p:nvSpPr>
+          <p:cNvPr id="18" name="Rounded Rectangle 17"/>
+          <p:cNvSpPr/>
+          <p:nvPr/>
+        </p:nvSpPr>
+        <p:spPr>
+          <a:xfrm>
+            <a:off x="628650" y="4769708"/>
+            <a:ext cx="1062681" cy="617838"/>
+          </a:xfrm>
+          <a:prstGeom prst="roundRect">
+            <a:avLst/>
+          </a:prstGeom>
+        </p:spPr>
+        <p:style>
+          <a:lnRef idx="2">
+            <a:schemeClr val="accent1">
+              <a:shade val="50000"/>
+            </a:schemeClr>
+          </a:lnRef>
+          <a:fillRef idx="1">
+            <a:schemeClr val="accent1"/>
+          </a:fillRef>
+          <a:effectRef idx="0">
+            <a:schemeClr val="accent1"/>
+          </a:effectRef>
+          <a:fontRef idx="minor">
+            <a:schemeClr val="lt1"/>
+          </a:fontRef>
+        </p:style>
+        <p:txBody>
+          <a:bodyPr rtlCol="0" anchor="ctr"/>
+          <a:lstStyle/>
+          <a:p>
+            <a:pPr algn="ctr"/>
+            <a:r>
+              <a:rPr lang="en-US" sz="1200" dirty="0" smtClean="0"/>
+              <a:t>Publisher</a:t>
+            </a:r>
+            <a:endParaRPr lang="en-US" sz="1200" dirty="0"/>
+          </a:p>
+        </p:txBody>
+      </p:sp>
+      <p:sp>
+        <p:nvSpPr>
+          <p:cNvPr id="19" name="Flowchart: Direct Access Storage 18"/>
+          <p:cNvSpPr/>
+          <p:nvPr/>
+        </p:nvSpPr>
+        <p:spPr>
+          <a:xfrm>
+            <a:off x="2506877" y="4611559"/>
+            <a:ext cx="1161535" cy="308919"/>
+          </a:xfrm>
+          <a:prstGeom prst="flowChartMagneticDrum">
+            <a:avLst/>
+          </a:prstGeom>
+        </p:spPr>
+        <p:style>
+          <a:lnRef idx="2">
+            <a:schemeClr val="accent6">
+              <a:shade val="50000"/>
+            </a:schemeClr>
+          </a:lnRef>
+          <a:fillRef idx="1">
+            <a:schemeClr val="accent6"/>
+          </a:fillRef>
+          <a:effectRef idx="0">
+            <a:schemeClr val="accent6"/>
+          </a:effectRef>
+          <a:fontRef idx="minor">
+            <a:schemeClr val="lt1"/>
+          </a:fontRef>
+        </p:style>
+        <p:txBody>
+          <a:bodyPr rtlCol="0" anchor="ctr"/>
+          <a:lstStyle/>
+          <a:p>
+            <a:pPr algn="ctr"/>
+            <a:r>
+              <a:rPr lang="en-US" sz="900" dirty="0" smtClean="0"/>
+              <a:t>Queue</a:t>
+            </a:r>
+            <a:endParaRPr lang="en-US" sz="900" dirty="0"/>
+          </a:p>
+        </p:txBody>
+      </p:sp>
+      <p:sp>
+        <p:nvSpPr>
+          <p:cNvPr id="20" name="Rounded Rectangle 19"/>
+          <p:cNvSpPr/>
+          <p:nvPr/>
+        </p:nvSpPr>
+        <p:spPr>
+          <a:xfrm>
+            <a:off x="4308644" y="4457100"/>
+            <a:ext cx="1062681" cy="617838"/>
+          </a:xfrm>
+          <a:prstGeom prst="roundRect">
+            <a:avLst/>
+          </a:prstGeom>
+        </p:spPr>
+        <p:style>
+          <a:lnRef idx="2">
+            <a:schemeClr val="accent1">
+              <a:shade val="50000"/>
+            </a:schemeClr>
+          </a:lnRef>
+          <a:fillRef idx="1">
+            <a:schemeClr val="accent1"/>
+          </a:fillRef>
+          <a:effectRef idx="0">
+            <a:schemeClr val="accent1"/>
+          </a:effectRef>
+          <a:fontRef idx="minor">
+            <a:schemeClr val="lt1"/>
+          </a:fontRef>
+        </p:style>
+        <p:txBody>
+          <a:bodyPr rtlCol="0" anchor="ctr"/>
+          <a:lstStyle/>
+          <a:p>
+            <a:pPr algn="ctr"/>
+            <a:r>
+              <a:rPr lang="en-US" sz="1200" dirty="0" smtClean="0"/>
+              <a:t>Subscriber</a:t>
+            </a:r>
+            <a:endParaRPr lang="en-US" sz="1200" dirty="0"/>
+          </a:p>
+        </p:txBody>
+      </p:sp>
+      <p:cxnSp>
+        <p:nvCxnSpPr>
+          <p:cNvPr id="21" name="Straight Arrow Connector 20"/>
+          <p:cNvCxnSpPr>
+            <a:stCxn id="18" idx="3"/>
+            <a:endCxn id="19" idx="1"/>
+          </p:cNvCxnSpPr>
+          <p:nvPr/>
+        </p:nvCxnSpPr>
+        <p:spPr>
+          <a:xfrm flipV="1">
+            <a:off x="1691331" y="4766019"/>
+            <a:ext cx="815546" cy="312608"/>
+          </a:xfrm>
+          <a:prstGeom prst="straightConnector1">
+            <a:avLst/>
+          </a:prstGeom>
+          <a:ln>
+            <a:tailEnd type="triangle"/>
+          </a:ln>
+        </p:spPr>
+        <p:style>
+          <a:lnRef idx="2">
+            <a:schemeClr val="accent6">
+              <a:shade val="50000"/>
+            </a:schemeClr>
+          </a:lnRef>
+          <a:fillRef idx="1">
+            <a:schemeClr val="accent6"/>
+          </a:fillRef>
+          <a:effectRef idx="0">
+            <a:schemeClr val="accent6"/>
+          </a:effectRef>
+          <a:fontRef idx="minor">
+            <a:schemeClr val="lt1"/>
+          </a:fontRef>
+        </p:style>
+      </p:cxnSp>
+      <p:cxnSp>
+        <p:nvCxnSpPr>
+          <p:cNvPr id="22" name="Straight Arrow Connector 21"/>
+          <p:cNvCxnSpPr>
+            <a:stCxn id="19" idx="4"/>
+            <a:endCxn id="20" idx="1"/>
+          </p:cNvCxnSpPr>
+          <p:nvPr/>
+        </p:nvCxnSpPr>
+        <p:spPr>
+          <a:xfrm>
+            <a:off x="3668412" y="4766019"/>
+            <a:ext cx="640232" cy="0"/>
+          </a:xfrm>
+          <a:prstGeom prst="straightConnector1">
+            <a:avLst/>
+          </a:prstGeom>
+          <a:ln>
+            <a:tailEnd type="triangle"/>
+          </a:ln>
+        </p:spPr>
+        <p:style>
+          <a:lnRef idx="2">
+            <a:schemeClr val="accent6">
+              <a:shade val="50000"/>
+            </a:schemeClr>
+          </a:lnRef>
+          <a:fillRef idx="1">
+            <a:schemeClr val="accent6"/>
+          </a:fillRef>
+          <a:effectRef idx="0">
+            <a:schemeClr val="accent6"/>
+          </a:effectRef>
+          <a:fontRef idx="minor">
+            <a:schemeClr val="lt1"/>
+          </a:fontRef>
+        </p:style>
+      </p:cxnSp>
+      <p:cxnSp>
+        <p:nvCxnSpPr>
+          <p:cNvPr id="23" name="Straight Arrow Connector 22"/>
+          <p:cNvCxnSpPr>
+            <a:endCxn id="29" idx="1"/>
+          </p:cNvCxnSpPr>
+          <p:nvPr/>
+        </p:nvCxnSpPr>
+        <p:spPr>
+          <a:xfrm flipV="1">
+            <a:off x="3668412" y="5502446"/>
+            <a:ext cx="640232" cy="1"/>
+          </a:xfrm>
+          <a:prstGeom prst="straightConnector1">
+            <a:avLst/>
+          </a:prstGeom>
+          <a:ln>
+            <a:tailEnd type="triangle"/>
+          </a:ln>
+        </p:spPr>
+        <p:style>
+          <a:lnRef idx="2">
+            <a:schemeClr val="accent6">
+              <a:shade val="50000"/>
+            </a:schemeClr>
+          </a:lnRef>
+          <a:fillRef idx="1">
+            <a:schemeClr val="accent6"/>
+          </a:fillRef>
+          <a:effectRef idx="0">
+            <a:schemeClr val="accent6"/>
+          </a:effectRef>
+          <a:fontRef idx="minor">
+            <a:schemeClr val="lt1"/>
+          </a:fontRef>
+        </p:style>
+      </p:cxnSp>
+      <p:cxnSp>
+        <p:nvCxnSpPr>
+          <p:cNvPr id="24" name="Straight Arrow Connector 23"/>
+          <p:cNvCxnSpPr>
+            <a:stCxn id="18" idx="3"/>
+            <a:endCxn id="25" idx="1"/>
+          </p:cNvCxnSpPr>
+          <p:nvPr/>
+        </p:nvCxnSpPr>
+        <p:spPr>
+          <a:xfrm>
+            <a:off x="1691331" y="5078627"/>
+            <a:ext cx="815546" cy="423820"/>
+          </a:xfrm>
+          <a:prstGeom prst="straightConnector1">
+            <a:avLst/>
+          </a:prstGeom>
+          <a:ln>
+            <a:tailEnd type="triangle"/>
+          </a:ln>
+        </p:spPr>
+        <p:style>
+          <a:lnRef idx="2">
+            <a:schemeClr val="accent6">
+              <a:shade val="50000"/>
+            </a:schemeClr>
+          </a:lnRef>
+          <a:fillRef idx="1">
+            <a:schemeClr val="accent6"/>
+          </a:fillRef>
+          <a:effectRef idx="0">
+            <a:schemeClr val="accent6"/>
+          </a:effectRef>
+          <a:fontRef idx="minor">
+            <a:schemeClr val="lt1"/>
+          </a:fontRef>
+        </p:style>
+      </p:cxnSp>
+      <p:sp>
+        <p:nvSpPr>
+          <p:cNvPr id="25" name="Flowchart: Direct Access Storage 24"/>
+          <p:cNvSpPr/>
+          <p:nvPr/>
+        </p:nvSpPr>
+        <p:spPr>
+          <a:xfrm>
+            <a:off x="2506877" y="5347987"/>
+            <a:ext cx="1161535" cy="308919"/>
+          </a:xfrm>
+          <a:prstGeom prst="flowChartMagneticDrum">
+            <a:avLst/>
+          </a:prstGeom>
+        </p:spPr>
+        <p:style>
+          <a:lnRef idx="2">
+            <a:schemeClr val="accent6">
+              <a:shade val="50000"/>
+            </a:schemeClr>
+          </a:lnRef>
+          <a:fillRef idx="1">
+            <a:schemeClr val="accent6"/>
+          </a:fillRef>
+          <a:effectRef idx="0">
+            <a:schemeClr val="accent6"/>
+          </a:effectRef>
+          <a:fontRef idx="minor">
+            <a:schemeClr val="lt1"/>
+          </a:fontRef>
+        </p:style>
+        <p:txBody>
+          <a:bodyPr rtlCol="0" anchor="ctr"/>
+          <a:lstStyle/>
+          <a:p>
+            <a:pPr algn="ctr"/>
+            <a:r>
+              <a:rPr lang="en-US" sz="900" dirty="0" smtClean="0"/>
+              <a:t>Queue</a:t>
+            </a:r>
+            <a:endParaRPr lang="en-US" sz="900" dirty="0"/>
+          </a:p>
+        </p:txBody>
+      </p:sp>
+      <p:sp>
+        <p:nvSpPr>
+          <p:cNvPr id="29" name="Rounded Rectangle 28"/>
+          <p:cNvSpPr/>
+          <p:nvPr/>
+        </p:nvSpPr>
+        <p:spPr>
+          <a:xfrm>
+            <a:off x="4308644" y="5193527"/>
+            <a:ext cx="1062681" cy="617838"/>
+          </a:xfrm>
+          <a:prstGeom prst="roundRect">
+            <a:avLst/>
+          </a:prstGeom>
+        </p:spPr>
+        <p:style>
+          <a:lnRef idx="2">
+            <a:schemeClr val="accent1">
+              <a:shade val="50000"/>
+            </a:schemeClr>
+          </a:lnRef>
+          <a:fillRef idx="1">
+            <a:schemeClr val="accent1"/>
+          </a:fillRef>
+          <a:effectRef idx="0">
+            <a:schemeClr val="accent1"/>
+          </a:effectRef>
+          <a:fontRef idx="minor">
+            <a:schemeClr val="lt1"/>
+          </a:fontRef>
+        </p:style>
+        <p:txBody>
+          <a:bodyPr rtlCol="0" anchor="ctr"/>
+          <a:lstStyle/>
+          <a:p>
+            <a:pPr algn="ctr"/>
+            <a:r>
+              <a:rPr lang="en-US" sz="1200" dirty="0" smtClean="0"/>
+              <a:t>Subscriber</a:t>
+            </a:r>
+            <a:endParaRPr lang="en-US" sz="1200" dirty="0"/>
           </a:p>
         </p:txBody>
       </p:sp>
@@ -21821,14 +22862,22 @@
             <p:ph type="title"/>
           </p:nvPr>
         </p:nvSpPr>
-        <p:spPr/>
+        <p:spPr>
+          <a:xfrm>
+            <a:off x="1169772" y="365126"/>
+            <a:ext cx="7345577" cy="590463"/>
+          </a:xfrm>
+        </p:spPr>
         <p:txBody>
-          <a:bodyPr/>
+          <a:bodyPr>
+            <a:normAutofit fontScale="90000"/>
+          </a:bodyPr>
           <a:lstStyle/>
           <a:p>
+            <a:pPr algn="ctr"/>
             <a:r>
               <a:rPr lang="en-US" dirty="0" smtClean="0"/>
-              <a:t>Messaging Patterns</a:t>
+              <a:t>       Messaging Patterns</a:t>
             </a:r>
             <a:endParaRPr lang="en-US" dirty="0"/>
           </a:p>
@@ -21841,19 +22890,121 @@
             <a:spLocks noGrp="1"/>
           </p:cNvSpPr>
           <p:nvPr>
-            <p:ph idx="1"/>
+            <p:ph sz="half" idx="1"/>
           </p:nvPr>
         </p:nvSpPr>
-        <p:spPr/>
+        <p:spPr>
+          <a:xfrm>
+            <a:off x="628648" y="1578750"/>
+            <a:ext cx="7772401" cy="672549"/>
+          </a:xfrm>
+        </p:spPr>
         <p:txBody>
-          <a:bodyPr/>
+          <a:bodyPr>
+            <a:normAutofit fontScale="47500" lnSpcReduction="20000"/>
+          </a:bodyPr>
           <a:lstStyle/>
           <a:p>
+            <a:pPr marL="0" indent="0">
+              <a:buNone/>
+            </a:pPr>
             <a:r>
               <a:rPr lang="en-US" dirty="0" smtClean="0"/>
-              <a:t>Saga</a:t>
+              <a:t>“A Saga is a Long Lived Transaction that can be written as a sequence of transactions that can be interleaved.</a:t>
             </a:r>
+          </a:p>
+          <a:p>
+            <a:pPr marL="0" indent="0">
+              <a:buNone/>
+            </a:pPr>
+            <a:r>
+              <a:rPr lang="en-US" dirty="0"/>
+              <a:t>T</a:t>
+            </a:r>
+            <a:r>
+              <a:rPr lang="en-US" dirty="0" smtClean="0"/>
+              <a:t>ransactions in the sequence complete successfully or compensating transactions are ran to amend partial execution.”</a:t>
+            </a:r>
+          </a:p>
+          <a:p>
+            <a:pPr marL="0" indent="0">
+              <a:buNone/>
+            </a:pPr>
+            <a:endParaRPr lang="en-US" dirty="0" smtClean="0"/>
+          </a:p>
+          <a:p>
+            <a:pPr marL="0" indent="0">
+              <a:buNone/>
+            </a:pPr>
             <a:endParaRPr lang="en-US" dirty="0"/>
+          </a:p>
+        </p:txBody>
+      </p:sp>
+      <p:sp>
+        <p:nvSpPr>
+          <p:cNvPr id="8" name="Content Placeholder 7"/>
+          <p:cNvSpPr>
+            <a:spLocks noGrp="1"/>
+          </p:cNvSpPr>
+          <p:nvPr>
+            <p:ph sz="half" idx="2"/>
+          </p:nvPr>
+        </p:nvSpPr>
+        <p:spPr>
+          <a:xfrm>
+            <a:off x="628648" y="2370139"/>
+            <a:ext cx="7502098" cy="1252824"/>
+          </a:xfrm>
+        </p:spPr>
+        <p:txBody>
+          <a:bodyPr>
+            <a:normAutofit fontScale="47500" lnSpcReduction="20000"/>
+          </a:bodyPr>
+          <a:lstStyle/>
+          <a:p>
+            <a:pPr marL="0" indent="0">
+              <a:buNone/>
+            </a:pPr>
+            <a:r>
+              <a:rPr lang="en-US" dirty="0" smtClean="0"/>
+              <a:t>Distributed Sagas in MassTransit can be implemented with custom logic or using </a:t>
+            </a:r>
+            <a:r>
+              <a:rPr lang="en-US" dirty="0" err="1" smtClean="0"/>
+              <a:t>Automatonymous</a:t>
+            </a:r>
+            <a:r>
+              <a:rPr lang="en-US" dirty="0" smtClean="0"/>
+              <a:t> state machine, which is now part of the core project. </a:t>
+            </a:r>
+          </a:p>
+          <a:p>
+            <a:pPr marL="0" indent="0">
+              <a:buNone/>
+            </a:pPr>
+            <a:r>
+              <a:rPr lang="en-US" dirty="0" smtClean="0"/>
+              <a:t>MassTransit takes care of correlation, transport bindings, compensations, timeouts, faults, persistency, state machine execution.</a:t>
+            </a:r>
+          </a:p>
+          <a:p>
+            <a:pPr marL="0" indent="0">
+              <a:buNone/>
+            </a:pPr>
+            <a:r>
+              <a:rPr lang="en-US" dirty="0" smtClean="0"/>
+              <a:t>Using MassTransit Saga one can implement </a:t>
+            </a:r>
+            <a:r>
+              <a:rPr lang="en-US" dirty="0"/>
+              <a:t>classical Saga - a sequence of transactions and compensations as well as other patterns like Process Manager or other models of distributed flow coordination.</a:t>
+            </a:r>
+          </a:p>
+          <a:p>
+            <a:pPr marL="0" indent="0">
+              <a:buNone/>
+            </a:pPr>
+            <a:endParaRPr lang="en-US" dirty="0" smtClean="0"/>
           </a:p>
         </p:txBody>
       </p:sp>
@@ -21878,6 +23029,708 @@
               <a:pPr algn="l"/>
               <a:t>8</a:t>
             </a:fld>
+            <a:endParaRPr lang="en-US" dirty="0"/>
+          </a:p>
+        </p:txBody>
+      </p:sp>
+      <p:sp>
+        <p:nvSpPr>
+          <p:cNvPr id="9" name="Rounded Rectangle 8"/>
+          <p:cNvSpPr/>
+          <p:nvPr/>
+        </p:nvSpPr>
+        <p:spPr>
+          <a:xfrm>
+            <a:off x="1466335" y="4360288"/>
+            <a:ext cx="1062681" cy="617838"/>
+          </a:xfrm>
+          <a:prstGeom prst="roundRect">
+            <a:avLst/>
+          </a:prstGeom>
+        </p:spPr>
+        <p:style>
+          <a:lnRef idx="2">
+            <a:schemeClr val="accent1">
+              <a:shade val="50000"/>
+            </a:schemeClr>
+          </a:lnRef>
+          <a:fillRef idx="1">
+            <a:schemeClr val="accent1"/>
+          </a:fillRef>
+          <a:effectRef idx="0">
+            <a:schemeClr val="accent1"/>
+          </a:effectRef>
+          <a:fontRef idx="minor">
+            <a:schemeClr val="lt1"/>
+          </a:fontRef>
+        </p:style>
+        <p:txBody>
+          <a:bodyPr rtlCol="0" anchor="ctr"/>
+          <a:lstStyle/>
+          <a:p>
+            <a:pPr algn="ctr"/>
+            <a:r>
+              <a:rPr lang="en-US" sz="1200" dirty="0" smtClean="0"/>
+              <a:t>T</a:t>
+            </a:r>
+            <a:r>
+              <a:rPr lang="en-US" sz="1200" baseline="-25000" dirty="0" smtClean="0"/>
+              <a:t>1</a:t>
+            </a:r>
+            <a:endParaRPr lang="en-US" sz="1200" dirty="0"/>
+          </a:p>
+        </p:txBody>
+      </p:sp>
+      <p:sp>
+        <p:nvSpPr>
+          <p:cNvPr id="31" name="Flowchart: Connector 30"/>
+          <p:cNvSpPr/>
+          <p:nvPr/>
+        </p:nvSpPr>
+        <p:spPr>
+          <a:xfrm>
+            <a:off x="727708" y="4566235"/>
+            <a:ext cx="186898" cy="205946"/>
+          </a:xfrm>
+          <a:prstGeom prst="flowChartConnector">
+            <a:avLst/>
+          </a:prstGeom>
+        </p:spPr>
+        <p:style>
+          <a:lnRef idx="2">
+            <a:schemeClr val="accent1">
+              <a:shade val="50000"/>
+            </a:schemeClr>
+          </a:lnRef>
+          <a:fillRef idx="1">
+            <a:schemeClr val="accent1"/>
+          </a:fillRef>
+          <a:effectRef idx="0">
+            <a:schemeClr val="accent1"/>
+          </a:effectRef>
+          <a:fontRef idx="minor">
+            <a:schemeClr val="lt1"/>
+          </a:fontRef>
+        </p:style>
+        <p:txBody>
+          <a:bodyPr rtlCol="0" anchor="ctr"/>
+          <a:lstStyle/>
+          <a:p>
+            <a:pPr algn="ctr"/>
+            <a:endParaRPr lang="en-US"/>
+          </a:p>
+        </p:txBody>
+      </p:sp>
+      <p:cxnSp>
+        <p:nvCxnSpPr>
+          <p:cNvPr id="33" name="Straight Arrow Connector 32"/>
+          <p:cNvCxnSpPr>
+            <a:stCxn id="31" idx="6"/>
+            <a:endCxn id="9" idx="1"/>
+          </p:cNvCxnSpPr>
+          <p:nvPr/>
+        </p:nvCxnSpPr>
+        <p:spPr>
+          <a:xfrm flipV="1">
+            <a:off x="914606" y="4669207"/>
+            <a:ext cx="551729" cy="1"/>
+          </a:xfrm>
+          <a:prstGeom prst="straightConnector1">
+            <a:avLst/>
+          </a:prstGeom>
+          <a:ln>
+            <a:tailEnd type="triangle"/>
+          </a:ln>
+        </p:spPr>
+        <p:style>
+          <a:lnRef idx="1">
+            <a:schemeClr val="accent1"/>
+          </a:lnRef>
+          <a:fillRef idx="0">
+            <a:schemeClr val="accent1"/>
+          </a:fillRef>
+          <a:effectRef idx="0">
+            <a:schemeClr val="accent1"/>
+          </a:effectRef>
+          <a:fontRef idx="minor">
+            <a:schemeClr val="tx1"/>
+          </a:fontRef>
+        </p:style>
+      </p:cxnSp>
+      <p:sp>
+        <p:nvSpPr>
+          <p:cNvPr id="35" name="Rounded Rectangle 34"/>
+          <p:cNvSpPr/>
+          <p:nvPr/>
+        </p:nvSpPr>
+        <p:spPr>
+          <a:xfrm>
+            <a:off x="3583459" y="4360288"/>
+            <a:ext cx="1062681" cy="617838"/>
+          </a:xfrm>
+          <a:prstGeom prst="roundRect">
+            <a:avLst/>
+          </a:prstGeom>
+        </p:spPr>
+        <p:style>
+          <a:lnRef idx="2">
+            <a:schemeClr val="accent1">
+              <a:shade val="50000"/>
+            </a:schemeClr>
+          </a:lnRef>
+          <a:fillRef idx="1">
+            <a:schemeClr val="accent1"/>
+          </a:fillRef>
+          <a:effectRef idx="0">
+            <a:schemeClr val="accent1"/>
+          </a:effectRef>
+          <a:fontRef idx="minor">
+            <a:schemeClr val="lt1"/>
+          </a:fontRef>
+        </p:style>
+        <p:txBody>
+          <a:bodyPr rtlCol="0" anchor="ctr"/>
+          <a:lstStyle/>
+          <a:p>
+            <a:pPr algn="ctr"/>
+            <a:r>
+              <a:rPr lang="en-US" sz="1200" dirty="0" smtClean="0"/>
+              <a:t>T</a:t>
+            </a:r>
+            <a:r>
+              <a:rPr lang="en-US" sz="1200" baseline="-25000" dirty="0" smtClean="0"/>
+              <a:t>2</a:t>
+            </a:r>
+            <a:endParaRPr lang="en-US" sz="1200" baseline="-25000" dirty="0"/>
+          </a:p>
+        </p:txBody>
+      </p:sp>
+      <p:sp>
+        <p:nvSpPr>
+          <p:cNvPr id="36" name="Rounded Rectangle 35"/>
+          <p:cNvSpPr/>
+          <p:nvPr/>
+        </p:nvSpPr>
+        <p:spPr>
+          <a:xfrm>
+            <a:off x="5700583" y="4360288"/>
+            <a:ext cx="1062681" cy="617838"/>
+          </a:xfrm>
+          <a:prstGeom prst="roundRect">
+            <a:avLst/>
+          </a:prstGeom>
+        </p:spPr>
+        <p:style>
+          <a:lnRef idx="1">
+            <a:schemeClr val="accent2"/>
+          </a:lnRef>
+          <a:fillRef idx="2">
+            <a:schemeClr val="accent2"/>
+          </a:fillRef>
+          <a:effectRef idx="1">
+            <a:schemeClr val="accent2"/>
+          </a:effectRef>
+          <a:fontRef idx="minor">
+            <a:schemeClr val="dk1"/>
+          </a:fontRef>
+        </p:style>
+        <p:txBody>
+          <a:bodyPr rtlCol="0" anchor="ctr"/>
+          <a:lstStyle/>
+          <a:p>
+            <a:pPr algn="ctr"/>
+            <a:r>
+              <a:rPr lang="en-US" sz="1200" dirty="0" smtClean="0"/>
+              <a:t>C</a:t>
+            </a:r>
+            <a:r>
+              <a:rPr lang="en-US" sz="1200" baseline="-25000" dirty="0" smtClean="0"/>
+              <a:t>2</a:t>
+            </a:r>
+            <a:endParaRPr lang="en-US" sz="1200" baseline="-25000" dirty="0"/>
+          </a:p>
+        </p:txBody>
+      </p:sp>
+      <p:cxnSp>
+        <p:nvCxnSpPr>
+          <p:cNvPr id="38" name="Straight Arrow Connector 37"/>
+          <p:cNvCxnSpPr>
+            <a:stCxn id="9" idx="3"/>
+            <a:endCxn id="35" idx="1"/>
+          </p:cNvCxnSpPr>
+          <p:nvPr/>
+        </p:nvCxnSpPr>
+        <p:spPr>
+          <a:xfrm>
+            <a:off x="2529016" y="4669207"/>
+            <a:ext cx="1054443" cy="0"/>
+          </a:xfrm>
+          <a:prstGeom prst="straightConnector1">
+            <a:avLst/>
+          </a:prstGeom>
+          <a:ln>
+            <a:tailEnd type="triangle"/>
+          </a:ln>
+        </p:spPr>
+        <p:style>
+          <a:lnRef idx="1">
+            <a:schemeClr val="accent1"/>
+          </a:lnRef>
+          <a:fillRef idx="0">
+            <a:schemeClr val="accent1"/>
+          </a:fillRef>
+          <a:effectRef idx="0">
+            <a:schemeClr val="accent1"/>
+          </a:effectRef>
+          <a:fontRef idx="minor">
+            <a:schemeClr val="tx1"/>
+          </a:fontRef>
+        </p:style>
+      </p:cxnSp>
+      <p:cxnSp>
+        <p:nvCxnSpPr>
+          <p:cNvPr id="40" name="Straight Arrow Connector 39"/>
+          <p:cNvCxnSpPr>
+            <a:stCxn id="35" idx="3"/>
+            <a:endCxn id="36" idx="1"/>
+          </p:cNvCxnSpPr>
+          <p:nvPr/>
+        </p:nvCxnSpPr>
+        <p:spPr>
+          <a:xfrm>
+            <a:off x="4646140" y="4669207"/>
+            <a:ext cx="1054443" cy="0"/>
+          </a:xfrm>
+          <a:prstGeom prst="straightConnector1">
+            <a:avLst/>
+          </a:prstGeom>
+          <a:ln>
+            <a:tailEnd type="triangle"/>
+          </a:ln>
+        </p:spPr>
+        <p:style>
+          <a:lnRef idx="1">
+            <a:schemeClr val="accent1"/>
+          </a:lnRef>
+          <a:fillRef idx="0">
+            <a:schemeClr val="accent1"/>
+          </a:fillRef>
+          <a:effectRef idx="0">
+            <a:schemeClr val="accent1"/>
+          </a:effectRef>
+          <a:fontRef idx="minor">
+            <a:schemeClr val="tx1"/>
+          </a:fontRef>
+        </p:style>
+      </p:cxnSp>
+      <p:cxnSp>
+        <p:nvCxnSpPr>
+          <p:cNvPr id="49" name="Straight Arrow Connector 48"/>
+          <p:cNvCxnSpPr>
+            <a:stCxn id="35" idx="2"/>
+            <a:endCxn id="73" idx="0"/>
+          </p:cNvCxnSpPr>
+          <p:nvPr/>
+        </p:nvCxnSpPr>
+        <p:spPr>
+          <a:xfrm>
+            <a:off x="4114800" y="4978126"/>
+            <a:ext cx="1969" cy="730593"/>
+          </a:xfrm>
+          <a:prstGeom prst="straightConnector1">
+            <a:avLst/>
+          </a:prstGeom>
+          <a:ln>
+            <a:tailEnd type="triangle"/>
+          </a:ln>
+        </p:spPr>
+        <p:style>
+          <a:lnRef idx="1">
+            <a:schemeClr val="accent1"/>
+          </a:lnRef>
+          <a:fillRef idx="0">
+            <a:schemeClr val="accent1"/>
+          </a:fillRef>
+          <a:effectRef idx="0">
+            <a:schemeClr val="accent1"/>
+          </a:effectRef>
+          <a:fontRef idx="minor">
+            <a:schemeClr val="tx1"/>
+          </a:fontRef>
+        </p:style>
+      </p:cxnSp>
+      <p:sp>
+        <p:nvSpPr>
+          <p:cNvPr id="50" name="TextBox 49"/>
+          <p:cNvSpPr txBox="1"/>
+          <p:nvPr/>
+        </p:nvSpPr>
+        <p:spPr>
+          <a:xfrm>
+            <a:off x="4682567" y="4392208"/>
+            <a:ext cx="1075038" cy="276999"/>
+          </a:xfrm>
+          <a:prstGeom prst="rect">
+            <a:avLst/>
+          </a:prstGeom>
+          <a:noFill/>
+        </p:spPr>
+        <p:txBody>
+          <a:bodyPr wrap="none" rtlCol="0">
+            <a:spAutoFit/>
+          </a:bodyPr>
+          <a:lstStyle/>
+          <a:p>
+            <a:r>
+              <a:rPr lang="en-US" sz="1200" dirty="0" smtClean="0"/>
+              <a:t>Fault/Timeout</a:t>
+            </a:r>
+            <a:endParaRPr lang="en-US" sz="1200" dirty="0"/>
+          </a:p>
+        </p:txBody>
+      </p:sp>
+      <p:sp>
+        <p:nvSpPr>
+          <p:cNvPr id="51" name="TextBox 50"/>
+          <p:cNvSpPr txBox="1"/>
+          <p:nvPr/>
+        </p:nvSpPr>
+        <p:spPr>
+          <a:xfrm>
+            <a:off x="2725436" y="4360288"/>
+            <a:ext cx="665567" cy="276999"/>
+          </a:xfrm>
+          <a:prstGeom prst="rect">
+            <a:avLst/>
+          </a:prstGeom>
+          <a:noFill/>
+        </p:spPr>
+        <p:txBody>
+          <a:bodyPr wrap="none" rtlCol="0">
+            <a:spAutoFit/>
+          </a:bodyPr>
+          <a:lstStyle/>
+          <a:p>
+            <a:r>
+              <a:rPr lang="en-US" sz="1200" dirty="0" smtClean="0"/>
+              <a:t>Success</a:t>
+            </a:r>
+            <a:endParaRPr lang="en-US" sz="1200" dirty="0"/>
+          </a:p>
+        </p:txBody>
+      </p:sp>
+      <p:sp>
+        <p:nvSpPr>
+          <p:cNvPr id="52" name="TextBox 51"/>
+          <p:cNvSpPr txBox="1"/>
+          <p:nvPr/>
+        </p:nvSpPr>
+        <p:spPr>
+          <a:xfrm>
+            <a:off x="3410012" y="5274173"/>
+            <a:ext cx="665567" cy="276999"/>
+          </a:xfrm>
+          <a:prstGeom prst="rect">
+            <a:avLst/>
+          </a:prstGeom>
+          <a:noFill/>
+        </p:spPr>
+        <p:txBody>
+          <a:bodyPr wrap="none" rtlCol="0">
+            <a:spAutoFit/>
+          </a:bodyPr>
+          <a:lstStyle/>
+          <a:p>
+            <a:r>
+              <a:rPr lang="en-US" sz="1200" dirty="0" smtClean="0"/>
+              <a:t>Success</a:t>
+            </a:r>
+            <a:endParaRPr lang="en-US" sz="1200" dirty="0"/>
+          </a:p>
+        </p:txBody>
+      </p:sp>
+      <p:cxnSp>
+        <p:nvCxnSpPr>
+          <p:cNvPr id="54" name="Straight Arrow Connector 53"/>
+          <p:cNvCxnSpPr>
+            <a:stCxn id="36" idx="0"/>
+            <a:endCxn id="9" idx="0"/>
+          </p:cNvCxnSpPr>
+          <p:nvPr/>
+        </p:nvCxnSpPr>
+        <p:spPr>
+          <a:xfrm rot="16200000" flipV="1">
+            <a:off x="4114800" y="2243164"/>
+            <a:ext cx="12700" cy="4234248"/>
+          </a:xfrm>
+          <a:prstGeom prst="bentConnector3">
+            <a:avLst>
+              <a:gd name="adj1" fmla="val 1800000"/>
+            </a:avLst>
+          </a:prstGeom>
+          <a:ln>
+            <a:tailEnd type="triangle"/>
+          </a:ln>
+        </p:spPr>
+        <p:style>
+          <a:lnRef idx="1">
+            <a:schemeClr val="accent1"/>
+          </a:lnRef>
+          <a:fillRef idx="0">
+            <a:schemeClr val="accent1"/>
+          </a:fillRef>
+          <a:effectRef idx="0">
+            <a:schemeClr val="accent1"/>
+          </a:effectRef>
+          <a:fontRef idx="minor">
+            <a:schemeClr val="tx1"/>
+          </a:fontRef>
+        </p:style>
+      </p:cxnSp>
+      <p:sp>
+        <p:nvSpPr>
+          <p:cNvPr id="55" name="TextBox 54"/>
+          <p:cNvSpPr txBox="1"/>
+          <p:nvPr/>
+        </p:nvSpPr>
+        <p:spPr>
+          <a:xfrm>
+            <a:off x="3592012" y="3873137"/>
+            <a:ext cx="1090555" cy="276999"/>
+          </a:xfrm>
+          <a:prstGeom prst="rect">
+            <a:avLst/>
+          </a:prstGeom>
+          <a:noFill/>
+        </p:spPr>
+        <p:txBody>
+          <a:bodyPr wrap="none" rtlCol="0">
+            <a:spAutoFit/>
+          </a:bodyPr>
+          <a:lstStyle/>
+          <a:p>
+            <a:r>
+              <a:rPr lang="en-US" sz="1200" dirty="0" smtClean="0"/>
+              <a:t>Compensation</a:t>
+            </a:r>
+            <a:endParaRPr lang="en-US" sz="1200" dirty="0"/>
+          </a:p>
+        </p:txBody>
+      </p:sp>
+      <p:sp>
+        <p:nvSpPr>
+          <p:cNvPr id="56" name="Rounded Rectangle 55"/>
+          <p:cNvSpPr/>
+          <p:nvPr/>
+        </p:nvSpPr>
+        <p:spPr>
+          <a:xfrm>
+            <a:off x="1466335" y="5502773"/>
+            <a:ext cx="1062681" cy="617838"/>
+          </a:xfrm>
+          <a:prstGeom prst="roundRect">
+            <a:avLst/>
+          </a:prstGeom>
+        </p:spPr>
+        <p:style>
+          <a:lnRef idx="1">
+            <a:schemeClr val="accent2"/>
+          </a:lnRef>
+          <a:fillRef idx="2">
+            <a:schemeClr val="accent2"/>
+          </a:fillRef>
+          <a:effectRef idx="1">
+            <a:schemeClr val="accent2"/>
+          </a:effectRef>
+          <a:fontRef idx="minor">
+            <a:schemeClr val="dk1"/>
+          </a:fontRef>
+        </p:style>
+        <p:txBody>
+          <a:bodyPr rtlCol="0" anchor="ctr"/>
+          <a:lstStyle/>
+          <a:p>
+            <a:pPr algn="ctr"/>
+            <a:r>
+              <a:rPr lang="en-US" sz="1200" dirty="0" smtClean="0"/>
+              <a:t>C</a:t>
+            </a:r>
+            <a:r>
+              <a:rPr lang="en-US" sz="1200" baseline="-25000" dirty="0"/>
+              <a:t>1</a:t>
+            </a:r>
+          </a:p>
+        </p:txBody>
+      </p:sp>
+      <p:cxnSp>
+        <p:nvCxnSpPr>
+          <p:cNvPr id="57" name="Straight Arrow Connector 56"/>
+          <p:cNvCxnSpPr>
+            <a:stCxn id="9" idx="2"/>
+            <a:endCxn id="56" idx="0"/>
+          </p:cNvCxnSpPr>
+          <p:nvPr/>
+        </p:nvCxnSpPr>
+        <p:spPr>
+          <a:xfrm>
+            <a:off x="1997676" y="4978126"/>
+            <a:ext cx="0" cy="524647"/>
+          </a:xfrm>
+          <a:prstGeom prst="straightConnector1">
+            <a:avLst/>
+          </a:prstGeom>
+          <a:ln>
+            <a:tailEnd type="triangle"/>
+          </a:ln>
+        </p:spPr>
+        <p:style>
+          <a:lnRef idx="1">
+            <a:schemeClr val="accent1"/>
+          </a:lnRef>
+          <a:fillRef idx="0">
+            <a:schemeClr val="accent1"/>
+          </a:fillRef>
+          <a:effectRef idx="0">
+            <a:schemeClr val="accent1"/>
+          </a:effectRef>
+          <a:fontRef idx="minor">
+            <a:schemeClr val="tx1"/>
+          </a:fontRef>
+        </p:style>
+      </p:cxnSp>
+      <p:cxnSp>
+        <p:nvCxnSpPr>
+          <p:cNvPr id="66" name="Straight Arrow Connector 65"/>
+          <p:cNvCxnSpPr>
+            <a:stCxn id="56" idx="3"/>
+            <a:endCxn id="73" idx="2"/>
+          </p:cNvCxnSpPr>
+          <p:nvPr/>
+        </p:nvCxnSpPr>
+        <p:spPr>
+          <a:xfrm>
+            <a:off x="2529016" y="5811692"/>
+            <a:ext cx="1494304" cy="0"/>
+          </a:xfrm>
+          <a:prstGeom prst="straightConnector1">
+            <a:avLst/>
+          </a:prstGeom>
+          <a:ln>
+            <a:tailEnd type="triangle"/>
+          </a:ln>
+        </p:spPr>
+        <p:style>
+          <a:lnRef idx="1">
+            <a:schemeClr val="accent1"/>
+          </a:lnRef>
+          <a:fillRef idx="0">
+            <a:schemeClr val="accent1"/>
+          </a:fillRef>
+          <a:effectRef idx="0">
+            <a:schemeClr val="accent1"/>
+          </a:effectRef>
+          <a:fontRef idx="minor">
+            <a:schemeClr val="tx1"/>
+          </a:fontRef>
+        </p:style>
+      </p:cxnSp>
+      <p:sp>
+        <p:nvSpPr>
+          <p:cNvPr id="68" name="TextBox 67"/>
+          <p:cNvSpPr txBox="1"/>
+          <p:nvPr/>
+        </p:nvSpPr>
+        <p:spPr>
+          <a:xfrm>
+            <a:off x="2652240" y="5776546"/>
+            <a:ext cx="1090555" cy="276999"/>
+          </a:xfrm>
+          <a:prstGeom prst="rect">
+            <a:avLst/>
+          </a:prstGeom>
+          <a:noFill/>
+        </p:spPr>
+        <p:txBody>
+          <a:bodyPr wrap="none" rtlCol="0">
+            <a:spAutoFit/>
+          </a:bodyPr>
+          <a:lstStyle/>
+          <a:p>
+            <a:r>
+              <a:rPr lang="en-US" sz="1200" dirty="0" smtClean="0"/>
+              <a:t>Compensation</a:t>
+            </a:r>
+            <a:endParaRPr lang="en-US" sz="1200" dirty="0"/>
+          </a:p>
+        </p:txBody>
+      </p:sp>
+      <p:sp>
+        <p:nvSpPr>
+          <p:cNvPr id="73" name="Flowchart: Connector 72"/>
+          <p:cNvSpPr/>
+          <p:nvPr/>
+        </p:nvSpPr>
+        <p:spPr>
+          <a:xfrm>
+            <a:off x="4023320" y="5708719"/>
+            <a:ext cx="186898" cy="205946"/>
+          </a:xfrm>
+          <a:prstGeom prst="flowChartConnector">
+            <a:avLst/>
+          </a:prstGeom>
+        </p:spPr>
+        <p:style>
+          <a:lnRef idx="2">
+            <a:schemeClr val="accent1"/>
+          </a:lnRef>
+          <a:fillRef idx="1">
+            <a:schemeClr val="lt1"/>
+          </a:fillRef>
+          <a:effectRef idx="0">
+            <a:schemeClr val="accent1"/>
+          </a:effectRef>
+          <a:fontRef idx="minor">
+            <a:schemeClr val="dk1"/>
+          </a:fontRef>
+        </p:style>
+        <p:txBody>
+          <a:bodyPr rtlCol="0" anchor="ctr"/>
+          <a:lstStyle/>
+          <a:p>
+            <a:pPr algn="ctr"/>
+            <a:endParaRPr lang="en-US"/>
+          </a:p>
+        </p:txBody>
+      </p:sp>
+      <p:sp>
+        <p:nvSpPr>
+          <p:cNvPr id="78" name="Rectangle 77"/>
+          <p:cNvSpPr/>
+          <p:nvPr/>
+        </p:nvSpPr>
+        <p:spPr>
+          <a:xfrm>
+            <a:off x="693495" y="1057535"/>
+            <a:ext cx="904928" cy="369332"/>
+          </a:xfrm>
+          <a:prstGeom prst="rect">
+            <a:avLst/>
+          </a:prstGeom>
+        </p:spPr>
+        <p:txBody>
+          <a:bodyPr wrap="none">
+            <a:spAutoFit/>
+          </a:bodyPr>
+          <a:lstStyle/>
+          <a:p>
+            <a:pPr marL="285750" indent="-285750">
+              <a:buFont typeface="Arial" panose="020B0604020202020204" pitchFamily="34" charset="0"/>
+              <a:buChar char="•"/>
+            </a:pPr>
+            <a:r>
+              <a:rPr lang="en-US" dirty="0" smtClean="0"/>
+              <a:t>Saga</a:t>
+            </a:r>
             <a:endParaRPr lang="en-US" dirty="0"/>
           </a:p>
         </p:txBody>
@@ -21929,37 +23782,22 @@
             <p:ph type="title"/>
           </p:nvPr>
         </p:nvSpPr>
-        <p:spPr/>
+        <p:spPr>
+          <a:xfrm>
+            <a:off x="628650" y="365126"/>
+            <a:ext cx="7886700" cy="499847"/>
+          </a:xfrm>
+        </p:spPr>
         <p:txBody>
-          <a:bodyPr/>
+          <a:bodyPr>
+            <a:normAutofit fontScale="90000"/>
+          </a:bodyPr>
           <a:lstStyle/>
           <a:p>
+            <a:pPr algn="ctr"/>
             <a:r>
               <a:rPr lang="en-US" dirty="0" smtClean="0"/>
               <a:t>Messaging Patterns</a:t>
-            </a:r>
-            <a:endParaRPr lang="en-US" dirty="0"/>
-          </a:p>
-        </p:txBody>
-      </p:sp>
-      <p:sp>
-        <p:nvSpPr>
-          <p:cNvPr id="7" name="Content Placeholder 6"/>
-          <p:cNvSpPr>
-            <a:spLocks noGrp="1"/>
-          </p:cNvSpPr>
-          <p:nvPr>
-            <p:ph idx="1"/>
-          </p:nvPr>
-        </p:nvSpPr>
-        <p:spPr/>
-        <p:txBody>
-          <a:bodyPr/>
-          <a:lstStyle/>
-          <a:p>
-            <a:r>
-              <a:rPr lang="en-US" dirty="0" smtClean="0"/>
-              <a:t>Routing Slip</a:t>
             </a:r>
             <a:endParaRPr lang="en-US" dirty="0"/>
           </a:p>
@@ -21990,6 +23828,839 @@
           </a:p>
         </p:txBody>
       </p:sp>
+      <p:sp>
+        <p:nvSpPr>
+          <p:cNvPr id="2" name="Rectangle 1"/>
+          <p:cNvSpPr/>
+          <p:nvPr/>
+        </p:nvSpPr>
+        <p:spPr>
+          <a:xfrm>
+            <a:off x="628650" y="1072634"/>
+            <a:ext cx="1584152" cy="369332"/>
+          </a:xfrm>
+          <a:prstGeom prst="rect">
+            <a:avLst/>
+          </a:prstGeom>
+        </p:spPr>
+        <p:txBody>
+          <a:bodyPr wrap="none">
+            <a:spAutoFit/>
+          </a:bodyPr>
+          <a:lstStyle/>
+          <a:p>
+            <a:pPr marL="285750" indent="-285750">
+              <a:buFont typeface="Arial" panose="020B0604020202020204" pitchFamily="34" charset="0"/>
+              <a:buChar char="•"/>
+            </a:pPr>
+            <a:r>
+              <a:rPr lang="en-US" dirty="0" smtClean="0"/>
+              <a:t>Routing Slip</a:t>
+            </a:r>
+            <a:endParaRPr lang="en-US" dirty="0"/>
+          </a:p>
+        </p:txBody>
+      </p:sp>
+      <p:sp>
+        <p:nvSpPr>
+          <p:cNvPr id="3" name="TextBox 2"/>
+          <p:cNvSpPr txBox="1"/>
+          <p:nvPr/>
+        </p:nvSpPr>
+        <p:spPr>
+          <a:xfrm>
+            <a:off x="628650" y="1649627"/>
+            <a:ext cx="8302786" cy="2308324"/>
+          </a:xfrm>
+          <a:prstGeom prst="rect">
+            <a:avLst/>
+          </a:prstGeom>
+          <a:noFill/>
+        </p:spPr>
+        <p:txBody>
+          <a:bodyPr wrap="none" rtlCol="0">
+            <a:spAutoFit/>
+          </a:bodyPr>
+          <a:lstStyle/>
+          <a:p>
+            <a:r>
+              <a:rPr lang="en-US" dirty="0" smtClean="0"/>
+              <a:t>In some cases Saga is not required to coordinate and compensate and </a:t>
+            </a:r>
+          </a:p>
+          <a:p>
+            <a:r>
+              <a:rPr lang="en-US" dirty="0" smtClean="0"/>
+              <a:t>it is enough to run transaction as a sequence of steps with no shared state.</a:t>
+            </a:r>
+          </a:p>
+          <a:p>
+            <a:r>
+              <a:rPr lang="en-US" dirty="0" smtClean="0"/>
+              <a:t>That’s where Routing slip comes at hand – a route is attached to every message, </a:t>
+            </a:r>
+          </a:p>
+          <a:p>
+            <a:r>
+              <a:rPr lang="en-US" dirty="0" smtClean="0"/>
+              <a:t>which is processed as a series of steps and compensations in a distributed manner.</a:t>
+            </a:r>
+          </a:p>
+          <a:p>
+            <a:r>
+              <a:rPr lang="en-US" dirty="0" smtClean="0"/>
+              <a:t>Imagine an assembly line.</a:t>
+            </a:r>
+          </a:p>
+          <a:p>
+            <a:endParaRPr lang="en-US" dirty="0"/>
+          </a:p>
+          <a:p>
+            <a:r>
+              <a:rPr lang="en-US" dirty="0" smtClean="0"/>
+              <a:t>MassTransit Courier – routing slip engine, now part of the core project allows to define</a:t>
+            </a:r>
+          </a:p>
+          <a:p>
+            <a:r>
+              <a:rPr lang="en-US" dirty="0" smtClean="0"/>
+              <a:t>Routing slips, activities and compensations and track them in real-time.</a:t>
+            </a:r>
+            <a:endParaRPr lang="en-US" dirty="0"/>
+          </a:p>
+        </p:txBody>
+      </p:sp>
+      <p:sp>
+        <p:nvSpPr>
+          <p:cNvPr id="8" name="Rounded Rectangle 7"/>
+          <p:cNvSpPr/>
+          <p:nvPr/>
+        </p:nvSpPr>
+        <p:spPr>
+          <a:xfrm>
+            <a:off x="1466335" y="4360288"/>
+            <a:ext cx="1062681" cy="617838"/>
+          </a:xfrm>
+          <a:prstGeom prst="roundRect">
+            <a:avLst/>
+          </a:prstGeom>
+        </p:spPr>
+        <p:style>
+          <a:lnRef idx="2">
+            <a:schemeClr val="accent1">
+              <a:shade val="50000"/>
+            </a:schemeClr>
+          </a:lnRef>
+          <a:fillRef idx="1">
+            <a:schemeClr val="accent1"/>
+          </a:fillRef>
+          <a:effectRef idx="0">
+            <a:schemeClr val="accent1"/>
+          </a:effectRef>
+          <a:fontRef idx="minor">
+            <a:schemeClr val="lt1"/>
+          </a:fontRef>
+        </p:style>
+        <p:txBody>
+          <a:bodyPr rtlCol="0" anchor="ctr"/>
+          <a:lstStyle/>
+          <a:p>
+            <a:pPr algn="ctr"/>
+            <a:r>
+              <a:rPr lang="en-US" sz="1200" dirty="0" smtClean="0"/>
+              <a:t>T</a:t>
+            </a:r>
+            <a:r>
+              <a:rPr lang="en-US" sz="1200" baseline="-25000" dirty="0" smtClean="0"/>
+              <a:t>1</a:t>
+            </a:r>
+            <a:endParaRPr lang="en-US" sz="1200" dirty="0"/>
+          </a:p>
+        </p:txBody>
+      </p:sp>
+      <p:cxnSp>
+        <p:nvCxnSpPr>
+          <p:cNvPr id="10" name="Straight Arrow Connector 9"/>
+          <p:cNvCxnSpPr>
+            <a:stCxn id="45" idx="3"/>
+            <a:endCxn id="8" idx="1"/>
+          </p:cNvCxnSpPr>
+          <p:nvPr/>
+        </p:nvCxnSpPr>
+        <p:spPr>
+          <a:xfrm>
+            <a:off x="1071210" y="4668791"/>
+            <a:ext cx="395125" cy="416"/>
+          </a:xfrm>
+          <a:prstGeom prst="straightConnector1">
+            <a:avLst/>
+          </a:prstGeom>
+          <a:ln>
+            <a:tailEnd type="triangle"/>
+          </a:ln>
+        </p:spPr>
+        <p:style>
+          <a:lnRef idx="1">
+            <a:schemeClr val="accent1"/>
+          </a:lnRef>
+          <a:fillRef idx="0">
+            <a:schemeClr val="accent1"/>
+          </a:fillRef>
+          <a:effectRef idx="0">
+            <a:schemeClr val="accent1"/>
+          </a:effectRef>
+          <a:fontRef idx="minor">
+            <a:schemeClr val="tx1"/>
+          </a:fontRef>
+        </p:style>
+      </p:cxnSp>
+      <p:sp>
+        <p:nvSpPr>
+          <p:cNvPr id="11" name="Rounded Rectangle 10"/>
+          <p:cNvSpPr/>
+          <p:nvPr/>
+        </p:nvSpPr>
+        <p:spPr>
+          <a:xfrm>
+            <a:off x="3583459" y="4360288"/>
+            <a:ext cx="1062681" cy="617838"/>
+          </a:xfrm>
+          <a:prstGeom prst="roundRect">
+            <a:avLst/>
+          </a:prstGeom>
+        </p:spPr>
+        <p:style>
+          <a:lnRef idx="2">
+            <a:schemeClr val="accent1">
+              <a:shade val="50000"/>
+            </a:schemeClr>
+          </a:lnRef>
+          <a:fillRef idx="1">
+            <a:schemeClr val="accent1"/>
+          </a:fillRef>
+          <a:effectRef idx="0">
+            <a:schemeClr val="accent1"/>
+          </a:effectRef>
+          <a:fontRef idx="minor">
+            <a:schemeClr val="lt1"/>
+          </a:fontRef>
+        </p:style>
+        <p:txBody>
+          <a:bodyPr rtlCol="0" anchor="ctr"/>
+          <a:lstStyle/>
+          <a:p>
+            <a:pPr algn="ctr"/>
+            <a:r>
+              <a:rPr lang="en-US" sz="1200" dirty="0" smtClean="0"/>
+              <a:t>T</a:t>
+            </a:r>
+            <a:r>
+              <a:rPr lang="en-US" sz="1200" baseline="-25000" dirty="0" smtClean="0"/>
+              <a:t>2</a:t>
+            </a:r>
+            <a:endParaRPr lang="en-US" sz="1200" baseline="-25000" dirty="0"/>
+          </a:p>
+        </p:txBody>
+      </p:sp>
+      <p:sp>
+        <p:nvSpPr>
+          <p:cNvPr id="12" name="Rounded Rectangle 11"/>
+          <p:cNvSpPr/>
+          <p:nvPr/>
+        </p:nvSpPr>
+        <p:spPr>
+          <a:xfrm>
+            <a:off x="3583459" y="5495153"/>
+            <a:ext cx="1062681" cy="617838"/>
+          </a:xfrm>
+          <a:prstGeom prst="roundRect">
+            <a:avLst/>
+          </a:prstGeom>
+        </p:spPr>
+        <p:style>
+          <a:lnRef idx="1">
+            <a:schemeClr val="accent2"/>
+          </a:lnRef>
+          <a:fillRef idx="2">
+            <a:schemeClr val="accent2"/>
+          </a:fillRef>
+          <a:effectRef idx="1">
+            <a:schemeClr val="accent2"/>
+          </a:effectRef>
+          <a:fontRef idx="minor">
+            <a:schemeClr val="dk1"/>
+          </a:fontRef>
+        </p:style>
+        <p:txBody>
+          <a:bodyPr rtlCol="0" anchor="ctr"/>
+          <a:lstStyle/>
+          <a:p>
+            <a:pPr algn="ctr"/>
+            <a:r>
+              <a:rPr lang="en-US" sz="1200" dirty="0" smtClean="0"/>
+              <a:t>C</a:t>
+            </a:r>
+            <a:r>
+              <a:rPr lang="en-US" sz="1200" baseline="-25000" dirty="0" smtClean="0"/>
+              <a:t>2</a:t>
+            </a:r>
+            <a:endParaRPr lang="en-US" sz="1200" baseline="-25000" dirty="0"/>
+          </a:p>
+        </p:txBody>
+      </p:sp>
+      <p:cxnSp>
+        <p:nvCxnSpPr>
+          <p:cNvPr id="13" name="Straight Arrow Connector 12"/>
+          <p:cNvCxnSpPr>
+            <a:stCxn id="8" idx="3"/>
+            <a:endCxn id="11" idx="1"/>
+          </p:cNvCxnSpPr>
+          <p:nvPr/>
+        </p:nvCxnSpPr>
+        <p:spPr>
+          <a:xfrm>
+            <a:off x="2529016" y="4669207"/>
+            <a:ext cx="1054443" cy="0"/>
+          </a:xfrm>
+          <a:prstGeom prst="straightConnector1">
+            <a:avLst/>
+          </a:prstGeom>
+          <a:ln>
+            <a:tailEnd type="triangle"/>
+          </a:ln>
+        </p:spPr>
+        <p:style>
+          <a:lnRef idx="1">
+            <a:schemeClr val="accent1"/>
+          </a:lnRef>
+          <a:fillRef idx="0">
+            <a:schemeClr val="accent1"/>
+          </a:fillRef>
+          <a:effectRef idx="0">
+            <a:schemeClr val="accent1"/>
+          </a:effectRef>
+          <a:fontRef idx="minor">
+            <a:schemeClr val="tx1"/>
+          </a:fontRef>
+        </p:style>
+      </p:cxnSp>
+      <p:cxnSp>
+        <p:nvCxnSpPr>
+          <p:cNvPr id="14" name="Straight Arrow Connector 13"/>
+          <p:cNvCxnSpPr>
+            <a:stCxn id="11" idx="2"/>
+            <a:endCxn id="12" idx="0"/>
+          </p:cNvCxnSpPr>
+          <p:nvPr/>
+        </p:nvCxnSpPr>
+        <p:spPr>
+          <a:xfrm>
+            <a:off x="4114800" y="4978126"/>
+            <a:ext cx="0" cy="517027"/>
+          </a:xfrm>
+          <a:prstGeom prst="straightConnector1">
+            <a:avLst/>
+          </a:prstGeom>
+          <a:ln>
+            <a:tailEnd type="triangle"/>
+          </a:ln>
+        </p:spPr>
+        <p:style>
+          <a:lnRef idx="1">
+            <a:schemeClr val="accent1"/>
+          </a:lnRef>
+          <a:fillRef idx="0">
+            <a:schemeClr val="accent1"/>
+          </a:fillRef>
+          <a:effectRef idx="0">
+            <a:schemeClr val="accent1"/>
+          </a:effectRef>
+          <a:fontRef idx="minor">
+            <a:schemeClr val="tx1"/>
+          </a:fontRef>
+        </p:style>
+      </p:cxnSp>
+      <p:sp>
+        <p:nvSpPr>
+          <p:cNvPr id="16" name="TextBox 15"/>
+          <p:cNvSpPr txBox="1"/>
+          <p:nvPr/>
+        </p:nvSpPr>
+        <p:spPr>
+          <a:xfrm>
+            <a:off x="1981199" y="5092938"/>
+            <a:ext cx="1075038" cy="276999"/>
+          </a:xfrm>
+          <a:prstGeom prst="rect">
+            <a:avLst/>
+          </a:prstGeom>
+          <a:noFill/>
+        </p:spPr>
+        <p:txBody>
+          <a:bodyPr wrap="none" rtlCol="0">
+            <a:spAutoFit/>
+          </a:bodyPr>
+          <a:lstStyle/>
+          <a:p>
+            <a:r>
+              <a:rPr lang="en-US" sz="1200" dirty="0" smtClean="0"/>
+              <a:t>Fault/Timeout</a:t>
+            </a:r>
+            <a:endParaRPr lang="en-US" sz="1200" dirty="0"/>
+          </a:p>
+        </p:txBody>
+      </p:sp>
+      <p:sp>
+        <p:nvSpPr>
+          <p:cNvPr id="17" name="TextBox 16"/>
+          <p:cNvSpPr txBox="1"/>
+          <p:nvPr/>
+        </p:nvSpPr>
+        <p:spPr>
+          <a:xfrm>
+            <a:off x="2725436" y="4360288"/>
+            <a:ext cx="665567" cy="276999"/>
+          </a:xfrm>
+          <a:prstGeom prst="rect">
+            <a:avLst/>
+          </a:prstGeom>
+          <a:noFill/>
+        </p:spPr>
+        <p:txBody>
+          <a:bodyPr wrap="none" rtlCol="0">
+            <a:spAutoFit/>
+          </a:bodyPr>
+          <a:lstStyle/>
+          <a:p>
+            <a:r>
+              <a:rPr lang="en-US" sz="1200" dirty="0" smtClean="0"/>
+              <a:t>Success</a:t>
+            </a:r>
+            <a:endParaRPr lang="en-US" sz="1200" dirty="0"/>
+          </a:p>
+        </p:txBody>
+      </p:sp>
+      <p:sp>
+        <p:nvSpPr>
+          <p:cNvPr id="18" name="TextBox 17"/>
+          <p:cNvSpPr txBox="1"/>
+          <p:nvPr/>
+        </p:nvSpPr>
+        <p:spPr>
+          <a:xfrm>
+            <a:off x="4753194" y="4251407"/>
+            <a:ext cx="665567" cy="276999"/>
+          </a:xfrm>
+          <a:prstGeom prst="rect">
+            <a:avLst/>
+          </a:prstGeom>
+          <a:noFill/>
+        </p:spPr>
+        <p:txBody>
+          <a:bodyPr wrap="none" rtlCol="0">
+            <a:spAutoFit/>
+          </a:bodyPr>
+          <a:lstStyle/>
+          <a:p>
+            <a:r>
+              <a:rPr lang="en-US" sz="1200" dirty="0" smtClean="0"/>
+              <a:t>Success</a:t>
+            </a:r>
+            <a:endParaRPr lang="en-US" sz="1200" dirty="0"/>
+          </a:p>
+        </p:txBody>
+      </p:sp>
+      <p:sp>
+        <p:nvSpPr>
+          <p:cNvPr id="20" name="TextBox 19"/>
+          <p:cNvSpPr txBox="1"/>
+          <p:nvPr/>
+        </p:nvSpPr>
+        <p:spPr>
+          <a:xfrm>
+            <a:off x="3592012" y="3873137"/>
+            <a:ext cx="1090555" cy="276999"/>
+          </a:xfrm>
+          <a:prstGeom prst="rect">
+            <a:avLst/>
+          </a:prstGeom>
+          <a:noFill/>
+        </p:spPr>
+        <p:txBody>
+          <a:bodyPr wrap="none" rtlCol="0">
+            <a:spAutoFit/>
+          </a:bodyPr>
+          <a:lstStyle/>
+          <a:p>
+            <a:r>
+              <a:rPr lang="en-US" sz="1200" dirty="0" smtClean="0"/>
+              <a:t>Compensation</a:t>
+            </a:r>
+            <a:endParaRPr lang="en-US" sz="1200" dirty="0"/>
+          </a:p>
+        </p:txBody>
+      </p:sp>
+      <p:sp>
+        <p:nvSpPr>
+          <p:cNvPr id="21" name="Rounded Rectangle 20"/>
+          <p:cNvSpPr/>
+          <p:nvPr/>
+        </p:nvSpPr>
+        <p:spPr>
+          <a:xfrm>
+            <a:off x="1466335" y="5502773"/>
+            <a:ext cx="1062681" cy="617838"/>
+          </a:xfrm>
+          <a:prstGeom prst="roundRect">
+            <a:avLst/>
+          </a:prstGeom>
+        </p:spPr>
+        <p:style>
+          <a:lnRef idx="1">
+            <a:schemeClr val="accent2"/>
+          </a:lnRef>
+          <a:fillRef idx="2">
+            <a:schemeClr val="accent2"/>
+          </a:fillRef>
+          <a:effectRef idx="1">
+            <a:schemeClr val="accent2"/>
+          </a:effectRef>
+          <a:fontRef idx="minor">
+            <a:schemeClr val="dk1"/>
+          </a:fontRef>
+        </p:style>
+        <p:txBody>
+          <a:bodyPr rtlCol="0" anchor="ctr"/>
+          <a:lstStyle/>
+          <a:p>
+            <a:pPr algn="ctr"/>
+            <a:r>
+              <a:rPr lang="en-US" sz="1200" dirty="0" smtClean="0"/>
+              <a:t>C</a:t>
+            </a:r>
+            <a:r>
+              <a:rPr lang="en-US" sz="1200" baseline="-25000" dirty="0"/>
+              <a:t>1</a:t>
+            </a:r>
+          </a:p>
+        </p:txBody>
+      </p:sp>
+      <p:cxnSp>
+        <p:nvCxnSpPr>
+          <p:cNvPr id="22" name="Straight Arrow Connector 21"/>
+          <p:cNvCxnSpPr>
+            <a:stCxn id="8" idx="2"/>
+            <a:endCxn id="21" idx="0"/>
+          </p:cNvCxnSpPr>
+          <p:nvPr/>
+        </p:nvCxnSpPr>
+        <p:spPr>
+          <a:xfrm>
+            <a:off x="1997676" y="4978126"/>
+            <a:ext cx="0" cy="524647"/>
+          </a:xfrm>
+          <a:prstGeom prst="straightConnector1">
+            <a:avLst/>
+          </a:prstGeom>
+          <a:ln>
+            <a:tailEnd type="triangle"/>
+          </a:ln>
+        </p:spPr>
+        <p:style>
+          <a:lnRef idx="1">
+            <a:schemeClr val="accent1"/>
+          </a:lnRef>
+          <a:fillRef idx="0">
+            <a:schemeClr val="accent1"/>
+          </a:fillRef>
+          <a:effectRef idx="0">
+            <a:schemeClr val="accent1"/>
+          </a:effectRef>
+          <a:fontRef idx="minor">
+            <a:schemeClr val="tx1"/>
+          </a:fontRef>
+        </p:style>
+      </p:cxnSp>
+      <p:cxnSp>
+        <p:nvCxnSpPr>
+          <p:cNvPr id="23" name="Straight Arrow Connector 22"/>
+          <p:cNvCxnSpPr>
+            <a:stCxn id="11" idx="3"/>
+          </p:cNvCxnSpPr>
+          <p:nvPr/>
+        </p:nvCxnSpPr>
+        <p:spPr>
+          <a:xfrm flipV="1">
+            <a:off x="4646140" y="4667163"/>
+            <a:ext cx="1054443" cy="2044"/>
+          </a:xfrm>
+          <a:prstGeom prst="straightConnector1">
+            <a:avLst/>
+          </a:prstGeom>
+          <a:ln>
+            <a:tailEnd type="triangle"/>
+          </a:ln>
+        </p:spPr>
+        <p:style>
+          <a:lnRef idx="1">
+            <a:schemeClr val="accent1"/>
+          </a:lnRef>
+          <a:fillRef idx="0">
+            <a:schemeClr val="accent1"/>
+          </a:fillRef>
+          <a:effectRef idx="0">
+            <a:schemeClr val="accent1"/>
+          </a:effectRef>
+          <a:fontRef idx="minor">
+            <a:schemeClr val="tx1"/>
+          </a:fontRef>
+        </p:style>
+      </p:cxnSp>
+      <p:sp>
+        <p:nvSpPr>
+          <p:cNvPr id="36" name="Rounded Rectangle 35"/>
+          <p:cNvSpPr/>
+          <p:nvPr/>
+        </p:nvSpPr>
+        <p:spPr>
+          <a:xfrm>
+            <a:off x="5699487" y="4328368"/>
+            <a:ext cx="1062681" cy="617838"/>
+          </a:xfrm>
+          <a:prstGeom prst="roundRect">
+            <a:avLst/>
+          </a:prstGeom>
+        </p:spPr>
+        <p:style>
+          <a:lnRef idx="2">
+            <a:schemeClr val="accent1">
+              <a:shade val="50000"/>
+            </a:schemeClr>
+          </a:lnRef>
+          <a:fillRef idx="1">
+            <a:schemeClr val="accent1"/>
+          </a:fillRef>
+          <a:effectRef idx="0">
+            <a:schemeClr val="accent1"/>
+          </a:effectRef>
+          <a:fontRef idx="minor">
+            <a:schemeClr val="lt1"/>
+          </a:fontRef>
+        </p:style>
+        <p:txBody>
+          <a:bodyPr rtlCol="0" anchor="ctr"/>
+          <a:lstStyle/>
+          <a:p>
+            <a:pPr algn="ctr"/>
+            <a:r>
+              <a:rPr lang="en-US" sz="1200" dirty="0" smtClean="0"/>
+              <a:t>T</a:t>
+            </a:r>
+            <a:r>
+              <a:rPr lang="en-US" sz="1200" baseline="-25000" dirty="0"/>
+              <a:t>3</a:t>
+            </a:r>
+            <a:endParaRPr lang="en-US" sz="1200" baseline="-25000" dirty="0"/>
+          </a:p>
+        </p:txBody>
+      </p:sp>
+      <p:sp>
+        <p:nvSpPr>
+          <p:cNvPr id="38" name="Rounded Rectangle 37"/>
+          <p:cNvSpPr/>
+          <p:nvPr/>
+        </p:nvSpPr>
+        <p:spPr>
+          <a:xfrm>
+            <a:off x="5699486" y="5477208"/>
+            <a:ext cx="1062681" cy="617838"/>
+          </a:xfrm>
+          <a:prstGeom prst="roundRect">
+            <a:avLst/>
+          </a:prstGeom>
+        </p:spPr>
+        <p:style>
+          <a:lnRef idx="1">
+            <a:schemeClr val="accent2"/>
+          </a:lnRef>
+          <a:fillRef idx="2">
+            <a:schemeClr val="accent2"/>
+          </a:fillRef>
+          <a:effectRef idx="1">
+            <a:schemeClr val="accent2"/>
+          </a:effectRef>
+          <a:fontRef idx="minor">
+            <a:schemeClr val="dk1"/>
+          </a:fontRef>
+        </p:style>
+        <p:txBody>
+          <a:bodyPr rtlCol="0" anchor="ctr"/>
+          <a:lstStyle/>
+          <a:p>
+            <a:pPr algn="ctr"/>
+            <a:r>
+              <a:rPr lang="en-US" sz="1200" dirty="0" smtClean="0"/>
+              <a:t>C</a:t>
+            </a:r>
+            <a:r>
+              <a:rPr lang="en-US" sz="1200" baseline="-25000" dirty="0"/>
+              <a:t>3</a:t>
+            </a:r>
+          </a:p>
+        </p:txBody>
+      </p:sp>
+      <p:cxnSp>
+        <p:nvCxnSpPr>
+          <p:cNvPr id="39" name="Straight Arrow Connector 38"/>
+          <p:cNvCxnSpPr>
+            <a:stCxn id="36" idx="2"/>
+            <a:endCxn id="38" idx="0"/>
+          </p:cNvCxnSpPr>
+          <p:nvPr/>
+        </p:nvCxnSpPr>
+        <p:spPr>
+          <a:xfrm flipH="1">
+            <a:off x="6230827" y="4946206"/>
+            <a:ext cx="1" cy="531002"/>
+          </a:xfrm>
+          <a:prstGeom prst="straightConnector1">
+            <a:avLst/>
+          </a:prstGeom>
+          <a:ln>
+            <a:tailEnd type="triangle"/>
+          </a:ln>
+        </p:spPr>
+        <p:style>
+          <a:lnRef idx="1">
+            <a:schemeClr val="accent1"/>
+          </a:lnRef>
+          <a:fillRef idx="0">
+            <a:schemeClr val="accent1"/>
+          </a:fillRef>
+          <a:effectRef idx="0">
+            <a:schemeClr val="accent1"/>
+          </a:effectRef>
+          <a:fontRef idx="minor">
+            <a:schemeClr val="tx1"/>
+          </a:fontRef>
+        </p:style>
+      </p:cxnSp>
+      <p:cxnSp>
+        <p:nvCxnSpPr>
+          <p:cNvPr id="44" name="Straight Arrow Connector 43"/>
+          <p:cNvCxnSpPr>
+            <a:stCxn id="36" idx="3"/>
+            <a:endCxn id="47" idx="1"/>
+          </p:cNvCxnSpPr>
+          <p:nvPr/>
+        </p:nvCxnSpPr>
+        <p:spPr>
+          <a:xfrm>
+            <a:off x="6762168" y="4637287"/>
+            <a:ext cx="430299" cy="1465"/>
+          </a:xfrm>
+          <a:prstGeom prst="straightConnector1">
+            <a:avLst/>
+          </a:prstGeom>
+          <a:ln>
+            <a:tailEnd type="triangle"/>
+          </a:ln>
+        </p:spPr>
+        <p:style>
+          <a:lnRef idx="1">
+            <a:schemeClr val="accent1"/>
+          </a:lnRef>
+          <a:fillRef idx="0">
+            <a:schemeClr val="accent1"/>
+          </a:fillRef>
+          <a:effectRef idx="0">
+            <a:schemeClr val="accent1"/>
+          </a:effectRef>
+          <a:fontRef idx="minor">
+            <a:schemeClr val="tx1"/>
+          </a:fontRef>
+        </p:style>
+      </p:cxnSp>
+      <p:pic>
+        <p:nvPicPr>
+          <p:cNvPr id="45" name="Picture 44"/>
+          <p:cNvPicPr>
+            <a:picLocks noChangeAspect="1"/>
+          </p:cNvPicPr>
+          <p:nvPr/>
+        </p:nvPicPr>
+        <p:blipFill>
+          <a:blip r:embed="rId2"/>
+          <a:stretch>
+            <a:fillRect/>
+          </a:stretch>
+        </p:blipFill>
+        <p:spPr>
+          <a:xfrm>
+            <a:off x="682185" y="4512283"/>
+            <a:ext cx="389025" cy="313016"/>
+          </a:xfrm>
+          <a:prstGeom prst="rect">
+            <a:avLst/>
+          </a:prstGeom>
+        </p:spPr>
+        <p:style>
+          <a:lnRef idx="2">
+            <a:schemeClr val="accent6">
+              <a:shade val="50000"/>
+            </a:schemeClr>
+          </a:lnRef>
+          <a:fillRef idx="1">
+            <a:schemeClr val="accent6"/>
+          </a:fillRef>
+          <a:effectRef idx="0">
+            <a:schemeClr val="accent6"/>
+          </a:effectRef>
+          <a:fontRef idx="minor">
+            <a:schemeClr val="lt1"/>
+          </a:fontRef>
+        </p:style>
+      </p:pic>
+      <p:pic>
+        <p:nvPicPr>
+          <p:cNvPr id="47" name="Picture 46"/>
+          <p:cNvPicPr>
+            <a:picLocks noChangeAspect="1"/>
+          </p:cNvPicPr>
+          <p:nvPr/>
+        </p:nvPicPr>
+        <p:blipFill>
+          <a:blip r:embed="rId3"/>
+          <a:stretch>
+            <a:fillRect/>
+          </a:stretch>
+        </p:blipFill>
+        <p:spPr>
+          <a:xfrm>
+            <a:off x="7192467" y="4490305"/>
+            <a:ext cx="368987" cy="296893"/>
+          </a:xfrm>
+          <a:prstGeom prst="rect">
+            <a:avLst/>
+          </a:prstGeom>
+        </p:spPr>
+        <p:style>
+          <a:lnRef idx="2">
+            <a:schemeClr val="accent6">
+              <a:shade val="50000"/>
+            </a:schemeClr>
+          </a:lnRef>
+          <a:fillRef idx="1">
+            <a:schemeClr val="accent6"/>
+          </a:fillRef>
+          <a:effectRef idx="0">
+            <a:schemeClr val="accent6"/>
+          </a:effectRef>
+          <a:fontRef idx="minor">
+            <a:schemeClr val="lt1"/>
+          </a:fontRef>
+        </p:style>
+      </p:pic>
     </p:spTree>
     <p:extLst>
       <p:ext uri="{BB962C8B-B14F-4D97-AF65-F5344CB8AC3E}">

--- a/Presentation/Service Bus Integration Patterns.pptx
+++ b/Presentation/Service Bus Integration Patterns.pptx
@@ -3457,11 +3457,7 @@
         <a:p>
           <a:r>
             <a:rPr lang="en-US" sz="1200" dirty="0" smtClean="0"/>
-            <a:t>Mass Transit </a:t>
-          </a:r>
-          <a:r>
-            <a:rPr lang="en-US" sz="1200" dirty="0" smtClean="0"/>
-            <a:t>Project</a:t>
+            <a:t>Mass Transit Project</a:t>
           </a:r>
           <a:endParaRPr lang="en-US" sz="1200" dirty="0"/>
         </a:p>
@@ -3932,6 +3928,29 @@
           <a:endParaRPr lang="en-US"/>
         </a:p>
       </dgm:t>
+    </dgm:pt>
+    <dgm:pt modelId="{37537909-E19F-4776-A91A-0D12E09133A5}">
+      <dgm:prSet phldrT="[Text]" custT="1"/>
+      <dgm:spPr/>
+      <dgm:t>
+        <a:bodyPr/>
+        <a:lstStyle/>
+        <a:p>
+          <a:r>
+            <a:rPr lang="en-US" sz="1200" dirty="0" smtClean="0"/>
+            <a:t>Q&amp;A</a:t>
+          </a:r>
+          <a:endParaRPr lang="en-US" sz="1200" dirty="0"/>
+        </a:p>
+      </dgm:t>
+    </dgm:pt>
+    <dgm:pt modelId="{9077AE51-18B7-4DB0-9288-035166BD8D73}" type="parTrans" cxnId="{F7FC40D5-49B9-4216-B666-F182EECE7F22}">
+      <dgm:prSet/>
+      <dgm:spPr/>
+    </dgm:pt>
+    <dgm:pt modelId="{98C217FE-84A1-489B-8008-B276AF7E0FFF}" type="sibTrans" cxnId="{F7FC40D5-49B9-4216-B666-F182EECE7F22}">
+      <dgm:prSet/>
+      <dgm:spPr/>
     </dgm:pt>
     <dgm:pt modelId="{839CC9F4-E7D6-485F-85CD-EC9B7273AD54}" type="pres">
       <dgm:prSet presAssocID="{319E2ED7-DAC0-475E-B7F4-31BD7A5B9166}" presName="linearFlow" presStyleCnt="0">
@@ -4104,39 +4123,41 @@
     </dgm:pt>
   </dgm:ptLst>
   <dgm:cxnLst>
+    <dgm:cxn modelId="{00EB73C6-3193-4443-851A-936E32877ADD}" type="presOf" srcId="{C50BEBBB-54F1-4503-8F3F-372EE468F041}" destId="{CFC34C5D-362C-4F86-88A4-FBF87B2C7427}" srcOrd="0" destOrd="2" presId="urn:microsoft.com/office/officeart/2005/8/layout/chevron2"/>
+    <dgm:cxn modelId="{937E19B7-67CE-431E-AD3C-02EC700B10A8}" srcId="{82A2100F-ACB1-4FB2-B588-2162CCE0A7EC}" destId="{6745F2E8-67DC-4335-8E1C-679A2BFBCEFE}" srcOrd="2" destOrd="0" parTransId="{94CEB101-BF41-42F2-B6D5-387205ED63AB}" sibTransId="{90453888-4146-41D3-A757-3D9733F25949}"/>
+    <dgm:cxn modelId="{B73A275F-7945-483C-8FE0-7D9EA16D1BBA}" srcId="{D957C335-3589-4AA0-920B-00DB91C683BF}" destId="{82B52429-3E42-43BB-8391-EEA5D69683A3}" srcOrd="1" destOrd="0" parTransId="{F1DE50FC-DC8F-4E5C-9D47-D6BA187B7FD3}" sibTransId="{9C83342E-B54D-4BD5-A4BD-29FC60D70700}"/>
+    <dgm:cxn modelId="{D3ABFCD0-354F-4D9A-9F0C-4B9AAB7DD4B8}" type="presOf" srcId="{75A8AF5E-E077-421B-9B83-1D16FC13CC3E}" destId="{C4A35548-2E21-4AAA-AE63-C60FCAEA2D26}" srcOrd="0" destOrd="0" presId="urn:microsoft.com/office/officeart/2005/8/layout/chevron2"/>
     <dgm:cxn modelId="{AB9DB3A5-5590-4E9C-9842-5405E6CF13F0}" type="presOf" srcId="{6745F2E8-67DC-4335-8E1C-679A2BFBCEFE}" destId="{71D3D0C1-943C-4F07-851A-449A1ADF9B3C}" srcOrd="0" destOrd="2" presId="urn:microsoft.com/office/officeart/2005/8/layout/chevron2"/>
+    <dgm:cxn modelId="{F5F196BB-E062-4666-ADBF-28AB8EB88591}" type="presOf" srcId="{D957C335-3589-4AA0-920B-00DB91C683BF}" destId="{30D1CCFE-B9E2-495C-A14E-C264FE155CBE}" srcOrd="0" destOrd="0" presId="urn:microsoft.com/office/officeart/2005/8/layout/chevron2"/>
+    <dgm:cxn modelId="{3422ECBD-2057-45A1-B1B4-73ACC8D15A3A}" type="presOf" srcId="{37537909-E19F-4776-A91A-0D12E09133A5}" destId="{635E652E-FF37-4DFF-95CD-8CA4BA2A8607}" srcOrd="0" destOrd="3" presId="urn:microsoft.com/office/officeart/2005/8/layout/chevron2"/>
+    <dgm:cxn modelId="{19DF7B0B-DAB6-469D-AF09-E2BBF4267F49}" type="presOf" srcId="{AEF24AE9-0AB3-4763-A5DA-3018061F5588}" destId="{CFC34C5D-362C-4F86-88A4-FBF87B2C7427}" srcOrd="0" destOrd="3" presId="urn:microsoft.com/office/officeart/2005/8/layout/chevron2"/>
+    <dgm:cxn modelId="{2D5E0BA9-CF6C-4340-A554-6D094D4B6F20}" type="presOf" srcId="{AC62F493-CDC1-4D34-9615-782F8A2EC453}" destId="{1EF1D0A2-CEB4-4E60-AB0F-BCD66F169E2A}" srcOrd="0" destOrd="0" presId="urn:microsoft.com/office/officeart/2005/8/layout/chevron2"/>
+    <dgm:cxn modelId="{D5C16949-916C-47D2-B666-403C11A53BDC}" type="presOf" srcId="{A65BB76B-6769-4336-B9A5-2CC4F1A9DF53}" destId="{635E652E-FF37-4DFF-95CD-8CA4BA2A8607}" srcOrd="0" destOrd="2" presId="urn:microsoft.com/office/officeart/2005/8/layout/chevron2"/>
+    <dgm:cxn modelId="{84E9938B-3CA2-47EC-865D-AB3EB24F5CEF}" srcId="{AC62F493-CDC1-4D34-9615-782F8A2EC453}" destId="{5155967F-FA0A-4587-9DF5-C229C7C1341C}" srcOrd="1" destOrd="0" parTransId="{73AB8B54-034E-4BC5-8111-248E92063304}" sibTransId="{01368EB3-46CD-4698-96C7-5F60B9A29451}"/>
+    <dgm:cxn modelId="{C79B078C-D58A-47CF-94B0-7E387B47895B}" srcId="{6FB126C9-4DE9-466A-B25B-AC57AA36B4A8}" destId="{9CB56806-528A-44C1-B476-9B43D6E887C0}" srcOrd="1" destOrd="0" parTransId="{DFF6BF32-45C2-4942-B6C7-2656E49203DD}" sibTransId="{74CBDB70-6C77-4F6B-8303-DE1F7A3314B4}"/>
+    <dgm:cxn modelId="{C1F94BDE-4A9C-4F43-8E28-AA89E109CBB5}" type="presOf" srcId="{08471830-FB56-47BF-8120-388DF827F600}" destId="{71D3D0C1-943C-4F07-851A-449A1ADF9B3C}" srcOrd="0" destOrd="1" presId="urn:microsoft.com/office/officeart/2005/8/layout/chevron2"/>
     <dgm:cxn modelId="{5A3CCCB0-5C1A-40F0-81AD-EAF17766D25C}" type="presOf" srcId="{82A2100F-ACB1-4FB2-B588-2162CCE0A7EC}" destId="{8674861C-641D-4B44-BD65-87448F1A2F8A}" srcOrd="0" destOrd="0" presId="urn:microsoft.com/office/officeart/2005/8/layout/chevron2"/>
-    <dgm:cxn modelId="{937E19B7-67CE-431E-AD3C-02EC700B10A8}" srcId="{82A2100F-ACB1-4FB2-B588-2162CCE0A7EC}" destId="{6745F2E8-67DC-4335-8E1C-679A2BFBCEFE}" srcOrd="2" destOrd="0" parTransId="{94CEB101-BF41-42F2-B6D5-387205ED63AB}" sibTransId="{90453888-4146-41D3-A757-3D9733F25949}"/>
-    <dgm:cxn modelId="{D3ABFCD0-354F-4D9A-9F0C-4B9AAB7DD4B8}" type="presOf" srcId="{75A8AF5E-E077-421B-9B83-1D16FC13CC3E}" destId="{C4A35548-2E21-4AAA-AE63-C60FCAEA2D26}" srcOrd="0" destOrd="0" presId="urn:microsoft.com/office/officeart/2005/8/layout/chevron2"/>
+    <dgm:cxn modelId="{60F36FC5-56E2-4EBB-89A6-7FBC4B31009C}" srcId="{6FB126C9-4DE9-466A-B25B-AC57AA36B4A8}" destId="{A65BB76B-6769-4336-B9A5-2CC4F1A9DF53}" srcOrd="2" destOrd="0" parTransId="{8149FB2C-C327-43F1-A0EF-E84067A22E2B}" sibTransId="{46D0B279-62B2-49C7-A4EC-E7C64778DCBB}"/>
+    <dgm:cxn modelId="{5B94BBC2-A917-4F14-BBAF-71CDA57D6E46}" srcId="{319E2ED7-DAC0-475E-B7F4-31BD7A5B9166}" destId="{D957C335-3589-4AA0-920B-00DB91C683BF}" srcOrd="0" destOrd="0" parTransId="{C09C0A58-B08D-4AD8-92AE-2C0B81B850CB}" sibTransId="{BED980AE-90CC-4293-8282-401B45C67475}"/>
+    <dgm:cxn modelId="{7984A512-A146-4663-A47E-6ADCB4FA6DF7}" srcId="{319E2ED7-DAC0-475E-B7F4-31BD7A5B9166}" destId="{82A2100F-ACB1-4FB2-B588-2162CCE0A7EC}" srcOrd="1" destOrd="0" parTransId="{D4ED4BAD-3900-46F1-AF51-98F72F7DCE07}" sibTransId="{7D54EAF5-9F72-4894-A745-4C7830259640}"/>
+    <dgm:cxn modelId="{15854B30-8AE7-468A-A4F9-0BD7B64E0B5F}" srcId="{319E2ED7-DAC0-475E-B7F4-31BD7A5B9166}" destId="{AC62F493-CDC1-4D34-9615-782F8A2EC453}" srcOrd="2" destOrd="0" parTransId="{34AD31BE-5FB2-4D11-AA64-1D0D7647C0A3}" sibTransId="{B2AF5689-8D5E-4357-BB39-A0DC8FC6B568}"/>
+    <dgm:cxn modelId="{81DA24D7-97CE-438F-B852-BF9BF348C0B3}" srcId="{D957C335-3589-4AA0-920B-00DB91C683BF}" destId="{75A8AF5E-E077-421B-9B83-1D16FC13CC3E}" srcOrd="0" destOrd="0" parTransId="{6DC162DF-BB4B-4EED-8F82-97B9EA69275B}" sibTransId="{99D8C5BF-696F-4C46-B987-D4C950E716F2}"/>
+    <dgm:cxn modelId="{B23F0335-5FA2-4792-9D39-CC7C8715EB40}" type="presOf" srcId="{6FB126C9-4DE9-466A-B25B-AC57AA36B4A8}" destId="{C6191146-B27E-4576-889C-63715DA6B13F}" srcOrd="0" destOrd="0" presId="urn:microsoft.com/office/officeart/2005/8/layout/chevron2"/>
+    <dgm:cxn modelId="{063EB3C0-7438-4879-9E2E-E0F41B7FB189}" type="presOf" srcId="{9CB56806-528A-44C1-B476-9B43D6E887C0}" destId="{635E652E-FF37-4DFF-95CD-8CA4BA2A8607}" srcOrd="0" destOrd="1" presId="urn:microsoft.com/office/officeart/2005/8/layout/chevron2"/>
+    <dgm:cxn modelId="{4EF8FF02-E84E-4A2A-BE64-590744BB1ECC}" srcId="{82A2100F-ACB1-4FB2-B588-2162CCE0A7EC}" destId="{08471830-FB56-47BF-8120-388DF827F600}" srcOrd="1" destOrd="0" parTransId="{81E2EC31-99EB-46A4-96E2-0EAFE8119909}" sibTransId="{30669AC3-1C30-4302-8714-BAE75147CD7B}"/>
+    <dgm:cxn modelId="{2EE161C4-F368-49DA-9263-5565E17AC390}" srcId="{82A2100F-ACB1-4FB2-B588-2162CCE0A7EC}" destId="{F62940DA-37A4-4D07-ACF2-0CEA7AC91757}" srcOrd="0" destOrd="0" parTransId="{4125334E-F82D-4AB7-9A28-90E8DCDE2637}" sibTransId="{62D9652E-9BE8-4476-A4C5-58D32663BA67}"/>
+    <dgm:cxn modelId="{BCE2E609-F5FD-4D47-8044-B2D3C24E44D5}" srcId="{6FB126C9-4DE9-466A-B25B-AC57AA36B4A8}" destId="{BBBFE2C6-6943-42DD-A5DD-D6818DA7D418}" srcOrd="0" destOrd="0" parTransId="{F777CEEA-C19F-453B-8807-1F928AEC03EC}" sibTransId="{18226821-D713-4B27-947C-0725DE36937B}"/>
+    <dgm:cxn modelId="{A3BC6206-2066-4E27-BD72-A0F5854040D6}" srcId="{AC62F493-CDC1-4D34-9615-782F8A2EC453}" destId="{C50BEBBB-54F1-4503-8F3F-372EE468F041}" srcOrd="2" destOrd="0" parTransId="{DF3E6CEC-D113-4C00-B57E-38DB41CA9A70}" sibTransId="{A80EE40A-C922-4480-97CC-43A959177CB1}"/>
+    <dgm:cxn modelId="{424AEB46-983D-42EE-BDAC-A0B59FF39508}" type="presOf" srcId="{5155967F-FA0A-4587-9DF5-C229C7C1341C}" destId="{CFC34C5D-362C-4F86-88A4-FBF87B2C7427}" srcOrd="0" destOrd="1" presId="urn:microsoft.com/office/officeart/2005/8/layout/chevron2"/>
+    <dgm:cxn modelId="{F7FC40D5-49B9-4216-B666-F182EECE7F22}" srcId="{6FB126C9-4DE9-466A-B25B-AC57AA36B4A8}" destId="{37537909-E19F-4776-A91A-0D12E09133A5}" srcOrd="3" destOrd="0" parTransId="{9077AE51-18B7-4DB0-9288-035166BD8D73}" sibTransId="{98C217FE-84A1-489B-8008-B276AF7E0FFF}"/>
+    <dgm:cxn modelId="{5BB7F946-2644-4866-993F-D37B265F39A2}" srcId="{319E2ED7-DAC0-475E-B7F4-31BD7A5B9166}" destId="{6FB126C9-4DE9-466A-B25B-AC57AA36B4A8}" srcOrd="3" destOrd="0" parTransId="{C899445F-DA4D-4276-9976-650356A15FAE}" sibTransId="{6B59BCFD-82F5-4EE5-BBA3-7C0C82963889}"/>
+    <dgm:cxn modelId="{236F0FB2-695E-473F-8749-D2910A11D1DE}" type="presOf" srcId="{319E2ED7-DAC0-475E-B7F4-31BD7A5B9166}" destId="{839CC9F4-E7D6-485F-85CD-EC9B7273AD54}" srcOrd="0" destOrd="0" presId="urn:microsoft.com/office/officeart/2005/8/layout/chevron2"/>
+    <dgm:cxn modelId="{9AACCA81-1E4D-4D70-B868-C4798071B132}" srcId="{AC62F493-CDC1-4D34-9615-782F8A2EC453}" destId="{AEF24AE9-0AB3-4763-A5DA-3018061F5588}" srcOrd="3" destOrd="0" parTransId="{7FADB0DA-D63D-45EB-BBFF-8EE9D5BAF632}" sibTransId="{6F723BFF-936F-4352-BB40-FDEDCC497E6D}"/>
+    <dgm:cxn modelId="{7D0235AC-8540-44A3-BCFB-96307951F434}" type="presOf" srcId="{D3B228FB-1135-4D34-B378-4E75EFDAC51D}" destId="{CFC34C5D-362C-4F86-88A4-FBF87B2C7427}" srcOrd="0" destOrd="0" presId="urn:microsoft.com/office/officeart/2005/8/layout/chevron2"/>
+    <dgm:cxn modelId="{47B03B05-419C-4EC6-96AF-A7685A8981D5}" type="presOf" srcId="{F62940DA-37A4-4D07-ACF2-0CEA7AC91757}" destId="{71D3D0C1-943C-4F07-851A-449A1ADF9B3C}" srcOrd="0" destOrd="0" presId="urn:microsoft.com/office/officeart/2005/8/layout/chevron2"/>
     <dgm:cxn modelId="{0F152CF0-FE4F-41C3-AD79-1103EE14CB26}" type="presOf" srcId="{BBBFE2C6-6943-42DD-A5DD-D6818DA7D418}" destId="{635E652E-FF37-4DFF-95CD-8CA4BA2A8607}" srcOrd="0" destOrd="0" presId="urn:microsoft.com/office/officeart/2005/8/layout/chevron2"/>
-    <dgm:cxn modelId="{9AACCA81-1E4D-4D70-B868-C4798071B132}" srcId="{AC62F493-CDC1-4D34-9615-782F8A2EC453}" destId="{AEF24AE9-0AB3-4763-A5DA-3018061F5588}" srcOrd="3" destOrd="0" parTransId="{7FADB0DA-D63D-45EB-BBFF-8EE9D5BAF632}" sibTransId="{6F723BFF-936F-4352-BB40-FDEDCC497E6D}"/>
-    <dgm:cxn modelId="{47B03B05-419C-4EC6-96AF-A7685A8981D5}" type="presOf" srcId="{F62940DA-37A4-4D07-ACF2-0CEA7AC91757}" destId="{71D3D0C1-943C-4F07-851A-449A1ADF9B3C}" srcOrd="0" destOrd="0" presId="urn:microsoft.com/office/officeart/2005/8/layout/chevron2"/>
-    <dgm:cxn modelId="{C79B078C-D58A-47CF-94B0-7E387B47895B}" srcId="{6FB126C9-4DE9-466A-B25B-AC57AA36B4A8}" destId="{9CB56806-528A-44C1-B476-9B43D6E887C0}" srcOrd="1" destOrd="0" parTransId="{DFF6BF32-45C2-4942-B6C7-2656E49203DD}" sibTransId="{74CBDB70-6C77-4F6B-8303-DE1F7A3314B4}"/>
-    <dgm:cxn modelId="{424AEB46-983D-42EE-BDAC-A0B59FF39508}" type="presOf" srcId="{5155967F-FA0A-4587-9DF5-C229C7C1341C}" destId="{CFC34C5D-362C-4F86-88A4-FBF87B2C7427}" srcOrd="0" destOrd="1" presId="urn:microsoft.com/office/officeart/2005/8/layout/chevron2"/>
-    <dgm:cxn modelId="{00EB73C6-3193-4443-851A-936E32877ADD}" type="presOf" srcId="{C50BEBBB-54F1-4503-8F3F-372EE468F041}" destId="{CFC34C5D-362C-4F86-88A4-FBF87B2C7427}" srcOrd="0" destOrd="2" presId="urn:microsoft.com/office/officeart/2005/8/layout/chevron2"/>
     <dgm:cxn modelId="{986B3B8B-DE94-4ECB-8BEB-53DE5AD5C2FF}" type="presOf" srcId="{82B52429-3E42-43BB-8391-EEA5D69683A3}" destId="{C4A35548-2E21-4AAA-AE63-C60FCAEA2D26}" srcOrd="0" destOrd="1" presId="urn:microsoft.com/office/officeart/2005/8/layout/chevron2"/>
-    <dgm:cxn modelId="{81DA24D7-97CE-438F-B852-BF9BF348C0B3}" srcId="{D957C335-3589-4AA0-920B-00DB91C683BF}" destId="{75A8AF5E-E077-421B-9B83-1D16FC13CC3E}" srcOrd="0" destOrd="0" parTransId="{6DC162DF-BB4B-4EED-8F82-97B9EA69275B}" sibTransId="{99D8C5BF-696F-4C46-B987-D4C950E716F2}"/>
-    <dgm:cxn modelId="{19DF7B0B-DAB6-469D-AF09-E2BBF4267F49}" type="presOf" srcId="{AEF24AE9-0AB3-4763-A5DA-3018061F5588}" destId="{CFC34C5D-362C-4F86-88A4-FBF87B2C7427}" srcOrd="0" destOrd="3" presId="urn:microsoft.com/office/officeart/2005/8/layout/chevron2"/>
-    <dgm:cxn modelId="{A3BC6206-2066-4E27-BD72-A0F5854040D6}" srcId="{AC62F493-CDC1-4D34-9615-782F8A2EC453}" destId="{C50BEBBB-54F1-4503-8F3F-372EE468F041}" srcOrd="2" destOrd="0" parTransId="{DF3E6CEC-D113-4C00-B57E-38DB41CA9A70}" sibTransId="{A80EE40A-C922-4480-97CC-43A959177CB1}"/>
-    <dgm:cxn modelId="{BCE2E609-F5FD-4D47-8044-B2D3C24E44D5}" srcId="{6FB126C9-4DE9-466A-B25B-AC57AA36B4A8}" destId="{BBBFE2C6-6943-42DD-A5DD-D6818DA7D418}" srcOrd="0" destOrd="0" parTransId="{F777CEEA-C19F-453B-8807-1F928AEC03EC}" sibTransId="{18226821-D713-4B27-947C-0725DE36937B}"/>
-    <dgm:cxn modelId="{5B94BBC2-A917-4F14-BBAF-71CDA57D6E46}" srcId="{319E2ED7-DAC0-475E-B7F4-31BD7A5B9166}" destId="{D957C335-3589-4AA0-920B-00DB91C683BF}" srcOrd="0" destOrd="0" parTransId="{C09C0A58-B08D-4AD8-92AE-2C0B81B850CB}" sibTransId="{BED980AE-90CC-4293-8282-401B45C67475}"/>
-    <dgm:cxn modelId="{2EE161C4-F368-49DA-9263-5565E17AC390}" srcId="{82A2100F-ACB1-4FB2-B588-2162CCE0A7EC}" destId="{F62940DA-37A4-4D07-ACF2-0CEA7AC91757}" srcOrd="0" destOrd="0" parTransId="{4125334E-F82D-4AB7-9A28-90E8DCDE2637}" sibTransId="{62D9652E-9BE8-4476-A4C5-58D32663BA67}"/>
-    <dgm:cxn modelId="{7984A512-A146-4663-A47E-6ADCB4FA6DF7}" srcId="{319E2ED7-DAC0-475E-B7F4-31BD7A5B9166}" destId="{82A2100F-ACB1-4FB2-B588-2162CCE0A7EC}" srcOrd="1" destOrd="0" parTransId="{D4ED4BAD-3900-46F1-AF51-98F72F7DCE07}" sibTransId="{7D54EAF5-9F72-4894-A745-4C7830259640}"/>
-    <dgm:cxn modelId="{063EB3C0-7438-4879-9E2E-E0F41B7FB189}" type="presOf" srcId="{9CB56806-528A-44C1-B476-9B43D6E887C0}" destId="{635E652E-FF37-4DFF-95CD-8CA4BA2A8607}" srcOrd="0" destOrd="1" presId="urn:microsoft.com/office/officeart/2005/8/layout/chevron2"/>
-    <dgm:cxn modelId="{B23F0335-5FA2-4792-9D39-CC7C8715EB40}" type="presOf" srcId="{6FB126C9-4DE9-466A-B25B-AC57AA36B4A8}" destId="{C6191146-B27E-4576-889C-63715DA6B13F}" srcOrd="0" destOrd="0" presId="urn:microsoft.com/office/officeart/2005/8/layout/chevron2"/>
-    <dgm:cxn modelId="{84E9938B-3CA2-47EC-865D-AB3EB24F5CEF}" srcId="{AC62F493-CDC1-4D34-9615-782F8A2EC453}" destId="{5155967F-FA0A-4587-9DF5-C229C7C1341C}" srcOrd="1" destOrd="0" parTransId="{73AB8B54-034E-4BC5-8111-248E92063304}" sibTransId="{01368EB3-46CD-4698-96C7-5F60B9A29451}"/>
-    <dgm:cxn modelId="{4EF8FF02-E84E-4A2A-BE64-590744BB1ECC}" srcId="{82A2100F-ACB1-4FB2-B588-2162CCE0A7EC}" destId="{08471830-FB56-47BF-8120-388DF827F600}" srcOrd="1" destOrd="0" parTransId="{81E2EC31-99EB-46A4-96E2-0EAFE8119909}" sibTransId="{30669AC3-1C30-4302-8714-BAE75147CD7B}"/>
-    <dgm:cxn modelId="{60F36FC5-56E2-4EBB-89A6-7FBC4B31009C}" srcId="{6FB126C9-4DE9-466A-B25B-AC57AA36B4A8}" destId="{A65BB76B-6769-4336-B9A5-2CC4F1A9DF53}" srcOrd="2" destOrd="0" parTransId="{8149FB2C-C327-43F1-A0EF-E84067A22E2B}" sibTransId="{46D0B279-62B2-49C7-A4EC-E7C64778DCBB}"/>
-    <dgm:cxn modelId="{7D0235AC-8540-44A3-BCFB-96307951F434}" type="presOf" srcId="{D3B228FB-1135-4D34-B378-4E75EFDAC51D}" destId="{CFC34C5D-362C-4F86-88A4-FBF87B2C7427}" srcOrd="0" destOrd="0" presId="urn:microsoft.com/office/officeart/2005/8/layout/chevron2"/>
-    <dgm:cxn modelId="{C1F94BDE-4A9C-4F43-8E28-AA89E109CBB5}" type="presOf" srcId="{08471830-FB56-47BF-8120-388DF827F600}" destId="{71D3D0C1-943C-4F07-851A-449A1ADF9B3C}" srcOrd="0" destOrd="1" presId="urn:microsoft.com/office/officeart/2005/8/layout/chevron2"/>
-    <dgm:cxn modelId="{D5C16949-916C-47D2-B666-403C11A53BDC}" type="presOf" srcId="{A65BB76B-6769-4336-B9A5-2CC4F1A9DF53}" destId="{635E652E-FF37-4DFF-95CD-8CA4BA2A8607}" srcOrd="0" destOrd="2" presId="urn:microsoft.com/office/officeart/2005/8/layout/chevron2"/>
-    <dgm:cxn modelId="{2D5E0BA9-CF6C-4340-A554-6D094D4B6F20}" type="presOf" srcId="{AC62F493-CDC1-4D34-9615-782F8A2EC453}" destId="{1EF1D0A2-CEB4-4E60-AB0F-BCD66F169E2A}" srcOrd="0" destOrd="0" presId="urn:microsoft.com/office/officeart/2005/8/layout/chevron2"/>
-    <dgm:cxn modelId="{F5F196BB-E062-4666-ADBF-28AB8EB88591}" type="presOf" srcId="{D957C335-3589-4AA0-920B-00DB91C683BF}" destId="{30D1CCFE-B9E2-495C-A14E-C264FE155CBE}" srcOrd="0" destOrd="0" presId="urn:microsoft.com/office/officeart/2005/8/layout/chevron2"/>
-    <dgm:cxn modelId="{5BB7F946-2644-4866-993F-D37B265F39A2}" srcId="{319E2ED7-DAC0-475E-B7F4-31BD7A5B9166}" destId="{6FB126C9-4DE9-466A-B25B-AC57AA36B4A8}" srcOrd="3" destOrd="0" parTransId="{C899445F-DA4D-4276-9976-650356A15FAE}" sibTransId="{6B59BCFD-82F5-4EE5-BBA3-7C0C82963889}"/>
-    <dgm:cxn modelId="{15854B30-8AE7-468A-A4F9-0BD7B64E0B5F}" srcId="{319E2ED7-DAC0-475E-B7F4-31BD7A5B9166}" destId="{AC62F493-CDC1-4D34-9615-782F8A2EC453}" srcOrd="2" destOrd="0" parTransId="{34AD31BE-5FB2-4D11-AA64-1D0D7647C0A3}" sibTransId="{B2AF5689-8D5E-4357-BB39-A0DC8FC6B568}"/>
-    <dgm:cxn modelId="{236F0FB2-695E-473F-8749-D2910A11D1DE}" type="presOf" srcId="{319E2ED7-DAC0-475E-B7F4-31BD7A5B9166}" destId="{839CC9F4-E7D6-485F-85CD-EC9B7273AD54}" srcOrd="0" destOrd="0" presId="urn:microsoft.com/office/officeart/2005/8/layout/chevron2"/>
     <dgm:cxn modelId="{19D9697A-0A0E-4C75-8A31-FDD5D1FA04E0}" srcId="{AC62F493-CDC1-4D34-9615-782F8A2EC453}" destId="{D3B228FB-1135-4D34-B378-4E75EFDAC51D}" srcOrd="0" destOrd="0" parTransId="{C2B3747A-EF36-4A3B-A5F2-72991B72834B}" sibTransId="{8F929D1B-961A-46AF-9542-68CA108D7D54}"/>
-    <dgm:cxn modelId="{B73A275F-7945-483C-8FE0-7D9EA16D1BBA}" srcId="{D957C335-3589-4AA0-920B-00DB91C683BF}" destId="{82B52429-3E42-43BB-8391-EEA5D69683A3}" srcOrd="1" destOrd="0" parTransId="{F1DE50FC-DC8F-4E5C-9D47-D6BA187B7FD3}" sibTransId="{9C83342E-B54D-4BD5-A4BD-29FC60D70700}"/>
     <dgm:cxn modelId="{0BC5C6DE-C656-4E47-BA61-591C575E6077}" type="presParOf" srcId="{839CC9F4-E7D6-485F-85CD-EC9B7273AD54}" destId="{77F424D6-A675-4ED7-BDAE-10ED3676A257}" srcOrd="0" destOrd="0" presId="urn:microsoft.com/office/officeart/2005/8/layout/chevron2"/>
     <dgm:cxn modelId="{9101EB04-1918-4C7A-85FD-8E7CA447E70D}" type="presParOf" srcId="{77F424D6-A675-4ED7-BDAE-10ED3676A257}" destId="{30D1CCFE-B9E2-495C-A14E-C264FE155CBE}" srcOrd="0" destOrd="0" presId="urn:microsoft.com/office/officeart/2005/8/layout/chevron2"/>
     <dgm:cxn modelId="{69A24B12-64A0-4D47-B49B-A6AA6EB7AB85}" type="presParOf" srcId="{77F424D6-A675-4ED7-BDAE-10ED3676A257}" destId="{C4A35548-2E21-4AAA-AE63-C60FCAEA2D26}" srcOrd="1" destOrd="0" presId="urn:microsoft.com/office/officeart/2005/8/layout/chevron2"/>
@@ -4491,14 +4512,35 @@
         </dgm:presLayoutVars>
       </dgm:prSet>
       <dgm:spPr/>
+      <dgm:t>
+        <a:bodyPr/>
+        <a:lstStyle/>
+        <a:p>
+          <a:endParaRPr lang="en-US"/>
+        </a:p>
+      </dgm:t>
     </dgm:pt>
     <dgm:pt modelId="{E9E4A4BD-0093-435C-9115-848F665F9AA0}" type="pres">
       <dgm:prSet presAssocID="{BFFBE2B9-A1E7-492E-AA38-7CBE923FE46D}" presName="centerShape" presStyleLbl="node0" presStyleIdx="0" presStyleCnt="1"/>
       <dgm:spPr/>
+      <dgm:t>
+        <a:bodyPr/>
+        <a:lstStyle/>
+        <a:p>
+          <a:endParaRPr lang="en-US"/>
+        </a:p>
+      </dgm:t>
     </dgm:pt>
     <dgm:pt modelId="{5081C45D-A36D-4185-91BD-81A1E7F3B6B8}" type="pres">
       <dgm:prSet presAssocID="{B4C7B20A-95EA-48DF-9217-98BBB03BC3F4}" presName="parTrans" presStyleLbl="bgSibTrans2D1" presStyleIdx="0" presStyleCnt="7"/>
       <dgm:spPr/>
+      <dgm:t>
+        <a:bodyPr/>
+        <a:lstStyle/>
+        <a:p>
+          <a:endParaRPr lang="en-US"/>
+        </a:p>
+      </dgm:t>
     </dgm:pt>
     <dgm:pt modelId="{3B91C0C3-A5ED-4F3A-982B-F35D092D591F}" type="pres">
       <dgm:prSet presAssocID="{B803AAFB-9078-4D4E-82D1-D8CB1C37EB39}" presName="node" presStyleLbl="node1" presStyleIdx="0" presStyleCnt="7">
@@ -4507,10 +4549,24 @@
         </dgm:presLayoutVars>
       </dgm:prSet>
       <dgm:spPr/>
+      <dgm:t>
+        <a:bodyPr/>
+        <a:lstStyle/>
+        <a:p>
+          <a:endParaRPr lang="en-US"/>
+        </a:p>
+      </dgm:t>
     </dgm:pt>
     <dgm:pt modelId="{F1678E16-27EA-4D42-B2C6-D2938477D7DE}" type="pres">
       <dgm:prSet presAssocID="{BD2CF3DD-6EFF-4DA8-BD12-FACAD1F86B23}" presName="parTrans" presStyleLbl="bgSibTrans2D1" presStyleIdx="1" presStyleCnt="7"/>
       <dgm:spPr/>
+      <dgm:t>
+        <a:bodyPr/>
+        <a:lstStyle/>
+        <a:p>
+          <a:endParaRPr lang="en-US"/>
+        </a:p>
+      </dgm:t>
     </dgm:pt>
     <dgm:pt modelId="{72464EC3-B6F8-43A7-B11E-766BDD322941}" type="pres">
       <dgm:prSet presAssocID="{47D94CE3-2EA3-4E0E-80B6-290CA80DB31D}" presName="node" presStyleLbl="node1" presStyleIdx="1" presStyleCnt="7">
@@ -4519,10 +4575,24 @@
         </dgm:presLayoutVars>
       </dgm:prSet>
       <dgm:spPr/>
+      <dgm:t>
+        <a:bodyPr/>
+        <a:lstStyle/>
+        <a:p>
+          <a:endParaRPr lang="en-US"/>
+        </a:p>
+      </dgm:t>
     </dgm:pt>
     <dgm:pt modelId="{2AEDBDB1-3D70-4118-95AC-548E4B9178AE}" type="pres">
       <dgm:prSet presAssocID="{031DC8EC-6898-4BE9-936D-D904E6424B6B}" presName="parTrans" presStyleLbl="bgSibTrans2D1" presStyleIdx="2" presStyleCnt="7"/>
       <dgm:spPr/>
+      <dgm:t>
+        <a:bodyPr/>
+        <a:lstStyle/>
+        <a:p>
+          <a:endParaRPr lang="en-US"/>
+        </a:p>
+      </dgm:t>
     </dgm:pt>
     <dgm:pt modelId="{23047861-DFAB-4C58-BEA8-5342E1B552E4}" type="pres">
       <dgm:prSet presAssocID="{4F2E6C40-9D62-4766-A17D-1BDF80CD6768}" presName="node" presStyleLbl="node1" presStyleIdx="2" presStyleCnt="7">
@@ -4531,10 +4601,24 @@
         </dgm:presLayoutVars>
       </dgm:prSet>
       <dgm:spPr/>
+      <dgm:t>
+        <a:bodyPr/>
+        <a:lstStyle/>
+        <a:p>
+          <a:endParaRPr lang="en-US"/>
+        </a:p>
+      </dgm:t>
     </dgm:pt>
     <dgm:pt modelId="{79BC5D14-726C-4864-BF26-C1A0D4C4F999}" type="pres">
       <dgm:prSet presAssocID="{AF53C09A-D77B-4692-A77A-217C2C767671}" presName="parTrans" presStyleLbl="bgSibTrans2D1" presStyleIdx="3" presStyleCnt="7"/>
       <dgm:spPr/>
+      <dgm:t>
+        <a:bodyPr/>
+        <a:lstStyle/>
+        <a:p>
+          <a:endParaRPr lang="en-US"/>
+        </a:p>
+      </dgm:t>
     </dgm:pt>
     <dgm:pt modelId="{FA9D91B0-E6D5-4BEB-A522-617F6AC2EEAD}" type="pres">
       <dgm:prSet presAssocID="{7E9285B7-82CE-49D8-B01F-570019BFB64B}" presName="node" presStyleLbl="node1" presStyleIdx="3" presStyleCnt="7">
@@ -4543,10 +4627,24 @@
         </dgm:presLayoutVars>
       </dgm:prSet>
       <dgm:spPr/>
+      <dgm:t>
+        <a:bodyPr/>
+        <a:lstStyle/>
+        <a:p>
+          <a:endParaRPr lang="en-US"/>
+        </a:p>
+      </dgm:t>
     </dgm:pt>
     <dgm:pt modelId="{32E5C632-2E14-4F75-954F-F73C049CD5CB}" type="pres">
       <dgm:prSet presAssocID="{23FF2D79-224C-4636-83BD-C660F93D2AF5}" presName="parTrans" presStyleLbl="bgSibTrans2D1" presStyleIdx="4" presStyleCnt="7"/>
       <dgm:spPr/>
+      <dgm:t>
+        <a:bodyPr/>
+        <a:lstStyle/>
+        <a:p>
+          <a:endParaRPr lang="en-US"/>
+        </a:p>
+      </dgm:t>
     </dgm:pt>
     <dgm:pt modelId="{5D9CE0E7-F9E5-4759-ABE7-27E939EE761A}" type="pres">
       <dgm:prSet presAssocID="{296731BE-7F75-41BE-A655-CCAE5CC14B53}" presName="node" presStyleLbl="node1" presStyleIdx="4" presStyleCnt="7">
@@ -4555,10 +4653,24 @@
         </dgm:presLayoutVars>
       </dgm:prSet>
       <dgm:spPr/>
+      <dgm:t>
+        <a:bodyPr/>
+        <a:lstStyle/>
+        <a:p>
+          <a:endParaRPr lang="en-US"/>
+        </a:p>
+      </dgm:t>
     </dgm:pt>
     <dgm:pt modelId="{27DF259A-5344-4FF7-97E4-A97EC4C703AB}" type="pres">
       <dgm:prSet presAssocID="{B36CE1C1-6FA6-49EF-9DB8-C7DAF7319E4B}" presName="parTrans" presStyleLbl="bgSibTrans2D1" presStyleIdx="5" presStyleCnt="7"/>
       <dgm:spPr/>
+      <dgm:t>
+        <a:bodyPr/>
+        <a:lstStyle/>
+        <a:p>
+          <a:endParaRPr lang="en-US"/>
+        </a:p>
+      </dgm:t>
     </dgm:pt>
     <dgm:pt modelId="{D129AEE7-0451-44D1-840B-7DC4512E6152}" type="pres">
       <dgm:prSet presAssocID="{FB69DC2B-80D5-4AE9-9F3F-700C0DC67272}" presName="node" presStyleLbl="node1" presStyleIdx="5" presStyleCnt="7">
@@ -4567,10 +4679,24 @@
         </dgm:presLayoutVars>
       </dgm:prSet>
       <dgm:spPr/>
+      <dgm:t>
+        <a:bodyPr/>
+        <a:lstStyle/>
+        <a:p>
+          <a:endParaRPr lang="en-US"/>
+        </a:p>
+      </dgm:t>
     </dgm:pt>
     <dgm:pt modelId="{3C5F09C6-46F1-44D4-85F9-437FE56CCE92}" type="pres">
       <dgm:prSet presAssocID="{FF1C50CD-2C53-4C99-824D-FB3F0A7FD4C5}" presName="parTrans" presStyleLbl="bgSibTrans2D1" presStyleIdx="6" presStyleCnt="7"/>
       <dgm:spPr/>
+      <dgm:t>
+        <a:bodyPr/>
+        <a:lstStyle/>
+        <a:p>
+          <a:endParaRPr lang="en-US"/>
+        </a:p>
+      </dgm:t>
     </dgm:pt>
     <dgm:pt modelId="{4032468B-6AD6-4881-941F-92B88D330E78}" type="pres">
       <dgm:prSet presAssocID="{AD03B8E1-80C5-484C-88C0-EB9617D26D22}" presName="node" presStyleLbl="node1" presStyleIdx="6" presStyleCnt="7">
@@ -4579,33 +4705,40 @@
         </dgm:presLayoutVars>
       </dgm:prSet>
       <dgm:spPr/>
+      <dgm:t>
+        <a:bodyPr/>
+        <a:lstStyle/>
+        <a:p>
+          <a:endParaRPr lang="en-US"/>
+        </a:p>
+      </dgm:t>
     </dgm:pt>
   </dgm:ptLst>
   <dgm:cxnLst>
-    <dgm:cxn modelId="{3E13B67B-ACE8-4930-B124-E72C4B4BCA77}" srcId="{BFFBE2B9-A1E7-492E-AA38-7CBE923FE46D}" destId="{47D94CE3-2EA3-4E0E-80B6-290CA80DB31D}" srcOrd="1" destOrd="0" parTransId="{BD2CF3DD-6EFF-4DA8-BD12-FACAD1F86B23}" sibTransId="{72C58F87-8BDA-4B2D-97A0-D51ED4056FBC}"/>
-    <dgm:cxn modelId="{07F83128-4B38-404B-9833-009F4544FFBE}" type="presOf" srcId="{296731BE-7F75-41BE-A655-CCAE5CC14B53}" destId="{5D9CE0E7-F9E5-4759-ABE7-27E939EE761A}" srcOrd="0" destOrd="0" presId="urn:microsoft.com/office/officeart/2005/8/layout/radial4"/>
-    <dgm:cxn modelId="{4013BD41-B9E5-4E83-872F-6E776BFB85F7}" type="presOf" srcId="{AD03B8E1-80C5-484C-88C0-EB9617D26D22}" destId="{4032468B-6AD6-4881-941F-92B88D330E78}" srcOrd="0" destOrd="0" presId="urn:microsoft.com/office/officeart/2005/8/layout/radial4"/>
-    <dgm:cxn modelId="{B2D806DE-D7E8-4136-9094-659F4F1420BA}" type="presOf" srcId="{2649BE97-7B76-4088-A4AD-73506D266672}" destId="{5C47583B-30A2-4D79-8BD0-D95EAAFAE3F8}" srcOrd="0" destOrd="0" presId="urn:microsoft.com/office/officeart/2005/8/layout/radial4"/>
-    <dgm:cxn modelId="{B4C5523A-7FFA-4833-8E99-929985856227}" type="presOf" srcId="{B4C7B20A-95EA-48DF-9217-98BBB03BC3F4}" destId="{5081C45D-A36D-4185-91BD-81A1E7F3B6B8}" srcOrd="0" destOrd="0" presId="urn:microsoft.com/office/officeart/2005/8/layout/radial4"/>
-    <dgm:cxn modelId="{83C5356B-B76E-4548-9B3B-A16D46211BF3}" type="presOf" srcId="{B803AAFB-9078-4D4E-82D1-D8CB1C37EB39}" destId="{3B91C0C3-A5ED-4F3A-982B-F35D092D591F}" srcOrd="0" destOrd="0" presId="urn:microsoft.com/office/officeart/2005/8/layout/radial4"/>
-    <dgm:cxn modelId="{67BC1F66-D5F8-455B-9F9D-34AEE6480CAB}" srcId="{BFFBE2B9-A1E7-492E-AA38-7CBE923FE46D}" destId="{4F2E6C40-9D62-4766-A17D-1BDF80CD6768}" srcOrd="2" destOrd="0" parTransId="{031DC8EC-6898-4BE9-936D-D904E6424B6B}" sibTransId="{A80288C0-7607-4171-8BF1-C00698D6B16B}"/>
-    <dgm:cxn modelId="{272D5527-BBC9-47C4-B950-C781551DFD54}" type="presOf" srcId="{BFFBE2B9-A1E7-492E-AA38-7CBE923FE46D}" destId="{E9E4A4BD-0093-435C-9115-848F665F9AA0}" srcOrd="0" destOrd="0" presId="urn:microsoft.com/office/officeart/2005/8/layout/radial4"/>
-    <dgm:cxn modelId="{81E041D8-883D-42BE-B625-1D713E8AA807}" type="presOf" srcId="{031DC8EC-6898-4BE9-936D-D904E6424B6B}" destId="{2AEDBDB1-3D70-4118-95AC-548E4B9178AE}" srcOrd="0" destOrd="0" presId="urn:microsoft.com/office/officeart/2005/8/layout/radial4"/>
+    <dgm:cxn modelId="{D761AD82-8ED5-4499-9CAF-D6B544A7B445}" srcId="{BFFBE2B9-A1E7-492E-AA38-7CBE923FE46D}" destId="{7E9285B7-82CE-49D8-B01F-570019BFB64B}" srcOrd="3" destOrd="0" parTransId="{AF53C09A-D77B-4692-A77A-217C2C767671}" sibTransId="{E0B9BF97-3247-403D-B35C-C23667B46CDB}"/>
     <dgm:cxn modelId="{37B88942-9AB2-47FE-851A-718BB2382CFE}" type="presOf" srcId="{B36CE1C1-6FA6-49EF-9DB8-C7DAF7319E4B}" destId="{27DF259A-5344-4FF7-97E4-A97EC4C703AB}" srcOrd="0" destOrd="0" presId="urn:microsoft.com/office/officeart/2005/8/layout/radial4"/>
-    <dgm:cxn modelId="{782B9F13-BCB5-4FCF-9D91-D8AECF7DF05F}" type="presOf" srcId="{47D94CE3-2EA3-4E0E-80B6-290CA80DB31D}" destId="{72464EC3-B6F8-43A7-B11E-766BDD322941}" srcOrd="0" destOrd="0" presId="urn:microsoft.com/office/officeart/2005/8/layout/radial4"/>
-    <dgm:cxn modelId="{DAB9E3A0-C6BE-4AFE-A8A9-5770B9BA91FB}" srcId="{BFFBE2B9-A1E7-492E-AA38-7CBE923FE46D}" destId="{FB69DC2B-80D5-4AE9-9F3F-700C0DC67272}" srcOrd="5" destOrd="0" parTransId="{B36CE1C1-6FA6-49EF-9DB8-C7DAF7319E4B}" sibTransId="{639FCF37-1415-4422-B780-932130F2CF32}"/>
-    <dgm:cxn modelId="{3A54091C-FE3E-4C4B-A9B1-4B7D0C564A96}" srcId="{BFFBE2B9-A1E7-492E-AA38-7CBE923FE46D}" destId="{B803AAFB-9078-4D4E-82D1-D8CB1C37EB39}" srcOrd="0" destOrd="0" parTransId="{B4C7B20A-95EA-48DF-9217-98BBB03BC3F4}" sibTransId="{AEDF8624-8DA5-47BF-9123-17095C1D732A}"/>
-    <dgm:cxn modelId="{00C85382-332C-4A04-AEF7-3000FDA9BF2E}" type="presOf" srcId="{AF53C09A-D77B-4692-A77A-217C2C767671}" destId="{79BC5D14-726C-4864-BF26-C1A0D4C4F999}" srcOrd="0" destOrd="0" presId="urn:microsoft.com/office/officeart/2005/8/layout/radial4"/>
-    <dgm:cxn modelId="{E4064268-BBCC-4C7C-80C5-2EEA4B8B692B}" type="presOf" srcId="{BD2CF3DD-6EFF-4DA8-BD12-FACAD1F86B23}" destId="{F1678E16-27EA-4D42-B2C6-D2938477D7DE}" srcOrd="0" destOrd="0" presId="urn:microsoft.com/office/officeart/2005/8/layout/radial4"/>
-    <dgm:cxn modelId="{D761AD82-8ED5-4499-9CAF-D6B544A7B445}" srcId="{BFFBE2B9-A1E7-492E-AA38-7CBE923FE46D}" destId="{7E9285B7-82CE-49D8-B01F-570019BFB64B}" srcOrd="3" destOrd="0" parTransId="{AF53C09A-D77B-4692-A77A-217C2C767671}" sibTransId="{E0B9BF97-3247-403D-B35C-C23667B46CDB}"/>
-    <dgm:cxn modelId="{A0E1C776-5E05-4981-9B92-EBB5455F393C}" type="presOf" srcId="{FB69DC2B-80D5-4AE9-9F3F-700C0DC67272}" destId="{D129AEE7-0451-44D1-840B-7DC4512E6152}" srcOrd="0" destOrd="0" presId="urn:microsoft.com/office/officeart/2005/8/layout/radial4"/>
-    <dgm:cxn modelId="{1297388D-5C5C-4E74-A961-EBB301816486}" type="presOf" srcId="{23FF2D79-224C-4636-83BD-C660F93D2AF5}" destId="{32E5C632-2E14-4F75-954F-F73C049CD5CB}" srcOrd="0" destOrd="0" presId="urn:microsoft.com/office/officeart/2005/8/layout/radial4"/>
+    <dgm:cxn modelId="{4BD96E53-47E9-4184-A5B0-48C602C9FD98}" type="presOf" srcId="{7E9285B7-82CE-49D8-B01F-570019BFB64B}" destId="{FA9D91B0-E6D5-4BEB-A522-617F6AC2EEAD}" srcOrd="0" destOrd="0" presId="urn:microsoft.com/office/officeart/2005/8/layout/radial4"/>
     <dgm:cxn modelId="{16C46BA7-CE79-44D9-AB17-0374466E4169}" srcId="{2649BE97-7B76-4088-A4AD-73506D266672}" destId="{BFFBE2B9-A1E7-492E-AA38-7CBE923FE46D}" srcOrd="0" destOrd="0" parTransId="{A67885EF-62ED-47E8-A42D-8B29E4FB7A44}" sibTransId="{D31BE81A-D8F4-4EBE-855C-652B91E53EDD}"/>
     <dgm:cxn modelId="{21A99BD1-ABB1-4B01-AE82-5FBF2BDE4EFC}" type="presOf" srcId="{FF1C50CD-2C53-4C99-824D-FB3F0A7FD4C5}" destId="{3C5F09C6-46F1-44D4-85F9-437FE56CCE92}" srcOrd="0" destOrd="0" presId="urn:microsoft.com/office/officeart/2005/8/layout/radial4"/>
+    <dgm:cxn modelId="{67BC1F66-D5F8-455B-9F9D-34AEE6480CAB}" srcId="{BFFBE2B9-A1E7-492E-AA38-7CBE923FE46D}" destId="{4F2E6C40-9D62-4766-A17D-1BDF80CD6768}" srcOrd="2" destOrd="0" parTransId="{031DC8EC-6898-4BE9-936D-D904E6424B6B}" sibTransId="{A80288C0-7607-4171-8BF1-C00698D6B16B}"/>
+    <dgm:cxn modelId="{3A54091C-FE3E-4C4B-A9B1-4B7D0C564A96}" srcId="{BFFBE2B9-A1E7-492E-AA38-7CBE923FE46D}" destId="{B803AAFB-9078-4D4E-82D1-D8CB1C37EB39}" srcOrd="0" destOrd="0" parTransId="{B4C7B20A-95EA-48DF-9217-98BBB03BC3F4}" sibTransId="{AEDF8624-8DA5-47BF-9123-17095C1D732A}"/>
+    <dgm:cxn modelId="{B4C5523A-7FFA-4833-8E99-929985856227}" type="presOf" srcId="{B4C7B20A-95EA-48DF-9217-98BBB03BC3F4}" destId="{5081C45D-A36D-4185-91BD-81A1E7F3B6B8}" srcOrd="0" destOrd="0" presId="urn:microsoft.com/office/officeart/2005/8/layout/radial4"/>
+    <dgm:cxn modelId="{1297388D-5C5C-4E74-A961-EBB301816486}" type="presOf" srcId="{23FF2D79-224C-4636-83BD-C660F93D2AF5}" destId="{32E5C632-2E14-4F75-954F-F73C049CD5CB}" srcOrd="0" destOrd="0" presId="urn:microsoft.com/office/officeart/2005/8/layout/radial4"/>
+    <dgm:cxn modelId="{07F83128-4B38-404B-9833-009F4544FFBE}" type="presOf" srcId="{296731BE-7F75-41BE-A655-CCAE5CC14B53}" destId="{5D9CE0E7-F9E5-4759-ABE7-27E939EE761A}" srcOrd="0" destOrd="0" presId="urn:microsoft.com/office/officeart/2005/8/layout/radial4"/>
     <dgm:cxn modelId="{F0C343DA-C9FC-4247-A9D0-54C562A693D1}" type="presOf" srcId="{4F2E6C40-9D62-4766-A17D-1BDF80CD6768}" destId="{23047861-DFAB-4C58-BEA8-5342E1B552E4}" srcOrd="0" destOrd="0" presId="urn:microsoft.com/office/officeart/2005/8/layout/radial4"/>
     <dgm:cxn modelId="{2458BDF8-74A5-4529-BAE8-757DDD0EA307}" srcId="{BFFBE2B9-A1E7-492E-AA38-7CBE923FE46D}" destId="{AD03B8E1-80C5-484C-88C0-EB9617D26D22}" srcOrd="6" destOrd="0" parTransId="{FF1C50CD-2C53-4C99-824D-FB3F0A7FD4C5}" sibTransId="{9AB7A9D1-BEA2-4FEA-ACF6-049507837FF1}"/>
+    <dgm:cxn modelId="{E4064268-BBCC-4C7C-80C5-2EEA4B8B692B}" type="presOf" srcId="{BD2CF3DD-6EFF-4DA8-BD12-FACAD1F86B23}" destId="{F1678E16-27EA-4D42-B2C6-D2938477D7DE}" srcOrd="0" destOrd="0" presId="urn:microsoft.com/office/officeart/2005/8/layout/radial4"/>
+    <dgm:cxn modelId="{4013BD41-B9E5-4E83-872F-6E776BFB85F7}" type="presOf" srcId="{AD03B8E1-80C5-484C-88C0-EB9617D26D22}" destId="{4032468B-6AD6-4881-941F-92B88D330E78}" srcOrd="0" destOrd="0" presId="urn:microsoft.com/office/officeart/2005/8/layout/radial4"/>
     <dgm:cxn modelId="{95947EE9-B33E-4549-9301-0E4732C8FB19}" srcId="{BFFBE2B9-A1E7-492E-AA38-7CBE923FE46D}" destId="{296731BE-7F75-41BE-A655-CCAE5CC14B53}" srcOrd="4" destOrd="0" parTransId="{23FF2D79-224C-4636-83BD-C660F93D2AF5}" sibTransId="{43A9D38D-C63F-4263-8179-3DA2B93641A7}"/>
-    <dgm:cxn modelId="{4BD96E53-47E9-4184-A5B0-48C602C9FD98}" type="presOf" srcId="{7E9285B7-82CE-49D8-B01F-570019BFB64B}" destId="{FA9D91B0-E6D5-4BEB-A522-617F6AC2EEAD}" srcOrd="0" destOrd="0" presId="urn:microsoft.com/office/officeart/2005/8/layout/radial4"/>
+    <dgm:cxn modelId="{3E13B67B-ACE8-4930-B124-E72C4B4BCA77}" srcId="{BFFBE2B9-A1E7-492E-AA38-7CBE923FE46D}" destId="{47D94CE3-2EA3-4E0E-80B6-290CA80DB31D}" srcOrd="1" destOrd="0" parTransId="{BD2CF3DD-6EFF-4DA8-BD12-FACAD1F86B23}" sibTransId="{72C58F87-8BDA-4B2D-97A0-D51ED4056FBC}"/>
+    <dgm:cxn modelId="{A0E1C776-5E05-4981-9B92-EBB5455F393C}" type="presOf" srcId="{FB69DC2B-80D5-4AE9-9F3F-700C0DC67272}" destId="{D129AEE7-0451-44D1-840B-7DC4512E6152}" srcOrd="0" destOrd="0" presId="urn:microsoft.com/office/officeart/2005/8/layout/radial4"/>
+    <dgm:cxn modelId="{782B9F13-BCB5-4FCF-9D91-D8AECF7DF05F}" type="presOf" srcId="{47D94CE3-2EA3-4E0E-80B6-290CA80DB31D}" destId="{72464EC3-B6F8-43A7-B11E-766BDD322941}" srcOrd="0" destOrd="0" presId="urn:microsoft.com/office/officeart/2005/8/layout/radial4"/>
+    <dgm:cxn modelId="{00C85382-332C-4A04-AEF7-3000FDA9BF2E}" type="presOf" srcId="{AF53C09A-D77B-4692-A77A-217C2C767671}" destId="{79BC5D14-726C-4864-BF26-C1A0D4C4F999}" srcOrd="0" destOrd="0" presId="urn:microsoft.com/office/officeart/2005/8/layout/radial4"/>
+    <dgm:cxn modelId="{DAB9E3A0-C6BE-4AFE-A8A9-5770B9BA91FB}" srcId="{BFFBE2B9-A1E7-492E-AA38-7CBE923FE46D}" destId="{FB69DC2B-80D5-4AE9-9F3F-700C0DC67272}" srcOrd="5" destOrd="0" parTransId="{B36CE1C1-6FA6-49EF-9DB8-C7DAF7319E4B}" sibTransId="{639FCF37-1415-4422-B780-932130F2CF32}"/>
+    <dgm:cxn modelId="{81E041D8-883D-42BE-B625-1D713E8AA807}" type="presOf" srcId="{031DC8EC-6898-4BE9-936D-D904E6424B6B}" destId="{2AEDBDB1-3D70-4118-95AC-548E4B9178AE}" srcOrd="0" destOrd="0" presId="urn:microsoft.com/office/officeart/2005/8/layout/radial4"/>
+    <dgm:cxn modelId="{B2D806DE-D7E8-4136-9094-659F4F1420BA}" type="presOf" srcId="{2649BE97-7B76-4088-A4AD-73506D266672}" destId="{5C47583B-30A2-4D79-8BD0-D95EAAFAE3F8}" srcOrd="0" destOrd="0" presId="urn:microsoft.com/office/officeart/2005/8/layout/radial4"/>
+    <dgm:cxn modelId="{272D5527-BBC9-47C4-B950-C781551DFD54}" type="presOf" srcId="{BFFBE2B9-A1E7-492E-AA38-7CBE923FE46D}" destId="{E9E4A4BD-0093-435C-9115-848F665F9AA0}" srcOrd="0" destOrd="0" presId="urn:microsoft.com/office/officeart/2005/8/layout/radial4"/>
+    <dgm:cxn modelId="{83C5356B-B76E-4548-9B3B-A16D46211BF3}" type="presOf" srcId="{B803AAFB-9078-4D4E-82D1-D8CB1C37EB39}" destId="{3B91C0C3-A5ED-4F3A-982B-F35D092D591F}" srcOrd="0" destOrd="0" presId="urn:microsoft.com/office/officeart/2005/8/layout/radial4"/>
     <dgm:cxn modelId="{2B637F96-FE9F-41F6-90C3-9ABD6A84A383}" type="presParOf" srcId="{5C47583B-30A2-4D79-8BD0-D95EAAFAE3F8}" destId="{E9E4A4BD-0093-435C-9115-848F665F9AA0}" srcOrd="0" destOrd="0" presId="urn:microsoft.com/office/officeart/2005/8/layout/radial4"/>
     <dgm:cxn modelId="{3A6DF121-194E-497F-AF4E-E6EE3E93C302}" type="presParOf" srcId="{5C47583B-30A2-4D79-8BD0-D95EAAFAE3F8}" destId="{5081C45D-A36D-4185-91BD-81A1E7F3B6B8}" srcOrd="1" destOrd="0" presId="urn:microsoft.com/office/officeart/2005/8/layout/radial4"/>
     <dgm:cxn modelId="{C8CCB135-7604-40D2-AE5B-37145C28E5F8}" type="presParOf" srcId="{5C47583B-30A2-4D79-8BD0-D95EAAFAE3F8}" destId="{3B91C0C3-A5ED-4F3A-982B-F35D092D591F}" srcOrd="2" destOrd="0" presId="urn:microsoft.com/office/officeart/2005/8/layout/radial4"/>
@@ -4736,11 +4869,7 @@
         <a:p>
           <a:r>
             <a:rPr lang="en-US" sz="1100" dirty="0" smtClean="0"/>
-            <a:t>Flow </a:t>
-          </a:r>
-          <a:r>
-            <a:rPr lang="en-US" sz="1100" dirty="0" smtClean="0"/>
-            <a:t>Control</a:t>
+            <a:t>Flow Control</a:t>
           </a:r>
           <a:endParaRPr lang="en-US" sz="1100" dirty="0"/>
         </a:p>
@@ -6399,9 +6528,9 @@
     <dgm:cxn modelId="{0DC33318-D64F-430F-BA36-A312F690027D}" type="presOf" srcId="{45D7C66C-21A9-4954-A2F5-DAFC1289AE71}" destId="{C77DE765-A400-44CD-87F0-68D93169804C}" srcOrd="1" destOrd="1" presId="urn:microsoft.com/office/officeart/2005/8/layout/cycle4"/>
     <dgm:cxn modelId="{6D720B58-9E51-4812-98A5-97883FFAF449}" type="presOf" srcId="{DD802DD3-B6E1-4B43-BF19-D3CAC637B644}" destId="{F3D78921-DB83-4087-84BF-CA064380971F}" srcOrd="1" destOrd="3" presId="urn:microsoft.com/office/officeart/2005/8/layout/cycle4"/>
     <dgm:cxn modelId="{898C26E6-ACBE-4333-B8B8-3726CD591357}" type="presOf" srcId="{F741F96D-B7AD-4AE3-BDA5-DD267068A900}" destId="{F75FBA98-67BE-4263-8A0A-0D314360C4A0}" srcOrd="0" destOrd="2" presId="urn:microsoft.com/office/officeart/2005/8/layout/cycle4"/>
-    <dgm:cxn modelId="{58FC554E-7DDA-4FB8-A5DD-81D70DFDBAFB}" srcId="{229CC658-17F7-485B-81E6-84C5CB64CE56}" destId="{1368CFE3-0A9A-4B36-836B-1AEBC9940E5C}" srcOrd="0" destOrd="0" parTransId="{A9935997-E691-4930-9C50-55F66FDFC3AF}" sibTransId="{E05C4454-A2B5-4D64-8689-B4220015A2E9}"/>
     <dgm:cxn modelId="{EE92B4BD-73EF-4AF8-9953-4B92E47B7894}" type="presOf" srcId="{D6D5A99B-08A8-4F47-B7D1-72FE8EF23A7C}" destId="{AD38EE7A-C685-41D3-9F5C-1AD994465E23}" srcOrd="0" destOrd="2" presId="urn:microsoft.com/office/officeart/2005/8/layout/cycle4"/>
     <dgm:cxn modelId="{FA4F1599-63D9-45B1-9F9C-DAE45CAB2059}" type="presOf" srcId="{FBCE19A3-D721-4B98-A277-3D19566594AA}" destId="{E5EC745D-1674-4010-B81B-6433AC14FEEF}" srcOrd="0" destOrd="0" presId="urn:microsoft.com/office/officeart/2005/8/layout/cycle4"/>
+    <dgm:cxn modelId="{58FC554E-7DDA-4FB8-A5DD-81D70DFDBAFB}" srcId="{229CC658-17F7-485B-81E6-84C5CB64CE56}" destId="{1368CFE3-0A9A-4B36-836B-1AEBC9940E5C}" srcOrd="0" destOrd="0" parTransId="{A9935997-E691-4930-9C50-55F66FDFC3AF}" sibTransId="{E05C4454-A2B5-4D64-8689-B4220015A2E9}"/>
     <dgm:cxn modelId="{6137ECF8-E649-439C-8C78-8681B002636D}" type="presOf" srcId="{F741F96D-B7AD-4AE3-BDA5-DD267068A900}" destId="{605F24D5-A60D-4553-8923-B595404D4D94}" srcOrd="1" destOrd="2" presId="urn:microsoft.com/office/officeart/2005/8/layout/cycle4"/>
     <dgm:cxn modelId="{F32E7FE6-5AC1-4A85-B2A3-5502E9D41061}" srcId="{5B70F174-ADD8-4DEE-99BE-5DC989B830BF}" destId="{C41856E4-530A-496E-AC21-C205B74442A6}" srcOrd="2" destOrd="0" parTransId="{88B101FD-94F2-49C6-B8FD-8B4F75CD96B1}" sibTransId="{E17AAFEF-CB23-4DD1-9CD3-2752BDD83248}"/>
     <dgm:cxn modelId="{771ED8C6-3486-4097-9AEE-C22535FAD4BC}" type="presOf" srcId="{072DBADF-0DF6-47F9-B282-788F190BD2A4}" destId="{D6F62F48-A955-4BD3-9DA6-0F478957AD9F}" srcOrd="1" destOrd="7" presId="urn:microsoft.com/office/officeart/2005/8/layout/cycle4"/>
@@ -6415,8 +6544,8 @@
     <dgm:cxn modelId="{1DB9E549-2AC6-47AF-BE00-320097EF9399}" srcId="{FBCE19A3-D721-4B98-A277-3D19566594AA}" destId="{45D7C66C-21A9-4954-A2F5-DAFC1289AE71}" srcOrd="1" destOrd="0" parTransId="{68A63A06-EE73-4ABE-A59D-FB2EBF87DA47}" sibTransId="{4F095B39-A51A-429B-8B9D-29DEF454FC27}"/>
     <dgm:cxn modelId="{18E5E326-788E-42E6-BE34-5F6BC66D82D6}" type="presOf" srcId="{72FD9F94-88C9-476D-8C9A-919906938157}" destId="{74C15D2B-43BE-409A-99E1-4C7BEA41372F}" srcOrd="0" destOrd="0" presId="urn:microsoft.com/office/officeart/2005/8/layout/cycle4"/>
     <dgm:cxn modelId="{3EF90842-27A3-4AAB-BDB4-CD6F7D687FF0}" srcId="{229CC658-17F7-485B-81E6-84C5CB64CE56}" destId="{590800F9-C1B5-4675-A3AB-D811E378AF05}" srcOrd="6" destOrd="0" parTransId="{6FC8296F-9C36-4858-A38A-FDCA4AB7324D}" sibTransId="{1E991C9A-5816-4263-B847-1C62E1EC2BC1}"/>
+    <dgm:cxn modelId="{AA7E0755-0270-4E49-8D89-3B3AC0DEE98E}" srcId="{5B70F174-ADD8-4DEE-99BE-5DC989B830BF}" destId="{72FD9F94-88C9-476D-8C9A-919906938157}" srcOrd="0" destOrd="0" parTransId="{A5CD97F5-F1A1-4B0C-B345-C762C11900C5}" sibTransId="{E9E65D82-79B5-4DCE-835B-1B39AB75ED07}"/>
     <dgm:cxn modelId="{3CA1DDC0-CD32-4ED2-A12D-1A23D528CBF8}" srcId="{2D031A4E-6057-48B1-8E38-36E548142570}" destId="{8E690A76-C033-4472-8259-1206B1C1564B}" srcOrd="3" destOrd="0" parTransId="{2566F905-3745-4078-91EA-704576A3B51B}" sibTransId="{8DB5DA93-3108-4189-8FD0-EC40B671BB68}"/>
-    <dgm:cxn modelId="{AA7E0755-0270-4E49-8D89-3B3AC0DEE98E}" srcId="{5B70F174-ADD8-4DEE-99BE-5DC989B830BF}" destId="{72FD9F94-88C9-476D-8C9A-919906938157}" srcOrd="0" destOrd="0" parTransId="{A5CD97F5-F1A1-4B0C-B345-C762C11900C5}" sibTransId="{E9E65D82-79B5-4DCE-835B-1B39AB75ED07}"/>
     <dgm:cxn modelId="{6363F2C2-D1D8-4BC6-8249-D18A6A2FBD70}" srcId="{229CC658-17F7-485B-81E6-84C5CB64CE56}" destId="{DD802DD3-B6E1-4B43-BF19-D3CAC637B644}" srcOrd="3" destOrd="0" parTransId="{3B6F9243-F6C3-413F-9D56-B2EB01303651}" sibTransId="{BFB26EB0-8A6E-42BD-8A6C-EF6FED81CE7F}"/>
     <dgm:cxn modelId="{03703636-9139-463C-9E34-5D1BC0189159}" type="presOf" srcId="{4EB8D186-E220-4E05-A26C-955A383F2873}" destId="{F75FBA98-67BE-4263-8A0A-0D314360C4A0}" srcOrd="0" destOrd="0" presId="urn:microsoft.com/office/officeart/2005/8/layout/cycle4"/>
     <dgm:cxn modelId="{532B050E-3CD1-4A52-B28B-04338F16358D}" type="presOf" srcId="{C41856E4-530A-496E-AC21-C205B74442A6}" destId="{74C15D2B-43BE-409A-99E1-4C7BEA41372F}" srcOrd="0" destOrd="2" presId="urn:microsoft.com/office/officeart/2005/8/layout/cycle4"/>
@@ -7126,11 +7255,7 @@
           </a:pPr>
           <a:r>
             <a:rPr lang="en-US" sz="1200" kern="1200" dirty="0" smtClean="0"/>
-            <a:t>Mass Transit </a:t>
-          </a:r>
-          <a:r>
-            <a:rPr lang="en-US" sz="1200" kern="1200" dirty="0" smtClean="0"/>
-            <a:t>Project</a:t>
+            <a:t>Mass Transit Project</a:t>
           </a:r>
           <a:endParaRPr lang="en-US" sz="1200" kern="1200" dirty="0"/>
         </a:p>
@@ -7649,6 +7774,25 @@
           </a:r>
           <a:endParaRPr lang="en-US" sz="1200" kern="1200" dirty="0"/>
         </a:p>
+        <a:p>
+          <a:pPr marL="114300" lvl="1" indent="-114300" algn="l" defTabSz="533400">
+            <a:lnSpc>
+              <a:spcPct val="90000"/>
+            </a:lnSpc>
+            <a:spcBef>
+              <a:spcPct val="0"/>
+            </a:spcBef>
+            <a:spcAft>
+              <a:spcPct val="15000"/>
+            </a:spcAft>
+            <a:buChar char="••"/>
+          </a:pPr>
+          <a:r>
+            <a:rPr lang="en-US" sz="1200" kern="1200" dirty="0" smtClean="0"/>
+            <a:t>Q&amp;A</a:t>
+          </a:r>
+          <a:endParaRPr lang="en-US" sz="1200" kern="1200" dirty="0"/>
+        </a:p>
       </dsp:txBody>
       <dsp:txXfrm rot="-5400000">
         <a:off x="982936" y="3821799"/>
@@ -7667,1386 +7811,6 @@
       <dsp:cNvGrpSpPr/>
     </dsp:nvGrpSpPr>
     <dsp:grpSpPr/>
-    <dsp:sp modelId="{E9E4A4BD-0093-435C-9115-848F665F9AA0}">
-      <dsp:nvSpPr>
-        <dsp:cNvPr id="0" name=""/>
-        <dsp:cNvSpPr/>
-      </dsp:nvSpPr>
-      <dsp:spPr>
-        <a:xfrm>
-          <a:off x="2357607" y="2495710"/>
-          <a:ext cx="1553779" cy="1553779"/>
-        </a:xfrm>
-        <a:prstGeom prst="ellipse">
-          <a:avLst/>
-        </a:prstGeom>
-        <a:gradFill rotWithShape="0">
-          <a:gsLst>
-            <a:gs pos="0">
-              <a:schemeClr val="accent4">
-                <a:hueOff val="0"/>
-                <a:satOff val="0"/>
-                <a:lumOff val="0"/>
-                <a:alphaOff val="0"/>
-                <a:lumMod val="110000"/>
-                <a:satMod val="105000"/>
-                <a:tint val="67000"/>
-              </a:schemeClr>
-            </a:gs>
-            <a:gs pos="50000">
-              <a:schemeClr val="accent4">
-                <a:hueOff val="0"/>
-                <a:satOff val="0"/>
-                <a:lumOff val="0"/>
-                <a:alphaOff val="0"/>
-                <a:lumMod val="105000"/>
-                <a:satMod val="103000"/>
-                <a:tint val="73000"/>
-              </a:schemeClr>
-            </a:gs>
-            <a:gs pos="100000">
-              <a:schemeClr val="accent4">
-                <a:hueOff val="0"/>
-                <a:satOff val="0"/>
-                <a:lumOff val="0"/>
-                <a:alphaOff val="0"/>
-                <a:lumMod val="105000"/>
-                <a:satMod val="109000"/>
-                <a:tint val="81000"/>
-              </a:schemeClr>
-            </a:gs>
-          </a:gsLst>
-          <a:lin ang="5400000" scaled="0"/>
-        </a:gradFill>
-        <a:ln>
-          <a:noFill/>
-        </a:ln>
-        <a:effectLst/>
-        <a:scene3d>
-          <a:camera prst="orthographicFront"/>
-          <a:lightRig rig="flat" dir="t"/>
-        </a:scene3d>
-        <a:sp3d prstMaterial="dkEdge">
-          <a:bevelT w="8200" h="38100"/>
-        </a:sp3d>
-      </dsp:spPr>
-      <dsp:style>
-        <a:lnRef idx="0">
-          <a:scrgbClr r="0" g="0" b="0"/>
-        </a:lnRef>
-        <a:fillRef idx="2">
-          <a:scrgbClr r="0" g="0" b="0"/>
-        </a:fillRef>
-        <a:effectRef idx="1">
-          <a:scrgbClr r="0" g="0" b="0"/>
-        </a:effectRef>
-        <a:fontRef idx="minor">
-          <a:schemeClr val="dk1"/>
-        </a:fontRef>
-      </dsp:style>
-      <dsp:txBody>
-        <a:bodyPr spcFirstLastPara="0" vert="horz" wrap="square" lIns="10795" tIns="10795" rIns="10795" bIns="10795" numCol="1" spcCol="1270" anchor="ctr" anchorCtr="0">
-          <a:noAutofit/>
-        </a:bodyPr>
-        <a:lstStyle/>
-        <a:p>
-          <a:pPr lvl="0" algn="ctr" defTabSz="755650" rtl="0">
-            <a:lnSpc>
-              <a:spcPct val="90000"/>
-            </a:lnSpc>
-            <a:spcBef>
-              <a:spcPct val="0"/>
-            </a:spcBef>
-            <a:spcAft>
-              <a:spcPct val="35000"/>
-            </a:spcAft>
-          </a:pPr>
-          <a:r>
-            <a:rPr lang="en-US" sz="1700" kern="1200" dirty="0" smtClean="0"/>
-            <a:t>MassTransit</a:t>
-          </a:r>
-          <a:endParaRPr lang="en-US" sz="1700" kern="1200" dirty="0"/>
-        </a:p>
-      </dsp:txBody>
-      <dsp:txXfrm>
-        <a:off x="2585153" y="2723256"/>
-        <a:ext cx="1098687" cy="1098687"/>
-      </dsp:txXfrm>
-    </dsp:sp>
-    <dsp:sp modelId="{5081C45D-A36D-4185-91BD-81A1E7F3B6B8}">
-      <dsp:nvSpPr>
-        <dsp:cNvPr id="0" name=""/>
-        <dsp:cNvSpPr/>
-      </dsp:nvSpPr>
-      <dsp:spPr>
-        <a:xfrm rot="10800000">
-          <a:off x="545530" y="3051186"/>
-          <a:ext cx="1712412" cy="442827"/>
-        </a:xfrm>
-        <a:prstGeom prst="leftArrow">
-          <a:avLst>
-            <a:gd name="adj1" fmla="val 60000"/>
-            <a:gd name="adj2" fmla="val 50000"/>
-          </a:avLst>
-        </a:prstGeom>
-        <a:gradFill rotWithShape="0">
-          <a:gsLst>
-            <a:gs pos="0">
-              <a:schemeClr val="accent5">
-                <a:hueOff val="0"/>
-                <a:satOff val="0"/>
-                <a:lumOff val="0"/>
-                <a:alphaOff val="0"/>
-                <a:lumMod val="110000"/>
-                <a:satMod val="105000"/>
-                <a:tint val="67000"/>
-              </a:schemeClr>
-            </a:gs>
-            <a:gs pos="50000">
-              <a:schemeClr val="accent5">
-                <a:hueOff val="0"/>
-                <a:satOff val="0"/>
-                <a:lumOff val="0"/>
-                <a:alphaOff val="0"/>
-                <a:lumMod val="105000"/>
-                <a:satMod val="103000"/>
-                <a:tint val="73000"/>
-              </a:schemeClr>
-            </a:gs>
-            <a:gs pos="100000">
-              <a:schemeClr val="accent5">
-                <a:hueOff val="0"/>
-                <a:satOff val="0"/>
-                <a:lumOff val="0"/>
-                <a:alphaOff val="0"/>
-                <a:lumMod val="105000"/>
-                <a:satMod val="109000"/>
-                <a:tint val="81000"/>
-              </a:schemeClr>
-            </a:gs>
-          </a:gsLst>
-          <a:lin ang="5400000" scaled="0"/>
-        </a:gradFill>
-        <a:ln>
-          <a:noFill/>
-        </a:ln>
-        <a:effectLst/>
-      </dsp:spPr>
-      <dsp:style>
-        <a:lnRef idx="0">
-          <a:scrgbClr r="0" g="0" b="0"/>
-        </a:lnRef>
-        <a:fillRef idx="2">
-          <a:scrgbClr r="0" g="0" b="0"/>
-        </a:fillRef>
-        <a:effectRef idx="1">
-          <a:scrgbClr r="0" g="0" b="0"/>
-        </a:effectRef>
-        <a:fontRef idx="minor">
-          <a:schemeClr val="dk1"/>
-        </a:fontRef>
-      </dsp:style>
-    </dsp:sp>
-    <dsp:sp modelId="{3B91C0C3-A5ED-4F3A-982B-F35D092D591F}">
-      <dsp:nvSpPr>
-        <dsp:cNvPr id="0" name=""/>
-        <dsp:cNvSpPr/>
-      </dsp:nvSpPr>
-      <dsp:spPr>
-        <a:xfrm>
-          <a:off x="1707" y="2837541"/>
-          <a:ext cx="1087645" cy="870116"/>
-        </a:xfrm>
-        <a:prstGeom prst="roundRect">
-          <a:avLst>
-            <a:gd name="adj" fmla="val 10000"/>
-          </a:avLst>
-        </a:prstGeom>
-        <a:gradFill rotWithShape="0">
-          <a:gsLst>
-            <a:gs pos="0">
-              <a:schemeClr val="accent5">
-                <a:hueOff val="0"/>
-                <a:satOff val="0"/>
-                <a:lumOff val="0"/>
-                <a:alphaOff val="0"/>
-                <a:lumMod val="110000"/>
-                <a:satMod val="105000"/>
-                <a:tint val="67000"/>
-              </a:schemeClr>
-            </a:gs>
-            <a:gs pos="50000">
-              <a:schemeClr val="accent5">
-                <a:hueOff val="0"/>
-                <a:satOff val="0"/>
-                <a:lumOff val="0"/>
-                <a:alphaOff val="0"/>
-                <a:lumMod val="105000"/>
-                <a:satMod val="103000"/>
-                <a:tint val="73000"/>
-              </a:schemeClr>
-            </a:gs>
-            <a:gs pos="100000">
-              <a:schemeClr val="accent5">
-                <a:hueOff val="0"/>
-                <a:satOff val="0"/>
-                <a:lumOff val="0"/>
-                <a:alphaOff val="0"/>
-                <a:lumMod val="105000"/>
-                <a:satMod val="109000"/>
-                <a:tint val="81000"/>
-              </a:schemeClr>
-            </a:gs>
-          </a:gsLst>
-          <a:lin ang="5400000" scaled="0"/>
-        </a:gradFill>
-        <a:ln>
-          <a:noFill/>
-        </a:ln>
-        <a:effectLst/>
-        <a:scene3d>
-          <a:camera prst="orthographicFront"/>
-          <a:lightRig rig="flat" dir="t"/>
-        </a:scene3d>
-        <a:sp3d prstMaterial="dkEdge">
-          <a:bevelT w="8200" h="38100"/>
-        </a:sp3d>
-      </dsp:spPr>
-      <dsp:style>
-        <a:lnRef idx="0">
-          <a:scrgbClr r="0" g="0" b="0"/>
-        </a:lnRef>
-        <a:fillRef idx="2">
-          <a:scrgbClr r="0" g="0" b="0"/>
-        </a:fillRef>
-        <a:effectRef idx="1">
-          <a:scrgbClr r="0" g="0" b="0"/>
-        </a:effectRef>
-        <a:fontRef idx="minor">
-          <a:schemeClr val="dk1"/>
-        </a:fontRef>
-      </dsp:style>
-      <dsp:txBody>
-        <a:bodyPr spcFirstLastPara="0" vert="horz" wrap="square" lIns="19050" tIns="19050" rIns="19050" bIns="19050" numCol="1" spcCol="1270" anchor="ctr" anchorCtr="0">
-          <a:noAutofit/>
-        </a:bodyPr>
-        <a:lstStyle/>
-        <a:p>
-          <a:pPr lvl="0" algn="ctr" defTabSz="444500" rtl="0">
-            <a:lnSpc>
-              <a:spcPct val="90000"/>
-            </a:lnSpc>
-            <a:spcBef>
-              <a:spcPct val="0"/>
-            </a:spcBef>
-            <a:spcAft>
-              <a:spcPct val="35000"/>
-            </a:spcAft>
-          </a:pPr>
-          <a:r>
-            <a:rPr lang="en-US" sz="1000" kern="1200" dirty="0" err="1" smtClean="0"/>
-            <a:t>Automatonymous</a:t>
-          </a:r>
-          <a:endParaRPr lang="en-US" sz="1000" kern="1200" dirty="0"/>
-        </a:p>
-      </dsp:txBody>
-      <dsp:txXfrm>
-        <a:off x="27192" y="2863026"/>
-        <a:ext cx="1036675" cy="819146"/>
-      </dsp:txXfrm>
-    </dsp:sp>
-    <dsp:sp modelId="{F1678E16-27EA-4D42-B2C6-D2938477D7DE}">
-      <dsp:nvSpPr>
-        <dsp:cNvPr id="0" name=""/>
-        <dsp:cNvSpPr/>
-      </dsp:nvSpPr>
-      <dsp:spPr>
-        <a:xfrm rot="12600000">
-          <a:off x="777676" y="2184806"/>
-          <a:ext cx="1712412" cy="442827"/>
-        </a:xfrm>
-        <a:prstGeom prst="leftArrow">
-          <a:avLst>
-            <a:gd name="adj1" fmla="val 60000"/>
-            <a:gd name="adj2" fmla="val 50000"/>
-          </a:avLst>
-        </a:prstGeom>
-        <a:gradFill rotWithShape="0">
-          <a:gsLst>
-            <a:gs pos="0">
-              <a:schemeClr val="accent5">
-                <a:hueOff val="-1225557"/>
-                <a:satOff val="-1705"/>
-                <a:lumOff val="-654"/>
-                <a:alphaOff val="0"/>
-                <a:lumMod val="110000"/>
-                <a:satMod val="105000"/>
-                <a:tint val="67000"/>
-              </a:schemeClr>
-            </a:gs>
-            <a:gs pos="50000">
-              <a:schemeClr val="accent5">
-                <a:hueOff val="-1225557"/>
-                <a:satOff val="-1705"/>
-                <a:lumOff val="-654"/>
-                <a:alphaOff val="0"/>
-                <a:lumMod val="105000"/>
-                <a:satMod val="103000"/>
-                <a:tint val="73000"/>
-              </a:schemeClr>
-            </a:gs>
-            <a:gs pos="100000">
-              <a:schemeClr val="accent5">
-                <a:hueOff val="-1225557"/>
-                <a:satOff val="-1705"/>
-                <a:lumOff val="-654"/>
-                <a:alphaOff val="0"/>
-                <a:lumMod val="105000"/>
-                <a:satMod val="109000"/>
-                <a:tint val="81000"/>
-              </a:schemeClr>
-            </a:gs>
-          </a:gsLst>
-          <a:lin ang="5400000" scaled="0"/>
-        </a:gradFill>
-        <a:ln>
-          <a:noFill/>
-        </a:ln>
-        <a:effectLst/>
-      </dsp:spPr>
-      <dsp:style>
-        <a:lnRef idx="0">
-          <a:scrgbClr r="0" g="0" b="0"/>
-        </a:lnRef>
-        <a:fillRef idx="2">
-          <a:scrgbClr r="0" g="0" b="0"/>
-        </a:fillRef>
-        <a:effectRef idx="1">
-          <a:scrgbClr r="0" g="0" b="0"/>
-        </a:effectRef>
-        <a:fontRef idx="minor">
-          <a:schemeClr val="dk1"/>
-        </a:fontRef>
-      </dsp:style>
-    </dsp:sp>
-    <dsp:sp modelId="{72464EC3-B6F8-43A7-B11E-766BDD322941}">
-      <dsp:nvSpPr>
-        <dsp:cNvPr id="0" name=""/>
-        <dsp:cNvSpPr/>
-      </dsp:nvSpPr>
-      <dsp:spPr>
-        <a:xfrm>
-          <a:off x="348563" y="1543058"/>
-          <a:ext cx="1087645" cy="870116"/>
-        </a:xfrm>
-        <a:prstGeom prst="roundRect">
-          <a:avLst>
-            <a:gd name="adj" fmla="val 10000"/>
-          </a:avLst>
-        </a:prstGeom>
-        <a:gradFill rotWithShape="0">
-          <a:gsLst>
-            <a:gs pos="0">
-              <a:schemeClr val="accent5">
-                <a:hueOff val="-1225557"/>
-                <a:satOff val="-1705"/>
-                <a:lumOff val="-654"/>
-                <a:alphaOff val="0"/>
-                <a:lumMod val="110000"/>
-                <a:satMod val="105000"/>
-                <a:tint val="67000"/>
-              </a:schemeClr>
-            </a:gs>
-            <a:gs pos="50000">
-              <a:schemeClr val="accent5">
-                <a:hueOff val="-1225557"/>
-                <a:satOff val="-1705"/>
-                <a:lumOff val="-654"/>
-                <a:alphaOff val="0"/>
-                <a:lumMod val="105000"/>
-                <a:satMod val="103000"/>
-                <a:tint val="73000"/>
-              </a:schemeClr>
-            </a:gs>
-            <a:gs pos="100000">
-              <a:schemeClr val="accent5">
-                <a:hueOff val="-1225557"/>
-                <a:satOff val="-1705"/>
-                <a:lumOff val="-654"/>
-                <a:alphaOff val="0"/>
-                <a:lumMod val="105000"/>
-                <a:satMod val="109000"/>
-                <a:tint val="81000"/>
-              </a:schemeClr>
-            </a:gs>
-          </a:gsLst>
-          <a:lin ang="5400000" scaled="0"/>
-        </a:gradFill>
-        <a:ln>
-          <a:noFill/>
-        </a:ln>
-        <a:effectLst/>
-        <a:scene3d>
-          <a:camera prst="orthographicFront"/>
-          <a:lightRig rig="flat" dir="t"/>
-        </a:scene3d>
-        <a:sp3d prstMaterial="dkEdge">
-          <a:bevelT w="8200" h="38100"/>
-        </a:sp3d>
-      </dsp:spPr>
-      <dsp:style>
-        <a:lnRef idx="0">
-          <a:scrgbClr r="0" g="0" b="0"/>
-        </a:lnRef>
-        <a:fillRef idx="2">
-          <a:scrgbClr r="0" g="0" b="0"/>
-        </a:fillRef>
-        <a:effectRef idx="1">
-          <a:scrgbClr r="0" g="0" b="0"/>
-        </a:effectRef>
-        <a:fontRef idx="minor">
-          <a:schemeClr val="dk1"/>
-        </a:fontRef>
-      </dsp:style>
-      <dsp:txBody>
-        <a:bodyPr spcFirstLastPara="0" vert="horz" wrap="square" lIns="19050" tIns="19050" rIns="19050" bIns="19050" numCol="1" spcCol="1270" anchor="ctr" anchorCtr="0">
-          <a:noAutofit/>
-        </a:bodyPr>
-        <a:lstStyle/>
-        <a:p>
-          <a:pPr lvl="0" algn="ctr" defTabSz="444500" rtl="0">
-            <a:lnSpc>
-              <a:spcPct val="90000"/>
-            </a:lnSpc>
-            <a:spcBef>
-              <a:spcPct val="0"/>
-            </a:spcBef>
-            <a:spcAft>
-              <a:spcPct val="35000"/>
-            </a:spcAft>
-          </a:pPr>
-          <a:r>
-            <a:rPr lang="en-US" sz="1000" kern="1200" smtClean="0"/>
-            <a:t>Courier</a:t>
-          </a:r>
-          <a:endParaRPr lang="en-US" sz="1000" kern="1200"/>
-        </a:p>
-      </dsp:txBody>
-      <dsp:txXfrm>
-        <a:off x="374048" y="1568543"/>
-        <a:ext cx="1036675" cy="819146"/>
-      </dsp:txXfrm>
-    </dsp:sp>
-    <dsp:sp modelId="{2AEDBDB1-3D70-4118-95AC-548E4B9178AE}">
-      <dsp:nvSpPr>
-        <dsp:cNvPr id="0" name=""/>
-        <dsp:cNvSpPr/>
-      </dsp:nvSpPr>
-      <dsp:spPr>
-        <a:xfrm rot="14400000">
-          <a:off x="1411910" y="1550572"/>
-          <a:ext cx="1712412" cy="442827"/>
-        </a:xfrm>
-        <a:prstGeom prst="leftArrow">
-          <a:avLst>
-            <a:gd name="adj1" fmla="val 60000"/>
-            <a:gd name="adj2" fmla="val 50000"/>
-          </a:avLst>
-        </a:prstGeom>
-        <a:gradFill rotWithShape="0">
-          <a:gsLst>
-            <a:gs pos="0">
-              <a:schemeClr val="accent5">
-                <a:hueOff val="-2451115"/>
-                <a:satOff val="-3409"/>
-                <a:lumOff val="-1307"/>
-                <a:alphaOff val="0"/>
-                <a:lumMod val="110000"/>
-                <a:satMod val="105000"/>
-                <a:tint val="67000"/>
-              </a:schemeClr>
-            </a:gs>
-            <a:gs pos="50000">
-              <a:schemeClr val="accent5">
-                <a:hueOff val="-2451115"/>
-                <a:satOff val="-3409"/>
-                <a:lumOff val="-1307"/>
-                <a:alphaOff val="0"/>
-                <a:lumMod val="105000"/>
-                <a:satMod val="103000"/>
-                <a:tint val="73000"/>
-              </a:schemeClr>
-            </a:gs>
-            <a:gs pos="100000">
-              <a:schemeClr val="accent5">
-                <a:hueOff val="-2451115"/>
-                <a:satOff val="-3409"/>
-                <a:lumOff val="-1307"/>
-                <a:alphaOff val="0"/>
-                <a:lumMod val="105000"/>
-                <a:satMod val="109000"/>
-                <a:tint val="81000"/>
-              </a:schemeClr>
-            </a:gs>
-          </a:gsLst>
-          <a:lin ang="5400000" scaled="0"/>
-        </a:gradFill>
-        <a:ln>
-          <a:noFill/>
-        </a:ln>
-        <a:effectLst/>
-      </dsp:spPr>
-      <dsp:style>
-        <a:lnRef idx="0">
-          <a:scrgbClr r="0" g="0" b="0"/>
-        </a:lnRef>
-        <a:fillRef idx="2">
-          <a:scrgbClr r="0" g="0" b="0"/>
-        </a:fillRef>
-        <a:effectRef idx="1">
-          <a:scrgbClr r="0" g="0" b="0"/>
-        </a:effectRef>
-        <a:fontRef idx="minor">
-          <a:schemeClr val="dk1"/>
-        </a:fontRef>
-      </dsp:style>
-    </dsp:sp>
-    <dsp:sp modelId="{23047861-DFAB-4C58-BEA8-5342E1B552E4}">
-      <dsp:nvSpPr>
-        <dsp:cNvPr id="0" name=""/>
-        <dsp:cNvSpPr/>
-      </dsp:nvSpPr>
-      <dsp:spPr>
-        <a:xfrm>
-          <a:off x="1296190" y="595431"/>
-          <a:ext cx="1087645" cy="870116"/>
-        </a:xfrm>
-        <a:prstGeom prst="roundRect">
-          <a:avLst>
-            <a:gd name="adj" fmla="val 10000"/>
-          </a:avLst>
-        </a:prstGeom>
-        <a:gradFill rotWithShape="0">
-          <a:gsLst>
-            <a:gs pos="0">
-              <a:schemeClr val="accent5">
-                <a:hueOff val="-2451115"/>
-                <a:satOff val="-3409"/>
-                <a:lumOff val="-1307"/>
-                <a:alphaOff val="0"/>
-                <a:lumMod val="110000"/>
-                <a:satMod val="105000"/>
-                <a:tint val="67000"/>
-              </a:schemeClr>
-            </a:gs>
-            <a:gs pos="50000">
-              <a:schemeClr val="accent5">
-                <a:hueOff val="-2451115"/>
-                <a:satOff val="-3409"/>
-                <a:lumOff val="-1307"/>
-                <a:alphaOff val="0"/>
-                <a:lumMod val="105000"/>
-                <a:satMod val="103000"/>
-                <a:tint val="73000"/>
-              </a:schemeClr>
-            </a:gs>
-            <a:gs pos="100000">
-              <a:schemeClr val="accent5">
-                <a:hueOff val="-2451115"/>
-                <a:satOff val="-3409"/>
-                <a:lumOff val="-1307"/>
-                <a:alphaOff val="0"/>
-                <a:lumMod val="105000"/>
-                <a:satMod val="109000"/>
-                <a:tint val="81000"/>
-              </a:schemeClr>
-            </a:gs>
-          </a:gsLst>
-          <a:lin ang="5400000" scaled="0"/>
-        </a:gradFill>
-        <a:ln>
-          <a:noFill/>
-        </a:ln>
-        <a:effectLst/>
-        <a:scene3d>
-          <a:camera prst="orthographicFront"/>
-          <a:lightRig rig="flat" dir="t"/>
-        </a:scene3d>
-        <a:sp3d prstMaterial="dkEdge">
-          <a:bevelT w="8200" h="38100"/>
-        </a:sp3d>
-      </dsp:spPr>
-      <dsp:style>
-        <a:lnRef idx="0">
-          <a:scrgbClr r="0" g="0" b="0"/>
-        </a:lnRef>
-        <a:fillRef idx="2">
-          <a:scrgbClr r="0" g="0" b="0"/>
-        </a:fillRef>
-        <a:effectRef idx="1">
-          <a:scrgbClr r="0" g="0" b="0"/>
-        </a:effectRef>
-        <a:fontRef idx="minor">
-          <a:schemeClr val="dk1"/>
-        </a:fontRef>
-      </dsp:style>
-      <dsp:txBody>
-        <a:bodyPr spcFirstLastPara="0" vert="horz" wrap="square" lIns="19050" tIns="19050" rIns="19050" bIns="19050" numCol="1" spcCol="1270" anchor="ctr" anchorCtr="0">
-          <a:noAutofit/>
-        </a:bodyPr>
-        <a:lstStyle/>
-        <a:p>
-          <a:pPr lvl="0" algn="ctr" defTabSz="444500" rtl="0">
-            <a:lnSpc>
-              <a:spcPct val="90000"/>
-            </a:lnSpc>
-            <a:spcBef>
-              <a:spcPct val="0"/>
-            </a:spcBef>
-            <a:spcAft>
-              <a:spcPct val="35000"/>
-            </a:spcAft>
-          </a:pPr>
-          <a:r>
-            <a:rPr lang="en-US" sz="1000" kern="1200" smtClean="0"/>
-            <a:t>TopShelf</a:t>
-          </a:r>
-          <a:endParaRPr lang="en-US" sz="1000" kern="1200"/>
-        </a:p>
-      </dsp:txBody>
-      <dsp:txXfrm>
-        <a:off x="1321675" y="620916"/>
-        <a:ext cx="1036675" cy="819146"/>
-      </dsp:txXfrm>
-    </dsp:sp>
-    <dsp:sp modelId="{79BC5D14-726C-4864-BF26-C1A0D4C4F999}">
-      <dsp:nvSpPr>
-        <dsp:cNvPr id="0" name=""/>
-        <dsp:cNvSpPr/>
-      </dsp:nvSpPr>
-      <dsp:spPr>
-        <a:xfrm rot="16200000">
-          <a:off x="2278290" y="1318426"/>
-          <a:ext cx="1712412" cy="442827"/>
-        </a:xfrm>
-        <a:prstGeom prst="leftArrow">
-          <a:avLst>
-            <a:gd name="adj1" fmla="val 60000"/>
-            <a:gd name="adj2" fmla="val 50000"/>
-          </a:avLst>
-        </a:prstGeom>
-        <a:gradFill rotWithShape="0">
-          <a:gsLst>
-            <a:gs pos="0">
-              <a:schemeClr val="accent5">
-                <a:hueOff val="-3676672"/>
-                <a:satOff val="-5114"/>
-                <a:lumOff val="-1961"/>
-                <a:alphaOff val="0"/>
-                <a:lumMod val="110000"/>
-                <a:satMod val="105000"/>
-                <a:tint val="67000"/>
-              </a:schemeClr>
-            </a:gs>
-            <a:gs pos="50000">
-              <a:schemeClr val="accent5">
-                <a:hueOff val="-3676672"/>
-                <a:satOff val="-5114"/>
-                <a:lumOff val="-1961"/>
-                <a:alphaOff val="0"/>
-                <a:lumMod val="105000"/>
-                <a:satMod val="103000"/>
-                <a:tint val="73000"/>
-              </a:schemeClr>
-            </a:gs>
-            <a:gs pos="100000">
-              <a:schemeClr val="accent5">
-                <a:hueOff val="-3676672"/>
-                <a:satOff val="-5114"/>
-                <a:lumOff val="-1961"/>
-                <a:alphaOff val="0"/>
-                <a:lumMod val="105000"/>
-                <a:satMod val="109000"/>
-                <a:tint val="81000"/>
-              </a:schemeClr>
-            </a:gs>
-          </a:gsLst>
-          <a:lin ang="5400000" scaled="0"/>
-        </a:gradFill>
-        <a:ln>
-          <a:noFill/>
-        </a:ln>
-        <a:effectLst/>
-      </dsp:spPr>
-      <dsp:style>
-        <a:lnRef idx="0">
-          <a:scrgbClr r="0" g="0" b="0"/>
-        </a:lnRef>
-        <a:fillRef idx="2">
-          <a:scrgbClr r="0" g="0" b="0"/>
-        </a:fillRef>
-        <a:effectRef idx="1">
-          <a:scrgbClr r="0" g="0" b="0"/>
-        </a:effectRef>
-        <a:fontRef idx="minor">
-          <a:schemeClr val="dk1"/>
-        </a:fontRef>
-      </dsp:style>
-    </dsp:sp>
-    <dsp:sp modelId="{FA9D91B0-E6D5-4BEB-A522-617F6AC2EEAD}">
-      <dsp:nvSpPr>
-        <dsp:cNvPr id="0" name=""/>
-        <dsp:cNvSpPr/>
-      </dsp:nvSpPr>
-      <dsp:spPr>
-        <a:xfrm>
-          <a:off x="2590674" y="248575"/>
-          <a:ext cx="1087645" cy="870116"/>
-        </a:xfrm>
-        <a:prstGeom prst="roundRect">
-          <a:avLst>
-            <a:gd name="adj" fmla="val 10000"/>
-          </a:avLst>
-        </a:prstGeom>
-        <a:gradFill rotWithShape="0">
-          <a:gsLst>
-            <a:gs pos="0">
-              <a:schemeClr val="accent5">
-                <a:hueOff val="-3676672"/>
-                <a:satOff val="-5114"/>
-                <a:lumOff val="-1961"/>
-                <a:alphaOff val="0"/>
-                <a:lumMod val="110000"/>
-                <a:satMod val="105000"/>
-                <a:tint val="67000"/>
-              </a:schemeClr>
-            </a:gs>
-            <a:gs pos="50000">
-              <a:schemeClr val="accent5">
-                <a:hueOff val="-3676672"/>
-                <a:satOff val="-5114"/>
-                <a:lumOff val="-1961"/>
-                <a:alphaOff val="0"/>
-                <a:lumMod val="105000"/>
-                <a:satMod val="103000"/>
-                <a:tint val="73000"/>
-              </a:schemeClr>
-            </a:gs>
-            <a:gs pos="100000">
-              <a:schemeClr val="accent5">
-                <a:hueOff val="-3676672"/>
-                <a:satOff val="-5114"/>
-                <a:lumOff val="-1961"/>
-                <a:alphaOff val="0"/>
-                <a:lumMod val="105000"/>
-                <a:satMod val="109000"/>
-                <a:tint val="81000"/>
-              </a:schemeClr>
-            </a:gs>
-          </a:gsLst>
-          <a:lin ang="5400000" scaled="0"/>
-        </a:gradFill>
-        <a:ln>
-          <a:noFill/>
-        </a:ln>
-        <a:effectLst/>
-        <a:scene3d>
-          <a:camera prst="orthographicFront"/>
-          <a:lightRig rig="flat" dir="t"/>
-        </a:scene3d>
-        <a:sp3d prstMaterial="dkEdge">
-          <a:bevelT w="8200" h="38100"/>
-        </a:sp3d>
-      </dsp:spPr>
-      <dsp:style>
-        <a:lnRef idx="0">
-          <a:scrgbClr r="0" g="0" b="0"/>
-        </a:lnRef>
-        <a:fillRef idx="2">
-          <a:scrgbClr r="0" g="0" b="0"/>
-        </a:fillRef>
-        <a:effectRef idx="1">
-          <a:scrgbClr r="0" g="0" b="0"/>
-        </a:effectRef>
-        <a:fontRef idx="minor">
-          <a:schemeClr val="dk1"/>
-        </a:fontRef>
-      </dsp:style>
-      <dsp:txBody>
-        <a:bodyPr spcFirstLastPara="0" vert="horz" wrap="square" lIns="19050" tIns="19050" rIns="19050" bIns="19050" numCol="1" spcCol="1270" anchor="ctr" anchorCtr="0">
-          <a:noAutofit/>
-        </a:bodyPr>
-        <a:lstStyle/>
-        <a:p>
-          <a:pPr lvl="0" algn="ctr" defTabSz="444500" rtl="0">
-            <a:lnSpc>
-              <a:spcPct val="90000"/>
-            </a:lnSpc>
-            <a:spcBef>
-              <a:spcPct val="0"/>
-            </a:spcBef>
-            <a:spcAft>
-              <a:spcPct val="35000"/>
-            </a:spcAft>
-          </a:pPr>
-          <a:r>
-            <a:rPr lang="en-US" sz="1000" kern="1200" smtClean="0"/>
-            <a:t>Quartz</a:t>
-          </a:r>
-          <a:endParaRPr lang="en-US" sz="1000" kern="1200"/>
-        </a:p>
-      </dsp:txBody>
-      <dsp:txXfrm>
-        <a:off x="2616159" y="274060"/>
-        <a:ext cx="1036675" cy="819146"/>
-      </dsp:txXfrm>
-    </dsp:sp>
-    <dsp:sp modelId="{32E5C632-2E14-4F75-954F-F73C049CD5CB}">
-      <dsp:nvSpPr>
-        <dsp:cNvPr id="0" name=""/>
-        <dsp:cNvSpPr/>
-      </dsp:nvSpPr>
-      <dsp:spPr>
-        <a:xfrm rot="18000000">
-          <a:off x="3144671" y="1550572"/>
-          <a:ext cx="1712412" cy="442827"/>
-        </a:xfrm>
-        <a:prstGeom prst="leftArrow">
-          <a:avLst>
-            <a:gd name="adj1" fmla="val 60000"/>
-            <a:gd name="adj2" fmla="val 50000"/>
-          </a:avLst>
-        </a:prstGeom>
-        <a:gradFill rotWithShape="0">
-          <a:gsLst>
-            <a:gs pos="0">
-              <a:schemeClr val="accent5">
-                <a:hueOff val="-4902230"/>
-                <a:satOff val="-6819"/>
-                <a:lumOff val="-2615"/>
-                <a:alphaOff val="0"/>
-                <a:lumMod val="110000"/>
-                <a:satMod val="105000"/>
-                <a:tint val="67000"/>
-              </a:schemeClr>
-            </a:gs>
-            <a:gs pos="50000">
-              <a:schemeClr val="accent5">
-                <a:hueOff val="-4902230"/>
-                <a:satOff val="-6819"/>
-                <a:lumOff val="-2615"/>
-                <a:alphaOff val="0"/>
-                <a:lumMod val="105000"/>
-                <a:satMod val="103000"/>
-                <a:tint val="73000"/>
-              </a:schemeClr>
-            </a:gs>
-            <a:gs pos="100000">
-              <a:schemeClr val="accent5">
-                <a:hueOff val="-4902230"/>
-                <a:satOff val="-6819"/>
-                <a:lumOff val="-2615"/>
-                <a:alphaOff val="0"/>
-                <a:lumMod val="105000"/>
-                <a:satMod val="109000"/>
-                <a:tint val="81000"/>
-              </a:schemeClr>
-            </a:gs>
-          </a:gsLst>
-          <a:lin ang="5400000" scaled="0"/>
-        </a:gradFill>
-        <a:ln>
-          <a:noFill/>
-        </a:ln>
-        <a:effectLst/>
-      </dsp:spPr>
-      <dsp:style>
-        <a:lnRef idx="0">
-          <a:scrgbClr r="0" g="0" b="0"/>
-        </a:lnRef>
-        <a:fillRef idx="2">
-          <a:scrgbClr r="0" g="0" b="0"/>
-        </a:fillRef>
-        <a:effectRef idx="1">
-          <a:scrgbClr r="0" g="0" b="0"/>
-        </a:effectRef>
-        <a:fontRef idx="minor">
-          <a:schemeClr val="dk1"/>
-        </a:fontRef>
-      </dsp:style>
-    </dsp:sp>
-    <dsp:sp modelId="{5D9CE0E7-F9E5-4759-ABE7-27E939EE761A}">
-      <dsp:nvSpPr>
-        <dsp:cNvPr id="0" name=""/>
-        <dsp:cNvSpPr/>
-      </dsp:nvSpPr>
-      <dsp:spPr>
-        <a:xfrm>
-          <a:off x="3885157" y="595431"/>
-          <a:ext cx="1087645" cy="870116"/>
-        </a:xfrm>
-        <a:prstGeom prst="roundRect">
-          <a:avLst>
-            <a:gd name="adj" fmla="val 10000"/>
-          </a:avLst>
-        </a:prstGeom>
-        <a:gradFill rotWithShape="0">
-          <a:gsLst>
-            <a:gs pos="0">
-              <a:schemeClr val="accent5">
-                <a:hueOff val="-4902230"/>
-                <a:satOff val="-6819"/>
-                <a:lumOff val="-2615"/>
-                <a:alphaOff val="0"/>
-                <a:lumMod val="110000"/>
-                <a:satMod val="105000"/>
-                <a:tint val="67000"/>
-              </a:schemeClr>
-            </a:gs>
-            <a:gs pos="50000">
-              <a:schemeClr val="accent5">
-                <a:hueOff val="-4902230"/>
-                <a:satOff val="-6819"/>
-                <a:lumOff val="-2615"/>
-                <a:alphaOff val="0"/>
-                <a:lumMod val="105000"/>
-                <a:satMod val="103000"/>
-                <a:tint val="73000"/>
-              </a:schemeClr>
-            </a:gs>
-            <a:gs pos="100000">
-              <a:schemeClr val="accent5">
-                <a:hueOff val="-4902230"/>
-                <a:satOff val="-6819"/>
-                <a:lumOff val="-2615"/>
-                <a:alphaOff val="0"/>
-                <a:lumMod val="105000"/>
-                <a:satMod val="109000"/>
-                <a:tint val="81000"/>
-              </a:schemeClr>
-            </a:gs>
-          </a:gsLst>
-          <a:lin ang="5400000" scaled="0"/>
-        </a:gradFill>
-        <a:ln>
-          <a:noFill/>
-        </a:ln>
-        <a:effectLst/>
-        <a:scene3d>
-          <a:camera prst="orthographicFront"/>
-          <a:lightRig rig="flat" dir="t"/>
-        </a:scene3d>
-        <a:sp3d prstMaterial="dkEdge">
-          <a:bevelT w="8200" h="38100"/>
-        </a:sp3d>
-      </dsp:spPr>
-      <dsp:style>
-        <a:lnRef idx="0">
-          <a:scrgbClr r="0" g="0" b="0"/>
-        </a:lnRef>
-        <a:fillRef idx="2">
-          <a:scrgbClr r="0" g="0" b="0"/>
-        </a:fillRef>
-        <a:effectRef idx="1">
-          <a:scrgbClr r="0" g="0" b="0"/>
-        </a:effectRef>
-        <a:fontRef idx="minor">
-          <a:schemeClr val="dk1"/>
-        </a:fontRef>
-      </dsp:style>
-      <dsp:txBody>
-        <a:bodyPr spcFirstLastPara="0" vert="horz" wrap="square" lIns="19050" tIns="19050" rIns="19050" bIns="19050" numCol="1" spcCol="1270" anchor="ctr" anchorCtr="0">
-          <a:noAutofit/>
-        </a:bodyPr>
-        <a:lstStyle/>
-        <a:p>
-          <a:pPr lvl="0" algn="ctr" defTabSz="444500" rtl="0">
-            <a:lnSpc>
-              <a:spcPct val="90000"/>
-            </a:lnSpc>
-            <a:spcBef>
-              <a:spcPct val="0"/>
-            </a:spcBef>
-            <a:spcAft>
-              <a:spcPct val="35000"/>
-            </a:spcAft>
-          </a:pPr>
-          <a:r>
-            <a:rPr lang="en-US" sz="1000" kern="1200" dirty="0" smtClean="0"/>
-            <a:t>Transports</a:t>
-          </a:r>
-          <a:endParaRPr lang="en-US" sz="1000" kern="1200" dirty="0"/>
-        </a:p>
-      </dsp:txBody>
-      <dsp:txXfrm>
-        <a:off x="3910642" y="620916"/>
-        <a:ext cx="1036675" cy="819146"/>
-      </dsp:txXfrm>
-    </dsp:sp>
-    <dsp:sp modelId="{27DF259A-5344-4FF7-97E4-A97EC4C703AB}">
-      <dsp:nvSpPr>
-        <dsp:cNvPr id="0" name=""/>
-        <dsp:cNvSpPr/>
-      </dsp:nvSpPr>
-      <dsp:spPr>
-        <a:xfrm rot="19800000">
-          <a:off x="3778905" y="2184806"/>
-          <a:ext cx="1712412" cy="442827"/>
-        </a:xfrm>
-        <a:prstGeom prst="leftArrow">
-          <a:avLst>
-            <a:gd name="adj1" fmla="val 60000"/>
-            <a:gd name="adj2" fmla="val 50000"/>
-          </a:avLst>
-        </a:prstGeom>
-        <a:gradFill rotWithShape="0">
-          <a:gsLst>
-            <a:gs pos="0">
-              <a:schemeClr val="accent5">
-                <a:hueOff val="-6127787"/>
-                <a:satOff val="-8523"/>
-                <a:lumOff val="-3268"/>
-                <a:alphaOff val="0"/>
-                <a:lumMod val="110000"/>
-                <a:satMod val="105000"/>
-                <a:tint val="67000"/>
-              </a:schemeClr>
-            </a:gs>
-            <a:gs pos="50000">
-              <a:schemeClr val="accent5">
-                <a:hueOff val="-6127787"/>
-                <a:satOff val="-8523"/>
-                <a:lumOff val="-3268"/>
-                <a:alphaOff val="0"/>
-                <a:lumMod val="105000"/>
-                <a:satMod val="103000"/>
-                <a:tint val="73000"/>
-              </a:schemeClr>
-            </a:gs>
-            <a:gs pos="100000">
-              <a:schemeClr val="accent5">
-                <a:hueOff val="-6127787"/>
-                <a:satOff val="-8523"/>
-                <a:lumOff val="-3268"/>
-                <a:alphaOff val="0"/>
-                <a:lumMod val="105000"/>
-                <a:satMod val="109000"/>
-                <a:tint val="81000"/>
-              </a:schemeClr>
-            </a:gs>
-          </a:gsLst>
-          <a:lin ang="5400000" scaled="0"/>
-        </a:gradFill>
-        <a:ln>
-          <a:noFill/>
-        </a:ln>
-        <a:effectLst/>
-      </dsp:spPr>
-      <dsp:style>
-        <a:lnRef idx="0">
-          <a:scrgbClr r="0" g="0" b="0"/>
-        </a:lnRef>
-        <a:fillRef idx="2">
-          <a:scrgbClr r="0" g="0" b="0"/>
-        </a:fillRef>
-        <a:effectRef idx="1">
-          <a:scrgbClr r="0" g="0" b="0"/>
-        </a:effectRef>
-        <a:fontRef idx="minor">
-          <a:schemeClr val="dk1"/>
-        </a:fontRef>
-      </dsp:style>
-    </dsp:sp>
-    <dsp:sp modelId="{D129AEE7-0451-44D1-840B-7DC4512E6152}">
-      <dsp:nvSpPr>
-        <dsp:cNvPr id="0" name=""/>
-        <dsp:cNvSpPr/>
-      </dsp:nvSpPr>
-      <dsp:spPr>
-        <a:xfrm>
-          <a:off x="4832784" y="1543058"/>
-          <a:ext cx="1087645" cy="870116"/>
-        </a:xfrm>
-        <a:prstGeom prst="roundRect">
-          <a:avLst>
-            <a:gd name="adj" fmla="val 10000"/>
-          </a:avLst>
-        </a:prstGeom>
-        <a:gradFill rotWithShape="0">
-          <a:gsLst>
-            <a:gs pos="0">
-              <a:schemeClr val="accent5">
-                <a:hueOff val="-6127787"/>
-                <a:satOff val="-8523"/>
-                <a:lumOff val="-3268"/>
-                <a:alphaOff val="0"/>
-                <a:lumMod val="110000"/>
-                <a:satMod val="105000"/>
-                <a:tint val="67000"/>
-              </a:schemeClr>
-            </a:gs>
-            <a:gs pos="50000">
-              <a:schemeClr val="accent5">
-                <a:hueOff val="-6127787"/>
-                <a:satOff val="-8523"/>
-                <a:lumOff val="-3268"/>
-                <a:alphaOff val="0"/>
-                <a:lumMod val="105000"/>
-                <a:satMod val="103000"/>
-                <a:tint val="73000"/>
-              </a:schemeClr>
-            </a:gs>
-            <a:gs pos="100000">
-              <a:schemeClr val="accent5">
-                <a:hueOff val="-6127787"/>
-                <a:satOff val="-8523"/>
-                <a:lumOff val="-3268"/>
-                <a:alphaOff val="0"/>
-                <a:lumMod val="105000"/>
-                <a:satMod val="109000"/>
-                <a:tint val="81000"/>
-              </a:schemeClr>
-            </a:gs>
-          </a:gsLst>
-          <a:lin ang="5400000" scaled="0"/>
-        </a:gradFill>
-        <a:ln>
-          <a:noFill/>
-        </a:ln>
-        <a:effectLst/>
-        <a:scene3d>
-          <a:camera prst="orthographicFront"/>
-          <a:lightRig rig="flat" dir="t"/>
-        </a:scene3d>
-        <a:sp3d prstMaterial="dkEdge">
-          <a:bevelT w="8200" h="38100"/>
-        </a:sp3d>
-      </dsp:spPr>
-      <dsp:style>
-        <a:lnRef idx="0">
-          <a:scrgbClr r="0" g="0" b="0"/>
-        </a:lnRef>
-        <a:fillRef idx="2">
-          <a:scrgbClr r="0" g="0" b="0"/>
-        </a:fillRef>
-        <a:effectRef idx="1">
-          <a:scrgbClr r="0" g="0" b="0"/>
-        </a:effectRef>
-        <a:fontRef idx="minor">
-          <a:schemeClr val="dk1"/>
-        </a:fontRef>
-      </dsp:style>
-      <dsp:txBody>
-        <a:bodyPr spcFirstLastPara="0" vert="horz" wrap="square" lIns="19050" tIns="19050" rIns="19050" bIns="19050" numCol="1" spcCol="1270" anchor="ctr" anchorCtr="0">
-          <a:noAutofit/>
-        </a:bodyPr>
-        <a:lstStyle/>
-        <a:p>
-          <a:pPr lvl="0" algn="ctr" defTabSz="444500" rtl="0">
-            <a:lnSpc>
-              <a:spcPct val="90000"/>
-            </a:lnSpc>
-            <a:spcBef>
-              <a:spcPct val="0"/>
-            </a:spcBef>
-            <a:spcAft>
-              <a:spcPct val="35000"/>
-            </a:spcAft>
-          </a:pPr>
-          <a:r>
-            <a:rPr lang="en-US" sz="1000" kern="1200" dirty="0" smtClean="0"/>
-            <a:t>Persistence</a:t>
-          </a:r>
-          <a:endParaRPr lang="en-US" sz="1000" kern="1200" dirty="0"/>
-        </a:p>
-      </dsp:txBody>
-      <dsp:txXfrm>
-        <a:off x="4858269" y="1568543"/>
-        <a:ext cx="1036675" cy="819146"/>
-      </dsp:txXfrm>
-    </dsp:sp>
-    <dsp:sp modelId="{3C5F09C6-46F1-44D4-85F9-437FE56CCE92}">
-      <dsp:nvSpPr>
-        <dsp:cNvPr id="0" name=""/>
-        <dsp:cNvSpPr/>
-      </dsp:nvSpPr>
-      <dsp:spPr>
-        <a:xfrm>
-          <a:off x="4011051" y="3051186"/>
-          <a:ext cx="1712412" cy="442827"/>
-        </a:xfrm>
-        <a:prstGeom prst="leftArrow">
-          <a:avLst>
-            <a:gd name="adj1" fmla="val 60000"/>
-            <a:gd name="adj2" fmla="val 50000"/>
-          </a:avLst>
-        </a:prstGeom>
-        <a:gradFill rotWithShape="0">
-          <a:gsLst>
-            <a:gs pos="0">
-              <a:schemeClr val="accent5">
-                <a:hueOff val="-7353344"/>
-                <a:satOff val="-10228"/>
-                <a:lumOff val="-3922"/>
-                <a:alphaOff val="0"/>
-                <a:lumMod val="110000"/>
-                <a:satMod val="105000"/>
-                <a:tint val="67000"/>
-              </a:schemeClr>
-            </a:gs>
-            <a:gs pos="50000">
-              <a:schemeClr val="accent5">
-                <a:hueOff val="-7353344"/>
-                <a:satOff val="-10228"/>
-                <a:lumOff val="-3922"/>
-                <a:alphaOff val="0"/>
-                <a:lumMod val="105000"/>
-                <a:satMod val="103000"/>
-                <a:tint val="73000"/>
-              </a:schemeClr>
-            </a:gs>
-            <a:gs pos="100000">
-              <a:schemeClr val="accent5">
-                <a:hueOff val="-7353344"/>
-                <a:satOff val="-10228"/>
-                <a:lumOff val="-3922"/>
-                <a:alphaOff val="0"/>
-                <a:lumMod val="105000"/>
-                <a:satMod val="109000"/>
-                <a:tint val="81000"/>
-              </a:schemeClr>
-            </a:gs>
-          </a:gsLst>
-          <a:lin ang="5400000" scaled="0"/>
-        </a:gradFill>
-        <a:ln>
-          <a:noFill/>
-        </a:ln>
-        <a:effectLst/>
-      </dsp:spPr>
-      <dsp:style>
-        <a:lnRef idx="0">
-          <a:scrgbClr r="0" g="0" b="0"/>
-        </a:lnRef>
-        <a:fillRef idx="2">
-          <a:scrgbClr r="0" g="0" b="0"/>
-        </a:fillRef>
-        <a:effectRef idx="1">
-          <a:scrgbClr r="0" g="0" b="0"/>
-        </a:effectRef>
-        <a:fontRef idx="minor">
-          <a:schemeClr val="dk1"/>
-        </a:fontRef>
-      </dsp:style>
-    </dsp:sp>
-    <dsp:sp modelId="{4032468B-6AD6-4881-941F-92B88D330E78}">
-      <dsp:nvSpPr>
-        <dsp:cNvPr id="0" name=""/>
-        <dsp:cNvSpPr/>
-      </dsp:nvSpPr>
-      <dsp:spPr>
-        <a:xfrm>
-          <a:off x="5179640" y="2837541"/>
-          <a:ext cx="1087645" cy="870116"/>
-        </a:xfrm>
-        <a:prstGeom prst="roundRect">
-          <a:avLst>
-            <a:gd name="adj" fmla="val 10000"/>
-          </a:avLst>
-        </a:prstGeom>
-        <a:gradFill rotWithShape="0">
-          <a:gsLst>
-            <a:gs pos="0">
-              <a:schemeClr val="accent5">
-                <a:hueOff val="-7353344"/>
-                <a:satOff val="-10228"/>
-                <a:lumOff val="-3922"/>
-                <a:alphaOff val="0"/>
-                <a:lumMod val="110000"/>
-                <a:satMod val="105000"/>
-                <a:tint val="67000"/>
-              </a:schemeClr>
-            </a:gs>
-            <a:gs pos="50000">
-              <a:schemeClr val="accent5">
-                <a:hueOff val="-7353344"/>
-                <a:satOff val="-10228"/>
-                <a:lumOff val="-3922"/>
-                <a:alphaOff val="0"/>
-                <a:lumMod val="105000"/>
-                <a:satMod val="103000"/>
-                <a:tint val="73000"/>
-              </a:schemeClr>
-            </a:gs>
-            <a:gs pos="100000">
-              <a:schemeClr val="accent5">
-                <a:hueOff val="-7353344"/>
-                <a:satOff val="-10228"/>
-                <a:lumOff val="-3922"/>
-                <a:alphaOff val="0"/>
-                <a:lumMod val="105000"/>
-                <a:satMod val="109000"/>
-                <a:tint val="81000"/>
-              </a:schemeClr>
-            </a:gs>
-          </a:gsLst>
-          <a:lin ang="5400000" scaled="0"/>
-        </a:gradFill>
-        <a:ln>
-          <a:noFill/>
-        </a:ln>
-        <a:effectLst/>
-        <a:scene3d>
-          <a:camera prst="orthographicFront"/>
-          <a:lightRig rig="flat" dir="t"/>
-        </a:scene3d>
-        <a:sp3d prstMaterial="dkEdge">
-          <a:bevelT w="8200" h="38100"/>
-        </a:sp3d>
-      </dsp:spPr>
-      <dsp:style>
-        <a:lnRef idx="0">
-          <a:scrgbClr r="0" g="0" b="0"/>
-        </a:lnRef>
-        <a:fillRef idx="2">
-          <a:scrgbClr r="0" g="0" b="0"/>
-        </a:fillRef>
-        <a:effectRef idx="1">
-          <a:scrgbClr r="0" g="0" b="0"/>
-        </a:effectRef>
-        <a:fontRef idx="minor">
-          <a:schemeClr val="dk1"/>
-        </a:fontRef>
-      </dsp:style>
-      <dsp:txBody>
-        <a:bodyPr spcFirstLastPara="0" vert="horz" wrap="square" lIns="19050" tIns="19050" rIns="19050" bIns="19050" numCol="1" spcCol="1270" anchor="ctr" anchorCtr="0">
-          <a:noAutofit/>
-        </a:bodyPr>
-        <a:lstStyle/>
-        <a:p>
-          <a:pPr lvl="0" algn="ctr" defTabSz="444500" rtl="0">
-            <a:lnSpc>
-              <a:spcPct val="90000"/>
-            </a:lnSpc>
-            <a:spcBef>
-              <a:spcPct val="0"/>
-            </a:spcBef>
-            <a:spcAft>
-              <a:spcPct val="35000"/>
-            </a:spcAft>
-          </a:pPr>
-          <a:r>
-            <a:rPr lang="en-US" sz="1000" kern="1200" smtClean="0"/>
-            <a:t>RX</a:t>
-          </a:r>
-          <a:endParaRPr lang="en-US" sz="1000" kern="1200"/>
-        </a:p>
-      </dsp:txBody>
-      <dsp:txXfrm>
-        <a:off x="5205125" y="2863026"/>
-        <a:ext cx="1036675" cy="819146"/>
-      </dsp:txXfrm>
-    </dsp:sp>
   </dsp:spTree>
 </dsp:drawing>
 </file>
@@ -10040,11 +8804,7 @@
           </a:pPr>
           <a:r>
             <a:rPr lang="en-US" sz="1100" kern="1200" dirty="0" smtClean="0"/>
-            <a:t>Flow </a:t>
-          </a:r>
-          <a:r>
-            <a:rPr lang="en-US" sz="1100" kern="1200" dirty="0" smtClean="0"/>
-            <a:t>Control</a:t>
+            <a:t>Flow Control</a:t>
           </a:r>
           <a:endParaRPr lang="en-US" sz="1100" kern="1200" dirty="0"/>
         </a:p>
@@ -16423,7 +15183,7 @@
           <a:p>
             <a:fld id="{5E98ECC7-4684-4B1D-A9E4-C1CABE848CA3}" type="datetimeFigureOut">
               <a:rPr lang="en-US" smtClean="0"/>
-              <a:t>11/1/2015</a:t>
+              <a:t>11/2/2015</a:t>
             </a:fld>
             <a:endParaRPr lang="en-US" dirty="0"/>
           </a:p>
@@ -16906,7 +15666,7 @@
           <a:p>
             <a:fld id="{8A0151A0-6BDA-4C61-94E2-4A05776C8C41}" type="datetime1">
               <a:rPr lang="en-US" smtClean="0"/>
-              <a:t>11/1/2015</a:t>
+              <a:t>11/2/2015</a:t>
             </a:fld>
             <a:endParaRPr lang="en-US" dirty="0"/>
           </a:p>
@@ -17076,7 +15836,7 @@
           <a:p>
             <a:fld id="{2E35788B-17C6-4432-AE26-BE836522A606}" type="datetime1">
               <a:rPr lang="en-US" smtClean="0"/>
-              <a:t>11/1/2015</a:t>
+              <a:t>11/2/2015</a:t>
             </a:fld>
             <a:endParaRPr lang="en-US" dirty="0"/>
           </a:p>
@@ -17256,7 +16016,7 @@
           <a:p>
             <a:fld id="{744D1FCA-C735-450D-BCA4-DB50B38ECD50}" type="datetime1">
               <a:rPr lang="en-US" smtClean="0"/>
-              <a:t>11/1/2015</a:t>
+              <a:t>11/2/2015</a:t>
             </a:fld>
             <a:endParaRPr lang="en-US" dirty="0"/>
           </a:p>
@@ -17426,7 +16186,7 @@
           <a:p>
             <a:fld id="{D47A2ED5-CD2A-4B3B-A81F-BE7A26036022}" type="datetime1">
               <a:rPr lang="en-US" smtClean="0"/>
-              <a:t>11/1/2015</a:t>
+              <a:t>11/2/2015</a:t>
             </a:fld>
             <a:endParaRPr lang="en-US" dirty="0"/>
           </a:p>
@@ -17670,7 +16430,7 @@
           <a:p>
             <a:fld id="{AFC2F17C-2319-45BC-B339-E7F83AB38139}" type="datetime1">
               <a:rPr lang="en-US" smtClean="0"/>
-              <a:t>11/1/2015</a:t>
+              <a:t>11/2/2015</a:t>
             </a:fld>
             <a:endParaRPr lang="en-US" dirty="0"/>
           </a:p>
@@ -17902,7 +16662,7 @@
           <a:p>
             <a:fld id="{7DF8D633-0327-407C-B754-C6DC287DA074}" type="datetime1">
               <a:rPr lang="en-US" smtClean="0"/>
-              <a:t>11/1/2015</a:t>
+              <a:t>11/2/2015</a:t>
             </a:fld>
             <a:endParaRPr lang="en-US" dirty="0"/>
           </a:p>
@@ -18269,7 +17029,7 @@
           <a:p>
             <a:fld id="{76880105-B802-41CD-BB85-298F26006685}" type="datetime1">
               <a:rPr lang="en-US" smtClean="0"/>
-              <a:t>11/1/2015</a:t>
+              <a:t>11/2/2015</a:t>
             </a:fld>
             <a:endParaRPr lang="en-US" dirty="0"/>
           </a:p>
@@ -18387,7 +17147,7 @@
           <a:p>
             <a:fld id="{162ED92B-9A44-474F-9138-A07C93ABC7FA}" type="datetime1">
               <a:rPr lang="en-US" smtClean="0"/>
-              <a:t>11/1/2015</a:t>
+              <a:t>11/2/2015</a:t>
             </a:fld>
             <a:endParaRPr lang="en-US" dirty="0"/>
           </a:p>
@@ -18482,7 +17242,7 @@
           <a:p>
             <a:fld id="{E496C444-E933-4D80-86C4-BADA1A19B898}" type="datetime1">
               <a:rPr lang="en-US" smtClean="0"/>
-              <a:t>11/1/2015</a:t>
+              <a:t>11/2/2015</a:t>
             </a:fld>
             <a:endParaRPr lang="en-US" dirty="0"/>
           </a:p>
@@ -18759,7 +17519,7 @@
           <a:p>
             <a:fld id="{FE2B3545-A360-469D-AF72-EC598B36A1A0}" type="datetime1">
               <a:rPr lang="en-US" smtClean="0"/>
-              <a:t>11/1/2015</a:t>
+              <a:t>11/2/2015</a:t>
             </a:fld>
             <a:endParaRPr lang="en-US" dirty="0"/>
           </a:p>
@@ -19016,7 +17776,7 @@
           <a:p>
             <a:fld id="{E5CD081C-AF44-4D3A-9989-1BD7F6EBBAB7}" type="datetime1">
               <a:rPr lang="en-US" smtClean="0"/>
-              <a:t>11/1/2015</a:t>
+              <a:t>11/2/2015</a:t>
             </a:fld>
             <a:endParaRPr lang="en-US" dirty="0"/>
           </a:p>
@@ -19238,7 +17998,7 @@
           <a:p>
             <a:fld id="{A7C17880-5397-45FB-B1C0-5FB7CBED16B5}" type="datetime1">
               <a:rPr lang="en-US" smtClean="0"/>
-              <a:t>11/1/2015</a:t>
+              <a:t>11/2/2015</a:t>
             </a:fld>
             <a:endParaRPr lang="en-US" dirty="0"/>
           </a:p>
@@ -21144,7 +19904,7 @@
           <p:nvPr>
             <p:extLst>
               <p:ext uri="{D42A27DB-BD31-4B8C-83A1-F6EECF244321}">
-                <p14:modId xmlns:p14="http://schemas.microsoft.com/office/powerpoint/2010/main" val="4266517408"/>
+                <p14:modId xmlns:p14="http://schemas.microsoft.com/office/powerpoint/2010/main" val="2115776209"/>
               </p:ext>
             </p:extLst>
           </p:nvPr>
@@ -24460,7 +23220,6 @@
               <a:rPr lang="en-US" sz="1200" baseline="-25000" dirty="0"/>
               <a:t>3</a:t>
             </a:r>
-            <a:endParaRPr lang="en-US" sz="1200" baseline="-25000" dirty="0"/>
           </a:p>
         </p:txBody>
       </p:sp>

--- a/Presentation/Service Bus Integration Patterns.pptx
+++ b/Presentation/Service Bus Integration Patterns.pptx
@@ -5,7 +5,7 @@
     <p:sldMasterId id="2147483660" r:id="rId1"/>
   </p:sldMasterIdLst>
   <p:notesMasterIdLst>
-    <p:notesMasterId r:id="rId20"/>
+    <p:notesMasterId r:id="rId19"/>
   </p:notesMasterIdLst>
   <p:sldIdLst>
     <p:sldId id="256" r:id="rId2"/>
@@ -24,8 +24,7 @@
     <p:sldId id="272" r:id="rId15"/>
     <p:sldId id="273" r:id="rId16"/>
     <p:sldId id="270" r:id="rId17"/>
-    <p:sldId id="276" r:id="rId18"/>
-    <p:sldId id="265" r:id="rId19"/>
+    <p:sldId id="265" r:id="rId18"/>
   </p:sldIdLst>
   <p:sldSz cx="9144000" cy="6858000" type="screen4x3"/>
   <p:notesSz cx="6858000" cy="9144000"/>
@@ -3929,29 +3928,6 @@
         </a:p>
       </dgm:t>
     </dgm:pt>
-    <dgm:pt modelId="{37537909-E19F-4776-A91A-0D12E09133A5}">
-      <dgm:prSet phldrT="[Text]" custT="1"/>
-      <dgm:spPr/>
-      <dgm:t>
-        <a:bodyPr/>
-        <a:lstStyle/>
-        <a:p>
-          <a:r>
-            <a:rPr lang="en-US" sz="1200" dirty="0" smtClean="0"/>
-            <a:t>Q&amp;A</a:t>
-          </a:r>
-          <a:endParaRPr lang="en-US" sz="1200" dirty="0"/>
-        </a:p>
-      </dgm:t>
-    </dgm:pt>
-    <dgm:pt modelId="{9077AE51-18B7-4DB0-9288-035166BD8D73}" type="parTrans" cxnId="{F7FC40D5-49B9-4216-B666-F182EECE7F22}">
-      <dgm:prSet/>
-      <dgm:spPr/>
-    </dgm:pt>
-    <dgm:pt modelId="{98C217FE-84A1-489B-8008-B276AF7E0FFF}" type="sibTrans" cxnId="{F7FC40D5-49B9-4216-B666-F182EECE7F22}">
-      <dgm:prSet/>
-      <dgm:spPr/>
-    </dgm:pt>
     <dgm:pt modelId="{839CC9F4-E7D6-485F-85CD-EC9B7273AD54}" type="pres">
       <dgm:prSet presAssocID="{319E2ED7-DAC0-475E-B7F4-31BD7A5B9166}" presName="linearFlow" presStyleCnt="0">
         <dgm:presLayoutVars>
@@ -4129,7 +4105,6 @@
     <dgm:cxn modelId="{D3ABFCD0-354F-4D9A-9F0C-4B9AAB7DD4B8}" type="presOf" srcId="{75A8AF5E-E077-421B-9B83-1D16FC13CC3E}" destId="{C4A35548-2E21-4AAA-AE63-C60FCAEA2D26}" srcOrd="0" destOrd="0" presId="urn:microsoft.com/office/officeart/2005/8/layout/chevron2"/>
     <dgm:cxn modelId="{AB9DB3A5-5590-4E9C-9842-5405E6CF13F0}" type="presOf" srcId="{6745F2E8-67DC-4335-8E1C-679A2BFBCEFE}" destId="{71D3D0C1-943C-4F07-851A-449A1ADF9B3C}" srcOrd="0" destOrd="2" presId="urn:microsoft.com/office/officeart/2005/8/layout/chevron2"/>
     <dgm:cxn modelId="{F5F196BB-E062-4666-ADBF-28AB8EB88591}" type="presOf" srcId="{D957C335-3589-4AA0-920B-00DB91C683BF}" destId="{30D1CCFE-B9E2-495C-A14E-C264FE155CBE}" srcOrd="0" destOrd="0" presId="urn:microsoft.com/office/officeart/2005/8/layout/chevron2"/>
-    <dgm:cxn modelId="{3422ECBD-2057-45A1-B1B4-73ACC8D15A3A}" type="presOf" srcId="{37537909-E19F-4776-A91A-0D12E09133A5}" destId="{635E652E-FF37-4DFF-95CD-8CA4BA2A8607}" srcOrd="0" destOrd="3" presId="urn:microsoft.com/office/officeart/2005/8/layout/chevron2"/>
     <dgm:cxn modelId="{19DF7B0B-DAB6-469D-AF09-E2BBF4267F49}" type="presOf" srcId="{AEF24AE9-0AB3-4763-A5DA-3018061F5588}" destId="{CFC34C5D-362C-4F86-88A4-FBF87B2C7427}" srcOrd="0" destOrd="3" presId="urn:microsoft.com/office/officeart/2005/8/layout/chevron2"/>
     <dgm:cxn modelId="{2D5E0BA9-CF6C-4340-A554-6D094D4B6F20}" type="presOf" srcId="{AC62F493-CDC1-4D34-9615-782F8A2EC453}" destId="{1EF1D0A2-CEB4-4E60-AB0F-BCD66F169E2A}" srcOrd="0" destOrd="0" presId="urn:microsoft.com/office/officeart/2005/8/layout/chevron2"/>
     <dgm:cxn modelId="{D5C16949-916C-47D2-B666-403C11A53BDC}" type="presOf" srcId="{A65BB76B-6769-4336-B9A5-2CC4F1A9DF53}" destId="{635E652E-FF37-4DFF-95CD-8CA4BA2A8607}" srcOrd="0" destOrd="2" presId="urn:microsoft.com/office/officeart/2005/8/layout/chevron2"/>
@@ -4149,7 +4124,6 @@
     <dgm:cxn modelId="{BCE2E609-F5FD-4D47-8044-B2D3C24E44D5}" srcId="{6FB126C9-4DE9-466A-B25B-AC57AA36B4A8}" destId="{BBBFE2C6-6943-42DD-A5DD-D6818DA7D418}" srcOrd="0" destOrd="0" parTransId="{F777CEEA-C19F-453B-8807-1F928AEC03EC}" sibTransId="{18226821-D713-4B27-947C-0725DE36937B}"/>
     <dgm:cxn modelId="{A3BC6206-2066-4E27-BD72-A0F5854040D6}" srcId="{AC62F493-CDC1-4D34-9615-782F8A2EC453}" destId="{C50BEBBB-54F1-4503-8F3F-372EE468F041}" srcOrd="2" destOrd="0" parTransId="{DF3E6CEC-D113-4C00-B57E-38DB41CA9A70}" sibTransId="{A80EE40A-C922-4480-97CC-43A959177CB1}"/>
     <dgm:cxn modelId="{424AEB46-983D-42EE-BDAC-A0B59FF39508}" type="presOf" srcId="{5155967F-FA0A-4587-9DF5-C229C7C1341C}" destId="{CFC34C5D-362C-4F86-88A4-FBF87B2C7427}" srcOrd="0" destOrd="1" presId="urn:microsoft.com/office/officeart/2005/8/layout/chevron2"/>
-    <dgm:cxn modelId="{F7FC40D5-49B9-4216-B666-F182EECE7F22}" srcId="{6FB126C9-4DE9-466A-B25B-AC57AA36B4A8}" destId="{37537909-E19F-4776-A91A-0D12E09133A5}" srcOrd="3" destOrd="0" parTransId="{9077AE51-18B7-4DB0-9288-035166BD8D73}" sibTransId="{98C217FE-84A1-489B-8008-B276AF7E0FFF}"/>
     <dgm:cxn modelId="{5BB7F946-2644-4866-993F-D37B265F39A2}" srcId="{319E2ED7-DAC0-475E-B7F4-31BD7A5B9166}" destId="{6FB126C9-4DE9-466A-B25B-AC57AA36B4A8}" srcOrd="3" destOrd="0" parTransId="{C899445F-DA4D-4276-9976-650356A15FAE}" sibTransId="{6B59BCFD-82F5-4EE5-BBA3-7C0C82963889}"/>
     <dgm:cxn modelId="{236F0FB2-695E-473F-8749-D2910A11D1DE}" type="presOf" srcId="{319E2ED7-DAC0-475E-B7F4-31BD7A5B9166}" destId="{839CC9F4-E7D6-485F-85CD-EC9B7273AD54}" srcOrd="0" destOrd="0" presId="urn:microsoft.com/office/officeart/2005/8/layout/chevron2"/>
     <dgm:cxn modelId="{9AACCA81-1E4D-4D70-B868-C4798071B132}" srcId="{AC62F493-CDC1-4D34-9615-782F8A2EC453}" destId="{AEF24AE9-0AB3-4763-A5DA-3018061F5588}" srcOrd="3" destOrd="0" parTransId="{7FADB0DA-D63D-45EB-BBFF-8EE9D5BAF632}" sibTransId="{6F723BFF-936F-4352-BB40-FDEDCC497E6D}"/>
@@ -4178,7 +4152,7 @@
   <dgm:whole/>
   <dgm:extLst>
     <a:ext uri="http://schemas.microsoft.com/office/drawing/2008/diagram">
-      <dsp:dataModelExt xmlns:dsp="http://schemas.microsoft.com/office/drawing/2008/diagram" relId="rId6" minVer="http://schemas.openxmlformats.org/drawingml/2006/diagram"/>
+      <dsp:dataModelExt xmlns:dsp="http://schemas.microsoft.com/office/drawing/2008/diagram" relId="rId7" minVer="http://schemas.openxmlformats.org/drawingml/2006/diagram"/>
     </a:ext>
   </dgm:extLst>
 </dgm:dataModel>
@@ -4722,8 +4696,8 @@
     <dgm:cxn modelId="{21A99BD1-ABB1-4B01-AE82-5FBF2BDE4EFC}" type="presOf" srcId="{FF1C50CD-2C53-4C99-824D-FB3F0A7FD4C5}" destId="{3C5F09C6-46F1-44D4-85F9-437FE56CCE92}" srcOrd="0" destOrd="0" presId="urn:microsoft.com/office/officeart/2005/8/layout/radial4"/>
     <dgm:cxn modelId="{67BC1F66-D5F8-455B-9F9D-34AEE6480CAB}" srcId="{BFFBE2B9-A1E7-492E-AA38-7CBE923FE46D}" destId="{4F2E6C40-9D62-4766-A17D-1BDF80CD6768}" srcOrd="2" destOrd="0" parTransId="{031DC8EC-6898-4BE9-936D-D904E6424B6B}" sibTransId="{A80288C0-7607-4171-8BF1-C00698D6B16B}"/>
     <dgm:cxn modelId="{3A54091C-FE3E-4C4B-A9B1-4B7D0C564A96}" srcId="{BFFBE2B9-A1E7-492E-AA38-7CBE923FE46D}" destId="{B803AAFB-9078-4D4E-82D1-D8CB1C37EB39}" srcOrd="0" destOrd="0" parTransId="{B4C7B20A-95EA-48DF-9217-98BBB03BC3F4}" sibTransId="{AEDF8624-8DA5-47BF-9123-17095C1D732A}"/>
+    <dgm:cxn modelId="{1297388D-5C5C-4E74-A961-EBB301816486}" type="presOf" srcId="{23FF2D79-224C-4636-83BD-C660F93D2AF5}" destId="{32E5C632-2E14-4F75-954F-F73C049CD5CB}" srcOrd="0" destOrd="0" presId="urn:microsoft.com/office/officeart/2005/8/layout/radial4"/>
     <dgm:cxn modelId="{B4C5523A-7FFA-4833-8E99-929985856227}" type="presOf" srcId="{B4C7B20A-95EA-48DF-9217-98BBB03BC3F4}" destId="{5081C45D-A36D-4185-91BD-81A1E7F3B6B8}" srcOrd="0" destOrd="0" presId="urn:microsoft.com/office/officeart/2005/8/layout/radial4"/>
-    <dgm:cxn modelId="{1297388D-5C5C-4E74-A961-EBB301816486}" type="presOf" srcId="{23FF2D79-224C-4636-83BD-C660F93D2AF5}" destId="{32E5C632-2E14-4F75-954F-F73C049CD5CB}" srcOrd="0" destOrd="0" presId="urn:microsoft.com/office/officeart/2005/8/layout/radial4"/>
     <dgm:cxn modelId="{07F83128-4B38-404B-9833-009F4544FFBE}" type="presOf" srcId="{296731BE-7F75-41BE-A655-CCAE5CC14B53}" destId="{5D9CE0E7-F9E5-4759-ABE7-27E939EE761A}" srcOrd="0" destOrd="0" presId="urn:microsoft.com/office/officeart/2005/8/layout/radial4"/>
     <dgm:cxn modelId="{F0C343DA-C9FC-4247-A9D0-54C562A693D1}" type="presOf" srcId="{4F2E6C40-9D62-4766-A17D-1BDF80CD6768}" destId="{23047861-DFAB-4C58-BEA8-5342E1B552E4}" srcOrd="0" destOrd="0" presId="urn:microsoft.com/office/officeart/2005/8/layout/radial4"/>
     <dgm:cxn modelId="{2458BDF8-74A5-4529-BAE8-757DDD0EA307}" srcId="{BFFBE2B9-A1E7-492E-AA38-7CBE923FE46D}" destId="{AD03B8E1-80C5-484C-88C0-EB9617D26D22}" srcOrd="6" destOrd="0" parTransId="{FF1C50CD-2C53-4C99-824D-FB3F0A7FD4C5}" sibTransId="{9AB7A9D1-BEA2-4FEA-ACF6-049507837FF1}"/>
@@ -4759,7 +4733,7 @@
   <dgm:whole/>
   <dgm:extLst>
     <a:ext uri="http://schemas.microsoft.com/office/drawing/2008/diagram">
-      <dsp:dataModelExt xmlns:dsp="http://schemas.microsoft.com/office/drawing/2008/diagram" relId="rId6" minVer="http://schemas.openxmlformats.org/drawingml/2006/diagram"/>
+      <dsp:dataModelExt xmlns:dsp="http://schemas.microsoft.com/office/drawing/2008/diagram" relId="rId7" minVer="http://schemas.openxmlformats.org/drawingml/2006/diagram"/>
     </a:ext>
   </dgm:extLst>
 </dgm:dataModel>
@@ -6618,7 +6592,7 @@
   <dgm:whole/>
   <dgm:extLst>
     <a:ext uri="http://schemas.microsoft.com/office/drawing/2008/diagram">
-      <dsp:dataModelExt xmlns:dsp="http://schemas.microsoft.com/office/drawing/2008/diagram" relId="rId8" minVer="http://schemas.openxmlformats.org/drawingml/2006/diagram"/>
+      <dsp:dataModelExt xmlns:dsp="http://schemas.microsoft.com/office/drawing/2008/diagram" relId="rId9" minVer="http://schemas.openxmlformats.org/drawingml/2006/diagram"/>
     </a:ext>
   </dgm:extLst>
 </dgm:dataModel>
@@ -6850,7 +6824,7 @@
   <dgm:whole/>
   <dgm:extLst>
     <a:ext uri="http://schemas.microsoft.com/office/drawing/2008/diagram">
-      <dsp:dataModelExt xmlns:dsp="http://schemas.microsoft.com/office/drawing/2008/diagram" relId="rId6" minVer="http://schemas.openxmlformats.org/drawingml/2006/diagram"/>
+      <dsp:dataModelExt xmlns:dsp="http://schemas.microsoft.com/office/drawing/2008/diagram" relId="rId7" minVer="http://schemas.openxmlformats.org/drawingml/2006/diagram"/>
     </a:ext>
   </dgm:extLst>
 </dgm:dataModel>
@@ -7774,25 +7748,6 @@
           </a:r>
           <a:endParaRPr lang="en-US" sz="1200" kern="1200" dirty="0"/>
         </a:p>
-        <a:p>
-          <a:pPr marL="114300" lvl="1" indent="-114300" algn="l" defTabSz="533400">
-            <a:lnSpc>
-              <a:spcPct val="90000"/>
-            </a:lnSpc>
-            <a:spcBef>
-              <a:spcPct val="0"/>
-            </a:spcBef>
-            <a:spcAft>
-              <a:spcPct val="15000"/>
-            </a:spcAft>
-            <a:buChar char="••"/>
-          </a:pPr>
-          <a:r>
-            <a:rPr lang="en-US" sz="1200" kern="1200" dirty="0" smtClean="0"/>
-            <a:t>Q&amp;A</a:t>
-          </a:r>
-          <a:endParaRPr lang="en-US" sz="1200" kern="1200" dirty="0"/>
-        </a:p>
       </dsp:txBody>
       <dsp:txXfrm rot="-5400000">
         <a:off x="982936" y="3821799"/>
@@ -7811,6 +7766,1386 @@
       <dsp:cNvGrpSpPr/>
     </dsp:nvGrpSpPr>
     <dsp:grpSpPr/>
+    <dsp:sp modelId="{E9E4A4BD-0093-435C-9115-848F665F9AA0}">
+      <dsp:nvSpPr>
+        <dsp:cNvPr id="0" name=""/>
+        <dsp:cNvSpPr/>
+      </dsp:nvSpPr>
+      <dsp:spPr>
+        <a:xfrm>
+          <a:off x="2357607" y="2495710"/>
+          <a:ext cx="1553779" cy="1553779"/>
+        </a:xfrm>
+        <a:prstGeom prst="ellipse">
+          <a:avLst/>
+        </a:prstGeom>
+        <a:gradFill rotWithShape="0">
+          <a:gsLst>
+            <a:gs pos="0">
+              <a:schemeClr val="accent4">
+                <a:hueOff val="0"/>
+                <a:satOff val="0"/>
+                <a:lumOff val="0"/>
+                <a:alphaOff val="0"/>
+                <a:lumMod val="110000"/>
+                <a:satMod val="105000"/>
+                <a:tint val="67000"/>
+              </a:schemeClr>
+            </a:gs>
+            <a:gs pos="50000">
+              <a:schemeClr val="accent4">
+                <a:hueOff val="0"/>
+                <a:satOff val="0"/>
+                <a:lumOff val="0"/>
+                <a:alphaOff val="0"/>
+                <a:lumMod val="105000"/>
+                <a:satMod val="103000"/>
+                <a:tint val="73000"/>
+              </a:schemeClr>
+            </a:gs>
+            <a:gs pos="100000">
+              <a:schemeClr val="accent4">
+                <a:hueOff val="0"/>
+                <a:satOff val="0"/>
+                <a:lumOff val="0"/>
+                <a:alphaOff val="0"/>
+                <a:lumMod val="105000"/>
+                <a:satMod val="109000"/>
+                <a:tint val="81000"/>
+              </a:schemeClr>
+            </a:gs>
+          </a:gsLst>
+          <a:lin ang="5400000" scaled="0"/>
+        </a:gradFill>
+        <a:ln>
+          <a:noFill/>
+        </a:ln>
+        <a:effectLst/>
+        <a:scene3d>
+          <a:camera prst="orthographicFront"/>
+          <a:lightRig rig="flat" dir="t"/>
+        </a:scene3d>
+        <a:sp3d prstMaterial="dkEdge">
+          <a:bevelT w="8200" h="38100"/>
+        </a:sp3d>
+      </dsp:spPr>
+      <dsp:style>
+        <a:lnRef idx="0">
+          <a:scrgbClr r="0" g="0" b="0"/>
+        </a:lnRef>
+        <a:fillRef idx="2">
+          <a:scrgbClr r="0" g="0" b="0"/>
+        </a:fillRef>
+        <a:effectRef idx="1">
+          <a:scrgbClr r="0" g="0" b="0"/>
+        </a:effectRef>
+        <a:fontRef idx="minor">
+          <a:schemeClr val="dk1"/>
+        </a:fontRef>
+      </dsp:style>
+      <dsp:txBody>
+        <a:bodyPr spcFirstLastPara="0" vert="horz" wrap="square" lIns="10795" tIns="10795" rIns="10795" bIns="10795" numCol="1" spcCol="1270" anchor="ctr" anchorCtr="0">
+          <a:noAutofit/>
+        </a:bodyPr>
+        <a:lstStyle/>
+        <a:p>
+          <a:pPr lvl="0" algn="ctr" defTabSz="755650" rtl="0">
+            <a:lnSpc>
+              <a:spcPct val="90000"/>
+            </a:lnSpc>
+            <a:spcBef>
+              <a:spcPct val="0"/>
+            </a:spcBef>
+            <a:spcAft>
+              <a:spcPct val="35000"/>
+            </a:spcAft>
+          </a:pPr>
+          <a:r>
+            <a:rPr lang="en-US" sz="1700" kern="1200" dirty="0" smtClean="0"/>
+            <a:t>MassTransit</a:t>
+          </a:r>
+          <a:endParaRPr lang="en-US" sz="1700" kern="1200" dirty="0"/>
+        </a:p>
+      </dsp:txBody>
+      <dsp:txXfrm>
+        <a:off x="2585153" y="2723256"/>
+        <a:ext cx="1098687" cy="1098687"/>
+      </dsp:txXfrm>
+    </dsp:sp>
+    <dsp:sp modelId="{5081C45D-A36D-4185-91BD-81A1E7F3B6B8}">
+      <dsp:nvSpPr>
+        <dsp:cNvPr id="0" name=""/>
+        <dsp:cNvSpPr/>
+      </dsp:nvSpPr>
+      <dsp:spPr>
+        <a:xfrm rot="10800000">
+          <a:off x="545530" y="3051186"/>
+          <a:ext cx="1712412" cy="442827"/>
+        </a:xfrm>
+        <a:prstGeom prst="leftArrow">
+          <a:avLst>
+            <a:gd name="adj1" fmla="val 60000"/>
+            <a:gd name="adj2" fmla="val 50000"/>
+          </a:avLst>
+        </a:prstGeom>
+        <a:gradFill rotWithShape="0">
+          <a:gsLst>
+            <a:gs pos="0">
+              <a:schemeClr val="accent5">
+                <a:hueOff val="0"/>
+                <a:satOff val="0"/>
+                <a:lumOff val="0"/>
+                <a:alphaOff val="0"/>
+                <a:lumMod val="110000"/>
+                <a:satMod val="105000"/>
+                <a:tint val="67000"/>
+              </a:schemeClr>
+            </a:gs>
+            <a:gs pos="50000">
+              <a:schemeClr val="accent5">
+                <a:hueOff val="0"/>
+                <a:satOff val="0"/>
+                <a:lumOff val="0"/>
+                <a:alphaOff val="0"/>
+                <a:lumMod val="105000"/>
+                <a:satMod val="103000"/>
+                <a:tint val="73000"/>
+              </a:schemeClr>
+            </a:gs>
+            <a:gs pos="100000">
+              <a:schemeClr val="accent5">
+                <a:hueOff val="0"/>
+                <a:satOff val="0"/>
+                <a:lumOff val="0"/>
+                <a:alphaOff val="0"/>
+                <a:lumMod val="105000"/>
+                <a:satMod val="109000"/>
+                <a:tint val="81000"/>
+              </a:schemeClr>
+            </a:gs>
+          </a:gsLst>
+          <a:lin ang="5400000" scaled="0"/>
+        </a:gradFill>
+        <a:ln>
+          <a:noFill/>
+        </a:ln>
+        <a:effectLst/>
+      </dsp:spPr>
+      <dsp:style>
+        <a:lnRef idx="0">
+          <a:scrgbClr r="0" g="0" b="0"/>
+        </a:lnRef>
+        <a:fillRef idx="2">
+          <a:scrgbClr r="0" g="0" b="0"/>
+        </a:fillRef>
+        <a:effectRef idx="1">
+          <a:scrgbClr r="0" g="0" b="0"/>
+        </a:effectRef>
+        <a:fontRef idx="minor">
+          <a:schemeClr val="dk1"/>
+        </a:fontRef>
+      </dsp:style>
+    </dsp:sp>
+    <dsp:sp modelId="{3B91C0C3-A5ED-4F3A-982B-F35D092D591F}">
+      <dsp:nvSpPr>
+        <dsp:cNvPr id="0" name=""/>
+        <dsp:cNvSpPr/>
+      </dsp:nvSpPr>
+      <dsp:spPr>
+        <a:xfrm>
+          <a:off x="1707" y="2837541"/>
+          <a:ext cx="1087645" cy="870116"/>
+        </a:xfrm>
+        <a:prstGeom prst="roundRect">
+          <a:avLst>
+            <a:gd name="adj" fmla="val 10000"/>
+          </a:avLst>
+        </a:prstGeom>
+        <a:gradFill rotWithShape="0">
+          <a:gsLst>
+            <a:gs pos="0">
+              <a:schemeClr val="accent5">
+                <a:hueOff val="0"/>
+                <a:satOff val="0"/>
+                <a:lumOff val="0"/>
+                <a:alphaOff val="0"/>
+                <a:lumMod val="110000"/>
+                <a:satMod val="105000"/>
+                <a:tint val="67000"/>
+              </a:schemeClr>
+            </a:gs>
+            <a:gs pos="50000">
+              <a:schemeClr val="accent5">
+                <a:hueOff val="0"/>
+                <a:satOff val="0"/>
+                <a:lumOff val="0"/>
+                <a:alphaOff val="0"/>
+                <a:lumMod val="105000"/>
+                <a:satMod val="103000"/>
+                <a:tint val="73000"/>
+              </a:schemeClr>
+            </a:gs>
+            <a:gs pos="100000">
+              <a:schemeClr val="accent5">
+                <a:hueOff val="0"/>
+                <a:satOff val="0"/>
+                <a:lumOff val="0"/>
+                <a:alphaOff val="0"/>
+                <a:lumMod val="105000"/>
+                <a:satMod val="109000"/>
+                <a:tint val="81000"/>
+              </a:schemeClr>
+            </a:gs>
+          </a:gsLst>
+          <a:lin ang="5400000" scaled="0"/>
+        </a:gradFill>
+        <a:ln>
+          <a:noFill/>
+        </a:ln>
+        <a:effectLst/>
+        <a:scene3d>
+          <a:camera prst="orthographicFront"/>
+          <a:lightRig rig="flat" dir="t"/>
+        </a:scene3d>
+        <a:sp3d prstMaterial="dkEdge">
+          <a:bevelT w="8200" h="38100"/>
+        </a:sp3d>
+      </dsp:spPr>
+      <dsp:style>
+        <a:lnRef idx="0">
+          <a:scrgbClr r="0" g="0" b="0"/>
+        </a:lnRef>
+        <a:fillRef idx="2">
+          <a:scrgbClr r="0" g="0" b="0"/>
+        </a:fillRef>
+        <a:effectRef idx="1">
+          <a:scrgbClr r="0" g="0" b="0"/>
+        </a:effectRef>
+        <a:fontRef idx="minor">
+          <a:schemeClr val="dk1"/>
+        </a:fontRef>
+      </dsp:style>
+      <dsp:txBody>
+        <a:bodyPr spcFirstLastPara="0" vert="horz" wrap="square" lIns="19050" tIns="19050" rIns="19050" bIns="19050" numCol="1" spcCol="1270" anchor="ctr" anchorCtr="0">
+          <a:noAutofit/>
+        </a:bodyPr>
+        <a:lstStyle/>
+        <a:p>
+          <a:pPr lvl="0" algn="ctr" defTabSz="444500" rtl="0">
+            <a:lnSpc>
+              <a:spcPct val="90000"/>
+            </a:lnSpc>
+            <a:spcBef>
+              <a:spcPct val="0"/>
+            </a:spcBef>
+            <a:spcAft>
+              <a:spcPct val="35000"/>
+            </a:spcAft>
+          </a:pPr>
+          <a:r>
+            <a:rPr lang="en-US" sz="1000" kern="1200" dirty="0" err="1" smtClean="0"/>
+            <a:t>Automatonymous</a:t>
+          </a:r>
+          <a:endParaRPr lang="en-US" sz="1000" kern="1200" dirty="0"/>
+        </a:p>
+      </dsp:txBody>
+      <dsp:txXfrm>
+        <a:off x="27192" y="2863026"/>
+        <a:ext cx="1036675" cy="819146"/>
+      </dsp:txXfrm>
+    </dsp:sp>
+    <dsp:sp modelId="{F1678E16-27EA-4D42-B2C6-D2938477D7DE}">
+      <dsp:nvSpPr>
+        <dsp:cNvPr id="0" name=""/>
+        <dsp:cNvSpPr/>
+      </dsp:nvSpPr>
+      <dsp:spPr>
+        <a:xfrm rot="12600000">
+          <a:off x="777676" y="2184806"/>
+          <a:ext cx="1712412" cy="442827"/>
+        </a:xfrm>
+        <a:prstGeom prst="leftArrow">
+          <a:avLst>
+            <a:gd name="adj1" fmla="val 60000"/>
+            <a:gd name="adj2" fmla="val 50000"/>
+          </a:avLst>
+        </a:prstGeom>
+        <a:gradFill rotWithShape="0">
+          <a:gsLst>
+            <a:gs pos="0">
+              <a:schemeClr val="accent5">
+                <a:hueOff val="-1225557"/>
+                <a:satOff val="-1705"/>
+                <a:lumOff val="-654"/>
+                <a:alphaOff val="0"/>
+                <a:lumMod val="110000"/>
+                <a:satMod val="105000"/>
+                <a:tint val="67000"/>
+              </a:schemeClr>
+            </a:gs>
+            <a:gs pos="50000">
+              <a:schemeClr val="accent5">
+                <a:hueOff val="-1225557"/>
+                <a:satOff val="-1705"/>
+                <a:lumOff val="-654"/>
+                <a:alphaOff val="0"/>
+                <a:lumMod val="105000"/>
+                <a:satMod val="103000"/>
+                <a:tint val="73000"/>
+              </a:schemeClr>
+            </a:gs>
+            <a:gs pos="100000">
+              <a:schemeClr val="accent5">
+                <a:hueOff val="-1225557"/>
+                <a:satOff val="-1705"/>
+                <a:lumOff val="-654"/>
+                <a:alphaOff val="0"/>
+                <a:lumMod val="105000"/>
+                <a:satMod val="109000"/>
+                <a:tint val="81000"/>
+              </a:schemeClr>
+            </a:gs>
+          </a:gsLst>
+          <a:lin ang="5400000" scaled="0"/>
+        </a:gradFill>
+        <a:ln>
+          <a:noFill/>
+        </a:ln>
+        <a:effectLst/>
+      </dsp:spPr>
+      <dsp:style>
+        <a:lnRef idx="0">
+          <a:scrgbClr r="0" g="0" b="0"/>
+        </a:lnRef>
+        <a:fillRef idx="2">
+          <a:scrgbClr r="0" g="0" b="0"/>
+        </a:fillRef>
+        <a:effectRef idx="1">
+          <a:scrgbClr r="0" g="0" b="0"/>
+        </a:effectRef>
+        <a:fontRef idx="minor">
+          <a:schemeClr val="dk1"/>
+        </a:fontRef>
+      </dsp:style>
+    </dsp:sp>
+    <dsp:sp modelId="{72464EC3-B6F8-43A7-B11E-766BDD322941}">
+      <dsp:nvSpPr>
+        <dsp:cNvPr id="0" name=""/>
+        <dsp:cNvSpPr/>
+      </dsp:nvSpPr>
+      <dsp:spPr>
+        <a:xfrm>
+          <a:off x="348563" y="1543058"/>
+          <a:ext cx="1087645" cy="870116"/>
+        </a:xfrm>
+        <a:prstGeom prst="roundRect">
+          <a:avLst>
+            <a:gd name="adj" fmla="val 10000"/>
+          </a:avLst>
+        </a:prstGeom>
+        <a:gradFill rotWithShape="0">
+          <a:gsLst>
+            <a:gs pos="0">
+              <a:schemeClr val="accent5">
+                <a:hueOff val="-1225557"/>
+                <a:satOff val="-1705"/>
+                <a:lumOff val="-654"/>
+                <a:alphaOff val="0"/>
+                <a:lumMod val="110000"/>
+                <a:satMod val="105000"/>
+                <a:tint val="67000"/>
+              </a:schemeClr>
+            </a:gs>
+            <a:gs pos="50000">
+              <a:schemeClr val="accent5">
+                <a:hueOff val="-1225557"/>
+                <a:satOff val="-1705"/>
+                <a:lumOff val="-654"/>
+                <a:alphaOff val="0"/>
+                <a:lumMod val="105000"/>
+                <a:satMod val="103000"/>
+                <a:tint val="73000"/>
+              </a:schemeClr>
+            </a:gs>
+            <a:gs pos="100000">
+              <a:schemeClr val="accent5">
+                <a:hueOff val="-1225557"/>
+                <a:satOff val="-1705"/>
+                <a:lumOff val="-654"/>
+                <a:alphaOff val="0"/>
+                <a:lumMod val="105000"/>
+                <a:satMod val="109000"/>
+                <a:tint val="81000"/>
+              </a:schemeClr>
+            </a:gs>
+          </a:gsLst>
+          <a:lin ang="5400000" scaled="0"/>
+        </a:gradFill>
+        <a:ln>
+          <a:noFill/>
+        </a:ln>
+        <a:effectLst/>
+        <a:scene3d>
+          <a:camera prst="orthographicFront"/>
+          <a:lightRig rig="flat" dir="t"/>
+        </a:scene3d>
+        <a:sp3d prstMaterial="dkEdge">
+          <a:bevelT w="8200" h="38100"/>
+        </a:sp3d>
+      </dsp:spPr>
+      <dsp:style>
+        <a:lnRef idx="0">
+          <a:scrgbClr r="0" g="0" b="0"/>
+        </a:lnRef>
+        <a:fillRef idx="2">
+          <a:scrgbClr r="0" g="0" b="0"/>
+        </a:fillRef>
+        <a:effectRef idx="1">
+          <a:scrgbClr r="0" g="0" b="0"/>
+        </a:effectRef>
+        <a:fontRef idx="minor">
+          <a:schemeClr val="dk1"/>
+        </a:fontRef>
+      </dsp:style>
+      <dsp:txBody>
+        <a:bodyPr spcFirstLastPara="0" vert="horz" wrap="square" lIns="19050" tIns="19050" rIns="19050" bIns="19050" numCol="1" spcCol="1270" anchor="ctr" anchorCtr="0">
+          <a:noAutofit/>
+        </a:bodyPr>
+        <a:lstStyle/>
+        <a:p>
+          <a:pPr lvl="0" algn="ctr" defTabSz="444500" rtl="0">
+            <a:lnSpc>
+              <a:spcPct val="90000"/>
+            </a:lnSpc>
+            <a:spcBef>
+              <a:spcPct val="0"/>
+            </a:spcBef>
+            <a:spcAft>
+              <a:spcPct val="35000"/>
+            </a:spcAft>
+          </a:pPr>
+          <a:r>
+            <a:rPr lang="en-US" sz="1000" kern="1200" smtClean="0"/>
+            <a:t>Courier</a:t>
+          </a:r>
+          <a:endParaRPr lang="en-US" sz="1000" kern="1200"/>
+        </a:p>
+      </dsp:txBody>
+      <dsp:txXfrm>
+        <a:off x="374048" y="1568543"/>
+        <a:ext cx="1036675" cy="819146"/>
+      </dsp:txXfrm>
+    </dsp:sp>
+    <dsp:sp modelId="{2AEDBDB1-3D70-4118-95AC-548E4B9178AE}">
+      <dsp:nvSpPr>
+        <dsp:cNvPr id="0" name=""/>
+        <dsp:cNvSpPr/>
+      </dsp:nvSpPr>
+      <dsp:spPr>
+        <a:xfrm rot="14400000">
+          <a:off x="1411910" y="1550572"/>
+          <a:ext cx="1712412" cy="442827"/>
+        </a:xfrm>
+        <a:prstGeom prst="leftArrow">
+          <a:avLst>
+            <a:gd name="adj1" fmla="val 60000"/>
+            <a:gd name="adj2" fmla="val 50000"/>
+          </a:avLst>
+        </a:prstGeom>
+        <a:gradFill rotWithShape="0">
+          <a:gsLst>
+            <a:gs pos="0">
+              <a:schemeClr val="accent5">
+                <a:hueOff val="-2451115"/>
+                <a:satOff val="-3409"/>
+                <a:lumOff val="-1307"/>
+                <a:alphaOff val="0"/>
+                <a:lumMod val="110000"/>
+                <a:satMod val="105000"/>
+                <a:tint val="67000"/>
+              </a:schemeClr>
+            </a:gs>
+            <a:gs pos="50000">
+              <a:schemeClr val="accent5">
+                <a:hueOff val="-2451115"/>
+                <a:satOff val="-3409"/>
+                <a:lumOff val="-1307"/>
+                <a:alphaOff val="0"/>
+                <a:lumMod val="105000"/>
+                <a:satMod val="103000"/>
+                <a:tint val="73000"/>
+              </a:schemeClr>
+            </a:gs>
+            <a:gs pos="100000">
+              <a:schemeClr val="accent5">
+                <a:hueOff val="-2451115"/>
+                <a:satOff val="-3409"/>
+                <a:lumOff val="-1307"/>
+                <a:alphaOff val="0"/>
+                <a:lumMod val="105000"/>
+                <a:satMod val="109000"/>
+                <a:tint val="81000"/>
+              </a:schemeClr>
+            </a:gs>
+          </a:gsLst>
+          <a:lin ang="5400000" scaled="0"/>
+        </a:gradFill>
+        <a:ln>
+          <a:noFill/>
+        </a:ln>
+        <a:effectLst/>
+      </dsp:spPr>
+      <dsp:style>
+        <a:lnRef idx="0">
+          <a:scrgbClr r="0" g="0" b="0"/>
+        </a:lnRef>
+        <a:fillRef idx="2">
+          <a:scrgbClr r="0" g="0" b="0"/>
+        </a:fillRef>
+        <a:effectRef idx="1">
+          <a:scrgbClr r="0" g="0" b="0"/>
+        </a:effectRef>
+        <a:fontRef idx="minor">
+          <a:schemeClr val="dk1"/>
+        </a:fontRef>
+      </dsp:style>
+    </dsp:sp>
+    <dsp:sp modelId="{23047861-DFAB-4C58-BEA8-5342E1B552E4}">
+      <dsp:nvSpPr>
+        <dsp:cNvPr id="0" name=""/>
+        <dsp:cNvSpPr/>
+      </dsp:nvSpPr>
+      <dsp:spPr>
+        <a:xfrm>
+          <a:off x="1296190" y="595431"/>
+          <a:ext cx="1087645" cy="870116"/>
+        </a:xfrm>
+        <a:prstGeom prst="roundRect">
+          <a:avLst>
+            <a:gd name="adj" fmla="val 10000"/>
+          </a:avLst>
+        </a:prstGeom>
+        <a:gradFill rotWithShape="0">
+          <a:gsLst>
+            <a:gs pos="0">
+              <a:schemeClr val="accent5">
+                <a:hueOff val="-2451115"/>
+                <a:satOff val="-3409"/>
+                <a:lumOff val="-1307"/>
+                <a:alphaOff val="0"/>
+                <a:lumMod val="110000"/>
+                <a:satMod val="105000"/>
+                <a:tint val="67000"/>
+              </a:schemeClr>
+            </a:gs>
+            <a:gs pos="50000">
+              <a:schemeClr val="accent5">
+                <a:hueOff val="-2451115"/>
+                <a:satOff val="-3409"/>
+                <a:lumOff val="-1307"/>
+                <a:alphaOff val="0"/>
+                <a:lumMod val="105000"/>
+                <a:satMod val="103000"/>
+                <a:tint val="73000"/>
+              </a:schemeClr>
+            </a:gs>
+            <a:gs pos="100000">
+              <a:schemeClr val="accent5">
+                <a:hueOff val="-2451115"/>
+                <a:satOff val="-3409"/>
+                <a:lumOff val="-1307"/>
+                <a:alphaOff val="0"/>
+                <a:lumMod val="105000"/>
+                <a:satMod val="109000"/>
+                <a:tint val="81000"/>
+              </a:schemeClr>
+            </a:gs>
+          </a:gsLst>
+          <a:lin ang="5400000" scaled="0"/>
+        </a:gradFill>
+        <a:ln>
+          <a:noFill/>
+        </a:ln>
+        <a:effectLst/>
+        <a:scene3d>
+          <a:camera prst="orthographicFront"/>
+          <a:lightRig rig="flat" dir="t"/>
+        </a:scene3d>
+        <a:sp3d prstMaterial="dkEdge">
+          <a:bevelT w="8200" h="38100"/>
+        </a:sp3d>
+      </dsp:spPr>
+      <dsp:style>
+        <a:lnRef idx="0">
+          <a:scrgbClr r="0" g="0" b="0"/>
+        </a:lnRef>
+        <a:fillRef idx="2">
+          <a:scrgbClr r="0" g="0" b="0"/>
+        </a:fillRef>
+        <a:effectRef idx="1">
+          <a:scrgbClr r="0" g="0" b="0"/>
+        </a:effectRef>
+        <a:fontRef idx="minor">
+          <a:schemeClr val="dk1"/>
+        </a:fontRef>
+      </dsp:style>
+      <dsp:txBody>
+        <a:bodyPr spcFirstLastPara="0" vert="horz" wrap="square" lIns="19050" tIns="19050" rIns="19050" bIns="19050" numCol="1" spcCol="1270" anchor="ctr" anchorCtr="0">
+          <a:noAutofit/>
+        </a:bodyPr>
+        <a:lstStyle/>
+        <a:p>
+          <a:pPr lvl="0" algn="ctr" defTabSz="444500" rtl="0">
+            <a:lnSpc>
+              <a:spcPct val="90000"/>
+            </a:lnSpc>
+            <a:spcBef>
+              <a:spcPct val="0"/>
+            </a:spcBef>
+            <a:spcAft>
+              <a:spcPct val="35000"/>
+            </a:spcAft>
+          </a:pPr>
+          <a:r>
+            <a:rPr lang="en-US" sz="1000" kern="1200" smtClean="0"/>
+            <a:t>TopShelf</a:t>
+          </a:r>
+          <a:endParaRPr lang="en-US" sz="1000" kern="1200"/>
+        </a:p>
+      </dsp:txBody>
+      <dsp:txXfrm>
+        <a:off x="1321675" y="620916"/>
+        <a:ext cx="1036675" cy="819146"/>
+      </dsp:txXfrm>
+    </dsp:sp>
+    <dsp:sp modelId="{79BC5D14-726C-4864-BF26-C1A0D4C4F999}">
+      <dsp:nvSpPr>
+        <dsp:cNvPr id="0" name=""/>
+        <dsp:cNvSpPr/>
+      </dsp:nvSpPr>
+      <dsp:spPr>
+        <a:xfrm rot="16200000">
+          <a:off x="2278290" y="1318426"/>
+          <a:ext cx="1712412" cy="442827"/>
+        </a:xfrm>
+        <a:prstGeom prst="leftArrow">
+          <a:avLst>
+            <a:gd name="adj1" fmla="val 60000"/>
+            <a:gd name="adj2" fmla="val 50000"/>
+          </a:avLst>
+        </a:prstGeom>
+        <a:gradFill rotWithShape="0">
+          <a:gsLst>
+            <a:gs pos="0">
+              <a:schemeClr val="accent5">
+                <a:hueOff val="-3676672"/>
+                <a:satOff val="-5114"/>
+                <a:lumOff val="-1961"/>
+                <a:alphaOff val="0"/>
+                <a:lumMod val="110000"/>
+                <a:satMod val="105000"/>
+                <a:tint val="67000"/>
+              </a:schemeClr>
+            </a:gs>
+            <a:gs pos="50000">
+              <a:schemeClr val="accent5">
+                <a:hueOff val="-3676672"/>
+                <a:satOff val="-5114"/>
+                <a:lumOff val="-1961"/>
+                <a:alphaOff val="0"/>
+                <a:lumMod val="105000"/>
+                <a:satMod val="103000"/>
+                <a:tint val="73000"/>
+              </a:schemeClr>
+            </a:gs>
+            <a:gs pos="100000">
+              <a:schemeClr val="accent5">
+                <a:hueOff val="-3676672"/>
+                <a:satOff val="-5114"/>
+                <a:lumOff val="-1961"/>
+                <a:alphaOff val="0"/>
+                <a:lumMod val="105000"/>
+                <a:satMod val="109000"/>
+                <a:tint val="81000"/>
+              </a:schemeClr>
+            </a:gs>
+          </a:gsLst>
+          <a:lin ang="5400000" scaled="0"/>
+        </a:gradFill>
+        <a:ln>
+          <a:noFill/>
+        </a:ln>
+        <a:effectLst/>
+      </dsp:spPr>
+      <dsp:style>
+        <a:lnRef idx="0">
+          <a:scrgbClr r="0" g="0" b="0"/>
+        </a:lnRef>
+        <a:fillRef idx="2">
+          <a:scrgbClr r="0" g="0" b="0"/>
+        </a:fillRef>
+        <a:effectRef idx="1">
+          <a:scrgbClr r="0" g="0" b="0"/>
+        </a:effectRef>
+        <a:fontRef idx="minor">
+          <a:schemeClr val="dk1"/>
+        </a:fontRef>
+      </dsp:style>
+    </dsp:sp>
+    <dsp:sp modelId="{FA9D91B0-E6D5-4BEB-A522-617F6AC2EEAD}">
+      <dsp:nvSpPr>
+        <dsp:cNvPr id="0" name=""/>
+        <dsp:cNvSpPr/>
+      </dsp:nvSpPr>
+      <dsp:spPr>
+        <a:xfrm>
+          <a:off x="2590674" y="248575"/>
+          <a:ext cx="1087645" cy="870116"/>
+        </a:xfrm>
+        <a:prstGeom prst="roundRect">
+          <a:avLst>
+            <a:gd name="adj" fmla="val 10000"/>
+          </a:avLst>
+        </a:prstGeom>
+        <a:gradFill rotWithShape="0">
+          <a:gsLst>
+            <a:gs pos="0">
+              <a:schemeClr val="accent5">
+                <a:hueOff val="-3676672"/>
+                <a:satOff val="-5114"/>
+                <a:lumOff val="-1961"/>
+                <a:alphaOff val="0"/>
+                <a:lumMod val="110000"/>
+                <a:satMod val="105000"/>
+                <a:tint val="67000"/>
+              </a:schemeClr>
+            </a:gs>
+            <a:gs pos="50000">
+              <a:schemeClr val="accent5">
+                <a:hueOff val="-3676672"/>
+                <a:satOff val="-5114"/>
+                <a:lumOff val="-1961"/>
+                <a:alphaOff val="0"/>
+                <a:lumMod val="105000"/>
+                <a:satMod val="103000"/>
+                <a:tint val="73000"/>
+              </a:schemeClr>
+            </a:gs>
+            <a:gs pos="100000">
+              <a:schemeClr val="accent5">
+                <a:hueOff val="-3676672"/>
+                <a:satOff val="-5114"/>
+                <a:lumOff val="-1961"/>
+                <a:alphaOff val="0"/>
+                <a:lumMod val="105000"/>
+                <a:satMod val="109000"/>
+                <a:tint val="81000"/>
+              </a:schemeClr>
+            </a:gs>
+          </a:gsLst>
+          <a:lin ang="5400000" scaled="0"/>
+        </a:gradFill>
+        <a:ln>
+          <a:noFill/>
+        </a:ln>
+        <a:effectLst/>
+        <a:scene3d>
+          <a:camera prst="orthographicFront"/>
+          <a:lightRig rig="flat" dir="t"/>
+        </a:scene3d>
+        <a:sp3d prstMaterial="dkEdge">
+          <a:bevelT w="8200" h="38100"/>
+        </a:sp3d>
+      </dsp:spPr>
+      <dsp:style>
+        <a:lnRef idx="0">
+          <a:scrgbClr r="0" g="0" b="0"/>
+        </a:lnRef>
+        <a:fillRef idx="2">
+          <a:scrgbClr r="0" g="0" b="0"/>
+        </a:fillRef>
+        <a:effectRef idx="1">
+          <a:scrgbClr r="0" g="0" b="0"/>
+        </a:effectRef>
+        <a:fontRef idx="minor">
+          <a:schemeClr val="dk1"/>
+        </a:fontRef>
+      </dsp:style>
+      <dsp:txBody>
+        <a:bodyPr spcFirstLastPara="0" vert="horz" wrap="square" lIns="19050" tIns="19050" rIns="19050" bIns="19050" numCol="1" spcCol="1270" anchor="ctr" anchorCtr="0">
+          <a:noAutofit/>
+        </a:bodyPr>
+        <a:lstStyle/>
+        <a:p>
+          <a:pPr lvl="0" algn="ctr" defTabSz="444500" rtl="0">
+            <a:lnSpc>
+              <a:spcPct val="90000"/>
+            </a:lnSpc>
+            <a:spcBef>
+              <a:spcPct val="0"/>
+            </a:spcBef>
+            <a:spcAft>
+              <a:spcPct val="35000"/>
+            </a:spcAft>
+          </a:pPr>
+          <a:r>
+            <a:rPr lang="en-US" sz="1000" kern="1200" smtClean="0"/>
+            <a:t>Quartz</a:t>
+          </a:r>
+          <a:endParaRPr lang="en-US" sz="1000" kern="1200"/>
+        </a:p>
+      </dsp:txBody>
+      <dsp:txXfrm>
+        <a:off x="2616159" y="274060"/>
+        <a:ext cx="1036675" cy="819146"/>
+      </dsp:txXfrm>
+    </dsp:sp>
+    <dsp:sp modelId="{32E5C632-2E14-4F75-954F-F73C049CD5CB}">
+      <dsp:nvSpPr>
+        <dsp:cNvPr id="0" name=""/>
+        <dsp:cNvSpPr/>
+      </dsp:nvSpPr>
+      <dsp:spPr>
+        <a:xfrm rot="18000000">
+          <a:off x="3144671" y="1550572"/>
+          <a:ext cx="1712412" cy="442827"/>
+        </a:xfrm>
+        <a:prstGeom prst="leftArrow">
+          <a:avLst>
+            <a:gd name="adj1" fmla="val 60000"/>
+            <a:gd name="adj2" fmla="val 50000"/>
+          </a:avLst>
+        </a:prstGeom>
+        <a:gradFill rotWithShape="0">
+          <a:gsLst>
+            <a:gs pos="0">
+              <a:schemeClr val="accent5">
+                <a:hueOff val="-4902230"/>
+                <a:satOff val="-6819"/>
+                <a:lumOff val="-2615"/>
+                <a:alphaOff val="0"/>
+                <a:lumMod val="110000"/>
+                <a:satMod val="105000"/>
+                <a:tint val="67000"/>
+              </a:schemeClr>
+            </a:gs>
+            <a:gs pos="50000">
+              <a:schemeClr val="accent5">
+                <a:hueOff val="-4902230"/>
+                <a:satOff val="-6819"/>
+                <a:lumOff val="-2615"/>
+                <a:alphaOff val="0"/>
+                <a:lumMod val="105000"/>
+                <a:satMod val="103000"/>
+                <a:tint val="73000"/>
+              </a:schemeClr>
+            </a:gs>
+            <a:gs pos="100000">
+              <a:schemeClr val="accent5">
+                <a:hueOff val="-4902230"/>
+                <a:satOff val="-6819"/>
+                <a:lumOff val="-2615"/>
+                <a:alphaOff val="0"/>
+                <a:lumMod val="105000"/>
+                <a:satMod val="109000"/>
+                <a:tint val="81000"/>
+              </a:schemeClr>
+            </a:gs>
+          </a:gsLst>
+          <a:lin ang="5400000" scaled="0"/>
+        </a:gradFill>
+        <a:ln>
+          <a:noFill/>
+        </a:ln>
+        <a:effectLst/>
+      </dsp:spPr>
+      <dsp:style>
+        <a:lnRef idx="0">
+          <a:scrgbClr r="0" g="0" b="0"/>
+        </a:lnRef>
+        <a:fillRef idx="2">
+          <a:scrgbClr r="0" g="0" b="0"/>
+        </a:fillRef>
+        <a:effectRef idx="1">
+          <a:scrgbClr r="0" g="0" b="0"/>
+        </a:effectRef>
+        <a:fontRef idx="minor">
+          <a:schemeClr val="dk1"/>
+        </a:fontRef>
+      </dsp:style>
+    </dsp:sp>
+    <dsp:sp modelId="{5D9CE0E7-F9E5-4759-ABE7-27E939EE761A}">
+      <dsp:nvSpPr>
+        <dsp:cNvPr id="0" name=""/>
+        <dsp:cNvSpPr/>
+      </dsp:nvSpPr>
+      <dsp:spPr>
+        <a:xfrm>
+          <a:off x="3885157" y="595431"/>
+          <a:ext cx="1087645" cy="870116"/>
+        </a:xfrm>
+        <a:prstGeom prst="roundRect">
+          <a:avLst>
+            <a:gd name="adj" fmla="val 10000"/>
+          </a:avLst>
+        </a:prstGeom>
+        <a:gradFill rotWithShape="0">
+          <a:gsLst>
+            <a:gs pos="0">
+              <a:schemeClr val="accent5">
+                <a:hueOff val="-4902230"/>
+                <a:satOff val="-6819"/>
+                <a:lumOff val="-2615"/>
+                <a:alphaOff val="0"/>
+                <a:lumMod val="110000"/>
+                <a:satMod val="105000"/>
+                <a:tint val="67000"/>
+              </a:schemeClr>
+            </a:gs>
+            <a:gs pos="50000">
+              <a:schemeClr val="accent5">
+                <a:hueOff val="-4902230"/>
+                <a:satOff val="-6819"/>
+                <a:lumOff val="-2615"/>
+                <a:alphaOff val="0"/>
+                <a:lumMod val="105000"/>
+                <a:satMod val="103000"/>
+                <a:tint val="73000"/>
+              </a:schemeClr>
+            </a:gs>
+            <a:gs pos="100000">
+              <a:schemeClr val="accent5">
+                <a:hueOff val="-4902230"/>
+                <a:satOff val="-6819"/>
+                <a:lumOff val="-2615"/>
+                <a:alphaOff val="0"/>
+                <a:lumMod val="105000"/>
+                <a:satMod val="109000"/>
+                <a:tint val="81000"/>
+              </a:schemeClr>
+            </a:gs>
+          </a:gsLst>
+          <a:lin ang="5400000" scaled="0"/>
+        </a:gradFill>
+        <a:ln>
+          <a:noFill/>
+        </a:ln>
+        <a:effectLst/>
+        <a:scene3d>
+          <a:camera prst="orthographicFront"/>
+          <a:lightRig rig="flat" dir="t"/>
+        </a:scene3d>
+        <a:sp3d prstMaterial="dkEdge">
+          <a:bevelT w="8200" h="38100"/>
+        </a:sp3d>
+      </dsp:spPr>
+      <dsp:style>
+        <a:lnRef idx="0">
+          <a:scrgbClr r="0" g="0" b="0"/>
+        </a:lnRef>
+        <a:fillRef idx="2">
+          <a:scrgbClr r="0" g="0" b="0"/>
+        </a:fillRef>
+        <a:effectRef idx="1">
+          <a:scrgbClr r="0" g="0" b="0"/>
+        </a:effectRef>
+        <a:fontRef idx="minor">
+          <a:schemeClr val="dk1"/>
+        </a:fontRef>
+      </dsp:style>
+      <dsp:txBody>
+        <a:bodyPr spcFirstLastPara="0" vert="horz" wrap="square" lIns="19050" tIns="19050" rIns="19050" bIns="19050" numCol="1" spcCol="1270" anchor="ctr" anchorCtr="0">
+          <a:noAutofit/>
+        </a:bodyPr>
+        <a:lstStyle/>
+        <a:p>
+          <a:pPr lvl="0" algn="ctr" defTabSz="444500" rtl="0">
+            <a:lnSpc>
+              <a:spcPct val="90000"/>
+            </a:lnSpc>
+            <a:spcBef>
+              <a:spcPct val="0"/>
+            </a:spcBef>
+            <a:spcAft>
+              <a:spcPct val="35000"/>
+            </a:spcAft>
+          </a:pPr>
+          <a:r>
+            <a:rPr lang="en-US" sz="1000" kern="1200" dirty="0" smtClean="0"/>
+            <a:t>Transports</a:t>
+          </a:r>
+          <a:endParaRPr lang="en-US" sz="1000" kern="1200" dirty="0"/>
+        </a:p>
+      </dsp:txBody>
+      <dsp:txXfrm>
+        <a:off x="3910642" y="620916"/>
+        <a:ext cx="1036675" cy="819146"/>
+      </dsp:txXfrm>
+    </dsp:sp>
+    <dsp:sp modelId="{27DF259A-5344-4FF7-97E4-A97EC4C703AB}">
+      <dsp:nvSpPr>
+        <dsp:cNvPr id="0" name=""/>
+        <dsp:cNvSpPr/>
+      </dsp:nvSpPr>
+      <dsp:spPr>
+        <a:xfrm rot="19800000">
+          <a:off x="3778905" y="2184806"/>
+          <a:ext cx="1712412" cy="442827"/>
+        </a:xfrm>
+        <a:prstGeom prst="leftArrow">
+          <a:avLst>
+            <a:gd name="adj1" fmla="val 60000"/>
+            <a:gd name="adj2" fmla="val 50000"/>
+          </a:avLst>
+        </a:prstGeom>
+        <a:gradFill rotWithShape="0">
+          <a:gsLst>
+            <a:gs pos="0">
+              <a:schemeClr val="accent5">
+                <a:hueOff val="-6127787"/>
+                <a:satOff val="-8523"/>
+                <a:lumOff val="-3268"/>
+                <a:alphaOff val="0"/>
+                <a:lumMod val="110000"/>
+                <a:satMod val="105000"/>
+                <a:tint val="67000"/>
+              </a:schemeClr>
+            </a:gs>
+            <a:gs pos="50000">
+              <a:schemeClr val="accent5">
+                <a:hueOff val="-6127787"/>
+                <a:satOff val="-8523"/>
+                <a:lumOff val="-3268"/>
+                <a:alphaOff val="0"/>
+                <a:lumMod val="105000"/>
+                <a:satMod val="103000"/>
+                <a:tint val="73000"/>
+              </a:schemeClr>
+            </a:gs>
+            <a:gs pos="100000">
+              <a:schemeClr val="accent5">
+                <a:hueOff val="-6127787"/>
+                <a:satOff val="-8523"/>
+                <a:lumOff val="-3268"/>
+                <a:alphaOff val="0"/>
+                <a:lumMod val="105000"/>
+                <a:satMod val="109000"/>
+                <a:tint val="81000"/>
+              </a:schemeClr>
+            </a:gs>
+          </a:gsLst>
+          <a:lin ang="5400000" scaled="0"/>
+        </a:gradFill>
+        <a:ln>
+          <a:noFill/>
+        </a:ln>
+        <a:effectLst/>
+      </dsp:spPr>
+      <dsp:style>
+        <a:lnRef idx="0">
+          <a:scrgbClr r="0" g="0" b="0"/>
+        </a:lnRef>
+        <a:fillRef idx="2">
+          <a:scrgbClr r="0" g="0" b="0"/>
+        </a:fillRef>
+        <a:effectRef idx="1">
+          <a:scrgbClr r="0" g="0" b="0"/>
+        </a:effectRef>
+        <a:fontRef idx="minor">
+          <a:schemeClr val="dk1"/>
+        </a:fontRef>
+      </dsp:style>
+    </dsp:sp>
+    <dsp:sp modelId="{D129AEE7-0451-44D1-840B-7DC4512E6152}">
+      <dsp:nvSpPr>
+        <dsp:cNvPr id="0" name=""/>
+        <dsp:cNvSpPr/>
+      </dsp:nvSpPr>
+      <dsp:spPr>
+        <a:xfrm>
+          <a:off x="4832784" y="1543058"/>
+          <a:ext cx="1087645" cy="870116"/>
+        </a:xfrm>
+        <a:prstGeom prst="roundRect">
+          <a:avLst>
+            <a:gd name="adj" fmla="val 10000"/>
+          </a:avLst>
+        </a:prstGeom>
+        <a:gradFill rotWithShape="0">
+          <a:gsLst>
+            <a:gs pos="0">
+              <a:schemeClr val="accent5">
+                <a:hueOff val="-6127787"/>
+                <a:satOff val="-8523"/>
+                <a:lumOff val="-3268"/>
+                <a:alphaOff val="0"/>
+                <a:lumMod val="110000"/>
+                <a:satMod val="105000"/>
+                <a:tint val="67000"/>
+              </a:schemeClr>
+            </a:gs>
+            <a:gs pos="50000">
+              <a:schemeClr val="accent5">
+                <a:hueOff val="-6127787"/>
+                <a:satOff val="-8523"/>
+                <a:lumOff val="-3268"/>
+                <a:alphaOff val="0"/>
+                <a:lumMod val="105000"/>
+                <a:satMod val="103000"/>
+                <a:tint val="73000"/>
+              </a:schemeClr>
+            </a:gs>
+            <a:gs pos="100000">
+              <a:schemeClr val="accent5">
+                <a:hueOff val="-6127787"/>
+                <a:satOff val="-8523"/>
+                <a:lumOff val="-3268"/>
+                <a:alphaOff val="0"/>
+                <a:lumMod val="105000"/>
+                <a:satMod val="109000"/>
+                <a:tint val="81000"/>
+              </a:schemeClr>
+            </a:gs>
+          </a:gsLst>
+          <a:lin ang="5400000" scaled="0"/>
+        </a:gradFill>
+        <a:ln>
+          <a:noFill/>
+        </a:ln>
+        <a:effectLst/>
+        <a:scene3d>
+          <a:camera prst="orthographicFront"/>
+          <a:lightRig rig="flat" dir="t"/>
+        </a:scene3d>
+        <a:sp3d prstMaterial="dkEdge">
+          <a:bevelT w="8200" h="38100"/>
+        </a:sp3d>
+      </dsp:spPr>
+      <dsp:style>
+        <a:lnRef idx="0">
+          <a:scrgbClr r="0" g="0" b="0"/>
+        </a:lnRef>
+        <a:fillRef idx="2">
+          <a:scrgbClr r="0" g="0" b="0"/>
+        </a:fillRef>
+        <a:effectRef idx="1">
+          <a:scrgbClr r="0" g="0" b="0"/>
+        </a:effectRef>
+        <a:fontRef idx="minor">
+          <a:schemeClr val="dk1"/>
+        </a:fontRef>
+      </dsp:style>
+      <dsp:txBody>
+        <a:bodyPr spcFirstLastPara="0" vert="horz" wrap="square" lIns="19050" tIns="19050" rIns="19050" bIns="19050" numCol="1" spcCol="1270" anchor="ctr" anchorCtr="0">
+          <a:noAutofit/>
+        </a:bodyPr>
+        <a:lstStyle/>
+        <a:p>
+          <a:pPr lvl="0" algn="ctr" defTabSz="444500" rtl="0">
+            <a:lnSpc>
+              <a:spcPct val="90000"/>
+            </a:lnSpc>
+            <a:spcBef>
+              <a:spcPct val="0"/>
+            </a:spcBef>
+            <a:spcAft>
+              <a:spcPct val="35000"/>
+            </a:spcAft>
+          </a:pPr>
+          <a:r>
+            <a:rPr lang="en-US" sz="1000" kern="1200" dirty="0" smtClean="0"/>
+            <a:t>Persistence</a:t>
+          </a:r>
+          <a:endParaRPr lang="en-US" sz="1000" kern="1200" dirty="0"/>
+        </a:p>
+      </dsp:txBody>
+      <dsp:txXfrm>
+        <a:off x="4858269" y="1568543"/>
+        <a:ext cx="1036675" cy="819146"/>
+      </dsp:txXfrm>
+    </dsp:sp>
+    <dsp:sp modelId="{3C5F09C6-46F1-44D4-85F9-437FE56CCE92}">
+      <dsp:nvSpPr>
+        <dsp:cNvPr id="0" name=""/>
+        <dsp:cNvSpPr/>
+      </dsp:nvSpPr>
+      <dsp:spPr>
+        <a:xfrm>
+          <a:off x="4011051" y="3051186"/>
+          <a:ext cx="1712412" cy="442827"/>
+        </a:xfrm>
+        <a:prstGeom prst="leftArrow">
+          <a:avLst>
+            <a:gd name="adj1" fmla="val 60000"/>
+            <a:gd name="adj2" fmla="val 50000"/>
+          </a:avLst>
+        </a:prstGeom>
+        <a:gradFill rotWithShape="0">
+          <a:gsLst>
+            <a:gs pos="0">
+              <a:schemeClr val="accent5">
+                <a:hueOff val="-7353344"/>
+                <a:satOff val="-10228"/>
+                <a:lumOff val="-3922"/>
+                <a:alphaOff val="0"/>
+                <a:lumMod val="110000"/>
+                <a:satMod val="105000"/>
+                <a:tint val="67000"/>
+              </a:schemeClr>
+            </a:gs>
+            <a:gs pos="50000">
+              <a:schemeClr val="accent5">
+                <a:hueOff val="-7353344"/>
+                <a:satOff val="-10228"/>
+                <a:lumOff val="-3922"/>
+                <a:alphaOff val="0"/>
+                <a:lumMod val="105000"/>
+                <a:satMod val="103000"/>
+                <a:tint val="73000"/>
+              </a:schemeClr>
+            </a:gs>
+            <a:gs pos="100000">
+              <a:schemeClr val="accent5">
+                <a:hueOff val="-7353344"/>
+                <a:satOff val="-10228"/>
+                <a:lumOff val="-3922"/>
+                <a:alphaOff val="0"/>
+                <a:lumMod val="105000"/>
+                <a:satMod val="109000"/>
+                <a:tint val="81000"/>
+              </a:schemeClr>
+            </a:gs>
+          </a:gsLst>
+          <a:lin ang="5400000" scaled="0"/>
+        </a:gradFill>
+        <a:ln>
+          <a:noFill/>
+        </a:ln>
+        <a:effectLst/>
+      </dsp:spPr>
+      <dsp:style>
+        <a:lnRef idx="0">
+          <a:scrgbClr r="0" g="0" b="0"/>
+        </a:lnRef>
+        <a:fillRef idx="2">
+          <a:scrgbClr r="0" g="0" b="0"/>
+        </a:fillRef>
+        <a:effectRef idx="1">
+          <a:scrgbClr r="0" g="0" b="0"/>
+        </a:effectRef>
+        <a:fontRef idx="minor">
+          <a:schemeClr val="dk1"/>
+        </a:fontRef>
+      </dsp:style>
+    </dsp:sp>
+    <dsp:sp modelId="{4032468B-6AD6-4881-941F-92B88D330E78}">
+      <dsp:nvSpPr>
+        <dsp:cNvPr id="0" name=""/>
+        <dsp:cNvSpPr/>
+      </dsp:nvSpPr>
+      <dsp:spPr>
+        <a:xfrm>
+          <a:off x="5179640" y="2837541"/>
+          <a:ext cx="1087645" cy="870116"/>
+        </a:xfrm>
+        <a:prstGeom prst="roundRect">
+          <a:avLst>
+            <a:gd name="adj" fmla="val 10000"/>
+          </a:avLst>
+        </a:prstGeom>
+        <a:gradFill rotWithShape="0">
+          <a:gsLst>
+            <a:gs pos="0">
+              <a:schemeClr val="accent5">
+                <a:hueOff val="-7353344"/>
+                <a:satOff val="-10228"/>
+                <a:lumOff val="-3922"/>
+                <a:alphaOff val="0"/>
+                <a:lumMod val="110000"/>
+                <a:satMod val="105000"/>
+                <a:tint val="67000"/>
+              </a:schemeClr>
+            </a:gs>
+            <a:gs pos="50000">
+              <a:schemeClr val="accent5">
+                <a:hueOff val="-7353344"/>
+                <a:satOff val="-10228"/>
+                <a:lumOff val="-3922"/>
+                <a:alphaOff val="0"/>
+                <a:lumMod val="105000"/>
+                <a:satMod val="103000"/>
+                <a:tint val="73000"/>
+              </a:schemeClr>
+            </a:gs>
+            <a:gs pos="100000">
+              <a:schemeClr val="accent5">
+                <a:hueOff val="-7353344"/>
+                <a:satOff val="-10228"/>
+                <a:lumOff val="-3922"/>
+                <a:alphaOff val="0"/>
+                <a:lumMod val="105000"/>
+                <a:satMod val="109000"/>
+                <a:tint val="81000"/>
+              </a:schemeClr>
+            </a:gs>
+          </a:gsLst>
+          <a:lin ang="5400000" scaled="0"/>
+        </a:gradFill>
+        <a:ln>
+          <a:noFill/>
+        </a:ln>
+        <a:effectLst/>
+        <a:scene3d>
+          <a:camera prst="orthographicFront"/>
+          <a:lightRig rig="flat" dir="t"/>
+        </a:scene3d>
+        <a:sp3d prstMaterial="dkEdge">
+          <a:bevelT w="8200" h="38100"/>
+        </a:sp3d>
+      </dsp:spPr>
+      <dsp:style>
+        <a:lnRef idx="0">
+          <a:scrgbClr r="0" g="0" b="0"/>
+        </a:lnRef>
+        <a:fillRef idx="2">
+          <a:scrgbClr r="0" g="0" b="0"/>
+        </a:fillRef>
+        <a:effectRef idx="1">
+          <a:scrgbClr r="0" g="0" b="0"/>
+        </a:effectRef>
+        <a:fontRef idx="minor">
+          <a:schemeClr val="dk1"/>
+        </a:fontRef>
+      </dsp:style>
+      <dsp:txBody>
+        <a:bodyPr spcFirstLastPara="0" vert="horz" wrap="square" lIns="19050" tIns="19050" rIns="19050" bIns="19050" numCol="1" spcCol="1270" anchor="ctr" anchorCtr="0">
+          <a:noAutofit/>
+        </a:bodyPr>
+        <a:lstStyle/>
+        <a:p>
+          <a:pPr lvl="0" algn="ctr" defTabSz="444500" rtl="0">
+            <a:lnSpc>
+              <a:spcPct val="90000"/>
+            </a:lnSpc>
+            <a:spcBef>
+              <a:spcPct val="0"/>
+            </a:spcBef>
+            <a:spcAft>
+              <a:spcPct val="35000"/>
+            </a:spcAft>
+          </a:pPr>
+          <a:r>
+            <a:rPr lang="en-US" sz="1000" kern="1200" smtClean="0"/>
+            <a:t>RX</a:t>
+          </a:r>
+          <a:endParaRPr lang="en-US" sz="1000" kern="1200"/>
+        </a:p>
+      </dsp:txBody>
+      <dsp:txXfrm>
+        <a:off x="5205125" y="2863026"/>
+        <a:ext cx="1036675" cy="819146"/>
+      </dsp:txXfrm>
+    </dsp:sp>
   </dsp:spTree>
 </dsp:drawing>
 </file>
@@ -18418,102 +19753,6 @@
           <a:chExt cx="0" cy="0"/>
         </a:xfrm>
       </p:grpSpPr>
-      <p:sp>
-        <p:nvSpPr>
-          <p:cNvPr id="3" name="TextBox 2"/>
-          <p:cNvSpPr txBox="1"/>
-          <p:nvPr/>
-        </p:nvSpPr>
-        <p:spPr>
-          <a:xfrm>
-            <a:off x="90617" y="5634681"/>
-            <a:ext cx="1272849" cy="646331"/>
-          </a:xfrm>
-          <a:prstGeom prst="rect">
-            <a:avLst/>
-          </a:prstGeom>
-          <a:noFill/>
-        </p:spPr>
-        <p:txBody>
-          <a:bodyPr wrap="none" rtlCol="0">
-            <a:spAutoFit/>
-          </a:bodyPr>
-          <a:lstStyle/>
-          <a:p>
-            <a:r>
-              <a:rPr lang="en-US" dirty="0" smtClean="0">
-                <a:solidFill>
-                  <a:schemeClr val="bg1"/>
-                </a:solidFill>
-              </a:rPr>
-              <a:t>Alex Michel</a:t>
-            </a:r>
-          </a:p>
-          <a:p>
-            <a:r>
-              <a:rPr lang="en-US" dirty="0" smtClean="0">
-                <a:solidFill>
-                  <a:schemeClr val="bg1"/>
-                </a:solidFill>
-              </a:rPr>
-              <a:t>iFOREX</a:t>
-            </a:r>
-            <a:endParaRPr lang="en-US" dirty="0">
-              <a:solidFill>
-                <a:schemeClr val="bg1"/>
-              </a:solidFill>
-            </a:endParaRPr>
-          </a:p>
-        </p:txBody>
-      </p:sp>
-      <p:sp>
-        <p:nvSpPr>
-          <p:cNvPr id="4" name="TextBox 3"/>
-          <p:cNvSpPr txBox="1"/>
-          <p:nvPr/>
-        </p:nvSpPr>
-        <p:spPr>
-          <a:xfrm>
-            <a:off x="7764163" y="5634680"/>
-            <a:ext cx="1168590" cy="646331"/>
-          </a:xfrm>
-          <a:prstGeom prst="rect">
-            <a:avLst/>
-          </a:prstGeom>
-          <a:noFill/>
-        </p:spPr>
-        <p:txBody>
-          <a:bodyPr wrap="none" rtlCol="0">
-            <a:spAutoFit/>
-          </a:bodyPr>
-          <a:lstStyle/>
-          <a:p>
-            <a:r>
-              <a:rPr lang="en-US" dirty="0" smtClean="0">
-                <a:solidFill>
-                  <a:schemeClr val="bg1"/>
-                </a:solidFill>
-              </a:rPr>
-              <a:t>Silviu Eigel</a:t>
-            </a:r>
-          </a:p>
-          <a:p>
-            <a:r>
-              <a:rPr lang="en-US" dirty="0" smtClean="0">
-                <a:solidFill>
-                  <a:schemeClr val="bg1"/>
-                </a:solidFill>
-              </a:rPr>
-              <a:t>NESS</a:t>
-            </a:r>
-            <a:endParaRPr lang="en-US" dirty="0">
-              <a:solidFill>
-                <a:schemeClr val="bg1"/>
-              </a:solidFill>
-            </a:endParaRPr>
-          </a:p>
-        </p:txBody>
-      </p:sp>
     </p:spTree>
     <p:extLst>
       <p:ext uri="{BB962C8B-B14F-4D97-AF65-F5344CB8AC3E}">
@@ -18537,6 +19776,20 @@
 <file path=ppt/slides/slide10.xml><?xml version="1.0" encoding="utf-8"?>
 <p:sld xmlns:a="http://schemas.openxmlformats.org/drawingml/2006/main" xmlns:r="http://schemas.openxmlformats.org/officeDocument/2006/relationships" xmlns:p="http://schemas.openxmlformats.org/presentationml/2006/main">
   <p:cSld>
+    <p:bg>
+      <p:bgPr>
+        <a:blipFill dpi="0" rotWithShape="1">
+          <a:blip r:embed="rId2">
+            <a:lum/>
+          </a:blip>
+          <a:srcRect/>
+          <a:stretch>
+            <a:fillRect/>
+          </a:stretch>
+        </a:blipFill>
+        <a:effectLst/>
+      </p:bgPr>
+    </p:bg>
     <p:spTree>
       <p:nvGrpSpPr>
         <p:cNvPr id="1" name=""/>
@@ -18563,7 +19816,7 @@
         </p:nvSpPr>
         <p:spPr>
           <a:xfrm>
-            <a:off x="628650" y="279401"/>
+            <a:off x="276953" y="334106"/>
             <a:ext cx="7886700" cy="596899"/>
           </a:xfrm>
         </p:spPr>
@@ -18571,49 +19824,33 @@
           <a:bodyPr/>
           <a:lstStyle/>
           <a:p>
-            <a:pPr algn="ctr"/>
             <a:r>
-              <a:rPr lang="en-US" sz="3200" dirty="0" smtClean="0">
+              <a:rPr lang="en-US" sz="3200" b="1" dirty="0" smtClean="0">
                 <a:solidFill>
-                  <a:prstClr val="black"/>
+                  <a:schemeClr val="accent1">
+                    <a:lumMod val="75000"/>
+                  </a:schemeClr>
                 </a:solidFill>
               </a:rPr>
               <a:t>Solution </a:t>
             </a:r>
             <a:r>
-              <a:rPr lang="en-US" sz="3200" dirty="0">
+              <a:rPr lang="en-US" sz="3200" b="1" dirty="0">
                 <a:solidFill>
-                  <a:prstClr val="black"/>
+                  <a:schemeClr val="accent1">
+                    <a:lumMod val="75000"/>
+                  </a:schemeClr>
                 </a:solidFill>
               </a:rPr>
               <a:t>Architecture</a:t>
             </a:r>
-            <a:endParaRPr lang="en-US" dirty="0"/>
-          </a:p>
-        </p:txBody>
-      </p:sp>
-      <p:sp>
-        <p:nvSpPr>
-          <p:cNvPr id="4" name="Slide Number Placeholder 3"/>
-          <p:cNvSpPr>
-            <a:spLocks noGrp="1"/>
-          </p:cNvSpPr>
-          <p:nvPr>
-            <p:ph type="sldNum" sz="quarter" idx="12"/>
-          </p:nvPr>
-        </p:nvSpPr>
-        <p:spPr/>
-        <p:txBody>
-          <a:bodyPr/>
-          <a:lstStyle/>
-          <a:p>
-            <a:pPr algn="l"/>
-            <a:fld id="{3BF2E178-8897-4B1C-8CC9-F674D03C0FD1}" type="slidenum">
-              <a:rPr lang="en-US" smtClean="0"/>
-              <a:pPr algn="l"/>
-              <a:t>10</a:t>
-            </a:fld>
-            <a:endParaRPr lang="en-US" dirty="0"/>
+            <a:endParaRPr lang="en-US" b="1" dirty="0">
+              <a:solidFill>
+                <a:schemeClr val="accent1">
+                  <a:lumMod val="75000"/>
+                </a:schemeClr>
+              </a:solidFill>
+            </a:endParaRPr>
           </a:p>
         </p:txBody>
       </p:sp>
@@ -18628,7 +19865,7 @@
           </p:nvPr>
         </p:nvPicPr>
         <p:blipFill>
-          <a:blip r:embed="rId2"/>
+          <a:blip r:embed="rId3"/>
           <a:stretch>
             <a:fillRect/>
           </a:stretch>
@@ -18688,6 +19925,20 @@
 <file path=ppt/slides/slide11.xml><?xml version="1.0" encoding="utf-8"?>
 <p:sld xmlns:a="http://schemas.openxmlformats.org/drawingml/2006/main" xmlns:r="http://schemas.openxmlformats.org/officeDocument/2006/relationships" xmlns:p="http://schemas.openxmlformats.org/presentationml/2006/main">
   <p:cSld>
+    <p:bg>
+      <p:bgPr>
+        <a:blipFill dpi="0" rotWithShape="1">
+          <a:blip r:embed="rId2">
+            <a:lum/>
+          </a:blip>
+          <a:srcRect/>
+          <a:stretch>
+            <a:fillRect/>
+          </a:stretch>
+        </a:blipFill>
+        <a:effectLst/>
+      </p:bgPr>
+    </p:bg>
     <p:spTree>
       <p:nvGrpSpPr>
         <p:cNvPr id="1" name=""/>
@@ -18714,57 +19965,41 @@
         </p:nvSpPr>
         <p:spPr>
           <a:xfrm>
-            <a:off x="628650" y="279401"/>
-            <a:ext cx="7886700" cy="596899"/>
+            <a:off x="275929" y="334106"/>
+            <a:ext cx="7169727" cy="596899"/>
           </a:xfrm>
         </p:spPr>
         <p:txBody>
           <a:bodyPr/>
           <a:lstStyle/>
           <a:p>
-            <a:pPr algn="ctr"/>
             <a:r>
-              <a:rPr lang="en-US" sz="3200" dirty="0" smtClean="0">
+              <a:rPr lang="en-US" sz="3200" b="1" dirty="0" smtClean="0">
                 <a:solidFill>
-                  <a:prstClr val="black"/>
+                  <a:schemeClr val="accent1">
+                    <a:lumMod val="75000"/>
+                  </a:schemeClr>
                 </a:solidFill>
               </a:rPr>
               <a:t>Solution </a:t>
             </a:r>
             <a:r>
-              <a:rPr lang="en-US" sz="3200" dirty="0">
+              <a:rPr lang="en-US" sz="3200" b="1" dirty="0">
                 <a:solidFill>
-                  <a:prstClr val="black"/>
+                  <a:schemeClr val="accent1">
+                    <a:lumMod val="75000"/>
+                  </a:schemeClr>
                 </a:solidFill>
               </a:rPr>
               <a:t>Architecture</a:t>
             </a:r>
-            <a:endParaRPr lang="en-US" dirty="0"/>
-          </a:p>
-        </p:txBody>
-      </p:sp>
-      <p:sp>
-        <p:nvSpPr>
-          <p:cNvPr id="4" name="Slide Number Placeholder 3"/>
-          <p:cNvSpPr>
-            <a:spLocks noGrp="1"/>
-          </p:cNvSpPr>
-          <p:nvPr>
-            <p:ph type="sldNum" sz="quarter" idx="12"/>
-          </p:nvPr>
-        </p:nvSpPr>
-        <p:spPr/>
-        <p:txBody>
-          <a:bodyPr/>
-          <a:lstStyle/>
-          <a:p>
-            <a:pPr algn="l"/>
-            <a:fld id="{3BF2E178-8897-4B1C-8CC9-F674D03C0FD1}" type="slidenum">
-              <a:rPr lang="en-US" smtClean="0"/>
-              <a:pPr algn="l"/>
-              <a:t>11</a:t>
-            </a:fld>
-            <a:endParaRPr lang="en-US" dirty="0"/>
+            <a:endParaRPr lang="en-US" b="1" dirty="0">
+              <a:solidFill>
+                <a:schemeClr val="accent1">
+                  <a:lumMod val="75000"/>
+                </a:schemeClr>
+              </a:solidFill>
+            </a:endParaRPr>
           </a:p>
         </p:txBody>
       </p:sp>
@@ -18779,7 +20014,7 @@
           </p:nvPr>
         </p:nvPicPr>
         <p:blipFill>
-          <a:blip r:embed="rId2"/>
+          <a:blip r:embed="rId3"/>
           <a:stretch>
             <a:fillRect/>
           </a:stretch>
@@ -18839,6 +20074,20 @@
 <file path=ppt/slides/slide12.xml><?xml version="1.0" encoding="utf-8"?>
 <p:sld xmlns:a="http://schemas.openxmlformats.org/drawingml/2006/main" xmlns:r="http://schemas.openxmlformats.org/officeDocument/2006/relationships" xmlns:p="http://schemas.openxmlformats.org/presentationml/2006/main">
   <p:cSld>
+    <p:bg>
+      <p:bgPr>
+        <a:blipFill dpi="0" rotWithShape="1">
+          <a:blip r:embed="rId2">
+            <a:lum/>
+          </a:blip>
+          <a:srcRect/>
+          <a:stretch>
+            <a:fillRect/>
+          </a:stretch>
+        </a:blipFill>
+        <a:effectLst/>
+      </p:bgPr>
+    </p:bg>
     <p:spTree>
       <p:nvGrpSpPr>
         <p:cNvPr id="1" name=""/>
@@ -18853,49 +20102,6 @@
           <a:chExt cx="0" cy="0"/>
         </a:xfrm>
       </p:grpSpPr>
-      <p:sp>
-        <p:nvSpPr>
-          <p:cNvPr id="2" name="Title 1"/>
-          <p:cNvSpPr>
-            <a:spLocks noGrp="1"/>
-          </p:cNvSpPr>
-          <p:nvPr>
-            <p:ph type="title"/>
-          </p:nvPr>
-        </p:nvSpPr>
-        <p:spPr>
-          <a:xfrm>
-            <a:off x="628650" y="365127"/>
-            <a:ext cx="7886700" cy="511174"/>
-          </a:xfrm>
-        </p:spPr>
-        <p:txBody>
-          <a:bodyPr>
-            <a:normAutofit fontScale="90000"/>
-          </a:bodyPr>
-          <a:lstStyle/>
-          <a:p>
-            <a:pPr algn="ctr"/>
-            <a:r>
-              <a:rPr lang="en-US" sz="3200" dirty="0" smtClean="0">
-                <a:solidFill>
-                  <a:prstClr val="black"/>
-                </a:solidFill>
-              </a:rPr>
-              <a:t>Solution </a:t>
-            </a:r>
-            <a:r>
-              <a:rPr lang="en-US" sz="3200" dirty="0">
-                <a:solidFill>
-                  <a:prstClr val="black"/>
-                </a:solidFill>
-              </a:rPr>
-              <a:t>Architecture</a:t>
-            </a:r>
-            <a:endParaRPr lang="en-US" dirty="0"/>
-          </a:p>
-        </p:txBody>
-      </p:sp>
       <p:pic>
         <p:nvPicPr>
           <p:cNvPr id="10" name="Content Placeholder 9"/>
@@ -18907,7 +20113,7 @@
           </p:nvPr>
         </p:nvPicPr>
         <p:blipFill>
-          <a:blip r:embed="rId2"/>
+          <a:blip r:embed="rId3"/>
           <a:stretch>
             <a:fillRect/>
           </a:stretch>
@@ -18955,7 +20161,7 @@
           </p:nvPr>
         </p:nvPicPr>
         <p:blipFill>
-          <a:blip r:embed="rId3"/>
+          <a:blip r:embed="rId4"/>
           <a:stretch>
             <a:fillRect/>
           </a:stretch>
@@ -18994,26 +20200,51 @@
       </p:pic>
       <p:sp>
         <p:nvSpPr>
-          <p:cNvPr id="4" name="Slide Number Placeholder 3"/>
+          <p:cNvPr id="7" name="Title 1"/>
           <p:cNvSpPr>
             <a:spLocks noGrp="1"/>
           </p:cNvSpPr>
           <p:nvPr>
-            <p:ph type="sldNum" sz="quarter" idx="12"/>
+            <p:ph type="title"/>
           </p:nvPr>
         </p:nvSpPr>
-        <p:spPr/>
+        <p:spPr>
+          <a:xfrm>
+            <a:off x="275929" y="334106"/>
+            <a:ext cx="7169727" cy="596899"/>
+          </a:xfrm>
+        </p:spPr>
         <p:txBody>
           <a:bodyPr/>
           <a:lstStyle/>
           <a:p>
-            <a:pPr algn="l"/>
-            <a:fld id="{3BF2E178-8897-4B1C-8CC9-F674D03C0FD1}" type="slidenum">
-              <a:rPr lang="en-US" smtClean="0"/>
-              <a:pPr algn="l"/>
-              <a:t>12</a:t>
-            </a:fld>
-            <a:endParaRPr lang="en-US" dirty="0"/>
+            <a:r>
+              <a:rPr lang="en-US" sz="3200" b="1" dirty="0" smtClean="0">
+                <a:solidFill>
+                  <a:schemeClr val="accent1">
+                    <a:lumMod val="75000"/>
+                  </a:schemeClr>
+                </a:solidFill>
+              </a:rPr>
+              <a:t>Solution </a:t>
+            </a:r>
+            <a:r>
+              <a:rPr lang="en-US" sz="3200" b="1" dirty="0">
+                <a:solidFill>
+                  <a:schemeClr val="accent1">
+                    <a:lumMod val="75000"/>
+                  </a:schemeClr>
+                </a:solidFill>
+              </a:rPr>
+              <a:t>Architecture</a:t>
+            </a:r>
+            <a:endParaRPr lang="en-US" b="1" dirty="0">
+              <a:solidFill>
+                <a:schemeClr val="accent1">
+                  <a:lumMod val="75000"/>
+                </a:schemeClr>
+              </a:solidFill>
+            </a:endParaRPr>
           </a:p>
         </p:txBody>
       </p:sp>
@@ -19040,6 +20271,20 @@
 <file path=ppt/slides/slide13.xml><?xml version="1.0" encoding="utf-8"?>
 <p:sld xmlns:a="http://schemas.openxmlformats.org/drawingml/2006/main" xmlns:r="http://schemas.openxmlformats.org/officeDocument/2006/relationships" xmlns:p="http://schemas.openxmlformats.org/presentationml/2006/main">
   <p:cSld>
+    <p:bg>
+      <p:bgPr>
+        <a:blipFill dpi="0" rotWithShape="1">
+          <a:blip r:embed="rId2">
+            <a:lum/>
+          </a:blip>
+          <a:srcRect/>
+          <a:stretch>
+            <a:fillRect/>
+          </a:stretch>
+        </a:blipFill>
+        <a:effectLst/>
+      </p:bgPr>
+    </p:bg>
     <p:spTree>
       <p:nvGrpSpPr>
         <p:cNvPr id="1" name=""/>
@@ -19128,6 +20373,20 @@
 <file path=ppt/slides/slide14.xml><?xml version="1.0" encoding="utf-8"?>
 <p:sld xmlns:a="http://schemas.openxmlformats.org/drawingml/2006/main" xmlns:r="http://schemas.openxmlformats.org/officeDocument/2006/relationships" xmlns:p="http://schemas.openxmlformats.org/presentationml/2006/main">
   <p:cSld>
+    <p:bg>
+      <p:bgPr>
+        <a:blipFill dpi="0" rotWithShape="1">
+          <a:blip r:embed="rId2">
+            <a:lum/>
+          </a:blip>
+          <a:srcRect/>
+          <a:stretch>
+            <a:fillRect/>
+          </a:stretch>
+        </a:blipFill>
+        <a:effectLst/>
+      </p:bgPr>
+    </p:bg>
     <p:spTree>
       <p:nvGrpSpPr>
         <p:cNvPr id="1" name=""/>
@@ -19154,22 +20413,33 @@
         </p:nvSpPr>
         <p:spPr>
           <a:xfrm>
-            <a:off x="628650" y="365127"/>
+            <a:off x="292595" y="396387"/>
             <a:ext cx="7886700" cy="473074"/>
           </a:xfrm>
         </p:spPr>
         <p:txBody>
           <a:bodyPr>
-            <a:normAutofit fontScale="90000"/>
+            <a:noAutofit/>
           </a:bodyPr>
           <a:lstStyle/>
           <a:p>
-            <a:pPr algn="ctr"/>
             <a:r>
-              <a:rPr lang="en-US" dirty="0" smtClean="0"/>
+              <a:rPr lang="en-US" sz="3200" b="1" dirty="0" smtClean="0">
+                <a:solidFill>
+                  <a:schemeClr val="accent1">
+                    <a:lumMod val="75000"/>
+                  </a:schemeClr>
+                </a:solidFill>
+              </a:rPr>
               <a:t>Not Covered in Demo</a:t>
             </a:r>
-            <a:endParaRPr lang="en-US" dirty="0"/>
+            <a:endParaRPr lang="en-US" sz="3200" b="1" dirty="0">
+              <a:solidFill>
+                <a:schemeClr val="accent1">
+                  <a:lumMod val="75000"/>
+                </a:schemeClr>
+              </a:solidFill>
+            </a:endParaRPr>
           </a:p>
         </p:txBody>
       </p:sp>
@@ -19240,31 +20510,6 @@
           </a:p>
         </p:txBody>
       </p:sp>
-      <p:sp>
-        <p:nvSpPr>
-          <p:cNvPr id="4" name="Slide Number Placeholder 3"/>
-          <p:cNvSpPr>
-            <a:spLocks noGrp="1"/>
-          </p:cNvSpPr>
-          <p:nvPr>
-            <p:ph type="sldNum" sz="quarter" idx="12"/>
-          </p:nvPr>
-        </p:nvSpPr>
-        <p:spPr/>
-        <p:txBody>
-          <a:bodyPr/>
-          <a:lstStyle/>
-          <a:p>
-            <a:pPr algn="l"/>
-            <a:fld id="{3BF2E178-8897-4B1C-8CC9-F674D03C0FD1}" type="slidenum">
-              <a:rPr lang="en-US" smtClean="0"/>
-              <a:pPr algn="l"/>
-              <a:t>14</a:t>
-            </a:fld>
-            <a:endParaRPr lang="en-US" dirty="0"/>
-          </a:p>
-        </p:txBody>
-      </p:sp>
     </p:spTree>
     <p:extLst>
       <p:ext uri="{BB962C8B-B14F-4D97-AF65-F5344CB8AC3E}">
@@ -19288,6 +20533,20 @@
 <file path=ppt/slides/slide15.xml><?xml version="1.0" encoding="utf-8"?>
 <p:sld xmlns:a="http://schemas.openxmlformats.org/drawingml/2006/main" xmlns:r="http://schemas.openxmlformats.org/officeDocument/2006/relationships" xmlns:p="http://schemas.openxmlformats.org/presentationml/2006/main">
   <p:cSld>
+    <p:bg>
+      <p:bgPr>
+        <a:blipFill dpi="0" rotWithShape="1">
+          <a:blip r:embed="rId2">
+            <a:lum/>
+          </a:blip>
+          <a:srcRect/>
+          <a:stretch>
+            <a:fillRect/>
+          </a:stretch>
+        </a:blipFill>
+        <a:effectLst/>
+      </p:bgPr>
+    </p:bg>
     <p:spTree>
       <p:nvGrpSpPr>
         <p:cNvPr id="1" name=""/>
@@ -19352,33 +20611,10 @@
         </p:xfrm>
         <a:graphic>
           <a:graphicData uri="http://schemas.openxmlformats.org/drawingml/2006/diagram">
-            <dgm:relIds xmlns:dgm="http://schemas.openxmlformats.org/drawingml/2006/diagram" xmlns:r="http://schemas.openxmlformats.org/officeDocument/2006/relationships" r:dm="rId2" r:lo="rId3" r:qs="rId4" r:cs="rId5"/>
+            <dgm:relIds xmlns:dgm="http://schemas.openxmlformats.org/drawingml/2006/diagram" xmlns:r="http://schemas.openxmlformats.org/officeDocument/2006/relationships" r:dm="rId3" r:lo="rId4" r:qs="rId5" r:cs="rId6"/>
           </a:graphicData>
         </a:graphic>
       </p:graphicFrame>
-      <p:sp>
-        <p:nvSpPr>
-          <p:cNvPr id="4" name="Slide Number Placeholder 3"/>
-          <p:cNvSpPr>
-            <a:spLocks noGrp="1"/>
-          </p:cNvSpPr>
-          <p:nvPr>
-            <p:ph type="sldNum" sz="quarter" idx="12"/>
-          </p:nvPr>
-        </p:nvSpPr>
-        <p:spPr/>
-        <p:txBody>
-          <a:bodyPr/>
-          <a:lstStyle/>
-          <a:p>
-            <a:fld id="{3BF2E178-8897-4B1C-8CC9-F674D03C0FD1}" type="slidenum">
-              <a:rPr lang="en-US" smtClean="0"/>
-              <a:t>15</a:t>
-            </a:fld>
-            <a:endParaRPr lang="en-US" dirty="0"/>
-          </a:p>
-        </p:txBody>
-      </p:sp>
     </p:spTree>
     <p:extLst>
       <p:ext uri="{BB962C8B-B14F-4D97-AF65-F5344CB8AC3E}">
@@ -19402,6 +20638,20 @@
 <file path=ppt/slides/slide16.xml><?xml version="1.0" encoding="utf-8"?>
 <p:sld xmlns:a="http://schemas.openxmlformats.org/drawingml/2006/main" xmlns:r="http://schemas.openxmlformats.org/officeDocument/2006/relationships" xmlns:p="http://schemas.openxmlformats.org/presentationml/2006/main">
   <p:cSld>
+    <p:bg>
+      <p:bgPr>
+        <a:blipFill dpi="0" rotWithShape="1">
+          <a:blip r:embed="rId2">
+            <a:lum/>
+          </a:blip>
+          <a:srcRect/>
+          <a:stretch>
+            <a:fillRect/>
+          </a:stretch>
+        </a:blipFill>
+        <a:effectLst/>
+      </p:bgPr>
+    </p:bg>
     <p:spTree>
       <p:nvGrpSpPr>
         <p:cNvPr id="1" name=""/>
@@ -19428,26 +20678,33 @@
         </p:nvSpPr>
         <p:spPr>
           <a:xfrm>
-            <a:off x="628650" y="365127"/>
+            <a:off x="276963" y="380757"/>
             <a:ext cx="7886700" cy="511174"/>
           </a:xfrm>
         </p:spPr>
         <p:txBody>
           <a:bodyPr>
-            <a:normAutofit fontScale="90000"/>
+            <a:noAutofit/>
           </a:bodyPr>
           <a:lstStyle/>
           <a:p>
-            <a:pPr algn="ctr"/>
             <a:r>
-              <a:rPr lang="en-US" sz="3200" dirty="0" smtClean="0">
+              <a:rPr lang="en-US" sz="3200" b="1" dirty="0" smtClean="0">
                 <a:solidFill>
-                  <a:prstClr val="black"/>
+                  <a:schemeClr val="accent1">
+                    <a:lumMod val="75000"/>
+                  </a:schemeClr>
                 </a:solidFill>
               </a:rPr>
               <a:t>Cloud Deployment</a:t>
             </a:r>
-            <a:endParaRPr lang="en-US" dirty="0"/>
+            <a:endParaRPr lang="en-US" sz="3200" b="1" dirty="0">
+              <a:solidFill>
+                <a:schemeClr val="accent1">
+                  <a:lumMod val="75000"/>
+                </a:schemeClr>
+              </a:solidFill>
+            </a:endParaRPr>
           </a:p>
         </p:txBody>
       </p:sp>
@@ -19517,47 +20774,21 @@
             <p:ph sz="half" idx="2"/>
           </p:nvPr>
         </p:nvPicPr>
-        <p:blipFill>
-          <a:blip r:embed="rId2"/>
-          <a:stretch>
-            <a:fillRect/>
-          </a:stretch>
+        <p:blipFill rotWithShape="1">
+          <a:blip r:embed="rId3"/>
+          <a:srcRect t="1651"/>
+          <a:stretch/>
         </p:blipFill>
         <p:spPr>
           <a:xfrm>
-            <a:off x="4559301" y="876301"/>
-            <a:ext cx="3563538" cy="5300662"/>
+            <a:off x="4559301" y="963827"/>
+            <a:ext cx="3563538" cy="5213136"/>
           </a:xfrm>
           <a:prstGeom prst="rect">
             <a:avLst/>
           </a:prstGeom>
         </p:spPr>
       </p:pic>
-      <p:sp>
-        <p:nvSpPr>
-          <p:cNvPr id="4" name="Slide Number Placeholder 3"/>
-          <p:cNvSpPr>
-            <a:spLocks noGrp="1"/>
-          </p:cNvSpPr>
-          <p:nvPr>
-            <p:ph type="sldNum" sz="quarter" idx="12"/>
-          </p:nvPr>
-        </p:nvSpPr>
-        <p:spPr/>
-        <p:txBody>
-          <a:bodyPr/>
-          <a:lstStyle/>
-          <a:p>
-            <a:pPr algn="l"/>
-            <a:fld id="{3BF2E178-8897-4B1C-8CC9-F674D03C0FD1}" type="slidenum">
-              <a:rPr lang="en-US" smtClean="0"/>
-              <a:pPr algn="l"/>
-              <a:t>16</a:t>
-            </a:fld>
-            <a:endParaRPr lang="en-US" dirty="0"/>
-          </a:p>
-        </p:txBody>
-      </p:sp>
     </p:spTree>
     <p:extLst>
       <p:ext uri="{BB962C8B-B14F-4D97-AF65-F5344CB8AC3E}">
@@ -19581,73 +20812,20 @@
 <file path=ppt/slides/slide17.xml><?xml version="1.0" encoding="utf-8"?>
 <p:sld xmlns:a="http://schemas.openxmlformats.org/drawingml/2006/main" xmlns:r="http://schemas.openxmlformats.org/officeDocument/2006/relationships" xmlns:p="http://schemas.openxmlformats.org/presentationml/2006/main">
   <p:cSld>
-    <p:spTree>
-      <p:nvGrpSpPr>
-        <p:cNvPr id="1" name=""/>
-        <p:cNvGrpSpPr/>
-        <p:nvPr/>
-      </p:nvGrpSpPr>
-      <p:grpSpPr>
-        <a:xfrm>
-          <a:off x="0" y="0"/>
-          <a:ext cx="0" cy="0"/>
-          <a:chOff x="0" y="0"/>
-          <a:chExt cx="0" cy="0"/>
-        </a:xfrm>
-      </p:grpSpPr>
-      <p:sp>
-        <p:nvSpPr>
-          <p:cNvPr id="4" name="Slide Number Placeholder 3"/>
-          <p:cNvSpPr>
-            <a:spLocks noGrp="1"/>
-          </p:cNvSpPr>
-          <p:nvPr>
-            <p:ph type="sldNum" sz="quarter" idx="12"/>
-          </p:nvPr>
-        </p:nvSpPr>
-        <p:spPr>
-          <a:xfrm>
-            <a:off x="625565" y="6438731"/>
-            <a:ext cx="2057400" cy="365125"/>
-          </a:xfrm>
-        </p:spPr>
-        <p:txBody>
-          <a:bodyPr/>
-          <a:lstStyle/>
-          <a:p>
-            <a:pPr algn="l"/>
-            <a:fld id="{3BF2E178-8897-4B1C-8CC9-F674D03C0FD1}" type="slidenum">
-              <a:rPr lang="en-US" smtClean="0"/>
-              <a:pPr algn="l"/>
-              <a:t>17</a:t>
-            </a:fld>
-            <a:endParaRPr lang="en-US" dirty="0"/>
-          </a:p>
-        </p:txBody>
-      </p:sp>
-    </p:spTree>
-    <p:extLst>
-      <p:ext uri="{BB962C8B-B14F-4D97-AF65-F5344CB8AC3E}">
-        <p14:creationId xmlns:p14="http://schemas.microsoft.com/office/powerpoint/2010/main" val="1933337369"/>
-      </p:ext>
-    </p:extLst>
-  </p:cSld>
-  <p:clrMapOvr>
-    <a:masterClrMapping/>
-  </p:clrMapOvr>
-  <p:timing>
-    <p:tnLst>
-      <p:par>
-        <p:cTn id="1" dur="indefinite" restart="never" nodeType="tmRoot"/>
-      </p:par>
-    </p:tnLst>
-  </p:timing>
-</p:sld>
-</file>
-
-<file path=ppt/slides/slide18.xml><?xml version="1.0" encoding="utf-8"?>
-<p:sld xmlns:a="http://schemas.openxmlformats.org/drawingml/2006/main" xmlns:r="http://schemas.openxmlformats.org/officeDocument/2006/relationships" xmlns:p="http://schemas.openxmlformats.org/presentationml/2006/main">
-  <p:cSld>
+    <p:bg>
+      <p:bgPr>
+        <a:blipFill dpi="0" rotWithShape="1">
+          <a:blip r:embed="rId2">
+            <a:lum/>
+          </a:blip>
+          <a:srcRect/>
+          <a:stretch>
+            <a:fillRect/>
+          </a:stretch>
+        </a:blipFill>
+        <a:effectLst/>
+      </p:bgPr>
+    </p:bg>
     <p:spTree>
       <p:nvGrpSpPr>
         <p:cNvPr id="1" name=""/>
@@ -19717,26 +20895,26 @@
               <a:t>Read:</a:t>
             </a:r>
             <a:endParaRPr lang="en-US" sz="2000" dirty="0" smtClean="0">
-              <a:hlinkClick r:id="rId2"/>
+              <a:hlinkClick r:id="rId3"/>
             </a:endParaRPr>
           </a:p>
           <a:p>
             <a:pPr lvl="1"/>
             <a:r>
               <a:rPr lang="en-US" sz="1600" dirty="0" smtClean="0">
-                <a:hlinkClick r:id="rId2"/>
+                <a:hlinkClick r:id="rId3"/>
               </a:rPr>
               <a:t>https</a:t>
             </a:r>
             <a:r>
               <a:rPr lang="en-US" sz="1600" dirty="0">
-                <a:hlinkClick r:id="rId2"/>
+                <a:hlinkClick r:id="rId3"/>
               </a:rPr>
               <a:t>://</a:t>
             </a:r>
             <a:r>
               <a:rPr lang="en-US" sz="1600" dirty="0" smtClean="0">
-                <a:hlinkClick r:id="rId2"/>
+                <a:hlinkClick r:id="rId3"/>
               </a:rPr>
               <a:t>media.readthedocs.org/pdf/masstransit/latest/masstransit.pdf</a:t>
             </a:r>
@@ -19746,13 +20924,13 @@
             <a:pPr lvl="1"/>
             <a:r>
               <a:rPr lang="en-US" sz="1600" dirty="0">
-                <a:hlinkClick r:id="rId3"/>
+                <a:hlinkClick r:id="rId4"/>
               </a:rPr>
               <a:t>https://</a:t>
             </a:r>
             <a:r>
               <a:rPr lang="en-US" sz="1600" dirty="0" smtClean="0">
-                <a:hlinkClick r:id="rId3"/>
+                <a:hlinkClick r:id="rId4"/>
               </a:rPr>
               <a:t>msdn.microsoft.com/en-us/library/dn600223.aspx</a:t>
             </a:r>
@@ -19768,13 +20946,13 @@
             <a:pPr lvl="1"/>
             <a:r>
               <a:rPr lang="en-US" sz="1600" dirty="0">
-                <a:hlinkClick r:id="rId4"/>
+                <a:hlinkClick r:id="rId5"/>
               </a:rPr>
               <a:t>https://</a:t>
             </a:r>
             <a:r>
               <a:rPr lang="en-US" sz="1600" dirty="0" smtClean="0">
-                <a:hlinkClick r:id="rId4"/>
+                <a:hlinkClick r:id="rId5"/>
               </a:rPr>
               <a:t>github.com/MassTransit/MassTransit</a:t>
             </a:r>
@@ -19784,13 +20962,13 @@
             <a:pPr lvl="1"/>
             <a:r>
               <a:rPr lang="en-US" sz="1600" dirty="0">
-                <a:hlinkClick r:id="rId5"/>
+                <a:hlinkClick r:id="rId6"/>
               </a:rPr>
               <a:t>https://</a:t>
             </a:r>
             <a:r>
               <a:rPr lang="en-US" sz="1600" dirty="0" smtClean="0">
-                <a:hlinkClick r:id="rId5"/>
+                <a:hlinkClick r:id="rId6"/>
               </a:rPr>
               <a:t>github.com/amichel/PaymentsGateway.MassTransit.Demo</a:t>
             </a:r>
@@ -19802,31 +20980,6 @@
               <a:t>Hack</a:t>
             </a:r>
             <a:endParaRPr lang="en-US" sz="1600" dirty="0"/>
-          </a:p>
-        </p:txBody>
-      </p:sp>
-      <p:sp>
-        <p:nvSpPr>
-          <p:cNvPr id="4" name="Slide Number Placeholder 3"/>
-          <p:cNvSpPr>
-            <a:spLocks noGrp="1"/>
-          </p:cNvSpPr>
-          <p:nvPr>
-            <p:ph type="sldNum" sz="quarter" idx="12"/>
-          </p:nvPr>
-        </p:nvSpPr>
-        <p:spPr/>
-        <p:txBody>
-          <a:bodyPr/>
-          <a:lstStyle/>
-          <a:p>
-            <a:pPr algn="l"/>
-            <a:fld id="{3BF2E178-8897-4B1C-8CC9-F674D03C0FD1}" type="slidenum">
-              <a:rPr lang="en-US" smtClean="0"/>
-              <a:pPr algn="l"/>
-              <a:t>18</a:t>
-            </a:fld>
-            <a:endParaRPr lang="en-US" dirty="0"/>
           </a:p>
         </p:txBody>
       </p:sp>
@@ -19853,6 +21006,20 @@
 <file path=ppt/slides/slide2.xml><?xml version="1.0" encoding="utf-8"?>
 <p:sld xmlns:a="http://schemas.openxmlformats.org/drawingml/2006/main" xmlns:r="http://schemas.openxmlformats.org/officeDocument/2006/relationships" xmlns:p="http://schemas.openxmlformats.org/presentationml/2006/main">
   <p:cSld>
+    <p:bg>
+      <p:bgPr>
+        <a:blipFill dpi="0" rotWithShape="1">
+          <a:blip r:embed="rId2">
+            <a:lum/>
+          </a:blip>
+          <a:srcRect/>
+          <a:stretch>
+            <a:fillRect/>
+          </a:stretch>
+        </a:blipFill>
+        <a:effectLst/>
+      </p:bgPr>
+    </p:bg>
     <p:spTree>
       <p:nvGrpSpPr>
         <p:cNvPr id="1" name=""/>
@@ -19867,36 +21034,6 @@
           <a:chExt cx="0" cy="0"/>
         </a:xfrm>
       </p:grpSpPr>
-      <p:sp>
-        <p:nvSpPr>
-          <p:cNvPr id="4" name="Slide Number Placeholder 3"/>
-          <p:cNvSpPr>
-            <a:spLocks noGrp="1"/>
-          </p:cNvSpPr>
-          <p:nvPr>
-            <p:ph type="sldNum" sz="quarter" idx="12"/>
-          </p:nvPr>
-        </p:nvSpPr>
-        <p:spPr>
-          <a:xfrm>
-            <a:off x="625565" y="6438731"/>
-            <a:ext cx="2057400" cy="365125"/>
-          </a:xfrm>
-        </p:spPr>
-        <p:txBody>
-          <a:bodyPr/>
-          <a:lstStyle/>
-          <a:p>
-            <a:pPr algn="l"/>
-            <a:fld id="{3BF2E178-8897-4B1C-8CC9-F674D03C0FD1}" type="slidenum">
-              <a:rPr lang="en-US" smtClean="0"/>
-              <a:pPr algn="l"/>
-              <a:t>2</a:t>
-            </a:fld>
-            <a:endParaRPr lang="en-US" dirty="0"/>
-          </a:p>
-        </p:txBody>
-      </p:sp>
       <p:graphicFrame>
         <p:nvGraphicFramePr>
           <p:cNvPr id="3" name="Diagram 2"/>
@@ -19904,7 +21041,7 @@
           <p:nvPr>
             <p:extLst>
               <p:ext uri="{D42A27DB-BD31-4B8C-83A1-F6EECF244321}">
-                <p14:modId xmlns:p14="http://schemas.microsoft.com/office/powerpoint/2010/main" val="2115776209"/>
+                <p14:modId xmlns:p14="http://schemas.microsoft.com/office/powerpoint/2010/main" val="4266517408"/>
               </p:ext>
             </p:extLst>
           </p:nvPr>
@@ -19915,10 +21052,50 @@
         </p:xfrm>
         <a:graphic>
           <a:graphicData uri="http://schemas.openxmlformats.org/drawingml/2006/diagram">
-            <dgm:relIds xmlns:dgm="http://schemas.openxmlformats.org/drawingml/2006/diagram" xmlns:r="http://schemas.openxmlformats.org/officeDocument/2006/relationships" r:dm="rId2" r:lo="rId3" r:qs="rId4" r:cs="rId5"/>
+            <dgm:relIds xmlns:dgm="http://schemas.openxmlformats.org/drawingml/2006/diagram" xmlns:r="http://schemas.openxmlformats.org/officeDocument/2006/relationships" r:dm="rId3" r:lo="rId4" r:qs="rId5" r:cs="rId6"/>
           </a:graphicData>
         </a:graphic>
       </p:graphicFrame>
+      <p:sp>
+        <p:nvSpPr>
+          <p:cNvPr id="5" name="Title 1"/>
+          <p:cNvSpPr>
+            <a:spLocks noGrp="1"/>
+          </p:cNvSpPr>
+          <p:nvPr>
+            <p:ph type="title"/>
+          </p:nvPr>
+        </p:nvSpPr>
+        <p:spPr>
+          <a:xfrm>
+            <a:off x="250089" y="309562"/>
+            <a:ext cx="8327781" cy="596899"/>
+          </a:xfrm>
+        </p:spPr>
+        <p:txBody>
+          <a:bodyPr/>
+          <a:lstStyle/>
+          <a:p>
+            <a:r>
+              <a:rPr lang="en-US" sz="3200" b="1" dirty="0" smtClean="0">
+                <a:solidFill>
+                  <a:schemeClr val="accent1">
+                    <a:lumMod val="75000"/>
+                  </a:schemeClr>
+                </a:solidFill>
+              </a:rPr>
+              <a:t>Agenda</a:t>
+            </a:r>
+            <a:endParaRPr lang="en-US" b="1" dirty="0">
+              <a:solidFill>
+                <a:schemeClr val="accent1">
+                  <a:lumMod val="75000"/>
+                </a:schemeClr>
+              </a:solidFill>
+            </a:endParaRPr>
+          </a:p>
+        </p:txBody>
+      </p:sp>
     </p:spTree>
     <p:extLst>
       <p:ext uri="{BB962C8B-B14F-4D97-AF65-F5344CB8AC3E}">
@@ -19950,6 +21127,20 @@
 <file path=ppt/slides/slide3.xml><?xml version="1.0" encoding="utf-8"?>
 <p:sld xmlns:a="http://schemas.openxmlformats.org/drawingml/2006/main" xmlns:r="http://schemas.openxmlformats.org/officeDocument/2006/relationships" xmlns:p="http://schemas.openxmlformats.org/presentationml/2006/main">
   <p:cSld>
+    <p:bg>
+      <p:bgPr>
+        <a:blipFill dpi="0" rotWithShape="1">
+          <a:blip r:embed="rId2">
+            <a:lum/>
+          </a:blip>
+          <a:srcRect/>
+          <a:stretch>
+            <a:fillRect/>
+          </a:stretch>
+        </a:blipFill>
+        <a:effectLst/>
+      </p:bgPr>
+    </p:bg>
     <p:spTree>
       <p:nvGrpSpPr>
         <p:cNvPr id="1" name=""/>
@@ -19976,49 +21167,31 @@
         </p:nvSpPr>
         <p:spPr>
           <a:xfrm>
-            <a:off x="628650" y="279401"/>
-            <a:ext cx="7886700" cy="596899"/>
+            <a:off x="250089" y="309562"/>
+            <a:ext cx="8327781" cy="596899"/>
           </a:xfrm>
         </p:spPr>
         <p:txBody>
           <a:bodyPr/>
           <a:lstStyle/>
           <a:p>
-            <a:pPr algn="ctr"/>
             <a:r>
-              <a:rPr lang="en-US" sz="3200" dirty="0">
+              <a:rPr lang="en-US" sz="3200" b="1" dirty="0">
                 <a:solidFill>
-                  <a:prstClr val="black"/>
+                  <a:schemeClr val="accent1">
+                    <a:lumMod val="75000"/>
+                  </a:schemeClr>
                 </a:solidFill>
               </a:rPr>
               <a:t>Legacy System Architecture</a:t>
             </a:r>
-            <a:endParaRPr lang="en-US" dirty="0"/>
-          </a:p>
-        </p:txBody>
-      </p:sp>
-      <p:sp>
-        <p:nvSpPr>
-          <p:cNvPr id="4" name="Slide Number Placeholder 3"/>
-          <p:cNvSpPr>
-            <a:spLocks noGrp="1"/>
-          </p:cNvSpPr>
-          <p:nvPr>
-            <p:ph type="sldNum" sz="quarter" idx="12"/>
-          </p:nvPr>
-        </p:nvSpPr>
-        <p:spPr/>
-        <p:txBody>
-          <a:bodyPr/>
-          <a:lstStyle/>
-          <a:p>
-            <a:pPr algn="l"/>
-            <a:fld id="{3BF2E178-8897-4B1C-8CC9-F674D03C0FD1}" type="slidenum">
-              <a:rPr lang="en-US" smtClean="0"/>
-              <a:pPr algn="l"/>
-              <a:t>3</a:t>
-            </a:fld>
-            <a:endParaRPr lang="en-US" dirty="0"/>
+            <a:endParaRPr lang="en-US" b="1" dirty="0">
+              <a:solidFill>
+                <a:schemeClr val="accent1">
+                  <a:lumMod val="75000"/>
+                </a:schemeClr>
+              </a:solidFill>
+            </a:endParaRPr>
           </a:p>
         </p:txBody>
       </p:sp>
@@ -20033,7 +21206,7 @@
           </p:nvPr>
         </p:nvPicPr>
         <p:blipFill>
-          <a:blip r:embed="rId2"/>
+          <a:blip r:embed="rId3"/>
           <a:stretch>
             <a:fillRect/>
           </a:stretch>
@@ -20103,7 +21276,7 @@
           <p:nvPr/>
         </p:nvPicPr>
         <p:blipFill>
-          <a:blip r:embed="rId3"/>
+          <a:blip r:embed="rId4"/>
           <a:stretch>
             <a:fillRect/>
           </a:stretch>
@@ -20163,6 +21336,20 @@
 <file path=ppt/slides/slide4.xml><?xml version="1.0" encoding="utf-8"?>
 <p:sld xmlns:a="http://schemas.openxmlformats.org/drawingml/2006/main" xmlns:r="http://schemas.openxmlformats.org/officeDocument/2006/relationships" xmlns:p="http://schemas.openxmlformats.org/presentationml/2006/main">
   <p:cSld>
+    <p:bg>
+      <p:bgPr>
+        <a:blipFill dpi="0" rotWithShape="1">
+          <a:blip r:embed="rId2">
+            <a:lum/>
+          </a:blip>
+          <a:srcRect/>
+          <a:stretch>
+            <a:fillRect/>
+          </a:stretch>
+        </a:blipFill>
+        <a:effectLst/>
+      </p:bgPr>
+    </p:bg>
     <p:spTree>
       <p:nvGrpSpPr>
         <p:cNvPr id="1" name=""/>
@@ -20308,80 +21495,51 @@
       </p:sp>
       <p:sp>
         <p:nvSpPr>
-          <p:cNvPr id="4" name="Slide Number Placeholder 3"/>
+          <p:cNvPr id="5" name="Title 1"/>
           <p:cNvSpPr>
             <a:spLocks noGrp="1"/>
           </p:cNvSpPr>
           <p:nvPr>
-            <p:ph type="sldNum" sz="quarter" idx="12"/>
+            <p:ph type="title"/>
           </p:nvPr>
         </p:nvSpPr>
-        <p:spPr/>
+        <p:spPr>
+          <a:xfrm>
+            <a:off x="250089" y="309562"/>
+            <a:ext cx="8327781" cy="596899"/>
+          </a:xfrm>
+        </p:spPr>
         <p:txBody>
           <a:bodyPr/>
           <a:lstStyle/>
           <a:p>
-            <a:pPr algn="l"/>
-            <a:fld id="{3BF2E178-8897-4B1C-8CC9-F674D03C0FD1}" type="slidenum">
-              <a:rPr lang="en-US" smtClean="0"/>
-              <a:pPr algn="l"/>
-              <a:t>4</a:t>
-            </a:fld>
-            <a:endParaRPr lang="en-US" dirty="0"/>
-          </a:p>
-        </p:txBody>
-      </p:sp>
-      <p:sp>
-        <p:nvSpPr>
-          <p:cNvPr id="6" name="Title 1"/>
-          <p:cNvSpPr txBox="1">
-            <a:spLocks/>
-          </p:cNvSpPr>
-          <p:nvPr/>
-        </p:nvSpPr>
-        <p:spPr>
-          <a:xfrm>
-            <a:off x="628650" y="279401"/>
-            <a:ext cx="7886700" cy="596899"/>
-          </a:xfrm>
-          <a:prstGeom prst="rect">
-            <a:avLst/>
-          </a:prstGeom>
-        </p:spPr>
-        <p:txBody>
-          <a:bodyPr vert="horz" lIns="91440" tIns="45720" rIns="91440" bIns="45720" rtlCol="0" anchor="ctr">
-            <a:normAutofit/>
-          </a:bodyPr>
-          <a:lstStyle>
-            <a:lvl1pPr algn="l" defTabSz="914400" rtl="0" eaLnBrk="1" latinLnBrk="0" hangingPunct="1">
-              <a:lnSpc>
-                <a:spcPct val="90000"/>
-              </a:lnSpc>
-              <a:spcBef>
-                <a:spcPct val="0"/>
-              </a:spcBef>
-              <a:buNone/>
-              <a:defRPr sz="4400" kern="1200">
+            <a:r>
+              <a:rPr lang="en-US" sz="3200" b="1" dirty="0">
                 <a:solidFill>
-                  <a:schemeClr val="tx1"/>
-                </a:solidFill>
-                <a:latin typeface="+mj-lt"/>
-                <a:ea typeface="+mj-ea"/>
-                <a:cs typeface="+mj-cs"/>
-              </a:defRPr>
-            </a:lvl1pPr>
-          </a:lstStyle>
-          <a:p>
-            <a:pPr algn="ctr"/>
-            <a:r>
-              <a:rPr lang="en-US" sz="3200" dirty="0" smtClean="0">
-                <a:solidFill>
-                  <a:prstClr val="black"/>
+                  <a:schemeClr val="accent1">
+                    <a:lumMod val="75000"/>
+                  </a:schemeClr>
                 </a:solidFill>
               </a:rPr>
-              <a:t>Legacy System Problems</a:t>
+              <a:t>Legacy System </a:t>
             </a:r>
-            <a:endParaRPr lang="en-US" dirty="0"/>
+            <a:r>
+              <a:rPr lang="en-US" sz="3200" b="1" dirty="0" smtClean="0">
+                <a:solidFill>
+                  <a:schemeClr val="accent1">
+                    <a:lumMod val="75000"/>
+                  </a:schemeClr>
+                </a:solidFill>
+              </a:rPr>
+              <a:t>Problems</a:t>
+            </a:r>
+            <a:endParaRPr lang="en-US" b="1" dirty="0">
+              <a:solidFill>
+                <a:schemeClr val="accent1">
+                  <a:lumMod val="75000"/>
+                </a:schemeClr>
+              </a:solidFill>
+            </a:endParaRPr>
           </a:p>
         </p:txBody>
       </p:sp>
@@ -20408,6 +21566,20 @@
 <file path=ppt/slides/slide5.xml><?xml version="1.0" encoding="utf-8"?>
 <p:sld xmlns:a="http://schemas.openxmlformats.org/drawingml/2006/main" xmlns:r="http://schemas.openxmlformats.org/officeDocument/2006/relationships" xmlns:p="http://schemas.openxmlformats.org/presentationml/2006/main">
   <p:cSld>
+    <p:bg>
+      <p:bgPr>
+        <a:blipFill dpi="0" rotWithShape="1">
+          <a:blip r:embed="rId2">
+            <a:lum/>
+          </a:blip>
+          <a:srcRect/>
+          <a:stretch>
+            <a:fillRect/>
+          </a:stretch>
+        </a:blipFill>
+        <a:effectLst/>
+      </p:bgPr>
+    </p:bg>
     <p:spTree>
       <p:nvGrpSpPr>
         <p:cNvPr id="1" name=""/>
@@ -20434,7 +21606,7 @@
         </p:nvSpPr>
         <p:spPr>
           <a:xfrm>
-            <a:off x="628650" y="365127"/>
+            <a:off x="261810" y="310422"/>
             <a:ext cx="7886700" cy="631652"/>
           </a:xfrm>
         </p:spPr>
@@ -20444,12 +21616,23 @@
           </a:bodyPr>
           <a:lstStyle/>
           <a:p>
-            <a:pPr algn="ctr"/>
             <a:r>
-              <a:rPr lang="en-US" sz="3200" dirty="0" smtClean="0"/>
+              <a:rPr lang="en-US" sz="3200" b="1" dirty="0" smtClean="0">
+                <a:solidFill>
+                  <a:schemeClr val="accent1">
+                    <a:lumMod val="75000"/>
+                  </a:schemeClr>
+                </a:solidFill>
+              </a:rPr>
               <a:t>MassTransit</a:t>
             </a:r>
-            <a:endParaRPr lang="en-US" sz="3200" dirty="0"/>
+            <a:endParaRPr lang="en-US" sz="3200" b="1" dirty="0">
+              <a:solidFill>
+                <a:schemeClr val="accent1">
+                  <a:lumMod val="75000"/>
+                </a:schemeClr>
+              </a:solidFill>
+            </a:endParaRPr>
           </a:p>
         </p:txBody>
       </p:sp>
@@ -20524,39 +21707,14 @@
         </p:xfrm>
         <a:graphic>
           <a:graphicData uri="http://schemas.openxmlformats.org/drawingml/2006/diagram">
-            <dgm:relIds xmlns:dgm="http://schemas.openxmlformats.org/drawingml/2006/diagram" xmlns:r="http://schemas.openxmlformats.org/officeDocument/2006/relationships" r:dm="rId2" r:lo="rId3" r:qs="rId4" r:cs="rId5"/>
+            <dgm:relIds xmlns:dgm="http://schemas.openxmlformats.org/drawingml/2006/diagram" xmlns:r="http://schemas.openxmlformats.org/officeDocument/2006/relationships" r:dm="rId3" r:lo="rId4" r:qs="rId5" r:cs="rId6"/>
           </a:graphicData>
         </a:graphic>
       </p:graphicFrame>
-      <p:sp>
-        <p:nvSpPr>
-          <p:cNvPr id="4" name="Slide Number Placeholder 3"/>
-          <p:cNvSpPr>
-            <a:spLocks noGrp="1"/>
-          </p:cNvSpPr>
-          <p:nvPr>
-            <p:ph type="sldNum" sz="quarter" idx="12"/>
-          </p:nvPr>
-        </p:nvSpPr>
-        <p:spPr/>
-        <p:txBody>
-          <a:bodyPr/>
-          <a:lstStyle/>
-          <a:p>
-            <a:pPr algn="l"/>
-            <a:fld id="{3BF2E178-8897-4B1C-8CC9-F674D03C0FD1}" type="slidenum">
-              <a:rPr lang="en-US" smtClean="0"/>
-              <a:pPr algn="l"/>
-              <a:t>5</a:t>
-            </a:fld>
-            <a:endParaRPr lang="en-US" dirty="0"/>
-          </a:p>
-        </p:txBody>
-      </p:sp>
       <p:pic>
         <p:nvPicPr>
           <p:cNvPr id="7" name="Picture 6">
-            <a:hlinkClick r:id="rId7"/>
+            <a:hlinkClick r:id="rId8"/>
           </p:cNvPr>
           <p:cNvPicPr>
             <a:picLocks noChangeAspect="1"/>
@@ -20564,7 +21722,7 @@
           <p:nvPr/>
         </p:nvPicPr>
         <p:blipFill>
-          <a:blip r:embed="rId8"/>
+          <a:blip r:embed="rId9"/>
           <a:stretch>
             <a:fillRect/>
           </a:stretch>
@@ -20602,6 +21760,20 @@
 <file path=ppt/slides/slide6.xml><?xml version="1.0" encoding="utf-8"?>
 <p:sld xmlns:a="http://schemas.openxmlformats.org/drawingml/2006/main" xmlns:r="http://schemas.openxmlformats.org/officeDocument/2006/relationships" xmlns:p="http://schemas.openxmlformats.org/presentationml/2006/main">
   <p:cSld>
+    <p:bg>
+      <p:bgPr>
+        <a:blipFill dpi="0" rotWithShape="1">
+          <a:blip r:embed="rId2">
+            <a:lum/>
+          </a:blip>
+          <a:srcRect/>
+          <a:stretch>
+            <a:fillRect/>
+          </a:stretch>
+        </a:blipFill>
+        <a:effectLst/>
+      </p:bgPr>
+    </p:bg>
     <p:spTree>
       <p:nvGrpSpPr>
         <p:cNvPr id="1" name=""/>
@@ -20616,66 +21788,10 @@
           <a:chExt cx="0" cy="0"/>
         </a:xfrm>
       </p:grpSpPr>
-      <p:sp>
-        <p:nvSpPr>
-          <p:cNvPr id="2" name="Title 1"/>
-          <p:cNvSpPr>
-            <a:spLocks noGrp="1"/>
-          </p:cNvSpPr>
-          <p:nvPr>
-            <p:ph type="title"/>
-          </p:nvPr>
-        </p:nvSpPr>
-        <p:spPr>
-          <a:xfrm>
-            <a:off x="628650" y="365127"/>
-            <a:ext cx="7886700" cy="458658"/>
-          </a:xfrm>
-        </p:spPr>
-        <p:txBody>
-          <a:bodyPr>
-            <a:normAutofit fontScale="90000"/>
-          </a:bodyPr>
-          <a:lstStyle/>
-          <a:p>
-            <a:pPr algn="ctr"/>
-            <a:r>
-              <a:rPr lang="en-US" sz="3200" dirty="0" smtClean="0"/>
-              <a:t>MassTransit</a:t>
-            </a:r>
-            <a:endParaRPr lang="en-US" sz="3200" dirty="0"/>
-          </a:p>
-        </p:txBody>
-      </p:sp>
-      <p:sp>
-        <p:nvSpPr>
-          <p:cNvPr id="4" name="Slide Number Placeholder 3"/>
-          <p:cNvSpPr>
-            <a:spLocks noGrp="1"/>
-          </p:cNvSpPr>
-          <p:nvPr>
-            <p:ph type="sldNum" sz="quarter" idx="12"/>
-          </p:nvPr>
-        </p:nvSpPr>
-        <p:spPr/>
-        <p:txBody>
-          <a:bodyPr/>
-          <a:lstStyle/>
-          <a:p>
-            <a:pPr algn="l"/>
-            <a:fld id="{3BF2E178-8897-4B1C-8CC9-F674D03C0FD1}" type="slidenum">
-              <a:rPr lang="en-US" smtClean="0"/>
-              <a:pPr algn="l"/>
-              <a:t>6</a:t>
-            </a:fld>
-            <a:endParaRPr lang="en-US" dirty="0"/>
-          </a:p>
-        </p:txBody>
-      </p:sp>
       <p:pic>
         <p:nvPicPr>
           <p:cNvPr id="12" name="Picture 11">
-            <a:hlinkClick r:id="rId2"/>
+            <a:hlinkClick r:id="rId3"/>
           </p:cNvPr>
           <p:cNvPicPr>
             <a:picLocks noChangeAspect="1"/>
@@ -20683,7 +21799,7 @@
           <p:nvPr/>
         </p:nvPicPr>
         <p:blipFill>
-          <a:blip r:embed="rId3"/>
+          <a:blip r:embed="rId4"/>
           <a:stretch>
             <a:fillRect/>
           </a:stretch>
@@ -20716,10 +21832,71 @@
         </p:xfrm>
         <a:graphic>
           <a:graphicData uri="http://schemas.openxmlformats.org/drawingml/2006/diagram">
-            <dgm:relIds xmlns:dgm="http://schemas.openxmlformats.org/drawingml/2006/diagram" xmlns:r="http://schemas.openxmlformats.org/officeDocument/2006/relationships" r:dm="rId4" r:lo="rId5" r:qs="rId6" r:cs="rId7"/>
+            <dgm:relIds xmlns:dgm="http://schemas.openxmlformats.org/drawingml/2006/diagram" xmlns:r="http://schemas.openxmlformats.org/officeDocument/2006/relationships" r:dm="rId5" r:lo="rId6" r:qs="rId7" r:cs="rId8"/>
           </a:graphicData>
         </a:graphic>
       </p:graphicFrame>
+      <p:sp>
+        <p:nvSpPr>
+          <p:cNvPr id="7" name="Title 1"/>
+          <p:cNvSpPr txBox="1">
+            <a:spLocks/>
+          </p:cNvSpPr>
+          <p:nvPr/>
+        </p:nvSpPr>
+        <p:spPr>
+          <a:xfrm>
+            <a:off x="261810" y="310422"/>
+            <a:ext cx="7886700" cy="631652"/>
+          </a:xfrm>
+          <a:prstGeom prst="rect">
+            <a:avLst/>
+          </a:prstGeom>
+        </p:spPr>
+        <p:txBody>
+          <a:bodyPr vert="horz" lIns="91440" tIns="45720" rIns="91440" bIns="45720" rtlCol="0" anchor="ctr">
+            <a:normAutofit/>
+          </a:bodyPr>
+          <a:lstStyle>
+            <a:lvl1pPr algn="l" defTabSz="914400" rtl="0" eaLnBrk="1" latinLnBrk="0" hangingPunct="1">
+              <a:lnSpc>
+                <a:spcPct val="90000"/>
+              </a:lnSpc>
+              <a:spcBef>
+                <a:spcPct val="0"/>
+              </a:spcBef>
+              <a:buNone/>
+              <a:defRPr sz="4400" kern="1200">
+                <a:solidFill>
+                  <a:schemeClr val="tx1"/>
+                </a:solidFill>
+                <a:latin typeface="+mj-lt"/>
+                <a:ea typeface="+mj-ea"/>
+                <a:cs typeface="+mj-cs"/>
+              </a:defRPr>
+            </a:lvl1pPr>
+          </a:lstStyle>
+          <a:p>
+            <a:r>
+              <a:rPr lang="en-US" sz="3200" b="1" smtClean="0">
+                <a:solidFill>
+                  <a:schemeClr val="accent1">
+                    <a:lumMod val="75000"/>
+                  </a:schemeClr>
+                </a:solidFill>
+              </a:rPr>
+              <a:t>MassTransit</a:t>
+            </a:r>
+            <a:endParaRPr lang="en-US" sz="3200" b="1" dirty="0">
+              <a:solidFill>
+                <a:schemeClr val="accent1">
+                  <a:lumMod val="75000"/>
+                </a:schemeClr>
+              </a:solidFill>
+            </a:endParaRPr>
+          </a:p>
+        </p:txBody>
+      </p:sp>
     </p:spTree>
     <p:extLst>
       <p:ext uri="{BB962C8B-B14F-4D97-AF65-F5344CB8AC3E}">
@@ -20743,6 +21920,20 @@
 <file path=ppt/slides/slide7.xml><?xml version="1.0" encoding="utf-8"?>
 <p:sld xmlns:a="http://schemas.openxmlformats.org/drawingml/2006/main" xmlns:r="http://schemas.openxmlformats.org/officeDocument/2006/relationships" xmlns:p="http://schemas.openxmlformats.org/presentationml/2006/main">
   <p:cSld>
+    <p:bg>
+      <p:bgPr>
+        <a:blipFill dpi="0" rotWithShape="1">
+          <a:blip r:embed="rId2">
+            <a:lum/>
+          </a:blip>
+          <a:srcRect/>
+          <a:stretch>
+            <a:fillRect/>
+          </a:stretch>
+        </a:blipFill>
+        <a:effectLst/>
+      </p:bgPr>
+    </p:bg>
     <p:spTree>
       <p:nvGrpSpPr>
         <p:cNvPr id="1" name=""/>
@@ -20769,22 +21960,33 @@
         </p:nvSpPr>
         <p:spPr>
           <a:xfrm>
-            <a:off x="628650" y="365126"/>
+            <a:off x="235808" y="375662"/>
             <a:ext cx="7886700" cy="516323"/>
           </a:xfrm>
         </p:spPr>
         <p:txBody>
           <a:bodyPr>
-            <a:normAutofit fontScale="90000"/>
+            <a:noAutofit/>
           </a:bodyPr>
           <a:lstStyle/>
           <a:p>
-            <a:pPr algn="ctr"/>
             <a:r>
-              <a:rPr lang="en-US" dirty="0" smtClean="0"/>
+              <a:rPr lang="en-US" sz="3200" b="1" dirty="0" smtClean="0">
+                <a:solidFill>
+                  <a:schemeClr val="accent1">
+                    <a:lumMod val="75000"/>
+                  </a:schemeClr>
+                </a:solidFill>
+              </a:rPr>
               <a:t>Messaging Patterns</a:t>
             </a:r>
-            <a:endParaRPr lang="en-US" dirty="0"/>
+            <a:endParaRPr lang="en-US" sz="3200" b="1" dirty="0">
+              <a:solidFill>
+                <a:schemeClr val="accent1">
+                  <a:lumMod val="75000"/>
+                </a:schemeClr>
+              </a:solidFill>
+            </a:endParaRPr>
           </a:p>
         </p:txBody>
       </p:sp>
@@ -20843,31 +22045,6 @@
               <a:t>Publish/Subscribe</a:t>
             </a:r>
             <a:endParaRPr lang="en-US" sz="1800" dirty="0"/>
-          </a:p>
-        </p:txBody>
-      </p:sp>
-      <p:sp>
-        <p:nvSpPr>
-          <p:cNvPr id="4" name="Slide Number Placeholder 3"/>
-          <p:cNvSpPr>
-            <a:spLocks noGrp="1"/>
-          </p:cNvSpPr>
-          <p:nvPr>
-            <p:ph type="sldNum" sz="quarter" idx="12"/>
-          </p:nvPr>
-        </p:nvSpPr>
-        <p:spPr/>
-        <p:txBody>
-          <a:bodyPr/>
-          <a:lstStyle/>
-          <a:p>
-            <a:pPr algn="l"/>
-            <a:fld id="{3BF2E178-8897-4B1C-8CC9-F674D03C0FD1}" type="slidenum">
-              <a:rPr lang="en-US" smtClean="0"/>
-              <a:pPr algn="l"/>
-              <a:t>7</a:t>
-            </a:fld>
-            <a:endParaRPr lang="en-US" dirty="0"/>
           </a:p>
         </p:txBody>
       </p:sp>
@@ -21598,6 +22775,20 @@
 <file path=ppt/slides/slide8.xml><?xml version="1.0" encoding="utf-8"?>
 <p:sld xmlns:a="http://schemas.openxmlformats.org/drawingml/2006/main" xmlns:r="http://schemas.openxmlformats.org/officeDocument/2006/relationships" xmlns:p="http://schemas.openxmlformats.org/presentationml/2006/main">
   <p:cSld>
+    <p:bg>
+      <p:bgPr>
+        <a:blipFill dpi="0" rotWithShape="1">
+          <a:blip r:embed="rId2">
+            <a:lum/>
+          </a:blip>
+          <a:srcRect/>
+          <a:stretch>
+            <a:fillRect/>
+          </a:stretch>
+        </a:blipFill>
+        <a:effectLst/>
+      </p:bgPr>
+    </p:bg>
     <p:spTree>
       <p:nvGrpSpPr>
         <p:cNvPr id="1" name=""/>
@@ -21612,37 +22803,6 @@
           <a:chExt cx="0" cy="0"/>
         </a:xfrm>
       </p:grpSpPr>
-      <p:sp>
-        <p:nvSpPr>
-          <p:cNvPr id="6" name="Title 5"/>
-          <p:cNvSpPr>
-            <a:spLocks noGrp="1"/>
-          </p:cNvSpPr>
-          <p:nvPr>
-            <p:ph type="title"/>
-          </p:nvPr>
-        </p:nvSpPr>
-        <p:spPr>
-          <a:xfrm>
-            <a:off x="1169772" y="365126"/>
-            <a:ext cx="7345577" cy="590463"/>
-          </a:xfrm>
-        </p:spPr>
-        <p:txBody>
-          <a:bodyPr>
-            <a:normAutofit fontScale="90000"/>
-          </a:bodyPr>
-          <a:lstStyle/>
-          <a:p>
-            <a:pPr algn="ctr"/>
-            <a:r>
-              <a:rPr lang="en-US" dirty="0" smtClean="0"/>
-              <a:t>       Messaging Patterns</a:t>
-            </a:r>
-            <a:endParaRPr lang="en-US" dirty="0"/>
-          </a:p>
-        </p:txBody>
-      </p:sp>
       <p:sp>
         <p:nvSpPr>
           <p:cNvPr id="7" name="Content Placeholder 6"/>
@@ -21765,31 +22925,6 @@
               <a:buNone/>
             </a:pPr>
             <a:endParaRPr lang="en-US" dirty="0" smtClean="0"/>
-          </a:p>
-        </p:txBody>
-      </p:sp>
-      <p:sp>
-        <p:nvSpPr>
-          <p:cNvPr id="4" name="Slide Number Placeholder 3"/>
-          <p:cNvSpPr>
-            <a:spLocks noGrp="1"/>
-          </p:cNvSpPr>
-          <p:nvPr>
-            <p:ph type="sldNum" sz="quarter" idx="12"/>
-          </p:nvPr>
-        </p:nvSpPr>
-        <p:spPr/>
-        <p:txBody>
-          <a:bodyPr/>
-          <a:lstStyle/>
-          <a:p>
-            <a:pPr algn="l"/>
-            <a:fld id="{3BF2E178-8897-4B1C-8CC9-F674D03C0FD1}" type="slidenum">
-              <a:rPr lang="en-US" smtClean="0"/>
-              <a:pPr algn="l"/>
-              <a:t>8</a:t>
-            </a:fld>
-            <a:endParaRPr lang="en-US" dirty="0"/>
           </a:p>
         </p:txBody>
       </p:sp>
@@ -22495,6 +23630,67 @@
           </a:p>
         </p:txBody>
       </p:sp>
+      <p:sp>
+        <p:nvSpPr>
+          <p:cNvPr id="26" name="Title 1"/>
+          <p:cNvSpPr txBox="1">
+            <a:spLocks/>
+          </p:cNvSpPr>
+          <p:nvPr/>
+        </p:nvSpPr>
+        <p:spPr>
+          <a:xfrm>
+            <a:off x="235808" y="375662"/>
+            <a:ext cx="7886700" cy="516323"/>
+          </a:xfrm>
+          <a:prstGeom prst="rect">
+            <a:avLst/>
+          </a:prstGeom>
+        </p:spPr>
+        <p:txBody>
+          <a:bodyPr vert="horz" lIns="91440" tIns="45720" rIns="91440" bIns="45720" rtlCol="0" anchor="ctr">
+            <a:noAutofit/>
+          </a:bodyPr>
+          <a:lstStyle>
+            <a:lvl1pPr algn="l" defTabSz="914400" rtl="0" eaLnBrk="1" latinLnBrk="0" hangingPunct="1">
+              <a:lnSpc>
+                <a:spcPct val="90000"/>
+              </a:lnSpc>
+              <a:spcBef>
+                <a:spcPct val="0"/>
+              </a:spcBef>
+              <a:buNone/>
+              <a:defRPr sz="4400" kern="1200">
+                <a:solidFill>
+                  <a:schemeClr val="tx1"/>
+                </a:solidFill>
+                <a:latin typeface="+mj-lt"/>
+                <a:ea typeface="+mj-ea"/>
+                <a:cs typeface="+mj-cs"/>
+              </a:defRPr>
+            </a:lvl1pPr>
+          </a:lstStyle>
+          <a:p>
+            <a:r>
+              <a:rPr lang="en-US" sz="3200" b="1" smtClean="0">
+                <a:solidFill>
+                  <a:schemeClr val="accent1">
+                    <a:lumMod val="75000"/>
+                  </a:schemeClr>
+                </a:solidFill>
+              </a:rPr>
+              <a:t>Messaging Patterns</a:t>
+            </a:r>
+            <a:endParaRPr lang="en-US" sz="3200" b="1" dirty="0">
+              <a:solidFill>
+                <a:schemeClr val="accent1">
+                  <a:lumMod val="75000"/>
+                </a:schemeClr>
+              </a:solidFill>
+            </a:endParaRPr>
+          </a:p>
+        </p:txBody>
+      </p:sp>
     </p:spTree>
     <p:extLst>
       <p:ext uri="{BB962C8B-B14F-4D97-AF65-F5344CB8AC3E}">
@@ -22518,6 +23714,20 @@
 <file path=ppt/slides/slide9.xml><?xml version="1.0" encoding="utf-8"?>
 <p:sld xmlns:a="http://schemas.openxmlformats.org/drawingml/2006/main" xmlns:r="http://schemas.openxmlformats.org/officeDocument/2006/relationships" xmlns:p="http://schemas.openxmlformats.org/presentationml/2006/main">
   <p:cSld>
+    <p:bg>
+      <p:bgPr>
+        <a:blipFill dpi="0" rotWithShape="1">
+          <a:blip r:embed="rId2">
+            <a:lum/>
+          </a:blip>
+          <a:srcRect/>
+          <a:stretch>
+            <a:fillRect/>
+          </a:stretch>
+        </a:blipFill>
+        <a:effectLst/>
+      </p:bgPr>
+    </p:bg>
     <p:spTree>
       <p:nvGrpSpPr>
         <p:cNvPr id="1" name=""/>
@@ -22532,62 +23742,6 @@
           <a:chExt cx="0" cy="0"/>
         </a:xfrm>
       </p:grpSpPr>
-      <p:sp>
-        <p:nvSpPr>
-          <p:cNvPr id="6" name="Title 5"/>
-          <p:cNvSpPr>
-            <a:spLocks noGrp="1"/>
-          </p:cNvSpPr>
-          <p:nvPr>
-            <p:ph type="title"/>
-          </p:nvPr>
-        </p:nvSpPr>
-        <p:spPr>
-          <a:xfrm>
-            <a:off x="628650" y="365126"/>
-            <a:ext cx="7886700" cy="499847"/>
-          </a:xfrm>
-        </p:spPr>
-        <p:txBody>
-          <a:bodyPr>
-            <a:normAutofit fontScale="90000"/>
-          </a:bodyPr>
-          <a:lstStyle/>
-          <a:p>
-            <a:pPr algn="ctr"/>
-            <a:r>
-              <a:rPr lang="en-US" dirty="0" smtClean="0"/>
-              <a:t>Messaging Patterns</a:t>
-            </a:r>
-            <a:endParaRPr lang="en-US" dirty="0"/>
-          </a:p>
-        </p:txBody>
-      </p:sp>
-      <p:sp>
-        <p:nvSpPr>
-          <p:cNvPr id="4" name="Slide Number Placeholder 3"/>
-          <p:cNvSpPr>
-            <a:spLocks noGrp="1"/>
-          </p:cNvSpPr>
-          <p:nvPr>
-            <p:ph type="sldNum" sz="quarter" idx="12"/>
-          </p:nvPr>
-        </p:nvSpPr>
-        <p:spPr/>
-        <p:txBody>
-          <a:bodyPr/>
-          <a:lstStyle/>
-          <a:p>
-            <a:pPr algn="l"/>
-            <a:fld id="{3BF2E178-8897-4B1C-8CC9-F674D03C0FD1}" type="slidenum">
-              <a:rPr lang="en-US" smtClean="0"/>
-              <a:pPr algn="l"/>
-              <a:t>9</a:t>
-            </a:fld>
-            <a:endParaRPr lang="en-US" dirty="0"/>
-          </a:p>
-        </p:txBody>
-      </p:sp>
       <p:sp>
         <p:nvSpPr>
           <p:cNvPr id="2" name="Rectangle 1"/>
@@ -23349,7 +24503,7 @@
           <p:nvPr/>
         </p:nvPicPr>
         <p:blipFill>
-          <a:blip r:embed="rId2"/>
+          <a:blip r:embed="rId3"/>
           <a:stretch>
             <a:fillRect/>
           </a:stretch>
@@ -23389,7 +24543,7 @@
           <p:nvPr/>
         </p:nvPicPr>
         <p:blipFill>
-          <a:blip r:embed="rId3"/>
+          <a:blip r:embed="rId4"/>
           <a:stretch>
             <a:fillRect/>
           </a:stretch>
@@ -23420,6 +24574,67 @@
           </a:fontRef>
         </p:style>
       </p:pic>
+      <p:sp>
+        <p:nvSpPr>
+          <p:cNvPr id="26" name="Title 1"/>
+          <p:cNvSpPr txBox="1">
+            <a:spLocks/>
+          </p:cNvSpPr>
+          <p:nvPr/>
+        </p:nvSpPr>
+        <p:spPr>
+          <a:xfrm>
+            <a:off x="235808" y="375662"/>
+            <a:ext cx="7886700" cy="516323"/>
+          </a:xfrm>
+          <a:prstGeom prst="rect">
+            <a:avLst/>
+          </a:prstGeom>
+        </p:spPr>
+        <p:txBody>
+          <a:bodyPr vert="horz" lIns="91440" tIns="45720" rIns="91440" bIns="45720" rtlCol="0" anchor="ctr">
+            <a:noAutofit/>
+          </a:bodyPr>
+          <a:lstStyle>
+            <a:lvl1pPr algn="l" defTabSz="914400" rtl="0" eaLnBrk="1" latinLnBrk="0" hangingPunct="1">
+              <a:lnSpc>
+                <a:spcPct val="90000"/>
+              </a:lnSpc>
+              <a:spcBef>
+                <a:spcPct val="0"/>
+              </a:spcBef>
+              <a:buNone/>
+              <a:defRPr sz="4400" kern="1200">
+                <a:solidFill>
+                  <a:schemeClr val="tx1"/>
+                </a:solidFill>
+                <a:latin typeface="+mj-lt"/>
+                <a:ea typeface="+mj-ea"/>
+                <a:cs typeface="+mj-cs"/>
+              </a:defRPr>
+            </a:lvl1pPr>
+          </a:lstStyle>
+          <a:p>
+            <a:r>
+              <a:rPr lang="en-US" sz="3200" b="1" smtClean="0">
+                <a:solidFill>
+                  <a:schemeClr val="accent1">
+                    <a:lumMod val="75000"/>
+                  </a:schemeClr>
+                </a:solidFill>
+              </a:rPr>
+              <a:t>Messaging Patterns</a:t>
+            </a:r>
+            <a:endParaRPr lang="en-US" sz="3200" b="1" dirty="0">
+              <a:solidFill>
+                <a:schemeClr val="accent1">
+                  <a:lumMod val="75000"/>
+                </a:schemeClr>
+              </a:solidFill>
+            </a:endParaRPr>
+          </a:p>
+        </p:txBody>
+      </p:sp>
     </p:spTree>
     <p:extLst>
       <p:ext uri="{BB962C8B-B14F-4D97-AF65-F5344CB8AC3E}">

--- a/Presentation/Service Bus Integration Patterns.pptx
+++ b/Presentation/Service Bus Integration Patterns.pptx
@@ -3641,7 +3641,7 @@
         <a:p>
           <a:r>
             <a:rPr lang="en-US" sz="1200" dirty="0" smtClean="0"/>
-            <a:t>Availability</a:t>
+            <a:t>Cloud Deploy</a:t>
           </a:r>
           <a:endParaRPr lang="en-US" sz="1200" dirty="0"/>
         </a:p>
@@ -4099,39 +4099,39 @@
     </dgm:pt>
   </dgm:ptLst>
   <dgm:cxnLst>
+    <dgm:cxn modelId="{AB9DB3A5-5590-4E9C-9842-5405E6CF13F0}" type="presOf" srcId="{6745F2E8-67DC-4335-8E1C-679A2BFBCEFE}" destId="{71D3D0C1-943C-4F07-851A-449A1ADF9B3C}" srcOrd="0" destOrd="2" presId="urn:microsoft.com/office/officeart/2005/8/layout/chevron2"/>
+    <dgm:cxn modelId="{5A3CCCB0-5C1A-40F0-81AD-EAF17766D25C}" type="presOf" srcId="{82A2100F-ACB1-4FB2-B588-2162CCE0A7EC}" destId="{8674861C-641D-4B44-BD65-87448F1A2F8A}" srcOrd="0" destOrd="0" presId="urn:microsoft.com/office/officeart/2005/8/layout/chevron2"/>
+    <dgm:cxn modelId="{937E19B7-67CE-431E-AD3C-02EC700B10A8}" srcId="{82A2100F-ACB1-4FB2-B588-2162CCE0A7EC}" destId="{6745F2E8-67DC-4335-8E1C-679A2BFBCEFE}" srcOrd="2" destOrd="0" parTransId="{94CEB101-BF41-42F2-B6D5-387205ED63AB}" sibTransId="{90453888-4146-41D3-A757-3D9733F25949}"/>
+    <dgm:cxn modelId="{D3ABFCD0-354F-4D9A-9F0C-4B9AAB7DD4B8}" type="presOf" srcId="{75A8AF5E-E077-421B-9B83-1D16FC13CC3E}" destId="{C4A35548-2E21-4AAA-AE63-C60FCAEA2D26}" srcOrd="0" destOrd="0" presId="urn:microsoft.com/office/officeart/2005/8/layout/chevron2"/>
+    <dgm:cxn modelId="{0F152CF0-FE4F-41C3-AD79-1103EE14CB26}" type="presOf" srcId="{BBBFE2C6-6943-42DD-A5DD-D6818DA7D418}" destId="{635E652E-FF37-4DFF-95CD-8CA4BA2A8607}" srcOrd="0" destOrd="0" presId="urn:microsoft.com/office/officeart/2005/8/layout/chevron2"/>
+    <dgm:cxn modelId="{9AACCA81-1E4D-4D70-B868-C4798071B132}" srcId="{AC62F493-CDC1-4D34-9615-782F8A2EC453}" destId="{AEF24AE9-0AB3-4763-A5DA-3018061F5588}" srcOrd="3" destOrd="0" parTransId="{7FADB0DA-D63D-45EB-BBFF-8EE9D5BAF632}" sibTransId="{6F723BFF-936F-4352-BB40-FDEDCC497E6D}"/>
+    <dgm:cxn modelId="{47B03B05-419C-4EC6-96AF-A7685A8981D5}" type="presOf" srcId="{F62940DA-37A4-4D07-ACF2-0CEA7AC91757}" destId="{71D3D0C1-943C-4F07-851A-449A1ADF9B3C}" srcOrd="0" destOrd="0" presId="urn:microsoft.com/office/officeart/2005/8/layout/chevron2"/>
+    <dgm:cxn modelId="{C79B078C-D58A-47CF-94B0-7E387B47895B}" srcId="{6FB126C9-4DE9-466A-B25B-AC57AA36B4A8}" destId="{9CB56806-528A-44C1-B476-9B43D6E887C0}" srcOrd="1" destOrd="0" parTransId="{DFF6BF32-45C2-4942-B6C7-2656E49203DD}" sibTransId="{74CBDB70-6C77-4F6B-8303-DE1F7A3314B4}"/>
+    <dgm:cxn modelId="{424AEB46-983D-42EE-BDAC-A0B59FF39508}" type="presOf" srcId="{5155967F-FA0A-4587-9DF5-C229C7C1341C}" destId="{CFC34C5D-362C-4F86-88A4-FBF87B2C7427}" srcOrd="0" destOrd="1" presId="urn:microsoft.com/office/officeart/2005/8/layout/chevron2"/>
     <dgm:cxn modelId="{00EB73C6-3193-4443-851A-936E32877ADD}" type="presOf" srcId="{C50BEBBB-54F1-4503-8F3F-372EE468F041}" destId="{CFC34C5D-362C-4F86-88A4-FBF87B2C7427}" srcOrd="0" destOrd="2" presId="urn:microsoft.com/office/officeart/2005/8/layout/chevron2"/>
-    <dgm:cxn modelId="{937E19B7-67CE-431E-AD3C-02EC700B10A8}" srcId="{82A2100F-ACB1-4FB2-B588-2162CCE0A7EC}" destId="{6745F2E8-67DC-4335-8E1C-679A2BFBCEFE}" srcOrd="2" destOrd="0" parTransId="{94CEB101-BF41-42F2-B6D5-387205ED63AB}" sibTransId="{90453888-4146-41D3-A757-3D9733F25949}"/>
+    <dgm:cxn modelId="{986B3B8B-DE94-4ECB-8BEB-53DE5AD5C2FF}" type="presOf" srcId="{82B52429-3E42-43BB-8391-EEA5D69683A3}" destId="{C4A35548-2E21-4AAA-AE63-C60FCAEA2D26}" srcOrd="0" destOrd="1" presId="urn:microsoft.com/office/officeart/2005/8/layout/chevron2"/>
+    <dgm:cxn modelId="{81DA24D7-97CE-438F-B852-BF9BF348C0B3}" srcId="{D957C335-3589-4AA0-920B-00DB91C683BF}" destId="{75A8AF5E-E077-421B-9B83-1D16FC13CC3E}" srcOrd="0" destOrd="0" parTransId="{6DC162DF-BB4B-4EED-8F82-97B9EA69275B}" sibTransId="{99D8C5BF-696F-4C46-B987-D4C950E716F2}"/>
+    <dgm:cxn modelId="{19DF7B0B-DAB6-469D-AF09-E2BBF4267F49}" type="presOf" srcId="{AEF24AE9-0AB3-4763-A5DA-3018061F5588}" destId="{CFC34C5D-362C-4F86-88A4-FBF87B2C7427}" srcOrd="0" destOrd="3" presId="urn:microsoft.com/office/officeart/2005/8/layout/chevron2"/>
+    <dgm:cxn modelId="{A3BC6206-2066-4E27-BD72-A0F5854040D6}" srcId="{AC62F493-CDC1-4D34-9615-782F8A2EC453}" destId="{C50BEBBB-54F1-4503-8F3F-372EE468F041}" srcOrd="2" destOrd="0" parTransId="{DF3E6CEC-D113-4C00-B57E-38DB41CA9A70}" sibTransId="{A80EE40A-C922-4480-97CC-43A959177CB1}"/>
+    <dgm:cxn modelId="{BCE2E609-F5FD-4D47-8044-B2D3C24E44D5}" srcId="{6FB126C9-4DE9-466A-B25B-AC57AA36B4A8}" destId="{BBBFE2C6-6943-42DD-A5DD-D6818DA7D418}" srcOrd="0" destOrd="0" parTransId="{F777CEEA-C19F-453B-8807-1F928AEC03EC}" sibTransId="{18226821-D713-4B27-947C-0725DE36937B}"/>
+    <dgm:cxn modelId="{5B94BBC2-A917-4F14-BBAF-71CDA57D6E46}" srcId="{319E2ED7-DAC0-475E-B7F4-31BD7A5B9166}" destId="{D957C335-3589-4AA0-920B-00DB91C683BF}" srcOrd="0" destOrd="0" parTransId="{C09C0A58-B08D-4AD8-92AE-2C0B81B850CB}" sibTransId="{BED980AE-90CC-4293-8282-401B45C67475}"/>
+    <dgm:cxn modelId="{2EE161C4-F368-49DA-9263-5565E17AC390}" srcId="{82A2100F-ACB1-4FB2-B588-2162CCE0A7EC}" destId="{F62940DA-37A4-4D07-ACF2-0CEA7AC91757}" srcOrd="0" destOrd="0" parTransId="{4125334E-F82D-4AB7-9A28-90E8DCDE2637}" sibTransId="{62D9652E-9BE8-4476-A4C5-58D32663BA67}"/>
+    <dgm:cxn modelId="{7984A512-A146-4663-A47E-6ADCB4FA6DF7}" srcId="{319E2ED7-DAC0-475E-B7F4-31BD7A5B9166}" destId="{82A2100F-ACB1-4FB2-B588-2162CCE0A7EC}" srcOrd="1" destOrd="0" parTransId="{D4ED4BAD-3900-46F1-AF51-98F72F7DCE07}" sibTransId="{7D54EAF5-9F72-4894-A745-4C7830259640}"/>
+    <dgm:cxn modelId="{063EB3C0-7438-4879-9E2E-E0F41B7FB189}" type="presOf" srcId="{9CB56806-528A-44C1-B476-9B43D6E887C0}" destId="{635E652E-FF37-4DFF-95CD-8CA4BA2A8607}" srcOrd="0" destOrd="1" presId="urn:microsoft.com/office/officeart/2005/8/layout/chevron2"/>
+    <dgm:cxn modelId="{B23F0335-5FA2-4792-9D39-CC7C8715EB40}" type="presOf" srcId="{6FB126C9-4DE9-466A-B25B-AC57AA36B4A8}" destId="{C6191146-B27E-4576-889C-63715DA6B13F}" srcOrd="0" destOrd="0" presId="urn:microsoft.com/office/officeart/2005/8/layout/chevron2"/>
+    <dgm:cxn modelId="{84E9938B-3CA2-47EC-865D-AB3EB24F5CEF}" srcId="{AC62F493-CDC1-4D34-9615-782F8A2EC453}" destId="{5155967F-FA0A-4587-9DF5-C229C7C1341C}" srcOrd="1" destOrd="0" parTransId="{73AB8B54-034E-4BC5-8111-248E92063304}" sibTransId="{01368EB3-46CD-4698-96C7-5F60B9A29451}"/>
+    <dgm:cxn modelId="{4EF8FF02-E84E-4A2A-BE64-590744BB1ECC}" srcId="{82A2100F-ACB1-4FB2-B588-2162CCE0A7EC}" destId="{08471830-FB56-47BF-8120-388DF827F600}" srcOrd="1" destOrd="0" parTransId="{81E2EC31-99EB-46A4-96E2-0EAFE8119909}" sibTransId="{30669AC3-1C30-4302-8714-BAE75147CD7B}"/>
+    <dgm:cxn modelId="{60F36FC5-56E2-4EBB-89A6-7FBC4B31009C}" srcId="{6FB126C9-4DE9-466A-B25B-AC57AA36B4A8}" destId="{A65BB76B-6769-4336-B9A5-2CC4F1A9DF53}" srcOrd="2" destOrd="0" parTransId="{8149FB2C-C327-43F1-A0EF-E84067A22E2B}" sibTransId="{46D0B279-62B2-49C7-A4EC-E7C64778DCBB}"/>
+    <dgm:cxn modelId="{7D0235AC-8540-44A3-BCFB-96307951F434}" type="presOf" srcId="{D3B228FB-1135-4D34-B378-4E75EFDAC51D}" destId="{CFC34C5D-362C-4F86-88A4-FBF87B2C7427}" srcOrd="0" destOrd="0" presId="urn:microsoft.com/office/officeart/2005/8/layout/chevron2"/>
+    <dgm:cxn modelId="{C1F94BDE-4A9C-4F43-8E28-AA89E109CBB5}" type="presOf" srcId="{08471830-FB56-47BF-8120-388DF827F600}" destId="{71D3D0C1-943C-4F07-851A-449A1ADF9B3C}" srcOrd="0" destOrd="1" presId="urn:microsoft.com/office/officeart/2005/8/layout/chevron2"/>
+    <dgm:cxn modelId="{D5C16949-916C-47D2-B666-403C11A53BDC}" type="presOf" srcId="{A65BB76B-6769-4336-B9A5-2CC4F1A9DF53}" destId="{635E652E-FF37-4DFF-95CD-8CA4BA2A8607}" srcOrd="0" destOrd="2" presId="urn:microsoft.com/office/officeart/2005/8/layout/chevron2"/>
+    <dgm:cxn modelId="{2D5E0BA9-CF6C-4340-A554-6D094D4B6F20}" type="presOf" srcId="{AC62F493-CDC1-4D34-9615-782F8A2EC453}" destId="{1EF1D0A2-CEB4-4E60-AB0F-BCD66F169E2A}" srcOrd="0" destOrd="0" presId="urn:microsoft.com/office/officeart/2005/8/layout/chevron2"/>
+    <dgm:cxn modelId="{F5F196BB-E062-4666-ADBF-28AB8EB88591}" type="presOf" srcId="{D957C335-3589-4AA0-920B-00DB91C683BF}" destId="{30D1CCFE-B9E2-495C-A14E-C264FE155CBE}" srcOrd="0" destOrd="0" presId="urn:microsoft.com/office/officeart/2005/8/layout/chevron2"/>
+    <dgm:cxn modelId="{5BB7F946-2644-4866-993F-D37B265F39A2}" srcId="{319E2ED7-DAC0-475E-B7F4-31BD7A5B9166}" destId="{6FB126C9-4DE9-466A-B25B-AC57AA36B4A8}" srcOrd="3" destOrd="0" parTransId="{C899445F-DA4D-4276-9976-650356A15FAE}" sibTransId="{6B59BCFD-82F5-4EE5-BBA3-7C0C82963889}"/>
+    <dgm:cxn modelId="{15854B30-8AE7-468A-A4F9-0BD7B64E0B5F}" srcId="{319E2ED7-DAC0-475E-B7F4-31BD7A5B9166}" destId="{AC62F493-CDC1-4D34-9615-782F8A2EC453}" srcOrd="2" destOrd="0" parTransId="{34AD31BE-5FB2-4D11-AA64-1D0D7647C0A3}" sibTransId="{B2AF5689-8D5E-4357-BB39-A0DC8FC6B568}"/>
+    <dgm:cxn modelId="{236F0FB2-695E-473F-8749-D2910A11D1DE}" type="presOf" srcId="{319E2ED7-DAC0-475E-B7F4-31BD7A5B9166}" destId="{839CC9F4-E7D6-485F-85CD-EC9B7273AD54}" srcOrd="0" destOrd="0" presId="urn:microsoft.com/office/officeart/2005/8/layout/chevron2"/>
+    <dgm:cxn modelId="{19D9697A-0A0E-4C75-8A31-FDD5D1FA04E0}" srcId="{AC62F493-CDC1-4D34-9615-782F8A2EC453}" destId="{D3B228FB-1135-4D34-B378-4E75EFDAC51D}" srcOrd="0" destOrd="0" parTransId="{C2B3747A-EF36-4A3B-A5F2-72991B72834B}" sibTransId="{8F929D1B-961A-46AF-9542-68CA108D7D54}"/>
     <dgm:cxn modelId="{B73A275F-7945-483C-8FE0-7D9EA16D1BBA}" srcId="{D957C335-3589-4AA0-920B-00DB91C683BF}" destId="{82B52429-3E42-43BB-8391-EEA5D69683A3}" srcOrd="1" destOrd="0" parTransId="{F1DE50FC-DC8F-4E5C-9D47-D6BA187B7FD3}" sibTransId="{9C83342E-B54D-4BD5-A4BD-29FC60D70700}"/>
-    <dgm:cxn modelId="{D3ABFCD0-354F-4D9A-9F0C-4B9AAB7DD4B8}" type="presOf" srcId="{75A8AF5E-E077-421B-9B83-1D16FC13CC3E}" destId="{C4A35548-2E21-4AAA-AE63-C60FCAEA2D26}" srcOrd="0" destOrd="0" presId="urn:microsoft.com/office/officeart/2005/8/layout/chevron2"/>
-    <dgm:cxn modelId="{AB9DB3A5-5590-4E9C-9842-5405E6CF13F0}" type="presOf" srcId="{6745F2E8-67DC-4335-8E1C-679A2BFBCEFE}" destId="{71D3D0C1-943C-4F07-851A-449A1ADF9B3C}" srcOrd="0" destOrd="2" presId="urn:microsoft.com/office/officeart/2005/8/layout/chevron2"/>
-    <dgm:cxn modelId="{F5F196BB-E062-4666-ADBF-28AB8EB88591}" type="presOf" srcId="{D957C335-3589-4AA0-920B-00DB91C683BF}" destId="{30D1CCFE-B9E2-495C-A14E-C264FE155CBE}" srcOrd="0" destOrd="0" presId="urn:microsoft.com/office/officeart/2005/8/layout/chevron2"/>
-    <dgm:cxn modelId="{19DF7B0B-DAB6-469D-AF09-E2BBF4267F49}" type="presOf" srcId="{AEF24AE9-0AB3-4763-A5DA-3018061F5588}" destId="{CFC34C5D-362C-4F86-88A4-FBF87B2C7427}" srcOrd="0" destOrd="3" presId="urn:microsoft.com/office/officeart/2005/8/layout/chevron2"/>
-    <dgm:cxn modelId="{2D5E0BA9-CF6C-4340-A554-6D094D4B6F20}" type="presOf" srcId="{AC62F493-CDC1-4D34-9615-782F8A2EC453}" destId="{1EF1D0A2-CEB4-4E60-AB0F-BCD66F169E2A}" srcOrd="0" destOrd="0" presId="urn:microsoft.com/office/officeart/2005/8/layout/chevron2"/>
-    <dgm:cxn modelId="{D5C16949-916C-47D2-B666-403C11A53BDC}" type="presOf" srcId="{A65BB76B-6769-4336-B9A5-2CC4F1A9DF53}" destId="{635E652E-FF37-4DFF-95CD-8CA4BA2A8607}" srcOrd="0" destOrd="2" presId="urn:microsoft.com/office/officeart/2005/8/layout/chevron2"/>
-    <dgm:cxn modelId="{84E9938B-3CA2-47EC-865D-AB3EB24F5CEF}" srcId="{AC62F493-CDC1-4D34-9615-782F8A2EC453}" destId="{5155967F-FA0A-4587-9DF5-C229C7C1341C}" srcOrd="1" destOrd="0" parTransId="{73AB8B54-034E-4BC5-8111-248E92063304}" sibTransId="{01368EB3-46CD-4698-96C7-5F60B9A29451}"/>
-    <dgm:cxn modelId="{C79B078C-D58A-47CF-94B0-7E387B47895B}" srcId="{6FB126C9-4DE9-466A-B25B-AC57AA36B4A8}" destId="{9CB56806-528A-44C1-B476-9B43D6E887C0}" srcOrd="1" destOrd="0" parTransId="{DFF6BF32-45C2-4942-B6C7-2656E49203DD}" sibTransId="{74CBDB70-6C77-4F6B-8303-DE1F7A3314B4}"/>
-    <dgm:cxn modelId="{C1F94BDE-4A9C-4F43-8E28-AA89E109CBB5}" type="presOf" srcId="{08471830-FB56-47BF-8120-388DF827F600}" destId="{71D3D0C1-943C-4F07-851A-449A1ADF9B3C}" srcOrd="0" destOrd="1" presId="urn:microsoft.com/office/officeart/2005/8/layout/chevron2"/>
-    <dgm:cxn modelId="{5A3CCCB0-5C1A-40F0-81AD-EAF17766D25C}" type="presOf" srcId="{82A2100F-ACB1-4FB2-B588-2162CCE0A7EC}" destId="{8674861C-641D-4B44-BD65-87448F1A2F8A}" srcOrd="0" destOrd="0" presId="urn:microsoft.com/office/officeart/2005/8/layout/chevron2"/>
-    <dgm:cxn modelId="{60F36FC5-56E2-4EBB-89A6-7FBC4B31009C}" srcId="{6FB126C9-4DE9-466A-B25B-AC57AA36B4A8}" destId="{A65BB76B-6769-4336-B9A5-2CC4F1A9DF53}" srcOrd="2" destOrd="0" parTransId="{8149FB2C-C327-43F1-A0EF-E84067A22E2B}" sibTransId="{46D0B279-62B2-49C7-A4EC-E7C64778DCBB}"/>
-    <dgm:cxn modelId="{5B94BBC2-A917-4F14-BBAF-71CDA57D6E46}" srcId="{319E2ED7-DAC0-475E-B7F4-31BD7A5B9166}" destId="{D957C335-3589-4AA0-920B-00DB91C683BF}" srcOrd="0" destOrd="0" parTransId="{C09C0A58-B08D-4AD8-92AE-2C0B81B850CB}" sibTransId="{BED980AE-90CC-4293-8282-401B45C67475}"/>
-    <dgm:cxn modelId="{7984A512-A146-4663-A47E-6ADCB4FA6DF7}" srcId="{319E2ED7-DAC0-475E-B7F4-31BD7A5B9166}" destId="{82A2100F-ACB1-4FB2-B588-2162CCE0A7EC}" srcOrd="1" destOrd="0" parTransId="{D4ED4BAD-3900-46F1-AF51-98F72F7DCE07}" sibTransId="{7D54EAF5-9F72-4894-A745-4C7830259640}"/>
-    <dgm:cxn modelId="{15854B30-8AE7-468A-A4F9-0BD7B64E0B5F}" srcId="{319E2ED7-DAC0-475E-B7F4-31BD7A5B9166}" destId="{AC62F493-CDC1-4D34-9615-782F8A2EC453}" srcOrd="2" destOrd="0" parTransId="{34AD31BE-5FB2-4D11-AA64-1D0D7647C0A3}" sibTransId="{B2AF5689-8D5E-4357-BB39-A0DC8FC6B568}"/>
-    <dgm:cxn modelId="{81DA24D7-97CE-438F-B852-BF9BF348C0B3}" srcId="{D957C335-3589-4AA0-920B-00DB91C683BF}" destId="{75A8AF5E-E077-421B-9B83-1D16FC13CC3E}" srcOrd="0" destOrd="0" parTransId="{6DC162DF-BB4B-4EED-8F82-97B9EA69275B}" sibTransId="{99D8C5BF-696F-4C46-B987-D4C950E716F2}"/>
-    <dgm:cxn modelId="{B23F0335-5FA2-4792-9D39-CC7C8715EB40}" type="presOf" srcId="{6FB126C9-4DE9-466A-B25B-AC57AA36B4A8}" destId="{C6191146-B27E-4576-889C-63715DA6B13F}" srcOrd="0" destOrd="0" presId="urn:microsoft.com/office/officeart/2005/8/layout/chevron2"/>
-    <dgm:cxn modelId="{063EB3C0-7438-4879-9E2E-E0F41B7FB189}" type="presOf" srcId="{9CB56806-528A-44C1-B476-9B43D6E887C0}" destId="{635E652E-FF37-4DFF-95CD-8CA4BA2A8607}" srcOrd="0" destOrd="1" presId="urn:microsoft.com/office/officeart/2005/8/layout/chevron2"/>
-    <dgm:cxn modelId="{4EF8FF02-E84E-4A2A-BE64-590744BB1ECC}" srcId="{82A2100F-ACB1-4FB2-B588-2162CCE0A7EC}" destId="{08471830-FB56-47BF-8120-388DF827F600}" srcOrd="1" destOrd="0" parTransId="{81E2EC31-99EB-46A4-96E2-0EAFE8119909}" sibTransId="{30669AC3-1C30-4302-8714-BAE75147CD7B}"/>
-    <dgm:cxn modelId="{2EE161C4-F368-49DA-9263-5565E17AC390}" srcId="{82A2100F-ACB1-4FB2-B588-2162CCE0A7EC}" destId="{F62940DA-37A4-4D07-ACF2-0CEA7AC91757}" srcOrd="0" destOrd="0" parTransId="{4125334E-F82D-4AB7-9A28-90E8DCDE2637}" sibTransId="{62D9652E-9BE8-4476-A4C5-58D32663BA67}"/>
-    <dgm:cxn modelId="{BCE2E609-F5FD-4D47-8044-B2D3C24E44D5}" srcId="{6FB126C9-4DE9-466A-B25B-AC57AA36B4A8}" destId="{BBBFE2C6-6943-42DD-A5DD-D6818DA7D418}" srcOrd="0" destOrd="0" parTransId="{F777CEEA-C19F-453B-8807-1F928AEC03EC}" sibTransId="{18226821-D713-4B27-947C-0725DE36937B}"/>
-    <dgm:cxn modelId="{A3BC6206-2066-4E27-BD72-A0F5854040D6}" srcId="{AC62F493-CDC1-4D34-9615-782F8A2EC453}" destId="{C50BEBBB-54F1-4503-8F3F-372EE468F041}" srcOrd="2" destOrd="0" parTransId="{DF3E6CEC-D113-4C00-B57E-38DB41CA9A70}" sibTransId="{A80EE40A-C922-4480-97CC-43A959177CB1}"/>
-    <dgm:cxn modelId="{424AEB46-983D-42EE-BDAC-A0B59FF39508}" type="presOf" srcId="{5155967F-FA0A-4587-9DF5-C229C7C1341C}" destId="{CFC34C5D-362C-4F86-88A4-FBF87B2C7427}" srcOrd="0" destOrd="1" presId="urn:microsoft.com/office/officeart/2005/8/layout/chevron2"/>
-    <dgm:cxn modelId="{5BB7F946-2644-4866-993F-D37B265F39A2}" srcId="{319E2ED7-DAC0-475E-B7F4-31BD7A5B9166}" destId="{6FB126C9-4DE9-466A-B25B-AC57AA36B4A8}" srcOrd="3" destOrd="0" parTransId="{C899445F-DA4D-4276-9976-650356A15FAE}" sibTransId="{6B59BCFD-82F5-4EE5-BBA3-7C0C82963889}"/>
-    <dgm:cxn modelId="{236F0FB2-695E-473F-8749-D2910A11D1DE}" type="presOf" srcId="{319E2ED7-DAC0-475E-B7F4-31BD7A5B9166}" destId="{839CC9F4-E7D6-485F-85CD-EC9B7273AD54}" srcOrd="0" destOrd="0" presId="urn:microsoft.com/office/officeart/2005/8/layout/chevron2"/>
-    <dgm:cxn modelId="{9AACCA81-1E4D-4D70-B868-C4798071B132}" srcId="{AC62F493-CDC1-4D34-9615-782F8A2EC453}" destId="{AEF24AE9-0AB3-4763-A5DA-3018061F5588}" srcOrd="3" destOrd="0" parTransId="{7FADB0DA-D63D-45EB-BBFF-8EE9D5BAF632}" sibTransId="{6F723BFF-936F-4352-BB40-FDEDCC497E6D}"/>
-    <dgm:cxn modelId="{7D0235AC-8540-44A3-BCFB-96307951F434}" type="presOf" srcId="{D3B228FB-1135-4D34-B378-4E75EFDAC51D}" destId="{CFC34C5D-362C-4F86-88A4-FBF87B2C7427}" srcOrd="0" destOrd="0" presId="urn:microsoft.com/office/officeart/2005/8/layout/chevron2"/>
-    <dgm:cxn modelId="{47B03B05-419C-4EC6-96AF-A7685A8981D5}" type="presOf" srcId="{F62940DA-37A4-4D07-ACF2-0CEA7AC91757}" destId="{71D3D0C1-943C-4F07-851A-449A1ADF9B3C}" srcOrd="0" destOrd="0" presId="urn:microsoft.com/office/officeart/2005/8/layout/chevron2"/>
-    <dgm:cxn modelId="{0F152CF0-FE4F-41C3-AD79-1103EE14CB26}" type="presOf" srcId="{BBBFE2C6-6943-42DD-A5DD-D6818DA7D418}" destId="{635E652E-FF37-4DFF-95CD-8CA4BA2A8607}" srcOrd="0" destOrd="0" presId="urn:microsoft.com/office/officeart/2005/8/layout/chevron2"/>
-    <dgm:cxn modelId="{986B3B8B-DE94-4ECB-8BEB-53DE5AD5C2FF}" type="presOf" srcId="{82B52429-3E42-43BB-8391-EEA5D69683A3}" destId="{C4A35548-2E21-4AAA-AE63-C60FCAEA2D26}" srcOrd="0" destOrd="1" presId="urn:microsoft.com/office/officeart/2005/8/layout/chevron2"/>
-    <dgm:cxn modelId="{19D9697A-0A0E-4C75-8A31-FDD5D1FA04E0}" srcId="{AC62F493-CDC1-4D34-9615-782F8A2EC453}" destId="{D3B228FB-1135-4D34-B378-4E75EFDAC51D}" srcOrd="0" destOrd="0" parTransId="{C2B3747A-EF36-4A3B-A5F2-72991B72834B}" sibTransId="{8F929D1B-961A-46AF-9542-68CA108D7D54}"/>
     <dgm:cxn modelId="{0BC5C6DE-C656-4E47-BA61-591C575E6077}" type="presParOf" srcId="{839CC9F4-E7D6-485F-85CD-EC9B7273AD54}" destId="{77F424D6-A675-4ED7-BDAE-10ED3676A257}" srcOrd="0" destOrd="0" presId="urn:microsoft.com/office/officeart/2005/8/layout/chevron2"/>
     <dgm:cxn modelId="{9101EB04-1918-4C7A-85FD-8E7CA447E70D}" type="presParOf" srcId="{77F424D6-A675-4ED7-BDAE-10ED3676A257}" destId="{30D1CCFE-B9E2-495C-A14E-C264FE155CBE}" srcOrd="0" destOrd="0" presId="urn:microsoft.com/office/officeart/2005/8/layout/chevron2"/>
     <dgm:cxn modelId="{69A24B12-64A0-4D47-B49B-A6AA6EB7AB85}" type="presParOf" srcId="{77F424D6-A675-4ED7-BDAE-10ED3676A257}" destId="{C4A35548-2E21-4AAA-AE63-C60FCAEA2D26}" srcOrd="1" destOrd="0" presId="urn:microsoft.com/office/officeart/2005/8/layout/chevron2"/>
@@ -7515,7 +7515,7 @@
           </a:pPr>
           <a:r>
             <a:rPr lang="en-US" sz="1200" kern="1200" dirty="0" smtClean="0"/>
-            <a:t>Availability</a:t>
+            <a:t>Cloud Deploy</a:t>
           </a:r>
           <a:endParaRPr lang="en-US" sz="1200" kern="1200" dirty="0"/>
         </a:p>
@@ -7766,1386 +7766,6 @@
       <dsp:cNvGrpSpPr/>
     </dsp:nvGrpSpPr>
     <dsp:grpSpPr/>
-    <dsp:sp modelId="{E9E4A4BD-0093-435C-9115-848F665F9AA0}">
-      <dsp:nvSpPr>
-        <dsp:cNvPr id="0" name=""/>
-        <dsp:cNvSpPr/>
-      </dsp:nvSpPr>
-      <dsp:spPr>
-        <a:xfrm>
-          <a:off x="2357607" y="2495710"/>
-          <a:ext cx="1553779" cy="1553779"/>
-        </a:xfrm>
-        <a:prstGeom prst="ellipse">
-          <a:avLst/>
-        </a:prstGeom>
-        <a:gradFill rotWithShape="0">
-          <a:gsLst>
-            <a:gs pos="0">
-              <a:schemeClr val="accent4">
-                <a:hueOff val="0"/>
-                <a:satOff val="0"/>
-                <a:lumOff val="0"/>
-                <a:alphaOff val="0"/>
-                <a:lumMod val="110000"/>
-                <a:satMod val="105000"/>
-                <a:tint val="67000"/>
-              </a:schemeClr>
-            </a:gs>
-            <a:gs pos="50000">
-              <a:schemeClr val="accent4">
-                <a:hueOff val="0"/>
-                <a:satOff val="0"/>
-                <a:lumOff val="0"/>
-                <a:alphaOff val="0"/>
-                <a:lumMod val="105000"/>
-                <a:satMod val="103000"/>
-                <a:tint val="73000"/>
-              </a:schemeClr>
-            </a:gs>
-            <a:gs pos="100000">
-              <a:schemeClr val="accent4">
-                <a:hueOff val="0"/>
-                <a:satOff val="0"/>
-                <a:lumOff val="0"/>
-                <a:alphaOff val="0"/>
-                <a:lumMod val="105000"/>
-                <a:satMod val="109000"/>
-                <a:tint val="81000"/>
-              </a:schemeClr>
-            </a:gs>
-          </a:gsLst>
-          <a:lin ang="5400000" scaled="0"/>
-        </a:gradFill>
-        <a:ln>
-          <a:noFill/>
-        </a:ln>
-        <a:effectLst/>
-        <a:scene3d>
-          <a:camera prst="orthographicFront"/>
-          <a:lightRig rig="flat" dir="t"/>
-        </a:scene3d>
-        <a:sp3d prstMaterial="dkEdge">
-          <a:bevelT w="8200" h="38100"/>
-        </a:sp3d>
-      </dsp:spPr>
-      <dsp:style>
-        <a:lnRef idx="0">
-          <a:scrgbClr r="0" g="0" b="0"/>
-        </a:lnRef>
-        <a:fillRef idx="2">
-          <a:scrgbClr r="0" g="0" b="0"/>
-        </a:fillRef>
-        <a:effectRef idx="1">
-          <a:scrgbClr r="0" g="0" b="0"/>
-        </a:effectRef>
-        <a:fontRef idx="minor">
-          <a:schemeClr val="dk1"/>
-        </a:fontRef>
-      </dsp:style>
-      <dsp:txBody>
-        <a:bodyPr spcFirstLastPara="0" vert="horz" wrap="square" lIns="10795" tIns="10795" rIns="10795" bIns="10795" numCol="1" spcCol="1270" anchor="ctr" anchorCtr="0">
-          <a:noAutofit/>
-        </a:bodyPr>
-        <a:lstStyle/>
-        <a:p>
-          <a:pPr lvl="0" algn="ctr" defTabSz="755650" rtl="0">
-            <a:lnSpc>
-              <a:spcPct val="90000"/>
-            </a:lnSpc>
-            <a:spcBef>
-              <a:spcPct val="0"/>
-            </a:spcBef>
-            <a:spcAft>
-              <a:spcPct val="35000"/>
-            </a:spcAft>
-          </a:pPr>
-          <a:r>
-            <a:rPr lang="en-US" sz="1700" kern="1200" dirty="0" smtClean="0"/>
-            <a:t>MassTransit</a:t>
-          </a:r>
-          <a:endParaRPr lang="en-US" sz="1700" kern="1200" dirty="0"/>
-        </a:p>
-      </dsp:txBody>
-      <dsp:txXfrm>
-        <a:off x="2585153" y="2723256"/>
-        <a:ext cx="1098687" cy="1098687"/>
-      </dsp:txXfrm>
-    </dsp:sp>
-    <dsp:sp modelId="{5081C45D-A36D-4185-91BD-81A1E7F3B6B8}">
-      <dsp:nvSpPr>
-        <dsp:cNvPr id="0" name=""/>
-        <dsp:cNvSpPr/>
-      </dsp:nvSpPr>
-      <dsp:spPr>
-        <a:xfrm rot="10800000">
-          <a:off x="545530" y="3051186"/>
-          <a:ext cx="1712412" cy="442827"/>
-        </a:xfrm>
-        <a:prstGeom prst="leftArrow">
-          <a:avLst>
-            <a:gd name="adj1" fmla="val 60000"/>
-            <a:gd name="adj2" fmla="val 50000"/>
-          </a:avLst>
-        </a:prstGeom>
-        <a:gradFill rotWithShape="0">
-          <a:gsLst>
-            <a:gs pos="0">
-              <a:schemeClr val="accent5">
-                <a:hueOff val="0"/>
-                <a:satOff val="0"/>
-                <a:lumOff val="0"/>
-                <a:alphaOff val="0"/>
-                <a:lumMod val="110000"/>
-                <a:satMod val="105000"/>
-                <a:tint val="67000"/>
-              </a:schemeClr>
-            </a:gs>
-            <a:gs pos="50000">
-              <a:schemeClr val="accent5">
-                <a:hueOff val="0"/>
-                <a:satOff val="0"/>
-                <a:lumOff val="0"/>
-                <a:alphaOff val="0"/>
-                <a:lumMod val="105000"/>
-                <a:satMod val="103000"/>
-                <a:tint val="73000"/>
-              </a:schemeClr>
-            </a:gs>
-            <a:gs pos="100000">
-              <a:schemeClr val="accent5">
-                <a:hueOff val="0"/>
-                <a:satOff val="0"/>
-                <a:lumOff val="0"/>
-                <a:alphaOff val="0"/>
-                <a:lumMod val="105000"/>
-                <a:satMod val="109000"/>
-                <a:tint val="81000"/>
-              </a:schemeClr>
-            </a:gs>
-          </a:gsLst>
-          <a:lin ang="5400000" scaled="0"/>
-        </a:gradFill>
-        <a:ln>
-          <a:noFill/>
-        </a:ln>
-        <a:effectLst/>
-      </dsp:spPr>
-      <dsp:style>
-        <a:lnRef idx="0">
-          <a:scrgbClr r="0" g="0" b="0"/>
-        </a:lnRef>
-        <a:fillRef idx="2">
-          <a:scrgbClr r="0" g="0" b="0"/>
-        </a:fillRef>
-        <a:effectRef idx="1">
-          <a:scrgbClr r="0" g="0" b="0"/>
-        </a:effectRef>
-        <a:fontRef idx="minor">
-          <a:schemeClr val="dk1"/>
-        </a:fontRef>
-      </dsp:style>
-    </dsp:sp>
-    <dsp:sp modelId="{3B91C0C3-A5ED-4F3A-982B-F35D092D591F}">
-      <dsp:nvSpPr>
-        <dsp:cNvPr id="0" name=""/>
-        <dsp:cNvSpPr/>
-      </dsp:nvSpPr>
-      <dsp:spPr>
-        <a:xfrm>
-          <a:off x="1707" y="2837541"/>
-          <a:ext cx="1087645" cy="870116"/>
-        </a:xfrm>
-        <a:prstGeom prst="roundRect">
-          <a:avLst>
-            <a:gd name="adj" fmla="val 10000"/>
-          </a:avLst>
-        </a:prstGeom>
-        <a:gradFill rotWithShape="0">
-          <a:gsLst>
-            <a:gs pos="0">
-              <a:schemeClr val="accent5">
-                <a:hueOff val="0"/>
-                <a:satOff val="0"/>
-                <a:lumOff val="0"/>
-                <a:alphaOff val="0"/>
-                <a:lumMod val="110000"/>
-                <a:satMod val="105000"/>
-                <a:tint val="67000"/>
-              </a:schemeClr>
-            </a:gs>
-            <a:gs pos="50000">
-              <a:schemeClr val="accent5">
-                <a:hueOff val="0"/>
-                <a:satOff val="0"/>
-                <a:lumOff val="0"/>
-                <a:alphaOff val="0"/>
-                <a:lumMod val="105000"/>
-                <a:satMod val="103000"/>
-                <a:tint val="73000"/>
-              </a:schemeClr>
-            </a:gs>
-            <a:gs pos="100000">
-              <a:schemeClr val="accent5">
-                <a:hueOff val="0"/>
-                <a:satOff val="0"/>
-                <a:lumOff val="0"/>
-                <a:alphaOff val="0"/>
-                <a:lumMod val="105000"/>
-                <a:satMod val="109000"/>
-                <a:tint val="81000"/>
-              </a:schemeClr>
-            </a:gs>
-          </a:gsLst>
-          <a:lin ang="5400000" scaled="0"/>
-        </a:gradFill>
-        <a:ln>
-          <a:noFill/>
-        </a:ln>
-        <a:effectLst/>
-        <a:scene3d>
-          <a:camera prst="orthographicFront"/>
-          <a:lightRig rig="flat" dir="t"/>
-        </a:scene3d>
-        <a:sp3d prstMaterial="dkEdge">
-          <a:bevelT w="8200" h="38100"/>
-        </a:sp3d>
-      </dsp:spPr>
-      <dsp:style>
-        <a:lnRef idx="0">
-          <a:scrgbClr r="0" g="0" b="0"/>
-        </a:lnRef>
-        <a:fillRef idx="2">
-          <a:scrgbClr r="0" g="0" b="0"/>
-        </a:fillRef>
-        <a:effectRef idx="1">
-          <a:scrgbClr r="0" g="0" b="0"/>
-        </a:effectRef>
-        <a:fontRef idx="minor">
-          <a:schemeClr val="dk1"/>
-        </a:fontRef>
-      </dsp:style>
-      <dsp:txBody>
-        <a:bodyPr spcFirstLastPara="0" vert="horz" wrap="square" lIns="19050" tIns="19050" rIns="19050" bIns="19050" numCol="1" spcCol="1270" anchor="ctr" anchorCtr="0">
-          <a:noAutofit/>
-        </a:bodyPr>
-        <a:lstStyle/>
-        <a:p>
-          <a:pPr lvl="0" algn="ctr" defTabSz="444500" rtl="0">
-            <a:lnSpc>
-              <a:spcPct val="90000"/>
-            </a:lnSpc>
-            <a:spcBef>
-              <a:spcPct val="0"/>
-            </a:spcBef>
-            <a:spcAft>
-              <a:spcPct val="35000"/>
-            </a:spcAft>
-          </a:pPr>
-          <a:r>
-            <a:rPr lang="en-US" sz="1000" kern="1200" dirty="0" err="1" smtClean="0"/>
-            <a:t>Automatonymous</a:t>
-          </a:r>
-          <a:endParaRPr lang="en-US" sz="1000" kern="1200" dirty="0"/>
-        </a:p>
-      </dsp:txBody>
-      <dsp:txXfrm>
-        <a:off x="27192" y="2863026"/>
-        <a:ext cx="1036675" cy="819146"/>
-      </dsp:txXfrm>
-    </dsp:sp>
-    <dsp:sp modelId="{F1678E16-27EA-4D42-B2C6-D2938477D7DE}">
-      <dsp:nvSpPr>
-        <dsp:cNvPr id="0" name=""/>
-        <dsp:cNvSpPr/>
-      </dsp:nvSpPr>
-      <dsp:spPr>
-        <a:xfrm rot="12600000">
-          <a:off x="777676" y="2184806"/>
-          <a:ext cx="1712412" cy="442827"/>
-        </a:xfrm>
-        <a:prstGeom prst="leftArrow">
-          <a:avLst>
-            <a:gd name="adj1" fmla="val 60000"/>
-            <a:gd name="adj2" fmla="val 50000"/>
-          </a:avLst>
-        </a:prstGeom>
-        <a:gradFill rotWithShape="0">
-          <a:gsLst>
-            <a:gs pos="0">
-              <a:schemeClr val="accent5">
-                <a:hueOff val="-1225557"/>
-                <a:satOff val="-1705"/>
-                <a:lumOff val="-654"/>
-                <a:alphaOff val="0"/>
-                <a:lumMod val="110000"/>
-                <a:satMod val="105000"/>
-                <a:tint val="67000"/>
-              </a:schemeClr>
-            </a:gs>
-            <a:gs pos="50000">
-              <a:schemeClr val="accent5">
-                <a:hueOff val="-1225557"/>
-                <a:satOff val="-1705"/>
-                <a:lumOff val="-654"/>
-                <a:alphaOff val="0"/>
-                <a:lumMod val="105000"/>
-                <a:satMod val="103000"/>
-                <a:tint val="73000"/>
-              </a:schemeClr>
-            </a:gs>
-            <a:gs pos="100000">
-              <a:schemeClr val="accent5">
-                <a:hueOff val="-1225557"/>
-                <a:satOff val="-1705"/>
-                <a:lumOff val="-654"/>
-                <a:alphaOff val="0"/>
-                <a:lumMod val="105000"/>
-                <a:satMod val="109000"/>
-                <a:tint val="81000"/>
-              </a:schemeClr>
-            </a:gs>
-          </a:gsLst>
-          <a:lin ang="5400000" scaled="0"/>
-        </a:gradFill>
-        <a:ln>
-          <a:noFill/>
-        </a:ln>
-        <a:effectLst/>
-      </dsp:spPr>
-      <dsp:style>
-        <a:lnRef idx="0">
-          <a:scrgbClr r="0" g="0" b="0"/>
-        </a:lnRef>
-        <a:fillRef idx="2">
-          <a:scrgbClr r="0" g="0" b="0"/>
-        </a:fillRef>
-        <a:effectRef idx="1">
-          <a:scrgbClr r="0" g="0" b="0"/>
-        </a:effectRef>
-        <a:fontRef idx="minor">
-          <a:schemeClr val="dk1"/>
-        </a:fontRef>
-      </dsp:style>
-    </dsp:sp>
-    <dsp:sp modelId="{72464EC3-B6F8-43A7-B11E-766BDD322941}">
-      <dsp:nvSpPr>
-        <dsp:cNvPr id="0" name=""/>
-        <dsp:cNvSpPr/>
-      </dsp:nvSpPr>
-      <dsp:spPr>
-        <a:xfrm>
-          <a:off x="348563" y="1543058"/>
-          <a:ext cx="1087645" cy="870116"/>
-        </a:xfrm>
-        <a:prstGeom prst="roundRect">
-          <a:avLst>
-            <a:gd name="adj" fmla="val 10000"/>
-          </a:avLst>
-        </a:prstGeom>
-        <a:gradFill rotWithShape="0">
-          <a:gsLst>
-            <a:gs pos="0">
-              <a:schemeClr val="accent5">
-                <a:hueOff val="-1225557"/>
-                <a:satOff val="-1705"/>
-                <a:lumOff val="-654"/>
-                <a:alphaOff val="0"/>
-                <a:lumMod val="110000"/>
-                <a:satMod val="105000"/>
-                <a:tint val="67000"/>
-              </a:schemeClr>
-            </a:gs>
-            <a:gs pos="50000">
-              <a:schemeClr val="accent5">
-                <a:hueOff val="-1225557"/>
-                <a:satOff val="-1705"/>
-                <a:lumOff val="-654"/>
-                <a:alphaOff val="0"/>
-                <a:lumMod val="105000"/>
-                <a:satMod val="103000"/>
-                <a:tint val="73000"/>
-              </a:schemeClr>
-            </a:gs>
-            <a:gs pos="100000">
-              <a:schemeClr val="accent5">
-                <a:hueOff val="-1225557"/>
-                <a:satOff val="-1705"/>
-                <a:lumOff val="-654"/>
-                <a:alphaOff val="0"/>
-                <a:lumMod val="105000"/>
-                <a:satMod val="109000"/>
-                <a:tint val="81000"/>
-              </a:schemeClr>
-            </a:gs>
-          </a:gsLst>
-          <a:lin ang="5400000" scaled="0"/>
-        </a:gradFill>
-        <a:ln>
-          <a:noFill/>
-        </a:ln>
-        <a:effectLst/>
-        <a:scene3d>
-          <a:camera prst="orthographicFront"/>
-          <a:lightRig rig="flat" dir="t"/>
-        </a:scene3d>
-        <a:sp3d prstMaterial="dkEdge">
-          <a:bevelT w="8200" h="38100"/>
-        </a:sp3d>
-      </dsp:spPr>
-      <dsp:style>
-        <a:lnRef idx="0">
-          <a:scrgbClr r="0" g="0" b="0"/>
-        </a:lnRef>
-        <a:fillRef idx="2">
-          <a:scrgbClr r="0" g="0" b="0"/>
-        </a:fillRef>
-        <a:effectRef idx="1">
-          <a:scrgbClr r="0" g="0" b="0"/>
-        </a:effectRef>
-        <a:fontRef idx="minor">
-          <a:schemeClr val="dk1"/>
-        </a:fontRef>
-      </dsp:style>
-      <dsp:txBody>
-        <a:bodyPr spcFirstLastPara="0" vert="horz" wrap="square" lIns="19050" tIns="19050" rIns="19050" bIns="19050" numCol="1" spcCol="1270" anchor="ctr" anchorCtr="0">
-          <a:noAutofit/>
-        </a:bodyPr>
-        <a:lstStyle/>
-        <a:p>
-          <a:pPr lvl="0" algn="ctr" defTabSz="444500" rtl="0">
-            <a:lnSpc>
-              <a:spcPct val="90000"/>
-            </a:lnSpc>
-            <a:spcBef>
-              <a:spcPct val="0"/>
-            </a:spcBef>
-            <a:spcAft>
-              <a:spcPct val="35000"/>
-            </a:spcAft>
-          </a:pPr>
-          <a:r>
-            <a:rPr lang="en-US" sz="1000" kern="1200" smtClean="0"/>
-            <a:t>Courier</a:t>
-          </a:r>
-          <a:endParaRPr lang="en-US" sz="1000" kern="1200"/>
-        </a:p>
-      </dsp:txBody>
-      <dsp:txXfrm>
-        <a:off x="374048" y="1568543"/>
-        <a:ext cx="1036675" cy="819146"/>
-      </dsp:txXfrm>
-    </dsp:sp>
-    <dsp:sp modelId="{2AEDBDB1-3D70-4118-95AC-548E4B9178AE}">
-      <dsp:nvSpPr>
-        <dsp:cNvPr id="0" name=""/>
-        <dsp:cNvSpPr/>
-      </dsp:nvSpPr>
-      <dsp:spPr>
-        <a:xfrm rot="14400000">
-          <a:off x="1411910" y="1550572"/>
-          <a:ext cx="1712412" cy="442827"/>
-        </a:xfrm>
-        <a:prstGeom prst="leftArrow">
-          <a:avLst>
-            <a:gd name="adj1" fmla="val 60000"/>
-            <a:gd name="adj2" fmla="val 50000"/>
-          </a:avLst>
-        </a:prstGeom>
-        <a:gradFill rotWithShape="0">
-          <a:gsLst>
-            <a:gs pos="0">
-              <a:schemeClr val="accent5">
-                <a:hueOff val="-2451115"/>
-                <a:satOff val="-3409"/>
-                <a:lumOff val="-1307"/>
-                <a:alphaOff val="0"/>
-                <a:lumMod val="110000"/>
-                <a:satMod val="105000"/>
-                <a:tint val="67000"/>
-              </a:schemeClr>
-            </a:gs>
-            <a:gs pos="50000">
-              <a:schemeClr val="accent5">
-                <a:hueOff val="-2451115"/>
-                <a:satOff val="-3409"/>
-                <a:lumOff val="-1307"/>
-                <a:alphaOff val="0"/>
-                <a:lumMod val="105000"/>
-                <a:satMod val="103000"/>
-                <a:tint val="73000"/>
-              </a:schemeClr>
-            </a:gs>
-            <a:gs pos="100000">
-              <a:schemeClr val="accent5">
-                <a:hueOff val="-2451115"/>
-                <a:satOff val="-3409"/>
-                <a:lumOff val="-1307"/>
-                <a:alphaOff val="0"/>
-                <a:lumMod val="105000"/>
-                <a:satMod val="109000"/>
-                <a:tint val="81000"/>
-              </a:schemeClr>
-            </a:gs>
-          </a:gsLst>
-          <a:lin ang="5400000" scaled="0"/>
-        </a:gradFill>
-        <a:ln>
-          <a:noFill/>
-        </a:ln>
-        <a:effectLst/>
-      </dsp:spPr>
-      <dsp:style>
-        <a:lnRef idx="0">
-          <a:scrgbClr r="0" g="0" b="0"/>
-        </a:lnRef>
-        <a:fillRef idx="2">
-          <a:scrgbClr r="0" g="0" b="0"/>
-        </a:fillRef>
-        <a:effectRef idx="1">
-          <a:scrgbClr r="0" g="0" b="0"/>
-        </a:effectRef>
-        <a:fontRef idx="minor">
-          <a:schemeClr val="dk1"/>
-        </a:fontRef>
-      </dsp:style>
-    </dsp:sp>
-    <dsp:sp modelId="{23047861-DFAB-4C58-BEA8-5342E1B552E4}">
-      <dsp:nvSpPr>
-        <dsp:cNvPr id="0" name=""/>
-        <dsp:cNvSpPr/>
-      </dsp:nvSpPr>
-      <dsp:spPr>
-        <a:xfrm>
-          <a:off x="1296190" y="595431"/>
-          <a:ext cx="1087645" cy="870116"/>
-        </a:xfrm>
-        <a:prstGeom prst="roundRect">
-          <a:avLst>
-            <a:gd name="adj" fmla="val 10000"/>
-          </a:avLst>
-        </a:prstGeom>
-        <a:gradFill rotWithShape="0">
-          <a:gsLst>
-            <a:gs pos="0">
-              <a:schemeClr val="accent5">
-                <a:hueOff val="-2451115"/>
-                <a:satOff val="-3409"/>
-                <a:lumOff val="-1307"/>
-                <a:alphaOff val="0"/>
-                <a:lumMod val="110000"/>
-                <a:satMod val="105000"/>
-                <a:tint val="67000"/>
-              </a:schemeClr>
-            </a:gs>
-            <a:gs pos="50000">
-              <a:schemeClr val="accent5">
-                <a:hueOff val="-2451115"/>
-                <a:satOff val="-3409"/>
-                <a:lumOff val="-1307"/>
-                <a:alphaOff val="0"/>
-                <a:lumMod val="105000"/>
-                <a:satMod val="103000"/>
-                <a:tint val="73000"/>
-              </a:schemeClr>
-            </a:gs>
-            <a:gs pos="100000">
-              <a:schemeClr val="accent5">
-                <a:hueOff val="-2451115"/>
-                <a:satOff val="-3409"/>
-                <a:lumOff val="-1307"/>
-                <a:alphaOff val="0"/>
-                <a:lumMod val="105000"/>
-                <a:satMod val="109000"/>
-                <a:tint val="81000"/>
-              </a:schemeClr>
-            </a:gs>
-          </a:gsLst>
-          <a:lin ang="5400000" scaled="0"/>
-        </a:gradFill>
-        <a:ln>
-          <a:noFill/>
-        </a:ln>
-        <a:effectLst/>
-        <a:scene3d>
-          <a:camera prst="orthographicFront"/>
-          <a:lightRig rig="flat" dir="t"/>
-        </a:scene3d>
-        <a:sp3d prstMaterial="dkEdge">
-          <a:bevelT w="8200" h="38100"/>
-        </a:sp3d>
-      </dsp:spPr>
-      <dsp:style>
-        <a:lnRef idx="0">
-          <a:scrgbClr r="0" g="0" b="0"/>
-        </a:lnRef>
-        <a:fillRef idx="2">
-          <a:scrgbClr r="0" g="0" b="0"/>
-        </a:fillRef>
-        <a:effectRef idx="1">
-          <a:scrgbClr r="0" g="0" b="0"/>
-        </a:effectRef>
-        <a:fontRef idx="minor">
-          <a:schemeClr val="dk1"/>
-        </a:fontRef>
-      </dsp:style>
-      <dsp:txBody>
-        <a:bodyPr spcFirstLastPara="0" vert="horz" wrap="square" lIns="19050" tIns="19050" rIns="19050" bIns="19050" numCol="1" spcCol="1270" anchor="ctr" anchorCtr="0">
-          <a:noAutofit/>
-        </a:bodyPr>
-        <a:lstStyle/>
-        <a:p>
-          <a:pPr lvl="0" algn="ctr" defTabSz="444500" rtl="0">
-            <a:lnSpc>
-              <a:spcPct val="90000"/>
-            </a:lnSpc>
-            <a:spcBef>
-              <a:spcPct val="0"/>
-            </a:spcBef>
-            <a:spcAft>
-              <a:spcPct val="35000"/>
-            </a:spcAft>
-          </a:pPr>
-          <a:r>
-            <a:rPr lang="en-US" sz="1000" kern="1200" smtClean="0"/>
-            <a:t>TopShelf</a:t>
-          </a:r>
-          <a:endParaRPr lang="en-US" sz="1000" kern="1200"/>
-        </a:p>
-      </dsp:txBody>
-      <dsp:txXfrm>
-        <a:off x="1321675" y="620916"/>
-        <a:ext cx="1036675" cy="819146"/>
-      </dsp:txXfrm>
-    </dsp:sp>
-    <dsp:sp modelId="{79BC5D14-726C-4864-BF26-C1A0D4C4F999}">
-      <dsp:nvSpPr>
-        <dsp:cNvPr id="0" name=""/>
-        <dsp:cNvSpPr/>
-      </dsp:nvSpPr>
-      <dsp:spPr>
-        <a:xfrm rot="16200000">
-          <a:off x="2278290" y="1318426"/>
-          <a:ext cx="1712412" cy="442827"/>
-        </a:xfrm>
-        <a:prstGeom prst="leftArrow">
-          <a:avLst>
-            <a:gd name="adj1" fmla="val 60000"/>
-            <a:gd name="adj2" fmla="val 50000"/>
-          </a:avLst>
-        </a:prstGeom>
-        <a:gradFill rotWithShape="0">
-          <a:gsLst>
-            <a:gs pos="0">
-              <a:schemeClr val="accent5">
-                <a:hueOff val="-3676672"/>
-                <a:satOff val="-5114"/>
-                <a:lumOff val="-1961"/>
-                <a:alphaOff val="0"/>
-                <a:lumMod val="110000"/>
-                <a:satMod val="105000"/>
-                <a:tint val="67000"/>
-              </a:schemeClr>
-            </a:gs>
-            <a:gs pos="50000">
-              <a:schemeClr val="accent5">
-                <a:hueOff val="-3676672"/>
-                <a:satOff val="-5114"/>
-                <a:lumOff val="-1961"/>
-                <a:alphaOff val="0"/>
-                <a:lumMod val="105000"/>
-                <a:satMod val="103000"/>
-                <a:tint val="73000"/>
-              </a:schemeClr>
-            </a:gs>
-            <a:gs pos="100000">
-              <a:schemeClr val="accent5">
-                <a:hueOff val="-3676672"/>
-                <a:satOff val="-5114"/>
-                <a:lumOff val="-1961"/>
-                <a:alphaOff val="0"/>
-                <a:lumMod val="105000"/>
-                <a:satMod val="109000"/>
-                <a:tint val="81000"/>
-              </a:schemeClr>
-            </a:gs>
-          </a:gsLst>
-          <a:lin ang="5400000" scaled="0"/>
-        </a:gradFill>
-        <a:ln>
-          <a:noFill/>
-        </a:ln>
-        <a:effectLst/>
-      </dsp:spPr>
-      <dsp:style>
-        <a:lnRef idx="0">
-          <a:scrgbClr r="0" g="0" b="0"/>
-        </a:lnRef>
-        <a:fillRef idx="2">
-          <a:scrgbClr r="0" g="0" b="0"/>
-        </a:fillRef>
-        <a:effectRef idx="1">
-          <a:scrgbClr r="0" g="0" b="0"/>
-        </a:effectRef>
-        <a:fontRef idx="minor">
-          <a:schemeClr val="dk1"/>
-        </a:fontRef>
-      </dsp:style>
-    </dsp:sp>
-    <dsp:sp modelId="{FA9D91B0-E6D5-4BEB-A522-617F6AC2EEAD}">
-      <dsp:nvSpPr>
-        <dsp:cNvPr id="0" name=""/>
-        <dsp:cNvSpPr/>
-      </dsp:nvSpPr>
-      <dsp:spPr>
-        <a:xfrm>
-          <a:off x="2590674" y="248575"/>
-          <a:ext cx="1087645" cy="870116"/>
-        </a:xfrm>
-        <a:prstGeom prst="roundRect">
-          <a:avLst>
-            <a:gd name="adj" fmla="val 10000"/>
-          </a:avLst>
-        </a:prstGeom>
-        <a:gradFill rotWithShape="0">
-          <a:gsLst>
-            <a:gs pos="0">
-              <a:schemeClr val="accent5">
-                <a:hueOff val="-3676672"/>
-                <a:satOff val="-5114"/>
-                <a:lumOff val="-1961"/>
-                <a:alphaOff val="0"/>
-                <a:lumMod val="110000"/>
-                <a:satMod val="105000"/>
-                <a:tint val="67000"/>
-              </a:schemeClr>
-            </a:gs>
-            <a:gs pos="50000">
-              <a:schemeClr val="accent5">
-                <a:hueOff val="-3676672"/>
-                <a:satOff val="-5114"/>
-                <a:lumOff val="-1961"/>
-                <a:alphaOff val="0"/>
-                <a:lumMod val="105000"/>
-                <a:satMod val="103000"/>
-                <a:tint val="73000"/>
-              </a:schemeClr>
-            </a:gs>
-            <a:gs pos="100000">
-              <a:schemeClr val="accent5">
-                <a:hueOff val="-3676672"/>
-                <a:satOff val="-5114"/>
-                <a:lumOff val="-1961"/>
-                <a:alphaOff val="0"/>
-                <a:lumMod val="105000"/>
-                <a:satMod val="109000"/>
-                <a:tint val="81000"/>
-              </a:schemeClr>
-            </a:gs>
-          </a:gsLst>
-          <a:lin ang="5400000" scaled="0"/>
-        </a:gradFill>
-        <a:ln>
-          <a:noFill/>
-        </a:ln>
-        <a:effectLst/>
-        <a:scene3d>
-          <a:camera prst="orthographicFront"/>
-          <a:lightRig rig="flat" dir="t"/>
-        </a:scene3d>
-        <a:sp3d prstMaterial="dkEdge">
-          <a:bevelT w="8200" h="38100"/>
-        </a:sp3d>
-      </dsp:spPr>
-      <dsp:style>
-        <a:lnRef idx="0">
-          <a:scrgbClr r="0" g="0" b="0"/>
-        </a:lnRef>
-        <a:fillRef idx="2">
-          <a:scrgbClr r="0" g="0" b="0"/>
-        </a:fillRef>
-        <a:effectRef idx="1">
-          <a:scrgbClr r="0" g="0" b="0"/>
-        </a:effectRef>
-        <a:fontRef idx="minor">
-          <a:schemeClr val="dk1"/>
-        </a:fontRef>
-      </dsp:style>
-      <dsp:txBody>
-        <a:bodyPr spcFirstLastPara="0" vert="horz" wrap="square" lIns="19050" tIns="19050" rIns="19050" bIns="19050" numCol="1" spcCol="1270" anchor="ctr" anchorCtr="0">
-          <a:noAutofit/>
-        </a:bodyPr>
-        <a:lstStyle/>
-        <a:p>
-          <a:pPr lvl="0" algn="ctr" defTabSz="444500" rtl="0">
-            <a:lnSpc>
-              <a:spcPct val="90000"/>
-            </a:lnSpc>
-            <a:spcBef>
-              <a:spcPct val="0"/>
-            </a:spcBef>
-            <a:spcAft>
-              <a:spcPct val="35000"/>
-            </a:spcAft>
-          </a:pPr>
-          <a:r>
-            <a:rPr lang="en-US" sz="1000" kern="1200" smtClean="0"/>
-            <a:t>Quartz</a:t>
-          </a:r>
-          <a:endParaRPr lang="en-US" sz="1000" kern="1200"/>
-        </a:p>
-      </dsp:txBody>
-      <dsp:txXfrm>
-        <a:off x="2616159" y="274060"/>
-        <a:ext cx="1036675" cy="819146"/>
-      </dsp:txXfrm>
-    </dsp:sp>
-    <dsp:sp modelId="{32E5C632-2E14-4F75-954F-F73C049CD5CB}">
-      <dsp:nvSpPr>
-        <dsp:cNvPr id="0" name=""/>
-        <dsp:cNvSpPr/>
-      </dsp:nvSpPr>
-      <dsp:spPr>
-        <a:xfrm rot="18000000">
-          <a:off x="3144671" y="1550572"/>
-          <a:ext cx="1712412" cy="442827"/>
-        </a:xfrm>
-        <a:prstGeom prst="leftArrow">
-          <a:avLst>
-            <a:gd name="adj1" fmla="val 60000"/>
-            <a:gd name="adj2" fmla="val 50000"/>
-          </a:avLst>
-        </a:prstGeom>
-        <a:gradFill rotWithShape="0">
-          <a:gsLst>
-            <a:gs pos="0">
-              <a:schemeClr val="accent5">
-                <a:hueOff val="-4902230"/>
-                <a:satOff val="-6819"/>
-                <a:lumOff val="-2615"/>
-                <a:alphaOff val="0"/>
-                <a:lumMod val="110000"/>
-                <a:satMod val="105000"/>
-                <a:tint val="67000"/>
-              </a:schemeClr>
-            </a:gs>
-            <a:gs pos="50000">
-              <a:schemeClr val="accent5">
-                <a:hueOff val="-4902230"/>
-                <a:satOff val="-6819"/>
-                <a:lumOff val="-2615"/>
-                <a:alphaOff val="0"/>
-                <a:lumMod val="105000"/>
-                <a:satMod val="103000"/>
-                <a:tint val="73000"/>
-              </a:schemeClr>
-            </a:gs>
-            <a:gs pos="100000">
-              <a:schemeClr val="accent5">
-                <a:hueOff val="-4902230"/>
-                <a:satOff val="-6819"/>
-                <a:lumOff val="-2615"/>
-                <a:alphaOff val="0"/>
-                <a:lumMod val="105000"/>
-                <a:satMod val="109000"/>
-                <a:tint val="81000"/>
-              </a:schemeClr>
-            </a:gs>
-          </a:gsLst>
-          <a:lin ang="5400000" scaled="0"/>
-        </a:gradFill>
-        <a:ln>
-          <a:noFill/>
-        </a:ln>
-        <a:effectLst/>
-      </dsp:spPr>
-      <dsp:style>
-        <a:lnRef idx="0">
-          <a:scrgbClr r="0" g="0" b="0"/>
-        </a:lnRef>
-        <a:fillRef idx="2">
-          <a:scrgbClr r="0" g="0" b="0"/>
-        </a:fillRef>
-        <a:effectRef idx="1">
-          <a:scrgbClr r="0" g="0" b="0"/>
-        </a:effectRef>
-        <a:fontRef idx="minor">
-          <a:schemeClr val="dk1"/>
-        </a:fontRef>
-      </dsp:style>
-    </dsp:sp>
-    <dsp:sp modelId="{5D9CE0E7-F9E5-4759-ABE7-27E939EE761A}">
-      <dsp:nvSpPr>
-        <dsp:cNvPr id="0" name=""/>
-        <dsp:cNvSpPr/>
-      </dsp:nvSpPr>
-      <dsp:spPr>
-        <a:xfrm>
-          <a:off x="3885157" y="595431"/>
-          <a:ext cx="1087645" cy="870116"/>
-        </a:xfrm>
-        <a:prstGeom prst="roundRect">
-          <a:avLst>
-            <a:gd name="adj" fmla="val 10000"/>
-          </a:avLst>
-        </a:prstGeom>
-        <a:gradFill rotWithShape="0">
-          <a:gsLst>
-            <a:gs pos="0">
-              <a:schemeClr val="accent5">
-                <a:hueOff val="-4902230"/>
-                <a:satOff val="-6819"/>
-                <a:lumOff val="-2615"/>
-                <a:alphaOff val="0"/>
-                <a:lumMod val="110000"/>
-                <a:satMod val="105000"/>
-                <a:tint val="67000"/>
-              </a:schemeClr>
-            </a:gs>
-            <a:gs pos="50000">
-              <a:schemeClr val="accent5">
-                <a:hueOff val="-4902230"/>
-                <a:satOff val="-6819"/>
-                <a:lumOff val="-2615"/>
-                <a:alphaOff val="0"/>
-                <a:lumMod val="105000"/>
-                <a:satMod val="103000"/>
-                <a:tint val="73000"/>
-              </a:schemeClr>
-            </a:gs>
-            <a:gs pos="100000">
-              <a:schemeClr val="accent5">
-                <a:hueOff val="-4902230"/>
-                <a:satOff val="-6819"/>
-                <a:lumOff val="-2615"/>
-                <a:alphaOff val="0"/>
-                <a:lumMod val="105000"/>
-                <a:satMod val="109000"/>
-                <a:tint val="81000"/>
-              </a:schemeClr>
-            </a:gs>
-          </a:gsLst>
-          <a:lin ang="5400000" scaled="0"/>
-        </a:gradFill>
-        <a:ln>
-          <a:noFill/>
-        </a:ln>
-        <a:effectLst/>
-        <a:scene3d>
-          <a:camera prst="orthographicFront"/>
-          <a:lightRig rig="flat" dir="t"/>
-        </a:scene3d>
-        <a:sp3d prstMaterial="dkEdge">
-          <a:bevelT w="8200" h="38100"/>
-        </a:sp3d>
-      </dsp:spPr>
-      <dsp:style>
-        <a:lnRef idx="0">
-          <a:scrgbClr r="0" g="0" b="0"/>
-        </a:lnRef>
-        <a:fillRef idx="2">
-          <a:scrgbClr r="0" g="0" b="0"/>
-        </a:fillRef>
-        <a:effectRef idx="1">
-          <a:scrgbClr r="0" g="0" b="0"/>
-        </a:effectRef>
-        <a:fontRef idx="minor">
-          <a:schemeClr val="dk1"/>
-        </a:fontRef>
-      </dsp:style>
-      <dsp:txBody>
-        <a:bodyPr spcFirstLastPara="0" vert="horz" wrap="square" lIns="19050" tIns="19050" rIns="19050" bIns="19050" numCol="1" spcCol="1270" anchor="ctr" anchorCtr="0">
-          <a:noAutofit/>
-        </a:bodyPr>
-        <a:lstStyle/>
-        <a:p>
-          <a:pPr lvl="0" algn="ctr" defTabSz="444500" rtl="0">
-            <a:lnSpc>
-              <a:spcPct val="90000"/>
-            </a:lnSpc>
-            <a:spcBef>
-              <a:spcPct val="0"/>
-            </a:spcBef>
-            <a:spcAft>
-              <a:spcPct val="35000"/>
-            </a:spcAft>
-          </a:pPr>
-          <a:r>
-            <a:rPr lang="en-US" sz="1000" kern="1200" dirty="0" smtClean="0"/>
-            <a:t>Transports</a:t>
-          </a:r>
-          <a:endParaRPr lang="en-US" sz="1000" kern="1200" dirty="0"/>
-        </a:p>
-      </dsp:txBody>
-      <dsp:txXfrm>
-        <a:off x="3910642" y="620916"/>
-        <a:ext cx="1036675" cy="819146"/>
-      </dsp:txXfrm>
-    </dsp:sp>
-    <dsp:sp modelId="{27DF259A-5344-4FF7-97E4-A97EC4C703AB}">
-      <dsp:nvSpPr>
-        <dsp:cNvPr id="0" name=""/>
-        <dsp:cNvSpPr/>
-      </dsp:nvSpPr>
-      <dsp:spPr>
-        <a:xfrm rot="19800000">
-          <a:off x="3778905" y="2184806"/>
-          <a:ext cx="1712412" cy="442827"/>
-        </a:xfrm>
-        <a:prstGeom prst="leftArrow">
-          <a:avLst>
-            <a:gd name="adj1" fmla="val 60000"/>
-            <a:gd name="adj2" fmla="val 50000"/>
-          </a:avLst>
-        </a:prstGeom>
-        <a:gradFill rotWithShape="0">
-          <a:gsLst>
-            <a:gs pos="0">
-              <a:schemeClr val="accent5">
-                <a:hueOff val="-6127787"/>
-                <a:satOff val="-8523"/>
-                <a:lumOff val="-3268"/>
-                <a:alphaOff val="0"/>
-                <a:lumMod val="110000"/>
-                <a:satMod val="105000"/>
-                <a:tint val="67000"/>
-              </a:schemeClr>
-            </a:gs>
-            <a:gs pos="50000">
-              <a:schemeClr val="accent5">
-                <a:hueOff val="-6127787"/>
-                <a:satOff val="-8523"/>
-                <a:lumOff val="-3268"/>
-                <a:alphaOff val="0"/>
-                <a:lumMod val="105000"/>
-                <a:satMod val="103000"/>
-                <a:tint val="73000"/>
-              </a:schemeClr>
-            </a:gs>
-            <a:gs pos="100000">
-              <a:schemeClr val="accent5">
-                <a:hueOff val="-6127787"/>
-                <a:satOff val="-8523"/>
-                <a:lumOff val="-3268"/>
-                <a:alphaOff val="0"/>
-                <a:lumMod val="105000"/>
-                <a:satMod val="109000"/>
-                <a:tint val="81000"/>
-              </a:schemeClr>
-            </a:gs>
-          </a:gsLst>
-          <a:lin ang="5400000" scaled="0"/>
-        </a:gradFill>
-        <a:ln>
-          <a:noFill/>
-        </a:ln>
-        <a:effectLst/>
-      </dsp:spPr>
-      <dsp:style>
-        <a:lnRef idx="0">
-          <a:scrgbClr r="0" g="0" b="0"/>
-        </a:lnRef>
-        <a:fillRef idx="2">
-          <a:scrgbClr r="0" g="0" b="0"/>
-        </a:fillRef>
-        <a:effectRef idx="1">
-          <a:scrgbClr r="0" g="0" b="0"/>
-        </a:effectRef>
-        <a:fontRef idx="minor">
-          <a:schemeClr val="dk1"/>
-        </a:fontRef>
-      </dsp:style>
-    </dsp:sp>
-    <dsp:sp modelId="{D129AEE7-0451-44D1-840B-7DC4512E6152}">
-      <dsp:nvSpPr>
-        <dsp:cNvPr id="0" name=""/>
-        <dsp:cNvSpPr/>
-      </dsp:nvSpPr>
-      <dsp:spPr>
-        <a:xfrm>
-          <a:off x="4832784" y="1543058"/>
-          <a:ext cx="1087645" cy="870116"/>
-        </a:xfrm>
-        <a:prstGeom prst="roundRect">
-          <a:avLst>
-            <a:gd name="adj" fmla="val 10000"/>
-          </a:avLst>
-        </a:prstGeom>
-        <a:gradFill rotWithShape="0">
-          <a:gsLst>
-            <a:gs pos="0">
-              <a:schemeClr val="accent5">
-                <a:hueOff val="-6127787"/>
-                <a:satOff val="-8523"/>
-                <a:lumOff val="-3268"/>
-                <a:alphaOff val="0"/>
-                <a:lumMod val="110000"/>
-                <a:satMod val="105000"/>
-                <a:tint val="67000"/>
-              </a:schemeClr>
-            </a:gs>
-            <a:gs pos="50000">
-              <a:schemeClr val="accent5">
-                <a:hueOff val="-6127787"/>
-                <a:satOff val="-8523"/>
-                <a:lumOff val="-3268"/>
-                <a:alphaOff val="0"/>
-                <a:lumMod val="105000"/>
-                <a:satMod val="103000"/>
-                <a:tint val="73000"/>
-              </a:schemeClr>
-            </a:gs>
-            <a:gs pos="100000">
-              <a:schemeClr val="accent5">
-                <a:hueOff val="-6127787"/>
-                <a:satOff val="-8523"/>
-                <a:lumOff val="-3268"/>
-                <a:alphaOff val="0"/>
-                <a:lumMod val="105000"/>
-                <a:satMod val="109000"/>
-                <a:tint val="81000"/>
-              </a:schemeClr>
-            </a:gs>
-          </a:gsLst>
-          <a:lin ang="5400000" scaled="0"/>
-        </a:gradFill>
-        <a:ln>
-          <a:noFill/>
-        </a:ln>
-        <a:effectLst/>
-        <a:scene3d>
-          <a:camera prst="orthographicFront"/>
-          <a:lightRig rig="flat" dir="t"/>
-        </a:scene3d>
-        <a:sp3d prstMaterial="dkEdge">
-          <a:bevelT w="8200" h="38100"/>
-        </a:sp3d>
-      </dsp:spPr>
-      <dsp:style>
-        <a:lnRef idx="0">
-          <a:scrgbClr r="0" g="0" b="0"/>
-        </a:lnRef>
-        <a:fillRef idx="2">
-          <a:scrgbClr r="0" g="0" b="0"/>
-        </a:fillRef>
-        <a:effectRef idx="1">
-          <a:scrgbClr r="0" g="0" b="0"/>
-        </a:effectRef>
-        <a:fontRef idx="minor">
-          <a:schemeClr val="dk1"/>
-        </a:fontRef>
-      </dsp:style>
-      <dsp:txBody>
-        <a:bodyPr spcFirstLastPara="0" vert="horz" wrap="square" lIns="19050" tIns="19050" rIns="19050" bIns="19050" numCol="1" spcCol="1270" anchor="ctr" anchorCtr="0">
-          <a:noAutofit/>
-        </a:bodyPr>
-        <a:lstStyle/>
-        <a:p>
-          <a:pPr lvl="0" algn="ctr" defTabSz="444500" rtl="0">
-            <a:lnSpc>
-              <a:spcPct val="90000"/>
-            </a:lnSpc>
-            <a:spcBef>
-              <a:spcPct val="0"/>
-            </a:spcBef>
-            <a:spcAft>
-              <a:spcPct val="35000"/>
-            </a:spcAft>
-          </a:pPr>
-          <a:r>
-            <a:rPr lang="en-US" sz="1000" kern="1200" dirty="0" smtClean="0"/>
-            <a:t>Persistence</a:t>
-          </a:r>
-          <a:endParaRPr lang="en-US" sz="1000" kern="1200" dirty="0"/>
-        </a:p>
-      </dsp:txBody>
-      <dsp:txXfrm>
-        <a:off x="4858269" y="1568543"/>
-        <a:ext cx="1036675" cy="819146"/>
-      </dsp:txXfrm>
-    </dsp:sp>
-    <dsp:sp modelId="{3C5F09C6-46F1-44D4-85F9-437FE56CCE92}">
-      <dsp:nvSpPr>
-        <dsp:cNvPr id="0" name=""/>
-        <dsp:cNvSpPr/>
-      </dsp:nvSpPr>
-      <dsp:spPr>
-        <a:xfrm>
-          <a:off x="4011051" y="3051186"/>
-          <a:ext cx="1712412" cy="442827"/>
-        </a:xfrm>
-        <a:prstGeom prst="leftArrow">
-          <a:avLst>
-            <a:gd name="adj1" fmla="val 60000"/>
-            <a:gd name="adj2" fmla="val 50000"/>
-          </a:avLst>
-        </a:prstGeom>
-        <a:gradFill rotWithShape="0">
-          <a:gsLst>
-            <a:gs pos="0">
-              <a:schemeClr val="accent5">
-                <a:hueOff val="-7353344"/>
-                <a:satOff val="-10228"/>
-                <a:lumOff val="-3922"/>
-                <a:alphaOff val="0"/>
-                <a:lumMod val="110000"/>
-                <a:satMod val="105000"/>
-                <a:tint val="67000"/>
-              </a:schemeClr>
-            </a:gs>
-            <a:gs pos="50000">
-              <a:schemeClr val="accent5">
-                <a:hueOff val="-7353344"/>
-                <a:satOff val="-10228"/>
-                <a:lumOff val="-3922"/>
-                <a:alphaOff val="0"/>
-                <a:lumMod val="105000"/>
-                <a:satMod val="103000"/>
-                <a:tint val="73000"/>
-              </a:schemeClr>
-            </a:gs>
-            <a:gs pos="100000">
-              <a:schemeClr val="accent5">
-                <a:hueOff val="-7353344"/>
-                <a:satOff val="-10228"/>
-                <a:lumOff val="-3922"/>
-                <a:alphaOff val="0"/>
-                <a:lumMod val="105000"/>
-                <a:satMod val="109000"/>
-                <a:tint val="81000"/>
-              </a:schemeClr>
-            </a:gs>
-          </a:gsLst>
-          <a:lin ang="5400000" scaled="0"/>
-        </a:gradFill>
-        <a:ln>
-          <a:noFill/>
-        </a:ln>
-        <a:effectLst/>
-      </dsp:spPr>
-      <dsp:style>
-        <a:lnRef idx="0">
-          <a:scrgbClr r="0" g="0" b="0"/>
-        </a:lnRef>
-        <a:fillRef idx="2">
-          <a:scrgbClr r="0" g="0" b="0"/>
-        </a:fillRef>
-        <a:effectRef idx="1">
-          <a:scrgbClr r="0" g="0" b="0"/>
-        </a:effectRef>
-        <a:fontRef idx="minor">
-          <a:schemeClr val="dk1"/>
-        </a:fontRef>
-      </dsp:style>
-    </dsp:sp>
-    <dsp:sp modelId="{4032468B-6AD6-4881-941F-92B88D330E78}">
-      <dsp:nvSpPr>
-        <dsp:cNvPr id="0" name=""/>
-        <dsp:cNvSpPr/>
-      </dsp:nvSpPr>
-      <dsp:spPr>
-        <a:xfrm>
-          <a:off x="5179640" y="2837541"/>
-          <a:ext cx="1087645" cy="870116"/>
-        </a:xfrm>
-        <a:prstGeom prst="roundRect">
-          <a:avLst>
-            <a:gd name="adj" fmla="val 10000"/>
-          </a:avLst>
-        </a:prstGeom>
-        <a:gradFill rotWithShape="0">
-          <a:gsLst>
-            <a:gs pos="0">
-              <a:schemeClr val="accent5">
-                <a:hueOff val="-7353344"/>
-                <a:satOff val="-10228"/>
-                <a:lumOff val="-3922"/>
-                <a:alphaOff val="0"/>
-                <a:lumMod val="110000"/>
-                <a:satMod val="105000"/>
-                <a:tint val="67000"/>
-              </a:schemeClr>
-            </a:gs>
-            <a:gs pos="50000">
-              <a:schemeClr val="accent5">
-                <a:hueOff val="-7353344"/>
-                <a:satOff val="-10228"/>
-                <a:lumOff val="-3922"/>
-                <a:alphaOff val="0"/>
-                <a:lumMod val="105000"/>
-                <a:satMod val="103000"/>
-                <a:tint val="73000"/>
-              </a:schemeClr>
-            </a:gs>
-            <a:gs pos="100000">
-              <a:schemeClr val="accent5">
-                <a:hueOff val="-7353344"/>
-                <a:satOff val="-10228"/>
-                <a:lumOff val="-3922"/>
-                <a:alphaOff val="0"/>
-                <a:lumMod val="105000"/>
-                <a:satMod val="109000"/>
-                <a:tint val="81000"/>
-              </a:schemeClr>
-            </a:gs>
-          </a:gsLst>
-          <a:lin ang="5400000" scaled="0"/>
-        </a:gradFill>
-        <a:ln>
-          <a:noFill/>
-        </a:ln>
-        <a:effectLst/>
-        <a:scene3d>
-          <a:camera prst="orthographicFront"/>
-          <a:lightRig rig="flat" dir="t"/>
-        </a:scene3d>
-        <a:sp3d prstMaterial="dkEdge">
-          <a:bevelT w="8200" h="38100"/>
-        </a:sp3d>
-      </dsp:spPr>
-      <dsp:style>
-        <a:lnRef idx="0">
-          <a:scrgbClr r="0" g="0" b="0"/>
-        </a:lnRef>
-        <a:fillRef idx="2">
-          <a:scrgbClr r="0" g="0" b="0"/>
-        </a:fillRef>
-        <a:effectRef idx="1">
-          <a:scrgbClr r="0" g="0" b="0"/>
-        </a:effectRef>
-        <a:fontRef idx="minor">
-          <a:schemeClr val="dk1"/>
-        </a:fontRef>
-      </dsp:style>
-      <dsp:txBody>
-        <a:bodyPr spcFirstLastPara="0" vert="horz" wrap="square" lIns="19050" tIns="19050" rIns="19050" bIns="19050" numCol="1" spcCol="1270" anchor="ctr" anchorCtr="0">
-          <a:noAutofit/>
-        </a:bodyPr>
-        <a:lstStyle/>
-        <a:p>
-          <a:pPr lvl="0" algn="ctr" defTabSz="444500" rtl="0">
-            <a:lnSpc>
-              <a:spcPct val="90000"/>
-            </a:lnSpc>
-            <a:spcBef>
-              <a:spcPct val="0"/>
-            </a:spcBef>
-            <a:spcAft>
-              <a:spcPct val="35000"/>
-            </a:spcAft>
-          </a:pPr>
-          <a:r>
-            <a:rPr lang="en-US" sz="1000" kern="1200" smtClean="0"/>
-            <a:t>RX</a:t>
-          </a:r>
-          <a:endParaRPr lang="en-US" sz="1000" kern="1200"/>
-        </a:p>
-      </dsp:txBody>
-      <dsp:txXfrm>
-        <a:off x="5205125" y="2863026"/>
-        <a:ext cx="1036675" cy="819146"/>
-      </dsp:txXfrm>
-    </dsp:sp>
   </dsp:spTree>
 </dsp:drawing>
 </file>
@@ -9158,1385 +7778,6 @@
       <dsp:cNvGrpSpPr/>
     </dsp:nvGrpSpPr>
     <dsp:grpSpPr/>
-    <dsp:sp modelId="{F75FBA98-67BE-4263-8A0A-0D314360C4A0}">
-      <dsp:nvSpPr>
-        <dsp:cNvPr id="0" name=""/>
-        <dsp:cNvSpPr/>
-      </dsp:nvSpPr>
-      <dsp:spPr>
-        <a:xfrm>
-          <a:off x="5116291" y="2848409"/>
-          <a:ext cx="2673895" cy="1944650"/>
-        </a:xfrm>
-        <a:prstGeom prst="roundRect">
-          <a:avLst>
-            <a:gd name="adj" fmla="val 10000"/>
-          </a:avLst>
-        </a:prstGeom>
-        <a:solidFill>
-          <a:schemeClr val="bg1">
-            <a:alpha val="90000"/>
-          </a:schemeClr>
-        </a:solidFill>
-        <a:ln w="6350" cap="flat" cmpd="sng" algn="ctr">
-          <a:solidFill>
-            <a:schemeClr val="accent5">
-              <a:hueOff val="-4902230"/>
-              <a:satOff val="-6819"/>
-              <a:lumOff val="-2615"/>
-              <a:alphaOff val="0"/>
-            </a:schemeClr>
-          </a:solidFill>
-          <a:prstDash val="solid"/>
-          <a:miter lim="800000"/>
-        </a:ln>
-        <a:effectLst/>
-      </dsp:spPr>
-      <dsp:style>
-        <a:lnRef idx="1">
-          <a:scrgbClr r="0" g="0" b="0"/>
-        </a:lnRef>
-        <a:fillRef idx="1">
-          <a:scrgbClr r="0" g="0" b="0"/>
-        </a:fillRef>
-        <a:effectRef idx="0">
-          <a:scrgbClr r="0" g="0" b="0"/>
-        </a:effectRef>
-        <a:fontRef idx="minor"/>
-      </dsp:style>
-      <dsp:txBody>
-        <a:bodyPr spcFirstLastPara="0" vert="horz" wrap="square" lIns="41910" tIns="43200" rIns="41910" bIns="396000" numCol="1" spcCol="1270" anchor="ctr" anchorCtr="1">
-          <a:noAutofit/>
-        </a:bodyPr>
-        <a:lstStyle/>
-        <a:p>
-          <a:pPr marL="57150" lvl="1" indent="-57150" algn="just" defTabSz="488950">
-            <a:lnSpc>
-              <a:spcPct val="90000"/>
-            </a:lnSpc>
-            <a:spcBef>
-              <a:spcPct val="0"/>
-            </a:spcBef>
-            <a:spcAft>
-              <a:spcPct val="15000"/>
-            </a:spcAft>
-            <a:buChar char="••"/>
-          </a:pPr>
-          <a:r>
-            <a:rPr lang="en-US" sz="1100" kern="1200" dirty="0" smtClean="0"/>
-            <a:t>Request/Response</a:t>
-          </a:r>
-          <a:endParaRPr lang="en-US" sz="1100" kern="1200" dirty="0"/>
-        </a:p>
-        <a:p>
-          <a:pPr marL="57150" lvl="1" indent="-57150" algn="just" defTabSz="488950">
-            <a:lnSpc>
-              <a:spcPct val="90000"/>
-            </a:lnSpc>
-            <a:spcBef>
-              <a:spcPct val="0"/>
-            </a:spcBef>
-            <a:spcAft>
-              <a:spcPct val="15000"/>
-            </a:spcAft>
-            <a:buChar char="••"/>
-          </a:pPr>
-          <a:r>
-            <a:rPr lang="en-US" sz="1100" kern="1200" dirty="0" smtClean="0"/>
-            <a:t>Publish/Subscribe</a:t>
-          </a:r>
-          <a:endParaRPr lang="en-US" sz="1100" kern="1200" dirty="0"/>
-        </a:p>
-        <a:p>
-          <a:pPr marL="57150" lvl="1" indent="-57150" algn="just" defTabSz="488950">
-            <a:lnSpc>
-              <a:spcPct val="90000"/>
-            </a:lnSpc>
-            <a:spcBef>
-              <a:spcPct val="0"/>
-            </a:spcBef>
-            <a:spcAft>
-              <a:spcPct val="15000"/>
-            </a:spcAft>
-            <a:buChar char="••"/>
-          </a:pPr>
-          <a:r>
-            <a:rPr lang="en-US" sz="1100" kern="1200" dirty="0" smtClean="0"/>
-            <a:t>Saga</a:t>
-          </a:r>
-          <a:endParaRPr lang="en-US" sz="1100" kern="1200" dirty="0"/>
-        </a:p>
-        <a:p>
-          <a:pPr marL="57150" lvl="1" indent="-57150" algn="just" defTabSz="488950">
-            <a:lnSpc>
-              <a:spcPct val="90000"/>
-            </a:lnSpc>
-            <a:spcBef>
-              <a:spcPct val="0"/>
-            </a:spcBef>
-            <a:spcAft>
-              <a:spcPct val="15000"/>
-            </a:spcAft>
-            <a:buChar char="••"/>
-          </a:pPr>
-          <a:r>
-            <a:rPr lang="en-US" sz="1100" kern="1200" dirty="0" smtClean="0"/>
-            <a:t>Routing Slip</a:t>
-          </a:r>
-          <a:endParaRPr lang="en-US" sz="1100" kern="1200" dirty="0"/>
-        </a:p>
-        <a:p>
-          <a:pPr marL="57150" lvl="1" indent="-57150" algn="just" defTabSz="488950">
-            <a:lnSpc>
-              <a:spcPct val="90000"/>
-            </a:lnSpc>
-            <a:spcBef>
-              <a:spcPct val="0"/>
-            </a:spcBef>
-            <a:spcAft>
-              <a:spcPct val="15000"/>
-            </a:spcAft>
-            <a:buChar char="••"/>
-          </a:pPr>
-          <a:r>
-            <a:rPr lang="en-US" sz="1100" kern="1200" dirty="0" smtClean="0"/>
-            <a:t>Composite Events</a:t>
-          </a:r>
-          <a:endParaRPr lang="en-US" sz="1100" kern="1200" dirty="0"/>
-        </a:p>
-        <a:p>
-          <a:pPr marL="57150" lvl="1" indent="-57150" algn="just" defTabSz="488950">
-            <a:lnSpc>
-              <a:spcPct val="90000"/>
-            </a:lnSpc>
-            <a:spcBef>
-              <a:spcPct val="0"/>
-            </a:spcBef>
-            <a:spcAft>
-              <a:spcPct val="15000"/>
-            </a:spcAft>
-            <a:buChar char="••"/>
-          </a:pPr>
-          <a:r>
-            <a:rPr lang="en-US" sz="1100" kern="1200" dirty="0" smtClean="0"/>
-            <a:t>Compensations</a:t>
-          </a:r>
-          <a:endParaRPr lang="en-US" sz="1100" kern="1200" dirty="0"/>
-        </a:p>
-      </dsp:txBody>
-      <dsp:txXfrm>
-        <a:off x="5961177" y="3377290"/>
-        <a:ext cx="1786291" cy="1373052"/>
-      </dsp:txXfrm>
-    </dsp:sp>
-    <dsp:sp modelId="{AD38EE7A-C685-41D3-9F5C-1AD994465E23}">
-      <dsp:nvSpPr>
-        <dsp:cNvPr id="0" name=""/>
-        <dsp:cNvSpPr/>
-      </dsp:nvSpPr>
-      <dsp:spPr>
-        <a:xfrm>
-          <a:off x="468409" y="2918940"/>
-          <a:ext cx="2674080" cy="1944815"/>
-        </a:xfrm>
-        <a:prstGeom prst="roundRect">
-          <a:avLst>
-            <a:gd name="adj" fmla="val 10000"/>
-          </a:avLst>
-        </a:prstGeom>
-        <a:solidFill>
-          <a:schemeClr val="bg1">
-            <a:alpha val="90000"/>
-          </a:schemeClr>
-        </a:solidFill>
-        <a:ln w="6350" cap="flat" cmpd="sng" algn="ctr">
-          <a:solidFill>
-            <a:schemeClr val="accent5">
-              <a:hueOff val="-7353344"/>
-              <a:satOff val="-10228"/>
-              <a:lumOff val="-3922"/>
-              <a:alphaOff val="0"/>
-            </a:schemeClr>
-          </a:solidFill>
-          <a:prstDash val="solid"/>
-          <a:miter lim="800000"/>
-        </a:ln>
-        <a:effectLst/>
-      </dsp:spPr>
-      <dsp:style>
-        <a:lnRef idx="1">
-          <a:scrgbClr r="0" g="0" b="0"/>
-        </a:lnRef>
-        <a:fillRef idx="1">
-          <a:scrgbClr r="0" g="0" b="0"/>
-        </a:fillRef>
-        <a:effectRef idx="0">
-          <a:scrgbClr r="0" g="0" b="0"/>
-        </a:effectRef>
-        <a:fontRef idx="minor"/>
-      </dsp:style>
-      <dsp:txBody>
-        <a:bodyPr spcFirstLastPara="0" vert="horz" wrap="square" lIns="41910" tIns="612000" rIns="41910" bIns="972000" numCol="1" spcCol="1270" anchor="ctr" anchorCtr="1">
-          <a:noAutofit/>
-        </a:bodyPr>
-        <a:lstStyle/>
-        <a:p>
-          <a:pPr marL="57150" lvl="1" indent="-57150" algn="l" defTabSz="488950">
-            <a:lnSpc>
-              <a:spcPct val="90000"/>
-            </a:lnSpc>
-            <a:spcBef>
-              <a:spcPct val="0"/>
-            </a:spcBef>
-            <a:spcAft>
-              <a:spcPct val="15000"/>
-            </a:spcAft>
-            <a:buChar char="••"/>
-          </a:pPr>
-          <a:r>
-            <a:rPr lang="en-US" sz="1100" kern="1200" dirty="0" smtClean="0"/>
-            <a:t>Testing Library</a:t>
-          </a:r>
-          <a:endParaRPr lang="en-US" sz="1100" kern="1200" dirty="0"/>
-        </a:p>
-        <a:p>
-          <a:pPr marL="57150" lvl="1" indent="-57150" algn="l" defTabSz="488950">
-            <a:lnSpc>
-              <a:spcPct val="90000"/>
-            </a:lnSpc>
-            <a:spcBef>
-              <a:spcPct val="0"/>
-            </a:spcBef>
-            <a:spcAft>
-              <a:spcPct val="15000"/>
-            </a:spcAft>
-            <a:buChar char="••"/>
-          </a:pPr>
-          <a:r>
-            <a:rPr lang="en-US" sz="1100" kern="1200" dirty="0" smtClean="0"/>
-            <a:t>Transforms</a:t>
-          </a:r>
-          <a:endParaRPr lang="en-US" sz="1100" kern="1200" dirty="0"/>
-        </a:p>
-        <a:p>
-          <a:pPr marL="57150" lvl="1" indent="-57150" algn="l" defTabSz="488950">
-            <a:lnSpc>
-              <a:spcPct val="90000"/>
-            </a:lnSpc>
-            <a:spcBef>
-              <a:spcPct val="0"/>
-            </a:spcBef>
-            <a:spcAft>
-              <a:spcPct val="15000"/>
-            </a:spcAft>
-            <a:buChar char="••"/>
-          </a:pPr>
-          <a:r>
-            <a:rPr lang="en-US" sz="1100" kern="1200" dirty="0" smtClean="0"/>
-            <a:t>Attachments</a:t>
-          </a:r>
-          <a:endParaRPr lang="en-US" sz="1100" kern="1200" dirty="0"/>
-        </a:p>
-        <a:p>
-          <a:pPr marL="57150" lvl="1" indent="-57150" algn="l" defTabSz="488950">
-            <a:lnSpc>
-              <a:spcPct val="90000"/>
-            </a:lnSpc>
-            <a:spcBef>
-              <a:spcPct val="0"/>
-            </a:spcBef>
-            <a:spcAft>
-              <a:spcPct val="15000"/>
-            </a:spcAft>
-            <a:buChar char="••"/>
-          </a:pPr>
-          <a:r>
-            <a:rPr lang="en-US" sz="1100" kern="1200" dirty="0" smtClean="0"/>
-            <a:t>Versioning</a:t>
-          </a:r>
-          <a:endParaRPr lang="en-US" sz="1100" kern="1200" dirty="0"/>
-        </a:p>
-        <a:p>
-          <a:pPr marL="57150" lvl="1" indent="-57150" algn="l" defTabSz="488950">
-            <a:lnSpc>
-              <a:spcPct val="90000"/>
-            </a:lnSpc>
-            <a:spcBef>
-              <a:spcPct val="0"/>
-            </a:spcBef>
-            <a:spcAft>
-              <a:spcPct val="15000"/>
-            </a:spcAft>
-            <a:buChar char="••"/>
-          </a:pPr>
-          <a:r>
-            <a:rPr lang="en-US" sz="1100" kern="1200" dirty="0" smtClean="0"/>
-            <a:t>Middleware</a:t>
-          </a:r>
-          <a:endParaRPr lang="en-US" sz="1100" kern="1200" dirty="0"/>
-        </a:p>
-        <a:p>
-          <a:pPr marL="57150" lvl="1" indent="-57150" algn="l" defTabSz="488950">
-            <a:lnSpc>
-              <a:spcPct val="90000"/>
-            </a:lnSpc>
-            <a:spcBef>
-              <a:spcPct val="0"/>
-            </a:spcBef>
-            <a:spcAft>
-              <a:spcPct val="15000"/>
-            </a:spcAft>
-            <a:buChar char="••"/>
-          </a:pPr>
-          <a:r>
-            <a:rPr lang="en-US" sz="1100" kern="1200" dirty="0" smtClean="0"/>
-            <a:t>Community</a:t>
-          </a:r>
-          <a:endParaRPr lang="en-US" sz="1100" kern="1200" dirty="0"/>
-        </a:p>
-      </dsp:txBody>
-      <dsp:txXfrm>
-        <a:off x="511130" y="3447865"/>
-        <a:ext cx="1786414" cy="1373169"/>
-      </dsp:txXfrm>
-    </dsp:sp>
-    <dsp:sp modelId="{516B9BFA-5E3B-40B6-98AD-BE837D1FBAD6}">
-      <dsp:nvSpPr>
-        <dsp:cNvPr id="0" name=""/>
-        <dsp:cNvSpPr/>
-      </dsp:nvSpPr>
-      <dsp:spPr>
-        <a:xfrm>
-          <a:off x="5116302" y="-170655"/>
-          <a:ext cx="2675489" cy="1944650"/>
-        </a:xfrm>
-        <a:prstGeom prst="roundRect">
-          <a:avLst>
-            <a:gd name="adj" fmla="val 10000"/>
-          </a:avLst>
-        </a:prstGeom>
-        <a:solidFill>
-          <a:schemeClr val="bg1">
-            <a:alpha val="90000"/>
-          </a:schemeClr>
-        </a:solidFill>
-        <a:ln w="6350" cap="flat" cmpd="sng" algn="ctr">
-          <a:solidFill>
-            <a:schemeClr val="accent5">
-              <a:hueOff val="-2451115"/>
-              <a:satOff val="-3409"/>
-              <a:lumOff val="-1307"/>
-              <a:alphaOff val="0"/>
-            </a:schemeClr>
-          </a:solidFill>
-          <a:prstDash val="solid"/>
-          <a:miter lim="800000"/>
-        </a:ln>
-        <a:effectLst/>
-      </dsp:spPr>
-      <dsp:style>
-        <a:lnRef idx="1">
-          <a:scrgbClr r="0" g="0" b="0"/>
-        </a:lnRef>
-        <a:fillRef idx="1">
-          <a:scrgbClr r="0" g="0" b="0"/>
-        </a:fillRef>
-        <a:effectRef idx="0">
-          <a:scrgbClr r="0" g="0" b="0"/>
-        </a:effectRef>
-        <a:fontRef idx="minor"/>
-      </dsp:style>
-      <dsp:txBody>
-        <a:bodyPr spcFirstLastPara="0" vert="horz" wrap="square" lIns="41910" tIns="41910" rIns="41910" bIns="41910" numCol="1" spcCol="1270" anchor="t" anchorCtr="1">
-          <a:noAutofit/>
-        </a:bodyPr>
-        <a:lstStyle/>
-        <a:p>
-          <a:pPr marL="57150" lvl="1" indent="-57150" algn="l" defTabSz="488950">
-            <a:lnSpc>
-              <a:spcPct val="90000"/>
-            </a:lnSpc>
-            <a:spcBef>
-              <a:spcPct val="0"/>
-            </a:spcBef>
-            <a:spcAft>
-              <a:spcPct val="15000"/>
-            </a:spcAft>
-            <a:buChar char="••"/>
-          </a:pPr>
-          <a:r>
-            <a:rPr lang="en-US" sz="1100" kern="1200" dirty="0" smtClean="0"/>
-            <a:t>Correlation</a:t>
-          </a:r>
-          <a:endParaRPr lang="en-US" sz="1100" kern="1200" dirty="0"/>
-        </a:p>
-        <a:p>
-          <a:pPr marL="57150" lvl="1" indent="-57150" algn="l" defTabSz="488950">
-            <a:lnSpc>
-              <a:spcPct val="90000"/>
-            </a:lnSpc>
-            <a:spcBef>
-              <a:spcPct val="0"/>
-            </a:spcBef>
-            <a:spcAft>
-              <a:spcPct val="15000"/>
-            </a:spcAft>
-            <a:buChar char="••"/>
-          </a:pPr>
-          <a:r>
-            <a:rPr lang="en-US" sz="1100" kern="1200" dirty="0" smtClean="0"/>
-            <a:t>Routing</a:t>
-          </a:r>
-          <a:endParaRPr lang="en-US" sz="1100" kern="1200" dirty="0"/>
-        </a:p>
-        <a:p>
-          <a:pPr marL="57150" lvl="1" indent="-57150" algn="l" defTabSz="488950">
-            <a:lnSpc>
-              <a:spcPct val="90000"/>
-            </a:lnSpc>
-            <a:spcBef>
-              <a:spcPct val="0"/>
-            </a:spcBef>
-            <a:spcAft>
-              <a:spcPct val="15000"/>
-            </a:spcAft>
-            <a:buChar char="••"/>
-          </a:pPr>
-          <a:r>
-            <a:rPr lang="en-US" sz="1100" kern="1200" dirty="0" smtClean="0"/>
-            <a:t>Retry Policy</a:t>
-          </a:r>
-          <a:endParaRPr lang="en-US" sz="1100" kern="1200" dirty="0"/>
-        </a:p>
-        <a:p>
-          <a:pPr marL="57150" lvl="1" indent="-57150" algn="l" defTabSz="488950">
-            <a:lnSpc>
-              <a:spcPct val="90000"/>
-            </a:lnSpc>
-            <a:spcBef>
-              <a:spcPct val="0"/>
-            </a:spcBef>
-            <a:spcAft>
-              <a:spcPct val="15000"/>
-            </a:spcAft>
-            <a:buChar char="••"/>
-          </a:pPr>
-          <a:r>
-            <a:rPr lang="en-US" sz="1100" kern="1200" dirty="0" smtClean="0"/>
-            <a:t>Scheduling</a:t>
-          </a:r>
-          <a:endParaRPr lang="en-US" sz="1100" kern="1200" dirty="0"/>
-        </a:p>
-        <a:p>
-          <a:pPr marL="57150" lvl="1" indent="-57150" algn="l" defTabSz="488950">
-            <a:lnSpc>
-              <a:spcPct val="90000"/>
-            </a:lnSpc>
-            <a:spcBef>
-              <a:spcPct val="0"/>
-            </a:spcBef>
-            <a:spcAft>
-              <a:spcPct val="15000"/>
-            </a:spcAft>
-            <a:buChar char="••"/>
-          </a:pPr>
-          <a:r>
-            <a:rPr lang="en-US" sz="1100" kern="1200" dirty="0" smtClean="0"/>
-            <a:t>State Machines</a:t>
-          </a:r>
-          <a:endParaRPr lang="en-US" sz="1100" kern="1200" dirty="0"/>
-        </a:p>
-        <a:p>
-          <a:pPr marL="57150" lvl="1" indent="-57150" algn="l" defTabSz="488950">
-            <a:lnSpc>
-              <a:spcPct val="90000"/>
-            </a:lnSpc>
-            <a:spcBef>
-              <a:spcPct val="0"/>
-            </a:spcBef>
-            <a:spcAft>
-              <a:spcPct val="15000"/>
-            </a:spcAft>
-            <a:buChar char="••"/>
-          </a:pPr>
-          <a:r>
-            <a:rPr lang="en-US" sz="1100" kern="1200" dirty="0" smtClean="0"/>
-            <a:t>Pipes and Filters</a:t>
-          </a:r>
-          <a:endParaRPr lang="en-US" sz="1100" kern="1200" dirty="0"/>
-        </a:p>
-        <a:p>
-          <a:pPr marL="57150" lvl="1" indent="-57150" algn="l" defTabSz="488950">
-            <a:lnSpc>
-              <a:spcPct val="90000"/>
-            </a:lnSpc>
-            <a:spcBef>
-              <a:spcPct val="0"/>
-            </a:spcBef>
-            <a:spcAft>
-              <a:spcPct val="15000"/>
-            </a:spcAft>
-            <a:buChar char="••"/>
-          </a:pPr>
-          <a:r>
-            <a:rPr lang="en-US" sz="1100" kern="1200" dirty="0" smtClean="0"/>
-            <a:t>Error Handling</a:t>
-          </a:r>
-          <a:endParaRPr lang="en-US" sz="1100" kern="1200" dirty="0"/>
-        </a:p>
-        <a:p>
-          <a:pPr marL="57150" lvl="1" indent="-57150" algn="l" defTabSz="488950">
-            <a:lnSpc>
-              <a:spcPct val="90000"/>
-            </a:lnSpc>
-            <a:spcBef>
-              <a:spcPct val="0"/>
-            </a:spcBef>
-            <a:spcAft>
-              <a:spcPct val="15000"/>
-            </a:spcAft>
-            <a:buChar char="••"/>
-          </a:pPr>
-          <a:r>
-            <a:rPr lang="en-US" sz="1100" kern="1200" dirty="0" smtClean="0"/>
-            <a:t>Dead Letter</a:t>
-          </a:r>
-          <a:endParaRPr lang="en-US" sz="1100" kern="1200" dirty="0"/>
-        </a:p>
-        <a:p>
-          <a:pPr marL="57150" lvl="1" indent="-57150" algn="l" defTabSz="488950">
-            <a:lnSpc>
-              <a:spcPct val="90000"/>
-            </a:lnSpc>
-            <a:spcBef>
-              <a:spcPct val="0"/>
-            </a:spcBef>
-            <a:spcAft>
-              <a:spcPct val="15000"/>
-            </a:spcAft>
-            <a:buChar char="••"/>
-          </a:pPr>
-          <a:r>
-            <a:rPr lang="en-US" sz="1100" kern="1200" dirty="0" smtClean="0"/>
-            <a:t>Circuit Breaker</a:t>
-          </a:r>
-          <a:endParaRPr lang="en-US" sz="1100" kern="1200" dirty="0"/>
-        </a:p>
-      </dsp:txBody>
-      <dsp:txXfrm>
-        <a:off x="5961667" y="-127937"/>
-        <a:ext cx="1787406" cy="1373052"/>
-      </dsp:txXfrm>
-    </dsp:sp>
-    <dsp:sp modelId="{74C15D2B-43BE-409A-99E1-4C7BEA41372F}">
-      <dsp:nvSpPr>
-        <dsp:cNvPr id="0" name=""/>
-        <dsp:cNvSpPr/>
-      </dsp:nvSpPr>
-      <dsp:spPr>
-        <a:xfrm>
-          <a:off x="468975" y="-109851"/>
-          <a:ext cx="2675489" cy="1945802"/>
-        </a:xfrm>
-        <a:prstGeom prst="roundRect">
-          <a:avLst>
-            <a:gd name="adj" fmla="val 10000"/>
-          </a:avLst>
-        </a:prstGeom>
-        <a:solidFill>
-          <a:schemeClr val="bg1">
-            <a:alpha val="90000"/>
-          </a:schemeClr>
-        </a:solidFill>
-        <a:ln w="6350" cap="flat" cmpd="sng" algn="ctr">
-          <a:solidFill>
-            <a:schemeClr val="accent5">
-              <a:hueOff val="0"/>
-              <a:satOff val="0"/>
-              <a:lumOff val="0"/>
-              <a:alphaOff val="0"/>
-            </a:schemeClr>
-          </a:solidFill>
-          <a:prstDash val="solid"/>
-          <a:miter lim="800000"/>
-        </a:ln>
-        <a:effectLst/>
-      </dsp:spPr>
-      <dsp:style>
-        <a:lnRef idx="1">
-          <a:scrgbClr r="0" g="0" b="0"/>
-        </a:lnRef>
-        <a:fillRef idx="1">
-          <a:scrgbClr r="0" g="0" b="0"/>
-        </a:fillRef>
-        <a:effectRef idx="0">
-          <a:scrgbClr r="0" g="0" b="0"/>
-        </a:effectRef>
-        <a:fontRef idx="minor"/>
-      </dsp:style>
-      <dsp:txBody>
-        <a:bodyPr spcFirstLastPara="0" vert="horz" wrap="square" lIns="41910" tIns="180000" rIns="41910" bIns="41910" numCol="1" spcCol="1270" anchor="t" anchorCtr="1">
-          <a:noAutofit/>
-        </a:bodyPr>
-        <a:lstStyle/>
-        <a:p>
-          <a:pPr marL="57150" lvl="1" indent="-57150" algn="just" defTabSz="488950" rtl="0">
-            <a:lnSpc>
-              <a:spcPct val="90000"/>
-            </a:lnSpc>
-            <a:spcBef>
-              <a:spcPct val="0"/>
-            </a:spcBef>
-            <a:spcAft>
-              <a:spcPct val="15000"/>
-            </a:spcAft>
-            <a:buChar char="••"/>
-          </a:pPr>
-          <a:r>
-            <a:rPr lang="en-US" sz="1100" kern="1200" dirty="0" smtClean="0"/>
-            <a:t>Configuration</a:t>
-          </a:r>
-          <a:endParaRPr lang="en-US" sz="1100" kern="1200" dirty="0"/>
-        </a:p>
-        <a:p>
-          <a:pPr marL="57150" lvl="1" indent="-57150" algn="just" defTabSz="488950" rtl="0">
-            <a:lnSpc>
-              <a:spcPct val="90000"/>
-            </a:lnSpc>
-            <a:spcBef>
-              <a:spcPct val="0"/>
-            </a:spcBef>
-            <a:spcAft>
-              <a:spcPct val="15000"/>
-            </a:spcAft>
-            <a:buChar char="••"/>
-          </a:pPr>
-          <a:r>
-            <a:rPr lang="en-US" sz="1100" kern="1200" dirty="0" smtClean="0"/>
-            <a:t>Transports</a:t>
-          </a:r>
-          <a:endParaRPr lang="en-US" sz="1100" kern="1200" dirty="0"/>
-        </a:p>
-        <a:p>
-          <a:pPr marL="57150" lvl="1" indent="-57150" algn="just" defTabSz="488950" rtl="0">
-            <a:lnSpc>
-              <a:spcPct val="90000"/>
-            </a:lnSpc>
-            <a:spcBef>
-              <a:spcPct val="0"/>
-            </a:spcBef>
-            <a:spcAft>
-              <a:spcPct val="15000"/>
-            </a:spcAft>
-            <a:buChar char="••"/>
-          </a:pPr>
-          <a:r>
-            <a:rPr lang="en-US" sz="1100" kern="1200" dirty="0" smtClean="0"/>
-            <a:t>Lifetime</a:t>
-          </a:r>
-          <a:endParaRPr lang="en-US" sz="1100" kern="1200" dirty="0"/>
-        </a:p>
-        <a:p>
-          <a:pPr marL="57150" lvl="1" indent="-57150" algn="just" defTabSz="488950" rtl="0">
-            <a:lnSpc>
-              <a:spcPct val="90000"/>
-            </a:lnSpc>
-            <a:spcBef>
-              <a:spcPct val="0"/>
-            </a:spcBef>
-            <a:spcAft>
-              <a:spcPct val="15000"/>
-            </a:spcAft>
-            <a:buChar char="••"/>
-          </a:pPr>
-          <a:r>
-            <a:rPr lang="en-US" sz="1100" kern="1200" dirty="0" smtClean="0"/>
-            <a:t>Persistency</a:t>
-          </a:r>
-          <a:endParaRPr lang="en-US" sz="1100" kern="1200" dirty="0"/>
-        </a:p>
-        <a:p>
-          <a:pPr marL="57150" lvl="1" indent="-57150" algn="just" defTabSz="488950" rtl="0">
-            <a:lnSpc>
-              <a:spcPct val="90000"/>
-            </a:lnSpc>
-            <a:spcBef>
-              <a:spcPct val="0"/>
-            </a:spcBef>
-            <a:spcAft>
-              <a:spcPct val="15000"/>
-            </a:spcAft>
-            <a:buChar char="••"/>
-          </a:pPr>
-          <a:r>
-            <a:rPr lang="en-US" sz="1100" kern="1200" dirty="0" smtClean="0"/>
-            <a:t>Serialization</a:t>
-          </a:r>
-          <a:endParaRPr lang="en-US" sz="1100" kern="1200" dirty="0"/>
-        </a:p>
-        <a:p>
-          <a:pPr marL="57150" lvl="1" indent="-57150" algn="just" defTabSz="488950" rtl="0">
-            <a:lnSpc>
-              <a:spcPct val="90000"/>
-            </a:lnSpc>
-            <a:spcBef>
-              <a:spcPct val="0"/>
-            </a:spcBef>
-            <a:spcAft>
-              <a:spcPct val="15000"/>
-            </a:spcAft>
-            <a:buChar char="••"/>
-          </a:pPr>
-          <a:r>
-            <a:rPr lang="en-US" sz="1100" kern="1200" dirty="0" smtClean="0"/>
-            <a:t>Encryption</a:t>
-          </a:r>
-          <a:endParaRPr lang="en-US" sz="1100" kern="1200" dirty="0"/>
-        </a:p>
-        <a:p>
-          <a:pPr marL="57150" lvl="1" indent="-57150" algn="just" defTabSz="488950" rtl="0">
-            <a:lnSpc>
-              <a:spcPct val="90000"/>
-            </a:lnSpc>
-            <a:spcBef>
-              <a:spcPct val="0"/>
-            </a:spcBef>
-            <a:spcAft>
-              <a:spcPct val="15000"/>
-            </a:spcAft>
-            <a:buChar char="••"/>
-          </a:pPr>
-          <a:r>
-            <a:rPr lang="en-US" sz="1100" kern="1200" dirty="0" smtClean="0"/>
-            <a:t>Monitoring</a:t>
-          </a:r>
-          <a:endParaRPr lang="en-US" sz="1100" kern="1200" dirty="0"/>
-        </a:p>
-        <a:p>
-          <a:pPr marL="57150" lvl="1" indent="-57150" algn="just" defTabSz="488950" rtl="0">
-            <a:lnSpc>
-              <a:spcPct val="90000"/>
-            </a:lnSpc>
-            <a:spcBef>
-              <a:spcPct val="0"/>
-            </a:spcBef>
-            <a:spcAft>
-              <a:spcPct val="15000"/>
-            </a:spcAft>
-            <a:buChar char="••"/>
-          </a:pPr>
-          <a:r>
-            <a:rPr lang="en-US" sz="1100" kern="1200" dirty="0" smtClean="0"/>
-            <a:t>Hosting</a:t>
-          </a:r>
-          <a:endParaRPr lang="en-US" sz="1100" kern="1200" dirty="0"/>
-        </a:p>
-      </dsp:txBody>
-      <dsp:txXfrm>
-        <a:off x="511718" y="-67108"/>
-        <a:ext cx="1787356" cy="1373866"/>
-      </dsp:txXfrm>
-    </dsp:sp>
-    <dsp:sp modelId="{BAE0A4B9-FAE5-408A-9164-19C9A218F095}">
-      <dsp:nvSpPr>
-        <dsp:cNvPr id="0" name=""/>
-        <dsp:cNvSpPr/>
-      </dsp:nvSpPr>
-      <dsp:spPr>
-        <a:xfrm>
-          <a:off x="2066660" y="266662"/>
-          <a:ext cx="2024758" cy="2024758"/>
-        </a:xfrm>
-        <a:prstGeom prst="pieWedge">
-          <a:avLst/>
-        </a:prstGeom>
-        <a:gradFill rotWithShape="0">
-          <a:gsLst>
-            <a:gs pos="0">
-              <a:schemeClr val="accent5">
-                <a:hueOff val="0"/>
-                <a:satOff val="0"/>
-                <a:lumOff val="0"/>
-                <a:alphaOff val="0"/>
-                <a:lumMod val="110000"/>
-                <a:satMod val="105000"/>
-                <a:tint val="67000"/>
-              </a:schemeClr>
-            </a:gs>
-            <a:gs pos="50000">
-              <a:schemeClr val="accent5">
-                <a:hueOff val="0"/>
-                <a:satOff val="0"/>
-                <a:lumOff val="0"/>
-                <a:alphaOff val="0"/>
-                <a:lumMod val="105000"/>
-                <a:satMod val="103000"/>
-                <a:tint val="73000"/>
-              </a:schemeClr>
-            </a:gs>
-            <a:gs pos="100000">
-              <a:schemeClr val="accent5">
-                <a:hueOff val="0"/>
-                <a:satOff val="0"/>
-                <a:lumOff val="0"/>
-                <a:alphaOff val="0"/>
-                <a:lumMod val="105000"/>
-                <a:satMod val="109000"/>
-                <a:tint val="81000"/>
-              </a:schemeClr>
-            </a:gs>
-          </a:gsLst>
-          <a:lin ang="5400000" scaled="0"/>
-        </a:gradFill>
-        <a:ln>
-          <a:noFill/>
-        </a:ln>
-        <a:effectLst/>
-        <a:scene3d>
-          <a:camera prst="orthographicFront"/>
-          <a:lightRig rig="flat" dir="t"/>
-        </a:scene3d>
-        <a:sp3d prstMaterial="dkEdge">
-          <a:bevelT w="8200" h="38100"/>
-        </a:sp3d>
-      </dsp:spPr>
-      <dsp:style>
-        <a:lnRef idx="0">
-          <a:scrgbClr r="0" g="0" b="0"/>
-        </a:lnRef>
-        <a:fillRef idx="2">
-          <a:scrgbClr r="0" g="0" b="0"/>
-        </a:fillRef>
-        <a:effectRef idx="1">
-          <a:scrgbClr r="0" g="0" b="0"/>
-        </a:effectRef>
-        <a:fontRef idx="minor">
-          <a:schemeClr val="dk1"/>
-        </a:fontRef>
-      </dsp:style>
-      <dsp:txBody>
-        <a:bodyPr spcFirstLastPara="0" vert="horz" wrap="square" lIns="78232" tIns="78232" rIns="78232" bIns="78232" numCol="1" spcCol="1270" anchor="ctr" anchorCtr="0">
-          <a:noAutofit/>
-        </a:bodyPr>
-        <a:lstStyle/>
-        <a:p>
-          <a:pPr lvl="0" algn="ctr" defTabSz="488950">
-            <a:lnSpc>
-              <a:spcPct val="90000"/>
-            </a:lnSpc>
-            <a:spcBef>
-              <a:spcPct val="0"/>
-            </a:spcBef>
-            <a:spcAft>
-              <a:spcPct val="35000"/>
-            </a:spcAft>
-          </a:pPr>
-          <a:r>
-            <a:rPr lang="en-US" sz="1100" kern="1200" dirty="0" smtClean="0"/>
-            <a:t>Infrastructure</a:t>
-          </a:r>
-          <a:endParaRPr lang="en-US" sz="1100" kern="1200" dirty="0"/>
-        </a:p>
-      </dsp:txBody>
-      <dsp:txXfrm>
-        <a:off x="2659698" y="859700"/>
-        <a:ext cx="1431720" cy="1431720"/>
-      </dsp:txXfrm>
-    </dsp:sp>
-    <dsp:sp modelId="{E7D18CCD-34F1-4E56-9739-0BAD073A51D3}">
-      <dsp:nvSpPr>
-        <dsp:cNvPr id="0" name=""/>
-        <dsp:cNvSpPr/>
-      </dsp:nvSpPr>
-      <dsp:spPr>
-        <a:xfrm rot="5400000">
-          <a:off x="4184941" y="266662"/>
-          <a:ext cx="2024758" cy="2024758"/>
-        </a:xfrm>
-        <a:prstGeom prst="pieWedge">
-          <a:avLst/>
-        </a:prstGeom>
-        <a:gradFill rotWithShape="0">
-          <a:gsLst>
-            <a:gs pos="0">
-              <a:schemeClr val="accent5">
-                <a:hueOff val="-2451115"/>
-                <a:satOff val="-3409"/>
-                <a:lumOff val="-1307"/>
-                <a:alphaOff val="0"/>
-                <a:lumMod val="110000"/>
-                <a:satMod val="105000"/>
-                <a:tint val="67000"/>
-              </a:schemeClr>
-            </a:gs>
-            <a:gs pos="50000">
-              <a:schemeClr val="accent5">
-                <a:hueOff val="-2451115"/>
-                <a:satOff val="-3409"/>
-                <a:lumOff val="-1307"/>
-                <a:alphaOff val="0"/>
-                <a:lumMod val="105000"/>
-                <a:satMod val="103000"/>
-                <a:tint val="73000"/>
-              </a:schemeClr>
-            </a:gs>
-            <a:gs pos="100000">
-              <a:schemeClr val="accent5">
-                <a:hueOff val="-2451115"/>
-                <a:satOff val="-3409"/>
-                <a:lumOff val="-1307"/>
-                <a:alphaOff val="0"/>
-                <a:lumMod val="105000"/>
-                <a:satMod val="109000"/>
-                <a:tint val="81000"/>
-              </a:schemeClr>
-            </a:gs>
-          </a:gsLst>
-          <a:lin ang="5400000" scaled="0"/>
-        </a:gradFill>
-        <a:ln>
-          <a:noFill/>
-        </a:ln>
-        <a:effectLst/>
-        <a:scene3d>
-          <a:camera prst="orthographicFront"/>
-          <a:lightRig rig="flat" dir="t"/>
-        </a:scene3d>
-        <a:sp3d prstMaterial="dkEdge">
-          <a:bevelT w="8200" h="38100"/>
-        </a:sp3d>
-      </dsp:spPr>
-      <dsp:style>
-        <a:lnRef idx="0">
-          <a:scrgbClr r="0" g="0" b="0"/>
-        </a:lnRef>
-        <a:fillRef idx="2">
-          <a:scrgbClr r="0" g="0" b="0"/>
-        </a:fillRef>
-        <a:effectRef idx="1">
-          <a:scrgbClr r="0" g="0" b="0"/>
-        </a:effectRef>
-        <a:fontRef idx="minor">
-          <a:schemeClr val="dk1"/>
-        </a:fontRef>
-      </dsp:style>
-      <dsp:txBody>
-        <a:bodyPr spcFirstLastPara="0" vert="horz" wrap="square" lIns="78232" tIns="78232" rIns="78232" bIns="78232" numCol="1" spcCol="1270" anchor="ctr" anchorCtr="0">
-          <a:noAutofit/>
-        </a:bodyPr>
-        <a:lstStyle/>
-        <a:p>
-          <a:pPr lvl="0" algn="ctr" defTabSz="488950">
-            <a:lnSpc>
-              <a:spcPct val="90000"/>
-            </a:lnSpc>
-            <a:spcBef>
-              <a:spcPct val="0"/>
-            </a:spcBef>
-            <a:spcAft>
-              <a:spcPct val="35000"/>
-            </a:spcAft>
-          </a:pPr>
-          <a:r>
-            <a:rPr lang="en-US" sz="1100" kern="1200" dirty="0" smtClean="0"/>
-            <a:t>Flow Control</a:t>
-          </a:r>
-          <a:endParaRPr lang="en-US" sz="1100" kern="1200" dirty="0"/>
-        </a:p>
-      </dsp:txBody>
-      <dsp:txXfrm rot="-5400000">
-        <a:off x="4184941" y="859700"/>
-        <a:ext cx="1431720" cy="1431720"/>
-      </dsp:txXfrm>
-    </dsp:sp>
-    <dsp:sp modelId="{CE6366C0-1569-4A15-B9CE-069B03284478}">
-      <dsp:nvSpPr>
-        <dsp:cNvPr id="0" name=""/>
-        <dsp:cNvSpPr/>
-      </dsp:nvSpPr>
-      <dsp:spPr>
-        <a:xfrm rot="10800000">
-          <a:off x="4184941" y="2384942"/>
-          <a:ext cx="2024758" cy="2024758"/>
-        </a:xfrm>
-        <a:prstGeom prst="pieWedge">
-          <a:avLst/>
-        </a:prstGeom>
-        <a:gradFill rotWithShape="0">
-          <a:gsLst>
-            <a:gs pos="0">
-              <a:schemeClr val="accent5">
-                <a:hueOff val="-4902230"/>
-                <a:satOff val="-6819"/>
-                <a:lumOff val="-2615"/>
-                <a:alphaOff val="0"/>
-                <a:lumMod val="110000"/>
-                <a:satMod val="105000"/>
-                <a:tint val="67000"/>
-              </a:schemeClr>
-            </a:gs>
-            <a:gs pos="50000">
-              <a:schemeClr val="accent5">
-                <a:hueOff val="-4902230"/>
-                <a:satOff val="-6819"/>
-                <a:lumOff val="-2615"/>
-                <a:alphaOff val="0"/>
-                <a:lumMod val="105000"/>
-                <a:satMod val="103000"/>
-                <a:tint val="73000"/>
-              </a:schemeClr>
-            </a:gs>
-            <a:gs pos="100000">
-              <a:schemeClr val="accent5">
-                <a:hueOff val="-4902230"/>
-                <a:satOff val="-6819"/>
-                <a:lumOff val="-2615"/>
-                <a:alphaOff val="0"/>
-                <a:lumMod val="105000"/>
-                <a:satMod val="109000"/>
-                <a:tint val="81000"/>
-              </a:schemeClr>
-            </a:gs>
-          </a:gsLst>
-          <a:lin ang="5400000" scaled="0"/>
-        </a:gradFill>
-        <a:ln>
-          <a:noFill/>
-        </a:ln>
-        <a:effectLst/>
-        <a:scene3d>
-          <a:camera prst="orthographicFront"/>
-          <a:lightRig rig="flat" dir="t"/>
-        </a:scene3d>
-        <a:sp3d prstMaterial="dkEdge">
-          <a:bevelT w="8200" h="38100"/>
-        </a:sp3d>
-      </dsp:spPr>
-      <dsp:style>
-        <a:lnRef idx="0">
-          <a:scrgbClr r="0" g="0" b="0"/>
-        </a:lnRef>
-        <a:fillRef idx="2">
-          <a:scrgbClr r="0" g="0" b="0"/>
-        </a:fillRef>
-        <a:effectRef idx="1">
-          <a:scrgbClr r="0" g="0" b="0"/>
-        </a:effectRef>
-        <a:fontRef idx="minor">
-          <a:schemeClr val="dk1"/>
-        </a:fontRef>
-      </dsp:style>
-      <dsp:txBody>
-        <a:bodyPr spcFirstLastPara="0" vert="horz" wrap="square" lIns="78232" tIns="78232" rIns="78232" bIns="78232" numCol="1" spcCol="1270" anchor="ctr" anchorCtr="0">
-          <a:noAutofit/>
-        </a:bodyPr>
-        <a:lstStyle/>
-        <a:p>
-          <a:pPr lvl="0" algn="ctr" defTabSz="488950">
-            <a:lnSpc>
-              <a:spcPct val="90000"/>
-            </a:lnSpc>
-            <a:spcBef>
-              <a:spcPct val="0"/>
-            </a:spcBef>
-            <a:spcAft>
-              <a:spcPct val="35000"/>
-            </a:spcAft>
-          </a:pPr>
-          <a:r>
-            <a:rPr lang="en-US" sz="1100" kern="1200" dirty="0" smtClean="0"/>
-            <a:t>Messaging Patterns</a:t>
-          </a:r>
-          <a:endParaRPr lang="en-US" sz="1100" kern="1200" dirty="0"/>
-        </a:p>
-      </dsp:txBody>
-      <dsp:txXfrm rot="10800000">
-        <a:off x="4184941" y="2384942"/>
-        <a:ext cx="1431720" cy="1431720"/>
-      </dsp:txXfrm>
-    </dsp:sp>
-    <dsp:sp modelId="{E5EC745D-1674-4010-B81B-6433AC14FEEF}">
-      <dsp:nvSpPr>
-        <dsp:cNvPr id="0" name=""/>
-        <dsp:cNvSpPr/>
-      </dsp:nvSpPr>
-      <dsp:spPr>
-        <a:xfrm rot="16200000">
-          <a:off x="2066660" y="2384942"/>
-          <a:ext cx="2024758" cy="2024758"/>
-        </a:xfrm>
-        <a:prstGeom prst="pieWedge">
-          <a:avLst/>
-        </a:prstGeom>
-        <a:gradFill rotWithShape="0">
-          <a:gsLst>
-            <a:gs pos="0">
-              <a:schemeClr val="accent5">
-                <a:hueOff val="-7353344"/>
-                <a:satOff val="-10228"/>
-                <a:lumOff val="-3922"/>
-                <a:alphaOff val="0"/>
-                <a:lumMod val="110000"/>
-                <a:satMod val="105000"/>
-                <a:tint val="67000"/>
-              </a:schemeClr>
-            </a:gs>
-            <a:gs pos="50000">
-              <a:schemeClr val="accent5">
-                <a:hueOff val="-7353344"/>
-                <a:satOff val="-10228"/>
-                <a:lumOff val="-3922"/>
-                <a:alphaOff val="0"/>
-                <a:lumMod val="105000"/>
-                <a:satMod val="103000"/>
-                <a:tint val="73000"/>
-              </a:schemeClr>
-            </a:gs>
-            <a:gs pos="100000">
-              <a:schemeClr val="accent5">
-                <a:hueOff val="-7353344"/>
-                <a:satOff val="-10228"/>
-                <a:lumOff val="-3922"/>
-                <a:alphaOff val="0"/>
-                <a:lumMod val="105000"/>
-                <a:satMod val="109000"/>
-                <a:tint val="81000"/>
-              </a:schemeClr>
-            </a:gs>
-          </a:gsLst>
-          <a:lin ang="5400000" scaled="0"/>
-        </a:gradFill>
-        <a:ln>
-          <a:noFill/>
-        </a:ln>
-        <a:effectLst/>
-        <a:scene3d>
-          <a:camera prst="orthographicFront"/>
-          <a:lightRig rig="flat" dir="t"/>
-        </a:scene3d>
-        <a:sp3d prstMaterial="dkEdge">
-          <a:bevelT w="8200" h="38100"/>
-        </a:sp3d>
-      </dsp:spPr>
-      <dsp:style>
-        <a:lnRef idx="0">
-          <a:scrgbClr r="0" g="0" b="0"/>
-        </a:lnRef>
-        <a:fillRef idx="2">
-          <a:scrgbClr r="0" g="0" b="0"/>
-        </a:fillRef>
-        <a:effectRef idx="1">
-          <a:scrgbClr r="0" g="0" b="0"/>
-        </a:effectRef>
-        <a:fontRef idx="minor">
-          <a:schemeClr val="dk1"/>
-        </a:fontRef>
-      </dsp:style>
-      <dsp:txBody>
-        <a:bodyPr spcFirstLastPara="0" vert="horz" wrap="square" lIns="78232" tIns="78232" rIns="78232" bIns="78232" numCol="1" spcCol="1270" anchor="ctr" anchorCtr="0">
-          <a:noAutofit/>
-        </a:bodyPr>
-        <a:lstStyle/>
-        <a:p>
-          <a:pPr lvl="0" algn="ctr" defTabSz="488950">
-            <a:lnSpc>
-              <a:spcPct val="90000"/>
-            </a:lnSpc>
-            <a:spcBef>
-              <a:spcPct val="0"/>
-            </a:spcBef>
-            <a:spcAft>
-              <a:spcPct val="35000"/>
-            </a:spcAft>
-          </a:pPr>
-          <a:r>
-            <a:rPr lang="en-US" sz="1100" kern="1200" dirty="0" smtClean="0"/>
-            <a:t>Other</a:t>
-          </a:r>
-          <a:endParaRPr lang="en-US" sz="1100" kern="1200" dirty="0"/>
-        </a:p>
-      </dsp:txBody>
-      <dsp:txXfrm rot="5400000">
-        <a:off x="2659698" y="2384942"/>
-        <a:ext cx="1431720" cy="1431720"/>
-      </dsp:txXfrm>
-    </dsp:sp>
-    <dsp:sp modelId="{6E259363-866B-467D-9A9E-4BF3D9F93193}">
-      <dsp:nvSpPr>
-        <dsp:cNvPr id="0" name=""/>
-        <dsp:cNvSpPr/>
-      </dsp:nvSpPr>
-      <dsp:spPr>
-        <a:xfrm>
-          <a:off x="3788640" y="1917331"/>
-          <a:ext cx="699079" cy="607895"/>
-        </a:xfrm>
-        <a:prstGeom prst="circularArrow">
-          <a:avLst/>
-        </a:prstGeom>
-        <a:gradFill rotWithShape="0">
-          <a:gsLst>
-            <a:gs pos="0">
-              <a:schemeClr val="accent5">
-                <a:tint val="40000"/>
-                <a:hueOff val="0"/>
-                <a:satOff val="0"/>
-                <a:lumOff val="0"/>
-                <a:alphaOff val="0"/>
-                <a:lumMod val="110000"/>
-                <a:satMod val="105000"/>
-                <a:tint val="67000"/>
-              </a:schemeClr>
-            </a:gs>
-            <a:gs pos="50000">
-              <a:schemeClr val="accent5">
-                <a:tint val="40000"/>
-                <a:hueOff val="0"/>
-                <a:satOff val="0"/>
-                <a:lumOff val="0"/>
-                <a:alphaOff val="0"/>
-                <a:lumMod val="105000"/>
-                <a:satMod val="103000"/>
-                <a:tint val="73000"/>
-              </a:schemeClr>
-            </a:gs>
-            <a:gs pos="100000">
-              <a:schemeClr val="accent5">
-                <a:tint val="40000"/>
-                <a:hueOff val="0"/>
-                <a:satOff val="0"/>
-                <a:lumOff val="0"/>
-                <a:alphaOff val="0"/>
-                <a:lumMod val="105000"/>
-                <a:satMod val="109000"/>
-                <a:tint val="81000"/>
-              </a:schemeClr>
-            </a:gs>
-          </a:gsLst>
-          <a:lin ang="5400000" scaled="0"/>
-        </a:gradFill>
-        <a:ln w="6350" cap="flat" cmpd="sng" algn="ctr">
-          <a:solidFill>
-            <a:schemeClr val="lt1">
-              <a:hueOff val="0"/>
-              <a:satOff val="0"/>
-              <a:lumOff val="0"/>
-              <a:alphaOff val="0"/>
-            </a:schemeClr>
-          </a:solidFill>
-          <a:prstDash val="solid"/>
-          <a:miter lim="800000"/>
-        </a:ln>
-        <a:effectLst/>
-        <a:scene3d>
-          <a:camera prst="orthographicFront"/>
-          <a:lightRig rig="flat" dir="t"/>
-        </a:scene3d>
-        <a:sp3d prstMaterial="dkEdge">
-          <a:bevelT w="8200" h="38100"/>
-        </a:sp3d>
-      </dsp:spPr>
-      <dsp:style>
-        <a:lnRef idx="1">
-          <a:scrgbClr r="0" g="0" b="0"/>
-        </a:lnRef>
-        <a:fillRef idx="2">
-          <a:scrgbClr r="0" g="0" b="0"/>
-        </a:fillRef>
-        <a:effectRef idx="1">
-          <a:scrgbClr r="0" g="0" b="0"/>
-        </a:effectRef>
-        <a:fontRef idx="minor"/>
-      </dsp:style>
-    </dsp:sp>
-    <dsp:sp modelId="{58318B0E-53CD-492E-B093-42E8637A30F2}">
-      <dsp:nvSpPr>
-        <dsp:cNvPr id="0" name=""/>
-        <dsp:cNvSpPr/>
-      </dsp:nvSpPr>
-      <dsp:spPr>
-        <a:xfrm rot="10800000">
-          <a:off x="3788640" y="2151136"/>
-          <a:ext cx="699079" cy="607895"/>
-        </a:xfrm>
-        <a:prstGeom prst="circularArrow">
-          <a:avLst/>
-        </a:prstGeom>
-        <a:gradFill rotWithShape="0">
-          <a:gsLst>
-            <a:gs pos="0">
-              <a:schemeClr val="accent5">
-                <a:tint val="40000"/>
-                <a:hueOff val="0"/>
-                <a:satOff val="0"/>
-                <a:lumOff val="0"/>
-                <a:alphaOff val="0"/>
-                <a:lumMod val="110000"/>
-                <a:satMod val="105000"/>
-                <a:tint val="67000"/>
-              </a:schemeClr>
-            </a:gs>
-            <a:gs pos="50000">
-              <a:schemeClr val="accent5">
-                <a:tint val="40000"/>
-                <a:hueOff val="0"/>
-                <a:satOff val="0"/>
-                <a:lumOff val="0"/>
-                <a:alphaOff val="0"/>
-                <a:lumMod val="105000"/>
-                <a:satMod val="103000"/>
-                <a:tint val="73000"/>
-              </a:schemeClr>
-            </a:gs>
-            <a:gs pos="100000">
-              <a:schemeClr val="accent5">
-                <a:tint val="40000"/>
-                <a:hueOff val="0"/>
-                <a:satOff val="0"/>
-                <a:lumOff val="0"/>
-                <a:alphaOff val="0"/>
-                <a:lumMod val="105000"/>
-                <a:satMod val="109000"/>
-                <a:tint val="81000"/>
-              </a:schemeClr>
-            </a:gs>
-          </a:gsLst>
-          <a:lin ang="5400000" scaled="0"/>
-        </a:gradFill>
-        <a:ln w="6350" cap="flat" cmpd="sng" algn="ctr">
-          <a:solidFill>
-            <a:schemeClr val="lt1">
-              <a:hueOff val="0"/>
-              <a:satOff val="0"/>
-              <a:lumOff val="0"/>
-              <a:alphaOff val="0"/>
-            </a:schemeClr>
-          </a:solidFill>
-          <a:prstDash val="solid"/>
-          <a:miter lim="800000"/>
-        </a:ln>
-        <a:effectLst/>
-        <a:scene3d>
-          <a:camera prst="orthographicFront"/>
-          <a:lightRig rig="flat" dir="t"/>
-        </a:scene3d>
-        <a:sp3d prstMaterial="dkEdge">
-          <a:bevelT w="8200" h="38100"/>
-        </a:sp3d>
-      </dsp:spPr>
-      <dsp:style>
-        <a:lnRef idx="1">
-          <a:scrgbClr r="0" g="0" b="0"/>
-        </a:lnRef>
-        <a:fillRef idx="2">
-          <a:scrgbClr r="0" g="0" b="0"/>
-        </a:fillRef>
-        <a:effectRef idx="1">
-          <a:scrgbClr r="0" g="0" b="0"/>
-        </a:effectRef>
-        <a:fontRef idx="minor"/>
-      </dsp:style>
-    </dsp:sp>
   </dsp:spTree>
 </dsp:drawing>
 </file>
@@ -10549,280 +7790,6 @@
       <dsp:cNvGrpSpPr/>
     </dsp:nvGrpSpPr>
     <dsp:grpSpPr/>
-    <dsp:sp modelId="{A0F3E842-599A-4864-92CF-F6ECE341B0DB}">
-      <dsp:nvSpPr>
-        <dsp:cNvPr id="0" name=""/>
-        <dsp:cNvSpPr/>
-      </dsp:nvSpPr>
-      <dsp:spPr>
-        <a:xfrm>
-          <a:off x="591502" y="0"/>
-          <a:ext cx="6703695" cy="1676401"/>
-        </a:xfrm>
-        <a:prstGeom prst="rightArrow">
-          <a:avLst/>
-        </a:prstGeom>
-        <a:solidFill>
-          <a:schemeClr val="accent1">
-            <a:tint val="40000"/>
-            <a:hueOff val="0"/>
-            <a:satOff val="0"/>
-            <a:lumOff val="0"/>
-            <a:alphaOff val="0"/>
-          </a:schemeClr>
-        </a:solidFill>
-        <a:ln>
-          <a:noFill/>
-        </a:ln>
-        <a:effectLst/>
-      </dsp:spPr>
-      <dsp:style>
-        <a:lnRef idx="0">
-          <a:scrgbClr r="0" g="0" b="0"/>
-        </a:lnRef>
-        <a:fillRef idx="1">
-          <a:scrgbClr r="0" g="0" b="0"/>
-        </a:fillRef>
-        <a:effectRef idx="0">
-          <a:scrgbClr r="0" g="0" b="0"/>
-        </a:effectRef>
-        <a:fontRef idx="minor"/>
-      </dsp:style>
-    </dsp:sp>
-    <dsp:sp modelId="{342866CA-F0D8-44E7-8258-E3DA2E7AA6A8}">
-      <dsp:nvSpPr>
-        <dsp:cNvPr id="0" name=""/>
-        <dsp:cNvSpPr/>
-      </dsp:nvSpPr>
-      <dsp:spPr>
-        <a:xfrm>
-          <a:off x="146720" y="502920"/>
-          <a:ext cx="2366010" cy="670560"/>
-        </a:xfrm>
-        <a:prstGeom prst="roundRect">
-          <a:avLst/>
-        </a:prstGeom>
-        <a:solidFill>
-          <a:schemeClr val="accent1">
-            <a:hueOff val="0"/>
-            <a:satOff val="0"/>
-            <a:lumOff val="0"/>
-            <a:alphaOff val="0"/>
-          </a:schemeClr>
-        </a:solidFill>
-        <a:ln w="12700" cap="flat" cmpd="sng" algn="ctr">
-          <a:solidFill>
-            <a:schemeClr val="lt1">
-              <a:hueOff val="0"/>
-              <a:satOff val="0"/>
-              <a:lumOff val="0"/>
-              <a:alphaOff val="0"/>
-            </a:schemeClr>
-          </a:solidFill>
-          <a:prstDash val="solid"/>
-          <a:miter lim="800000"/>
-        </a:ln>
-        <a:effectLst/>
-      </dsp:spPr>
-      <dsp:style>
-        <a:lnRef idx="2">
-          <a:scrgbClr r="0" g="0" b="0"/>
-        </a:lnRef>
-        <a:fillRef idx="1">
-          <a:scrgbClr r="0" g="0" b="0"/>
-        </a:fillRef>
-        <a:effectRef idx="0">
-          <a:scrgbClr r="0" g="0" b="0"/>
-        </a:effectRef>
-        <a:fontRef idx="minor">
-          <a:schemeClr val="lt1"/>
-        </a:fontRef>
-      </dsp:style>
-      <dsp:txBody>
-        <a:bodyPr spcFirstLastPara="0" vert="horz" wrap="square" lIns="106680" tIns="106680" rIns="106680" bIns="106680" numCol="1" spcCol="1270" anchor="ctr" anchorCtr="0">
-          <a:noAutofit/>
-        </a:bodyPr>
-        <a:lstStyle/>
-        <a:p>
-          <a:pPr lvl="0" algn="ctr" defTabSz="1244600" rtl="0">
-            <a:lnSpc>
-              <a:spcPct val="90000"/>
-            </a:lnSpc>
-            <a:spcBef>
-              <a:spcPct val="0"/>
-            </a:spcBef>
-            <a:spcAft>
-              <a:spcPct val="35000"/>
-            </a:spcAft>
-          </a:pPr>
-          <a:r>
-            <a:rPr lang="en-US" sz="2800" kern="1200" dirty="0" smtClean="0"/>
-            <a:t>Scalability</a:t>
-          </a:r>
-          <a:endParaRPr lang="en-US" sz="2800" kern="1200" dirty="0"/>
-        </a:p>
-      </dsp:txBody>
-      <dsp:txXfrm>
-        <a:off x="179454" y="535654"/>
-        <a:ext cx="2300542" cy="605092"/>
-      </dsp:txXfrm>
-    </dsp:sp>
-    <dsp:sp modelId="{83367548-E729-4911-80A0-FD21DD26C45D}">
-      <dsp:nvSpPr>
-        <dsp:cNvPr id="0" name=""/>
-        <dsp:cNvSpPr/>
-      </dsp:nvSpPr>
-      <dsp:spPr>
-        <a:xfrm>
-          <a:off x="2760344" y="502920"/>
-          <a:ext cx="2366010" cy="670560"/>
-        </a:xfrm>
-        <a:prstGeom prst="roundRect">
-          <a:avLst/>
-        </a:prstGeom>
-        <a:solidFill>
-          <a:schemeClr val="accent1">
-            <a:hueOff val="0"/>
-            <a:satOff val="0"/>
-            <a:lumOff val="0"/>
-            <a:alphaOff val="0"/>
-          </a:schemeClr>
-        </a:solidFill>
-        <a:ln w="12700" cap="flat" cmpd="sng" algn="ctr">
-          <a:solidFill>
-            <a:schemeClr val="lt1">
-              <a:hueOff val="0"/>
-              <a:satOff val="0"/>
-              <a:lumOff val="0"/>
-              <a:alphaOff val="0"/>
-            </a:schemeClr>
-          </a:solidFill>
-          <a:prstDash val="solid"/>
-          <a:miter lim="800000"/>
-        </a:ln>
-        <a:effectLst/>
-      </dsp:spPr>
-      <dsp:style>
-        <a:lnRef idx="2">
-          <a:scrgbClr r="0" g="0" b="0"/>
-        </a:lnRef>
-        <a:fillRef idx="1">
-          <a:scrgbClr r="0" g="0" b="0"/>
-        </a:fillRef>
-        <a:effectRef idx="0">
-          <a:scrgbClr r="0" g="0" b="0"/>
-        </a:effectRef>
-        <a:fontRef idx="minor">
-          <a:schemeClr val="lt1"/>
-        </a:fontRef>
-      </dsp:style>
-      <dsp:txBody>
-        <a:bodyPr spcFirstLastPara="0" vert="horz" wrap="square" lIns="106680" tIns="106680" rIns="106680" bIns="106680" numCol="1" spcCol="1270" anchor="ctr" anchorCtr="0">
-          <a:noAutofit/>
-        </a:bodyPr>
-        <a:lstStyle/>
-        <a:p>
-          <a:pPr lvl="0" algn="ctr" defTabSz="1244600" rtl="0">
-            <a:lnSpc>
-              <a:spcPct val="90000"/>
-            </a:lnSpc>
-            <a:spcBef>
-              <a:spcPct val="0"/>
-            </a:spcBef>
-            <a:spcAft>
-              <a:spcPct val="35000"/>
-            </a:spcAft>
-          </a:pPr>
-          <a:r>
-            <a:rPr lang="en-US" sz="2800" kern="1200" dirty="0" smtClean="0"/>
-            <a:t>Resiliency</a:t>
-          </a:r>
-          <a:endParaRPr lang="en-US" sz="2800" kern="1200" dirty="0"/>
-        </a:p>
-      </dsp:txBody>
-      <dsp:txXfrm>
-        <a:off x="2793078" y="535654"/>
-        <a:ext cx="2300542" cy="605092"/>
-      </dsp:txXfrm>
-    </dsp:sp>
-    <dsp:sp modelId="{2A3CF1CC-0D4F-41A5-B4D4-65597869A177}">
-      <dsp:nvSpPr>
-        <dsp:cNvPr id="0" name=""/>
-        <dsp:cNvSpPr/>
-      </dsp:nvSpPr>
-      <dsp:spPr>
-        <a:xfrm>
-          <a:off x="5373969" y="502920"/>
-          <a:ext cx="2366010" cy="670560"/>
-        </a:xfrm>
-        <a:prstGeom prst="roundRect">
-          <a:avLst/>
-        </a:prstGeom>
-        <a:solidFill>
-          <a:schemeClr val="accent1">
-            <a:hueOff val="0"/>
-            <a:satOff val="0"/>
-            <a:lumOff val="0"/>
-            <a:alphaOff val="0"/>
-          </a:schemeClr>
-        </a:solidFill>
-        <a:ln w="12700" cap="flat" cmpd="sng" algn="ctr">
-          <a:solidFill>
-            <a:schemeClr val="lt1">
-              <a:hueOff val="0"/>
-              <a:satOff val="0"/>
-              <a:lumOff val="0"/>
-              <a:alphaOff val="0"/>
-            </a:schemeClr>
-          </a:solidFill>
-          <a:prstDash val="solid"/>
-          <a:miter lim="800000"/>
-        </a:ln>
-        <a:effectLst/>
-      </dsp:spPr>
-      <dsp:style>
-        <a:lnRef idx="2">
-          <a:scrgbClr r="0" g="0" b="0"/>
-        </a:lnRef>
-        <a:fillRef idx="1">
-          <a:scrgbClr r="0" g="0" b="0"/>
-        </a:fillRef>
-        <a:effectRef idx="0">
-          <a:scrgbClr r="0" g="0" b="0"/>
-        </a:effectRef>
-        <a:fontRef idx="minor">
-          <a:schemeClr val="lt1"/>
-        </a:fontRef>
-      </dsp:style>
-      <dsp:txBody>
-        <a:bodyPr spcFirstLastPara="0" vert="horz" wrap="square" lIns="106680" tIns="106680" rIns="106680" bIns="106680" numCol="1" spcCol="1270" anchor="ctr" anchorCtr="0">
-          <a:noAutofit/>
-        </a:bodyPr>
-        <a:lstStyle/>
-        <a:p>
-          <a:pPr lvl="0" algn="ctr" defTabSz="1244600" rtl="0">
-            <a:lnSpc>
-              <a:spcPct val="90000"/>
-            </a:lnSpc>
-            <a:spcBef>
-              <a:spcPct val="0"/>
-            </a:spcBef>
-            <a:spcAft>
-              <a:spcPct val="35000"/>
-            </a:spcAft>
-          </a:pPr>
-          <a:r>
-            <a:rPr lang="en-US" sz="2800" kern="1200" dirty="0" smtClean="0"/>
-            <a:t>Cloud Support</a:t>
-          </a:r>
-          <a:endParaRPr lang="en-US" sz="2800" kern="1200" dirty="0"/>
-        </a:p>
-      </dsp:txBody>
-      <dsp:txXfrm>
-        <a:off x="5406703" y="535654"/>
-        <a:ext cx="2300542" cy="605092"/>
-      </dsp:txXfrm>
-    </dsp:sp>
   </dsp:spTree>
 </dsp:drawing>
 </file>
@@ -16518,7 +13485,7 @@
           <a:p>
             <a:fld id="{5E98ECC7-4684-4B1D-A9E4-C1CABE848CA3}" type="datetimeFigureOut">
               <a:rPr lang="en-US" smtClean="0"/>
-              <a:t>11/2/2015</a:t>
+              <a:t>11/4/2015</a:t>
             </a:fld>
             <a:endParaRPr lang="en-US" dirty="0"/>
           </a:p>
@@ -17001,7 +13968,7 @@
           <a:p>
             <a:fld id="{8A0151A0-6BDA-4C61-94E2-4A05776C8C41}" type="datetime1">
               <a:rPr lang="en-US" smtClean="0"/>
-              <a:t>11/2/2015</a:t>
+              <a:t>11/4/2015</a:t>
             </a:fld>
             <a:endParaRPr lang="en-US" dirty="0"/>
           </a:p>
@@ -17171,7 +14138,7 @@
           <a:p>
             <a:fld id="{2E35788B-17C6-4432-AE26-BE836522A606}" type="datetime1">
               <a:rPr lang="en-US" smtClean="0"/>
-              <a:t>11/2/2015</a:t>
+              <a:t>11/4/2015</a:t>
             </a:fld>
             <a:endParaRPr lang="en-US" dirty="0"/>
           </a:p>
@@ -17351,7 +14318,7 @@
           <a:p>
             <a:fld id="{744D1FCA-C735-450D-BCA4-DB50B38ECD50}" type="datetime1">
               <a:rPr lang="en-US" smtClean="0"/>
-              <a:t>11/2/2015</a:t>
+              <a:t>11/4/2015</a:t>
             </a:fld>
             <a:endParaRPr lang="en-US" dirty="0"/>
           </a:p>
@@ -17521,7 +14488,7 @@
           <a:p>
             <a:fld id="{D47A2ED5-CD2A-4B3B-A81F-BE7A26036022}" type="datetime1">
               <a:rPr lang="en-US" smtClean="0"/>
-              <a:t>11/2/2015</a:t>
+              <a:t>11/4/2015</a:t>
             </a:fld>
             <a:endParaRPr lang="en-US" dirty="0"/>
           </a:p>
@@ -17765,7 +14732,7 @@
           <a:p>
             <a:fld id="{AFC2F17C-2319-45BC-B339-E7F83AB38139}" type="datetime1">
               <a:rPr lang="en-US" smtClean="0"/>
-              <a:t>11/2/2015</a:t>
+              <a:t>11/4/2015</a:t>
             </a:fld>
             <a:endParaRPr lang="en-US" dirty="0"/>
           </a:p>
@@ -17997,7 +14964,7 @@
           <a:p>
             <a:fld id="{7DF8D633-0327-407C-B754-C6DC287DA074}" type="datetime1">
               <a:rPr lang="en-US" smtClean="0"/>
-              <a:t>11/2/2015</a:t>
+              <a:t>11/4/2015</a:t>
             </a:fld>
             <a:endParaRPr lang="en-US" dirty="0"/>
           </a:p>
@@ -18364,7 +15331,7 @@
           <a:p>
             <a:fld id="{76880105-B802-41CD-BB85-298F26006685}" type="datetime1">
               <a:rPr lang="en-US" smtClean="0"/>
-              <a:t>11/2/2015</a:t>
+              <a:t>11/4/2015</a:t>
             </a:fld>
             <a:endParaRPr lang="en-US" dirty="0"/>
           </a:p>
@@ -18482,7 +15449,7 @@
           <a:p>
             <a:fld id="{162ED92B-9A44-474F-9138-A07C93ABC7FA}" type="datetime1">
               <a:rPr lang="en-US" smtClean="0"/>
-              <a:t>11/2/2015</a:t>
+              <a:t>11/4/2015</a:t>
             </a:fld>
             <a:endParaRPr lang="en-US" dirty="0"/>
           </a:p>
@@ -18577,7 +15544,7 @@
           <a:p>
             <a:fld id="{E496C444-E933-4D80-86C4-BADA1A19B898}" type="datetime1">
               <a:rPr lang="en-US" smtClean="0"/>
-              <a:t>11/2/2015</a:t>
+              <a:t>11/4/2015</a:t>
             </a:fld>
             <a:endParaRPr lang="en-US" dirty="0"/>
           </a:p>
@@ -18854,7 +15821,7 @@
           <a:p>
             <a:fld id="{FE2B3545-A360-469D-AF72-EC598B36A1A0}" type="datetime1">
               <a:rPr lang="en-US" smtClean="0"/>
-              <a:t>11/2/2015</a:t>
+              <a:t>11/4/2015</a:t>
             </a:fld>
             <a:endParaRPr lang="en-US" dirty="0"/>
           </a:p>
@@ -19111,7 +16078,7 @@
           <a:p>
             <a:fld id="{E5CD081C-AF44-4D3A-9989-1BD7F6EBBAB7}" type="datetime1">
               <a:rPr lang="en-US" smtClean="0"/>
-              <a:t>11/2/2015</a:t>
+              <a:t>11/4/2015</a:t>
             </a:fld>
             <a:endParaRPr lang="en-US" dirty="0"/>
           </a:p>
@@ -19333,7 +16300,7 @@
           <a:p>
             <a:fld id="{A7C17880-5397-45FB-B1C0-5FB7CBED16B5}" type="datetime1">
               <a:rPr lang="en-US" smtClean="0"/>
-              <a:t>11/2/2015</a:t>
+              <a:t>11/4/2015</a:t>
             </a:fld>
             <a:endParaRPr lang="en-US" dirty="0"/>
           </a:p>
@@ -21041,7 +18008,7 @@
           <p:nvPr>
             <p:extLst>
               <p:ext uri="{D42A27DB-BD31-4B8C-83A1-F6EECF244321}">
-                <p14:modId xmlns:p14="http://schemas.microsoft.com/office/powerpoint/2010/main" val="4266517408"/>
+                <p14:modId xmlns:p14="http://schemas.microsoft.com/office/powerpoint/2010/main" val="835559655"/>
               </p:ext>
             </p:extLst>
           </p:nvPr>

--- a/Presentation/Service Bus Integration Patterns.pptx
+++ b/Presentation/Service Bus Integration Patterns.pptx
@@ -2576,6 +2576,788 @@
 </file>
 
 <file path=ppt/diagrams/colors4.xml><?xml version="1.0" encoding="utf-8"?>
+<dgm:colorsDef xmlns:dgm="http://schemas.openxmlformats.org/drawingml/2006/diagram" xmlns:a="http://schemas.openxmlformats.org/drawingml/2006/main" uniqueId="urn:microsoft.com/office/officeart/2005/8/colors/colorful5">
+  <dgm:title val=""/>
+  <dgm:desc val=""/>
+  <dgm:catLst>
+    <dgm:cat type="colorful" pri="10500"/>
+  </dgm:catLst>
+  <dgm:styleLbl name="node0">
+    <dgm:fillClrLst meth="repeat">
+      <a:schemeClr val="accent4"/>
+    </dgm:fillClrLst>
+    <dgm:linClrLst meth="repeat">
+      <a:schemeClr val="lt1"/>
+    </dgm:linClrLst>
+    <dgm:effectClrLst/>
+    <dgm:txLinClrLst/>
+    <dgm:txFillClrLst/>
+    <dgm:txEffectClrLst/>
+  </dgm:styleLbl>
+  <dgm:styleLbl name="node1">
+    <dgm:fillClrLst>
+      <a:schemeClr val="accent5"/>
+      <a:schemeClr val="accent6"/>
+    </dgm:fillClrLst>
+    <dgm:linClrLst meth="repeat">
+      <a:schemeClr val="lt1"/>
+    </dgm:linClrLst>
+    <dgm:effectClrLst/>
+    <dgm:txLinClrLst/>
+    <dgm:txFillClrLst/>
+    <dgm:txEffectClrLst/>
+  </dgm:styleLbl>
+  <dgm:styleLbl name="alignNode1">
+    <dgm:fillClrLst>
+      <a:schemeClr val="accent5"/>
+      <a:schemeClr val="accent6"/>
+    </dgm:fillClrLst>
+    <dgm:linClrLst>
+      <a:schemeClr val="accent5"/>
+      <a:schemeClr val="accent6"/>
+    </dgm:linClrLst>
+    <dgm:effectClrLst/>
+    <dgm:txLinClrLst/>
+    <dgm:txFillClrLst/>
+    <dgm:txEffectClrLst/>
+  </dgm:styleLbl>
+  <dgm:styleLbl name="lnNode1">
+    <dgm:fillClrLst>
+      <a:schemeClr val="accent5"/>
+      <a:schemeClr val="accent6"/>
+    </dgm:fillClrLst>
+    <dgm:linClrLst meth="repeat">
+      <a:schemeClr val="lt1"/>
+    </dgm:linClrLst>
+    <dgm:effectClrLst/>
+    <dgm:txLinClrLst/>
+    <dgm:txFillClrLst/>
+    <dgm:txEffectClrLst/>
+  </dgm:styleLbl>
+  <dgm:styleLbl name="vennNode1">
+    <dgm:fillClrLst>
+      <a:schemeClr val="accent5">
+        <a:alpha val="50000"/>
+      </a:schemeClr>
+      <a:schemeClr val="accent6">
+        <a:alpha val="50000"/>
+      </a:schemeClr>
+    </dgm:fillClrLst>
+    <dgm:linClrLst meth="repeat">
+      <a:schemeClr val="lt1"/>
+    </dgm:linClrLst>
+    <dgm:effectClrLst/>
+    <dgm:txLinClrLst/>
+    <dgm:txFillClrLst/>
+    <dgm:txEffectClrLst/>
+  </dgm:styleLbl>
+  <dgm:styleLbl name="node2">
+    <dgm:fillClrLst>
+      <a:schemeClr val="accent6"/>
+    </dgm:fillClrLst>
+    <dgm:linClrLst meth="repeat">
+      <a:schemeClr val="lt1"/>
+    </dgm:linClrLst>
+    <dgm:effectClrLst/>
+    <dgm:txLinClrLst/>
+    <dgm:txFillClrLst/>
+    <dgm:txEffectClrLst/>
+  </dgm:styleLbl>
+  <dgm:styleLbl name="node3">
+    <dgm:fillClrLst>
+      <a:schemeClr val="accent1"/>
+    </dgm:fillClrLst>
+    <dgm:linClrLst meth="repeat">
+      <a:schemeClr val="lt1"/>
+    </dgm:linClrLst>
+    <dgm:effectClrLst/>
+    <dgm:txLinClrLst/>
+    <dgm:txFillClrLst/>
+    <dgm:txEffectClrLst/>
+  </dgm:styleLbl>
+  <dgm:styleLbl name="node4">
+    <dgm:fillClrLst>
+      <a:schemeClr val="accent2"/>
+    </dgm:fillClrLst>
+    <dgm:linClrLst meth="repeat">
+      <a:schemeClr val="lt1"/>
+    </dgm:linClrLst>
+    <dgm:effectClrLst/>
+    <dgm:txLinClrLst/>
+    <dgm:txFillClrLst/>
+    <dgm:txEffectClrLst/>
+  </dgm:styleLbl>
+  <dgm:styleLbl name="fgImgPlace1">
+    <dgm:fillClrLst>
+      <a:schemeClr val="accent5">
+        <a:tint val="50000"/>
+      </a:schemeClr>
+      <a:schemeClr val="accent6">
+        <a:tint val="50000"/>
+      </a:schemeClr>
+    </dgm:fillClrLst>
+    <dgm:linClrLst meth="repeat">
+      <a:schemeClr val="lt1"/>
+    </dgm:linClrLst>
+    <dgm:effectClrLst/>
+    <dgm:txLinClrLst/>
+    <dgm:txFillClrLst meth="repeat">
+      <a:schemeClr val="lt1"/>
+    </dgm:txFillClrLst>
+    <dgm:txEffectClrLst/>
+  </dgm:styleLbl>
+  <dgm:styleLbl name="alignImgPlace1">
+    <dgm:fillClrLst>
+      <a:schemeClr val="accent5">
+        <a:tint val="50000"/>
+      </a:schemeClr>
+      <a:schemeClr val="accent6">
+        <a:tint val="20000"/>
+      </a:schemeClr>
+    </dgm:fillClrLst>
+    <dgm:linClrLst meth="repeat">
+      <a:schemeClr val="lt1"/>
+    </dgm:linClrLst>
+    <dgm:effectClrLst/>
+    <dgm:txLinClrLst/>
+    <dgm:txFillClrLst meth="repeat">
+      <a:schemeClr val="lt1"/>
+    </dgm:txFillClrLst>
+    <dgm:txEffectClrLst/>
+  </dgm:styleLbl>
+  <dgm:styleLbl name="bgImgPlace1">
+    <dgm:fillClrLst>
+      <a:schemeClr val="accent5">
+        <a:tint val="50000"/>
+      </a:schemeClr>
+      <a:schemeClr val="accent6">
+        <a:tint val="20000"/>
+      </a:schemeClr>
+    </dgm:fillClrLst>
+    <dgm:linClrLst meth="repeat">
+      <a:schemeClr val="lt1"/>
+    </dgm:linClrLst>
+    <dgm:effectClrLst/>
+    <dgm:txLinClrLst/>
+    <dgm:txFillClrLst meth="repeat">
+      <a:schemeClr val="lt1"/>
+    </dgm:txFillClrLst>
+    <dgm:txEffectClrLst/>
+  </dgm:styleLbl>
+  <dgm:styleLbl name="sibTrans2D1">
+    <dgm:fillClrLst>
+      <a:schemeClr val="accent5"/>
+      <a:schemeClr val="accent6"/>
+    </dgm:fillClrLst>
+    <dgm:linClrLst meth="repeat">
+      <a:schemeClr val="lt1"/>
+    </dgm:linClrLst>
+    <dgm:effectClrLst/>
+    <dgm:txLinClrLst/>
+    <dgm:txFillClrLst/>
+    <dgm:txEffectClrLst/>
+  </dgm:styleLbl>
+  <dgm:styleLbl name="fgSibTrans2D1">
+    <dgm:fillClrLst>
+      <a:schemeClr val="accent5"/>
+      <a:schemeClr val="accent6"/>
+    </dgm:fillClrLst>
+    <dgm:linClrLst meth="repeat">
+      <a:schemeClr val="lt1"/>
+    </dgm:linClrLst>
+    <dgm:effectClrLst/>
+    <dgm:txLinClrLst/>
+    <dgm:txFillClrLst meth="repeat">
+      <a:schemeClr val="lt1"/>
+    </dgm:txFillClrLst>
+    <dgm:txEffectClrLst/>
+  </dgm:styleLbl>
+  <dgm:styleLbl name="bgSibTrans2D1">
+    <dgm:fillClrLst>
+      <a:schemeClr val="accent5"/>
+      <a:schemeClr val="accent6"/>
+    </dgm:fillClrLst>
+    <dgm:linClrLst meth="repeat">
+      <a:schemeClr val="lt1"/>
+    </dgm:linClrLst>
+    <dgm:effectClrLst/>
+    <dgm:txLinClrLst/>
+    <dgm:txFillClrLst meth="repeat">
+      <a:schemeClr val="lt1"/>
+    </dgm:txFillClrLst>
+    <dgm:txEffectClrLst/>
+  </dgm:styleLbl>
+  <dgm:styleLbl name="sibTrans1D1">
+    <dgm:fillClrLst/>
+    <dgm:linClrLst>
+      <a:schemeClr val="accent5"/>
+      <a:schemeClr val="accent6"/>
+    </dgm:linClrLst>
+    <dgm:effectClrLst/>
+    <dgm:txLinClrLst/>
+    <dgm:txFillClrLst meth="repeat">
+      <a:schemeClr val="tx1"/>
+    </dgm:txFillClrLst>
+    <dgm:txEffectClrLst/>
+  </dgm:styleLbl>
+  <dgm:styleLbl name="callout">
+    <dgm:fillClrLst meth="repeat">
+      <a:schemeClr val="accent5"/>
+    </dgm:fillClrLst>
+    <dgm:linClrLst meth="repeat">
+      <a:schemeClr val="accent5">
+        <a:tint val="50000"/>
+      </a:schemeClr>
+    </dgm:linClrLst>
+    <dgm:effectClrLst/>
+    <dgm:txLinClrLst/>
+    <dgm:txFillClrLst meth="repeat">
+      <a:schemeClr val="tx1"/>
+    </dgm:txFillClrLst>
+    <dgm:txEffectClrLst/>
+  </dgm:styleLbl>
+  <dgm:styleLbl name="asst0">
+    <dgm:fillClrLst meth="repeat">
+      <a:schemeClr val="accent5"/>
+    </dgm:fillClrLst>
+    <dgm:linClrLst meth="repeat">
+      <a:schemeClr val="lt1">
+        <a:shade val="80000"/>
+      </a:schemeClr>
+    </dgm:linClrLst>
+    <dgm:effectClrLst/>
+    <dgm:txLinClrLst/>
+    <dgm:txFillClrLst/>
+    <dgm:txEffectClrLst/>
+  </dgm:styleLbl>
+  <dgm:styleLbl name="asst1">
+    <dgm:fillClrLst meth="repeat">
+      <a:schemeClr val="accent6"/>
+    </dgm:fillClrLst>
+    <dgm:linClrLst meth="repeat">
+      <a:schemeClr val="lt1">
+        <a:shade val="80000"/>
+      </a:schemeClr>
+    </dgm:linClrLst>
+    <dgm:effectClrLst/>
+    <dgm:txLinClrLst/>
+    <dgm:txFillClrLst/>
+    <dgm:txEffectClrLst/>
+  </dgm:styleLbl>
+  <dgm:styleLbl name="asst2">
+    <dgm:fillClrLst>
+      <a:schemeClr val="accent1"/>
+    </dgm:fillClrLst>
+    <dgm:linClrLst meth="repeat">
+      <a:schemeClr val="lt1"/>
+    </dgm:linClrLst>
+    <dgm:effectClrLst/>
+    <dgm:txLinClrLst/>
+    <dgm:txFillClrLst/>
+    <dgm:txEffectClrLst/>
+  </dgm:styleLbl>
+  <dgm:styleLbl name="asst3">
+    <dgm:fillClrLst>
+      <a:schemeClr val="accent2"/>
+    </dgm:fillClrLst>
+    <dgm:linClrLst meth="repeat">
+      <a:schemeClr val="lt1"/>
+    </dgm:linClrLst>
+    <dgm:effectClrLst/>
+    <dgm:txLinClrLst/>
+    <dgm:txFillClrLst/>
+    <dgm:txEffectClrLst/>
+  </dgm:styleLbl>
+  <dgm:styleLbl name="asst4">
+    <dgm:fillClrLst>
+      <a:schemeClr val="accent3"/>
+    </dgm:fillClrLst>
+    <dgm:linClrLst meth="repeat">
+      <a:schemeClr val="lt1"/>
+    </dgm:linClrLst>
+    <dgm:effectClrLst/>
+    <dgm:txLinClrLst/>
+    <dgm:txFillClrLst/>
+    <dgm:txEffectClrLst/>
+  </dgm:styleLbl>
+  <dgm:styleLbl name="parChTrans2D1">
+    <dgm:fillClrLst meth="repeat">
+      <a:schemeClr val="accent5"/>
+    </dgm:fillClrLst>
+    <dgm:linClrLst meth="repeat">
+      <a:schemeClr val="lt1"/>
+    </dgm:linClrLst>
+    <dgm:effectClrLst/>
+    <dgm:txLinClrLst/>
+    <dgm:txFillClrLst meth="repeat">
+      <a:schemeClr val="lt1"/>
+    </dgm:txFillClrLst>
+    <dgm:txEffectClrLst/>
+  </dgm:styleLbl>
+  <dgm:styleLbl name="parChTrans2D2">
+    <dgm:fillClrLst meth="repeat">
+      <a:schemeClr val="accent6"/>
+    </dgm:fillClrLst>
+    <dgm:linClrLst meth="repeat">
+      <a:schemeClr val="lt1"/>
+    </dgm:linClrLst>
+    <dgm:effectClrLst/>
+    <dgm:txLinClrLst/>
+    <dgm:txFillClrLst/>
+    <dgm:txEffectClrLst/>
+  </dgm:styleLbl>
+  <dgm:styleLbl name="parChTrans2D3">
+    <dgm:fillClrLst meth="repeat">
+      <a:schemeClr val="accent6"/>
+    </dgm:fillClrLst>
+    <dgm:linClrLst meth="repeat">
+      <a:schemeClr val="lt1"/>
+    </dgm:linClrLst>
+    <dgm:effectClrLst/>
+    <dgm:txLinClrLst/>
+    <dgm:txFillClrLst/>
+    <dgm:txEffectClrLst/>
+  </dgm:styleLbl>
+  <dgm:styleLbl name="parChTrans2D4">
+    <dgm:fillClrLst meth="repeat">
+      <a:schemeClr val="accent1"/>
+    </dgm:fillClrLst>
+    <dgm:linClrLst meth="repeat">
+      <a:schemeClr val="lt1"/>
+    </dgm:linClrLst>
+    <dgm:effectClrLst/>
+    <dgm:txLinClrLst/>
+    <dgm:txFillClrLst meth="repeat">
+      <a:schemeClr val="lt1"/>
+    </dgm:txFillClrLst>
+    <dgm:txEffectClrLst/>
+  </dgm:styleLbl>
+  <dgm:styleLbl name="parChTrans1D1">
+    <dgm:fillClrLst meth="repeat">
+      <a:schemeClr val="accent5"/>
+    </dgm:fillClrLst>
+    <dgm:linClrLst meth="repeat">
+      <a:schemeClr val="accent5"/>
+    </dgm:linClrLst>
+    <dgm:effectClrLst/>
+    <dgm:txLinClrLst/>
+    <dgm:txFillClrLst meth="repeat">
+      <a:schemeClr val="tx1"/>
+    </dgm:txFillClrLst>
+    <dgm:txEffectClrLst/>
+  </dgm:styleLbl>
+  <dgm:styleLbl name="parChTrans1D2">
+    <dgm:fillClrLst meth="repeat">
+      <a:schemeClr val="accent6">
+        <a:tint val="90000"/>
+      </a:schemeClr>
+    </dgm:fillClrLst>
+    <dgm:linClrLst meth="repeat">
+      <a:schemeClr val="accent6"/>
+    </dgm:linClrLst>
+    <dgm:effectClrLst/>
+    <dgm:txLinClrLst/>
+    <dgm:txFillClrLst meth="repeat">
+      <a:schemeClr val="tx1"/>
+    </dgm:txFillClrLst>
+    <dgm:txEffectClrLst/>
+  </dgm:styleLbl>
+  <dgm:styleLbl name="parChTrans1D3">
+    <dgm:fillClrLst meth="repeat">
+      <a:schemeClr val="accent6">
+        <a:tint val="70000"/>
+      </a:schemeClr>
+    </dgm:fillClrLst>
+    <dgm:linClrLst meth="repeat">
+      <a:schemeClr val="accent1"/>
+    </dgm:linClrLst>
+    <dgm:effectClrLst/>
+    <dgm:txLinClrLst/>
+    <dgm:txFillClrLst meth="repeat">
+      <a:schemeClr val="tx1"/>
+    </dgm:txFillClrLst>
+    <dgm:txEffectClrLst/>
+  </dgm:styleLbl>
+  <dgm:styleLbl name="parChTrans1D4">
+    <dgm:fillClrLst meth="repeat">
+      <a:schemeClr val="accent6">
+        <a:tint val="50000"/>
+      </a:schemeClr>
+    </dgm:fillClrLst>
+    <dgm:linClrLst meth="repeat">
+      <a:schemeClr val="accent2"/>
+    </dgm:linClrLst>
+    <dgm:effectClrLst/>
+    <dgm:txLinClrLst/>
+    <dgm:txFillClrLst meth="repeat">
+      <a:schemeClr val="tx1"/>
+    </dgm:txFillClrLst>
+    <dgm:txEffectClrLst/>
+  </dgm:styleLbl>
+  <dgm:styleLbl name="fgAcc1">
+    <dgm:fillClrLst meth="repeat">
+      <a:schemeClr val="lt1">
+        <a:alpha val="90000"/>
+      </a:schemeClr>
+    </dgm:fillClrLst>
+    <dgm:linClrLst>
+      <a:schemeClr val="accent5"/>
+      <a:schemeClr val="accent6"/>
+    </dgm:linClrLst>
+    <dgm:effectClrLst/>
+    <dgm:txLinClrLst/>
+    <dgm:txFillClrLst meth="repeat">
+      <a:schemeClr val="dk1"/>
+    </dgm:txFillClrLst>
+    <dgm:txEffectClrLst/>
+  </dgm:styleLbl>
+  <dgm:styleLbl name="conFgAcc1">
+    <dgm:fillClrLst meth="repeat">
+      <a:schemeClr val="lt1">
+        <a:alpha val="90000"/>
+      </a:schemeClr>
+    </dgm:fillClrLst>
+    <dgm:linClrLst>
+      <a:schemeClr val="accent5"/>
+      <a:schemeClr val="accent6"/>
+    </dgm:linClrLst>
+    <dgm:effectClrLst/>
+    <dgm:txLinClrLst/>
+    <dgm:txFillClrLst meth="repeat">
+      <a:schemeClr val="dk1"/>
+    </dgm:txFillClrLst>
+    <dgm:txEffectClrLst/>
+  </dgm:styleLbl>
+  <dgm:styleLbl name="alignAcc1">
+    <dgm:fillClrLst meth="repeat">
+      <a:schemeClr val="lt1">
+        <a:alpha val="90000"/>
+      </a:schemeClr>
+    </dgm:fillClrLst>
+    <dgm:linClrLst>
+      <a:schemeClr val="accent5"/>
+      <a:schemeClr val="accent6"/>
+    </dgm:linClrLst>
+    <dgm:effectClrLst/>
+    <dgm:txLinClrLst/>
+    <dgm:txFillClrLst meth="repeat">
+      <a:schemeClr val="dk1"/>
+    </dgm:txFillClrLst>
+    <dgm:txEffectClrLst/>
+  </dgm:styleLbl>
+  <dgm:styleLbl name="trAlignAcc1">
+    <dgm:fillClrLst meth="repeat">
+      <a:schemeClr val="lt1">
+        <a:alpha val="40000"/>
+      </a:schemeClr>
+    </dgm:fillClrLst>
+    <dgm:linClrLst meth="repeat">
+      <a:schemeClr val="accent5"/>
+    </dgm:linClrLst>
+    <dgm:effectClrLst/>
+    <dgm:txLinClrLst/>
+    <dgm:txFillClrLst meth="repeat">
+      <a:schemeClr val="dk1"/>
+    </dgm:txFillClrLst>
+    <dgm:txEffectClrLst/>
+  </dgm:styleLbl>
+  <dgm:styleLbl name="bgAcc1">
+    <dgm:fillClrLst meth="repeat">
+      <a:schemeClr val="lt1">
+        <a:alpha val="90000"/>
+      </a:schemeClr>
+    </dgm:fillClrLst>
+    <dgm:linClrLst>
+      <a:schemeClr val="accent5"/>
+      <a:schemeClr val="accent6"/>
+    </dgm:linClrLst>
+    <dgm:effectClrLst/>
+    <dgm:txLinClrLst/>
+    <dgm:txFillClrLst meth="repeat">
+      <a:schemeClr val="dk1"/>
+    </dgm:txFillClrLst>
+    <dgm:txEffectClrLst/>
+  </dgm:styleLbl>
+  <dgm:styleLbl name="solidFgAcc1">
+    <dgm:fillClrLst meth="repeat">
+      <a:schemeClr val="lt1"/>
+    </dgm:fillClrLst>
+    <dgm:linClrLst>
+      <a:schemeClr val="accent5"/>
+      <a:schemeClr val="accent6"/>
+    </dgm:linClrLst>
+    <dgm:effectClrLst/>
+    <dgm:txLinClrLst/>
+    <dgm:txFillClrLst meth="repeat">
+      <a:schemeClr val="dk1"/>
+    </dgm:txFillClrLst>
+    <dgm:txEffectClrLst/>
+  </dgm:styleLbl>
+  <dgm:styleLbl name="solidAlignAcc1">
+    <dgm:fillClrLst meth="repeat">
+      <a:schemeClr val="lt1"/>
+    </dgm:fillClrLst>
+    <dgm:linClrLst>
+      <a:schemeClr val="accent5"/>
+      <a:schemeClr val="accent6"/>
+    </dgm:linClrLst>
+    <dgm:effectClrLst/>
+    <dgm:txLinClrLst/>
+    <dgm:txFillClrLst meth="repeat">
+      <a:schemeClr val="dk1"/>
+    </dgm:txFillClrLst>
+    <dgm:txEffectClrLst/>
+  </dgm:styleLbl>
+  <dgm:styleLbl name="solidBgAcc1">
+    <dgm:fillClrLst meth="repeat">
+      <a:schemeClr val="lt1"/>
+    </dgm:fillClrLst>
+    <dgm:linClrLst>
+      <a:schemeClr val="accent5"/>
+      <a:schemeClr val="accent6"/>
+    </dgm:linClrLst>
+    <dgm:effectClrLst/>
+    <dgm:txLinClrLst/>
+    <dgm:txFillClrLst meth="repeat">
+      <a:schemeClr val="dk1"/>
+    </dgm:txFillClrLst>
+    <dgm:txEffectClrLst/>
+  </dgm:styleLbl>
+  <dgm:styleLbl name="fgAccFollowNode1">
+    <dgm:fillClrLst>
+      <a:schemeClr val="accent5">
+        <a:tint val="40000"/>
+        <a:alpha val="90000"/>
+      </a:schemeClr>
+      <a:schemeClr val="accent6">
+        <a:tint val="40000"/>
+        <a:alpha val="90000"/>
+      </a:schemeClr>
+    </dgm:fillClrLst>
+    <dgm:linClrLst>
+      <a:schemeClr val="accent5">
+        <a:tint val="40000"/>
+        <a:alpha val="90000"/>
+      </a:schemeClr>
+      <a:schemeClr val="accent5">
+        <a:tint val="40000"/>
+        <a:alpha val="90000"/>
+      </a:schemeClr>
+    </dgm:linClrLst>
+    <dgm:effectClrLst/>
+    <dgm:txLinClrLst/>
+    <dgm:txFillClrLst meth="repeat">
+      <a:schemeClr val="dk1"/>
+    </dgm:txFillClrLst>
+    <dgm:txEffectClrLst/>
+  </dgm:styleLbl>
+  <dgm:styleLbl name="alignAccFollowNode1">
+    <dgm:fillClrLst>
+      <a:schemeClr val="accent5">
+        <a:tint val="40000"/>
+        <a:alpha val="90000"/>
+      </a:schemeClr>
+      <a:schemeClr val="accent6">
+        <a:tint val="40000"/>
+        <a:alpha val="90000"/>
+      </a:schemeClr>
+    </dgm:fillClrLst>
+    <dgm:linClrLst>
+      <a:schemeClr val="accent5">
+        <a:tint val="40000"/>
+        <a:alpha val="90000"/>
+      </a:schemeClr>
+      <a:schemeClr val="accent6">
+        <a:tint val="40000"/>
+        <a:alpha val="90000"/>
+      </a:schemeClr>
+    </dgm:linClrLst>
+    <dgm:effectClrLst/>
+    <dgm:txLinClrLst/>
+    <dgm:txFillClrLst meth="repeat">
+      <a:schemeClr val="dk1"/>
+    </dgm:txFillClrLst>
+    <dgm:txEffectClrLst/>
+  </dgm:styleLbl>
+  <dgm:styleLbl name="bgAccFollowNode1">
+    <dgm:fillClrLst>
+      <a:schemeClr val="accent5">
+        <a:tint val="40000"/>
+        <a:alpha val="90000"/>
+      </a:schemeClr>
+      <a:schemeClr val="accent6">
+        <a:tint val="40000"/>
+        <a:alpha val="90000"/>
+      </a:schemeClr>
+    </dgm:fillClrLst>
+    <dgm:linClrLst>
+      <a:schemeClr val="accent5">
+        <a:tint val="40000"/>
+        <a:alpha val="90000"/>
+      </a:schemeClr>
+      <a:schemeClr val="accent6">
+        <a:tint val="40000"/>
+        <a:alpha val="90000"/>
+      </a:schemeClr>
+    </dgm:linClrLst>
+    <dgm:effectClrLst/>
+    <dgm:txLinClrLst/>
+    <dgm:txFillClrLst meth="repeat">
+      <a:schemeClr val="dk1"/>
+    </dgm:txFillClrLst>
+    <dgm:txEffectClrLst/>
+  </dgm:styleLbl>
+  <dgm:styleLbl name="fgAcc0">
+    <dgm:fillClrLst meth="repeat">
+      <a:schemeClr val="lt1">
+        <a:alpha val="90000"/>
+      </a:schemeClr>
+    </dgm:fillClrLst>
+    <dgm:linClrLst>
+      <a:schemeClr val="accent4"/>
+    </dgm:linClrLst>
+    <dgm:effectClrLst/>
+    <dgm:txLinClrLst/>
+    <dgm:txFillClrLst meth="repeat">
+      <a:schemeClr val="dk1"/>
+    </dgm:txFillClrLst>
+    <dgm:txEffectClrLst/>
+  </dgm:styleLbl>
+  <dgm:styleLbl name="fgAcc2">
+    <dgm:fillClrLst meth="repeat">
+      <a:schemeClr val="lt1">
+        <a:alpha val="90000"/>
+      </a:schemeClr>
+    </dgm:fillClrLst>
+    <dgm:linClrLst>
+      <a:schemeClr val="accent6"/>
+    </dgm:linClrLst>
+    <dgm:effectClrLst/>
+    <dgm:txLinClrLst/>
+    <dgm:txFillClrLst meth="repeat">
+      <a:schemeClr val="dk1"/>
+    </dgm:txFillClrLst>
+    <dgm:txEffectClrLst/>
+  </dgm:styleLbl>
+  <dgm:styleLbl name="fgAcc3">
+    <dgm:fillClrLst meth="repeat">
+      <a:schemeClr val="lt1">
+        <a:alpha val="90000"/>
+      </a:schemeClr>
+    </dgm:fillClrLst>
+    <dgm:linClrLst>
+      <a:schemeClr val="accent1"/>
+    </dgm:linClrLst>
+    <dgm:effectClrLst/>
+    <dgm:txLinClrLst/>
+    <dgm:txFillClrLst meth="repeat">
+      <a:schemeClr val="dk1"/>
+    </dgm:txFillClrLst>
+    <dgm:txEffectClrLst/>
+  </dgm:styleLbl>
+  <dgm:styleLbl name="fgAcc4">
+    <dgm:fillClrLst meth="repeat">
+      <a:schemeClr val="lt1">
+        <a:alpha val="90000"/>
+      </a:schemeClr>
+    </dgm:fillClrLst>
+    <dgm:linClrLst>
+      <a:schemeClr val="accent2"/>
+    </dgm:linClrLst>
+    <dgm:effectClrLst/>
+    <dgm:txLinClrLst/>
+    <dgm:txFillClrLst meth="repeat">
+      <a:schemeClr val="dk1"/>
+    </dgm:txFillClrLst>
+    <dgm:txEffectClrLst/>
+  </dgm:styleLbl>
+  <dgm:styleLbl name="bgShp">
+    <dgm:fillClrLst meth="repeat">
+      <a:schemeClr val="accent5">
+        <a:tint val="40000"/>
+      </a:schemeClr>
+    </dgm:fillClrLst>
+    <dgm:linClrLst meth="repeat">
+      <a:schemeClr val="dk1"/>
+    </dgm:linClrLst>
+    <dgm:effectClrLst/>
+    <dgm:txLinClrLst/>
+    <dgm:txFillClrLst meth="repeat">
+      <a:schemeClr val="dk1"/>
+    </dgm:txFillClrLst>
+    <dgm:txEffectClrLst/>
+  </dgm:styleLbl>
+  <dgm:styleLbl name="dkBgShp">
+    <dgm:fillClrLst meth="repeat">
+      <a:schemeClr val="accent5">
+        <a:shade val="90000"/>
+      </a:schemeClr>
+    </dgm:fillClrLst>
+    <dgm:linClrLst meth="repeat">
+      <a:schemeClr val="dk1"/>
+    </dgm:linClrLst>
+    <dgm:effectClrLst/>
+    <dgm:txLinClrLst/>
+    <dgm:txFillClrLst meth="repeat">
+      <a:schemeClr val="lt1"/>
+    </dgm:txFillClrLst>
+    <dgm:txEffectClrLst/>
+  </dgm:styleLbl>
+  <dgm:styleLbl name="trBgShp">
+    <dgm:fillClrLst meth="repeat">
+      <a:schemeClr val="accent5">
+        <a:tint val="50000"/>
+        <a:alpha val="40000"/>
+      </a:schemeClr>
+    </dgm:fillClrLst>
+    <dgm:linClrLst meth="repeat">
+      <a:schemeClr val="accent5"/>
+    </dgm:linClrLst>
+    <dgm:effectClrLst/>
+    <dgm:txLinClrLst/>
+    <dgm:txFillClrLst meth="repeat">
+      <a:schemeClr val="lt1"/>
+    </dgm:txFillClrLst>
+    <dgm:txEffectClrLst/>
+  </dgm:styleLbl>
+  <dgm:styleLbl name="fgShp">
+    <dgm:fillClrLst meth="repeat">
+      <a:schemeClr val="accent5">
+        <a:tint val="40000"/>
+      </a:schemeClr>
+    </dgm:fillClrLst>
+    <dgm:linClrLst meth="repeat">
+      <a:schemeClr val="lt1"/>
+    </dgm:linClrLst>
+    <dgm:effectClrLst/>
+    <dgm:txLinClrLst/>
+    <dgm:txFillClrLst meth="repeat">
+      <a:schemeClr val="dk1"/>
+    </dgm:txFillClrLst>
+    <dgm:txEffectClrLst/>
+  </dgm:styleLbl>
+  <dgm:styleLbl name="revTx">
+    <dgm:fillClrLst meth="repeat">
+      <a:schemeClr val="lt1">
+        <a:alpha val="0"/>
+      </a:schemeClr>
+    </dgm:fillClrLst>
+    <dgm:linClrLst meth="repeat">
+      <a:schemeClr val="dk1">
+        <a:alpha val="0"/>
+      </a:schemeClr>
+    </dgm:linClrLst>
+    <dgm:effectClrLst/>
+    <dgm:txLinClrLst/>
+    <dgm:txFillClrLst meth="repeat">
+      <a:schemeClr val="tx1"/>
+    </dgm:txFillClrLst>
+    <dgm:txEffectClrLst/>
+  </dgm:styleLbl>
+</dgm:colorsDef>
+</file>
+
+<file path=ppt/diagrams/colors5.xml><?xml version="1.0" encoding="utf-8"?>
 <dgm:colorsDef xmlns:dgm="http://schemas.openxmlformats.org/drawingml/2006/diagram" xmlns:a="http://schemas.openxmlformats.org/drawingml/2006/main" uniqueId="urn:microsoft.com/office/officeart/2005/8/colors/accent1_2">
   <dgm:title val=""/>
   <dgm:desc val=""/>
@@ -4099,39 +4881,39 @@
     </dgm:pt>
   </dgm:ptLst>
   <dgm:cxnLst>
+    <dgm:cxn modelId="{00EB73C6-3193-4443-851A-936E32877ADD}" type="presOf" srcId="{C50BEBBB-54F1-4503-8F3F-372EE468F041}" destId="{CFC34C5D-362C-4F86-88A4-FBF87B2C7427}" srcOrd="0" destOrd="2" presId="urn:microsoft.com/office/officeart/2005/8/layout/chevron2"/>
+    <dgm:cxn modelId="{937E19B7-67CE-431E-AD3C-02EC700B10A8}" srcId="{82A2100F-ACB1-4FB2-B588-2162CCE0A7EC}" destId="{6745F2E8-67DC-4335-8E1C-679A2BFBCEFE}" srcOrd="2" destOrd="0" parTransId="{94CEB101-BF41-42F2-B6D5-387205ED63AB}" sibTransId="{90453888-4146-41D3-A757-3D9733F25949}"/>
+    <dgm:cxn modelId="{B73A275F-7945-483C-8FE0-7D9EA16D1BBA}" srcId="{D957C335-3589-4AA0-920B-00DB91C683BF}" destId="{82B52429-3E42-43BB-8391-EEA5D69683A3}" srcOrd="1" destOrd="0" parTransId="{F1DE50FC-DC8F-4E5C-9D47-D6BA187B7FD3}" sibTransId="{9C83342E-B54D-4BD5-A4BD-29FC60D70700}"/>
+    <dgm:cxn modelId="{D3ABFCD0-354F-4D9A-9F0C-4B9AAB7DD4B8}" type="presOf" srcId="{75A8AF5E-E077-421B-9B83-1D16FC13CC3E}" destId="{C4A35548-2E21-4AAA-AE63-C60FCAEA2D26}" srcOrd="0" destOrd="0" presId="urn:microsoft.com/office/officeart/2005/8/layout/chevron2"/>
     <dgm:cxn modelId="{AB9DB3A5-5590-4E9C-9842-5405E6CF13F0}" type="presOf" srcId="{6745F2E8-67DC-4335-8E1C-679A2BFBCEFE}" destId="{71D3D0C1-943C-4F07-851A-449A1ADF9B3C}" srcOrd="0" destOrd="2" presId="urn:microsoft.com/office/officeart/2005/8/layout/chevron2"/>
+    <dgm:cxn modelId="{F5F196BB-E062-4666-ADBF-28AB8EB88591}" type="presOf" srcId="{D957C335-3589-4AA0-920B-00DB91C683BF}" destId="{30D1CCFE-B9E2-495C-A14E-C264FE155CBE}" srcOrd="0" destOrd="0" presId="urn:microsoft.com/office/officeart/2005/8/layout/chevron2"/>
+    <dgm:cxn modelId="{19DF7B0B-DAB6-469D-AF09-E2BBF4267F49}" type="presOf" srcId="{AEF24AE9-0AB3-4763-A5DA-3018061F5588}" destId="{CFC34C5D-362C-4F86-88A4-FBF87B2C7427}" srcOrd="0" destOrd="3" presId="urn:microsoft.com/office/officeart/2005/8/layout/chevron2"/>
+    <dgm:cxn modelId="{2D5E0BA9-CF6C-4340-A554-6D094D4B6F20}" type="presOf" srcId="{AC62F493-CDC1-4D34-9615-782F8A2EC453}" destId="{1EF1D0A2-CEB4-4E60-AB0F-BCD66F169E2A}" srcOrd="0" destOrd="0" presId="urn:microsoft.com/office/officeart/2005/8/layout/chevron2"/>
+    <dgm:cxn modelId="{D5C16949-916C-47D2-B666-403C11A53BDC}" type="presOf" srcId="{A65BB76B-6769-4336-B9A5-2CC4F1A9DF53}" destId="{635E652E-FF37-4DFF-95CD-8CA4BA2A8607}" srcOrd="0" destOrd="2" presId="urn:microsoft.com/office/officeart/2005/8/layout/chevron2"/>
+    <dgm:cxn modelId="{84E9938B-3CA2-47EC-865D-AB3EB24F5CEF}" srcId="{AC62F493-CDC1-4D34-9615-782F8A2EC453}" destId="{5155967F-FA0A-4587-9DF5-C229C7C1341C}" srcOrd="1" destOrd="0" parTransId="{73AB8B54-034E-4BC5-8111-248E92063304}" sibTransId="{01368EB3-46CD-4698-96C7-5F60B9A29451}"/>
+    <dgm:cxn modelId="{C79B078C-D58A-47CF-94B0-7E387B47895B}" srcId="{6FB126C9-4DE9-466A-B25B-AC57AA36B4A8}" destId="{9CB56806-528A-44C1-B476-9B43D6E887C0}" srcOrd="1" destOrd="0" parTransId="{DFF6BF32-45C2-4942-B6C7-2656E49203DD}" sibTransId="{74CBDB70-6C77-4F6B-8303-DE1F7A3314B4}"/>
+    <dgm:cxn modelId="{C1F94BDE-4A9C-4F43-8E28-AA89E109CBB5}" type="presOf" srcId="{08471830-FB56-47BF-8120-388DF827F600}" destId="{71D3D0C1-943C-4F07-851A-449A1ADF9B3C}" srcOrd="0" destOrd="1" presId="urn:microsoft.com/office/officeart/2005/8/layout/chevron2"/>
     <dgm:cxn modelId="{5A3CCCB0-5C1A-40F0-81AD-EAF17766D25C}" type="presOf" srcId="{82A2100F-ACB1-4FB2-B588-2162CCE0A7EC}" destId="{8674861C-641D-4B44-BD65-87448F1A2F8A}" srcOrd="0" destOrd="0" presId="urn:microsoft.com/office/officeart/2005/8/layout/chevron2"/>
-    <dgm:cxn modelId="{937E19B7-67CE-431E-AD3C-02EC700B10A8}" srcId="{82A2100F-ACB1-4FB2-B588-2162CCE0A7EC}" destId="{6745F2E8-67DC-4335-8E1C-679A2BFBCEFE}" srcOrd="2" destOrd="0" parTransId="{94CEB101-BF41-42F2-B6D5-387205ED63AB}" sibTransId="{90453888-4146-41D3-A757-3D9733F25949}"/>
-    <dgm:cxn modelId="{D3ABFCD0-354F-4D9A-9F0C-4B9AAB7DD4B8}" type="presOf" srcId="{75A8AF5E-E077-421B-9B83-1D16FC13CC3E}" destId="{C4A35548-2E21-4AAA-AE63-C60FCAEA2D26}" srcOrd="0" destOrd="0" presId="urn:microsoft.com/office/officeart/2005/8/layout/chevron2"/>
+    <dgm:cxn modelId="{60F36FC5-56E2-4EBB-89A6-7FBC4B31009C}" srcId="{6FB126C9-4DE9-466A-B25B-AC57AA36B4A8}" destId="{A65BB76B-6769-4336-B9A5-2CC4F1A9DF53}" srcOrd="2" destOrd="0" parTransId="{8149FB2C-C327-43F1-A0EF-E84067A22E2B}" sibTransId="{46D0B279-62B2-49C7-A4EC-E7C64778DCBB}"/>
+    <dgm:cxn modelId="{5B94BBC2-A917-4F14-BBAF-71CDA57D6E46}" srcId="{319E2ED7-DAC0-475E-B7F4-31BD7A5B9166}" destId="{D957C335-3589-4AA0-920B-00DB91C683BF}" srcOrd="0" destOrd="0" parTransId="{C09C0A58-B08D-4AD8-92AE-2C0B81B850CB}" sibTransId="{BED980AE-90CC-4293-8282-401B45C67475}"/>
+    <dgm:cxn modelId="{7984A512-A146-4663-A47E-6ADCB4FA6DF7}" srcId="{319E2ED7-DAC0-475E-B7F4-31BD7A5B9166}" destId="{82A2100F-ACB1-4FB2-B588-2162CCE0A7EC}" srcOrd="1" destOrd="0" parTransId="{D4ED4BAD-3900-46F1-AF51-98F72F7DCE07}" sibTransId="{7D54EAF5-9F72-4894-A745-4C7830259640}"/>
+    <dgm:cxn modelId="{15854B30-8AE7-468A-A4F9-0BD7B64E0B5F}" srcId="{319E2ED7-DAC0-475E-B7F4-31BD7A5B9166}" destId="{AC62F493-CDC1-4D34-9615-782F8A2EC453}" srcOrd="2" destOrd="0" parTransId="{34AD31BE-5FB2-4D11-AA64-1D0D7647C0A3}" sibTransId="{B2AF5689-8D5E-4357-BB39-A0DC8FC6B568}"/>
+    <dgm:cxn modelId="{81DA24D7-97CE-438F-B852-BF9BF348C0B3}" srcId="{D957C335-3589-4AA0-920B-00DB91C683BF}" destId="{75A8AF5E-E077-421B-9B83-1D16FC13CC3E}" srcOrd="0" destOrd="0" parTransId="{6DC162DF-BB4B-4EED-8F82-97B9EA69275B}" sibTransId="{99D8C5BF-696F-4C46-B987-D4C950E716F2}"/>
+    <dgm:cxn modelId="{B23F0335-5FA2-4792-9D39-CC7C8715EB40}" type="presOf" srcId="{6FB126C9-4DE9-466A-B25B-AC57AA36B4A8}" destId="{C6191146-B27E-4576-889C-63715DA6B13F}" srcOrd="0" destOrd="0" presId="urn:microsoft.com/office/officeart/2005/8/layout/chevron2"/>
+    <dgm:cxn modelId="{063EB3C0-7438-4879-9E2E-E0F41B7FB189}" type="presOf" srcId="{9CB56806-528A-44C1-B476-9B43D6E887C0}" destId="{635E652E-FF37-4DFF-95CD-8CA4BA2A8607}" srcOrd="0" destOrd="1" presId="urn:microsoft.com/office/officeart/2005/8/layout/chevron2"/>
+    <dgm:cxn modelId="{4EF8FF02-E84E-4A2A-BE64-590744BB1ECC}" srcId="{82A2100F-ACB1-4FB2-B588-2162CCE0A7EC}" destId="{08471830-FB56-47BF-8120-388DF827F600}" srcOrd="1" destOrd="0" parTransId="{81E2EC31-99EB-46A4-96E2-0EAFE8119909}" sibTransId="{30669AC3-1C30-4302-8714-BAE75147CD7B}"/>
+    <dgm:cxn modelId="{2EE161C4-F368-49DA-9263-5565E17AC390}" srcId="{82A2100F-ACB1-4FB2-B588-2162CCE0A7EC}" destId="{F62940DA-37A4-4D07-ACF2-0CEA7AC91757}" srcOrd="0" destOrd="0" parTransId="{4125334E-F82D-4AB7-9A28-90E8DCDE2637}" sibTransId="{62D9652E-9BE8-4476-A4C5-58D32663BA67}"/>
+    <dgm:cxn modelId="{BCE2E609-F5FD-4D47-8044-B2D3C24E44D5}" srcId="{6FB126C9-4DE9-466A-B25B-AC57AA36B4A8}" destId="{BBBFE2C6-6943-42DD-A5DD-D6818DA7D418}" srcOrd="0" destOrd="0" parTransId="{F777CEEA-C19F-453B-8807-1F928AEC03EC}" sibTransId="{18226821-D713-4B27-947C-0725DE36937B}"/>
+    <dgm:cxn modelId="{A3BC6206-2066-4E27-BD72-A0F5854040D6}" srcId="{AC62F493-CDC1-4D34-9615-782F8A2EC453}" destId="{C50BEBBB-54F1-4503-8F3F-372EE468F041}" srcOrd="2" destOrd="0" parTransId="{DF3E6CEC-D113-4C00-B57E-38DB41CA9A70}" sibTransId="{A80EE40A-C922-4480-97CC-43A959177CB1}"/>
+    <dgm:cxn modelId="{424AEB46-983D-42EE-BDAC-A0B59FF39508}" type="presOf" srcId="{5155967F-FA0A-4587-9DF5-C229C7C1341C}" destId="{CFC34C5D-362C-4F86-88A4-FBF87B2C7427}" srcOrd="0" destOrd="1" presId="urn:microsoft.com/office/officeart/2005/8/layout/chevron2"/>
+    <dgm:cxn modelId="{5BB7F946-2644-4866-993F-D37B265F39A2}" srcId="{319E2ED7-DAC0-475E-B7F4-31BD7A5B9166}" destId="{6FB126C9-4DE9-466A-B25B-AC57AA36B4A8}" srcOrd="3" destOrd="0" parTransId="{C899445F-DA4D-4276-9976-650356A15FAE}" sibTransId="{6B59BCFD-82F5-4EE5-BBA3-7C0C82963889}"/>
+    <dgm:cxn modelId="{236F0FB2-695E-473F-8749-D2910A11D1DE}" type="presOf" srcId="{319E2ED7-DAC0-475E-B7F4-31BD7A5B9166}" destId="{839CC9F4-E7D6-485F-85CD-EC9B7273AD54}" srcOrd="0" destOrd="0" presId="urn:microsoft.com/office/officeart/2005/8/layout/chevron2"/>
+    <dgm:cxn modelId="{9AACCA81-1E4D-4D70-B868-C4798071B132}" srcId="{AC62F493-CDC1-4D34-9615-782F8A2EC453}" destId="{AEF24AE9-0AB3-4763-A5DA-3018061F5588}" srcOrd="3" destOrd="0" parTransId="{7FADB0DA-D63D-45EB-BBFF-8EE9D5BAF632}" sibTransId="{6F723BFF-936F-4352-BB40-FDEDCC497E6D}"/>
+    <dgm:cxn modelId="{7D0235AC-8540-44A3-BCFB-96307951F434}" type="presOf" srcId="{D3B228FB-1135-4D34-B378-4E75EFDAC51D}" destId="{CFC34C5D-362C-4F86-88A4-FBF87B2C7427}" srcOrd="0" destOrd="0" presId="urn:microsoft.com/office/officeart/2005/8/layout/chevron2"/>
+    <dgm:cxn modelId="{47B03B05-419C-4EC6-96AF-A7685A8981D5}" type="presOf" srcId="{F62940DA-37A4-4D07-ACF2-0CEA7AC91757}" destId="{71D3D0C1-943C-4F07-851A-449A1ADF9B3C}" srcOrd="0" destOrd="0" presId="urn:microsoft.com/office/officeart/2005/8/layout/chevron2"/>
     <dgm:cxn modelId="{0F152CF0-FE4F-41C3-AD79-1103EE14CB26}" type="presOf" srcId="{BBBFE2C6-6943-42DD-A5DD-D6818DA7D418}" destId="{635E652E-FF37-4DFF-95CD-8CA4BA2A8607}" srcOrd="0" destOrd="0" presId="urn:microsoft.com/office/officeart/2005/8/layout/chevron2"/>
-    <dgm:cxn modelId="{9AACCA81-1E4D-4D70-B868-C4798071B132}" srcId="{AC62F493-CDC1-4D34-9615-782F8A2EC453}" destId="{AEF24AE9-0AB3-4763-A5DA-3018061F5588}" srcOrd="3" destOrd="0" parTransId="{7FADB0DA-D63D-45EB-BBFF-8EE9D5BAF632}" sibTransId="{6F723BFF-936F-4352-BB40-FDEDCC497E6D}"/>
-    <dgm:cxn modelId="{47B03B05-419C-4EC6-96AF-A7685A8981D5}" type="presOf" srcId="{F62940DA-37A4-4D07-ACF2-0CEA7AC91757}" destId="{71D3D0C1-943C-4F07-851A-449A1ADF9B3C}" srcOrd="0" destOrd="0" presId="urn:microsoft.com/office/officeart/2005/8/layout/chevron2"/>
-    <dgm:cxn modelId="{C79B078C-D58A-47CF-94B0-7E387B47895B}" srcId="{6FB126C9-4DE9-466A-B25B-AC57AA36B4A8}" destId="{9CB56806-528A-44C1-B476-9B43D6E887C0}" srcOrd="1" destOrd="0" parTransId="{DFF6BF32-45C2-4942-B6C7-2656E49203DD}" sibTransId="{74CBDB70-6C77-4F6B-8303-DE1F7A3314B4}"/>
-    <dgm:cxn modelId="{424AEB46-983D-42EE-BDAC-A0B59FF39508}" type="presOf" srcId="{5155967F-FA0A-4587-9DF5-C229C7C1341C}" destId="{CFC34C5D-362C-4F86-88A4-FBF87B2C7427}" srcOrd="0" destOrd="1" presId="urn:microsoft.com/office/officeart/2005/8/layout/chevron2"/>
-    <dgm:cxn modelId="{00EB73C6-3193-4443-851A-936E32877ADD}" type="presOf" srcId="{C50BEBBB-54F1-4503-8F3F-372EE468F041}" destId="{CFC34C5D-362C-4F86-88A4-FBF87B2C7427}" srcOrd="0" destOrd="2" presId="urn:microsoft.com/office/officeart/2005/8/layout/chevron2"/>
     <dgm:cxn modelId="{986B3B8B-DE94-4ECB-8BEB-53DE5AD5C2FF}" type="presOf" srcId="{82B52429-3E42-43BB-8391-EEA5D69683A3}" destId="{C4A35548-2E21-4AAA-AE63-C60FCAEA2D26}" srcOrd="0" destOrd="1" presId="urn:microsoft.com/office/officeart/2005/8/layout/chevron2"/>
-    <dgm:cxn modelId="{81DA24D7-97CE-438F-B852-BF9BF348C0B3}" srcId="{D957C335-3589-4AA0-920B-00DB91C683BF}" destId="{75A8AF5E-E077-421B-9B83-1D16FC13CC3E}" srcOrd="0" destOrd="0" parTransId="{6DC162DF-BB4B-4EED-8F82-97B9EA69275B}" sibTransId="{99D8C5BF-696F-4C46-B987-D4C950E716F2}"/>
-    <dgm:cxn modelId="{19DF7B0B-DAB6-469D-AF09-E2BBF4267F49}" type="presOf" srcId="{AEF24AE9-0AB3-4763-A5DA-3018061F5588}" destId="{CFC34C5D-362C-4F86-88A4-FBF87B2C7427}" srcOrd="0" destOrd="3" presId="urn:microsoft.com/office/officeart/2005/8/layout/chevron2"/>
-    <dgm:cxn modelId="{A3BC6206-2066-4E27-BD72-A0F5854040D6}" srcId="{AC62F493-CDC1-4D34-9615-782F8A2EC453}" destId="{C50BEBBB-54F1-4503-8F3F-372EE468F041}" srcOrd="2" destOrd="0" parTransId="{DF3E6CEC-D113-4C00-B57E-38DB41CA9A70}" sibTransId="{A80EE40A-C922-4480-97CC-43A959177CB1}"/>
-    <dgm:cxn modelId="{BCE2E609-F5FD-4D47-8044-B2D3C24E44D5}" srcId="{6FB126C9-4DE9-466A-B25B-AC57AA36B4A8}" destId="{BBBFE2C6-6943-42DD-A5DD-D6818DA7D418}" srcOrd="0" destOrd="0" parTransId="{F777CEEA-C19F-453B-8807-1F928AEC03EC}" sibTransId="{18226821-D713-4B27-947C-0725DE36937B}"/>
-    <dgm:cxn modelId="{5B94BBC2-A917-4F14-BBAF-71CDA57D6E46}" srcId="{319E2ED7-DAC0-475E-B7F4-31BD7A5B9166}" destId="{D957C335-3589-4AA0-920B-00DB91C683BF}" srcOrd="0" destOrd="0" parTransId="{C09C0A58-B08D-4AD8-92AE-2C0B81B850CB}" sibTransId="{BED980AE-90CC-4293-8282-401B45C67475}"/>
-    <dgm:cxn modelId="{2EE161C4-F368-49DA-9263-5565E17AC390}" srcId="{82A2100F-ACB1-4FB2-B588-2162CCE0A7EC}" destId="{F62940DA-37A4-4D07-ACF2-0CEA7AC91757}" srcOrd="0" destOrd="0" parTransId="{4125334E-F82D-4AB7-9A28-90E8DCDE2637}" sibTransId="{62D9652E-9BE8-4476-A4C5-58D32663BA67}"/>
-    <dgm:cxn modelId="{7984A512-A146-4663-A47E-6ADCB4FA6DF7}" srcId="{319E2ED7-DAC0-475E-B7F4-31BD7A5B9166}" destId="{82A2100F-ACB1-4FB2-B588-2162CCE0A7EC}" srcOrd="1" destOrd="0" parTransId="{D4ED4BAD-3900-46F1-AF51-98F72F7DCE07}" sibTransId="{7D54EAF5-9F72-4894-A745-4C7830259640}"/>
-    <dgm:cxn modelId="{063EB3C0-7438-4879-9E2E-E0F41B7FB189}" type="presOf" srcId="{9CB56806-528A-44C1-B476-9B43D6E887C0}" destId="{635E652E-FF37-4DFF-95CD-8CA4BA2A8607}" srcOrd="0" destOrd="1" presId="urn:microsoft.com/office/officeart/2005/8/layout/chevron2"/>
-    <dgm:cxn modelId="{B23F0335-5FA2-4792-9D39-CC7C8715EB40}" type="presOf" srcId="{6FB126C9-4DE9-466A-B25B-AC57AA36B4A8}" destId="{C6191146-B27E-4576-889C-63715DA6B13F}" srcOrd="0" destOrd="0" presId="urn:microsoft.com/office/officeart/2005/8/layout/chevron2"/>
-    <dgm:cxn modelId="{84E9938B-3CA2-47EC-865D-AB3EB24F5CEF}" srcId="{AC62F493-CDC1-4D34-9615-782F8A2EC453}" destId="{5155967F-FA0A-4587-9DF5-C229C7C1341C}" srcOrd="1" destOrd="0" parTransId="{73AB8B54-034E-4BC5-8111-248E92063304}" sibTransId="{01368EB3-46CD-4698-96C7-5F60B9A29451}"/>
-    <dgm:cxn modelId="{4EF8FF02-E84E-4A2A-BE64-590744BB1ECC}" srcId="{82A2100F-ACB1-4FB2-B588-2162CCE0A7EC}" destId="{08471830-FB56-47BF-8120-388DF827F600}" srcOrd="1" destOrd="0" parTransId="{81E2EC31-99EB-46A4-96E2-0EAFE8119909}" sibTransId="{30669AC3-1C30-4302-8714-BAE75147CD7B}"/>
-    <dgm:cxn modelId="{60F36FC5-56E2-4EBB-89A6-7FBC4B31009C}" srcId="{6FB126C9-4DE9-466A-B25B-AC57AA36B4A8}" destId="{A65BB76B-6769-4336-B9A5-2CC4F1A9DF53}" srcOrd="2" destOrd="0" parTransId="{8149FB2C-C327-43F1-A0EF-E84067A22E2B}" sibTransId="{46D0B279-62B2-49C7-A4EC-E7C64778DCBB}"/>
-    <dgm:cxn modelId="{7D0235AC-8540-44A3-BCFB-96307951F434}" type="presOf" srcId="{D3B228FB-1135-4D34-B378-4E75EFDAC51D}" destId="{CFC34C5D-362C-4F86-88A4-FBF87B2C7427}" srcOrd="0" destOrd="0" presId="urn:microsoft.com/office/officeart/2005/8/layout/chevron2"/>
-    <dgm:cxn modelId="{C1F94BDE-4A9C-4F43-8E28-AA89E109CBB5}" type="presOf" srcId="{08471830-FB56-47BF-8120-388DF827F600}" destId="{71D3D0C1-943C-4F07-851A-449A1ADF9B3C}" srcOrd="0" destOrd="1" presId="urn:microsoft.com/office/officeart/2005/8/layout/chevron2"/>
-    <dgm:cxn modelId="{D5C16949-916C-47D2-B666-403C11A53BDC}" type="presOf" srcId="{A65BB76B-6769-4336-B9A5-2CC4F1A9DF53}" destId="{635E652E-FF37-4DFF-95CD-8CA4BA2A8607}" srcOrd="0" destOrd="2" presId="urn:microsoft.com/office/officeart/2005/8/layout/chevron2"/>
-    <dgm:cxn modelId="{2D5E0BA9-CF6C-4340-A554-6D094D4B6F20}" type="presOf" srcId="{AC62F493-CDC1-4D34-9615-782F8A2EC453}" destId="{1EF1D0A2-CEB4-4E60-AB0F-BCD66F169E2A}" srcOrd="0" destOrd="0" presId="urn:microsoft.com/office/officeart/2005/8/layout/chevron2"/>
-    <dgm:cxn modelId="{F5F196BB-E062-4666-ADBF-28AB8EB88591}" type="presOf" srcId="{D957C335-3589-4AA0-920B-00DB91C683BF}" destId="{30D1CCFE-B9E2-495C-A14E-C264FE155CBE}" srcOrd="0" destOrd="0" presId="urn:microsoft.com/office/officeart/2005/8/layout/chevron2"/>
-    <dgm:cxn modelId="{5BB7F946-2644-4866-993F-D37B265F39A2}" srcId="{319E2ED7-DAC0-475E-B7F4-31BD7A5B9166}" destId="{6FB126C9-4DE9-466A-B25B-AC57AA36B4A8}" srcOrd="3" destOrd="0" parTransId="{C899445F-DA4D-4276-9976-650356A15FAE}" sibTransId="{6B59BCFD-82F5-4EE5-BBA3-7C0C82963889}"/>
-    <dgm:cxn modelId="{15854B30-8AE7-468A-A4F9-0BD7B64E0B5F}" srcId="{319E2ED7-DAC0-475E-B7F4-31BD7A5B9166}" destId="{AC62F493-CDC1-4D34-9615-782F8A2EC453}" srcOrd="2" destOrd="0" parTransId="{34AD31BE-5FB2-4D11-AA64-1D0D7647C0A3}" sibTransId="{B2AF5689-8D5E-4357-BB39-A0DC8FC6B568}"/>
-    <dgm:cxn modelId="{236F0FB2-695E-473F-8749-D2910A11D1DE}" type="presOf" srcId="{319E2ED7-DAC0-475E-B7F4-31BD7A5B9166}" destId="{839CC9F4-E7D6-485F-85CD-EC9B7273AD54}" srcOrd="0" destOrd="0" presId="urn:microsoft.com/office/officeart/2005/8/layout/chevron2"/>
     <dgm:cxn modelId="{19D9697A-0A0E-4C75-8A31-FDD5D1FA04E0}" srcId="{AC62F493-CDC1-4D34-9615-782F8A2EC453}" destId="{D3B228FB-1135-4D34-B378-4E75EFDAC51D}" srcOrd="0" destOrd="0" parTransId="{C2B3747A-EF36-4A3B-A5F2-72991B72834B}" sibTransId="{8F929D1B-961A-46AF-9542-68CA108D7D54}"/>
-    <dgm:cxn modelId="{B73A275F-7945-483C-8FE0-7D9EA16D1BBA}" srcId="{D957C335-3589-4AA0-920B-00DB91C683BF}" destId="{82B52429-3E42-43BB-8391-EEA5D69683A3}" srcOrd="1" destOrd="0" parTransId="{F1DE50FC-DC8F-4E5C-9D47-D6BA187B7FD3}" sibTransId="{9C83342E-B54D-4BD5-A4BD-29FC60D70700}"/>
     <dgm:cxn modelId="{0BC5C6DE-C656-4E47-BA61-591C575E6077}" type="presParOf" srcId="{839CC9F4-E7D6-485F-85CD-EC9B7273AD54}" destId="{77F424D6-A675-4ED7-BDAE-10ED3676A257}" srcOrd="0" destOrd="0" presId="urn:microsoft.com/office/officeart/2005/8/layout/chevron2"/>
     <dgm:cxn modelId="{9101EB04-1918-4C7A-85FD-8E7CA447E70D}" type="presParOf" srcId="{77F424D6-A675-4ED7-BDAE-10ED3676A257}" destId="{30D1CCFE-B9E2-495C-A14E-C264FE155CBE}" srcOrd="0" destOrd="0" presId="urn:microsoft.com/office/officeart/2005/8/layout/chevron2"/>
     <dgm:cxn modelId="{69A24B12-64A0-4D47-B49B-A6AA6EB7AB85}" type="presParOf" srcId="{77F424D6-A675-4ED7-BDAE-10ED3676A257}" destId="{C4A35548-2E21-4AAA-AE63-C60FCAEA2D26}" srcOrd="1" destOrd="0" presId="urn:microsoft.com/office/officeart/2005/8/layout/chevron2"/>
@@ -4159,6 +4941,1036 @@
 </file>
 
 <file path=ppt/diagrams/data2.xml><?xml version="1.0" encoding="utf-8"?>
+<dgm:dataModel xmlns:dgm="http://schemas.openxmlformats.org/drawingml/2006/diagram" xmlns:a="http://schemas.openxmlformats.org/drawingml/2006/main">
+  <dgm:ptLst>
+    <dgm:pt modelId="{39FDA24F-138C-48E7-A432-3C3A029E108F}" type="doc">
+      <dgm:prSet loTypeId="urn:microsoft.com/office/officeart/2005/8/layout/hierarchy3" loCatId="list" qsTypeId="urn:microsoft.com/office/officeart/2005/8/quickstyle/simple3" qsCatId="simple" csTypeId="urn:microsoft.com/office/officeart/2005/8/colors/colorful5" csCatId="colorful" phldr="1"/>
+      <dgm:spPr/>
+      <dgm:t>
+        <a:bodyPr/>
+        <a:lstStyle/>
+        <a:p>
+          <a:endParaRPr lang="en-US"/>
+        </a:p>
+      </dgm:t>
+    </dgm:pt>
+    <dgm:pt modelId="{15272A79-60DF-40A4-B348-5BAB6C0BC3F5}">
+      <dgm:prSet/>
+      <dgm:spPr/>
+      <dgm:t>
+        <a:bodyPr/>
+        <a:lstStyle/>
+        <a:p>
+          <a:pPr rtl="0"/>
+          <a:r>
+            <a:rPr lang="en-US" dirty="0" smtClean="0"/>
+            <a:t>Not Scalable</a:t>
+          </a:r>
+          <a:endParaRPr lang="en-US" dirty="0"/>
+        </a:p>
+      </dgm:t>
+    </dgm:pt>
+    <dgm:pt modelId="{3FA9233F-2BD0-4DBB-A7FF-DA82C3911C29}" type="parTrans" cxnId="{B40B52F7-447E-4587-ADD7-78443446071E}">
+      <dgm:prSet/>
+      <dgm:spPr/>
+      <dgm:t>
+        <a:bodyPr/>
+        <a:lstStyle/>
+        <a:p>
+          <a:endParaRPr lang="en-US"/>
+        </a:p>
+      </dgm:t>
+    </dgm:pt>
+    <dgm:pt modelId="{329467D4-12E3-4362-BBFB-B1478A101033}" type="sibTrans" cxnId="{B40B52F7-447E-4587-ADD7-78443446071E}">
+      <dgm:prSet/>
+      <dgm:spPr/>
+      <dgm:t>
+        <a:bodyPr/>
+        <a:lstStyle/>
+        <a:p>
+          <a:endParaRPr lang="en-US"/>
+        </a:p>
+      </dgm:t>
+    </dgm:pt>
+    <dgm:pt modelId="{0FE8BEC8-EF9F-47A1-A35C-AE60F2A47E8F}">
+      <dgm:prSet/>
+      <dgm:spPr/>
+      <dgm:t>
+        <a:bodyPr/>
+        <a:lstStyle/>
+        <a:p>
+          <a:pPr rtl="0"/>
+          <a:r>
+            <a:rPr lang="en-US" smtClean="0"/>
+            <a:t>Hard to split into independent functional parts</a:t>
+          </a:r>
+          <a:endParaRPr lang="en-US"/>
+        </a:p>
+      </dgm:t>
+    </dgm:pt>
+    <dgm:pt modelId="{31A4B967-3DFF-43A0-A822-CF6D298BC388}" type="parTrans" cxnId="{A618DEBC-FEB3-4540-B820-B96623A3DD91}">
+      <dgm:prSet/>
+      <dgm:spPr/>
+      <dgm:t>
+        <a:bodyPr/>
+        <a:lstStyle/>
+        <a:p>
+          <a:endParaRPr lang="en-US"/>
+        </a:p>
+      </dgm:t>
+    </dgm:pt>
+    <dgm:pt modelId="{2D0C1090-4A44-4DAF-9A45-D94417BD7138}" type="sibTrans" cxnId="{A618DEBC-FEB3-4540-B820-B96623A3DD91}">
+      <dgm:prSet/>
+      <dgm:spPr/>
+      <dgm:t>
+        <a:bodyPr/>
+        <a:lstStyle/>
+        <a:p>
+          <a:endParaRPr lang="en-US"/>
+        </a:p>
+      </dgm:t>
+    </dgm:pt>
+    <dgm:pt modelId="{55CAD101-5EBD-40E8-8B5A-CAC19CD99886}">
+      <dgm:prSet/>
+      <dgm:spPr/>
+      <dgm:t>
+        <a:bodyPr/>
+        <a:lstStyle/>
+        <a:p>
+          <a:pPr rtl="0"/>
+          <a:r>
+            <a:rPr lang="en-US" smtClean="0"/>
+            <a:t>Impossible to scale out core components</a:t>
+          </a:r>
+          <a:endParaRPr lang="en-US"/>
+        </a:p>
+      </dgm:t>
+    </dgm:pt>
+    <dgm:pt modelId="{0F7F6826-E5B7-476D-AE81-C581B5795770}" type="parTrans" cxnId="{9D31C92C-FB50-4B36-B4BD-11C11F05DF88}">
+      <dgm:prSet/>
+      <dgm:spPr/>
+      <dgm:t>
+        <a:bodyPr/>
+        <a:lstStyle/>
+        <a:p>
+          <a:endParaRPr lang="en-US"/>
+        </a:p>
+      </dgm:t>
+    </dgm:pt>
+    <dgm:pt modelId="{3932FC0E-F4D0-4A04-A36F-BB3E6C1CD3FF}" type="sibTrans" cxnId="{9D31C92C-FB50-4B36-B4BD-11C11F05DF88}">
+      <dgm:prSet/>
+      <dgm:spPr/>
+      <dgm:t>
+        <a:bodyPr/>
+        <a:lstStyle/>
+        <a:p>
+          <a:endParaRPr lang="en-US"/>
+        </a:p>
+      </dgm:t>
+    </dgm:pt>
+    <dgm:pt modelId="{5D15E235-DCB4-4BA9-A04F-98873F0D1FF2}">
+      <dgm:prSet/>
+      <dgm:spPr/>
+      <dgm:t>
+        <a:bodyPr/>
+        <a:lstStyle/>
+        <a:p>
+          <a:pPr rtl="0"/>
+          <a:r>
+            <a:rPr lang="en-US" dirty="0" smtClean="0"/>
+            <a:t>Explicit low-level thread synchronization</a:t>
+          </a:r>
+          <a:endParaRPr lang="en-US" dirty="0"/>
+        </a:p>
+      </dgm:t>
+    </dgm:pt>
+    <dgm:pt modelId="{F01F5FED-312C-4C24-B701-8D3A60F0F6CD}" type="parTrans" cxnId="{9374A8DD-8E69-467B-82E6-6021361A27A9}">
+      <dgm:prSet/>
+      <dgm:spPr/>
+      <dgm:t>
+        <a:bodyPr/>
+        <a:lstStyle/>
+        <a:p>
+          <a:endParaRPr lang="en-US"/>
+        </a:p>
+      </dgm:t>
+    </dgm:pt>
+    <dgm:pt modelId="{63C42624-FBB5-4EBB-BCF3-B3802EEEFA07}" type="sibTrans" cxnId="{9374A8DD-8E69-467B-82E6-6021361A27A9}">
+      <dgm:prSet/>
+      <dgm:spPr/>
+      <dgm:t>
+        <a:bodyPr/>
+        <a:lstStyle/>
+        <a:p>
+          <a:endParaRPr lang="en-US"/>
+        </a:p>
+      </dgm:t>
+    </dgm:pt>
+    <dgm:pt modelId="{17A6E45C-EE2A-4798-A06D-BA13D3842653}">
+      <dgm:prSet/>
+      <dgm:spPr/>
+      <dgm:t>
+        <a:bodyPr/>
+        <a:lstStyle/>
+        <a:p>
+          <a:pPr rtl="0"/>
+          <a:r>
+            <a:rPr lang="en-US" smtClean="0"/>
+            <a:t>No Resiliency</a:t>
+          </a:r>
+          <a:endParaRPr lang="en-US"/>
+        </a:p>
+      </dgm:t>
+    </dgm:pt>
+    <dgm:pt modelId="{9C56D1A5-F407-4BFF-8891-1E4682B9A6BB}" type="parTrans" cxnId="{F58B6068-ECE4-4C95-B585-6B52C4F3F35C}">
+      <dgm:prSet/>
+      <dgm:spPr/>
+      <dgm:t>
+        <a:bodyPr/>
+        <a:lstStyle/>
+        <a:p>
+          <a:endParaRPr lang="en-US"/>
+        </a:p>
+      </dgm:t>
+    </dgm:pt>
+    <dgm:pt modelId="{AFED61C5-C621-4DFA-971A-09B52789CDA5}" type="sibTrans" cxnId="{F58B6068-ECE4-4C95-B585-6B52C4F3F35C}">
+      <dgm:prSet/>
+      <dgm:spPr/>
+      <dgm:t>
+        <a:bodyPr/>
+        <a:lstStyle/>
+        <a:p>
+          <a:endParaRPr lang="en-US"/>
+        </a:p>
+      </dgm:t>
+    </dgm:pt>
+    <dgm:pt modelId="{8346E337-662F-470B-9F93-1D76D4468326}">
+      <dgm:prSet/>
+      <dgm:spPr/>
+      <dgm:t>
+        <a:bodyPr/>
+        <a:lstStyle/>
+        <a:p>
+          <a:pPr rtl="0"/>
+          <a:r>
+            <a:rPr lang="en-US" smtClean="0"/>
+            <a:t>Single point of failure</a:t>
+          </a:r>
+          <a:endParaRPr lang="en-US"/>
+        </a:p>
+      </dgm:t>
+    </dgm:pt>
+    <dgm:pt modelId="{383EA88D-F27F-48E2-846D-CE64EB6DB950}" type="parTrans" cxnId="{BA760CA8-9411-47B5-A210-41C7E94002D7}">
+      <dgm:prSet/>
+      <dgm:spPr/>
+      <dgm:t>
+        <a:bodyPr/>
+        <a:lstStyle/>
+        <a:p>
+          <a:endParaRPr lang="en-US"/>
+        </a:p>
+      </dgm:t>
+    </dgm:pt>
+    <dgm:pt modelId="{843989D1-DF2F-444C-9B00-4FB251130AA4}" type="sibTrans" cxnId="{BA760CA8-9411-47B5-A210-41C7E94002D7}">
+      <dgm:prSet/>
+      <dgm:spPr/>
+      <dgm:t>
+        <a:bodyPr/>
+        <a:lstStyle/>
+        <a:p>
+          <a:endParaRPr lang="en-US"/>
+        </a:p>
+      </dgm:t>
+    </dgm:pt>
+    <dgm:pt modelId="{9FA41D54-3C44-4829-B8AA-F8CCC8F6F5E8}">
+      <dgm:prSet/>
+      <dgm:spPr/>
+      <dgm:t>
+        <a:bodyPr/>
+        <a:lstStyle/>
+        <a:p>
+          <a:pPr rtl="0"/>
+          <a:r>
+            <a:rPr lang="en-US" smtClean="0"/>
+            <a:t>No means of transparent failover</a:t>
+          </a:r>
+          <a:endParaRPr lang="en-US"/>
+        </a:p>
+      </dgm:t>
+    </dgm:pt>
+    <dgm:pt modelId="{3A814798-0F51-4369-A541-5218E9C84051}" type="parTrans" cxnId="{19B1A30A-7E2F-4D91-A3EA-ED36411045E0}">
+      <dgm:prSet/>
+      <dgm:spPr/>
+      <dgm:t>
+        <a:bodyPr/>
+        <a:lstStyle/>
+        <a:p>
+          <a:endParaRPr lang="en-US"/>
+        </a:p>
+      </dgm:t>
+    </dgm:pt>
+    <dgm:pt modelId="{C23DDEF2-18C6-41A9-B7ED-CCBF4840C2A0}" type="sibTrans" cxnId="{19B1A30A-7E2F-4D91-A3EA-ED36411045E0}">
+      <dgm:prSet/>
+      <dgm:spPr/>
+      <dgm:t>
+        <a:bodyPr/>
+        <a:lstStyle/>
+        <a:p>
+          <a:endParaRPr lang="en-US"/>
+        </a:p>
+      </dgm:t>
+    </dgm:pt>
+    <dgm:pt modelId="{5C80EC14-A851-429A-9EF2-7FD38B0FCB58}">
+      <dgm:prSet/>
+      <dgm:spPr/>
+      <dgm:t>
+        <a:bodyPr/>
+        <a:lstStyle/>
+        <a:p>
+          <a:pPr rtl="0"/>
+          <a:r>
+            <a:rPr lang="en-US" smtClean="0"/>
+            <a:t>Waste of Resources</a:t>
+          </a:r>
+          <a:endParaRPr lang="en-US"/>
+        </a:p>
+      </dgm:t>
+    </dgm:pt>
+    <dgm:pt modelId="{5FD6C2C4-50C3-425F-97C2-BF96E7F552B4}" type="parTrans" cxnId="{5DF9444B-F1D5-4E4D-9C97-F9021825D853}">
+      <dgm:prSet/>
+      <dgm:spPr/>
+      <dgm:t>
+        <a:bodyPr/>
+        <a:lstStyle/>
+        <a:p>
+          <a:endParaRPr lang="en-US"/>
+        </a:p>
+      </dgm:t>
+    </dgm:pt>
+    <dgm:pt modelId="{86CA18CE-D82C-4E25-9C73-1A1F7090ADBC}" type="sibTrans" cxnId="{5DF9444B-F1D5-4E4D-9C97-F9021825D853}">
+      <dgm:prSet/>
+      <dgm:spPr/>
+      <dgm:t>
+        <a:bodyPr/>
+        <a:lstStyle/>
+        <a:p>
+          <a:endParaRPr lang="en-US"/>
+        </a:p>
+      </dgm:t>
+    </dgm:pt>
+    <dgm:pt modelId="{F8F4FC1B-B140-4F14-82FF-36B85734F91B}">
+      <dgm:prSet/>
+      <dgm:spPr/>
+      <dgm:t>
+        <a:bodyPr/>
+        <a:lstStyle/>
+        <a:p>
+          <a:pPr rtl="0"/>
+          <a:r>
+            <a:rPr lang="en-US" smtClean="0"/>
+            <a:t>Synchronous Requests</a:t>
+          </a:r>
+          <a:endParaRPr lang="en-US"/>
+        </a:p>
+      </dgm:t>
+    </dgm:pt>
+    <dgm:pt modelId="{E77B18D4-DBB3-4B4C-97DE-DDCCFACF5444}" type="parTrans" cxnId="{927FA1E2-6399-463A-8AA7-FF30047E7B7B}">
+      <dgm:prSet/>
+      <dgm:spPr/>
+      <dgm:t>
+        <a:bodyPr/>
+        <a:lstStyle/>
+        <a:p>
+          <a:endParaRPr lang="en-US"/>
+        </a:p>
+      </dgm:t>
+    </dgm:pt>
+    <dgm:pt modelId="{75F201D2-694C-4E76-A51F-D012EAF1D6F5}" type="sibTrans" cxnId="{927FA1E2-6399-463A-8AA7-FF30047E7B7B}">
+      <dgm:prSet/>
+      <dgm:spPr/>
+      <dgm:t>
+        <a:bodyPr/>
+        <a:lstStyle/>
+        <a:p>
+          <a:endParaRPr lang="en-US"/>
+        </a:p>
+      </dgm:t>
+    </dgm:pt>
+    <dgm:pt modelId="{0128B625-F352-4AE1-8577-E5DD8B8B0CEF}">
+      <dgm:prSet/>
+      <dgm:spPr/>
+      <dgm:t>
+        <a:bodyPr/>
+        <a:lstStyle/>
+        <a:p>
+          <a:pPr rtl="0"/>
+          <a:r>
+            <a:rPr lang="en-US" smtClean="0"/>
+            <a:t>Active Connections</a:t>
+          </a:r>
+          <a:endParaRPr lang="en-US"/>
+        </a:p>
+      </dgm:t>
+    </dgm:pt>
+    <dgm:pt modelId="{B2DD471D-D666-467A-8951-217EE2C5A09F}" type="parTrans" cxnId="{5092160B-217A-4413-892B-D21E5E59A899}">
+      <dgm:prSet/>
+      <dgm:spPr/>
+      <dgm:t>
+        <a:bodyPr/>
+        <a:lstStyle/>
+        <a:p>
+          <a:endParaRPr lang="en-US"/>
+        </a:p>
+      </dgm:t>
+    </dgm:pt>
+    <dgm:pt modelId="{DE8368C6-DE40-4E53-B2E5-CF75B6F5DF79}" type="sibTrans" cxnId="{5092160B-217A-4413-892B-D21E5E59A899}">
+      <dgm:prSet/>
+      <dgm:spPr/>
+      <dgm:t>
+        <a:bodyPr/>
+        <a:lstStyle/>
+        <a:p>
+          <a:endParaRPr lang="en-US"/>
+        </a:p>
+      </dgm:t>
+    </dgm:pt>
+    <dgm:pt modelId="{4BA69AC7-8F33-4A12-BB23-8CBEF84AE135}">
+      <dgm:prSet/>
+      <dgm:spPr/>
+      <dgm:t>
+        <a:bodyPr/>
+        <a:lstStyle/>
+        <a:p>
+          <a:pPr rtl="0"/>
+          <a:r>
+            <a:rPr lang="en-US" smtClean="0"/>
+            <a:t>Busy Waiting</a:t>
+          </a:r>
+          <a:endParaRPr lang="en-US"/>
+        </a:p>
+      </dgm:t>
+    </dgm:pt>
+    <dgm:pt modelId="{AEAB993F-D28E-473A-8ADE-C911C7044C94}" type="parTrans" cxnId="{3B9D3584-1791-4DBA-9B5E-8BC33FFD910C}">
+      <dgm:prSet/>
+      <dgm:spPr/>
+      <dgm:t>
+        <a:bodyPr/>
+        <a:lstStyle/>
+        <a:p>
+          <a:endParaRPr lang="en-US"/>
+        </a:p>
+      </dgm:t>
+    </dgm:pt>
+    <dgm:pt modelId="{CCC8B79D-75DE-4244-848D-CB150C8A7175}" type="sibTrans" cxnId="{3B9D3584-1791-4DBA-9B5E-8BC33FFD910C}">
+      <dgm:prSet/>
+      <dgm:spPr/>
+      <dgm:t>
+        <a:bodyPr/>
+        <a:lstStyle/>
+        <a:p>
+          <a:endParaRPr lang="en-US"/>
+        </a:p>
+      </dgm:t>
+    </dgm:pt>
+    <dgm:pt modelId="{E004EAC3-892D-4D06-BCF4-0F7497CBAED7}">
+      <dgm:prSet/>
+      <dgm:spPr/>
+      <dgm:t>
+        <a:bodyPr/>
+        <a:lstStyle/>
+        <a:p>
+          <a:pPr rtl="0"/>
+          <a:r>
+            <a:rPr lang="en-US" smtClean="0"/>
+            <a:t>Background Threads</a:t>
+          </a:r>
+          <a:endParaRPr lang="en-US"/>
+        </a:p>
+      </dgm:t>
+    </dgm:pt>
+    <dgm:pt modelId="{145B9685-B495-41F8-B7E9-1AAB2FF5C287}" type="parTrans" cxnId="{08470EC9-7BD8-431B-839E-9C5DE67F5EBB}">
+      <dgm:prSet/>
+      <dgm:spPr/>
+      <dgm:t>
+        <a:bodyPr/>
+        <a:lstStyle/>
+        <a:p>
+          <a:endParaRPr lang="en-US"/>
+        </a:p>
+      </dgm:t>
+    </dgm:pt>
+    <dgm:pt modelId="{6DE1D02F-2D74-4D83-8346-3CF652A1664E}" type="sibTrans" cxnId="{08470EC9-7BD8-431B-839E-9C5DE67F5EBB}">
+      <dgm:prSet/>
+      <dgm:spPr/>
+      <dgm:t>
+        <a:bodyPr/>
+        <a:lstStyle/>
+        <a:p>
+          <a:endParaRPr lang="en-US"/>
+        </a:p>
+      </dgm:t>
+    </dgm:pt>
+    <dgm:pt modelId="{BDC5DD6A-FBC1-452C-BC24-39E295EAC0FA}">
+      <dgm:prSet/>
+      <dgm:spPr/>
+      <dgm:t>
+        <a:bodyPr/>
+        <a:lstStyle/>
+        <a:p>
+          <a:pPr rtl="0"/>
+          <a:r>
+            <a:rPr lang="en-US" smtClean="0"/>
+            <a:t>Tight Coupling</a:t>
+          </a:r>
+          <a:endParaRPr lang="en-US"/>
+        </a:p>
+      </dgm:t>
+    </dgm:pt>
+    <dgm:pt modelId="{5570B5B0-FBDB-4EA6-A1E8-48FDA3363E9E}" type="parTrans" cxnId="{C0B5B93B-A92B-4949-AD96-B23CDA709C40}">
+      <dgm:prSet/>
+      <dgm:spPr/>
+      <dgm:t>
+        <a:bodyPr/>
+        <a:lstStyle/>
+        <a:p>
+          <a:endParaRPr lang="en-US"/>
+        </a:p>
+      </dgm:t>
+    </dgm:pt>
+    <dgm:pt modelId="{B58A1015-A8DA-4495-9952-030B07DD4AE6}" type="sibTrans" cxnId="{C0B5B93B-A92B-4949-AD96-B23CDA709C40}">
+      <dgm:prSet/>
+      <dgm:spPr/>
+      <dgm:t>
+        <a:bodyPr/>
+        <a:lstStyle/>
+        <a:p>
+          <a:endParaRPr lang="en-US"/>
+        </a:p>
+      </dgm:t>
+    </dgm:pt>
+    <dgm:pt modelId="{64734B80-4221-45AE-B960-4184FEF7FC2B}">
+      <dgm:prSet/>
+      <dgm:spPr/>
+      <dgm:t>
+        <a:bodyPr/>
+        <a:lstStyle/>
+        <a:p>
+          <a:pPr rtl="0"/>
+          <a:r>
+            <a:rPr lang="en-US" smtClean="0"/>
+            <a:t>Strict imperative flow control code</a:t>
+          </a:r>
+          <a:endParaRPr lang="en-US"/>
+        </a:p>
+      </dgm:t>
+    </dgm:pt>
+    <dgm:pt modelId="{91152576-169B-40BE-8E62-7FF0BE953AEB}" type="parTrans" cxnId="{FC260462-B434-4BC9-9529-66F459CAF7E6}">
+      <dgm:prSet/>
+      <dgm:spPr/>
+      <dgm:t>
+        <a:bodyPr/>
+        <a:lstStyle/>
+        <a:p>
+          <a:endParaRPr lang="en-US"/>
+        </a:p>
+      </dgm:t>
+    </dgm:pt>
+    <dgm:pt modelId="{134527BA-9982-47C0-B246-1C2D95DB8F4C}" type="sibTrans" cxnId="{FC260462-B434-4BC9-9529-66F459CAF7E6}">
+      <dgm:prSet/>
+      <dgm:spPr/>
+      <dgm:t>
+        <a:bodyPr/>
+        <a:lstStyle/>
+        <a:p>
+          <a:endParaRPr lang="en-US"/>
+        </a:p>
+      </dgm:t>
+    </dgm:pt>
+    <dgm:pt modelId="{C02B70D0-C3F9-4F66-A627-2F7D55ECD773}">
+      <dgm:prSet/>
+      <dgm:spPr/>
+      <dgm:t>
+        <a:bodyPr/>
+        <a:lstStyle/>
+        <a:p>
+          <a:pPr rtl="0"/>
+          <a:r>
+            <a:rPr lang="en-US" dirty="0" smtClean="0"/>
+            <a:t>Components interact via interfaces/abstract classes</a:t>
+          </a:r>
+          <a:endParaRPr lang="en-US" dirty="0"/>
+        </a:p>
+      </dgm:t>
+    </dgm:pt>
+    <dgm:pt modelId="{E6A33E8E-986C-4249-A22F-3BAB96789222}" type="parTrans" cxnId="{98ABF0F2-CB5F-43A1-902C-EAFBA92A4090}">
+      <dgm:prSet/>
+      <dgm:spPr/>
+      <dgm:t>
+        <a:bodyPr/>
+        <a:lstStyle/>
+        <a:p>
+          <a:endParaRPr lang="en-US"/>
+        </a:p>
+      </dgm:t>
+    </dgm:pt>
+    <dgm:pt modelId="{037DEE33-5B5D-4C93-B3D2-46717E4DD8FC}" type="sibTrans" cxnId="{98ABF0F2-CB5F-43A1-902C-EAFBA92A4090}">
+      <dgm:prSet/>
+      <dgm:spPr/>
+      <dgm:t>
+        <a:bodyPr/>
+        <a:lstStyle/>
+        <a:p>
+          <a:endParaRPr lang="en-US"/>
+        </a:p>
+      </dgm:t>
+    </dgm:pt>
+    <dgm:pt modelId="{BCF2050A-6CF4-41D9-BFDB-CBEB5BDEB9A9}">
+      <dgm:prSet/>
+      <dgm:spPr/>
+      <dgm:t>
+        <a:bodyPr/>
+        <a:lstStyle/>
+        <a:p>
+          <a:pPr rtl="0"/>
+          <a:r>
+            <a:rPr lang="en-US" dirty="0" smtClean="0"/>
+            <a:t>Not Cloud Ready</a:t>
+          </a:r>
+          <a:endParaRPr lang="en-US" dirty="0"/>
+        </a:p>
+      </dgm:t>
+    </dgm:pt>
+    <dgm:pt modelId="{13A85DC6-4347-49D5-A078-7F9775AF1CCA}" type="parTrans" cxnId="{613F1986-7E57-4AF2-85A7-E65243CD70D9}">
+      <dgm:prSet/>
+      <dgm:spPr/>
+      <dgm:t>
+        <a:bodyPr/>
+        <a:lstStyle/>
+        <a:p>
+          <a:endParaRPr lang="en-US"/>
+        </a:p>
+      </dgm:t>
+    </dgm:pt>
+    <dgm:pt modelId="{0F463272-1BD8-4114-AC5A-A459BCAE85F0}" type="sibTrans" cxnId="{613F1986-7E57-4AF2-85A7-E65243CD70D9}">
+      <dgm:prSet/>
+      <dgm:spPr/>
+      <dgm:t>
+        <a:bodyPr/>
+        <a:lstStyle/>
+        <a:p>
+          <a:endParaRPr lang="en-US"/>
+        </a:p>
+      </dgm:t>
+    </dgm:pt>
+    <dgm:pt modelId="{FFD06E6D-CE14-440F-BF47-1763BFC2D015}">
+      <dgm:prSet/>
+      <dgm:spPr/>
+      <dgm:t>
+        <a:bodyPr/>
+        <a:lstStyle/>
+        <a:p>
+          <a:pPr rtl="0"/>
+          <a:r>
+            <a:rPr lang="en-US" dirty="0" smtClean="0"/>
+            <a:t>Above properties make cloud deployment impractical</a:t>
+          </a:r>
+          <a:endParaRPr lang="en-US" dirty="0"/>
+        </a:p>
+      </dgm:t>
+    </dgm:pt>
+    <dgm:pt modelId="{2BD759C1-3483-4407-9E3A-42F763C9184F}" type="parTrans" cxnId="{17FF6462-DA69-4E2A-96EB-5DBC65834431}">
+      <dgm:prSet/>
+      <dgm:spPr/>
+      <dgm:t>
+        <a:bodyPr/>
+        <a:lstStyle/>
+        <a:p>
+          <a:endParaRPr lang="en-US"/>
+        </a:p>
+      </dgm:t>
+    </dgm:pt>
+    <dgm:pt modelId="{D0572F99-6B5C-451B-A0CD-59CCC49D4EF5}" type="sibTrans" cxnId="{17FF6462-DA69-4E2A-96EB-5DBC65834431}">
+      <dgm:prSet/>
+      <dgm:spPr/>
+      <dgm:t>
+        <a:bodyPr/>
+        <a:lstStyle/>
+        <a:p>
+          <a:endParaRPr lang="en-US"/>
+        </a:p>
+      </dgm:t>
+    </dgm:pt>
+    <dgm:pt modelId="{EECC6759-146C-4BB4-B271-B934273847AC}" type="pres">
+      <dgm:prSet presAssocID="{39FDA24F-138C-48E7-A432-3C3A029E108F}" presName="diagram" presStyleCnt="0">
+        <dgm:presLayoutVars>
+          <dgm:chPref val="1"/>
+          <dgm:dir/>
+          <dgm:animOne val="branch"/>
+          <dgm:animLvl val="lvl"/>
+          <dgm:resizeHandles/>
+        </dgm:presLayoutVars>
+      </dgm:prSet>
+      <dgm:spPr/>
+    </dgm:pt>
+    <dgm:pt modelId="{AB8FAD93-DB62-4835-BF90-F1C3C24E1A07}" type="pres">
+      <dgm:prSet presAssocID="{15272A79-60DF-40A4-B348-5BAB6C0BC3F5}" presName="root" presStyleCnt="0"/>
+      <dgm:spPr/>
+    </dgm:pt>
+    <dgm:pt modelId="{13AAE006-2F13-4090-9573-E4BD2DE2FE0B}" type="pres">
+      <dgm:prSet presAssocID="{15272A79-60DF-40A4-B348-5BAB6C0BC3F5}" presName="rootComposite" presStyleCnt="0"/>
+      <dgm:spPr/>
+    </dgm:pt>
+    <dgm:pt modelId="{31A64678-7AC5-44A3-9918-A16B84986BB4}" type="pres">
+      <dgm:prSet presAssocID="{15272A79-60DF-40A4-B348-5BAB6C0BC3F5}" presName="rootText" presStyleLbl="node1" presStyleIdx="0" presStyleCnt="5"/>
+      <dgm:spPr/>
+    </dgm:pt>
+    <dgm:pt modelId="{270E55B0-DC72-40E4-87E5-83D20D775D05}" type="pres">
+      <dgm:prSet presAssocID="{15272A79-60DF-40A4-B348-5BAB6C0BC3F5}" presName="rootConnector" presStyleLbl="node1" presStyleIdx="0" presStyleCnt="5"/>
+      <dgm:spPr/>
+    </dgm:pt>
+    <dgm:pt modelId="{358AB1D6-F8FE-46F0-87A1-96A0BA13AF1B}" type="pres">
+      <dgm:prSet presAssocID="{15272A79-60DF-40A4-B348-5BAB6C0BC3F5}" presName="childShape" presStyleCnt="0"/>
+      <dgm:spPr/>
+    </dgm:pt>
+    <dgm:pt modelId="{D5DCF584-2416-4841-8A19-70255E1ABC54}" type="pres">
+      <dgm:prSet presAssocID="{31A4B967-3DFF-43A0-A822-CF6D298BC388}" presName="Name13" presStyleLbl="parChTrans1D2" presStyleIdx="0" presStyleCnt="12"/>
+      <dgm:spPr/>
+    </dgm:pt>
+    <dgm:pt modelId="{E3DA2CC9-3B8F-4405-97EB-7575332029EE}" type="pres">
+      <dgm:prSet presAssocID="{0FE8BEC8-EF9F-47A1-A35C-AE60F2A47E8F}" presName="childText" presStyleLbl="bgAcc1" presStyleIdx="0" presStyleCnt="12">
+        <dgm:presLayoutVars>
+          <dgm:bulletEnabled val="1"/>
+        </dgm:presLayoutVars>
+      </dgm:prSet>
+      <dgm:spPr/>
+    </dgm:pt>
+    <dgm:pt modelId="{AB1F32A4-68AD-4F42-88E4-F15D6594CF80}" type="pres">
+      <dgm:prSet presAssocID="{0F7F6826-E5B7-476D-AE81-C581B5795770}" presName="Name13" presStyleLbl="parChTrans1D2" presStyleIdx="1" presStyleCnt="12"/>
+      <dgm:spPr/>
+    </dgm:pt>
+    <dgm:pt modelId="{15EC8C5A-02E9-4D4D-8441-4CFDE7C72B7D}" type="pres">
+      <dgm:prSet presAssocID="{55CAD101-5EBD-40E8-8B5A-CAC19CD99886}" presName="childText" presStyleLbl="bgAcc1" presStyleIdx="1" presStyleCnt="12">
+        <dgm:presLayoutVars>
+          <dgm:bulletEnabled val="1"/>
+        </dgm:presLayoutVars>
+      </dgm:prSet>
+      <dgm:spPr/>
+    </dgm:pt>
+    <dgm:pt modelId="{E0404AF7-7BDF-424F-9EB5-467295A8F517}" type="pres">
+      <dgm:prSet presAssocID="{F01F5FED-312C-4C24-B701-8D3A60F0F6CD}" presName="Name13" presStyleLbl="parChTrans1D2" presStyleIdx="2" presStyleCnt="12"/>
+      <dgm:spPr/>
+    </dgm:pt>
+    <dgm:pt modelId="{7B92686B-B878-4420-9FFF-6C568E53922E}" type="pres">
+      <dgm:prSet presAssocID="{5D15E235-DCB4-4BA9-A04F-98873F0D1FF2}" presName="childText" presStyleLbl="bgAcc1" presStyleIdx="2" presStyleCnt="12">
+        <dgm:presLayoutVars>
+          <dgm:bulletEnabled val="1"/>
+        </dgm:presLayoutVars>
+      </dgm:prSet>
+      <dgm:spPr/>
+    </dgm:pt>
+    <dgm:pt modelId="{0495B1D5-842C-4BC8-8B22-CE2CDFCCDE96}" type="pres">
+      <dgm:prSet presAssocID="{17A6E45C-EE2A-4798-A06D-BA13D3842653}" presName="root" presStyleCnt="0"/>
+      <dgm:spPr/>
+    </dgm:pt>
+    <dgm:pt modelId="{7A844A99-8DEE-4D43-96BA-84544BB392FB}" type="pres">
+      <dgm:prSet presAssocID="{17A6E45C-EE2A-4798-A06D-BA13D3842653}" presName="rootComposite" presStyleCnt="0"/>
+      <dgm:spPr/>
+    </dgm:pt>
+    <dgm:pt modelId="{EA2398BB-27C2-4FC5-8E19-A4BAA978B73A}" type="pres">
+      <dgm:prSet presAssocID="{17A6E45C-EE2A-4798-A06D-BA13D3842653}" presName="rootText" presStyleLbl="node1" presStyleIdx="1" presStyleCnt="5"/>
+      <dgm:spPr/>
+    </dgm:pt>
+    <dgm:pt modelId="{CD49FC6E-E5EE-43D6-A400-6877C924B49A}" type="pres">
+      <dgm:prSet presAssocID="{17A6E45C-EE2A-4798-A06D-BA13D3842653}" presName="rootConnector" presStyleLbl="node1" presStyleIdx="1" presStyleCnt="5"/>
+      <dgm:spPr/>
+    </dgm:pt>
+    <dgm:pt modelId="{E995A1C4-025C-4ABE-AF0F-29FE5F6DD3AD}" type="pres">
+      <dgm:prSet presAssocID="{17A6E45C-EE2A-4798-A06D-BA13D3842653}" presName="childShape" presStyleCnt="0"/>
+      <dgm:spPr/>
+    </dgm:pt>
+    <dgm:pt modelId="{FB27F7C6-3194-4465-A21B-30DCAEFAEAFA}" type="pres">
+      <dgm:prSet presAssocID="{383EA88D-F27F-48E2-846D-CE64EB6DB950}" presName="Name13" presStyleLbl="parChTrans1D2" presStyleIdx="3" presStyleCnt="12"/>
+      <dgm:spPr/>
+    </dgm:pt>
+    <dgm:pt modelId="{E57152C6-7A38-4611-8406-AA547F40C188}" type="pres">
+      <dgm:prSet presAssocID="{8346E337-662F-470B-9F93-1D76D4468326}" presName="childText" presStyleLbl="bgAcc1" presStyleIdx="3" presStyleCnt="12">
+        <dgm:presLayoutVars>
+          <dgm:bulletEnabled val="1"/>
+        </dgm:presLayoutVars>
+      </dgm:prSet>
+      <dgm:spPr/>
+    </dgm:pt>
+    <dgm:pt modelId="{2C1186A4-F3B3-4E48-A1A2-52FC1BAED6C8}" type="pres">
+      <dgm:prSet presAssocID="{3A814798-0F51-4369-A541-5218E9C84051}" presName="Name13" presStyleLbl="parChTrans1D2" presStyleIdx="4" presStyleCnt="12"/>
+      <dgm:spPr/>
+    </dgm:pt>
+    <dgm:pt modelId="{BE982601-11BC-4250-868C-A837261AAF8F}" type="pres">
+      <dgm:prSet presAssocID="{9FA41D54-3C44-4829-B8AA-F8CCC8F6F5E8}" presName="childText" presStyleLbl="bgAcc1" presStyleIdx="4" presStyleCnt="12">
+        <dgm:presLayoutVars>
+          <dgm:bulletEnabled val="1"/>
+        </dgm:presLayoutVars>
+      </dgm:prSet>
+      <dgm:spPr/>
+    </dgm:pt>
+    <dgm:pt modelId="{F20C71ED-0E2E-4391-A1CC-EEC351B921A8}" type="pres">
+      <dgm:prSet presAssocID="{5C80EC14-A851-429A-9EF2-7FD38B0FCB58}" presName="root" presStyleCnt="0"/>
+      <dgm:spPr/>
+    </dgm:pt>
+    <dgm:pt modelId="{D88FCAF2-1D3A-47FD-99E5-E1CB939FDA03}" type="pres">
+      <dgm:prSet presAssocID="{5C80EC14-A851-429A-9EF2-7FD38B0FCB58}" presName="rootComposite" presStyleCnt="0"/>
+      <dgm:spPr/>
+    </dgm:pt>
+    <dgm:pt modelId="{7B84117B-8AC9-4555-BA6F-90AE369478F2}" type="pres">
+      <dgm:prSet presAssocID="{5C80EC14-A851-429A-9EF2-7FD38B0FCB58}" presName="rootText" presStyleLbl="node1" presStyleIdx="2" presStyleCnt="5"/>
+      <dgm:spPr/>
+    </dgm:pt>
+    <dgm:pt modelId="{3F25274A-31E6-4BF1-84FF-030C007C9A8E}" type="pres">
+      <dgm:prSet presAssocID="{5C80EC14-A851-429A-9EF2-7FD38B0FCB58}" presName="rootConnector" presStyleLbl="node1" presStyleIdx="2" presStyleCnt="5"/>
+      <dgm:spPr/>
+    </dgm:pt>
+    <dgm:pt modelId="{5AC3DC28-0986-41B3-B59B-51C99D634DF2}" type="pres">
+      <dgm:prSet presAssocID="{5C80EC14-A851-429A-9EF2-7FD38B0FCB58}" presName="childShape" presStyleCnt="0"/>
+      <dgm:spPr/>
+    </dgm:pt>
+    <dgm:pt modelId="{0D4E001A-690B-4347-AA0B-CC209DA191F7}" type="pres">
+      <dgm:prSet presAssocID="{E77B18D4-DBB3-4B4C-97DE-DDCCFACF5444}" presName="Name13" presStyleLbl="parChTrans1D2" presStyleIdx="5" presStyleCnt="12"/>
+      <dgm:spPr/>
+    </dgm:pt>
+    <dgm:pt modelId="{18254FBB-1D23-42B4-90F9-085BC0F972EE}" type="pres">
+      <dgm:prSet presAssocID="{F8F4FC1B-B140-4F14-82FF-36B85734F91B}" presName="childText" presStyleLbl="bgAcc1" presStyleIdx="5" presStyleCnt="12">
+        <dgm:presLayoutVars>
+          <dgm:bulletEnabled val="1"/>
+        </dgm:presLayoutVars>
+      </dgm:prSet>
+      <dgm:spPr/>
+    </dgm:pt>
+    <dgm:pt modelId="{CEB46391-533D-4055-9F38-D2F5B64EE6F8}" type="pres">
+      <dgm:prSet presAssocID="{B2DD471D-D666-467A-8951-217EE2C5A09F}" presName="Name13" presStyleLbl="parChTrans1D2" presStyleIdx="6" presStyleCnt="12"/>
+      <dgm:spPr/>
+    </dgm:pt>
+    <dgm:pt modelId="{85D5FB6B-1383-4EC5-9E55-CFEB19ABE3AC}" type="pres">
+      <dgm:prSet presAssocID="{0128B625-F352-4AE1-8577-E5DD8B8B0CEF}" presName="childText" presStyleLbl="bgAcc1" presStyleIdx="6" presStyleCnt="12">
+        <dgm:presLayoutVars>
+          <dgm:bulletEnabled val="1"/>
+        </dgm:presLayoutVars>
+      </dgm:prSet>
+      <dgm:spPr/>
+    </dgm:pt>
+    <dgm:pt modelId="{0381B50D-39F0-48ED-8B3A-ACECAE994C4B}" type="pres">
+      <dgm:prSet presAssocID="{AEAB993F-D28E-473A-8ADE-C911C7044C94}" presName="Name13" presStyleLbl="parChTrans1D2" presStyleIdx="7" presStyleCnt="12"/>
+      <dgm:spPr/>
+    </dgm:pt>
+    <dgm:pt modelId="{1BF05B23-31E5-4145-8F1D-9797DCBCA142}" type="pres">
+      <dgm:prSet presAssocID="{4BA69AC7-8F33-4A12-BB23-8CBEF84AE135}" presName="childText" presStyleLbl="bgAcc1" presStyleIdx="7" presStyleCnt="12">
+        <dgm:presLayoutVars>
+          <dgm:bulletEnabled val="1"/>
+        </dgm:presLayoutVars>
+      </dgm:prSet>
+      <dgm:spPr/>
+    </dgm:pt>
+    <dgm:pt modelId="{ECF08292-B0AA-4C0B-9B62-A7A6E9B67D01}" type="pres">
+      <dgm:prSet presAssocID="{145B9685-B495-41F8-B7E9-1AAB2FF5C287}" presName="Name13" presStyleLbl="parChTrans1D2" presStyleIdx="8" presStyleCnt="12"/>
+      <dgm:spPr/>
+    </dgm:pt>
+    <dgm:pt modelId="{7D002D45-449E-41FA-A465-F8A1BCB85087}" type="pres">
+      <dgm:prSet presAssocID="{E004EAC3-892D-4D06-BCF4-0F7497CBAED7}" presName="childText" presStyleLbl="bgAcc1" presStyleIdx="8" presStyleCnt="12">
+        <dgm:presLayoutVars>
+          <dgm:bulletEnabled val="1"/>
+        </dgm:presLayoutVars>
+      </dgm:prSet>
+      <dgm:spPr/>
+    </dgm:pt>
+    <dgm:pt modelId="{878D62E5-9A4B-4A40-85C0-F99C19CF20AC}" type="pres">
+      <dgm:prSet presAssocID="{BDC5DD6A-FBC1-452C-BC24-39E295EAC0FA}" presName="root" presStyleCnt="0"/>
+      <dgm:spPr/>
+    </dgm:pt>
+    <dgm:pt modelId="{BAA00178-7E2E-4833-8247-10AADD7AA342}" type="pres">
+      <dgm:prSet presAssocID="{BDC5DD6A-FBC1-452C-BC24-39E295EAC0FA}" presName="rootComposite" presStyleCnt="0"/>
+      <dgm:spPr/>
+    </dgm:pt>
+    <dgm:pt modelId="{45C9E3B2-A04B-4DC6-809E-69771C933CAA}" type="pres">
+      <dgm:prSet presAssocID="{BDC5DD6A-FBC1-452C-BC24-39E295EAC0FA}" presName="rootText" presStyleLbl="node1" presStyleIdx="3" presStyleCnt="5"/>
+      <dgm:spPr/>
+    </dgm:pt>
+    <dgm:pt modelId="{65C98AE3-0256-43BD-8102-79F7579AD1CC}" type="pres">
+      <dgm:prSet presAssocID="{BDC5DD6A-FBC1-452C-BC24-39E295EAC0FA}" presName="rootConnector" presStyleLbl="node1" presStyleIdx="3" presStyleCnt="5"/>
+      <dgm:spPr/>
+    </dgm:pt>
+    <dgm:pt modelId="{05736CD8-054B-43F1-A02A-E1DFC85568C1}" type="pres">
+      <dgm:prSet presAssocID="{BDC5DD6A-FBC1-452C-BC24-39E295EAC0FA}" presName="childShape" presStyleCnt="0"/>
+      <dgm:spPr/>
+    </dgm:pt>
+    <dgm:pt modelId="{3EA98D33-FBD9-47BF-AA9F-7A1AEC1706E9}" type="pres">
+      <dgm:prSet presAssocID="{91152576-169B-40BE-8E62-7FF0BE953AEB}" presName="Name13" presStyleLbl="parChTrans1D2" presStyleIdx="9" presStyleCnt="12"/>
+      <dgm:spPr/>
+    </dgm:pt>
+    <dgm:pt modelId="{D17D5AF5-7E93-4B8C-97D2-26EACFB01BAD}" type="pres">
+      <dgm:prSet presAssocID="{64734B80-4221-45AE-B960-4184FEF7FC2B}" presName="childText" presStyleLbl="bgAcc1" presStyleIdx="9" presStyleCnt="12">
+        <dgm:presLayoutVars>
+          <dgm:bulletEnabled val="1"/>
+        </dgm:presLayoutVars>
+      </dgm:prSet>
+      <dgm:spPr/>
+    </dgm:pt>
+    <dgm:pt modelId="{3D76A59B-2757-4825-AF33-DD7D5CAFCA6B}" type="pres">
+      <dgm:prSet presAssocID="{E6A33E8E-986C-4249-A22F-3BAB96789222}" presName="Name13" presStyleLbl="parChTrans1D2" presStyleIdx="10" presStyleCnt="12"/>
+      <dgm:spPr/>
+    </dgm:pt>
+    <dgm:pt modelId="{11DFA63A-B308-475B-92F7-5BE32F16486E}" type="pres">
+      <dgm:prSet presAssocID="{C02B70D0-C3F9-4F66-A627-2F7D55ECD773}" presName="childText" presStyleLbl="bgAcc1" presStyleIdx="10" presStyleCnt="12">
+        <dgm:presLayoutVars>
+          <dgm:bulletEnabled val="1"/>
+        </dgm:presLayoutVars>
+      </dgm:prSet>
+      <dgm:spPr/>
+    </dgm:pt>
+    <dgm:pt modelId="{EE783544-3479-497B-A47A-5D6666AE688A}" type="pres">
+      <dgm:prSet presAssocID="{BCF2050A-6CF4-41D9-BFDB-CBEB5BDEB9A9}" presName="root" presStyleCnt="0"/>
+      <dgm:spPr/>
+    </dgm:pt>
+    <dgm:pt modelId="{DDB55995-858F-4AF7-8509-3B0B47F08356}" type="pres">
+      <dgm:prSet presAssocID="{BCF2050A-6CF4-41D9-BFDB-CBEB5BDEB9A9}" presName="rootComposite" presStyleCnt="0"/>
+      <dgm:spPr/>
+    </dgm:pt>
+    <dgm:pt modelId="{DFB62AD1-22F5-4B94-B84B-63983249E7FF}" type="pres">
+      <dgm:prSet presAssocID="{BCF2050A-6CF4-41D9-BFDB-CBEB5BDEB9A9}" presName="rootText" presStyleLbl="node1" presStyleIdx="4" presStyleCnt="5"/>
+      <dgm:spPr/>
+    </dgm:pt>
+    <dgm:pt modelId="{E744A470-931F-4D2A-8319-779D901074D2}" type="pres">
+      <dgm:prSet presAssocID="{BCF2050A-6CF4-41D9-BFDB-CBEB5BDEB9A9}" presName="rootConnector" presStyleLbl="node1" presStyleIdx="4" presStyleCnt="5"/>
+      <dgm:spPr/>
+    </dgm:pt>
+    <dgm:pt modelId="{C6E26F49-BA56-4381-8C81-C35CCEF53098}" type="pres">
+      <dgm:prSet presAssocID="{BCF2050A-6CF4-41D9-BFDB-CBEB5BDEB9A9}" presName="childShape" presStyleCnt="0"/>
+      <dgm:spPr/>
+    </dgm:pt>
+    <dgm:pt modelId="{6A887FEE-D103-40AD-A264-84B281EE545B}" type="pres">
+      <dgm:prSet presAssocID="{2BD759C1-3483-4407-9E3A-42F763C9184F}" presName="Name13" presStyleLbl="parChTrans1D2" presStyleIdx="11" presStyleCnt="12"/>
+      <dgm:spPr/>
+    </dgm:pt>
+    <dgm:pt modelId="{BCA81C53-7FE8-4D45-8C27-F68782FE2FBE}" type="pres">
+      <dgm:prSet presAssocID="{FFD06E6D-CE14-440F-BF47-1763BFC2D015}" presName="childText" presStyleLbl="bgAcc1" presStyleIdx="11" presStyleCnt="12">
+        <dgm:presLayoutVars>
+          <dgm:bulletEnabled val="1"/>
+        </dgm:presLayoutVars>
+      </dgm:prSet>
+      <dgm:spPr/>
+    </dgm:pt>
+  </dgm:ptLst>
+  <dgm:cxnLst>
+    <dgm:cxn modelId="{E90E5916-21F2-4E84-8394-2340B53BDD1E}" type="presOf" srcId="{AEAB993F-D28E-473A-8ADE-C911C7044C94}" destId="{0381B50D-39F0-48ED-8B3A-ACECAE994C4B}" srcOrd="0" destOrd="0" presId="urn:microsoft.com/office/officeart/2005/8/layout/hierarchy3"/>
+    <dgm:cxn modelId="{3F7BBD64-64C5-4DE4-A772-382FC6F4B02A}" type="presOf" srcId="{BCF2050A-6CF4-41D9-BFDB-CBEB5BDEB9A9}" destId="{E744A470-931F-4D2A-8319-779D901074D2}" srcOrd="1" destOrd="0" presId="urn:microsoft.com/office/officeart/2005/8/layout/hierarchy3"/>
+    <dgm:cxn modelId="{956B26D2-C71F-4097-B39B-8DACE8827DEB}" type="presOf" srcId="{BCF2050A-6CF4-41D9-BFDB-CBEB5BDEB9A9}" destId="{DFB62AD1-22F5-4B94-B84B-63983249E7FF}" srcOrd="0" destOrd="0" presId="urn:microsoft.com/office/officeart/2005/8/layout/hierarchy3"/>
+    <dgm:cxn modelId="{9374A8DD-8E69-467B-82E6-6021361A27A9}" srcId="{15272A79-60DF-40A4-B348-5BAB6C0BC3F5}" destId="{5D15E235-DCB4-4BA9-A04F-98873F0D1FF2}" srcOrd="2" destOrd="0" parTransId="{F01F5FED-312C-4C24-B701-8D3A60F0F6CD}" sibTransId="{63C42624-FBB5-4EBB-BCF3-B3802EEEFA07}"/>
+    <dgm:cxn modelId="{FC260462-B434-4BC9-9529-66F459CAF7E6}" srcId="{BDC5DD6A-FBC1-452C-BC24-39E295EAC0FA}" destId="{64734B80-4221-45AE-B960-4184FEF7FC2B}" srcOrd="0" destOrd="0" parTransId="{91152576-169B-40BE-8E62-7FF0BE953AEB}" sibTransId="{134527BA-9982-47C0-B246-1C2D95DB8F4C}"/>
+    <dgm:cxn modelId="{927FA1E2-6399-463A-8AA7-FF30047E7B7B}" srcId="{5C80EC14-A851-429A-9EF2-7FD38B0FCB58}" destId="{F8F4FC1B-B140-4F14-82FF-36B85734F91B}" srcOrd="0" destOrd="0" parTransId="{E77B18D4-DBB3-4B4C-97DE-DDCCFACF5444}" sibTransId="{75F201D2-694C-4E76-A51F-D012EAF1D6F5}"/>
+    <dgm:cxn modelId="{7F129350-677D-4F64-B542-CCF694D1A43D}" type="presOf" srcId="{8346E337-662F-470B-9F93-1D76D4468326}" destId="{E57152C6-7A38-4611-8406-AA547F40C188}" srcOrd="0" destOrd="0" presId="urn:microsoft.com/office/officeart/2005/8/layout/hierarchy3"/>
+    <dgm:cxn modelId="{9D31C92C-FB50-4B36-B4BD-11C11F05DF88}" srcId="{15272A79-60DF-40A4-B348-5BAB6C0BC3F5}" destId="{55CAD101-5EBD-40E8-8B5A-CAC19CD99886}" srcOrd="1" destOrd="0" parTransId="{0F7F6826-E5B7-476D-AE81-C581B5795770}" sibTransId="{3932FC0E-F4D0-4A04-A36F-BB3E6C1CD3FF}"/>
+    <dgm:cxn modelId="{94A6F53F-A959-463A-BFDE-BCD7BD2076C7}" type="presOf" srcId="{E004EAC3-892D-4D06-BCF4-0F7497CBAED7}" destId="{7D002D45-449E-41FA-A465-F8A1BCB85087}" srcOrd="0" destOrd="0" presId="urn:microsoft.com/office/officeart/2005/8/layout/hierarchy3"/>
+    <dgm:cxn modelId="{09F15249-5438-464D-8948-56FF98D2B1EF}" type="presOf" srcId="{5C80EC14-A851-429A-9EF2-7FD38B0FCB58}" destId="{3F25274A-31E6-4BF1-84FF-030C007C9A8E}" srcOrd="1" destOrd="0" presId="urn:microsoft.com/office/officeart/2005/8/layout/hierarchy3"/>
+    <dgm:cxn modelId="{18289599-A311-4051-9045-647C4837F979}" type="presOf" srcId="{9FA41D54-3C44-4829-B8AA-F8CCC8F6F5E8}" destId="{BE982601-11BC-4250-868C-A837261AAF8F}" srcOrd="0" destOrd="0" presId="urn:microsoft.com/office/officeart/2005/8/layout/hierarchy3"/>
+    <dgm:cxn modelId="{D96FEDCA-4B78-41CC-B556-B3711445AC82}" type="presOf" srcId="{31A4B967-3DFF-43A0-A822-CF6D298BC388}" destId="{D5DCF584-2416-4841-8A19-70255E1ABC54}" srcOrd="0" destOrd="0" presId="urn:microsoft.com/office/officeart/2005/8/layout/hierarchy3"/>
+    <dgm:cxn modelId="{B40B52F7-447E-4587-ADD7-78443446071E}" srcId="{39FDA24F-138C-48E7-A432-3C3A029E108F}" destId="{15272A79-60DF-40A4-B348-5BAB6C0BC3F5}" srcOrd="0" destOrd="0" parTransId="{3FA9233F-2BD0-4DBB-A7FF-DA82C3911C29}" sibTransId="{329467D4-12E3-4362-BBFB-B1478A101033}"/>
+    <dgm:cxn modelId="{98ABF0F2-CB5F-43A1-902C-EAFBA92A4090}" srcId="{BDC5DD6A-FBC1-452C-BC24-39E295EAC0FA}" destId="{C02B70D0-C3F9-4F66-A627-2F7D55ECD773}" srcOrd="1" destOrd="0" parTransId="{E6A33E8E-986C-4249-A22F-3BAB96789222}" sibTransId="{037DEE33-5B5D-4C93-B3D2-46717E4DD8FC}"/>
+    <dgm:cxn modelId="{DB8DFAB2-B2D9-48C1-903F-21C2B016DD99}" type="presOf" srcId="{145B9685-B495-41F8-B7E9-1AAB2FF5C287}" destId="{ECF08292-B0AA-4C0B-9B62-A7A6E9B67D01}" srcOrd="0" destOrd="0" presId="urn:microsoft.com/office/officeart/2005/8/layout/hierarchy3"/>
+    <dgm:cxn modelId="{E43F90DA-5540-465B-A878-3D5CE66551AF}" type="presOf" srcId="{64734B80-4221-45AE-B960-4184FEF7FC2B}" destId="{D17D5AF5-7E93-4B8C-97D2-26EACFB01BAD}" srcOrd="0" destOrd="0" presId="urn:microsoft.com/office/officeart/2005/8/layout/hierarchy3"/>
+    <dgm:cxn modelId="{C0B5B93B-A92B-4949-AD96-B23CDA709C40}" srcId="{39FDA24F-138C-48E7-A432-3C3A029E108F}" destId="{BDC5DD6A-FBC1-452C-BC24-39E295EAC0FA}" srcOrd="3" destOrd="0" parTransId="{5570B5B0-FBDB-4EA6-A1E8-48FDA3363E9E}" sibTransId="{B58A1015-A8DA-4495-9952-030B07DD4AE6}"/>
+    <dgm:cxn modelId="{8DCCCF97-9BE1-41D2-A762-40B6362E744B}" type="presOf" srcId="{E6A33E8E-986C-4249-A22F-3BAB96789222}" destId="{3D76A59B-2757-4825-AF33-DD7D5CAFCA6B}" srcOrd="0" destOrd="0" presId="urn:microsoft.com/office/officeart/2005/8/layout/hierarchy3"/>
+    <dgm:cxn modelId="{35D4D249-7BE0-4D85-BC74-347CF9F567B8}" type="presOf" srcId="{0128B625-F352-4AE1-8577-E5DD8B8B0CEF}" destId="{85D5FB6B-1383-4EC5-9E55-CFEB19ABE3AC}" srcOrd="0" destOrd="0" presId="urn:microsoft.com/office/officeart/2005/8/layout/hierarchy3"/>
+    <dgm:cxn modelId="{A618DEBC-FEB3-4540-B820-B96623A3DD91}" srcId="{15272A79-60DF-40A4-B348-5BAB6C0BC3F5}" destId="{0FE8BEC8-EF9F-47A1-A35C-AE60F2A47E8F}" srcOrd="0" destOrd="0" parTransId="{31A4B967-3DFF-43A0-A822-CF6D298BC388}" sibTransId="{2D0C1090-4A44-4DAF-9A45-D94417BD7138}"/>
+    <dgm:cxn modelId="{19B1A30A-7E2F-4D91-A3EA-ED36411045E0}" srcId="{17A6E45C-EE2A-4798-A06D-BA13D3842653}" destId="{9FA41D54-3C44-4829-B8AA-F8CCC8F6F5E8}" srcOrd="1" destOrd="0" parTransId="{3A814798-0F51-4369-A541-5218E9C84051}" sibTransId="{C23DDEF2-18C6-41A9-B7ED-CCBF4840C2A0}"/>
+    <dgm:cxn modelId="{13AB4314-6B90-4BB6-ACF0-829825737864}" type="presOf" srcId="{F8F4FC1B-B140-4F14-82FF-36B85734F91B}" destId="{18254FBB-1D23-42B4-90F9-085BC0F972EE}" srcOrd="0" destOrd="0" presId="urn:microsoft.com/office/officeart/2005/8/layout/hierarchy3"/>
+    <dgm:cxn modelId="{F58B6068-ECE4-4C95-B585-6B52C4F3F35C}" srcId="{39FDA24F-138C-48E7-A432-3C3A029E108F}" destId="{17A6E45C-EE2A-4798-A06D-BA13D3842653}" srcOrd="1" destOrd="0" parTransId="{9C56D1A5-F407-4BFF-8891-1E4682B9A6BB}" sibTransId="{AFED61C5-C621-4DFA-971A-09B52789CDA5}"/>
+    <dgm:cxn modelId="{1184BBF4-BA60-40FD-A90A-52847CEB3790}" type="presOf" srcId="{BDC5DD6A-FBC1-452C-BC24-39E295EAC0FA}" destId="{45C9E3B2-A04B-4DC6-809E-69771C933CAA}" srcOrd="0" destOrd="0" presId="urn:microsoft.com/office/officeart/2005/8/layout/hierarchy3"/>
+    <dgm:cxn modelId="{C03A30AD-4A08-4FB8-B8A6-32C8726D2D8F}" type="presOf" srcId="{17A6E45C-EE2A-4798-A06D-BA13D3842653}" destId="{EA2398BB-27C2-4FC5-8E19-A4BAA978B73A}" srcOrd="0" destOrd="0" presId="urn:microsoft.com/office/officeart/2005/8/layout/hierarchy3"/>
+    <dgm:cxn modelId="{3B9D3584-1791-4DBA-9B5E-8BC33FFD910C}" srcId="{5C80EC14-A851-429A-9EF2-7FD38B0FCB58}" destId="{4BA69AC7-8F33-4A12-BB23-8CBEF84AE135}" srcOrd="2" destOrd="0" parTransId="{AEAB993F-D28E-473A-8ADE-C911C7044C94}" sibTransId="{CCC8B79D-75DE-4244-848D-CB150C8A7175}"/>
+    <dgm:cxn modelId="{5DF9444B-F1D5-4E4D-9C97-F9021825D853}" srcId="{39FDA24F-138C-48E7-A432-3C3A029E108F}" destId="{5C80EC14-A851-429A-9EF2-7FD38B0FCB58}" srcOrd="2" destOrd="0" parTransId="{5FD6C2C4-50C3-425F-97C2-BF96E7F552B4}" sibTransId="{86CA18CE-D82C-4E25-9C73-1A1F7090ADBC}"/>
+    <dgm:cxn modelId="{FAEEA256-6EB0-4355-9B35-2F2311DCB43F}" type="presOf" srcId="{C02B70D0-C3F9-4F66-A627-2F7D55ECD773}" destId="{11DFA63A-B308-475B-92F7-5BE32F16486E}" srcOrd="0" destOrd="0" presId="urn:microsoft.com/office/officeart/2005/8/layout/hierarchy3"/>
+    <dgm:cxn modelId="{08470EC9-7BD8-431B-839E-9C5DE67F5EBB}" srcId="{5C80EC14-A851-429A-9EF2-7FD38B0FCB58}" destId="{E004EAC3-892D-4D06-BCF4-0F7497CBAED7}" srcOrd="3" destOrd="0" parTransId="{145B9685-B495-41F8-B7E9-1AAB2FF5C287}" sibTransId="{6DE1D02F-2D74-4D83-8346-3CF652A1664E}"/>
+    <dgm:cxn modelId="{5092160B-217A-4413-892B-D21E5E59A899}" srcId="{5C80EC14-A851-429A-9EF2-7FD38B0FCB58}" destId="{0128B625-F352-4AE1-8577-E5DD8B8B0CEF}" srcOrd="1" destOrd="0" parTransId="{B2DD471D-D666-467A-8951-217EE2C5A09F}" sibTransId="{DE8368C6-DE40-4E53-B2E5-CF75B6F5DF79}"/>
+    <dgm:cxn modelId="{1C25B7EB-51BA-418B-A7FA-BD466302A406}" type="presOf" srcId="{0FE8BEC8-EF9F-47A1-A35C-AE60F2A47E8F}" destId="{E3DA2CC9-3B8F-4405-97EB-7575332029EE}" srcOrd="0" destOrd="0" presId="urn:microsoft.com/office/officeart/2005/8/layout/hierarchy3"/>
+    <dgm:cxn modelId="{45933BFE-2CF1-474B-963E-902F09FB4A32}" type="presOf" srcId="{17A6E45C-EE2A-4798-A06D-BA13D3842653}" destId="{CD49FC6E-E5EE-43D6-A400-6877C924B49A}" srcOrd="1" destOrd="0" presId="urn:microsoft.com/office/officeart/2005/8/layout/hierarchy3"/>
+    <dgm:cxn modelId="{9DB5DDAF-25AE-4B59-AA5B-3A6AC85DF828}" type="presOf" srcId="{15272A79-60DF-40A4-B348-5BAB6C0BC3F5}" destId="{31A64678-7AC5-44A3-9918-A16B84986BB4}" srcOrd="0" destOrd="0" presId="urn:microsoft.com/office/officeart/2005/8/layout/hierarchy3"/>
+    <dgm:cxn modelId="{DDEA500C-77D6-4275-BCD4-12C46688332A}" type="presOf" srcId="{91152576-169B-40BE-8E62-7FF0BE953AEB}" destId="{3EA98D33-FBD9-47BF-AA9F-7A1AEC1706E9}" srcOrd="0" destOrd="0" presId="urn:microsoft.com/office/officeart/2005/8/layout/hierarchy3"/>
+    <dgm:cxn modelId="{48F3F4E7-0F50-4D33-A12A-CF1E607FB3A4}" type="presOf" srcId="{2BD759C1-3483-4407-9E3A-42F763C9184F}" destId="{6A887FEE-D103-40AD-A264-84B281EE545B}" srcOrd="0" destOrd="0" presId="urn:microsoft.com/office/officeart/2005/8/layout/hierarchy3"/>
+    <dgm:cxn modelId="{3E7DCB03-C04E-4E06-81C7-227CEA893005}" type="presOf" srcId="{BDC5DD6A-FBC1-452C-BC24-39E295EAC0FA}" destId="{65C98AE3-0256-43BD-8102-79F7579AD1CC}" srcOrd="1" destOrd="0" presId="urn:microsoft.com/office/officeart/2005/8/layout/hierarchy3"/>
+    <dgm:cxn modelId="{BF84D40B-93CB-48D7-BC21-4BE64840FD16}" type="presOf" srcId="{39FDA24F-138C-48E7-A432-3C3A029E108F}" destId="{EECC6759-146C-4BB4-B271-B934273847AC}" srcOrd="0" destOrd="0" presId="urn:microsoft.com/office/officeart/2005/8/layout/hierarchy3"/>
+    <dgm:cxn modelId="{C99CF8B0-2CD1-4DEE-9B66-4896DDF84CF5}" type="presOf" srcId="{E77B18D4-DBB3-4B4C-97DE-DDCCFACF5444}" destId="{0D4E001A-690B-4347-AA0B-CC209DA191F7}" srcOrd="0" destOrd="0" presId="urn:microsoft.com/office/officeart/2005/8/layout/hierarchy3"/>
+    <dgm:cxn modelId="{50A611F5-D772-4E7B-BC48-F0C7F777ADE9}" type="presOf" srcId="{F01F5FED-312C-4C24-B701-8D3A60F0F6CD}" destId="{E0404AF7-7BDF-424F-9EB5-467295A8F517}" srcOrd="0" destOrd="0" presId="urn:microsoft.com/office/officeart/2005/8/layout/hierarchy3"/>
+    <dgm:cxn modelId="{613F1986-7E57-4AF2-85A7-E65243CD70D9}" srcId="{39FDA24F-138C-48E7-A432-3C3A029E108F}" destId="{BCF2050A-6CF4-41D9-BFDB-CBEB5BDEB9A9}" srcOrd="4" destOrd="0" parTransId="{13A85DC6-4347-49D5-A078-7F9775AF1CCA}" sibTransId="{0F463272-1BD8-4114-AC5A-A459BCAE85F0}"/>
+    <dgm:cxn modelId="{D02CA1F1-9459-4207-9BCB-277ED87C0D0F}" type="presOf" srcId="{55CAD101-5EBD-40E8-8B5A-CAC19CD99886}" destId="{15EC8C5A-02E9-4D4D-8441-4CFDE7C72B7D}" srcOrd="0" destOrd="0" presId="urn:microsoft.com/office/officeart/2005/8/layout/hierarchy3"/>
+    <dgm:cxn modelId="{BA760CA8-9411-47B5-A210-41C7E94002D7}" srcId="{17A6E45C-EE2A-4798-A06D-BA13D3842653}" destId="{8346E337-662F-470B-9F93-1D76D4468326}" srcOrd="0" destOrd="0" parTransId="{383EA88D-F27F-48E2-846D-CE64EB6DB950}" sibTransId="{843989D1-DF2F-444C-9B00-4FB251130AA4}"/>
+    <dgm:cxn modelId="{CB04CE9E-FBB5-4E2F-ACF6-5DF3167F0A9F}" type="presOf" srcId="{3A814798-0F51-4369-A541-5218E9C84051}" destId="{2C1186A4-F3B3-4E48-A1A2-52FC1BAED6C8}" srcOrd="0" destOrd="0" presId="urn:microsoft.com/office/officeart/2005/8/layout/hierarchy3"/>
+    <dgm:cxn modelId="{28210463-3BD2-4DBA-9B91-97F9CA5D0601}" type="presOf" srcId="{B2DD471D-D666-467A-8951-217EE2C5A09F}" destId="{CEB46391-533D-4055-9F38-D2F5B64EE6F8}" srcOrd="0" destOrd="0" presId="urn:microsoft.com/office/officeart/2005/8/layout/hierarchy3"/>
+    <dgm:cxn modelId="{CC9E8E3D-1831-41E5-935D-C6B608516E24}" type="presOf" srcId="{4BA69AC7-8F33-4A12-BB23-8CBEF84AE135}" destId="{1BF05B23-31E5-4145-8F1D-9797DCBCA142}" srcOrd="0" destOrd="0" presId="urn:microsoft.com/office/officeart/2005/8/layout/hierarchy3"/>
+    <dgm:cxn modelId="{A0607FC2-BB43-45B4-B11E-4AB994B88C9E}" type="presOf" srcId="{FFD06E6D-CE14-440F-BF47-1763BFC2D015}" destId="{BCA81C53-7FE8-4D45-8C27-F68782FE2FBE}" srcOrd="0" destOrd="0" presId="urn:microsoft.com/office/officeart/2005/8/layout/hierarchy3"/>
+    <dgm:cxn modelId="{17FF6462-DA69-4E2A-96EB-5DBC65834431}" srcId="{BCF2050A-6CF4-41D9-BFDB-CBEB5BDEB9A9}" destId="{FFD06E6D-CE14-440F-BF47-1763BFC2D015}" srcOrd="0" destOrd="0" parTransId="{2BD759C1-3483-4407-9E3A-42F763C9184F}" sibTransId="{D0572F99-6B5C-451B-A0CD-59CCC49D4EF5}"/>
+    <dgm:cxn modelId="{8A0260D3-6DC8-48B5-85E6-0530CF69A8FA}" type="presOf" srcId="{15272A79-60DF-40A4-B348-5BAB6C0BC3F5}" destId="{270E55B0-DC72-40E4-87E5-83D20D775D05}" srcOrd="1" destOrd="0" presId="urn:microsoft.com/office/officeart/2005/8/layout/hierarchy3"/>
+    <dgm:cxn modelId="{DA6471BB-F64B-420A-BA62-5832C001951F}" type="presOf" srcId="{383EA88D-F27F-48E2-846D-CE64EB6DB950}" destId="{FB27F7C6-3194-4465-A21B-30DCAEFAEAFA}" srcOrd="0" destOrd="0" presId="urn:microsoft.com/office/officeart/2005/8/layout/hierarchy3"/>
+    <dgm:cxn modelId="{03D592AA-7635-4335-8323-3F58D1B1866E}" type="presOf" srcId="{0F7F6826-E5B7-476D-AE81-C581B5795770}" destId="{AB1F32A4-68AD-4F42-88E4-F15D6594CF80}" srcOrd="0" destOrd="0" presId="urn:microsoft.com/office/officeart/2005/8/layout/hierarchy3"/>
+    <dgm:cxn modelId="{69C07F8A-89FA-4C9B-BFA0-45A36FA00506}" type="presOf" srcId="{5D15E235-DCB4-4BA9-A04F-98873F0D1FF2}" destId="{7B92686B-B878-4420-9FFF-6C568E53922E}" srcOrd="0" destOrd="0" presId="urn:microsoft.com/office/officeart/2005/8/layout/hierarchy3"/>
+    <dgm:cxn modelId="{E09AE534-3E8C-4A98-89B4-5461641646D9}" type="presOf" srcId="{5C80EC14-A851-429A-9EF2-7FD38B0FCB58}" destId="{7B84117B-8AC9-4555-BA6F-90AE369478F2}" srcOrd="0" destOrd="0" presId="urn:microsoft.com/office/officeart/2005/8/layout/hierarchy3"/>
+    <dgm:cxn modelId="{26709120-E03D-4302-90F8-0593443BAC33}" type="presParOf" srcId="{EECC6759-146C-4BB4-B271-B934273847AC}" destId="{AB8FAD93-DB62-4835-BF90-F1C3C24E1A07}" srcOrd="0" destOrd="0" presId="urn:microsoft.com/office/officeart/2005/8/layout/hierarchy3"/>
+    <dgm:cxn modelId="{EFD00BF3-C1F4-4656-968D-84E708E113E0}" type="presParOf" srcId="{AB8FAD93-DB62-4835-BF90-F1C3C24E1A07}" destId="{13AAE006-2F13-4090-9573-E4BD2DE2FE0B}" srcOrd="0" destOrd="0" presId="urn:microsoft.com/office/officeart/2005/8/layout/hierarchy3"/>
+    <dgm:cxn modelId="{1DF8ED1D-C7F2-40E6-9952-9F4268EEF637}" type="presParOf" srcId="{13AAE006-2F13-4090-9573-E4BD2DE2FE0B}" destId="{31A64678-7AC5-44A3-9918-A16B84986BB4}" srcOrd="0" destOrd="0" presId="urn:microsoft.com/office/officeart/2005/8/layout/hierarchy3"/>
+    <dgm:cxn modelId="{02C052A2-99B7-4E76-8AEA-F2F1E5D4F99D}" type="presParOf" srcId="{13AAE006-2F13-4090-9573-E4BD2DE2FE0B}" destId="{270E55B0-DC72-40E4-87E5-83D20D775D05}" srcOrd="1" destOrd="0" presId="urn:microsoft.com/office/officeart/2005/8/layout/hierarchy3"/>
+    <dgm:cxn modelId="{FDA2AED5-E2BD-448C-ACFE-FEF03A5CF162}" type="presParOf" srcId="{AB8FAD93-DB62-4835-BF90-F1C3C24E1A07}" destId="{358AB1D6-F8FE-46F0-87A1-96A0BA13AF1B}" srcOrd="1" destOrd="0" presId="urn:microsoft.com/office/officeart/2005/8/layout/hierarchy3"/>
+    <dgm:cxn modelId="{EEFF4DDA-FA6F-43CE-BE90-A831D35FFECF}" type="presParOf" srcId="{358AB1D6-F8FE-46F0-87A1-96A0BA13AF1B}" destId="{D5DCF584-2416-4841-8A19-70255E1ABC54}" srcOrd="0" destOrd="0" presId="urn:microsoft.com/office/officeart/2005/8/layout/hierarchy3"/>
+    <dgm:cxn modelId="{D358B8BE-5FDE-450F-A915-FD4BF9B79366}" type="presParOf" srcId="{358AB1D6-F8FE-46F0-87A1-96A0BA13AF1B}" destId="{E3DA2CC9-3B8F-4405-97EB-7575332029EE}" srcOrd="1" destOrd="0" presId="urn:microsoft.com/office/officeart/2005/8/layout/hierarchy3"/>
+    <dgm:cxn modelId="{8AA303EC-079B-4AB5-BDB8-82CD9CE650E5}" type="presParOf" srcId="{358AB1D6-F8FE-46F0-87A1-96A0BA13AF1B}" destId="{AB1F32A4-68AD-4F42-88E4-F15D6594CF80}" srcOrd="2" destOrd="0" presId="urn:microsoft.com/office/officeart/2005/8/layout/hierarchy3"/>
+    <dgm:cxn modelId="{8894B993-3B39-44B6-9AD7-1990BF1598B6}" type="presParOf" srcId="{358AB1D6-F8FE-46F0-87A1-96A0BA13AF1B}" destId="{15EC8C5A-02E9-4D4D-8441-4CFDE7C72B7D}" srcOrd="3" destOrd="0" presId="urn:microsoft.com/office/officeart/2005/8/layout/hierarchy3"/>
+    <dgm:cxn modelId="{B9B9D981-EF4A-4284-95B6-C3E79FBBA8FA}" type="presParOf" srcId="{358AB1D6-F8FE-46F0-87A1-96A0BA13AF1B}" destId="{E0404AF7-7BDF-424F-9EB5-467295A8F517}" srcOrd="4" destOrd="0" presId="urn:microsoft.com/office/officeart/2005/8/layout/hierarchy3"/>
+    <dgm:cxn modelId="{14344DEC-19C5-444D-8BA3-CF767C70AF56}" type="presParOf" srcId="{358AB1D6-F8FE-46F0-87A1-96A0BA13AF1B}" destId="{7B92686B-B878-4420-9FFF-6C568E53922E}" srcOrd="5" destOrd="0" presId="urn:microsoft.com/office/officeart/2005/8/layout/hierarchy3"/>
+    <dgm:cxn modelId="{5ECBEAFB-475D-4481-85B4-D603BBF081B4}" type="presParOf" srcId="{EECC6759-146C-4BB4-B271-B934273847AC}" destId="{0495B1D5-842C-4BC8-8B22-CE2CDFCCDE96}" srcOrd="1" destOrd="0" presId="urn:microsoft.com/office/officeart/2005/8/layout/hierarchy3"/>
+    <dgm:cxn modelId="{788BBA63-0F96-4C0C-8B4E-1C7262EA260F}" type="presParOf" srcId="{0495B1D5-842C-4BC8-8B22-CE2CDFCCDE96}" destId="{7A844A99-8DEE-4D43-96BA-84544BB392FB}" srcOrd="0" destOrd="0" presId="urn:microsoft.com/office/officeart/2005/8/layout/hierarchy3"/>
+    <dgm:cxn modelId="{B892D76A-305E-483F-AC02-4049828DA792}" type="presParOf" srcId="{7A844A99-8DEE-4D43-96BA-84544BB392FB}" destId="{EA2398BB-27C2-4FC5-8E19-A4BAA978B73A}" srcOrd="0" destOrd="0" presId="urn:microsoft.com/office/officeart/2005/8/layout/hierarchy3"/>
+    <dgm:cxn modelId="{06E45404-F570-4508-8BAE-38B4EF17761E}" type="presParOf" srcId="{7A844A99-8DEE-4D43-96BA-84544BB392FB}" destId="{CD49FC6E-E5EE-43D6-A400-6877C924B49A}" srcOrd="1" destOrd="0" presId="urn:microsoft.com/office/officeart/2005/8/layout/hierarchy3"/>
+    <dgm:cxn modelId="{79CB933D-2E2D-4D1F-A9F5-28227B2C8BDB}" type="presParOf" srcId="{0495B1D5-842C-4BC8-8B22-CE2CDFCCDE96}" destId="{E995A1C4-025C-4ABE-AF0F-29FE5F6DD3AD}" srcOrd="1" destOrd="0" presId="urn:microsoft.com/office/officeart/2005/8/layout/hierarchy3"/>
+    <dgm:cxn modelId="{0ED79268-D616-4D05-A28E-03F67CCB3752}" type="presParOf" srcId="{E995A1C4-025C-4ABE-AF0F-29FE5F6DD3AD}" destId="{FB27F7C6-3194-4465-A21B-30DCAEFAEAFA}" srcOrd="0" destOrd="0" presId="urn:microsoft.com/office/officeart/2005/8/layout/hierarchy3"/>
+    <dgm:cxn modelId="{D073E97E-8E31-4D86-9D53-9A89E3849AC5}" type="presParOf" srcId="{E995A1C4-025C-4ABE-AF0F-29FE5F6DD3AD}" destId="{E57152C6-7A38-4611-8406-AA547F40C188}" srcOrd="1" destOrd="0" presId="urn:microsoft.com/office/officeart/2005/8/layout/hierarchy3"/>
+    <dgm:cxn modelId="{FE1B9A96-1A92-4EE3-86F3-198A96FDEFD3}" type="presParOf" srcId="{E995A1C4-025C-4ABE-AF0F-29FE5F6DD3AD}" destId="{2C1186A4-F3B3-4E48-A1A2-52FC1BAED6C8}" srcOrd="2" destOrd="0" presId="urn:microsoft.com/office/officeart/2005/8/layout/hierarchy3"/>
+    <dgm:cxn modelId="{203F17B3-9CBD-403A-BED3-DCD2F0072901}" type="presParOf" srcId="{E995A1C4-025C-4ABE-AF0F-29FE5F6DD3AD}" destId="{BE982601-11BC-4250-868C-A837261AAF8F}" srcOrd="3" destOrd="0" presId="urn:microsoft.com/office/officeart/2005/8/layout/hierarchy3"/>
+    <dgm:cxn modelId="{EFB8A0E5-ACFF-453C-AD2D-21B42E12EEB5}" type="presParOf" srcId="{EECC6759-146C-4BB4-B271-B934273847AC}" destId="{F20C71ED-0E2E-4391-A1CC-EEC351B921A8}" srcOrd="2" destOrd="0" presId="urn:microsoft.com/office/officeart/2005/8/layout/hierarchy3"/>
+    <dgm:cxn modelId="{22C96633-EABA-4541-B86B-8B98394AA446}" type="presParOf" srcId="{F20C71ED-0E2E-4391-A1CC-EEC351B921A8}" destId="{D88FCAF2-1D3A-47FD-99E5-E1CB939FDA03}" srcOrd="0" destOrd="0" presId="urn:microsoft.com/office/officeart/2005/8/layout/hierarchy3"/>
+    <dgm:cxn modelId="{19B712CA-D843-4908-9A7F-DC552422FFE7}" type="presParOf" srcId="{D88FCAF2-1D3A-47FD-99E5-E1CB939FDA03}" destId="{7B84117B-8AC9-4555-BA6F-90AE369478F2}" srcOrd="0" destOrd="0" presId="urn:microsoft.com/office/officeart/2005/8/layout/hierarchy3"/>
+    <dgm:cxn modelId="{8A4CC9AC-7072-4185-810F-62715D441E9D}" type="presParOf" srcId="{D88FCAF2-1D3A-47FD-99E5-E1CB939FDA03}" destId="{3F25274A-31E6-4BF1-84FF-030C007C9A8E}" srcOrd="1" destOrd="0" presId="urn:microsoft.com/office/officeart/2005/8/layout/hierarchy3"/>
+    <dgm:cxn modelId="{2B883242-6386-4184-AB6B-41F1465F458C}" type="presParOf" srcId="{F20C71ED-0E2E-4391-A1CC-EEC351B921A8}" destId="{5AC3DC28-0986-41B3-B59B-51C99D634DF2}" srcOrd="1" destOrd="0" presId="urn:microsoft.com/office/officeart/2005/8/layout/hierarchy3"/>
+    <dgm:cxn modelId="{6612A245-D599-4689-A2C2-942CF800D316}" type="presParOf" srcId="{5AC3DC28-0986-41B3-B59B-51C99D634DF2}" destId="{0D4E001A-690B-4347-AA0B-CC209DA191F7}" srcOrd="0" destOrd="0" presId="urn:microsoft.com/office/officeart/2005/8/layout/hierarchy3"/>
+    <dgm:cxn modelId="{BB2A2740-275E-4C4D-B1A6-0F23C6454ABB}" type="presParOf" srcId="{5AC3DC28-0986-41B3-B59B-51C99D634DF2}" destId="{18254FBB-1D23-42B4-90F9-085BC0F972EE}" srcOrd="1" destOrd="0" presId="urn:microsoft.com/office/officeart/2005/8/layout/hierarchy3"/>
+    <dgm:cxn modelId="{CD18E7AF-F420-45C3-A91A-1BCBA3530E9A}" type="presParOf" srcId="{5AC3DC28-0986-41B3-B59B-51C99D634DF2}" destId="{CEB46391-533D-4055-9F38-D2F5B64EE6F8}" srcOrd="2" destOrd="0" presId="urn:microsoft.com/office/officeart/2005/8/layout/hierarchy3"/>
+    <dgm:cxn modelId="{BA93D5E7-651D-4063-A557-EF109FA18A05}" type="presParOf" srcId="{5AC3DC28-0986-41B3-B59B-51C99D634DF2}" destId="{85D5FB6B-1383-4EC5-9E55-CFEB19ABE3AC}" srcOrd="3" destOrd="0" presId="urn:microsoft.com/office/officeart/2005/8/layout/hierarchy3"/>
+    <dgm:cxn modelId="{F5D73832-ED13-44E5-82AB-710D96D344FA}" type="presParOf" srcId="{5AC3DC28-0986-41B3-B59B-51C99D634DF2}" destId="{0381B50D-39F0-48ED-8B3A-ACECAE994C4B}" srcOrd="4" destOrd="0" presId="urn:microsoft.com/office/officeart/2005/8/layout/hierarchy3"/>
+    <dgm:cxn modelId="{5C71EBF1-0C2C-4FA6-9894-301244A86767}" type="presParOf" srcId="{5AC3DC28-0986-41B3-B59B-51C99D634DF2}" destId="{1BF05B23-31E5-4145-8F1D-9797DCBCA142}" srcOrd="5" destOrd="0" presId="urn:microsoft.com/office/officeart/2005/8/layout/hierarchy3"/>
+    <dgm:cxn modelId="{B03FA173-94E3-489C-9E43-BD4D41A2FBF4}" type="presParOf" srcId="{5AC3DC28-0986-41B3-B59B-51C99D634DF2}" destId="{ECF08292-B0AA-4C0B-9B62-A7A6E9B67D01}" srcOrd="6" destOrd="0" presId="urn:microsoft.com/office/officeart/2005/8/layout/hierarchy3"/>
+    <dgm:cxn modelId="{9FC58AB0-5DC6-46BA-8E7D-67730BB99E18}" type="presParOf" srcId="{5AC3DC28-0986-41B3-B59B-51C99D634DF2}" destId="{7D002D45-449E-41FA-A465-F8A1BCB85087}" srcOrd="7" destOrd="0" presId="urn:microsoft.com/office/officeart/2005/8/layout/hierarchy3"/>
+    <dgm:cxn modelId="{B78CF86F-FC42-49EE-AE5E-2ABFDC41562F}" type="presParOf" srcId="{EECC6759-146C-4BB4-B271-B934273847AC}" destId="{878D62E5-9A4B-4A40-85C0-F99C19CF20AC}" srcOrd="3" destOrd="0" presId="urn:microsoft.com/office/officeart/2005/8/layout/hierarchy3"/>
+    <dgm:cxn modelId="{A4F9515A-375A-4940-AC88-5A72A63C141E}" type="presParOf" srcId="{878D62E5-9A4B-4A40-85C0-F99C19CF20AC}" destId="{BAA00178-7E2E-4833-8247-10AADD7AA342}" srcOrd="0" destOrd="0" presId="urn:microsoft.com/office/officeart/2005/8/layout/hierarchy3"/>
+    <dgm:cxn modelId="{484B8AF5-5CC1-418F-86CC-3E7C9D24B723}" type="presParOf" srcId="{BAA00178-7E2E-4833-8247-10AADD7AA342}" destId="{45C9E3B2-A04B-4DC6-809E-69771C933CAA}" srcOrd="0" destOrd="0" presId="urn:microsoft.com/office/officeart/2005/8/layout/hierarchy3"/>
+    <dgm:cxn modelId="{C3404ED4-B576-499B-B943-0CB77C3812F2}" type="presParOf" srcId="{BAA00178-7E2E-4833-8247-10AADD7AA342}" destId="{65C98AE3-0256-43BD-8102-79F7579AD1CC}" srcOrd="1" destOrd="0" presId="urn:microsoft.com/office/officeart/2005/8/layout/hierarchy3"/>
+    <dgm:cxn modelId="{14890A13-AC93-4B96-87EB-7C736F096271}" type="presParOf" srcId="{878D62E5-9A4B-4A40-85C0-F99C19CF20AC}" destId="{05736CD8-054B-43F1-A02A-E1DFC85568C1}" srcOrd="1" destOrd="0" presId="urn:microsoft.com/office/officeart/2005/8/layout/hierarchy3"/>
+    <dgm:cxn modelId="{AE43B994-CCD8-44EC-A087-D8C1EFF3CD2E}" type="presParOf" srcId="{05736CD8-054B-43F1-A02A-E1DFC85568C1}" destId="{3EA98D33-FBD9-47BF-AA9F-7A1AEC1706E9}" srcOrd="0" destOrd="0" presId="urn:microsoft.com/office/officeart/2005/8/layout/hierarchy3"/>
+    <dgm:cxn modelId="{190CB8F1-7808-4CAC-890B-8DAD65601991}" type="presParOf" srcId="{05736CD8-054B-43F1-A02A-E1DFC85568C1}" destId="{D17D5AF5-7E93-4B8C-97D2-26EACFB01BAD}" srcOrd="1" destOrd="0" presId="urn:microsoft.com/office/officeart/2005/8/layout/hierarchy3"/>
+    <dgm:cxn modelId="{9A97E242-26ED-4F2B-A6D2-8C318A751373}" type="presParOf" srcId="{05736CD8-054B-43F1-A02A-E1DFC85568C1}" destId="{3D76A59B-2757-4825-AF33-DD7D5CAFCA6B}" srcOrd="2" destOrd="0" presId="urn:microsoft.com/office/officeart/2005/8/layout/hierarchy3"/>
+    <dgm:cxn modelId="{B5101331-1D7F-470F-898F-79714862D138}" type="presParOf" srcId="{05736CD8-054B-43F1-A02A-E1DFC85568C1}" destId="{11DFA63A-B308-475B-92F7-5BE32F16486E}" srcOrd="3" destOrd="0" presId="urn:microsoft.com/office/officeart/2005/8/layout/hierarchy3"/>
+    <dgm:cxn modelId="{B40514AC-564D-47BA-810E-7B3F13311A99}" type="presParOf" srcId="{EECC6759-146C-4BB4-B271-B934273847AC}" destId="{EE783544-3479-497B-A47A-5D6666AE688A}" srcOrd="4" destOrd="0" presId="urn:microsoft.com/office/officeart/2005/8/layout/hierarchy3"/>
+    <dgm:cxn modelId="{615D3828-9A36-4B67-A428-D840BC4BCCE5}" type="presParOf" srcId="{EE783544-3479-497B-A47A-5D6666AE688A}" destId="{DDB55995-858F-4AF7-8509-3B0B47F08356}" srcOrd="0" destOrd="0" presId="urn:microsoft.com/office/officeart/2005/8/layout/hierarchy3"/>
+    <dgm:cxn modelId="{92651F5F-CBCB-4D60-8E9C-8E65D4F30F90}" type="presParOf" srcId="{DDB55995-858F-4AF7-8509-3B0B47F08356}" destId="{DFB62AD1-22F5-4B94-B84B-63983249E7FF}" srcOrd="0" destOrd="0" presId="urn:microsoft.com/office/officeart/2005/8/layout/hierarchy3"/>
+    <dgm:cxn modelId="{63484439-EC11-45E0-B4B7-8E326A7D28C6}" type="presParOf" srcId="{DDB55995-858F-4AF7-8509-3B0B47F08356}" destId="{E744A470-931F-4D2A-8319-779D901074D2}" srcOrd="1" destOrd="0" presId="urn:microsoft.com/office/officeart/2005/8/layout/hierarchy3"/>
+    <dgm:cxn modelId="{FC9918D6-AB4D-4D9E-BE36-75E53D563B7E}" type="presParOf" srcId="{EE783544-3479-497B-A47A-5D6666AE688A}" destId="{C6E26F49-BA56-4381-8C81-C35CCEF53098}" srcOrd="1" destOrd="0" presId="urn:microsoft.com/office/officeart/2005/8/layout/hierarchy3"/>
+    <dgm:cxn modelId="{85179DE2-93CC-495F-AEFB-B7923ECC6DCC}" type="presParOf" srcId="{C6E26F49-BA56-4381-8C81-C35CCEF53098}" destId="{6A887FEE-D103-40AD-A264-84B281EE545B}" srcOrd="0" destOrd="0" presId="urn:microsoft.com/office/officeart/2005/8/layout/hierarchy3"/>
+    <dgm:cxn modelId="{21409837-5952-41A1-B0B5-5D897E22409A}" type="presParOf" srcId="{C6E26F49-BA56-4381-8C81-C35CCEF53098}" destId="{BCA81C53-7FE8-4D45-8C27-F68782FE2FBE}" srcOrd="1" destOrd="0" presId="urn:microsoft.com/office/officeart/2005/8/layout/hierarchy3"/>
+  </dgm:cxnLst>
+  <dgm:bg/>
+  <dgm:whole/>
+  <dgm:extLst>
+    <a:ext uri="http://schemas.microsoft.com/office/drawing/2008/diagram">
+      <dsp:dataModelExt xmlns:dsp="http://schemas.microsoft.com/office/drawing/2008/diagram" relId="rId7" minVer="http://schemas.openxmlformats.org/drawingml/2006/diagram"/>
+    </a:ext>
+  </dgm:extLst>
+</dgm:dataModel>
+</file>
+
+<file path=ppt/diagrams/data3.xml><?xml version="1.0" encoding="utf-8"?>
 <dgm:dataModel xmlns:dgm="http://schemas.openxmlformats.org/drawingml/2006/diagram" xmlns:a="http://schemas.openxmlformats.org/drawingml/2006/main">
   <dgm:ptLst>
     <dgm:pt modelId="{2649BE97-7B76-4088-A4AD-73506D266672}" type="doc">
@@ -4739,7 +6551,7 @@
 </dgm:dataModel>
 </file>
 
-<file path=ppt/diagrams/data3.xml><?xml version="1.0" encoding="utf-8"?>
+<file path=ppt/diagrams/data4.xml><?xml version="1.0" encoding="utf-8"?>
 <dgm:dataModel xmlns:dgm="http://schemas.openxmlformats.org/drawingml/2006/diagram" xmlns:a="http://schemas.openxmlformats.org/drawingml/2006/main">
   <dgm:ptLst>
     <dgm:pt modelId="{D9C3E7A9-7F86-4BF4-8C07-2951349EC479}" type="doc">
@@ -6598,7 +8410,7 @@
 </dgm:dataModel>
 </file>
 
-<file path=ppt/diagrams/data4.xml><?xml version="1.0" encoding="utf-8"?>
+<file path=ppt/diagrams/data5.xml><?xml version="1.0" encoding="utf-8"?>
 <dgm:dataModel xmlns:dgm="http://schemas.openxmlformats.org/drawingml/2006/diagram" xmlns:a="http://schemas.openxmlformats.org/drawingml/2006/main">
   <dgm:ptLst>
     <dgm:pt modelId="{539BF942-A207-4E7C-99B3-7698E004D5E5}" type="doc">
@@ -7766,6 +9578,2190 @@
       <dsp:cNvGrpSpPr/>
     </dsp:nvGrpSpPr>
     <dsp:grpSpPr/>
+    <dsp:sp modelId="{31A64678-7AC5-44A3-9918-A16B84986BB4}">
+      <dsp:nvSpPr>
+        <dsp:cNvPr id="0" name=""/>
+        <dsp:cNvSpPr/>
+      </dsp:nvSpPr>
+      <dsp:spPr>
+        <a:xfrm>
+          <a:off x="3850" y="430872"/>
+          <a:ext cx="1313166" cy="656583"/>
+        </a:xfrm>
+        <a:prstGeom prst="roundRect">
+          <a:avLst>
+            <a:gd name="adj" fmla="val 10000"/>
+          </a:avLst>
+        </a:prstGeom>
+        <a:gradFill rotWithShape="0">
+          <a:gsLst>
+            <a:gs pos="0">
+              <a:schemeClr val="accent5">
+                <a:hueOff val="0"/>
+                <a:satOff val="0"/>
+                <a:lumOff val="0"/>
+                <a:alphaOff val="0"/>
+                <a:lumMod val="110000"/>
+                <a:satMod val="105000"/>
+                <a:tint val="67000"/>
+              </a:schemeClr>
+            </a:gs>
+            <a:gs pos="50000">
+              <a:schemeClr val="accent5">
+                <a:hueOff val="0"/>
+                <a:satOff val="0"/>
+                <a:lumOff val="0"/>
+                <a:alphaOff val="0"/>
+                <a:lumMod val="105000"/>
+                <a:satMod val="103000"/>
+                <a:tint val="73000"/>
+              </a:schemeClr>
+            </a:gs>
+            <a:gs pos="100000">
+              <a:schemeClr val="accent5">
+                <a:hueOff val="0"/>
+                <a:satOff val="0"/>
+                <a:lumOff val="0"/>
+                <a:alphaOff val="0"/>
+                <a:lumMod val="105000"/>
+                <a:satMod val="109000"/>
+                <a:tint val="81000"/>
+              </a:schemeClr>
+            </a:gs>
+          </a:gsLst>
+          <a:lin ang="5400000" scaled="0"/>
+        </a:gradFill>
+        <a:ln>
+          <a:noFill/>
+        </a:ln>
+        <a:effectLst/>
+        <a:scene3d>
+          <a:camera prst="orthographicFront"/>
+          <a:lightRig rig="flat" dir="t"/>
+        </a:scene3d>
+        <a:sp3d prstMaterial="dkEdge">
+          <a:bevelT w="8200" h="38100"/>
+        </a:sp3d>
+      </dsp:spPr>
+      <dsp:style>
+        <a:lnRef idx="0">
+          <a:scrgbClr r="0" g="0" b="0"/>
+        </a:lnRef>
+        <a:fillRef idx="2">
+          <a:scrgbClr r="0" g="0" b="0"/>
+        </a:fillRef>
+        <a:effectRef idx="1">
+          <a:scrgbClr r="0" g="0" b="0"/>
+        </a:effectRef>
+        <a:fontRef idx="minor">
+          <a:schemeClr val="dk1"/>
+        </a:fontRef>
+      </dsp:style>
+      <dsp:txBody>
+        <a:bodyPr spcFirstLastPara="0" vert="horz" wrap="square" lIns="38100" tIns="25400" rIns="38100" bIns="25400" numCol="1" spcCol="1270" anchor="ctr" anchorCtr="0">
+          <a:noAutofit/>
+        </a:bodyPr>
+        <a:lstStyle/>
+        <a:p>
+          <a:pPr lvl="0" algn="ctr" defTabSz="889000" rtl="0">
+            <a:lnSpc>
+              <a:spcPct val="90000"/>
+            </a:lnSpc>
+            <a:spcBef>
+              <a:spcPct val="0"/>
+            </a:spcBef>
+            <a:spcAft>
+              <a:spcPct val="35000"/>
+            </a:spcAft>
+          </a:pPr>
+          <a:r>
+            <a:rPr lang="en-US" sz="2000" kern="1200" dirty="0" smtClean="0"/>
+            <a:t>Not Scalable</a:t>
+          </a:r>
+          <a:endParaRPr lang="en-US" sz="2000" kern="1200" dirty="0"/>
+        </a:p>
+      </dsp:txBody>
+      <dsp:txXfrm>
+        <a:off x="23081" y="450103"/>
+        <a:ext cx="1274704" cy="618121"/>
+      </dsp:txXfrm>
+    </dsp:sp>
+    <dsp:sp modelId="{D5DCF584-2416-4841-8A19-70255E1ABC54}">
+      <dsp:nvSpPr>
+        <dsp:cNvPr id="0" name=""/>
+        <dsp:cNvSpPr/>
+      </dsp:nvSpPr>
+      <dsp:spPr>
+        <a:xfrm>
+          <a:off x="135167" y="1087455"/>
+          <a:ext cx="131316" cy="492437"/>
+        </a:xfrm>
+        <a:custGeom>
+          <a:avLst/>
+          <a:gdLst/>
+          <a:ahLst/>
+          <a:cxnLst/>
+          <a:rect l="0" t="0" r="0" b="0"/>
+          <a:pathLst>
+            <a:path>
+              <a:moveTo>
+                <a:pt x="0" y="0"/>
+              </a:moveTo>
+              <a:lnTo>
+                <a:pt x="0" y="492437"/>
+              </a:lnTo>
+              <a:lnTo>
+                <a:pt x="131316" y="492437"/>
+              </a:lnTo>
+            </a:path>
+          </a:pathLst>
+        </a:custGeom>
+        <a:noFill/>
+        <a:ln w="12700" cap="flat" cmpd="sng" algn="ctr">
+          <a:solidFill>
+            <a:schemeClr val="accent6">
+              <a:hueOff val="0"/>
+              <a:satOff val="0"/>
+              <a:lumOff val="0"/>
+              <a:alphaOff val="0"/>
+            </a:schemeClr>
+          </a:solidFill>
+          <a:prstDash val="solid"/>
+          <a:miter lim="800000"/>
+        </a:ln>
+        <a:effectLst/>
+      </dsp:spPr>
+      <dsp:style>
+        <a:lnRef idx="2">
+          <a:scrgbClr r="0" g="0" b="0"/>
+        </a:lnRef>
+        <a:fillRef idx="0">
+          <a:scrgbClr r="0" g="0" b="0"/>
+        </a:fillRef>
+        <a:effectRef idx="0">
+          <a:scrgbClr r="0" g="0" b="0"/>
+        </a:effectRef>
+        <a:fontRef idx="minor"/>
+      </dsp:style>
+    </dsp:sp>
+    <dsp:sp modelId="{E3DA2CC9-3B8F-4405-97EB-7575332029EE}">
+      <dsp:nvSpPr>
+        <dsp:cNvPr id="0" name=""/>
+        <dsp:cNvSpPr/>
+      </dsp:nvSpPr>
+      <dsp:spPr>
+        <a:xfrm>
+          <a:off x="266484" y="1251601"/>
+          <a:ext cx="1050533" cy="656583"/>
+        </a:xfrm>
+        <a:prstGeom prst="roundRect">
+          <a:avLst>
+            <a:gd name="adj" fmla="val 10000"/>
+          </a:avLst>
+        </a:prstGeom>
+        <a:solidFill>
+          <a:schemeClr val="lt1">
+            <a:alpha val="90000"/>
+            <a:hueOff val="0"/>
+            <a:satOff val="0"/>
+            <a:lumOff val="0"/>
+            <a:alphaOff val="0"/>
+          </a:schemeClr>
+        </a:solidFill>
+        <a:ln w="6350" cap="flat" cmpd="sng" algn="ctr">
+          <a:solidFill>
+            <a:schemeClr val="accent5">
+              <a:hueOff val="0"/>
+              <a:satOff val="0"/>
+              <a:lumOff val="0"/>
+              <a:alphaOff val="0"/>
+            </a:schemeClr>
+          </a:solidFill>
+          <a:prstDash val="solid"/>
+          <a:miter lim="800000"/>
+        </a:ln>
+        <a:effectLst/>
+      </dsp:spPr>
+      <dsp:style>
+        <a:lnRef idx="1">
+          <a:scrgbClr r="0" g="0" b="0"/>
+        </a:lnRef>
+        <a:fillRef idx="1">
+          <a:scrgbClr r="0" g="0" b="0"/>
+        </a:fillRef>
+        <a:effectRef idx="0">
+          <a:scrgbClr r="0" g="0" b="0"/>
+        </a:effectRef>
+        <a:fontRef idx="minor"/>
+      </dsp:style>
+      <dsp:txBody>
+        <a:bodyPr spcFirstLastPara="0" vert="horz" wrap="square" lIns="17145" tIns="11430" rIns="17145" bIns="11430" numCol="1" spcCol="1270" anchor="ctr" anchorCtr="0">
+          <a:noAutofit/>
+        </a:bodyPr>
+        <a:lstStyle/>
+        <a:p>
+          <a:pPr lvl="0" algn="ctr" defTabSz="400050" rtl="0">
+            <a:lnSpc>
+              <a:spcPct val="90000"/>
+            </a:lnSpc>
+            <a:spcBef>
+              <a:spcPct val="0"/>
+            </a:spcBef>
+            <a:spcAft>
+              <a:spcPct val="35000"/>
+            </a:spcAft>
+          </a:pPr>
+          <a:r>
+            <a:rPr lang="en-US" sz="900" kern="1200" smtClean="0"/>
+            <a:t>Hard to split into independent functional parts</a:t>
+          </a:r>
+          <a:endParaRPr lang="en-US" sz="900" kern="1200"/>
+        </a:p>
+      </dsp:txBody>
+      <dsp:txXfrm>
+        <a:off x="285715" y="1270832"/>
+        <a:ext cx="1012071" cy="618121"/>
+      </dsp:txXfrm>
+    </dsp:sp>
+    <dsp:sp modelId="{AB1F32A4-68AD-4F42-88E4-F15D6594CF80}">
+      <dsp:nvSpPr>
+        <dsp:cNvPr id="0" name=""/>
+        <dsp:cNvSpPr/>
+      </dsp:nvSpPr>
+      <dsp:spPr>
+        <a:xfrm>
+          <a:off x="135167" y="1087455"/>
+          <a:ext cx="131316" cy="1313166"/>
+        </a:xfrm>
+        <a:custGeom>
+          <a:avLst/>
+          <a:gdLst/>
+          <a:ahLst/>
+          <a:cxnLst/>
+          <a:rect l="0" t="0" r="0" b="0"/>
+          <a:pathLst>
+            <a:path>
+              <a:moveTo>
+                <a:pt x="0" y="0"/>
+              </a:moveTo>
+              <a:lnTo>
+                <a:pt x="0" y="1313166"/>
+              </a:lnTo>
+              <a:lnTo>
+                <a:pt x="131316" y="1313166"/>
+              </a:lnTo>
+            </a:path>
+          </a:pathLst>
+        </a:custGeom>
+        <a:noFill/>
+        <a:ln w="12700" cap="flat" cmpd="sng" algn="ctr">
+          <a:solidFill>
+            <a:schemeClr val="accent6">
+              <a:hueOff val="0"/>
+              <a:satOff val="0"/>
+              <a:lumOff val="0"/>
+              <a:alphaOff val="0"/>
+            </a:schemeClr>
+          </a:solidFill>
+          <a:prstDash val="solid"/>
+          <a:miter lim="800000"/>
+        </a:ln>
+        <a:effectLst/>
+      </dsp:spPr>
+      <dsp:style>
+        <a:lnRef idx="2">
+          <a:scrgbClr r="0" g="0" b="0"/>
+        </a:lnRef>
+        <a:fillRef idx="0">
+          <a:scrgbClr r="0" g="0" b="0"/>
+        </a:fillRef>
+        <a:effectRef idx="0">
+          <a:scrgbClr r="0" g="0" b="0"/>
+        </a:effectRef>
+        <a:fontRef idx="minor"/>
+      </dsp:style>
+    </dsp:sp>
+    <dsp:sp modelId="{15EC8C5A-02E9-4D4D-8441-4CFDE7C72B7D}">
+      <dsp:nvSpPr>
+        <dsp:cNvPr id="0" name=""/>
+        <dsp:cNvSpPr/>
+      </dsp:nvSpPr>
+      <dsp:spPr>
+        <a:xfrm>
+          <a:off x="266484" y="2072330"/>
+          <a:ext cx="1050533" cy="656583"/>
+        </a:xfrm>
+        <a:prstGeom prst="roundRect">
+          <a:avLst>
+            <a:gd name="adj" fmla="val 10000"/>
+          </a:avLst>
+        </a:prstGeom>
+        <a:solidFill>
+          <a:schemeClr val="lt1">
+            <a:alpha val="90000"/>
+            <a:hueOff val="0"/>
+            <a:satOff val="0"/>
+            <a:lumOff val="0"/>
+            <a:alphaOff val="0"/>
+          </a:schemeClr>
+        </a:solidFill>
+        <a:ln w="6350" cap="flat" cmpd="sng" algn="ctr">
+          <a:solidFill>
+            <a:schemeClr val="accent5">
+              <a:hueOff val="-668486"/>
+              <a:satOff val="-930"/>
+              <a:lumOff val="-357"/>
+              <a:alphaOff val="0"/>
+            </a:schemeClr>
+          </a:solidFill>
+          <a:prstDash val="solid"/>
+          <a:miter lim="800000"/>
+        </a:ln>
+        <a:effectLst/>
+      </dsp:spPr>
+      <dsp:style>
+        <a:lnRef idx="1">
+          <a:scrgbClr r="0" g="0" b="0"/>
+        </a:lnRef>
+        <a:fillRef idx="1">
+          <a:scrgbClr r="0" g="0" b="0"/>
+        </a:fillRef>
+        <a:effectRef idx="0">
+          <a:scrgbClr r="0" g="0" b="0"/>
+        </a:effectRef>
+        <a:fontRef idx="minor"/>
+      </dsp:style>
+      <dsp:txBody>
+        <a:bodyPr spcFirstLastPara="0" vert="horz" wrap="square" lIns="17145" tIns="11430" rIns="17145" bIns="11430" numCol="1" spcCol="1270" anchor="ctr" anchorCtr="0">
+          <a:noAutofit/>
+        </a:bodyPr>
+        <a:lstStyle/>
+        <a:p>
+          <a:pPr lvl="0" algn="ctr" defTabSz="400050" rtl="0">
+            <a:lnSpc>
+              <a:spcPct val="90000"/>
+            </a:lnSpc>
+            <a:spcBef>
+              <a:spcPct val="0"/>
+            </a:spcBef>
+            <a:spcAft>
+              <a:spcPct val="35000"/>
+            </a:spcAft>
+          </a:pPr>
+          <a:r>
+            <a:rPr lang="en-US" sz="900" kern="1200" smtClean="0"/>
+            <a:t>Impossible to scale out core components</a:t>
+          </a:r>
+          <a:endParaRPr lang="en-US" sz="900" kern="1200"/>
+        </a:p>
+      </dsp:txBody>
+      <dsp:txXfrm>
+        <a:off x="285715" y="2091561"/>
+        <a:ext cx="1012071" cy="618121"/>
+      </dsp:txXfrm>
+    </dsp:sp>
+    <dsp:sp modelId="{E0404AF7-7BDF-424F-9EB5-467295A8F517}">
+      <dsp:nvSpPr>
+        <dsp:cNvPr id="0" name=""/>
+        <dsp:cNvSpPr/>
+      </dsp:nvSpPr>
+      <dsp:spPr>
+        <a:xfrm>
+          <a:off x="135167" y="1087455"/>
+          <a:ext cx="131316" cy="2133895"/>
+        </a:xfrm>
+        <a:custGeom>
+          <a:avLst/>
+          <a:gdLst/>
+          <a:ahLst/>
+          <a:cxnLst/>
+          <a:rect l="0" t="0" r="0" b="0"/>
+          <a:pathLst>
+            <a:path>
+              <a:moveTo>
+                <a:pt x="0" y="0"/>
+              </a:moveTo>
+              <a:lnTo>
+                <a:pt x="0" y="2133895"/>
+              </a:lnTo>
+              <a:lnTo>
+                <a:pt x="131316" y="2133895"/>
+              </a:lnTo>
+            </a:path>
+          </a:pathLst>
+        </a:custGeom>
+        <a:noFill/>
+        <a:ln w="12700" cap="flat" cmpd="sng" algn="ctr">
+          <a:solidFill>
+            <a:schemeClr val="accent6">
+              <a:hueOff val="0"/>
+              <a:satOff val="0"/>
+              <a:lumOff val="0"/>
+              <a:alphaOff val="0"/>
+            </a:schemeClr>
+          </a:solidFill>
+          <a:prstDash val="solid"/>
+          <a:miter lim="800000"/>
+        </a:ln>
+        <a:effectLst/>
+      </dsp:spPr>
+      <dsp:style>
+        <a:lnRef idx="2">
+          <a:scrgbClr r="0" g="0" b="0"/>
+        </a:lnRef>
+        <a:fillRef idx="0">
+          <a:scrgbClr r="0" g="0" b="0"/>
+        </a:fillRef>
+        <a:effectRef idx="0">
+          <a:scrgbClr r="0" g="0" b="0"/>
+        </a:effectRef>
+        <a:fontRef idx="minor"/>
+      </dsp:style>
+    </dsp:sp>
+    <dsp:sp modelId="{7B92686B-B878-4420-9FFF-6C568E53922E}">
+      <dsp:nvSpPr>
+        <dsp:cNvPr id="0" name=""/>
+        <dsp:cNvSpPr/>
+      </dsp:nvSpPr>
+      <dsp:spPr>
+        <a:xfrm>
+          <a:off x="266484" y="2893059"/>
+          <a:ext cx="1050533" cy="656583"/>
+        </a:xfrm>
+        <a:prstGeom prst="roundRect">
+          <a:avLst>
+            <a:gd name="adj" fmla="val 10000"/>
+          </a:avLst>
+        </a:prstGeom>
+        <a:solidFill>
+          <a:schemeClr val="lt1">
+            <a:alpha val="90000"/>
+            <a:hueOff val="0"/>
+            <a:satOff val="0"/>
+            <a:lumOff val="0"/>
+            <a:alphaOff val="0"/>
+          </a:schemeClr>
+        </a:solidFill>
+        <a:ln w="6350" cap="flat" cmpd="sng" algn="ctr">
+          <a:solidFill>
+            <a:schemeClr val="accent5">
+              <a:hueOff val="-1336972"/>
+              <a:satOff val="-1860"/>
+              <a:lumOff val="-713"/>
+              <a:alphaOff val="0"/>
+            </a:schemeClr>
+          </a:solidFill>
+          <a:prstDash val="solid"/>
+          <a:miter lim="800000"/>
+        </a:ln>
+        <a:effectLst/>
+      </dsp:spPr>
+      <dsp:style>
+        <a:lnRef idx="1">
+          <a:scrgbClr r="0" g="0" b="0"/>
+        </a:lnRef>
+        <a:fillRef idx="1">
+          <a:scrgbClr r="0" g="0" b="0"/>
+        </a:fillRef>
+        <a:effectRef idx="0">
+          <a:scrgbClr r="0" g="0" b="0"/>
+        </a:effectRef>
+        <a:fontRef idx="minor"/>
+      </dsp:style>
+      <dsp:txBody>
+        <a:bodyPr spcFirstLastPara="0" vert="horz" wrap="square" lIns="17145" tIns="11430" rIns="17145" bIns="11430" numCol="1" spcCol="1270" anchor="ctr" anchorCtr="0">
+          <a:noAutofit/>
+        </a:bodyPr>
+        <a:lstStyle/>
+        <a:p>
+          <a:pPr lvl="0" algn="ctr" defTabSz="400050" rtl="0">
+            <a:lnSpc>
+              <a:spcPct val="90000"/>
+            </a:lnSpc>
+            <a:spcBef>
+              <a:spcPct val="0"/>
+            </a:spcBef>
+            <a:spcAft>
+              <a:spcPct val="35000"/>
+            </a:spcAft>
+          </a:pPr>
+          <a:r>
+            <a:rPr lang="en-US" sz="900" kern="1200" dirty="0" smtClean="0"/>
+            <a:t>Explicit low-level thread synchronization</a:t>
+          </a:r>
+          <a:endParaRPr lang="en-US" sz="900" kern="1200" dirty="0"/>
+        </a:p>
+      </dsp:txBody>
+      <dsp:txXfrm>
+        <a:off x="285715" y="2912290"/>
+        <a:ext cx="1012071" cy="618121"/>
+      </dsp:txXfrm>
+    </dsp:sp>
+    <dsp:sp modelId="{EA2398BB-27C2-4FC5-8E19-A4BAA978B73A}">
+      <dsp:nvSpPr>
+        <dsp:cNvPr id="0" name=""/>
+        <dsp:cNvSpPr/>
+      </dsp:nvSpPr>
+      <dsp:spPr>
+        <a:xfrm>
+          <a:off x="1645308" y="430872"/>
+          <a:ext cx="1313166" cy="656583"/>
+        </a:xfrm>
+        <a:prstGeom prst="roundRect">
+          <a:avLst>
+            <a:gd name="adj" fmla="val 10000"/>
+          </a:avLst>
+        </a:prstGeom>
+        <a:gradFill rotWithShape="0">
+          <a:gsLst>
+            <a:gs pos="0">
+              <a:schemeClr val="accent5">
+                <a:hueOff val="-1838336"/>
+                <a:satOff val="-2557"/>
+                <a:lumOff val="-981"/>
+                <a:alphaOff val="0"/>
+                <a:lumMod val="110000"/>
+                <a:satMod val="105000"/>
+                <a:tint val="67000"/>
+              </a:schemeClr>
+            </a:gs>
+            <a:gs pos="50000">
+              <a:schemeClr val="accent5">
+                <a:hueOff val="-1838336"/>
+                <a:satOff val="-2557"/>
+                <a:lumOff val="-981"/>
+                <a:alphaOff val="0"/>
+                <a:lumMod val="105000"/>
+                <a:satMod val="103000"/>
+                <a:tint val="73000"/>
+              </a:schemeClr>
+            </a:gs>
+            <a:gs pos="100000">
+              <a:schemeClr val="accent5">
+                <a:hueOff val="-1838336"/>
+                <a:satOff val="-2557"/>
+                <a:lumOff val="-981"/>
+                <a:alphaOff val="0"/>
+                <a:lumMod val="105000"/>
+                <a:satMod val="109000"/>
+                <a:tint val="81000"/>
+              </a:schemeClr>
+            </a:gs>
+          </a:gsLst>
+          <a:lin ang="5400000" scaled="0"/>
+        </a:gradFill>
+        <a:ln>
+          <a:noFill/>
+        </a:ln>
+        <a:effectLst/>
+        <a:scene3d>
+          <a:camera prst="orthographicFront"/>
+          <a:lightRig rig="flat" dir="t"/>
+        </a:scene3d>
+        <a:sp3d prstMaterial="dkEdge">
+          <a:bevelT w="8200" h="38100"/>
+        </a:sp3d>
+      </dsp:spPr>
+      <dsp:style>
+        <a:lnRef idx="0">
+          <a:scrgbClr r="0" g="0" b="0"/>
+        </a:lnRef>
+        <a:fillRef idx="2">
+          <a:scrgbClr r="0" g="0" b="0"/>
+        </a:fillRef>
+        <a:effectRef idx="1">
+          <a:scrgbClr r="0" g="0" b="0"/>
+        </a:effectRef>
+        <a:fontRef idx="minor">
+          <a:schemeClr val="dk1"/>
+        </a:fontRef>
+      </dsp:style>
+      <dsp:txBody>
+        <a:bodyPr spcFirstLastPara="0" vert="horz" wrap="square" lIns="38100" tIns="25400" rIns="38100" bIns="25400" numCol="1" spcCol="1270" anchor="ctr" anchorCtr="0">
+          <a:noAutofit/>
+        </a:bodyPr>
+        <a:lstStyle/>
+        <a:p>
+          <a:pPr lvl="0" algn="ctr" defTabSz="889000" rtl="0">
+            <a:lnSpc>
+              <a:spcPct val="90000"/>
+            </a:lnSpc>
+            <a:spcBef>
+              <a:spcPct val="0"/>
+            </a:spcBef>
+            <a:spcAft>
+              <a:spcPct val="35000"/>
+            </a:spcAft>
+          </a:pPr>
+          <a:r>
+            <a:rPr lang="en-US" sz="2000" kern="1200" smtClean="0"/>
+            <a:t>No Resiliency</a:t>
+          </a:r>
+          <a:endParaRPr lang="en-US" sz="2000" kern="1200"/>
+        </a:p>
+      </dsp:txBody>
+      <dsp:txXfrm>
+        <a:off x="1664539" y="450103"/>
+        <a:ext cx="1274704" cy="618121"/>
+      </dsp:txXfrm>
+    </dsp:sp>
+    <dsp:sp modelId="{FB27F7C6-3194-4465-A21B-30DCAEFAEAFA}">
+      <dsp:nvSpPr>
+        <dsp:cNvPr id="0" name=""/>
+        <dsp:cNvSpPr/>
+      </dsp:nvSpPr>
+      <dsp:spPr>
+        <a:xfrm>
+          <a:off x="1776625" y="1087455"/>
+          <a:ext cx="131316" cy="492437"/>
+        </a:xfrm>
+        <a:custGeom>
+          <a:avLst/>
+          <a:gdLst/>
+          <a:ahLst/>
+          <a:cxnLst/>
+          <a:rect l="0" t="0" r="0" b="0"/>
+          <a:pathLst>
+            <a:path>
+              <a:moveTo>
+                <a:pt x="0" y="0"/>
+              </a:moveTo>
+              <a:lnTo>
+                <a:pt x="0" y="492437"/>
+              </a:lnTo>
+              <a:lnTo>
+                <a:pt x="131316" y="492437"/>
+              </a:lnTo>
+            </a:path>
+          </a:pathLst>
+        </a:custGeom>
+        <a:noFill/>
+        <a:ln w="12700" cap="flat" cmpd="sng" algn="ctr">
+          <a:solidFill>
+            <a:schemeClr val="accent6">
+              <a:hueOff val="0"/>
+              <a:satOff val="0"/>
+              <a:lumOff val="0"/>
+              <a:alphaOff val="0"/>
+            </a:schemeClr>
+          </a:solidFill>
+          <a:prstDash val="solid"/>
+          <a:miter lim="800000"/>
+        </a:ln>
+        <a:effectLst/>
+      </dsp:spPr>
+      <dsp:style>
+        <a:lnRef idx="2">
+          <a:scrgbClr r="0" g="0" b="0"/>
+        </a:lnRef>
+        <a:fillRef idx="0">
+          <a:scrgbClr r="0" g="0" b="0"/>
+        </a:fillRef>
+        <a:effectRef idx="0">
+          <a:scrgbClr r="0" g="0" b="0"/>
+        </a:effectRef>
+        <a:fontRef idx="minor"/>
+      </dsp:style>
+    </dsp:sp>
+    <dsp:sp modelId="{E57152C6-7A38-4611-8406-AA547F40C188}">
+      <dsp:nvSpPr>
+        <dsp:cNvPr id="0" name=""/>
+        <dsp:cNvSpPr/>
+      </dsp:nvSpPr>
+      <dsp:spPr>
+        <a:xfrm>
+          <a:off x="1907942" y="1251601"/>
+          <a:ext cx="1050533" cy="656583"/>
+        </a:xfrm>
+        <a:prstGeom prst="roundRect">
+          <a:avLst>
+            <a:gd name="adj" fmla="val 10000"/>
+          </a:avLst>
+        </a:prstGeom>
+        <a:solidFill>
+          <a:schemeClr val="lt1">
+            <a:alpha val="90000"/>
+            <a:hueOff val="0"/>
+            <a:satOff val="0"/>
+            <a:lumOff val="0"/>
+            <a:alphaOff val="0"/>
+          </a:schemeClr>
+        </a:solidFill>
+        <a:ln w="6350" cap="flat" cmpd="sng" algn="ctr">
+          <a:solidFill>
+            <a:schemeClr val="accent5">
+              <a:hueOff val="-2005458"/>
+              <a:satOff val="-2789"/>
+              <a:lumOff val="-1070"/>
+              <a:alphaOff val="0"/>
+            </a:schemeClr>
+          </a:solidFill>
+          <a:prstDash val="solid"/>
+          <a:miter lim="800000"/>
+        </a:ln>
+        <a:effectLst/>
+      </dsp:spPr>
+      <dsp:style>
+        <a:lnRef idx="1">
+          <a:scrgbClr r="0" g="0" b="0"/>
+        </a:lnRef>
+        <a:fillRef idx="1">
+          <a:scrgbClr r="0" g="0" b="0"/>
+        </a:fillRef>
+        <a:effectRef idx="0">
+          <a:scrgbClr r="0" g="0" b="0"/>
+        </a:effectRef>
+        <a:fontRef idx="minor"/>
+      </dsp:style>
+      <dsp:txBody>
+        <a:bodyPr spcFirstLastPara="0" vert="horz" wrap="square" lIns="17145" tIns="11430" rIns="17145" bIns="11430" numCol="1" spcCol="1270" anchor="ctr" anchorCtr="0">
+          <a:noAutofit/>
+        </a:bodyPr>
+        <a:lstStyle/>
+        <a:p>
+          <a:pPr lvl="0" algn="ctr" defTabSz="400050" rtl="0">
+            <a:lnSpc>
+              <a:spcPct val="90000"/>
+            </a:lnSpc>
+            <a:spcBef>
+              <a:spcPct val="0"/>
+            </a:spcBef>
+            <a:spcAft>
+              <a:spcPct val="35000"/>
+            </a:spcAft>
+          </a:pPr>
+          <a:r>
+            <a:rPr lang="en-US" sz="900" kern="1200" smtClean="0"/>
+            <a:t>Single point of failure</a:t>
+          </a:r>
+          <a:endParaRPr lang="en-US" sz="900" kern="1200"/>
+        </a:p>
+      </dsp:txBody>
+      <dsp:txXfrm>
+        <a:off x="1927173" y="1270832"/>
+        <a:ext cx="1012071" cy="618121"/>
+      </dsp:txXfrm>
+    </dsp:sp>
+    <dsp:sp modelId="{2C1186A4-F3B3-4E48-A1A2-52FC1BAED6C8}">
+      <dsp:nvSpPr>
+        <dsp:cNvPr id="0" name=""/>
+        <dsp:cNvSpPr/>
+      </dsp:nvSpPr>
+      <dsp:spPr>
+        <a:xfrm>
+          <a:off x="1776625" y="1087455"/>
+          <a:ext cx="131316" cy="1313166"/>
+        </a:xfrm>
+        <a:custGeom>
+          <a:avLst/>
+          <a:gdLst/>
+          <a:ahLst/>
+          <a:cxnLst/>
+          <a:rect l="0" t="0" r="0" b="0"/>
+          <a:pathLst>
+            <a:path>
+              <a:moveTo>
+                <a:pt x="0" y="0"/>
+              </a:moveTo>
+              <a:lnTo>
+                <a:pt x="0" y="1313166"/>
+              </a:lnTo>
+              <a:lnTo>
+                <a:pt x="131316" y="1313166"/>
+              </a:lnTo>
+            </a:path>
+          </a:pathLst>
+        </a:custGeom>
+        <a:noFill/>
+        <a:ln w="12700" cap="flat" cmpd="sng" algn="ctr">
+          <a:solidFill>
+            <a:schemeClr val="accent6">
+              <a:hueOff val="0"/>
+              <a:satOff val="0"/>
+              <a:lumOff val="0"/>
+              <a:alphaOff val="0"/>
+            </a:schemeClr>
+          </a:solidFill>
+          <a:prstDash val="solid"/>
+          <a:miter lim="800000"/>
+        </a:ln>
+        <a:effectLst/>
+      </dsp:spPr>
+      <dsp:style>
+        <a:lnRef idx="2">
+          <a:scrgbClr r="0" g="0" b="0"/>
+        </a:lnRef>
+        <a:fillRef idx="0">
+          <a:scrgbClr r="0" g="0" b="0"/>
+        </a:fillRef>
+        <a:effectRef idx="0">
+          <a:scrgbClr r="0" g="0" b="0"/>
+        </a:effectRef>
+        <a:fontRef idx="minor"/>
+      </dsp:style>
+    </dsp:sp>
+    <dsp:sp modelId="{BE982601-11BC-4250-868C-A837261AAF8F}">
+      <dsp:nvSpPr>
+        <dsp:cNvPr id="0" name=""/>
+        <dsp:cNvSpPr/>
+      </dsp:nvSpPr>
+      <dsp:spPr>
+        <a:xfrm>
+          <a:off x="1907942" y="2072330"/>
+          <a:ext cx="1050533" cy="656583"/>
+        </a:xfrm>
+        <a:prstGeom prst="roundRect">
+          <a:avLst>
+            <a:gd name="adj" fmla="val 10000"/>
+          </a:avLst>
+        </a:prstGeom>
+        <a:solidFill>
+          <a:schemeClr val="lt1">
+            <a:alpha val="90000"/>
+            <a:hueOff val="0"/>
+            <a:satOff val="0"/>
+            <a:lumOff val="0"/>
+            <a:alphaOff val="0"/>
+          </a:schemeClr>
+        </a:solidFill>
+        <a:ln w="6350" cap="flat" cmpd="sng" algn="ctr">
+          <a:solidFill>
+            <a:schemeClr val="accent5">
+              <a:hueOff val="-2673943"/>
+              <a:satOff val="-3719"/>
+              <a:lumOff val="-1426"/>
+              <a:alphaOff val="0"/>
+            </a:schemeClr>
+          </a:solidFill>
+          <a:prstDash val="solid"/>
+          <a:miter lim="800000"/>
+        </a:ln>
+        <a:effectLst/>
+      </dsp:spPr>
+      <dsp:style>
+        <a:lnRef idx="1">
+          <a:scrgbClr r="0" g="0" b="0"/>
+        </a:lnRef>
+        <a:fillRef idx="1">
+          <a:scrgbClr r="0" g="0" b="0"/>
+        </a:fillRef>
+        <a:effectRef idx="0">
+          <a:scrgbClr r="0" g="0" b="0"/>
+        </a:effectRef>
+        <a:fontRef idx="minor"/>
+      </dsp:style>
+      <dsp:txBody>
+        <a:bodyPr spcFirstLastPara="0" vert="horz" wrap="square" lIns="17145" tIns="11430" rIns="17145" bIns="11430" numCol="1" spcCol="1270" anchor="ctr" anchorCtr="0">
+          <a:noAutofit/>
+        </a:bodyPr>
+        <a:lstStyle/>
+        <a:p>
+          <a:pPr lvl="0" algn="ctr" defTabSz="400050" rtl="0">
+            <a:lnSpc>
+              <a:spcPct val="90000"/>
+            </a:lnSpc>
+            <a:spcBef>
+              <a:spcPct val="0"/>
+            </a:spcBef>
+            <a:spcAft>
+              <a:spcPct val="35000"/>
+            </a:spcAft>
+          </a:pPr>
+          <a:r>
+            <a:rPr lang="en-US" sz="900" kern="1200" smtClean="0"/>
+            <a:t>No means of transparent failover</a:t>
+          </a:r>
+          <a:endParaRPr lang="en-US" sz="900" kern="1200"/>
+        </a:p>
+      </dsp:txBody>
+      <dsp:txXfrm>
+        <a:off x="1927173" y="2091561"/>
+        <a:ext cx="1012071" cy="618121"/>
+      </dsp:txXfrm>
+    </dsp:sp>
+    <dsp:sp modelId="{7B84117B-8AC9-4555-BA6F-90AE369478F2}">
+      <dsp:nvSpPr>
+        <dsp:cNvPr id="0" name=""/>
+        <dsp:cNvSpPr/>
+      </dsp:nvSpPr>
+      <dsp:spPr>
+        <a:xfrm>
+          <a:off x="3286766" y="430872"/>
+          <a:ext cx="1313166" cy="656583"/>
+        </a:xfrm>
+        <a:prstGeom prst="roundRect">
+          <a:avLst>
+            <a:gd name="adj" fmla="val 10000"/>
+          </a:avLst>
+        </a:prstGeom>
+        <a:gradFill rotWithShape="0">
+          <a:gsLst>
+            <a:gs pos="0">
+              <a:schemeClr val="accent5">
+                <a:hueOff val="-3676672"/>
+                <a:satOff val="-5114"/>
+                <a:lumOff val="-1961"/>
+                <a:alphaOff val="0"/>
+                <a:lumMod val="110000"/>
+                <a:satMod val="105000"/>
+                <a:tint val="67000"/>
+              </a:schemeClr>
+            </a:gs>
+            <a:gs pos="50000">
+              <a:schemeClr val="accent5">
+                <a:hueOff val="-3676672"/>
+                <a:satOff val="-5114"/>
+                <a:lumOff val="-1961"/>
+                <a:alphaOff val="0"/>
+                <a:lumMod val="105000"/>
+                <a:satMod val="103000"/>
+                <a:tint val="73000"/>
+              </a:schemeClr>
+            </a:gs>
+            <a:gs pos="100000">
+              <a:schemeClr val="accent5">
+                <a:hueOff val="-3676672"/>
+                <a:satOff val="-5114"/>
+                <a:lumOff val="-1961"/>
+                <a:alphaOff val="0"/>
+                <a:lumMod val="105000"/>
+                <a:satMod val="109000"/>
+                <a:tint val="81000"/>
+              </a:schemeClr>
+            </a:gs>
+          </a:gsLst>
+          <a:lin ang="5400000" scaled="0"/>
+        </a:gradFill>
+        <a:ln>
+          <a:noFill/>
+        </a:ln>
+        <a:effectLst/>
+        <a:scene3d>
+          <a:camera prst="orthographicFront"/>
+          <a:lightRig rig="flat" dir="t"/>
+        </a:scene3d>
+        <a:sp3d prstMaterial="dkEdge">
+          <a:bevelT w="8200" h="38100"/>
+        </a:sp3d>
+      </dsp:spPr>
+      <dsp:style>
+        <a:lnRef idx="0">
+          <a:scrgbClr r="0" g="0" b="0"/>
+        </a:lnRef>
+        <a:fillRef idx="2">
+          <a:scrgbClr r="0" g="0" b="0"/>
+        </a:fillRef>
+        <a:effectRef idx="1">
+          <a:scrgbClr r="0" g="0" b="0"/>
+        </a:effectRef>
+        <a:fontRef idx="minor">
+          <a:schemeClr val="dk1"/>
+        </a:fontRef>
+      </dsp:style>
+      <dsp:txBody>
+        <a:bodyPr spcFirstLastPara="0" vert="horz" wrap="square" lIns="38100" tIns="25400" rIns="38100" bIns="25400" numCol="1" spcCol="1270" anchor="ctr" anchorCtr="0">
+          <a:noAutofit/>
+        </a:bodyPr>
+        <a:lstStyle/>
+        <a:p>
+          <a:pPr lvl="0" algn="ctr" defTabSz="889000" rtl="0">
+            <a:lnSpc>
+              <a:spcPct val="90000"/>
+            </a:lnSpc>
+            <a:spcBef>
+              <a:spcPct val="0"/>
+            </a:spcBef>
+            <a:spcAft>
+              <a:spcPct val="35000"/>
+            </a:spcAft>
+          </a:pPr>
+          <a:r>
+            <a:rPr lang="en-US" sz="2000" kern="1200" smtClean="0"/>
+            <a:t>Waste of Resources</a:t>
+          </a:r>
+          <a:endParaRPr lang="en-US" sz="2000" kern="1200"/>
+        </a:p>
+      </dsp:txBody>
+      <dsp:txXfrm>
+        <a:off x="3305997" y="450103"/>
+        <a:ext cx="1274704" cy="618121"/>
+      </dsp:txXfrm>
+    </dsp:sp>
+    <dsp:sp modelId="{0D4E001A-690B-4347-AA0B-CC209DA191F7}">
+      <dsp:nvSpPr>
+        <dsp:cNvPr id="0" name=""/>
+        <dsp:cNvSpPr/>
+      </dsp:nvSpPr>
+      <dsp:spPr>
+        <a:xfrm>
+          <a:off x="3418083" y="1087455"/>
+          <a:ext cx="131316" cy="492437"/>
+        </a:xfrm>
+        <a:custGeom>
+          <a:avLst/>
+          <a:gdLst/>
+          <a:ahLst/>
+          <a:cxnLst/>
+          <a:rect l="0" t="0" r="0" b="0"/>
+          <a:pathLst>
+            <a:path>
+              <a:moveTo>
+                <a:pt x="0" y="0"/>
+              </a:moveTo>
+              <a:lnTo>
+                <a:pt x="0" y="492437"/>
+              </a:lnTo>
+              <a:lnTo>
+                <a:pt x="131316" y="492437"/>
+              </a:lnTo>
+            </a:path>
+          </a:pathLst>
+        </a:custGeom>
+        <a:noFill/>
+        <a:ln w="12700" cap="flat" cmpd="sng" algn="ctr">
+          <a:solidFill>
+            <a:schemeClr val="accent6">
+              <a:hueOff val="0"/>
+              <a:satOff val="0"/>
+              <a:lumOff val="0"/>
+              <a:alphaOff val="0"/>
+            </a:schemeClr>
+          </a:solidFill>
+          <a:prstDash val="solid"/>
+          <a:miter lim="800000"/>
+        </a:ln>
+        <a:effectLst/>
+      </dsp:spPr>
+      <dsp:style>
+        <a:lnRef idx="2">
+          <a:scrgbClr r="0" g="0" b="0"/>
+        </a:lnRef>
+        <a:fillRef idx="0">
+          <a:scrgbClr r="0" g="0" b="0"/>
+        </a:fillRef>
+        <a:effectRef idx="0">
+          <a:scrgbClr r="0" g="0" b="0"/>
+        </a:effectRef>
+        <a:fontRef idx="minor"/>
+      </dsp:style>
+    </dsp:sp>
+    <dsp:sp modelId="{18254FBB-1D23-42B4-90F9-085BC0F972EE}">
+      <dsp:nvSpPr>
+        <dsp:cNvPr id="0" name=""/>
+        <dsp:cNvSpPr/>
+      </dsp:nvSpPr>
+      <dsp:spPr>
+        <a:xfrm>
+          <a:off x="3549400" y="1251601"/>
+          <a:ext cx="1050533" cy="656583"/>
+        </a:xfrm>
+        <a:prstGeom prst="roundRect">
+          <a:avLst>
+            <a:gd name="adj" fmla="val 10000"/>
+          </a:avLst>
+        </a:prstGeom>
+        <a:solidFill>
+          <a:schemeClr val="lt1">
+            <a:alpha val="90000"/>
+            <a:hueOff val="0"/>
+            <a:satOff val="0"/>
+            <a:lumOff val="0"/>
+            <a:alphaOff val="0"/>
+          </a:schemeClr>
+        </a:solidFill>
+        <a:ln w="6350" cap="flat" cmpd="sng" algn="ctr">
+          <a:solidFill>
+            <a:schemeClr val="accent5">
+              <a:hueOff val="-3342429"/>
+              <a:satOff val="-4649"/>
+              <a:lumOff val="-1783"/>
+              <a:alphaOff val="0"/>
+            </a:schemeClr>
+          </a:solidFill>
+          <a:prstDash val="solid"/>
+          <a:miter lim="800000"/>
+        </a:ln>
+        <a:effectLst/>
+      </dsp:spPr>
+      <dsp:style>
+        <a:lnRef idx="1">
+          <a:scrgbClr r="0" g="0" b="0"/>
+        </a:lnRef>
+        <a:fillRef idx="1">
+          <a:scrgbClr r="0" g="0" b="0"/>
+        </a:fillRef>
+        <a:effectRef idx="0">
+          <a:scrgbClr r="0" g="0" b="0"/>
+        </a:effectRef>
+        <a:fontRef idx="minor"/>
+      </dsp:style>
+      <dsp:txBody>
+        <a:bodyPr spcFirstLastPara="0" vert="horz" wrap="square" lIns="17145" tIns="11430" rIns="17145" bIns="11430" numCol="1" spcCol="1270" anchor="ctr" anchorCtr="0">
+          <a:noAutofit/>
+        </a:bodyPr>
+        <a:lstStyle/>
+        <a:p>
+          <a:pPr lvl="0" algn="ctr" defTabSz="400050" rtl="0">
+            <a:lnSpc>
+              <a:spcPct val="90000"/>
+            </a:lnSpc>
+            <a:spcBef>
+              <a:spcPct val="0"/>
+            </a:spcBef>
+            <a:spcAft>
+              <a:spcPct val="35000"/>
+            </a:spcAft>
+          </a:pPr>
+          <a:r>
+            <a:rPr lang="en-US" sz="900" kern="1200" smtClean="0"/>
+            <a:t>Synchronous Requests</a:t>
+          </a:r>
+          <a:endParaRPr lang="en-US" sz="900" kern="1200"/>
+        </a:p>
+      </dsp:txBody>
+      <dsp:txXfrm>
+        <a:off x="3568631" y="1270832"/>
+        <a:ext cx="1012071" cy="618121"/>
+      </dsp:txXfrm>
+    </dsp:sp>
+    <dsp:sp modelId="{CEB46391-533D-4055-9F38-D2F5B64EE6F8}">
+      <dsp:nvSpPr>
+        <dsp:cNvPr id="0" name=""/>
+        <dsp:cNvSpPr/>
+      </dsp:nvSpPr>
+      <dsp:spPr>
+        <a:xfrm>
+          <a:off x="3418083" y="1087455"/>
+          <a:ext cx="131316" cy="1313166"/>
+        </a:xfrm>
+        <a:custGeom>
+          <a:avLst/>
+          <a:gdLst/>
+          <a:ahLst/>
+          <a:cxnLst/>
+          <a:rect l="0" t="0" r="0" b="0"/>
+          <a:pathLst>
+            <a:path>
+              <a:moveTo>
+                <a:pt x="0" y="0"/>
+              </a:moveTo>
+              <a:lnTo>
+                <a:pt x="0" y="1313166"/>
+              </a:lnTo>
+              <a:lnTo>
+                <a:pt x="131316" y="1313166"/>
+              </a:lnTo>
+            </a:path>
+          </a:pathLst>
+        </a:custGeom>
+        <a:noFill/>
+        <a:ln w="12700" cap="flat" cmpd="sng" algn="ctr">
+          <a:solidFill>
+            <a:schemeClr val="accent6">
+              <a:hueOff val="0"/>
+              <a:satOff val="0"/>
+              <a:lumOff val="0"/>
+              <a:alphaOff val="0"/>
+            </a:schemeClr>
+          </a:solidFill>
+          <a:prstDash val="solid"/>
+          <a:miter lim="800000"/>
+        </a:ln>
+        <a:effectLst/>
+      </dsp:spPr>
+      <dsp:style>
+        <a:lnRef idx="2">
+          <a:scrgbClr r="0" g="0" b="0"/>
+        </a:lnRef>
+        <a:fillRef idx="0">
+          <a:scrgbClr r="0" g="0" b="0"/>
+        </a:fillRef>
+        <a:effectRef idx="0">
+          <a:scrgbClr r="0" g="0" b="0"/>
+        </a:effectRef>
+        <a:fontRef idx="minor"/>
+      </dsp:style>
+    </dsp:sp>
+    <dsp:sp modelId="{85D5FB6B-1383-4EC5-9E55-CFEB19ABE3AC}">
+      <dsp:nvSpPr>
+        <dsp:cNvPr id="0" name=""/>
+        <dsp:cNvSpPr/>
+      </dsp:nvSpPr>
+      <dsp:spPr>
+        <a:xfrm>
+          <a:off x="3549400" y="2072330"/>
+          <a:ext cx="1050533" cy="656583"/>
+        </a:xfrm>
+        <a:prstGeom prst="roundRect">
+          <a:avLst>
+            <a:gd name="adj" fmla="val 10000"/>
+          </a:avLst>
+        </a:prstGeom>
+        <a:solidFill>
+          <a:schemeClr val="lt1">
+            <a:alpha val="90000"/>
+            <a:hueOff val="0"/>
+            <a:satOff val="0"/>
+            <a:lumOff val="0"/>
+            <a:alphaOff val="0"/>
+          </a:schemeClr>
+        </a:solidFill>
+        <a:ln w="6350" cap="flat" cmpd="sng" algn="ctr">
+          <a:solidFill>
+            <a:schemeClr val="accent5">
+              <a:hueOff val="-4010915"/>
+              <a:satOff val="-5579"/>
+              <a:lumOff val="-2139"/>
+              <a:alphaOff val="0"/>
+            </a:schemeClr>
+          </a:solidFill>
+          <a:prstDash val="solid"/>
+          <a:miter lim="800000"/>
+        </a:ln>
+        <a:effectLst/>
+      </dsp:spPr>
+      <dsp:style>
+        <a:lnRef idx="1">
+          <a:scrgbClr r="0" g="0" b="0"/>
+        </a:lnRef>
+        <a:fillRef idx="1">
+          <a:scrgbClr r="0" g="0" b="0"/>
+        </a:fillRef>
+        <a:effectRef idx="0">
+          <a:scrgbClr r="0" g="0" b="0"/>
+        </a:effectRef>
+        <a:fontRef idx="minor"/>
+      </dsp:style>
+      <dsp:txBody>
+        <a:bodyPr spcFirstLastPara="0" vert="horz" wrap="square" lIns="17145" tIns="11430" rIns="17145" bIns="11430" numCol="1" spcCol="1270" anchor="ctr" anchorCtr="0">
+          <a:noAutofit/>
+        </a:bodyPr>
+        <a:lstStyle/>
+        <a:p>
+          <a:pPr lvl="0" algn="ctr" defTabSz="400050" rtl="0">
+            <a:lnSpc>
+              <a:spcPct val="90000"/>
+            </a:lnSpc>
+            <a:spcBef>
+              <a:spcPct val="0"/>
+            </a:spcBef>
+            <a:spcAft>
+              <a:spcPct val="35000"/>
+            </a:spcAft>
+          </a:pPr>
+          <a:r>
+            <a:rPr lang="en-US" sz="900" kern="1200" smtClean="0"/>
+            <a:t>Active Connections</a:t>
+          </a:r>
+          <a:endParaRPr lang="en-US" sz="900" kern="1200"/>
+        </a:p>
+      </dsp:txBody>
+      <dsp:txXfrm>
+        <a:off x="3568631" y="2091561"/>
+        <a:ext cx="1012071" cy="618121"/>
+      </dsp:txXfrm>
+    </dsp:sp>
+    <dsp:sp modelId="{0381B50D-39F0-48ED-8B3A-ACECAE994C4B}">
+      <dsp:nvSpPr>
+        <dsp:cNvPr id="0" name=""/>
+        <dsp:cNvSpPr/>
+      </dsp:nvSpPr>
+      <dsp:spPr>
+        <a:xfrm>
+          <a:off x="3418083" y="1087455"/>
+          <a:ext cx="131316" cy="2133895"/>
+        </a:xfrm>
+        <a:custGeom>
+          <a:avLst/>
+          <a:gdLst/>
+          <a:ahLst/>
+          <a:cxnLst/>
+          <a:rect l="0" t="0" r="0" b="0"/>
+          <a:pathLst>
+            <a:path>
+              <a:moveTo>
+                <a:pt x="0" y="0"/>
+              </a:moveTo>
+              <a:lnTo>
+                <a:pt x="0" y="2133895"/>
+              </a:lnTo>
+              <a:lnTo>
+                <a:pt x="131316" y="2133895"/>
+              </a:lnTo>
+            </a:path>
+          </a:pathLst>
+        </a:custGeom>
+        <a:noFill/>
+        <a:ln w="12700" cap="flat" cmpd="sng" algn="ctr">
+          <a:solidFill>
+            <a:schemeClr val="accent6">
+              <a:hueOff val="0"/>
+              <a:satOff val="0"/>
+              <a:lumOff val="0"/>
+              <a:alphaOff val="0"/>
+            </a:schemeClr>
+          </a:solidFill>
+          <a:prstDash val="solid"/>
+          <a:miter lim="800000"/>
+        </a:ln>
+        <a:effectLst/>
+      </dsp:spPr>
+      <dsp:style>
+        <a:lnRef idx="2">
+          <a:scrgbClr r="0" g="0" b="0"/>
+        </a:lnRef>
+        <a:fillRef idx="0">
+          <a:scrgbClr r="0" g="0" b="0"/>
+        </a:fillRef>
+        <a:effectRef idx="0">
+          <a:scrgbClr r="0" g="0" b="0"/>
+        </a:effectRef>
+        <a:fontRef idx="minor"/>
+      </dsp:style>
+    </dsp:sp>
+    <dsp:sp modelId="{1BF05B23-31E5-4145-8F1D-9797DCBCA142}">
+      <dsp:nvSpPr>
+        <dsp:cNvPr id="0" name=""/>
+        <dsp:cNvSpPr/>
+      </dsp:nvSpPr>
+      <dsp:spPr>
+        <a:xfrm>
+          <a:off x="3549400" y="2893059"/>
+          <a:ext cx="1050533" cy="656583"/>
+        </a:xfrm>
+        <a:prstGeom prst="roundRect">
+          <a:avLst>
+            <a:gd name="adj" fmla="val 10000"/>
+          </a:avLst>
+        </a:prstGeom>
+        <a:solidFill>
+          <a:schemeClr val="lt1">
+            <a:alpha val="90000"/>
+            <a:hueOff val="0"/>
+            <a:satOff val="0"/>
+            <a:lumOff val="0"/>
+            <a:alphaOff val="0"/>
+          </a:schemeClr>
+        </a:solidFill>
+        <a:ln w="6350" cap="flat" cmpd="sng" algn="ctr">
+          <a:solidFill>
+            <a:schemeClr val="accent5">
+              <a:hueOff val="-4679401"/>
+              <a:satOff val="-6509"/>
+              <a:lumOff val="-2496"/>
+              <a:alphaOff val="0"/>
+            </a:schemeClr>
+          </a:solidFill>
+          <a:prstDash val="solid"/>
+          <a:miter lim="800000"/>
+        </a:ln>
+        <a:effectLst/>
+      </dsp:spPr>
+      <dsp:style>
+        <a:lnRef idx="1">
+          <a:scrgbClr r="0" g="0" b="0"/>
+        </a:lnRef>
+        <a:fillRef idx="1">
+          <a:scrgbClr r="0" g="0" b="0"/>
+        </a:fillRef>
+        <a:effectRef idx="0">
+          <a:scrgbClr r="0" g="0" b="0"/>
+        </a:effectRef>
+        <a:fontRef idx="minor"/>
+      </dsp:style>
+      <dsp:txBody>
+        <a:bodyPr spcFirstLastPara="0" vert="horz" wrap="square" lIns="17145" tIns="11430" rIns="17145" bIns="11430" numCol="1" spcCol="1270" anchor="ctr" anchorCtr="0">
+          <a:noAutofit/>
+        </a:bodyPr>
+        <a:lstStyle/>
+        <a:p>
+          <a:pPr lvl="0" algn="ctr" defTabSz="400050" rtl="0">
+            <a:lnSpc>
+              <a:spcPct val="90000"/>
+            </a:lnSpc>
+            <a:spcBef>
+              <a:spcPct val="0"/>
+            </a:spcBef>
+            <a:spcAft>
+              <a:spcPct val="35000"/>
+            </a:spcAft>
+          </a:pPr>
+          <a:r>
+            <a:rPr lang="en-US" sz="900" kern="1200" smtClean="0"/>
+            <a:t>Busy Waiting</a:t>
+          </a:r>
+          <a:endParaRPr lang="en-US" sz="900" kern="1200"/>
+        </a:p>
+      </dsp:txBody>
+      <dsp:txXfrm>
+        <a:off x="3568631" y="2912290"/>
+        <a:ext cx="1012071" cy="618121"/>
+      </dsp:txXfrm>
+    </dsp:sp>
+    <dsp:sp modelId="{ECF08292-B0AA-4C0B-9B62-A7A6E9B67D01}">
+      <dsp:nvSpPr>
+        <dsp:cNvPr id="0" name=""/>
+        <dsp:cNvSpPr/>
+      </dsp:nvSpPr>
+      <dsp:spPr>
+        <a:xfrm>
+          <a:off x="3418083" y="1087455"/>
+          <a:ext cx="131316" cy="2954624"/>
+        </a:xfrm>
+        <a:custGeom>
+          <a:avLst/>
+          <a:gdLst/>
+          <a:ahLst/>
+          <a:cxnLst/>
+          <a:rect l="0" t="0" r="0" b="0"/>
+          <a:pathLst>
+            <a:path>
+              <a:moveTo>
+                <a:pt x="0" y="0"/>
+              </a:moveTo>
+              <a:lnTo>
+                <a:pt x="0" y="2954624"/>
+              </a:lnTo>
+              <a:lnTo>
+                <a:pt x="131316" y="2954624"/>
+              </a:lnTo>
+            </a:path>
+          </a:pathLst>
+        </a:custGeom>
+        <a:noFill/>
+        <a:ln w="12700" cap="flat" cmpd="sng" algn="ctr">
+          <a:solidFill>
+            <a:schemeClr val="accent6">
+              <a:hueOff val="0"/>
+              <a:satOff val="0"/>
+              <a:lumOff val="0"/>
+              <a:alphaOff val="0"/>
+            </a:schemeClr>
+          </a:solidFill>
+          <a:prstDash val="solid"/>
+          <a:miter lim="800000"/>
+        </a:ln>
+        <a:effectLst/>
+      </dsp:spPr>
+      <dsp:style>
+        <a:lnRef idx="2">
+          <a:scrgbClr r="0" g="0" b="0"/>
+        </a:lnRef>
+        <a:fillRef idx="0">
+          <a:scrgbClr r="0" g="0" b="0"/>
+        </a:fillRef>
+        <a:effectRef idx="0">
+          <a:scrgbClr r="0" g="0" b="0"/>
+        </a:effectRef>
+        <a:fontRef idx="minor"/>
+      </dsp:style>
+    </dsp:sp>
+    <dsp:sp modelId="{7D002D45-449E-41FA-A465-F8A1BCB85087}">
+      <dsp:nvSpPr>
+        <dsp:cNvPr id="0" name=""/>
+        <dsp:cNvSpPr/>
+      </dsp:nvSpPr>
+      <dsp:spPr>
+        <a:xfrm>
+          <a:off x="3549400" y="3713788"/>
+          <a:ext cx="1050533" cy="656583"/>
+        </a:xfrm>
+        <a:prstGeom prst="roundRect">
+          <a:avLst>
+            <a:gd name="adj" fmla="val 10000"/>
+          </a:avLst>
+        </a:prstGeom>
+        <a:solidFill>
+          <a:schemeClr val="lt1">
+            <a:alpha val="90000"/>
+            <a:hueOff val="0"/>
+            <a:satOff val="0"/>
+            <a:lumOff val="0"/>
+            <a:alphaOff val="0"/>
+          </a:schemeClr>
+        </a:solidFill>
+        <a:ln w="6350" cap="flat" cmpd="sng" algn="ctr">
+          <a:solidFill>
+            <a:schemeClr val="accent5">
+              <a:hueOff val="-5347887"/>
+              <a:satOff val="-7439"/>
+              <a:lumOff val="-2852"/>
+              <a:alphaOff val="0"/>
+            </a:schemeClr>
+          </a:solidFill>
+          <a:prstDash val="solid"/>
+          <a:miter lim="800000"/>
+        </a:ln>
+        <a:effectLst/>
+      </dsp:spPr>
+      <dsp:style>
+        <a:lnRef idx="1">
+          <a:scrgbClr r="0" g="0" b="0"/>
+        </a:lnRef>
+        <a:fillRef idx="1">
+          <a:scrgbClr r="0" g="0" b="0"/>
+        </a:fillRef>
+        <a:effectRef idx="0">
+          <a:scrgbClr r="0" g="0" b="0"/>
+        </a:effectRef>
+        <a:fontRef idx="minor"/>
+      </dsp:style>
+      <dsp:txBody>
+        <a:bodyPr spcFirstLastPara="0" vert="horz" wrap="square" lIns="17145" tIns="11430" rIns="17145" bIns="11430" numCol="1" spcCol="1270" anchor="ctr" anchorCtr="0">
+          <a:noAutofit/>
+        </a:bodyPr>
+        <a:lstStyle/>
+        <a:p>
+          <a:pPr lvl="0" algn="ctr" defTabSz="400050" rtl="0">
+            <a:lnSpc>
+              <a:spcPct val="90000"/>
+            </a:lnSpc>
+            <a:spcBef>
+              <a:spcPct val="0"/>
+            </a:spcBef>
+            <a:spcAft>
+              <a:spcPct val="35000"/>
+            </a:spcAft>
+          </a:pPr>
+          <a:r>
+            <a:rPr lang="en-US" sz="900" kern="1200" smtClean="0"/>
+            <a:t>Background Threads</a:t>
+          </a:r>
+          <a:endParaRPr lang="en-US" sz="900" kern="1200"/>
+        </a:p>
+      </dsp:txBody>
+      <dsp:txXfrm>
+        <a:off x="3568631" y="3733019"/>
+        <a:ext cx="1012071" cy="618121"/>
+      </dsp:txXfrm>
+    </dsp:sp>
+    <dsp:sp modelId="{45C9E3B2-A04B-4DC6-809E-69771C933CAA}">
+      <dsp:nvSpPr>
+        <dsp:cNvPr id="0" name=""/>
+        <dsp:cNvSpPr/>
+      </dsp:nvSpPr>
+      <dsp:spPr>
+        <a:xfrm>
+          <a:off x="4928224" y="430872"/>
+          <a:ext cx="1313166" cy="656583"/>
+        </a:xfrm>
+        <a:prstGeom prst="roundRect">
+          <a:avLst>
+            <a:gd name="adj" fmla="val 10000"/>
+          </a:avLst>
+        </a:prstGeom>
+        <a:gradFill rotWithShape="0">
+          <a:gsLst>
+            <a:gs pos="0">
+              <a:schemeClr val="accent5">
+                <a:hueOff val="-5515009"/>
+                <a:satOff val="-7671"/>
+                <a:lumOff val="-2942"/>
+                <a:alphaOff val="0"/>
+                <a:lumMod val="110000"/>
+                <a:satMod val="105000"/>
+                <a:tint val="67000"/>
+              </a:schemeClr>
+            </a:gs>
+            <a:gs pos="50000">
+              <a:schemeClr val="accent5">
+                <a:hueOff val="-5515009"/>
+                <a:satOff val="-7671"/>
+                <a:lumOff val="-2942"/>
+                <a:alphaOff val="0"/>
+                <a:lumMod val="105000"/>
+                <a:satMod val="103000"/>
+                <a:tint val="73000"/>
+              </a:schemeClr>
+            </a:gs>
+            <a:gs pos="100000">
+              <a:schemeClr val="accent5">
+                <a:hueOff val="-5515009"/>
+                <a:satOff val="-7671"/>
+                <a:lumOff val="-2942"/>
+                <a:alphaOff val="0"/>
+                <a:lumMod val="105000"/>
+                <a:satMod val="109000"/>
+                <a:tint val="81000"/>
+              </a:schemeClr>
+            </a:gs>
+          </a:gsLst>
+          <a:lin ang="5400000" scaled="0"/>
+        </a:gradFill>
+        <a:ln>
+          <a:noFill/>
+        </a:ln>
+        <a:effectLst/>
+        <a:scene3d>
+          <a:camera prst="orthographicFront"/>
+          <a:lightRig rig="flat" dir="t"/>
+        </a:scene3d>
+        <a:sp3d prstMaterial="dkEdge">
+          <a:bevelT w="8200" h="38100"/>
+        </a:sp3d>
+      </dsp:spPr>
+      <dsp:style>
+        <a:lnRef idx="0">
+          <a:scrgbClr r="0" g="0" b="0"/>
+        </a:lnRef>
+        <a:fillRef idx="2">
+          <a:scrgbClr r="0" g="0" b="0"/>
+        </a:fillRef>
+        <a:effectRef idx="1">
+          <a:scrgbClr r="0" g="0" b="0"/>
+        </a:effectRef>
+        <a:fontRef idx="minor">
+          <a:schemeClr val="dk1"/>
+        </a:fontRef>
+      </dsp:style>
+      <dsp:txBody>
+        <a:bodyPr spcFirstLastPara="0" vert="horz" wrap="square" lIns="38100" tIns="25400" rIns="38100" bIns="25400" numCol="1" spcCol="1270" anchor="ctr" anchorCtr="0">
+          <a:noAutofit/>
+        </a:bodyPr>
+        <a:lstStyle/>
+        <a:p>
+          <a:pPr lvl="0" algn="ctr" defTabSz="889000" rtl="0">
+            <a:lnSpc>
+              <a:spcPct val="90000"/>
+            </a:lnSpc>
+            <a:spcBef>
+              <a:spcPct val="0"/>
+            </a:spcBef>
+            <a:spcAft>
+              <a:spcPct val="35000"/>
+            </a:spcAft>
+          </a:pPr>
+          <a:r>
+            <a:rPr lang="en-US" sz="2000" kern="1200" smtClean="0"/>
+            <a:t>Tight Coupling</a:t>
+          </a:r>
+          <a:endParaRPr lang="en-US" sz="2000" kern="1200"/>
+        </a:p>
+      </dsp:txBody>
+      <dsp:txXfrm>
+        <a:off x="4947455" y="450103"/>
+        <a:ext cx="1274704" cy="618121"/>
+      </dsp:txXfrm>
+    </dsp:sp>
+    <dsp:sp modelId="{3EA98D33-FBD9-47BF-AA9F-7A1AEC1706E9}">
+      <dsp:nvSpPr>
+        <dsp:cNvPr id="0" name=""/>
+        <dsp:cNvSpPr/>
+      </dsp:nvSpPr>
+      <dsp:spPr>
+        <a:xfrm>
+          <a:off x="5059541" y="1087455"/>
+          <a:ext cx="131316" cy="492437"/>
+        </a:xfrm>
+        <a:custGeom>
+          <a:avLst/>
+          <a:gdLst/>
+          <a:ahLst/>
+          <a:cxnLst/>
+          <a:rect l="0" t="0" r="0" b="0"/>
+          <a:pathLst>
+            <a:path>
+              <a:moveTo>
+                <a:pt x="0" y="0"/>
+              </a:moveTo>
+              <a:lnTo>
+                <a:pt x="0" y="492437"/>
+              </a:lnTo>
+              <a:lnTo>
+                <a:pt x="131316" y="492437"/>
+              </a:lnTo>
+            </a:path>
+          </a:pathLst>
+        </a:custGeom>
+        <a:noFill/>
+        <a:ln w="12700" cap="flat" cmpd="sng" algn="ctr">
+          <a:solidFill>
+            <a:schemeClr val="accent6">
+              <a:hueOff val="0"/>
+              <a:satOff val="0"/>
+              <a:lumOff val="0"/>
+              <a:alphaOff val="0"/>
+            </a:schemeClr>
+          </a:solidFill>
+          <a:prstDash val="solid"/>
+          <a:miter lim="800000"/>
+        </a:ln>
+        <a:effectLst/>
+      </dsp:spPr>
+      <dsp:style>
+        <a:lnRef idx="2">
+          <a:scrgbClr r="0" g="0" b="0"/>
+        </a:lnRef>
+        <a:fillRef idx="0">
+          <a:scrgbClr r="0" g="0" b="0"/>
+        </a:fillRef>
+        <a:effectRef idx="0">
+          <a:scrgbClr r="0" g="0" b="0"/>
+        </a:effectRef>
+        <a:fontRef idx="minor"/>
+      </dsp:style>
+    </dsp:sp>
+    <dsp:sp modelId="{D17D5AF5-7E93-4B8C-97D2-26EACFB01BAD}">
+      <dsp:nvSpPr>
+        <dsp:cNvPr id="0" name=""/>
+        <dsp:cNvSpPr/>
+      </dsp:nvSpPr>
+      <dsp:spPr>
+        <a:xfrm>
+          <a:off x="5190858" y="1251601"/>
+          <a:ext cx="1050533" cy="656583"/>
+        </a:xfrm>
+        <a:prstGeom prst="roundRect">
+          <a:avLst>
+            <a:gd name="adj" fmla="val 10000"/>
+          </a:avLst>
+        </a:prstGeom>
+        <a:solidFill>
+          <a:schemeClr val="lt1">
+            <a:alpha val="90000"/>
+            <a:hueOff val="0"/>
+            <a:satOff val="0"/>
+            <a:lumOff val="0"/>
+            <a:alphaOff val="0"/>
+          </a:schemeClr>
+        </a:solidFill>
+        <a:ln w="6350" cap="flat" cmpd="sng" algn="ctr">
+          <a:solidFill>
+            <a:schemeClr val="accent5">
+              <a:hueOff val="-6016373"/>
+              <a:satOff val="-8368"/>
+              <a:lumOff val="-3209"/>
+              <a:alphaOff val="0"/>
+            </a:schemeClr>
+          </a:solidFill>
+          <a:prstDash val="solid"/>
+          <a:miter lim="800000"/>
+        </a:ln>
+        <a:effectLst/>
+      </dsp:spPr>
+      <dsp:style>
+        <a:lnRef idx="1">
+          <a:scrgbClr r="0" g="0" b="0"/>
+        </a:lnRef>
+        <a:fillRef idx="1">
+          <a:scrgbClr r="0" g="0" b="0"/>
+        </a:fillRef>
+        <a:effectRef idx="0">
+          <a:scrgbClr r="0" g="0" b="0"/>
+        </a:effectRef>
+        <a:fontRef idx="minor"/>
+      </dsp:style>
+      <dsp:txBody>
+        <a:bodyPr spcFirstLastPara="0" vert="horz" wrap="square" lIns="17145" tIns="11430" rIns="17145" bIns="11430" numCol="1" spcCol="1270" anchor="ctr" anchorCtr="0">
+          <a:noAutofit/>
+        </a:bodyPr>
+        <a:lstStyle/>
+        <a:p>
+          <a:pPr lvl="0" algn="ctr" defTabSz="400050" rtl="0">
+            <a:lnSpc>
+              <a:spcPct val="90000"/>
+            </a:lnSpc>
+            <a:spcBef>
+              <a:spcPct val="0"/>
+            </a:spcBef>
+            <a:spcAft>
+              <a:spcPct val="35000"/>
+            </a:spcAft>
+          </a:pPr>
+          <a:r>
+            <a:rPr lang="en-US" sz="900" kern="1200" smtClean="0"/>
+            <a:t>Strict imperative flow control code</a:t>
+          </a:r>
+          <a:endParaRPr lang="en-US" sz="900" kern="1200"/>
+        </a:p>
+      </dsp:txBody>
+      <dsp:txXfrm>
+        <a:off x="5210089" y="1270832"/>
+        <a:ext cx="1012071" cy="618121"/>
+      </dsp:txXfrm>
+    </dsp:sp>
+    <dsp:sp modelId="{3D76A59B-2757-4825-AF33-DD7D5CAFCA6B}">
+      <dsp:nvSpPr>
+        <dsp:cNvPr id="0" name=""/>
+        <dsp:cNvSpPr/>
+      </dsp:nvSpPr>
+      <dsp:spPr>
+        <a:xfrm>
+          <a:off x="5059541" y="1087455"/>
+          <a:ext cx="131316" cy="1313166"/>
+        </a:xfrm>
+        <a:custGeom>
+          <a:avLst/>
+          <a:gdLst/>
+          <a:ahLst/>
+          <a:cxnLst/>
+          <a:rect l="0" t="0" r="0" b="0"/>
+          <a:pathLst>
+            <a:path>
+              <a:moveTo>
+                <a:pt x="0" y="0"/>
+              </a:moveTo>
+              <a:lnTo>
+                <a:pt x="0" y="1313166"/>
+              </a:lnTo>
+              <a:lnTo>
+                <a:pt x="131316" y="1313166"/>
+              </a:lnTo>
+            </a:path>
+          </a:pathLst>
+        </a:custGeom>
+        <a:noFill/>
+        <a:ln w="12700" cap="flat" cmpd="sng" algn="ctr">
+          <a:solidFill>
+            <a:schemeClr val="accent6">
+              <a:hueOff val="0"/>
+              <a:satOff val="0"/>
+              <a:lumOff val="0"/>
+              <a:alphaOff val="0"/>
+            </a:schemeClr>
+          </a:solidFill>
+          <a:prstDash val="solid"/>
+          <a:miter lim="800000"/>
+        </a:ln>
+        <a:effectLst/>
+      </dsp:spPr>
+      <dsp:style>
+        <a:lnRef idx="2">
+          <a:scrgbClr r="0" g="0" b="0"/>
+        </a:lnRef>
+        <a:fillRef idx="0">
+          <a:scrgbClr r="0" g="0" b="0"/>
+        </a:fillRef>
+        <a:effectRef idx="0">
+          <a:scrgbClr r="0" g="0" b="0"/>
+        </a:effectRef>
+        <a:fontRef idx="minor"/>
+      </dsp:style>
+    </dsp:sp>
+    <dsp:sp modelId="{11DFA63A-B308-475B-92F7-5BE32F16486E}">
+      <dsp:nvSpPr>
+        <dsp:cNvPr id="0" name=""/>
+        <dsp:cNvSpPr/>
+      </dsp:nvSpPr>
+      <dsp:spPr>
+        <a:xfrm>
+          <a:off x="5190858" y="2072330"/>
+          <a:ext cx="1050533" cy="656583"/>
+        </a:xfrm>
+        <a:prstGeom prst="roundRect">
+          <a:avLst>
+            <a:gd name="adj" fmla="val 10000"/>
+          </a:avLst>
+        </a:prstGeom>
+        <a:solidFill>
+          <a:schemeClr val="lt1">
+            <a:alpha val="90000"/>
+            <a:hueOff val="0"/>
+            <a:satOff val="0"/>
+            <a:lumOff val="0"/>
+            <a:alphaOff val="0"/>
+          </a:schemeClr>
+        </a:solidFill>
+        <a:ln w="6350" cap="flat" cmpd="sng" algn="ctr">
+          <a:solidFill>
+            <a:schemeClr val="accent5">
+              <a:hueOff val="-6684859"/>
+              <a:satOff val="-9298"/>
+              <a:lumOff val="-3565"/>
+              <a:alphaOff val="0"/>
+            </a:schemeClr>
+          </a:solidFill>
+          <a:prstDash val="solid"/>
+          <a:miter lim="800000"/>
+        </a:ln>
+        <a:effectLst/>
+      </dsp:spPr>
+      <dsp:style>
+        <a:lnRef idx="1">
+          <a:scrgbClr r="0" g="0" b="0"/>
+        </a:lnRef>
+        <a:fillRef idx="1">
+          <a:scrgbClr r="0" g="0" b="0"/>
+        </a:fillRef>
+        <a:effectRef idx="0">
+          <a:scrgbClr r="0" g="0" b="0"/>
+        </a:effectRef>
+        <a:fontRef idx="minor"/>
+      </dsp:style>
+      <dsp:txBody>
+        <a:bodyPr spcFirstLastPara="0" vert="horz" wrap="square" lIns="17145" tIns="11430" rIns="17145" bIns="11430" numCol="1" spcCol="1270" anchor="ctr" anchorCtr="0">
+          <a:noAutofit/>
+        </a:bodyPr>
+        <a:lstStyle/>
+        <a:p>
+          <a:pPr lvl="0" algn="ctr" defTabSz="400050" rtl="0">
+            <a:lnSpc>
+              <a:spcPct val="90000"/>
+            </a:lnSpc>
+            <a:spcBef>
+              <a:spcPct val="0"/>
+            </a:spcBef>
+            <a:spcAft>
+              <a:spcPct val="35000"/>
+            </a:spcAft>
+          </a:pPr>
+          <a:r>
+            <a:rPr lang="en-US" sz="900" kern="1200" dirty="0" smtClean="0"/>
+            <a:t>Components interact via interfaces/abstract classes</a:t>
+          </a:r>
+          <a:endParaRPr lang="en-US" sz="900" kern="1200" dirty="0"/>
+        </a:p>
+      </dsp:txBody>
+      <dsp:txXfrm>
+        <a:off x="5210089" y="2091561"/>
+        <a:ext cx="1012071" cy="618121"/>
+      </dsp:txXfrm>
+    </dsp:sp>
+    <dsp:sp modelId="{DFB62AD1-22F5-4B94-B84B-63983249E7FF}">
+      <dsp:nvSpPr>
+        <dsp:cNvPr id="0" name=""/>
+        <dsp:cNvSpPr/>
+      </dsp:nvSpPr>
+      <dsp:spPr>
+        <a:xfrm>
+          <a:off x="6569682" y="430872"/>
+          <a:ext cx="1313166" cy="656583"/>
+        </a:xfrm>
+        <a:prstGeom prst="roundRect">
+          <a:avLst>
+            <a:gd name="adj" fmla="val 10000"/>
+          </a:avLst>
+        </a:prstGeom>
+        <a:gradFill rotWithShape="0">
+          <a:gsLst>
+            <a:gs pos="0">
+              <a:schemeClr val="accent5">
+                <a:hueOff val="-7353344"/>
+                <a:satOff val="-10228"/>
+                <a:lumOff val="-3922"/>
+                <a:alphaOff val="0"/>
+                <a:lumMod val="110000"/>
+                <a:satMod val="105000"/>
+                <a:tint val="67000"/>
+              </a:schemeClr>
+            </a:gs>
+            <a:gs pos="50000">
+              <a:schemeClr val="accent5">
+                <a:hueOff val="-7353344"/>
+                <a:satOff val="-10228"/>
+                <a:lumOff val="-3922"/>
+                <a:alphaOff val="0"/>
+                <a:lumMod val="105000"/>
+                <a:satMod val="103000"/>
+                <a:tint val="73000"/>
+              </a:schemeClr>
+            </a:gs>
+            <a:gs pos="100000">
+              <a:schemeClr val="accent5">
+                <a:hueOff val="-7353344"/>
+                <a:satOff val="-10228"/>
+                <a:lumOff val="-3922"/>
+                <a:alphaOff val="0"/>
+                <a:lumMod val="105000"/>
+                <a:satMod val="109000"/>
+                <a:tint val="81000"/>
+              </a:schemeClr>
+            </a:gs>
+          </a:gsLst>
+          <a:lin ang="5400000" scaled="0"/>
+        </a:gradFill>
+        <a:ln>
+          <a:noFill/>
+        </a:ln>
+        <a:effectLst/>
+        <a:scene3d>
+          <a:camera prst="orthographicFront"/>
+          <a:lightRig rig="flat" dir="t"/>
+        </a:scene3d>
+        <a:sp3d prstMaterial="dkEdge">
+          <a:bevelT w="8200" h="38100"/>
+        </a:sp3d>
+      </dsp:spPr>
+      <dsp:style>
+        <a:lnRef idx="0">
+          <a:scrgbClr r="0" g="0" b="0"/>
+        </a:lnRef>
+        <a:fillRef idx="2">
+          <a:scrgbClr r="0" g="0" b="0"/>
+        </a:fillRef>
+        <a:effectRef idx="1">
+          <a:scrgbClr r="0" g="0" b="0"/>
+        </a:effectRef>
+        <a:fontRef idx="minor">
+          <a:schemeClr val="dk1"/>
+        </a:fontRef>
+      </dsp:style>
+      <dsp:txBody>
+        <a:bodyPr spcFirstLastPara="0" vert="horz" wrap="square" lIns="38100" tIns="25400" rIns="38100" bIns="25400" numCol="1" spcCol="1270" anchor="ctr" anchorCtr="0">
+          <a:noAutofit/>
+        </a:bodyPr>
+        <a:lstStyle/>
+        <a:p>
+          <a:pPr lvl="0" algn="ctr" defTabSz="889000" rtl="0">
+            <a:lnSpc>
+              <a:spcPct val="90000"/>
+            </a:lnSpc>
+            <a:spcBef>
+              <a:spcPct val="0"/>
+            </a:spcBef>
+            <a:spcAft>
+              <a:spcPct val="35000"/>
+            </a:spcAft>
+          </a:pPr>
+          <a:r>
+            <a:rPr lang="en-US" sz="2000" kern="1200" dirty="0" smtClean="0"/>
+            <a:t>Not Cloud Ready</a:t>
+          </a:r>
+          <a:endParaRPr lang="en-US" sz="2000" kern="1200" dirty="0"/>
+        </a:p>
+      </dsp:txBody>
+      <dsp:txXfrm>
+        <a:off x="6588913" y="450103"/>
+        <a:ext cx="1274704" cy="618121"/>
+      </dsp:txXfrm>
+    </dsp:sp>
+    <dsp:sp modelId="{6A887FEE-D103-40AD-A264-84B281EE545B}">
+      <dsp:nvSpPr>
+        <dsp:cNvPr id="0" name=""/>
+        <dsp:cNvSpPr/>
+      </dsp:nvSpPr>
+      <dsp:spPr>
+        <a:xfrm>
+          <a:off x="6700999" y="1087455"/>
+          <a:ext cx="131316" cy="492437"/>
+        </a:xfrm>
+        <a:custGeom>
+          <a:avLst/>
+          <a:gdLst/>
+          <a:ahLst/>
+          <a:cxnLst/>
+          <a:rect l="0" t="0" r="0" b="0"/>
+          <a:pathLst>
+            <a:path>
+              <a:moveTo>
+                <a:pt x="0" y="0"/>
+              </a:moveTo>
+              <a:lnTo>
+                <a:pt x="0" y="492437"/>
+              </a:lnTo>
+              <a:lnTo>
+                <a:pt x="131316" y="492437"/>
+              </a:lnTo>
+            </a:path>
+          </a:pathLst>
+        </a:custGeom>
+        <a:noFill/>
+        <a:ln w="12700" cap="flat" cmpd="sng" algn="ctr">
+          <a:solidFill>
+            <a:schemeClr val="accent6">
+              <a:hueOff val="0"/>
+              <a:satOff val="0"/>
+              <a:lumOff val="0"/>
+              <a:alphaOff val="0"/>
+            </a:schemeClr>
+          </a:solidFill>
+          <a:prstDash val="solid"/>
+          <a:miter lim="800000"/>
+        </a:ln>
+        <a:effectLst/>
+      </dsp:spPr>
+      <dsp:style>
+        <a:lnRef idx="2">
+          <a:scrgbClr r="0" g="0" b="0"/>
+        </a:lnRef>
+        <a:fillRef idx="0">
+          <a:scrgbClr r="0" g="0" b="0"/>
+        </a:fillRef>
+        <a:effectRef idx="0">
+          <a:scrgbClr r="0" g="0" b="0"/>
+        </a:effectRef>
+        <a:fontRef idx="minor"/>
+      </dsp:style>
+    </dsp:sp>
+    <dsp:sp modelId="{BCA81C53-7FE8-4D45-8C27-F68782FE2FBE}">
+      <dsp:nvSpPr>
+        <dsp:cNvPr id="0" name=""/>
+        <dsp:cNvSpPr/>
+      </dsp:nvSpPr>
+      <dsp:spPr>
+        <a:xfrm>
+          <a:off x="6832315" y="1251601"/>
+          <a:ext cx="1050533" cy="656583"/>
+        </a:xfrm>
+        <a:prstGeom prst="roundRect">
+          <a:avLst>
+            <a:gd name="adj" fmla="val 10000"/>
+          </a:avLst>
+        </a:prstGeom>
+        <a:solidFill>
+          <a:schemeClr val="lt1">
+            <a:alpha val="90000"/>
+            <a:hueOff val="0"/>
+            <a:satOff val="0"/>
+            <a:lumOff val="0"/>
+            <a:alphaOff val="0"/>
+          </a:schemeClr>
+        </a:solidFill>
+        <a:ln w="6350" cap="flat" cmpd="sng" algn="ctr">
+          <a:solidFill>
+            <a:schemeClr val="accent5">
+              <a:hueOff val="-7353344"/>
+              <a:satOff val="-10228"/>
+              <a:lumOff val="-3922"/>
+              <a:alphaOff val="0"/>
+            </a:schemeClr>
+          </a:solidFill>
+          <a:prstDash val="solid"/>
+          <a:miter lim="800000"/>
+        </a:ln>
+        <a:effectLst/>
+      </dsp:spPr>
+      <dsp:style>
+        <a:lnRef idx="1">
+          <a:scrgbClr r="0" g="0" b="0"/>
+        </a:lnRef>
+        <a:fillRef idx="1">
+          <a:scrgbClr r="0" g="0" b="0"/>
+        </a:fillRef>
+        <a:effectRef idx="0">
+          <a:scrgbClr r="0" g="0" b="0"/>
+        </a:effectRef>
+        <a:fontRef idx="minor"/>
+      </dsp:style>
+      <dsp:txBody>
+        <a:bodyPr spcFirstLastPara="0" vert="horz" wrap="square" lIns="17145" tIns="11430" rIns="17145" bIns="11430" numCol="1" spcCol="1270" anchor="ctr" anchorCtr="0">
+          <a:noAutofit/>
+        </a:bodyPr>
+        <a:lstStyle/>
+        <a:p>
+          <a:pPr lvl="0" algn="ctr" defTabSz="400050" rtl="0">
+            <a:lnSpc>
+              <a:spcPct val="90000"/>
+            </a:lnSpc>
+            <a:spcBef>
+              <a:spcPct val="0"/>
+            </a:spcBef>
+            <a:spcAft>
+              <a:spcPct val="35000"/>
+            </a:spcAft>
+          </a:pPr>
+          <a:r>
+            <a:rPr lang="en-US" sz="900" kern="1200" dirty="0" smtClean="0"/>
+            <a:t>Above properties make cloud deployment impractical</a:t>
+          </a:r>
+          <a:endParaRPr lang="en-US" sz="900" kern="1200" dirty="0"/>
+        </a:p>
+      </dsp:txBody>
+      <dsp:txXfrm>
+        <a:off x="6851546" y="1270832"/>
+        <a:ext cx="1012071" cy="618121"/>
+      </dsp:txXfrm>
+    </dsp:sp>
   </dsp:spTree>
 </dsp:drawing>
 </file>
@@ -7778,11 +11774,1403 @@
       <dsp:cNvGrpSpPr/>
     </dsp:nvGrpSpPr>
     <dsp:grpSpPr/>
+    <dsp:sp modelId="{E9E4A4BD-0093-435C-9115-848F665F9AA0}">
+      <dsp:nvSpPr>
+        <dsp:cNvPr id="0" name=""/>
+        <dsp:cNvSpPr/>
+      </dsp:nvSpPr>
+      <dsp:spPr>
+        <a:xfrm>
+          <a:off x="2357607" y="2495710"/>
+          <a:ext cx="1553779" cy="1553779"/>
+        </a:xfrm>
+        <a:prstGeom prst="ellipse">
+          <a:avLst/>
+        </a:prstGeom>
+        <a:gradFill rotWithShape="0">
+          <a:gsLst>
+            <a:gs pos="0">
+              <a:schemeClr val="accent4">
+                <a:hueOff val="0"/>
+                <a:satOff val="0"/>
+                <a:lumOff val="0"/>
+                <a:alphaOff val="0"/>
+                <a:lumMod val="110000"/>
+                <a:satMod val="105000"/>
+                <a:tint val="67000"/>
+              </a:schemeClr>
+            </a:gs>
+            <a:gs pos="50000">
+              <a:schemeClr val="accent4">
+                <a:hueOff val="0"/>
+                <a:satOff val="0"/>
+                <a:lumOff val="0"/>
+                <a:alphaOff val="0"/>
+                <a:lumMod val="105000"/>
+                <a:satMod val="103000"/>
+                <a:tint val="73000"/>
+              </a:schemeClr>
+            </a:gs>
+            <a:gs pos="100000">
+              <a:schemeClr val="accent4">
+                <a:hueOff val="0"/>
+                <a:satOff val="0"/>
+                <a:lumOff val="0"/>
+                <a:alphaOff val="0"/>
+                <a:lumMod val="105000"/>
+                <a:satMod val="109000"/>
+                <a:tint val="81000"/>
+              </a:schemeClr>
+            </a:gs>
+          </a:gsLst>
+          <a:lin ang="5400000" scaled="0"/>
+        </a:gradFill>
+        <a:ln>
+          <a:noFill/>
+        </a:ln>
+        <a:effectLst/>
+        <a:scene3d>
+          <a:camera prst="orthographicFront"/>
+          <a:lightRig rig="flat" dir="t"/>
+        </a:scene3d>
+        <a:sp3d prstMaterial="dkEdge">
+          <a:bevelT w="8200" h="38100"/>
+        </a:sp3d>
+      </dsp:spPr>
+      <dsp:style>
+        <a:lnRef idx="0">
+          <a:scrgbClr r="0" g="0" b="0"/>
+        </a:lnRef>
+        <a:fillRef idx="2">
+          <a:scrgbClr r="0" g="0" b="0"/>
+        </a:fillRef>
+        <a:effectRef idx="1">
+          <a:scrgbClr r="0" g="0" b="0"/>
+        </a:effectRef>
+        <a:fontRef idx="minor">
+          <a:schemeClr val="dk1"/>
+        </a:fontRef>
+      </dsp:style>
+      <dsp:txBody>
+        <a:bodyPr spcFirstLastPara="0" vert="horz" wrap="square" lIns="10795" tIns="10795" rIns="10795" bIns="10795" numCol="1" spcCol="1270" anchor="ctr" anchorCtr="0">
+          <a:noAutofit/>
+        </a:bodyPr>
+        <a:lstStyle/>
+        <a:p>
+          <a:pPr lvl="0" algn="ctr" defTabSz="755650" rtl="0">
+            <a:lnSpc>
+              <a:spcPct val="90000"/>
+            </a:lnSpc>
+            <a:spcBef>
+              <a:spcPct val="0"/>
+            </a:spcBef>
+            <a:spcAft>
+              <a:spcPct val="35000"/>
+            </a:spcAft>
+          </a:pPr>
+          <a:r>
+            <a:rPr lang="en-US" sz="1700" kern="1200" dirty="0" smtClean="0"/>
+            <a:t>MassTransit</a:t>
+          </a:r>
+          <a:endParaRPr lang="en-US" sz="1700" kern="1200" dirty="0"/>
+        </a:p>
+      </dsp:txBody>
+      <dsp:txXfrm>
+        <a:off x="2585153" y="2723256"/>
+        <a:ext cx="1098687" cy="1098687"/>
+      </dsp:txXfrm>
+    </dsp:sp>
+    <dsp:sp modelId="{5081C45D-A36D-4185-91BD-81A1E7F3B6B8}">
+      <dsp:nvSpPr>
+        <dsp:cNvPr id="0" name=""/>
+        <dsp:cNvSpPr/>
+      </dsp:nvSpPr>
+      <dsp:spPr>
+        <a:xfrm rot="10800000">
+          <a:off x="545530" y="3051186"/>
+          <a:ext cx="1712412" cy="442827"/>
+        </a:xfrm>
+        <a:prstGeom prst="leftArrow">
+          <a:avLst>
+            <a:gd name="adj1" fmla="val 60000"/>
+            <a:gd name="adj2" fmla="val 50000"/>
+          </a:avLst>
+        </a:prstGeom>
+        <a:gradFill rotWithShape="0">
+          <a:gsLst>
+            <a:gs pos="0">
+              <a:schemeClr val="accent5">
+                <a:hueOff val="0"/>
+                <a:satOff val="0"/>
+                <a:lumOff val="0"/>
+                <a:alphaOff val="0"/>
+                <a:lumMod val="110000"/>
+                <a:satMod val="105000"/>
+                <a:tint val="67000"/>
+              </a:schemeClr>
+            </a:gs>
+            <a:gs pos="50000">
+              <a:schemeClr val="accent5">
+                <a:hueOff val="0"/>
+                <a:satOff val="0"/>
+                <a:lumOff val="0"/>
+                <a:alphaOff val="0"/>
+                <a:lumMod val="105000"/>
+                <a:satMod val="103000"/>
+                <a:tint val="73000"/>
+              </a:schemeClr>
+            </a:gs>
+            <a:gs pos="100000">
+              <a:schemeClr val="accent5">
+                <a:hueOff val="0"/>
+                <a:satOff val="0"/>
+                <a:lumOff val="0"/>
+                <a:alphaOff val="0"/>
+                <a:lumMod val="105000"/>
+                <a:satMod val="109000"/>
+                <a:tint val="81000"/>
+              </a:schemeClr>
+            </a:gs>
+          </a:gsLst>
+          <a:lin ang="5400000" scaled="0"/>
+        </a:gradFill>
+        <a:ln>
+          <a:noFill/>
+        </a:ln>
+        <a:effectLst/>
+      </dsp:spPr>
+      <dsp:style>
+        <a:lnRef idx="0">
+          <a:scrgbClr r="0" g="0" b="0"/>
+        </a:lnRef>
+        <a:fillRef idx="2">
+          <a:scrgbClr r="0" g="0" b="0"/>
+        </a:fillRef>
+        <a:effectRef idx="1">
+          <a:scrgbClr r="0" g="0" b="0"/>
+        </a:effectRef>
+        <a:fontRef idx="minor">
+          <a:schemeClr val="dk1"/>
+        </a:fontRef>
+      </dsp:style>
+    </dsp:sp>
+    <dsp:sp modelId="{3B91C0C3-A5ED-4F3A-982B-F35D092D591F}">
+      <dsp:nvSpPr>
+        <dsp:cNvPr id="0" name=""/>
+        <dsp:cNvSpPr/>
+      </dsp:nvSpPr>
+      <dsp:spPr>
+        <a:xfrm>
+          <a:off x="1707" y="2837541"/>
+          <a:ext cx="1087645" cy="870116"/>
+        </a:xfrm>
+        <a:prstGeom prst="roundRect">
+          <a:avLst>
+            <a:gd name="adj" fmla="val 10000"/>
+          </a:avLst>
+        </a:prstGeom>
+        <a:gradFill rotWithShape="0">
+          <a:gsLst>
+            <a:gs pos="0">
+              <a:schemeClr val="accent5">
+                <a:hueOff val="0"/>
+                <a:satOff val="0"/>
+                <a:lumOff val="0"/>
+                <a:alphaOff val="0"/>
+                <a:lumMod val="110000"/>
+                <a:satMod val="105000"/>
+                <a:tint val="67000"/>
+              </a:schemeClr>
+            </a:gs>
+            <a:gs pos="50000">
+              <a:schemeClr val="accent5">
+                <a:hueOff val="0"/>
+                <a:satOff val="0"/>
+                <a:lumOff val="0"/>
+                <a:alphaOff val="0"/>
+                <a:lumMod val="105000"/>
+                <a:satMod val="103000"/>
+                <a:tint val="73000"/>
+              </a:schemeClr>
+            </a:gs>
+            <a:gs pos="100000">
+              <a:schemeClr val="accent5">
+                <a:hueOff val="0"/>
+                <a:satOff val="0"/>
+                <a:lumOff val="0"/>
+                <a:alphaOff val="0"/>
+                <a:lumMod val="105000"/>
+                <a:satMod val="109000"/>
+                <a:tint val="81000"/>
+              </a:schemeClr>
+            </a:gs>
+          </a:gsLst>
+          <a:lin ang="5400000" scaled="0"/>
+        </a:gradFill>
+        <a:ln>
+          <a:noFill/>
+        </a:ln>
+        <a:effectLst/>
+        <a:scene3d>
+          <a:camera prst="orthographicFront"/>
+          <a:lightRig rig="flat" dir="t"/>
+        </a:scene3d>
+        <a:sp3d prstMaterial="dkEdge">
+          <a:bevelT w="8200" h="38100"/>
+        </a:sp3d>
+      </dsp:spPr>
+      <dsp:style>
+        <a:lnRef idx="0">
+          <a:scrgbClr r="0" g="0" b="0"/>
+        </a:lnRef>
+        <a:fillRef idx="2">
+          <a:scrgbClr r="0" g="0" b="0"/>
+        </a:fillRef>
+        <a:effectRef idx="1">
+          <a:scrgbClr r="0" g="0" b="0"/>
+        </a:effectRef>
+        <a:fontRef idx="minor">
+          <a:schemeClr val="dk1"/>
+        </a:fontRef>
+      </dsp:style>
+      <dsp:txBody>
+        <a:bodyPr spcFirstLastPara="0" vert="horz" wrap="square" lIns="19050" tIns="19050" rIns="19050" bIns="19050" numCol="1" spcCol="1270" anchor="ctr" anchorCtr="0">
+          <a:noAutofit/>
+        </a:bodyPr>
+        <a:lstStyle/>
+        <a:p>
+          <a:pPr lvl="0" algn="ctr" defTabSz="444500" rtl="0">
+            <a:lnSpc>
+              <a:spcPct val="90000"/>
+            </a:lnSpc>
+            <a:spcBef>
+              <a:spcPct val="0"/>
+            </a:spcBef>
+            <a:spcAft>
+              <a:spcPct val="35000"/>
+            </a:spcAft>
+          </a:pPr>
+          <a:r>
+            <a:rPr lang="en-US" sz="1000" kern="1200" dirty="0" err="1" smtClean="0"/>
+            <a:t>Automatonymous</a:t>
+          </a:r>
+          <a:endParaRPr lang="en-US" sz="1000" kern="1200" dirty="0"/>
+        </a:p>
+      </dsp:txBody>
+      <dsp:txXfrm>
+        <a:off x="27192" y="2863026"/>
+        <a:ext cx="1036675" cy="819146"/>
+      </dsp:txXfrm>
+    </dsp:sp>
+    <dsp:sp modelId="{F1678E16-27EA-4D42-B2C6-D2938477D7DE}">
+      <dsp:nvSpPr>
+        <dsp:cNvPr id="0" name=""/>
+        <dsp:cNvSpPr/>
+      </dsp:nvSpPr>
+      <dsp:spPr>
+        <a:xfrm rot="12600000">
+          <a:off x="777676" y="2184806"/>
+          <a:ext cx="1712412" cy="442827"/>
+        </a:xfrm>
+        <a:prstGeom prst="leftArrow">
+          <a:avLst>
+            <a:gd name="adj1" fmla="val 60000"/>
+            <a:gd name="adj2" fmla="val 50000"/>
+          </a:avLst>
+        </a:prstGeom>
+        <a:gradFill rotWithShape="0">
+          <a:gsLst>
+            <a:gs pos="0">
+              <a:schemeClr val="accent5">
+                <a:hueOff val="-1225557"/>
+                <a:satOff val="-1705"/>
+                <a:lumOff val="-654"/>
+                <a:alphaOff val="0"/>
+                <a:lumMod val="110000"/>
+                <a:satMod val="105000"/>
+                <a:tint val="67000"/>
+              </a:schemeClr>
+            </a:gs>
+            <a:gs pos="50000">
+              <a:schemeClr val="accent5">
+                <a:hueOff val="-1225557"/>
+                <a:satOff val="-1705"/>
+                <a:lumOff val="-654"/>
+                <a:alphaOff val="0"/>
+                <a:lumMod val="105000"/>
+                <a:satMod val="103000"/>
+                <a:tint val="73000"/>
+              </a:schemeClr>
+            </a:gs>
+            <a:gs pos="100000">
+              <a:schemeClr val="accent5">
+                <a:hueOff val="-1225557"/>
+                <a:satOff val="-1705"/>
+                <a:lumOff val="-654"/>
+                <a:alphaOff val="0"/>
+                <a:lumMod val="105000"/>
+                <a:satMod val="109000"/>
+                <a:tint val="81000"/>
+              </a:schemeClr>
+            </a:gs>
+          </a:gsLst>
+          <a:lin ang="5400000" scaled="0"/>
+        </a:gradFill>
+        <a:ln>
+          <a:noFill/>
+        </a:ln>
+        <a:effectLst/>
+      </dsp:spPr>
+      <dsp:style>
+        <a:lnRef idx="0">
+          <a:scrgbClr r="0" g="0" b="0"/>
+        </a:lnRef>
+        <a:fillRef idx="2">
+          <a:scrgbClr r="0" g="0" b="0"/>
+        </a:fillRef>
+        <a:effectRef idx="1">
+          <a:scrgbClr r="0" g="0" b="0"/>
+        </a:effectRef>
+        <a:fontRef idx="minor">
+          <a:schemeClr val="dk1"/>
+        </a:fontRef>
+      </dsp:style>
+    </dsp:sp>
+    <dsp:sp modelId="{72464EC3-B6F8-43A7-B11E-766BDD322941}">
+      <dsp:nvSpPr>
+        <dsp:cNvPr id="0" name=""/>
+        <dsp:cNvSpPr/>
+      </dsp:nvSpPr>
+      <dsp:spPr>
+        <a:xfrm>
+          <a:off x="348563" y="1543058"/>
+          <a:ext cx="1087645" cy="870116"/>
+        </a:xfrm>
+        <a:prstGeom prst="roundRect">
+          <a:avLst>
+            <a:gd name="adj" fmla="val 10000"/>
+          </a:avLst>
+        </a:prstGeom>
+        <a:gradFill rotWithShape="0">
+          <a:gsLst>
+            <a:gs pos="0">
+              <a:schemeClr val="accent5">
+                <a:hueOff val="-1225557"/>
+                <a:satOff val="-1705"/>
+                <a:lumOff val="-654"/>
+                <a:alphaOff val="0"/>
+                <a:lumMod val="110000"/>
+                <a:satMod val="105000"/>
+                <a:tint val="67000"/>
+              </a:schemeClr>
+            </a:gs>
+            <a:gs pos="50000">
+              <a:schemeClr val="accent5">
+                <a:hueOff val="-1225557"/>
+                <a:satOff val="-1705"/>
+                <a:lumOff val="-654"/>
+                <a:alphaOff val="0"/>
+                <a:lumMod val="105000"/>
+                <a:satMod val="103000"/>
+                <a:tint val="73000"/>
+              </a:schemeClr>
+            </a:gs>
+            <a:gs pos="100000">
+              <a:schemeClr val="accent5">
+                <a:hueOff val="-1225557"/>
+                <a:satOff val="-1705"/>
+                <a:lumOff val="-654"/>
+                <a:alphaOff val="0"/>
+                <a:lumMod val="105000"/>
+                <a:satMod val="109000"/>
+                <a:tint val="81000"/>
+              </a:schemeClr>
+            </a:gs>
+          </a:gsLst>
+          <a:lin ang="5400000" scaled="0"/>
+        </a:gradFill>
+        <a:ln>
+          <a:noFill/>
+        </a:ln>
+        <a:effectLst/>
+        <a:scene3d>
+          <a:camera prst="orthographicFront"/>
+          <a:lightRig rig="flat" dir="t"/>
+        </a:scene3d>
+        <a:sp3d prstMaterial="dkEdge">
+          <a:bevelT w="8200" h="38100"/>
+        </a:sp3d>
+      </dsp:spPr>
+      <dsp:style>
+        <a:lnRef idx="0">
+          <a:scrgbClr r="0" g="0" b="0"/>
+        </a:lnRef>
+        <a:fillRef idx="2">
+          <a:scrgbClr r="0" g="0" b="0"/>
+        </a:fillRef>
+        <a:effectRef idx="1">
+          <a:scrgbClr r="0" g="0" b="0"/>
+        </a:effectRef>
+        <a:fontRef idx="minor">
+          <a:schemeClr val="dk1"/>
+        </a:fontRef>
+      </dsp:style>
+      <dsp:txBody>
+        <a:bodyPr spcFirstLastPara="0" vert="horz" wrap="square" lIns="19050" tIns="19050" rIns="19050" bIns="19050" numCol="1" spcCol="1270" anchor="ctr" anchorCtr="0">
+          <a:noAutofit/>
+        </a:bodyPr>
+        <a:lstStyle/>
+        <a:p>
+          <a:pPr lvl="0" algn="ctr" defTabSz="444500" rtl="0">
+            <a:lnSpc>
+              <a:spcPct val="90000"/>
+            </a:lnSpc>
+            <a:spcBef>
+              <a:spcPct val="0"/>
+            </a:spcBef>
+            <a:spcAft>
+              <a:spcPct val="35000"/>
+            </a:spcAft>
+          </a:pPr>
+          <a:r>
+            <a:rPr lang="en-US" sz="1000" kern="1200" smtClean="0"/>
+            <a:t>Courier</a:t>
+          </a:r>
+          <a:endParaRPr lang="en-US" sz="1000" kern="1200"/>
+        </a:p>
+      </dsp:txBody>
+      <dsp:txXfrm>
+        <a:off x="374048" y="1568543"/>
+        <a:ext cx="1036675" cy="819146"/>
+      </dsp:txXfrm>
+    </dsp:sp>
+    <dsp:sp modelId="{2AEDBDB1-3D70-4118-95AC-548E4B9178AE}">
+      <dsp:nvSpPr>
+        <dsp:cNvPr id="0" name=""/>
+        <dsp:cNvSpPr/>
+      </dsp:nvSpPr>
+      <dsp:spPr>
+        <a:xfrm rot="14400000">
+          <a:off x="1411910" y="1550572"/>
+          <a:ext cx="1712412" cy="442827"/>
+        </a:xfrm>
+        <a:prstGeom prst="leftArrow">
+          <a:avLst>
+            <a:gd name="adj1" fmla="val 60000"/>
+            <a:gd name="adj2" fmla="val 50000"/>
+          </a:avLst>
+        </a:prstGeom>
+        <a:gradFill rotWithShape="0">
+          <a:gsLst>
+            <a:gs pos="0">
+              <a:schemeClr val="accent5">
+                <a:hueOff val="-2451115"/>
+                <a:satOff val="-3409"/>
+                <a:lumOff val="-1307"/>
+                <a:alphaOff val="0"/>
+                <a:lumMod val="110000"/>
+                <a:satMod val="105000"/>
+                <a:tint val="67000"/>
+              </a:schemeClr>
+            </a:gs>
+            <a:gs pos="50000">
+              <a:schemeClr val="accent5">
+                <a:hueOff val="-2451115"/>
+                <a:satOff val="-3409"/>
+                <a:lumOff val="-1307"/>
+                <a:alphaOff val="0"/>
+                <a:lumMod val="105000"/>
+                <a:satMod val="103000"/>
+                <a:tint val="73000"/>
+              </a:schemeClr>
+            </a:gs>
+            <a:gs pos="100000">
+              <a:schemeClr val="accent5">
+                <a:hueOff val="-2451115"/>
+                <a:satOff val="-3409"/>
+                <a:lumOff val="-1307"/>
+                <a:alphaOff val="0"/>
+                <a:lumMod val="105000"/>
+                <a:satMod val="109000"/>
+                <a:tint val="81000"/>
+              </a:schemeClr>
+            </a:gs>
+          </a:gsLst>
+          <a:lin ang="5400000" scaled="0"/>
+        </a:gradFill>
+        <a:ln>
+          <a:noFill/>
+        </a:ln>
+        <a:effectLst/>
+      </dsp:spPr>
+      <dsp:style>
+        <a:lnRef idx="0">
+          <a:scrgbClr r="0" g="0" b="0"/>
+        </a:lnRef>
+        <a:fillRef idx="2">
+          <a:scrgbClr r="0" g="0" b="0"/>
+        </a:fillRef>
+        <a:effectRef idx="1">
+          <a:scrgbClr r="0" g="0" b="0"/>
+        </a:effectRef>
+        <a:fontRef idx="minor">
+          <a:schemeClr val="dk1"/>
+        </a:fontRef>
+      </dsp:style>
+    </dsp:sp>
+    <dsp:sp modelId="{23047861-DFAB-4C58-BEA8-5342E1B552E4}">
+      <dsp:nvSpPr>
+        <dsp:cNvPr id="0" name=""/>
+        <dsp:cNvSpPr/>
+      </dsp:nvSpPr>
+      <dsp:spPr>
+        <a:xfrm>
+          <a:off x="1296190" y="595431"/>
+          <a:ext cx="1087645" cy="870116"/>
+        </a:xfrm>
+        <a:prstGeom prst="roundRect">
+          <a:avLst>
+            <a:gd name="adj" fmla="val 10000"/>
+          </a:avLst>
+        </a:prstGeom>
+        <a:gradFill rotWithShape="0">
+          <a:gsLst>
+            <a:gs pos="0">
+              <a:schemeClr val="accent5">
+                <a:hueOff val="-2451115"/>
+                <a:satOff val="-3409"/>
+                <a:lumOff val="-1307"/>
+                <a:alphaOff val="0"/>
+                <a:lumMod val="110000"/>
+                <a:satMod val="105000"/>
+                <a:tint val="67000"/>
+              </a:schemeClr>
+            </a:gs>
+            <a:gs pos="50000">
+              <a:schemeClr val="accent5">
+                <a:hueOff val="-2451115"/>
+                <a:satOff val="-3409"/>
+                <a:lumOff val="-1307"/>
+                <a:alphaOff val="0"/>
+                <a:lumMod val="105000"/>
+                <a:satMod val="103000"/>
+                <a:tint val="73000"/>
+              </a:schemeClr>
+            </a:gs>
+            <a:gs pos="100000">
+              <a:schemeClr val="accent5">
+                <a:hueOff val="-2451115"/>
+                <a:satOff val="-3409"/>
+                <a:lumOff val="-1307"/>
+                <a:alphaOff val="0"/>
+                <a:lumMod val="105000"/>
+                <a:satMod val="109000"/>
+                <a:tint val="81000"/>
+              </a:schemeClr>
+            </a:gs>
+          </a:gsLst>
+          <a:lin ang="5400000" scaled="0"/>
+        </a:gradFill>
+        <a:ln>
+          <a:noFill/>
+        </a:ln>
+        <a:effectLst/>
+        <a:scene3d>
+          <a:camera prst="orthographicFront"/>
+          <a:lightRig rig="flat" dir="t"/>
+        </a:scene3d>
+        <a:sp3d prstMaterial="dkEdge">
+          <a:bevelT w="8200" h="38100"/>
+        </a:sp3d>
+      </dsp:spPr>
+      <dsp:style>
+        <a:lnRef idx="0">
+          <a:scrgbClr r="0" g="0" b="0"/>
+        </a:lnRef>
+        <a:fillRef idx="2">
+          <a:scrgbClr r="0" g="0" b="0"/>
+        </a:fillRef>
+        <a:effectRef idx="1">
+          <a:scrgbClr r="0" g="0" b="0"/>
+        </a:effectRef>
+        <a:fontRef idx="minor">
+          <a:schemeClr val="dk1"/>
+        </a:fontRef>
+      </dsp:style>
+      <dsp:txBody>
+        <a:bodyPr spcFirstLastPara="0" vert="horz" wrap="square" lIns="19050" tIns="19050" rIns="19050" bIns="19050" numCol="1" spcCol="1270" anchor="ctr" anchorCtr="0">
+          <a:noAutofit/>
+        </a:bodyPr>
+        <a:lstStyle/>
+        <a:p>
+          <a:pPr lvl="0" algn="ctr" defTabSz="444500" rtl="0">
+            <a:lnSpc>
+              <a:spcPct val="90000"/>
+            </a:lnSpc>
+            <a:spcBef>
+              <a:spcPct val="0"/>
+            </a:spcBef>
+            <a:spcAft>
+              <a:spcPct val="35000"/>
+            </a:spcAft>
+          </a:pPr>
+          <a:r>
+            <a:rPr lang="en-US" sz="1000" kern="1200" smtClean="0"/>
+            <a:t>TopShelf</a:t>
+          </a:r>
+          <a:endParaRPr lang="en-US" sz="1000" kern="1200"/>
+        </a:p>
+      </dsp:txBody>
+      <dsp:txXfrm>
+        <a:off x="1321675" y="620916"/>
+        <a:ext cx="1036675" cy="819146"/>
+      </dsp:txXfrm>
+    </dsp:sp>
+    <dsp:sp modelId="{79BC5D14-726C-4864-BF26-C1A0D4C4F999}">
+      <dsp:nvSpPr>
+        <dsp:cNvPr id="0" name=""/>
+        <dsp:cNvSpPr/>
+      </dsp:nvSpPr>
+      <dsp:spPr>
+        <a:xfrm rot="16200000">
+          <a:off x="2278290" y="1318426"/>
+          <a:ext cx="1712412" cy="442827"/>
+        </a:xfrm>
+        <a:prstGeom prst="leftArrow">
+          <a:avLst>
+            <a:gd name="adj1" fmla="val 60000"/>
+            <a:gd name="adj2" fmla="val 50000"/>
+          </a:avLst>
+        </a:prstGeom>
+        <a:gradFill rotWithShape="0">
+          <a:gsLst>
+            <a:gs pos="0">
+              <a:schemeClr val="accent5">
+                <a:hueOff val="-3676672"/>
+                <a:satOff val="-5114"/>
+                <a:lumOff val="-1961"/>
+                <a:alphaOff val="0"/>
+                <a:lumMod val="110000"/>
+                <a:satMod val="105000"/>
+                <a:tint val="67000"/>
+              </a:schemeClr>
+            </a:gs>
+            <a:gs pos="50000">
+              <a:schemeClr val="accent5">
+                <a:hueOff val="-3676672"/>
+                <a:satOff val="-5114"/>
+                <a:lumOff val="-1961"/>
+                <a:alphaOff val="0"/>
+                <a:lumMod val="105000"/>
+                <a:satMod val="103000"/>
+                <a:tint val="73000"/>
+              </a:schemeClr>
+            </a:gs>
+            <a:gs pos="100000">
+              <a:schemeClr val="accent5">
+                <a:hueOff val="-3676672"/>
+                <a:satOff val="-5114"/>
+                <a:lumOff val="-1961"/>
+                <a:alphaOff val="0"/>
+                <a:lumMod val="105000"/>
+                <a:satMod val="109000"/>
+                <a:tint val="81000"/>
+              </a:schemeClr>
+            </a:gs>
+          </a:gsLst>
+          <a:lin ang="5400000" scaled="0"/>
+        </a:gradFill>
+        <a:ln>
+          <a:noFill/>
+        </a:ln>
+        <a:effectLst/>
+      </dsp:spPr>
+      <dsp:style>
+        <a:lnRef idx="0">
+          <a:scrgbClr r="0" g="0" b="0"/>
+        </a:lnRef>
+        <a:fillRef idx="2">
+          <a:scrgbClr r="0" g="0" b="0"/>
+        </a:fillRef>
+        <a:effectRef idx="1">
+          <a:scrgbClr r="0" g="0" b="0"/>
+        </a:effectRef>
+        <a:fontRef idx="minor">
+          <a:schemeClr val="dk1"/>
+        </a:fontRef>
+      </dsp:style>
+    </dsp:sp>
+    <dsp:sp modelId="{FA9D91B0-E6D5-4BEB-A522-617F6AC2EEAD}">
+      <dsp:nvSpPr>
+        <dsp:cNvPr id="0" name=""/>
+        <dsp:cNvSpPr/>
+      </dsp:nvSpPr>
+      <dsp:spPr>
+        <a:xfrm>
+          <a:off x="2590674" y="248575"/>
+          <a:ext cx="1087645" cy="870116"/>
+        </a:xfrm>
+        <a:prstGeom prst="roundRect">
+          <a:avLst>
+            <a:gd name="adj" fmla="val 10000"/>
+          </a:avLst>
+        </a:prstGeom>
+        <a:gradFill rotWithShape="0">
+          <a:gsLst>
+            <a:gs pos="0">
+              <a:schemeClr val="accent5">
+                <a:hueOff val="-3676672"/>
+                <a:satOff val="-5114"/>
+                <a:lumOff val="-1961"/>
+                <a:alphaOff val="0"/>
+                <a:lumMod val="110000"/>
+                <a:satMod val="105000"/>
+                <a:tint val="67000"/>
+              </a:schemeClr>
+            </a:gs>
+            <a:gs pos="50000">
+              <a:schemeClr val="accent5">
+                <a:hueOff val="-3676672"/>
+                <a:satOff val="-5114"/>
+                <a:lumOff val="-1961"/>
+                <a:alphaOff val="0"/>
+                <a:lumMod val="105000"/>
+                <a:satMod val="103000"/>
+                <a:tint val="73000"/>
+              </a:schemeClr>
+            </a:gs>
+            <a:gs pos="100000">
+              <a:schemeClr val="accent5">
+                <a:hueOff val="-3676672"/>
+                <a:satOff val="-5114"/>
+                <a:lumOff val="-1961"/>
+                <a:alphaOff val="0"/>
+                <a:lumMod val="105000"/>
+                <a:satMod val="109000"/>
+                <a:tint val="81000"/>
+              </a:schemeClr>
+            </a:gs>
+          </a:gsLst>
+          <a:lin ang="5400000" scaled="0"/>
+        </a:gradFill>
+        <a:ln>
+          <a:noFill/>
+        </a:ln>
+        <a:effectLst/>
+        <a:scene3d>
+          <a:camera prst="orthographicFront"/>
+          <a:lightRig rig="flat" dir="t"/>
+        </a:scene3d>
+        <a:sp3d prstMaterial="dkEdge">
+          <a:bevelT w="8200" h="38100"/>
+        </a:sp3d>
+      </dsp:spPr>
+      <dsp:style>
+        <a:lnRef idx="0">
+          <a:scrgbClr r="0" g="0" b="0"/>
+        </a:lnRef>
+        <a:fillRef idx="2">
+          <a:scrgbClr r="0" g="0" b="0"/>
+        </a:fillRef>
+        <a:effectRef idx="1">
+          <a:scrgbClr r="0" g="0" b="0"/>
+        </a:effectRef>
+        <a:fontRef idx="minor">
+          <a:schemeClr val="dk1"/>
+        </a:fontRef>
+      </dsp:style>
+      <dsp:txBody>
+        <a:bodyPr spcFirstLastPara="0" vert="horz" wrap="square" lIns="19050" tIns="19050" rIns="19050" bIns="19050" numCol="1" spcCol="1270" anchor="ctr" anchorCtr="0">
+          <a:noAutofit/>
+        </a:bodyPr>
+        <a:lstStyle/>
+        <a:p>
+          <a:pPr lvl="0" algn="ctr" defTabSz="444500" rtl="0">
+            <a:lnSpc>
+              <a:spcPct val="90000"/>
+            </a:lnSpc>
+            <a:spcBef>
+              <a:spcPct val="0"/>
+            </a:spcBef>
+            <a:spcAft>
+              <a:spcPct val="35000"/>
+            </a:spcAft>
+          </a:pPr>
+          <a:r>
+            <a:rPr lang="en-US" sz="1000" kern="1200" smtClean="0"/>
+            <a:t>Quartz</a:t>
+          </a:r>
+          <a:endParaRPr lang="en-US" sz="1000" kern="1200"/>
+        </a:p>
+      </dsp:txBody>
+      <dsp:txXfrm>
+        <a:off x="2616159" y="274060"/>
+        <a:ext cx="1036675" cy="819146"/>
+      </dsp:txXfrm>
+    </dsp:sp>
+    <dsp:sp modelId="{32E5C632-2E14-4F75-954F-F73C049CD5CB}">
+      <dsp:nvSpPr>
+        <dsp:cNvPr id="0" name=""/>
+        <dsp:cNvSpPr/>
+      </dsp:nvSpPr>
+      <dsp:spPr>
+        <a:xfrm rot="18000000">
+          <a:off x="3144671" y="1550572"/>
+          <a:ext cx="1712412" cy="442827"/>
+        </a:xfrm>
+        <a:prstGeom prst="leftArrow">
+          <a:avLst>
+            <a:gd name="adj1" fmla="val 60000"/>
+            <a:gd name="adj2" fmla="val 50000"/>
+          </a:avLst>
+        </a:prstGeom>
+        <a:gradFill rotWithShape="0">
+          <a:gsLst>
+            <a:gs pos="0">
+              <a:schemeClr val="accent5">
+                <a:hueOff val="-4902230"/>
+                <a:satOff val="-6819"/>
+                <a:lumOff val="-2615"/>
+                <a:alphaOff val="0"/>
+                <a:lumMod val="110000"/>
+                <a:satMod val="105000"/>
+                <a:tint val="67000"/>
+              </a:schemeClr>
+            </a:gs>
+            <a:gs pos="50000">
+              <a:schemeClr val="accent5">
+                <a:hueOff val="-4902230"/>
+                <a:satOff val="-6819"/>
+                <a:lumOff val="-2615"/>
+                <a:alphaOff val="0"/>
+                <a:lumMod val="105000"/>
+                <a:satMod val="103000"/>
+                <a:tint val="73000"/>
+              </a:schemeClr>
+            </a:gs>
+            <a:gs pos="100000">
+              <a:schemeClr val="accent5">
+                <a:hueOff val="-4902230"/>
+                <a:satOff val="-6819"/>
+                <a:lumOff val="-2615"/>
+                <a:alphaOff val="0"/>
+                <a:lumMod val="105000"/>
+                <a:satMod val="109000"/>
+                <a:tint val="81000"/>
+              </a:schemeClr>
+            </a:gs>
+          </a:gsLst>
+          <a:lin ang="5400000" scaled="0"/>
+        </a:gradFill>
+        <a:ln>
+          <a:noFill/>
+        </a:ln>
+        <a:effectLst/>
+      </dsp:spPr>
+      <dsp:style>
+        <a:lnRef idx="0">
+          <a:scrgbClr r="0" g="0" b="0"/>
+        </a:lnRef>
+        <a:fillRef idx="2">
+          <a:scrgbClr r="0" g="0" b="0"/>
+        </a:fillRef>
+        <a:effectRef idx="1">
+          <a:scrgbClr r="0" g="0" b="0"/>
+        </a:effectRef>
+        <a:fontRef idx="minor">
+          <a:schemeClr val="dk1"/>
+        </a:fontRef>
+      </dsp:style>
+    </dsp:sp>
+    <dsp:sp modelId="{5D9CE0E7-F9E5-4759-ABE7-27E939EE761A}">
+      <dsp:nvSpPr>
+        <dsp:cNvPr id="0" name=""/>
+        <dsp:cNvSpPr/>
+      </dsp:nvSpPr>
+      <dsp:spPr>
+        <a:xfrm>
+          <a:off x="3885157" y="595431"/>
+          <a:ext cx="1087645" cy="870116"/>
+        </a:xfrm>
+        <a:prstGeom prst="roundRect">
+          <a:avLst>
+            <a:gd name="adj" fmla="val 10000"/>
+          </a:avLst>
+        </a:prstGeom>
+        <a:gradFill rotWithShape="0">
+          <a:gsLst>
+            <a:gs pos="0">
+              <a:schemeClr val="accent5">
+                <a:hueOff val="-4902230"/>
+                <a:satOff val="-6819"/>
+                <a:lumOff val="-2615"/>
+                <a:alphaOff val="0"/>
+                <a:lumMod val="110000"/>
+                <a:satMod val="105000"/>
+                <a:tint val="67000"/>
+              </a:schemeClr>
+            </a:gs>
+            <a:gs pos="50000">
+              <a:schemeClr val="accent5">
+                <a:hueOff val="-4902230"/>
+                <a:satOff val="-6819"/>
+                <a:lumOff val="-2615"/>
+                <a:alphaOff val="0"/>
+                <a:lumMod val="105000"/>
+                <a:satMod val="103000"/>
+                <a:tint val="73000"/>
+              </a:schemeClr>
+            </a:gs>
+            <a:gs pos="100000">
+              <a:schemeClr val="accent5">
+                <a:hueOff val="-4902230"/>
+                <a:satOff val="-6819"/>
+                <a:lumOff val="-2615"/>
+                <a:alphaOff val="0"/>
+                <a:lumMod val="105000"/>
+                <a:satMod val="109000"/>
+                <a:tint val="81000"/>
+              </a:schemeClr>
+            </a:gs>
+          </a:gsLst>
+          <a:lin ang="5400000" scaled="0"/>
+        </a:gradFill>
+        <a:ln>
+          <a:noFill/>
+        </a:ln>
+        <a:effectLst/>
+        <a:scene3d>
+          <a:camera prst="orthographicFront"/>
+          <a:lightRig rig="flat" dir="t"/>
+        </a:scene3d>
+        <a:sp3d prstMaterial="dkEdge">
+          <a:bevelT w="8200" h="38100"/>
+        </a:sp3d>
+      </dsp:spPr>
+      <dsp:style>
+        <a:lnRef idx="0">
+          <a:scrgbClr r="0" g="0" b="0"/>
+        </a:lnRef>
+        <a:fillRef idx="2">
+          <a:scrgbClr r="0" g="0" b="0"/>
+        </a:fillRef>
+        <a:effectRef idx="1">
+          <a:scrgbClr r="0" g="0" b="0"/>
+        </a:effectRef>
+        <a:fontRef idx="minor">
+          <a:schemeClr val="dk1"/>
+        </a:fontRef>
+      </dsp:style>
+      <dsp:txBody>
+        <a:bodyPr spcFirstLastPara="0" vert="horz" wrap="square" lIns="19050" tIns="19050" rIns="19050" bIns="19050" numCol="1" spcCol="1270" anchor="ctr" anchorCtr="0">
+          <a:noAutofit/>
+        </a:bodyPr>
+        <a:lstStyle/>
+        <a:p>
+          <a:pPr lvl="0" algn="ctr" defTabSz="444500" rtl="0">
+            <a:lnSpc>
+              <a:spcPct val="90000"/>
+            </a:lnSpc>
+            <a:spcBef>
+              <a:spcPct val="0"/>
+            </a:spcBef>
+            <a:spcAft>
+              <a:spcPct val="35000"/>
+            </a:spcAft>
+          </a:pPr>
+          <a:r>
+            <a:rPr lang="en-US" sz="1000" kern="1200" dirty="0" smtClean="0"/>
+            <a:t>Transports</a:t>
+          </a:r>
+          <a:endParaRPr lang="en-US" sz="1000" kern="1200" dirty="0"/>
+        </a:p>
+      </dsp:txBody>
+      <dsp:txXfrm>
+        <a:off x="3910642" y="620916"/>
+        <a:ext cx="1036675" cy="819146"/>
+      </dsp:txXfrm>
+    </dsp:sp>
+    <dsp:sp modelId="{27DF259A-5344-4FF7-97E4-A97EC4C703AB}">
+      <dsp:nvSpPr>
+        <dsp:cNvPr id="0" name=""/>
+        <dsp:cNvSpPr/>
+      </dsp:nvSpPr>
+      <dsp:spPr>
+        <a:xfrm rot="19800000">
+          <a:off x="3778905" y="2184806"/>
+          <a:ext cx="1712412" cy="442827"/>
+        </a:xfrm>
+        <a:prstGeom prst="leftArrow">
+          <a:avLst>
+            <a:gd name="adj1" fmla="val 60000"/>
+            <a:gd name="adj2" fmla="val 50000"/>
+          </a:avLst>
+        </a:prstGeom>
+        <a:gradFill rotWithShape="0">
+          <a:gsLst>
+            <a:gs pos="0">
+              <a:schemeClr val="accent5">
+                <a:hueOff val="-6127787"/>
+                <a:satOff val="-8523"/>
+                <a:lumOff val="-3268"/>
+                <a:alphaOff val="0"/>
+                <a:lumMod val="110000"/>
+                <a:satMod val="105000"/>
+                <a:tint val="67000"/>
+              </a:schemeClr>
+            </a:gs>
+            <a:gs pos="50000">
+              <a:schemeClr val="accent5">
+                <a:hueOff val="-6127787"/>
+                <a:satOff val="-8523"/>
+                <a:lumOff val="-3268"/>
+                <a:alphaOff val="0"/>
+                <a:lumMod val="105000"/>
+                <a:satMod val="103000"/>
+                <a:tint val="73000"/>
+              </a:schemeClr>
+            </a:gs>
+            <a:gs pos="100000">
+              <a:schemeClr val="accent5">
+                <a:hueOff val="-6127787"/>
+                <a:satOff val="-8523"/>
+                <a:lumOff val="-3268"/>
+                <a:alphaOff val="0"/>
+                <a:lumMod val="105000"/>
+                <a:satMod val="109000"/>
+                <a:tint val="81000"/>
+              </a:schemeClr>
+            </a:gs>
+          </a:gsLst>
+          <a:lin ang="5400000" scaled="0"/>
+        </a:gradFill>
+        <a:ln>
+          <a:noFill/>
+        </a:ln>
+        <a:effectLst/>
+      </dsp:spPr>
+      <dsp:style>
+        <a:lnRef idx="0">
+          <a:scrgbClr r="0" g="0" b="0"/>
+        </a:lnRef>
+        <a:fillRef idx="2">
+          <a:scrgbClr r="0" g="0" b="0"/>
+        </a:fillRef>
+        <a:effectRef idx="1">
+          <a:scrgbClr r="0" g="0" b="0"/>
+        </a:effectRef>
+        <a:fontRef idx="minor">
+          <a:schemeClr val="dk1"/>
+        </a:fontRef>
+      </dsp:style>
+    </dsp:sp>
+    <dsp:sp modelId="{D129AEE7-0451-44D1-840B-7DC4512E6152}">
+      <dsp:nvSpPr>
+        <dsp:cNvPr id="0" name=""/>
+        <dsp:cNvSpPr/>
+      </dsp:nvSpPr>
+      <dsp:spPr>
+        <a:xfrm>
+          <a:off x="4832784" y="1543058"/>
+          <a:ext cx="1087645" cy="870116"/>
+        </a:xfrm>
+        <a:prstGeom prst="roundRect">
+          <a:avLst>
+            <a:gd name="adj" fmla="val 10000"/>
+          </a:avLst>
+        </a:prstGeom>
+        <a:gradFill rotWithShape="0">
+          <a:gsLst>
+            <a:gs pos="0">
+              <a:schemeClr val="accent5">
+                <a:hueOff val="-6127787"/>
+                <a:satOff val="-8523"/>
+                <a:lumOff val="-3268"/>
+                <a:alphaOff val="0"/>
+                <a:lumMod val="110000"/>
+                <a:satMod val="105000"/>
+                <a:tint val="67000"/>
+              </a:schemeClr>
+            </a:gs>
+            <a:gs pos="50000">
+              <a:schemeClr val="accent5">
+                <a:hueOff val="-6127787"/>
+                <a:satOff val="-8523"/>
+                <a:lumOff val="-3268"/>
+                <a:alphaOff val="0"/>
+                <a:lumMod val="105000"/>
+                <a:satMod val="103000"/>
+                <a:tint val="73000"/>
+              </a:schemeClr>
+            </a:gs>
+            <a:gs pos="100000">
+              <a:schemeClr val="accent5">
+                <a:hueOff val="-6127787"/>
+                <a:satOff val="-8523"/>
+                <a:lumOff val="-3268"/>
+                <a:alphaOff val="0"/>
+                <a:lumMod val="105000"/>
+                <a:satMod val="109000"/>
+                <a:tint val="81000"/>
+              </a:schemeClr>
+            </a:gs>
+          </a:gsLst>
+          <a:lin ang="5400000" scaled="0"/>
+        </a:gradFill>
+        <a:ln>
+          <a:noFill/>
+        </a:ln>
+        <a:effectLst/>
+        <a:scene3d>
+          <a:camera prst="orthographicFront"/>
+          <a:lightRig rig="flat" dir="t"/>
+        </a:scene3d>
+        <a:sp3d prstMaterial="dkEdge">
+          <a:bevelT w="8200" h="38100"/>
+        </a:sp3d>
+      </dsp:spPr>
+      <dsp:style>
+        <a:lnRef idx="0">
+          <a:scrgbClr r="0" g="0" b="0"/>
+        </a:lnRef>
+        <a:fillRef idx="2">
+          <a:scrgbClr r="0" g="0" b="0"/>
+        </a:fillRef>
+        <a:effectRef idx="1">
+          <a:scrgbClr r="0" g="0" b="0"/>
+        </a:effectRef>
+        <a:fontRef idx="minor">
+          <a:schemeClr val="dk1"/>
+        </a:fontRef>
+      </dsp:style>
+      <dsp:txBody>
+        <a:bodyPr spcFirstLastPara="0" vert="horz" wrap="square" lIns="19050" tIns="19050" rIns="19050" bIns="19050" numCol="1" spcCol="1270" anchor="ctr" anchorCtr="0">
+          <a:noAutofit/>
+        </a:bodyPr>
+        <a:lstStyle/>
+        <a:p>
+          <a:pPr lvl="0" algn="ctr" defTabSz="444500" rtl="0">
+            <a:lnSpc>
+              <a:spcPct val="90000"/>
+            </a:lnSpc>
+            <a:spcBef>
+              <a:spcPct val="0"/>
+            </a:spcBef>
+            <a:spcAft>
+              <a:spcPct val="35000"/>
+            </a:spcAft>
+          </a:pPr>
+          <a:r>
+            <a:rPr lang="en-US" sz="1000" kern="1200" dirty="0" smtClean="0"/>
+            <a:t>Persistence</a:t>
+          </a:r>
+          <a:endParaRPr lang="en-US" sz="1000" kern="1200" dirty="0"/>
+        </a:p>
+      </dsp:txBody>
+      <dsp:txXfrm>
+        <a:off x="4858269" y="1568543"/>
+        <a:ext cx="1036675" cy="819146"/>
+      </dsp:txXfrm>
+    </dsp:sp>
+    <dsp:sp modelId="{3C5F09C6-46F1-44D4-85F9-437FE56CCE92}">
+      <dsp:nvSpPr>
+        <dsp:cNvPr id="0" name=""/>
+        <dsp:cNvSpPr/>
+      </dsp:nvSpPr>
+      <dsp:spPr>
+        <a:xfrm>
+          <a:off x="4011051" y="3051186"/>
+          <a:ext cx="1712412" cy="442827"/>
+        </a:xfrm>
+        <a:prstGeom prst="leftArrow">
+          <a:avLst>
+            <a:gd name="adj1" fmla="val 60000"/>
+            <a:gd name="adj2" fmla="val 50000"/>
+          </a:avLst>
+        </a:prstGeom>
+        <a:gradFill rotWithShape="0">
+          <a:gsLst>
+            <a:gs pos="0">
+              <a:schemeClr val="accent5">
+                <a:hueOff val="-7353344"/>
+                <a:satOff val="-10228"/>
+                <a:lumOff val="-3922"/>
+                <a:alphaOff val="0"/>
+                <a:lumMod val="110000"/>
+                <a:satMod val="105000"/>
+                <a:tint val="67000"/>
+              </a:schemeClr>
+            </a:gs>
+            <a:gs pos="50000">
+              <a:schemeClr val="accent5">
+                <a:hueOff val="-7353344"/>
+                <a:satOff val="-10228"/>
+                <a:lumOff val="-3922"/>
+                <a:alphaOff val="0"/>
+                <a:lumMod val="105000"/>
+                <a:satMod val="103000"/>
+                <a:tint val="73000"/>
+              </a:schemeClr>
+            </a:gs>
+            <a:gs pos="100000">
+              <a:schemeClr val="accent5">
+                <a:hueOff val="-7353344"/>
+                <a:satOff val="-10228"/>
+                <a:lumOff val="-3922"/>
+                <a:alphaOff val="0"/>
+                <a:lumMod val="105000"/>
+                <a:satMod val="109000"/>
+                <a:tint val="81000"/>
+              </a:schemeClr>
+            </a:gs>
+          </a:gsLst>
+          <a:lin ang="5400000" scaled="0"/>
+        </a:gradFill>
+        <a:ln>
+          <a:noFill/>
+        </a:ln>
+        <a:effectLst/>
+      </dsp:spPr>
+      <dsp:style>
+        <a:lnRef idx="0">
+          <a:scrgbClr r="0" g="0" b="0"/>
+        </a:lnRef>
+        <a:fillRef idx="2">
+          <a:scrgbClr r="0" g="0" b="0"/>
+        </a:fillRef>
+        <a:effectRef idx="1">
+          <a:scrgbClr r="0" g="0" b="0"/>
+        </a:effectRef>
+        <a:fontRef idx="minor">
+          <a:schemeClr val="dk1"/>
+        </a:fontRef>
+      </dsp:style>
+    </dsp:sp>
+    <dsp:sp modelId="{4032468B-6AD6-4881-941F-92B88D330E78}">
+      <dsp:nvSpPr>
+        <dsp:cNvPr id="0" name=""/>
+        <dsp:cNvSpPr/>
+      </dsp:nvSpPr>
+      <dsp:spPr>
+        <a:xfrm>
+          <a:off x="5179640" y="2837541"/>
+          <a:ext cx="1087645" cy="870116"/>
+        </a:xfrm>
+        <a:prstGeom prst="roundRect">
+          <a:avLst>
+            <a:gd name="adj" fmla="val 10000"/>
+          </a:avLst>
+        </a:prstGeom>
+        <a:gradFill rotWithShape="0">
+          <a:gsLst>
+            <a:gs pos="0">
+              <a:schemeClr val="accent5">
+                <a:hueOff val="-7353344"/>
+                <a:satOff val="-10228"/>
+                <a:lumOff val="-3922"/>
+                <a:alphaOff val="0"/>
+                <a:lumMod val="110000"/>
+                <a:satMod val="105000"/>
+                <a:tint val="67000"/>
+              </a:schemeClr>
+            </a:gs>
+            <a:gs pos="50000">
+              <a:schemeClr val="accent5">
+                <a:hueOff val="-7353344"/>
+                <a:satOff val="-10228"/>
+                <a:lumOff val="-3922"/>
+                <a:alphaOff val="0"/>
+                <a:lumMod val="105000"/>
+                <a:satMod val="103000"/>
+                <a:tint val="73000"/>
+              </a:schemeClr>
+            </a:gs>
+            <a:gs pos="100000">
+              <a:schemeClr val="accent5">
+                <a:hueOff val="-7353344"/>
+                <a:satOff val="-10228"/>
+                <a:lumOff val="-3922"/>
+                <a:alphaOff val="0"/>
+                <a:lumMod val="105000"/>
+                <a:satMod val="109000"/>
+                <a:tint val="81000"/>
+              </a:schemeClr>
+            </a:gs>
+          </a:gsLst>
+          <a:lin ang="5400000" scaled="0"/>
+        </a:gradFill>
+        <a:ln>
+          <a:noFill/>
+        </a:ln>
+        <a:effectLst/>
+        <a:scene3d>
+          <a:camera prst="orthographicFront"/>
+          <a:lightRig rig="flat" dir="t"/>
+        </a:scene3d>
+        <a:sp3d prstMaterial="dkEdge">
+          <a:bevelT w="8200" h="38100"/>
+        </a:sp3d>
+      </dsp:spPr>
+      <dsp:style>
+        <a:lnRef idx="0">
+          <a:scrgbClr r="0" g="0" b="0"/>
+        </a:lnRef>
+        <a:fillRef idx="2">
+          <a:scrgbClr r="0" g="0" b="0"/>
+        </a:fillRef>
+        <a:effectRef idx="1">
+          <a:scrgbClr r="0" g="0" b="0"/>
+        </a:effectRef>
+        <a:fontRef idx="minor">
+          <a:schemeClr val="dk1"/>
+        </a:fontRef>
+      </dsp:style>
+      <dsp:txBody>
+        <a:bodyPr spcFirstLastPara="0" vert="horz" wrap="square" lIns="19050" tIns="19050" rIns="19050" bIns="19050" numCol="1" spcCol="1270" anchor="ctr" anchorCtr="0">
+          <a:noAutofit/>
+        </a:bodyPr>
+        <a:lstStyle/>
+        <a:p>
+          <a:pPr lvl="0" algn="ctr" defTabSz="444500" rtl="0">
+            <a:lnSpc>
+              <a:spcPct val="90000"/>
+            </a:lnSpc>
+            <a:spcBef>
+              <a:spcPct val="0"/>
+            </a:spcBef>
+            <a:spcAft>
+              <a:spcPct val="35000"/>
+            </a:spcAft>
+          </a:pPr>
+          <a:r>
+            <a:rPr lang="en-US" sz="1000" kern="1200" smtClean="0"/>
+            <a:t>RX</a:t>
+          </a:r>
+          <a:endParaRPr lang="en-US" sz="1000" kern="1200"/>
+        </a:p>
+      </dsp:txBody>
+      <dsp:txXfrm>
+        <a:off x="5205125" y="2863026"/>
+        <a:ext cx="1036675" cy="819146"/>
+      </dsp:txXfrm>
+    </dsp:sp>
   </dsp:spTree>
 </dsp:drawing>
 </file>
 
 <file path=ppt/diagrams/drawing4.xml><?xml version="1.0" encoding="utf-8"?>
+<dsp:drawing xmlns:dgm="http://schemas.openxmlformats.org/drawingml/2006/diagram" xmlns:dsp="http://schemas.microsoft.com/office/drawing/2008/diagram" xmlns:a="http://schemas.openxmlformats.org/drawingml/2006/main">
+  <dsp:spTree>
+    <dsp:nvGrpSpPr>
+      <dsp:cNvPr id="0" name=""/>
+      <dsp:cNvGrpSpPr/>
+    </dsp:nvGrpSpPr>
+    <dsp:grpSpPr/>
+  </dsp:spTree>
+</dsp:drawing>
+</file>
+
+<file path=ppt/diagrams/drawing5.xml><?xml version="1.0" encoding="utf-8"?>
 <dsp:drawing xmlns:dgm="http://schemas.openxmlformats.org/drawingml/2006/diagram" xmlns:dsp="http://schemas.microsoft.com/office/drawing/2008/diagram" xmlns:a="http://schemas.openxmlformats.org/drawingml/2006/main">
   <dsp:spTree>
     <dsp:nvGrpSpPr>
@@ -8051,6 +13439,298 @@
 </file>
 
 <file path=ppt/diagrams/layout2.xml><?xml version="1.0" encoding="utf-8"?>
+<dgm:layoutDef xmlns:dgm="http://schemas.openxmlformats.org/drawingml/2006/diagram" xmlns:a="http://schemas.openxmlformats.org/drawingml/2006/main" uniqueId="urn:microsoft.com/office/officeart/2005/8/layout/hierarchy3">
+  <dgm:title val=""/>
+  <dgm:desc val=""/>
+  <dgm:catLst>
+    <dgm:cat type="hierarchy" pri="7000"/>
+    <dgm:cat type="list" pri="23000"/>
+    <dgm:cat type="relationship" pri="15000"/>
+    <dgm:cat type="convert" pri="7000"/>
+  </dgm:catLst>
+  <dgm:sampData>
+    <dgm:dataModel>
+      <dgm:ptLst>
+        <dgm:pt modelId="0" type="doc"/>
+        <dgm:pt modelId="1">
+          <dgm:prSet phldr="1"/>
+        </dgm:pt>
+        <dgm:pt modelId="11">
+          <dgm:prSet phldr="1"/>
+        </dgm:pt>
+        <dgm:pt modelId="12">
+          <dgm:prSet phldr="1"/>
+        </dgm:pt>
+        <dgm:pt modelId="2">
+          <dgm:prSet phldr="1"/>
+        </dgm:pt>
+        <dgm:pt modelId="21">
+          <dgm:prSet phldr="1"/>
+        </dgm:pt>
+        <dgm:pt modelId="22">
+          <dgm:prSet phldr="1"/>
+        </dgm:pt>
+      </dgm:ptLst>
+      <dgm:cxnLst>
+        <dgm:cxn modelId="4" srcId="0" destId="1" srcOrd="0" destOrd="0"/>
+        <dgm:cxn modelId="5" srcId="1" destId="11" srcOrd="0" destOrd="0"/>
+        <dgm:cxn modelId="6" srcId="1" destId="12" srcOrd="1" destOrd="0"/>
+        <dgm:cxn modelId="7" srcId="0" destId="2" srcOrd="1" destOrd="0"/>
+        <dgm:cxn modelId="8" srcId="2" destId="21" srcOrd="0" destOrd="0"/>
+        <dgm:cxn modelId="9" srcId="2" destId="22" srcOrd="1" destOrd="0"/>
+      </dgm:cxnLst>
+      <dgm:bg/>
+      <dgm:whole/>
+    </dgm:dataModel>
+  </dgm:sampData>
+  <dgm:styleData>
+    <dgm:dataModel>
+      <dgm:ptLst>
+        <dgm:pt modelId="0" type="doc"/>
+        <dgm:pt modelId="1"/>
+        <dgm:pt modelId="11"/>
+        <dgm:pt modelId="2"/>
+        <dgm:pt modelId="21"/>
+      </dgm:ptLst>
+      <dgm:cxnLst>
+        <dgm:cxn modelId="4" srcId="0" destId="1" srcOrd="0" destOrd="0"/>
+        <dgm:cxn modelId="5" srcId="0" destId="2" srcOrd="1" destOrd="0"/>
+        <dgm:cxn modelId="13" srcId="1" destId="11" srcOrd="0" destOrd="0"/>
+        <dgm:cxn modelId="23" srcId="2" destId="21" srcOrd="0" destOrd="0"/>
+      </dgm:cxnLst>
+      <dgm:bg/>
+      <dgm:whole/>
+    </dgm:dataModel>
+  </dgm:styleData>
+  <dgm:clrData>
+    <dgm:dataModel>
+      <dgm:ptLst>
+        <dgm:pt modelId="0" type="doc"/>
+        <dgm:pt modelId="1"/>
+        <dgm:pt modelId="11"/>
+        <dgm:pt modelId="2"/>
+        <dgm:pt modelId="21"/>
+        <dgm:pt modelId="3"/>
+        <dgm:pt modelId="31"/>
+        <dgm:pt modelId="4"/>
+        <dgm:pt modelId="41"/>
+      </dgm:ptLst>
+      <dgm:cxnLst>
+        <dgm:cxn modelId="5" srcId="0" destId="1" srcOrd="0" destOrd="0"/>
+        <dgm:cxn modelId="6" srcId="0" destId="2" srcOrd="1" destOrd="0"/>
+        <dgm:cxn modelId="7" srcId="0" destId="3" srcOrd="2" destOrd="0"/>
+        <dgm:cxn modelId="8" srcId="0" destId="4" srcOrd="3" destOrd="0"/>
+        <dgm:cxn modelId="13" srcId="1" destId="11" srcOrd="0" destOrd="0"/>
+        <dgm:cxn modelId="23" srcId="2" destId="21" srcOrd="0" destOrd="0"/>
+        <dgm:cxn modelId="33" srcId="3" destId="31" srcOrd="0" destOrd="0"/>
+        <dgm:cxn modelId="43" srcId="4" destId="41" srcOrd="0" destOrd="0"/>
+      </dgm:cxnLst>
+      <dgm:bg/>
+      <dgm:whole/>
+    </dgm:dataModel>
+  </dgm:clrData>
+  <dgm:layoutNode name="diagram">
+    <dgm:varLst>
+      <dgm:chPref val="1"/>
+      <dgm:dir/>
+      <dgm:animOne val="branch"/>
+      <dgm:animLvl val="lvl"/>
+      <dgm:resizeHandles/>
+    </dgm:varLst>
+    <dgm:choose name="Name0">
+      <dgm:if name="Name1" func="var" arg="dir" op="equ" val="norm">
+        <dgm:alg type="hierChild">
+          <dgm:param type="linDir" val="fromL"/>
+        </dgm:alg>
+      </dgm:if>
+      <dgm:else name="Name2">
+        <dgm:alg type="hierChild">
+          <dgm:param type="linDir" val="fromR"/>
+        </dgm:alg>
+      </dgm:else>
+    </dgm:choose>
+    <dgm:shape xmlns:r="http://schemas.openxmlformats.org/officeDocument/2006/relationships" r:blip="">
+      <dgm:adjLst/>
+    </dgm:shape>
+    <dgm:presOf/>
+    <dgm:constrLst>
+      <dgm:constr type="primFontSz" for="des" forName="rootText" op="equ" val="65"/>
+      <dgm:constr type="primFontSz" for="des" forName="childText" op="equ" val="65"/>
+      <dgm:constr type="w" for="des" forName="rootComposite" refType="w"/>
+      <dgm:constr type="h" for="des" forName="rootComposite" refType="w" fact="0.5"/>
+      <dgm:constr type="w" for="des" forName="childText" refType="w" refFor="des" refForName="rootComposite" fact="0.8"/>
+      <dgm:constr type="h" for="des" forName="childText" refType="h" refFor="des" refForName="rootComposite"/>
+      <dgm:constr type="sibSp" refType="w" refFor="des" refForName="rootComposite" fact="0.25"/>
+      <dgm:constr type="sibSp" for="des" forName="childShape" refType="h" refFor="des" refForName="childText" fact="0.25"/>
+      <dgm:constr type="sp" for="des" forName="root" refType="h" refFor="des" refForName="childText" fact="0.25"/>
+    </dgm:constrLst>
+    <dgm:ruleLst/>
+    <dgm:forEach name="Name3" axis="ch">
+      <dgm:forEach name="Name4" axis="self" ptType="node" cnt="1">
+        <dgm:layoutNode name="root">
+          <dgm:choose name="Name5">
+            <dgm:if name="Name6" func="var" arg="dir" op="equ" val="norm">
+              <dgm:alg type="hierRoot">
+                <dgm:param type="hierAlign" val="tL"/>
+              </dgm:alg>
+            </dgm:if>
+            <dgm:else name="Name7">
+              <dgm:alg type="hierRoot">
+                <dgm:param type="hierAlign" val="tR"/>
+              </dgm:alg>
+            </dgm:else>
+          </dgm:choose>
+          <dgm:shape xmlns:r="http://schemas.openxmlformats.org/officeDocument/2006/relationships" r:blip="">
+            <dgm:adjLst/>
+          </dgm:shape>
+          <dgm:presOf/>
+          <dgm:constrLst>
+            <dgm:constr type="alignOff" val="0.2"/>
+          </dgm:constrLst>
+          <dgm:ruleLst/>
+          <dgm:layoutNode name="rootComposite">
+            <dgm:alg type="composite"/>
+            <dgm:shape xmlns:r="http://schemas.openxmlformats.org/officeDocument/2006/relationships" r:blip="">
+              <dgm:adjLst/>
+            </dgm:shape>
+            <dgm:presOf axis="self" ptType="node" cnt="1"/>
+            <dgm:choose name="Name8">
+              <dgm:if name="Name9" func="var" arg="dir" op="equ" val="norm">
+                <dgm:constrLst>
+                  <dgm:constr type="l" for="ch" forName="rootText"/>
+                  <dgm:constr type="t" for="ch" forName="rootText"/>
+                  <dgm:constr type="w" for="ch" forName="rootText" refType="w"/>
+                  <dgm:constr type="h" for="ch" forName="rootText" refType="h"/>
+                  <dgm:constr type="l" for="ch" forName="rootConnector"/>
+                  <dgm:constr type="t" for="ch" forName="rootConnector"/>
+                  <dgm:constr type="w" for="ch" forName="rootConnector" refType="w" refFor="ch" refForName="rootText" fact="0.2"/>
+                  <dgm:constr type="h" for="ch" forName="rootConnector" refType="h" refFor="ch" refForName="rootText"/>
+                </dgm:constrLst>
+              </dgm:if>
+              <dgm:else name="Name10">
+                <dgm:constrLst>
+                  <dgm:constr type="l" for="ch" forName="rootText"/>
+                  <dgm:constr type="t" for="ch" forName="rootText"/>
+                  <dgm:constr type="w" for="ch" forName="rootText" refType="w"/>
+                  <dgm:constr type="h" for="ch" forName="rootText" refType="h"/>
+                  <dgm:constr type="r" for="ch" forName="rootConnector" refType="w"/>
+                  <dgm:constr type="t" for="ch" forName="rootConnector"/>
+                  <dgm:constr type="w" for="ch" forName="rootConnector" refType="w" refFor="ch" refForName="rootText" fact="0.2"/>
+                  <dgm:constr type="h" for="ch" forName="rootConnector" refType="h" refFor="ch" refForName="rootText"/>
+                </dgm:constrLst>
+              </dgm:else>
+            </dgm:choose>
+            <dgm:ruleLst/>
+            <dgm:layoutNode name="rootText" styleLbl="node1">
+              <dgm:alg type="tx"/>
+              <dgm:shape xmlns:r="http://schemas.openxmlformats.org/officeDocument/2006/relationships" type="roundRect" r:blip="">
+                <dgm:adjLst>
+                  <dgm:adj idx="1" val="0.1"/>
+                </dgm:adjLst>
+              </dgm:shape>
+              <dgm:presOf axis="self" ptType="node" cnt="1"/>
+              <dgm:constrLst>
+                <dgm:constr type="tMarg" refType="primFontSz" fact="0.1"/>
+                <dgm:constr type="bMarg" refType="primFontSz" fact="0.1"/>
+                <dgm:constr type="lMarg" refType="primFontSz" fact="0.15"/>
+                <dgm:constr type="rMarg" refType="primFontSz" fact="0.15"/>
+              </dgm:constrLst>
+              <dgm:ruleLst>
+                <dgm:rule type="primFontSz" val="5" fact="NaN" max="NaN"/>
+              </dgm:ruleLst>
+            </dgm:layoutNode>
+            <dgm:layoutNode name="rootConnector" moveWith="rootText">
+              <dgm:alg type="sp"/>
+              <dgm:shape xmlns:r="http://schemas.openxmlformats.org/officeDocument/2006/relationships" type="roundRect" r:blip="" hideGeom="1">
+                <dgm:adjLst>
+                  <dgm:adj idx="1" val="0.1"/>
+                </dgm:adjLst>
+              </dgm:shape>
+              <dgm:presOf axis="self" ptType="node" cnt="1"/>
+              <dgm:constrLst/>
+              <dgm:ruleLst/>
+            </dgm:layoutNode>
+          </dgm:layoutNode>
+          <dgm:layoutNode name="childShape">
+            <dgm:alg type="hierChild">
+              <dgm:param type="chAlign" val="l"/>
+              <dgm:param type="linDir" val="fromT"/>
+            </dgm:alg>
+            <dgm:shape xmlns:r="http://schemas.openxmlformats.org/officeDocument/2006/relationships" r:blip="">
+              <dgm:adjLst/>
+            </dgm:shape>
+            <dgm:presOf/>
+            <dgm:constrLst/>
+            <dgm:ruleLst/>
+            <dgm:forEach name="Name11" axis="ch">
+              <dgm:forEach name="Name12" axis="self" ptType="parTrans" cnt="1">
+                <dgm:layoutNode name="Name13">
+                  <dgm:choose name="Name14">
+                    <dgm:if name="Name15" func="var" arg="dir" op="equ" val="norm">
+                      <dgm:alg type="conn">
+                        <dgm:param type="dim" val="1D"/>
+                        <dgm:param type="endSty" val="noArr"/>
+                        <dgm:param type="connRout" val="bend"/>
+                        <dgm:param type="srcNode" val="rootConnector"/>
+                        <dgm:param type="begPts" val="bCtr"/>
+                        <dgm:param type="endPts" val="midL"/>
+                      </dgm:alg>
+                    </dgm:if>
+                    <dgm:else name="Name16">
+                      <dgm:alg type="conn">
+                        <dgm:param type="dim" val="1D"/>
+                        <dgm:param type="endSty" val="noArr"/>
+                        <dgm:param type="connRout" val="bend"/>
+                        <dgm:param type="srcNode" val="rootConnector"/>
+                        <dgm:param type="begPts" val="bCtr"/>
+                        <dgm:param type="endPts" val="midR"/>
+                      </dgm:alg>
+                    </dgm:else>
+                  </dgm:choose>
+                  <dgm:shape xmlns:r="http://schemas.openxmlformats.org/officeDocument/2006/relationships" type="conn" r:blip="">
+                    <dgm:adjLst/>
+                  </dgm:shape>
+                  <dgm:presOf axis="self"/>
+                  <dgm:constrLst>
+                    <dgm:constr type="begPad"/>
+                    <dgm:constr type="endPad"/>
+                  </dgm:constrLst>
+                  <dgm:ruleLst/>
+                </dgm:layoutNode>
+              </dgm:forEach>
+              <dgm:forEach name="Name17" axis="self" ptType="node">
+                <dgm:layoutNode name="childText" styleLbl="bgAcc1">
+                  <dgm:varLst>
+                    <dgm:bulletEnabled val="1"/>
+                  </dgm:varLst>
+                  <dgm:alg type="tx"/>
+                  <dgm:shape xmlns:r="http://schemas.openxmlformats.org/officeDocument/2006/relationships" type="roundRect" r:blip="">
+                    <dgm:adjLst>
+                      <dgm:adj idx="1" val="0.1"/>
+                    </dgm:adjLst>
+                  </dgm:shape>
+                  <dgm:presOf axis="self desOrSelf" ptType="node node" st="1 1" cnt="1 0"/>
+                  <dgm:constrLst>
+                    <dgm:constr type="tMarg" refType="primFontSz" fact="0.1"/>
+                    <dgm:constr type="bMarg" refType="primFontSz" fact="0.1"/>
+                    <dgm:constr type="lMarg" refType="primFontSz" fact="0.15"/>
+                    <dgm:constr type="rMarg" refType="primFontSz" fact="0.15"/>
+                  </dgm:constrLst>
+                  <dgm:ruleLst>
+                    <dgm:rule type="primFontSz" val="5" fact="NaN" max="NaN"/>
+                  </dgm:ruleLst>
+                </dgm:layoutNode>
+              </dgm:forEach>
+            </dgm:forEach>
+          </dgm:layoutNode>
+        </dgm:layoutNode>
+      </dgm:forEach>
+    </dgm:forEach>
+  </dgm:layoutNode>
+</dgm:layoutDef>
+</file>
+
+<file path=ppt/diagrams/layout3.xml><?xml version="1.0" encoding="utf-8"?>
 <dgm:layoutDef xmlns:dgm="http://schemas.openxmlformats.org/drawingml/2006/diagram" xmlns:a="http://schemas.openxmlformats.org/drawingml/2006/main" uniqueId="urn:microsoft.com/office/officeart/2005/8/layout/radial4">
   <dgm:title val=""/>
   <dgm:desc val=""/>
@@ -8310,7 +13990,7 @@
 </dgm:layoutDef>
 </file>
 
-<file path=ppt/diagrams/layout3.xml><?xml version="1.0" encoding="utf-8"?>
+<file path=ppt/diagrams/layout4.xml><?xml version="1.0" encoding="utf-8"?>
 <dgm:layoutDef xmlns:dgm="http://schemas.openxmlformats.org/drawingml/2006/diagram" xmlns:a="http://schemas.openxmlformats.org/drawingml/2006/main" uniqueId="urn:microsoft.com/office/officeart/2005/8/layout/cycle4">
   <dgm:title val=""/>
   <dgm:desc val=""/>
@@ -9035,7 +14715,7 @@
 </dgm:layoutDef>
 </file>
 
-<file path=ppt/diagrams/layout4.xml><?xml version="1.0" encoding="utf-8"?>
+<file path=ppt/diagrams/layout5.xml><?xml version="1.0" encoding="utf-8"?>
 <dgm:layoutDef xmlns:dgm="http://schemas.openxmlformats.org/drawingml/2006/diagram" xmlns:a="http://schemas.openxmlformats.org/drawingml/2006/main" uniqueId="urn:microsoft.com/office/officeart/2005/8/layout/hProcess9">
   <dgm:title val=""/>
   <dgm:desc val=""/>
@@ -12370,6 +18050,1066 @@
 </file>
 
 <file path=ppt/diagrams/quickStyle4.xml><?xml version="1.0" encoding="utf-8"?>
+<dgm:styleDef xmlns:dgm="http://schemas.openxmlformats.org/drawingml/2006/diagram" xmlns:a="http://schemas.openxmlformats.org/drawingml/2006/main" uniqueId="urn:microsoft.com/office/officeart/2005/8/quickstyle/simple3">
+  <dgm:title val=""/>
+  <dgm:desc val=""/>
+  <dgm:catLst>
+    <dgm:cat type="simple" pri="10300"/>
+  </dgm:catLst>
+  <dgm:scene3d>
+    <a:camera prst="orthographicFront"/>
+    <a:lightRig rig="threePt" dir="t"/>
+  </dgm:scene3d>
+  <dgm:styleLbl name="node0">
+    <dgm:scene3d>
+      <a:camera prst="orthographicFront"/>
+      <a:lightRig rig="flat" dir="t"/>
+    </dgm:scene3d>
+    <dgm:sp3d prstMaterial="dkEdge">
+      <a:bevelT w="8200" h="38100"/>
+    </dgm:sp3d>
+    <dgm:txPr/>
+    <dgm:style>
+      <a:lnRef idx="0">
+        <a:scrgbClr r="0" g="0" b="0"/>
+      </a:lnRef>
+      <a:fillRef idx="2">
+        <a:scrgbClr r="0" g="0" b="0"/>
+      </a:fillRef>
+      <a:effectRef idx="1">
+        <a:scrgbClr r="0" g="0" b="0"/>
+      </a:effectRef>
+      <a:fontRef idx="minor">
+        <a:schemeClr val="dk1"/>
+      </a:fontRef>
+    </dgm:style>
+  </dgm:styleLbl>
+  <dgm:styleLbl name="lnNode1">
+    <dgm:scene3d>
+      <a:camera prst="orthographicFront"/>
+      <a:lightRig rig="flat" dir="t"/>
+    </dgm:scene3d>
+    <dgm:sp3d prstMaterial="dkEdge">
+      <a:bevelT w="8200" h="38100"/>
+    </dgm:sp3d>
+    <dgm:txPr/>
+    <dgm:style>
+      <a:lnRef idx="1">
+        <a:scrgbClr r="0" g="0" b="0"/>
+      </a:lnRef>
+      <a:fillRef idx="2">
+        <a:scrgbClr r="0" g="0" b="0"/>
+      </a:fillRef>
+      <a:effectRef idx="0">
+        <a:scrgbClr r="0" g="0" b="0"/>
+      </a:effectRef>
+      <a:fontRef idx="minor">
+        <a:schemeClr val="dk1"/>
+      </a:fontRef>
+    </dgm:style>
+  </dgm:styleLbl>
+  <dgm:styleLbl name="vennNode1">
+    <dgm:scene3d>
+      <a:camera prst="orthographicFront"/>
+      <a:lightRig rig="flat" dir="t"/>
+    </dgm:scene3d>
+    <dgm:sp3d prstMaterial="dkEdge">
+      <a:bevelT w="8200" h="38100"/>
+    </dgm:sp3d>
+    <dgm:txPr/>
+    <dgm:style>
+      <a:lnRef idx="0">
+        <a:scrgbClr r="0" g="0" b="0"/>
+      </a:lnRef>
+      <a:fillRef idx="2">
+        <a:scrgbClr r="0" g="0" b="0"/>
+      </a:fillRef>
+      <a:effectRef idx="0">
+        <a:scrgbClr r="0" g="0" b="0"/>
+      </a:effectRef>
+      <a:fontRef idx="minor">
+        <a:schemeClr val="tx1"/>
+      </a:fontRef>
+    </dgm:style>
+  </dgm:styleLbl>
+  <dgm:styleLbl name="alignNode1">
+    <dgm:scene3d>
+      <a:camera prst="orthographicFront"/>
+      <a:lightRig rig="threePt" dir="t"/>
+    </dgm:scene3d>
+    <dgm:sp3d/>
+    <dgm:txPr/>
+    <dgm:style>
+      <a:lnRef idx="1">
+        <a:scrgbClr r="0" g="0" b="0"/>
+      </a:lnRef>
+      <a:fillRef idx="2">
+        <a:scrgbClr r="0" g="0" b="0"/>
+      </a:fillRef>
+      <a:effectRef idx="1">
+        <a:scrgbClr r="0" g="0" b="0"/>
+      </a:effectRef>
+      <a:fontRef idx="minor">
+        <a:schemeClr val="dk1"/>
+      </a:fontRef>
+    </dgm:style>
+  </dgm:styleLbl>
+  <dgm:styleLbl name="node1">
+    <dgm:scene3d>
+      <a:camera prst="orthographicFront"/>
+      <a:lightRig rig="flat" dir="t"/>
+    </dgm:scene3d>
+    <dgm:sp3d prstMaterial="dkEdge">
+      <a:bevelT w="8200" h="38100"/>
+    </dgm:sp3d>
+    <dgm:txPr/>
+    <dgm:style>
+      <a:lnRef idx="0">
+        <a:scrgbClr r="0" g="0" b="0"/>
+      </a:lnRef>
+      <a:fillRef idx="2">
+        <a:scrgbClr r="0" g="0" b="0"/>
+      </a:fillRef>
+      <a:effectRef idx="1">
+        <a:scrgbClr r="0" g="0" b="0"/>
+      </a:effectRef>
+      <a:fontRef idx="minor">
+        <a:schemeClr val="dk1"/>
+      </a:fontRef>
+    </dgm:style>
+  </dgm:styleLbl>
+  <dgm:styleLbl name="node2">
+    <dgm:scene3d>
+      <a:camera prst="orthographicFront"/>
+      <a:lightRig rig="flat" dir="t"/>
+    </dgm:scene3d>
+    <dgm:sp3d prstMaterial="dkEdge">
+      <a:bevelT w="8200" h="38100"/>
+    </dgm:sp3d>
+    <dgm:txPr/>
+    <dgm:style>
+      <a:lnRef idx="0">
+        <a:scrgbClr r="0" g="0" b="0"/>
+      </a:lnRef>
+      <a:fillRef idx="2">
+        <a:scrgbClr r="0" g="0" b="0"/>
+      </a:fillRef>
+      <a:effectRef idx="1">
+        <a:scrgbClr r="0" g="0" b="0"/>
+      </a:effectRef>
+      <a:fontRef idx="minor">
+        <a:schemeClr val="dk1"/>
+      </a:fontRef>
+    </dgm:style>
+  </dgm:styleLbl>
+  <dgm:styleLbl name="node3">
+    <dgm:scene3d>
+      <a:camera prst="orthographicFront"/>
+      <a:lightRig rig="flat" dir="t"/>
+    </dgm:scene3d>
+    <dgm:sp3d prstMaterial="dkEdge">
+      <a:bevelT w="8200" h="38100"/>
+    </dgm:sp3d>
+    <dgm:txPr/>
+    <dgm:style>
+      <a:lnRef idx="0">
+        <a:scrgbClr r="0" g="0" b="0"/>
+      </a:lnRef>
+      <a:fillRef idx="2">
+        <a:scrgbClr r="0" g="0" b="0"/>
+      </a:fillRef>
+      <a:effectRef idx="1">
+        <a:scrgbClr r="0" g="0" b="0"/>
+      </a:effectRef>
+      <a:fontRef idx="minor">
+        <a:schemeClr val="dk1"/>
+      </a:fontRef>
+    </dgm:style>
+  </dgm:styleLbl>
+  <dgm:styleLbl name="node4">
+    <dgm:scene3d>
+      <a:camera prst="orthographicFront"/>
+      <a:lightRig rig="flat" dir="t"/>
+    </dgm:scene3d>
+    <dgm:sp3d prstMaterial="dkEdge">
+      <a:bevelT w="8200" h="38100"/>
+    </dgm:sp3d>
+    <dgm:txPr/>
+    <dgm:style>
+      <a:lnRef idx="0">
+        <a:scrgbClr r="0" g="0" b="0"/>
+      </a:lnRef>
+      <a:fillRef idx="2">
+        <a:scrgbClr r="0" g="0" b="0"/>
+      </a:fillRef>
+      <a:effectRef idx="1">
+        <a:scrgbClr r="0" g="0" b="0"/>
+      </a:effectRef>
+      <a:fontRef idx="minor">
+        <a:schemeClr val="dk1"/>
+      </a:fontRef>
+    </dgm:style>
+  </dgm:styleLbl>
+  <dgm:styleLbl name="fgImgPlace1">
+    <dgm:scene3d>
+      <a:camera prst="orthographicFront"/>
+      <a:lightRig rig="threePt" dir="t"/>
+    </dgm:scene3d>
+    <dgm:sp3d/>
+    <dgm:txPr/>
+    <dgm:style>
+      <a:lnRef idx="1">
+        <a:scrgbClr r="0" g="0" b="0"/>
+      </a:lnRef>
+      <a:fillRef idx="1">
+        <a:scrgbClr r="0" g="0" b="0"/>
+      </a:fillRef>
+      <a:effectRef idx="1">
+        <a:scrgbClr r="0" g="0" b="0"/>
+      </a:effectRef>
+      <a:fontRef idx="minor"/>
+    </dgm:style>
+  </dgm:styleLbl>
+  <dgm:styleLbl name="alignImgPlace1">
+    <dgm:scene3d>
+      <a:camera prst="orthographicFront"/>
+      <a:lightRig rig="threePt" dir="t"/>
+    </dgm:scene3d>
+    <dgm:sp3d/>
+    <dgm:txPr/>
+    <dgm:style>
+      <a:lnRef idx="1">
+        <a:scrgbClr r="0" g="0" b="0"/>
+      </a:lnRef>
+      <a:fillRef idx="1">
+        <a:scrgbClr r="0" g="0" b="0"/>
+      </a:fillRef>
+      <a:effectRef idx="1">
+        <a:scrgbClr r="0" g="0" b="0"/>
+      </a:effectRef>
+      <a:fontRef idx="minor"/>
+    </dgm:style>
+  </dgm:styleLbl>
+  <dgm:styleLbl name="bgImgPlace1">
+    <dgm:scene3d>
+      <a:camera prst="orthographicFront"/>
+      <a:lightRig rig="threePt" dir="t"/>
+    </dgm:scene3d>
+    <dgm:sp3d/>
+    <dgm:txPr/>
+    <dgm:style>
+      <a:lnRef idx="1">
+        <a:scrgbClr r="0" g="0" b="0"/>
+      </a:lnRef>
+      <a:fillRef idx="1">
+        <a:scrgbClr r="0" g="0" b="0"/>
+      </a:fillRef>
+      <a:effectRef idx="1">
+        <a:scrgbClr r="0" g="0" b="0"/>
+      </a:effectRef>
+      <a:fontRef idx="minor"/>
+    </dgm:style>
+  </dgm:styleLbl>
+  <dgm:styleLbl name="sibTrans2D1">
+    <dgm:scene3d>
+      <a:camera prst="orthographicFront"/>
+      <a:lightRig rig="threePt" dir="t"/>
+    </dgm:scene3d>
+    <dgm:sp3d/>
+    <dgm:txPr/>
+    <dgm:style>
+      <a:lnRef idx="0">
+        <a:scrgbClr r="0" g="0" b="0"/>
+      </a:lnRef>
+      <a:fillRef idx="2">
+        <a:scrgbClr r="0" g="0" b="0"/>
+      </a:fillRef>
+      <a:effectRef idx="1">
+        <a:scrgbClr r="0" g="0" b="0"/>
+      </a:effectRef>
+      <a:fontRef idx="minor">
+        <a:schemeClr val="dk1"/>
+      </a:fontRef>
+    </dgm:style>
+  </dgm:styleLbl>
+  <dgm:styleLbl name="fgSibTrans2D1">
+    <dgm:scene3d>
+      <a:camera prst="orthographicFront"/>
+      <a:lightRig rig="threePt" dir="t"/>
+    </dgm:scene3d>
+    <dgm:sp3d/>
+    <dgm:txPr/>
+    <dgm:style>
+      <a:lnRef idx="0">
+        <a:scrgbClr r="0" g="0" b="0"/>
+      </a:lnRef>
+      <a:fillRef idx="2">
+        <a:scrgbClr r="0" g="0" b="0"/>
+      </a:fillRef>
+      <a:effectRef idx="1">
+        <a:scrgbClr r="0" g="0" b="0"/>
+      </a:effectRef>
+      <a:fontRef idx="minor">
+        <a:schemeClr val="dk1"/>
+      </a:fontRef>
+    </dgm:style>
+  </dgm:styleLbl>
+  <dgm:styleLbl name="bgSibTrans2D1">
+    <dgm:scene3d>
+      <a:camera prst="orthographicFront"/>
+      <a:lightRig rig="threePt" dir="t"/>
+    </dgm:scene3d>
+    <dgm:sp3d/>
+    <dgm:txPr/>
+    <dgm:style>
+      <a:lnRef idx="0">
+        <a:scrgbClr r="0" g="0" b="0"/>
+      </a:lnRef>
+      <a:fillRef idx="2">
+        <a:scrgbClr r="0" g="0" b="0"/>
+      </a:fillRef>
+      <a:effectRef idx="1">
+        <a:scrgbClr r="0" g="0" b="0"/>
+      </a:effectRef>
+      <a:fontRef idx="minor">
+        <a:schemeClr val="dk1"/>
+      </a:fontRef>
+    </dgm:style>
+  </dgm:styleLbl>
+  <dgm:styleLbl name="sibTrans1D1">
+    <dgm:scene3d>
+      <a:camera prst="orthographicFront"/>
+      <a:lightRig rig="threePt" dir="t"/>
+    </dgm:scene3d>
+    <dgm:sp3d/>
+    <dgm:txPr/>
+    <dgm:style>
+      <a:lnRef idx="1">
+        <a:scrgbClr r="0" g="0" b="0"/>
+      </a:lnRef>
+      <a:fillRef idx="0">
+        <a:scrgbClr r="0" g="0" b="0"/>
+      </a:fillRef>
+      <a:effectRef idx="0">
+        <a:scrgbClr r="0" g="0" b="0"/>
+      </a:effectRef>
+      <a:fontRef idx="minor"/>
+    </dgm:style>
+  </dgm:styleLbl>
+  <dgm:styleLbl name="callout">
+    <dgm:scene3d>
+      <a:camera prst="orthographicFront"/>
+      <a:lightRig rig="threePt" dir="t"/>
+    </dgm:scene3d>
+    <dgm:sp3d/>
+    <dgm:txPr/>
+    <dgm:style>
+      <a:lnRef idx="1">
+        <a:scrgbClr r="0" g="0" b="0"/>
+      </a:lnRef>
+      <a:fillRef idx="2">
+        <a:scrgbClr r="0" g="0" b="0"/>
+      </a:fillRef>
+      <a:effectRef idx="1">
+        <a:scrgbClr r="0" g="0" b="0"/>
+      </a:effectRef>
+      <a:fontRef idx="minor"/>
+    </dgm:style>
+  </dgm:styleLbl>
+  <dgm:styleLbl name="asst0">
+    <dgm:scene3d>
+      <a:camera prst="orthographicFront"/>
+      <a:lightRig rig="flat" dir="t"/>
+    </dgm:scene3d>
+    <dgm:sp3d prstMaterial="dkEdge">
+      <a:bevelT w="8200" h="38100"/>
+    </dgm:sp3d>
+    <dgm:txPr/>
+    <dgm:style>
+      <a:lnRef idx="0">
+        <a:scrgbClr r="0" g="0" b="0"/>
+      </a:lnRef>
+      <a:fillRef idx="2">
+        <a:scrgbClr r="0" g="0" b="0"/>
+      </a:fillRef>
+      <a:effectRef idx="1">
+        <a:scrgbClr r="0" g="0" b="0"/>
+      </a:effectRef>
+      <a:fontRef idx="minor">
+        <a:schemeClr val="dk1"/>
+      </a:fontRef>
+    </dgm:style>
+  </dgm:styleLbl>
+  <dgm:styleLbl name="asst1">
+    <dgm:scene3d>
+      <a:camera prst="orthographicFront"/>
+      <a:lightRig rig="flat" dir="t"/>
+    </dgm:scene3d>
+    <dgm:sp3d prstMaterial="dkEdge">
+      <a:bevelT w="8200" h="38100"/>
+    </dgm:sp3d>
+    <dgm:txPr/>
+    <dgm:style>
+      <a:lnRef idx="0">
+        <a:scrgbClr r="0" g="0" b="0"/>
+      </a:lnRef>
+      <a:fillRef idx="2">
+        <a:scrgbClr r="0" g="0" b="0"/>
+      </a:fillRef>
+      <a:effectRef idx="1">
+        <a:scrgbClr r="0" g="0" b="0"/>
+      </a:effectRef>
+      <a:fontRef idx="minor">
+        <a:schemeClr val="dk1"/>
+      </a:fontRef>
+    </dgm:style>
+  </dgm:styleLbl>
+  <dgm:styleLbl name="asst2">
+    <dgm:scene3d>
+      <a:camera prst="orthographicFront"/>
+      <a:lightRig rig="flat" dir="t"/>
+    </dgm:scene3d>
+    <dgm:sp3d prstMaterial="dkEdge">
+      <a:bevelT w="8200" h="38100"/>
+    </dgm:sp3d>
+    <dgm:txPr/>
+    <dgm:style>
+      <a:lnRef idx="0">
+        <a:scrgbClr r="0" g="0" b="0"/>
+      </a:lnRef>
+      <a:fillRef idx="2">
+        <a:scrgbClr r="0" g="0" b="0"/>
+      </a:fillRef>
+      <a:effectRef idx="1">
+        <a:scrgbClr r="0" g="0" b="0"/>
+      </a:effectRef>
+      <a:fontRef idx="minor">
+        <a:schemeClr val="dk1"/>
+      </a:fontRef>
+    </dgm:style>
+  </dgm:styleLbl>
+  <dgm:styleLbl name="asst3">
+    <dgm:scene3d>
+      <a:camera prst="orthographicFront"/>
+      <a:lightRig rig="flat" dir="t"/>
+    </dgm:scene3d>
+    <dgm:sp3d prstMaterial="dkEdge">
+      <a:bevelT w="8200" h="38100"/>
+    </dgm:sp3d>
+    <dgm:txPr/>
+    <dgm:style>
+      <a:lnRef idx="0">
+        <a:scrgbClr r="0" g="0" b="0"/>
+      </a:lnRef>
+      <a:fillRef idx="2">
+        <a:scrgbClr r="0" g="0" b="0"/>
+      </a:fillRef>
+      <a:effectRef idx="1">
+        <a:scrgbClr r="0" g="0" b="0"/>
+      </a:effectRef>
+      <a:fontRef idx="minor">
+        <a:schemeClr val="dk1"/>
+      </a:fontRef>
+    </dgm:style>
+  </dgm:styleLbl>
+  <dgm:styleLbl name="asst4">
+    <dgm:scene3d>
+      <a:camera prst="orthographicFront"/>
+      <a:lightRig rig="flat" dir="t"/>
+    </dgm:scene3d>
+    <dgm:sp3d prstMaterial="dkEdge">
+      <a:bevelT w="8200" h="38100"/>
+    </dgm:sp3d>
+    <dgm:txPr/>
+    <dgm:style>
+      <a:lnRef idx="0">
+        <a:scrgbClr r="0" g="0" b="0"/>
+      </a:lnRef>
+      <a:fillRef idx="2">
+        <a:scrgbClr r="0" g="0" b="0"/>
+      </a:fillRef>
+      <a:effectRef idx="1">
+        <a:scrgbClr r="0" g="0" b="0"/>
+      </a:effectRef>
+      <a:fontRef idx="minor">
+        <a:schemeClr val="dk1"/>
+      </a:fontRef>
+    </dgm:style>
+  </dgm:styleLbl>
+  <dgm:styleLbl name="parChTrans2D1">
+    <dgm:scene3d>
+      <a:camera prst="orthographicFront"/>
+      <a:lightRig rig="threePt" dir="t"/>
+    </dgm:scene3d>
+    <dgm:sp3d/>
+    <dgm:txPr/>
+    <dgm:style>
+      <a:lnRef idx="1">
+        <a:scrgbClr r="0" g="0" b="0"/>
+      </a:lnRef>
+      <a:fillRef idx="2">
+        <a:scrgbClr r="0" g="0" b="0"/>
+      </a:fillRef>
+      <a:effectRef idx="1">
+        <a:scrgbClr r="0" g="0" b="0"/>
+      </a:effectRef>
+      <a:fontRef idx="minor">
+        <a:schemeClr val="dk1"/>
+      </a:fontRef>
+    </dgm:style>
+  </dgm:styleLbl>
+  <dgm:styleLbl name="parChTrans2D2">
+    <dgm:scene3d>
+      <a:camera prst="orthographicFront"/>
+      <a:lightRig rig="threePt" dir="t"/>
+    </dgm:scene3d>
+    <dgm:sp3d/>
+    <dgm:txPr/>
+    <dgm:style>
+      <a:lnRef idx="1">
+        <a:scrgbClr r="0" g="0" b="0"/>
+      </a:lnRef>
+      <a:fillRef idx="2">
+        <a:scrgbClr r="0" g="0" b="0"/>
+      </a:fillRef>
+      <a:effectRef idx="1">
+        <a:scrgbClr r="0" g="0" b="0"/>
+      </a